--- a/curriculum/Unit6/Unit6.pptx
+++ b/curriculum/Unit6/Unit6.pptx
@@ -5,7 +5,7 @@
     <p:sldMasterId id="2147483648" r:id="rId4"/>
   </p:sldMasterIdLst>
   <p:notesMasterIdLst>
-    <p:notesMasterId r:id="rId97"/>
+    <p:notesMasterId r:id="rId98"/>
   </p:notesMasterIdLst>
   <p:sldIdLst>
     <p:sldId id="256" r:id="rId5"/>
@@ -46,60 +46,61 @@
     <p:sldId id="297" r:id="rId40"/>
     <p:sldId id="298" r:id="rId41"/>
     <p:sldId id="299" r:id="rId42"/>
-    <p:sldId id="300" r:id="rId43"/>
-    <p:sldId id="301" r:id="rId44"/>
-    <p:sldId id="302" r:id="rId45"/>
-    <p:sldId id="303" r:id="rId46"/>
-    <p:sldId id="304" r:id="rId47"/>
-    <p:sldId id="305" r:id="rId48"/>
-    <p:sldId id="306" r:id="rId49"/>
-    <p:sldId id="307" r:id="rId50"/>
-    <p:sldId id="308" r:id="rId51"/>
-    <p:sldId id="309" r:id="rId52"/>
-    <p:sldId id="310" r:id="rId53"/>
-    <p:sldId id="311" r:id="rId54"/>
-    <p:sldId id="312" r:id="rId55"/>
-    <p:sldId id="313" r:id="rId56"/>
-    <p:sldId id="314" r:id="rId57"/>
-    <p:sldId id="315" r:id="rId58"/>
-    <p:sldId id="316" r:id="rId59"/>
-    <p:sldId id="317" r:id="rId60"/>
-    <p:sldId id="318" r:id="rId61"/>
-    <p:sldId id="319" r:id="rId62"/>
-    <p:sldId id="320" r:id="rId63"/>
-    <p:sldId id="321" r:id="rId64"/>
-    <p:sldId id="322" r:id="rId65"/>
-    <p:sldId id="323" r:id="rId66"/>
-    <p:sldId id="324" r:id="rId67"/>
-    <p:sldId id="325" r:id="rId68"/>
-    <p:sldId id="326" r:id="rId69"/>
-    <p:sldId id="327" r:id="rId70"/>
-    <p:sldId id="328" r:id="rId71"/>
-    <p:sldId id="329" r:id="rId72"/>
-    <p:sldId id="330" r:id="rId73"/>
-    <p:sldId id="331" r:id="rId74"/>
-    <p:sldId id="332" r:id="rId75"/>
-    <p:sldId id="333" r:id="rId76"/>
-    <p:sldId id="334" r:id="rId77"/>
-    <p:sldId id="335" r:id="rId78"/>
-    <p:sldId id="336" r:id="rId79"/>
-    <p:sldId id="337" r:id="rId80"/>
-    <p:sldId id="338" r:id="rId81"/>
-    <p:sldId id="339" r:id="rId82"/>
-    <p:sldId id="340" r:id="rId83"/>
-    <p:sldId id="341" r:id="rId84"/>
-    <p:sldId id="342" r:id="rId85"/>
-    <p:sldId id="343" r:id="rId86"/>
-    <p:sldId id="344" r:id="rId87"/>
-    <p:sldId id="345" r:id="rId88"/>
-    <p:sldId id="346" r:id="rId89"/>
-    <p:sldId id="347" r:id="rId90"/>
-    <p:sldId id="348" r:id="rId91"/>
-    <p:sldId id="349" r:id="rId92"/>
-    <p:sldId id="350" r:id="rId93"/>
-    <p:sldId id="351" r:id="rId94"/>
-    <p:sldId id="352" r:id="rId95"/>
-    <p:sldId id="353" r:id="rId96"/>
+    <p:sldId id="369" r:id="rId43"/>
+    <p:sldId id="300" r:id="rId44"/>
+    <p:sldId id="301" r:id="rId45"/>
+    <p:sldId id="302" r:id="rId46"/>
+    <p:sldId id="303" r:id="rId47"/>
+    <p:sldId id="304" r:id="rId48"/>
+    <p:sldId id="305" r:id="rId49"/>
+    <p:sldId id="306" r:id="rId50"/>
+    <p:sldId id="307" r:id="rId51"/>
+    <p:sldId id="308" r:id="rId52"/>
+    <p:sldId id="309" r:id="rId53"/>
+    <p:sldId id="310" r:id="rId54"/>
+    <p:sldId id="311" r:id="rId55"/>
+    <p:sldId id="312" r:id="rId56"/>
+    <p:sldId id="313" r:id="rId57"/>
+    <p:sldId id="314" r:id="rId58"/>
+    <p:sldId id="315" r:id="rId59"/>
+    <p:sldId id="316" r:id="rId60"/>
+    <p:sldId id="317" r:id="rId61"/>
+    <p:sldId id="318" r:id="rId62"/>
+    <p:sldId id="319" r:id="rId63"/>
+    <p:sldId id="320" r:id="rId64"/>
+    <p:sldId id="321" r:id="rId65"/>
+    <p:sldId id="322" r:id="rId66"/>
+    <p:sldId id="323" r:id="rId67"/>
+    <p:sldId id="324" r:id="rId68"/>
+    <p:sldId id="325" r:id="rId69"/>
+    <p:sldId id="326" r:id="rId70"/>
+    <p:sldId id="327" r:id="rId71"/>
+    <p:sldId id="328" r:id="rId72"/>
+    <p:sldId id="329" r:id="rId73"/>
+    <p:sldId id="330" r:id="rId74"/>
+    <p:sldId id="331" r:id="rId75"/>
+    <p:sldId id="332" r:id="rId76"/>
+    <p:sldId id="333" r:id="rId77"/>
+    <p:sldId id="334" r:id="rId78"/>
+    <p:sldId id="335" r:id="rId79"/>
+    <p:sldId id="336" r:id="rId80"/>
+    <p:sldId id="337" r:id="rId81"/>
+    <p:sldId id="338" r:id="rId82"/>
+    <p:sldId id="339" r:id="rId83"/>
+    <p:sldId id="340" r:id="rId84"/>
+    <p:sldId id="341" r:id="rId85"/>
+    <p:sldId id="342" r:id="rId86"/>
+    <p:sldId id="343" r:id="rId87"/>
+    <p:sldId id="344" r:id="rId88"/>
+    <p:sldId id="345" r:id="rId89"/>
+    <p:sldId id="346" r:id="rId90"/>
+    <p:sldId id="347" r:id="rId91"/>
+    <p:sldId id="348" r:id="rId92"/>
+    <p:sldId id="349" r:id="rId93"/>
+    <p:sldId id="350" r:id="rId94"/>
+    <p:sldId id="351" r:id="rId95"/>
+    <p:sldId id="352" r:id="rId96"/>
+    <p:sldId id="353" r:id="rId97"/>
   </p:sldIdLst>
   <p:sldSz cx="12192000" cy="6858000"/>
   <p:notesSz cx="6858000" cy="9144000"/>
@@ -4235,18 +4236,18 @@
     </dgm:pt>
   </dgm:ptLst>
   <dgm:cxnLst>
+    <dgm:cxn modelId="{C7FB6D03-7F57-4A48-8638-555DB1CEF4E9}" type="presOf" srcId="{FE0BA437-0DF8-48B9-9FB5-2133A3608879}" destId="{0B58578D-3EC3-4472-8BD3-1AFC673BABC4}" srcOrd="0" destOrd="0" presId="urn:microsoft.com/office/officeart/2005/8/layout/hierarchy1"/>
+    <dgm:cxn modelId="{A5346326-AF8E-4F24-BA81-71E3F399648F}" type="presOf" srcId="{DED67E32-1BA5-4F73-BDAB-368E32467305}" destId="{2D3AC9CD-838E-48D9-9B28-EED140691692}" srcOrd="0" destOrd="0" presId="urn:microsoft.com/office/officeart/2005/8/layout/hierarchy1"/>
+    <dgm:cxn modelId="{A0DF8067-9572-482A-AE99-BB95B818ADBA}" srcId="{FE0BA437-0DF8-48B9-9FB5-2133A3608879}" destId="{DCEDB4CB-DD2F-457E-AD49-CBE98BD7C8D5}" srcOrd="0" destOrd="0" parTransId="{8BED325C-8720-49B2-BE14-2A2E0173EB7D}" sibTransId="{47CE3190-4DD2-4D07-ACA2-520CB8620FB8}"/>
+    <dgm:cxn modelId="{E0E51F78-4362-4EB6-AED3-0ECFFFB8801C}" srcId="{0DEF9C8B-5130-4DEE-BA05-EA4DB3E3A6B7}" destId="{FE0BA437-0DF8-48B9-9FB5-2133A3608879}" srcOrd="1" destOrd="0" parTransId="{061E9185-3D02-49E7-8442-B97C1AFFDC18}" sibTransId="{0C4D82C3-44B6-42AB-8B83-8675909B5070}"/>
+    <dgm:cxn modelId="{F54BCF5A-2464-43E2-8A07-D3D4FBB67AD1}" type="presOf" srcId="{0DEF9C8B-5130-4DEE-BA05-EA4DB3E3A6B7}" destId="{49899FFC-63D1-431E-AE39-679FBD586C38}" srcOrd="0" destOrd="0" presId="urn:microsoft.com/office/officeart/2005/8/layout/hierarchy1"/>
+    <dgm:cxn modelId="{8C960A90-0D99-4D71-8E32-F231A28D7038}" type="presOf" srcId="{DCEDB4CB-DD2F-457E-AD49-CBE98BD7C8D5}" destId="{01CBEE15-E1DE-4FF2-9AF3-4E4A9B1D7478}" srcOrd="0" destOrd="0" presId="urn:microsoft.com/office/officeart/2005/8/layout/hierarchy1"/>
+    <dgm:cxn modelId="{1822349D-FA49-4B1D-A7E9-86C2847F3EBF}" srcId="{0DEF9C8B-5130-4DEE-BA05-EA4DB3E3A6B7}" destId="{DED67E32-1BA5-4F73-BDAB-368E32467305}" srcOrd="0" destOrd="0" parTransId="{2FEE2520-1C3C-4FE6-A9EC-FBDFA81B0AD2}" sibTransId="{96FD60EF-C3EB-4AD8-B20F-BE64675A741D}"/>
     <dgm:cxn modelId="{46EE6EAF-888A-4E9C-9248-F25CD717BB14}" srcId="{2810C438-4051-4B71-AE87-ECEDF569415D}" destId="{0DEF9C8B-5130-4DEE-BA05-EA4DB3E3A6B7}" srcOrd="0" destOrd="0" parTransId="{D7B830F6-885F-49B4-9C54-FDB27568A744}" sibTransId="{B5326653-6D9E-4D6A-85A2-AB250BDC0E7E}"/>
-    <dgm:cxn modelId="{C7FB6D03-7F57-4A48-8638-555DB1CEF4E9}" type="presOf" srcId="{FE0BA437-0DF8-48B9-9FB5-2133A3608879}" destId="{0B58578D-3EC3-4472-8BD3-1AFC673BABC4}" srcOrd="0" destOrd="0" presId="urn:microsoft.com/office/officeart/2005/8/layout/hierarchy1"/>
-    <dgm:cxn modelId="{A0DF8067-9572-482A-AE99-BB95B818ADBA}" srcId="{FE0BA437-0DF8-48B9-9FB5-2133A3608879}" destId="{DCEDB4CB-DD2F-457E-AD49-CBE98BD7C8D5}" srcOrd="0" destOrd="0" parTransId="{8BED325C-8720-49B2-BE14-2A2E0173EB7D}" sibTransId="{47CE3190-4DD2-4D07-ACA2-520CB8620FB8}"/>
-    <dgm:cxn modelId="{A5346326-AF8E-4F24-BA81-71E3F399648F}" type="presOf" srcId="{DED67E32-1BA5-4F73-BDAB-368E32467305}" destId="{2D3AC9CD-838E-48D9-9B28-EED140691692}" srcOrd="0" destOrd="0" presId="urn:microsoft.com/office/officeart/2005/8/layout/hierarchy1"/>
+    <dgm:cxn modelId="{DB724AB0-70FA-4937-840C-BD8847D03471}" type="presOf" srcId="{8BED325C-8720-49B2-BE14-2A2E0173EB7D}" destId="{38F674EC-3115-46BB-82B7-A45AC99883CF}" srcOrd="0" destOrd="0" presId="urn:microsoft.com/office/officeart/2005/8/layout/hierarchy1"/>
     <dgm:cxn modelId="{474582E2-EC12-459C-8D53-DFA0E5AD53CC}" type="presOf" srcId="{2FEE2520-1C3C-4FE6-A9EC-FBDFA81B0AD2}" destId="{19EC77F8-7575-4653-BD43-38897622597B}" srcOrd="0" destOrd="0" presId="urn:microsoft.com/office/officeart/2005/8/layout/hierarchy1"/>
-    <dgm:cxn modelId="{DB724AB0-70FA-4937-840C-BD8847D03471}" type="presOf" srcId="{8BED325C-8720-49B2-BE14-2A2E0173EB7D}" destId="{38F674EC-3115-46BB-82B7-A45AC99883CF}" srcOrd="0" destOrd="0" presId="urn:microsoft.com/office/officeart/2005/8/layout/hierarchy1"/>
+    <dgm:cxn modelId="{5167DDEC-BFCF-4E33-B71A-6541D52BC0AC}" type="presOf" srcId="{061E9185-3D02-49E7-8442-B97C1AFFDC18}" destId="{149C96F0-1599-4D75-9D8F-077CB9E52BBB}" srcOrd="0" destOrd="0" presId="urn:microsoft.com/office/officeart/2005/8/layout/hierarchy1"/>
     <dgm:cxn modelId="{CB36A0F7-B659-4809-915B-BA8A049F1B83}" type="presOf" srcId="{2810C438-4051-4B71-AE87-ECEDF569415D}" destId="{2B6AF26D-0F48-42EA-9404-3E2E0A861794}" srcOrd="0" destOrd="0" presId="urn:microsoft.com/office/officeart/2005/8/layout/hierarchy1"/>
-    <dgm:cxn modelId="{5167DDEC-BFCF-4E33-B71A-6541D52BC0AC}" type="presOf" srcId="{061E9185-3D02-49E7-8442-B97C1AFFDC18}" destId="{149C96F0-1599-4D75-9D8F-077CB9E52BBB}" srcOrd="0" destOrd="0" presId="urn:microsoft.com/office/officeart/2005/8/layout/hierarchy1"/>
-    <dgm:cxn modelId="{8C960A90-0D99-4D71-8E32-F231A28D7038}" type="presOf" srcId="{DCEDB4CB-DD2F-457E-AD49-CBE98BD7C8D5}" destId="{01CBEE15-E1DE-4FF2-9AF3-4E4A9B1D7478}" srcOrd="0" destOrd="0" presId="urn:microsoft.com/office/officeart/2005/8/layout/hierarchy1"/>
-    <dgm:cxn modelId="{F54BCF5A-2464-43E2-8A07-D3D4FBB67AD1}" type="presOf" srcId="{0DEF9C8B-5130-4DEE-BA05-EA4DB3E3A6B7}" destId="{49899FFC-63D1-431E-AE39-679FBD586C38}" srcOrd="0" destOrd="0" presId="urn:microsoft.com/office/officeart/2005/8/layout/hierarchy1"/>
-    <dgm:cxn modelId="{1822349D-FA49-4B1D-A7E9-86C2847F3EBF}" srcId="{0DEF9C8B-5130-4DEE-BA05-EA4DB3E3A6B7}" destId="{DED67E32-1BA5-4F73-BDAB-368E32467305}" srcOrd="0" destOrd="0" parTransId="{2FEE2520-1C3C-4FE6-A9EC-FBDFA81B0AD2}" sibTransId="{96FD60EF-C3EB-4AD8-B20F-BE64675A741D}"/>
-    <dgm:cxn modelId="{E0E51F78-4362-4EB6-AED3-0ECFFFB8801C}" srcId="{0DEF9C8B-5130-4DEE-BA05-EA4DB3E3A6B7}" destId="{FE0BA437-0DF8-48B9-9FB5-2133A3608879}" srcOrd="1" destOrd="0" parTransId="{061E9185-3D02-49E7-8442-B97C1AFFDC18}" sibTransId="{0C4D82C3-44B6-42AB-8B83-8675909B5070}"/>
     <dgm:cxn modelId="{434DC1EF-E033-470C-9FB6-8FB67D16F4BB}" type="presParOf" srcId="{2B6AF26D-0F48-42EA-9404-3E2E0A861794}" destId="{8D3724C0-79A3-490A-8935-151239946877}" srcOrd="0" destOrd="0" presId="urn:microsoft.com/office/officeart/2005/8/layout/hierarchy1"/>
     <dgm:cxn modelId="{46114C7E-553B-4672-922A-1EA8038FFFBE}" type="presParOf" srcId="{8D3724C0-79A3-490A-8935-151239946877}" destId="{EE8C3228-D341-4B53-BC2C-A2E9A2138444}" srcOrd="0" destOrd="0" presId="urn:microsoft.com/office/officeart/2005/8/layout/hierarchy1"/>
     <dgm:cxn modelId="{0ADE08E9-7845-443A-9A35-0B81C7AF271A}" type="presParOf" srcId="{EE8C3228-D341-4B53-BC2C-A2E9A2138444}" destId="{21084906-1D89-42BB-B11A-A7DBE8E58AF6}" srcOrd="0" destOrd="0" presId="urn:microsoft.com/office/officeart/2005/8/layout/hierarchy1"/>
@@ -4601,21 +4602,21 @@
     </dgm:pt>
   </dgm:ptLst>
   <dgm:cxnLst>
-    <dgm:cxn modelId="{53D3F1AD-9862-4B84-9D55-F6B5A47C3D4D}" type="presOf" srcId="{F6AF4DF7-323B-4AF7-B64E-A5613389B3FE}" destId="{D60E5B76-1D83-4B1E-9F5E-C3B70C556114}" srcOrd="1" destOrd="0" presId="urn:microsoft.com/office/officeart/2005/8/layout/hierarchy2"/>
     <dgm:cxn modelId="{2957BD10-0C0B-435A-9832-B168FFD70B52}" type="presOf" srcId="{27FBC282-CAF3-490B-B214-91191570762F}" destId="{31390DB4-3D51-4CF8-8C85-35B1DE49FC82}" srcOrd="0" destOrd="0" presId="urn:microsoft.com/office/officeart/2005/8/layout/hierarchy2"/>
-    <dgm:cxn modelId="{DD9C73D9-E718-4BA7-9284-D68237818690}" type="presOf" srcId="{57D0F85C-1480-4403-AB40-CE04ED68F61D}" destId="{95784A7C-5D96-46B1-9707-13924E4E779E}" srcOrd="0" destOrd="0" presId="urn:microsoft.com/office/officeart/2005/8/layout/hierarchy2"/>
     <dgm:cxn modelId="{F29E0926-898B-4D7B-A62B-B60051247516}" type="presOf" srcId="{2F62D43D-3A0F-4B1B-8FD1-5BFDA455A86C}" destId="{6998ADDA-3A1B-45B6-A07A-01FCD4BA49BB}" srcOrd="0" destOrd="0" presId="urn:microsoft.com/office/officeart/2005/8/layout/hierarchy2"/>
-    <dgm:cxn modelId="{182262AD-F3FC-4658-A491-B4A42DFF95D3}" type="presOf" srcId="{EA36CED6-914A-4F65-8351-21ACF729BB62}" destId="{A98D8B27-04C4-4743-99A8-4EBCAB174DA4}" srcOrd="0" destOrd="0" presId="urn:microsoft.com/office/officeart/2005/8/layout/hierarchy2"/>
-    <dgm:cxn modelId="{E01251AE-ED79-44FF-A618-703E33D5290F}" type="presOf" srcId="{34D97303-284D-4A60-ACDE-B41CE094D009}" destId="{2345C25D-B2C9-472B-88FC-F111DF3C1F4A}" srcOrd="1" destOrd="0" presId="urn:microsoft.com/office/officeart/2005/8/layout/hierarchy2"/>
+    <dgm:cxn modelId="{F6F19D2E-9C4C-4DEF-9FC6-59E4501CE55C}" srcId="{2F62D43D-3A0F-4B1B-8FD1-5BFDA455A86C}" destId="{27FBC282-CAF3-490B-B214-91191570762F}" srcOrd="1" destOrd="0" parTransId="{34D97303-284D-4A60-ACDE-B41CE094D009}" sibTransId="{96ECE465-0149-4815-943F-8A5781072BA0}"/>
+    <dgm:cxn modelId="{6478B25F-6B96-49AC-AFE3-0C2B6A4CBD1C}" srcId="{2F62D43D-3A0F-4B1B-8FD1-5BFDA455A86C}" destId="{5010841C-6FB4-4099-AA0F-4A0A40C2F39E}" srcOrd="0" destOrd="0" parTransId="{F6AF4DF7-323B-4AF7-B64E-A5613389B3FE}" sibTransId="{971660D0-0C93-4BC0-8275-691F8BEE0722}"/>
+    <dgm:cxn modelId="{F32AA143-281D-4522-8FB0-D2CE4A9BAEDD}" type="presOf" srcId="{F6AF4DF7-323B-4AF7-B64E-A5613389B3FE}" destId="{A3F2D820-7163-431D-AD2D-AAA44D891A20}" srcOrd="0" destOrd="0" presId="urn:microsoft.com/office/officeart/2005/8/layout/hierarchy2"/>
+    <dgm:cxn modelId="{1FFCC945-C772-4282-9AE8-8FE76BF55391}" srcId="{5010841C-6FB4-4099-AA0F-4A0A40C2F39E}" destId="{EA36CED6-914A-4F65-8351-21ACF729BB62}" srcOrd="0" destOrd="0" parTransId="{E1980178-2FF0-4114-A195-D91726820F5B}" sibTransId="{07F76758-9F5A-425C-94F2-0A2C6A60C636}"/>
     <dgm:cxn modelId="{5BAFBB75-959F-4EC5-90C0-898618EB098C}" type="presOf" srcId="{34D97303-284D-4A60-ACDE-B41CE094D009}" destId="{520093C4-51A8-49E0-9F68-8D97CDFA9EE4}" srcOrd="0" destOrd="0" presId="urn:microsoft.com/office/officeart/2005/8/layout/hierarchy2"/>
     <dgm:cxn modelId="{A9C46E76-A76C-47AA-AEC3-F04781C2F823}" srcId="{57D0F85C-1480-4403-AB40-CE04ED68F61D}" destId="{2F62D43D-3A0F-4B1B-8FD1-5BFDA455A86C}" srcOrd="0" destOrd="0" parTransId="{F95A871F-6975-4CEE-AF85-5C82CF3D9BEE}" sibTransId="{35305C68-15B6-41F6-A7E0-581849D959AA}"/>
-    <dgm:cxn modelId="{F6F19D2E-9C4C-4DEF-9FC6-59E4501CE55C}" srcId="{2F62D43D-3A0F-4B1B-8FD1-5BFDA455A86C}" destId="{27FBC282-CAF3-490B-B214-91191570762F}" srcOrd="1" destOrd="0" parTransId="{34D97303-284D-4A60-ACDE-B41CE094D009}" sibTransId="{96ECE465-0149-4815-943F-8A5781072BA0}"/>
-    <dgm:cxn modelId="{6478B25F-6B96-49AC-AFE3-0C2B6A4CBD1C}" srcId="{2F62D43D-3A0F-4B1B-8FD1-5BFDA455A86C}" destId="{5010841C-6FB4-4099-AA0F-4A0A40C2F39E}" srcOrd="0" destOrd="0" parTransId="{F6AF4DF7-323B-4AF7-B64E-A5613389B3FE}" sibTransId="{971660D0-0C93-4BC0-8275-691F8BEE0722}"/>
+    <dgm:cxn modelId="{84541595-FD30-4536-A6A8-8C5C59CA8FF3}" type="presOf" srcId="{5010841C-6FB4-4099-AA0F-4A0A40C2F39E}" destId="{79C575EC-6485-4BB0-B097-1E2831E29182}" srcOrd="0" destOrd="0" presId="urn:microsoft.com/office/officeart/2005/8/layout/hierarchy2"/>
     <dgm:cxn modelId="{1F97F59C-1333-4D12-A467-1D32B103C101}" type="presOf" srcId="{E1980178-2FF0-4114-A195-D91726820F5B}" destId="{558607E1-E212-4480-9474-001BBD395D7B}" srcOrd="0" destOrd="0" presId="urn:microsoft.com/office/officeart/2005/8/layout/hierarchy2"/>
+    <dgm:cxn modelId="{182262AD-F3FC-4658-A491-B4A42DFF95D3}" type="presOf" srcId="{EA36CED6-914A-4F65-8351-21ACF729BB62}" destId="{A98D8B27-04C4-4743-99A8-4EBCAB174DA4}" srcOrd="0" destOrd="0" presId="urn:microsoft.com/office/officeart/2005/8/layout/hierarchy2"/>
+    <dgm:cxn modelId="{53D3F1AD-9862-4B84-9D55-F6B5A47C3D4D}" type="presOf" srcId="{F6AF4DF7-323B-4AF7-B64E-A5613389B3FE}" destId="{D60E5B76-1D83-4B1E-9F5E-C3B70C556114}" srcOrd="1" destOrd="0" presId="urn:microsoft.com/office/officeart/2005/8/layout/hierarchy2"/>
+    <dgm:cxn modelId="{E01251AE-ED79-44FF-A618-703E33D5290F}" type="presOf" srcId="{34D97303-284D-4A60-ACDE-B41CE094D009}" destId="{2345C25D-B2C9-472B-88FC-F111DF3C1F4A}" srcOrd="1" destOrd="0" presId="urn:microsoft.com/office/officeart/2005/8/layout/hierarchy2"/>
+    <dgm:cxn modelId="{DD9C73D9-E718-4BA7-9284-D68237818690}" type="presOf" srcId="{57D0F85C-1480-4403-AB40-CE04ED68F61D}" destId="{95784A7C-5D96-46B1-9707-13924E4E779E}" srcOrd="0" destOrd="0" presId="urn:microsoft.com/office/officeart/2005/8/layout/hierarchy2"/>
     <dgm:cxn modelId="{89452AF3-521C-45E1-ABE7-C9912E151CE0}" type="presOf" srcId="{E1980178-2FF0-4114-A195-D91726820F5B}" destId="{3DCD49F6-7646-4CB8-BBE0-ADC8B1DF0DC0}" srcOrd="1" destOrd="0" presId="urn:microsoft.com/office/officeart/2005/8/layout/hierarchy2"/>
-    <dgm:cxn modelId="{84541595-FD30-4536-A6A8-8C5C59CA8FF3}" type="presOf" srcId="{5010841C-6FB4-4099-AA0F-4A0A40C2F39E}" destId="{79C575EC-6485-4BB0-B097-1E2831E29182}" srcOrd="0" destOrd="0" presId="urn:microsoft.com/office/officeart/2005/8/layout/hierarchy2"/>
-    <dgm:cxn modelId="{F32AA143-281D-4522-8FB0-D2CE4A9BAEDD}" type="presOf" srcId="{F6AF4DF7-323B-4AF7-B64E-A5613389B3FE}" destId="{A3F2D820-7163-431D-AD2D-AAA44D891A20}" srcOrd="0" destOrd="0" presId="urn:microsoft.com/office/officeart/2005/8/layout/hierarchy2"/>
-    <dgm:cxn modelId="{1FFCC945-C772-4282-9AE8-8FE76BF55391}" srcId="{5010841C-6FB4-4099-AA0F-4A0A40C2F39E}" destId="{EA36CED6-914A-4F65-8351-21ACF729BB62}" srcOrd="0" destOrd="0" parTransId="{E1980178-2FF0-4114-A195-D91726820F5B}" sibTransId="{07F76758-9F5A-425C-94F2-0A2C6A60C636}"/>
     <dgm:cxn modelId="{2FCA66AF-4520-4EFF-87A2-A0829DD64B20}" type="presParOf" srcId="{95784A7C-5D96-46B1-9707-13924E4E779E}" destId="{CD3D4F1F-2331-40AF-B1F1-0DE3BC1E14AC}" srcOrd="0" destOrd="0" presId="urn:microsoft.com/office/officeart/2005/8/layout/hierarchy2"/>
     <dgm:cxn modelId="{2316C99B-4E74-4F74-B7A0-B361AAB97A02}" type="presParOf" srcId="{CD3D4F1F-2331-40AF-B1F1-0DE3BC1E14AC}" destId="{6998ADDA-3A1B-45B6-A07A-01FCD4BA49BB}" srcOrd="0" destOrd="0" presId="urn:microsoft.com/office/officeart/2005/8/layout/hierarchy2"/>
     <dgm:cxn modelId="{622863EA-F1D6-43AE-ABDF-D3DF7EE47D43}" type="presParOf" srcId="{CD3D4F1F-2331-40AF-B1F1-0DE3BC1E14AC}" destId="{04E3543D-A5C8-4685-941D-CC5A6D3C16F0}" srcOrd="1" destOrd="0" presId="urn:microsoft.com/office/officeart/2005/8/layout/hierarchy2"/>
@@ -4967,21 +4968,21 @@
     </dgm:pt>
   </dgm:ptLst>
   <dgm:cxnLst>
-    <dgm:cxn modelId="{53D3F1AD-9862-4B84-9D55-F6B5A47C3D4D}" type="presOf" srcId="{F6AF4DF7-323B-4AF7-B64E-A5613389B3FE}" destId="{D60E5B76-1D83-4B1E-9F5E-C3B70C556114}" srcOrd="1" destOrd="0" presId="urn:microsoft.com/office/officeart/2005/8/layout/hierarchy2"/>
     <dgm:cxn modelId="{2957BD10-0C0B-435A-9832-B168FFD70B52}" type="presOf" srcId="{27FBC282-CAF3-490B-B214-91191570762F}" destId="{31390DB4-3D51-4CF8-8C85-35B1DE49FC82}" srcOrd="0" destOrd="0" presId="urn:microsoft.com/office/officeart/2005/8/layout/hierarchy2"/>
-    <dgm:cxn modelId="{DD9C73D9-E718-4BA7-9284-D68237818690}" type="presOf" srcId="{57D0F85C-1480-4403-AB40-CE04ED68F61D}" destId="{95784A7C-5D96-46B1-9707-13924E4E779E}" srcOrd="0" destOrd="0" presId="urn:microsoft.com/office/officeart/2005/8/layout/hierarchy2"/>
     <dgm:cxn modelId="{F29E0926-898B-4D7B-A62B-B60051247516}" type="presOf" srcId="{2F62D43D-3A0F-4B1B-8FD1-5BFDA455A86C}" destId="{6998ADDA-3A1B-45B6-A07A-01FCD4BA49BB}" srcOrd="0" destOrd="0" presId="urn:microsoft.com/office/officeart/2005/8/layout/hierarchy2"/>
-    <dgm:cxn modelId="{322C4FD9-B673-426B-829F-3D7B12000ACF}" type="presOf" srcId="{5469B62F-21EF-403D-AFAF-F1F3A62CC116}" destId="{2370D09E-6DCF-4E5F-AA9E-DE6FA75F978A}" srcOrd="0" destOrd="0" presId="urn:microsoft.com/office/officeart/2005/8/layout/hierarchy2"/>
-    <dgm:cxn modelId="{E01251AE-ED79-44FF-A618-703E33D5290F}" type="presOf" srcId="{34D97303-284D-4A60-ACDE-B41CE094D009}" destId="{2345C25D-B2C9-472B-88FC-F111DF3C1F4A}" srcOrd="1" destOrd="0" presId="urn:microsoft.com/office/officeart/2005/8/layout/hierarchy2"/>
-    <dgm:cxn modelId="{54EF559C-CC32-408A-92F1-462C6DCD925C}" type="presOf" srcId="{959D7E7C-8F3F-44AF-B69E-F4F90A8BEBF8}" destId="{E3691BD4-191B-42CA-BDA3-D11ADBFFCF6E}" srcOrd="0" destOrd="0" presId="urn:microsoft.com/office/officeart/2005/8/layout/hierarchy2"/>
+    <dgm:cxn modelId="{F6F19D2E-9C4C-4DEF-9FC6-59E4501CE55C}" srcId="{2F62D43D-3A0F-4B1B-8FD1-5BFDA455A86C}" destId="{27FBC282-CAF3-490B-B214-91191570762F}" srcOrd="1" destOrd="0" parTransId="{34D97303-284D-4A60-ACDE-B41CE094D009}" sibTransId="{96ECE465-0149-4815-943F-8A5781072BA0}"/>
+    <dgm:cxn modelId="{6478B25F-6B96-49AC-AFE3-0C2B6A4CBD1C}" srcId="{2F62D43D-3A0F-4B1B-8FD1-5BFDA455A86C}" destId="{5010841C-6FB4-4099-AA0F-4A0A40C2F39E}" srcOrd="0" destOrd="0" parTransId="{F6AF4DF7-323B-4AF7-B64E-A5613389B3FE}" sibTransId="{971660D0-0C93-4BC0-8275-691F8BEE0722}"/>
+    <dgm:cxn modelId="{F32AA143-281D-4522-8FB0-D2CE4A9BAEDD}" type="presOf" srcId="{F6AF4DF7-323B-4AF7-B64E-A5613389B3FE}" destId="{A3F2D820-7163-431D-AD2D-AAA44D891A20}" srcOrd="0" destOrd="0" presId="urn:microsoft.com/office/officeart/2005/8/layout/hierarchy2"/>
     <dgm:cxn modelId="{5BAFBB75-959F-4EC5-90C0-898618EB098C}" type="presOf" srcId="{34D97303-284D-4A60-ACDE-B41CE094D009}" destId="{520093C4-51A8-49E0-9F68-8D97CDFA9EE4}" srcOrd="0" destOrd="0" presId="urn:microsoft.com/office/officeart/2005/8/layout/hierarchy2"/>
     <dgm:cxn modelId="{A9C46E76-A76C-47AA-AEC3-F04781C2F823}" srcId="{57D0F85C-1480-4403-AB40-CE04ED68F61D}" destId="{2F62D43D-3A0F-4B1B-8FD1-5BFDA455A86C}" srcOrd="0" destOrd="0" parTransId="{F95A871F-6975-4CEE-AF85-5C82CF3D9BEE}" sibTransId="{35305C68-15B6-41F6-A7E0-581849D959AA}"/>
-    <dgm:cxn modelId="{F6F19D2E-9C4C-4DEF-9FC6-59E4501CE55C}" srcId="{2F62D43D-3A0F-4B1B-8FD1-5BFDA455A86C}" destId="{27FBC282-CAF3-490B-B214-91191570762F}" srcOrd="1" destOrd="0" parTransId="{34D97303-284D-4A60-ACDE-B41CE094D009}" sibTransId="{96ECE465-0149-4815-943F-8A5781072BA0}"/>
-    <dgm:cxn modelId="{6478B25F-6B96-49AC-AFE3-0C2B6A4CBD1C}" srcId="{2F62D43D-3A0F-4B1B-8FD1-5BFDA455A86C}" destId="{5010841C-6FB4-4099-AA0F-4A0A40C2F39E}" srcOrd="0" destOrd="0" parTransId="{F6AF4DF7-323B-4AF7-B64E-A5613389B3FE}" sibTransId="{971660D0-0C93-4BC0-8275-691F8BEE0722}"/>
     <dgm:cxn modelId="{F19A2677-EA8C-4BB7-9803-1EC26CD5C972}" type="presOf" srcId="{5469B62F-21EF-403D-AFAF-F1F3A62CC116}" destId="{9D3AB6AB-391D-412D-BAD9-CEB8CE3BD293}" srcOrd="1" destOrd="0" presId="urn:microsoft.com/office/officeart/2005/8/layout/hierarchy2"/>
     <dgm:cxn modelId="{84541595-FD30-4536-A6A8-8C5C59CA8FF3}" type="presOf" srcId="{5010841C-6FB4-4099-AA0F-4A0A40C2F39E}" destId="{79C575EC-6485-4BB0-B097-1E2831E29182}" srcOrd="0" destOrd="0" presId="urn:microsoft.com/office/officeart/2005/8/layout/hierarchy2"/>
-    <dgm:cxn modelId="{F32AA143-281D-4522-8FB0-D2CE4A9BAEDD}" type="presOf" srcId="{F6AF4DF7-323B-4AF7-B64E-A5613389B3FE}" destId="{A3F2D820-7163-431D-AD2D-AAA44D891A20}" srcOrd="0" destOrd="0" presId="urn:microsoft.com/office/officeart/2005/8/layout/hierarchy2"/>
     <dgm:cxn modelId="{0DA8E695-91DA-4743-AF75-8E5F3F291E2F}" srcId="{2F62D43D-3A0F-4B1B-8FD1-5BFDA455A86C}" destId="{959D7E7C-8F3F-44AF-B69E-F4F90A8BEBF8}" srcOrd="2" destOrd="0" parTransId="{5469B62F-21EF-403D-AFAF-F1F3A62CC116}" sibTransId="{AC85024C-967F-4E7E-99D0-8B6C16E5EA17}"/>
+    <dgm:cxn modelId="{54EF559C-CC32-408A-92F1-462C6DCD925C}" type="presOf" srcId="{959D7E7C-8F3F-44AF-B69E-F4F90A8BEBF8}" destId="{E3691BD4-191B-42CA-BDA3-D11ADBFFCF6E}" srcOrd="0" destOrd="0" presId="urn:microsoft.com/office/officeart/2005/8/layout/hierarchy2"/>
+    <dgm:cxn modelId="{53D3F1AD-9862-4B84-9D55-F6B5A47C3D4D}" type="presOf" srcId="{F6AF4DF7-323B-4AF7-B64E-A5613389B3FE}" destId="{D60E5B76-1D83-4B1E-9F5E-C3B70C556114}" srcOrd="1" destOrd="0" presId="urn:microsoft.com/office/officeart/2005/8/layout/hierarchy2"/>
+    <dgm:cxn modelId="{E01251AE-ED79-44FF-A618-703E33D5290F}" type="presOf" srcId="{34D97303-284D-4A60-ACDE-B41CE094D009}" destId="{2345C25D-B2C9-472B-88FC-F111DF3C1F4A}" srcOrd="1" destOrd="0" presId="urn:microsoft.com/office/officeart/2005/8/layout/hierarchy2"/>
+    <dgm:cxn modelId="{322C4FD9-B673-426B-829F-3D7B12000ACF}" type="presOf" srcId="{5469B62F-21EF-403D-AFAF-F1F3A62CC116}" destId="{2370D09E-6DCF-4E5F-AA9E-DE6FA75F978A}" srcOrd="0" destOrd="0" presId="urn:microsoft.com/office/officeart/2005/8/layout/hierarchy2"/>
+    <dgm:cxn modelId="{DD9C73D9-E718-4BA7-9284-D68237818690}" type="presOf" srcId="{57D0F85C-1480-4403-AB40-CE04ED68F61D}" destId="{95784A7C-5D96-46B1-9707-13924E4E779E}" srcOrd="0" destOrd="0" presId="urn:microsoft.com/office/officeart/2005/8/layout/hierarchy2"/>
     <dgm:cxn modelId="{2FCA66AF-4520-4EFF-87A2-A0829DD64B20}" type="presParOf" srcId="{95784A7C-5D96-46B1-9707-13924E4E779E}" destId="{CD3D4F1F-2331-40AF-B1F1-0DE3BC1E14AC}" srcOrd="0" destOrd="0" presId="urn:microsoft.com/office/officeart/2005/8/layout/hierarchy2"/>
     <dgm:cxn modelId="{2316C99B-4E74-4F74-B7A0-B361AAB97A02}" type="presParOf" srcId="{CD3D4F1F-2331-40AF-B1F1-0DE3BC1E14AC}" destId="{6998ADDA-3A1B-45B6-A07A-01FCD4BA49BB}" srcOrd="0" destOrd="0" presId="urn:microsoft.com/office/officeart/2005/8/layout/hierarchy2"/>
     <dgm:cxn modelId="{622863EA-F1D6-43AE-ABDF-D3DF7EE47D43}" type="presParOf" srcId="{CD3D4F1F-2331-40AF-B1F1-0DE3BC1E14AC}" destId="{04E3543D-A5C8-4685-941D-CC5A6D3C16F0}" srcOrd="1" destOrd="0" presId="urn:microsoft.com/office/officeart/2005/8/layout/hierarchy2"/>
@@ -5333,21 +5334,21 @@
     </dgm:pt>
   </dgm:ptLst>
   <dgm:cxnLst>
-    <dgm:cxn modelId="{53D3F1AD-9862-4B84-9D55-F6B5A47C3D4D}" type="presOf" srcId="{F6AF4DF7-323B-4AF7-B64E-A5613389B3FE}" destId="{D60E5B76-1D83-4B1E-9F5E-C3B70C556114}" srcOrd="1" destOrd="0" presId="urn:microsoft.com/office/officeart/2005/8/layout/hierarchy2"/>
     <dgm:cxn modelId="{2957BD10-0C0B-435A-9832-B168FFD70B52}" type="presOf" srcId="{27FBC282-CAF3-490B-B214-91191570762F}" destId="{31390DB4-3D51-4CF8-8C85-35B1DE49FC82}" srcOrd="0" destOrd="0" presId="urn:microsoft.com/office/officeart/2005/8/layout/hierarchy2"/>
-    <dgm:cxn modelId="{DD9C73D9-E718-4BA7-9284-D68237818690}" type="presOf" srcId="{57D0F85C-1480-4403-AB40-CE04ED68F61D}" destId="{95784A7C-5D96-46B1-9707-13924E4E779E}" srcOrd="0" destOrd="0" presId="urn:microsoft.com/office/officeart/2005/8/layout/hierarchy2"/>
     <dgm:cxn modelId="{F29E0926-898B-4D7B-A62B-B60051247516}" type="presOf" srcId="{2F62D43D-3A0F-4B1B-8FD1-5BFDA455A86C}" destId="{6998ADDA-3A1B-45B6-A07A-01FCD4BA49BB}" srcOrd="0" destOrd="0" presId="urn:microsoft.com/office/officeart/2005/8/layout/hierarchy2"/>
-    <dgm:cxn modelId="{322C4FD9-B673-426B-829F-3D7B12000ACF}" type="presOf" srcId="{5469B62F-21EF-403D-AFAF-F1F3A62CC116}" destId="{2370D09E-6DCF-4E5F-AA9E-DE6FA75F978A}" srcOrd="0" destOrd="0" presId="urn:microsoft.com/office/officeart/2005/8/layout/hierarchy2"/>
-    <dgm:cxn modelId="{E01251AE-ED79-44FF-A618-703E33D5290F}" type="presOf" srcId="{34D97303-284D-4A60-ACDE-B41CE094D009}" destId="{2345C25D-B2C9-472B-88FC-F111DF3C1F4A}" srcOrd="1" destOrd="0" presId="urn:microsoft.com/office/officeart/2005/8/layout/hierarchy2"/>
-    <dgm:cxn modelId="{54EF559C-CC32-408A-92F1-462C6DCD925C}" type="presOf" srcId="{959D7E7C-8F3F-44AF-B69E-F4F90A8BEBF8}" destId="{E3691BD4-191B-42CA-BDA3-D11ADBFFCF6E}" srcOrd="0" destOrd="0" presId="urn:microsoft.com/office/officeart/2005/8/layout/hierarchy2"/>
+    <dgm:cxn modelId="{F6F19D2E-9C4C-4DEF-9FC6-59E4501CE55C}" srcId="{2F62D43D-3A0F-4B1B-8FD1-5BFDA455A86C}" destId="{27FBC282-CAF3-490B-B214-91191570762F}" srcOrd="1" destOrd="0" parTransId="{34D97303-284D-4A60-ACDE-B41CE094D009}" sibTransId="{96ECE465-0149-4815-943F-8A5781072BA0}"/>
+    <dgm:cxn modelId="{6478B25F-6B96-49AC-AFE3-0C2B6A4CBD1C}" srcId="{2F62D43D-3A0F-4B1B-8FD1-5BFDA455A86C}" destId="{5010841C-6FB4-4099-AA0F-4A0A40C2F39E}" srcOrd="0" destOrd="0" parTransId="{F6AF4DF7-323B-4AF7-B64E-A5613389B3FE}" sibTransId="{971660D0-0C93-4BC0-8275-691F8BEE0722}"/>
+    <dgm:cxn modelId="{F32AA143-281D-4522-8FB0-D2CE4A9BAEDD}" type="presOf" srcId="{F6AF4DF7-323B-4AF7-B64E-A5613389B3FE}" destId="{A3F2D820-7163-431D-AD2D-AAA44D891A20}" srcOrd="0" destOrd="0" presId="urn:microsoft.com/office/officeart/2005/8/layout/hierarchy2"/>
     <dgm:cxn modelId="{5BAFBB75-959F-4EC5-90C0-898618EB098C}" type="presOf" srcId="{34D97303-284D-4A60-ACDE-B41CE094D009}" destId="{520093C4-51A8-49E0-9F68-8D97CDFA9EE4}" srcOrd="0" destOrd="0" presId="urn:microsoft.com/office/officeart/2005/8/layout/hierarchy2"/>
     <dgm:cxn modelId="{A9C46E76-A76C-47AA-AEC3-F04781C2F823}" srcId="{57D0F85C-1480-4403-AB40-CE04ED68F61D}" destId="{2F62D43D-3A0F-4B1B-8FD1-5BFDA455A86C}" srcOrd="0" destOrd="0" parTransId="{F95A871F-6975-4CEE-AF85-5C82CF3D9BEE}" sibTransId="{35305C68-15B6-41F6-A7E0-581849D959AA}"/>
-    <dgm:cxn modelId="{F6F19D2E-9C4C-4DEF-9FC6-59E4501CE55C}" srcId="{2F62D43D-3A0F-4B1B-8FD1-5BFDA455A86C}" destId="{27FBC282-CAF3-490B-B214-91191570762F}" srcOrd="1" destOrd="0" parTransId="{34D97303-284D-4A60-ACDE-B41CE094D009}" sibTransId="{96ECE465-0149-4815-943F-8A5781072BA0}"/>
-    <dgm:cxn modelId="{6478B25F-6B96-49AC-AFE3-0C2B6A4CBD1C}" srcId="{2F62D43D-3A0F-4B1B-8FD1-5BFDA455A86C}" destId="{5010841C-6FB4-4099-AA0F-4A0A40C2F39E}" srcOrd="0" destOrd="0" parTransId="{F6AF4DF7-323B-4AF7-B64E-A5613389B3FE}" sibTransId="{971660D0-0C93-4BC0-8275-691F8BEE0722}"/>
     <dgm:cxn modelId="{F19A2677-EA8C-4BB7-9803-1EC26CD5C972}" type="presOf" srcId="{5469B62F-21EF-403D-AFAF-F1F3A62CC116}" destId="{9D3AB6AB-391D-412D-BAD9-CEB8CE3BD293}" srcOrd="1" destOrd="0" presId="urn:microsoft.com/office/officeart/2005/8/layout/hierarchy2"/>
     <dgm:cxn modelId="{84541595-FD30-4536-A6A8-8C5C59CA8FF3}" type="presOf" srcId="{5010841C-6FB4-4099-AA0F-4A0A40C2F39E}" destId="{79C575EC-6485-4BB0-B097-1E2831E29182}" srcOrd="0" destOrd="0" presId="urn:microsoft.com/office/officeart/2005/8/layout/hierarchy2"/>
-    <dgm:cxn modelId="{F32AA143-281D-4522-8FB0-D2CE4A9BAEDD}" type="presOf" srcId="{F6AF4DF7-323B-4AF7-B64E-A5613389B3FE}" destId="{A3F2D820-7163-431D-AD2D-AAA44D891A20}" srcOrd="0" destOrd="0" presId="urn:microsoft.com/office/officeart/2005/8/layout/hierarchy2"/>
     <dgm:cxn modelId="{0DA8E695-91DA-4743-AF75-8E5F3F291E2F}" srcId="{2F62D43D-3A0F-4B1B-8FD1-5BFDA455A86C}" destId="{959D7E7C-8F3F-44AF-B69E-F4F90A8BEBF8}" srcOrd="2" destOrd="0" parTransId="{5469B62F-21EF-403D-AFAF-F1F3A62CC116}" sibTransId="{AC85024C-967F-4E7E-99D0-8B6C16E5EA17}"/>
+    <dgm:cxn modelId="{54EF559C-CC32-408A-92F1-462C6DCD925C}" type="presOf" srcId="{959D7E7C-8F3F-44AF-B69E-F4F90A8BEBF8}" destId="{E3691BD4-191B-42CA-BDA3-D11ADBFFCF6E}" srcOrd="0" destOrd="0" presId="urn:microsoft.com/office/officeart/2005/8/layout/hierarchy2"/>
+    <dgm:cxn modelId="{53D3F1AD-9862-4B84-9D55-F6B5A47C3D4D}" type="presOf" srcId="{F6AF4DF7-323B-4AF7-B64E-A5613389B3FE}" destId="{D60E5B76-1D83-4B1E-9F5E-C3B70C556114}" srcOrd="1" destOrd="0" presId="urn:microsoft.com/office/officeart/2005/8/layout/hierarchy2"/>
+    <dgm:cxn modelId="{E01251AE-ED79-44FF-A618-703E33D5290F}" type="presOf" srcId="{34D97303-284D-4A60-ACDE-B41CE094D009}" destId="{2345C25D-B2C9-472B-88FC-F111DF3C1F4A}" srcOrd="1" destOrd="0" presId="urn:microsoft.com/office/officeart/2005/8/layout/hierarchy2"/>
+    <dgm:cxn modelId="{322C4FD9-B673-426B-829F-3D7B12000ACF}" type="presOf" srcId="{5469B62F-21EF-403D-AFAF-F1F3A62CC116}" destId="{2370D09E-6DCF-4E5F-AA9E-DE6FA75F978A}" srcOrd="0" destOrd="0" presId="urn:microsoft.com/office/officeart/2005/8/layout/hierarchy2"/>
+    <dgm:cxn modelId="{DD9C73D9-E718-4BA7-9284-D68237818690}" type="presOf" srcId="{57D0F85C-1480-4403-AB40-CE04ED68F61D}" destId="{95784A7C-5D96-46B1-9707-13924E4E779E}" srcOrd="0" destOrd="0" presId="urn:microsoft.com/office/officeart/2005/8/layout/hierarchy2"/>
     <dgm:cxn modelId="{2FCA66AF-4520-4EFF-87A2-A0829DD64B20}" type="presParOf" srcId="{95784A7C-5D96-46B1-9707-13924E4E779E}" destId="{CD3D4F1F-2331-40AF-B1F1-0DE3BC1E14AC}" srcOrd="0" destOrd="0" presId="urn:microsoft.com/office/officeart/2005/8/layout/hierarchy2"/>
     <dgm:cxn modelId="{2316C99B-4E74-4F74-B7A0-B361AAB97A02}" type="presParOf" srcId="{CD3D4F1F-2331-40AF-B1F1-0DE3BC1E14AC}" destId="{6998ADDA-3A1B-45B6-A07A-01FCD4BA49BB}" srcOrd="0" destOrd="0" presId="urn:microsoft.com/office/officeart/2005/8/layout/hierarchy2"/>
     <dgm:cxn modelId="{622863EA-F1D6-43AE-ABDF-D3DF7EE47D43}" type="presParOf" srcId="{CD3D4F1F-2331-40AF-B1F1-0DE3BC1E14AC}" destId="{04E3543D-A5C8-4685-941D-CC5A6D3C16F0}" srcOrd="1" destOrd="0" presId="urn:microsoft.com/office/officeart/2005/8/layout/hierarchy2"/>
@@ -5699,21 +5700,21 @@
     </dgm:pt>
   </dgm:ptLst>
   <dgm:cxnLst>
-    <dgm:cxn modelId="{53D3F1AD-9862-4B84-9D55-F6B5A47C3D4D}" type="presOf" srcId="{F6AF4DF7-323B-4AF7-B64E-A5613389B3FE}" destId="{D60E5B76-1D83-4B1E-9F5E-C3B70C556114}" srcOrd="1" destOrd="0" presId="urn:microsoft.com/office/officeart/2005/8/layout/hierarchy2"/>
     <dgm:cxn modelId="{2957BD10-0C0B-435A-9832-B168FFD70B52}" type="presOf" srcId="{27FBC282-CAF3-490B-B214-91191570762F}" destId="{31390DB4-3D51-4CF8-8C85-35B1DE49FC82}" srcOrd="0" destOrd="0" presId="urn:microsoft.com/office/officeart/2005/8/layout/hierarchy2"/>
-    <dgm:cxn modelId="{DD9C73D9-E718-4BA7-9284-D68237818690}" type="presOf" srcId="{57D0F85C-1480-4403-AB40-CE04ED68F61D}" destId="{95784A7C-5D96-46B1-9707-13924E4E779E}" srcOrd="0" destOrd="0" presId="urn:microsoft.com/office/officeart/2005/8/layout/hierarchy2"/>
     <dgm:cxn modelId="{F29E0926-898B-4D7B-A62B-B60051247516}" type="presOf" srcId="{2F62D43D-3A0F-4B1B-8FD1-5BFDA455A86C}" destId="{6998ADDA-3A1B-45B6-A07A-01FCD4BA49BB}" srcOrd="0" destOrd="0" presId="urn:microsoft.com/office/officeart/2005/8/layout/hierarchy2"/>
-    <dgm:cxn modelId="{322C4FD9-B673-426B-829F-3D7B12000ACF}" type="presOf" srcId="{5469B62F-21EF-403D-AFAF-F1F3A62CC116}" destId="{2370D09E-6DCF-4E5F-AA9E-DE6FA75F978A}" srcOrd="0" destOrd="0" presId="urn:microsoft.com/office/officeart/2005/8/layout/hierarchy2"/>
-    <dgm:cxn modelId="{E01251AE-ED79-44FF-A618-703E33D5290F}" type="presOf" srcId="{34D97303-284D-4A60-ACDE-B41CE094D009}" destId="{2345C25D-B2C9-472B-88FC-F111DF3C1F4A}" srcOrd="1" destOrd="0" presId="urn:microsoft.com/office/officeart/2005/8/layout/hierarchy2"/>
-    <dgm:cxn modelId="{54EF559C-CC32-408A-92F1-462C6DCD925C}" type="presOf" srcId="{959D7E7C-8F3F-44AF-B69E-F4F90A8BEBF8}" destId="{E3691BD4-191B-42CA-BDA3-D11ADBFFCF6E}" srcOrd="0" destOrd="0" presId="urn:microsoft.com/office/officeart/2005/8/layout/hierarchy2"/>
+    <dgm:cxn modelId="{F6F19D2E-9C4C-4DEF-9FC6-59E4501CE55C}" srcId="{2F62D43D-3A0F-4B1B-8FD1-5BFDA455A86C}" destId="{27FBC282-CAF3-490B-B214-91191570762F}" srcOrd="1" destOrd="0" parTransId="{34D97303-284D-4A60-ACDE-B41CE094D009}" sibTransId="{96ECE465-0149-4815-943F-8A5781072BA0}"/>
+    <dgm:cxn modelId="{6478B25F-6B96-49AC-AFE3-0C2B6A4CBD1C}" srcId="{2F62D43D-3A0F-4B1B-8FD1-5BFDA455A86C}" destId="{5010841C-6FB4-4099-AA0F-4A0A40C2F39E}" srcOrd="0" destOrd="0" parTransId="{F6AF4DF7-323B-4AF7-B64E-A5613389B3FE}" sibTransId="{971660D0-0C93-4BC0-8275-691F8BEE0722}"/>
+    <dgm:cxn modelId="{F32AA143-281D-4522-8FB0-D2CE4A9BAEDD}" type="presOf" srcId="{F6AF4DF7-323B-4AF7-B64E-A5613389B3FE}" destId="{A3F2D820-7163-431D-AD2D-AAA44D891A20}" srcOrd="0" destOrd="0" presId="urn:microsoft.com/office/officeart/2005/8/layout/hierarchy2"/>
     <dgm:cxn modelId="{5BAFBB75-959F-4EC5-90C0-898618EB098C}" type="presOf" srcId="{34D97303-284D-4A60-ACDE-B41CE094D009}" destId="{520093C4-51A8-49E0-9F68-8D97CDFA9EE4}" srcOrd="0" destOrd="0" presId="urn:microsoft.com/office/officeart/2005/8/layout/hierarchy2"/>
     <dgm:cxn modelId="{A9C46E76-A76C-47AA-AEC3-F04781C2F823}" srcId="{57D0F85C-1480-4403-AB40-CE04ED68F61D}" destId="{2F62D43D-3A0F-4B1B-8FD1-5BFDA455A86C}" srcOrd="0" destOrd="0" parTransId="{F95A871F-6975-4CEE-AF85-5C82CF3D9BEE}" sibTransId="{35305C68-15B6-41F6-A7E0-581849D959AA}"/>
-    <dgm:cxn modelId="{F6F19D2E-9C4C-4DEF-9FC6-59E4501CE55C}" srcId="{2F62D43D-3A0F-4B1B-8FD1-5BFDA455A86C}" destId="{27FBC282-CAF3-490B-B214-91191570762F}" srcOrd="1" destOrd="0" parTransId="{34D97303-284D-4A60-ACDE-B41CE094D009}" sibTransId="{96ECE465-0149-4815-943F-8A5781072BA0}"/>
-    <dgm:cxn modelId="{6478B25F-6B96-49AC-AFE3-0C2B6A4CBD1C}" srcId="{2F62D43D-3A0F-4B1B-8FD1-5BFDA455A86C}" destId="{5010841C-6FB4-4099-AA0F-4A0A40C2F39E}" srcOrd="0" destOrd="0" parTransId="{F6AF4DF7-323B-4AF7-B64E-A5613389B3FE}" sibTransId="{971660D0-0C93-4BC0-8275-691F8BEE0722}"/>
     <dgm:cxn modelId="{F19A2677-EA8C-4BB7-9803-1EC26CD5C972}" type="presOf" srcId="{5469B62F-21EF-403D-AFAF-F1F3A62CC116}" destId="{9D3AB6AB-391D-412D-BAD9-CEB8CE3BD293}" srcOrd="1" destOrd="0" presId="urn:microsoft.com/office/officeart/2005/8/layout/hierarchy2"/>
     <dgm:cxn modelId="{84541595-FD30-4536-A6A8-8C5C59CA8FF3}" type="presOf" srcId="{5010841C-6FB4-4099-AA0F-4A0A40C2F39E}" destId="{79C575EC-6485-4BB0-B097-1E2831E29182}" srcOrd="0" destOrd="0" presId="urn:microsoft.com/office/officeart/2005/8/layout/hierarchy2"/>
-    <dgm:cxn modelId="{F32AA143-281D-4522-8FB0-D2CE4A9BAEDD}" type="presOf" srcId="{F6AF4DF7-323B-4AF7-B64E-A5613389B3FE}" destId="{A3F2D820-7163-431D-AD2D-AAA44D891A20}" srcOrd="0" destOrd="0" presId="urn:microsoft.com/office/officeart/2005/8/layout/hierarchy2"/>
     <dgm:cxn modelId="{0DA8E695-91DA-4743-AF75-8E5F3F291E2F}" srcId="{2F62D43D-3A0F-4B1B-8FD1-5BFDA455A86C}" destId="{959D7E7C-8F3F-44AF-B69E-F4F90A8BEBF8}" srcOrd="2" destOrd="0" parTransId="{5469B62F-21EF-403D-AFAF-F1F3A62CC116}" sibTransId="{AC85024C-967F-4E7E-99D0-8B6C16E5EA17}"/>
+    <dgm:cxn modelId="{54EF559C-CC32-408A-92F1-462C6DCD925C}" type="presOf" srcId="{959D7E7C-8F3F-44AF-B69E-F4F90A8BEBF8}" destId="{E3691BD4-191B-42CA-BDA3-D11ADBFFCF6E}" srcOrd="0" destOrd="0" presId="urn:microsoft.com/office/officeart/2005/8/layout/hierarchy2"/>
+    <dgm:cxn modelId="{53D3F1AD-9862-4B84-9D55-F6B5A47C3D4D}" type="presOf" srcId="{F6AF4DF7-323B-4AF7-B64E-A5613389B3FE}" destId="{D60E5B76-1D83-4B1E-9F5E-C3B70C556114}" srcOrd="1" destOrd="0" presId="urn:microsoft.com/office/officeart/2005/8/layout/hierarchy2"/>
+    <dgm:cxn modelId="{E01251AE-ED79-44FF-A618-703E33D5290F}" type="presOf" srcId="{34D97303-284D-4A60-ACDE-B41CE094D009}" destId="{2345C25D-B2C9-472B-88FC-F111DF3C1F4A}" srcOrd="1" destOrd="0" presId="urn:microsoft.com/office/officeart/2005/8/layout/hierarchy2"/>
+    <dgm:cxn modelId="{322C4FD9-B673-426B-829F-3D7B12000ACF}" type="presOf" srcId="{5469B62F-21EF-403D-AFAF-F1F3A62CC116}" destId="{2370D09E-6DCF-4E5F-AA9E-DE6FA75F978A}" srcOrd="0" destOrd="0" presId="urn:microsoft.com/office/officeart/2005/8/layout/hierarchy2"/>
+    <dgm:cxn modelId="{DD9C73D9-E718-4BA7-9284-D68237818690}" type="presOf" srcId="{57D0F85C-1480-4403-AB40-CE04ED68F61D}" destId="{95784A7C-5D96-46B1-9707-13924E4E779E}" srcOrd="0" destOrd="0" presId="urn:microsoft.com/office/officeart/2005/8/layout/hierarchy2"/>
     <dgm:cxn modelId="{2FCA66AF-4520-4EFF-87A2-A0829DD64B20}" type="presParOf" srcId="{95784A7C-5D96-46B1-9707-13924E4E779E}" destId="{CD3D4F1F-2331-40AF-B1F1-0DE3BC1E14AC}" srcOrd="0" destOrd="0" presId="urn:microsoft.com/office/officeart/2005/8/layout/hierarchy2"/>
     <dgm:cxn modelId="{2316C99B-4E74-4F74-B7A0-B361AAB97A02}" type="presParOf" srcId="{CD3D4F1F-2331-40AF-B1F1-0DE3BC1E14AC}" destId="{6998ADDA-3A1B-45B6-A07A-01FCD4BA49BB}" srcOrd="0" destOrd="0" presId="urn:microsoft.com/office/officeart/2005/8/layout/hierarchy2"/>
     <dgm:cxn modelId="{622863EA-F1D6-43AE-ABDF-D3DF7EE47D43}" type="presParOf" srcId="{CD3D4F1F-2331-40AF-B1F1-0DE3BC1E14AC}" destId="{04E3543D-A5C8-4685-941D-CC5A6D3C16F0}" srcOrd="1" destOrd="0" presId="urn:microsoft.com/office/officeart/2005/8/layout/hierarchy2"/>
@@ -15703,7 +15704,7 @@
           <a:p>
             <a:fld id="{208B30BF-BE3F-47C2-B7B3-E8CB680F2AA1}" type="datetimeFigureOut">
               <a:rPr lang="en-US" smtClean="0"/>
-              <a:t>11/14/2016</a:t>
+              <a:t>11/7/2019</a:t>
             </a:fld>
             <a:endParaRPr lang="en-US"/>
           </a:p>
@@ -16119,7 +16120,7 @@
           <a:p>
             <a:fld id="{C56969A0-B3EA-45A4-A390-44554200A62E}" type="slidenum">
               <a:rPr lang="en-US" smtClean="0"/>
-              <a:t>74</a:t>
+              <a:t>75</a:t>
             </a:fld>
             <a:endParaRPr lang="en-US"/>
           </a:p>
@@ -16203,7 +16204,7 @@
           <a:p>
             <a:fld id="{C56969A0-B3EA-45A4-A390-44554200A62E}" type="slidenum">
               <a:rPr lang="en-US" smtClean="0"/>
-              <a:t>82</a:t>
+              <a:t>83</a:t>
             </a:fld>
             <a:endParaRPr lang="en-US"/>
           </a:p>
@@ -16299,7 +16300,7 @@
           <a:p>
             <a:fld id="{C56969A0-B3EA-45A4-A390-44554200A62E}" type="slidenum">
               <a:rPr lang="en-US" smtClean="0"/>
-              <a:t>84</a:t>
+              <a:t>85</a:t>
             </a:fld>
             <a:endParaRPr lang="en-US"/>
           </a:p>
@@ -16383,7 +16384,7 @@
           <a:p>
             <a:fld id="{C56969A0-B3EA-45A4-A390-44554200A62E}" type="slidenum">
               <a:rPr lang="en-US" smtClean="0"/>
-              <a:t>88</a:t>
+              <a:t>89</a:t>
             </a:fld>
             <a:endParaRPr lang="en-US"/>
           </a:p>
@@ -16635,7 +16636,7 @@
           <a:p>
             <a:fld id="{C56969A0-B3EA-45A4-A390-44554200A62E}" type="slidenum">
               <a:rPr lang="en-US" smtClean="0"/>
-              <a:t>42</a:t>
+              <a:t>43</a:t>
             </a:fld>
             <a:endParaRPr lang="en-US"/>
           </a:p>
@@ -16738,7 +16739,7 @@
           <a:p>
             <a:fld id="{C56969A0-B3EA-45A4-A390-44554200A62E}" type="slidenum">
               <a:rPr lang="en-US" smtClean="0"/>
-              <a:t>48</a:t>
+              <a:t>49</a:t>
             </a:fld>
             <a:endParaRPr lang="en-US"/>
           </a:p>
@@ -16822,7 +16823,7 @@
           <a:p>
             <a:fld id="{C56969A0-B3EA-45A4-A390-44554200A62E}" type="slidenum">
               <a:rPr lang="en-US" smtClean="0"/>
-              <a:t>52</a:t>
+              <a:t>53</a:t>
             </a:fld>
             <a:endParaRPr lang="en-US"/>
           </a:p>
@@ -16909,7 +16910,7 @@
           <a:p>
             <a:fld id="{C56969A0-B3EA-45A4-A390-44554200A62E}" type="slidenum">
               <a:rPr lang="en-US" smtClean="0"/>
-              <a:t>57</a:t>
+              <a:t>58</a:t>
             </a:fld>
             <a:endParaRPr lang="en-US"/>
           </a:p>
@@ -16993,7 +16994,7 @@
           <a:p>
             <a:fld id="{C56969A0-B3EA-45A4-A390-44554200A62E}" type="slidenum">
               <a:rPr lang="en-US" smtClean="0"/>
-              <a:t>63</a:t>
+              <a:t>64</a:t>
             </a:fld>
             <a:endParaRPr lang="en-US"/>
           </a:p>
@@ -17077,7 +17078,7 @@
           <a:p>
             <a:fld id="{C56969A0-B3EA-45A4-A390-44554200A62E}" type="slidenum">
               <a:rPr lang="en-US" smtClean="0"/>
-              <a:t>66</a:t>
+              <a:t>67</a:t>
             </a:fld>
             <a:endParaRPr lang="en-US"/>
           </a:p>
@@ -17225,7 +17226,7 @@
           <a:p>
             <a:fld id="{5D2A64DF-0753-4272-8809-7B17C6953B30}" type="datetimeFigureOut">
               <a:rPr lang="en-US" smtClean="0"/>
-              <a:t>11/14/2016</a:t>
+              <a:t>11/7/2019</a:t>
             </a:fld>
             <a:endParaRPr lang="en-US"/>
           </a:p>
@@ -17393,7 +17394,7 @@
           <a:p>
             <a:fld id="{5D2A64DF-0753-4272-8809-7B17C6953B30}" type="datetimeFigureOut">
               <a:rPr lang="en-US" smtClean="0"/>
-              <a:t>11/14/2016</a:t>
+              <a:t>11/7/2019</a:t>
             </a:fld>
             <a:endParaRPr lang="en-US"/>
           </a:p>
@@ -17571,7 +17572,7 @@
           <a:p>
             <a:fld id="{5D2A64DF-0753-4272-8809-7B17C6953B30}" type="datetimeFigureOut">
               <a:rPr lang="en-US" smtClean="0"/>
-              <a:t>11/14/2016</a:t>
+              <a:t>11/7/2019</a:t>
             </a:fld>
             <a:endParaRPr lang="en-US"/>
           </a:p>
@@ -17739,7 +17740,7 @@
           <a:p>
             <a:fld id="{5D2A64DF-0753-4272-8809-7B17C6953B30}" type="datetimeFigureOut">
               <a:rPr lang="en-US" smtClean="0"/>
-              <a:t>11/14/2016</a:t>
+              <a:t>11/7/2019</a:t>
             </a:fld>
             <a:endParaRPr lang="en-US"/>
           </a:p>
@@ -17984,7 +17985,7 @@
           <a:p>
             <a:fld id="{5D2A64DF-0753-4272-8809-7B17C6953B30}" type="datetimeFigureOut">
               <a:rPr lang="en-US" smtClean="0"/>
-              <a:t>11/14/2016</a:t>
+              <a:t>11/7/2019</a:t>
             </a:fld>
             <a:endParaRPr lang="en-US"/>
           </a:p>
@@ -18213,7 +18214,7 @@
           <a:p>
             <a:fld id="{5D2A64DF-0753-4272-8809-7B17C6953B30}" type="datetimeFigureOut">
               <a:rPr lang="en-US" smtClean="0"/>
-              <a:t>11/14/2016</a:t>
+              <a:t>11/7/2019</a:t>
             </a:fld>
             <a:endParaRPr lang="en-US"/>
           </a:p>
@@ -18577,7 +18578,7 @@
           <a:p>
             <a:fld id="{5D2A64DF-0753-4272-8809-7B17C6953B30}" type="datetimeFigureOut">
               <a:rPr lang="en-US" smtClean="0"/>
-              <a:t>11/14/2016</a:t>
+              <a:t>11/7/2019</a:t>
             </a:fld>
             <a:endParaRPr lang="en-US"/>
           </a:p>
@@ -18694,7 +18695,7 @@
           <a:p>
             <a:fld id="{5D2A64DF-0753-4272-8809-7B17C6953B30}" type="datetimeFigureOut">
               <a:rPr lang="en-US" smtClean="0"/>
-              <a:t>11/14/2016</a:t>
+              <a:t>11/7/2019</a:t>
             </a:fld>
             <a:endParaRPr lang="en-US"/>
           </a:p>
@@ -18789,7 +18790,7 @@
           <a:p>
             <a:fld id="{5D2A64DF-0753-4272-8809-7B17C6953B30}" type="datetimeFigureOut">
               <a:rPr lang="en-US" smtClean="0"/>
-              <a:t>11/14/2016</a:t>
+              <a:t>11/7/2019</a:t>
             </a:fld>
             <a:endParaRPr lang="en-US"/>
           </a:p>
@@ -19064,7 +19065,7 @@
           <a:p>
             <a:fld id="{5D2A64DF-0753-4272-8809-7B17C6953B30}" type="datetimeFigureOut">
               <a:rPr lang="en-US" smtClean="0"/>
-              <a:t>11/14/2016</a:t>
+              <a:t>11/7/2019</a:t>
             </a:fld>
             <a:endParaRPr lang="en-US"/>
           </a:p>
@@ -19316,7 +19317,7 @@
           <a:p>
             <a:fld id="{5D2A64DF-0753-4272-8809-7B17C6953B30}" type="datetimeFigureOut">
               <a:rPr lang="en-US" smtClean="0"/>
-              <a:t>11/14/2016</a:t>
+              <a:t>11/7/2019</a:t>
             </a:fld>
             <a:endParaRPr lang="en-US"/>
           </a:p>
@@ -19527,7 +19528,7 @@
           <a:p>
             <a:fld id="{5D2A64DF-0753-4272-8809-7B17C6953B30}" type="datetimeFigureOut">
               <a:rPr lang="en-US" smtClean="0"/>
-              <a:t>11/14/2016</a:t>
+              <a:t>11/7/2019</a:t>
             </a:fld>
             <a:endParaRPr lang="en-US"/>
           </a:p>
@@ -23164,16 +23165,10 @@
           <a:lstStyle/>
           <a:p>
             <a:r>
-              <a:rPr lang="en-US" i="1" dirty="0">
-                <a:latin typeface="Courier New" panose="02070309020205020404" pitchFamily="49" charset="0"/>
-                <a:cs typeface="Courier New" panose="02070309020205020404" pitchFamily="49" charset="0"/>
-              </a:rPr>
-              <a:t>get</a:t>
-            </a:r>
-            <a:r>
-              <a:rPr lang="en-US" dirty="0"/>
-              <a:t> methods:</a:t>
-            </a:r>
+              <a:rPr lang="en-US"/>
+              <a:t>Override Requirements:</a:t>
+            </a:r>
+            <a:endParaRPr lang="en-US" dirty="0"/>
           </a:p>
         </p:txBody>
       </p:sp>
@@ -23198,48 +23193,11 @@
               <a:buNone/>
             </a:pPr>
             <a:r>
-              <a:rPr lang="en-US" sz="2400" dirty="0">
-                <a:latin typeface="Courier New" panose="02070309020205020404" pitchFamily="49" charset="0"/>
-                <a:cs typeface="Courier New" panose="02070309020205020404" pitchFamily="49" charset="0"/>
-              </a:rPr>
-              <a:t>public double </a:t>
-            </a:r>
-            <a:r>
-              <a:rPr lang="en-US" sz="2400" dirty="0" err="1">
-                <a:highlight>
-                  <a:srgbClr val="FFFF00"/>
-                </a:highlight>
-                <a:latin typeface="Courier New" panose="02070309020205020404" pitchFamily="49" charset="0"/>
-                <a:cs typeface="Courier New" panose="02070309020205020404" pitchFamily="49" charset="0"/>
-              </a:rPr>
-              <a:t>getName</a:t>
-            </a:r>
-            <a:r>
-              <a:rPr lang="en-US" sz="2400" dirty="0">
-                <a:highlight>
-                  <a:srgbClr val="FFFF00"/>
-                </a:highlight>
-                <a:latin typeface="Courier New" panose="02070309020205020404" pitchFamily="49" charset="0"/>
-                <a:cs typeface="Courier New" panose="02070309020205020404" pitchFamily="49" charset="0"/>
-              </a:rPr>
-              <a:t>() </a:t>
-            </a:r>
-            <a:r>
-              <a:rPr lang="en-US" sz="2400" dirty="0">
-                <a:latin typeface="Courier New" panose="02070309020205020404" pitchFamily="49" charset="0"/>
-                <a:cs typeface="Courier New" panose="02070309020205020404" pitchFamily="49" charset="0"/>
-              </a:rPr>
-              <a:t>{ 	</a:t>
-            </a:r>
-            <a:r>
-              <a:rPr lang="en-US" sz="2400" dirty="0">
-                <a:solidFill>
-                  <a:schemeClr val="accent6"/>
-                </a:solidFill>
-                <a:latin typeface="Courier New" panose="02070309020205020404" pitchFamily="49" charset="0"/>
-                <a:cs typeface="Courier New" panose="02070309020205020404" pitchFamily="49" charset="0"/>
-              </a:rPr>
-              <a:t>//written in superclass</a:t>
+              <a:rPr lang="en-US" dirty="0">
+                <a:latin typeface="Calibri" panose="020F0502020204030204" pitchFamily="34" charset="0"/>
+                <a:cs typeface="Calibri" panose="020F0502020204030204" pitchFamily="34" charset="0"/>
+              </a:rPr>
+              <a:t>To override an inherited method, the method in the child class must have the same name, parameter list, and return type (or a subclass of the return type) as the parent method</a:t>
             </a:r>
           </a:p>
           <a:p>
@@ -23247,109 +23205,11 @@
               <a:buNone/>
             </a:pPr>
             <a:r>
-              <a:rPr lang="en-US" sz="2400" dirty="0">
-                <a:latin typeface="Courier New" panose="02070309020205020404" pitchFamily="49" charset="0"/>
-                <a:cs typeface="Courier New" panose="02070309020205020404" pitchFamily="49" charset="0"/>
-              </a:rPr>
-              <a:t>	return name;</a:t>
-            </a:r>
-          </a:p>
-          <a:p>
-            <a:pPr marL="0" indent="0">
-              <a:buNone/>
-            </a:pPr>
-            <a:r>
-              <a:rPr lang="en-US" sz="2400" dirty="0">
-                <a:latin typeface="Courier New" panose="02070309020205020404" pitchFamily="49" charset="0"/>
-                <a:cs typeface="Courier New" panose="02070309020205020404" pitchFamily="49" charset="0"/>
-              </a:rPr>
-              <a:t>}</a:t>
-            </a:r>
-          </a:p>
-          <a:p>
-            <a:pPr marL="0" indent="0">
-              <a:buNone/>
-            </a:pPr>
-            <a:endParaRPr lang="en-US" sz="2400" dirty="0">
-              <a:latin typeface="Courier New" panose="02070309020205020404" pitchFamily="49" charset="0"/>
-              <a:cs typeface="Courier New" panose="02070309020205020404" pitchFamily="49" charset="0"/>
-            </a:endParaRPr>
-          </a:p>
-          <a:p>
-            <a:pPr marL="0" indent="0">
-              <a:buNone/>
-            </a:pPr>
-            <a:r>
-              <a:rPr lang="en-US" sz="2400" dirty="0">
-                <a:latin typeface="Courier New" panose="02070309020205020404" pitchFamily="49" charset="0"/>
-                <a:cs typeface="Courier New" panose="02070309020205020404" pitchFamily="49" charset="0"/>
-              </a:rPr>
-              <a:t>public void advertising() {</a:t>
-            </a:r>
-          </a:p>
-          <a:p>
-            <a:pPr marL="0" indent="0">
-              <a:buNone/>
-            </a:pPr>
-            <a:r>
-              <a:rPr lang="en-US" sz="2400" dirty="0">
-                <a:latin typeface="Courier New" panose="02070309020205020404" pitchFamily="49" charset="0"/>
-                <a:cs typeface="Courier New" panose="02070309020205020404" pitchFamily="49" charset="0"/>
-              </a:rPr>
-              <a:t>	</a:t>
-            </a:r>
-            <a:r>
-              <a:rPr lang="en-US" sz="2400" dirty="0" err="1">
-                <a:latin typeface="Courier New" panose="02070309020205020404" pitchFamily="49" charset="0"/>
-                <a:cs typeface="Courier New" panose="02070309020205020404" pitchFamily="49" charset="0"/>
-              </a:rPr>
-              <a:t>System.out.println</a:t>
-            </a:r>
-            <a:r>
-              <a:rPr lang="en-US" sz="2400" dirty="0">
-                <a:latin typeface="Courier New" panose="02070309020205020404" pitchFamily="49" charset="0"/>
-                <a:cs typeface="Courier New" panose="02070309020205020404" pitchFamily="49" charset="0"/>
-              </a:rPr>
-              <a:t>(“Avoid the extra calories by 	drinking delicious “ + </a:t>
-            </a:r>
-            <a:r>
-              <a:rPr lang="en-US" sz="2400" dirty="0" err="1">
-                <a:highlight>
-                  <a:srgbClr val="FFFF00"/>
-                </a:highlight>
-                <a:latin typeface="Courier New" panose="02070309020205020404" pitchFamily="49" charset="0"/>
-                <a:cs typeface="Courier New" panose="02070309020205020404" pitchFamily="49" charset="0"/>
-              </a:rPr>
-              <a:t>getName</a:t>
-            </a:r>
-            <a:r>
-              <a:rPr lang="en-US" sz="2400" dirty="0">
-                <a:highlight>
-                  <a:srgbClr val="FFFF00"/>
-                </a:highlight>
-                <a:latin typeface="Courier New" panose="02070309020205020404" pitchFamily="49" charset="0"/>
-                <a:cs typeface="Courier New" panose="02070309020205020404" pitchFamily="49" charset="0"/>
-              </a:rPr>
-              <a:t>()</a:t>
-            </a:r>
-            <a:r>
-              <a:rPr lang="en-US" sz="2400" dirty="0">
-                <a:latin typeface="Courier New" panose="02070309020205020404" pitchFamily="49" charset="0"/>
-                <a:cs typeface="Courier New" panose="02070309020205020404" pitchFamily="49" charset="0"/>
-              </a:rPr>
-              <a:t> + “every day!!”);</a:t>
-            </a:r>
-          </a:p>
-          <a:p>
-            <a:pPr marL="0" indent="0">
-              <a:buNone/>
-            </a:pPr>
-            <a:r>
-              <a:rPr lang="en-US" sz="2400" dirty="0">
-                <a:latin typeface="Courier New" panose="02070309020205020404" pitchFamily="49" charset="0"/>
-                <a:cs typeface="Courier New" panose="02070309020205020404" pitchFamily="49" charset="0"/>
-              </a:rPr>
-              <a:t>}</a:t>
+              <a:rPr lang="en-US" dirty="0">
+                <a:latin typeface="Calibri" panose="020F0502020204030204" pitchFamily="34" charset="0"/>
+                <a:cs typeface="Calibri" panose="020F0502020204030204" pitchFamily="34" charset="0"/>
+              </a:rPr>
+              <a:t>Any method that is called must be defined within its own class or its superclass</a:t>
             </a:r>
           </a:p>
         </p:txBody>
@@ -23391,24 +23251,201 @@
             <a:spLocks noGrp="1"/>
           </p:cNvSpPr>
           <p:nvPr>
-            <p:ph type="ctrTitle"/>
+            <p:ph type="title"/>
           </p:nvPr>
         </p:nvSpPr>
-        <p:spPr>
-          <a:xfrm>
-            <a:off x="1524000" y="1214438"/>
-            <a:ext cx="9144000" cy="2387600"/>
-          </a:xfrm>
-        </p:spPr>
+        <p:spPr/>
+        <p:txBody>
+          <a:bodyPr/>
+          <a:lstStyle/>
+          <a:p>
+            <a:r>
+              <a:rPr lang="en-US" i="1" dirty="0">
+                <a:latin typeface="Courier New" panose="02070309020205020404" pitchFamily="49" charset="0"/>
+                <a:cs typeface="Courier New" panose="02070309020205020404" pitchFamily="49" charset="0"/>
+              </a:rPr>
+              <a:t>get</a:t>
+            </a:r>
+            <a:r>
+              <a:rPr lang="en-US" dirty="0"/>
+              <a:t> methods:</a:t>
+            </a:r>
+          </a:p>
+        </p:txBody>
+      </p:sp>
+      <p:sp>
+        <p:nvSpPr>
+          <p:cNvPr id="3" name="Content Placeholder 2"/>
+          <p:cNvSpPr>
+            <a:spLocks noGrp="1"/>
+          </p:cNvSpPr>
+          <p:nvPr>
+            <p:ph idx="1"/>
+          </p:nvPr>
+        </p:nvSpPr>
+        <p:spPr/>
         <p:txBody>
           <a:bodyPr>
             <a:normAutofit/>
           </a:bodyPr>
           <a:lstStyle/>
           <a:p>
-            <a:r>
-              <a:rPr lang="en-US" sz="4800" dirty="0"/>
-              <a:t>Overloading vs Overriding</a:t>
+            <a:pPr marL="0" indent="0">
+              <a:buNone/>
+            </a:pPr>
+            <a:r>
+              <a:rPr lang="en-US" sz="2400" dirty="0">
+                <a:latin typeface="Courier New" panose="02070309020205020404" pitchFamily="49" charset="0"/>
+                <a:cs typeface="Courier New" panose="02070309020205020404" pitchFamily="49" charset="0"/>
+              </a:rPr>
+              <a:t>public double </a:t>
+            </a:r>
+            <a:r>
+              <a:rPr lang="en-US" sz="2400" dirty="0" err="1">
+                <a:highlight>
+                  <a:srgbClr val="FFFF00"/>
+                </a:highlight>
+                <a:latin typeface="Courier New" panose="02070309020205020404" pitchFamily="49" charset="0"/>
+                <a:cs typeface="Courier New" panose="02070309020205020404" pitchFamily="49" charset="0"/>
+              </a:rPr>
+              <a:t>getName</a:t>
+            </a:r>
+            <a:r>
+              <a:rPr lang="en-US" sz="2400" dirty="0">
+                <a:highlight>
+                  <a:srgbClr val="FFFF00"/>
+                </a:highlight>
+                <a:latin typeface="Courier New" panose="02070309020205020404" pitchFamily="49" charset="0"/>
+                <a:cs typeface="Courier New" panose="02070309020205020404" pitchFamily="49" charset="0"/>
+              </a:rPr>
+              <a:t>() </a:t>
+            </a:r>
+            <a:r>
+              <a:rPr lang="en-US" sz="2400" dirty="0">
+                <a:latin typeface="Courier New" panose="02070309020205020404" pitchFamily="49" charset="0"/>
+                <a:cs typeface="Courier New" panose="02070309020205020404" pitchFamily="49" charset="0"/>
+              </a:rPr>
+              <a:t>{ 	</a:t>
+            </a:r>
+            <a:r>
+              <a:rPr lang="en-US" sz="2400" dirty="0">
+                <a:solidFill>
+                  <a:schemeClr val="accent6"/>
+                </a:solidFill>
+                <a:latin typeface="Courier New" panose="02070309020205020404" pitchFamily="49" charset="0"/>
+                <a:cs typeface="Courier New" panose="02070309020205020404" pitchFamily="49" charset="0"/>
+              </a:rPr>
+              <a:t>//written in superclass</a:t>
+            </a:r>
+          </a:p>
+          <a:p>
+            <a:pPr marL="0" indent="0">
+              <a:buNone/>
+            </a:pPr>
+            <a:r>
+              <a:rPr lang="en-US" sz="2400" dirty="0">
+                <a:latin typeface="Courier New" panose="02070309020205020404" pitchFamily="49" charset="0"/>
+                <a:cs typeface="Courier New" panose="02070309020205020404" pitchFamily="49" charset="0"/>
+              </a:rPr>
+              <a:t>	return name;</a:t>
+            </a:r>
+          </a:p>
+          <a:p>
+            <a:pPr marL="0" indent="0">
+              <a:buNone/>
+            </a:pPr>
+            <a:r>
+              <a:rPr lang="en-US" sz="2400" dirty="0">
+                <a:latin typeface="Courier New" panose="02070309020205020404" pitchFamily="49" charset="0"/>
+                <a:cs typeface="Courier New" panose="02070309020205020404" pitchFamily="49" charset="0"/>
+              </a:rPr>
+              <a:t>}</a:t>
+            </a:r>
+          </a:p>
+          <a:p>
+            <a:pPr marL="0" indent="0">
+              <a:buNone/>
+            </a:pPr>
+            <a:endParaRPr lang="en-US" sz="2400" dirty="0">
+              <a:latin typeface="Courier New" panose="02070309020205020404" pitchFamily="49" charset="0"/>
+              <a:cs typeface="Courier New" panose="02070309020205020404" pitchFamily="49" charset="0"/>
+            </a:endParaRPr>
+          </a:p>
+          <a:p>
+            <a:pPr marL="0" indent="0">
+              <a:buNone/>
+            </a:pPr>
+            <a:r>
+              <a:rPr lang="en-US" sz="2400" dirty="0">
+                <a:latin typeface="Courier New" panose="02070309020205020404" pitchFamily="49" charset="0"/>
+                <a:cs typeface="Courier New" panose="02070309020205020404" pitchFamily="49" charset="0"/>
+              </a:rPr>
+              <a:t>public void advertising() {</a:t>
+            </a:r>
+          </a:p>
+          <a:p>
+            <a:pPr marL="0" indent="0">
+              <a:buNone/>
+            </a:pPr>
+            <a:r>
+              <a:rPr lang="en-US" sz="2400" dirty="0">
+                <a:latin typeface="Courier New" panose="02070309020205020404" pitchFamily="49" charset="0"/>
+                <a:cs typeface="Courier New" panose="02070309020205020404" pitchFamily="49" charset="0"/>
+              </a:rPr>
+              <a:t>	</a:t>
+            </a:r>
+            <a:r>
+              <a:rPr lang="en-US" sz="2400" dirty="0" err="1">
+                <a:latin typeface="Courier New" panose="02070309020205020404" pitchFamily="49" charset="0"/>
+                <a:cs typeface="Courier New" panose="02070309020205020404" pitchFamily="49" charset="0"/>
+              </a:rPr>
+              <a:t>System.out.println</a:t>
+            </a:r>
+            <a:r>
+              <a:rPr lang="en-US" sz="2400" dirty="0">
+                <a:latin typeface="Courier New" panose="02070309020205020404" pitchFamily="49" charset="0"/>
+                <a:cs typeface="Courier New" panose="02070309020205020404" pitchFamily="49" charset="0"/>
+              </a:rPr>
+              <a:t>(“Avoid the extra calories by 	drinking delicious “ + </a:t>
+            </a:r>
+            <a:r>
+              <a:rPr lang="en-US" sz="2400" dirty="0" err="1">
+                <a:highlight>
+                  <a:srgbClr val="FFFF00"/>
+                </a:highlight>
+                <a:latin typeface="Courier New" panose="02070309020205020404" pitchFamily="49" charset="0"/>
+                <a:cs typeface="Courier New" panose="02070309020205020404" pitchFamily="49" charset="0"/>
+              </a:rPr>
+              <a:t>getName</a:t>
+            </a:r>
+            <a:r>
+              <a:rPr lang="en-US" sz="2400" dirty="0">
+                <a:highlight>
+                  <a:srgbClr val="FFFF00"/>
+                </a:highlight>
+                <a:latin typeface="Courier New" panose="02070309020205020404" pitchFamily="49" charset="0"/>
+                <a:cs typeface="Courier New" panose="02070309020205020404" pitchFamily="49" charset="0"/>
+              </a:rPr>
+              <a:t>()</a:t>
+            </a:r>
+            <a:r>
+              <a:rPr lang="en-US" sz="2400" dirty="0">
+                <a:latin typeface="Courier New" panose="02070309020205020404" pitchFamily="49" charset="0"/>
+                <a:cs typeface="Courier New" panose="02070309020205020404" pitchFamily="49" charset="0"/>
+              </a:rPr>
+              <a:t> + “every day!!”);</a:t>
+            </a:r>
+          </a:p>
+          <a:p>
+            <a:pPr marL="0" indent="0">
+              <a:buNone/>
+            </a:pPr>
+            <a:r>
+              <a:rPr lang="en-US" sz="2400" dirty="0">
+                <a:latin typeface="Courier New" panose="02070309020205020404" pitchFamily="49" charset="0"/>
+                <a:cs typeface="Courier New" panose="02070309020205020404" pitchFamily="49" charset="0"/>
+              </a:rPr>
+              <a:t>}</a:t>
             </a:r>
           </a:p>
         </p:txBody>
@@ -23416,7 +23453,7 @@
     </p:spTree>
     <p:extLst>
       <p:ext uri="{BB962C8B-B14F-4D97-AF65-F5344CB8AC3E}">
-        <p14:creationId xmlns:p14="http://schemas.microsoft.com/office/powerpoint/2010/main" val="3542029998"/>
+        <p14:creationId xmlns:p14="http://schemas.microsoft.com/office/powerpoint/2010/main" val="627024430"/>
       </p:ext>
     </p:extLst>
   </p:cSld>
@@ -23504,13 +23541,13 @@
             <a:spLocks noGrp="1"/>
           </p:cNvSpPr>
           <p:nvPr>
-            <p:ph type="title"/>
+            <p:ph type="ctrTitle"/>
           </p:nvPr>
         </p:nvSpPr>
         <p:spPr>
           <a:xfrm>
-            <a:off x="838200" y="2729006"/>
-            <a:ext cx="10515600" cy="1157288"/>
+            <a:off x="1524000" y="1214438"/>
+            <a:ext cx="9144000" cy="2387600"/>
           </a:xfrm>
         </p:spPr>
         <p:txBody>
@@ -23519,10 +23556,9 @@
           </a:bodyPr>
           <a:lstStyle/>
           <a:p>
-            <a:pPr algn="ctr"/>
             <a:r>
               <a:rPr lang="en-US" sz="4800" dirty="0"/>
-              <a:t>Worksheet</a:t>
+              <a:t>Overloading vs Overriding</a:t>
             </a:r>
           </a:p>
         </p:txBody>
@@ -23530,7 +23566,7 @@
     </p:spTree>
     <p:extLst>
       <p:ext uri="{BB962C8B-B14F-4D97-AF65-F5344CB8AC3E}">
-        <p14:creationId xmlns:p14="http://schemas.microsoft.com/office/powerpoint/2010/main" val="3816643877"/>
+        <p14:creationId xmlns:p14="http://schemas.microsoft.com/office/powerpoint/2010/main" val="3542029998"/>
       </p:ext>
     </p:extLst>
   </p:cSld>
@@ -23567,6 +23603,66 @@
             <p:ph type="title"/>
           </p:nvPr>
         </p:nvSpPr>
+        <p:spPr>
+          <a:xfrm>
+            <a:off x="838200" y="2729006"/>
+            <a:ext cx="10515600" cy="1157288"/>
+          </a:xfrm>
+        </p:spPr>
+        <p:txBody>
+          <a:bodyPr>
+            <a:normAutofit/>
+          </a:bodyPr>
+          <a:lstStyle/>
+          <a:p>
+            <a:pPr algn="ctr"/>
+            <a:r>
+              <a:rPr lang="en-US" sz="4800" dirty="0"/>
+              <a:t>Worksheet</a:t>
+            </a:r>
+          </a:p>
+        </p:txBody>
+      </p:sp>
+    </p:spTree>
+    <p:extLst>
+      <p:ext uri="{BB962C8B-B14F-4D97-AF65-F5344CB8AC3E}">
+        <p14:creationId xmlns:p14="http://schemas.microsoft.com/office/powerpoint/2010/main" val="3816643877"/>
+      </p:ext>
+    </p:extLst>
+  </p:cSld>
+  <p:clrMapOvr>
+    <a:masterClrMapping/>
+  </p:clrMapOvr>
+</p:sld>
+</file>
+
+<file path=ppt/slides/slide42.xml><?xml version="1.0" encoding="utf-8"?>
+<p:sld xmlns:a="http://schemas.openxmlformats.org/drawingml/2006/main" xmlns:r="http://schemas.openxmlformats.org/officeDocument/2006/relationships" xmlns:p="http://schemas.openxmlformats.org/presentationml/2006/main">
+  <p:cSld>
+    <p:spTree>
+      <p:nvGrpSpPr>
+        <p:cNvPr id="1" name=""/>
+        <p:cNvGrpSpPr/>
+        <p:nvPr/>
+      </p:nvGrpSpPr>
+      <p:grpSpPr>
+        <a:xfrm>
+          <a:off x="0" y="0"/>
+          <a:ext cx="0" cy="0"/>
+          <a:chOff x="0" y="0"/>
+          <a:chExt cx="0" cy="0"/>
+        </a:xfrm>
+      </p:grpSpPr>
+      <p:sp>
+        <p:nvSpPr>
+          <p:cNvPr id="2" name="Title 1"/>
+          <p:cNvSpPr>
+            <a:spLocks noGrp="1"/>
+          </p:cNvSpPr>
+          <p:nvPr>
+            <p:ph type="title"/>
+          </p:nvPr>
+        </p:nvSpPr>
         <p:spPr/>
         <p:txBody>
           <a:bodyPr>
@@ -23625,7 +23721,7 @@
 </p:sld>
 </file>
 
-<file path=ppt/slides/slide42.xml><?xml version="1.0" encoding="utf-8"?>
+<file path=ppt/slides/slide43.xml><?xml version="1.0" encoding="utf-8"?>
 <p:sld xmlns:a="http://schemas.openxmlformats.org/drawingml/2006/main" xmlns:r="http://schemas.openxmlformats.org/officeDocument/2006/relationships" xmlns:p="http://schemas.openxmlformats.org/presentationml/2006/main">
   <p:cSld>
     <p:spTree>
@@ -23707,174 +23803,6 @@
     <p:extLst>
       <p:ext uri="{BB962C8B-B14F-4D97-AF65-F5344CB8AC3E}">
         <p14:creationId xmlns:p14="http://schemas.microsoft.com/office/powerpoint/2010/main" val="4073253706"/>
-      </p:ext>
-    </p:extLst>
-  </p:cSld>
-  <p:clrMapOvr>
-    <a:masterClrMapping/>
-  </p:clrMapOvr>
-</p:sld>
-</file>
-
-<file path=ppt/slides/slide43.xml><?xml version="1.0" encoding="utf-8"?>
-<p:sld xmlns:a="http://schemas.openxmlformats.org/drawingml/2006/main" xmlns:r="http://schemas.openxmlformats.org/officeDocument/2006/relationships" xmlns:p="http://schemas.openxmlformats.org/presentationml/2006/main">
-  <p:cSld>
-    <p:spTree>
-      <p:nvGrpSpPr>
-        <p:cNvPr id="1" name=""/>
-        <p:cNvGrpSpPr/>
-        <p:nvPr/>
-      </p:nvGrpSpPr>
-      <p:grpSpPr>
-        <a:xfrm>
-          <a:off x="0" y="0"/>
-          <a:ext cx="0" cy="0"/>
-          <a:chOff x="0" y="0"/>
-          <a:chExt cx="0" cy="0"/>
-        </a:xfrm>
-      </p:grpSpPr>
-      <p:sp>
-        <p:nvSpPr>
-          <p:cNvPr id="2" name="Title 1"/>
-          <p:cNvSpPr>
-            <a:spLocks noGrp="1"/>
-          </p:cNvSpPr>
-          <p:nvPr>
-            <p:ph type="title"/>
-          </p:nvPr>
-        </p:nvSpPr>
-        <p:spPr/>
-        <p:txBody>
-          <a:bodyPr/>
-          <a:lstStyle/>
-          <a:p>
-            <a:r>
-              <a:rPr lang="en-US" dirty="0"/>
-              <a:t>The </a:t>
-            </a:r>
-            <a:r>
-              <a:rPr lang="en-US" dirty="0">
-                <a:latin typeface="Courier New" panose="02070309020205020404" pitchFamily="49" charset="0"/>
-                <a:cs typeface="Courier New" panose="02070309020205020404" pitchFamily="49" charset="0"/>
-              </a:rPr>
-              <a:t>Object</a:t>
-            </a:r>
-            <a:r>
-              <a:rPr lang="en-US" dirty="0">
-                <a:cs typeface="Courier New" panose="02070309020205020404" pitchFamily="49" charset="0"/>
-              </a:rPr>
-              <a:t> Superclass</a:t>
-            </a:r>
-            <a:endParaRPr lang="en-US" dirty="0"/>
-          </a:p>
-        </p:txBody>
-      </p:sp>
-      <p:sp>
-        <p:nvSpPr>
-          <p:cNvPr id="3" name="Content Placeholder 2"/>
-          <p:cNvSpPr>
-            <a:spLocks noGrp="1"/>
-          </p:cNvSpPr>
-          <p:nvPr>
-            <p:ph idx="1"/>
-          </p:nvPr>
-        </p:nvSpPr>
-        <p:spPr/>
-        <p:txBody>
-          <a:bodyPr/>
-          <a:lstStyle/>
-          <a:p>
-            <a:pPr marL="0" indent="0">
-              <a:buNone/>
-            </a:pPr>
-            <a:r>
-              <a:rPr lang="en-US" dirty="0"/>
-              <a:t>All classes are subclasses of the </a:t>
-            </a:r>
-            <a:r>
-              <a:rPr lang="en-US" dirty="0">
-                <a:latin typeface="Courier New" panose="02070309020205020404" pitchFamily="49" charset="0"/>
-                <a:cs typeface="Courier New" panose="02070309020205020404" pitchFamily="49" charset="0"/>
-              </a:rPr>
-              <a:t>Object</a:t>
-            </a:r>
-            <a:r>
-              <a:rPr lang="en-US" dirty="0"/>
-              <a:t> class.</a:t>
-            </a:r>
-          </a:p>
-          <a:p>
-            <a:pPr marL="0" indent="0">
-              <a:buNone/>
-            </a:pPr>
-            <a:endParaRPr lang="en-US" dirty="0"/>
-          </a:p>
-          <a:p>
-            <a:pPr marL="0" indent="0">
-              <a:buNone/>
-            </a:pPr>
-            <a:r>
-              <a:rPr lang="en-US" dirty="0"/>
-              <a:t>This means all objects inherit some methods:</a:t>
-            </a:r>
-          </a:p>
-          <a:p>
-            <a:pPr marL="0" indent="0">
-              <a:buNone/>
-            </a:pPr>
-            <a:endParaRPr lang="en-US" dirty="0"/>
-          </a:p>
-          <a:p>
-            <a:pPr marL="0" indent="0">
-              <a:buNone/>
-            </a:pPr>
-            <a:r>
-              <a:rPr lang="en-US" dirty="0"/>
-              <a:t>	</a:t>
-            </a:r>
-            <a:r>
-              <a:rPr lang="en-US" dirty="0" err="1">
-                <a:latin typeface="Courier New" panose="02070309020205020404" pitchFamily="49" charset="0"/>
-                <a:cs typeface="Courier New" panose="02070309020205020404" pitchFamily="49" charset="0"/>
-              </a:rPr>
-              <a:t>toString</a:t>
-            </a:r>
-            <a:r>
-              <a:rPr lang="en-US" dirty="0">
-                <a:latin typeface="Courier New" panose="02070309020205020404" pitchFamily="49" charset="0"/>
-                <a:cs typeface="Courier New" panose="02070309020205020404" pitchFamily="49" charset="0"/>
-              </a:rPr>
-              <a:t>()  	 </a:t>
-            </a:r>
-            <a:r>
-              <a:rPr lang="en-US" dirty="0">
-                <a:solidFill>
-                  <a:schemeClr val="accent6"/>
-                </a:solidFill>
-                <a:latin typeface="Courier New" panose="02070309020205020404" pitchFamily="49" charset="0"/>
-                <a:cs typeface="Courier New" panose="02070309020205020404" pitchFamily="49" charset="0"/>
-              </a:rPr>
-              <a:t>//only ones on AP</a:t>
-            </a:r>
-          </a:p>
-          <a:p>
-            <a:pPr marL="0" indent="0">
-              <a:buNone/>
-            </a:pPr>
-            <a:r>
-              <a:rPr lang="en-US" dirty="0">
-                <a:latin typeface="Courier New" panose="02070309020205020404" pitchFamily="49" charset="0"/>
-                <a:cs typeface="Courier New" panose="02070309020205020404" pitchFamily="49" charset="0"/>
-              </a:rPr>
-              <a:t>	equals()</a:t>
-            </a:r>
-          </a:p>
-        </p:txBody>
-      </p:sp>
-    </p:spTree>
-    <p:extLst>
-      <p:ext uri="{BB962C8B-B14F-4D97-AF65-F5344CB8AC3E}">
-        <p14:creationId xmlns:p14="http://schemas.microsoft.com/office/powerpoint/2010/main" val="1474835000"/>
       </p:ext>
     </p:extLst>
   </p:cSld>
@@ -23911,20 +23839,94 @@
             <p:ph type="title"/>
           </p:nvPr>
         </p:nvSpPr>
-        <p:spPr>
-          <a:xfrm>
-            <a:off x="838200" y="2755900"/>
-            <a:ext cx="10515600" cy="1157288"/>
-          </a:xfrm>
-        </p:spPr>
+        <p:spPr/>
         <p:txBody>
           <a:bodyPr/>
           <a:lstStyle/>
           <a:p>
-            <a:pPr algn="ctr"/>
             <a:r>
               <a:rPr lang="en-US" dirty="0"/>
-              <a:t>Who remembers what </a:t>
+              <a:t>The </a:t>
+            </a:r>
+            <a:r>
+              <a:rPr lang="en-US" dirty="0">
+                <a:latin typeface="Courier New" panose="02070309020205020404" pitchFamily="49" charset="0"/>
+                <a:cs typeface="Courier New" panose="02070309020205020404" pitchFamily="49" charset="0"/>
+              </a:rPr>
+              <a:t>Object</a:t>
+            </a:r>
+            <a:r>
+              <a:rPr lang="en-US" dirty="0">
+                <a:cs typeface="Courier New" panose="02070309020205020404" pitchFamily="49" charset="0"/>
+              </a:rPr>
+              <a:t> Superclass</a:t>
+            </a:r>
+            <a:endParaRPr lang="en-US" dirty="0"/>
+          </a:p>
+        </p:txBody>
+      </p:sp>
+      <p:sp>
+        <p:nvSpPr>
+          <p:cNvPr id="3" name="Content Placeholder 2"/>
+          <p:cNvSpPr>
+            <a:spLocks noGrp="1"/>
+          </p:cNvSpPr>
+          <p:nvPr>
+            <p:ph idx="1"/>
+          </p:nvPr>
+        </p:nvSpPr>
+        <p:spPr/>
+        <p:txBody>
+          <a:bodyPr/>
+          <a:lstStyle/>
+          <a:p>
+            <a:pPr marL="0" indent="0">
+              <a:buNone/>
+            </a:pPr>
+            <a:r>
+              <a:rPr lang="en-US" dirty="0"/>
+              <a:t>All classes are subclasses of the </a:t>
+            </a:r>
+            <a:r>
+              <a:rPr lang="en-US" dirty="0">
+                <a:latin typeface="Courier New" panose="02070309020205020404" pitchFamily="49" charset="0"/>
+                <a:cs typeface="Courier New" panose="02070309020205020404" pitchFamily="49" charset="0"/>
+              </a:rPr>
+              <a:t>Object</a:t>
+            </a:r>
+            <a:r>
+              <a:rPr lang="en-US" dirty="0"/>
+              <a:t> class.</a:t>
+            </a:r>
+          </a:p>
+          <a:p>
+            <a:pPr marL="0" indent="0">
+              <a:buNone/>
+            </a:pPr>
+            <a:endParaRPr lang="en-US" dirty="0"/>
+          </a:p>
+          <a:p>
+            <a:pPr marL="0" indent="0">
+              <a:buNone/>
+            </a:pPr>
+            <a:r>
+              <a:rPr lang="en-US" dirty="0"/>
+              <a:t>This means all objects inherit some methods:</a:t>
+            </a:r>
+          </a:p>
+          <a:p>
+            <a:pPr marL="0" indent="0">
+              <a:buNone/>
+            </a:pPr>
+            <a:endParaRPr lang="en-US" dirty="0"/>
+          </a:p>
+          <a:p>
+            <a:pPr marL="0" indent="0">
+              <a:buNone/>
+            </a:pPr>
+            <a:r>
+              <a:rPr lang="en-US" dirty="0"/>
+              <a:t>	</a:t>
             </a:r>
             <a:r>
               <a:rPr lang="en-US" dirty="0" err="1">
@@ -23934,8 +23936,33 @@
               <a:t>toString</a:t>
             </a:r>
             <a:r>
-              <a:rPr lang="en-US" dirty="0"/>
-              <a:t> does?</a:t>
+              <a:rPr lang="en-US" dirty="0">
+                <a:latin typeface="Courier New" panose="02070309020205020404" pitchFamily="49" charset="0"/>
+                <a:cs typeface="Courier New" panose="02070309020205020404" pitchFamily="49" charset="0"/>
+              </a:rPr>
+              <a:t>()  	 </a:t>
+            </a:r>
+            <a:r>
+              <a:rPr lang="en-US" dirty="0">
+                <a:solidFill>
+                  <a:schemeClr val="accent6"/>
+                </a:solidFill>
+                <a:latin typeface="Courier New" panose="02070309020205020404" pitchFamily="49" charset="0"/>
+                <a:cs typeface="Courier New" panose="02070309020205020404" pitchFamily="49" charset="0"/>
+              </a:rPr>
+              <a:t>//only ones on AP</a:t>
+            </a:r>
+          </a:p>
+          <a:p>
+            <a:pPr marL="0" indent="0">
+              <a:buNone/>
+            </a:pPr>
+            <a:r>
+              <a:rPr lang="en-US" dirty="0">
+                <a:latin typeface="Courier New" panose="02070309020205020404" pitchFamily="49" charset="0"/>
+                <a:cs typeface="Courier New" panose="02070309020205020404" pitchFamily="49" charset="0"/>
+              </a:rPr>
+              <a:t>	equals()</a:t>
             </a:r>
           </a:p>
         </p:txBody>
@@ -23943,7 +23970,7 @@
     </p:spTree>
     <p:extLst>
       <p:ext uri="{BB962C8B-B14F-4D97-AF65-F5344CB8AC3E}">
-        <p14:creationId xmlns:p14="http://schemas.microsoft.com/office/powerpoint/2010/main" val="2615536636"/>
+        <p14:creationId xmlns:p14="http://schemas.microsoft.com/office/powerpoint/2010/main" val="1474835000"/>
       </p:ext>
     </p:extLst>
   </p:cSld>
@@ -23982,31 +24009,29 @@
         </p:nvSpPr>
         <p:spPr>
           <a:xfrm>
-            <a:off x="627529" y="2755900"/>
-            <a:ext cx="10936942" cy="1157288"/>
+            <a:off x="838200" y="2755900"/>
+            <a:ext cx="10515600" cy="1157288"/>
           </a:xfrm>
         </p:spPr>
         <p:txBody>
-          <a:bodyPr>
-            <a:normAutofit/>
-          </a:bodyPr>
+          <a:bodyPr/>
           <a:lstStyle/>
           <a:p>
             <a:pPr algn="ctr"/>
             <a:r>
               <a:rPr lang="en-US" dirty="0"/>
-              <a:t>Why can’t we just use  </a:t>
-            </a:r>
-            <a:r>
-              <a:rPr lang="en-US" dirty="0">
-                <a:latin typeface="Courier New" panose="02070309020205020404" pitchFamily="49" charset="0"/>
-                <a:cs typeface="Courier New" panose="02070309020205020404" pitchFamily="49" charset="0"/>
-              </a:rPr>
-              <a:t>==</a:t>
+              <a:t>Who remembers what </a:t>
+            </a:r>
+            <a:r>
+              <a:rPr lang="en-US" dirty="0" err="1">
+                <a:latin typeface="Courier New" panose="02070309020205020404" pitchFamily="49" charset="0"/>
+                <a:cs typeface="Courier New" panose="02070309020205020404" pitchFamily="49" charset="0"/>
+              </a:rPr>
+              <a:t>toString</a:t>
             </a:r>
             <a:r>
               <a:rPr lang="en-US" dirty="0"/>
-              <a:t>  to test for equality?</a:t>
+              <a:t> does?</a:t>
             </a:r>
           </a:p>
         </p:txBody>
@@ -24014,7 +24039,7 @@
     </p:spTree>
     <p:extLst>
       <p:ext uri="{BB962C8B-B14F-4D97-AF65-F5344CB8AC3E}">
-        <p14:creationId xmlns:p14="http://schemas.microsoft.com/office/powerpoint/2010/main" val="2455569365"/>
+        <p14:creationId xmlns:p14="http://schemas.microsoft.com/office/powerpoint/2010/main" val="2615536636"/>
       </p:ext>
     </p:extLst>
   </p:cSld>
@@ -24051,257 +24076,41 @@
             <p:ph type="title"/>
           </p:nvPr>
         </p:nvSpPr>
-        <p:spPr/>
+        <p:spPr>
+          <a:xfrm>
+            <a:off x="627529" y="2755900"/>
+            <a:ext cx="10936942" cy="1157288"/>
+          </a:xfrm>
+        </p:spPr>
         <p:txBody>
-          <a:bodyPr/>
+          <a:bodyPr>
+            <a:normAutofit/>
+          </a:bodyPr>
           <a:lstStyle/>
           <a:p>
+            <a:pPr algn="ctr"/>
             <a:r>
               <a:rPr lang="en-US" dirty="0"/>
-              <a:t>The standard == operator:</a:t>
-            </a:r>
-          </a:p>
-        </p:txBody>
-      </p:sp>
-      <p:sp>
-        <p:nvSpPr>
-          <p:cNvPr id="3" name="Content Placeholder 2"/>
-          <p:cNvSpPr>
-            <a:spLocks noGrp="1"/>
-          </p:cNvSpPr>
-          <p:nvPr>
-            <p:ph idx="1"/>
-          </p:nvPr>
-        </p:nvSpPr>
-        <p:spPr/>
-        <p:txBody>
-          <a:bodyPr/>
-          <a:lstStyle/>
-          <a:p>
-            <a:pPr marL="0" indent="0">
-              <a:buNone/>
-            </a:pPr>
+              <a:t>Why can’t we just use  </a:t>
+            </a:r>
             <a:r>
               <a:rPr lang="en-US" dirty="0">
                 <a:latin typeface="Courier New" panose="02070309020205020404" pitchFamily="49" charset="0"/>
                 <a:cs typeface="Courier New" panose="02070309020205020404" pitchFamily="49" charset="0"/>
               </a:rPr>
-              <a:t>String z = “z”;		a == b</a:t>
-            </a:r>
-          </a:p>
-          <a:p>
-            <a:pPr marL="0" indent="0">
-              <a:buNone/>
-            </a:pPr>
-            <a:r>
-              <a:rPr lang="en-US" dirty="0">
-                <a:latin typeface="Courier New" panose="02070309020205020404" pitchFamily="49" charset="0"/>
-                <a:cs typeface="Courier New" panose="02070309020205020404" pitchFamily="49" charset="0"/>
-              </a:rPr>
-              <a:t>					</a:t>
-            </a:r>
-            <a:r>
-              <a:rPr lang="en-US" dirty="0">
-                <a:solidFill>
-                  <a:srgbClr val="FF0000"/>
-                </a:solidFill>
-                <a:cs typeface="Courier New" panose="02070309020205020404" pitchFamily="49" charset="0"/>
-              </a:rPr>
-              <a:t>Evaluates to false because </a:t>
-            </a:r>
-            <a:r>
-              <a:rPr lang="en-US" dirty="0">
-                <a:solidFill>
-                  <a:srgbClr val="FF0000"/>
-                </a:solidFill>
-                <a:latin typeface="Courier New" panose="02070309020205020404" pitchFamily="49" charset="0"/>
-                <a:cs typeface="Courier New" panose="02070309020205020404" pitchFamily="49" charset="0"/>
-              </a:rPr>
-              <a:t>a</a:t>
-            </a:r>
-            <a:r>
-              <a:rPr lang="en-US" dirty="0">
-                <a:solidFill>
-                  <a:srgbClr val="FF0000"/>
-                </a:solidFill>
-                <a:cs typeface="Courier New" panose="02070309020205020404" pitchFamily="49" charset="0"/>
-              </a:rPr>
-              <a:t> and </a:t>
-            </a:r>
-            <a:r>
-              <a:rPr lang="en-US" dirty="0">
-                <a:solidFill>
-                  <a:srgbClr val="FF0000"/>
-                </a:solidFill>
-                <a:latin typeface="Courier New" panose="02070309020205020404" pitchFamily="49" charset="0"/>
-                <a:cs typeface="Courier New" panose="02070309020205020404" pitchFamily="49" charset="0"/>
-              </a:rPr>
-              <a:t>b</a:t>
-            </a:r>
-            <a:r>
-              <a:rPr lang="en-US" dirty="0">
-                <a:solidFill>
-                  <a:srgbClr val="FF0000"/>
-                </a:solidFill>
-                <a:cs typeface="Courier New" panose="02070309020205020404" pitchFamily="49" charset="0"/>
-              </a:rPr>
-              <a:t> </a:t>
-            </a:r>
-            <a:endParaRPr lang="en-US" dirty="0">
-              <a:solidFill>
-                <a:srgbClr val="FF0000"/>
-              </a:solidFill>
-              <a:latin typeface="Courier New" panose="02070309020205020404" pitchFamily="49" charset="0"/>
-              <a:cs typeface="Courier New" panose="02070309020205020404" pitchFamily="49" charset="0"/>
-            </a:endParaRPr>
-          </a:p>
-          <a:p>
-            <a:pPr marL="0" indent="0">
-              <a:buNone/>
-            </a:pPr>
-            <a:r>
-              <a:rPr lang="en-US" dirty="0">
-                <a:latin typeface="Courier New" panose="02070309020205020404" pitchFamily="49" charset="0"/>
-                <a:cs typeface="Courier New" panose="02070309020205020404" pitchFamily="49" charset="0"/>
-              </a:rPr>
-              <a:t>String a = z + z;		</a:t>
-            </a:r>
-            <a:r>
-              <a:rPr lang="en-US" dirty="0">
-                <a:solidFill>
-                  <a:srgbClr val="FF0000"/>
-                </a:solidFill>
-                <a:cs typeface="Courier New" panose="02070309020205020404" pitchFamily="49" charset="0"/>
-              </a:rPr>
-              <a:t>refer to different strings.</a:t>
-            </a:r>
-            <a:endParaRPr lang="en-US" dirty="0">
-              <a:solidFill>
-                <a:srgbClr val="FF0000"/>
-              </a:solidFill>
-              <a:latin typeface="Courier New" panose="02070309020205020404" pitchFamily="49" charset="0"/>
-              <a:cs typeface="Courier New" panose="02070309020205020404" pitchFamily="49" charset="0"/>
-            </a:endParaRPr>
-          </a:p>
-          <a:p>
-            <a:pPr marL="0" indent="0">
-              <a:buNone/>
-            </a:pPr>
-            <a:endParaRPr lang="en-US" dirty="0">
-              <a:latin typeface="Courier New" panose="02070309020205020404" pitchFamily="49" charset="0"/>
-              <a:cs typeface="Courier New" panose="02070309020205020404" pitchFamily="49" charset="0"/>
-            </a:endParaRPr>
-          </a:p>
-          <a:p>
-            <a:pPr marL="0" indent="0">
-              <a:buNone/>
-            </a:pPr>
-            <a:r>
-              <a:rPr lang="en-US" dirty="0">
-                <a:latin typeface="Courier New" panose="02070309020205020404" pitchFamily="49" charset="0"/>
-                <a:cs typeface="Courier New" panose="02070309020205020404" pitchFamily="49" charset="0"/>
-              </a:rPr>
-              <a:t>String b = “</a:t>
-            </a:r>
-            <a:r>
-              <a:rPr lang="en-US" dirty="0" err="1">
-                <a:latin typeface="Courier New" panose="02070309020205020404" pitchFamily="49" charset="0"/>
-                <a:cs typeface="Courier New" panose="02070309020205020404" pitchFamily="49" charset="0"/>
-              </a:rPr>
-              <a:t>zz</a:t>
-            </a:r>
-            <a:r>
-              <a:rPr lang="en-US" dirty="0">
-                <a:latin typeface="Courier New" panose="02070309020205020404" pitchFamily="49" charset="0"/>
-                <a:cs typeface="Courier New" panose="02070309020205020404" pitchFamily="49" charset="0"/>
-              </a:rPr>
-              <a:t>”;		c == b</a:t>
-            </a:r>
-          </a:p>
-          <a:p>
-            <a:pPr marL="0" indent="0">
-              <a:buNone/>
-            </a:pPr>
-            <a:r>
-              <a:rPr lang="en-US" dirty="0">
-                <a:latin typeface="Courier New" panose="02070309020205020404" pitchFamily="49" charset="0"/>
-                <a:cs typeface="Courier New" panose="02070309020205020404" pitchFamily="49" charset="0"/>
-              </a:rPr>
-              <a:t>					</a:t>
-            </a:r>
-            <a:r>
-              <a:rPr lang="en-US" dirty="0">
-                <a:solidFill>
-                  <a:schemeClr val="accent6"/>
-                </a:solidFill>
-                <a:cs typeface="Courier New" panose="02070309020205020404" pitchFamily="49" charset="0"/>
-              </a:rPr>
-              <a:t>Evaluates to true because </a:t>
-            </a:r>
-            <a:r>
-              <a:rPr lang="en-US" dirty="0">
-                <a:solidFill>
-                  <a:schemeClr val="accent6"/>
-                </a:solidFill>
-                <a:latin typeface="Courier New" panose="02070309020205020404" pitchFamily="49" charset="0"/>
-                <a:cs typeface="Courier New" panose="02070309020205020404" pitchFamily="49" charset="0"/>
-              </a:rPr>
-              <a:t>c</a:t>
-            </a:r>
-            <a:r>
-              <a:rPr lang="en-US" dirty="0">
-                <a:solidFill>
-                  <a:schemeClr val="accent6"/>
-                </a:solidFill>
-                <a:cs typeface="Courier New" panose="02070309020205020404" pitchFamily="49" charset="0"/>
-              </a:rPr>
-              <a:t> and </a:t>
-            </a:r>
-            <a:r>
-              <a:rPr lang="en-US" dirty="0">
-                <a:solidFill>
-                  <a:schemeClr val="accent6"/>
-                </a:solidFill>
-                <a:latin typeface="Courier New" panose="02070309020205020404" pitchFamily="49" charset="0"/>
-                <a:cs typeface="Courier New" panose="02070309020205020404" pitchFamily="49" charset="0"/>
-              </a:rPr>
-              <a:t>b</a:t>
-            </a:r>
-          </a:p>
-          <a:p>
-            <a:pPr marL="0" indent="0">
-              <a:buNone/>
-            </a:pPr>
-            <a:r>
-              <a:rPr lang="en-US" dirty="0">
-                <a:latin typeface="Courier New" panose="02070309020205020404" pitchFamily="49" charset="0"/>
-                <a:cs typeface="Courier New" panose="02070309020205020404" pitchFamily="49" charset="0"/>
-              </a:rPr>
-              <a:t>String c = b;		</a:t>
-            </a:r>
-            <a:r>
-              <a:rPr lang="en-US" dirty="0">
-                <a:solidFill>
-                  <a:schemeClr val="accent6"/>
-                </a:solidFill>
-                <a:cs typeface="Courier New" panose="02070309020205020404" pitchFamily="49" charset="0"/>
-              </a:rPr>
-              <a:t>refer to the same string.</a:t>
-            </a:r>
-            <a:endParaRPr lang="en-US" dirty="0">
-              <a:solidFill>
-                <a:schemeClr val="accent6"/>
-              </a:solidFill>
-              <a:latin typeface="Courier New" panose="02070309020205020404" pitchFamily="49" charset="0"/>
-              <a:cs typeface="Courier New" panose="02070309020205020404" pitchFamily="49" charset="0"/>
-            </a:endParaRPr>
+              <a:t>==</a:t>
+            </a:r>
+            <a:r>
+              <a:rPr lang="en-US" dirty="0"/>
+              <a:t>  to test for equality?</a:t>
+            </a:r>
           </a:p>
         </p:txBody>
       </p:sp>
     </p:spTree>
     <p:extLst>
       <p:ext uri="{BB962C8B-B14F-4D97-AF65-F5344CB8AC3E}">
-        <p14:creationId xmlns:p14="http://schemas.microsoft.com/office/powerpoint/2010/main" val="834510547"/>
+        <p14:creationId xmlns:p14="http://schemas.microsoft.com/office/powerpoint/2010/main" val="2455569365"/>
       </p:ext>
     </p:extLst>
   </p:cSld>
@@ -24345,18 +24154,7 @@
           <a:p>
             <a:r>
               <a:rPr lang="en-US" dirty="0"/>
-              <a:t>The String </a:t>
-            </a:r>
-            <a:r>
-              <a:rPr lang="en-US" dirty="0">
-                <a:latin typeface="Courier New" panose="02070309020205020404" pitchFamily="49" charset="0"/>
-                <a:cs typeface="Courier New" panose="02070309020205020404" pitchFamily="49" charset="0"/>
-              </a:rPr>
-              <a:t>equals</a:t>
-            </a:r>
-            <a:r>
-              <a:rPr lang="en-US" dirty="0"/>
-              <a:t> methods</a:t>
+              <a:t>The standard == operator:</a:t>
             </a:r>
           </a:p>
         </p:txBody>
@@ -24380,19 +24178,106 @@
               <a:buNone/>
             </a:pPr>
             <a:r>
-              <a:rPr lang="en-US" dirty="0" err="1">
-                <a:latin typeface="Courier New" panose="02070309020205020404" pitchFamily="49" charset="0"/>
-                <a:cs typeface="Courier New" panose="02070309020205020404" pitchFamily="49" charset="0"/>
-              </a:rPr>
-              <a:t>a.equals</a:t>
-            </a:r>
-            <a:r>
               <a:rPr lang="en-US" dirty="0">
                 <a:latin typeface="Courier New" panose="02070309020205020404" pitchFamily="49" charset="0"/>
                 <a:cs typeface="Courier New" panose="02070309020205020404" pitchFamily="49" charset="0"/>
               </a:rPr>
-              <a:t>(b) </a:t>
-            </a:r>
+              <a:t>String z = “z”;		a == b</a:t>
+            </a:r>
+          </a:p>
+          <a:p>
+            <a:pPr marL="0" indent="0">
+              <a:buNone/>
+            </a:pPr>
+            <a:r>
+              <a:rPr lang="en-US" dirty="0">
+                <a:latin typeface="Courier New" panose="02070309020205020404" pitchFamily="49" charset="0"/>
+                <a:cs typeface="Courier New" panose="02070309020205020404" pitchFamily="49" charset="0"/>
+              </a:rPr>
+              <a:t>					</a:t>
+            </a:r>
+            <a:r>
+              <a:rPr lang="en-US" dirty="0">
+                <a:solidFill>
+                  <a:srgbClr val="FF0000"/>
+                </a:solidFill>
+                <a:cs typeface="Courier New" panose="02070309020205020404" pitchFamily="49" charset="0"/>
+              </a:rPr>
+              <a:t>Evaluates to false because </a:t>
+            </a:r>
+            <a:r>
+              <a:rPr lang="en-US" dirty="0">
+                <a:solidFill>
+                  <a:srgbClr val="FF0000"/>
+                </a:solidFill>
+                <a:latin typeface="Courier New" panose="02070309020205020404" pitchFamily="49" charset="0"/>
+                <a:cs typeface="Courier New" panose="02070309020205020404" pitchFamily="49" charset="0"/>
+              </a:rPr>
+              <a:t>a</a:t>
+            </a:r>
+            <a:r>
+              <a:rPr lang="en-US" dirty="0">
+                <a:solidFill>
+                  <a:srgbClr val="FF0000"/>
+                </a:solidFill>
+                <a:cs typeface="Courier New" panose="02070309020205020404" pitchFamily="49" charset="0"/>
+              </a:rPr>
+              <a:t> and </a:t>
+            </a:r>
+            <a:r>
+              <a:rPr lang="en-US" dirty="0">
+                <a:solidFill>
+                  <a:srgbClr val="FF0000"/>
+                </a:solidFill>
+                <a:latin typeface="Courier New" panose="02070309020205020404" pitchFamily="49" charset="0"/>
+                <a:cs typeface="Courier New" panose="02070309020205020404" pitchFamily="49" charset="0"/>
+              </a:rPr>
+              <a:t>b</a:t>
+            </a:r>
+            <a:r>
+              <a:rPr lang="en-US" dirty="0">
+                <a:solidFill>
+                  <a:srgbClr val="FF0000"/>
+                </a:solidFill>
+                <a:cs typeface="Courier New" panose="02070309020205020404" pitchFamily="49" charset="0"/>
+              </a:rPr>
+              <a:t> </a:t>
+            </a:r>
+            <a:endParaRPr lang="en-US" dirty="0">
+              <a:solidFill>
+                <a:srgbClr val="FF0000"/>
+              </a:solidFill>
+              <a:latin typeface="Courier New" panose="02070309020205020404" pitchFamily="49" charset="0"/>
+              <a:cs typeface="Courier New" panose="02070309020205020404" pitchFamily="49" charset="0"/>
+            </a:endParaRPr>
+          </a:p>
+          <a:p>
+            <a:pPr marL="0" indent="0">
+              <a:buNone/>
+            </a:pPr>
+            <a:r>
+              <a:rPr lang="en-US" dirty="0">
+                <a:latin typeface="Courier New" panose="02070309020205020404" pitchFamily="49" charset="0"/>
+                <a:cs typeface="Courier New" panose="02070309020205020404" pitchFamily="49" charset="0"/>
+              </a:rPr>
+              <a:t>String a = z + z;		</a:t>
+            </a:r>
+            <a:r>
+              <a:rPr lang="en-US" dirty="0">
+                <a:solidFill>
+                  <a:srgbClr val="FF0000"/>
+                </a:solidFill>
+                <a:cs typeface="Courier New" panose="02070309020205020404" pitchFamily="49" charset="0"/>
+              </a:rPr>
+              <a:t>refer to different strings.</a:t>
+            </a:r>
+            <a:endParaRPr lang="en-US" dirty="0">
+              <a:solidFill>
+                <a:srgbClr val="FF0000"/>
+              </a:solidFill>
+              <a:latin typeface="Courier New" panose="02070309020205020404" pitchFamily="49" charset="0"/>
+              <a:cs typeface="Courier New" panose="02070309020205020404" pitchFamily="49" charset="0"/>
+            </a:endParaRPr>
           </a:p>
           <a:p>
             <a:pPr marL="0" indent="0">
@@ -24408,21 +24293,98 @@
               <a:buNone/>
             </a:pPr>
             <a:r>
-              <a:rPr lang="en-US" sz="2000" dirty="0">
+              <a:rPr lang="en-US" dirty="0">
+                <a:latin typeface="Courier New" panose="02070309020205020404" pitchFamily="49" charset="0"/>
+                <a:cs typeface="Courier New" panose="02070309020205020404" pitchFamily="49" charset="0"/>
+              </a:rPr>
+              <a:t>String b = “</a:t>
+            </a:r>
+            <a:r>
+              <a:rPr lang="en-US" dirty="0" err="1">
+                <a:latin typeface="Courier New" panose="02070309020205020404" pitchFamily="49" charset="0"/>
+                <a:cs typeface="Courier New" panose="02070309020205020404" pitchFamily="49" charset="0"/>
+              </a:rPr>
+              <a:t>zz</a:t>
+            </a:r>
+            <a:r>
+              <a:rPr lang="en-US" dirty="0">
+                <a:latin typeface="Courier New" panose="02070309020205020404" pitchFamily="49" charset="0"/>
+                <a:cs typeface="Courier New" panose="02070309020205020404" pitchFamily="49" charset="0"/>
+              </a:rPr>
+              <a:t>”;		c == b</a:t>
+            </a:r>
+          </a:p>
+          <a:p>
+            <a:pPr marL="0" indent="0">
+              <a:buNone/>
+            </a:pPr>
+            <a:r>
+              <a:rPr lang="en-US" dirty="0">
+                <a:latin typeface="Courier New" panose="02070309020205020404" pitchFamily="49" charset="0"/>
+                <a:cs typeface="Courier New" panose="02070309020205020404" pitchFamily="49" charset="0"/>
+              </a:rPr>
+              <a:t>					</a:t>
+            </a:r>
+            <a:r>
+              <a:rPr lang="en-US" dirty="0">
                 <a:solidFill>
                   <a:schemeClr val="accent6"/>
                 </a:solidFill>
-                <a:latin typeface="Courier New" panose="02070309020205020404" pitchFamily="49" charset="0"/>
-                <a:cs typeface="Courier New" panose="02070309020205020404" pitchFamily="49" charset="0"/>
-              </a:rPr>
-              <a:t>/* evaluates to true because the content of a and b are the same */</a:t>
+                <a:cs typeface="Courier New" panose="02070309020205020404" pitchFamily="49" charset="0"/>
+              </a:rPr>
+              <a:t>Evaluates to true because </a:t>
+            </a:r>
+            <a:r>
+              <a:rPr lang="en-US" dirty="0">
+                <a:solidFill>
+                  <a:schemeClr val="accent6"/>
+                </a:solidFill>
+                <a:latin typeface="Courier New" panose="02070309020205020404" pitchFamily="49" charset="0"/>
+                <a:cs typeface="Courier New" panose="02070309020205020404" pitchFamily="49" charset="0"/>
+              </a:rPr>
+              <a:t>c</a:t>
+            </a:r>
+            <a:r>
+              <a:rPr lang="en-US" dirty="0">
+                <a:solidFill>
+                  <a:schemeClr val="accent6"/>
+                </a:solidFill>
+                <a:cs typeface="Courier New" panose="02070309020205020404" pitchFamily="49" charset="0"/>
+              </a:rPr>
+              <a:t> and </a:t>
+            </a:r>
+            <a:r>
+              <a:rPr lang="en-US" dirty="0">
+                <a:solidFill>
+                  <a:schemeClr val="accent6"/>
+                </a:solidFill>
+                <a:latin typeface="Courier New" panose="02070309020205020404" pitchFamily="49" charset="0"/>
+                <a:cs typeface="Courier New" panose="02070309020205020404" pitchFamily="49" charset="0"/>
+              </a:rPr>
+              <a:t>b</a:t>
             </a:r>
           </a:p>
           <a:p>
             <a:pPr marL="0" indent="0">
               <a:buNone/>
             </a:pPr>
-            <a:endParaRPr lang="en-US" sz="2000" dirty="0">
+            <a:r>
+              <a:rPr lang="en-US" dirty="0">
+                <a:latin typeface="Courier New" panose="02070309020205020404" pitchFamily="49" charset="0"/>
+                <a:cs typeface="Courier New" panose="02070309020205020404" pitchFamily="49" charset="0"/>
+              </a:rPr>
+              <a:t>String c = b;		</a:t>
+            </a:r>
+            <a:r>
+              <a:rPr lang="en-US" dirty="0">
+                <a:solidFill>
+                  <a:schemeClr val="accent6"/>
+                </a:solidFill>
+                <a:cs typeface="Courier New" panose="02070309020205020404" pitchFamily="49" charset="0"/>
+              </a:rPr>
+              <a:t>refer to the same string.</a:t>
+            </a:r>
+            <a:endParaRPr lang="en-US" dirty="0">
               <a:solidFill>
                 <a:schemeClr val="accent6"/>
               </a:solidFill>
@@ -24430,67 +24392,12 @@
               <a:cs typeface="Courier New" panose="02070309020205020404" pitchFamily="49" charset="0"/>
             </a:endParaRPr>
           </a:p>
-          <a:p>
-            <a:pPr marL="0" indent="0">
-              <a:buNone/>
-            </a:pPr>
-            <a:r>
-              <a:rPr lang="en-US" dirty="0" err="1">
-                <a:latin typeface="Courier New" panose="02070309020205020404" pitchFamily="49" charset="0"/>
-                <a:cs typeface="Courier New" panose="02070309020205020404" pitchFamily="49" charset="0"/>
-              </a:rPr>
-              <a:t>c.equals</a:t>
-            </a:r>
-            <a:r>
-              <a:rPr lang="en-US" dirty="0">
-                <a:latin typeface="Courier New" panose="02070309020205020404" pitchFamily="49" charset="0"/>
-                <a:cs typeface="Courier New" panose="02070309020205020404" pitchFamily="49" charset="0"/>
-              </a:rPr>
-              <a:t>(b) </a:t>
-            </a:r>
-          </a:p>
-          <a:p>
-            <a:pPr marL="0" indent="0">
-              <a:buNone/>
-            </a:pPr>
-            <a:endParaRPr lang="en-US" sz="2000" dirty="0">
-              <a:latin typeface="Courier New" panose="02070309020205020404" pitchFamily="49" charset="0"/>
-              <a:cs typeface="Courier New" panose="02070309020205020404" pitchFamily="49" charset="0"/>
-            </a:endParaRPr>
-          </a:p>
-          <a:p>
-            <a:pPr marL="0" indent="0">
-              <a:buNone/>
-            </a:pPr>
-            <a:r>
-              <a:rPr lang="en-US" sz="2000" dirty="0">
-                <a:solidFill>
-                  <a:schemeClr val="accent6"/>
-                </a:solidFill>
-                <a:latin typeface="Courier New" panose="02070309020205020404" pitchFamily="49" charset="0"/>
-                <a:cs typeface="Courier New" panose="02070309020205020404" pitchFamily="49" charset="0"/>
-              </a:rPr>
-              <a:t>/* evaluates to true because c and b refer to the same string */</a:t>
-            </a:r>
-          </a:p>
-          <a:p>
-            <a:pPr marL="0" indent="0">
-              <a:buNone/>
-            </a:pPr>
-            <a:endParaRPr lang="en-US" sz="2000" dirty="0">
-              <a:solidFill>
-                <a:schemeClr val="accent6"/>
-              </a:solidFill>
-              <a:latin typeface="Courier New" panose="02070309020205020404" pitchFamily="49" charset="0"/>
-              <a:cs typeface="Courier New" panose="02070309020205020404" pitchFamily="49" charset="0"/>
-            </a:endParaRPr>
-          </a:p>
         </p:txBody>
       </p:sp>
     </p:spTree>
     <p:extLst>
       <p:ext uri="{BB962C8B-B14F-4D97-AF65-F5344CB8AC3E}">
-        <p14:creationId xmlns:p14="http://schemas.microsoft.com/office/powerpoint/2010/main" val="1746487571"/>
+        <p14:creationId xmlns:p14="http://schemas.microsoft.com/office/powerpoint/2010/main" val="834510547"/>
       </p:ext>
     </p:extLst>
   </p:cSld>
@@ -24534,7 +24441,7 @@
           <a:p>
             <a:r>
               <a:rPr lang="en-US" dirty="0"/>
-              <a:t>Overriding the </a:t>
+              <a:t>The String </a:t>
             </a:r>
             <a:r>
               <a:rPr lang="en-US" dirty="0">
@@ -24545,7 +24452,7 @@
             </a:r>
             <a:r>
               <a:rPr lang="en-US" dirty="0"/>
-              <a:t> method:</a:t>
+              <a:t> methods</a:t>
             </a:r>
           </a:p>
         </p:txBody>
@@ -24562,98 +24469,80 @@
         </p:nvSpPr>
         <p:spPr/>
         <p:txBody>
-          <a:bodyPr>
-            <a:normAutofit/>
-          </a:bodyPr>
+          <a:bodyPr/>
           <a:lstStyle/>
           <a:p>
             <a:pPr marL="0" indent="0">
               <a:buNone/>
             </a:pPr>
             <a:r>
+              <a:rPr lang="en-US" dirty="0" err="1">
+                <a:latin typeface="Courier New" panose="02070309020205020404" pitchFamily="49" charset="0"/>
+                <a:cs typeface="Courier New" panose="02070309020205020404" pitchFamily="49" charset="0"/>
+              </a:rPr>
+              <a:t>a.equals</a:t>
+            </a:r>
+            <a:r>
+              <a:rPr lang="en-US" dirty="0">
+                <a:latin typeface="Courier New" panose="02070309020205020404" pitchFamily="49" charset="0"/>
+                <a:cs typeface="Courier New" panose="02070309020205020404" pitchFamily="49" charset="0"/>
+              </a:rPr>
+              <a:t>(b) </a:t>
+            </a:r>
+          </a:p>
+          <a:p>
+            <a:pPr marL="0" indent="0">
+              <a:buNone/>
+            </a:pPr>
+            <a:endParaRPr lang="en-US" dirty="0">
+              <a:latin typeface="Courier New" panose="02070309020205020404" pitchFamily="49" charset="0"/>
+              <a:cs typeface="Courier New" panose="02070309020205020404" pitchFamily="49" charset="0"/>
+            </a:endParaRPr>
+          </a:p>
+          <a:p>
+            <a:pPr marL="0" indent="0">
+              <a:buNone/>
+            </a:pPr>
+            <a:r>
               <a:rPr lang="en-US" sz="2000" dirty="0">
-                <a:latin typeface="Courier New" panose="02070309020205020404" pitchFamily="49" charset="0"/>
-                <a:cs typeface="Courier New" panose="02070309020205020404" pitchFamily="49" charset="0"/>
-              </a:rPr>
-              <a:t>public </a:t>
-            </a:r>
-            <a:r>
-              <a:rPr lang="en-US" sz="2000" dirty="0" err="1">
-                <a:latin typeface="Courier New" panose="02070309020205020404" pitchFamily="49" charset="0"/>
-                <a:cs typeface="Courier New" panose="02070309020205020404" pitchFamily="49" charset="0"/>
-              </a:rPr>
-              <a:t>boolean</a:t>
-            </a:r>
-            <a:r>
-              <a:rPr lang="en-US" sz="2000" dirty="0">
-                <a:latin typeface="Courier New" panose="02070309020205020404" pitchFamily="49" charset="0"/>
-                <a:cs typeface="Courier New" panose="02070309020205020404" pitchFamily="49" charset="0"/>
-              </a:rPr>
-              <a:t> equals(Object o){</a:t>
+                <a:solidFill>
+                  <a:schemeClr val="accent6"/>
+                </a:solidFill>
+                <a:latin typeface="Courier New" panose="02070309020205020404" pitchFamily="49" charset="0"/>
+                <a:cs typeface="Courier New" panose="02070309020205020404" pitchFamily="49" charset="0"/>
+              </a:rPr>
+              <a:t>/* evaluates to true because the content of a and b are the same */</a:t>
             </a:r>
           </a:p>
           <a:p>
             <a:pPr marL="0" indent="0">
               <a:buNone/>
             </a:pPr>
-            <a:r>
-              <a:rPr lang="en-US" sz="2000" dirty="0">
-                <a:latin typeface="Courier New" panose="02070309020205020404" pitchFamily="49" charset="0"/>
-                <a:cs typeface="Courier New" panose="02070309020205020404" pitchFamily="49" charset="0"/>
-              </a:rPr>
-              <a:t>	Drink other = (Drink) o;</a:t>
-            </a:r>
+            <a:endParaRPr lang="en-US" sz="2000" dirty="0">
+              <a:solidFill>
+                <a:schemeClr val="accent6"/>
+              </a:solidFill>
+              <a:latin typeface="Courier New" panose="02070309020205020404" pitchFamily="49" charset="0"/>
+              <a:cs typeface="Courier New" panose="02070309020205020404" pitchFamily="49" charset="0"/>
+            </a:endParaRPr>
           </a:p>
           <a:p>
             <a:pPr marL="0" indent="0">
               <a:buNone/>
             </a:pPr>
             <a:r>
-              <a:rPr lang="en-US" sz="2000" dirty="0">
-                <a:latin typeface="Courier New" panose="02070309020205020404" pitchFamily="49" charset="0"/>
-                <a:cs typeface="Courier New" panose="02070309020205020404" pitchFamily="49" charset="0"/>
-              </a:rPr>
-              <a:t>	return </a:t>
-            </a:r>
-            <a:r>
-              <a:rPr lang="en-US" sz="2000" dirty="0" err="1">
-                <a:latin typeface="Courier New" panose="02070309020205020404" pitchFamily="49" charset="0"/>
-                <a:cs typeface="Courier New" panose="02070309020205020404" pitchFamily="49" charset="0"/>
-              </a:rPr>
-              <a:t>name.equal</a:t>
-            </a:r>
-            <a:r>
-              <a:rPr lang="en-US" sz="2000" dirty="0">
-                <a:latin typeface="Courier New" panose="02070309020205020404" pitchFamily="49" charset="0"/>
-                <a:cs typeface="Courier New" panose="02070309020205020404" pitchFamily="49" charset="0"/>
-              </a:rPr>
-              <a:t>(other.name) &amp;&amp; ounces == </a:t>
-            </a:r>
-            <a:r>
-              <a:rPr lang="en-US" sz="2000" dirty="0" err="1">
-                <a:latin typeface="Courier New" panose="02070309020205020404" pitchFamily="49" charset="0"/>
-                <a:cs typeface="Courier New" panose="02070309020205020404" pitchFamily="49" charset="0"/>
-              </a:rPr>
-              <a:t>other.ounces</a:t>
-            </a:r>
-            <a:r>
-              <a:rPr lang="en-US" sz="2000" dirty="0">
-                <a:latin typeface="Courier New" panose="02070309020205020404" pitchFamily="49" charset="0"/>
-                <a:cs typeface="Courier New" panose="02070309020205020404" pitchFamily="49" charset="0"/>
-              </a:rPr>
-              <a:t>;</a:t>
-            </a:r>
-          </a:p>
-          <a:p>
-            <a:pPr marL="0" indent="0">
-              <a:buNone/>
-            </a:pPr>
-            <a:r>
-              <a:rPr lang="en-US" sz="2000" dirty="0">
-                <a:latin typeface="Courier New" panose="02070309020205020404" pitchFamily="49" charset="0"/>
-                <a:cs typeface="Courier New" panose="02070309020205020404" pitchFamily="49" charset="0"/>
-              </a:rPr>
-              <a:t>}</a:t>
+              <a:rPr lang="en-US" dirty="0" err="1">
+                <a:latin typeface="Courier New" panose="02070309020205020404" pitchFamily="49" charset="0"/>
+                <a:cs typeface="Courier New" panose="02070309020205020404" pitchFamily="49" charset="0"/>
+              </a:rPr>
+              <a:t>c.equals</a:t>
+            </a:r>
+            <a:r>
+              <a:rPr lang="en-US" dirty="0">
+                <a:latin typeface="Courier New" panose="02070309020205020404" pitchFamily="49" charset="0"/>
+                <a:cs typeface="Courier New" panose="02070309020205020404" pitchFamily="49" charset="0"/>
+              </a:rPr>
+              <a:t>(b) </a:t>
             </a:r>
           </a:p>
           <a:p>
@@ -24670,37 +24559,34 @@
               <a:buNone/>
             </a:pPr>
             <a:r>
-              <a:rPr lang="en-US" dirty="0">
-                <a:cs typeface="Courier New" panose="02070309020205020404" pitchFamily="49" charset="0"/>
-              </a:rPr>
-              <a:t>What does this let us compare?</a:t>
+              <a:rPr lang="en-US" sz="2000" dirty="0">
+                <a:solidFill>
+                  <a:schemeClr val="accent6"/>
+                </a:solidFill>
+                <a:latin typeface="Courier New" panose="02070309020205020404" pitchFamily="49" charset="0"/>
+                <a:cs typeface="Courier New" panose="02070309020205020404" pitchFamily="49" charset="0"/>
+              </a:rPr>
+              <a:t>/* evaluates to true because c and b refer to the same string */</a:t>
             </a:r>
           </a:p>
           <a:p>
             <a:pPr marL="0" indent="0">
               <a:buNone/>
             </a:pPr>
-            <a:endParaRPr lang="en-US" dirty="0">
+            <a:endParaRPr lang="en-US" sz="2000" dirty="0">
+              <a:solidFill>
+                <a:schemeClr val="accent6"/>
+              </a:solidFill>
+              <a:latin typeface="Courier New" panose="02070309020205020404" pitchFamily="49" charset="0"/>
               <a:cs typeface="Courier New" panose="02070309020205020404" pitchFamily="49" charset="0"/>
             </a:endParaRPr>
-          </a:p>
-          <a:p>
-            <a:pPr marL="0" indent="0">
-              <a:buNone/>
-            </a:pPr>
-            <a:r>
-              <a:rPr lang="en-US" dirty="0">
-                <a:cs typeface="Courier New" panose="02070309020205020404" pitchFamily="49" charset="0"/>
-              </a:rPr>
-              <a:t>What are some examples of where this can be useful?</a:t>
-            </a:r>
           </a:p>
         </p:txBody>
       </p:sp>
     </p:spTree>
     <p:extLst>
       <p:ext uri="{BB962C8B-B14F-4D97-AF65-F5344CB8AC3E}">
-        <p14:creationId xmlns:p14="http://schemas.microsoft.com/office/powerpoint/2010/main" val="1493260520"/>
+        <p14:creationId xmlns:p14="http://schemas.microsoft.com/office/powerpoint/2010/main" val="1746487571"/>
       </p:ext>
     </p:extLst>
   </p:cSld>
@@ -24744,7 +24630,18 @@
           <a:p>
             <a:r>
               <a:rPr lang="en-US" dirty="0"/>
-              <a:t>Practice-It</a:t>
+              <a:t>Overriding the </a:t>
+            </a:r>
+            <a:r>
+              <a:rPr lang="en-US" dirty="0">
+                <a:latin typeface="Courier New" panose="02070309020205020404" pitchFamily="49" charset="0"/>
+                <a:cs typeface="Courier New" panose="02070309020205020404" pitchFamily="49" charset="0"/>
+              </a:rPr>
+              <a:t>equals</a:t>
+            </a:r>
+            <a:r>
+              <a:rPr lang="en-US" dirty="0"/>
+              <a:t> method:</a:t>
             </a:r>
           </a:p>
         </p:txBody>
@@ -24761,13 +24658,105 @@
         </p:nvSpPr>
         <p:spPr/>
         <p:txBody>
-          <a:bodyPr/>
+          <a:bodyPr>
+            <a:normAutofit/>
+          </a:bodyPr>
           <a:lstStyle/>
           <a:p>
             <a:pPr marL="0" indent="0">
               <a:buNone/>
             </a:pPr>
-            <a:endParaRPr lang="en-US" dirty="0">
+            <a:r>
+              <a:rPr lang="en-US" sz="2000" dirty="0">
+                <a:latin typeface="Courier New" panose="02070309020205020404" pitchFamily="49" charset="0"/>
+                <a:cs typeface="Courier New" panose="02070309020205020404" pitchFamily="49" charset="0"/>
+              </a:rPr>
+              <a:t>public </a:t>
+            </a:r>
+            <a:r>
+              <a:rPr lang="en-US" sz="2000" dirty="0" err="1">
+                <a:latin typeface="Courier New" panose="02070309020205020404" pitchFamily="49" charset="0"/>
+                <a:cs typeface="Courier New" panose="02070309020205020404" pitchFamily="49" charset="0"/>
+              </a:rPr>
+              <a:t>boolean</a:t>
+            </a:r>
+            <a:r>
+              <a:rPr lang="en-US" sz="2000" dirty="0">
+                <a:latin typeface="Courier New" panose="02070309020205020404" pitchFamily="49" charset="0"/>
+                <a:cs typeface="Courier New" panose="02070309020205020404" pitchFamily="49" charset="0"/>
+              </a:rPr>
+              <a:t> equals(Object o){</a:t>
+            </a:r>
+          </a:p>
+          <a:p>
+            <a:pPr marL="0" indent="0">
+              <a:buNone/>
+            </a:pPr>
+            <a:r>
+              <a:rPr lang="en-US" sz="2000" dirty="0">
+                <a:latin typeface="Courier New" panose="02070309020205020404" pitchFamily="49" charset="0"/>
+                <a:cs typeface="Courier New" panose="02070309020205020404" pitchFamily="49" charset="0"/>
+              </a:rPr>
+              <a:t>	Drink other = (Drink) o;</a:t>
+            </a:r>
+          </a:p>
+          <a:p>
+            <a:pPr marL="0" indent="0">
+              <a:buNone/>
+            </a:pPr>
+            <a:r>
+              <a:rPr lang="en-US" sz="2000" dirty="0">
+                <a:latin typeface="Courier New" panose="02070309020205020404" pitchFamily="49" charset="0"/>
+                <a:cs typeface="Courier New" panose="02070309020205020404" pitchFamily="49" charset="0"/>
+              </a:rPr>
+              <a:t>	return </a:t>
+            </a:r>
+            <a:r>
+              <a:rPr lang="en-US" sz="2000" dirty="0" err="1">
+                <a:latin typeface="Courier New" panose="02070309020205020404" pitchFamily="49" charset="0"/>
+                <a:cs typeface="Courier New" panose="02070309020205020404" pitchFamily="49" charset="0"/>
+              </a:rPr>
+              <a:t>name.equal</a:t>
+            </a:r>
+            <a:r>
+              <a:rPr lang="en-US" sz="2000" dirty="0">
+                <a:latin typeface="Courier New" panose="02070309020205020404" pitchFamily="49" charset="0"/>
+                <a:cs typeface="Courier New" panose="02070309020205020404" pitchFamily="49" charset="0"/>
+              </a:rPr>
+              <a:t>(other.name) &amp;&amp; ounces == </a:t>
+            </a:r>
+            <a:r>
+              <a:rPr lang="en-US" sz="2000" dirty="0" err="1">
+                <a:latin typeface="Courier New" panose="02070309020205020404" pitchFamily="49" charset="0"/>
+                <a:cs typeface="Courier New" panose="02070309020205020404" pitchFamily="49" charset="0"/>
+              </a:rPr>
+              <a:t>other.ounces</a:t>
+            </a:r>
+            <a:r>
+              <a:rPr lang="en-US" sz="2000" dirty="0">
+                <a:latin typeface="Courier New" panose="02070309020205020404" pitchFamily="49" charset="0"/>
+                <a:cs typeface="Courier New" panose="02070309020205020404" pitchFamily="49" charset="0"/>
+              </a:rPr>
+              <a:t>;</a:t>
+            </a:r>
+          </a:p>
+          <a:p>
+            <a:pPr marL="0" indent="0">
+              <a:buNone/>
+            </a:pPr>
+            <a:r>
+              <a:rPr lang="en-US" sz="2000" dirty="0">
+                <a:latin typeface="Courier New" panose="02070309020205020404" pitchFamily="49" charset="0"/>
+                <a:cs typeface="Courier New" panose="02070309020205020404" pitchFamily="49" charset="0"/>
+              </a:rPr>
+              <a:t>}</a:t>
+            </a:r>
+          </a:p>
+          <a:p>
+            <a:pPr marL="0" indent="0">
+              <a:buNone/>
+            </a:pPr>
+            <a:endParaRPr lang="en-US" sz="2000" dirty="0">
               <a:latin typeface="Courier New" panose="02070309020205020404" pitchFamily="49" charset="0"/>
               <a:cs typeface="Courier New" panose="02070309020205020404" pitchFamily="49" charset="0"/>
             </a:endParaRPr>
@@ -24777,14 +24766,17 @@
               <a:buNone/>
             </a:pPr>
             <a:r>
-              <a:rPr lang="en-US" dirty="0" err="1">
-                <a:latin typeface="Courier New" panose="02070309020205020404" pitchFamily="49" charset="0"/>
-                <a:cs typeface="Courier New" panose="02070309020205020404" pitchFamily="49" charset="0"/>
-              </a:rPr>
-              <a:t>subclassSyntax</a:t>
-            </a:r>
+              <a:rPr lang="en-US" dirty="0">
+                <a:cs typeface="Courier New" panose="02070309020205020404" pitchFamily="49" charset="0"/>
+              </a:rPr>
+              <a:t>What does this let us compare?</a:t>
+            </a:r>
+          </a:p>
+          <a:p>
+            <a:pPr marL="0" indent="0">
+              <a:buNone/>
+            </a:pPr>
             <a:endParaRPr lang="en-US" dirty="0">
-              <a:latin typeface="Courier New" panose="02070309020205020404" pitchFamily="49" charset="0"/>
               <a:cs typeface="Courier New" panose="02070309020205020404" pitchFamily="49" charset="0"/>
             </a:endParaRPr>
           </a:p>
@@ -24793,67 +24785,18 @@
               <a:buNone/>
             </a:pPr>
             <a:r>
-              <a:rPr lang="en-US" dirty="0" err="1">
-                <a:latin typeface="Courier New" panose="02070309020205020404" pitchFamily="49" charset="0"/>
-                <a:cs typeface="Courier New" panose="02070309020205020404" pitchFamily="49" charset="0"/>
-              </a:rPr>
-              <a:t>inheritanceVariableSyntax</a:t>
-            </a:r>
-            <a:endParaRPr lang="en-US" dirty="0">
-              <a:latin typeface="Courier New" panose="02070309020205020404" pitchFamily="49" charset="0"/>
-              <a:cs typeface="Courier New" panose="02070309020205020404" pitchFamily="49" charset="0"/>
-            </a:endParaRPr>
-          </a:p>
-          <a:p>
-            <a:pPr marL="0" indent="0">
-              <a:buNone/>
-            </a:pPr>
-            <a:r>
-              <a:rPr lang="en-US" dirty="0" err="1">
-                <a:latin typeface="Courier New" panose="02070309020205020404" pitchFamily="49" charset="0"/>
-                <a:cs typeface="Courier New" panose="02070309020205020404" pitchFamily="49" charset="0"/>
-              </a:rPr>
-              <a:t>CarTruck</a:t>
-            </a:r>
-            <a:endParaRPr lang="en-US" dirty="0">
-              <a:latin typeface="Courier New" panose="02070309020205020404" pitchFamily="49" charset="0"/>
-              <a:cs typeface="Courier New" panose="02070309020205020404" pitchFamily="49" charset="0"/>
-            </a:endParaRPr>
-          </a:p>
-          <a:p>
-            <a:pPr marL="0" indent="0">
-              <a:buNone/>
-            </a:pPr>
-            <a:r>
               <a:rPr lang="en-US" dirty="0">
-                <a:latin typeface="Courier New" panose="02070309020205020404" pitchFamily="49" charset="0"/>
-                <a:cs typeface="Courier New" panose="02070309020205020404" pitchFamily="49" charset="0"/>
-              </a:rPr>
-              <a:t>CarTruck2</a:t>
-            </a:r>
-          </a:p>
-          <a:p>
-            <a:pPr marL="0" indent="0">
-              <a:buNone/>
-            </a:pPr>
-            <a:r>
-              <a:rPr lang="en-US" dirty="0" err="1">
-                <a:latin typeface="Courier New" panose="02070309020205020404" pitchFamily="49" charset="0"/>
-                <a:cs typeface="Courier New" panose="02070309020205020404" pitchFamily="49" charset="0"/>
-              </a:rPr>
-              <a:t>MonsterTruck</a:t>
-            </a:r>
-            <a:endParaRPr lang="en-US" dirty="0">
-              <a:latin typeface="Courier New" panose="02070309020205020404" pitchFamily="49" charset="0"/>
-              <a:cs typeface="Courier New" panose="02070309020205020404" pitchFamily="49" charset="0"/>
-            </a:endParaRPr>
+                <a:cs typeface="Courier New" panose="02070309020205020404" pitchFamily="49" charset="0"/>
+              </a:rPr>
+              <a:t>What are some examples of where this can be useful?</a:t>
+            </a:r>
           </a:p>
         </p:txBody>
       </p:sp>
     </p:spTree>
     <p:extLst>
       <p:ext uri="{BB962C8B-B14F-4D97-AF65-F5344CB8AC3E}">
-        <p14:creationId xmlns:p14="http://schemas.microsoft.com/office/powerpoint/2010/main" val="2542628900"/>
+        <p14:creationId xmlns:p14="http://schemas.microsoft.com/office/powerpoint/2010/main" val="1493260520"/>
       </p:ext>
     </p:extLst>
   </p:cSld>
@@ -24944,30 +24887,123 @@
             <p:ph type="title"/>
           </p:nvPr>
         </p:nvSpPr>
-        <p:spPr>
-          <a:xfrm>
-            <a:off x="838200" y="2769347"/>
-            <a:ext cx="10515600" cy="1157288"/>
-          </a:xfrm>
-        </p:spPr>
+        <p:spPr/>
         <p:txBody>
-          <a:bodyPr>
-            <a:normAutofit/>
-          </a:bodyPr>
+          <a:bodyPr/>
           <a:lstStyle/>
           <a:p>
-            <a:pPr algn="ctr"/>
-            <a:r>
-              <a:rPr lang="en-US" sz="4800" dirty="0"/>
-              <a:t>Worksheet</a:t>
-            </a:r>
+            <a:r>
+              <a:rPr lang="en-US" dirty="0"/>
+              <a:t>Practice-It</a:t>
+            </a:r>
+          </a:p>
+        </p:txBody>
+      </p:sp>
+      <p:sp>
+        <p:nvSpPr>
+          <p:cNvPr id="3" name="Content Placeholder 2"/>
+          <p:cNvSpPr>
+            <a:spLocks noGrp="1"/>
+          </p:cNvSpPr>
+          <p:nvPr>
+            <p:ph idx="1"/>
+          </p:nvPr>
+        </p:nvSpPr>
+        <p:spPr/>
+        <p:txBody>
+          <a:bodyPr/>
+          <a:lstStyle/>
+          <a:p>
+            <a:pPr marL="0" indent="0">
+              <a:buNone/>
+            </a:pPr>
+            <a:endParaRPr lang="en-US" dirty="0">
+              <a:latin typeface="Courier New" panose="02070309020205020404" pitchFamily="49" charset="0"/>
+              <a:cs typeface="Courier New" panose="02070309020205020404" pitchFamily="49" charset="0"/>
+            </a:endParaRPr>
+          </a:p>
+          <a:p>
+            <a:pPr marL="0" indent="0">
+              <a:buNone/>
+            </a:pPr>
+            <a:r>
+              <a:rPr lang="en-US" dirty="0" err="1">
+                <a:latin typeface="Courier New" panose="02070309020205020404" pitchFamily="49" charset="0"/>
+                <a:cs typeface="Courier New" panose="02070309020205020404" pitchFamily="49" charset="0"/>
+              </a:rPr>
+              <a:t>subclassSyntax</a:t>
+            </a:r>
+            <a:endParaRPr lang="en-US" dirty="0">
+              <a:latin typeface="Courier New" panose="02070309020205020404" pitchFamily="49" charset="0"/>
+              <a:cs typeface="Courier New" panose="02070309020205020404" pitchFamily="49" charset="0"/>
+            </a:endParaRPr>
+          </a:p>
+          <a:p>
+            <a:pPr marL="0" indent="0">
+              <a:buNone/>
+            </a:pPr>
+            <a:r>
+              <a:rPr lang="en-US" dirty="0" err="1">
+                <a:latin typeface="Courier New" panose="02070309020205020404" pitchFamily="49" charset="0"/>
+                <a:cs typeface="Courier New" panose="02070309020205020404" pitchFamily="49" charset="0"/>
+              </a:rPr>
+              <a:t>inheritanceVariableSyntax</a:t>
+            </a:r>
+            <a:endParaRPr lang="en-US" dirty="0">
+              <a:latin typeface="Courier New" panose="02070309020205020404" pitchFamily="49" charset="0"/>
+              <a:cs typeface="Courier New" panose="02070309020205020404" pitchFamily="49" charset="0"/>
+            </a:endParaRPr>
+          </a:p>
+          <a:p>
+            <a:pPr marL="0" indent="0">
+              <a:buNone/>
+            </a:pPr>
+            <a:r>
+              <a:rPr lang="en-US" dirty="0" err="1">
+                <a:latin typeface="Courier New" panose="02070309020205020404" pitchFamily="49" charset="0"/>
+                <a:cs typeface="Courier New" panose="02070309020205020404" pitchFamily="49" charset="0"/>
+              </a:rPr>
+              <a:t>CarTruck</a:t>
+            </a:r>
+            <a:endParaRPr lang="en-US" dirty="0">
+              <a:latin typeface="Courier New" panose="02070309020205020404" pitchFamily="49" charset="0"/>
+              <a:cs typeface="Courier New" panose="02070309020205020404" pitchFamily="49" charset="0"/>
+            </a:endParaRPr>
+          </a:p>
+          <a:p>
+            <a:pPr marL="0" indent="0">
+              <a:buNone/>
+            </a:pPr>
+            <a:r>
+              <a:rPr lang="en-US" dirty="0">
+                <a:latin typeface="Courier New" panose="02070309020205020404" pitchFamily="49" charset="0"/>
+                <a:cs typeface="Courier New" panose="02070309020205020404" pitchFamily="49" charset="0"/>
+              </a:rPr>
+              <a:t>CarTruck2</a:t>
+            </a:r>
+          </a:p>
+          <a:p>
+            <a:pPr marL="0" indent="0">
+              <a:buNone/>
+            </a:pPr>
+            <a:r>
+              <a:rPr lang="en-US" dirty="0" err="1">
+                <a:latin typeface="Courier New" panose="02070309020205020404" pitchFamily="49" charset="0"/>
+                <a:cs typeface="Courier New" panose="02070309020205020404" pitchFamily="49" charset="0"/>
+              </a:rPr>
+              <a:t>MonsterTruck</a:t>
+            </a:r>
+            <a:endParaRPr lang="en-US" dirty="0">
+              <a:latin typeface="Courier New" panose="02070309020205020404" pitchFamily="49" charset="0"/>
+              <a:cs typeface="Courier New" panose="02070309020205020404" pitchFamily="49" charset="0"/>
+            </a:endParaRPr>
           </a:p>
         </p:txBody>
       </p:sp>
     </p:spTree>
     <p:extLst>
       <p:ext uri="{BB962C8B-B14F-4D97-AF65-F5344CB8AC3E}">
-        <p14:creationId xmlns:p14="http://schemas.microsoft.com/office/powerpoint/2010/main" val="335546600"/>
+        <p14:creationId xmlns:p14="http://schemas.microsoft.com/office/powerpoint/2010/main" val="2542628900"/>
       </p:ext>
     </p:extLst>
   </p:cSld>
@@ -25004,6 +25040,66 @@
             <p:ph type="title"/>
           </p:nvPr>
         </p:nvSpPr>
+        <p:spPr>
+          <a:xfrm>
+            <a:off x="838200" y="2769347"/>
+            <a:ext cx="10515600" cy="1157288"/>
+          </a:xfrm>
+        </p:spPr>
+        <p:txBody>
+          <a:bodyPr>
+            <a:normAutofit/>
+          </a:bodyPr>
+          <a:lstStyle/>
+          <a:p>
+            <a:pPr algn="ctr"/>
+            <a:r>
+              <a:rPr lang="en-US" sz="4800" dirty="0"/>
+              <a:t>Worksheet</a:t>
+            </a:r>
+          </a:p>
+        </p:txBody>
+      </p:sp>
+    </p:spTree>
+    <p:extLst>
+      <p:ext uri="{BB962C8B-B14F-4D97-AF65-F5344CB8AC3E}">
+        <p14:creationId xmlns:p14="http://schemas.microsoft.com/office/powerpoint/2010/main" val="335546600"/>
+      </p:ext>
+    </p:extLst>
+  </p:cSld>
+  <p:clrMapOvr>
+    <a:masterClrMapping/>
+  </p:clrMapOvr>
+</p:sld>
+</file>
+
+<file path=ppt/slides/slide52.xml><?xml version="1.0" encoding="utf-8"?>
+<p:sld xmlns:a="http://schemas.openxmlformats.org/drawingml/2006/main" xmlns:r="http://schemas.openxmlformats.org/officeDocument/2006/relationships" xmlns:p="http://schemas.openxmlformats.org/presentationml/2006/main">
+  <p:cSld>
+    <p:spTree>
+      <p:nvGrpSpPr>
+        <p:cNvPr id="1" name=""/>
+        <p:cNvGrpSpPr/>
+        <p:nvPr/>
+      </p:nvGrpSpPr>
+      <p:grpSpPr>
+        <a:xfrm>
+          <a:off x="0" y="0"/>
+          <a:ext cx="0" cy="0"/>
+          <a:chOff x="0" y="0"/>
+          <a:chExt cx="0" cy="0"/>
+        </a:xfrm>
+      </p:grpSpPr>
+      <p:sp>
+        <p:nvSpPr>
+          <p:cNvPr id="2" name="Title 1"/>
+          <p:cNvSpPr>
+            <a:spLocks noGrp="1"/>
+          </p:cNvSpPr>
+          <p:nvPr>
+            <p:ph type="title"/>
+          </p:nvPr>
+        </p:nvSpPr>
         <p:spPr/>
         <p:txBody>
           <a:bodyPr>
@@ -25062,7 +25158,7 @@
 </p:sld>
 </file>
 
-<file path=ppt/slides/slide52.xml><?xml version="1.0" encoding="utf-8"?>
+<file path=ppt/slides/slide53.xml><?xml version="1.0" encoding="utf-8"?>
 <p:sld xmlns:a="http://schemas.openxmlformats.org/drawingml/2006/main" xmlns:r="http://schemas.openxmlformats.org/officeDocument/2006/relationships" xmlns:p="http://schemas.openxmlformats.org/presentationml/2006/main">
   <p:cSld>
     <p:spTree>
@@ -25141,122 +25237,6 @@
     <p:extLst>
       <p:ext uri="{BB962C8B-B14F-4D97-AF65-F5344CB8AC3E}">
         <p14:creationId xmlns:p14="http://schemas.microsoft.com/office/powerpoint/2010/main" val="2044580090"/>
-      </p:ext>
-    </p:extLst>
-  </p:cSld>
-  <p:clrMapOvr>
-    <a:masterClrMapping/>
-  </p:clrMapOvr>
-</p:sld>
-</file>
-
-<file path=ppt/slides/slide53.xml><?xml version="1.0" encoding="utf-8"?>
-<p:sld xmlns:a="http://schemas.openxmlformats.org/drawingml/2006/main" xmlns:r="http://schemas.openxmlformats.org/officeDocument/2006/relationships" xmlns:p="http://schemas.openxmlformats.org/presentationml/2006/main">
-  <p:cSld>
-    <p:spTree>
-      <p:nvGrpSpPr>
-        <p:cNvPr id="1" name=""/>
-        <p:cNvGrpSpPr/>
-        <p:nvPr/>
-      </p:nvGrpSpPr>
-      <p:grpSpPr>
-        <a:xfrm>
-          <a:off x="0" y="0"/>
-          <a:ext cx="0" cy="0"/>
-          <a:chOff x="0" y="0"/>
-          <a:chExt cx="0" cy="0"/>
-        </a:xfrm>
-      </p:grpSpPr>
-      <p:sp>
-        <p:nvSpPr>
-          <p:cNvPr id="2" name="Title 1"/>
-          <p:cNvSpPr>
-            <a:spLocks noGrp="1"/>
-          </p:cNvSpPr>
-          <p:nvPr>
-            <p:ph type="title"/>
-          </p:nvPr>
-        </p:nvSpPr>
-        <p:spPr/>
-        <p:txBody>
-          <a:bodyPr/>
-          <a:lstStyle/>
-          <a:p>
-            <a:r>
-              <a:rPr lang="en-US" dirty="0"/>
-              <a:t>Review: subclass vs. superclass</a:t>
-            </a:r>
-          </a:p>
-        </p:txBody>
-      </p:sp>
-      <p:sp>
-        <p:nvSpPr>
-          <p:cNvPr id="3" name="Content Placeholder 2"/>
-          <p:cNvSpPr>
-            <a:spLocks noGrp="1"/>
-          </p:cNvSpPr>
-          <p:nvPr>
-            <p:ph idx="1"/>
-          </p:nvPr>
-        </p:nvSpPr>
-        <p:spPr/>
-        <p:txBody>
-          <a:bodyPr/>
-          <a:lstStyle/>
-          <a:p>
-            <a:pPr marL="0" indent="0">
-              <a:buNone/>
-            </a:pPr>
-            <a:r>
-              <a:rPr lang="en-US" dirty="0"/>
-              <a:t>subclass “extends” superclass</a:t>
-            </a:r>
-          </a:p>
-          <a:p>
-            <a:pPr marL="0" indent="0">
-              <a:buNone/>
-            </a:pPr>
-            <a:endParaRPr lang="en-US" dirty="0"/>
-          </a:p>
-          <a:p>
-            <a:pPr marL="0" indent="0">
-              <a:buNone/>
-            </a:pPr>
-            <a:r>
-              <a:rPr lang="en-US" dirty="0"/>
-              <a:t>superclass: 	More general, less capability</a:t>
-            </a:r>
-          </a:p>
-          <a:p>
-            <a:pPr marL="0" indent="0">
-              <a:buNone/>
-            </a:pPr>
-            <a:r>
-              <a:rPr lang="en-US" dirty="0"/>
-              <a:t>subclass: 	More specific, more capability</a:t>
-            </a:r>
-          </a:p>
-          <a:p>
-            <a:pPr marL="0" indent="0">
-              <a:buNone/>
-            </a:pPr>
-            <a:endParaRPr lang="en-US" dirty="0"/>
-          </a:p>
-          <a:p>
-            <a:pPr marL="0" indent="0">
-              <a:buNone/>
-            </a:pPr>
-            <a:r>
-              <a:rPr lang="en-US" dirty="0"/>
-              <a:t>Think of a subclass as being “better” than a superclass.</a:t>
-            </a:r>
-          </a:p>
-        </p:txBody>
-      </p:sp>
-    </p:spTree>
-    <p:extLst>
-      <p:ext uri="{BB962C8B-B14F-4D97-AF65-F5344CB8AC3E}">
-        <p14:creationId xmlns:p14="http://schemas.microsoft.com/office/powerpoint/2010/main" val="3665013851"/>
       </p:ext>
     </p:extLst>
   </p:cSld>
@@ -25295,14 +25275,12 @@
         </p:nvSpPr>
         <p:spPr/>
         <p:txBody>
-          <a:bodyPr>
-            <a:normAutofit/>
-          </a:bodyPr>
+          <a:bodyPr/>
           <a:lstStyle/>
           <a:p>
             <a:r>
               <a:rPr lang="en-US" dirty="0"/>
-              <a:t>Variables and Classes</a:t>
+              <a:t>Review: subclass vs. superclass</a:t>
             </a:r>
           </a:p>
         </p:txBody>
@@ -25327,7 +25305,7 @@
             </a:pPr>
             <a:r>
               <a:rPr lang="en-US" dirty="0"/>
-              <a:t>Variable can hold objects of its type or “better” (subclass is “better”!)</a:t>
+              <a:t>subclass “extends” superclass</a:t>
             </a:r>
           </a:p>
           <a:p>
@@ -25342,7 +25320,16 @@
             </a:pPr>
             <a:r>
               <a:rPr lang="en-US" dirty="0"/>
-              <a:t>Same goes for parameters and fields.</a:t>
+              <a:t>superclass: 	More general, less capability</a:t>
+            </a:r>
+          </a:p>
+          <a:p>
+            <a:pPr marL="0" indent="0">
+              <a:buNone/>
+            </a:pPr>
+            <a:r>
+              <a:rPr lang="en-US" dirty="0"/>
+              <a:t>subclass: 	More specific, more capability</a:t>
             </a:r>
           </a:p>
           <a:p>
@@ -25357,74 +25344,7 @@
             </a:pPr>
             <a:r>
               <a:rPr lang="en-US" dirty="0"/>
-              <a:t>If:	</a:t>
-            </a:r>
-            <a:r>
-              <a:rPr lang="en-US" dirty="0">
-                <a:latin typeface="Courier New" panose="02070309020205020404" pitchFamily="49" charset="0"/>
-                <a:cs typeface="Courier New" panose="02070309020205020404" pitchFamily="49" charset="0"/>
-              </a:rPr>
-              <a:t>public class Lion extends Animal { … }</a:t>
-            </a:r>
-          </a:p>
-          <a:p>
-            <a:pPr marL="0" indent="0">
-              <a:buNone/>
-            </a:pPr>
-            <a:r>
-              <a:rPr lang="en-US" dirty="0"/>
-              <a:t>Then:	</a:t>
-            </a:r>
-            <a:r>
-              <a:rPr lang="en-US" dirty="0">
-                <a:latin typeface="Courier New" panose="02070309020205020404" pitchFamily="49" charset="0"/>
-                <a:cs typeface="Courier New" panose="02070309020205020404" pitchFamily="49" charset="0"/>
-              </a:rPr>
-              <a:t>Animal </a:t>
-            </a:r>
-            <a:r>
-              <a:rPr lang="en-US" dirty="0" err="1">
-                <a:latin typeface="Courier New" panose="02070309020205020404" pitchFamily="49" charset="0"/>
-                <a:cs typeface="Courier New" panose="02070309020205020404" pitchFamily="49" charset="0"/>
-              </a:rPr>
-              <a:t>simba</a:t>
-            </a:r>
-            <a:r>
-              <a:rPr lang="en-US" dirty="0">
-                <a:latin typeface="Courier New" panose="02070309020205020404" pitchFamily="49" charset="0"/>
-                <a:cs typeface="Courier New" panose="02070309020205020404" pitchFamily="49" charset="0"/>
-              </a:rPr>
-              <a:t> = new Animal();</a:t>
-            </a:r>
-          </a:p>
-          <a:p>
-            <a:pPr marL="0" indent="0">
-              <a:buNone/>
-            </a:pPr>
-            <a:r>
-              <a:rPr lang="en-US" dirty="0"/>
-              <a:t>Or:	</a:t>
-            </a:r>
-            <a:r>
-              <a:rPr lang="en-US" dirty="0">
-                <a:latin typeface="Courier New" panose="02070309020205020404" pitchFamily="49" charset="0"/>
-                <a:cs typeface="Courier New" panose="02070309020205020404" pitchFamily="49" charset="0"/>
-              </a:rPr>
-              <a:t>Animal </a:t>
-            </a:r>
-            <a:r>
-              <a:rPr lang="en-US" dirty="0" err="1">
-                <a:latin typeface="Courier New" panose="02070309020205020404" pitchFamily="49" charset="0"/>
-                <a:cs typeface="Courier New" panose="02070309020205020404" pitchFamily="49" charset="0"/>
-              </a:rPr>
-              <a:t>simba</a:t>
-            </a:r>
-            <a:r>
-              <a:rPr lang="en-US" dirty="0">
-                <a:latin typeface="Courier New" panose="02070309020205020404" pitchFamily="49" charset="0"/>
-                <a:cs typeface="Courier New" panose="02070309020205020404" pitchFamily="49" charset="0"/>
-              </a:rPr>
-              <a:t> = new Lion();</a:t>
+              <a:t>Think of a subclass as being “better” than a superclass.</a:t>
             </a:r>
           </a:p>
         </p:txBody>
@@ -25432,7 +25352,7 @@
     </p:spTree>
     <p:extLst>
       <p:ext uri="{BB962C8B-B14F-4D97-AF65-F5344CB8AC3E}">
-        <p14:creationId xmlns:p14="http://schemas.microsoft.com/office/powerpoint/2010/main" val="4059656631"/>
+        <p14:creationId xmlns:p14="http://schemas.microsoft.com/office/powerpoint/2010/main" val="3665013851"/>
       </p:ext>
     </p:extLst>
   </p:cSld>
@@ -25503,7 +25423,7 @@
             </a:pPr>
             <a:r>
               <a:rPr lang="en-US" dirty="0"/>
-              <a:t>The reverse is NOT true!</a:t>
+              <a:t>Variable can hold objects of its type or “better” (subclass is “better”!)</a:t>
             </a:r>
           </a:p>
           <a:p>
@@ -25516,7 +25436,10 @@
             <a:pPr marL="0" indent="0">
               <a:buNone/>
             </a:pPr>
-            <a:endParaRPr lang="en-US" dirty="0"/>
+            <a:r>
+              <a:rPr lang="en-US" dirty="0"/>
+              <a:t>Same goes for parameters and fields.</a:t>
+            </a:r>
           </a:p>
           <a:p>
             <a:pPr marL="0" indent="0">
@@ -25553,7 +25476,7 @@
                 <a:latin typeface="Courier New" panose="02070309020205020404" pitchFamily="49" charset="0"/>
                 <a:cs typeface="Courier New" panose="02070309020205020404" pitchFamily="49" charset="0"/>
               </a:rPr>
-              <a:t>Lion </a:t>
+              <a:t>Animal </a:t>
             </a:r>
             <a:r>
               <a:rPr lang="en-US" dirty="0" err="1">
@@ -25567,72 +25490,45 @@
                 <a:latin typeface="Courier New" panose="02070309020205020404" pitchFamily="49" charset="0"/>
                 <a:cs typeface="Courier New" panose="02070309020205020404" pitchFamily="49" charset="0"/>
               </a:rPr>
+              <a:t> = new Animal();</a:t>
+            </a:r>
+          </a:p>
+          <a:p>
+            <a:pPr marL="0" indent="0">
+              <a:buNone/>
+            </a:pPr>
+            <a:r>
+              <a:rPr lang="en-US" dirty="0"/>
+              <a:t>Or:	</a:t>
+            </a:r>
+            <a:r>
+              <a:rPr lang="en-US" dirty="0">
+                <a:latin typeface="Courier New" panose="02070309020205020404" pitchFamily="49" charset="0"/>
+                <a:cs typeface="Courier New" panose="02070309020205020404" pitchFamily="49" charset="0"/>
+              </a:rPr>
+              <a:t>Animal </a:t>
+            </a:r>
+            <a:r>
+              <a:rPr lang="en-US" dirty="0" err="1">
+                <a:latin typeface="Courier New" panose="02070309020205020404" pitchFamily="49" charset="0"/>
+                <a:cs typeface="Courier New" panose="02070309020205020404" pitchFamily="49" charset="0"/>
+              </a:rPr>
+              <a:t>simba</a:t>
+            </a:r>
+            <a:r>
+              <a:rPr lang="en-US" dirty="0">
+                <a:latin typeface="Courier New" panose="02070309020205020404" pitchFamily="49" charset="0"/>
+                <a:cs typeface="Courier New" panose="02070309020205020404" pitchFamily="49" charset="0"/>
+              </a:rPr>
               <a:t> = new Lion();</a:t>
             </a:r>
-          </a:p>
-          <a:p>
-            <a:pPr marL="0" indent="0">
-              <a:buNone/>
-            </a:pPr>
-            <a:r>
-              <a:rPr lang="en-US" strike="sngStrike" dirty="0">
-                <a:solidFill>
-                  <a:srgbClr val="FF0000"/>
-                </a:solidFill>
-              </a:rPr>
-              <a:t>NOT:	</a:t>
-            </a:r>
-            <a:r>
-              <a:rPr lang="en-US" strike="sngStrike" dirty="0">
-                <a:solidFill>
-                  <a:srgbClr val="FF0000"/>
-                </a:solidFill>
-                <a:latin typeface="Courier New" panose="02070309020205020404" pitchFamily="49" charset="0"/>
-                <a:cs typeface="Courier New" panose="02070309020205020404" pitchFamily="49" charset="0"/>
-              </a:rPr>
-              <a:t>Lion </a:t>
-            </a:r>
-            <a:r>
-              <a:rPr lang="en-US" strike="sngStrike" dirty="0" err="1">
-                <a:solidFill>
-                  <a:srgbClr val="FF0000"/>
-                </a:solidFill>
-                <a:latin typeface="Courier New" panose="02070309020205020404" pitchFamily="49" charset="0"/>
-                <a:cs typeface="Courier New" panose="02070309020205020404" pitchFamily="49" charset="0"/>
-              </a:rPr>
-              <a:t>simba</a:t>
-            </a:r>
-            <a:r>
-              <a:rPr lang="en-US" strike="sngStrike" dirty="0">
-                <a:solidFill>
-                  <a:srgbClr val="FF0000"/>
-                </a:solidFill>
-                <a:latin typeface="Courier New" panose="02070309020205020404" pitchFamily="49" charset="0"/>
-                <a:cs typeface="Courier New" panose="02070309020205020404" pitchFamily="49" charset="0"/>
-              </a:rPr>
-              <a:t> = new Animal();</a:t>
-            </a:r>
-            <a:r>
-              <a:rPr lang="en-US" dirty="0">
-                <a:latin typeface="Courier New" panose="02070309020205020404" pitchFamily="49" charset="0"/>
-                <a:cs typeface="Courier New" panose="02070309020205020404" pitchFamily="49" charset="0"/>
-              </a:rPr>
-              <a:t> (Lions &gt; Animals)</a:t>
-            </a:r>
-            <a:endParaRPr lang="en-US" strike="sngStrike" dirty="0">
-              <a:solidFill>
-                <a:srgbClr val="FF0000"/>
-              </a:solidFill>
-              <a:latin typeface="Courier New" panose="02070309020205020404" pitchFamily="49" charset="0"/>
-              <a:cs typeface="Courier New" panose="02070309020205020404" pitchFamily="49" charset="0"/>
-            </a:endParaRPr>
           </a:p>
         </p:txBody>
       </p:sp>
     </p:spTree>
     <p:extLst>
       <p:ext uri="{BB962C8B-B14F-4D97-AF65-F5344CB8AC3E}">
-        <p14:creationId xmlns:p14="http://schemas.microsoft.com/office/powerpoint/2010/main" val="2523262568"/>
+        <p14:creationId xmlns:p14="http://schemas.microsoft.com/office/powerpoint/2010/main" val="4059656631"/>
       </p:ext>
     </p:extLst>
   </p:cSld>
@@ -25671,12 +25567,14 @@
         </p:nvSpPr>
         <p:spPr/>
         <p:txBody>
-          <a:bodyPr/>
+          <a:bodyPr>
+            <a:normAutofit/>
+          </a:bodyPr>
           <a:lstStyle/>
           <a:p>
             <a:r>
               <a:rPr lang="en-US" dirty="0"/>
-              <a:t>Once again:</a:t>
+              <a:t>Variables and Classes</a:t>
             </a:r>
           </a:p>
         </p:txBody>
@@ -25701,7 +25599,7 @@
             </a:pPr>
             <a:r>
               <a:rPr lang="en-US" dirty="0"/>
-              <a:t>IF a variable points to an objects…</a:t>
+              <a:t>The reverse is NOT true!</a:t>
             </a:r>
           </a:p>
           <a:p>
@@ -25714,10 +25612,7 @@
             <a:pPr marL="0" indent="0">
               <a:buNone/>
             </a:pPr>
-            <a:r>
-              <a:rPr lang="en-US" dirty="0"/>
-              <a:t>THEN the object must be of the same type as the variable or “better”</a:t>
-            </a:r>
+            <a:endParaRPr lang="en-US" dirty="0"/>
           </a:p>
           <a:p>
             <a:pPr marL="0" indent="0">
@@ -25729,7 +25624,17 @@
             <a:pPr marL="0" indent="0">
               <a:buNone/>
             </a:pPr>
-            <a:endParaRPr lang="en-US" dirty="0"/>
+            <a:r>
+              <a:rPr lang="en-US" dirty="0"/>
+              <a:t>If:	</a:t>
+            </a:r>
+            <a:r>
+              <a:rPr lang="en-US" dirty="0">
+                <a:latin typeface="Courier New" panose="02070309020205020404" pitchFamily="49" charset="0"/>
+                <a:cs typeface="Courier New" panose="02070309020205020404" pitchFamily="49" charset="0"/>
+              </a:rPr>
+              <a:t>public class Lion extends Animal { … }</a:t>
+            </a:r>
           </a:p>
           <a:p>
             <a:pPr marL="0" indent="0">
@@ -25737,15 +25642,93 @@
             </a:pPr>
             <a:r>
               <a:rPr lang="en-US" dirty="0"/>
-              <a:t>That means that the object can be a subtype of the variable type!</a:t>
-            </a:r>
+              <a:t>Then:	</a:t>
+            </a:r>
+            <a:r>
+              <a:rPr lang="en-US" dirty="0">
+                <a:latin typeface="Courier New" panose="02070309020205020404" pitchFamily="49" charset="0"/>
+                <a:cs typeface="Courier New" panose="02070309020205020404" pitchFamily="49" charset="0"/>
+              </a:rPr>
+              <a:t>Lion </a:t>
+            </a:r>
+            <a:r>
+              <a:rPr lang="en-US" dirty="0" err="1">
+                <a:latin typeface="Courier New" panose="02070309020205020404" pitchFamily="49" charset="0"/>
+                <a:cs typeface="Courier New" panose="02070309020205020404" pitchFamily="49" charset="0"/>
+              </a:rPr>
+              <a:t>simba</a:t>
+            </a:r>
+            <a:r>
+              <a:rPr lang="en-US" dirty="0">
+                <a:latin typeface="Courier New" panose="02070309020205020404" pitchFamily="49" charset="0"/>
+                <a:cs typeface="Courier New" panose="02070309020205020404" pitchFamily="49" charset="0"/>
+              </a:rPr>
+              <a:t> = new Lion();</a:t>
+            </a:r>
+          </a:p>
+          <a:p>
+            <a:pPr marL="0" indent="0">
+              <a:buNone/>
+            </a:pPr>
+            <a:r>
+              <a:rPr lang="en-US" strike="sngStrike" dirty="0">
+                <a:solidFill>
+                  <a:srgbClr val="FF0000"/>
+                </a:solidFill>
+              </a:rPr>
+              <a:t>NOT:	</a:t>
+            </a:r>
+            <a:r>
+              <a:rPr lang="en-US" strike="sngStrike" dirty="0">
+                <a:solidFill>
+                  <a:srgbClr val="FF0000"/>
+                </a:solidFill>
+                <a:latin typeface="Courier New" panose="02070309020205020404" pitchFamily="49" charset="0"/>
+                <a:cs typeface="Courier New" panose="02070309020205020404" pitchFamily="49" charset="0"/>
+              </a:rPr>
+              <a:t>Lion </a:t>
+            </a:r>
+            <a:r>
+              <a:rPr lang="en-US" strike="sngStrike" dirty="0" err="1">
+                <a:solidFill>
+                  <a:srgbClr val="FF0000"/>
+                </a:solidFill>
+                <a:latin typeface="Courier New" panose="02070309020205020404" pitchFamily="49" charset="0"/>
+                <a:cs typeface="Courier New" panose="02070309020205020404" pitchFamily="49" charset="0"/>
+              </a:rPr>
+              <a:t>simba</a:t>
+            </a:r>
+            <a:r>
+              <a:rPr lang="en-US" strike="sngStrike" dirty="0">
+                <a:solidFill>
+                  <a:srgbClr val="FF0000"/>
+                </a:solidFill>
+                <a:latin typeface="Courier New" panose="02070309020205020404" pitchFamily="49" charset="0"/>
+                <a:cs typeface="Courier New" panose="02070309020205020404" pitchFamily="49" charset="0"/>
+              </a:rPr>
+              <a:t> = new Animal();</a:t>
+            </a:r>
+            <a:r>
+              <a:rPr lang="en-US" dirty="0">
+                <a:latin typeface="Courier New" panose="02070309020205020404" pitchFamily="49" charset="0"/>
+                <a:cs typeface="Courier New" panose="02070309020205020404" pitchFamily="49" charset="0"/>
+              </a:rPr>
+              <a:t> (Lions &gt; Animals)</a:t>
+            </a:r>
+            <a:endParaRPr lang="en-US" strike="sngStrike" dirty="0">
+              <a:solidFill>
+                <a:srgbClr val="FF0000"/>
+              </a:solidFill>
+              <a:latin typeface="Courier New" panose="02070309020205020404" pitchFamily="49" charset="0"/>
+              <a:cs typeface="Courier New" panose="02070309020205020404" pitchFamily="49" charset="0"/>
+            </a:endParaRPr>
           </a:p>
         </p:txBody>
       </p:sp>
     </p:spTree>
     <p:extLst>
       <p:ext uri="{BB962C8B-B14F-4D97-AF65-F5344CB8AC3E}">
-        <p14:creationId xmlns:p14="http://schemas.microsoft.com/office/powerpoint/2010/main" val="1506096866"/>
+        <p14:creationId xmlns:p14="http://schemas.microsoft.com/office/powerpoint/2010/main" val="2523262568"/>
       </p:ext>
     </p:extLst>
   </p:cSld>
@@ -25789,7 +25772,7 @@
           <a:p>
             <a:r>
               <a:rPr lang="en-US" dirty="0"/>
-              <a:t>Polymorphism</a:t>
+              <a:t>Once again:</a:t>
             </a:r>
           </a:p>
         </p:txBody>
@@ -25814,7 +25797,7 @@
             </a:pPr>
             <a:r>
               <a:rPr lang="en-US" dirty="0"/>
-              <a:t>The ability to use the same code with different types of objects and behave differently with each.</a:t>
+              <a:t>IF a variable points to an objects…</a:t>
             </a:r>
           </a:p>
           <a:p>
@@ -25828,25 +25811,8 @@
               <a:buNone/>
             </a:pPr>
             <a:r>
-              <a:rPr lang="en-US" dirty="0">
-                <a:latin typeface="Courier New" panose="02070309020205020404" pitchFamily="49" charset="0"/>
-                <a:cs typeface="Courier New" panose="02070309020205020404" pitchFamily="49" charset="0"/>
-              </a:rPr>
-              <a:t>Animal </a:t>
-            </a:r>
-            <a:r>
-              <a:rPr lang="en-US" dirty="0" err="1">
-                <a:latin typeface="Courier New" panose="02070309020205020404" pitchFamily="49" charset="0"/>
-                <a:cs typeface="Courier New" panose="02070309020205020404" pitchFamily="49" charset="0"/>
-              </a:rPr>
-              <a:t>simba</a:t>
-            </a:r>
-            <a:r>
-              <a:rPr lang="en-US" dirty="0">
-                <a:latin typeface="Courier New" panose="02070309020205020404" pitchFamily="49" charset="0"/>
-                <a:cs typeface="Courier New" panose="02070309020205020404" pitchFamily="49" charset="0"/>
-              </a:rPr>
-              <a:t> = new Lion();</a:t>
+              <a:rPr lang="en-US" dirty="0"/>
+              <a:t>THEN the object must be of the same type as the variable or “better”</a:t>
             </a:r>
           </a:p>
           <a:p>
@@ -25859,9 +25825,15 @@
             <a:pPr marL="0" indent="0">
               <a:buNone/>
             </a:pPr>
+            <a:endParaRPr lang="en-US" dirty="0"/>
+          </a:p>
+          <a:p>
+            <a:pPr marL="0" indent="0">
+              <a:buNone/>
+            </a:pPr>
             <a:r>
               <a:rPr lang="en-US" dirty="0"/>
-              <a:t>What behaviors does this object have?</a:t>
+              <a:t>That means that the object can be a subtype of the variable type!</a:t>
             </a:r>
           </a:p>
         </p:txBody>
@@ -25869,7 +25841,7 @@
     </p:spTree>
     <p:extLst>
       <p:ext uri="{BB962C8B-B14F-4D97-AF65-F5344CB8AC3E}">
-        <p14:creationId xmlns:p14="http://schemas.microsoft.com/office/powerpoint/2010/main" val="1384254036"/>
+        <p14:creationId xmlns:p14="http://schemas.microsoft.com/office/powerpoint/2010/main" val="1506096866"/>
       </p:ext>
     </p:extLst>
   </p:cSld>
@@ -25937,123 +25909,55 @@
               <a:buNone/>
             </a:pPr>
             <a:r>
+              <a:rPr lang="en-US" dirty="0"/>
+              <a:t>The ability to use the same code with different types of objects and behave differently with each.</a:t>
+            </a:r>
+          </a:p>
+          <a:p>
+            <a:pPr marL="0" indent="0">
+              <a:buNone/>
+            </a:pPr>
+            <a:endParaRPr lang="en-US" dirty="0"/>
+          </a:p>
+          <a:p>
+            <a:pPr marL="0" indent="0">
+              <a:buNone/>
+            </a:pPr>
+            <a:r>
               <a:rPr lang="en-US" dirty="0">
                 <a:latin typeface="Courier New" panose="02070309020205020404" pitchFamily="49" charset="0"/>
                 <a:cs typeface="Courier New" panose="02070309020205020404" pitchFamily="49" charset="0"/>
               </a:rPr>
-              <a:t>public class Lion extends Animal { … }</a:t>
+              <a:t>Animal </a:t>
+            </a:r>
+            <a:r>
+              <a:rPr lang="en-US" dirty="0" err="1">
+                <a:latin typeface="Courier New" panose="02070309020205020404" pitchFamily="49" charset="0"/>
+                <a:cs typeface="Courier New" panose="02070309020205020404" pitchFamily="49" charset="0"/>
+              </a:rPr>
+              <a:t>simba</a:t>
+            </a:r>
+            <a:r>
+              <a:rPr lang="en-US" dirty="0">
+                <a:latin typeface="Courier New" panose="02070309020205020404" pitchFamily="49" charset="0"/>
+                <a:cs typeface="Courier New" panose="02070309020205020404" pitchFamily="49" charset="0"/>
+              </a:rPr>
+              <a:t> = new Lion();</a:t>
             </a:r>
           </a:p>
           <a:p>
             <a:pPr marL="0" indent="0">
               <a:buNone/>
             </a:pPr>
-            <a:endParaRPr lang="en-US" dirty="0">
-              <a:latin typeface="Courier New" panose="02070309020205020404" pitchFamily="49" charset="0"/>
-              <a:cs typeface="Courier New" panose="02070309020205020404" pitchFamily="49" charset="0"/>
-            </a:endParaRPr>
+            <a:endParaRPr lang="en-US" dirty="0"/>
           </a:p>
           <a:p>
             <a:pPr marL="0" indent="0">
               <a:buNone/>
             </a:pPr>
             <a:r>
-              <a:rPr lang="en-US" dirty="0">
-                <a:latin typeface="Courier New" panose="02070309020205020404" pitchFamily="49" charset="0"/>
-                <a:cs typeface="Courier New" panose="02070309020205020404" pitchFamily="49" charset="0"/>
-              </a:rPr>
-              <a:t>Animal </a:t>
-            </a:r>
-            <a:r>
-              <a:rPr lang="en-US" dirty="0" err="1">
-                <a:latin typeface="Courier New" panose="02070309020205020404" pitchFamily="49" charset="0"/>
-                <a:cs typeface="Courier New" panose="02070309020205020404" pitchFamily="49" charset="0"/>
-              </a:rPr>
-              <a:t>simba</a:t>
-            </a:r>
-            <a:r>
-              <a:rPr lang="en-US" dirty="0">
-                <a:latin typeface="Courier New" panose="02070309020205020404" pitchFamily="49" charset="0"/>
-                <a:cs typeface="Courier New" panose="02070309020205020404" pitchFamily="49" charset="0"/>
-              </a:rPr>
-              <a:t> = new Lion();</a:t>
-            </a:r>
-          </a:p>
-          <a:p>
-            <a:pPr marL="0" indent="0">
-              <a:buNone/>
-            </a:pPr>
-            <a:endParaRPr lang="en-US" dirty="0">
-              <a:latin typeface="Courier New" panose="02070309020205020404" pitchFamily="49" charset="0"/>
-              <a:cs typeface="Courier New" panose="02070309020205020404" pitchFamily="49" charset="0"/>
-            </a:endParaRPr>
-          </a:p>
-          <a:p>
-            <a:pPr marL="0" indent="0">
-              <a:buNone/>
-            </a:pPr>
-            <a:r>
-              <a:rPr lang="en-US" dirty="0" err="1">
-                <a:latin typeface="Courier New" panose="02070309020205020404" pitchFamily="49" charset="0"/>
-                <a:cs typeface="Courier New" panose="02070309020205020404" pitchFamily="49" charset="0"/>
-              </a:rPr>
-              <a:t>System.out.prinln</a:t>
-            </a:r>
-            <a:r>
-              <a:rPr lang="en-US" dirty="0">
-                <a:latin typeface="Courier New" panose="02070309020205020404" pitchFamily="49" charset="0"/>
-                <a:cs typeface="Courier New" panose="02070309020205020404" pitchFamily="49" charset="0"/>
-              </a:rPr>
-              <a:t>(</a:t>
-            </a:r>
-            <a:r>
-              <a:rPr lang="en-US" dirty="0" err="1">
-                <a:latin typeface="Courier New" panose="02070309020205020404" pitchFamily="49" charset="0"/>
-                <a:cs typeface="Courier New" panose="02070309020205020404" pitchFamily="49" charset="0"/>
-              </a:rPr>
-              <a:t>simba.say</a:t>
-            </a:r>
-            <a:r>
-              <a:rPr lang="en-US" dirty="0">
-                <a:latin typeface="Courier New" panose="02070309020205020404" pitchFamily="49" charset="0"/>
-                <a:cs typeface="Courier New" panose="02070309020205020404" pitchFamily="49" charset="0"/>
-              </a:rPr>
-              <a:t>());</a:t>
-            </a:r>
-          </a:p>
-          <a:p>
-            <a:pPr marL="0" indent="0">
-              <a:buNone/>
-            </a:pPr>
-            <a:endParaRPr lang="en-US" dirty="0">
-              <a:latin typeface="Courier New" panose="02070309020205020404" pitchFamily="49" charset="0"/>
-              <a:cs typeface="Courier New" panose="02070309020205020404" pitchFamily="49" charset="0"/>
-            </a:endParaRPr>
-          </a:p>
-          <a:p>
-            <a:pPr marL="0" indent="0">
-              <a:buNone/>
-            </a:pPr>
-            <a:r>
-              <a:rPr lang="en-US" dirty="0">
-                <a:latin typeface="Courier New" panose="02070309020205020404" pitchFamily="49" charset="0"/>
-                <a:cs typeface="Courier New" panose="02070309020205020404" pitchFamily="49" charset="0"/>
-              </a:rPr>
-              <a:t>Output: “</a:t>
-            </a:r>
-            <a:r>
-              <a:rPr lang="en-US" dirty="0" err="1">
-                <a:latin typeface="Courier New" panose="02070309020205020404" pitchFamily="49" charset="0"/>
-                <a:cs typeface="Courier New" panose="02070309020205020404" pitchFamily="49" charset="0"/>
-              </a:rPr>
-              <a:t>Rawr</a:t>
-            </a:r>
-            <a:r>
-              <a:rPr lang="en-US" dirty="0">
-                <a:latin typeface="Courier New" panose="02070309020205020404" pitchFamily="49" charset="0"/>
-                <a:cs typeface="Courier New" panose="02070309020205020404" pitchFamily="49" charset="0"/>
-              </a:rPr>
-              <a:t>!!”</a:t>
+              <a:rPr lang="en-US" dirty="0"/>
+              <a:t>What behaviors does this object have?</a:t>
             </a:r>
           </a:p>
         </p:txBody>
@@ -26061,7 +25965,7 @@
     </p:spTree>
     <p:extLst>
       <p:ext uri="{BB962C8B-B14F-4D97-AF65-F5344CB8AC3E}">
-        <p14:creationId xmlns:p14="http://schemas.microsoft.com/office/powerpoint/2010/main" val="4052956799"/>
+        <p14:creationId xmlns:p14="http://schemas.microsoft.com/office/powerpoint/2010/main" val="1384254036"/>
       </p:ext>
     </p:extLst>
   </p:cSld>
@@ -26105,7 +26009,7 @@
           <a:p>
             <a:r>
               <a:rPr lang="en-US" dirty="0"/>
-              <a:t>The Exercise</a:t>
+              <a:t>Polymorphism</a:t>
             </a:r>
           </a:p>
         </p:txBody>
@@ -26120,32 +26024,20 @@
             <p:ph idx="1"/>
           </p:nvPr>
         </p:nvSpPr>
-        <p:spPr>
-          <a:xfrm>
-            <a:off x="838200" y="2057399"/>
-            <a:ext cx="10707168" cy="4119563"/>
-          </a:xfrm>
-        </p:spPr>
+        <p:spPr/>
         <p:txBody>
-          <a:bodyPr>
-            <a:normAutofit fontScale="70000" lnSpcReduction="20000"/>
-          </a:bodyPr>
+          <a:bodyPr/>
           <a:lstStyle/>
           <a:p>
             <a:pPr marL="0" indent="0">
               <a:buNone/>
             </a:pPr>
             <a:r>
-              <a:rPr lang="en-US" sz="3400" dirty="0"/>
-              <a:t>Given the preceding classes, what would be the </a:t>
-            </a:r>
-            <a:r>
-              <a:rPr lang="en-US" sz="3400" b="1" dirty="0"/>
-              <a:t>output</a:t>
-            </a:r>
-            <a:r>
-              <a:rPr lang="en-US" sz="3400" dirty="0"/>
-              <a:t> of the following client code?</a:t>
+              <a:rPr lang="en-US" dirty="0">
+                <a:latin typeface="Courier New" panose="02070309020205020404" pitchFamily="49" charset="0"/>
+                <a:cs typeface="Courier New" panose="02070309020205020404" pitchFamily="49" charset="0"/>
+              </a:rPr>
+              <a:t>public class Lion extends Animal { … }</a:t>
             </a:r>
           </a:p>
           <a:p>
@@ -26162,98 +26054,25 @@
               <a:buNone/>
             </a:pPr>
             <a:r>
+              <a:rPr lang="en-US" dirty="0">
+                <a:latin typeface="Courier New" panose="02070309020205020404" pitchFamily="49" charset="0"/>
+                <a:cs typeface="Courier New" panose="02070309020205020404" pitchFamily="49" charset="0"/>
+              </a:rPr>
+              <a:t>Animal </a:t>
+            </a:r>
+            <a:r>
               <a:rPr lang="en-US" dirty="0" err="1">
                 <a:latin typeface="Courier New" panose="02070309020205020404" pitchFamily="49" charset="0"/>
                 <a:cs typeface="Courier New" panose="02070309020205020404" pitchFamily="49" charset="0"/>
               </a:rPr>
-              <a:t>MusicalInstrument</a:t>
+              <a:t>simba</a:t>
             </a:r>
             <a:r>
               <a:rPr lang="en-US" dirty="0">
                 <a:latin typeface="Courier New" panose="02070309020205020404" pitchFamily="49" charset="0"/>
                 <a:cs typeface="Courier New" panose="02070309020205020404" pitchFamily="49" charset="0"/>
               </a:rPr>
-              <a:t>[] </a:t>
-            </a:r>
-            <a:r>
-              <a:rPr lang="en-US" dirty="0" err="1">
-                <a:latin typeface="Courier New" panose="02070309020205020404" pitchFamily="49" charset="0"/>
-                <a:cs typeface="Courier New" panose="02070309020205020404" pitchFamily="49" charset="0"/>
-              </a:rPr>
-              <a:t>insts</a:t>
-            </a:r>
-            <a:r>
-              <a:rPr lang="en-US" dirty="0">
-                <a:latin typeface="Courier New" panose="02070309020205020404" pitchFamily="49" charset="0"/>
-                <a:cs typeface="Courier New" panose="02070309020205020404" pitchFamily="49" charset="0"/>
-              </a:rPr>
-              <a:t> = {</a:t>
-            </a:r>
-          </a:p>
-          <a:p>
-            <a:pPr marL="0" indent="0">
-              <a:buNone/>
-            </a:pPr>
-            <a:r>
-              <a:rPr lang="en-US" dirty="0">
-                <a:latin typeface="Courier New" panose="02070309020205020404" pitchFamily="49" charset="0"/>
-                <a:cs typeface="Courier New" panose="02070309020205020404" pitchFamily="49" charset="0"/>
-              </a:rPr>
-              <a:t>	new </a:t>
-            </a:r>
-            <a:r>
-              <a:rPr lang="en-US" dirty="0" err="1">
-                <a:latin typeface="Courier New" panose="02070309020205020404" pitchFamily="49" charset="0"/>
-                <a:cs typeface="Courier New" panose="02070309020205020404" pitchFamily="49" charset="0"/>
-              </a:rPr>
-              <a:t>MusicalInstrument</a:t>
-            </a:r>
-            <a:r>
-              <a:rPr lang="en-US" dirty="0">
-                <a:latin typeface="Courier New" panose="02070309020205020404" pitchFamily="49" charset="0"/>
-                <a:cs typeface="Courier New" panose="02070309020205020404" pitchFamily="49" charset="0"/>
-              </a:rPr>
-              <a:t>(), new </a:t>
-            </a:r>
-            <a:r>
-              <a:rPr lang="en-US" dirty="0" err="1">
-                <a:latin typeface="Courier New" panose="02070309020205020404" pitchFamily="49" charset="0"/>
-                <a:cs typeface="Courier New" panose="02070309020205020404" pitchFamily="49" charset="0"/>
-              </a:rPr>
-              <a:t>ElectricKeyboard</a:t>
-            </a:r>
-            <a:r>
-              <a:rPr lang="en-US" dirty="0">
-                <a:latin typeface="Courier New" panose="02070309020205020404" pitchFamily="49" charset="0"/>
-                <a:cs typeface="Courier New" panose="02070309020205020404" pitchFamily="49" charset="0"/>
-              </a:rPr>
-              <a:t>(),</a:t>
-            </a:r>
-          </a:p>
-          <a:p>
-            <a:pPr marL="0" indent="0">
-              <a:buNone/>
-            </a:pPr>
-            <a:r>
-              <a:rPr lang="en-US" dirty="0">
-                <a:latin typeface="Courier New" panose="02070309020205020404" pitchFamily="49" charset="0"/>
-                <a:cs typeface="Courier New" panose="02070309020205020404" pitchFamily="49" charset="0"/>
-              </a:rPr>
-              <a:t> 	new Guitar(), new </a:t>
-            </a:r>
-            <a:r>
-              <a:rPr lang="en-US" dirty="0" err="1">
-                <a:latin typeface="Courier New" panose="02070309020205020404" pitchFamily="49" charset="0"/>
-                <a:cs typeface="Courier New" panose="02070309020205020404" pitchFamily="49" charset="0"/>
-              </a:rPr>
-              <a:t>ElectricGuitar</a:t>
-            </a:r>
-            <a:r>
-              <a:rPr lang="en-US" dirty="0">
-                <a:latin typeface="Courier New" panose="02070309020205020404" pitchFamily="49" charset="0"/>
-                <a:cs typeface="Courier New" panose="02070309020205020404" pitchFamily="49" charset="0"/>
-              </a:rPr>
-              <a:t>() };</a:t>
+              <a:t> = new Lion();</a:t>
             </a:r>
           </a:p>
           <a:p>
@@ -26270,281 +26089,67 @@
               <a:buNone/>
             </a:pPr>
             <a:r>
+              <a:rPr lang="en-US" dirty="0" err="1">
+                <a:latin typeface="Courier New" panose="02070309020205020404" pitchFamily="49" charset="0"/>
+                <a:cs typeface="Courier New" panose="02070309020205020404" pitchFamily="49" charset="0"/>
+              </a:rPr>
+              <a:t>System.out.prinln</a:t>
+            </a:r>
+            <a:r>
               <a:rPr lang="en-US" dirty="0">
                 <a:latin typeface="Courier New" panose="02070309020205020404" pitchFamily="49" charset="0"/>
                 <a:cs typeface="Courier New" panose="02070309020205020404" pitchFamily="49" charset="0"/>
               </a:rPr>
-              <a:t>for (</a:t>
+              <a:t>(</a:t>
             </a:r>
             <a:r>
               <a:rPr lang="en-US" dirty="0" err="1">
                 <a:latin typeface="Courier New" panose="02070309020205020404" pitchFamily="49" charset="0"/>
                 <a:cs typeface="Courier New" panose="02070309020205020404" pitchFamily="49" charset="0"/>
               </a:rPr>
-              <a:t>int</a:t>
+              <a:t>simba.say</a:t>
             </a:r>
             <a:r>
               <a:rPr lang="en-US" dirty="0">
                 <a:latin typeface="Courier New" panose="02070309020205020404" pitchFamily="49" charset="0"/>
                 <a:cs typeface="Courier New" panose="02070309020205020404" pitchFamily="49" charset="0"/>
               </a:rPr>
-              <a:t> </a:t>
+              <a:t>());</a:t>
+            </a:r>
+          </a:p>
+          <a:p>
+            <a:pPr marL="0" indent="0">
+              <a:buNone/>
+            </a:pPr>
+            <a:endParaRPr lang="en-US" dirty="0">
+              <a:latin typeface="Courier New" panose="02070309020205020404" pitchFamily="49" charset="0"/>
+              <a:cs typeface="Courier New" panose="02070309020205020404" pitchFamily="49" charset="0"/>
+            </a:endParaRPr>
+          </a:p>
+          <a:p>
+            <a:pPr marL="0" indent="0">
+              <a:buNone/>
+            </a:pPr>
+            <a:r>
+              <a:rPr lang="en-US" dirty="0">
+                <a:latin typeface="Courier New" panose="02070309020205020404" pitchFamily="49" charset="0"/>
+                <a:cs typeface="Courier New" panose="02070309020205020404" pitchFamily="49" charset="0"/>
+              </a:rPr>
+              <a:t>Output: “</a:t>
             </a:r>
             <a:r>
               <a:rPr lang="en-US" dirty="0" err="1">
                 <a:latin typeface="Courier New" panose="02070309020205020404" pitchFamily="49" charset="0"/>
                 <a:cs typeface="Courier New" panose="02070309020205020404" pitchFamily="49" charset="0"/>
               </a:rPr>
-              <a:t>i</a:t>
+              <a:t>Rawr</a:t>
             </a:r>
             <a:r>
               <a:rPr lang="en-US" dirty="0">
                 <a:latin typeface="Courier New" panose="02070309020205020404" pitchFamily="49" charset="0"/>
                 <a:cs typeface="Courier New" panose="02070309020205020404" pitchFamily="49" charset="0"/>
               </a:rPr>
-              <a:t> = 0; </a:t>
-            </a:r>
-            <a:r>
-              <a:rPr lang="en-US" dirty="0" err="1">
-                <a:latin typeface="Courier New" panose="02070309020205020404" pitchFamily="49" charset="0"/>
-                <a:cs typeface="Courier New" panose="02070309020205020404" pitchFamily="49" charset="0"/>
-              </a:rPr>
-              <a:t>i</a:t>
-            </a:r>
-            <a:r>
-              <a:rPr lang="en-US" dirty="0">
-                <a:latin typeface="Courier New" panose="02070309020205020404" pitchFamily="49" charset="0"/>
-                <a:cs typeface="Courier New" panose="02070309020205020404" pitchFamily="49" charset="0"/>
-              </a:rPr>
-              <a:t> &lt; </a:t>
-            </a:r>
-            <a:r>
-              <a:rPr lang="en-US" dirty="0" err="1">
-                <a:latin typeface="Courier New" panose="02070309020205020404" pitchFamily="49" charset="0"/>
-                <a:cs typeface="Courier New" panose="02070309020205020404" pitchFamily="49" charset="0"/>
-              </a:rPr>
-              <a:t>insts.length</a:t>
-            </a:r>
-            <a:r>
-              <a:rPr lang="en-US" dirty="0">
-                <a:latin typeface="Courier New" panose="02070309020205020404" pitchFamily="49" charset="0"/>
-                <a:cs typeface="Courier New" panose="02070309020205020404" pitchFamily="49" charset="0"/>
-              </a:rPr>
-              <a:t>; </a:t>
-            </a:r>
-            <a:r>
-              <a:rPr lang="en-US" dirty="0" err="1">
-                <a:latin typeface="Courier New" panose="02070309020205020404" pitchFamily="49" charset="0"/>
-                <a:cs typeface="Courier New" panose="02070309020205020404" pitchFamily="49" charset="0"/>
-              </a:rPr>
-              <a:t>i</a:t>
-            </a:r>
-            <a:r>
-              <a:rPr lang="en-US" dirty="0">
-                <a:latin typeface="Courier New" panose="02070309020205020404" pitchFamily="49" charset="0"/>
-                <a:cs typeface="Courier New" panose="02070309020205020404" pitchFamily="49" charset="0"/>
-              </a:rPr>
-              <a:t>++) {</a:t>
-            </a:r>
-          </a:p>
-          <a:p>
-            <a:pPr marL="0" indent="0">
-              <a:buNone/>
-            </a:pPr>
-            <a:r>
-              <a:rPr lang="en-US" dirty="0">
-                <a:latin typeface="Courier New" panose="02070309020205020404" pitchFamily="49" charset="0"/>
-                <a:cs typeface="Courier New" panose="02070309020205020404" pitchFamily="49" charset="0"/>
-              </a:rPr>
-              <a:t>	</a:t>
-            </a:r>
-            <a:r>
-              <a:rPr lang="en-US" dirty="0" err="1">
-                <a:latin typeface="Courier New" panose="02070309020205020404" pitchFamily="49" charset="0"/>
-                <a:cs typeface="Courier New" panose="02070309020205020404" pitchFamily="49" charset="0"/>
-              </a:rPr>
-              <a:t>System.out.println</a:t>
-            </a:r>
-            <a:r>
-              <a:rPr lang="en-US" dirty="0">
-                <a:latin typeface="Courier New" panose="02070309020205020404" pitchFamily="49" charset="0"/>
-                <a:cs typeface="Courier New" panose="02070309020205020404" pitchFamily="49" charset="0"/>
-              </a:rPr>
-              <a:t>(</a:t>
-            </a:r>
-            <a:r>
-              <a:rPr lang="en-US" dirty="0" err="1">
-                <a:latin typeface="Courier New" panose="02070309020205020404" pitchFamily="49" charset="0"/>
-                <a:cs typeface="Courier New" panose="02070309020205020404" pitchFamily="49" charset="0"/>
-              </a:rPr>
-              <a:t>insts</a:t>
-            </a:r>
-            <a:r>
-              <a:rPr lang="en-US" dirty="0">
-                <a:latin typeface="Courier New" panose="02070309020205020404" pitchFamily="49" charset="0"/>
-                <a:cs typeface="Courier New" panose="02070309020205020404" pitchFamily="49" charset="0"/>
-              </a:rPr>
-              <a:t>[</a:t>
-            </a:r>
-            <a:r>
-              <a:rPr lang="en-US" dirty="0" err="1">
-                <a:latin typeface="Courier New" panose="02070309020205020404" pitchFamily="49" charset="0"/>
-                <a:cs typeface="Courier New" panose="02070309020205020404" pitchFamily="49" charset="0"/>
-              </a:rPr>
-              <a:t>i</a:t>
-            </a:r>
-            <a:r>
-              <a:rPr lang="en-US" dirty="0">
-                <a:latin typeface="Courier New" panose="02070309020205020404" pitchFamily="49" charset="0"/>
-                <a:cs typeface="Courier New" panose="02070309020205020404" pitchFamily="49" charset="0"/>
-              </a:rPr>
-              <a:t>]);</a:t>
-            </a:r>
-          </a:p>
-          <a:p>
-            <a:pPr marL="0" indent="0">
-              <a:buNone/>
-            </a:pPr>
-            <a:r>
-              <a:rPr lang="en-US" dirty="0">
-                <a:latin typeface="Courier New" panose="02070309020205020404" pitchFamily="49" charset="0"/>
-                <a:cs typeface="Courier New" panose="02070309020205020404" pitchFamily="49" charset="0"/>
-              </a:rPr>
-              <a:t>    	</a:t>
-            </a:r>
-            <a:r>
-              <a:rPr lang="en-US" dirty="0" err="1">
-                <a:latin typeface="Courier New" panose="02070309020205020404" pitchFamily="49" charset="0"/>
-                <a:cs typeface="Courier New" panose="02070309020205020404" pitchFamily="49" charset="0"/>
-              </a:rPr>
-              <a:t>insts</a:t>
-            </a:r>
-            <a:r>
-              <a:rPr lang="en-US" dirty="0">
-                <a:latin typeface="Courier New" panose="02070309020205020404" pitchFamily="49" charset="0"/>
-                <a:cs typeface="Courier New" panose="02070309020205020404" pitchFamily="49" charset="0"/>
-              </a:rPr>
-              <a:t> [</a:t>
-            </a:r>
-            <a:r>
-              <a:rPr lang="en-US" dirty="0" err="1">
-                <a:latin typeface="Courier New" panose="02070309020205020404" pitchFamily="49" charset="0"/>
-                <a:cs typeface="Courier New" panose="02070309020205020404" pitchFamily="49" charset="0"/>
-              </a:rPr>
-              <a:t>i</a:t>
-            </a:r>
-            <a:r>
-              <a:rPr lang="en-US" dirty="0">
-                <a:latin typeface="Courier New" panose="02070309020205020404" pitchFamily="49" charset="0"/>
-                <a:cs typeface="Courier New" panose="02070309020205020404" pitchFamily="49" charset="0"/>
-              </a:rPr>
-              <a:t>].</a:t>
-            </a:r>
-            <a:r>
-              <a:rPr lang="en-US" dirty="0" err="1">
-                <a:latin typeface="Courier New" panose="02070309020205020404" pitchFamily="49" charset="0"/>
-                <a:cs typeface="Courier New" panose="02070309020205020404" pitchFamily="49" charset="0"/>
-              </a:rPr>
-              <a:t>pickSound</a:t>
-            </a:r>
-            <a:r>
-              <a:rPr lang="en-US" dirty="0">
-                <a:latin typeface="Courier New" panose="02070309020205020404" pitchFamily="49" charset="0"/>
-                <a:cs typeface="Courier New" panose="02070309020205020404" pitchFamily="49" charset="0"/>
-              </a:rPr>
-              <a:t>();</a:t>
-            </a:r>
-          </a:p>
-          <a:p>
-            <a:pPr marL="0" indent="0">
-              <a:buNone/>
-            </a:pPr>
-            <a:r>
-              <a:rPr lang="en-US" dirty="0">
-                <a:latin typeface="Courier New" panose="02070309020205020404" pitchFamily="49" charset="0"/>
-                <a:cs typeface="Courier New" panose="02070309020205020404" pitchFamily="49" charset="0"/>
-              </a:rPr>
-              <a:t>    	</a:t>
-            </a:r>
-            <a:r>
-              <a:rPr lang="en-US" dirty="0" err="1">
-                <a:latin typeface="Courier New" panose="02070309020205020404" pitchFamily="49" charset="0"/>
-                <a:cs typeface="Courier New" panose="02070309020205020404" pitchFamily="49" charset="0"/>
-              </a:rPr>
-              <a:t>insts</a:t>
-            </a:r>
-            <a:r>
-              <a:rPr lang="en-US" dirty="0">
-                <a:latin typeface="Courier New" panose="02070309020205020404" pitchFamily="49" charset="0"/>
-                <a:cs typeface="Courier New" panose="02070309020205020404" pitchFamily="49" charset="0"/>
-              </a:rPr>
-              <a:t> [</a:t>
-            </a:r>
-            <a:r>
-              <a:rPr lang="en-US" dirty="0" err="1">
-                <a:latin typeface="Courier New" panose="02070309020205020404" pitchFamily="49" charset="0"/>
-                <a:cs typeface="Courier New" panose="02070309020205020404" pitchFamily="49" charset="0"/>
-              </a:rPr>
-              <a:t>i</a:t>
-            </a:r>
-            <a:r>
-              <a:rPr lang="en-US" dirty="0">
-                <a:latin typeface="Courier New" panose="02070309020205020404" pitchFamily="49" charset="0"/>
-                <a:cs typeface="Courier New" panose="02070309020205020404" pitchFamily="49" charset="0"/>
-              </a:rPr>
-              <a:t>].</a:t>
-            </a:r>
-            <a:r>
-              <a:rPr lang="en-US" dirty="0" err="1">
-                <a:latin typeface="Courier New" panose="02070309020205020404" pitchFamily="49" charset="0"/>
-                <a:cs typeface="Courier New" panose="02070309020205020404" pitchFamily="49" charset="0"/>
-              </a:rPr>
-              <a:t>playNote</a:t>
-            </a:r>
-            <a:r>
-              <a:rPr lang="en-US" dirty="0">
-                <a:latin typeface="Courier New" panose="02070309020205020404" pitchFamily="49" charset="0"/>
-                <a:cs typeface="Courier New" panose="02070309020205020404" pitchFamily="49" charset="0"/>
-              </a:rPr>
-              <a:t>();</a:t>
-            </a:r>
-          </a:p>
-          <a:p>
-            <a:pPr marL="0" indent="0">
-              <a:buNone/>
-            </a:pPr>
-            <a:r>
-              <a:rPr lang="en-US" dirty="0">
-                <a:latin typeface="Courier New" panose="02070309020205020404" pitchFamily="49" charset="0"/>
-                <a:cs typeface="Courier New" panose="02070309020205020404" pitchFamily="49" charset="0"/>
-              </a:rPr>
-              <a:t>    	</a:t>
-            </a:r>
-            <a:r>
-              <a:rPr lang="en-US" dirty="0" err="1">
-                <a:latin typeface="Courier New" panose="02070309020205020404" pitchFamily="49" charset="0"/>
-                <a:cs typeface="Courier New" panose="02070309020205020404" pitchFamily="49" charset="0"/>
-              </a:rPr>
-              <a:t>System.out.println</a:t>
-            </a:r>
-            <a:r>
-              <a:rPr lang="en-US" dirty="0">
-                <a:latin typeface="Courier New" panose="02070309020205020404" pitchFamily="49" charset="0"/>
-                <a:cs typeface="Courier New" panose="02070309020205020404" pitchFamily="49" charset="0"/>
-              </a:rPr>
-              <a:t>();</a:t>
-            </a:r>
-          </a:p>
-          <a:p>
-            <a:pPr marL="0" indent="0">
-              <a:buNone/>
-            </a:pPr>
-            <a:r>
-              <a:rPr lang="en-US" dirty="0">
-                <a:latin typeface="Courier New" panose="02070309020205020404" pitchFamily="49" charset="0"/>
-                <a:cs typeface="Courier New" panose="02070309020205020404" pitchFamily="49" charset="0"/>
-              </a:rPr>
-              <a:t>}</a:t>
+              <a:t>!!”</a:t>
             </a:r>
           </a:p>
         </p:txBody>
@@ -26552,7 +26157,7 @@
     </p:spTree>
     <p:extLst>
       <p:ext uri="{BB962C8B-B14F-4D97-AF65-F5344CB8AC3E}">
-        <p14:creationId xmlns:p14="http://schemas.microsoft.com/office/powerpoint/2010/main" val="1572219314"/>
+        <p14:creationId xmlns:p14="http://schemas.microsoft.com/office/powerpoint/2010/main" val="4052956799"/>
       </p:ext>
     </p:extLst>
   </p:cSld>
@@ -26650,7 +26255,7 @@
           <a:p>
             <a:r>
               <a:rPr lang="en-US" dirty="0"/>
-              <a:t>Step 1: Class Diagram</a:t>
+              <a:t>The Exercise</a:t>
             </a:r>
           </a:p>
         </p:txBody>
@@ -26665,35 +26270,114 @@
             <p:ph idx="1"/>
           </p:nvPr>
         </p:nvSpPr>
-        <p:spPr/>
+        <p:spPr>
+          <a:xfrm>
+            <a:off x="838200" y="2057399"/>
+            <a:ext cx="10707168" cy="4119563"/>
+          </a:xfrm>
+        </p:spPr>
         <p:txBody>
-          <a:bodyPr/>
+          <a:bodyPr>
+            <a:normAutofit fontScale="70000" lnSpcReduction="20000"/>
+          </a:bodyPr>
           <a:lstStyle/>
           <a:p>
             <a:pPr marL="0" indent="0">
               <a:buNone/>
             </a:pPr>
-            <a:endParaRPr lang="en-US" dirty="0"/>
+            <a:r>
+              <a:rPr lang="en-US" sz="3400" dirty="0"/>
+              <a:t>Given the preceding classes, what would be the </a:t>
+            </a:r>
+            <a:r>
+              <a:rPr lang="en-US" sz="3400" b="1" dirty="0"/>
+              <a:t>output</a:t>
+            </a:r>
+            <a:r>
+              <a:rPr lang="en-US" sz="3400" dirty="0"/>
+              <a:t> of the following client code?</a:t>
+            </a:r>
           </a:p>
           <a:p>
             <a:pPr marL="0" indent="0">
               <a:buNone/>
             </a:pPr>
-            <a:endParaRPr lang="en-US" dirty="0"/>
+            <a:endParaRPr lang="en-US" dirty="0">
+              <a:latin typeface="Courier New" panose="02070309020205020404" pitchFamily="49" charset="0"/>
+              <a:cs typeface="Courier New" panose="02070309020205020404" pitchFamily="49" charset="0"/>
+            </a:endParaRPr>
           </a:p>
           <a:p>
             <a:pPr marL="0" indent="0">
               <a:buNone/>
             </a:pPr>
-            <a:endParaRPr lang="en-US" dirty="0"/>
+            <a:r>
+              <a:rPr lang="en-US" dirty="0" err="1">
+                <a:latin typeface="Courier New" panose="02070309020205020404" pitchFamily="49" charset="0"/>
+                <a:cs typeface="Courier New" panose="02070309020205020404" pitchFamily="49" charset="0"/>
+              </a:rPr>
+              <a:t>MusicalInstrument</a:t>
+            </a:r>
+            <a:r>
+              <a:rPr lang="en-US" dirty="0">
+                <a:latin typeface="Courier New" panose="02070309020205020404" pitchFamily="49" charset="0"/>
+                <a:cs typeface="Courier New" panose="02070309020205020404" pitchFamily="49" charset="0"/>
+              </a:rPr>
+              <a:t>[] </a:t>
+            </a:r>
+            <a:r>
+              <a:rPr lang="en-US" dirty="0" err="1">
+                <a:latin typeface="Courier New" panose="02070309020205020404" pitchFamily="49" charset="0"/>
+                <a:cs typeface="Courier New" panose="02070309020205020404" pitchFamily="49" charset="0"/>
+              </a:rPr>
+              <a:t>insts</a:t>
+            </a:r>
+            <a:r>
+              <a:rPr lang="en-US" dirty="0">
+                <a:latin typeface="Courier New" panose="02070309020205020404" pitchFamily="49" charset="0"/>
+                <a:cs typeface="Courier New" panose="02070309020205020404" pitchFamily="49" charset="0"/>
+              </a:rPr>
+              <a:t> = {</a:t>
+            </a:r>
           </a:p>
           <a:p>
             <a:pPr marL="0" indent="0">
               <a:buNone/>
             </a:pPr>
             <a:r>
-              <a:rPr lang="en-US" dirty="0"/>
-              <a:t>Add classes from top (superclass)</a:t>
+              <a:rPr lang="en-US" dirty="0">
+                <a:latin typeface="Courier New" panose="02070309020205020404" pitchFamily="49" charset="0"/>
+                <a:cs typeface="Courier New" panose="02070309020205020404" pitchFamily="49" charset="0"/>
+              </a:rPr>
+              <a:t>	new </a:t>
+            </a:r>
+            <a:r>
+              <a:rPr lang="en-US" dirty="0" err="1">
+                <a:latin typeface="Courier New" panose="02070309020205020404" pitchFamily="49" charset="0"/>
+                <a:cs typeface="Courier New" panose="02070309020205020404" pitchFamily="49" charset="0"/>
+              </a:rPr>
+              <a:t>MusicalInstrument</a:t>
+            </a:r>
+            <a:r>
+              <a:rPr lang="en-US" dirty="0">
+                <a:latin typeface="Courier New" panose="02070309020205020404" pitchFamily="49" charset="0"/>
+                <a:cs typeface="Courier New" panose="02070309020205020404" pitchFamily="49" charset="0"/>
+              </a:rPr>
+              <a:t>(), new </a:t>
+            </a:r>
+            <a:r>
+              <a:rPr lang="en-US" dirty="0" err="1">
+                <a:latin typeface="Courier New" panose="02070309020205020404" pitchFamily="49" charset="0"/>
+                <a:cs typeface="Courier New" panose="02070309020205020404" pitchFamily="49" charset="0"/>
+              </a:rPr>
+              <a:t>ElectricKeyboard</a:t>
+            </a:r>
+            <a:r>
+              <a:rPr lang="en-US" dirty="0">
+                <a:latin typeface="Courier New" panose="02070309020205020404" pitchFamily="49" charset="0"/>
+                <a:cs typeface="Courier New" panose="02070309020205020404" pitchFamily="49" charset="0"/>
+              </a:rPr>
+              <a:t>(),</a:t>
             </a:r>
           </a:p>
           <a:p>
@@ -26701,34 +26385,324 @@
               <a:buNone/>
             </a:pPr>
             <a:r>
-              <a:rPr lang="en-US" dirty="0"/>
-              <a:t>	to bottom (subclass).</a:t>
+              <a:rPr lang="en-US" dirty="0">
+                <a:latin typeface="Courier New" panose="02070309020205020404" pitchFamily="49" charset="0"/>
+                <a:cs typeface="Courier New" panose="02070309020205020404" pitchFamily="49" charset="0"/>
+              </a:rPr>
+              <a:t> 	new Guitar(), new </a:t>
+            </a:r>
+            <a:r>
+              <a:rPr lang="en-US" dirty="0" err="1">
+                <a:latin typeface="Courier New" panose="02070309020205020404" pitchFamily="49" charset="0"/>
+                <a:cs typeface="Courier New" panose="02070309020205020404" pitchFamily="49" charset="0"/>
+              </a:rPr>
+              <a:t>ElectricGuitar</a:t>
+            </a:r>
+            <a:r>
+              <a:rPr lang="en-US" dirty="0">
+                <a:latin typeface="Courier New" panose="02070309020205020404" pitchFamily="49" charset="0"/>
+                <a:cs typeface="Courier New" panose="02070309020205020404" pitchFamily="49" charset="0"/>
+              </a:rPr>
+              <a:t>() };</a:t>
+            </a:r>
+          </a:p>
+          <a:p>
+            <a:pPr marL="0" indent="0">
+              <a:buNone/>
+            </a:pPr>
+            <a:endParaRPr lang="en-US" dirty="0">
+              <a:latin typeface="Courier New" panose="02070309020205020404" pitchFamily="49" charset="0"/>
+              <a:cs typeface="Courier New" panose="02070309020205020404" pitchFamily="49" charset="0"/>
+            </a:endParaRPr>
+          </a:p>
+          <a:p>
+            <a:pPr marL="0" indent="0">
+              <a:buNone/>
+            </a:pPr>
+            <a:r>
+              <a:rPr lang="en-US" dirty="0">
+                <a:latin typeface="Courier New" panose="02070309020205020404" pitchFamily="49" charset="0"/>
+                <a:cs typeface="Courier New" panose="02070309020205020404" pitchFamily="49" charset="0"/>
+              </a:rPr>
+              <a:t>for (</a:t>
+            </a:r>
+            <a:r>
+              <a:rPr lang="en-US" dirty="0" err="1">
+                <a:latin typeface="Courier New" panose="02070309020205020404" pitchFamily="49" charset="0"/>
+                <a:cs typeface="Courier New" panose="02070309020205020404" pitchFamily="49" charset="0"/>
+              </a:rPr>
+              <a:t>int</a:t>
+            </a:r>
+            <a:r>
+              <a:rPr lang="en-US" dirty="0">
+                <a:latin typeface="Courier New" panose="02070309020205020404" pitchFamily="49" charset="0"/>
+                <a:cs typeface="Courier New" panose="02070309020205020404" pitchFamily="49" charset="0"/>
+              </a:rPr>
+              <a:t> </a:t>
+            </a:r>
+            <a:r>
+              <a:rPr lang="en-US" dirty="0" err="1">
+                <a:latin typeface="Courier New" panose="02070309020205020404" pitchFamily="49" charset="0"/>
+                <a:cs typeface="Courier New" panose="02070309020205020404" pitchFamily="49" charset="0"/>
+              </a:rPr>
+              <a:t>i</a:t>
+            </a:r>
+            <a:r>
+              <a:rPr lang="en-US" dirty="0">
+                <a:latin typeface="Courier New" panose="02070309020205020404" pitchFamily="49" charset="0"/>
+                <a:cs typeface="Courier New" panose="02070309020205020404" pitchFamily="49" charset="0"/>
+              </a:rPr>
+              <a:t> = 0; </a:t>
+            </a:r>
+            <a:r>
+              <a:rPr lang="en-US" dirty="0" err="1">
+                <a:latin typeface="Courier New" panose="02070309020205020404" pitchFamily="49" charset="0"/>
+                <a:cs typeface="Courier New" panose="02070309020205020404" pitchFamily="49" charset="0"/>
+              </a:rPr>
+              <a:t>i</a:t>
+            </a:r>
+            <a:r>
+              <a:rPr lang="en-US" dirty="0">
+                <a:latin typeface="Courier New" panose="02070309020205020404" pitchFamily="49" charset="0"/>
+                <a:cs typeface="Courier New" panose="02070309020205020404" pitchFamily="49" charset="0"/>
+              </a:rPr>
+              <a:t> &lt; </a:t>
+            </a:r>
+            <a:r>
+              <a:rPr lang="en-US" dirty="0" err="1">
+                <a:latin typeface="Courier New" panose="02070309020205020404" pitchFamily="49" charset="0"/>
+                <a:cs typeface="Courier New" panose="02070309020205020404" pitchFamily="49" charset="0"/>
+              </a:rPr>
+              <a:t>insts.length</a:t>
+            </a:r>
+            <a:r>
+              <a:rPr lang="en-US" dirty="0">
+                <a:latin typeface="Courier New" panose="02070309020205020404" pitchFamily="49" charset="0"/>
+                <a:cs typeface="Courier New" panose="02070309020205020404" pitchFamily="49" charset="0"/>
+              </a:rPr>
+              <a:t>; </a:t>
+            </a:r>
+            <a:r>
+              <a:rPr lang="en-US" dirty="0" err="1">
+                <a:latin typeface="Courier New" panose="02070309020205020404" pitchFamily="49" charset="0"/>
+                <a:cs typeface="Courier New" panose="02070309020205020404" pitchFamily="49" charset="0"/>
+              </a:rPr>
+              <a:t>i</a:t>
+            </a:r>
+            <a:r>
+              <a:rPr lang="en-US" dirty="0">
+                <a:latin typeface="Courier New" panose="02070309020205020404" pitchFamily="49" charset="0"/>
+                <a:cs typeface="Courier New" panose="02070309020205020404" pitchFamily="49" charset="0"/>
+              </a:rPr>
+              <a:t>++) {</a:t>
+            </a:r>
+          </a:p>
+          <a:p>
+            <a:pPr marL="0" indent="0">
+              <a:buNone/>
+            </a:pPr>
+            <a:r>
+              <a:rPr lang="en-US" dirty="0">
+                <a:latin typeface="Courier New" panose="02070309020205020404" pitchFamily="49" charset="0"/>
+                <a:cs typeface="Courier New" panose="02070309020205020404" pitchFamily="49" charset="0"/>
+              </a:rPr>
+              <a:t>	</a:t>
+            </a:r>
+            <a:r>
+              <a:rPr lang="en-US" dirty="0" err="1">
+                <a:latin typeface="Courier New" panose="02070309020205020404" pitchFamily="49" charset="0"/>
+                <a:cs typeface="Courier New" panose="02070309020205020404" pitchFamily="49" charset="0"/>
+              </a:rPr>
+              <a:t>System.out.println</a:t>
+            </a:r>
+            <a:r>
+              <a:rPr lang="en-US" dirty="0">
+                <a:latin typeface="Courier New" panose="02070309020205020404" pitchFamily="49" charset="0"/>
+                <a:cs typeface="Courier New" panose="02070309020205020404" pitchFamily="49" charset="0"/>
+              </a:rPr>
+              <a:t>(</a:t>
+            </a:r>
+            <a:r>
+              <a:rPr lang="en-US" dirty="0" err="1">
+                <a:latin typeface="Courier New" panose="02070309020205020404" pitchFamily="49" charset="0"/>
+                <a:cs typeface="Courier New" panose="02070309020205020404" pitchFamily="49" charset="0"/>
+              </a:rPr>
+              <a:t>insts</a:t>
+            </a:r>
+            <a:r>
+              <a:rPr lang="en-US" dirty="0">
+                <a:latin typeface="Courier New" panose="02070309020205020404" pitchFamily="49" charset="0"/>
+                <a:cs typeface="Courier New" panose="02070309020205020404" pitchFamily="49" charset="0"/>
+              </a:rPr>
+              <a:t>[</a:t>
+            </a:r>
+            <a:r>
+              <a:rPr lang="en-US" dirty="0" err="1">
+                <a:latin typeface="Courier New" panose="02070309020205020404" pitchFamily="49" charset="0"/>
+                <a:cs typeface="Courier New" panose="02070309020205020404" pitchFamily="49" charset="0"/>
+              </a:rPr>
+              <a:t>i</a:t>
+            </a:r>
+            <a:r>
+              <a:rPr lang="en-US" dirty="0">
+                <a:latin typeface="Courier New" panose="02070309020205020404" pitchFamily="49" charset="0"/>
+                <a:cs typeface="Courier New" panose="02070309020205020404" pitchFamily="49" charset="0"/>
+              </a:rPr>
+              <a:t>]);</a:t>
+            </a:r>
+          </a:p>
+          <a:p>
+            <a:pPr marL="0" indent="0">
+              <a:buNone/>
+            </a:pPr>
+            <a:r>
+              <a:rPr lang="en-US" dirty="0">
+                <a:latin typeface="Courier New" panose="02070309020205020404" pitchFamily="49" charset="0"/>
+                <a:cs typeface="Courier New" panose="02070309020205020404" pitchFamily="49" charset="0"/>
+              </a:rPr>
+              <a:t>    	</a:t>
+            </a:r>
+            <a:r>
+              <a:rPr lang="en-US" dirty="0" err="1">
+                <a:latin typeface="Courier New" panose="02070309020205020404" pitchFamily="49" charset="0"/>
+                <a:cs typeface="Courier New" panose="02070309020205020404" pitchFamily="49" charset="0"/>
+              </a:rPr>
+              <a:t>insts</a:t>
+            </a:r>
+            <a:r>
+              <a:rPr lang="en-US" dirty="0">
+                <a:latin typeface="Courier New" panose="02070309020205020404" pitchFamily="49" charset="0"/>
+                <a:cs typeface="Courier New" panose="02070309020205020404" pitchFamily="49" charset="0"/>
+              </a:rPr>
+              <a:t> [</a:t>
+            </a:r>
+            <a:r>
+              <a:rPr lang="en-US" dirty="0" err="1">
+                <a:latin typeface="Courier New" panose="02070309020205020404" pitchFamily="49" charset="0"/>
+                <a:cs typeface="Courier New" panose="02070309020205020404" pitchFamily="49" charset="0"/>
+              </a:rPr>
+              <a:t>i</a:t>
+            </a:r>
+            <a:r>
+              <a:rPr lang="en-US" dirty="0">
+                <a:latin typeface="Courier New" panose="02070309020205020404" pitchFamily="49" charset="0"/>
+                <a:cs typeface="Courier New" panose="02070309020205020404" pitchFamily="49" charset="0"/>
+              </a:rPr>
+              <a:t>].</a:t>
+            </a:r>
+            <a:r>
+              <a:rPr lang="en-US" dirty="0" err="1">
+                <a:latin typeface="Courier New" panose="02070309020205020404" pitchFamily="49" charset="0"/>
+                <a:cs typeface="Courier New" panose="02070309020205020404" pitchFamily="49" charset="0"/>
+              </a:rPr>
+              <a:t>pickSound</a:t>
+            </a:r>
+            <a:r>
+              <a:rPr lang="en-US" dirty="0">
+                <a:latin typeface="Courier New" panose="02070309020205020404" pitchFamily="49" charset="0"/>
+                <a:cs typeface="Courier New" panose="02070309020205020404" pitchFamily="49" charset="0"/>
+              </a:rPr>
+              <a:t>();</a:t>
+            </a:r>
+          </a:p>
+          <a:p>
+            <a:pPr marL="0" indent="0">
+              <a:buNone/>
+            </a:pPr>
+            <a:r>
+              <a:rPr lang="en-US" dirty="0">
+                <a:latin typeface="Courier New" panose="02070309020205020404" pitchFamily="49" charset="0"/>
+                <a:cs typeface="Courier New" panose="02070309020205020404" pitchFamily="49" charset="0"/>
+              </a:rPr>
+              <a:t>    	</a:t>
+            </a:r>
+            <a:r>
+              <a:rPr lang="en-US" dirty="0" err="1">
+                <a:latin typeface="Courier New" panose="02070309020205020404" pitchFamily="49" charset="0"/>
+                <a:cs typeface="Courier New" panose="02070309020205020404" pitchFamily="49" charset="0"/>
+              </a:rPr>
+              <a:t>insts</a:t>
+            </a:r>
+            <a:r>
+              <a:rPr lang="en-US" dirty="0">
+                <a:latin typeface="Courier New" panose="02070309020205020404" pitchFamily="49" charset="0"/>
+                <a:cs typeface="Courier New" panose="02070309020205020404" pitchFamily="49" charset="0"/>
+              </a:rPr>
+              <a:t> [</a:t>
+            </a:r>
+            <a:r>
+              <a:rPr lang="en-US" dirty="0" err="1">
+                <a:latin typeface="Courier New" panose="02070309020205020404" pitchFamily="49" charset="0"/>
+                <a:cs typeface="Courier New" panose="02070309020205020404" pitchFamily="49" charset="0"/>
+              </a:rPr>
+              <a:t>i</a:t>
+            </a:r>
+            <a:r>
+              <a:rPr lang="en-US" dirty="0">
+                <a:latin typeface="Courier New" panose="02070309020205020404" pitchFamily="49" charset="0"/>
+                <a:cs typeface="Courier New" panose="02070309020205020404" pitchFamily="49" charset="0"/>
+              </a:rPr>
+              <a:t>].</a:t>
+            </a:r>
+            <a:r>
+              <a:rPr lang="en-US" dirty="0" err="1">
+                <a:latin typeface="Courier New" panose="02070309020205020404" pitchFamily="49" charset="0"/>
+                <a:cs typeface="Courier New" panose="02070309020205020404" pitchFamily="49" charset="0"/>
+              </a:rPr>
+              <a:t>playNote</a:t>
+            </a:r>
+            <a:r>
+              <a:rPr lang="en-US" dirty="0">
+                <a:latin typeface="Courier New" panose="02070309020205020404" pitchFamily="49" charset="0"/>
+                <a:cs typeface="Courier New" panose="02070309020205020404" pitchFamily="49" charset="0"/>
+              </a:rPr>
+              <a:t>();</a:t>
+            </a:r>
+          </a:p>
+          <a:p>
+            <a:pPr marL="0" indent="0">
+              <a:buNone/>
+            </a:pPr>
+            <a:r>
+              <a:rPr lang="en-US" dirty="0">
+                <a:latin typeface="Courier New" panose="02070309020205020404" pitchFamily="49" charset="0"/>
+                <a:cs typeface="Courier New" panose="02070309020205020404" pitchFamily="49" charset="0"/>
+              </a:rPr>
+              <a:t>    	</a:t>
+            </a:r>
+            <a:r>
+              <a:rPr lang="en-US" dirty="0" err="1">
+                <a:latin typeface="Courier New" panose="02070309020205020404" pitchFamily="49" charset="0"/>
+                <a:cs typeface="Courier New" panose="02070309020205020404" pitchFamily="49" charset="0"/>
+              </a:rPr>
+              <a:t>System.out.println</a:t>
+            </a:r>
+            <a:r>
+              <a:rPr lang="en-US" dirty="0">
+                <a:latin typeface="Courier New" panose="02070309020205020404" pitchFamily="49" charset="0"/>
+                <a:cs typeface="Courier New" panose="02070309020205020404" pitchFamily="49" charset="0"/>
+              </a:rPr>
+              <a:t>();</a:t>
+            </a:r>
+          </a:p>
+          <a:p>
+            <a:pPr marL="0" indent="0">
+              <a:buNone/>
+            </a:pPr>
+            <a:r>
+              <a:rPr lang="en-US" dirty="0">
+                <a:latin typeface="Courier New" panose="02070309020205020404" pitchFamily="49" charset="0"/>
+                <a:cs typeface="Courier New" panose="02070309020205020404" pitchFamily="49" charset="0"/>
+              </a:rPr>
+              <a:t>}</a:t>
             </a:r>
           </a:p>
         </p:txBody>
       </p:sp>
-      <p:graphicFrame>
-        <p:nvGraphicFramePr>
-          <p:cNvPr id="4" name="Diagram 3"/>
-          <p:cNvGraphicFramePr/>
-          <p:nvPr>
-            <p:extLst/>
-          </p:nvPr>
-        </p:nvGraphicFramePr>
-        <p:xfrm>
-          <a:off x="6096000" y="2057399"/>
-          <a:ext cx="6096000" cy="4064000"/>
-        </p:xfrm>
-        <a:graphic>
-          <a:graphicData uri="http://schemas.openxmlformats.org/drawingml/2006/diagram">
-            <dgm:relIds xmlns:dgm="http://schemas.openxmlformats.org/drawingml/2006/diagram" xmlns:r="http://schemas.openxmlformats.org/officeDocument/2006/relationships" r:dm="rId2" r:lo="rId3" r:qs="rId4" r:cs="rId5"/>
-          </a:graphicData>
-        </a:graphic>
-      </p:graphicFrame>
     </p:spTree>
     <p:extLst>
       <p:ext uri="{BB962C8B-B14F-4D97-AF65-F5344CB8AC3E}">
-        <p14:creationId xmlns:p14="http://schemas.microsoft.com/office/powerpoint/2010/main" val="3637651044"/>
+        <p14:creationId xmlns:p14="http://schemas.microsoft.com/office/powerpoint/2010/main" val="1572219314"/>
       </p:ext>
     </p:extLst>
   </p:cSld>
@@ -26772,7 +26746,7 @@
           <a:p>
             <a:r>
               <a:rPr lang="en-US" dirty="0"/>
-              <a:t>Step 2: Finding output with a table:</a:t>
+              <a:t>Step 1: Class Diagram</a:t>
             </a:r>
           </a:p>
         </p:txBody>
@@ -26792,6 +26766,126 @@
           <a:bodyPr/>
           <a:lstStyle/>
           <a:p>
+            <a:pPr marL="0" indent="0">
+              <a:buNone/>
+            </a:pPr>
+            <a:endParaRPr lang="en-US" dirty="0"/>
+          </a:p>
+          <a:p>
+            <a:pPr marL="0" indent="0">
+              <a:buNone/>
+            </a:pPr>
+            <a:endParaRPr lang="en-US" dirty="0"/>
+          </a:p>
+          <a:p>
+            <a:pPr marL="0" indent="0">
+              <a:buNone/>
+            </a:pPr>
+            <a:endParaRPr lang="en-US" dirty="0"/>
+          </a:p>
+          <a:p>
+            <a:pPr marL="0" indent="0">
+              <a:buNone/>
+            </a:pPr>
+            <a:r>
+              <a:rPr lang="en-US" dirty="0"/>
+              <a:t>Add classes from top (superclass)</a:t>
+            </a:r>
+          </a:p>
+          <a:p>
+            <a:pPr marL="0" indent="0">
+              <a:buNone/>
+            </a:pPr>
+            <a:r>
+              <a:rPr lang="en-US" dirty="0"/>
+              <a:t>	to bottom (subclass).</a:t>
+            </a:r>
+          </a:p>
+        </p:txBody>
+      </p:sp>
+      <p:graphicFrame>
+        <p:nvGraphicFramePr>
+          <p:cNvPr id="4" name="Diagram 3"/>
+          <p:cNvGraphicFramePr/>
+          <p:nvPr/>
+        </p:nvGraphicFramePr>
+        <p:xfrm>
+          <a:off x="6096000" y="2057399"/>
+          <a:ext cx="6096000" cy="4064000"/>
+        </p:xfrm>
+        <a:graphic>
+          <a:graphicData uri="http://schemas.openxmlformats.org/drawingml/2006/diagram">
+            <dgm:relIds xmlns:dgm="http://schemas.openxmlformats.org/drawingml/2006/diagram" xmlns:r="http://schemas.openxmlformats.org/officeDocument/2006/relationships" r:dm="rId2" r:lo="rId3" r:qs="rId4" r:cs="rId5"/>
+          </a:graphicData>
+        </a:graphic>
+      </p:graphicFrame>
+    </p:spTree>
+    <p:extLst>
+      <p:ext uri="{BB962C8B-B14F-4D97-AF65-F5344CB8AC3E}">
+        <p14:creationId xmlns:p14="http://schemas.microsoft.com/office/powerpoint/2010/main" val="3637651044"/>
+      </p:ext>
+    </p:extLst>
+  </p:cSld>
+  <p:clrMapOvr>
+    <a:masterClrMapping/>
+  </p:clrMapOvr>
+</p:sld>
+</file>
+
+<file path=ppt/slides/slide62.xml><?xml version="1.0" encoding="utf-8"?>
+<p:sld xmlns:a="http://schemas.openxmlformats.org/drawingml/2006/main" xmlns:r="http://schemas.openxmlformats.org/officeDocument/2006/relationships" xmlns:p="http://schemas.openxmlformats.org/presentationml/2006/main">
+  <p:cSld>
+    <p:spTree>
+      <p:nvGrpSpPr>
+        <p:cNvPr id="1" name=""/>
+        <p:cNvGrpSpPr/>
+        <p:nvPr/>
+      </p:nvGrpSpPr>
+      <p:grpSpPr>
+        <a:xfrm>
+          <a:off x="0" y="0"/>
+          <a:ext cx="0" cy="0"/>
+          <a:chOff x="0" y="0"/>
+          <a:chExt cx="0" cy="0"/>
+        </a:xfrm>
+      </p:grpSpPr>
+      <p:sp>
+        <p:nvSpPr>
+          <p:cNvPr id="2" name="Title 1"/>
+          <p:cNvSpPr>
+            <a:spLocks noGrp="1"/>
+          </p:cNvSpPr>
+          <p:nvPr>
+            <p:ph type="title"/>
+          </p:nvPr>
+        </p:nvSpPr>
+        <p:spPr/>
+        <p:txBody>
+          <a:bodyPr/>
+          <a:lstStyle/>
+          <a:p>
+            <a:r>
+              <a:rPr lang="en-US" dirty="0"/>
+              <a:t>Step 2: Finding output with a table:</a:t>
+            </a:r>
+          </a:p>
+        </p:txBody>
+      </p:sp>
+      <p:sp>
+        <p:nvSpPr>
+          <p:cNvPr id="3" name="Content Placeholder 2"/>
+          <p:cNvSpPr>
+            <a:spLocks noGrp="1"/>
+          </p:cNvSpPr>
+          <p:nvPr>
+            <p:ph idx="1"/>
+          </p:nvPr>
+        </p:nvSpPr>
+        <p:spPr/>
+        <p:txBody>
+          <a:bodyPr/>
+          <a:lstStyle/>
+          <a:p>
             <a:pPr marL="0" indent="0" algn="ctr">
               <a:buNone/>
             </a:pPr>
@@ -26855,9 +26949,7 @@
           <p:cNvGraphicFramePr>
             <a:graphicFrameLocks noGrp="1"/>
           </p:cNvGraphicFramePr>
-          <p:nvPr>
-            <p:extLst/>
-          </p:nvPr>
+          <p:nvPr/>
         </p:nvGraphicFramePr>
         <p:xfrm>
           <a:off x="2400300" y="2057399"/>
@@ -27319,7 +27411,7 @@
 </p:sld>
 </file>
 
-<file path=ppt/slides/slide62.xml><?xml version="1.0" encoding="utf-8"?>
+<file path=ppt/slides/slide63.xml><?xml version="1.0" encoding="utf-8"?>
 <p:sld xmlns:a="http://schemas.openxmlformats.org/drawingml/2006/main" xmlns:r="http://schemas.openxmlformats.org/officeDocument/2006/relationships" xmlns:p="http://schemas.openxmlformats.org/presentationml/2006/main">
   <p:cSld>
     <p:spTree>
@@ -27784,7 +27876,7 @@
 </p:sld>
 </file>
 
-<file path=ppt/slides/slide63.xml><?xml version="1.0" encoding="utf-8"?>
+<file path=ppt/slides/slide64.xml><?xml version="1.0" encoding="utf-8"?>
 <p:sld xmlns:a="http://schemas.openxmlformats.org/drawingml/2006/main" xmlns:r="http://schemas.openxmlformats.org/officeDocument/2006/relationships" xmlns:p="http://schemas.openxmlformats.org/presentationml/2006/main">
   <p:cSld>
     <p:spTree>
@@ -28066,7 +28158,7 @@
 </p:sld>
 </file>
 
-<file path=ppt/slides/slide64.xml><?xml version="1.0" encoding="utf-8"?>
+<file path=ppt/slides/slide65.xml><?xml version="1.0" encoding="utf-8"?>
 <p:sld xmlns:a="http://schemas.openxmlformats.org/drawingml/2006/main" xmlns:r="http://schemas.openxmlformats.org/officeDocument/2006/relationships" xmlns:p="http://schemas.openxmlformats.org/presentationml/2006/main">
   <p:cSld>
     <p:spTree>
@@ -28124,7 +28216,7 @@
 </p:sld>
 </file>
 
-<file path=ppt/slides/slide65.xml><?xml version="1.0" encoding="utf-8"?>
+<file path=ppt/slides/slide66.xml><?xml version="1.0" encoding="utf-8"?>
 <p:sld xmlns:a="http://schemas.openxmlformats.org/drawingml/2006/main" xmlns:r="http://schemas.openxmlformats.org/officeDocument/2006/relationships" xmlns:p="http://schemas.openxmlformats.org/presentationml/2006/main">
   <p:cSld>
     <p:spTree>
@@ -28224,7 +28316,7 @@
 </p:sld>
 </file>
 
-<file path=ppt/slides/slide66.xml><?xml version="1.0" encoding="utf-8"?>
+<file path=ppt/slides/slide67.xml><?xml version="1.0" encoding="utf-8"?>
 <p:sld xmlns:a="http://schemas.openxmlformats.org/drawingml/2006/main" xmlns:r="http://schemas.openxmlformats.org/officeDocument/2006/relationships" xmlns:p="http://schemas.openxmlformats.org/presentationml/2006/main">
   <p:cSld>
     <p:spTree>
@@ -28303,119 +28395,6 @@
     <p:extLst>
       <p:ext uri="{BB962C8B-B14F-4D97-AF65-F5344CB8AC3E}">
         <p14:creationId xmlns:p14="http://schemas.microsoft.com/office/powerpoint/2010/main" val="954404459"/>
-      </p:ext>
-    </p:extLst>
-  </p:cSld>
-  <p:clrMapOvr>
-    <a:masterClrMapping/>
-  </p:clrMapOvr>
-</p:sld>
-</file>
-
-<file path=ppt/slides/slide67.xml><?xml version="1.0" encoding="utf-8"?>
-<p:sld xmlns:a="http://schemas.openxmlformats.org/drawingml/2006/main" xmlns:r="http://schemas.openxmlformats.org/officeDocument/2006/relationships" xmlns:p="http://schemas.openxmlformats.org/presentationml/2006/main">
-  <p:cSld>
-    <p:spTree>
-      <p:nvGrpSpPr>
-        <p:cNvPr id="1" name=""/>
-        <p:cNvGrpSpPr/>
-        <p:nvPr/>
-      </p:nvGrpSpPr>
-      <p:grpSpPr>
-        <a:xfrm>
-          <a:off x="0" y="0"/>
-          <a:ext cx="0" cy="0"/>
-          <a:chOff x="0" y="0"/>
-          <a:chExt cx="0" cy="0"/>
-        </a:xfrm>
-      </p:grpSpPr>
-      <p:sp>
-        <p:nvSpPr>
-          <p:cNvPr id="2" name="Title 1"/>
-          <p:cNvSpPr>
-            <a:spLocks noGrp="1"/>
-          </p:cNvSpPr>
-          <p:nvPr>
-            <p:ph type="title"/>
-          </p:nvPr>
-        </p:nvSpPr>
-        <p:spPr>
-          <a:xfrm>
-            <a:off x="838200" y="698500"/>
-            <a:ext cx="10515600" cy="1157288"/>
-          </a:xfrm>
-        </p:spPr>
-        <p:txBody>
-          <a:bodyPr>
-            <a:normAutofit fontScale="90000"/>
-          </a:bodyPr>
-          <a:lstStyle/>
-          <a:p>
-            <a:r>
-              <a:rPr lang="en-US" dirty="0"/>
-              <a:t>Relationship between a:</a:t>
-            </a:r>
-            <a:br>
-              <a:rPr lang="en-US" dirty="0"/>
-            </a:br>
-            <a:r>
-              <a:rPr lang="en-US" dirty="0"/>
-              <a:t>Animal, Carnivore, Tiger, and Donkey</a:t>
-            </a:r>
-          </a:p>
-        </p:txBody>
-      </p:sp>
-      <p:graphicFrame>
-        <p:nvGraphicFramePr>
-          <p:cNvPr id="6" name="Diagram 5"/>
-          <p:cNvGraphicFramePr/>
-          <p:nvPr>
-            <p:extLst/>
-          </p:nvPr>
-        </p:nvGraphicFramePr>
-        <p:xfrm>
-          <a:off x="1117602" y="1001018"/>
-          <a:ext cx="8128000" cy="5418667"/>
-        </p:xfrm>
-        <a:graphic>
-          <a:graphicData uri="http://schemas.openxmlformats.org/drawingml/2006/diagram">
-            <dgm:relIds xmlns:dgm="http://schemas.openxmlformats.org/drawingml/2006/diagram" xmlns:r="http://schemas.openxmlformats.org/officeDocument/2006/relationships" r:dm="rId2" r:lo="rId3" r:qs="rId4" r:cs="rId5"/>
-          </a:graphicData>
-        </a:graphic>
-      </p:graphicFrame>
-      <p:sp>
-        <p:nvSpPr>
-          <p:cNvPr id="7" name="TextBox 6"/>
-          <p:cNvSpPr txBox="1"/>
-          <p:nvPr/>
-        </p:nvSpPr>
-        <p:spPr>
-          <a:xfrm>
-            <a:off x="6977577" y="4079629"/>
-            <a:ext cx="3993401" cy="523220"/>
-          </a:xfrm>
-          <a:prstGeom prst="rect">
-            <a:avLst/>
-          </a:prstGeom>
-          <a:noFill/>
-        </p:spPr>
-        <p:txBody>
-          <a:bodyPr wrap="none" rtlCol="0">
-            <a:spAutoFit/>
-          </a:bodyPr>
-          <a:lstStyle/>
-          <a:p>
-            <a:r>
-              <a:rPr lang="en-US" sz="2800" dirty="0"/>
-              <a:t>This is an Is-a Relationship</a:t>
-            </a:r>
-          </a:p>
-        </p:txBody>
-      </p:sp>
-    </p:spTree>
-    <p:extLst>
-      <p:ext uri="{BB962C8B-B14F-4D97-AF65-F5344CB8AC3E}">
-        <p14:creationId xmlns:p14="http://schemas.microsoft.com/office/powerpoint/2010/main" val="2171576540"/>
       </p:ext>
     </p:extLst>
   </p:cSld>
@@ -28454,8 +28433,8 @@
         </p:nvSpPr>
         <p:spPr>
           <a:xfrm>
-            <a:off x="838200" y="698499"/>
-            <a:ext cx="10515600" cy="1805549"/>
+            <a:off x="838200" y="698500"/>
+            <a:ext cx="10515600" cy="1157288"/>
           </a:xfrm>
         </p:spPr>
         <p:txBody>
@@ -28466,27 +28445,15 @@
           <a:p>
             <a:r>
               <a:rPr lang="en-US" dirty="0"/>
-              <a:t>Relationships for:</a:t>
+              <a:t>Relationship between a:</a:t>
             </a:r>
             <a:br>
               <a:rPr lang="en-US" dirty="0"/>
             </a:br>
-            <a:br>
+            <a:r>
               <a:rPr lang="en-US" dirty="0"/>
-            </a:br>
-            <a:r>
-              <a:rPr lang="en-US" dirty="0" err="1"/>
-              <a:t>ZooMember</a:t>
-            </a:r>
-            <a:r>
-              <a:rPr lang="en-US" dirty="0"/>
-              <a:t>				    </a:t>
-            </a:r>
-            <a:r>
-              <a:rPr lang="en-US" dirty="0" err="1"/>
-              <a:t>ZooFacility</a:t>
-            </a:r>
-            <a:endParaRPr lang="en-US" dirty="0"/>
+              <a:t>Animal, Carnivore, Tiger, and Donkey</a:t>
+            </a:r>
           </a:p>
         </p:txBody>
       </p:sp>
@@ -28494,13 +28461,11 @@
         <p:nvGraphicFramePr>
           <p:cNvPr id="6" name="Diagram 5"/>
           <p:cNvGraphicFramePr/>
-          <p:nvPr>
-            <p:extLst/>
-          </p:nvPr>
+          <p:nvPr/>
         </p:nvGraphicFramePr>
         <p:xfrm>
-          <a:off x="-992552" y="2917962"/>
-          <a:ext cx="8128000" cy="3104090"/>
+          <a:off x="1117602" y="1001018"/>
+          <a:ext cx="8128000" cy="5418667"/>
         </p:xfrm>
         <a:graphic>
           <a:graphicData uri="http://schemas.openxmlformats.org/drawingml/2006/diagram">
@@ -28508,28 +28473,39 @@
           </a:graphicData>
         </a:graphic>
       </p:graphicFrame>
-      <p:graphicFrame>
-        <p:nvGraphicFramePr>
-          <p:cNvPr id="5" name="Diagram 4"/>
-          <p:cNvGraphicFramePr/>
-          <p:nvPr>
-            <p:extLst/>
-          </p:nvPr>
-        </p:nvGraphicFramePr>
-        <p:xfrm>
-          <a:off x="5022818" y="2917962"/>
-          <a:ext cx="8128000" cy="3104090"/>
-        </p:xfrm>
-        <a:graphic>
-          <a:graphicData uri="http://schemas.openxmlformats.org/drawingml/2006/diagram">
-            <dgm:relIds xmlns:dgm="http://schemas.openxmlformats.org/drawingml/2006/diagram" xmlns:r="http://schemas.openxmlformats.org/officeDocument/2006/relationships" r:dm="rId7" r:lo="rId8" r:qs="rId9" r:cs="rId10"/>
-          </a:graphicData>
-        </a:graphic>
-      </p:graphicFrame>
+      <p:sp>
+        <p:nvSpPr>
+          <p:cNvPr id="7" name="TextBox 6"/>
+          <p:cNvSpPr txBox="1"/>
+          <p:nvPr/>
+        </p:nvSpPr>
+        <p:spPr>
+          <a:xfrm>
+            <a:off x="6977577" y="4079629"/>
+            <a:ext cx="3993401" cy="523220"/>
+          </a:xfrm>
+          <a:prstGeom prst="rect">
+            <a:avLst/>
+          </a:prstGeom>
+          <a:noFill/>
+        </p:spPr>
+        <p:txBody>
+          <a:bodyPr wrap="none" rtlCol="0">
+            <a:spAutoFit/>
+          </a:bodyPr>
+          <a:lstStyle/>
+          <a:p>
+            <a:r>
+              <a:rPr lang="en-US" sz="2800" dirty="0"/>
+              <a:t>This is an Is-a Relationship</a:t>
+            </a:r>
+          </a:p>
+        </p:txBody>
+      </p:sp>
     </p:spTree>
     <p:extLst>
       <p:ext uri="{BB962C8B-B14F-4D97-AF65-F5344CB8AC3E}">
-        <p14:creationId xmlns:p14="http://schemas.microsoft.com/office/powerpoint/2010/main" val="1726424877"/>
+        <p14:creationId xmlns:p14="http://schemas.microsoft.com/office/powerpoint/2010/main" val="2171576540"/>
       </p:ext>
     </p:extLst>
   </p:cSld>
@@ -28568,8 +28544,8 @@
         </p:nvSpPr>
         <p:spPr>
           <a:xfrm>
-            <a:off x="838200" y="698500"/>
-            <a:ext cx="10515600" cy="1819617"/>
+            <a:off x="838200" y="698499"/>
+            <a:ext cx="10515600" cy="1805549"/>
           </a:xfrm>
         </p:spPr>
         <p:txBody>
@@ -28580,7 +28556,7 @@
           <a:p>
             <a:r>
               <a:rPr lang="en-US" dirty="0"/>
-              <a:t>So how would we model a zoo?</a:t>
+              <a:t>Relationships for:</a:t>
             </a:r>
             <a:br>
               <a:rPr lang="en-US" dirty="0"/>
@@ -28589,19 +28565,26 @@
               <a:rPr lang="en-US" dirty="0"/>
             </a:br>
             <a:r>
+              <a:rPr lang="en-US" dirty="0" err="1"/>
+              <a:t>ZooMember</a:t>
+            </a:r>
+            <a:r>
               <a:rPr lang="en-US" dirty="0"/>
-              <a:t>Zoo</a:t>
-            </a:r>
+              <a:t>				    </a:t>
+            </a:r>
+            <a:r>
+              <a:rPr lang="en-US" dirty="0" err="1"/>
+              <a:t>ZooFacility</a:t>
+            </a:r>
+            <a:endParaRPr lang="en-US" dirty="0"/>
           </a:p>
         </p:txBody>
       </p:sp>
       <p:graphicFrame>
         <p:nvGraphicFramePr>
-          <p:cNvPr id="4" name="Diagram 3"/>
+          <p:cNvPr id="6" name="Diagram 5"/>
           <p:cNvGraphicFramePr/>
-          <p:nvPr>
-            <p:extLst/>
-          </p:nvPr>
+          <p:nvPr/>
         </p:nvGraphicFramePr>
         <p:xfrm>
           <a:off x="-992552" y="2917962"/>
@@ -28613,79 +28596,26 @@
           </a:graphicData>
         </a:graphic>
       </p:graphicFrame>
-      <p:sp>
-        <p:nvSpPr>
-          <p:cNvPr id="5" name="TextBox 4"/>
-          <p:cNvSpPr txBox="1"/>
+      <p:graphicFrame>
+        <p:nvGraphicFramePr>
+          <p:cNvPr id="5" name="Diagram 4"/>
+          <p:cNvGraphicFramePr/>
           <p:nvPr/>
-        </p:nvSpPr>
-        <p:spPr>
-          <a:xfrm>
-            <a:off x="6096000" y="2703016"/>
-            <a:ext cx="5509846" cy="4154984"/>
-          </a:xfrm>
-          <a:prstGeom prst="rect">
-            <a:avLst/>
-          </a:prstGeom>
-          <a:noFill/>
-        </p:spPr>
-        <p:txBody>
-          <a:bodyPr wrap="square" rtlCol="0">
-            <a:spAutoFit/>
-          </a:bodyPr>
-          <a:lstStyle/>
-          <a:p>
-            <a:r>
-              <a:rPr lang="en-US" sz="2400" dirty="0"/>
-              <a:t>Has-a describes the relationship between a class that is client code of another class.</a:t>
-            </a:r>
-          </a:p>
-          <a:p>
-            <a:endParaRPr lang="en-US" sz="2400" dirty="0"/>
-          </a:p>
-          <a:p>
-            <a:r>
-              <a:rPr lang="en-US" sz="2400" dirty="0"/>
-              <a:t>You should use a has-a relationship when you can’t substitute one class for another.</a:t>
-            </a:r>
-          </a:p>
-          <a:p>
-            <a:endParaRPr lang="en-US" sz="2400" dirty="0"/>
-          </a:p>
-          <a:p>
-            <a:r>
-              <a:rPr lang="en-US" sz="2400" dirty="0"/>
-              <a:t>In this case, a Zoo is not an Animal, </a:t>
-            </a:r>
-            <a:r>
-              <a:rPr lang="en-US" sz="2400" dirty="0" err="1"/>
-              <a:t>ZooMember</a:t>
-            </a:r>
-            <a:r>
-              <a:rPr lang="en-US" sz="2400" dirty="0"/>
-              <a:t> or </a:t>
-            </a:r>
-            <a:r>
-              <a:rPr lang="en-US" sz="2400" dirty="0" err="1"/>
-              <a:t>ZooFacility</a:t>
-            </a:r>
-            <a:r>
-              <a:rPr lang="en-US" sz="2400" dirty="0"/>
-              <a:t>, rather a Zoo has all of these components.</a:t>
-            </a:r>
-          </a:p>
-          <a:p>
-            <a:endParaRPr lang="en-US" sz="2400" dirty="0"/>
-          </a:p>
-          <a:p>
-            <a:endParaRPr lang="en-US" sz="2400" dirty="0"/>
-          </a:p>
-        </p:txBody>
-      </p:sp>
+        </p:nvGraphicFramePr>
+        <p:xfrm>
+          <a:off x="5022818" y="2917962"/>
+          <a:ext cx="8128000" cy="3104090"/>
+        </p:xfrm>
+        <a:graphic>
+          <a:graphicData uri="http://schemas.openxmlformats.org/drawingml/2006/diagram">
+            <dgm:relIds xmlns:dgm="http://schemas.openxmlformats.org/drawingml/2006/diagram" xmlns:r="http://schemas.openxmlformats.org/officeDocument/2006/relationships" r:dm="rId7" r:lo="rId8" r:qs="rId9" r:cs="rId10"/>
+          </a:graphicData>
+        </a:graphic>
+      </p:graphicFrame>
     </p:spTree>
     <p:extLst>
       <p:ext uri="{BB962C8B-B14F-4D97-AF65-F5344CB8AC3E}">
-        <p14:creationId xmlns:p14="http://schemas.microsoft.com/office/powerpoint/2010/main" val="763434317"/>
+        <p14:creationId xmlns:p14="http://schemas.microsoft.com/office/powerpoint/2010/main" val="1726424877"/>
       </p:ext>
     </p:extLst>
   </p:cSld>
@@ -28800,120 +28730,124 @@
             <p:ph type="title"/>
           </p:nvPr>
         </p:nvSpPr>
-        <p:spPr/>
+        <p:spPr>
+          <a:xfrm>
+            <a:off x="838200" y="698500"/>
+            <a:ext cx="10515600" cy="1819617"/>
+          </a:xfrm>
+        </p:spPr>
         <p:txBody>
-          <a:bodyPr/>
+          <a:bodyPr>
+            <a:normAutofit fontScale="90000"/>
+          </a:bodyPr>
           <a:lstStyle/>
           <a:p>
             <a:r>
               <a:rPr lang="en-US" dirty="0"/>
-              <a:t>Has-a Relationships</a:t>
+              <a:t>So how would we model a zoo?</a:t>
+            </a:r>
+            <a:br>
+              <a:rPr lang="en-US" dirty="0"/>
+            </a:br>
+            <a:br>
+              <a:rPr lang="en-US" dirty="0"/>
+            </a:br>
+            <a:r>
+              <a:rPr lang="en-US" dirty="0"/>
+              <a:t>Zoo</a:t>
             </a:r>
           </a:p>
         </p:txBody>
       </p:sp>
+      <p:graphicFrame>
+        <p:nvGraphicFramePr>
+          <p:cNvPr id="4" name="Diagram 3"/>
+          <p:cNvGraphicFramePr/>
+          <p:nvPr/>
+        </p:nvGraphicFramePr>
+        <p:xfrm>
+          <a:off x="-992552" y="2917962"/>
+          <a:ext cx="8128000" cy="3104090"/>
+        </p:xfrm>
+        <a:graphic>
+          <a:graphicData uri="http://schemas.openxmlformats.org/drawingml/2006/diagram">
+            <dgm:relIds xmlns:dgm="http://schemas.openxmlformats.org/drawingml/2006/diagram" xmlns:r="http://schemas.openxmlformats.org/officeDocument/2006/relationships" r:dm="rId2" r:lo="rId3" r:qs="rId4" r:cs="rId5"/>
+          </a:graphicData>
+        </a:graphic>
+      </p:graphicFrame>
       <p:sp>
         <p:nvSpPr>
-          <p:cNvPr id="3" name="Content Placeholder 2"/>
-          <p:cNvSpPr>
-            <a:spLocks noGrp="1"/>
-          </p:cNvSpPr>
-          <p:nvPr>
-            <p:ph idx="1"/>
-          </p:nvPr>
+          <p:cNvPr id="5" name="TextBox 4"/>
+          <p:cNvSpPr txBox="1"/>
+          <p:nvPr/>
         </p:nvSpPr>
-        <p:spPr/>
+        <p:spPr>
+          <a:xfrm>
+            <a:off x="6096000" y="2703016"/>
+            <a:ext cx="5509846" cy="4154984"/>
+          </a:xfrm>
+          <a:prstGeom prst="rect">
+            <a:avLst/>
+          </a:prstGeom>
+          <a:noFill/>
+        </p:spPr>
         <p:txBody>
-          <a:bodyPr/>
+          <a:bodyPr wrap="square" rtlCol="0">
+            <a:spAutoFit/>
+          </a:bodyPr>
           <a:lstStyle/>
           <a:p>
-            <a:pPr marL="0" indent="0">
-              <a:buNone/>
-            </a:pPr>
-            <a:r>
-              <a:rPr lang="en-US" dirty="0"/>
-              <a:t>How would you design a Zoo?</a:t>
-            </a:r>
-          </a:p>
-          <a:p>
-            <a:pPr marL="0" indent="0">
-              <a:buNone/>
-            </a:pPr>
-            <a:endParaRPr lang="en-US" dirty="0"/>
-          </a:p>
-          <a:p>
-            <a:pPr marL="0" indent="0">
-              <a:buNone/>
-            </a:pPr>
-            <a:r>
-              <a:rPr lang="en-US" dirty="0"/>
-              <a:t>A Zoo has many parts:</a:t>
-            </a:r>
-          </a:p>
-          <a:p>
-            <a:pPr marL="0" indent="0">
-              <a:buNone/>
-            </a:pPr>
-            <a:endParaRPr lang="en-US" dirty="0"/>
-          </a:p>
-          <a:p>
-            <a:pPr marL="0" indent="0">
-              <a:buNone/>
-            </a:pPr>
-            <a:r>
-              <a:rPr lang="en-US" sz="2400" dirty="0">
-                <a:latin typeface="Courier New" panose="02070309020205020404" pitchFamily="49" charset="0"/>
-                <a:cs typeface="Courier New" panose="02070309020205020404" pitchFamily="49" charset="0"/>
-              </a:rPr>
-              <a:t>Animals, </a:t>
-            </a:r>
-            <a:r>
-              <a:rPr lang="en-US" sz="2400" dirty="0" err="1">
-                <a:latin typeface="Courier New" panose="02070309020205020404" pitchFamily="49" charset="0"/>
-                <a:cs typeface="Courier New" panose="02070309020205020404" pitchFamily="49" charset="0"/>
-              </a:rPr>
+            <a:r>
+              <a:rPr lang="en-US" sz="2400" dirty="0"/>
+              <a:t>Has-a describes the relationship between a class that is client code of another class.</a:t>
+            </a:r>
+          </a:p>
+          <a:p>
+            <a:endParaRPr lang="en-US" sz="2400" dirty="0"/>
+          </a:p>
+          <a:p>
+            <a:r>
+              <a:rPr lang="en-US" sz="2400" dirty="0"/>
+              <a:t>You should use a has-a relationship when you can’t substitute one class for another.</a:t>
+            </a:r>
+          </a:p>
+          <a:p>
+            <a:endParaRPr lang="en-US" sz="2400" dirty="0"/>
+          </a:p>
+          <a:p>
+            <a:r>
+              <a:rPr lang="en-US" sz="2400" dirty="0"/>
+              <a:t>In this case, a Zoo is not an Animal, </a:t>
+            </a:r>
+            <a:r>
+              <a:rPr lang="en-US" sz="2400" dirty="0" err="1"/>
               <a:t>ZooMember</a:t>
             </a:r>
             <a:r>
-              <a:rPr lang="en-US" sz="2400" dirty="0">
-                <a:latin typeface="Courier New" panose="02070309020205020404" pitchFamily="49" charset="0"/>
-                <a:cs typeface="Courier New" panose="02070309020205020404" pitchFamily="49" charset="0"/>
-              </a:rPr>
-              <a:t>, </a:t>
-            </a:r>
-            <a:r>
-              <a:rPr lang="en-US" sz="2400" dirty="0" err="1">
-                <a:latin typeface="Courier New" panose="02070309020205020404" pitchFamily="49" charset="0"/>
-                <a:cs typeface="Courier New" panose="02070309020205020404" pitchFamily="49" charset="0"/>
-              </a:rPr>
+              <a:rPr lang="en-US" sz="2400" dirty="0"/>
+              <a:t> or </a:t>
+            </a:r>
+            <a:r>
+              <a:rPr lang="en-US" sz="2400" dirty="0" err="1"/>
               <a:t>ZooFacility</a:t>
             </a:r>
-            <a:endParaRPr lang="en-US" sz="2400" dirty="0">
-              <a:latin typeface="Courier New" panose="02070309020205020404" pitchFamily="49" charset="0"/>
-              <a:cs typeface="Courier New" panose="02070309020205020404" pitchFamily="49" charset="0"/>
-            </a:endParaRPr>
-          </a:p>
-          <a:p>
-            <a:pPr marL="0" indent="0">
-              <a:buNone/>
-            </a:pPr>
-            <a:endParaRPr lang="en-US" dirty="0"/>
-          </a:p>
-          <a:p>
-            <a:pPr marL="0" indent="0">
-              <a:buNone/>
-            </a:pPr>
-            <a:r>
-              <a:rPr lang="en-US" dirty="0"/>
-              <a:t>You need each of these classes to have an effective Zoo.</a:t>
-            </a:r>
+            <a:r>
+              <a:rPr lang="en-US" sz="2400" dirty="0"/>
+              <a:t>, rather a Zoo has all of these components.</a:t>
+            </a:r>
+          </a:p>
+          <a:p>
+            <a:endParaRPr lang="en-US" sz="2400" dirty="0"/>
+          </a:p>
+          <a:p>
+            <a:endParaRPr lang="en-US" sz="2400" dirty="0"/>
           </a:p>
         </p:txBody>
       </p:sp>
     </p:spTree>
     <p:extLst>
       <p:ext uri="{BB962C8B-B14F-4D97-AF65-F5344CB8AC3E}">
-        <p14:creationId xmlns:p14="http://schemas.microsoft.com/office/powerpoint/2010/main" val="3222473941"/>
+        <p14:creationId xmlns:p14="http://schemas.microsoft.com/office/powerpoint/2010/main" val="763434317"/>
       </p:ext>
     </p:extLst>
   </p:cSld>
@@ -28957,7 +28891,7 @@
           <a:p>
             <a:r>
               <a:rPr lang="en-US" dirty="0"/>
-              <a:t>Declaring a Has-a Relationship</a:t>
+              <a:t>Has-a Relationships</a:t>
             </a:r>
           </a:p>
         </p:txBody>
@@ -28972,150 +28906,73 @@
             <p:ph idx="1"/>
           </p:nvPr>
         </p:nvSpPr>
-        <p:spPr>
-          <a:xfrm>
-            <a:off x="838200" y="2057399"/>
-            <a:ext cx="10978662" cy="4119563"/>
-          </a:xfrm>
-        </p:spPr>
+        <p:spPr/>
         <p:txBody>
-          <a:bodyPr>
-            <a:normAutofit/>
-          </a:bodyPr>
+          <a:bodyPr/>
           <a:lstStyle/>
           <a:p>
             <a:pPr marL="0" indent="0">
               <a:buNone/>
             </a:pPr>
             <a:r>
-              <a:rPr lang="en-US" dirty="0">
-                <a:latin typeface="Courier New" panose="02070309020205020404" pitchFamily="49" charset="0"/>
-                <a:cs typeface="Courier New" panose="02070309020205020404" pitchFamily="49" charset="0"/>
-              </a:rPr>
-              <a:t>public class Zoo{</a:t>
+              <a:rPr lang="en-US" dirty="0"/>
+              <a:t>How would you design a Zoo?</a:t>
             </a:r>
           </a:p>
           <a:p>
             <a:pPr marL="0" indent="0">
               <a:buNone/>
             </a:pPr>
-            <a:r>
-              <a:rPr lang="en-US" dirty="0">
-                <a:latin typeface="Courier New" panose="02070309020205020404" pitchFamily="49" charset="0"/>
-                <a:cs typeface="Courier New" panose="02070309020205020404" pitchFamily="49" charset="0"/>
-              </a:rPr>
-              <a:t>	private Animal[] animals;</a:t>
-            </a:r>
+            <a:endParaRPr lang="en-US" dirty="0"/>
           </a:p>
           <a:p>
             <a:pPr marL="0" indent="0">
               <a:buNone/>
             </a:pPr>
             <a:r>
-              <a:rPr lang="en-US" dirty="0">
-                <a:latin typeface="Courier New" panose="02070309020205020404" pitchFamily="49" charset="0"/>
-                <a:cs typeface="Courier New" panose="02070309020205020404" pitchFamily="49" charset="0"/>
-              </a:rPr>
-              <a:t>	private </a:t>
-            </a:r>
-            <a:r>
-              <a:rPr lang="en-US" dirty="0" err="1">
+              <a:rPr lang="en-US" dirty="0"/>
+              <a:t>A Zoo has many parts:</a:t>
+            </a:r>
+          </a:p>
+          <a:p>
+            <a:pPr marL="0" indent="0">
+              <a:buNone/>
+            </a:pPr>
+            <a:endParaRPr lang="en-US" dirty="0"/>
+          </a:p>
+          <a:p>
+            <a:pPr marL="0" indent="0">
+              <a:buNone/>
+            </a:pPr>
+            <a:r>
+              <a:rPr lang="en-US" sz="2400" dirty="0">
+                <a:latin typeface="Courier New" panose="02070309020205020404" pitchFamily="49" charset="0"/>
+                <a:cs typeface="Courier New" panose="02070309020205020404" pitchFamily="49" charset="0"/>
+              </a:rPr>
+              <a:t>Animals, </a:t>
+            </a:r>
+            <a:r>
+              <a:rPr lang="en-US" sz="2400" dirty="0" err="1">
                 <a:latin typeface="Courier New" panose="02070309020205020404" pitchFamily="49" charset="0"/>
                 <a:cs typeface="Courier New" panose="02070309020205020404" pitchFamily="49" charset="0"/>
               </a:rPr>
               <a:t>ZooMember</a:t>
             </a:r>
             <a:r>
-              <a:rPr lang="en-US" dirty="0">
-                <a:latin typeface="Courier New" panose="02070309020205020404" pitchFamily="49" charset="0"/>
-                <a:cs typeface="Courier New" panose="02070309020205020404" pitchFamily="49" charset="0"/>
-              </a:rPr>
-              <a:t>[] </a:t>
-            </a:r>
-            <a:r>
-              <a:rPr lang="en-US" dirty="0" err="1">
-                <a:latin typeface="Courier New" panose="02070309020205020404" pitchFamily="49" charset="0"/>
-                <a:cs typeface="Courier New" panose="02070309020205020404" pitchFamily="49" charset="0"/>
-              </a:rPr>
-              <a:t>zooMembers</a:t>
-            </a:r>
-            <a:r>
-              <a:rPr lang="en-US" dirty="0">
-                <a:latin typeface="Courier New" panose="02070309020205020404" pitchFamily="49" charset="0"/>
-                <a:cs typeface="Courier New" panose="02070309020205020404" pitchFamily="49" charset="0"/>
-              </a:rPr>
-              <a:t>;</a:t>
-            </a:r>
-          </a:p>
-          <a:p>
-            <a:pPr marL="0" indent="0">
-              <a:buNone/>
-            </a:pPr>
-            <a:r>
-              <a:rPr lang="en-US" dirty="0">
-                <a:latin typeface="Courier New" panose="02070309020205020404" pitchFamily="49" charset="0"/>
-                <a:cs typeface="Courier New" panose="02070309020205020404" pitchFamily="49" charset="0"/>
-              </a:rPr>
-              <a:t>	private </a:t>
-            </a:r>
-            <a:r>
-              <a:rPr lang="en-US" dirty="0" err="1">
+              <a:rPr lang="en-US" sz="2400" dirty="0">
+                <a:latin typeface="Courier New" panose="02070309020205020404" pitchFamily="49" charset="0"/>
+                <a:cs typeface="Courier New" panose="02070309020205020404" pitchFamily="49" charset="0"/>
+              </a:rPr>
+              <a:t>, </a:t>
+            </a:r>
+            <a:r>
+              <a:rPr lang="en-US" sz="2400" dirty="0" err="1">
                 <a:latin typeface="Courier New" panose="02070309020205020404" pitchFamily="49" charset="0"/>
                 <a:cs typeface="Courier New" panose="02070309020205020404" pitchFamily="49" charset="0"/>
               </a:rPr>
               <a:t>ZooFacility</a:t>
             </a:r>
-            <a:r>
-              <a:rPr lang="en-US" dirty="0">
-                <a:latin typeface="Courier New" panose="02070309020205020404" pitchFamily="49" charset="0"/>
-                <a:cs typeface="Courier New" panose="02070309020205020404" pitchFamily="49" charset="0"/>
-              </a:rPr>
-              <a:t>[] </a:t>
-            </a:r>
-            <a:r>
-              <a:rPr lang="en-US" dirty="0" err="1">
-                <a:latin typeface="Courier New" panose="02070309020205020404" pitchFamily="49" charset="0"/>
-                <a:cs typeface="Courier New" panose="02070309020205020404" pitchFamily="49" charset="0"/>
-              </a:rPr>
-              <a:t>zooFacilities</a:t>
-            </a:r>
-            <a:r>
-              <a:rPr lang="en-US" dirty="0">
-                <a:latin typeface="Courier New" panose="02070309020205020404" pitchFamily="49" charset="0"/>
-                <a:cs typeface="Courier New" panose="02070309020205020404" pitchFamily="49" charset="0"/>
-              </a:rPr>
-              <a:t>;</a:t>
-            </a:r>
-          </a:p>
-          <a:p>
-            <a:pPr marL="0" indent="0">
-              <a:buNone/>
-            </a:pPr>
-            <a:r>
-              <a:rPr lang="en-US" dirty="0">
-                <a:latin typeface="Courier New" panose="02070309020205020404" pitchFamily="49" charset="0"/>
-                <a:cs typeface="Courier New" panose="02070309020205020404" pitchFamily="49" charset="0"/>
-              </a:rPr>
-              <a:t>	…</a:t>
-            </a:r>
-          </a:p>
-          <a:p>
-            <a:pPr marL="0" indent="0">
-              <a:buNone/>
-            </a:pPr>
-            <a:r>
-              <a:rPr lang="en-US" dirty="0">
-                <a:latin typeface="Courier New" panose="02070309020205020404" pitchFamily="49" charset="0"/>
-                <a:cs typeface="Courier New" panose="02070309020205020404" pitchFamily="49" charset="0"/>
-              </a:rPr>
-              <a:t>}</a:t>
-            </a:r>
-          </a:p>
-          <a:p>
-            <a:pPr marL="0" indent="0">
-              <a:buNone/>
-            </a:pPr>
-            <a:endParaRPr lang="en-US" dirty="0">
+            <a:endParaRPr lang="en-US" sz="2400" dirty="0">
               <a:latin typeface="Courier New" panose="02070309020205020404" pitchFamily="49" charset="0"/>
               <a:cs typeface="Courier New" panose="02070309020205020404" pitchFamily="49" charset="0"/>
             </a:endParaRPr>
@@ -29124,11 +28981,15 @@
             <a:pPr marL="0" indent="0">
               <a:buNone/>
             </a:pPr>
-            <a:r>
-              <a:rPr lang="en-US" dirty="0">
-                <a:cs typeface="Courier New" panose="02070309020205020404" pitchFamily="49" charset="0"/>
-              </a:rPr>
-              <a:t>We create fields that refer to other classes to create a has-a relationship.</a:t>
+            <a:endParaRPr lang="en-US" dirty="0"/>
+          </a:p>
+          <a:p>
+            <a:pPr marL="0" indent="0">
+              <a:buNone/>
+            </a:pPr>
+            <a:r>
+              <a:rPr lang="en-US" dirty="0"/>
+              <a:t>You need each of these classes to have an effective Zoo.</a:t>
             </a:r>
           </a:p>
         </p:txBody>
@@ -29136,7 +28997,7 @@
     </p:spTree>
     <p:extLst>
       <p:ext uri="{BB962C8B-B14F-4D97-AF65-F5344CB8AC3E}">
-        <p14:creationId xmlns:p14="http://schemas.microsoft.com/office/powerpoint/2010/main" val="2166580154"/>
+        <p14:creationId xmlns:p14="http://schemas.microsoft.com/office/powerpoint/2010/main" val="3222473941"/>
       </p:ext>
     </p:extLst>
   </p:cSld>
@@ -29173,20 +29034,185 @@
             <p:ph type="title"/>
           </p:nvPr>
         </p:nvSpPr>
+        <p:spPr/>
+        <p:txBody>
+          <a:bodyPr/>
+          <a:lstStyle/>
+          <a:p>
+            <a:r>
+              <a:rPr lang="en-US" dirty="0"/>
+              <a:t>Declaring a Has-a Relationship</a:t>
+            </a:r>
+          </a:p>
+        </p:txBody>
+      </p:sp>
+      <p:sp>
+        <p:nvSpPr>
+          <p:cNvPr id="3" name="Content Placeholder 2"/>
+          <p:cNvSpPr>
+            <a:spLocks noGrp="1"/>
+          </p:cNvSpPr>
+          <p:nvPr>
+            <p:ph idx="1"/>
+          </p:nvPr>
+        </p:nvSpPr>
         <p:spPr>
           <a:xfrm>
-            <a:off x="838200" y="2752383"/>
-            <a:ext cx="10515600" cy="1157288"/>
+            <a:off x="838200" y="2057399"/>
+            <a:ext cx="10978662" cy="4119563"/>
           </a:xfrm>
         </p:spPr>
         <p:txBody>
-          <a:bodyPr/>
+          <a:bodyPr>
+            <a:normAutofit/>
+          </a:bodyPr>
           <a:lstStyle/>
           <a:p>
-            <a:pPr algn="ctr"/>
-            <a:r>
-              <a:rPr lang="en-US" dirty="0"/>
-              <a:t>Worksheet 6.5: Trio</a:t>
+            <a:pPr marL="0" indent="0">
+              <a:buNone/>
+            </a:pPr>
+            <a:r>
+              <a:rPr lang="en-US" dirty="0">
+                <a:latin typeface="Courier New" panose="02070309020205020404" pitchFamily="49" charset="0"/>
+                <a:cs typeface="Courier New" panose="02070309020205020404" pitchFamily="49" charset="0"/>
+              </a:rPr>
+              <a:t>public class Zoo{</a:t>
+            </a:r>
+          </a:p>
+          <a:p>
+            <a:pPr marL="0" indent="0">
+              <a:buNone/>
+            </a:pPr>
+            <a:r>
+              <a:rPr lang="en-US" dirty="0">
+                <a:latin typeface="Courier New" panose="02070309020205020404" pitchFamily="49" charset="0"/>
+                <a:cs typeface="Courier New" panose="02070309020205020404" pitchFamily="49" charset="0"/>
+              </a:rPr>
+              <a:t>	private Animal[] animals;</a:t>
+            </a:r>
+          </a:p>
+          <a:p>
+            <a:pPr marL="0" indent="0">
+              <a:buNone/>
+            </a:pPr>
+            <a:r>
+              <a:rPr lang="en-US" dirty="0">
+                <a:latin typeface="Courier New" panose="02070309020205020404" pitchFamily="49" charset="0"/>
+                <a:cs typeface="Courier New" panose="02070309020205020404" pitchFamily="49" charset="0"/>
+              </a:rPr>
+              <a:t>	private </a:t>
+            </a:r>
+            <a:r>
+              <a:rPr lang="en-US" dirty="0" err="1">
+                <a:latin typeface="Courier New" panose="02070309020205020404" pitchFamily="49" charset="0"/>
+                <a:cs typeface="Courier New" panose="02070309020205020404" pitchFamily="49" charset="0"/>
+              </a:rPr>
+              <a:t>ZooMember</a:t>
+            </a:r>
+            <a:r>
+              <a:rPr lang="en-US" dirty="0">
+                <a:latin typeface="Courier New" panose="02070309020205020404" pitchFamily="49" charset="0"/>
+                <a:cs typeface="Courier New" panose="02070309020205020404" pitchFamily="49" charset="0"/>
+              </a:rPr>
+              <a:t>[] </a:t>
+            </a:r>
+            <a:r>
+              <a:rPr lang="en-US" dirty="0" err="1">
+                <a:latin typeface="Courier New" panose="02070309020205020404" pitchFamily="49" charset="0"/>
+                <a:cs typeface="Courier New" panose="02070309020205020404" pitchFamily="49" charset="0"/>
+              </a:rPr>
+              <a:t>zooMembers</a:t>
+            </a:r>
+            <a:r>
+              <a:rPr lang="en-US" dirty="0">
+                <a:latin typeface="Courier New" panose="02070309020205020404" pitchFamily="49" charset="0"/>
+                <a:cs typeface="Courier New" panose="02070309020205020404" pitchFamily="49" charset="0"/>
+              </a:rPr>
+              <a:t>;</a:t>
+            </a:r>
+          </a:p>
+          <a:p>
+            <a:pPr marL="0" indent="0">
+              <a:buNone/>
+            </a:pPr>
+            <a:r>
+              <a:rPr lang="en-US" dirty="0">
+                <a:latin typeface="Courier New" panose="02070309020205020404" pitchFamily="49" charset="0"/>
+                <a:cs typeface="Courier New" panose="02070309020205020404" pitchFamily="49" charset="0"/>
+              </a:rPr>
+              <a:t>	private </a:t>
+            </a:r>
+            <a:r>
+              <a:rPr lang="en-US" dirty="0" err="1">
+                <a:latin typeface="Courier New" panose="02070309020205020404" pitchFamily="49" charset="0"/>
+                <a:cs typeface="Courier New" panose="02070309020205020404" pitchFamily="49" charset="0"/>
+              </a:rPr>
+              <a:t>ZooFacility</a:t>
+            </a:r>
+            <a:r>
+              <a:rPr lang="en-US" dirty="0">
+                <a:latin typeface="Courier New" panose="02070309020205020404" pitchFamily="49" charset="0"/>
+                <a:cs typeface="Courier New" panose="02070309020205020404" pitchFamily="49" charset="0"/>
+              </a:rPr>
+              <a:t>[] </a:t>
+            </a:r>
+            <a:r>
+              <a:rPr lang="en-US" dirty="0" err="1">
+                <a:latin typeface="Courier New" panose="02070309020205020404" pitchFamily="49" charset="0"/>
+                <a:cs typeface="Courier New" panose="02070309020205020404" pitchFamily="49" charset="0"/>
+              </a:rPr>
+              <a:t>zooFacilities</a:t>
+            </a:r>
+            <a:r>
+              <a:rPr lang="en-US" dirty="0">
+                <a:latin typeface="Courier New" panose="02070309020205020404" pitchFamily="49" charset="0"/>
+                <a:cs typeface="Courier New" panose="02070309020205020404" pitchFamily="49" charset="0"/>
+              </a:rPr>
+              <a:t>;</a:t>
+            </a:r>
+          </a:p>
+          <a:p>
+            <a:pPr marL="0" indent="0">
+              <a:buNone/>
+            </a:pPr>
+            <a:r>
+              <a:rPr lang="en-US" dirty="0">
+                <a:latin typeface="Courier New" panose="02070309020205020404" pitchFamily="49" charset="0"/>
+                <a:cs typeface="Courier New" panose="02070309020205020404" pitchFamily="49" charset="0"/>
+              </a:rPr>
+              <a:t>	…</a:t>
+            </a:r>
+          </a:p>
+          <a:p>
+            <a:pPr marL="0" indent="0">
+              <a:buNone/>
+            </a:pPr>
+            <a:r>
+              <a:rPr lang="en-US" dirty="0">
+                <a:latin typeface="Courier New" panose="02070309020205020404" pitchFamily="49" charset="0"/>
+                <a:cs typeface="Courier New" panose="02070309020205020404" pitchFamily="49" charset="0"/>
+              </a:rPr>
+              <a:t>}</a:t>
+            </a:r>
+          </a:p>
+          <a:p>
+            <a:pPr marL="0" indent="0">
+              <a:buNone/>
+            </a:pPr>
+            <a:endParaRPr lang="en-US" dirty="0">
+              <a:latin typeface="Courier New" panose="02070309020205020404" pitchFamily="49" charset="0"/>
+              <a:cs typeface="Courier New" panose="02070309020205020404" pitchFamily="49" charset="0"/>
+            </a:endParaRPr>
+          </a:p>
+          <a:p>
+            <a:pPr marL="0" indent="0">
+              <a:buNone/>
+            </a:pPr>
+            <a:r>
+              <a:rPr lang="en-US" dirty="0">
+                <a:cs typeface="Courier New" panose="02070309020205020404" pitchFamily="49" charset="0"/>
+              </a:rPr>
+              <a:t>We create fields that refer to other classes to create a has-a relationship.</a:t>
             </a:r>
           </a:p>
         </p:txBody>
@@ -29194,7 +29220,7 @@
     </p:spTree>
     <p:extLst>
       <p:ext uri="{BB962C8B-B14F-4D97-AF65-F5344CB8AC3E}">
-        <p14:creationId xmlns:p14="http://schemas.microsoft.com/office/powerpoint/2010/main" val="2398621642"/>
+        <p14:creationId xmlns:p14="http://schemas.microsoft.com/office/powerpoint/2010/main" val="2166580154"/>
       </p:ext>
     </p:extLst>
   </p:cSld>
@@ -29231,6 +29257,64 @@
             <p:ph type="title"/>
           </p:nvPr>
         </p:nvSpPr>
+        <p:spPr>
+          <a:xfrm>
+            <a:off x="838200" y="2752383"/>
+            <a:ext cx="10515600" cy="1157288"/>
+          </a:xfrm>
+        </p:spPr>
+        <p:txBody>
+          <a:bodyPr/>
+          <a:lstStyle/>
+          <a:p>
+            <a:pPr algn="ctr"/>
+            <a:r>
+              <a:rPr lang="en-US" dirty="0"/>
+              <a:t>Worksheet 6.5: Trio</a:t>
+            </a:r>
+          </a:p>
+        </p:txBody>
+      </p:sp>
+    </p:spTree>
+    <p:extLst>
+      <p:ext uri="{BB962C8B-B14F-4D97-AF65-F5344CB8AC3E}">
+        <p14:creationId xmlns:p14="http://schemas.microsoft.com/office/powerpoint/2010/main" val="2398621642"/>
+      </p:ext>
+    </p:extLst>
+  </p:cSld>
+  <p:clrMapOvr>
+    <a:masterClrMapping/>
+  </p:clrMapOvr>
+</p:sld>
+</file>
+
+<file path=ppt/slides/slide74.xml><?xml version="1.0" encoding="utf-8"?>
+<p:sld xmlns:a="http://schemas.openxmlformats.org/drawingml/2006/main" xmlns:r="http://schemas.openxmlformats.org/officeDocument/2006/relationships" xmlns:p="http://schemas.openxmlformats.org/presentationml/2006/main">
+  <p:cSld>
+    <p:spTree>
+      <p:nvGrpSpPr>
+        <p:cNvPr id="1" name=""/>
+        <p:cNvGrpSpPr/>
+        <p:nvPr/>
+      </p:nvGrpSpPr>
+      <p:grpSpPr>
+        <a:xfrm>
+          <a:off x="0" y="0"/>
+          <a:ext cx="0" cy="0"/>
+          <a:chOff x="0" y="0"/>
+          <a:chExt cx="0" cy="0"/>
+        </a:xfrm>
+      </p:grpSpPr>
+      <p:sp>
+        <p:nvSpPr>
+          <p:cNvPr id="2" name="Title 1"/>
+          <p:cNvSpPr>
+            <a:spLocks noGrp="1"/>
+          </p:cNvSpPr>
+          <p:nvPr>
+            <p:ph type="title"/>
+          </p:nvPr>
+        </p:nvSpPr>
         <p:spPr/>
         <p:txBody>
           <a:bodyPr>
@@ -29289,7 +29373,7 @@
 </p:sld>
 </file>
 
-<file path=ppt/slides/slide74.xml><?xml version="1.0" encoding="utf-8"?>
+<file path=ppt/slides/slide75.xml><?xml version="1.0" encoding="utf-8"?>
 <p:sld xmlns:a="http://schemas.openxmlformats.org/drawingml/2006/main" xmlns:r="http://schemas.openxmlformats.org/officeDocument/2006/relationships" xmlns:p="http://schemas.openxmlformats.org/presentationml/2006/main">
   <p:cSld>
     <p:spTree>
@@ -29364,104 +29448,6 @@
     <p:extLst>
       <p:ext uri="{BB962C8B-B14F-4D97-AF65-F5344CB8AC3E}">
         <p14:creationId xmlns:p14="http://schemas.microsoft.com/office/powerpoint/2010/main" val="546057595"/>
-      </p:ext>
-    </p:extLst>
-  </p:cSld>
-  <p:clrMapOvr>
-    <a:masterClrMapping/>
-  </p:clrMapOvr>
-</p:sld>
-</file>
-
-<file path=ppt/slides/slide75.xml><?xml version="1.0" encoding="utf-8"?>
-<p:sld xmlns:a="http://schemas.openxmlformats.org/drawingml/2006/main" xmlns:r="http://schemas.openxmlformats.org/officeDocument/2006/relationships" xmlns:p="http://schemas.openxmlformats.org/presentationml/2006/main">
-  <p:cSld>
-    <p:spTree>
-      <p:nvGrpSpPr>
-        <p:cNvPr id="1" name=""/>
-        <p:cNvGrpSpPr/>
-        <p:nvPr/>
-      </p:nvGrpSpPr>
-      <p:grpSpPr>
-        <a:xfrm>
-          <a:off x="0" y="0"/>
-          <a:ext cx="0" cy="0"/>
-          <a:chOff x="0" y="0"/>
-          <a:chExt cx="0" cy="0"/>
-        </a:xfrm>
-      </p:grpSpPr>
-      <p:sp>
-        <p:nvSpPr>
-          <p:cNvPr id="2" name="Title 1"/>
-          <p:cNvSpPr>
-            <a:spLocks noGrp="1"/>
-          </p:cNvSpPr>
-          <p:nvPr>
-            <p:ph type="title"/>
-          </p:nvPr>
-        </p:nvSpPr>
-        <p:spPr/>
-        <p:txBody>
-          <a:bodyPr/>
-          <a:lstStyle/>
-          <a:p>
-            <a:r>
-              <a:rPr lang="en-US" dirty="0"/>
-              <a:t>What are some limitations to inheritance?</a:t>
-            </a:r>
-          </a:p>
-        </p:txBody>
-      </p:sp>
-      <p:sp>
-        <p:nvSpPr>
-          <p:cNvPr id="3" name="Content Placeholder 2"/>
-          <p:cNvSpPr>
-            <a:spLocks noGrp="1"/>
-          </p:cNvSpPr>
-          <p:nvPr>
-            <p:ph idx="1"/>
-          </p:nvPr>
-        </p:nvSpPr>
-        <p:spPr/>
-        <p:txBody>
-          <a:bodyPr/>
-          <a:lstStyle/>
-          <a:p>
-            <a:pPr marL="0" indent="0">
-              <a:buNone/>
-            </a:pPr>
-            <a:endParaRPr lang="en-US" dirty="0"/>
-          </a:p>
-          <a:p>
-            <a:pPr marL="0" indent="0">
-              <a:buNone/>
-            </a:pPr>
-            <a:r>
-              <a:rPr lang="en-US" dirty="0"/>
-              <a:t>Can we inherit code from more than one superclass?</a:t>
-            </a:r>
-          </a:p>
-          <a:p>
-            <a:pPr marL="0" indent="0">
-              <a:buNone/>
-            </a:pPr>
-            <a:endParaRPr lang="en-US" dirty="0"/>
-          </a:p>
-          <a:p>
-            <a:pPr marL="0" indent="0">
-              <a:buNone/>
-            </a:pPr>
-            <a:r>
-              <a:rPr lang="en-US" dirty="0"/>
-              <a:t>Can we have an is-a relationship or polymorphism without giving the subclass access to our code?</a:t>
-            </a:r>
-          </a:p>
-        </p:txBody>
-      </p:sp>
-    </p:spTree>
-    <p:extLst>
-      <p:ext uri="{BB962C8B-B14F-4D97-AF65-F5344CB8AC3E}">
-        <p14:creationId xmlns:p14="http://schemas.microsoft.com/office/powerpoint/2010/main" val="1214770709"/>
       </p:ext>
     </p:extLst>
   </p:cSld>
@@ -29500,14 +29486,12 @@
         </p:nvSpPr>
         <p:spPr/>
         <p:txBody>
-          <a:bodyPr>
-            <a:normAutofit/>
-          </a:bodyPr>
+          <a:bodyPr/>
           <a:lstStyle/>
           <a:p>
             <a:r>
               <a:rPr lang="en-US" dirty="0"/>
-              <a:t>Interfaces</a:t>
+              <a:t>What are some limitations to inheritance?</a:t>
             </a:r>
           </a:p>
         </p:txBody>
@@ -29530,6 +29514,106 @@
             <a:pPr marL="0" indent="0">
               <a:buNone/>
             </a:pPr>
+            <a:endParaRPr lang="en-US" dirty="0"/>
+          </a:p>
+          <a:p>
+            <a:pPr marL="0" indent="0">
+              <a:buNone/>
+            </a:pPr>
+            <a:r>
+              <a:rPr lang="en-US" dirty="0"/>
+              <a:t>Can we inherit code from more than one superclass?</a:t>
+            </a:r>
+          </a:p>
+          <a:p>
+            <a:pPr marL="0" indent="0">
+              <a:buNone/>
+            </a:pPr>
+            <a:endParaRPr lang="en-US" dirty="0"/>
+          </a:p>
+          <a:p>
+            <a:pPr marL="0" indent="0">
+              <a:buNone/>
+            </a:pPr>
+            <a:r>
+              <a:rPr lang="en-US" dirty="0"/>
+              <a:t>Can we have an is-a relationship or polymorphism without giving the subclass access to our code?</a:t>
+            </a:r>
+          </a:p>
+        </p:txBody>
+      </p:sp>
+    </p:spTree>
+    <p:extLst>
+      <p:ext uri="{BB962C8B-B14F-4D97-AF65-F5344CB8AC3E}">
+        <p14:creationId xmlns:p14="http://schemas.microsoft.com/office/powerpoint/2010/main" val="1214770709"/>
+      </p:ext>
+    </p:extLst>
+  </p:cSld>
+  <p:clrMapOvr>
+    <a:masterClrMapping/>
+  </p:clrMapOvr>
+</p:sld>
+</file>
+
+<file path=ppt/slides/slide77.xml><?xml version="1.0" encoding="utf-8"?>
+<p:sld xmlns:a="http://schemas.openxmlformats.org/drawingml/2006/main" xmlns:r="http://schemas.openxmlformats.org/officeDocument/2006/relationships" xmlns:p="http://schemas.openxmlformats.org/presentationml/2006/main">
+  <p:cSld>
+    <p:spTree>
+      <p:nvGrpSpPr>
+        <p:cNvPr id="1" name=""/>
+        <p:cNvGrpSpPr/>
+        <p:nvPr/>
+      </p:nvGrpSpPr>
+      <p:grpSpPr>
+        <a:xfrm>
+          <a:off x="0" y="0"/>
+          <a:ext cx="0" cy="0"/>
+          <a:chOff x="0" y="0"/>
+          <a:chExt cx="0" cy="0"/>
+        </a:xfrm>
+      </p:grpSpPr>
+      <p:sp>
+        <p:nvSpPr>
+          <p:cNvPr id="2" name="Title 1"/>
+          <p:cNvSpPr>
+            <a:spLocks noGrp="1"/>
+          </p:cNvSpPr>
+          <p:nvPr>
+            <p:ph type="title"/>
+          </p:nvPr>
+        </p:nvSpPr>
+        <p:spPr/>
+        <p:txBody>
+          <a:bodyPr>
+            <a:normAutofit/>
+          </a:bodyPr>
+          <a:lstStyle/>
+          <a:p>
+            <a:r>
+              <a:rPr lang="en-US" dirty="0"/>
+              <a:t>Interfaces</a:t>
+            </a:r>
+          </a:p>
+        </p:txBody>
+      </p:sp>
+      <p:sp>
+        <p:nvSpPr>
+          <p:cNvPr id="3" name="Content Placeholder 2"/>
+          <p:cNvSpPr>
+            <a:spLocks noGrp="1"/>
+          </p:cNvSpPr>
+          <p:nvPr>
+            <p:ph idx="1"/>
+          </p:nvPr>
+        </p:nvSpPr>
+        <p:spPr/>
+        <p:txBody>
+          <a:bodyPr/>
+          <a:lstStyle/>
+          <a:p>
+            <a:pPr marL="0" indent="0">
+              <a:buNone/>
+            </a:pPr>
             <a:r>
               <a:rPr lang="en-US" dirty="0"/>
               <a:t>Offer a means to share a common </a:t>
@@ -29606,7 +29690,7 @@
 </p:sld>
 </file>
 
-<file path=ppt/slides/slide77.xml><?xml version="1.0" encoding="utf-8"?>
+<file path=ppt/slides/slide78.xml><?xml version="1.0" encoding="utf-8"?>
 <p:sld xmlns:a="http://schemas.openxmlformats.org/drawingml/2006/main" xmlns:r="http://schemas.openxmlformats.org/officeDocument/2006/relationships" xmlns:p="http://schemas.openxmlformats.org/presentationml/2006/main">
   <p:cSld>
     <p:spTree>
@@ -29685,7 +29769,7 @@
             <a:effectLst/>
             <a:extLst>
               <a:ext uri="{C572A759-6A51-4108-AA02-DFA0A04FC94B}">
-                <ma14:wrappingTextBoxFlag xmlns="" xmlns:wpc="http://schemas.microsoft.com/office/word/2010/wordprocessingCanvas" xmlns:mo="http://schemas.microsoft.com/office/mac/office/2008/main" xmlns:mc="http://schemas.openxmlformats.org/markup-compatibility/2006" xmlns:mv="urn:schemas-microsoft-com:mac:vml" xmlns:o="urn:schemas-microsoft-com:office:office" xmlns:m="http://schemas.openxmlformats.org/officeDocument/2006/math" xmlns:v="urn:schemas-microsoft-com:vml" xmlns:wp14="http://schemas.microsoft.com/office/word/2010/wordprocessingDrawing" xmlns:wp="http://schemas.openxmlformats.org/drawingml/2006/wordprocessingDrawing" xmlns:w10="urn:schemas-microsoft-com:office:word" xmlns:w="http://schemas.openxmlformats.org/wordprocessingml/2006/main" xmlns:w14="http://schemas.microsoft.com/office/word/2010/wordml" xmlns:wpg="http://schemas.microsoft.com/office/word/2010/wordprocessingGroup" xmlns:wpi="http://schemas.microsoft.com/office/word/2010/wordprocessingInk" xmlns:wne="http://schemas.microsoft.com/office/word/2006/wordml" xmlns:wps="http://schemas.microsoft.com/office/word/2010/wordprocessingShape" xmlns:ma14="http://schemas.microsoft.com/office/mac/drawingml/2011/main" xmlns:lc="http://schemas.openxmlformats.org/drawingml/2006/lockedCanvas"/>
+                <ma14:wrappingTextBoxFlag xmlns:lc="http://schemas.openxmlformats.org/drawingml/2006/lockedCanvas" xmlns:ma14="http://schemas.microsoft.com/office/mac/drawingml/2011/main" xmlns:wps="http://schemas.microsoft.com/office/word/2010/wordprocessingShape" xmlns:wne="http://schemas.microsoft.com/office/word/2006/wordml" xmlns:wpi="http://schemas.microsoft.com/office/word/2010/wordprocessingInk" xmlns:wpg="http://schemas.microsoft.com/office/word/2010/wordprocessingGroup" xmlns:w14="http://schemas.microsoft.com/office/word/2010/wordml" xmlns:w="http://schemas.openxmlformats.org/wordprocessingml/2006/main" xmlns:w10="urn:schemas-microsoft-com:office:word" xmlns:wp="http://schemas.openxmlformats.org/drawingml/2006/wordprocessingDrawing" xmlns:wp14="http://schemas.microsoft.com/office/word/2010/wordprocessingDrawing" xmlns:v="urn:schemas-microsoft-com:vml" xmlns:m="http://schemas.openxmlformats.org/officeDocument/2006/math" xmlns:o="urn:schemas-microsoft-com:office:office" xmlns:mv="urn:schemas-microsoft-com:mac:vml" xmlns:mc="http://schemas.openxmlformats.org/markup-compatibility/2006" xmlns:mo="http://schemas.microsoft.com/office/mac/office/2008/main" xmlns:wpc="http://schemas.microsoft.com/office/word/2010/wordprocessingCanvas" xmlns=""/>
               </a:ext>
             </a:extLst>
           </p:spPr>
@@ -29766,7 +29850,7 @@
             <a:effectLst/>
             <a:extLst>
               <a:ext uri="{C572A759-6A51-4108-AA02-DFA0A04FC94B}">
-                <ma14:wrappingTextBoxFlag xmlns="" xmlns:wpc="http://schemas.microsoft.com/office/word/2010/wordprocessingCanvas" xmlns:mo="http://schemas.microsoft.com/office/mac/office/2008/main" xmlns:mc="http://schemas.openxmlformats.org/markup-compatibility/2006" xmlns:mv="urn:schemas-microsoft-com:mac:vml" xmlns:o="urn:schemas-microsoft-com:office:office" xmlns:m="http://schemas.openxmlformats.org/officeDocument/2006/math" xmlns:v="urn:schemas-microsoft-com:vml" xmlns:wp14="http://schemas.microsoft.com/office/word/2010/wordprocessingDrawing" xmlns:wp="http://schemas.openxmlformats.org/drawingml/2006/wordprocessingDrawing" xmlns:w10="urn:schemas-microsoft-com:office:word" xmlns:w="http://schemas.openxmlformats.org/wordprocessingml/2006/main" xmlns:w14="http://schemas.microsoft.com/office/word/2010/wordml" xmlns:wpg="http://schemas.microsoft.com/office/word/2010/wordprocessingGroup" xmlns:wpi="http://schemas.microsoft.com/office/word/2010/wordprocessingInk" xmlns:wne="http://schemas.microsoft.com/office/word/2006/wordml" xmlns:wps="http://schemas.microsoft.com/office/word/2010/wordprocessingShape" xmlns:ma14="http://schemas.microsoft.com/office/mac/drawingml/2011/main" xmlns:lc="http://schemas.openxmlformats.org/drawingml/2006/lockedCanvas"/>
+                <ma14:wrappingTextBoxFlag xmlns:lc="http://schemas.openxmlformats.org/drawingml/2006/lockedCanvas" xmlns:ma14="http://schemas.microsoft.com/office/mac/drawingml/2011/main" xmlns:wps="http://schemas.microsoft.com/office/word/2010/wordprocessingShape" xmlns:wne="http://schemas.microsoft.com/office/word/2006/wordml" xmlns:wpi="http://schemas.microsoft.com/office/word/2010/wordprocessingInk" xmlns:wpg="http://schemas.microsoft.com/office/word/2010/wordprocessingGroup" xmlns:w14="http://schemas.microsoft.com/office/word/2010/wordml" xmlns:w="http://schemas.openxmlformats.org/wordprocessingml/2006/main" xmlns:w10="urn:schemas-microsoft-com:office:word" xmlns:wp="http://schemas.openxmlformats.org/drawingml/2006/wordprocessingDrawing" xmlns:wp14="http://schemas.microsoft.com/office/word/2010/wordprocessingDrawing" xmlns:v="urn:schemas-microsoft-com:vml" xmlns:m="http://schemas.openxmlformats.org/officeDocument/2006/math" xmlns:o="urn:schemas-microsoft-com:office:office" xmlns:mv="urn:schemas-microsoft-com:mac:vml" xmlns:mc="http://schemas.openxmlformats.org/markup-compatibility/2006" xmlns:mo="http://schemas.microsoft.com/office/mac/office/2008/main" xmlns:wpc="http://schemas.microsoft.com/office/word/2010/wordprocessingCanvas" xmlns=""/>
               </a:ext>
             </a:extLst>
           </p:spPr>
@@ -29847,7 +29931,7 @@
             <a:effectLst/>
             <a:extLst>
               <a:ext uri="{C572A759-6A51-4108-AA02-DFA0A04FC94B}">
-                <ma14:wrappingTextBoxFlag xmlns="" xmlns:wpc="http://schemas.microsoft.com/office/word/2010/wordprocessingCanvas" xmlns:mo="http://schemas.microsoft.com/office/mac/office/2008/main" xmlns:mc="http://schemas.openxmlformats.org/markup-compatibility/2006" xmlns:mv="urn:schemas-microsoft-com:mac:vml" xmlns:o="urn:schemas-microsoft-com:office:office" xmlns:m="http://schemas.openxmlformats.org/officeDocument/2006/math" xmlns:v="urn:schemas-microsoft-com:vml" xmlns:wp14="http://schemas.microsoft.com/office/word/2010/wordprocessingDrawing" xmlns:wp="http://schemas.openxmlformats.org/drawingml/2006/wordprocessingDrawing" xmlns:w10="urn:schemas-microsoft-com:office:word" xmlns:w="http://schemas.openxmlformats.org/wordprocessingml/2006/main" xmlns:w14="http://schemas.microsoft.com/office/word/2010/wordml" xmlns:wpg="http://schemas.microsoft.com/office/word/2010/wordprocessingGroup" xmlns:wpi="http://schemas.microsoft.com/office/word/2010/wordprocessingInk" xmlns:wne="http://schemas.microsoft.com/office/word/2006/wordml" xmlns:wps="http://schemas.microsoft.com/office/word/2010/wordprocessingShape" xmlns:ma14="http://schemas.microsoft.com/office/mac/drawingml/2011/main" xmlns:lc="http://schemas.openxmlformats.org/drawingml/2006/lockedCanvas"/>
+                <ma14:wrappingTextBoxFlag xmlns:lc="http://schemas.openxmlformats.org/drawingml/2006/lockedCanvas" xmlns:ma14="http://schemas.microsoft.com/office/mac/drawingml/2011/main" xmlns:wps="http://schemas.microsoft.com/office/word/2010/wordprocessingShape" xmlns:wne="http://schemas.microsoft.com/office/word/2006/wordml" xmlns:wpi="http://schemas.microsoft.com/office/word/2010/wordprocessingInk" xmlns:wpg="http://schemas.microsoft.com/office/word/2010/wordprocessingGroup" xmlns:w14="http://schemas.microsoft.com/office/word/2010/wordml" xmlns:w="http://schemas.openxmlformats.org/wordprocessingml/2006/main" xmlns:w10="urn:schemas-microsoft-com:office:word" xmlns:wp="http://schemas.openxmlformats.org/drawingml/2006/wordprocessingDrawing" xmlns:wp14="http://schemas.microsoft.com/office/word/2010/wordprocessingDrawing" xmlns:v="urn:schemas-microsoft-com:vml" xmlns:m="http://schemas.openxmlformats.org/officeDocument/2006/math" xmlns:o="urn:schemas-microsoft-com:office:office" xmlns:mv="urn:schemas-microsoft-com:mac:vml" xmlns:mc="http://schemas.openxmlformats.org/markup-compatibility/2006" xmlns:mo="http://schemas.microsoft.com/office/mac/office/2008/main" xmlns:wpc="http://schemas.microsoft.com/office/word/2010/wordprocessingCanvas" xmlns=""/>
               </a:ext>
             </a:extLst>
           </p:spPr>
@@ -29928,7 +30012,7 @@
             <a:effectLst/>
             <a:extLst>
               <a:ext uri="{C572A759-6A51-4108-AA02-DFA0A04FC94B}">
-                <ma14:wrappingTextBoxFlag xmlns="" xmlns:wpc="http://schemas.microsoft.com/office/word/2010/wordprocessingCanvas" xmlns:mo="http://schemas.microsoft.com/office/mac/office/2008/main" xmlns:mc="http://schemas.openxmlformats.org/markup-compatibility/2006" xmlns:mv="urn:schemas-microsoft-com:mac:vml" xmlns:o="urn:schemas-microsoft-com:office:office" xmlns:m="http://schemas.openxmlformats.org/officeDocument/2006/math" xmlns:v="urn:schemas-microsoft-com:vml" xmlns:wp14="http://schemas.microsoft.com/office/word/2010/wordprocessingDrawing" xmlns:wp="http://schemas.openxmlformats.org/drawingml/2006/wordprocessingDrawing" xmlns:w10="urn:schemas-microsoft-com:office:word" xmlns:w="http://schemas.openxmlformats.org/wordprocessingml/2006/main" xmlns:w14="http://schemas.microsoft.com/office/word/2010/wordml" xmlns:wpg="http://schemas.microsoft.com/office/word/2010/wordprocessingGroup" xmlns:wpi="http://schemas.microsoft.com/office/word/2010/wordprocessingInk" xmlns:wne="http://schemas.microsoft.com/office/word/2006/wordml" xmlns:wps="http://schemas.microsoft.com/office/word/2010/wordprocessingShape" xmlns:ma14="http://schemas.microsoft.com/office/mac/drawingml/2011/main" xmlns:lc="http://schemas.openxmlformats.org/drawingml/2006/lockedCanvas"/>
+                <ma14:wrappingTextBoxFlag xmlns:lc="http://schemas.openxmlformats.org/drawingml/2006/lockedCanvas" xmlns:ma14="http://schemas.microsoft.com/office/mac/drawingml/2011/main" xmlns:wps="http://schemas.microsoft.com/office/word/2010/wordprocessingShape" xmlns:wne="http://schemas.microsoft.com/office/word/2006/wordml" xmlns:wpi="http://schemas.microsoft.com/office/word/2010/wordprocessingInk" xmlns:wpg="http://schemas.microsoft.com/office/word/2010/wordprocessingGroup" xmlns:w14="http://schemas.microsoft.com/office/word/2010/wordml" xmlns:w="http://schemas.openxmlformats.org/wordprocessingml/2006/main" xmlns:w10="urn:schemas-microsoft-com:office:word" xmlns:wp="http://schemas.openxmlformats.org/drawingml/2006/wordprocessingDrawing" xmlns:wp14="http://schemas.microsoft.com/office/word/2010/wordprocessingDrawing" xmlns:v="urn:schemas-microsoft-com:vml" xmlns:m="http://schemas.openxmlformats.org/officeDocument/2006/math" xmlns:o="urn:schemas-microsoft-com:office:office" xmlns:mv="urn:schemas-microsoft-com:mac:vml" xmlns:mc="http://schemas.openxmlformats.org/markup-compatibility/2006" xmlns:mo="http://schemas.microsoft.com/office/mac/office/2008/main" xmlns:wpc="http://schemas.microsoft.com/office/word/2010/wordprocessingCanvas" xmlns=""/>
               </a:ext>
             </a:extLst>
           </p:spPr>
@@ -30009,7 +30093,7 @@
             <a:effectLst/>
             <a:extLst>
               <a:ext uri="{C572A759-6A51-4108-AA02-DFA0A04FC94B}">
-                <ma14:wrappingTextBoxFlag xmlns="" xmlns:wpc="http://schemas.microsoft.com/office/word/2010/wordprocessingCanvas" xmlns:mo="http://schemas.microsoft.com/office/mac/office/2008/main" xmlns:mc="http://schemas.openxmlformats.org/markup-compatibility/2006" xmlns:mv="urn:schemas-microsoft-com:mac:vml" xmlns:o="urn:schemas-microsoft-com:office:office" xmlns:m="http://schemas.openxmlformats.org/officeDocument/2006/math" xmlns:v="urn:schemas-microsoft-com:vml" xmlns:wp14="http://schemas.microsoft.com/office/word/2010/wordprocessingDrawing" xmlns:wp="http://schemas.openxmlformats.org/drawingml/2006/wordprocessingDrawing" xmlns:w10="urn:schemas-microsoft-com:office:word" xmlns:w="http://schemas.openxmlformats.org/wordprocessingml/2006/main" xmlns:w14="http://schemas.microsoft.com/office/word/2010/wordml" xmlns:wpg="http://schemas.microsoft.com/office/word/2010/wordprocessingGroup" xmlns:wpi="http://schemas.microsoft.com/office/word/2010/wordprocessingInk" xmlns:wne="http://schemas.microsoft.com/office/word/2006/wordml" xmlns:wps="http://schemas.microsoft.com/office/word/2010/wordprocessingShape" xmlns:ma14="http://schemas.microsoft.com/office/mac/drawingml/2011/main" xmlns:lc="http://schemas.openxmlformats.org/drawingml/2006/lockedCanvas"/>
+                <ma14:wrappingTextBoxFlag xmlns:lc="http://schemas.openxmlformats.org/drawingml/2006/lockedCanvas" xmlns:ma14="http://schemas.microsoft.com/office/mac/drawingml/2011/main" xmlns:wps="http://schemas.microsoft.com/office/word/2010/wordprocessingShape" xmlns:wne="http://schemas.microsoft.com/office/word/2006/wordml" xmlns:wpi="http://schemas.microsoft.com/office/word/2010/wordprocessingInk" xmlns:wpg="http://schemas.microsoft.com/office/word/2010/wordprocessingGroup" xmlns:w14="http://schemas.microsoft.com/office/word/2010/wordml" xmlns:w="http://schemas.openxmlformats.org/wordprocessingml/2006/main" xmlns:w10="urn:schemas-microsoft-com:office:word" xmlns:wp="http://schemas.openxmlformats.org/drawingml/2006/wordprocessingDrawing" xmlns:wp14="http://schemas.microsoft.com/office/word/2010/wordprocessingDrawing" xmlns:v="urn:schemas-microsoft-com:vml" xmlns:m="http://schemas.openxmlformats.org/officeDocument/2006/math" xmlns:o="urn:schemas-microsoft-com:office:office" xmlns:mv="urn:schemas-microsoft-com:mac:vml" xmlns:mc="http://schemas.openxmlformats.org/markup-compatibility/2006" xmlns:mo="http://schemas.microsoft.com/office/mac/office/2008/main" xmlns:wpc="http://schemas.microsoft.com/office/word/2010/wordprocessingCanvas" xmlns=""/>
               </a:ext>
             </a:extLst>
           </p:spPr>
@@ -30125,7 +30209,7 @@
             <a:effectLst/>
             <a:extLst>
               <a:ext uri="{C572A759-6A51-4108-AA02-DFA0A04FC94B}">
-                <ma14:wrappingTextBoxFlag xmlns="" xmlns:wpc="http://schemas.microsoft.com/office/word/2010/wordprocessingCanvas" xmlns:mo="http://schemas.microsoft.com/office/mac/office/2008/main" xmlns:mc="http://schemas.openxmlformats.org/markup-compatibility/2006" xmlns:mv="urn:schemas-microsoft-com:mac:vml" xmlns:o="urn:schemas-microsoft-com:office:office" xmlns:m="http://schemas.openxmlformats.org/officeDocument/2006/math" xmlns:v="urn:schemas-microsoft-com:vml" xmlns:wp14="http://schemas.microsoft.com/office/word/2010/wordprocessingDrawing" xmlns:wp="http://schemas.openxmlformats.org/drawingml/2006/wordprocessingDrawing" xmlns:w10="urn:schemas-microsoft-com:office:word" xmlns:w="http://schemas.openxmlformats.org/wordprocessingml/2006/main" xmlns:w14="http://schemas.microsoft.com/office/word/2010/wordml" xmlns:wpg="http://schemas.microsoft.com/office/word/2010/wordprocessingGroup" xmlns:wpi="http://schemas.microsoft.com/office/word/2010/wordprocessingInk" xmlns:wne="http://schemas.microsoft.com/office/word/2006/wordml" xmlns:wps="http://schemas.microsoft.com/office/word/2010/wordprocessingShape" xmlns:ma14="http://schemas.microsoft.com/office/mac/drawingml/2011/main" xmlns:lc="http://schemas.openxmlformats.org/drawingml/2006/lockedCanvas"/>
+                <ma14:wrappingTextBoxFlag xmlns:lc="http://schemas.openxmlformats.org/drawingml/2006/lockedCanvas" xmlns:ma14="http://schemas.microsoft.com/office/mac/drawingml/2011/main" xmlns:wps="http://schemas.microsoft.com/office/word/2010/wordprocessingShape" xmlns:wne="http://schemas.microsoft.com/office/word/2006/wordml" xmlns:wpi="http://schemas.microsoft.com/office/word/2010/wordprocessingInk" xmlns:wpg="http://schemas.microsoft.com/office/word/2010/wordprocessingGroup" xmlns:w14="http://schemas.microsoft.com/office/word/2010/wordml" xmlns:w="http://schemas.openxmlformats.org/wordprocessingml/2006/main" xmlns:w10="urn:schemas-microsoft-com:office:word" xmlns:wp="http://schemas.openxmlformats.org/drawingml/2006/wordprocessingDrawing" xmlns:wp14="http://schemas.microsoft.com/office/word/2010/wordprocessingDrawing" xmlns:v="urn:schemas-microsoft-com:vml" xmlns:m="http://schemas.openxmlformats.org/officeDocument/2006/math" xmlns:o="urn:schemas-microsoft-com:office:office" xmlns:mv="urn:schemas-microsoft-com:mac:vml" xmlns:mc="http://schemas.openxmlformats.org/markup-compatibility/2006" xmlns:mo="http://schemas.microsoft.com/office/mac/office/2008/main" xmlns:wpc="http://schemas.microsoft.com/office/word/2010/wordprocessingCanvas" xmlns=""/>
               </a:ext>
             </a:extLst>
           </p:spPr>
@@ -30241,7 +30325,7 @@
             <a:effectLst/>
             <a:extLst>
               <a:ext uri="{C572A759-6A51-4108-AA02-DFA0A04FC94B}">
-                <ma14:wrappingTextBoxFlag xmlns="" xmlns:wpc="http://schemas.microsoft.com/office/word/2010/wordprocessingCanvas" xmlns:mo="http://schemas.microsoft.com/office/mac/office/2008/main" xmlns:mc="http://schemas.openxmlformats.org/markup-compatibility/2006" xmlns:mv="urn:schemas-microsoft-com:mac:vml" xmlns:o="urn:schemas-microsoft-com:office:office" xmlns:m="http://schemas.openxmlformats.org/officeDocument/2006/math" xmlns:v="urn:schemas-microsoft-com:vml" xmlns:wp14="http://schemas.microsoft.com/office/word/2010/wordprocessingDrawing" xmlns:wp="http://schemas.openxmlformats.org/drawingml/2006/wordprocessingDrawing" xmlns:w10="urn:schemas-microsoft-com:office:word" xmlns:w="http://schemas.openxmlformats.org/wordprocessingml/2006/main" xmlns:w14="http://schemas.microsoft.com/office/word/2010/wordml" xmlns:wpg="http://schemas.microsoft.com/office/word/2010/wordprocessingGroup" xmlns:wpi="http://schemas.microsoft.com/office/word/2010/wordprocessingInk" xmlns:wne="http://schemas.microsoft.com/office/word/2006/wordml" xmlns:wps="http://schemas.microsoft.com/office/word/2010/wordprocessingShape" xmlns:ma14="http://schemas.microsoft.com/office/mac/drawingml/2011/main" xmlns:lc="http://schemas.openxmlformats.org/drawingml/2006/lockedCanvas"/>
+                <ma14:wrappingTextBoxFlag xmlns:lc="http://schemas.openxmlformats.org/drawingml/2006/lockedCanvas" xmlns:ma14="http://schemas.microsoft.com/office/mac/drawingml/2011/main" xmlns:wps="http://schemas.microsoft.com/office/word/2010/wordprocessingShape" xmlns:wne="http://schemas.microsoft.com/office/word/2006/wordml" xmlns:wpi="http://schemas.microsoft.com/office/word/2010/wordprocessingInk" xmlns:wpg="http://schemas.microsoft.com/office/word/2010/wordprocessingGroup" xmlns:w14="http://schemas.microsoft.com/office/word/2010/wordml" xmlns:w="http://schemas.openxmlformats.org/wordprocessingml/2006/main" xmlns:w10="urn:schemas-microsoft-com:office:word" xmlns:wp="http://schemas.openxmlformats.org/drawingml/2006/wordprocessingDrawing" xmlns:wp14="http://schemas.microsoft.com/office/word/2010/wordprocessingDrawing" xmlns:v="urn:schemas-microsoft-com:vml" xmlns:m="http://schemas.openxmlformats.org/officeDocument/2006/math" xmlns:o="urn:schemas-microsoft-com:office:office" xmlns:mv="urn:schemas-microsoft-com:mac:vml" xmlns:mc="http://schemas.openxmlformats.org/markup-compatibility/2006" xmlns:mo="http://schemas.microsoft.com/office/mac/office/2008/main" xmlns:wpc="http://schemas.microsoft.com/office/word/2010/wordprocessingCanvas" xmlns=""/>
               </a:ext>
             </a:extLst>
           </p:spPr>
@@ -30526,371 +30610,6 @@
 </p:sld>
 </file>
 
-<file path=ppt/slides/slide78.xml><?xml version="1.0" encoding="utf-8"?>
-<p:sld xmlns:a="http://schemas.openxmlformats.org/drawingml/2006/main" xmlns:r="http://schemas.openxmlformats.org/officeDocument/2006/relationships" xmlns:p="http://schemas.openxmlformats.org/presentationml/2006/main">
-  <p:cSld>
-    <p:spTree>
-      <p:nvGrpSpPr>
-        <p:cNvPr id="1" name=""/>
-        <p:cNvGrpSpPr/>
-        <p:nvPr/>
-      </p:nvGrpSpPr>
-      <p:grpSpPr>
-        <a:xfrm>
-          <a:off x="0" y="0"/>
-          <a:ext cx="0" cy="0"/>
-          <a:chOff x="0" y="0"/>
-          <a:chExt cx="0" cy="0"/>
-        </a:xfrm>
-      </p:grpSpPr>
-      <p:sp>
-        <p:nvSpPr>
-          <p:cNvPr id="2" name="Title 1"/>
-          <p:cNvSpPr>
-            <a:spLocks noGrp="1"/>
-          </p:cNvSpPr>
-          <p:nvPr>
-            <p:ph type="title"/>
-          </p:nvPr>
-        </p:nvSpPr>
-        <p:spPr/>
-        <p:txBody>
-          <a:bodyPr/>
-          <a:lstStyle/>
-          <a:p>
-            <a:r>
-              <a:rPr lang="en-US" dirty="0"/>
-              <a:t>Declaring Interfaces</a:t>
-            </a:r>
-          </a:p>
-        </p:txBody>
-      </p:sp>
-      <p:sp>
-        <p:nvSpPr>
-          <p:cNvPr id="3" name="Content Placeholder 2"/>
-          <p:cNvSpPr>
-            <a:spLocks noGrp="1"/>
-          </p:cNvSpPr>
-          <p:nvPr>
-            <p:ph idx="1"/>
-          </p:nvPr>
-        </p:nvSpPr>
-        <p:spPr/>
-        <p:txBody>
-          <a:bodyPr>
-            <a:normAutofit fontScale="92500" lnSpcReduction="10000"/>
-          </a:bodyPr>
-          <a:lstStyle/>
-          <a:p>
-            <a:pPr marL="0" indent="0">
-              <a:buNone/>
-            </a:pPr>
-            <a:r>
-              <a:rPr lang="en-US" sz="1400" dirty="0">
-                <a:latin typeface="Courier New" panose="02070309020205020404" pitchFamily="49" charset="0"/>
-                <a:cs typeface="Courier New" panose="02070309020205020404" pitchFamily="49" charset="0"/>
-              </a:rPr>
-              <a:t>public interface Salty{</a:t>
-            </a:r>
-          </a:p>
-          <a:p>
-            <a:pPr marL="0" indent="0">
-              <a:buNone/>
-            </a:pPr>
-            <a:r>
-              <a:rPr lang="en-US" sz="1400" dirty="0">
-                <a:latin typeface="Courier New" panose="02070309020205020404" pitchFamily="49" charset="0"/>
-                <a:cs typeface="Courier New" panose="02070309020205020404" pitchFamily="49" charset="0"/>
-              </a:rPr>
-              <a:t>	double </a:t>
-            </a:r>
-            <a:r>
-              <a:rPr lang="en-US" sz="1400" dirty="0" err="1">
-                <a:latin typeface="Courier New" panose="02070309020205020404" pitchFamily="49" charset="0"/>
-                <a:cs typeface="Courier New" panose="02070309020205020404" pitchFamily="49" charset="0"/>
-              </a:rPr>
-              <a:t>sodiumContent</a:t>
-            </a:r>
-            <a:r>
-              <a:rPr lang="en-US" sz="1400" dirty="0">
-                <a:latin typeface="Courier New" panose="02070309020205020404" pitchFamily="49" charset="0"/>
-                <a:cs typeface="Courier New" panose="02070309020205020404" pitchFamily="49" charset="0"/>
-              </a:rPr>
-              <a:t>();      	</a:t>
-            </a:r>
-            <a:r>
-              <a:rPr lang="en-US" sz="1400" dirty="0">
-                <a:latin typeface="Courier New" panose="02070309020205020404" pitchFamily="49" charset="0"/>
-                <a:cs typeface="Courier New" panose="02070309020205020404" pitchFamily="49" charset="0"/>
-                <a:sym typeface="Wingdings" panose="05000000000000000000" pitchFamily="2" charset="2"/>
-              </a:rPr>
-              <a:t></a:t>
-            </a:r>
-            <a:r>
-              <a:rPr lang="en-US" sz="1400" dirty="0">
-                <a:latin typeface="Courier New" panose="02070309020205020404" pitchFamily="49" charset="0"/>
-                <a:cs typeface="Courier New" panose="02070309020205020404" pitchFamily="49" charset="0"/>
-              </a:rPr>
-              <a:t>this is a promise to implement the </a:t>
-            </a:r>
-            <a:r>
-              <a:rPr lang="en-US" sz="1400" dirty="0" err="1">
-                <a:latin typeface="Courier New" panose="02070309020205020404" pitchFamily="49" charset="0"/>
-                <a:cs typeface="Courier New" panose="02070309020205020404" pitchFamily="49" charset="0"/>
-              </a:rPr>
-              <a:t>sodiumContent</a:t>
-            </a:r>
-            <a:r>
-              <a:rPr lang="en-US" sz="1400" dirty="0">
-                <a:latin typeface="Courier New" panose="02070309020205020404" pitchFamily="49" charset="0"/>
-                <a:cs typeface="Courier New" panose="02070309020205020404" pitchFamily="49" charset="0"/>
-              </a:rPr>
-              <a:t> </a:t>
-            </a:r>
-          </a:p>
-          <a:p>
-            <a:pPr marL="0" indent="0">
-              <a:buNone/>
-            </a:pPr>
-            <a:r>
-              <a:rPr lang="en-US" sz="1400" dirty="0">
-                <a:latin typeface="Courier New" panose="02070309020205020404" pitchFamily="49" charset="0"/>
-                <a:cs typeface="Courier New" panose="02070309020205020404" pitchFamily="49" charset="0"/>
-              </a:rPr>
-              <a:t>}				 	in the class that implements the Salty interface.</a:t>
-            </a:r>
-          </a:p>
-          <a:p>
-            <a:pPr marL="0" indent="0">
-              <a:buNone/>
-            </a:pPr>
-            <a:r>
-              <a:rPr lang="en-US" sz="1400" dirty="0">
-                <a:latin typeface="Courier New" panose="02070309020205020404" pitchFamily="49" charset="0"/>
-                <a:cs typeface="Courier New" panose="02070309020205020404" pitchFamily="49" charset="0"/>
-              </a:rPr>
-              <a:t> </a:t>
-            </a:r>
-          </a:p>
-          <a:p>
-            <a:pPr marL="0" indent="0">
-              <a:buNone/>
-            </a:pPr>
-            <a:r>
-              <a:rPr lang="en-US" sz="1400" dirty="0">
-                <a:latin typeface="Courier New" panose="02070309020205020404" pitchFamily="49" charset="0"/>
-                <a:cs typeface="Courier New" panose="02070309020205020404" pitchFamily="49" charset="0"/>
-              </a:rPr>
-              <a:t>public interface Aromatic{</a:t>
-            </a:r>
-          </a:p>
-          <a:p>
-            <a:pPr marL="0" indent="0">
-              <a:buNone/>
-            </a:pPr>
-            <a:r>
-              <a:rPr lang="en-US" sz="1400" dirty="0">
-                <a:latin typeface="Courier New" panose="02070309020205020404" pitchFamily="49" charset="0"/>
-                <a:cs typeface="Courier New" panose="02070309020205020404" pitchFamily="49" charset="0"/>
-              </a:rPr>
-              <a:t>	String </a:t>
-            </a:r>
-            <a:r>
-              <a:rPr lang="en-US" sz="1400" dirty="0" err="1">
-                <a:latin typeface="Courier New" panose="02070309020205020404" pitchFamily="49" charset="0"/>
-                <a:cs typeface="Courier New" panose="02070309020205020404" pitchFamily="49" charset="0"/>
-              </a:rPr>
-              <a:t>describeAroma</a:t>
-            </a:r>
-            <a:r>
-              <a:rPr lang="en-US" sz="1400" dirty="0">
-                <a:latin typeface="Courier New" panose="02070309020205020404" pitchFamily="49" charset="0"/>
-                <a:cs typeface="Courier New" panose="02070309020205020404" pitchFamily="49" charset="0"/>
-              </a:rPr>
-              <a:t>();  		</a:t>
-            </a:r>
-            <a:r>
-              <a:rPr lang="en-US" sz="1400" dirty="0">
-                <a:latin typeface="Courier New" panose="02070309020205020404" pitchFamily="49" charset="0"/>
-                <a:cs typeface="Courier New" panose="02070309020205020404" pitchFamily="49" charset="0"/>
-                <a:sym typeface="Wingdings" panose="05000000000000000000" pitchFamily="2" charset="2"/>
-              </a:rPr>
-              <a:t></a:t>
-            </a:r>
-            <a:r>
-              <a:rPr lang="en-US" sz="1400" dirty="0">
-                <a:latin typeface="Courier New" panose="02070309020205020404" pitchFamily="49" charset="0"/>
-                <a:cs typeface="Courier New" panose="02070309020205020404" pitchFamily="49" charset="0"/>
-              </a:rPr>
-              <a:t> Notice the lack of “public”! Public is </a:t>
-            </a:r>
-            <a:r>
-              <a:rPr lang="en-US" sz="1400" i="1" dirty="0">
-                <a:latin typeface="Courier New" panose="02070309020205020404" pitchFamily="49" charset="0"/>
-                <a:cs typeface="Courier New" panose="02070309020205020404" pitchFamily="49" charset="0"/>
-              </a:rPr>
-              <a:t>assumed</a:t>
-            </a:r>
-            <a:r>
-              <a:rPr lang="en-US" sz="1400" dirty="0">
-                <a:latin typeface="Courier New" panose="02070309020205020404" pitchFamily="49" charset="0"/>
-                <a:cs typeface="Courier New" panose="02070309020205020404" pitchFamily="49" charset="0"/>
-              </a:rPr>
-              <a:t>.</a:t>
-            </a:r>
-          </a:p>
-          <a:p>
-            <a:pPr marL="0" indent="0">
-              <a:buNone/>
-            </a:pPr>
-            <a:r>
-              <a:rPr lang="en-US" sz="1400" dirty="0">
-                <a:latin typeface="Courier New" panose="02070309020205020404" pitchFamily="49" charset="0"/>
-                <a:cs typeface="Courier New" panose="02070309020205020404" pitchFamily="49" charset="0"/>
-              </a:rPr>
-              <a:t>}</a:t>
-            </a:r>
-          </a:p>
-          <a:p>
-            <a:pPr marL="0" indent="0">
-              <a:buNone/>
-            </a:pPr>
-            <a:r>
-              <a:rPr lang="en-US" sz="1400" dirty="0">
-                <a:latin typeface="Courier New" panose="02070309020205020404" pitchFamily="49" charset="0"/>
-                <a:cs typeface="Courier New" panose="02070309020205020404" pitchFamily="49" charset="0"/>
-              </a:rPr>
-              <a:t> </a:t>
-            </a:r>
-          </a:p>
-          <a:p>
-            <a:pPr marL="0" indent="0">
-              <a:buNone/>
-            </a:pPr>
-            <a:r>
-              <a:rPr lang="en-US" sz="1400" dirty="0">
-                <a:latin typeface="Courier New" panose="02070309020205020404" pitchFamily="49" charset="0"/>
-                <a:cs typeface="Courier New" panose="02070309020205020404" pitchFamily="49" charset="0"/>
-              </a:rPr>
-              <a:t>public interface Greasy{</a:t>
-            </a:r>
-          </a:p>
-          <a:p>
-            <a:pPr marL="0" indent="0">
-              <a:buNone/>
-            </a:pPr>
-            <a:r>
-              <a:rPr lang="en-US" sz="1400" dirty="0">
-                <a:latin typeface="Courier New" panose="02070309020205020404" pitchFamily="49" charset="0"/>
-                <a:cs typeface="Courier New" panose="02070309020205020404" pitchFamily="49" charset="0"/>
-              </a:rPr>
-              <a:t>	double </a:t>
-            </a:r>
-            <a:r>
-              <a:rPr lang="en-US" sz="1400" dirty="0" err="1">
-                <a:latin typeface="Courier New" panose="02070309020205020404" pitchFamily="49" charset="0"/>
-                <a:cs typeface="Courier New" panose="02070309020205020404" pitchFamily="49" charset="0"/>
-              </a:rPr>
-              <a:t>amountOfGreaseInMg</a:t>
-            </a:r>
-            <a:r>
-              <a:rPr lang="en-US" sz="1400" dirty="0">
-                <a:latin typeface="Courier New" panose="02070309020205020404" pitchFamily="49" charset="0"/>
-                <a:cs typeface="Courier New" panose="02070309020205020404" pitchFamily="49" charset="0"/>
-              </a:rPr>
-              <a:t>();   	</a:t>
-            </a:r>
-            <a:r>
-              <a:rPr lang="en-US" sz="1400" dirty="0">
-                <a:latin typeface="Courier New" panose="02070309020205020404" pitchFamily="49" charset="0"/>
-                <a:cs typeface="Courier New" panose="02070309020205020404" pitchFamily="49" charset="0"/>
-                <a:sym typeface="Wingdings" panose="05000000000000000000" pitchFamily="2" charset="2"/>
-              </a:rPr>
-              <a:t></a:t>
-            </a:r>
-            <a:r>
-              <a:rPr lang="en-US" sz="1400" dirty="0">
-                <a:latin typeface="Courier New" panose="02070309020205020404" pitchFamily="49" charset="0"/>
-                <a:cs typeface="Courier New" panose="02070309020205020404" pitchFamily="49" charset="0"/>
-              </a:rPr>
-              <a:t>point out that interfaces look just like classes</a:t>
-            </a:r>
-          </a:p>
-          <a:p>
-            <a:pPr marL="0" indent="0">
-              <a:buNone/>
-            </a:pPr>
-            <a:r>
-              <a:rPr lang="en-US" sz="1400" dirty="0">
-                <a:latin typeface="Courier New" panose="02070309020205020404" pitchFamily="49" charset="0"/>
-                <a:cs typeface="Courier New" panose="02070309020205020404" pitchFamily="49" charset="0"/>
-              </a:rPr>
-              <a:t>}					but without fields or method bodies</a:t>
-            </a:r>
-          </a:p>
-          <a:p>
-            <a:pPr marL="0" indent="0">
-              <a:buNone/>
-            </a:pPr>
-            <a:r>
-              <a:rPr lang="en-US" sz="1400" dirty="0">
-                <a:latin typeface="Courier New" panose="02070309020205020404" pitchFamily="49" charset="0"/>
-                <a:cs typeface="Courier New" panose="02070309020205020404" pitchFamily="49" charset="0"/>
-              </a:rPr>
-              <a:t> </a:t>
-            </a:r>
-          </a:p>
-          <a:p>
-            <a:pPr marL="0" indent="0">
-              <a:buNone/>
-            </a:pPr>
-            <a:r>
-              <a:rPr lang="en-US" sz="1400" dirty="0">
-                <a:latin typeface="Courier New" panose="02070309020205020404" pitchFamily="49" charset="0"/>
-                <a:cs typeface="Courier New" panose="02070309020205020404" pitchFamily="49" charset="0"/>
-              </a:rPr>
-              <a:t>public interface Edible{</a:t>
-            </a:r>
-          </a:p>
-          <a:p>
-            <a:pPr marL="0" indent="0">
-              <a:buNone/>
-            </a:pPr>
-            <a:r>
-              <a:rPr lang="en-US" sz="1400" dirty="0">
-                <a:latin typeface="Courier New" panose="02070309020205020404" pitchFamily="49" charset="0"/>
-                <a:cs typeface="Courier New" panose="02070309020205020404" pitchFamily="49" charset="0"/>
-              </a:rPr>
-              <a:t>	double calories();</a:t>
-            </a:r>
-          </a:p>
-          <a:p>
-            <a:pPr marL="0" indent="0">
-              <a:buNone/>
-            </a:pPr>
-            <a:r>
-              <a:rPr lang="en-US" sz="1400" dirty="0">
-                <a:latin typeface="Courier New" panose="02070309020205020404" pitchFamily="49" charset="0"/>
-                <a:cs typeface="Courier New" panose="02070309020205020404" pitchFamily="49" charset="0"/>
-              </a:rPr>
-              <a:t>}</a:t>
-            </a:r>
-          </a:p>
-        </p:txBody>
-      </p:sp>
-    </p:spTree>
-    <p:extLst>
-      <p:ext uri="{BB962C8B-B14F-4D97-AF65-F5344CB8AC3E}">
-        <p14:creationId xmlns:p14="http://schemas.microsoft.com/office/powerpoint/2010/main" val="3474555343"/>
-      </p:ext>
-    </p:extLst>
-  </p:cSld>
-  <p:clrMapOvr>
-    <a:masterClrMapping/>
-  </p:clrMapOvr>
-</p:sld>
-</file>
-
 <file path=ppt/slides/slide79.xml><?xml version="1.0" encoding="utf-8"?>
 <p:sld xmlns:a="http://schemas.openxmlformats.org/drawingml/2006/main" xmlns:r="http://schemas.openxmlformats.org/officeDocument/2006/relationships" xmlns:p="http://schemas.openxmlformats.org/presentationml/2006/main">
   <p:cSld>
@@ -30925,7 +30644,7 @@
           <a:p>
             <a:r>
               <a:rPr lang="en-US" dirty="0"/>
-              <a:t>Implementing Interfaces</a:t>
+              <a:t>Declaring Interfaces</a:t>
             </a:r>
           </a:p>
         </p:txBody>
@@ -30940,15 +30659,10 @@
             <p:ph idx="1"/>
           </p:nvPr>
         </p:nvSpPr>
-        <p:spPr>
-          <a:xfrm>
-            <a:off x="838199" y="1825625"/>
-            <a:ext cx="10660529" cy="4351338"/>
-          </a:xfrm>
-        </p:spPr>
+        <p:spPr/>
         <p:txBody>
           <a:bodyPr>
-            <a:normAutofit/>
+            <a:normAutofit fontScale="92500" lnSpcReduction="10000"/>
           </a:bodyPr>
           <a:lstStyle/>
           <a:p>
@@ -30956,11 +30670,11 @@
               <a:buNone/>
             </a:pPr>
             <a:r>
-              <a:rPr lang="en-US" sz="1800" dirty="0">
-                <a:latin typeface="Courier New" panose="02070309020205020404" pitchFamily="49" charset="0"/>
-                <a:cs typeface="Courier New" panose="02070309020205020404" pitchFamily="49" charset="0"/>
-              </a:rPr>
-              <a:t>public class Bacon extends Pork implements Salty, Aromatic, Greasy, Edible {</a:t>
+              <a:rPr lang="en-US" sz="1400" dirty="0">
+                <a:latin typeface="Courier New" panose="02070309020205020404" pitchFamily="49" charset="0"/>
+                <a:cs typeface="Courier New" panose="02070309020205020404" pitchFamily="49" charset="0"/>
+              </a:rPr>
+              <a:t>public interface Salty{</a:t>
             </a:r>
           </a:p>
           <a:p>
@@ -30968,46 +30682,78 @@
               <a:buNone/>
             </a:pPr>
             <a:r>
-              <a:rPr lang="en-US" sz="1800" dirty="0">
-                <a:latin typeface="Courier New" panose="02070309020205020404" pitchFamily="49" charset="0"/>
-                <a:cs typeface="Courier New" panose="02070309020205020404" pitchFamily="49" charset="0"/>
-              </a:rPr>
-              <a:t>	private double </a:t>
-            </a:r>
-            <a:r>
-              <a:rPr lang="en-US" sz="1800" dirty="0" err="1">
-                <a:latin typeface="Courier New" panose="02070309020205020404" pitchFamily="49" charset="0"/>
-                <a:cs typeface="Courier New" panose="02070309020205020404" pitchFamily="49" charset="0"/>
-              </a:rPr>
-              <a:t>amountInKg</a:t>
-            </a:r>
-            <a:r>
-              <a:rPr lang="en-US" sz="1800" dirty="0">
-                <a:latin typeface="Courier New" panose="02070309020205020404" pitchFamily="49" charset="0"/>
-                <a:cs typeface="Courier New" panose="02070309020205020404" pitchFamily="49" charset="0"/>
-              </a:rPr>
-              <a:t>;</a:t>
+              <a:rPr lang="en-US" sz="1400" dirty="0">
+                <a:latin typeface="Courier New" panose="02070309020205020404" pitchFamily="49" charset="0"/>
+                <a:cs typeface="Courier New" panose="02070309020205020404" pitchFamily="49" charset="0"/>
+              </a:rPr>
+              <a:t>	double </a:t>
+            </a:r>
+            <a:r>
+              <a:rPr lang="en-US" sz="1400" dirty="0" err="1">
+                <a:latin typeface="Courier New" panose="02070309020205020404" pitchFamily="49" charset="0"/>
+                <a:cs typeface="Courier New" panose="02070309020205020404" pitchFamily="49" charset="0"/>
+              </a:rPr>
+              <a:t>sodiumContent</a:t>
+            </a:r>
+            <a:r>
+              <a:rPr lang="en-US" sz="1400" dirty="0">
+                <a:latin typeface="Courier New" panose="02070309020205020404" pitchFamily="49" charset="0"/>
+                <a:cs typeface="Courier New" panose="02070309020205020404" pitchFamily="49" charset="0"/>
+              </a:rPr>
+              <a:t>();      	</a:t>
+            </a:r>
+            <a:r>
+              <a:rPr lang="en-US" sz="1400" dirty="0">
+                <a:latin typeface="Courier New" panose="02070309020205020404" pitchFamily="49" charset="0"/>
+                <a:cs typeface="Courier New" panose="02070309020205020404" pitchFamily="49" charset="0"/>
+                <a:sym typeface="Wingdings" panose="05000000000000000000" pitchFamily="2" charset="2"/>
+              </a:rPr>
+              <a:t></a:t>
+            </a:r>
+            <a:r>
+              <a:rPr lang="en-US" sz="1400" dirty="0">
+                <a:latin typeface="Courier New" panose="02070309020205020404" pitchFamily="49" charset="0"/>
+                <a:cs typeface="Courier New" panose="02070309020205020404" pitchFamily="49" charset="0"/>
+              </a:rPr>
+              <a:t>this is a promise to implement the </a:t>
+            </a:r>
+            <a:r>
+              <a:rPr lang="en-US" sz="1400" dirty="0" err="1">
+                <a:latin typeface="Courier New" panose="02070309020205020404" pitchFamily="49" charset="0"/>
+                <a:cs typeface="Courier New" panose="02070309020205020404" pitchFamily="49" charset="0"/>
+              </a:rPr>
+              <a:t>sodiumContent</a:t>
+            </a:r>
+            <a:r>
+              <a:rPr lang="en-US" sz="1400" dirty="0">
+                <a:latin typeface="Courier New" panose="02070309020205020404" pitchFamily="49" charset="0"/>
+                <a:cs typeface="Courier New" panose="02070309020205020404" pitchFamily="49" charset="0"/>
+              </a:rPr>
+              <a:t> </a:t>
             </a:r>
           </a:p>
           <a:p>
             <a:pPr marL="0" indent="0">
               <a:buNone/>
             </a:pPr>
-            <a:endParaRPr lang="en-US" sz="1800" dirty="0">
-              <a:latin typeface="Courier New" panose="02070309020205020404" pitchFamily="49" charset="0"/>
-              <a:cs typeface="Courier New" panose="02070309020205020404" pitchFamily="49" charset="0"/>
-            </a:endParaRPr>
+            <a:r>
+              <a:rPr lang="en-US" sz="1400" dirty="0">
+                <a:latin typeface="Courier New" panose="02070309020205020404" pitchFamily="49" charset="0"/>
+                <a:cs typeface="Courier New" panose="02070309020205020404" pitchFamily="49" charset="0"/>
+              </a:rPr>
+              <a:t>}				 	in the class that implements the Salty interface.</a:t>
+            </a:r>
           </a:p>
           <a:p>
             <a:pPr marL="0" indent="0">
               <a:buNone/>
             </a:pPr>
             <a:r>
-              <a:rPr lang="en-US" sz="1800" dirty="0">
-                <a:latin typeface="Courier New" panose="02070309020205020404" pitchFamily="49" charset="0"/>
-                <a:cs typeface="Courier New" panose="02070309020205020404" pitchFamily="49" charset="0"/>
-              </a:rPr>
-              <a:t>	public Bacon(double amount){</a:t>
+              <a:rPr lang="en-US" sz="1400" dirty="0">
+                <a:latin typeface="Courier New" panose="02070309020205020404" pitchFamily="49" charset="0"/>
+                <a:cs typeface="Courier New" panose="02070309020205020404" pitchFamily="49" charset="0"/>
+              </a:rPr>
+              <a:t> </a:t>
             </a:r>
           </a:p>
           <a:p>
@@ -31015,25 +30761,11 @@
               <a:buNone/>
             </a:pPr>
             <a:r>
-              <a:rPr lang="en-US" sz="1800" dirty="0">
-                <a:latin typeface="Courier New" panose="02070309020205020404" pitchFamily="49" charset="0"/>
-                <a:cs typeface="Courier New" panose="02070309020205020404" pitchFamily="49" charset="0"/>
-              </a:rPr>
-              <a:t>		</a:t>
-            </a:r>
-            <a:r>
-              <a:rPr lang="en-US" sz="1800" dirty="0" err="1">
-                <a:latin typeface="Courier New" panose="02070309020205020404" pitchFamily="49" charset="0"/>
-                <a:cs typeface="Courier New" panose="02070309020205020404" pitchFamily="49" charset="0"/>
-              </a:rPr>
-              <a:t>amountInKg</a:t>
-            </a:r>
-            <a:r>
-              <a:rPr lang="en-US" sz="1800" dirty="0">
-                <a:latin typeface="Courier New" panose="02070309020205020404" pitchFamily="49" charset="0"/>
-                <a:cs typeface="Courier New" panose="02070309020205020404" pitchFamily="49" charset="0"/>
-              </a:rPr>
-              <a:t> = amount;</a:t>
+              <a:rPr lang="en-US" sz="1400" dirty="0">
+                <a:latin typeface="Courier New" panose="02070309020205020404" pitchFamily="49" charset="0"/>
+                <a:cs typeface="Courier New" panose="02070309020205020404" pitchFamily="49" charset="0"/>
+              </a:rPr>
+              <a:t>public interface Aromatic{</a:t>
             </a:r>
           </a:p>
           <a:p>
@@ -31041,32 +30773,78 @@
               <a:buNone/>
             </a:pPr>
             <a:r>
-              <a:rPr lang="en-US" sz="1800" dirty="0">
-                <a:latin typeface="Courier New" panose="02070309020205020404" pitchFamily="49" charset="0"/>
-                <a:cs typeface="Courier New" panose="02070309020205020404" pitchFamily="49" charset="0"/>
-              </a:rPr>
-              <a:t>	}</a:t>
+              <a:rPr lang="en-US" sz="1400" dirty="0">
+                <a:latin typeface="Courier New" panose="02070309020205020404" pitchFamily="49" charset="0"/>
+                <a:cs typeface="Courier New" panose="02070309020205020404" pitchFamily="49" charset="0"/>
+              </a:rPr>
+              <a:t>	String </a:t>
+            </a:r>
+            <a:r>
+              <a:rPr lang="en-US" sz="1400" dirty="0" err="1">
+                <a:latin typeface="Courier New" panose="02070309020205020404" pitchFamily="49" charset="0"/>
+                <a:cs typeface="Courier New" panose="02070309020205020404" pitchFamily="49" charset="0"/>
+              </a:rPr>
+              <a:t>describeAroma</a:t>
+            </a:r>
+            <a:r>
+              <a:rPr lang="en-US" sz="1400" dirty="0">
+                <a:latin typeface="Courier New" panose="02070309020205020404" pitchFamily="49" charset="0"/>
+                <a:cs typeface="Courier New" panose="02070309020205020404" pitchFamily="49" charset="0"/>
+              </a:rPr>
+              <a:t>();  		</a:t>
+            </a:r>
+            <a:r>
+              <a:rPr lang="en-US" sz="1400" dirty="0">
+                <a:latin typeface="Courier New" panose="02070309020205020404" pitchFamily="49" charset="0"/>
+                <a:cs typeface="Courier New" panose="02070309020205020404" pitchFamily="49" charset="0"/>
+                <a:sym typeface="Wingdings" panose="05000000000000000000" pitchFamily="2" charset="2"/>
+              </a:rPr>
+              <a:t></a:t>
+            </a:r>
+            <a:r>
+              <a:rPr lang="en-US" sz="1400" dirty="0">
+                <a:latin typeface="Courier New" panose="02070309020205020404" pitchFamily="49" charset="0"/>
+                <a:cs typeface="Courier New" panose="02070309020205020404" pitchFamily="49" charset="0"/>
+              </a:rPr>
+              <a:t> Notice the lack of “public”! Public is </a:t>
+            </a:r>
+            <a:r>
+              <a:rPr lang="en-US" sz="1400" i="1" dirty="0">
+                <a:latin typeface="Courier New" panose="02070309020205020404" pitchFamily="49" charset="0"/>
+                <a:cs typeface="Courier New" panose="02070309020205020404" pitchFamily="49" charset="0"/>
+              </a:rPr>
+              <a:t>assumed</a:t>
+            </a:r>
+            <a:r>
+              <a:rPr lang="en-US" sz="1400" dirty="0">
+                <a:latin typeface="Courier New" panose="02070309020205020404" pitchFamily="49" charset="0"/>
+                <a:cs typeface="Courier New" panose="02070309020205020404" pitchFamily="49" charset="0"/>
+              </a:rPr>
+              <a:t>.</a:t>
             </a:r>
           </a:p>
           <a:p>
             <a:pPr marL="0" indent="0">
               <a:buNone/>
             </a:pPr>
-            <a:endParaRPr lang="en-US" sz="1800" dirty="0">
-              <a:latin typeface="Courier New" panose="02070309020205020404" pitchFamily="49" charset="0"/>
-              <a:cs typeface="Courier New" panose="02070309020205020404" pitchFamily="49" charset="0"/>
-            </a:endParaRPr>
+            <a:r>
+              <a:rPr lang="en-US" sz="1400" dirty="0">
+                <a:latin typeface="Courier New" panose="02070309020205020404" pitchFamily="49" charset="0"/>
+                <a:cs typeface="Courier New" panose="02070309020205020404" pitchFamily="49" charset="0"/>
+              </a:rPr>
+              <a:t>}</a:t>
+            </a:r>
           </a:p>
           <a:p>
             <a:pPr marL="0" indent="0">
               <a:buNone/>
             </a:pPr>
             <a:r>
-              <a:rPr lang="en-US" sz="1800" dirty="0">
-                <a:latin typeface="Courier New" panose="02070309020205020404" pitchFamily="49" charset="0"/>
-                <a:cs typeface="Courier New" panose="02070309020205020404" pitchFamily="49" charset="0"/>
-              </a:rPr>
-              <a:t> 	public double calories(){</a:t>
+              <a:rPr lang="en-US" sz="1400" dirty="0">
+                <a:latin typeface="Courier New" panose="02070309020205020404" pitchFamily="49" charset="0"/>
+                <a:cs typeface="Courier New" panose="02070309020205020404" pitchFamily="49" charset="0"/>
+              </a:rPr>
+              <a:t> </a:t>
             </a:r>
           </a:p>
           <a:p>
@@ -31074,25 +30852,11 @@
               <a:buNone/>
             </a:pPr>
             <a:r>
-              <a:rPr lang="en-US" sz="1800" dirty="0">
-                <a:latin typeface="Courier New" panose="02070309020205020404" pitchFamily="49" charset="0"/>
-                <a:cs typeface="Courier New" panose="02070309020205020404" pitchFamily="49" charset="0"/>
-              </a:rPr>
-              <a:t>		return </a:t>
-            </a:r>
-            <a:r>
-              <a:rPr lang="en-US" sz="1800" dirty="0" err="1">
-                <a:latin typeface="Courier New" panose="02070309020205020404" pitchFamily="49" charset="0"/>
-                <a:cs typeface="Courier New" panose="02070309020205020404" pitchFamily="49" charset="0"/>
-              </a:rPr>
-              <a:t>amountInKg</a:t>
-            </a:r>
-            <a:r>
-              <a:rPr lang="en-US" sz="1800" dirty="0">
-                <a:latin typeface="Courier New" panose="02070309020205020404" pitchFamily="49" charset="0"/>
-                <a:cs typeface="Courier New" panose="02070309020205020404" pitchFamily="49" charset="0"/>
-              </a:rPr>
-              <a:t> * CALORIES_PER_KG_OF_BACON;</a:t>
+              <a:rPr lang="en-US" sz="1400" dirty="0">
+                <a:latin typeface="Courier New" panose="02070309020205020404" pitchFamily="49" charset="0"/>
+                <a:cs typeface="Courier New" panose="02070309020205020404" pitchFamily="49" charset="0"/>
+              </a:rPr>
+              <a:t>public interface Greasy{</a:t>
             </a:r>
           </a:p>
           <a:p>
@@ -31100,11 +30864,40 @@
               <a:buNone/>
             </a:pPr>
             <a:r>
-              <a:rPr lang="en-US" sz="1800" dirty="0">
-                <a:latin typeface="Courier New" panose="02070309020205020404" pitchFamily="49" charset="0"/>
-                <a:cs typeface="Courier New" panose="02070309020205020404" pitchFamily="49" charset="0"/>
-              </a:rPr>
-              <a:t>	}</a:t>
+              <a:rPr lang="en-US" sz="1400" dirty="0">
+                <a:latin typeface="Courier New" panose="02070309020205020404" pitchFamily="49" charset="0"/>
+                <a:cs typeface="Courier New" panose="02070309020205020404" pitchFamily="49" charset="0"/>
+              </a:rPr>
+              <a:t>	double </a:t>
+            </a:r>
+            <a:r>
+              <a:rPr lang="en-US" sz="1400" dirty="0" err="1">
+                <a:latin typeface="Courier New" panose="02070309020205020404" pitchFamily="49" charset="0"/>
+                <a:cs typeface="Courier New" panose="02070309020205020404" pitchFamily="49" charset="0"/>
+              </a:rPr>
+              <a:t>amountOfGreaseInMg</a:t>
+            </a:r>
+            <a:r>
+              <a:rPr lang="en-US" sz="1400" dirty="0">
+                <a:latin typeface="Courier New" panose="02070309020205020404" pitchFamily="49" charset="0"/>
+                <a:cs typeface="Courier New" panose="02070309020205020404" pitchFamily="49" charset="0"/>
+              </a:rPr>
+              <a:t>();   	</a:t>
+            </a:r>
+            <a:r>
+              <a:rPr lang="en-US" sz="1400" dirty="0">
+                <a:latin typeface="Courier New" panose="02070309020205020404" pitchFamily="49" charset="0"/>
+                <a:cs typeface="Courier New" panose="02070309020205020404" pitchFamily="49" charset="0"/>
+                <a:sym typeface="Wingdings" panose="05000000000000000000" pitchFamily="2" charset="2"/>
+              </a:rPr>
+              <a:t></a:t>
+            </a:r>
+            <a:r>
+              <a:rPr lang="en-US" sz="1400" dirty="0">
+                <a:latin typeface="Courier New" panose="02070309020205020404" pitchFamily="49" charset="0"/>
+                <a:cs typeface="Courier New" panose="02070309020205020404" pitchFamily="49" charset="0"/>
+              </a:rPr>
+              <a:t>point out that interfaces look just like classes</a:t>
             </a:r>
           </a:p>
           <a:p>
@@ -31112,7 +30905,55 @@
               <a:buNone/>
             </a:pPr>
             <a:r>
-              <a:rPr lang="en-US" sz="1800" dirty="0">
+              <a:rPr lang="en-US" sz="1400" dirty="0">
+                <a:latin typeface="Courier New" panose="02070309020205020404" pitchFamily="49" charset="0"/>
+                <a:cs typeface="Courier New" panose="02070309020205020404" pitchFamily="49" charset="0"/>
+              </a:rPr>
+              <a:t>}					but without fields or method bodies</a:t>
+            </a:r>
+          </a:p>
+          <a:p>
+            <a:pPr marL="0" indent="0">
+              <a:buNone/>
+            </a:pPr>
+            <a:r>
+              <a:rPr lang="en-US" sz="1400" dirty="0">
+                <a:latin typeface="Courier New" panose="02070309020205020404" pitchFamily="49" charset="0"/>
+                <a:cs typeface="Courier New" panose="02070309020205020404" pitchFamily="49" charset="0"/>
+              </a:rPr>
+              <a:t> </a:t>
+            </a:r>
+          </a:p>
+          <a:p>
+            <a:pPr marL="0" indent="0">
+              <a:buNone/>
+            </a:pPr>
+            <a:r>
+              <a:rPr lang="en-US" sz="1400" dirty="0">
+                <a:latin typeface="Courier New" panose="02070309020205020404" pitchFamily="49" charset="0"/>
+                <a:cs typeface="Courier New" panose="02070309020205020404" pitchFamily="49" charset="0"/>
+              </a:rPr>
+              <a:t>public interface Edible{</a:t>
+            </a:r>
+          </a:p>
+          <a:p>
+            <a:pPr marL="0" indent="0">
+              <a:buNone/>
+            </a:pPr>
+            <a:r>
+              <a:rPr lang="en-US" sz="1400" dirty="0">
+                <a:latin typeface="Courier New" panose="02070309020205020404" pitchFamily="49" charset="0"/>
+                <a:cs typeface="Courier New" panose="02070309020205020404" pitchFamily="49" charset="0"/>
+              </a:rPr>
+              <a:t>	double calories();</a:t>
+            </a:r>
+          </a:p>
+          <a:p>
+            <a:pPr marL="0" indent="0">
+              <a:buNone/>
+            </a:pPr>
+            <a:r>
+              <a:rPr lang="en-US" sz="1400" dirty="0">
                 <a:latin typeface="Courier New" panose="02070309020205020404" pitchFamily="49" charset="0"/>
                 <a:cs typeface="Courier New" panose="02070309020205020404" pitchFamily="49" charset="0"/>
               </a:rPr>
@@ -31124,7 +30965,7 @@
     </p:spTree>
     <p:extLst>
       <p:ext uri="{BB962C8B-B14F-4D97-AF65-F5344CB8AC3E}">
-        <p14:creationId xmlns:p14="http://schemas.microsoft.com/office/powerpoint/2010/main" val="1094721936"/>
+        <p14:creationId xmlns:p14="http://schemas.microsoft.com/office/powerpoint/2010/main" val="3474555343"/>
       </p:ext>
     </p:extLst>
   </p:cSld>
@@ -31222,7 +31063,7 @@
           <a:p>
             <a:r>
               <a:rPr lang="en-US" dirty="0"/>
-              <a:t>Class Activity</a:t>
+              <a:t>Implementing Interfaces</a:t>
             </a:r>
           </a:p>
         </p:txBody>
@@ -31237,17 +31078,183 @@
             <p:ph idx="1"/>
           </p:nvPr>
         </p:nvSpPr>
-        <p:spPr/>
+        <p:spPr>
+          <a:xfrm>
+            <a:off x="838199" y="1825625"/>
+            <a:ext cx="10660529" cy="4351338"/>
+          </a:xfrm>
+        </p:spPr>
         <p:txBody>
-          <a:bodyPr/>
+          <a:bodyPr>
+            <a:normAutofit/>
+          </a:bodyPr>
           <a:lstStyle/>
           <a:p>
             <a:pPr marL="0" indent="0">
               <a:buNone/>
             </a:pPr>
             <a:r>
-              <a:rPr lang="en-US" dirty="0"/>
-              <a:t>[Paste example activity or your own from lesson plan to slide]</a:t>
+              <a:rPr lang="en-US" sz="1800" dirty="0">
+                <a:latin typeface="Courier New" panose="02070309020205020404" pitchFamily="49" charset="0"/>
+                <a:cs typeface="Courier New" panose="02070309020205020404" pitchFamily="49" charset="0"/>
+              </a:rPr>
+              <a:t>public class Bacon extends Pork implements Salty, Aromatic, Greasy, Edible {</a:t>
+            </a:r>
+          </a:p>
+          <a:p>
+            <a:pPr marL="0" indent="0">
+              <a:buNone/>
+            </a:pPr>
+            <a:r>
+              <a:rPr lang="en-US" sz="1800" dirty="0">
+                <a:latin typeface="Courier New" panose="02070309020205020404" pitchFamily="49" charset="0"/>
+                <a:cs typeface="Courier New" panose="02070309020205020404" pitchFamily="49" charset="0"/>
+              </a:rPr>
+              <a:t>	private double </a:t>
+            </a:r>
+            <a:r>
+              <a:rPr lang="en-US" sz="1800" dirty="0" err="1">
+                <a:latin typeface="Courier New" panose="02070309020205020404" pitchFamily="49" charset="0"/>
+                <a:cs typeface="Courier New" panose="02070309020205020404" pitchFamily="49" charset="0"/>
+              </a:rPr>
+              <a:t>amountInKg</a:t>
+            </a:r>
+            <a:r>
+              <a:rPr lang="en-US" sz="1800" dirty="0">
+                <a:latin typeface="Courier New" panose="02070309020205020404" pitchFamily="49" charset="0"/>
+                <a:cs typeface="Courier New" panose="02070309020205020404" pitchFamily="49" charset="0"/>
+              </a:rPr>
+              <a:t>;</a:t>
+            </a:r>
+          </a:p>
+          <a:p>
+            <a:pPr marL="0" indent="0">
+              <a:buNone/>
+            </a:pPr>
+            <a:endParaRPr lang="en-US" sz="1800" dirty="0">
+              <a:latin typeface="Courier New" panose="02070309020205020404" pitchFamily="49" charset="0"/>
+              <a:cs typeface="Courier New" panose="02070309020205020404" pitchFamily="49" charset="0"/>
+            </a:endParaRPr>
+          </a:p>
+          <a:p>
+            <a:pPr marL="0" indent="0">
+              <a:buNone/>
+            </a:pPr>
+            <a:r>
+              <a:rPr lang="en-US" sz="1800" dirty="0">
+                <a:latin typeface="Courier New" panose="02070309020205020404" pitchFamily="49" charset="0"/>
+                <a:cs typeface="Courier New" panose="02070309020205020404" pitchFamily="49" charset="0"/>
+              </a:rPr>
+              <a:t>	public Bacon(double amount){</a:t>
+            </a:r>
+          </a:p>
+          <a:p>
+            <a:pPr marL="0" indent="0">
+              <a:buNone/>
+            </a:pPr>
+            <a:r>
+              <a:rPr lang="en-US" sz="1800" dirty="0">
+                <a:latin typeface="Courier New" panose="02070309020205020404" pitchFamily="49" charset="0"/>
+                <a:cs typeface="Courier New" panose="02070309020205020404" pitchFamily="49" charset="0"/>
+              </a:rPr>
+              <a:t>		</a:t>
+            </a:r>
+            <a:r>
+              <a:rPr lang="en-US" sz="1800" dirty="0" err="1">
+                <a:latin typeface="Courier New" panose="02070309020205020404" pitchFamily="49" charset="0"/>
+                <a:cs typeface="Courier New" panose="02070309020205020404" pitchFamily="49" charset="0"/>
+              </a:rPr>
+              <a:t>amountInKg</a:t>
+            </a:r>
+            <a:r>
+              <a:rPr lang="en-US" sz="1800" dirty="0">
+                <a:latin typeface="Courier New" panose="02070309020205020404" pitchFamily="49" charset="0"/>
+                <a:cs typeface="Courier New" panose="02070309020205020404" pitchFamily="49" charset="0"/>
+              </a:rPr>
+              <a:t> = amount;</a:t>
+            </a:r>
+          </a:p>
+          <a:p>
+            <a:pPr marL="0" indent="0">
+              <a:buNone/>
+            </a:pPr>
+            <a:r>
+              <a:rPr lang="en-US" sz="1800" dirty="0">
+                <a:latin typeface="Courier New" panose="02070309020205020404" pitchFamily="49" charset="0"/>
+                <a:cs typeface="Courier New" panose="02070309020205020404" pitchFamily="49" charset="0"/>
+              </a:rPr>
+              <a:t>	}</a:t>
+            </a:r>
+          </a:p>
+          <a:p>
+            <a:pPr marL="0" indent="0">
+              <a:buNone/>
+            </a:pPr>
+            <a:endParaRPr lang="en-US" sz="1800" dirty="0">
+              <a:latin typeface="Courier New" panose="02070309020205020404" pitchFamily="49" charset="0"/>
+              <a:cs typeface="Courier New" panose="02070309020205020404" pitchFamily="49" charset="0"/>
+            </a:endParaRPr>
+          </a:p>
+          <a:p>
+            <a:pPr marL="0" indent="0">
+              <a:buNone/>
+            </a:pPr>
+            <a:r>
+              <a:rPr lang="en-US" sz="1800" dirty="0">
+                <a:latin typeface="Courier New" panose="02070309020205020404" pitchFamily="49" charset="0"/>
+                <a:cs typeface="Courier New" panose="02070309020205020404" pitchFamily="49" charset="0"/>
+              </a:rPr>
+              <a:t> 	public double calories(){</a:t>
+            </a:r>
+          </a:p>
+          <a:p>
+            <a:pPr marL="0" indent="0">
+              <a:buNone/>
+            </a:pPr>
+            <a:r>
+              <a:rPr lang="en-US" sz="1800" dirty="0">
+                <a:latin typeface="Courier New" panose="02070309020205020404" pitchFamily="49" charset="0"/>
+                <a:cs typeface="Courier New" panose="02070309020205020404" pitchFamily="49" charset="0"/>
+              </a:rPr>
+              <a:t>		return </a:t>
+            </a:r>
+            <a:r>
+              <a:rPr lang="en-US" sz="1800" dirty="0" err="1">
+                <a:latin typeface="Courier New" panose="02070309020205020404" pitchFamily="49" charset="0"/>
+                <a:cs typeface="Courier New" panose="02070309020205020404" pitchFamily="49" charset="0"/>
+              </a:rPr>
+              <a:t>amountInKg</a:t>
+            </a:r>
+            <a:r>
+              <a:rPr lang="en-US" sz="1800" dirty="0">
+                <a:latin typeface="Courier New" panose="02070309020205020404" pitchFamily="49" charset="0"/>
+                <a:cs typeface="Courier New" panose="02070309020205020404" pitchFamily="49" charset="0"/>
+              </a:rPr>
+              <a:t> * CALORIES_PER_KG_OF_BACON;</a:t>
+            </a:r>
+          </a:p>
+          <a:p>
+            <a:pPr marL="0" indent="0">
+              <a:buNone/>
+            </a:pPr>
+            <a:r>
+              <a:rPr lang="en-US" sz="1800" dirty="0">
+                <a:latin typeface="Courier New" panose="02070309020205020404" pitchFamily="49" charset="0"/>
+                <a:cs typeface="Courier New" panose="02070309020205020404" pitchFamily="49" charset="0"/>
+              </a:rPr>
+              <a:t>	}</a:t>
+            </a:r>
+          </a:p>
+          <a:p>
+            <a:pPr marL="0" indent="0">
+              <a:buNone/>
+            </a:pPr>
+            <a:r>
+              <a:rPr lang="en-US" sz="1800" dirty="0">
+                <a:latin typeface="Courier New" panose="02070309020205020404" pitchFamily="49" charset="0"/>
+                <a:cs typeface="Courier New" panose="02070309020205020404" pitchFamily="49" charset="0"/>
+              </a:rPr>
+              <a:t>}</a:t>
             </a:r>
           </a:p>
         </p:txBody>
@@ -31255,7 +31262,7 @@
     </p:spTree>
     <p:extLst>
       <p:ext uri="{BB962C8B-B14F-4D97-AF65-F5344CB8AC3E}">
-        <p14:creationId xmlns:p14="http://schemas.microsoft.com/office/powerpoint/2010/main" val="3514558618"/>
+        <p14:creationId xmlns:p14="http://schemas.microsoft.com/office/powerpoint/2010/main" val="1094721936"/>
       </p:ext>
     </p:extLst>
   </p:cSld>
@@ -31294,6 +31301,83 @@
         </p:nvSpPr>
         <p:spPr/>
         <p:txBody>
+          <a:bodyPr/>
+          <a:lstStyle/>
+          <a:p>
+            <a:r>
+              <a:rPr lang="en-US" dirty="0"/>
+              <a:t>Class Activity</a:t>
+            </a:r>
+          </a:p>
+        </p:txBody>
+      </p:sp>
+      <p:sp>
+        <p:nvSpPr>
+          <p:cNvPr id="3" name="Content Placeholder 2"/>
+          <p:cNvSpPr>
+            <a:spLocks noGrp="1"/>
+          </p:cNvSpPr>
+          <p:nvPr>
+            <p:ph idx="1"/>
+          </p:nvPr>
+        </p:nvSpPr>
+        <p:spPr/>
+        <p:txBody>
+          <a:bodyPr/>
+          <a:lstStyle/>
+          <a:p>
+            <a:pPr marL="0" indent="0">
+              <a:buNone/>
+            </a:pPr>
+            <a:r>
+              <a:rPr lang="en-US" dirty="0"/>
+              <a:t>[Paste example activity or your own from lesson plan to slide]</a:t>
+            </a:r>
+          </a:p>
+        </p:txBody>
+      </p:sp>
+    </p:spTree>
+    <p:extLst>
+      <p:ext uri="{BB962C8B-B14F-4D97-AF65-F5344CB8AC3E}">
+        <p14:creationId xmlns:p14="http://schemas.microsoft.com/office/powerpoint/2010/main" val="3514558618"/>
+      </p:ext>
+    </p:extLst>
+  </p:cSld>
+  <p:clrMapOvr>
+    <a:masterClrMapping/>
+  </p:clrMapOvr>
+</p:sld>
+</file>
+
+<file path=ppt/slides/slide82.xml><?xml version="1.0" encoding="utf-8"?>
+<p:sld xmlns:a="http://schemas.openxmlformats.org/drawingml/2006/main" xmlns:r="http://schemas.openxmlformats.org/officeDocument/2006/relationships" xmlns:p="http://schemas.openxmlformats.org/presentationml/2006/main">
+  <p:cSld>
+    <p:spTree>
+      <p:nvGrpSpPr>
+        <p:cNvPr id="1" name=""/>
+        <p:cNvGrpSpPr/>
+        <p:nvPr/>
+      </p:nvGrpSpPr>
+      <p:grpSpPr>
+        <a:xfrm>
+          <a:off x="0" y="0"/>
+          <a:ext cx="0" cy="0"/>
+          <a:chOff x="0" y="0"/>
+          <a:chExt cx="0" cy="0"/>
+        </a:xfrm>
+      </p:grpSpPr>
+      <p:sp>
+        <p:nvSpPr>
+          <p:cNvPr id="2" name="Title 1"/>
+          <p:cNvSpPr>
+            <a:spLocks noGrp="1"/>
+          </p:cNvSpPr>
+          <p:nvPr>
+            <p:ph type="title"/>
+          </p:nvPr>
+        </p:nvSpPr>
+        <p:spPr/>
+        <p:txBody>
           <a:bodyPr>
             <a:normAutofit/>
           </a:bodyPr>
@@ -31391,7 +31475,7 @@
 </p:sld>
 </file>
 
-<file path=ppt/slides/slide82.xml><?xml version="1.0" encoding="utf-8"?>
+<file path=ppt/slides/slide83.xml><?xml version="1.0" encoding="utf-8"?>
 <p:sld xmlns:a="http://schemas.openxmlformats.org/drawingml/2006/main" xmlns:r="http://schemas.openxmlformats.org/officeDocument/2006/relationships" xmlns:p="http://schemas.openxmlformats.org/presentationml/2006/main">
   <p:cSld>
     <p:spTree>
@@ -31475,7 +31559,7 @@
 </p:sld>
 </file>
 
-<file path=ppt/slides/slide83.xml><?xml version="1.0" encoding="utf-8"?>
+<file path=ppt/slides/slide84.xml><?xml version="1.0" encoding="utf-8"?>
 <p:sld xmlns:a="http://schemas.openxmlformats.org/drawingml/2006/main" xmlns:r="http://schemas.openxmlformats.org/officeDocument/2006/relationships" xmlns:p="http://schemas.openxmlformats.org/presentationml/2006/main">
   <p:cSld>
     <p:spTree>
@@ -31557,80 +31641,6 @@
     <p:extLst>
       <p:ext uri="{BB962C8B-B14F-4D97-AF65-F5344CB8AC3E}">
         <p14:creationId xmlns:p14="http://schemas.microsoft.com/office/powerpoint/2010/main" val="2163985506"/>
-      </p:ext>
-    </p:extLst>
-  </p:cSld>
-  <p:clrMapOvr>
-    <a:masterClrMapping/>
-  </p:clrMapOvr>
-</p:sld>
-</file>
-
-<file path=ppt/slides/slide84.xml><?xml version="1.0" encoding="utf-8"?>
-<p:sld xmlns:a="http://schemas.openxmlformats.org/drawingml/2006/main" xmlns:r="http://schemas.openxmlformats.org/officeDocument/2006/relationships" xmlns:p="http://schemas.openxmlformats.org/presentationml/2006/main">
-  <p:cSld>
-    <p:spTree>
-      <p:nvGrpSpPr>
-        <p:cNvPr id="1" name=""/>
-        <p:cNvGrpSpPr/>
-        <p:nvPr/>
-      </p:nvGrpSpPr>
-      <p:grpSpPr>
-        <a:xfrm>
-          <a:off x="0" y="0"/>
-          <a:ext cx="0" cy="0"/>
-          <a:chOff x="0" y="0"/>
-          <a:chExt cx="0" cy="0"/>
-        </a:xfrm>
-      </p:grpSpPr>
-      <p:sp>
-        <p:nvSpPr>
-          <p:cNvPr id="2" name="Title 1"/>
-          <p:cNvSpPr>
-            <a:spLocks noGrp="1"/>
-          </p:cNvSpPr>
-          <p:nvPr>
-            <p:ph type="ctrTitle"/>
-          </p:nvPr>
-        </p:nvSpPr>
-        <p:spPr/>
-        <p:txBody>
-          <a:bodyPr/>
-          <a:lstStyle/>
-          <a:p>
-            <a:r>
-              <a:rPr lang="en-US" dirty="0"/>
-              <a:t>Finding and Fixing Errors</a:t>
-            </a:r>
-          </a:p>
-        </p:txBody>
-      </p:sp>
-      <p:sp>
-        <p:nvSpPr>
-          <p:cNvPr id="3" name="Subtitle 2"/>
-          <p:cNvSpPr>
-            <a:spLocks noGrp="1"/>
-          </p:cNvSpPr>
-          <p:nvPr>
-            <p:ph type="subTitle" idx="1"/>
-          </p:nvPr>
-        </p:nvSpPr>
-        <p:spPr/>
-        <p:txBody>
-          <a:bodyPr/>
-          <a:lstStyle/>
-          <a:p>
-            <a:r>
-              <a:rPr lang="en-US" dirty="0"/>
-              <a:t>[ 6.08 ] [ Today’s Date ] [ Instructor Name ]</a:t>
-            </a:r>
-          </a:p>
-        </p:txBody>
-      </p:sp>
-    </p:spTree>
-    <p:extLst>
-      <p:ext uri="{BB962C8B-B14F-4D97-AF65-F5344CB8AC3E}">
-        <p14:creationId xmlns:p14="http://schemas.microsoft.com/office/powerpoint/2010/main" val="3786121268"/>
       </p:ext>
     </p:extLst>
   </p:cSld>
@@ -31664,7 +31674,7 @@
             <a:spLocks noGrp="1"/>
           </p:cNvSpPr>
           <p:nvPr>
-            <p:ph type="title"/>
+            <p:ph type="ctrTitle"/>
           </p:nvPr>
         </p:nvSpPr>
         <p:spPr/>
@@ -31674,19 +31684,19 @@
           <a:p>
             <a:r>
               <a:rPr lang="en-US" dirty="0"/>
-              <a:t>Today’s plan:</a:t>
+              <a:t>Finding and Fixing Errors</a:t>
             </a:r>
           </a:p>
         </p:txBody>
       </p:sp>
       <p:sp>
         <p:nvSpPr>
-          <p:cNvPr id="3" name="Content Placeholder 2"/>
+          <p:cNvPr id="3" name="Subtitle 2"/>
           <p:cNvSpPr>
             <a:spLocks noGrp="1"/>
           </p:cNvSpPr>
           <p:nvPr>
-            <p:ph idx="1"/>
+            <p:ph type="subTitle" idx="1"/>
           </p:nvPr>
         </p:nvSpPr>
         <p:spPr/>
@@ -31694,52 +31704,17 @@
           <a:bodyPr/>
           <a:lstStyle/>
           <a:p>
-            <a:pPr marL="0" indent="0">
-              <a:buNone/>
-            </a:pPr>
             <a:r>
               <a:rPr lang="en-US" dirty="0"/>
-              <a:t>Error check and resubmit all chapter 9 assignments.</a:t>
-            </a:r>
-          </a:p>
-          <a:p>
-            <a:endParaRPr lang="en-US" dirty="0"/>
-          </a:p>
-          <a:p>
-            <a:pPr marL="0" indent="0">
-              <a:buNone/>
-            </a:pPr>
-            <a:r>
-              <a:rPr lang="en-US" dirty="0"/>
-              <a:t>Study for the test by:</a:t>
-            </a:r>
-          </a:p>
-          <a:p>
-            <a:pPr lvl="1"/>
-            <a:r>
-              <a:rPr lang="en-US" dirty="0"/>
-              <a:t>Reviewing all of the blue, self-check pages at the end of Chapter 9.</a:t>
-            </a:r>
-          </a:p>
-          <a:p>
-            <a:pPr lvl="1"/>
-            <a:r>
-              <a:rPr lang="en-US" dirty="0"/>
-              <a:t>Re-reading sections as needed to complete the self-check problems.</a:t>
-            </a:r>
-          </a:p>
-          <a:p>
-            <a:pPr marL="457200" lvl="1" indent="0">
-              <a:buNone/>
-            </a:pPr>
-            <a:endParaRPr lang="en-US" dirty="0"/>
+              <a:t>[ 6.08 ] [ Today’s Date ] [ Instructor Name ]</a:t>
+            </a:r>
           </a:p>
         </p:txBody>
       </p:sp>
     </p:spTree>
     <p:extLst>
       <p:ext uri="{BB962C8B-B14F-4D97-AF65-F5344CB8AC3E}">
-        <p14:creationId xmlns:p14="http://schemas.microsoft.com/office/powerpoint/2010/main" val="3923898911"/>
+        <p14:creationId xmlns:p14="http://schemas.microsoft.com/office/powerpoint/2010/main" val="3786121268"/>
       </p:ext>
     </p:extLst>
   </p:cSld>
@@ -31783,7 +31758,7 @@
           <a:p>
             <a:r>
               <a:rPr lang="en-US" dirty="0"/>
-              <a:t>Homework Regrade/Resubmit</a:t>
+              <a:t>Today’s plan:</a:t>
             </a:r>
           </a:p>
         </p:txBody>
@@ -31808,7 +31783,7 @@
             </a:pPr>
             <a:r>
               <a:rPr lang="en-US" dirty="0"/>
-              <a:t>You all have the opportunity to get full credit  on your homework grades by correcting them now, in class.</a:t>
+              <a:t>Error check and resubmit all chapter 9 assignments.</a:t>
             </a:r>
           </a:p>
           <a:p>
@@ -31820,11 +31795,25 @@
             </a:pPr>
             <a:r>
               <a:rPr lang="en-US" dirty="0"/>
-              <a:t>Use your error checking algorithm, and if you need help just ask!</a:t>
-            </a:r>
-          </a:p>
-          <a:p>
-            <a:pPr marL="0" indent="0">
+              <a:t>Study for the test by:</a:t>
+            </a:r>
+          </a:p>
+          <a:p>
+            <a:pPr lvl="1"/>
+            <a:r>
+              <a:rPr lang="en-US" dirty="0"/>
+              <a:t>Reviewing all of the blue, self-check pages at the end of Chapter 9.</a:t>
+            </a:r>
+          </a:p>
+          <a:p>
+            <a:pPr lvl="1"/>
+            <a:r>
+              <a:rPr lang="en-US" dirty="0"/>
+              <a:t>Re-reading sections as needed to complete the self-check problems.</a:t>
+            </a:r>
+          </a:p>
+          <a:p>
+            <a:pPr marL="457200" lvl="1" indent="0">
               <a:buNone/>
             </a:pPr>
             <a:endParaRPr lang="en-US" dirty="0"/>
@@ -31834,7 +31823,7 @@
     </p:spTree>
     <p:extLst>
       <p:ext uri="{BB962C8B-B14F-4D97-AF65-F5344CB8AC3E}">
-        <p14:creationId xmlns:p14="http://schemas.microsoft.com/office/powerpoint/2010/main" val="485091757"/>
+        <p14:creationId xmlns:p14="http://schemas.microsoft.com/office/powerpoint/2010/main" val="3923898911"/>
       </p:ext>
     </p:extLst>
   </p:cSld>
@@ -31878,7 +31867,7 @@
           <a:p>
             <a:r>
               <a:rPr lang="en-US" dirty="0"/>
-              <a:t>Homework</a:t>
+              <a:t>Homework Regrade/Resubmit</a:t>
             </a:r>
           </a:p>
         </p:txBody>
@@ -31898,9 +31887,24 @@
           <a:bodyPr/>
           <a:lstStyle/>
           <a:p>
+            <a:pPr marL="0" indent="0">
+              <a:buNone/>
+            </a:pPr>
             <a:r>
               <a:rPr lang="en-US" dirty="0"/>
-              <a:t>Begin reviewing chapter 9 for the Unit 6 Test.</a:t>
+              <a:t>You all have the opportunity to get full credit  on your homework grades by correcting them now, in class.</a:t>
+            </a:r>
+          </a:p>
+          <a:p>
+            <a:endParaRPr lang="en-US" dirty="0"/>
+          </a:p>
+          <a:p>
+            <a:pPr marL="0" indent="0">
+              <a:buNone/>
+            </a:pPr>
+            <a:r>
+              <a:rPr lang="en-US" dirty="0"/>
+              <a:t>Use your error checking algorithm, and if you need help just ask!</a:t>
             </a:r>
           </a:p>
           <a:p>
@@ -31914,7 +31918,7 @@
     </p:spTree>
     <p:extLst>
       <p:ext uri="{BB962C8B-B14F-4D97-AF65-F5344CB8AC3E}">
-        <p14:creationId xmlns:p14="http://schemas.microsoft.com/office/powerpoint/2010/main" val="912080518"/>
+        <p14:creationId xmlns:p14="http://schemas.microsoft.com/office/powerpoint/2010/main" val="485091757"/>
       </p:ext>
     </p:extLst>
   </p:cSld>
@@ -31948,31 +31952,7 @@
             <a:spLocks noGrp="1"/>
           </p:cNvSpPr>
           <p:nvPr>
-            <p:ph type="ctrTitle"/>
-          </p:nvPr>
-        </p:nvSpPr>
-        <p:spPr/>
-        <p:txBody>
-          <a:bodyPr>
-            <a:normAutofit/>
-          </a:bodyPr>
-          <a:lstStyle/>
-          <a:p>
-            <a:r>
-              <a:rPr lang="en-US" sz="4800" dirty="0"/>
-              <a:t>Review</a:t>
-            </a:r>
-          </a:p>
-        </p:txBody>
-      </p:sp>
-      <p:sp>
-        <p:nvSpPr>
-          <p:cNvPr id="3" name="Subtitle 2"/>
-          <p:cNvSpPr>
-            <a:spLocks noGrp="1"/>
-          </p:cNvSpPr>
-          <p:nvPr>
-            <p:ph type="subTitle" idx="1"/>
+            <p:ph type="title"/>
           </p:nvPr>
         </p:nvSpPr>
         <p:spPr/>
@@ -31982,15 +31962,43 @@
           <a:p>
             <a:r>
               <a:rPr lang="en-US" dirty="0"/>
-              <a:t>[ 6.09 ] [ Today’s Date ] [ Instructor Name ]</a:t>
-            </a:r>
+              <a:t>Homework</a:t>
+            </a:r>
+          </a:p>
+        </p:txBody>
+      </p:sp>
+      <p:sp>
+        <p:nvSpPr>
+          <p:cNvPr id="3" name="Content Placeholder 2"/>
+          <p:cNvSpPr>
+            <a:spLocks noGrp="1"/>
+          </p:cNvSpPr>
+          <p:nvPr>
+            <p:ph idx="1"/>
+          </p:nvPr>
+        </p:nvSpPr>
+        <p:spPr/>
+        <p:txBody>
+          <a:bodyPr/>
+          <a:lstStyle/>
+          <a:p>
+            <a:r>
+              <a:rPr lang="en-US" dirty="0"/>
+              <a:t>Begin reviewing chapter 9 for the Unit 6 Test.</a:t>
+            </a:r>
+          </a:p>
+          <a:p>
+            <a:pPr marL="0" indent="0">
+              <a:buNone/>
+            </a:pPr>
+            <a:endParaRPr lang="en-US" dirty="0"/>
           </a:p>
         </p:txBody>
       </p:sp>
     </p:spTree>
     <p:extLst>
       <p:ext uri="{BB962C8B-B14F-4D97-AF65-F5344CB8AC3E}">
-        <p14:creationId xmlns:p14="http://schemas.microsoft.com/office/powerpoint/2010/main" val="4280762843"/>
+        <p14:creationId xmlns:p14="http://schemas.microsoft.com/office/powerpoint/2010/main" val="912080518"/>
       </p:ext>
     </p:extLst>
   </p:cSld>
@@ -32019,7 +32027,7 @@
       </p:grpSpPr>
       <p:sp>
         <p:nvSpPr>
-          <p:cNvPr id="4" name="Title 3"/>
+          <p:cNvPr id="2" name="Title 1"/>
           <p:cNvSpPr>
             <a:spLocks noGrp="1"/>
           </p:cNvSpPr>
@@ -32027,12 +32035,7 @@
             <p:ph type="ctrTitle"/>
           </p:nvPr>
         </p:nvSpPr>
-        <p:spPr>
-          <a:xfrm>
-            <a:off x="1524000" y="1374151"/>
-            <a:ext cx="9144000" cy="2387600"/>
-          </a:xfrm>
-        </p:spPr>
+        <p:spPr/>
         <p:txBody>
           <a:bodyPr>
             <a:normAutofit/>
@@ -32040,8 +32043,30 @@
           <a:lstStyle/>
           <a:p>
             <a:r>
-              <a:rPr lang="en-US" sz="5000" dirty="0"/>
-              <a:t>What’s on the test?</a:t>
+              <a:rPr lang="en-US" sz="4800" dirty="0"/>
+              <a:t>Review</a:t>
+            </a:r>
+          </a:p>
+        </p:txBody>
+      </p:sp>
+      <p:sp>
+        <p:nvSpPr>
+          <p:cNvPr id="3" name="Subtitle 2"/>
+          <p:cNvSpPr>
+            <a:spLocks noGrp="1"/>
+          </p:cNvSpPr>
+          <p:nvPr>
+            <p:ph type="subTitle" idx="1"/>
+          </p:nvPr>
+        </p:nvSpPr>
+        <p:spPr/>
+        <p:txBody>
+          <a:bodyPr/>
+          <a:lstStyle/>
+          <a:p>
+            <a:r>
+              <a:rPr lang="en-US" dirty="0"/>
+              <a:t>[ 6.09 ] [ Today’s Date ] [ Instructor Name ]</a:t>
             </a:r>
           </a:p>
         </p:txBody>
@@ -32049,7 +32074,7 @@
     </p:spTree>
     <p:extLst>
       <p:ext uri="{BB962C8B-B14F-4D97-AF65-F5344CB8AC3E}">
-        <p14:creationId xmlns:p14="http://schemas.microsoft.com/office/powerpoint/2010/main" val="2707739066"/>
+        <p14:creationId xmlns:p14="http://schemas.microsoft.com/office/powerpoint/2010/main" val="4280762843"/>
       </p:ext>
     </p:extLst>
   </p:cSld>
@@ -32156,7 +32181,7 @@
       </p:grpSpPr>
       <p:sp>
         <p:nvSpPr>
-          <p:cNvPr id="2" name="Title 1"/>
+          <p:cNvPr id="4" name="Title 3"/>
           <p:cNvSpPr>
             <a:spLocks noGrp="1"/>
           </p:cNvSpPr>
@@ -32166,7 +32191,7 @@
         </p:nvSpPr>
         <p:spPr>
           <a:xfrm>
-            <a:off x="1524000" y="1409083"/>
+            <a:off x="1524000" y="1374151"/>
             <a:ext cx="9144000" cy="2387600"/>
           </a:xfrm>
         </p:spPr>
@@ -32177,8 +32202,8 @@
           <a:lstStyle/>
           <a:p>
             <a:r>
-              <a:rPr lang="en-US" sz="5400" dirty="0"/>
-              <a:t>Practice Test</a:t>
+              <a:rPr lang="en-US" sz="5000" dirty="0"/>
+              <a:t>What’s on the test?</a:t>
             </a:r>
           </a:p>
         </p:txBody>
@@ -32186,7 +32211,7 @@
     </p:spTree>
     <p:extLst>
       <p:ext uri="{BB962C8B-B14F-4D97-AF65-F5344CB8AC3E}">
-        <p14:creationId xmlns:p14="http://schemas.microsoft.com/office/powerpoint/2010/main" val="2393790933"/>
+        <p14:creationId xmlns:p14="http://schemas.microsoft.com/office/powerpoint/2010/main" val="2707739066"/>
       </p:ext>
     </p:extLst>
   </p:cSld>
@@ -32220,6 +32245,65 @@
             <a:spLocks noGrp="1"/>
           </p:cNvSpPr>
           <p:nvPr>
+            <p:ph type="ctrTitle"/>
+          </p:nvPr>
+        </p:nvSpPr>
+        <p:spPr>
+          <a:xfrm>
+            <a:off x="1524000" y="1409083"/>
+            <a:ext cx="9144000" cy="2387600"/>
+          </a:xfrm>
+        </p:spPr>
+        <p:txBody>
+          <a:bodyPr>
+            <a:normAutofit/>
+          </a:bodyPr>
+          <a:lstStyle/>
+          <a:p>
+            <a:r>
+              <a:rPr lang="en-US" sz="5400" dirty="0"/>
+              <a:t>Practice Test</a:t>
+            </a:r>
+          </a:p>
+        </p:txBody>
+      </p:sp>
+    </p:spTree>
+    <p:extLst>
+      <p:ext uri="{BB962C8B-B14F-4D97-AF65-F5344CB8AC3E}">
+        <p14:creationId xmlns:p14="http://schemas.microsoft.com/office/powerpoint/2010/main" val="2393790933"/>
+      </p:ext>
+    </p:extLst>
+  </p:cSld>
+  <p:clrMapOvr>
+    <a:masterClrMapping/>
+  </p:clrMapOvr>
+</p:sld>
+</file>
+
+<file path=ppt/slides/slide92.xml><?xml version="1.0" encoding="utf-8"?>
+<p:sld xmlns:a="http://schemas.openxmlformats.org/drawingml/2006/main" xmlns:r="http://schemas.openxmlformats.org/officeDocument/2006/relationships" xmlns:p="http://schemas.openxmlformats.org/presentationml/2006/main">
+  <p:cSld>
+    <p:spTree>
+      <p:nvGrpSpPr>
+        <p:cNvPr id="1" name=""/>
+        <p:cNvGrpSpPr/>
+        <p:nvPr/>
+      </p:nvGrpSpPr>
+      <p:grpSpPr>
+        <a:xfrm>
+          <a:off x="0" y="0"/>
+          <a:ext cx="0" cy="0"/>
+          <a:chOff x="0" y="0"/>
+          <a:chExt cx="0" cy="0"/>
+        </a:xfrm>
+      </p:grpSpPr>
+      <p:sp>
+        <p:nvSpPr>
+          <p:cNvPr id="2" name="Title 1"/>
+          <p:cNvSpPr>
+            <a:spLocks noGrp="1"/>
+          </p:cNvSpPr>
+          <p:nvPr>
             <p:ph type="title"/>
           </p:nvPr>
         </p:nvSpPr>
@@ -32288,7 +32372,7 @@
 </p:sld>
 </file>
 
-<file path=ppt/slides/slide92.xml><?xml version="1.0" encoding="utf-8"?>
+<file path=ppt/slides/slide93.xml><?xml version="1.0" encoding="utf-8"?>
 <p:sld xmlns:a="http://schemas.openxmlformats.org/drawingml/2006/main" xmlns:r="http://schemas.openxmlformats.org/officeDocument/2006/relationships" xmlns:p="http://schemas.openxmlformats.org/presentationml/2006/main">
   <p:cSld>
     <p:spTree>

--- a/curriculum/Unit6/Unit6.pptx
+++ b/curriculum/Unit6/Unit6.pptx
@@ -5,7 +5,7 @@
     <p:sldMasterId id="2147483648" r:id="rId4"/>
   </p:sldMasterIdLst>
   <p:notesMasterIdLst>
-    <p:notesMasterId r:id="rId97"/>
+    <p:notesMasterId r:id="rId98"/>
   </p:notesMasterIdLst>
   <p:sldIdLst>
     <p:sldId id="256" r:id="rId5"/>
@@ -56,50 +56,51 @@
     <p:sldId id="307" r:id="rId50"/>
     <p:sldId id="308" r:id="rId51"/>
     <p:sldId id="309" r:id="rId52"/>
-    <p:sldId id="310" r:id="rId53"/>
-    <p:sldId id="311" r:id="rId54"/>
-    <p:sldId id="312" r:id="rId55"/>
-    <p:sldId id="313" r:id="rId56"/>
-    <p:sldId id="314" r:id="rId57"/>
-    <p:sldId id="315" r:id="rId58"/>
-    <p:sldId id="316" r:id="rId59"/>
-    <p:sldId id="317" r:id="rId60"/>
-    <p:sldId id="318" r:id="rId61"/>
-    <p:sldId id="319" r:id="rId62"/>
-    <p:sldId id="320" r:id="rId63"/>
-    <p:sldId id="321" r:id="rId64"/>
-    <p:sldId id="322" r:id="rId65"/>
-    <p:sldId id="323" r:id="rId66"/>
-    <p:sldId id="324" r:id="rId67"/>
-    <p:sldId id="325" r:id="rId68"/>
-    <p:sldId id="326" r:id="rId69"/>
-    <p:sldId id="327" r:id="rId70"/>
-    <p:sldId id="328" r:id="rId71"/>
-    <p:sldId id="329" r:id="rId72"/>
-    <p:sldId id="330" r:id="rId73"/>
-    <p:sldId id="331" r:id="rId74"/>
-    <p:sldId id="332" r:id="rId75"/>
-    <p:sldId id="333" r:id="rId76"/>
-    <p:sldId id="334" r:id="rId77"/>
-    <p:sldId id="335" r:id="rId78"/>
-    <p:sldId id="336" r:id="rId79"/>
-    <p:sldId id="337" r:id="rId80"/>
-    <p:sldId id="338" r:id="rId81"/>
-    <p:sldId id="339" r:id="rId82"/>
-    <p:sldId id="340" r:id="rId83"/>
-    <p:sldId id="341" r:id="rId84"/>
-    <p:sldId id="342" r:id="rId85"/>
-    <p:sldId id="343" r:id="rId86"/>
-    <p:sldId id="344" r:id="rId87"/>
-    <p:sldId id="345" r:id="rId88"/>
-    <p:sldId id="346" r:id="rId89"/>
-    <p:sldId id="347" r:id="rId90"/>
-    <p:sldId id="348" r:id="rId91"/>
-    <p:sldId id="349" r:id="rId92"/>
-    <p:sldId id="350" r:id="rId93"/>
-    <p:sldId id="351" r:id="rId94"/>
-    <p:sldId id="352" r:id="rId95"/>
-    <p:sldId id="353" r:id="rId96"/>
+    <p:sldId id="369" r:id="rId53"/>
+    <p:sldId id="310" r:id="rId54"/>
+    <p:sldId id="311" r:id="rId55"/>
+    <p:sldId id="312" r:id="rId56"/>
+    <p:sldId id="313" r:id="rId57"/>
+    <p:sldId id="314" r:id="rId58"/>
+    <p:sldId id="315" r:id="rId59"/>
+    <p:sldId id="316" r:id="rId60"/>
+    <p:sldId id="317" r:id="rId61"/>
+    <p:sldId id="318" r:id="rId62"/>
+    <p:sldId id="319" r:id="rId63"/>
+    <p:sldId id="320" r:id="rId64"/>
+    <p:sldId id="321" r:id="rId65"/>
+    <p:sldId id="322" r:id="rId66"/>
+    <p:sldId id="323" r:id="rId67"/>
+    <p:sldId id="324" r:id="rId68"/>
+    <p:sldId id="325" r:id="rId69"/>
+    <p:sldId id="326" r:id="rId70"/>
+    <p:sldId id="327" r:id="rId71"/>
+    <p:sldId id="328" r:id="rId72"/>
+    <p:sldId id="329" r:id="rId73"/>
+    <p:sldId id="330" r:id="rId74"/>
+    <p:sldId id="331" r:id="rId75"/>
+    <p:sldId id="332" r:id="rId76"/>
+    <p:sldId id="333" r:id="rId77"/>
+    <p:sldId id="334" r:id="rId78"/>
+    <p:sldId id="335" r:id="rId79"/>
+    <p:sldId id="336" r:id="rId80"/>
+    <p:sldId id="337" r:id="rId81"/>
+    <p:sldId id="338" r:id="rId82"/>
+    <p:sldId id="339" r:id="rId83"/>
+    <p:sldId id="340" r:id="rId84"/>
+    <p:sldId id="341" r:id="rId85"/>
+    <p:sldId id="342" r:id="rId86"/>
+    <p:sldId id="343" r:id="rId87"/>
+    <p:sldId id="344" r:id="rId88"/>
+    <p:sldId id="345" r:id="rId89"/>
+    <p:sldId id="346" r:id="rId90"/>
+    <p:sldId id="347" r:id="rId91"/>
+    <p:sldId id="348" r:id="rId92"/>
+    <p:sldId id="349" r:id="rId93"/>
+    <p:sldId id="350" r:id="rId94"/>
+    <p:sldId id="351" r:id="rId95"/>
+    <p:sldId id="352" r:id="rId96"/>
+    <p:sldId id="353" r:id="rId97"/>
   </p:sldIdLst>
   <p:sldSz cx="12192000" cy="6858000"/>
   <p:notesSz cx="6858000" cy="9144000"/>
@@ -4235,18 +4236,18 @@
     </dgm:pt>
   </dgm:ptLst>
   <dgm:cxnLst>
+    <dgm:cxn modelId="{C7FB6D03-7F57-4A48-8638-555DB1CEF4E9}" type="presOf" srcId="{FE0BA437-0DF8-48B9-9FB5-2133A3608879}" destId="{0B58578D-3EC3-4472-8BD3-1AFC673BABC4}" srcOrd="0" destOrd="0" presId="urn:microsoft.com/office/officeart/2005/8/layout/hierarchy1"/>
+    <dgm:cxn modelId="{A5346326-AF8E-4F24-BA81-71E3F399648F}" type="presOf" srcId="{DED67E32-1BA5-4F73-BDAB-368E32467305}" destId="{2D3AC9CD-838E-48D9-9B28-EED140691692}" srcOrd="0" destOrd="0" presId="urn:microsoft.com/office/officeart/2005/8/layout/hierarchy1"/>
+    <dgm:cxn modelId="{A0DF8067-9572-482A-AE99-BB95B818ADBA}" srcId="{FE0BA437-0DF8-48B9-9FB5-2133A3608879}" destId="{DCEDB4CB-DD2F-457E-AD49-CBE98BD7C8D5}" srcOrd="0" destOrd="0" parTransId="{8BED325C-8720-49B2-BE14-2A2E0173EB7D}" sibTransId="{47CE3190-4DD2-4D07-ACA2-520CB8620FB8}"/>
+    <dgm:cxn modelId="{E0E51F78-4362-4EB6-AED3-0ECFFFB8801C}" srcId="{0DEF9C8B-5130-4DEE-BA05-EA4DB3E3A6B7}" destId="{FE0BA437-0DF8-48B9-9FB5-2133A3608879}" srcOrd="1" destOrd="0" parTransId="{061E9185-3D02-49E7-8442-B97C1AFFDC18}" sibTransId="{0C4D82C3-44B6-42AB-8B83-8675909B5070}"/>
+    <dgm:cxn modelId="{F54BCF5A-2464-43E2-8A07-D3D4FBB67AD1}" type="presOf" srcId="{0DEF9C8B-5130-4DEE-BA05-EA4DB3E3A6B7}" destId="{49899FFC-63D1-431E-AE39-679FBD586C38}" srcOrd="0" destOrd="0" presId="urn:microsoft.com/office/officeart/2005/8/layout/hierarchy1"/>
+    <dgm:cxn modelId="{8C960A90-0D99-4D71-8E32-F231A28D7038}" type="presOf" srcId="{DCEDB4CB-DD2F-457E-AD49-CBE98BD7C8D5}" destId="{01CBEE15-E1DE-4FF2-9AF3-4E4A9B1D7478}" srcOrd="0" destOrd="0" presId="urn:microsoft.com/office/officeart/2005/8/layout/hierarchy1"/>
+    <dgm:cxn modelId="{1822349D-FA49-4B1D-A7E9-86C2847F3EBF}" srcId="{0DEF9C8B-5130-4DEE-BA05-EA4DB3E3A6B7}" destId="{DED67E32-1BA5-4F73-BDAB-368E32467305}" srcOrd="0" destOrd="0" parTransId="{2FEE2520-1C3C-4FE6-A9EC-FBDFA81B0AD2}" sibTransId="{96FD60EF-C3EB-4AD8-B20F-BE64675A741D}"/>
     <dgm:cxn modelId="{46EE6EAF-888A-4E9C-9248-F25CD717BB14}" srcId="{2810C438-4051-4B71-AE87-ECEDF569415D}" destId="{0DEF9C8B-5130-4DEE-BA05-EA4DB3E3A6B7}" srcOrd="0" destOrd="0" parTransId="{D7B830F6-885F-49B4-9C54-FDB27568A744}" sibTransId="{B5326653-6D9E-4D6A-85A2-AB250BDC0E7E}"/>
-    <dgm:cxn modelId="{C7FB6D03-7F57-4A48-8638-555DB1CEF4E9}" type="presOf" srcId="{FE0BA437-0DF8-48B9-9FB5-2133A3608879}" destId="{0B58578D-3EC3-4472-8BD3-1AFC673BABC4}" srcOrd="0" destOrd="0" presId="urn:microsoft.com/office/officeart/2005/8/layout/hierarchy1"/>
-    <dgm:cxn modelId="{A0DF8067-9572-482A-AE99-BB95B818ADBA}" srcId="{FE0BA437-0DF8-48B9-9FB5-2133A3608879}" destId="{DCEDB4CB-DD2F-457E-AD49-CBE98BD7C8D5}" srcOrd="0" destOrd="0" parTransId="{8BED325C-8720-49B2-BE14-2A2E0173EB7D}" sibTransId="{47CE3190-4DD2-4D07-ACA2-520CB8620FB8}"/>
-    <dgm:cxn modelId="{A5346326-AF8E-4F24-BA81-71E3F399648F}" type="presOf" srcId="{DED67E32-1BA5-4F73-BDAB-368E32467305}" destId="{2D3AC9CD-838E-48D9-9B28-EED140691692}" srcOrd="0" destOrd="0" presId="urn:microsoft.com/office/officeart/2005/8/layout/hierarchy1"/>
+    <dgm:cxn modelId="{DB724AB0-70FA-4937-840C-BD8847D03471}" type="presOf" srcId="{8BED325C-8720-49B2-BE14-2A2E0173EB7D}" destId="{38F674EC-3115-46BB-82B7-A45AC99883CF}" srcOrd="0" destOrd="0" presId="urn:microsoft.com/office/officeart/2005/8/layout/hierarchy1"/>
     <dgm:cxn modelId="{474582E2-EC12-459C-8D53-DFA0E5AD53CC}" type="presOf" srcId="{2FEE2520-1C3C-4FE6-A9EC-FBDFA81B0AD2}" destId="{19EC77F8-7575-4653-BD43-38897622597B}" srcOrd="0" destOrd="0" presId="urn:microsoft.com/office/officeart/2005/8/layout/hierarchy1"/>
-    <dgm:cxn modelId="{DB724AB0-70FA-4937-840C-BD8847D03471}" type="presOf" srcId="{8BED325C-8720-49B2-BE14-2A2E0173EB7D}" destId="{38F674EC-3115-46BB-82B7-A45AC99883CF}" srcOrd="0" destOrd="0" presId="urn:microsoft.com/office/officeart/2005/8/layout/hierarchy1"/>
+    <dgm:cxn modelId="{5167DDEC-BFCF-4E33-B71A-6541D52BC0AC}" type="presOf" srcId="{061E9185-3D02-49E7-8442-B97C1AFFDC18}" destId="{149C96F0-1599-4D75-9D8F-077CB9E52BBB}" srcOrd="0" destOrd="0" presId="urn:microsoft.com/office/officeart/2005/8/layout/hierarchy1"/>
     <dgm:cxn modelId="{CB36A0F7-B659-4809-915B-BA8A049F1B83}" type="presOf" srcId="{2810C438-4051-4B71-AE87-ECEDF569415D}" destId="{2B6AF26D-0F48-42EA-9404-3E2E0A861794}" srcOrd="0" destOrd="0" presId="urn:microsoft.com/office/officeart/2005/8/layout/hierarchy1"/>
-    <dgm:cxn modelId="{5167DDEC-BFCF-4E33-B71A-6541D52BC0AC}" type="presOf" srcId="{061E9185-3D02-49E7-8442-B97C1AFFDC18}" destId="{149C96F0-1599-4D75-9D8F-077CB9E52BBB}" srcOrd="0" destOrd="0" presId="urn:microsoft.com/office/officeart/2005/8/layout/hierarchy1"/>
-    <dgm:cxn modelId="{8C960A90-0D99-4D71-8E32-F231A28D7038}" type="presOf" srcId="{DCEDB4CB-DD2F-457E-AD49-CBE98BD7C8D5}" destId="{01CBEE15-E1DE-4FF2-9AF3-4E4A9B1D7478}" srcOrd="0" destOrd="0" presId="urn:microsoft.com/office/officeart/2005/8/layout/hierarchy1"/>
-    <dgm:cxn modelId="{F54BCF5A-2464-43E2-8A07-D3D4FBB67AD1}" type="presOf" srcId="{0DEF9C8B-5130-4DEE-BA05-EA4DB3E3A6B7}" destId="{49899FFC-63D1-431E-AE39-679FBD586C38}" srcOrd="0" destOrd="0" presId="urn:microsoft.com/office/officeart/2005/8/layout/hierarchy1"/>
-    <dgm:cxn modelId="{1822349D-FA49-4B1D-A7E9-86C2847F3EBF}" srcId="{0DEF9C8B-5130-4DEE-BA05-EA4DB3E3A6B7}" destId="{DED67E32-1BA5-4F73-BDAB-368E32467305}" srcOrd="0" destOrd="0" parTransId="{2FEE2520-1C3C-4FE6-A9EC-FBDFA81B0AD2}" sibTransId="{96FD60EF-C3EB-4AD8-B20F-BE64675A741D}"/>
-    <dgm:cxn modelId="{E0E51F78-4362-4EB6-AED3-0ECFFFB8801C}" srcId="{0DEF9C8B-5130-4DEE-BA05-EA4DB3E3A6B7}" destId="{FE0BA437-0DF8-48B9-9FB5-2133A3608879}" srcOrd="1" destOrd="0" parTransId="{061E9185-3D02-49E7-8442-B97C1AFFDC18}" sibTransId="{0C4D82C3-44B6-42AB-8B83-8675909B5070}"/>
     <dgm:cxn modelId="{434DC1EF-E033-470C-9FB6-8FB67D16F4BB}" type="presParOf" srcId="{2B6AF26D-0F48-42EA-9404-3E2E0A861794}" destId="{8D3724C0-79A3-490A-8935-151239946877}" srcOrd="0" destOrd="0" presId="urn:microsoft.com/office/officeart/2005/8/layout/hierarchy1"/>
     <dgm:cxn modelId="{46114C7E-553B-4672-922A-1EA8038FFFBE}" type="presParOf" srcId="{8D3724C0-79A3-490A-8935-151239946877}" destId="{EE8C3228-D341-4B53-BC2C-A2E9A2138444}" srcOrd="0" destOrd="0" presId="urn:microsoft.com/office/officeart/2005/8/layout/hierarchy1"/>
     <dgm:cxn modelId="{0ADE08E9-7845-443A-9A35-0B81C7AF271A}" type="presParOf" srcId="{EE8C3228-D341-4B53-BC2C-A2E9A2138444}" destId="{21084906-1D89-42BB-B11A-A7DBE8E58AF6}" srcOrd="0" destOrd="0" presId="urn:microsoft.com/office/officeart/2005/8/layout/hierarchy1"/>
@@ -4601,21 +4602,21 @@
     </dgm:pt>
   </dgm:ptLst>
   <dgm:cxnLst>
-    <dgm:cxn modelId="{53D3F1AD-9862-4B84-9D55-F6B5A47C3D4D}" type="presOf" srcId="{F6AF4DF7-323B-4AF7-B64E-A5613389B3FE}" destId="{D60E5B76-1D83-4B1E-9F5E-C3B70C556114}" srcOrd="1" destOrd="0" presId="urn:microsoft.com/office/officeart/2005/8/layout/hierarchy2"/>
     <dgm:cxn modelId="{2957BD10-0C0B-435A-9832-B168FFD70B52}" type="presOf" srcId="{27FBC282-CAF3-490B-B214-91191570762F}" destId="{31390DB4-3D51-4CF8-8C85-35B1DE49FC82}" srcOrd="0" destOrd="0" presId="urn:microsoft.com/office/officeart/2005/8/layout/hierarchy2"/>
-    <dgm:cxn modelId="{DD9C73D9-E718-4BA7-9284-D68237818690}" type="presOf" srcId="{57D0F85C-1480-4403-AB40-CE04ED68F61D}" destId="{95784A7C-5D96-46B1-9707-13924E4E779E}" srcOrd="0" destOrd="0" presId="urn:microsoft.com/office/officeart/2005/8/layout/hierarchy2"/>
     <dgm:cxn modelId="{F29E0926-898B-4D7B-A62B-B60051247516}" type="presOf" srcId="{2F62D43D-3A0F-4B1B-8FD1-5BFDA455A86C}" destId="{6998ADDA-3A1B-45B6-A07A-01FCD4BA49BB}" srcOrd="0" destOrd="0" presId="urn:microsoft.com/office/officeart/2005/8/layout/hierarchy2"/>
-    <dgm:cxn modelId="{182262AD-F3FC-4658-A491-B4A42DFF95D3}" type="presOf" srcId="{EA36CED6-914A-4F65-8351-21ACF729BB62}" destId="{A98D8B27-04C4-4743-99A8-4EBCAB174DA4}" srcOrd="0" destOrd="0" presId="urn:microsoft.com/office/officeart/2005/8/layout/hierarchy2"/>
-    <dgm:cxn modelId="{E01251AE-ED79-44FF-A618-703E33D5290F}" type="presOf" srcId="{34D97303-284D-4A60-ACDE-B41CE094D009}" destId="{2345C25D-B2C9-472B-88FC-F111DF3C1F4A}" srcOrd="1" destOrd="0" presId="urn:microsoft.com/office/officeart/2005/8/layout/hierarchy2"/>
+    <dgm:cxn modelId="{F6F19D2E-9C4C-4DEF-9FC6-59E4501CE55C}" srcId="{2F62D43D-3A0F-4B1B-8FD1-5BFDA455A86C}" destId="{27FBC282-CAF3-490B-B214-91191570762F}" srcOrd="1" destOrd="0" parTransId="{34D97303-284D-4A60-ACDE-B41CE094D009}" sibTransId="{96ECE465-0149-4815-943F-8A5781072BA0}"/>
+    <dgm:cxn modelId="{6478B25F-6B96-49AC-AFE3-0C2B6A4CBD1C}" srcId="{2F62D43D-3A0F-4B1B-8FD1-5BFDA455A86C}" destId="{5010841C-6FB4-4099-AA0F-4A0A40C2F39E}" srcOrd="0" destOrd="0" parTransId="{F6AF4DF7-323B-4AF7-B64E-A5613389B3FE}" sibTransId="{971660D0-0C93-4BC0-8275-691F8BEE0722}"/>
+    <dgm:cxn modelId="{F32AA143-281D-4522-8FB0-D2CE4A9BAEDD}" type="presOf" srcId="{F6AF4DF7-323B-4AF7-B64E-A5613389B3FE}" destId="{A3F2D820-7163-431D-AD2D-AAA44D891A20}" srcOrd="0" destOrd="0" presId="urn:microsoft.com/office/officeart/2005/8/layout/hierarchy2"/>
+    <dgm:cxn modelId="{1FFCC945-C772-4282-9AE8-8FE76BF55391}" srcId="{5010841C-6FB4-4099-AA0F-4A0A40C2F39E}" destId="{EA36CED6-914A-4F65-8351-21ACF729BB62}" srcOrd="0" destOrd="0" parTransId="{E1980178-2FF0-4114-A195-D91726820F5B}" sibTransId="{07F76758-9F5A-425C-94F2-0A2C6A60C636}"/>
     <dgm:cxn modelId="{5BAFBB75-959F-4EC5-90C0-898618EB098C}" type="presOf" srcId="{34D97303-284D-4A60-ACDE-B41CE094D009}" destId="{520093C4-51A8-49E0-9F68-8D97CDFA9EE4}" srcOrd="0" destOrd="0" presId="urn:microsoft.com/office/officeart/2005/8/layout/hierarchy2"/>
     <dgm:cxn modelId="{A9C46E76-A76C-47AA-AEC3-F04781C2F823}" srcId="{57D0F85C-1480-4403-AB40-CE04ED68F61D}" destId="{2F62D43D-3A0F-4B1B-8FD1-5BFDA455A86C}" srcOrd="0" destOrd="0" parTransId="{F95A871F-6975-4CEE-AF85-5C82CF3D9BEE}" sibTransId="{35305C68-15B6-41F6-A7E0-581849D959AA}"/>
-    <dgm:cxn modelId="{F6F19D2E-9C4C-4DEF-9FC6-59E4501CE55C}" srcId="{2F62D43D-3A0F-4B1B-8FD1-5BFDA455A86C}" destId="{27FBC282-CAF3-490B-B214-91191570762F}" srcOrd="1" destOrd="0" parTransId="{34D97303-284D-4A60-ACDE-B41CE094D009}" sibTransId="{96ECE465-0149-4815-943F-8A5781072BA0}"/>
-    <dgm:cxn modelId="{6478B25F-6B96-49AC-AFE3-0C2B6A4CBD1C}" srcId="{2F62D43D-3A0F-4B1B-8FD1-5BFDA455A86C}" destId="{5010841C-6FB4-4099-AA0F-4A0A40C2F39E}" srcOrd="0" destOrd="0" parTransId="{F6AF4DF7-323B-4AF7-B64E-A5613389B3FE}" sibTransId="{971660D0-0C93-4BC0-8275-691F8BEE0722}"/>
+    <dgm:cxn modelId="{84541595-FD30-4536-A6A8-8C5C59CA8FF3}" type="presOf" srcId="{5010841C-6FB4-4099-AA0F-4A0A40C2F39E}" destId="{79C575EC-6485-4BB0-B097-1E2831E29182}" srcOrd="0" destOrd="0" presId="urn:microsoft.com/office/officeart/2005/8/layout/hierarchy2"/>
     <dgm:cxn modelId="{1F97F59C-1333-4D12-A467-1D32B103C101}" type="presOf" srcId="{E1980178-2FF0-4114-A195-D91726820F5B}" destId="{558607E1-E212-4480-9474-001BBD395D7B}" srcOrd="0" destOrd="0" presId="urn:microsoft.com/office/officeart/2005/8/layout/hierarchy2"/>
+    <dgm:cxn modelId="{182262AD-F3FC-4658-A491-B4A42DFF95D3}" type="presOf" srcId="{EA36CED6-914A-4F65-8351-21ACF729BB62}" destId="{A98D8B27-04C4-4743-99A8-4EBCAB174DA4}" srcOrd="0" destOrd="0" presId="urn:microsoft.com/office/officeart/2005/8/layout/hierarchy2"/>
+    <dgm:cxn modelId="{53D3F1AD-9862-4B84-9D55-F6B5A47C3D4D}" type="presOf" srcId="{F6AF4DF7-323B-4AF7-B64E-A5613389B3FE}" destId="{D60E5B76-1D83-4B1E-9F5E-C3B70C556114}" srcOrd="1" destOrd="0" presId="urn:microsoft.com/office/officeart/2005/8/layout/hierarchy2"/>
+    <dgm:cxn modelId="{E01251AE-ED79-44FF-A618-703E33D5290F}" type="presOf" srcId="{34D97303-284D-4A60-ACDE-B41CE094D009}" destId="{2345C25D-B2C9-472B-88FC-F111DF3C1F4A}" srcOrd="1" destOrd="0" presId="urn:microsoft.com/office/officeart/2005/8/layout/hierarchy2"/>
+    <dgm:cxn modelId="{DD9C73D9-E718-4BA7-9284-D68237818690}" type="presOf" srcId="{57D0F85C-1480-4403-AB40-CE04ED68F61D}" destId="{95784A7C-5D96-46B1-9707-13924E4E779E}" srcOrd="0" destOrd="0" presId="urn:microsoft.com/office/officeart/2005/8/layout/hierarchy2"/>
     <dgm:cxn modelId="{89452AF3-521C-45E1-ABE7-C9912E151CE0}" type="presOf" srcId="{E1980178-2FF0-4114-A195-D91726820F5B}" destId="{3DCD49F6-7646-4CB8-BBE0-ADC8B1DF0DC0}" srcOrd="1" destOrd="0" presId="urn:microsoft.com/office/officeart/2005/8/layout/hierarchy2"/>
-    <dgm:cxn modelId="{84541595-FD30-4536-A6A8-8C5C59CA8FF3}" type="presOf" srcId="{5010841C-6FB4-4099-AA0F-4A0A40C2F39E}" destId="{79C575EC-6485-4BB0-B097-1E2831E29182}" srcOrd="0" destOrd="0" presId="urn:microsoft.com/office/officeart/2005/8/layout/hierarchy2"/>
-    <dgm:cxn modelId="{F32AA143-281D-4522-8FB0-D2CE4A9BAEDD}" type="presOf" srcId="{F6AF4DF7-323B-4AF7-B64E-A5613389B3FE}" destId="{A3F2D820-7163-431D-AD2D-AAA44D891A20}" srcOrd="0" destOrd="0" presId="urn:microsoft.com/office/officeart/2005/8/layout/hierarchy2"/>
-    <dgm:cxn modelId="{1FFCC945-C772-4282-9AE8-8FE76BF55391}" srcId="{5010841C-6FB4-4099-AA0F-4A0A40C2F39E}" destId="{EA36CED6-914A-4F65-8351-21ACF729BB62}" srcOrd="0" destOrd="0" parTransId="{E1980178-2FF0-4114-A195-D91726820F5B}" sibTransId="{07F76758-9F5A-425C-94F2-0A2C6A60C636}"/>
     <dgm:cxn modelId="{2FCA66AF-4520-4EFF-87A2-A0829DD64B20}" type="presParOf" srcId="{95784A7C-5D96-46B1-9707-13924E4E779E}" destId="{CD3D4F1F-2331-40AF-B1F1-0DE3BC1E14AC}" srcOrd="0" destOrd="0" presId="urn:microsoft.com/office/officeart/2005/8/layout/hierarchy2"/>
     <dgm:cxn modelId="{2316C99B-4E74-4F74-B7A0-B361AAB97A02}" type="presParOf" srcId="{CD3D4F1F-2331-40AF-B1F1-0DE3BC1E14AC}" destId="{6998ADDA-3A1B-45B6-A07A-01FCD4BA49BB}" srcOrd="0" destOrd="0" presId="urn:microsoft.com/office/officeart/2005/8/layout/hierarchy2"/>
     <dgm:cxn modelId="{622863EA-F1D6-43AE-ABDF-D3DF7EE47D43}" type="presParOf" srcId="{CD3D4F1F-2331-40AF-B1F1-0DE3BC1E14AC}" destId="{04E3543D-A5C8-4685-941D-CC5A6D3C16F0}" srcOrd="1" destOrd="0" presId="urn:microsoft.com/office/officeart/2005/8/layout/hierarchy2"/>
@@ -4967,21 +4968,21 @@
     </dgm:pt>
   </dgm:ptLst>
   <dgm:cxnLst>
-    <dgm:cxn modelId="{53D3F1AD-9862-4B84-9D55-F6B5A47C3D4D}" type="presOf" srcId="{F6AF4DF7-323B-4AF7-B64E-A5613389B3FE}" destId="{D60E5B76-1D83-4B1E-9F5E-C3B70C556114}" srcOrd="1" destOrd="0" presId="urn:microsoft.com/office/officeart/2005/8/layout/hierarchy2"/>
     <dgm:cxn modelId="{2957BD10-0C0B-435A-9832-B168FFD70B52}" type="presOf" srcId="{27FBC282-CAF3-490B-B214-91191570762F}" destId="{31390DB4-3D51-4CF8-8C85-35B1DE49FC82}" srcOrd="0" destOrd="0" presId="urn:microsoft.com/office/officeart/2005/8/layout/hierarchy2"/>
-    <dgm:cxn modelId="{DD9C73D9-E718-4BA7-9284-D68237818690}" type="presOf" srcId="{57D0F85C-1480-4403-AB40-CE04ED68F61D}" destId="{95784A7C-5D96-46B1-9707-13924E4E779E}" srcOrd="0" destOrd="0" presId="urn:microsoft.com/office/officeart/2005/8/layout/hierarchy2"/>
     <dgm:cxn modelId="{F29E0926-898B-4D7B-A62B-B60051247516}" type="presOf" srcId="{2F62D43D-3A0F-4B1B-8FD1-5BFDA455A86C}" destId="{6998ADDA-3A1B-45B6-A07A-01FCD4BA49BB}" srcOrd="0" destOrd="0" presId="urn:microsoft.com/office/officeart/2005/8/layout/hierarchy2"/>
-    <dgm:cxn modelId="{322C4FD9-B673-426B-829F-3D7B12000ACF}" type="presOf" srcId="{5469B62F-21EF-403D-AFAF-F1F3A62CC116}" destId="{2370D09E-6DCF-4E5F-AA9E-DE6FA75F978A}" srcOrd="0" destOrd="0" presId="urn:microsoft.com/office/officeart/2005/8/layout/hierarchy2"/>
-    <dgm:cxn modelId="{E01251AE-ED79-44FF-A618-703E33D5290F}" type="presOf" srcId="{34D97303-284D-4A60-ACDE-B41CE094D009}" destId="{2345C25D-B2C9-472B-88FC-F111DF3C1F4A}" srcOrd="1" destOrd="0" presId="urn:microsoft.com/office/officeart/2005/8/layout/hierarchy2"/>
-    <dgm:cxn modelId="{54EF559C-CC32-408A-92F1-462C6DCD925C}" type="presOf" srcId="{959D7E7C-8F3F-44AF-B69E-F4F90A8BEBF8}" destId="{E3691BD4-191B-42CA-BDA3-D11ADBFFCF6E}" srcOrd="0" destOrd="0" presId="urn:microsoft.com/office/officeart/2005/8/layout/hierarchy2"/>
+    <dgm:cxn modelId="{F6F19D2E-9C4C-4DEF-9FC6-59E4501CE55C}" srcId="{2F62D43D-3A0F-4B1B-8FD1-5BFDA455A86C}" destId="{27FBC282-CAF3-490B-B214-91191570762F}" srcOrd="1" destOrd="0" parTransId="{34D97303-284D-4A60-ACDE-B41CE094D009}" sibTransId="{96ECE465-0149-4815-943F-8A5781072BA0}"/>
+    <dgm:cxn modelId="{6478B25F-6B96-49AC-AFE3-0C2B6A4CBD1C}" srcId="{2F62D43D-3A0F-4B1B-8FD1-5BFDA455A86C}" destId="{5010841C-6FB4-4099-AA0F-4A0A40C2F39E}" srcOrd="0" destOrd="0" parTransId="{F6AF4DF7-323B-4AF7-B64E-A5613389B3FE}" sibTransId="{971660D0-0C93-4BC0-8275-691F8BEE0722}"/>
+    <dgm:cxn modelId="{F32AA143-281D-4522-8FB0-D2CE4A9BAEDD}" type="presOf" srcId="{F6AF4DF7-323B-4AF7-B64E-A5613389B3FE}" destId="{A3F2D820-7163-431D-AD2D-AAA44D891A20}" srcOrd="0" destOrd="0" presId="urn:microsoft.com/office/officeart/2005/8/layout/hierarchy2"/>
     <dgm:cxn modelId="{5BAFBB75-959F-4EC5-90C0-898618EB098C}" type="presOf" srcId="{34D97303-284D-4A60-ACDE-B41CE094D009}" destId="{520093C4-51A8-49E0-9F68-8D97CDFA9EE4}" srcOrd="0" destOrd="0" presId="urn:microsoft.com/office/officeart/2005/8/layout/hierarchy2"/>
     <dgm:cxn modelId="{A9C46E76-A76C-47AA-AEC3-F04781C2F823}" srcId="{57D0F85C-1480-4403-AB40-CE04ED68F61D}" destId="{2F62D43D-3A0F-4B1B-8FD1-5BFDA455A86C}" srcOrd="0" destOrd="0" parTransId="{F95A871F-6975-4CEE-AF85-5C82CF3D9BEE}" sibTransId="{35305C68-15B6-41F6-A7E0-581849D959AA}"/>
-    <dgm:cxn modelId="{F6F19D2E-9C4C-4DEF-9FC6-59E4501CE55C}" srcId="{2F62D43D-3A0F-4B1B-8FD1-5BFDA455A86C}" destId="{27FBC282-CAF3-490B-B214-91191570762F}" srcOrd="1" destOrd="0" parTransId="{34D97303-284D-4A60-ACDE-B41CE094D009}" sibTransId="{96ECE465-0149-4815-943F-8A5781072BA0}"/>
-    <dgm:cxn modelId="{6478B25F-6B96-49AC-AFE3-0C2B6A4CBD1C}" srcId="{2F62D43D-3A0F-4B1B-8FD1-5BFDA455A86C}" destId="{5010841C-6FB4-4099-AA0F-4A0A40C2F39E}" srcOrd="0" destOrd="0" parTransId="{F6AF4DF7-323B-4AF7-B64E-A5613389B3FE}" sibTransId="{971660D0-0C93-4BC0-8275-691F8BEE0722}"/>
     <dgm:cxn modelId="{F19A2677-EA8C-4BB7-9803-1EC26CD5C972}" type="presOf" srcId="{5469B62F-21EF-403D-AFAF-F1F3A62CC116}" destId="{9D3AB6AB-391D-412D-BAD9-CEB8CE3BD293}" srcOrd="1" destOrd="0" presId="urn:microsoft.com/office/officeart/2005/8/layout/hierarchy2"/>
     <dgm:cxn modelId="{84541595-FD30-4536-A6A8-8C5C59CA8FF3}" type="presOf" srcId="{5010841C-6FB4-4099-AA0F-4A0A40C2F39E}" destId="{79C575EC-6485-4BB0-B097-1E2831E29182}" srcOrd="0" destOrd="0" presId="urn:microsoft.com/office/officeart/2005/8/layout/hierarchy2"/>
-    <dgm:cxn modelId="{F32AA143-281D-4522-8FB0-D2CE4A9BAEDD}" type="presOf" srcId="{F6AF4DF7-323B-4AF7-B64E-A5613389B3FE}" destId="{A3F2D820-7163-431D-AD2D-AAA44D891A20}" srcOrd="0" destOrd="0" presId="urn:microsoft.com/office/officeart/2005/8/layout/hierarchy2"/>
     <dgm:cxn modelId="{0DA8E695-91DA-4743-AF75-8E5F3F291E2F}" srcId="{2F62D43D-3A0F-4B1B-8FD1-5BFDA455A86C}" destId="{959D7E7C-8F3F-44AF-B69E-F4F90A8BEBF8}" srcOrd="2" destOrd="0" parTransId="{5469B62F-21EF-403D-AFAF-F1F3A62CC116}" sibTransId="{AC85024C-967F-4E7E-99D0-8B6C16E5EA17}"/>
+    <dgm:cxn modelId="{54EF559C-CC32-408A-92F1-462C6DCD925C}" type="presOf" srcId="{959D7E7C-8F3F-44AF-B69E-F4F90A8BEBF8}" destId="{E3691BD4-191B-42CA-BDA3-D11ADBFFCF6E}" srcOrd="0" destOrd="0" presId="urn:microsoft.com/office/officeart/2005/8/layout/hierarchy2"/>
+    <dgm:cxn modelId="{53D3F1AD-9862-4B84-9D55-F6B5A47C3D4D}" type="presOf" srcId="{F6AF4DF7-323B-4AF7-B64E-A5613389B3FE}" destId="{D60E5B76-1D83-4B1E-9F5E-C3B70C556114}" srcOrd="1" destOrd="0" presId="urn:microsoft.com/office/officeart/2005/8/layout/hierarchy2"/>
+    <dgm:cxn modelId="{E01251AE-ED79-44FF-A618-703E33D5290F}" type="presOf" srcId="{34D97303-284D-4A60-ACDE-B41CE094D009}" destId="{2345C25D-B2C9-472B-88FC-F111DF3C1F4A}" srcOrd="1" destOrd="0" presId="urn:microsoft.com/office/officeart/2005/8/layout/hierarchy2"/>
+    <dgm:cxn modelId="{322C4FD9-B673-426B-829F-3D7B12000ACF}" type="presOf" srcId="{5469B62F-21EF-403D-AFAF-F1F3A62CC116}" destId="{2370D09E-6DCF-4E5F-AA9E-DE6FA75F978A}" srcOrd="0" destOrd="0" presId="urn:microsoft.com/office/officeart/2005/8/layout/hierarchy2"/>
+    <dgm:cxn modelId="{DD9C73D9-E718-4BA7-9284-D68237818690}" type="presOf" srcId="{57D0F85C-1480-4403-AB40-CE04ED68F61D}" destId="{95784A7C-5D96-46B1-9707-13924E4E779E}" srcOrd="0" destOrd="0" presId="urn:microsoft.com/office/officeart/2005/8/layout/hierarchy2"/>
     <dgm:cxn modelId="{2FCA66AF-4520-4EFF-87A2-A0829DD64B20}" type="presParOf" srcId="{95784A7C-5D96-46B1-9707-13924E4E779E}" destId="{CD3D4F1F-2331-40AF-B1F1-0DE3BC1E14AC}" srcOrd="0" destOrd="0" presId="urn:microsoft.com/office/officeart/2005/8/layout/hierarchy2"/>
     <dgm:cxn modelId="{2316C99B-4E74-4F74-B7A0-B361AAB97A02}" type="presParOf" srcId="{CD3D4F1F-2331-40AF-B1F1-0DE3BC1E14AC}" destId="{6998ADDA-3A1B-45B6-A07A-01FCD4BA49BB}" srcOrd="0" destOrd="0" presId="urn:microsoft.com/office/officeart/2005/8/layout/hierarchy2"/>
     <dgm:cxn modelId="{622863EA-F1D6-43AE-ABDF-D3DF7EE47D43}" type="presParOf" srcId="{CD3D4F1F-2331-40AF-B1F1-0DE3BC1E14AC}" destId="{04E3543D-A5C8-4685-941D-CC5A6D3C16F0}" srcOrd="1" destOrd="0" presId="urn:microsoft.com/office/officeart/2005/8/layout/hierarchy2"/>
@@ -5333,21 +5334,21 @@
     </dgm:pt>
   </dgm:ptLst>
   <dgm:cxnLst>
-    <dgm:cxn modelId="{53D3F1AD-9862-4B84-9D55-F6B5A47C3D4D}" type="presOf" srcId="{F6AF4DF7-323B-4AF7-B64E-A5613389B3FE}" destId="{D60E5B76-1D83-4B1E-9F5E-C3B70C556114}" srcOrd="1" destOrd="0" presId="urn:microsoft.com/office/officeart/2005/8/layout/hierarchy2"/>
     <dgm:cxn modelId="{2957BD10-0C0B-435A-9832-B168FFD70B52}" type="presOf" srcId="{27FBC282-CAF3-490B-B214-91191570762F}" destId="{31390DB4-3D51-4CF8-8C85-35B1DE49FC82}" srcOrd="0" destOrd="0" presId="urn:microsoft.com/office/officeart/2005/8/layout/hierarchy2"/>
-    <dgm:cxn modelId="{DD9C73D9-E718-4BA7-9284-D68237818690}" type="presOf" srcId="{57D0F85C-1480-4403-AB40-CE04ED68F61D}" destId="{95784A7C-5D96-46B1-9707-13924E4E779E}" srcOrd="0" destOrd="0" presId="urn:microsoft.com/office/officeart/2005/8/layout/hierarchy2"/>
     <dgm:cxn modelId="{F29E0926-898B-4D7B-A62B-B60051247516}" type="presOf" srcId="{2F62D43D-3A0F-4B1B-8FD1-5BFDA455A86C}" destId="{6998ADDA-3A1B-45B6-A07A-01FCD4BA49BB}" srcOrd="0" destOrd="0" presId="urn:microsoft.com/office/officeart/2005/8/layout/hierarchy2"/>
-    <dgm:cxn modelId="{322C4FD9-B673-426B-829F-3D7B12000ACF}" type="presOf" srcId="{5469B62F-21EF-403D-AFAF-F1F3A62CC116}" destId="{2370D09E-6DCF-4E5F-AA9E-DE6FA75F978A}" srcOrd="0" destOrd="0" presId="urn:microsoft.com/office/officeart/2005/8/layout/hierarchy2"/>
-    <dgm:cxn modelId="{E01251AE-ED79-44FF-A618-703E33D5290F}" type="presOf" srcId="{34D97303-284D-4A60-ACDE-B41CE094D009}" destId="{2345C25D-B2C9-472B-88FC-F111DF3C1F4A}" srcOrd="1" destOrd="0" presId="urn:microsoft.com/office/officeart/2005/8/layout/hierarchy2"/>
-    <dgm:cxn modelId="{54EF559C-CC32-408A-92F1-462C6DCD925C}" type="presOf" srcId="{959D7E7C-8F3F-44AF-B69E-F4F90A8BEBF8}" destId="{E3691BD4-191B-42CA-BDA3-D11ADBFFCF6E}" srcOrd="0" destOrd="0" presId="urn:microsoft.com/office/officeart/2005/8/layout/hierarchy2"/>
+    <dgm:cxn modelId="{F6F19D2E-9C4C-4DEF-9FC6-59E4501CE55C}" srcId="{2F62D43D-3A0F-4B1B-8FD1-5BFDA455A86C}" destId="{27FBC282-CAF3-490B-B214-91191570762F}" srcOrd="1" destOrd="0" parTransId="{34D97303-284D-4A60-ACDE-B41CE094D009}" sibTransId="{96ECE465-0149-4815-943F-8A5781072BA0}"/>
+    <dgm:cxn modelId="{6478B25F-6B96-49AC-AFE3-0C2B6A4CBD1C}" srcId="{2F62D43D-3A0F-4B1B-8FD1-5BFDA455A86C}" destId="{5010841C-6FB4-4099-AA0F-4A0A40C2F39E}" srcOrd="0" destOrd="0" parTransId="{F6AF4DF7-323B-4AF7-B64E-A5613389B3FE}" sibTransId="{971660D0-0C93-4BC0-8275-691F8BEE0722}"/>
+    <dgm:cxn modelId="{F32AA143-281D-4522-8FB0-D2CE4A9BAEDD}" type="presOf" srcId="{F6AF4DF7-323B-4AF7-B64E-A5613389B3FE}" destId="{A3F2D820-7163-431D-AD2D-AAA44D891A20}" srcOrd="0" destOrd="0" presId="urn:microsoft.com/office/officeart/2005/8/layout/hierarchy2"/>
     <dgm:cxn modelId="{5BAFBB75-959F-4EC5-90C0-898618EB098C}" type="presOf" srcId="{34D97303-284D-4A60-ACDE-B41CE094D009}" destId="{520093C4-51A8-49E0-9F68-8D97CDFA9EE4}" srcOrd="0" destOrd="0" presId="urn:microsoft.com/office/officeart/2005/8/layout/hierarchy2"/>
     <dgm:cxn modelId="{A9C46E76-A76C-47AA-AEC3-F04781C2F823}" srcId="{57D0F85C-1480-4403-AB40-CE04ED68F61D}" destId="{2F62D43D-3A0F-4B1B-8FD1-5BFDA455A86C}" srcOrd="0" destOrd="0" parTransId="{F95A871F-6975-4CEE-AF85-5C82CF3D9BEE}" sibTransId="{35305C68-15B6-41F6-A7E0-581849D959AA}"/>
-    <dgm:cxn modelId="{F6F19D2E-9C4C-4DEF-9FC6-59E4501CE55C}" srcId="{2F62D43D-3A0F-4B1B-8FD1-5BFDA455A86C}" destId="{27FBC282-CAF3-490B-B214-91191570762F}" srcOrd="1" destOrd="0" parTransId="{34D97303-284D-4A60-ACDE-B41CE094D009}" sibTransId="{96ECE465-0149-4815-943F-8A5781072BA0}"/>
-    <dgm:cxn modelId="{6478B25F-6B96-49AC-AFE3-0C2B6A4CBD1C}" srcId="{2F62D43D-3A0F-4B1B-8FD1-5BFDA455A86C}" destId="{5010841C-6FB4-4099-AA0F-4A0A40C2F39E}" srcOrd="0" destOrd="0" parTransId="{F6AF4DF7-323B-4AF7-B64E-A5613389B3FE}" sibTransId="{971660D0-0C93-4BC0-8275-691F8BEE0722}"/>
     <dgm:cxn modelId="{F19A2677-EA8C-4BB7-9803-1EC26CD5C972}" type="presOf" srcId="{5469B62F-21EF-403D-AFAF-F1F3A62CC116}" destId="{9D3AB6AB-391D-412D-BAD9-CEB8CE3BD293}" srcOrd="1" destOrd="0" presId="urn:microsoft.com/office/officeart/2005/8/layout/hierarchy2"/>
     <dgm:cxn modelId="{84541595-FD30-4536-A6A8-8C5C59CA8FF3}" type="presOf" srcId="{5010841C-6FB4-4099-AA0F-4A0A40C2F39E}" destId="{79C575EC-6485-4BB0-B097-1E2831E29182}" srcOrd="0" destOrd="0" presId="urn:microsoft.com/office/officeart/2005/8/layout/hierarchy2"/>
-    <dgm:cxn modelId="{F32AA143-281D-4522-8FB0-D2CE4A9BAEDD}" type="presOf" srcId="{F6AF4DF7-323B-4AF7-B64E-A5613389B3FE}" destId="{A3F2D820-7163-431D-AD2D-AAA44D891A20}" srcOrd="0" destOrd="0" presId="urn:microsoft.com/office/officeart/2005/8/layout/hierarchy2"/>
     <dgm:cxn modelId="{0DA8E695-91DA-4743-AF75-8E5F3F291E2F}" srcId="{2F62D43D-3A0F-4B1B-8FD1-5BFDA455A86C}" destId="{959D7E7C-8F3F-44AF-B69E-F4F90A8BEBF8}" srcOrd="2" destOrd="0" parTransId="{5469B62F-21EF-403D-AFAF-F1F3A62CC116}" sibTransId="{AC85024C-967F-4E7E-99D0-8B6C16E5EA17}"/>
+    <dgm:cxn modelId="{54EF559C-CC32-408A-92F1-462C6DCD925C}" type="presOf" srcId="{959D7E7C-8F3F-44AF-B69E-F4F90A8BEBF8}" destId="{E3691BD4-191B-42CA-BDA3-D11ADBFFCF6E}" srcOrd="0" destOrd="0" presId="urn:microsoft.com/office/officeart/2005/8/layout/hierarchy2"/>
+    <dgm:cxn modelId="{53D3F1AD-9862-4B84-9D55-F6B5A47C3D4D}" type="presOf" srcId="{F6AF4DF7-323B-4AF7-B64E-A5613389B3FE}" destId="{D60E5B76-1D83-4B1E-9F5E-C3B70C556114}" srcOrd="1" destOrd="0" presId="urn:microsoft.com/office/officeart/2005/8/layout/hierarchy2"/>
+    <dgm:cxn modelId="{E01251AE-ED79-44FF-A618-703E33D5290F}" type="presOf" srcId="{34D97303-284D-4A60-ACDE-B41CE094D009}" destId="{2345C25D-B2C9-472B-88FC-F111DF3C1F4A}" srcOrd="1" destOrd="0" presId="urn:microsoft.com/office/officeart/2005/8/layout/hierarchy2"/>
+    <dgm:cxn modelId="{322C4FD9-B673-426B-829F-3D7B12000ACF}" type="presOf" srcId="{5469B62F-21EF-403D-AFAF-F1F3A62CC116}" destId="{2370D09E-6DCF-4E5F-AA9E-DE6FA75F978A}" srcOrd="0" destOrd="0" presId="urn:microsoft.com/office/officeart/2005/8/layout/hierarchy2"/>
+    <dgm:cxn modelId="{DD9C73D9-E718-4BA7-9284-D68237818690}" type="presOf" srcId="{57D0F85C-1480-4403-AB40-CE04ED68F61D}" destId="{95784A7C-5D96-46B1-9707-13924E4E779E}" srcOrd="0" destOrd="0" presId="urn:microsoft.com/office/officeart/2005/8/layout/hierarchy2"/>
     <dgm:cxn modelId="{2FCA66AF-4520-4EFF-87A2-A0829DD64B20}" type="presParOf" srcId="{95784A7C-5D96-46B1-9707-13924E4E779E}" destId="{CD3D4F1F-2331-40AF-B1F1-0DE3BC1E14AC}" srcOrd="0" destOrd="0" presId="urn:microsoft.com/office/officeart/2005/8/layout/hierarchy2"/>
     <dgm:cxn modelId="{2316C99B-4E74-4F74-B7A0-B361AAB97A02}" type="presParOf" srcId="{CD3D4F1F-2331-40AF-B1F1-0DE3BC1E14AC}" destId="{6998ADDA-3A1B-45B6-A07A-01FCD4BA49BB}" srcOrd="0" destOrd="0" presId="urn:microsoft.com/office/officeart/2005/8/layout/hierarchy2"/>
     <dgm:cxn modelId="{622863EA-F1D6-43AE-ABDF-D3DF7EE47D43}" type="presParOf" srcId="{CD3D4F1F-2331-40AF-B1F1-0DE3BC1E14AC}" destId="{04E3543D-A5C8-4685-941D-CC5A6D3C16F0}" srcOrd="1" destOrd="0" presId="urn:microsoft.com/office/officeart/2005/8/layout/hierarchy2"/>
@@ -5699,21 +5700,21 @@
     </dgm:pt>
   </dgm:ptLst>
   <dgm:cxnLst>
-    <dgm:cxn modelId="{53D3F1AD-9862-4B84-9D55-F6B5A47C3D4D}" type="presOf" srcId="{F6AF4DF7-323B-4AF7-B64E-A5613389B3FE}" destId="{D60E5B76-1D83-4B1E-9F5E-C3B70C556114}" srcOrd="1" destOrd="0" presId="urn:microsoft.com/office/officeart/2005/8/layout/hierarchy2"/>
     <dgm:cxn modelId="{2957BD10-0C0B-435A-9832-B168FFD70B52}" type="presOf" srcId="{27FBC282-CAF3-490B-B214-91191570762F}" destId="{31390DB4-3D51-4CF8-8C85-35B1DE49FC82}" srcOrd="0" destOrd="0" presId="urn:microsoft.com/office/officeart/2005/8/layout/hierarchy2"/>
-    <dgm:cxn modelId="{DD9C73D9-E718-4BA7-9284-D68237818690}" type="presOf" srcId="{57D0F85C-1480-4403-AB40-CE04ED68F61D}" destId="{95784A7C-5D96-46B1-9707-13924E4E779E}" srcOrd="0" destOrd="0" presId="urn:microsoft.com/office/officeart/2005/8/layout/hierarchy2"/>
     <dgm:cxn modelId="{F29E0926-898B-4D7B-A62B-B60051247516}" type="presOf" srcId="{2F62D43D-3A0F-4B1B-8FD1-5BFDA455A86C}" destId="{6998ADDA-3A1B-45B6-A07A-01FCD4BA49BB}" srcOrd="0" destOrd="0" presId="urn:microsoft.com/office/officeart/2005/8/layout/hierarchy2"/>
-    <dgm:cxn modelId="{322C4FD9-B673-426B-829F-3D7B12000ACF}" type="presOf" srcId="{5469B62F-21EF-403D-AFAF-F1F3A62CC116}" destId="{2370D09E-6DCF-4E5F-AA9E-DE6FA75F978A}" srcOrd="0" destOrd="0" presId="urn:microsoft.com/office/officeart/2005/8/layout/hierarchy2"/>
-    <dgm:cxn modelId="{E01251AE-ED79-44FF-A618-703E33D5290F}" type="presOf" srcId="{34D97303-284D-4A60-ACDE-B41CE094D009}" destId="{2345C25D-B2C9-472B-88FC-F111DF3C1F4A}" srcOrd="1" destOrd="0" presId="urn:microsoft.com/office/officeart/2005/8/layout/hierarchy2"/>
-    <dgm:cxn modelId="{54EF559C-CC32-408A-92F1-462C6DCD925C}" type="presOf" srcId="{959D7E7C-8F3F-44AF-B69E-F4F90A8BEBF8}" destId="{E3691BD4-191B-42CA-BDA3-D11ADBFFCF6E}" srcOrd="0" destOrd="0" presId="urn:microsoft.com/office/officeart/2005/8/layout/hierarchy2"/>
+    <dgm:cxn modelId="{F6F19D2E-9C4C-4DEF-9FC6-59E4501CE55C}" srcId="{2F62D43D-3A0F-4B1B-8FD1-5BFDA455A86C}" destId="{27FBC282-CAF3-490B-B214-91191570762F}" srcOrd="1" destOrd="0" parTransId="{34D97303-284D-4A60-ACDE-B41CE094D009}" sibTransId="{96ECE465-0149-4815-943F-8A5781072BA0}"/>
+    <dgm:cxn modelId="{6478B25F-6B96-49AC-AFE3-0C2B6A4CBD1C}" srcId="{2F62D43D-3A0F-4B1B-8FD1-5BFDA455A86C}" destId="{5010841C-6FB4-4099-AA0F-4A0A40C2F39E}" srcOrd="0" destOrd="0" parTransId="{F6AF4DF7-323B-4AF7-B64E-A5613389B3FE}" sibTransId="{971660D0-0C93-4BC0-8275-691F8BEE0722}"/>
+    <dgm:cxn modelId="{F32AA143-281D-4522-8FB0-D2CE4A9BAEDD}" type="presOf" srcId="{F6AF4DF7-323B-4AF7-B64E-A5613389B3FE}" destId="{A3F2D820-7163-431D-AD2D-AAA44D891A20}" srcOrd="0" destOrd="0" presId="urn:microsoft.com/office/officeart/2005/8/layout/hierarchy2"/>
     <dgm:cxn modelId="{5BAFBB75-959F-4EC5-90C0-898618EB098C}" type="presOf" srcId="{34D97303-284D-4A60-ACDE-B41CE094D009}" destId="{520093C4-51A8-49E0-9F68-8D97CDFA9EE4}" srcOrd="0" destOrd="0" presId="urn:microsoft.com/office/officeart/2005/8/layout/hierarchy2"/>
     <dgm:cxn modelId="{A9C46E76-A76C-47AA-AEC3-F04781C2F823}" srcId="{57D0F85C-1480-4403-AB40-CE04ED68F61D}" destId="{2F62D43D-3A0F-4B1B-8FD1-5BFDA455A86C}" srcOrd="0" destOrd="0" parTransId="{F95A871F-6975-4CEE-AF85-5C82CF3D9BEE}" sibTransId="{35305C68-15B6-41F6-A7E0-581849D959AA}"/>
-    <dgm:cxn modelId="{F6F19D2E-9C4C-4DEF-9FC6-59E4501CE55C}" srcId="{2F62D43D-3A0F-4B1B-8FD1-5BFDA455A86C}" destId="{27FBC282-CAF3-490B-B214-91191570762F}" srcOrd="1" destOrd="0" parTransId="{34D97303-284D-4A60-ACDE-B41CE094D009}" sibTransId="{96ECE465-0149-4815-943F-8A5781072BA0}"/>
-    <dgm:cxn modelId="{6478B25F-6B96-49AC-AFE3-0C2B6A4CBD1C}" srcId="{2F62D43D-3A0F-4B1B-8FD1-5BFDA455A86C}" destId="{5010841C-6FB4-4099-AA0F-4A0A40C2F39E}" srcOrd="0" destOrd="0" parTransId="{F6AF4DF7-323B-4AF7-B64E-A5613389B3FE}" sibTransId="{971660D0-0C93-4BC0-8275-691F8BEE0722}"/>
     <dgm:cxn modelId="{F19A2677-EA8C-4BB7-9803-1EC26CD5C972}" type="presOf" srcId="{5469B62F-21EF-403D-AFAF-F1F3A62CC116}" destId="{9D3AB6AB-391D-412D-BAD9-CEB8CE3BD293}" srcOrd="1" destOrd="0" presId="urn:microsoft.com/office/officeart/2005/8/layout/hierarchy2"/>
     <dgm:cxn modelId="{84541595-FD30-4536-A6A8-8C5C59CA8FF3}" type="presOf" srcId="{5010841C-6FB4-4099-AA0F-4A0A40C2F39E}" destId="{79C575EC-6485-4BB0-B097-1E2831E29182}" srcOrd="0" destOrd="0" presId="urn:microsoft.com/office/officeart/2005/8/layout/hierarchy2"/>
-    <dgm:cxn modelId="{F32AA143-281D-4522-8FB0-D2CE4A9BAEDD}" type="presOf" srcId="{F6AF4DF7-323B-4AF7-B64E-A5613389B3FE}" destId="{A3F2D820-7163-431D-AD2D-AAA44D891A20}" srcOrd="0" destOrd="0" presId="urn:microsoft.com/office/officeart/2005/8/layout/hierarchy2"/>
     <dgm:cxn modelId="{0DA8E695-91DA-4743-AF75-8E5F3F291E2F}" srcId="{2F62D43D-3A0F-4B1B-8FD1-5BFDA455A86C}" destId="{959D7E7C-8F3F-44AF-B69E-F4F90A8BEBF8}" srcOrd="2" destOrd="0" parTransId="{5469B62F-21EF-403D-AFAF-F1F3A62CC116}" sibTransId="{AC85024C-967F-4E7E-99D0-8B6C16E5EA17}"/>
+    <dgm:cxn modelId="{54EF559C-CC32-408A-92F1-462C6DCD925C}" type="presOf" srcId="{959D7E7C-8F3F-44AF-B69E-F4F90A8BEBF8}" destId="{E3691BD4-191B-42CA-BDA3-D11ADBFFCF6E}" srcOrd="0" destOrd="0" presId="urn:microsoft.com/office/officeart/2005/8/layout/hierarchy2"/>
+    <dgm:cxn modelId="{53D3F1AD-9862-4B84-9D55-F6B5A47C3D4D}" type="presOf" srcId="{F6AF4DF7-323B-4AF7-B64E-A5613389B3FE}" destId="{D60E5B76-1D83-4B1E-9F5E-C3B70C556114}" srcOrd="1" destOrd="0" presId="urn:microsoft.com/office/officeart/2005/8/layout/hierarchy2"/>
+    <dgm:cxn modelId="{E01251AE-ED79-44FF-A618-703E33D5290F}" type="presOf" srcId="{34D97303-284D-4A60-ACDE-B41CE094D009}" destId="{2345C25D-B2C9-472B-88FC-F111DF3C1F4A}" srcOrd="1" destOrd="0" presId="urn:microsoft.com/office/officeart/2005/8/layout/hierarchy2"/>
+    <dgm:cxn modelId="{322C4FD9-B673-426B-829F-3D7B12000ACF}" type="presOf" srcId="{5469B62F-21EF-403D-AFAF-F1F3A62CC116}" destId="{2370D09E-6DCF-4E5F-AA9E-DE6FA75F978A}" srcOrd="0" destOrd="0" presId="urn:microsoft.com/office/officeart/2005/8/layout/hierarchy2"/>
+    <dgm:cxn modelId="{DD9C73D9-E718-4BA7-9284-D68237818690}" type="presOf" srcId="{57D0F85C-1480-4403-AB40-CE04ED68F61D}" destId="{95784A7C-5D96-46B1-9707-13924E4E779E}" srcOrd="0" destOrd="0" presId="urn:microsoft.com/office/officeart/2005/8/layout/hierarchy2"/>
     <dgm:cxn modelId="{2FCA66AF-4520-4EFF-87A2-A0829DD64B20}" type="presParOf" srcId="{95784A7C-5D96-46B1-9707-13924E4E779E}" destId="{CD3D4F1F-2331-40AF-B1F1-0DE3BC1E14AC}" srcOrd="0" destOrd="0" presId="urn:microsoft.com/office/officeart/2005/8/layout/hierarchy2"/>
     <dgm:cxn modelId="{2316C99B-4E74-4F74-B7A0-B361AAB97A02}" type="presParOf" srcId="{CD3D4F1F-2331-40AF-B1F1-0DE3BC1E14AC}" destId="{6998ADDA-3A1B-45B6-A07A-01FCD4BA49BB}" srcOrd="0" destOrd="0" presId="urn:microsoft.com/office/officeart/2005/8/layout/hierarchy2"/>
     <dgm:cxn modelId="{622863EA-F1D6-43AE-ABDF-D3DF7EE47D43}" type="presParOf" srcId="{CD3D4F1F-2331-40AF-B1F1-0DE3BC1E14AC}" destId="{04E3543D-A5C8-4685-941D-CC5A6D3C16F0}" srcOrd="1" destOrd="0" presId="urn:microsoft.com/office/officeart/2005/8/layout/hierarchy2"/>
@@ -15703,7 +15704,7 @@
           <a:p>
             <a:fld id="{208B30BF-BE3F-47C2-B7B3-E8CB680F2AA1}" type="datetimeFigureOut">
               <a:rPr lang="en-US" smtClean="0"/>
-              <a:t>11/14/2016</a:t>
+              <a:t>11/8/2019</a:t>
             </a:fld>
             <a:endParaRPr lang="en-US"/>
           </a:p>
@@ -16119,7 +16120,7 @@
           <a:p>
             <a:fld id="{C56969A0-B3EA-45A4-A390-44554200A62E}" type="slidenum">
               <a:rPr lang="en-US" smtClean="0"/>
-              <a:t>74</a:t>
+              <a:t>67</a:t>
             </a:fld>
             <a:endParaRPr lang="en-US"/>
           </a:p>
@@ -16128,7 +16129,7 @@
     </p:spTree>
     <p:extLst>
       <p:ext uri="{BB962C8B-B14F-4D97-AF65-F5344CB8AC3E}">
-        <p14:creationId xmlns:p14="http://schemas.microsoft.com/office/powerpoint/2010/main" val="5538721"/>
+        <p14:creationId xmlns:p14="http://schemas.microsoft.com/office/powerpoint/2010/main" val="2386918127"/>
       </p:ext>
     </p:extLst>
   </p:cSld>
@@ -16203,7 +16204,7 @@
           <a:p>
             <a:fld id="{C56969A0-B3EA-45A4-A390-44554200A62E}" type="slidenum">
               <a:rPr lang="en-US" smtClean="0"/>
-              <a:t>82</a:t>
+              <a:t>75</a:t>
             </a:fld>
             <a:endParaRPr lang="en-US"/>
           </a:p>
@@ -16212,7 +16213,7 @@
     </p:spTree>
     <p:extLst>
       <p:ext uri="{BB962C8B-B14F-4D97-AF65-F5344CB8AC3E}">
-        <p14:creationId xmlns:p14="http://schemas.microsoft.com/office/powerpoint/2010/main" val="1965811128"/>
+        <p14:creationId xmlns:p14="http://schemas.microsoft.com/office/powerpoint/2010/main" val="5538721"/>
       </p:ext>
     </p:extLst>
   </p:cSld>
@@ -16266,18 +16267,6 @@
           <a:bodyPr/>
           <a:lstStyle/>
           <a:p>
-            <a:r>
-              <a:rPr lang="en-US" dirty="0"/>
-              <a:t>This</a:t>
-            </a:r>
-            <a:r>
-              <a:rPr lang="en-US" baseline="0" dirty="0"/>
-              <a:t> unit is mostly done either on practice it or the board. Feel free to edit </a:t>
-            </a:r>
-            <a:r>
-              <a:rPr lang="en-US" baseline="0"/>
-              <a:t>this slide deck as you see fit!</a:t>
-            </a:r>
             <a:endParaRPr lang="en-US" dirty="0"/>
           </a:p>
         </p:txBody>
@@ -16299,7 +16288,7 @@
           <a:p>
             <a:fld id="{C56969A0-B3EA-45A4-A390-44554200A62E}" type="slidenum">
               <a:rPr lang="en-US" smtClean="0"/>
-              <a:t>84</a:t>
+              <a:t>83</a:t>
             </a:fld>
             <a:endParaRPr lang="en-US"/>
           </a:p>
@@ -16308,7 +16297,7 @@
     </p:spTree>
     <p:extLst>
       <p:ext uri="{BB962C8B-B14F-4D97-AF65-F5344CB8AC3E}">
-        <p14:creationId xmlns:p14="http://schemas.microsoft.com/office/powerpoint/2010/main" val="2831798267"/>
+        <p14:creationId xmlns:p14="http://schemas.microsoft.com/office/powerpoint/2010/main" val="1965811128"/>
       </p:ext>
     </p:extLst>
   </p:cSld>
@@ -16362,6 +16351,18 @@
           <a:bodyPr/>
           <a:lstStyle/>
           <a:p>
+            <a:r>
+              <a:rPr lang="en-US" dirty="0"/>
+              <a:t>This</a:t>
+            </a:r>
+            <a:r>
+              <a:rPr lang="en-US" baseline="0" dirty="0"/>
+              <a:t> unit is mostly done either on practice it or the board. Feel free to edit </a:t>
+            </a:r>
+            <a:r>
+              <a:rPr lang="en-US" baseline="0"/>
+              <a:t>this slide deck as you see fit!</a:t>
+            </a:r>
             <a:endParaRPr lang="en-US" dirty="0"/>
           </a:p>
         </p:txBody>
@@ -16383,7 +16384,91 @@
           <a:p>
             <a:fld id="{C56969A0-B3EA-45A4-A390-44554200A62E}" type="slidenum">
               <a:rPr lang="en-US" smtClean="0"/>
-              <a:t>88</a:t>
+              <a:t>85</a:t>
+            </a:fld>
+            <a:endParaRPr lang="en-US"/>
+          </a:p>
+        </p:txBody>
+      </p:sp>
+    </p:spTree>
+    <p:extLst>
+      <p:ext uri="{BB962C8B-B14F-4D97-AF65-F5344CB8AC3E}">
+        <p14:creationId xmlns:p14="http://schemas.microsoft.com/office/powerpoint/2010/main" val="2831798267"/>
+      </p:ext>
+    </p:extLst>
+  </p:cSld>
+  <p:clrMapOvr>
+    <a:masterClrMapping/>
+  </p:clrMapOvr>
+</p:notes>
+</file>
+
+<file path=ppt/notesSlides/notesSlide14.xml><?xml version="1.0" encoding="utf-8"?>
+<p:notes xmlns:a="http://schemas.openxmlformats.org/drawingml/2006/main" xmlns:r="http://schemas.openxmlformats.org/officeDocument/2006/relationships" xmlns:p="http://schemas.openxmlformats.org/presentationml/2006/main">
+  <p:cSld>
+    <p:spTree>
+      <p:nvGrpSpPr>
+        <p:cNvPr id="1" name=""/>
+        <p:cNvGrpSpPr/>
+        <p:nvPr/>
+      </p:nvGrpSpPr>
+      <p:grpSpPr>
+        <a:xfrm>
+          <a:off x="0" y="0"/>
+          <a:ext cx="0" cy="0"/>
+          <a:chOff x="0" y="0"/>
+          <a:chExt cx="0" cy="0"/>
+        </a:xfrm>
+      </p:grpSpPr>
+      <p:sp>
+        <p:nvSpPr>
+          <p:cNvPr id="2" name="Slide Image Placeholder 1"/>
+          <p:cNvSpPr>
+            <a:spLocks noGrp="1" noRot="1" noChangeAspect="1"/>
+          </p:cNvSpPr>
+          <p:nvPr>
+            <p:ph type="sldImg"/>
+          </p:nvPr>
+        </p:nvSpPr>
+        <p:spPr/>
+      </p:sp>
+      <p:sp>
+        <p:nvSpPr>
+          <p:cNvPr id="3" name="Notes Placeholder 2"/>
+          <p:cNvSpPr>
+            <a:spLocks noGrp="1"/>
+          </p:cNvSpPr>
+          <p:nvPr>
+            <p:ph type="body" idx="1"/>
+          </p:nvPr>
+        </p:nvSpPr>
+        <p:spPr/>
+        <p:txBody>
+          <a:bodyPr/>
+          <a:lstStyle/>
+          <a:p>
+            <a:endParaRPr lang="en-US" dirty="0"/>
+          </a:p>
+        </p:txBody>
+      </p:sp>
+      <p:sp>
+        <p:nvSpPr>
+          <p:cNvPr id="4" name="Slide Number Placeholder 3"/>
+          <p:cNvSpPr>
+            <a:spLocks noGrp="1"/>
+          </p:cNvSpPr>
+          <p:nvPr>
+            <p:ph type="sldNum" sz="quarter" idx="10"/>
+          </p:nvPr>
+        </p:nvSpPr>
+        <p:spPr/>
+        <p:txBody>
+          <a:bodyPr/>
+          <a:lstStyle/>
+          <a:p>
+            <a:fld id="{C56969A0-B3EA-45A4-A390-44554200A62E}" type="slidenum">
+              <a:rPr lang="en-US" smtClean="0"/>
+              <a:t>89</a:t>
             </a:fld>
             <a:endParaRPr lang="en-US"/>
           </a:p>
@@ -16801,7 +16886,26 @@
           <a:bodyPr/>
           <a:lstStyle/>
           <a:p>
-            <a:endParaRPr lang="en-US" dirty="0"/>
+            <a:r>
+              <a:rPr lang="en-US" dirty="0"/>
+              <a:t>A good place to touch on </a:t>
+            </a:r>
+            <a:r>
+              <a:rPr lang="en-US" dirty="0" err="1"/>
+              <a:t>boolean</a:t>
+            </a:r>
+            <a:r>
+              <a:rPr lang="en-US" dirty="0"/>
+              <a:t> </a:t>
+            </a:r>
+            <a:r>
+              <a:rPr lang="en-US" dirty="0" err="1"/>
+              <a:t>zen</a:t>
+            </a:r>
+            <a:r>
+              <a:rPr lang="en-US" dirty="0"/>
+              <a:t>.</a:t>
+            </a:r>
           </a:p>
         </p:txBody>
       </p:sp>
@@ -16822,7 +16926,7 @@
           <a:p>
             <a:fld id="{C56969A0-B3EA-45A4-A390-44554200A62E}" type="slidenum">
               <a:rPr lang="en-US" smtClean="0"/>
-              <a:t>52</a:t>
+              <a:t>49</a:t>
             </a:fld>
             <a:endParaRPr lang="en-US"/>
           </a:p>
@@ -16831,7 +16935,7 @@
     </p:spTree>
     <p:extLst>
       <p:ext uri="{BB962C8B-B14F-4D97-AF65-F5344CB8AC3E}">
-        <p14:creationId xmlns:p14="http://schemas.microsoft.com/office/powerpoint/2010/main" val="220854644"/>
+        <p14:creationId xmlns:p14="http://schemas.microsoft.com/office/powerpoint/2010/main" val="2946527559"/>
       </p:ext>
     </p:extLst>
   </p:cSld>
@@ -16885,10 +16989,7 @@
           <a:bodyPr/>
           <a:lstStyle/>
           <a:p>
-            <a:r>
-              <a:rPr lang="en-US" dirty="0"/>
-              <a:t>Polymorphism is a difficult topic to understand, it’s worthwhile to spend extra time here with your students.</a:t>
-            </a:r>
+            <a:endParaRPr lang="en-US" dirty="0"/>
           </a:p>
         </p:txBody>
       </p:sp>
@@ -16909,7 +17010,7 @@
           <a:p>
             <a:fld id="{C56969A0-B3EA-45A4-A390-44554200A62E}" type="slidenum">
               <a:rPr lang="en-US" smtClean="0"/>
-              <a:t>57</a:t>
+              <a:t>53</a:t>
             </a:fld>
             <a:endParaRPr lang="en-US"/>
           </a:p>
@@ -16918,7 +17019,7 @@
     </p:spTree>
     <p:extLst>
       <p:ext uri="{BB962C8B-B14F-4D97-AF65-F5344CB8AC3E}">
-        <p14:creationId xmlns:p14="http://schemas.microsoft.com/office/powerpoint/2010/main" val="266274592"/>
+        <p14:creationId xmlns:p14="http://schemas.microsoft.com/office/powerpoint/2010/main" val="220854644"/>
       </p:ext>
     </p:extLst>
   </p:cSld>
@@ -16972,7 +17073,10 @@
           <a:bodyPr/>
           <a:lstStyle/>
           <a:p>
-            <a:endParaRPr lang="en-US" dirty="0"/>
+            <a:r>
+              <a:rPr lang="en-US" dirty="0"/>
+              <a:t>Polymorphism is a difficult topic to understand, it’s worthwhile to spend extra time here with your students.</a:t>
+            </a:r>
           </a:p>
         </p:txBody>
       </p:sp>
@@ -16993,7 +17097,7 @@
           <a:p>
             <a:fld id="{C56969A0-B3EA-45A4-A390-44554200A62E}" type="slidenum">
               <a:rPr lang="en-US" smtClean="0"/>
-              <a:t>63</a:t>
+              <a:t>58</a:t>
             </a:fld>
             <a:endParaRPr lang="en-US"/>
           </a:p>
@@ -17002,7 +17106,7 @@
     </p:spTree>
     <p:extLst>
       <p:ext uri="{BB962C8B-B14F-4D97-AF65-F5344CB8AC3E}">
-        <p14:creationId xmlns:p14="http://schemas.microsoft.com/office/powerpoint/2010/main" val="2422966477"/>
+        <p14:creationId xmlns:p14="http://schemas.microsoft.com/office/powerpoint/2010/main" val="266274592"/>
       </p:ext>
     </p:extLst>
   </p:cSld>
@@ -17077,7 +17181,7 @@
           <a:p>
             <a:fld id="{C56969A0-B3EA-45A4-A390-44554200A62E}" type="slidenum">
               <a:rPr lang="en-US" smtClean="0"/>
-              <a:t>66</a:t>
+              <a:t>64</a:t>
             </a:fld>
             <a:endParaRPr lang="en-US"/>
           </a:p>
@@ -17086,7 +17190,7 @@
     </p:spTree>
     <p:extLst>
       <p:ext uri="{BB962C8B-B14F-4D97-AF65-F5344CB8AC3E}">
-        <p14:creationId xmlns:p14="http://schemas.microsoft.com/office/powerpoint/2010/main" val="2386918127"/>
+        <p14:creationId xmlns:p14="http://schemas.microsoft.com/office/powerpoint/2010/main" val="2422966477"/>
       </p:ext>
     </p:extLst>
   </p:cSld>
@@ -17225,7 +17329,7 @@
           <a:p>
             <a:fld id="{5D2A64DF-0753-4272-8809-7B17C6953B30}" type="datetimeFigureOut">
               <a:rPr lang="en-US" smtClean="0"/>
-              <a:t>11/14/2016</a:t>
+              <a:t>11/8/2019</a:t>
             </a:fld>
             <a:endParaRPr lang="en-US"/>
           </a:p>
@@ -17393,7 +17497,7 @@
           <a:p>
             <a:fld id="{5D2A64DF-0753-4272-8809-7B17C6953B30}" type="datetimeFigureOut">
               <a:rPr lang="en-US" smtClean="0"/>
-              <a:t>11/14/2016</a:t>
+              <a:t>11/8/2019</a:t>
             </a:fld>
             <a:endParaRPr lang="en-US"/>
           </a:p>
@@ -17571,7 +17675,7 @@
           <a:p>
             <a:fld id="{5D2A64DF-0753-4272-8809-7B17C6953B30}" type="datetimeFigureOut">
               <a:rPr lang="en-US" smtClean="0"/>
-              <a:t>11/14/2016</a:t>
+              <a:t>11/8/2019</a:t>
             </a:fld>
             <a:endParaRPr lang="en-US"/>
           </a:p>
@@ -17739,7 +17843,7 @@
           <a:p>
             <a:fld id="{5D2A64DF-0753-4272-8809-7B17C6953B30}" type="datetimeFigureOut">
               <a:rPr lang="en-US" smtClean="0"/>
-              <a:t>11/14/2016</a:t>
+              <a:t>11/8/2019</a:t>
             </a:fld>
             <a:endParaRPr lang="en-US"/>
           </a:p>
@@ -17984,7 +18088,7 @@
           <a:p>
             <a:fld id="{5D2A64DF-0753-4272-8809-7B17C6953B30}" type="datetimeFigureOut">
               <a:rPr lang="en-US" smtClean="0"/>
-              <a:t>11/14/2016</a:t>
+              <a:t>11/8/2019</a:t>
             </a:fld>
             <a:endParaRPr lang="en-US"/>
           </a:p>
@@ -18213,7 +18317,7 @@
           <a:p>
             <a:fld id="{5D2A64DF-0753-4272-8809-7B17C6953B30}" type="datetimeFigureOut">
               <a:rPr lang="en-US" smtClean="0"/>
-              <a:t>11/14/2016</a:t>
+              <a:t>11/8/2019</a:t>
             </a:fld>
             <a:endParaRPr lang="en-US"/>
           </a:p>
@@ -18577,7 +18681,7 @@
           <a:p>
             <a:fld id="{5D2A64DF-0753-4272-8809-7B17C6953B30}" type="datetimeFigureOut">
               <a:rPr lang="en-US" smtClean="0"/>
-              <a:t>11/14/2016</a:t>
+              <a:t>11/8/2019</a:t>
             </a:fld>
             <a:endParaRPr lang="en-US"/>
           </a:p>
@@ -18694,7 +18798,7 @@
           <a:p>
             <a:fld id="{5D2A64DF-0753-4272-8809-7B17C6953B30}" type="datetimeFigureOut">
               <a:rPr lang="en-US" smtClean="0"/>
-              <a:t>11/14/2016</a:t>
+              <a:t>11/8/2019</a:t>
             </a:fld>
             <a:endParaRPr lang="en-US"/>
           </a:p>
@@ -18789,7 +18893,7 @@
           <a:p>
             <a:fld id="{5D2A64DF-0753-4272-8809-7B17C6953B30}" type="datetimeFigureOut">
               <a:rPr lang="en-US" smtClean="0"/>
-              <a:t>11/14/2016</a:t>
+              <a:t>11/8/2019</a:t>
             </a:fld>
             <a:endParaRPr lang="en-US"/>
           </a:p>
@@ -19064,7 +19168,7 @@
           <a:p>
             <a:fld id="{5D2A64DF-0753-4272-8809-7B17C6953B30}" type="datetimeFigureOut">
               <a:rPr lang="en-US" smtClean="0"/>
-              <a:t>11/14/2016</a:t>
+              <a:t>11/8/2019</a:t>
             </a:fld>
             <a:endParaRPr lang="en-US"/>
           </a:p>
@@ -19316,7 +19420,7 @@
           <a:p>
             <a:fld id="{5D2A64DF-0753-4272-8809-7B17C6953B30}" type="datetimeFigureOut">
               <a:rPr lang="en-US" smtClean="0"/>
-              <a:t>11/14/2016</a:t>
+              <a:t>11/8/2019</a:t>
             </a:fld>
             <a:endParaRPr lang="en-US"/>
           </a:p>
@@ -19527,7 +19631,7 @@
           <a:p>
             <a:fld id="{5D2A64DF-0753-4272-8809-7B17C6953B30}" type="datetimeFigureOut">
               <a:rPr lang="en-US" smtClean="0"/>
-              <a:t>11/14/2016</a:t>
+              <a:t>11/8/2019</a:t>
             </a:fld>
             <a:endParaRPr lang="en-US"/>
           </a:p>
@@ -23800,7 +23904,38 @@
             </a:r>
             <a:r>
               <a:rPr lang="en-US" dirty="0"/>
-              <a:t> class.</a:t>
+              <a:t> class</a:t>
+            </a:r>
+          </a:p>
+          <a:p>
+            <a:pPr marL="0" indent="0">
+              <a:buNone/>
+            </a:pPr>
+            <a:r>
+              <a:rPr lang="en-US" dirty="0"/>
+              <a:t>The</a:t>
+            </a:r>
+            <a:r>
+              <a:rPr lang="en-US" dirty="0">
+                <a:latin typeface="Courier New" panose="02070309020205020404" pitchFamily="49" charset="0"/>
+                <a:cs typeface="Courier New" panose="02070309020205020404" pitchFamily="49" charset="0"/>
+              </a:rPr>
+              <a:t> Object</a:t>
+            </a:r>
+            <a:r>
+              <a:rPr lang="en-US" dirty="0"/>
+              <a:t> class is located in </a:t>
+            </a:r>
+            <a:r>
+              <a:rPr lang="en-US" dirty="0" err="1">
+                <a:latin typeface="Courier New" panose="02070309020205020404" pitchFamily="49" charset="0"/>
+                <a:cs typeface="Courier New" panose="02070309020205020404" pitchFamily="49" charset="0"/>
+              </a:rPr>
+              <a:t>java.lang</a:t>
+            </a:r>
+            <a:r>
+              <a:rPr lang="en-US" dirty="0"/>
+              <a:t> package</a:t>
             </a:r>
           </a:p>
           <a:p>
@@ -24744,7 +24879,7 @@
           <a:p>
             <a:r>
               <a:rPr lang="en-US" dirty="0"/>
-              <a:t>Practice-It</a:t>
+              <a:t>Static vs Dynamic Binding</a:t>
             </a:r>
           </a:p>
         </p:txBody>
@@ -24761,14 +24896,40 @@
         </p:nvSpPr>
         <p:spPr/>
         <p:txBody>
-          <a:bodyPr/>
+          <a:bodyPr>
+            <a:normAutofit/>
+          </a:bodyPr>
           <a:lstStyle/>
+          <a:p>
+            <a:pPr marL="0" indent="0">
+              <a:buNone/>
+            </a:pPr>
+            <a:r>
+              <a:rPr lang="en-US" dirty="0">
+                <a:cs typeface="Courier New" panose="02070309020205020404" pitchFamily="49" charset="0"/>
+              </a:rPr>
+              <a:t>Static Binding</a:t>
+            </a:r>
+          </a:p>
+          <a:p>
+            <a:r>
+              <a:rPr lang="en-US" dirty="0">
+                <a:cs typeface="Courier New" panose="02070309020205020404" pitchFamily="49" charset="0"/>
+              </a:rPr>
+              <a:t>At compile time, methods in or inherited by the declared type determine the correctness of a non-static method </a:t>
+            </a:r>
+            <a:r>
+              <a:rPr lang="en-US">
+                <a:cs typeface="Courier New" panose="02070309020205020404" pitchFamily="49" charset="0"/>
+              </a:rPr>
+              <a:t>call </a:t>
+            </a:r>
+          </a:p>
           <a:p>
             <a:pPr marL="0" indent="0">
               <a:buNone/>
             </a:pPr>
             <a:endParaRPr lang="en-US" dirty="0">
-              <a:latin typeface="Courier New" panose="02070309020205020404" pitchFamily="49" charset="0"/>
               <a:cs typeface="Courier New" panose="02070309020205020404" pitchFamily="49" charset="0"/>
             </a:endParaRPr>
           </a:p>
@@ -24777,83 +24938,27 @@
               <a:buNone/>
             </a:pPr>
             <a:r>
-              <a:rPr lang="en-US" dirty="0" err="1">
-                <a:latin typeface="Courier New" panose="02070309020205020404" pitchFamily="49" charset="0"/>
-                <a:cs typeface="Courier New" panose="02070309020205020404" pitchFamily="49" charset="0"/>
-              </a:rPr>
-              <a:t>subclassSyntax</a:t>
+              <a:rPr lang="en-US" dirty="0"/>
+              <a:t>Dynamic Binding</a:t>
             </a:r>
             <a:endParaRPr lang="en-US" dirty="0">
-              <a:latin typeface="Courier New" panose="02070309020205020404" pitchFamily="49" charset="0"/>
               <a:cs typeface="Courier New" panose="02070309020205020404" pitchFamily="49" charset="0"/>
             </a:endParaRPr>
           </a:p>
           <a:p>
-            <a:pPr marL="0" indent="0">
-              <a:buNone/>
-            </a:pPr>
-            <a:r>
-              <a:rPr lang="en-US" dirty="0" err="1">
-                <a:latin typeface="Courier New" panose="02070309020205020404" pitchFamily="49" charset="0"/>
-                <a:cs typeface="Courier New" panose="02070309020205020404" pitchFamily="49" charset="0"/>
-              </a:rPr>
-              <a:t>inheritanceVariableSyntax</a:t>
-            </a:r>
-            <a:endParaRPr lang="en-US" dirty="0">
-              <a:latin typeface="Courier New" panose="02070309020205020404" pitchFamily="49" charset="0"/>
-              <a:cs typeface="Courier New" panose="02070309020205020404" pitchFamily="49" charset="0"/>
-            </a:endParaRPr>
-          </a:p>
-          <a:p>
-            <a:pPr marL="0" indent="0">
-              <a:buNone/>
-            </a:pPr>
-            <a:r>
-              <a:rPr lang="en-US" dirty="0" err="1">
-                <a:latin typeface="Courier New" panose="02070309020205020404" pitchFamily="49" charset="0"/>
-                <a:cs typeface="Courier New" panose="02070309020205020404" pitchFamily="49" charset="0"/>
-              </a:rPr>
-              <a:t>CarTruck</a:t>
-            </a:r>
-            <a:endParaRPr lang="en-US" dirty="0">
-              <a:latin typeface="Courier New" panose="02070309020205020404" pitchFamily="49" charset="0"/>
-              <a:cs typeface="Courier New" panose="02070309020205020404" pitchFamily="49" charset="0"/>
-            </a:endParaRPr>
-          </a:p>
-          <a:p>
-            <a:pPr marL="0" indent="0">
-              <a:buNone/>
-            </a:pPr>
             <a:r>
               <a:rPr lang="en-US" dirty="0">
-                <a:latin typeface="Courier New" panose="02070309020205020404" pitchFamily="49" charset="0"/>
-                <a:cs typeface="Courier New" panose="02070309020205020404" pitchFamily="49" charset="0"/>
-              </a:rPr>
-              <a:t>CarTruck2</a:t>
-            </a:r>
-          </a:p>
-          <a:p>
-            <a:pPr marL="0" indent="0">
-              <a:buNone/>
-            </a:pPr>
-            <a:r>
-              <a:rPr lang="en-US" dirty="0" err="1">
-                <a:latin typeface="Courier New" panose="02070309020205020404" pitchFamily="49" charset="0"/>
-                <a:cs typeface="Courier New" panose="02070309020205020404" pitchFamily="49" charset="0"/>
-              </a:rPr>
-              <a:t>MonsterTruck</a:t>
-            </a:r>
-            <a:endParaRPr lang="en-US" dirty="0">
-              <a:latin typeface="Courier New" panose="02070309020205020404" pitchFamily="49" charset="0"/>
-              <a:cs typeface="Courier New" panose="02070309020205020404" pitchFamily="49" charset="0"/>
-            </a:endParaRPr>
+                <a:cs typeface="Courier New" panose="02070309020205020404" pitchFamily="49" charset="0"/>
+              </a:rPr>
+              <a:t>At run-time, the method in the actual object type is executed for a non-static method call</a:t>
+            </a:r>
           </a:p>
         </p:txBody>
       </p:sp>
     </p:spTree>
     <p:extLst>
       <p:ext uri="{BB962C8B-B14F-4D97-AF65-F5344CB8AC3E}">
-        <p14:creationId xmlns:p14="http://schemas.microsoft.com/office/powerpoint/2010/main" val="2542628900"/>
+        <p14:creationId xmlns:p14="http://schemas.microsoft.com/office/powerpoint/2010/main" val="3076692110"/>
       </p:ext>
     </p:extLst>
   </p:cSld>
@@ -24944,30 +25049,123 @@
             <p:ph type="title"/>
           </p:nvPr>
         </p:nvSpPr>
-        <p:spPr>
-          <a:xfrm>
-            <a:off x="838200" y="2769347"/>
-            <a:ext cx="10515600" cy="1157288"/>
-          </a:xfrm>
-        </p:spPr>
+        <p:spPr/>
         <p:txBody>
-          <a:bodyPr>
-            <a:normAutofit/>
-          </a:bodyPr>
+          <a:bodyPr/>
           <a:lstStyle/>
           <a:p>
-            <a:pPr algn="ctr"/>
-            <a:r>
-              <a:rPr lang="en-US" sz="4800" dirty="0"/>
-              <a:t>Worksheet</a:t>
-            </a:r>
+            <a:r>
+              <a:rPr lang="en-US" dirty="0"/>
+              <a:t>Practice-It</a:t>
+            </a:r>
+          </a:p>
+        </p:txBody>
+      </p:sp>
+      <p:sp>
+        <p:nvSpPr>
+          <p:cNvPr id="3" name="Content Placeholder 2"/>
+          <p:cNvSpPr>
+            <a:spLocks noGrp="1"/>
+          </p:cNvSpPr>
+          <p:nvPr>
+            <p:ph idx="1"/>
+          </p:nvPr>
+        </p:nvSpPr>
+        <p:spPr/>
+        <p:txBody>
+          <a:bodyPr/>
+          <a:lstStyle/>
+          <a:p>
+            <a:pPr marL="0" indent="0">
+              <a:buNone/>
+            </a:pPr>
+            <a:endParaRPr lang="en-US" dirty="0">
+              <a:latin typeface="Courier New" panose="02070309020205020404" pitchFamily="49" charset="0"/>
+              <a:cs typeface="Courier New" panose="02070309020205020404" pitchFamily="49" charset="0"/>
+            </a:endParaRPr>
+          </a:p>
+          <a:p>
+            <a:pPr marL="0" indent="0">
+              <a:buNone/>
+            </a:pPr>
+            <a:r>
+              <a:rPr lang="en-US" dirty="0" err="1">
+                <a:latin typeface="Courier New" panose="02070309020205020404" pitchFamily="49" charset="0"/>
+                <a:cs typeface="Courier New" panose="02070309020205020404" pitchFamily="49" charset="0"/>
+              </a:rPr>
+              <a:t>subclassSyntax</a:t>
+            </a:r>
+            <a:endParaRPr lang="en-US" dirty="0">
+              <a:latin typeface="Courier New" panose="02070309020205020404" pitchFamily="49" charset="0"/>
+              <a:cs typeface="Courier New" panose="02070309020205020404" pitchFamily="49" charset="0"/>
+            </a:endParaRPr>
+          </a:p>
+          <a:p>
+            <a:pPr marL="0" indent="0">
+              <a:buNone/>
+            </a:pPr>
+            <a:r>
+              <a:rPr lang="en-US" dirty="0" err="1">
+                <a:latin typeface="Courier New" panose="02070309020205020404" pitchFamily="49" charset="0"/>
+                <a:cs typeface="Courier New" panose="02070309020205020404" pitchFamily="49" charset="0"/>
+              </a:rPr>
+              <a:t>inheritanceVariableSyntax</a:t>
+            </a:r>
+            <a:endParaRPr lang="en-US" dirty="0">
+              <a:latin typeface="Courier New" panose="02070309020205020404" pitchFamily="49" charset="0"/>
+              <a:cs typeface="Courier New" panose="02070309020205020404" pitchFamily="49" charset="0"/>
+            </a:endParaRPr>
+          </a:p>
+          <a:p>
+            <a:pPr marL="0" indent="0">
+              <a:buNone/>
+            </a:pPr>
+            <a:r>
+              <a:rPr lang="en-US" dirty="0" err="1">
+                <a:latin typeface="Courier New" panose="02070309020205020404" pitchFamily="49" charset="0"/>
+                <a:cs typeface="Courier New" panose="02070309020205020404" pitchFamily="49" charset="0"/>
+              </a:rPr>
+              <a:t>CarTruck</a:t>
+            </a:r>
+            <a:endParaRPr lang="en-US" dirty="0">
+              <a:latin typeface="Courier New" panose="02070309020205020404" pitchFamily="49" charset="0"/>
+              <a:cs typeface="Courier New" panose="02070309020205020404" pitchFamily="49" charset="0"/>
+            </a:endParaRPr>
+          </a:p>
+          <a:p>
+            <a:pPr marL="0" indent="0">
+              <a:buNone/>
+            </a:pPr>
+            <a:r>
+              <a:rPr lang="en-US" dirty="0">
+                <a:latin typeface="Courier New" panose="02070309020205020404" pitchFamily="49" charset="0"/>
+                <a:cs typeface="Courier New" panose="02070309020205020404" pitchFamily="49" charset="0"/>
+              </a:rPr>
+              <a:t>CarTruck2</a:t>
+            </a:r>
+          </a:p>
+          <a:p>
+            <a:pPr marL="0" indent="0">
+              <a:buNone/>
+            </a:pPr>
+            <a:r>
+              <a:rPr lang="en-US" dirty="0" err="1">
+                <a:latin typeface="Courier New" panose="02070309020205020404" pitchFamily="49" charset="0"/>
+                <a:cs typeface="Courier New" panose="02070309020205020404" pitchFamily="49" charset="0"/>
+              </a:rPr>
+              <a:t>MonsterTruck</a:t>
+            </a:r>
+            <a:endParaRPr lang="en-US" dirty="0">
+              <a:latin typeface="Courier New" panose="02070309020205020404" pitchFamily="49" charset="0"/>
+              <a:cs typeface="Courier New" panose="02070309020205020404" pitchFamily="49" charset="0"/>
+            </a:endParaRPr>
           </a:p>
         </p:txBody>
       </p:sp>
     </p:spTree>
     <p:extLst>
       <p:ext uri="{BB962C8B-B14F-4D97-AF65-F5344CB8AC3E}">
-        <p14:creationId xmlns:p14="http://schemas.microsoft.com/office/powerpoint/2010/main" val="335546600"/>
+        <p14:creationId xmlns:p14="http://schemas.microsoft.com/office/powerpoint/2010/main" val="2542628900"/>
       </p:ext>
     </p:extLst>
   </p:cSld>
@@ -25004,6 +25202,66 @@
             <p:ph type="title"/>
           </p:nvPr>
         </p:nvSpPr>
+        <p:spPr>
+          <a:xfrm>
+            <a:off x="838200" y="2769347"/>
+            <a:ext cx="10515600" cy="1157288"/>
+          </a:xfrm>
+        </p:spPr>
+        <p:txBody>
+          <a:bodyPr>
+            <a:normAutofit/>
+          </a:bodyPr>
+          <a:lstStyle/>
+          <a:p>
+            <a:pPr algn="ctr"/>
+            <a:r>
+              <a:rPr lang="en-US" sz="4800" dirty="0"/>
+              <a:t>Worksheet</a:t>
+            </a:r>
+          </a:p>
+        </p:txBody>
+      </p:sp>
+    </p:spTree>
+    <p:extLst>
+      <p:ext uri="{BB962C8B-B14F-4D97-AF65-F5344CB8AC3E}">
+        <p14:creationId xmlns:p14="http://schemas.microsoft.com/office/powerpoint/2010/main" val="335546600"/>
+      </p:ext>
+    </p:extLst>
+  </p:cSld>
+  <p:clrMapOvr>
+    <a:masterClrMapping/>
+  </p:clrMapOvr>
+</p:sld>
+</file>
+
+<file path=ppt/slides/slide52.xml><?xml version="1.0" encoding="utf-8"?>
+<p:sld xmlns:a="http://schemas.openxmlformats.org/drawingml/2006/main" xmlns:r="http://schemas.openxmlformats.org/officeDocument/2006/relationships" xmlns:p="http://schemas.openxmlformats.org/presentationml/2006/main">
+  <p:cSld>
+    <p:spTree>
+      <p:nvGrpSpPr>
+        <p:cNvPr id="1" name=""/>
+        <p:cNvGrpSpPr/>
+        <p:nvPr/>
+      </p:nvGrpSpPr>
+      <p:grpSpPr>
+        <a:xfrm>
+          <a:off x="0" y="0"/>
+          <a:ext cx="0" cy="0"/>
+          <a:chOff x="0" y="0"/>
+          <a:chExt cx="0" cy="0"/>
+        </a:xfrm>
+      </p:grpSpPr>
+      <p:sp>
+        <p:nvSpPr>
+          <p:cNvPr id="2" name="Title 1"/>
+          <p:cNvSpPr>
+            <a:spLocks noGrp="1"/>
+          </p:cNvSpPr>
+          <p:nvPr>
+            <p:ph type="title"/>
+          </p:nvPr>
+        </p:nvSpPr>
         <p:spPr/>
         <p:txBody>
           <a:bodyPr>
@@ -25062,7 +25320,7 @@
 </p:sld>
 </file>
 
-<file path=ppt/slides/slide52.xml><?xml version="1.0" encoding="utf-8"?>
+<file path=ppt/slides/slide53.xml><?xml version="1.0" encoding="utf-8"?>
 <p:sld xmlns:a="http://schemas.openxmlformats.org/drawingml/2006/main" xmlns:r="http://schemas.openxmlformats.org/officeDocument/2006/relationships" xmlns:p="http://schemas.openxmlformats.org/presentationml/2006/main">
   <p:cSld>
     <p:spTree>
@@ -25141,122 +25399,6 @@
     <p:extLst>
       <p:ext uri="{BB962C8B-B14F-4D97-AF65-F5344CB8AC3E}">
         <p14:creationId xmlns:p14="http://schemas.microsoft.com/office/powerpoint/2010/main" val="2044580090"/>
-      </p:ext>
-    </p:extLst>
-  </p:cSld>
-  <p:clrMapOvr>
-    <a:masterClrMapping/>
-  </p:clrMapOvr>
-</p:sld>
-</file>
-
-<file path=ppt/slides/slide53.xml><?xml version="1.0" encoding="utf-8"?>
-<p:sld xmlns:a="http://schemas.openxmlformats.org/drawingml/2006/main" xmlns:r="http://schemas.openxmlformats.org/officeDocument/2006/relationships" xmlns:p="http://schemas.openxmlformats.org/presentationml/2006/main">
-  <p:cSld>
-    <p:spTree>
-      <p:nvGrpSpPr>
-        <p:cNvPr id="1" name=""/>
-        <p:cNvGrpSpPr/>
-        <p:nvPr/>
-      </p:nvGrpSpPr>
-      <p:grpSpPr>
-        <a:xfrm>
-          <a:off x="0" y="0"/>
-          <a:ext cx="0" cy="0"/>
-          <a:chOff x="0" y="0"/>
-          <a:chExt cx="0" cy="0"/>
-        </a:xfrm>
-      </p:grpSpPr>
-      <p:sp>
-        <p:nvSpPr>
-          <p:cNvPr id="2" name="Title 1"/>
-          <p:cNvSpPr>
-            <a:spLocks noGrp="1"/>
-          </p:cNvSpPr>
-          <p:nvPr>
-            <p:ph type="title"/>
-          </p:nvPr>
-        </p:nvSpPr>
-        <p:spPr/>
-        <p:txBody>
-          <a:bodyPr/>
-          <a:lstStyle/>
-          <a:p>
-            <a:r>
-              <a:rPr lang="en-US" dirty="0"/>
-              <a:t>Review: subclass vs. superclass</a:t>
-            </a:r>
-          </a:p>
-        </p:txBody>
-      </p:sp>
-      <p:sp>
-        <p:nvSpPr>
-          <p:cNvPr id="3" name="Content Placeholder 2"/>
-          <p:cNvSpPr>
-            <a:spLocks noGrp="1"/>
-          </p:cNvSpPr>
-          <p:nvPr>
-            <p:ph idx="1"/>
-          </p:nvPr>
-        </p:nvSpPr>
-        <p:spPr/>
-        <p:txBody>
-          <a:bodyPr/>
-          <a:lstStyle/>
-          <a:p>
-            <a:pPr marL="0" indent="0">
-              <a:buNone/>
-            </a:pPr>
-            <a:r>
-              <a:rPr lang="en-US" dirty="0"/>
-              <a:t>subclass “extends” superclass</a:t>
-            </a:r>
-          </a:p>
-          <a:p>
-            <a:pPr marL="0" indent="0">
-              <a:buNone/>
-            </a:pPr>
-            <a:endParaRPr lang="en-US" dirty="0"/>
-          </a:p>
-          <a:p>
-            <a:pPr marL="0" indent="0">
-              <a:buNone/>
-            </a:pPr>
-            <a:r>
-              <a:rPr lang="en-US" dirty="0"/>
-              <a:t>superclass: 	More general, less capability</a:t>
-            </a:r>
-          </a:p>
-          <a:p>
-            <a:pPr marL="0" indent="0">
-              <a:buNone/>
-            </a:pPr>
-            <a:r>
-              <a:rPr lang="en-US" dirty="0"/>
-              <a:t>subclass: 	More specific, more capability</a:t>
-            </a:r>
-          </a:p>
-          <a:p>
-            <a:pPr marL="0" indent="0">
-              <a:buNone/>
-            </a:pPr>
-            <a:endParaRPr lang="en-US" dirty="0"/>
-          </a:p>
-          <a:p>
-            <a:pPr marL="0" indent="0">
-              <a:buNone/>
-            </a:pPr>
-            <a:r>
-              <a:rPr lang="en-US" dirty="0"/>
-              <a:t>Think of a subclass as being “better” than a superclass.</a:t>
-            </a:r>
-          </a:p>
-        </p:txBody>
-      </p:sp>
-    </p:spTree>
-    <p:extLst>
-      <p:ext uri="{BB962C8B-B14F-4D97-AF65-F5344CB8AC3E}">
-        <p14:creationId xmlns:p14="http://schemas.microsoft.com/office/powerpoint/2010/main" val="3665013851"/>
       </p:ext>
     </p:extLst>
   </p:cSld>
@@ -25295,14 +25437,12 @@
         </p:nvSpPr>
         <p:spPr/>
         <p:txBody>
-          <a:bodyPr>
-            <a:normAutofit/>
-          </a:bodyPr>
+          <a:bodyPr/>
           <a:lstStyle/>
           <a:p>
             <a:r>
               <a:rPr lang="en-US" dirty="0"/>
-              <a:t>Variables and Classes</a:t>
+              <a:t>Review: subclass vs. superclass</a:t>
             </a:r>
           </a:p>
         </p:txBody>
@@ -25327,7 +25467,7 @@
             </a:pPr>
             <a:r>
               <a:rPr lang="en-US" dirty="0"/>
-              <a:t>Variable can hold objects of its type or “better” (subclass is “better”!)</a:t>
+              <a:t>subclass “extends” superclass</a:t>
             </a:r>
           </a:p>
           <a:p>
@@ -25342,7 +25482,16 @@
             </a:pPr>
             <a:r>
               <a:rPr lang="en-US" dirty="0"/>
-              <a:t>Same goes for parameters and fields.</a:t>
+              <a:t>superclass: 	More general, less capability</a:t>
+            </a:r>
+          </a:p>
+          <a:p>
+            <a:pPr marL="0" indent="0">
+              <a:buNone/>
+            </a:pPr>
+            <a:r>
+              <a:rPr lang="en-US" dirty="0"/>
+              <a:t>subclass: 	More specific, more capability</a:t>
             </a:r>
           </a:p>
           <a:p>
@@ -25357,74 +25506,7 @@
             </a:pPr>
             <a:r>
               <a:rPr lang="en-US" dirty="0"/>
-              <a:t>If:	</a:t>
-            </a:r>
-            <a:r>
-              <a:rPr lang="en-US" dirty="0">
-                <a:latin typeface="Courier New" panose="02070309020205020404" pitchFamily="49" charset="0"/>
-                <a:cs typeface="Courier New" panose="02070309020205020404" pitchFamily="49" charset="0"/>
-              </a:rPr>
-              <a:t>public class Lion extends Animal { … }</a:t>
-            </a:r>
-          </a:p>
-          <a:p>
-            <a:pPr marL="0" indent="0">
-              <a:buNone/>
-            </a:pPr>
-            <a:r>
-              <a:rPr lang="en-US" dirty="0"/>
-              <a:t>Then:	</a:t>
-            </a:r>
-            <a:r>
-              <a:rPr lang="en-US" dirty="0">
-                <a:latin typeface="Courier New" panose="02070309020205020404" pitchFamily="49" charset="0"/>
-                <a:cs typeface="Courier New" panose="02070309020205020404" pitchFamily="49" charset="0"/>
-              </a:rPr>
-              <a:t>Animal </a:t>
-            </a:r>
-            <a:r>
-              <a:rPr lang="en-US" dirty="0" err="1">
-                <a:latin typeface="Courier New" panose="02070309020205020404" pitchFamily="49" charset="0"/>
-                <a:cs typeface="Courier New" panose="02070309020205020404" pitchFamily="49" charset="0"/>
-              </a:rPr>
-              <a:t>simba</a:t>
-            </a:r>
-            <a:r>
-              <a:rPr lang="en-US" dirty="0">
-                <a:latin typeface="Courier New" panose="02070309020205020404" pitchFamily="49" charset="0"/>
-                <a:cs typeface="Courier New" panose="02070309020205020404" pitchFamily="49" charset="0"/>
-              </a:rPr>
-              <a:t> = new Animal();</a:t>
-            </a:r>
-          </a:p>
-          <a:p>
-            <a:pPr marL="0" indent="0">
-              <a:buNone/>
-            </a:pPr>
-            <a:r>
-              <a:rPr lang="en-US" dirty="0"/>
-              <a:t>Or:	</a:t>
-            </a:r>
-            <a:r>
-              <a:rPr lang="en-US" dirty="0">
-                <a:latin typeface="Courier New" panose="02070309020205020404" pitchFamily="49" charset="0"/>
-                <a:cs typeface="Courier New" panose="02070309020205020404" pitchFamily="49" charset="0"/>
-              </a:rPr>
-              <a:t>Animal </a:t>
-            </a:r>
-            <a:r>
-              <a:rPr lang="en-US" dirty="0" err="1">
-                <a:latin typeface="Courier New" panose="02070309020205020404" pitchFamily="49" charset="0"/>
-                <a:cs typeface="Courier New" panose="02070309020205020404" pitchFamily="49" charset="0"/>
-              </a:rPr>
-              <a:t>simba</a:t>
-            </a:r>
-            <a:r>
-              <a:rPr lang="en-US" dirty="0">
-                <a:latin typeface="Courier New" panose="02070309020205020404" pitchFamily="49" charset="0"/>
-                <a:cs typeface="Courier New" panose="02070309020205020404" pitchFamily="49" charset="0"/>
-              </a:rPr>
-              <a:t> = new Lion();</a:t>
+              <a:t>Think of a subclass as being “better” than a superclass.</a:t>
             </a:r>
           </a:p>
         </p:txBody>
@@ -25432,7 +25514,7 @@
     </p:spTree>
     <p:extLst>
       <p:ext uri="{BB962C8B-B14F-4D97-AF65-F5344CB8AC3E}">
-        <p14:creationId xmlns:p14="http://schemas.microsoft.com/office/powerpoint/2010/main" val="4059656631"/>
+        <p14:creationId xmlns:p14="http://schemas.microsoft.com/office/powerpoint/2010/main" val="3665013851"/>
       </p:ext>
     </p:extLst>
   </p:cSld>
@@ -25503,7 +25585,7 @@
             </a:pPr>
             <a:r>
               <a:rPr lang="en-US" dirty="0"/>
-              <a:t>The reverse is NOT true!</a:t>
+              <a:t>Variable can hold objects of its type or “better” (subclass is “better”!)</a:t>
             </a:r>
           </a:p>
           <a:p>
@@ -25516,7 +25598,10 @@
             <a:pPr marL="0" indent="0">
               <a:buNone/>
             </a:pPr>
-            <a:endParaRPr lang="en-US" dirty="0"/>
+            <a:r>
+              <a:rPr lang="en-US" dirty="0"/>
+              <a:t>Same goes for parameters and fields.</a:t>
+            </a:r>
           </a:p>
           <a:p>
             <a:pPr marL="0" indent="0">
@@ -25553,7 +25638,7 @@
                 <a:latin typeface="Courier New" panose="02070309020205020404" pitchFamily="49" charset="0"/>
                 <a:cs typeface="Courier New" panose="02070309020205020404" pitchFamily="49" charset="0"/>
               </a:rPr>
-              <a:t>Lion </a:t>
+              <a:t>Animal </a:t>
             </a:r>
             <a:r>
               <a:rPr lang="en-US" dirty="0" err="1">
@@ -25567,72 +25652,45 @@
                 <a:latin typeface="Courier New" panose="02070309020205020404" pitchFamily="49" charset="0"/>
                 <a:cs typeface="Courier New" panose="02070309020205020404" pitchFamily="49" charset="0"/>
               </a:rPr>
+              <a:t> = new Animal();</a:t>
+            </a:r>
+          </a:p>
+          <a:p>
+            <a:pPr marL="0" indent="0">
+              <a:buNone/>
+            </a:pPr>
+            <a:r>
+              <a:rPr lang="en-US" dirty="0"/>
+              <a:t>Or:	</a:t>
+            </a:r>
+            <a:r>
+              <a:rPr lang="en-US" dirty="0">
+                <a:latin typeface="Courier New" panose="02070309020205020404" pitchFamily="49" charset="0"/>
+                <a:cs typeface="Courier New" panose="02070309020205020404" pitchFamily="49" charset="0"/>
+              </a:rPr>
+              <a:t>Animal </a:t>
+            </a:r>
+            <a:r>
+              <a:rPr lang="en-US" dirty="0" err="1">
+                <a:latin typeface="Courier New" panose="02070309020205020404" pitchFamily="49" charset="0"/>
+                <a:cs typeface="Courier New" panose="02070309020205020404" pitchFamily="49" charset="0"/>
+              </a:rPr>
+              <a:t>simba</a:t>
+            </a:r>
+            <a:r>
+              <a:rPr lang="en-US" dirty="0">
+                <a:latin typeface="Courier New" panose="02070309020205020404" pitchFamily="49" charset="0"/>
+                <a:cs typeface="Courier New" panose="02070309020205020404" pitchFamily="49" charset="0"/>
+              </a:rPr>
               <a:t> = new Lion();</a:t>
             </a:r>
-          </a:p>
-          <a:p>
-            <a:pPr marL="0" indent="0">
-              <a:buNone/>
-            </a:pPr>
-            <a:r>
-              <a:rPr lang="en-US" strike="sngStrike" dirty="0">
-                <a:solidFill>
-                  <a:srgbClr val="FF0000"/>
-                </a:solidFill>
-              </a:rPr>
-              <a:t>NOT:	</a:t>
-            </a:r>
-            <a:r>
-              <a:rPr lang="en-US" strike="sngStrike" dirty="0">
-                <a:solidFill>
-                  <a:srgbClr val="FF0000"/>
-                </a:solidFill>
-                <a:latin typeface="Courier New" panose="02070309020205020404" pitchFamily="49" charset="0"/>
-                <a:cs typeface="Courier New" panose="02070309020205020404" pitchFamily="49" charset="0"/>
-              </a:rPr>
-              <a:t>Lion </a:t>
-            </a:r>
-            <a:r>
-              <a:rPr lang="en-US" strike="sngStrike" dirty="0" err="1">
-                <a:solidFill>
-                  <a:srgbClr val="FF0000"/>
-                </a:solidFill>
-                <a:latin typeface="Courier New" panose="02070309020205020404" pitchFamily="49" charset="0"/>
-                <a:cs typeface="Courier New" panose="02070309020205020404" pitchFamily="49" charset="0"/>
-              </a:rPr>
-              <a:t>simba</a:t>
-            </a:r>
-            <a:r>
-              <a:rPr lang="en-US" strike="sngStrike" dirty="0">
-                <a:solidFill>
-                  <a:srgbClr val="FF0000"/>
-                </a:solidFill>
-                <a:latin typeface="Courier New" panose="02070309020205020404" pitchFamily="49" charset="0"/>
-                <a:cs typeface="Courier New" panose="02070309020205020404" pitchFamily="49" charset="0"/>
-              </a:rPr>
-              <a:t> = new Animal();</a:t>
-            </a:r>
-            <a:r>
-              <a:rPr lang="en-US" dirty="0">
-                <a:latin typeface="Courier New" panose="02070309020205020404" pitchFamily="49" charset="0"/>
-                <a:cs typeface="Courier New" panose="02070309020205020404" pitchFamily="49" charset="0"/>
-              </a:rPr>
-              <a:t> (Lions &gt; Animals)</a:t>
-            </a:r>
-            <a:endParaRPr lang="en-US" strike="sngStrike" dirty="0">
-              <a:solidFill>
-                <a:srgbClr val="FF0000"/>
-              </a:solidFill>
-              <a:latin typeface="Courier New" panose="02070309020205020404" pitchFamily="49" charset="0"/>
-              <a:cs typeface="Courier New" panose="02070309020205020404" pitchFamily="49" charset="0"/>
-            </a:endParaRPr>
           </a:p>
         </p:txBody>
       </p:sp>
     </p:spTree>
     <p:extLst>
       <p:ext uri="{BB962C8B-B14F-4D97-AF65-F5344CB8AC3E}">
-        <p14:creationId xmlns:p14="http://schemas.microsoft.com/office/powerpoint/2010/main" val="2523262568"/>
+        <p14:creationId xmlns:p14="http://schemas.microsoft.com/office/powerpoint/2010/main" val="4059656631"/>
       </p:ext>
     </p:extLst>
   </p:cSld>
@@ -25671,12 +25729,14 @@
         </p:nvSpPr>
         <p:spPr/>
         <p:txBody>
-          <a:bodyPr/>
+          <a:bodyPr>
+            <a:normAutofit/>
+          </a:bodyPr>
           <a:lstStyle/>
           <a:p>
             <a:r>
               <a:rPr lang="en-US" dirty="0"/>
-              <a:t>Once again:</a:t>
+              <a:t>Variables and Classes</a:t>
             </a:r>
           </a:p>
         </p:txBody>
@@ -25701,7 +25761,7 @@
             </a:pPr>
             <a:r>
               <a:rPr lang="en-US" dirty="0"/>
-              <a:t>IF a variable points to an objects…</a:t>
+              <a:t>The reverse is NOT true!</a:t>
             </a:r>
           </a:p>
           <a:p>
@@ -25714,10 +25774,7 @@
             <a:pPr marL="0" indent="0">
               <a:buNone/>
             </a:pPr>
-            <a:r>
-              <a:rPr lang="en-US" dirty="0"/>
-              <a:t>THEN the object must be of the same type as the variable or “better”</a:t>
-            </a:r>
+            <a:endParaRPr lang="en-US" dirty="0"/>
           </a:p>
           <a:p>
             <a:pPr marL="0" indent="0">
@@ -25729,7 +25786,17 @@
             <a:pPr marL="0" indent="0">
               <a:buNone/>
             </a:pPr>
-            <a:endParaRPr lang="en-US" dirty="0"/>
+            <a:r>
+              <a:rPr lang="en-US" dirty="0"/>
+              <a:t>If:	</a:t>
+            </a:r>
+            <a:r>
+              <a:rPr lang="en-US" dirty="0">
+                <a:latin typeface="Courier New" panose="02070309020205020404" pitchFamily="49" charset="0"/>
+                <a:cs typeface="Courier New" panose="02070309020205020404" pitchFamily="49" charset="0"/>
+              </a:rPr>
+              <a:t>public class Lion extends Animal { … }</a:t>
+            </a:r>
           </a:p>
           <a:p>
             <a:pPr marL="0" indent="0">
@@ -25737,15 +25804,93 @@
             </a:pPr>
             <a:r>
               <a:rPr lang="en-US" dirty="0"/>
-              <a:t>That means that the object can be a subtype of the variable type!</a:t>
-            </a:r>
+              <a:t>Then:	</a:t>
+            </a:r>
+            <a:r>
+              <a:rPr lang="en-US" dirty="0">
+                <a:latin typeface="Courier New" panose="02070309020205020404" pitchFamily="49" charset="0"/>
+                <a:cs typeface="Courier New" panose="02070309020205020404" pitchFamily="49" charset="0"/>
+              </a:rPr>
+              <a:t>Lion </a:t>
+            </a:r>
+            <a:r>
+              <a:rPr lang="en-US" dirty="0" err="1">
+                <a:latin typeface="Courier New" panose="02070309020205020404" pitchFamily="49" charset="0"/>
+                <a:cs typeface="Courier New" panose="02070309020205020404" pitchFamily="49" charset="0"/>
+              </a:rPr>
+              <a:t>simba</a:t>
+            </a:r>
+            <a:r>
+              <a:rPr lang="en-US" dirty="0">
+                <a:latin typeface="Courier New" panose="02070309020205020404" pitchFamily="49" charset="0"/>
+                <a:cs typeface="Courier New" panose="02070309020205020404" pitchFamily="49" charset="0"/>
+              </a:rPr>
+              <a:t> = new Lion();</a:t>
+            </a:r>
+          </a:p>
+          <a:p>
+            <a:pPr marL="0" indent="0">
+              <a:buNone/>
+            </a:pPr>
+            <a:r>
+              <a:rPr lang="en-US" strike="sngStrike" dirty="0">
+                <a:solidFill>
+                  <a:srgbClr val="FF0000"/>
+                </a:solidFill>
+              </a:rPr>
+              <a:t>NOT:	</a:t>
+            </a:r>
+            <a:r>
+              <a:rPr lang="en-US" strike="sngStrike" dirty="0">
+                <a:solidFill>
+                  <a:srgbClr val="FF0000"/>
+                </a:solidFill>
+                <a:latin typeface="Courier New" panose="02070309020205020404" pitchFamily="49" charset="0"/>
+                <a:cs typeface="Courier New" panose="02070309020205020404" pitchFamily="49" charset="0"/>
+              </a:rPr>
+              <a:t>Lion </a:t>
+            </a:r>
+            <a:r>
+              <a:rPr lang="en-US" strike="sngStrike" dirty="0" err="1">
+                <a:solidFill>
+                  <a:srgbClr val="FF0000"/>
+                </a:solidFill>
+                <a:latin typeface="Courier New" panose="02070309020205020404" pitchFamily="49" charset="0"/>
+                <a:cs typeface="Courier New" panose="02070309020205020404" pitchFamily="49" charset="0"/>
+              </a:rPr>
+              <a:t>simba</a:t>
+            </a:r>
+            <a:r>
+              <a:rPr lang="en-US" strike="sngStrike" dirty="0">
+                <a:solidFill>
+                  <a:srgbClr val="FF0000"/>
+                </a:solidFill>
+                <a:latin typeface="Courier New" panose="02070309020205020404" pitchFamily="49" charset="0"/>
+                <a:cs typeface="Courier New" panose="02070309020205020404" pitchFamily="49" charset="0"/>
+              </a:rPr>
+              <a:t> = new Animal();</a:t>
+            </a:r>
+            <a:r>
+              <a:rPr lang="en-US" dirty="0">
+                <a:latin typeface="Courier New" panose="02070309020205020404" pitchFamily="49" charset="0"/>
+                <a:cs typeface="Courier New" panose="02070309020205020404" pitchFamily="49" charset="0"/>
+              </a:rPr>
+              <a:t> (Lions &gt; Animals)</a:t>
+            </a:r>
+            <a:endParaRPr lang="en-US" strike="sngStrike" dirty="0">
+              <a:solidFill>
+                <a:srgbClr val="FF0000"/>
+              </a:solidFill>
+              <a:latin typeface="Courier New" panose="02070309020205020404" pitchFamily="49" charset="0"/>
+              <a:cs typeface="Courier New" panose="02070309020205020404" pitchFamily="49" charset="0"/>
+            </a:endParaRPr>
           </a:p>
         </p:txBody>
       </p:sp>
     </p:spTree>
     <p:extLst>
       <p:ext uri="{BB962C8B-B14F-4D97-AF65-F5344CB8AC3E}">
-        <p14:creationId xmlns:p14="http://schemas.microsoft.com/office/powerpoint/2010/main" val="1506096866"/>
+        <p14:creationId xmlns:p14="http://schemas.microsoft.com/office/powerpoint/2010/main" val="2523262568"/>
       </p:ext>
     </p:extLst>
   </p:cSld>
@@ -25789,7 +25934,7 @@
           <a:p>
             <a:r>
               <a:rPr lang="en-US" dirty="0"/>
-              <a:t>Polymorphism</a:t>
+              <a:t>Once again:</a:t>
             </a:r>
           </a:p>
         </p:txBody>
@@ -25814,7 +25959,7 @@
             </a:pPr>
             <a:r>
               <a:rPr lang="en-US" dirty="0"/>
-              <a:t>The ability to use the same code with different types of objects and behave differently with each.</a:t>
+              <a:t>IF a variable points to an objects…</a:t>
             </a:r>
           </a:p>
           <a:p>
@@ -25828,25 +25973,8 @@
               <a:buNone/>
             </a:pPr>
             <a:r>
-              <a:rPr lang="en-US" dirty="0">
-                <a:latin typeface="Courier New" panose="02070309020205020404" pitchFamily="49" charset="0"/>
-                <a:cs typeface="Courier New" panose="02070309020205020404" pitchFamily="49" charset="0"/>
-              </a:rPr>
-              <a:t>Animal </a:t>
-            </a:r>
-            <a:r>
-              <a:rPr lang="en-US" dirty="0" err="1">
-                <a:latin typeface="Courier New" panose="02070309020205020404" pitchFamily="49" charset="0"/>
-                <a:cs typeface="Courier New" panose="02070309020205020404" pitchFamily="49" charset="0"/>
-              </a:rPr>
-              <a:t>simba</a:t>
-            </a:r>
-            <a:r>
-              <a:rPr lang="en-US" dirty="0">
-                <a:latin typeface="Courier New" panose="02070309020205020404" pitchFamily="49" charset="0"/>
-                <a:cs typeface="Courier New" panose="02070309020205020404" pitchFamily="49" charset="0"/>
-              </a:rPr>
-              <a:t> = new Lion();</a:t>
+              <a:rPr lang="en-US" dirty="0"/>
+              <a:t>THEN the object must be of the same type as the variable or “better”</a:t>
             </a:r>
           </a:p>
           <a:p>
@@ -25859,9 +25987,15 @@
             <a:pPr marL="0" indent="0">
               <a:buNone/>
             </a:pPr>
+            <a:endParaRPr lang="en-US" dirty="0"/>
+          </a:p>
+          <a:p>
+            <a:pPr marL="0" indent="0">
+              <a:buNone/>
+            </a:pPr>
             <a:r>
               <a:rPr lang="en-US" dirty="0"/>
-              <a:t>What behaviors does this object have?</a:t>
+              <a:t>That means that the object can be a subtype of the variable type!</a:t>
             </a:r>
           </a:p>
         </p:txBody>
@@ -25869,7 +26003,7 @@
     </p:spTree>
     <p:extLst>
       <p:ext uri="{BB962C8B-B14F-4D97-AF65-F5344CB8AC3E}">
-        <p14:creationId xmlns:p14="http://schemas.microsoft.com/office/powerpoint/2010/main" val="1384254036"/>
+        <p14:creationId xmlns:p14="http://schemas.microsoft.com/office/powerpoint/2010/main" val="1506096866"/>
       </p:ext>
     </p:extLst>
   </p:cSld>
@@ -25937,123 +26071,55 @@
               <a:buNone/>
             </a:pPr>
             <a:r>
+              <a:rPr lang="en-US" dirty="0"/>
+              <a:t>The ability to use the same code with different types of objects and behave differently with each.</a:t>
+            </a:r>
+          </a:p>
+          <a:p>
+            <a:pPr marL="0" indent="0">
+              <a:buNone/>
+            </a:pPr>
+            <a:endParaRPr lang="en-US" dirty="0"/>
+          </a:p>
+          <a:p>
+            <a:pPr marL="0" indent="0">
+              <a:buNone/>
+            </a:pPr>
+            <a:r>
               <a:rPr lang="en-US" dirty="0">
                 <a:latin typeface="Courier New" panose="02070309020205020404" pitchFamily="49" charset="0"/>
                 <a:cs typeface="Courier New" panose="02070309020205020404" pitchFamily="49" charset="0"/>
               </a:rPr>
-              <a:t>public class Lion extends Animal { … }</a:t>
+              <a:t>Animal </a:t>
+            </a:r>
+            <a:r>
+              <a:rPr lang="en-US" dirty="0" err="1">
+                <a:latin typeface="Courier New" panose="02070309020205020404" pitchFamily="49" charset="0"/>
+                <a:cs typeface="Courier New" panose="02070309020205020404" pitchFamily="49" charset="0"/>
+              </a:rPr>
+              <a:t>simba</a:t>
+            </a:r>
+            <a:r>
+              <a:rPr lang="en-US" dirty="0">
+                <a:latin typeface="Courier New" panose="02070309020205020404" pitchFamily="49" charset="0"/>
+                <a:cs typeface="Courier New" panose="02070309020205020404" pitchFamily="49" charset="0"/>
+              </a:rPr>
+              <a:t> = new Lion();</a:t>
             </a:r>
           </a:p>
           <a:p>
             <a:pPr marL="0" indent="0">
               <a:buNone/>
             </a:pPr>
-            <a:endParaRPr lang="en-US" dirty="0">
-              <a:latin typeface="Courier New" panose="02070309020205020404" pitchFamily="49" charset="0"/>
-              <a:cs typeface="Courier New" panose="02070309020205020404" pitchFamily="49" charset="0"/>
-            </a:endParaRPr>
+            <a:endParaRPr lang="en-US" dirty="0"/>
           </a:p>
           <a:p>
             <a:pPr marL="0" indent="0">
               <a:buNone/>
             </a:pPr>
             <a:r>
-              <a:rPr lang="en-US" dirty="0">
-                <a:latin typeface="Courier New" panose="02070309020205020404" pitchFamily="49" charset="0"/>
-                <a:cs typeface="Courier New" panose="02070309020205020404" pitchFamily="49" charset="0"/>
-              </a:rPr>
-              <a:t>Animal </a:t>
-            </a:r>
-            <a:r>
-              <a:rPr lang="en-US" dirty="0" err="1">
-                <a:latin typeface="Courier New" panose="02070309020205020404" pitchFamily="49" charset="0"/>
-                <a:cs typeface="Courier New" panose="02070309020205020404" pitchFamily="49" charset="0"/>
-              </a:rPr>
-              <a:t>simba</a:t>
-            </a:r>
-            <a:r>
-              <a:rPr lang="en-US" dirty="0">
-                <a:latin typeface="Courier New" panose="02070309020205020404" pitchFamily="49" charset="0"/>
-                <a:cs typeface="Courier New" panose="02070309020205020404" pitchFamily="49" charset="0"/>
-              </a:rPr>
-              <a:t> = new Lion();</a:t>
-            </a:r>
-          </a:p>
-          <a:p>
-            <a:pPr marL="0" indent="0">
-              <a:buNone/>
-            </a:pPr>
-            <a:endParaRPr lang="en-US" dirty="0">
-              <a:latin typeface="Courier New" panose="02070309020205020404" pitchFamily="49" charset="0"/>
-              <a:cs typeface="Courier New" panose="02070309020205020404" pitchFamily="49" charset="0"/>
-            </a:endParaRPr>
-          </a:p>
-          <a:p>
-            <a:pPr marL="0" indent="0">
-              <a:buNone/>
-            </a:pPr>
-            <a:r>
-              <a:rPr lang="en-US" dirty="0" err="1">
-                <a:latin typeface="Courier New" panose="02070309020205020404" pitchFamily="49" charset="0"/>
-                <a:cs typeface="Courier New" panose="02070309020205020404" pitchFamily="49" charset="0"/>
-              </a:rPr>
-              <a:t>System.out.prinln</a:t>
-            </a:r>
-            <a:r>
-              <a:rPr lang="en-US" dirty="0">
-                <a:latin typeface="Courier New" panose="02070309020205020404" pitchFamily="49" charset="0"/>
-                <a:cs typeface="Courier New" panose="02070309020205020404" pitchFamily="49" charset="0"/>
-              </a:rPr>
-              <a:t>(</a:t>
-            </a:r>
-            <a:r>
-              <a:rPr lang="en-US" dirty="0" err="1">
-                <a:latin typeface="Courier New" panose="02070309020205020404" pitchFamily="49" charset="0"/>
-                <a:cs typeface="Courier New" panose="02070309020205020404" pitchFamily="49" charset="0"/>
-              </a:rPr>
-              <a:t>simba.say</a:t>
-            </a:r>
-            <a:r>
-              <a:rPr lang="en-US" dirty="0">
-                <a:latin typeface="Courier New" panose="02070309020205020404" pitchFamily="49" charset="0"/>
-                <a:cs typeface="Courier New" panose="02070309020205020404" pitchFamily="49" charset="0"/>
-              </a:rPr>
-              <a:t>());</a:t>
-            </a:r>
-          </a:p>
-          <a:p>
-            <a:pPr marL="0" indent="0">
-              <a:buNone/>
-            </a:pPr>
-            <a:endParaRPr lang="en-US" dirty="0">
-              <a:latin typeface="Courier New" panose="02070309020205020404" pitchFamily="49" charset="0"/>
-              <a:cs typeface="Courier New" panose="02070309020205020404" pitchFamily="49" charset="0"/>
-            </a:endParaRPr>
-          </a:p>
-          <a:p>
-            <a:pPr marL="0" indent="0">
-              <a:buNone/>
-            </a:pPr>
-            <a:r>
-              <a:rPr lang="en-US" dirty="0">
-                <a:latin typeface="Courier New" panose="02070309020205020404" pitchFamily="49" charset="0"/>
-                <a:cs typeface="Courier New" panose="02070309020205020404" pitchFamily="49" charset="0"/>
-              </a:rPr>
-              <a:t>Output: “</a:t>
-            </a:r>
-            <a:r>
-              <a:rPr lang="en-US" dirty="0" err="1">
-                <a:latin typeface="Courier New" panose="02070309020205020404" pitchFamily="49" charset="0"/>
-                <a:cs typeface="Courier New" panose="02070309020205020404" pitchFamily="49" charset="0"/>
-              </a:rPr>
-              <a:t>Rawr</a:t>
-            </a:r>
-            <a:r>
-              <a:rPr lang="en-US" dirty="0">
-                <a:latin typeface="Courier New" panose="02070309020205020404" pitchFamily="49" charset="0"/>
-                <a:cs typeface="Courier New" panose="02070309020205020404" pitchFamily="49" charset="0"/>
-              </a:rPr>
-              <a:t>!!”</a:t>
+              <a:rPr lang="en-US" dirty="0"/>
+              <a:t>What behaviors does this object have?</a:t>
             </a:r>
           </a:p>
         </p:txBody>
@@ -26061,7 +26127,7 @@
     </p:spTree>
     <p:extLst>
       <p:ext uri="{BB962C8B-B14F-4D97-AF65-F5344CB8AC3E}">
-        <p14:creationId xmlns:p14="http://schemas.microsoft.com/office/powerpoint/2010/main" val="4052956799"/>
+        <p14:creationId xmlns:p14="http://schemas.microsoft.com/office/powerpoint/2010/main" val="1384254036"/>
       </p:ext>
     </p:extLst>
   </p:cSld>
@@ -26105,7 +26171,7 @@
           <a:p>
             <a:r>
               <a:rPr lang="en-US" dirty="0"/>
-              <a:t>The Exercise</a:t>
+              <a:t>Polymorphism</a:t>
             </a:r>
           </a:p>
         </p:txBody>
@@ -26120,32 +26186,20 @@
             <p:ph idx="1"/>
           </p:nvPr>
         </p:nvSpPr>
-        <p:spPr>
-          <a:xfrm>
-            <a:off x="838200" y="2057399"/>
-            <a:ext cx="10707168" cy="4119563"/>
-          </a:xfrm>
-        </p:spPr>
+        <p:spPr/>
         <p:txBody>
-          <a:bodyPr>
-            <a:normAutofit fontScale="70000" lnSpcReduction="20000"/>
-          </a:bodyPr>
+          <a:bodyPr/>
           <a:lstStyle/>
           <a:p>
             <a:pPr marL="0" indent="0">
               <a:buNone/>
             </a:pPr>
             <a:r>
-              <a:rPr lang="en-US" sz="3400" dirty="0"/>
-              <a:t>Given the preceding classes, what would be the </a:t>
-            </a:r>
-            <a:r>
-              <a:rPr lang="en-US" sz="3400" b="1" dirty="0"/>
-              <a:t>output</a:t>
-            </a:r>
-            <a:r>
-              <a:rPr lang="en-US" sz="3400" dirty="0"/>
-              <a:t> of the following client code?</a:t>
+              <a:rPr lang="en-US" dirty="0">
+                <a:latin typeface="Courier New" panose="02070309020205020404" pitchFamily="49" charset="0"/>
+                <a:cs typeface="Courier New" panose="02070309020205020404" pitchFamily="49" charset="0"/>
+              </a:rPr>
+              <a:t>public class Lion extends Animal { … }</a:t>
             </a:r>
           </a:p>
           <a:p>
@@ -26162,98 +26216,25 @@
               <a:buNone/>
             </a:pPr>
             <a:r>
+              <a:rPr lang="en-US" dirty="0">
+                <a:latin typeface="Courier New" panose="02070309020205020404" pitchFamily="49" charset="0"/>
+                <a:cs typeface="Courier New" panose="02070309020205020404" pitchFamily="49" charset="0"/>
+              </a:rPr>
+              <a:t>Animal </a:t>
+            </a:r>
+            <a:r>
               <a:rPr lang="en-US" dirty="0" err="1">
                 <a:latin typeface="Courier New" panose="02070309020205020404" pitchFamily="49" charset="0"/>
                 <a:cs typeface="Courier New" panose="02070309020205020404" pitchFamily="49" charset="0"/>
               </a:rPr>
-              <a:t>MusicalInstrument</a:t>
+              <a:t>simba</a:t>
             </a:r>
             <a:r>
               <a:rPr lang="en-US" dirty="0">
                 <a:latin typeface="Courier New" panose="02070309020205020404" pitchFamily="49" charset="0"/>
                 <a:cs typeface="Courier New" panose="02070309020205020404" pitchFamily="49" charset="0"/>
               </a:rPr>
-              <a:t>[] </a:t>
-            </a:r>
-            <a:r>
-              <a:rPr lang="en-US" dirty="0" err="1">
-                <a:latin typeface="Courier New" panose="02070309020205020404" pitchFamily="49" charset="0"/>
-                <a:cs typeface="Courier New" panose="02070309020205020404" pitchFamily="49" charset="0"/>
-              </a:rPr>
-              <a:t>insts</a:t>
-            </a:r>
-            <a:r>
-              <a:rPr lang="en-US" dirty="0">
-                <a:latin typeface="Courier New" panose="02070309020205020404" pitchFamily="49" charset="0"/>
-                <a:cs typeface="Courier New" panose="02070309020205020404" pitchFamily="49" charset="0"/>
-              </a:rPr>
-              <a:t> = {</a:t>
-            </a:r>
-          </a:p>
-          <a:p>
-            <a:pPr marL="0" indent="0">
-              <a:buNone/>
-            </a:pPr>
-            <a:r>
-              <a:rPr lang="en-US" dirty="0">
-                <a:latin typeface="Courier New" panose="02070309020205020404" pitchFamily="49" charset="0"/>
-                <a:cs typeface="Courier New" panose="02070309020205020404" pitchFamily="49" charset="0"/>
-              </a:rPr>
-              <a:t>	new </a:t>
-            </a:r>
-            <a:r>
-              <a:rPr lang="en-US" dirty="0" err="1">
-                <a:latin typeface="Courier New" panose="02070309020205020404" pitchFamily="49" charset="0"/>
-                <a:cs typeface="Courier New" panose="02070309020205020404" pitchFamily="49" charset="0"/>
-              </a:rPr>
-              <a:t>MusicalInstrument</a:t>
-            </a:r>
-            <a:r>
-              <a:rPr lang="en-US" dirty="0">
-                <a:latin typeface="Courier New" panose="02070309020205020404" pitchFamily="49" charset="0"/>
-                <a:cs typeface="Courier New" panose="02070309020205020404" pitchFamily="49" charset="0"/>
-              </a:rPr>
-              <a:t>(), new </a:t>
-            </a:r>
-            <a:r>
-              <a:rPr lang="en-US" dirty="0" err="1">
-                <a:latin typeface="Courier New" panose="02070309020205020404" pitchFamily="49" charset="0"/>
-                <a:cs typeface="Courier New" panose="02070309020205020404" pitchFamily="49" charset="0"/>
-              </a:rPr>
-              <a:t>ElectricKeyboard</a:t>
-            </a:r>
-            <a:r>
-              <a:rPr lang="en-US" dirty="0">
-                <a:latin typeface="Courier New" panose="02070309020205020404" pitchFamily="49" charset="0"/>
-                <a:cs typeface="Courier New" panose="02070309020205020404" pitchFamily="49" charset="0"/>
-              </a:rPr>
-              <a:t>(),</a:t>
-            </a:r>
-          </a:p>
-          <a:p>
-            <a:pPr marL="0" indent="0">
-              <a:buNone/>
-            </a:pPr>
-            <a:r>
-              <a:rPr lang="en-US" dirty="0">
-                <a:latin typeface="Courier New" panose="02070309020205020404" pitchFamily="49" charset="0"/>
-                <a:cs typeface="Courier New" panose="02070309020205020404" pitchFamily="49" charset="0"/>
-              </a:rPr>
-              <a:t> 	new Guitar(), new </a:t>
-            </a:r>
-            <a:r>
-              <a:rPr lang="en-US" dirty="0" err="1">
-                <a:latin typeface="Courier New" panose="02070309020205020404" pitchFamily="49" charset="0"/>
-                <a:cs typeface="Courier New" panose="02070309020205020404" pitchFamily="49" charset="0"/>
-              </a:rPr>
-              <a:t>ElectricGuitar</a:t>
-            </a:r>
-            <a:r>
-              <a:rPr lang="en-US" dirty="0">
-                <a:latin typeface="Courier New" panose="02070309020205020404" pitchFamily="49" charset="0"/>
-                <a:cs typeface="Courier New" panose="02070309020205020404" pitchFamily="49" charset="0"/>
-              </a:rPr>
-              <a:t>() };</a:t>
+              <a:t> = new Lion();</a:t>
             </a:r>
           </a:p>
           <a:p>
@@ -26270,281 +26251,67 @@
               <a:buNone/>
             </a:pPr>
             <a:r>
+              <a:rPr lang="en-US" dirty="0" err="1">
+                <a:latin typeface="Courier New" panose="02070309020205020404" pitchFamily="49" charset="0"/>
+                <a:cs typeface="Courier New" panose="02070309020205020404" pitchFamily="49" charset="0"/>
+              </a:rPr>
+              <a:t>System.out.prinln</a:t>
+            </a:r>
+            <a:r>
               <a:rPr lang="en-US" dirty="0">
                 <a:latin typeface="Courier New" panose="02070309020205020404" pitchFamily="49" charset="0"/>
                 <a:cs typeface="Courier New" panose="02070309020205020404" pitchFamily="49" charset="0"/>
               </a:rPr>
-              <a:t>for (</a:t>
+              <a:t>(</a:t>
             </a:r>
             <a:r>
               <a:rPr lang="en-US" dirty="0" err="1">
                 <a:latin typeface="Courier New" panose="02070309020205020404" pitchFamily="49" charset="0"/>
                 <a:cs typeface="Courier New" panose="02070309020205020404" pitchFamily="49" charset="0"/>
               </a:rPr>
-              <a:t>int</a:t>
+              <a:t>simba.say</a:t>
             </a:r>
             <a:r>
               <a:rPr lang="en-US" dirty="0">
                 <a:latin typeface="Courier New" panose="02070309020205020404" pitchFamily="49" charset="0"/>
                 <a:cs typeface="Courier New" panose="02070309020205020404" pitchFamily="49" charset="0"/>
               </a:rPr>
-              <a:t> </a:t>
+              <a:t>());</a:t>
+            </a:r>
+          </a:p>
+          <a:p>
+            <a:pPr marL="0" indent="0">
+              <a:buNone/>
+            </a:pPr>
+            <a:endParaRPr lang="en-US" dirty="0">
+              <a:latin typeface="Courier New" panose="02070309020205020404" pitchFamily="49" charset="0"/>
+              <a:cs typeface="Courier New" panose="02070309020205020404" pitchFamily="49" charset="0"/>
+            </a:endParaRPr>
+          </a:p>
+          <a:p>
+            <a:pPr marL="0" indent="0">
+              <a:buNone/>
+            </a:pPr>
+            <a:r>
+              <a:rPr lang="en-US" dirty="0">
+                <a:latin typeface="Courier New" panose="02070309020205020404" pitchFamily="49" charset="0"/>
+                <a:cs typeface="Courier New" panose="02070309020205020404" pitchFamily="49" charset="0"/>
+              </a:rPr>
+              <a:t>Output: “</a:t>
             </a:r>
             <a:r>
               <a:rPr lang="en-US" dirty="0" err="1">
                 <a:latin typeface="Courier New" panose="02070309020205020404" pitchFamily="49" charset="0"/>
                 <a:cs typeface="Courier New" panose="02070309020205020404" pitchFamily="49" charset="0"/>
               </a:rPr>
-              <a:t>i</a:t>
+              <a:t>Rawr</a:t>
             </a:r>
             <a:r>
               <a:rPr lang="en-US" dirty="0">
                 <a:latin typeface="Courier New" panose="02070309020205020404" pitchFamily="49" charset="0"/>
                 <a:cs typeface="Courier New" panose="02070309020205020404" pitchFamily="49" charset="0"/>
               </a:rPr>
-              <a:t> = 0; </a:t>
-            </a:r>
-            <a:r>
-              <a:rPr lang="en-US" dirty="0" err="1">
-                <a:latin typeface="Courier New" panose="02070309020205020404" pitchFamily="49" charset="0"/>
-                <a:cs typeface="Courier New" panose="02070309020205020404" pitchFamily="49" charset="0"/>
-              </a:rPr>
-              <a:t>i</a:t>
-            </a:r>
-            <a:r>
-              <a:rPr lang="en-US" dirty="0">
-                <a:latin typeface="Courier New" panose="02070309020205020404" pitchFamily="49" charset="0"/>
-                <a:cs typeface="Courier New" panose="02070309020205020404" pitchFamily="49" charset="0"/>
-              </a:rPr>
-              <a:t> &lt; </a:t>
-            </a:r>
-            <a:r>
-              <a:rPr lang="en-US" dirty="0" err="1">
-                <a:latin typeface="Courier New" panose="02070309020205020404" pitchFamily="49" charset="0"/>
-                <a:cs typeface="Courier New" panose="02070309020205020404" pitchFamily="49" charset="0"/>
-              </a:rPr>
-              <a:t>insts.length</a:t>
-            </a:r>
-            <a:r>
-              <a:rPr lang="en-US" dirty="0">
-                <a:latin typeface="Courier New" panose="02070309020205020404" pitchFamily="49" charset="0"/>
-                <a:cs typeface="Courier New" panose="02070309020205020404" pitchFamily="49" charset="0"/>
-              </a:rPr>
-              <a:t>; </a:t>
-            </a:r>
-            <a:r>
-              <a:rPr lang="en-US" dirty="0" err="1">
-                <a:latin typeface="Courier New" panose="02070309020205020404" pitchFamily="49" charset="0"/>
-                <a:cs typeface="Courier New" panose="02070309020205020404" pitchFamily="49" charset="0"/>
-              </a:rPr>
-              <a:t>i</a:t>
-            </a:r>
-            <a:r>
-              <a:rPr lang="en-US" dirty="0">
-                <a:latin typeface="Courier New" panose="02070309020205020404" pitchFamily="49" charset="0"/>
-                <a:cs typeface="Courier New" panose="02070309020205020404" pitchFamily="49" charset="0"/>
-              </a:rPr>
-              <a:t>++) {</a:t>
-            </a:r>
-          </a:p>
-          <a:p>
-            <a:pPr marL="0" indent="0">
-              <a:buNone/>
-            </a:pPr>
-            <a:r>
-              <a:rPr lang="en-US" dirty="0">
-                <a:latin typeface="Courier New" panose="02070309020205020404" pitchFamily="49" charset="0"/>
-                <a:cs typeface="Courier New" panose="02070309020205020404" pitchFamily="49" charset="0"/>
-              </a:rPr>
-              <a:t>	</a:t>
-            </a:r>
-            <a:r>
-              <a:rPr lang="en-US" dirty="0" err="1">
-                <a:latin typeface="Courier New" panose="02070309020205020404" pitchFamily="49" charset="0"/>
-                <a:cs typeface="Courier New" panose="02070309020205020404" pitchFamily="49" charset="0"/>
-              </a:rPr>
-              <a:t>System.out.println</a:t>
-            </a:r>
-            <a:r>
-              <a:rPr lang="en-US" dirty="0">
-                <a:latin typeface="Courier New" panose="02070309020205020404" pitchFamily="49" charset="0"/>
-                <a:cs typeface="Courier New" panose="02070309020205020404" pitchFamily="49" charset="0"/>
-              </a:rPr>
-              <a:t>(</a:t>
-            </a:r>
-            <a:r>
-              <a:rPr lang="en-US" dirty="0" err="1">
-                <a:latin typeface="Courier New" panose="02070309020205020404" pitchFamily="49" charset="0"/>
-                <a:cs typeface="Courier New" panose="02070309020205020404" pitchFamily="49" charset="0"/>
-              </a:rPr>
-              <a:t>insts</a:t>
-            </a:r>
-            <a:r>
-              <a:rPr lang="en-US" dirty="0">
-                <a:latin typeface="Courier New" panose="02070309020205020404" pitchFamily="49" charset="0"/>
-                <a:cs typeface="Courier New" panose="02070309020205020404" pitchFamily="49" charset="0"/>
-              </a:rPr>
-              <a:t>[</a:t>
-            </a:r>
-            <a:r>
-              <a:rPr lang="en-US" dirty="0" err="1">
-                <a:latin typeface="Courier New" panose="02070309020205020404" pitchFamily="49" charset="0"/>
-                <a:cs typeface="Courier New" panose="02070309020205020404" pitchFamily="49" charset="0"/>
-              </a:rPr>
-              <a:t>i</a:t>
-            </a:r>
-            <a:r>
-              <a:rPr lang="en-US" dirty="0">
-                <a:latin typeface="Courier New" panose="02070309020205020404" pitchFamily="49" charset="0"/>
-                <a:cs typeface="Courier New" panose="02070309020205020404" pitchFamily="49" charset="0"/>
-              </a:rPr>
-              <a:t>]);</a:t>
-            </a:r>
-          </a:p>
-          <a:p>
-            <a:pPr marL="0" indent="0">
-              <a:buNone/>
-            </a:pPr>
-            <a:r>
-              <a:rPr lang="en-US" dirty="0">
-                <a:latin typeface="Courier New" panose="02070309020205020404" pitchFamily="49" charset="0"/>
-                <a:cs typeface="Courier New" panose="02070309020205020404" pitchFamily="49" charset="0"/>
-              </a:rPr>
-              <a:t>    	</a:t>
-            </a:r>
-            <a:r>
-              <a:rPr lang="en-US" dirty="0" err="1">
-                <a:latin typeface="Courier New" panose="02070309020205020404" pitchFamily="49" charset="0"/>
-                <a:cs typeface="Courier New" panose="02070309020205020404" pitchFamily="49" charset="0"/>
-              </a:rPr>
-              <a:t>insts</a:t>
-            </a:r>
-            <a:r>
-              <a:rPr lang="en-US" dirty="0">
-                <a:latin typeface="Courier New" panose="02070309020205020404" pitchFamily="49" charset="0"/>
-                <a:cs typeface="Courier New" panose="02070309020205020404" pitchFamily="49" charset="0"/>
-              </a:rPr>
-              <a:t> [</a:t>
-            </a:r>
-            <a:r>
-              <a:rPr lang="en-US" dirty="0" err="1">
-                <a:latin typeface="Courier New" panose="02070309020205020404" pitchFamily="49" charset="0"/>
-                <a:cs typeface="Courier New" panose="02070309020205020404" pitchFamily="49" charset="0"/>
-              </a:rPr>
-              <a:t>i</a:t>
-            </a:r>
-            <a:r>
-              <a:rPr lang="en-US" dirty="0">
-                <a:latin typeface="Courier New" panose="02070309020205020404" pitchFamily="49" charset="0"/>
-                <a:cs typeface="Courier New" panose="02070309020205020404" pitchFamily="49" charset="0"/>
-              </a:rPr>
-              <a:t>].</a:t>
-            </a:r>
-            <a:r>
-              <a:rPr lang="en-US" dirty="0" err="1">
-                <a:latin typeface="Courier New" panose="02070309020205020404" pitchFamily="49" charset="0"/>
-                <a:cs typeface="Courier New" panose="02070309020205020404" pitchFamily="49" charset="0"/>
-              </a:rPr>
-              <a:t>pickSound</a:t>
-            </a:r>
-            <a:r>
-              <a:rPr lang="en-US" dirty="0">
-                <a:latin typeface="Courier New" panose="02070309020205020404" pitchFamily="49" charset="0"/>
-                <a:cs typeface="Courier New" panose="02070309020205020404" pitchFamily="49" charset="0"/>
-              </a:rPr>
-              <a:t>();</a:t>
-            </a:r>
-          </a:p>
-          <a:p>
-            <a:pPr marL="0" indent="0">
-              <a:buNone/>
-            </a:pPr>
-            <a:r>
-              <a:rPr lang="en-US" dirty="0">
-                <a:latin typeface="Courier New" panose="02070309020205020404" pitchFamily="49" charset="0"/>
-                <a:cs typeface="Courier New" panose="02070309020205020404" pitchFamily="49" charset="0"/>
-              </a:rPr>
-              <a:t>    	</a:t>
-            </a:r>
-            <a:r>
-              <a:rPr lang="en-US" dirty="0" err="1">
-                <a:latin typeface="Courier New" panose="02070309020205020404" pitchFamily="49" charset="0"/>
-                <a:cs typeface="Courier New" panose="02070309020205020404" pitchFamily="49" charset="0"/>
-              </a:rPr>
-              <a:t>insts</a:t>
-            </a:r>
-            <a:r>
-              <a:rPr lang="en-US" dirty="0">
-                <a:latin typeface="Courier New" panose="02070309020205020404" pitchFamily="49" charset="0"/>
-                <a:cs typeface="Courier New" panose="02070309020205020404" pitchFamily="49" charset="0"/>
-              </a:rPr>
-              <a:t> [</a:t>
-            </a:r>
-            <a:r>
-              <a:rPr lang="en-US" dirty="0" err="1">
-                <a:latin typeface="Courier New" panose="02070309020205020404" pitchFamily="49" charset="0"/>
-                <a:cs typeface="Courier New" panose="02070309020205020404" pitchFamily="49" charset="0"/>
-              </a:rPr>
-              <a:t>i</a:t>
-            </a:r>
-            <a:r>
-              <a:rPr lang="en-US" dirty="0">
-                <a:latin typeface="Courier New" panose="02070309020205020404" pitchFamily="49" charset="0"/>
-                <a:cs typeface="Courier New" panose="02070309020205020404" pitchFamily="49" charset="0"/>
-              </a:rPr>
-              <a:t>].</a:t>
-            </a:r>
-            <a:r>
-              <a:rPr lang="en-US" dirty="0" err="1">
-                <a:latin typeface="Courier New" panose="02070309020205020404" pitchFamily="49" charset="0"/>
-                <a:cs typeface="Courier New" panose="02070309020205020404" pitchFamily="49" charset="0"/>
-              </a:rPr>
-              <a:t>playNote</a:t>
-            </a:r>
-            <a:r>
-              <a:rPr lang="en-US" dirty="0">
-                <a:latin typeface="Courier New" panose="02070309020205020404" pitchFamily="49" charset="0"/>
-                <a:cs typeface="Courier New" panose="02070309020205020404" pitchFamily="49" charset="0"/>
-              </a:rPr>
-              <a:t>();</a:t>
-            </a:r>
-          </a:p>
-          <a:p>
-            <a:pPr marL="0" indent="0">
-              <a:buNone/>
-            </a:pPr>
-            <a:r>
-              <a:rPr lang="en-US" dirty="0">
-                <a:latin typeface="Courier New" panose="02070309020205020404" pitchFamily="49" charset="0"/>
-                <a:cs typeface="Courier New" panose="02070309020205020404" pitchFamily="49" charset="0"/>
-              </a:rPr>
-              <a:t>    	</a:t>
-            </a:r>
-            <a:r>
-              <a:rPr lang="en-US" dirty="0" err="1">
-                <a:latin typeface="Courier New" panose="02070309020205020404" pitchFamily="49" charset="0"/>
-                <a:cs typeface="Courier New" panose="02070309020205020404" pitchFamily="49" charset="0"/>
-              </a:rPr>
-              <a:t>System.out.println</a:t>
-            </a:r>
-            <a:r>
-              <a:rPr lang="en-US" dirty="0">
-                <a:latin typeface="Courier New" panose="02070309020205020404" pitchFamily="49" charset="0"/>
-                <a:cs typeface="Courier New" panose="02070309020205020404" pitchFamily="49" charset="0"/>
-              </a:rPr>
-              <a:t>();</a:t>
-            </a:r>
-          </a:p>
-          <a:p>
-            <a:pPr marL="0" indent="0">
-              <a:buNone/>
-            </a:pPr>
-            <a:r>
-              <a:rPr lang="en-US" dirty="0">
-                <a:latin typeface="Courier New" panose="02070309020205020404" pitchFamily="49" charset="0"/>
-                <a:cs typeface="Courier New" panose="02070309020205020404" pitchFamily="49" charset="0"/>
-              </a:rPr>
-              <a:t>}</a:t>
+              <a:t>!!”</a:t>
             </a:r>
           </a:p>
         </p:txBody>
@@ -26552,7 +26319,7 @@
     </p:spTree>
     <p:extLst>
       <p:ext uri="{BB962C8B-B14F-4D97-AF65-F5344CB8AC3E}">
-        <p14:creationId xmlns:p14="http://schemas.microsoft.com/office/powerpoint/2010/main" val="1572219314"/>
+        <p14:creationId xmlns:p14="http://schemas.microsoft.com/office/powerpoint/2010/main" val="4052956799"/>
       </p:ext>
     </p:extLst>
   </p:cSld>
@@ -26650,7 +26417,7 @@
           <a:p>
             <a:r>
               <a:rPr lang="en-US" dirty="0"/>
-              <a:t>Step 1: Class Diagram</a:t>
+              <a:t>The Exercise</a:t>
             </a:r>
           </a:p>
         </p:txBody>
@@ -26665,35 +26432,114 @@
             <p:ph idx="1"/>
           </p:nvPr>
         </p:nvSpPr>
-        <p:spPr/>
+        <p:spPr>
+          <a:xfrm>
+            <a:off x="838200" y="2057399"/>
+            <a:ext cx="10707168" cy="4119563"/>
+          </a:xfrm>
+        </p:spPr>
         <p:txBody>
-          <a:bodyPr/>
+          <a:bodyPr>
+            <a:normAutofit fontScale="70000" lnSpcReduction="20000"/>
+          </a:bodyPr>
           <a:lstStyle/>
           <a:p>
             <a:pPr marL="0" indent="0">
               <a:buNone/>
             </a:pPr>
-            <a:endParaRPr lang="en-US" dirty="0"/>
+            <a:r>
+              <a:rPr lang="en-US" sz="3400" dirty="0"/>
+              <a:t>Given the preceding classes, what would be the </a:t>
+            </a:r>
+            <a:r>
+              <a:rPr lang="en-US" sz="3400" b="1" dirty="0"/>
+              <a:t>output</a:t>
+            </a:r>
+            <a:r>
+              <a:rPr lang="en-US" sz="3400" dirty="0"/>
+              <a:t> of the following client code?</a:t>
+            </a:r>
           </a:p>
           <a:p>
             <a:pPr marL="0" indent="0">
               <a:buNone/>
             </a:pPr>
-            <a:endParaRPr lang="en-US" dirty="0"/>
+            <a:endParaRPr lang="en-US" dirty="0">
+              <a:latin typeface="Courier New" panose="02070309020205020404" pitchFamily="49" charset="0"/>
+              <a:cs typeface="Courier New" panose="02070309020205020404" pitchFamily="49" charset="0"/>
+            </a:endParaRPr>
           </a:p>
           <a:p>
             <a:pPr marL="0" indent="0">
               <a:buNone/>
             </a:pPr>
-            <a:endParaRPr lang="en-US" dirty="0"/>
+            <a:r>
+              <a:rPr lang="en-US" dirty="0" err="1">
+                <a:latin typeface="Courier New" panose="02070309020205020404" pitchFamily="49" charset="0"/>
+                <a:cs typeface="Courier New" panose="02070309020205020404" pitchFamily="49" charset="0"/>
+              </a:rPr>
+              <a:t>MusicalInstrument</a:t>
+            </a:r>
+            <a:r>
+              <a:rPr lang="en-US" dirty="0">
+                <a:latin typeface="Courier New" panose="02070309020205020404" pitchFamily="49" charset="0"/>
+                <a:cs typeface="Courier New" panose="02070309020205020404" pitchFamily="49" charset="0"/>
+              </a:rPr>
+              <a:t>[] </a:t>
+            </a:r>
+            <a:r>
+              <a:rPr lang="en-US" dirty="0" err="1">
+                <a:latin typeface="Courier New" panose="02070309020205020404" pitchFamily="49" charset="0"/>
+                <a:cs typeface="Courier New" panose="02070309020205020404" pitchFamily="49" charset="0"/>
+              </a:rPr>
+              <a:t>insts</a:t>
+            </a:r>
+            <a:r>
+              <a:rPr lang="en-US" dirty="0">
+                <a:latin typeface="Courier New" panose="02070309020205020404" pitchFamily="49" charset="0"/>
+                <a:cs typeface="Courier New" panose="02070309020205020404" pitchFamily="49" charset="0"/>
+              </a:rPr>
+              <a:t> = {</a:t>
+            </a:r>
           </a:p>
           <a:p>
             <a:pPr marL="0" indent="0">
               <a:buNone/>
             </a:pPr>
             <a:r>
-              <a:rPr lang="en-US" dirty="0"/>
-              <a:t>Add classes from top (superclass)</a:t>
+              <a:rPr lang="en-US" dirty="0">
+                <a:latin typeface="Courier New" panose="02070309020205020404" pitchFamily="49" charset="0"/>
+                <a:cs typeface="Courier New" panose="02070309020205020404" pitchFamily="49" charset="0"/>
+              </a:rPr>
+              <a:t>	new </a:t>
+            </a:r>
+            <a:r>
+              <a:rPr lang="en-US" dirty="0" err="1">
+                <a:latin typeface="Courier New" panose="02070309020205020404" pitchFamily="49" charset="0"/>
+                <a:cs typeface="Courier New" panose="02070309020205020404" pitchFamily="49" charset="0"/>
+              </a:rPr>
+              <a:t>MusicalInstrument</a:t>
+            </a:r>
+            <a:r>
+              <a:rPr lang="en-US" dirty="0">
+                <a:latin typeface="Courier New" panose="02070309020205020404" pitchFamily="49" charset="0"/>
+                <a:cs typeface="Courier New" panose="02070309020205020404" pitchFamily="49" charset="0"/>
+              </a:rPr>
+              <a:t>(), new </a:t>
+            </a:r>
+            <a:r>
+              <a:rPr lang="en-US" dirty="0" err="1">
+                <a:latin typeface="Courier New" panose="02070309020205020404" pitchFamily="49" charset="0"/>
+                <a:cs typeface="Courier New" panose="02070309020205020404" pitchFamily="49" charset="0"/>
+              </a:rPr>
+              <a:t>ElectricKeyboard</a:t>
+            </a:r>
+            <a:r>
+              <a:rPr lang="en-US" dirty="0">
+                <a:latin typeface="Courier New" panose="02070309020205020404" pitchFamily="49" charset="0"/>
+                <a:cs typeface="Courier New" panose="02070309020205020404" pitchFamily="49" charset="0"/>
+              </a:rPr>
+              <a:t>(),</a:t>
             </a:r>
           </a:p>
           <a:p>
@@ -26701,34 +26547,324 @@
               <a:buNone/>
             </a:pPr>
             <a:r>
-              <a:rPr lang="en-US" dirty="0"/>
-              <a:t>	to bottom (subclass).</a:t>
+              <a:rPr lang="en-US" dirty="0">
+                <a:latin typeface="Courier New" panose="02070309020205020404" pitchFamily="49" charset="0"/>
+                <a:cs typeface="Courier New" panose="02070309020205020404" pitchFamily="49" charset="0"/>
+              </a:rPr>
+              <a:t> 	new Guitar(), new </a:t>
+            </a:r>
+            <a:r>
+              <a:rPr lang="en-US" dirty="0" err="1">
+                <a:latin typeface="Courier New" panose="02070309020205020404" pitchFamily="49" charset="0"/>
+                <a:cs typeface="Courier New" panose="02070309020205020404" pitchFamily="49" charset="0"/>
+              </a:rPr>
+              <a:t>ElectricGuitar</a:t>
+            </a:r>
+            <a:r>
+              <a:rPr lang="en-US" dirty="0">
+                <a:latin typeface="Courier New" panose="02070309020205020404" pitchFamily="49" charset="0"/>
+                <a:cs typeface="Courier New" panose="02070309020205020404" pitchFamily="49" charset="0"/>
+              </a:rPr>
+              <a:t>() };</a:t>
+            </a:r>
+          </a:p>
+          <a:p>
+            <a:pPr marL="0" indent="0">
+              <a:buNone/>
+            </a:pPr>
+            <a:endParaRPr lang="en-US" dirty="0">
+              <a:latin typeface="Courier New" panose="02070309020205020404" pitchFamily="49" charset="0"/>
+              <a:cs typeface="Courier New" panose="02070309020205020404" pitchFamily="49" charset="0"/>
+            </a:endParaRPr>
+          </a:p>
+          <a:p>
+            <a:pPr marL="0" indent="0">
+              <a:buNone/>
+            </a:pPr>
+            <a:r>
+              <a:rPr lang="en-US" dirty="0">
+                <a:latin typeface="Courier New" panose="02070309020205020404" pitchFamily="49" charset="0"/>
+                <a:cs typeface="Courier New" panose="02070309020205020404" pitchFamily="49" charset="0"/>
+              </a:rPr>
+              <a:t>for (</a:t>
+            </a:r>
+            <a:r>
+              <a:rPr lang="en-US" dirty="0" err="1">
+                <a:latin typeface="Courier New" panose="02070309020205020404" pitchFamily="49" charset="0"/>
+                <a:cs typeface="Courier New" panose="02070309020205020404" pitchFamily="49" charset="0"/>
+              </a:rPr>
+              <a:t>int</a:t>
+            </a:r>
+            <a:r>
+              <a:rPr lang="en-US" dirty="0">
+                <a:latin typeface="Courier New" panose="02070309020205020404" pitchFamily="49" charset="0"/>
+                <a:cs typeface="Courier New" panose="02070309020205020404" pitchFamily="49" charset="0"/>
+              </a:rPr>
+              <a:t> </a:t>
+            </a:r>
+            <a:r>
+              <a:rPr lang="en-US" dirty="0" err="1">
+                <a:latin typeface="Courier New" panose="02070309020205020404" pitchFamily="49" charset="0"/>
+                <a:cs typeface="Courier New" panose="02070309020205020404" pitchFamily="49" charset="0"/>
+              </a:rPr>
+              <a:t>i</a:t>
+            </a:r>
+            <a:r>
+              <a:rPr lang="en-US" dirty="0">
+                <a:latin typeface="Courier New" panose="02070309020205020404" pitchFamily="49" charset="0"/>
+                <a:cs typeface="Courier New" panose="02070309020205020404" pitchFamily="49" charset="0"/>
+              </a:rPr>
+              <a:t> = 0; </a:t>
+            </a:r>
+            <a:r>
+              <a:rPr lang="en-US" dirty="0" err="1">
+                <a:latin typeface="Courier New" panose="02070309020205020404" pitchFamily="49" charset="0"/>
+                <a:cs typeface="Courier New" panose="02070309020205020404" pitchFamily="49" charset="0"/>
+              </a:rPr>
+              <a:t>i</a:t>
+            </a:r>
+            <a:r>
+              <a:rPr lang="en-US" dirty="0">
+                <a:latin typeface="Courier New" panose="02070309020205020404" pitchFamily="49" charset="0"/>
+                <a:cs typeface="Courier New" panose="02070309020205020404" pitchFamily="49" charset="0"/>
+              </a:rPr>
+              <a:t> &lt; </a:t>
+            </a:r>
+            <a:r>
+              <a:rPr lang="en-US" dirty="0" err="1">
+                <a:latin typeface="Courier New" panose="02070309020205020404" pitchFamily="49" charset="0"/>
+                <a:cs typeface="Courier New" panose="02070309020205020404" pitchFamily="49" charset="0"/>
+              </a:rPr>
+              <a:t>insts.length</a:t>
+            </a:r>
+            <a:r>
+              <a:rPr lang="en-US" dirty="0">
+                <a:latin typeface="Courier New" panose="02070309020205020404" pitchFamily="49" charset="0"/>
+                <a:cs typeface="Courier New" panose="02070309020205020404" pitchFamily="49" charset="0"/>
+              </a:rPr>
+              <a:t>; </a:t>
+            </a:r>
+            <a:r>
+              <a:rPr lang="en-US" dirty="0" err="1">
+                <a:latin typeface="Courier New" panose="02070309020205020404" pitchFamily="49" charset="0"/>
+                <a:cs typeface="Courier New" panose="02070309020205020404" pitchFamily="49" charset="0"/>
+              </a:rPr>
+              <a:t>i</a:t>
+            </a:r>
+            <a:r>
+              <a:rPr lang="en-US" dirty="0">
+                <a:latin typeface="Courier New" panose="02070309020205020404" pitchFamily="49" charset="0"/>
+                <a:cs typeface="Courier New" panose="02070309020205020404" pitchFamily="49" charset="0"/>
+              </a:rPr>
+              <a:t>++) {</a:t>
+            </a:r>
+          </a:p>
+          <a:p>
+            <a:pPr marL="0" indent="0">
+              <a:buNone/>
+            </a:pPr>
+            <a:r>
+              <a:rPr lang="en-US" dirty="0">
+                <a:latin typeface="Courier New" panose="02070309020205020404" pitchFamily="49" charset="0"/>
+                <a:cs typeface="Courier New" panose="02070309020205020404" pitchFamily="49" charset="0"/>
+              </a:rPr>
+              <a:t>	</a:t>
+            </a:r>
+            <a:r>
+              <a:rPr lang="en-US" dirty="0" err="1">
+                <a:latin typeface="Courier New" panose="02070309020205020404" pitchFamily="49" charset="0"/>
+                <a:cs typeface="Courier New" panose="02070309020205020404" pitchFamily="49" charset="0"/>
+              </a:rPr>
+              <a:t>System.out.println</a:t>
+            </a:r>
+            <a:r>
+              <a:rPr lang="en-US" dirty="0">
+                <a:latin typeface="Courier New" panose="02070309020205020404" pitchFamily="49" charset="0"/>
+                <a:cs typeface="Courier New" panose="02070309020205020404" pitchFamily="49" charset="0"/>
+              </a:rPr>
+              <a:t>(</a:t>
+            </a:r>
+            <a:r>
+              <a:rPr lang="en-US" dirty="0" err="1">
+                <a:latin typeface="Courier New" panose="02070309020205020404" pitchFamily="49" charset="0"/>
+                <a:cs typeface="Courier New" panose="02070309020205020404" pitchFamily="49" charset="0"/>
+              </a:rPr>
+              <a:t>insts</a:t>
+            </a:r>
+            <a:r>
+              <a:rPr lang="en-US" dirty="0">
+                <a:latin typeface="Courier New" panose="02070309020205020404" pitchFamily="49" charset="0"/>
+                <a:cs typeface="Courier New" panose="02070309020205020404" pitchFamily="49" charset="0"/>
+              </a:rPr>
+              <a:t>[</a:t>
+            </a:r>
+            <a:r>
+              <a:rPr lang="en-US" dirty="0" err="1">
+                <a:latin typeface="Courier New" panose="02070309020205020404" pitchFamily="49" charset="0"/>
+                <a:cs typeface="Courier New" panose="02070309020205020404" pitchFamily="49" charset="0"/>
+              </a:rPr>
+              <a:t>i</a:t>
+            </a:r>
+            <a:r>
+              <a:rPr lang="en-US" dirty="0">
+                <a:latin typeface="Courier New" panose="02070309020205020404" pitchFamily="49" charset="0"/>
+                <a:cs typeface="Courier New" panose="02070309020205020404" pitchFamily="49" charset="0"/>
+              </a:rPr>
+              <a:t>]);</a:t>
+            </a:r>
+          </a:p>
+          <a:p>
+            <a:pPr marL="0" indent="0">
+              <a:buNone/>
+            </a:pPr>
+            <a:r>
+              <a:rPr lang="en-US" dirty="0">
+                <a:latin typeface="Courier New" panose="02070309020205020404" pitchFamily="49" charset="0"/>
+                <a:cs typeface="Courier New" panose="02070309020205020404" pitchFamily="49" charset="0"/>
+              </a:rPr>
+              <a:t>    	</a:t>
+            </a:r>
+            <a:r>
+              <a:rPr lang="en-US" dirty="0" err="1">
+                <a:latin typeface="Courier New" panose="02070309020205020404" pitchFamily="49" charset="0"/>
+                <a:cs typeface="Courier New" panose="02070309020205020404" pitchFamily="49" charset="0"/>
+              </a:rPr>
+              <a:t>insts</a:t>
+            </a:r>
+            <a:r>
+              <a:rPr lang="en-US" dirty="0">
+                <a:latin typeface="Courier New" panose="02070309020205020404" pitchFamily="49" charset="0"/>
+                <a:cs typeface="Courier New" panose="02070309020205020404" pitchFamily="49" charset="0"/>
+              </a:rPr>
+              <a:t> [</a:t>
+            </a:r>
+            <a:r>
+              <a:rPr lang="en-US" dirty="0" err="1">
+                <a:latin typeface="Courier New" panose="02070309020205020404" pitchFamily="49" charset="0"/>
+                <a:cs typeface="Courier New" panose="02070309020205020404" pitchFamily="49" charset="0"/>
+              </a:rPr>
+              <a:t>i</a:t>
+            </a:r>
+            <a:r>
+              <a:rPr lang="en-US" dirty="0">
+                <a:latin typeface="Courier New" panose="02070309020205020404" pitchFamily="49" charset="0"/>
+                <a:cs typeface="Courier New" panose="02070309020205020404" pitchFamily="49" charset="0"/>
+              </a:rPr>
+              <a:t>].</a:t>
+            </a:r>
+            <a:r>
+              <a:rPr lang="en-US" dirty="0" err="1">
+                <a:latin typeface="Courier New" panose="02070309020205020404" pitchFamily="49" charset="0"/>
+                <a:cs typeface="Courier New" panose="02070309020205020404" pitchFamily="49" charset="0"/>
+              </a:rPr>
+              <a:t>pickSound</a:t>
+            </a:r>
+            <a:r>
+              <a:rPr lang="en-US" dirty="0">
+                <a:latin typeface="Courier New" panose="02070309020205020404" pitchFamily="49" charset="0"/>
+                <a:cs typeface="Courier New" panose="02070309020205020404" pitchFamily="49" charset="0"/>
+              </a:rPr>
+              <a:t>();</a:t>
+            </a:r>
+          </a:p>
+          <a:p>
+            <a:pPr marL="0" indent="0">
+              <a:buNone/>
+            </a:pPr>
+            <a:r>
+              <a:rPr lang="en-US" dirty="0">
+                <a:latin typeface="Courier New" panose="02070309020205020404" pitchFamily="49" charset="0"/>
+                <a:cs typeface="Courier New" panose="02070309020205020404" pitchFamily="49" charset="0"/>
+              </a:rPr>
+              <a:t>    	</a:t>
+            </a:r>
+            <a:r>
+              <a:rPr lang="en-US" dirty="0" err="1">
+                <a:latin typeface="Courier New" panose="02070309020205020404" pitchFamily="49" charset="0"/>
+                <a:cs typeface="Courier New" panose="02070309020205020404" pitchFamily="49" charset="0"/>
+              </a:rPr>
+              <a:t>insts</a:t>
+            </a:r>
+            <a:r>
+              <a:rPr lang="en-US" dirty="0">
+                <a:latin typeface="Courier New" panose="02070309020205020404" pitchFamily="49" charset="0"/>
+                <a:cs typeface="Courier New" panose="02070309020205020404" pitchFamily="49" charset="0"/>
+              </a:rPr>
+              <a:t> [</a:t>
+            </a:r>
+            <a:r>
+              <a:rPr lang="en-US" dirty="0" err="1">
+                <a:latin typeface="Courier New" panose="02070309020205020404" pitchFamily="49" charset="0"/>
+                <a:cs typeface="Courier New" panose="02070309020205020404" pitchFamily="49" charset="0"/>
+              </a:rPr>
+              <a:t>i</a:t>
+            </a:r>
+            <a:r>
+              <a:rPr lang="en-US" dirty="0">
+                <a:latin typeface="Courier New" panose="02070309020205020404" pitchFamily="49" charset="0"/>
+                <a:cs typeface="Courier New" panose="02070309020205020404" pitchFamily="49" charset="0"/>
+              </a:rPr>
+              <a:t>].</a:t>
+            </a:r>
+            <a:r>
+              <a:rPr lang="en-US" dirty="0" err="1">
+                <a:latin typeface="Courier New" panose="02070309020205020404" pitchFamily="49" charset="0"/>
+                <a:cs typeface="Courier New" panose="02070309020205020404" pitchFamily="49" charset="0"/>
+              </a:rPr>
+              <a:t>playNote</a:t>
+            </a:r>
+            <a:r>
+              <a:rPr lang="en-US" dirty="0">
+                <a:latin typeface="Courier New" panose="02070309020205020404" pitchFamily="49" charset="0"/>
+                <a:cs typeface="Courier New" panose="02070309020205020404" pitchFamily="49" charset="0"/>
+              </a:rPr>
+              <a:t>();</a:t>
+            </a:r>
+          </a:p>
+          <a:p>
+            <a:pPr marL="0" indent="0">
+              <a:buNone/>
+            </a:pPr>
+            <a:r>
+              <a:rPr lang="en-US" dirty="0">
+                <a:latin typeface="Courier New" panose="02070309020205020404" pitchFamily="49" charset="0"/>
+                <a:cs typeface="Courier New" panose="02070309020205020404" pitchFamily="49" charset="0"/>
+              </a:rPr>
+              <a:t>    	</a:t>
+            </a:r>
+            <a:r>
+              <a:rPr lang="en-US" dirty="0" err="1">
+                <a:latin typeface="Courier New" panose="02070309020205020404" pitchFamily="49" charset="0"/>
+                <a:cs typeface="Courier New" panose="02070309020205020404" pitchFamily="49" charset="0"/>
+              </a:rPr>
+              <a:t>System.out.println</a:t>
+            </a:r>
+            <a:r>
+              <a:rPr lang="en-US" dirty="0">
+                <a:latin typeface="Courier New" panose="02070309020205020404" pitchFamily="49" charset="0"/>
+                <a:cs typeface="Courier New" panose="02070309020205020404" pitchFamily="49" charset="0"/>
+              </a:rPr>
+              <a:t>();</a:t>
+            </a:r>
+          </a:p>
+          <a:p>
+            <a:pPr marL="0" indent="0">
+              <a:buNone/>
+            </a:pPr>
+            <a:r>
+              <a:rPr lang="en-US" dirty="0">
+                <a:latin typeface="Courier New" panose="02070309020205020404" pitchFamily="49" charset="0"/>
+                <a:cs typeface="Courier New" panose="02070309020205020404" pitchFamily="49" charset="0"/>
+              </a:rPr>
+              <a:t>}</a:t>
             </a:r>
           </a:p>
         </p:txBody>
       </p:sp>
-      <p:graphicFrame>
-        <p:nvGraphicFramePr>
-          <p:cNvPr id="4" name="Diagram 3"/>
-          <p:cNvGraphicFramePr/>
-          <p:nvPr>
-            <p:extLst/>
-          </p:nvPr>
-        </p:nvGraphicFramePr>
-        <p:xfrm>
-          <a:off x="6096000" y="2057399"/>
-          <a:ext cx="6096000" cy="4064000"/>
-        </p:xfrm>
-        <a:graphic>
-          <a:graphicData uri="http://schemas.openxmlformats.org/drawingml/2006/diagram">
-            <dgm:relIds xmlns:dgm="http://schemas.openxmlformats.org/drawingml/2006/diagram" xmlns:r="http://schemas.openxmlformats.org/officeDocument/2006/relationships" r:dm="rId2" r:lo="rId3" r:qs="rId4" r:cs="rId5"/>
-          </a:graphicData>
-        </a:graphic>
-      </p:graphicFrame>
     </p:spTree>
     <p:extLst>
       <p:ext uri="{BB962C8B-B14F-4D97-AF65-F5344CB8AC3E}">
-        <p14:creationId xmlns:p14="http://schemas.microsoft.com/office/powerpoint/2010/main" val="3637651044"/>
+        <p14:creationId xmlns:p14="http://schemas.microsoft.com/office/powerpoint/2010/main" val="1572219314"/>
       </p:ext>
     </p:extLst>
   </p:cSld>
@@ -26772,7 +26908,7 @@
           <a:p>
             <a:r>
               <a:rPr lang="en-US" dirty="0"/>
-              <a:t>Step 2: Finding output with a table:</a:t>
+              <a:t>Step 1: Class Diagram</a:t>
             </a:r>
           </a:p>
         </p:txBody>
@@ -26792,6 +26928,126 @@
           <a:bodyPr/>
           <a:lstStyle/>
           <a:p>
+            <a:pPr marL="0" indent="0">
+              <a:buNone/>
+            </a:pPr>
+            <a:endParaRPr lang="en-US" dirty="0"/>
+          </a:p>
+          <a:p>
+            <a:pPr marL="0" indent="0">
+              <a:buNone/>
+            </a:pPr>
+            <a:endParaRPr lang="en-US" dirty="0"/>
+          </a:p>
+          <a:p>
+            <a:pPr marL="0" indent="0">
+              <a:buNone/>
+            </a:pPr>
+            <a:endParaRPr lang="en-US" dirty="0"/>
+          </a:p>
+          <a:p>
+            <a:pPr marL="0" indent="0">
+              <a:buNone/>
+            </a:pPr>
+            <a:r>
+              <a:rPr lang="en-US" dirty="0"/>
+              <a:t>Add classes from top (superclass)</a:t>
+            </a:r>
+          </a:p>
+          <a:p>
+            <a:pPr marL="0" indent="0">
+              <a:buNone/>
+            </a:pPr>
+            <a:r>
+              <a:rPr lang="en-US" dirty="0"/>
+              <a:t>	to bottom (subclass).</a:t>
+            </a:r>
+          </a:p>
+        </p:txBody>
+      </p:sp>
+      <p:graphicFrame>
+        <p:nvGraphicFramePr>
+          <p:cNvPr id="4" name="Diagram 3"/>
+          <p:cNvGraphicFramePr/>
+          <p:nvPr/>
+        </p:nvGraphicFramePr>
+        <p:xfrm>
+          <a:off x="6096000" y="2057399"/>
+          <a:ext cx="6096000" cy="4064000"/>
+        </p:xfrm>
+        <a:graphic>
+          <a:graphicData uri="http://schemas.openxmlformats.org/drawingml/2006/diagram">
+            <dgm:relIds xmlns:dgm="http://schemas.openxmlformats.org/drawingml/2006/diagram" xmlns:r="http://schemas.openxmlformats.org/officeDocument/2006/relationships" r:dm="rId2" r:lo="rId3" r:qs="rId4" r:cs="rId5"/>
+          </a:graphicData>
+        </a:graphic>
+      </p:graphicFrame>
+    </p:spTree>
+    <p:extLst>
+      <p:ext uri="{BB962C8B-B14F-4D97-AF65-F5344CB8AC3E}">
+        <p14:creationId xmlns:p14="http://schemas.microsoft.com/office/powerpoint/2010/main" val="3637651044"/>
+      </p:ext>
+    </p:extLst>
+  </p:cSld>
+  <p:clrMapOvr>
+    <a:masterClrMapping/>
+  </p:clrMapOvr>
+</p:sld>
+</file>
+
+<file path=ppt/slides/slide62.xml><?xml version="1.0" encoding="utf-8"?>
+<p:sld xmlns:a="http://schemas.openxmlformats.org/drawingml/2006/main" xmlns:r="http://schemas.openxmlformats.org/officeDocument/2006/relationships" xmlns:p="http://schemas.openxmlformats.org/presentationml/2006/main">
+  <p:cSld>
+    <p:spTree>
+      <p:nvGrpSpPr>
+        <p:cNvPr id="1" name=""/>
+        <p:cNvGrpSpPr/>
+        <p:nvPr/>
+      </p:nvGrpSpPr>
+      <p:grpSpPr>
+        <a:xfrm>
+          <a:off x="0" y="0"/>
+          <a:ext cx="0" cy="0"/>
+          <a:chOff x="0" y="0"/>
+          <a:chExt cx="0" cy="0"/>
+        </a:xfrm>
+      </p:grpSpPr>
+      <p:sp>
+        <p:nvSpPr>
+          <p:cNvPr id="2" name="Title 1"/>
+          <p:cNvSpPr>
+            <a:spLocks noGrp="1"/>
+          </p:cNvSpPr>
+          <p:nvPr>
+            <p:ph type="title"/>
+          </p:nvPr>
+        </p:nvSpPr>
+        <p:spPr/>
+        <p:txBody>
+          <a:bodyPr/>
+          <a:lstStyle/>
+          <a:p>
+            <a:r>
+              <a:rPr lang="en-US" dirty="0"/>
+              <a:t>Step 2: Finding output with a table:</a:t>
+            </a:r>
+          </a:p>
+        </p:txBody>
+      </p:sp>
+      <p:sp>
+        <p:nvSpPr>
+          <p:cNvPr id="3" name="Content Placeholder 2"/>
+          <p:cNvSpPr>
+            <a:spLocks noGrp="1"/>
+          </p:cNvSpPr>
+          <p:nvPr>
+            <p:ph idx="1"/>
+          </p:nvPr>
+        </p:nvSpPr>
+        <p:spPr/>
+        <p:txBody>
+          <a:bodyPr/>
+          <a:lstStyle/>
+          <a:p>
             <a:pPr marL="0" indent="0" algn="ctr">
               <a:buNone/>
             </a:pPr>
@@ -26855,9 +27111,7 @@
           <p:cNvGraphicFramePr>
             <a:graphicFrameLocks noGrp="1"/>
           </p:cNvGraphicFramePr>
-          <p:nvPr>
-            <p:extLst/>
-          </p:nvPr>
+          <p:nvPr/>
         </p:nvGraphicFramePr>
         <p:xfrm>
           <a:off x="2400300" y="2057399"/>
@@ -27319,7 +27573,7 @@
 </p:sld>
 </file>
 
-<file path=ppt/slides/slide62.xml><?xml version="1.0" encoding="utf-8"?>
+<file path=ppt/slides/slide63.xml><?xml version="1.0" encoding="utf-8"?>
 <p:sld xmlns:a="http://schemas.openxmlformats.org/drawingml/2006/main" xmlns:r="http://schemas.openxmlformats.org/officeDocument/2006/relationships" xmlns:p="http://schemas.openxmlformats.org/presentationml/2006/main">
   <p:cSld>
     <p:spTree>
@@ -27784,7 +28038,7 @@
 </p:sld>
 </file>
 
-<file path=ppt/slides/slide63.xml><?xml version="1.0" encoding="utf-8"?>
+<file path=ppt/slides/slide64.xml><?xml version="1.0" encoding="utf-8"?>
 <p:sld xmlns:a="http://schemas.openxmlformats.org/drawingml/2006/main" xmlns:r="http://schemas.openxmlformats.org/officeDocument/2006/relationships" xmlns:p="http://schemas.openxmlformats.org/presentationml/2006/main">
   <p:cSld>
     <p:spTree>
@@ -28066,7 +28320,7 @@
 </p:sld>
 </file>
 
-<file path=ppt/slides/slide64.xml><?xml version="1.0" encoding="utf-8"?>
+<file path=ppt/slides/slide65.xml><?xml version="1.0" encoding="utf-8"?>
 <p:sld xmlns:a="http://schemas.openxmlformats.org/drawingml/2006/main" xmlns:r="http://schemas.openxmlformats.org/officeDocument/2006/relationships" xmlns:p="http://schemas.openxmlformats.org/presentationml/2006/main">
   <p:cSld>
     <p:spTree>
@@ -28124,7 +28378,7 @@
 </p:sld>
 </file>
 
-<file path=ppt/slides/slide65.xml><?xml version="1.0" encoding="utf-8"?>
+<file path=ppt/slides/slide66.xml><?xml version="1.0" encoding="utf-8"?>
 <p:sld xmlns:a="http://schemas.openxmlformats.org/drawingml/2006/main" xmlns:r="http://schemas.openxmlformats.org/officeDocument/2006/relationships" xmlns:p="http://schemas.openxmlformats.org/presentationml/2006/main">
   <p:cSld>
     <p:spTree>
@@ -28224,7 +28478,7 @@
 </p:sld>
 </file>
 
-<file path=ppt/slides/slide66.xml><?xml version="1.0" encoding="utf-8"?>
+<file path=ppt/slides/slide67.xml><?xml version="1.0" encoding="utf-8"?>
 <p:sld xmlns:a="http://schemas.openxmlformats.org/drawingml/2006/main" xmlns:r="http://schemas.openxmlformats.org/officeDocument/2006/relationships" xmlns:p="http://schemas.openxmlformats.org/presentationml/2006/main">
   <p:cSld>
     <p:spTree>
@@ -28303,119 +28557,6 @@
     <p:extLst>
       <p:ext uri="{BB962C8B-B14F-4D97-AF65-F5344CB8AC3E}">
         <p14:creationId xmlns:p14="http://schemas.microsoft.com/office/powerpoint/2010/main" val="954404459"/>
-      </p:ext>
-    </p:extLst>
-  </p:cSld>
-  <p:clrMapOvr>
-    <a:masterClrMapping/>
-  </p:clrMapOvr>
-</p:sld>
-</file>
-
-<file path=ppt/slides/slide67.xml><?xml version="1.0" encoding="utf-8"?>
-<p:sld xmlns:a="http://schemas.openxmlformats.org/drawingml/2006/main" xmlns:r="http://schemas.openxmlformats.org/officeDocument/2006/relationships" xmlns:p="http://schemas.openxmlformats.org/presentationml/2006/main">
-  <p:cSld>
-    <p:spTree>
-      <p:nvGrpSpPr>
-        <p:cNvPr id="1" name=""/>
-        <p:cNvGrpSpPr/>
-        <p:nvPr/>
-      </p:nvGrpSpPr>
-      <p:grpSpPr>
-        <a:xfrm>
-          <a:off x="0" y="0"/>
-          <a:ext cx="0" cy="0"/>
-          <a:chOff x="0" y="0"/>
-          <a:chExt cx="0" cy="0"/>
-        </a:xfrm>
-      </p:grpSpPr>
-      <p:sp>
-        <p:nvSpPr>
-          <p:cNvPr id="2" name="Title 1"/>
-          <p:cNvSpPr>
-            <a:spLocks noGrp="1"/>
-          </p:cNvSpPr>
-          <p:nvPr>
-            <p:ph type="title"/>
-          </p:nvPr>
-        </p:nvSpPr>
-        <p:spPr>
-          <a:xfrm>
-            <a:off x="838200" y="698500"/>
-            <a:ext cx="10515600" cy="1157288"/>
-          </a:xfrm>
-        </p:spPr>
-        <p:txBody>
-          <a:bodyPr>
-            <a:normAutofit fontScale="90000"/>
-          </a:bodyPr>
-          <a:lstStyle/>
-          <a:p>
-            <a:r>
-              <a:rPr lang="en-US" dirty="0"/>
-              <a:t>Relationship between a:</a:t>
-            </a:r>
-            <a:br>
-              <a:rPr lang="en-US" dirty="0"/>
-            </a:br>
-            <a:r>
-              <a:rPr lang="en-US" dirty="0"/>
-              <a:t>Animal, Carnivore, Tiger, and Donkey</a:t>
-            </a:r>
-          </a:p>
-        </p:txBody>
-      </p:sp>
-      <p:graphicFrame>
-        <p:nvGraphicFramePr>
-          <p:cNvPr id="6" name="Diagram 5"/>
-          <p:cNvGraphicFramePr/>
-          <p:nvPr>
-            <p:extLst/>
-          </p:nvPr>
-        </p:nvGraphicFramePr>
-        <p:xfrm>
-          <a:off x="1117602" y="1001018"/>
-          <a:ext cx="8128000" cy="5418667"/>
-        </p:xfrm>
-        <a:graphic>
-          <a:graphicData uri="http://schemas.openxmlformats.org/drawingml/2006/diagram">
-            <dgm:relIds xmlns:dgm="http://schemas.openxmlformats.org/drawingml/2006/diagram" xmlns:r="http://schemas.openxmlformats.org/officeDocument/2006/relationships" r:dm="rId2" r:lo="rId3" r:qs="rId4" r:cs="rId5"/>
-          </a:graphicData>
-        </a:graphic>
-      </p:graphicFrame>
-      <p:sp>
-        <p:nvSpPr>
-          <p:cNvPr id="7" name="TextBox 6"/>
-          <p:cNvSpPr txBox="1"/>
-          <p:nvPr/>
-        </p:nvSpPr>
-        <p:spPr>
-          <a:xfrm>
-            <a:off x="6977577" y="4079629"/>
-            <a:ext cx="3993401" cy="523220"/>
-          </a:xfrm>
-          <a:prstGeom prst="rect">
-            <a:avLst/>
-          </a:prstGeom>
-          <a:noFill/>
-        </p:spPr>
-        <p:txBody>
-          <a:bodyPr wrap="none" rtlCol="0">
-            <a:spAutoFit/>
-          </a:bodyPr>
-          <a:lstStyle/>
-          <a:p>
-            <a:r>
-              <a:rPr lang="en-US" sz="2800" dirty="0"/>
-              <a:t>This is an Is-a Relationship</a:t>
-            </a:r>
-          </a:p>
-        </p:txBody>
-      </p:sp>
-    </p:spTree>
-    <p:extLst>
-      <p:ext uri="{BB962C8B-B14F-4D97-AF65-F5344CB8AC3E}">
-        <p14:creationId xmlns:p14="http://schemas.microsoft.com/office/powerpoint/2010/main" val="2171576540"/>
       </p:ext>
     </p:extLst>
   </p:cSld>
@@ -28454,8 +28595,8 @@
         </p:nvSpPr>
         <p:spPr>
           <a:xfrm>
-            <a:off x="838200" y="698499"/>
-            <a:ext cx="10515600" cy="1805549"/>
+            <a:off x="838200" y="698500"/>
+            <a:ext cx="10515600" cy="1157288"/>
           </a:xfrm>
         </p:spPr>
         <p:txBody>
@@ -28466,27 +28607,15 @@
           <a:p>
             <a:r>
               <a:rPr lang="en-US" dirty="0"/>
-              <a:t>Relationships for:</a:t>
+              <a:t>Relationship between a:</a:t>
             </a:r>
             <a:br>
               <a:rPr lang="en-US" dirty="0"/>
             </a:br>
-            <a:br>
+            <a:r>
               <a:rPr lang="en-US" dirty="0"/>
-            </a:br>
-            <a:r>
-              <a:rPr lang="en-US" dirty="0" err="1"/>
-              <a:t>ZooMember</a:t>
-            </a:r>
-            <a:r>
-              <a:rPr lang="en-US" dirty="0"/>
-              <a:t>				    </a:t>
-            </a:r>
-            <a:r>
-              <a:rPr lang="en-US" dirty="0" err="1"/>
-              <a:t>ZooFacility</a:t>
-            </a:r>
-            <a:endParaRPr lang="en-US" dirty="0"/>
+              <a:t>Animal, Carnivore, Tiger, and Donkey</a:t>
+            </a:r>
           </a:p>
         </p:txBody>
       </p:sp>
@@ -28494,13 +28623,11 @@
         <p:nvGraphicFramePr>
           <p:cNvPr id="6" name="Diagram 5"/>
           <p:cNvGraphicFramePr/>
-          <p:nvPr>
-            <p:extLst/>
-          </p:nvPr>
+          <p:nvPr/>
         </p:nvGraphicFramePr>
         <p:xfrm>
-          <a:off x="-992552" y="2917962"/>
-          <a:ext cx="8128000" cy="3104090"/>
+          <a:off x="1117602" y="1001018"/>
+          <a:ext cx="8128000" cy="5418667"/>
         </p:xfrm>
         <a:graphic>
           <a:graphicData uri="http://schemas.openxmlformats.org/drawingml/2006/diagram">
@@ -28508,28 +28635,39 @@
           </a:graphicData>
         </a:graphic>
       </p:graphicFrame>
-      <p:graphicFrame>
-        <p:nvGraphicFramePr>
-          <p:cNvPr id="5" name="Diagram 4"/>
-          <p:cNvGraphicFramePr/>
-          <p:nvPr>
-            <p:extLst/>
-          </p:nvPr>
-        </p:nvGraphicFramePr>
-        <p:xfrm>
-          <a:off x="5022818" y="2917962"/>
-          <a:ext cx="8128000" cy="3104090"/>
-        </p:xfrm>
-        <a:graphic>
-          <a:graphicData uri="http://schemas.openxmlformats.org/drawingml/2006/diagram">
-            <dgm:relIds xmlns:dgm="http://schemas.openxmlformats.org/drawingml/2006/diagram" xmlns:r="http://schemas.openxmlformats.org/officeDocument/2006/relationships" r:dm="rId7" r:lo="rId8" r:qs="rId9" r:cs="rId10"/>
-          </a:graphicData>
-        </a:graphic>
-      </p:graphicFrame>
+      <p:sp>
+        <p:nvSpPr>
+          <p:cNvPr id="7" name="TextBox 6"/>
+          <p:cNvSpPr txBox="1"/>
+          <p:nvPr/>
+        </p:nvSpPr>
+        <p:spPr>
+          <a:xfrm>
+            <a:off x="6977577" y="4079629"/>
+            <a:ext cx="3993401" cy="523220"/>
+          </a:xfrm>
+          <a:prstGeom prst="rect">
+            <a:avLst/>
+          </a:prstGeom>
+          <a:noFill/>
+        </p:spPr>
+        <p:txBody>
+          <a:bodyPr wrap="none" rtlCol="0">
+            <a:spAutoFit/>
+          </a:bodyPr>
+          <a:lstStyle/>
+          <a:p>
+            <a:r>
+              <a:rPr lang="en-US" sz="2800" dirty="0"/>
+              <a:t>This is an Is-a Relationship</a:t>
+            </a:r>
+          </a:p>
+        </p:txBody>
+      </p:sp>
     </p:spTree>
     <p:extLst>
       <p:ext uri="{BB962C8B-B14F-4D97-AF65-F5344CB8AC3E}">
-        <p14:creationId xmlns:p14="http://schemas.microsoft.com/office/powerpoint/2010/main" val="1726424877"/>
+        <p14:creationId xmlns:p14="http://schemas.microsoft.com/office/powerpoint/2010/main" val="2171576540"/>
       </p:ext>
     </p:extLst>
   </p:cSld>
@@ -28568,8 +28706,8 @@
         </p:nvSpPr>
         <p:spPr>
           <a:xfrm>
-            <a:off x="838200" y="698500"/>
-            <a:ext cx="10515600" cy="1819617"/>
+            <a:off x="838200" y="698499"/>
+            <a:ext cx="10515600" cy="1805549"/>
           </a:xfrm>
         </p:spPr>
         <p:txBody>
@@ -28580,7 +28718,7 @@
           <a:p>
             <a:r>
               <a:rPr lang="en-US" dirty="0"/>
-              <a:t>So how would we model a zoo?</a:t>
+              <a:t>Relationships for:</a:t>
             </a:r>
             <a:br>
               <a:rPr lang="en-US" dirty="0"/>
@@ -28589,19 +28727,26 @@
               <a:rPr lang="en-US" dirty="0"/>
             </a:br>
             <a:r>
+              <a:rPr lang="en-US" dirty="0" err="1"/>
+              <a:t>ZooMember</a:t>
+            </a:r>
+            <a:r>
               <a:rPr lang="en-US" dirty="0"/>
-              <a:t>Zoo</a:t>
-            </a:r>
+              <a:t>				    </a:t>
+            </a:r>
+            <a:r>
+              <a:rPr lang="en-US" dirty="0" err="1"/>
+              <a:t>ZooFacility</a:t>
+            </a:r>
+            <a:endParaRPr lang="en-US" dirty="0"/>
           </a:p>
         </p:txBody>
       </p:sp>
       <p:graphicFrame>
         <p:nvGraphicFramePr>
-          <p:cNvPr id="4" name="Diagram 3"/>
+          <p:cNvPr id="6" name="Diagram 5"/>
           <p:cNvGraphicFramePr/>
-          <p:nvPr>
-            <p:extLst/>
-          </p:nvPr>
+          <p:nvPr/>
         </p:nvGraphicFramePr>
         <p:xfrm>
           <a:off x="-992552" y="2917962"/>
@@ -28613,79 +28758,26 @@
           </a:graphicData>
         </a:graphic>
       </p:graphicFrame>
-      <p:sp>
-        <p:nvSpPr>
-          <p:cNvPr id="5" name="TextBox 4"/>
-          <p:cNvSpPr txBox="1"/>
+      <p:graphicFrame>
+        <p:nvGraphicFramePr>
+          <p:cNvPr id="5" name="Diagram 4"/>
+          <p:cNvGraphicFramePr/>
           <p:nvPr/>
-        </p:nvSpPr>
-        <p:spPr>
-          <a:xfrm>
-            <a:off x="6096000" y="2703016"/>
-            <a:ext cx="5509846" cy="4154984"/>
-          </a:xfrm>
-          <a:prstGeom prst="rect">
-            <a:avLst/>
-          </a:prstGeom>
-          <a:noFill/>
-        </p:spPr>
-        <p:txBody>
-          <a:bodyPr wrap="square" rtlCol="0">
-            <a:spAutoFit/>
-          </a:bodyPr>
-          <a:lstStyle/>
-          <a:p>
-            <a:r>
-              <a:rPr lang="en-US" sz="2400" dirty="0"/>
-              <a:t>Has-a describes the relationship between a class that is client code of another class.</a:t>
-            </a:r>
-          </a:p>
-          <a:p>
-            <a:endParaRPr lang="en-US" sz="2400" dirty="0"/>
-          </a:p>
-          <a:p>
-            <a:r>
-              <a:rPr lang="en-US" sz="2400" dirty="0"/>
-              <a:t>You should use a has-a relationship when you can’t substitute one class for another.</a:t>
-            </a:r>
-          </a:p>
-          <a:p>
-            <a:endParaRPr lang="en-US" sz="2400" dirty="0"/>
-          </a:p>
-          <a:p>
-            <a:r>
-              <a:rPr lang="en-US" sz="2400" dirty="0"/>
-              <a:t>In this case, a Zoo is not an Animal, </a:t>
-            </a:r>
-            <a:r>
-              <a:rPr lang="en-US" sz="2400" dirty="0" err="1"/>
-              <a:t>ZooMember</a:t>
-            </a:r>
-            <a:r>
-              <a:rPr lang="en-US" sz="2400" dirty="0"/>
-              <a:t> or </a:t>
-            </a:r>
-            <a:r>
-              <a:rPr lang="en-US" sz="2400" dirty="0" err="1"/>
-              <a:t>ZooFacility</a:t>
-            </a:r>
-            <a:r>
-              <a:rPr lang="en-US" sz="2400" dirty="0"/>
-              <a:t>, rather a Zoo has all of these components.</a:t>
-            </a:r>
-          </a:p>
-          <a:p>
-            <a:endParaRPr lang="en-US" sz="2400" dirty="0"/>
-          </a:p>
-          <a:p>
-            <a:endParaRPr lang="en-US" sz="2400" dirty="0"/>
-          </a:p>
-        </p:txBody>
-      </p:sp>
+        </p:nvGraphicFramePr>
+        <p:xfrm>
+          <a:off x="5022818" y="2917962"/>
+          <a:ext cx="8128000" cy="3104090"/>
+        </p:xfrm>
+        <a:graphic>
+          <a:graphicData uri="http://schemas.openxmlformats.org/drawingml/2006/diagram">
+            <dgm:relIds xmlns:dgm="http://schemas.openxmlformats.org/drawingml/2006/diagram" xmlns:r="http://schemas.openxmlformats.org/officeDocument/2006/relationships" r:dm="rId7" r:lo="rId8" r:qs="rId9" r:cs="rId10"/>
+          </a:graphicData>
+        </a:graphic>
+      </p:graphicFrame>
     </p:spTree>
     <p:extLst>
       <p:ext uri="{BB962C8B-B14F-4D97-AF65-F5344CB8AC3E}">
-        <p14:creationId xmlns:p14="http://schemas.microsoft.com/office/powerpoint/2010/main" val="763434317"/>
+        <p14:creationId xmlns:p14="http://schemas.microsoft.com/office/powerpoint/2010/main" val="1726424877"/>
       </p:ext>
     </p:extLst>
   </p:cSld>
@@ -28800,120 +28892,124 @@
             <p:ph type="title"/>
           </p:nvPr>
         </p:nvSpPr>
-        <p:spPr/>
+        <p:spPr>
+          <a:xfrm>
+            <a:off x="838200" y="698500"/>
+            <a:ext cx="10515600" cy="1819617"/>
+          </a:xfrm>
+        </p:spPr>
         <p:txBody>
-          <a:bodyPr/>
+          <a:bodyPr>
+            <a:normAutofit fontScale="90000"/>
+          </a:bodyPr>
           <a:lstStyle/>
           <a:p>
             <a:r>
               <a:rPr lang="en-US" dirty="0"/>
-              <a:t>Has-a Relationships</a:t>
+              <a:t>So how would we model a zoo?</a:t>
+            </a:r>
+            <a:br>
+              <a:rPr lang="en-US" dirty="0"/>
+            </a:br>
+            <a:br>
+              <a:rPr lang="en-US" dirty="0"/>
+            </a:br>
+            <a:r>
+              <a:rPr lang="en-US" dirty="0"/>
+              <a:t>Zoo</a:t>
             </a:r>
           </a:p>
         </p:txBody>
       </p:sp>
+      <p:graphicFrame>
+        <p:nvGraphicFramePr>
+          <p:cNvPr id="4" name="Diagram 3"/>
+          <p:cNvGraphicFramePr/>
+          <p:nvPr/>
+        </p:nvGraphicFramePr>
+        <p:xfrm>
+          <a:off x="-992552" y="2917962"/>
+          <a:ext cx="8128000" cy="3104090"/>
+        </p:xfrm>
+        <a:graphic>
+          <a:graphicData uri="http://schemas.openxmlformats.org/drawingml/2006/diagram">
+            <dgm:relIds xmlns:dgm="http://schemas.openxmlformats.org/drawingml/2006/diagram" xmlns:r="http://schemas.openxmlformats.org/officeDocument/2006/relationships" r:dm="rId2" r:lo="rId3" r:qs="rId4" r:cs="rId5"/>
+          </a:graphicData>
+        </a:graphic>
+      </p:graphicFrame>
       <p:sp>
         <p:nvSpPr>
-          <p:cNvPr id="3" name="Content Placeholder 2"/>
-          <p:cNvSpPr>
-            <a:spLocks noGrp="1"/>
-          </p:cNvSpPr>
-          <p:nvPr>
-            <p:ph idx="1"/>
-          </p:nvPr>
+          <p:cNvPr id="5" name="TextBox 4"/>
+          <p:cNvSpPr txBox="1"/>
+          <p:nvPr/>
         </p:nvSpPr>
-        <p:spPr/>
+        <p:spPr>
+          <a:xfrm>
+            <a:off x="6096000" y="2703016"/>
+            <a:ext cx="5509846" cy="4154984"/>
+          </a:xfrm>
+          <a:prstGeom prst="rect">
+            <a:avLst/>
+          </a:prstGeom>
+          <a:noFill/>
+        </p:spPr>
         <p:txBody>
-          <a:bodyPr/>
+          <a:bodyPr wrap="square" rtlCol="0">
+            <a:spAutoFit/>
+          </a:bodyPr>
           <a:lstStyle/>
           <a:p>
-            <a:pPr marL="0" indent="0">
-              <a:buNone/>
-            </a:pPr>
-            <a:r>
-              <a:rPr lang="en-US" dirty="0"/>
-              <a:t>How would you design a Zoo?</a:t>
-            </a:r>
-          </a:p>
-          <a:p>
-            <a:pPr marL="0" indent="0">
-              <a:buNone/>
-            </a:pPr>
-            <a:endParaRPr lang="en-US" dirty="0"/>
-          </a:p>
-          <a:p>
-            <a:pPr marL="0" indent="0">
-              <a:buNone/>
-            </a:pPr>
-            <a:r>
-              <a:rPr lang="en-US" dirty="0"/>
-              <a:t>A Zoo has many parts:</a:t>
-            </a:r>
-          </a:p>
-          <a:p>
-            <a:pPr marL="0" indent="0">
-              <a:buNone/>
-            </a:pPr>
-            <a:endParaRPr lang="en-US" dirty="0"/>
-          </a:p>
-          <a:p>
-            <a:pPr marL="0" indent="0">
-              <a:buNone/>
-            </a:pPr>
-            <a:r>
-              <a:rPr lang="en-US" sz="2400" dirty="0">
-                <a:latin typeface="Courier New" panose="02070309020205020404" pitchFamily="49" charset="0"/>
-                <a:cs typeface="Courier New" panose="02070309020205020404" pitchFamily="49" charset="0"/>
-              </a:rPr>
-              <a:t>Animals, </a:t>
-            </a:r>
-            <a:r>
-              <a:rPr lang="en-US" sz="2400" dirty="0" err="1">
-                <a:latin typeface="Courier New" panose="02070309020205020404" pitchFamily="49" charset="0"/>
-                <a:cs typeface="Courier New" panose="02070309020205020404" pitchFamily="49" charset="0"/>
-              </a:rPr>
+            <a:r>
+              <a:rPr lang="en-US" sz="2400" dirty="0"/>
+              <a:t>Has-a describes the relationship between a class that is client code of another class.</a:t>
+            </a:r>
+          </a:p>
+          <a:p>
+            <a:endParaRPr lang="en-US" sz="2400" dirty="0"/>
+          </a:p>
+          <a:p>
+            <a:r>
+              <a:rPr lang="en-US" sz="2400" dirty="0"/>
+              <a:t>You should use a has-a relationship when you can’t substitute one class for another.</a:t>
+            </a:r>
+          </a:p>
+          <a:p>
+            <a:endParaRPr lang="en-US" sz="2400" dirty="0"/>
+          </a:p>
+          <a:p>
+            <a:r>
+              <a:rPr lang="en-US" sz="2400" dirty="0"/>
+              <a:t>In this case, a Zoo is not an Animal, </a:t>
+            </a:r>
+            <a:r>
+              <a:rPr lang="en-US" sz="2400" dirty="0" err="1"/>
               <a:t>ZooMember</a:t>
             </a:r>
             <a:r>
-              <a:rPr lang="en-US" sz="2400" dirty="0">
-                <a:latin typeface="Courier New" panose="02070309020205020404" pitchFamily="49" charset="0"/>
-                <a:cs typeface="Courier New" panose="02070309020205020404" pitchFamily="49" charset="0"/>
-              </a:rPr>
-              <a:t>, </a:t>
-            </a:r>
-            <a:r>
-              <a:rPr lang="en-US" sz="2400" dirty="0" err="1">
-                <a:latin typeface="Courier New" panose="02070309020205020404" pitchFamily="49" charset="0"/>
-                <a:cs typeface="Courier New" panose="02070309020205020404" pitchFamily="49" charset="0"/>
-              </a:rPr>
+              <a:rPr lang="en-US" sz="2400" dirty="0"/>
+              <a:t> or </a:t>
+            </a:r>
+            <a:r>
+              <a:rPr lang="en-US" sz="2400" dirty="0" err="1"/>
               <a:t>ZooFacility</a:t>
             </a:r>
-            <a:endParaRPr lang="en-US" sz="2400" dirty="0">
-              <a:latin typeface="Courier New" panose="02070309020205020404" pitchFamily="49" charset="0"/>
-              <a:cs typeface="Courier New" panose="02070309020205020404" pitchFamily="49" charset="0"/>
-            </a:endParaRPr>
-          </a:p>
-          <a:p>
-            <a:pPr marL="0" indent="0">
-              <a:buNone/>
-            </a:pPr>
-            <a:endParaRPr lang="en-US" dirty="0"/>
-          </a:p>
-          <a:p>
-            <a:pPr marL="0" indent="0">
-              <a:buNone/>
-            </a:pPr>
-            <a:r>
-              <a:rPr lang="en-US" dirty="0"/>
-              <a:t>You need each of these classes to have an effective Zoo.</a:t>
-            </a:r>
+            <a:r>
+              <a:rPr lang="en-US" sz="2400" dirty="0"/>
+              <a:t>, rather a Zoo has all of these components.</a:t>
+            </a:r>
+          </a:p>
+          <a:p>
+            <a:endParaRPr lang="en-US" sz="2400" dirty="0"/>
+          </a:p>
+          <a:p>
+            <a:endParaRPr lang="en-US" sz="2400" dirty="0"/>
           </a:p>
         </p:txBody>
       </p:sp>
     </p:spTree>
     <p:extLst>
       <p:ext uri="{BB962C8B-B14F-4D97-AF65-F5344CB8AC3E}">
-        <p14:creationId xmlns:p14="http://schemas.microsoft.com/office/powerpoint/2010/main" val="3222473941"/>
+        <p14:creationId xmlns:p14="http://schemas.microsoft.com/office/powerpoint/2010/main" val="763434317"/>
       </p:ext>
     </p:extLst>
   </p:cSld>
@@ -28957,7 +29053,7 @@
           <a:p>
             <a:r>
               <a:rPr lang="en-US" dirty="0"/>
-              <a:t>Declaring a Has-a Relationship</a:t>
+              <a:t>Has-a Relationships</a:t>
             </a:r>
           </a:p>
         </p:txBody>
@@ -28972,150 +29068,73 @@
             <p:ph idx="1"/>
           </p:nvPr>
         </p:nvSpPr>
-        <p:spPr>
-          <a:xfrm>
-            <a:off x="838200" y="2057399"/>
-            <a:ext cx="10978662" cy="4119563"/>
-          </a:xfrm>
-        </p:spPr>
+        <p:spPr/>
         <p:txBody>
-          <a:bodyPr>
-            <a:normAutofit/>
-          </a:bodyPr>
+          <a:bodyPr/>
           <a:lstStyle/>
           <a:p>
             <a:pPr marL="0" indent="0">
               <a:buNone/>
             </a:pPr>
             <a:r>
-              <a:rPr lang="en-US" dirty="0">
-                <a:latin typeface="Courier New" panose="02070309020205020404" pitchFamily="49" charset="0"/>
-                <a:cs typeface="Courier New" panose="02070309020205020404" pitchFamily="49" charset="0"/>
-              </a:rPr>
-              <a:t>public class Zoo{</a:t>
+              <a:rPr lang="en-US" dirty="0"/>
+              <a:t>How would you design a Zoo?</a:t>
             </a:r>
           </a:p>
           <a:p>
             <a:pPr marL="0" indent="0">
               <a:buNone/>
             </a:pPr>
-            <a:r>
-              <a:rPr lang="en-US" dirty="0">
-                <a:latin typeface="Courier New" panose="02070309020205020404" pitchFamily="49" charset="0"/>
-                <a:cs typeface="Courier New" panose="02070309020205020404" pitchFamily="49" charset="0"/>
-              </a:rPr>
-              <a:t>	private Animal[] animals;</a:t>
-            </a:r>
+            <a:endParaRPr lang="en-US" dirty="0"/>
           </a:p>
           <a:p>
             <a:pPr marL="0" indent="0">
               <a:buNone/>
             </a:pPr>
             <a:r>
-              <a:rPr lang="en-US" dirty="0">
-                <a:latin typeface="Courier New" panose="02070309020205020404" pitchFamily="49" charset="0"/>
-                <a:cs typeface="Courier New" panose="02070309020205020404" pitchFamily="49" charset="0"/>
-              </a:rPr>
-              <a:t>	private </a:t>
-            </a:r>
-            <a:r>
-              <a:rPr lang="en-US" dirty="0" err="1">
+              <a:rPr lang="en-US" dirty="0"/>
+              <a:t>A Zoo has many parts:</a:t>
+            </a:r>
+          </a:p>
+          <a:p>
+            <a:pPr marL="0" indent="0">
+              <a:buNone/>
+            </a:pPr>
+            <a:endParaRPr lang="en-US" dirty="0"/>
+          </a:p>
+          <a:p>
+            <a:pPr marL="0" indent="0">
+              <a:buNone/>
+            </a:pPr>
+            <a:r>
+              <a:rPr lang="en-US" sz="2400" dirty="0">
+                <a:latin typeface="Courier New" panose="02070309020205020404" pitchFamily="49" charset="0"/>
+                <a:cs typeface="Courier New" panose="02070309020205020404" pitchFamily="49" charset="0"/>
+              </a:rPr>
+              <a:t>Animals, </a:t>
+            </a:r>
+            <a:r>
+              <a:rPr lang="en-US" sz="2400" dirty="0" err="1">
                 <a:latin typeface="Courier New" panose="02070309020205020404" pitchFamily="49" charset="0"/>
                 <a:cs typeface="Courier New" panose="02070309020205020404" pitchFamily="49" charset="0"/>
               </a:rPr>
               <a:t>ZooMember</a:t>
             </a:r>
             <a:r>
-              <a:rPr lang="en-US" dirty="0">
-                <a:latin typeface="Courier New" panose="02070309020205020404" pitchFamily="49" charset="0"/>
-                <a:cs typeface="Courier New" panose="02070309020205020404" pitchFamily="49" charset="0"/>
-              </a:rPr>
-              <a:t>[] </a:t>
-            </a:r>
-            <a:r>
-              <a:rPr lang="en-US" dirty="0" err="1">
-                <a:latin typeface="Courier New" panose="02070309020205020404" pitchFamily="49" charset="0"/>
-                <a:cs typeface="Courier New" panose="02070309020205020404" pitchFamily="49" charset="0"/>
-              </a:rPr>
-              <a:t>zooMembers</a:t>
-            </a:r>
-            <a:r>
-              <a:rPr lang="en-US" dirty="0">
-                <a:latin typeface="Courier New" panose="02070309020205020404" pitchFamily="49" charset="0"/>
-                <a:cs typeface="Courier New" panose="02070309020205020404" pitchFamily="49" charset="0"/>
-              </a:rPr>
-              <a:t>;</a:t>
-            </a:r>
-          </a:p>
-          <a:p>
-            <a:pPr marL="0" indent="0">
-              <a:buNone/>
-            </a:pPr>
-            <a:r>
-              <a:rPr lang="en-US" dirty="0">
-                <a:latin typeface="Courier New" panose="02070309020205020404" pitchFamily="49" charset="0"/>
-                <a:cs typeface="Courier New" panose="02070309020205020404" pitchFamily="49" charset="0"/>
-              </a:rPr>
-              <a:t>	private </a:t>
-            </a:r>
-            <a:r>
-              <a:rPr lang="en-US" dirty="0" err="1">
+              <a:rPr lang="en-US" sz="2400" dirty="0">
+                <a:latin typeface="Courier New" panose="02070309020205020404" pitchFamily="49" charset="0"/>
+                <a:cs typeface="Courier New" panose="02070309020205020404" pitchFamily="49" charset="0"/>
+              </a:rPr>
+              <a:t>, </a:t>
+            </a:r>
+            <a:r>
+              <a:rPr lang="en-US" sz="2400" dirty="0" err="1">
                 <a:latin typeface="Courier New" panose="02070309020205020404" pitchFamily="49" charset="0"/>
                 <a:cs typeface="Courier New" panose="02070309020205020404" pitchFamily="49" charset="0"/>
               </a:rPr>
               <a:t>ZooFacility</a:t>
             </a:r>
-            <a:r>
-              <a:rPr lang="en-US" dirty="0">
-                <a:latin typeface="Courier New" panose="02070309020205020404" pitchFamily="49" charset="0"/>
-                <a:cs typeface="Courier New" panose="02070309020205020404" pitchFamily="49" charset="0"/>
-              </a:rPr>
-              <a:t>[] </a:t>
-            </a:r>
-            <a:r>
-              <a:rPr lang="en-US" dirty="0" err="1">
-                <a:latin typeface="Courier New" panose="02070309020205020404" pitchFamily="49" charset="0"/>
-                <a:cs typeface="Courier New" panose="02070309020205020404" pitchFamily="49" charset="0"/>
-              </a:rPr>
-              <a:t>zooFacilities</a:t>
-            </a:r>
-            <a:r>
-              <a:rPr lang="en-US" dirty="0">
-                <a:latin typeface="Courier New" panose="02070309020205020404" pitchFamily="49" charset="0"/>
-                <a:cs typeface="Courier New" panose="02070309020205020404" pitchFamily="49" charset="0"/>
-              </a:rPr>
-              <a:t>;</a:t>
-            </a:r>
-          </a:p>
-          <a:p>
-            <a:pPr marL="0" indent="0">
-              <a:buNone/>
-            </a:pPr>
-            <a:r>
-              <a:rPr lang="en-US" dirty="0">
-                <a:latin typeface="Courier New" panose="02070309020205020404" pitchFamily="49" charset="0"/>
-                <a:cs typeface="Courier New" panose="02070309020205020404" pitchFamily="49" charset="0"/>
-              </a:rPr>
-              <a:t>	…</a:t>
-            </a:r>
-          </a:p>
-          <a:p>
-            <a:pPr marL="0" indent="0">
-              <a:buNone/>
-            </a:pPr>
-            <a:r>
-              <a:rPr lang="en-US" dirty="0">
-                <a:latin typeface="Courier New" panose="02070309020205020404" pitchFamily="49" charset="0"/>
-                <a:cs typeface="Courier New" panose="02070309020205020404" pitchFamily="49" charset="0"/>
-              </a:rPr>
-              <a:t>}</a:t>
-            </a:r>
-          </a:p>
-          <a:p>
-            <a:pPr marL="0" indent="0">
-              <a:buNone/>
-            </a:pPr>
-            <a:endParaRPr lang="en-US" dirty="0">
+            <a:endParaRPr lang="en-US" sz="2400" dirty="0">
               <a:latin typeface="Courier New" panose="02070309020205020404" pitchFamily="49" charset="0"/>
               <a:cs typeface="Courier New" panose="02070309020205020404" pitchFamily="49" charset="0"/>
             </a:endParaRPr>
@@ -29124,11 +29143,15 @@
             <a:pPr marL="0" indent="0">
               <a:buNone/>
             </a:pPr>
-            <a:r>
-              <a:rPr lang="en-US" dirty="0">
-                <a:cs typeface="Courier New" panose="02070309020205020404" pitchFamily="49" charset="0"/>
-              </a:rPr>
-              <a:t>We create fields that refer to other classes to create a has-a relationship.</a:t>
+            <a:endParaRPr lang="en-US" dirty="0"/>
+          </a:p>
+          <a:p>
+            <a:pPr marL="0" indent="0">
+              <a:buNone/>
+            </a:pPr>
+            <a:r>
+              <a:rPr lang="en-US" dirty="0"/>
+              <a:t>You need each of these classes to have an effective Zoo.</a:t>
             </a:r>
           </a:p>
         </p:txBody>
@@ -29136,7 +29159,7 @@
     </p:spTree>
     <p:extLst>
       <p:ext uri="{BB962C8B-B14F-4D97-AF65-F5344CB8AC3E}">
-        <p14:creationId xmlns:p14="http://schemas.microsoft.com/office/powerpoint/2010/main" val="2166580154"/>
+        <p14:creationId xmlns:p14="http://schemas.microsoft.com/office/powerpoint/2010/main" val="3222473941"/>
       </p:ext>
     </p:extLst>
   </p:cSld>
@@ -29173,20 +29196,185 @@
             <p:ph type="title"/>
           </p:nvPr>
         </p:nvSpPr>
+        <p:spPr/>
+        <p:txBody>
+          <a:bodyPr/>
+          <a:lstStyle/>
+          <a:p>
+            <a:r>
+              <a:rPr lang="en-US" dirty="0"/>
+              <a:t>Declaring a Has-a Relationship</a:t>
+            </a:r>
+          </a:p>
+        </p:txBody>
+      </p:sp>
+      <p:sp>
+        <p:nvSpPr>
+          <p:cNvPr id="3" name="Content Placeholder 2"/>
+          <p:cNvSpPr>
+            <a:spLocks noGrp="1"/>
+          </p:cNvSpPr>
+          <p:nvPr>
+            <p:ph idx="1"/>
+          </p:nvPr>
+        </p:nvSpPr>
         <p:spPr>
           <a:xfrm>
-            <a:off x="838200" y="2752383"/>
-            <a:ext cx="10515600" cy="1157288"/>
+            <a:off x="838200" y="2057399"/>
+            <a:ext cx="10978662" cy="4119563"/>
           </a:xfrm>
         </p:spPr>
         <p:txBody>
-          <a:bodyPr/>
+          <a:bodyPr>
+            <a:normAutofit/>
+          </a:bodyPr>
           <a:lstStyle/>
           <a:p>
-            <a:pPr algn="ctr"/>
-            <a:r>
-              <a:rPr lang="en-US" dirty="0"/>
-              <a:t>Worksheet 6.5: Trio</a:t>
+            <a:pPr marL="0" indent="0">
+              <a:buNone/>
+            </a:pPr>
+            <a:r>
+              <a:rPr lang="en-US" dirty="0">
+                <a:latin typeface="Courier New" panose="02070309020205020404" pitchFamily="49" charset="0"/>
+                <a:cs typeface="Courier New" panose="02070309020205020404" pitchFamily="49" charset="0"/>
+              </a:rPr>
+              <a:t>public class Zoo{</a:t>
+            </a:r>
+          </a:p>
+          <a:p>
+            <a:pPr marL="0" indent="0">
+              <a:buNone/>
+            </a:pPr>
+            <a:r>
+              <a:rPr lang="en-US" dirty="0">
+                <a:latin typeface="Courier New" panose="02070309020205020404" pitchFamily="49" charset="0"/>
+                <a:cs typeface="Courier New" panose="02070309020205020404" pitchFamily="49" charset="0"/>
+              </a:rPr>
+              <a:t>	private Animal[] animals;</a:t>
+            </a:r>
+          </a:p>
+          <a:p>
+            <a:pPr marL="0" indent="0">
+              <a:buNone/>
+            </a:pPr>
+            <a:r>
+              <a:rPr lang="en-US" dirty="0">
+                <a:latin typeface="Courier New" panose="02070309020205020404" pitchFamily="49" charset="0"/>
+                <a:cs typeface="Courier New" panose="02070309020205020404" pitchFamily="49" charset="0"/>
+              </a:rPr>
+              <a:t>	private </a:t>
+            </a:r>
+            <a:r>
+              <a:rPr lang="en-US" dirty="0" err="1">
+                <a:latin typeface="Courier New" panose="02070309020205020404" pitchFamily="49" charset="0"/>
+                <a:cs typeface="Courier New" panose="02070309020205020404" pitchFamily="49" charset="0"/>
+              </a:rPr>
+              <a:t>ZooMember</a:t>
+            </a:r>
+            <a:r>
+              <a:rPr lang="en-US" dirty="0">
+                <a:latin typeface="Courier New" panose="02070309020205020404" pitchFamily="49" charset="0"/>
+                <a:cs typeface="Courier New" panose="02070309020205020404" pitchFamily="49" charset="0"/>
+              </a:rPr>
+              <a:t>[] </a:t>
+            </a:r>
+            <a:r>
+              <a:rPr lang="en-US" dirty="0" err="1">
+                <a:latin typeface="Courier New" panose="02070309020205020404" pitchFamily="49" charset="0"/>
+                <a:cs typeface="Courier New" panose="02070309020205020404" pitchFamily="49" charset="0"/>
+              </a:rPr>
+              <a:t>zooMembers</a:t>
+            </a:r>
+            <a:r>
+              <a:rPr lang="en-US" dirty="0">
+                <a:latin typeface="Courier New" panose="02070309020205020404" pitchFamily="49" charset="0"/>
+                <a:cs typeface="Courier New" panose="02070309020205020404" pitchFamily="49" charset="0"/>
+              </a:rPr>
+              <a:t>;</a:t>
+            </a:r>
+          </a:p>
+          <a:p>
+            <a:pPr marL="0" indent="0">
+              <a:buNone/>
+            </a:pPr>
+            <a:r>
+              <a:rPr lang="en-US" dirty="0">
+                <a:latin typeface="Courier New" panose="02070309020205020404" pitchFamily="49" charset="0"/>
+                <a:cs typeface="Courier New" panose="02070309020205020404" pitchFamily="49" charset="0"/>
+              </a:rPr>
+              <a:t>	private </a:t>
+            </a:r>
+            <a:r>
+              <a:rPr lang="en-US" dirty="0" err="1">
+                <a:latin typeface="Courier New" panose="02070309020205020404" pitchFamily="49" charset="0"/>
+                <a:cs typeface="Courier New" panose="02070309020205020404" pitchFamily="49" charset="0"/>
+              </a:rPr>
+              <a:t>ZooFacility</a:t>
+            </a:r>
+            <a:r>
+              <a:rPr lang="en-US" dirty="0">
+                <a:latin typeface="Courier New" panose="02070309020205020404" pitchFamily="49" charset="0"/>
+                <a:cs typeface="Courier New" panose="02070309020205020404" pitchFamily="49" charset="0"/>
+              </a:rPr>
+              <a:t>[] </a:t>
+            </a:r>
+            <a:r>
+              <a:rPr lang="en-US" dirty="0" err="1">
+                <a:latin typeface="Courier New" panose="02070309020205020404" pitchFamily="49" charset="0"/>
+                <a:cs typeface="Courier New" panose="02070309020205020404" pitchFamily="49" charset="0"/>
+              </a:rPr>
+              <a:t>zooFacilities</a:t>
+            </a:r>
+            <a:r>
+              <a:rPr lang="en-US" dirty="0">
+                <a:latin typeface="Courier New" panose="02070309020205020404" pitchFamily="49" charset="0"/>
+                <a:cs typeface="Courier New" panose="02070309020205020404" pitchFamily="49" charset="0"/>
+              </a:rPr>
+              <a:t>;</a:t>
+            </a:r>
+          </a:p>
+          <a:p>
+            <a:pPr marL="0" indent="0">
+              <a:buNone/>
+            </a:pPr>
+            <a:r>
+              <a:rPr lang="en-US" dirty="0">
+                <a:latin typeface="Courier New" panose="02070309020205020404" pitchFamily="49" charset="0"/>
+                <a:cs typeface="Courier New" panose="02070309020205020404" pitchFamily="49" charset="0"/>
+              </a:rPr>
+              <a:t>	…</a:t>
+            </a:r>
+          </a:p>
+          <a:p>
+            <a:pPr marL="0" indent="0">
+              <a:buNone/>
+            </a:pPr>
+            <a:r>
+              <a:rPr lang="en-US" dirty="0">
+                <a:latin typeface="Courier New" panose="02070309020205020404" pitchFamily="49" charset="0"/>
+                <a:cs typeface="Courier New" panose="02070309020205020404" pitchFamily="49" charset="0"/>
+              </a:rPr>
+              <a:t>}</a:t>
+            </a:r>
+          </a:p>
+          <a:p>
+            <a:pPr marL="0" indent="0">
+              <a:buNone/>
+            </a:pPr>
+            <a:endParaRPr lang="en-US" dirty="0">
+              <a:latin typeface="Courier New" panose="02070309020205020404" pitchFamily="49" charset="0"/>
+              <a:cs typeface="Courier New" panose="02070309020205020404" pitchFamily="49" charset="0"/>
+            </a:endParaRPr>
+          </a:p>
+          <a:p>
+            <a:pPr marL="0" indent="0">
+              <a:buNone/>
+            </a:pPr>
+            <a:r>
+              <a:rPr lang="en-US" dirty="0">
+                <a:cs typeface="Courier New" panose="02070309020205020404" pitchFamily="49" charset="0"/>
+              </a:rPr>
+              <a:t>We create fields that refer to other classes to create a has-a relationship.</a:t>
             </a:r>
           </a:p>
         </p:txBody>
@@ -29194,7 +29382,7 @@
     </p:spTree>
     <p:extLst>
       <p:ext uri="{BB962C8B-B14F-4D97-AF65-F5344CB8AC3E}">
-        <p14:creationId xmlns:p14="http://schemas.microsoft.com/office/powerpoint/2010/main" val="2398621642"/>
+        <p14:creationId xmlns:p14="http://schemas.microsoft.com/office/powerpoint/2010/main" val="2166580154"/>
       </p:ext>
     </p:extLst>
   </p:cSld>
@@ -29231,6 +29419,64 @@
             <p:ph type="title"/>
           </p:nvPr>
         </p:nvSpPr>
+        <p:spPr>
+          <a:xfrm>
+            <a:off x="838200" y="2752383"/>
+            <a:ext cx="10515600" cy="1157288"/>
+          </a:xfrm>
+        </p:spPr>
+        <p:txBody>
+          <a:bodyPr/>
+          <a:lstStyle/>
+          <a:p>
+            <a:pPr algn="ctr"/>
+            <a:r>
+              <a:rPr lang="en-US" dirty="0"/>
+              <a:t>Worksheet 6.5: Trio</a:t>
+            </a:r>
+          </a:p>
+        </p:txBody>
+      </p:sp>
+    </p:spTree>
+    <p:extLst>
+      <p:ext uri="{BB962C8B-B14F-4D97-AF65-F5344CB8AC3E}">
+        <p14:creationId xmlns:p14="http://schemas.microsoft.com/office/powerpoint/2010/main" val="2398621642"/>
+      </p:ext>
+    </p:extLst>
+  </p:cSld>
+  <p:clrMapOvr>
+    <a:masterClrMapping/>
+  </p:clrMapOvr>
+</p:sld>
+</file>
+
+<file path=ppt/slides/slide74.xml><?xml version="1.0" encoding="utf-8"?>
+<p:sld xmlns:a="http://schemas.openxmlformats.org/drawingml/2006/main" xmlns:r="http://schemas.openxmlformats.org/officeDocument/2006/relationships" xmlns:p="http://schemas.openxmlformats.org/presentationml/2006/main">
+  <p:cSld>
+    <p:spTree>
+      <p:nvGrpSpPr>
+        <p:cNvPr id="1" name=""/>
+        <p:cNvGrpSpPr/>
+        <p:nvPr/>
+      </p:nvGrpSpPr>
+      <p:grpSpPr>
+        <a:xfrm>
+          <a:off x="0" y="0"/>
+          <a:ext cx="0" cy="0"/>
+          <a:chOff x="0" y="0"/>
+          <a:chExt cx="0" cy="0"/>
+        </a:xfrm>
+      </p:grpSpPr>
+      <p:sp>
+        <p:nvSpPr>
+          <p:cNvPr id="2" name="Title 1"/>
+          <p:cNvSpPr>
+            <a:spLocks noGrp="1"/>
+          </p:cNvSpPr>
+          <p:nvPr>
+            <p:ph type="title"/>
+          </p:nvPr>
+        </p:nvSpPr>
         <p:spPr/>
         <p:txBody>
           <a:bodyPr>
@@ -29289,7 +29535,7 @@
 </p:sld>
 </file>
 
-<file path=ppt/slides/slide74.xml><?xml version="1.0" encoding="utf-8"?>
+<file path=ppt/slides/slide75.xml><?xml version="1.0" encoding="utf-8"?>
 <p:sld xmlns:a="http://schemas.openxmlformats.org/drawingml/2006/main" xmlns:r="http://schemas.openxmlformats.org/officeDocument/2006/relationships" xmlns:p="http://schemas.openxmlformats.org/presentationml/2006/main">
   <p:cSld>
     <p:spTree>
@@ -29364,104 +29610,6 @@
     <p:extLst>
       <p:ext uri="{BB962C8B-B14F-4D97-AF65-F5344CB8AC3E}">
         <p14:creationId xmlns:p14="http://schemas.microsoft.com/office/powerpoint/2010/main" val="546057595"/>
-      </p:ext>
-    </p:extLst>
-  </p:cSld>
-  <p:clrMapOvr>
-    <a:masterClrMapping/>
-  </p:clrMapOvr>
-</p:sld>
-</file>
-
-<file path=ppt/slides/slide75.xml><?xml version="1.0" encoding="utf-8"?>
-<p:sld xmlns:a="http://schemas.openxmlformats.org/drawingml/2006/main" xmlns:r="http://schemas.openxmlformats.org/officeDocument/2006/relationships" xmlns:p="http://schemas.openxmlformats.org/presentationml/2006/main">
-  <p:cSld>
-    <p:spTree>
-      <p:nvGrpSpPr>
-        <p:cNvPr id="1" name=""/>
-        <p:cNvGrpSpPr/>
-        <p:nvPr/>
-      </p:nvGrpSpPr>
-      <p:grpSpPr>
-        <a:xfrm>
-          <a:off x="0" y="0"/>
-          <a:ext cx="0" cy="0"/>
-          <a:chOff x="0" y="0"/>
-          <a:chExt cx="0" cy="0"/>
-        </a:xfrm>
-      </p:grpSpPr>
-      <p:sp>
-        <p:nvSpPr>
-          <p:cNvPr id="2" name="Title 1"/>
-          <p:cNvSpPr>
-            <a:spLocks noGrp="1"/>
-          </p:cNvSpPr>
-          <p:nvPr>
-            <p:ph type="title"/>
-          </p:nvPr>
-        </p:nvSpPr>
-        <p:spPr/>
-        <p:txBody>
-          <a:bodyPr/>
-          <a:lstStyle/>
-          <a:p>
-            <a:r>
-              <a:rPr lang="en-US" dirty="0"/>
-              <a:t>What are some limitations to inheritance?</a:t>
-            </a:r>
-          </a:p>
-        </p:txBody>
-      </p:sp>
-      <p:sp>
-        <p:nvSpPr>
-          <p:cNvPr id="3" name="Content Placeholder 2"/>
-          <p:cNvSpPr>
-            <a:spLocks noGrp="1"/>
-          </p:cNvSpPr>
-          <p:nvPr>
-            <p:ph idx="1"/>
-          </p:nvPr>
-        </p:nvSpPr>
-        <p:spPr/>
-        <p:txBody>
-          <a:bodyPr/>
-          <a:lstStyle/>
-          <a:p>
-            <a:pPr marL="0" indent="0">
-              <a:buNone/>
-            </a:pPr>
-            <a:endParaRPr lang="en-US" dirty="0"/>
-          </a:p>
-          <a:p>
-            <a:pPr marL="0" indent="0">
-              <a:buNone/>
-            </a:pPr>
-            <a:r>
-              <a:rPr lang="en-US" dirty="0"/>
-              <a:t>Can we inherit code from more than one superclass?</a:t>
-            </a:r>
-          </a:p>
-          <a:p>
-            <a:pPr marL="0" indent="0">
-              <a:buNone/>
-            </a:pPr>
-            <a:endParaRPr lang="en-US" dirty="0"/>
-          </a:p>
-          <a:p>
-            <a:pPr marL="0" indent="0">
-              <a:buNone/>
-            </a:pPr>
-            <a:r>
-              <a:rPr lang="en-US" dirty="0"/>
-              <a:t>Can we have an is-a relationship or polymorphism without giving the subclass access to our code?</a:t>
-            </a:r>
-          </a:p>
-        </p:txBody>
-      </p:sp>
-    </p:spTree>
-    <p:extLst>
-      <p:ext uri="{BB962C8B-B14F-4D97-AF65-F5344CB8AC3E}">
-        <p14:creationId xmlns:p14="http://schemas.microsoft.com/office/powerpoint/2010/main" val="1214770709"/>
       </p:ext>
     </p:extLst>
   </p:cSld>
@@ -29500,14 +29648,12 @@
         </p:nvSpPr>
         <p:spPr/>
         <p:txBody>
-          <a:bodyPr>
-            <a:normAutofit/>
-          </a:bodyPr>
+          <a:bodyPr/>
           <a:lstStyle/>
           <a:p>
             <a:r>
               <a:rPr lang="en-US" dirty="0"/>
-              <a:t>Interfaces</a:t>
+              <a:t>What are some limitations to inheritance?</a:t>
             </a:r>
           </a:p>
         </p:txBody>
@@ -29530,6 +29676,106 @@
             <a:pPr marL="0" indent="0">
               <a:buNone/>
             </a:pPr>
+            <a:endParaRPr lang="en-US" dirty="0"/>
+          </a:p>
+          <a:p>
+            <a:pPr marL="0" indent="0">
+              <a:buNone/>
+            </a:pPr>
+            <a:r>
+              <a:rPr lang="en-US" dirty="0"/>
+              <a:t>Can we inherit code from more than one superclass?</a:t>
+            </a:r>
+          </a:p>
+          <a:p>
+            <a:pPr marL="0" indent="0">
+              <a:buNone/>
+            </a:pPr>
+            <a:endParaRPr lang="en-US" dirty="0"/>
+          </a:p>
+          <a:p>
+            <a:pPr marL="0" indent="0">
+              <a:buNone/>
+            </a:pPr>
+            <a:r>
+              <a:rPr lang="en-US" dirty="0"/>
+              <a:t>Can we have an is-a relationship or polymorphism without giving the subclass access to our code?</a:t>
+            </a:r>
+          </a:p>
+        </p:txBody>
+      </p:sp>
+    </p:spTree>
+    <p:extLst>
+      <p:ext uri="{BB962C8B-B14F-4D97-AF65-F5344CB8AC3E}">
+        <p14:creationId xmlns:p14="http://schemas.microsoft.com/office/powerpoint/2010/main" val="1214770709"/>
+      </p:ext>
+    </p:extLst>
+  </p:cSld>
+  <p:clrMapOvr>
+    <a:masterClrMapping/>
+  </p:clrMapOvr>
+</p:sld>
+</file>
+
+<file path=ppt/slides/slide77.xml><?xml version="1.0" encoding="utf-8"?>
+<p:sld xmlns:a="http://schemas.openxmlformats.org/drawingml/2006/main" xmlns:r="http://schemas.openxmlformats.org/officeDocument/2006/relationships" xmlns:p="http://schemas.openxmlformats.org/presentationml/2006/main">
+  <p:cSld>
+    <p:spTree>
+      <p:nvGrpSpPr>
+        <p:cNvPr id="1" name=""/>
+        <p:cNvGrpSpPr/>
+        <p:nvPr/>
+      </p:nvGrpSpPr>
+      <p:grpSpPr>
+        <a:xfrm>
+          <a:off x="0" y="0"/>
+          <a:ext cx="0" cy="0"/>
+          <a:chOff x="0" y="0"/>
+          <a:chExt cx="0" cy="0"/>
+        </a:xfrm>
+      </p:grpSpPr>
+      <p:sp>
+        <p:nvSpPr>
+          <p:cNvPr id="2" name="Title 1"/>
+          <p:cNvSpPr>
+            <a:spLocks noGrp="1"/>
+          </p:cNvSpPr>
+          <p:nvPr>
+            <p:ph type="title"/>
+          </p:nvPr>
+        </p:nvSpPr>
+        <p:spPr/>
+        <p:txBody>
+          <a:bodyPr>
+            <a:normAutofit/>
+          </a:bodyPr>
+          <a:lstStyle/>
+          <a:p>
+            <a:r>
+              <a:rPr lang="en-US" dirty="0"/>
+              <a:t>Interfaces</a:t>
+            </a:r>
+          </a:p>
+        </p:txBody>
+      </p:sp>
+      <p:sp>
+        <p:nvSpPr>
+          <p:cNvPr id="3" name="Content Placeholder 2"/>
+          <p:cNvSpPr>
+            <a:spLocks noGrp="1"/>
+          </p:cNvSpPr>
+          <p:nvPr>
+            <p:ph idx="1"/>
+          </p:nvPr>
+        </p:nvSpPr>
+        <p:spPr/>
+        <p:txBody>
+          <a:bodyPr/>
+          <a:lstStyle/>
+          <a:p>
+            <a:pPr marL="0" indent="0">
+              <a:buNone/>
+            </a:pPr>
             <a:r>
               <a:rPr lang="en-US" dirty="0"/>
               <a:t>Offer a means to share a common </a:t>
@@ -29606,7 +29852,7 @@
 </p:sld>
 </file>
 
-<file path=ppt/slides/slide77.xml><?xml version="1.0" encoding="utf-8"?>
+<file path=ppt/slides/slide78.xml><?xml version="1.0" encoding="utf-8"?>
 <p:sld xmlns:a="http://schemas.openxmlformats.org/drawingml/2006/main" xmlns:r="http://schemas.openxmlformats.org/officeDocument/2006/relationships" xmlns:p="http://schemas.openxmlformats.org/presentationml/2006/main">
   <p:cSld>
     <p:spTree>
@@ -29685,7 +29931,7 @@
             <a:effectLst/>
             <a:extLst>
               <a:ext uri="{C572A759-6A51-4108-AA02-DFA0A04FC94B}">
-                <ma14:wrappingTextBoxFlag xmlns="" xmlns:wpc="http://schemas.microsoft.com/office/word/2010/wordprocessingCanvas" xmlns:mo="http://schemas.microsoft.com/office/mac/office/2008/main" xmlns:mc="http://schemas.openxmlformats.org/markup-compatibility/2006" xmlns:mv="urn:schemas-microsoft-com:mac:vml" xmlns:o="urn:schemas-microsoft-com:office:office" xmlns:m="http://schemas.openxmlformats.org/officeDocument/2006/math" xmlns:v="urn:schemas-microsoft-com:vml" xmlns:wp14="http://schemas.microsoft.com/office/word/2010/wordprocessingDrawing" xmlns:wp="http://schemas.openxmlformats.org/drawingml/2006/wordprocessingDrawing" xmlns:w10="urn:schemas-microsoft-com:office:word" xmlns:w="http://schemas.openxmlformats.org/wordprocessingml/2006/main" xmlns:w14="http://schemas.microsoft.com/office/word/2010/wordml" xmlns:wpg="http://schemas.microsoft.com/office/word/2010/wordprocessingGroup" xmlns:wpi="http://schemas.microsoft.com/office/word/2010/wordprocessingInk" xmlns:wne="http://schemas.microsoft.com/office/word/2006/wordml" xmlns:wps="http://schemas.microsoft.com/office/word/2010/wordprocessingShape" xmlns:ma14="http://schemas.microsoft.com/office/mac/drawingml/2011/main" xmlns:lc="http://schemas.openxmlformats.org/drawingml/2006/lockedCanvas"/>
+                <ma14:wrappingTextBoxFlag xmlns:lc="http://schemas.openxmlformats.org/drawingml/2006/lockedCanvas" xmlns:ma14="http://schemas.microsoft.com/office/mac/drawingml/2011/main" xmlns:wps="http://schemas.microsoft.com/office/word/2010/wordprocessingShape" xmlns:wne="http://schemas.microsoft.com/office/word/2006/wordml" xmlns:wpi="http://schemas.microsoft.com/office/word/2010/wordprocessingInk" xmlns:wpg="http://schemas.microsoft.com/office/word/2010/wordprocessingGroup" xmlns:w14="http://schemas.microsoft.com/office/word/2010/wordml" xmlns:w="http://schemas.openxmlformats.org/wordprocessingml/2006/main" xmlns:w10="urn:schemas-microsoft-com:office:word" xmlns:wp="http://schemas.openxmlformats.org/drawingml/2006/wordprocessingDrawing" xmlns:wp14="http://schemas.microsoft.com/office/word/2010/wordprocessingDrawing" xmlns:v="urn:schemas-microsoft-com:vml" xmlns:m="http://schemas.openxmlformats.org/officeDocument/2006/math" xmlns:o="urn:schemas-microsoft-com:office:office" xmlns:mv="urn:schemas-microsoft-com:mac:vml" xmlns:mc="http://schemas.openxmlformats.org/markup-compatibility/2006" xmlns:mo="http://schemas.microsoft.com/office/mac/office/2008/main" xmlns:wpc="http://schemas.microsoft.com/office/word/2010/wordprocessingCanvas" xmlns=""/>
               </a:ext>
             </a:extLst>
           </p:spPr>
@@ -29766,7 +30012,7 @@
             <a:effectLst/>
             <a:extLst>
               <a:ext uri="{C572A759-6A51-4108-AA02-DFA0A04FC94B}">
-                <ma14:wrappingTextBoxFlag xmlns="" xmlns:wpc="http://schemas.microsoft.com/office/word/2010/wordprocessingCanvas" xmlns:mo="http://schemas.microsoft.com/office/mac/office/2008/main" xmlns:mc="http://schemas.openxmlformats.org/markup-compatibility/2006" xmlns:mv="urn:schemas-microsoft-com:mac:vml" xmlns:o="urn:schemas-microsoft-com:office:office" xmlns:m="http://schemas.openxmlformats.org/officeDocument/2006/math" xmlns:v="urn:schemas-microsoft-com:vml" xmlns:wp14="http://schemas.microsoft.com/office/word/2010/wordprocessingDrawing" xmlns:wp="http://schemas.openxmlformats.org/drawingml/2006/wordprocessingDrawing" xmlns:w10="urn:schemas-microsoft-com:office:word" xmlns:w="http://schemas.openxmlformats.org/wordprocessingml/2006/main" xmlns:w14="http://schemas.microsoft.com/office/word/2010/wordml" xmlns:wpg="http://schemas.microsoft.com/office/word/2010/wordprocessingGroup" xmlns:wpi="http://schemas.microsoft.com/office/word/2010/wordprocessingInk" xmlns:wne="http://schemas.microsoft.com/office/word/2006/wordml" xmlns:wps="http://schemas.microsoft.com/office/word/2010/wordprocessingShape" xmlns:ma14="http://schemas.microsoft.com/office/mac/drawingml/2011/main" xmlns:lc="http://schemas.openxmlformats.org/drawingml/2006/lockedCanvas"/>
+                <ma14:wrappingTextBoxFlag xmlns:lc="http://schemas.openxmlformats.org/drawingml/2006/lockedCanvas" xmlns:ma14="http://schemas.microsoft.com/office/mac/drawingml/2011/main" xmlns:wps="http://schemas.microsoft.com/office/word/2010/wordprocessingShape" xmlns:wne="http://schemas.microsoft.com/office/word/2006/wordml" xmlns:wpi="http://schemas.microsoft.com/office/word/2010/wordprocessingInk" xmlns:wpg="http://schemas.microsoft.com/office/word/2010/wordprocessingGroup" xmlns:w14="http://schemas.microsoft.com/office/word/2010/wordml" xmlns:w="http://schemas.openxmlformats.org/wordprocessingml/2006/main" xmlns:w10="urn:schemas-microsoft-com:office:word" xmlns:wp="http://schemas.openxmlformats.org/drawingml/2006/wordprocessingDrawing" xmlns:wp14="http://schemas.microsoft.com/office/word/2010/wordprocessingDrawing" xmlns:v="urn:schemas-microsoft-com:vml" xmlns:m="http://schemas.openxmlformats.org/officeDocument/2006/math" xmlns:o="urn:schemas-microsoft-com:office:office" xmlns:mv="urn:schemas-microsoft-com:mac:vml" xmlns:mc="http://schemas.openxmlformats.org/markup-compatibility/2006" xmlns:mo="http://schemas.microsoft.com/office/mac/office/2008/main" xmlns:wpc="http://schemas.microsoft.com/office/word/2010/wordprocessingCanvas" xmlns=""/>
               </a:ext>
             </a:extLst>
           </p:spPr>
@@ -29847,7 +30093,7 @@
             <a:effectLst/>
             <a:extLst>
               <a:ext uri="{C572A759-6A51-4108-AA02-DFA0A04FC94B}">
-                <ma14:wrappingTextBoxFlag xmlns="" xmlns:wpc="http://schemas.microsoft.com/office/word/2010/wordprocessingCanvas" xmlns:mo="http://schemas.microsoft.com/office/mac/office/2008/main" xmlns:mc="http://schemas.openxmlformats.org/markup-compatibility/2006" xmlns:mv="urn:schemas-microsoft-com:mac:vml" xmlns:o="urn:schemas-microsoft-com:office:office" xmlns:m="http://schemas.openxmlformats.org/officeDocument/2006/math" xmlns:v="urn:schemas-microsoft-com:vml" xmlns:wp14="http://schemas.microsoft.com/office/word/2010/wordprocessingDrawing" xmlns:wp="http://schemas.openxmlformats.org/drawingml/2006/wordprocessingDrawing" xmlns:w10="urn:schemas-microsoft-com:office:word" xmlns:w="http://schemas.openxmlformats.org/wordprocessingml/2006/main" xmlns:w14="http://schemas.microsoft.com/office/word/2010/wordml" xmlns:wpg="http://schemas.microsoft.com/office/word/2010/wordprocessingGroup" xmlns:wpi="http://schemas.microsoft.com/office/word/2010/wordprocessingInk" xmlns:wne="http://schemas.microsoft.com/office/word/2006/wordml" xmlns:wps="http://schemas.microsoft.com/office/word/2010/wordprocessingShape" xmlns:ma14="http://schemas.microsoft.com/office/mac/drawingml/2011/main" xmlns:lc="http://schemas.openxmlformats.org/drawingml/2006/lockedCanvas"/>
+                <ma14:wrappingTextBoxFlag xmlns:lc="http://schemas.openxmlformats.org/drawingml/2006/lockedCanvas" xmlns:ma14="http://schemas.microsoft.com/office/mac/drawingml/2011/main" xmlns:wps="http://schemas.microsoft.com/office/word/2010/wordprocessingShape" xmlns:wne="http://schemas.microsoft.com/office/word/2006/wordml" xmlns:wpi="http://schemas.microsoft.com/office/word/2010/wordprocessingInk" xmlns:wpg="http://schemas.microsoft.com/office/word/2010/wordprocessingGroup" xmlns:w14="http://schemas.microsoft.com/office/word/2010/wordml" xmlns:w="http://schemas.openxmlformats.org/wordprocessingml/2006/main" xmlns:w10="urn:schemas-microsoft-com:office:word" xmlns:wp="http://schemas.openxmlformats.org/drawingml/2006/wordprocessingDrawing" xmlns:wp14="http://schemas.microsoft.com/office/word/2010/wordprocessingDrawing" xmlns:v="urn:schemas-microsoft-com:vml" xmlns:m="http://schemas.openxmlformats.org/officeDocument/2006/math" xmlns:o="urn:schemas-microsoft-com:office:office" xmlns:mv="urn:schemas-microsoft-com:mac:vml" xmlns:mc="http://schemas.openxmlformats.org/markup-compatibility/2006" xmlns:mo="http://schemas.microsoft.com/office/mac/office/2008/main" xmlns:wpc="http://schemas.microsoft.com/office/word/2010/wordprocessingCanvas" xmlns=""/>
               </a:ext>
             </a:extLst>
           </p:spPr>
@@ -29928,7 +30174,7 @@
             <a:effectLst/>
             <a:extLst>
               <a:ext uri="{C572A759-6A51-4108-AA02-DFA0A04FC94B}">
-                <ma14:wrappingTextBoxFlag xmlns="" xmlns:wpc="http://schemas.microsoft.com/office/word/2010/wordprocessingCanvas" xmlns:mo="http://schemas.microsoft.com/office/mac/office/2008/main" xmlns:mc="http://schemas.openxmlformats.org/markup-compatibility/2006" xmlns:mv="urn:schemas-microsoft-com:mac:vml" xmlns:o="urn:schemas-microsoft-com:office:office" xmlns:m="http://schemas.openxmlformats.org/officeDocument/2006/math" xmlns:v="urn:schemas-microsoft-com:vml" xmlns:wp14="http://schemas.microsoft.com/office/word/2010/wordprocessingDrawing" xmlns:wp="http://schemas.openxmlformats.org/drawingml/2006/wordprocessingDrawing" xmlns:w10="urn:schemas-microsoft-com:office:word" xmlns:w="http://schemas.openxmlformats.org/wordprocessingml/2006/main" xmlns:w14="http://schemas.microsoft.com/office/word/2010/wordml" xmlns:wpg="http://schemas.microsoft.com/office/word/2010/wordprocessingGroup" xmlns:wpi="http://schemas.microsoft.com/office/word/2010/wordprocessingInk" xmlns:wne="http://schemas.microsoft.com/office/word/2006/wordml" xmlns:wps="http://schemas.microsoft.com/office/word/2010/wordprocessingShape" xmlns:ma14="http://schemas.microsoft.com/office/mac/drawingml/2011/main" xmlns:lc="http://schemas.openxmlformats.org/drawingml/2006/lockedCanvas"/>
+                <ma14:wrappingTextBoxFlag xmlns:lc="http://schemas.openxmlformats.org/drawingml/2006/lockedCanvas" xmlns:ma14="http://schemas.microsoft.com/office/mac/drawingml/2011/main" xmlns:wps="http://schemas.microsoft.com/office/word/2010/wordprocessingShape" xmlns:wne="http://schemas.microsoft.com/office/word/2006/wordml" xmlns:wpi="http://schemas.microsoft.com/office/word/2010/wordprocessingInk" xmlns:wpg="http://schemas.microsoft.com/office/word/2010/wordprocessingGroup" xmlns:w14="http://schemas.microsoft.com/office/word/2010/wordml" xmlns:w="http://schemas.openxmlformats.org/wordprocessingml/2006/main" xmlns:w10="urn:schemas-microsoft-com:office:word" xmlns:wp="http://schemas.openxmlformats.org/drawingml/2006/wordprocessingDrawing" xmlns:wp14="http://schemas.microsoft.com/office/word/2010/wordprocessingDrawing" xmlns:v="urn:schemas-microsoft-com:vml" xmlns:m="http://schemas.openxmlformats.org/officeDocument/2006/math" xmlns:o="urn:schemas-microsoft-com:office:office" xmlns:mv="urn:schemas-microsoft-com:mac:vml" xmlns:mc="http://schemas.openxmlformats.org/markup-compatibility/2006" xmlns:mo="http://schemas.microsoft.com/office/mac/office/2008/main" xmlns:wpc="http://schemas.microsoft.com/office/word/2010/wordprocessingCanvas" xmlns=""/>
               </a:ext>
             </a:extLst>
           </p:spPr>
@@ -30009,7 +30255,7 @@
             <a:effectLst/>
             <a:extLst>
               <a:ext uri="{C572A759-6A51-4108-AA02-DFA0A04FC94B}">
-                <ma14:wrappingTextBoxFlag xmlns="" xmlns:wpc="http://schemas.microsoft.com/office/word/2010/wordprocessingCanvas" xmlns:mo="http://schemas.microsoft.com/office/mac/office/2008/main" xmlns:mc="http://schemas.openxmlformats.org/markup-compatibility/2006" xmlns:mv="urn:schemas-microsoft-com:mac:vml" xmlns:o="urn:schemas-microsoft-com:office:office" xmlns:m="http://schemas.openxmlformats.org/officeDocument/2006/math" xmlns:v="urn:schemas-microsoft-com:vml" xmlns:wp14="http://schemas.microsoft.com/office/word/2010/wordprocessingDrawing" xmlns:wp="http://schemas.openxmlformats.org/drawingml/2006/wordprocessingDrawing" xmlns:w10="urn:schemas-microsoft-com:office:word" xmlns:w="http://schemas.openxmlformats.org/wordprocessingml/2006/main" xmlns:w14="http://schemas.microsoft.com/office/word/2010/wordml" xmlns:wpg="http://schemas.microsoft.com/office/word/2010/wordprocessingGroup" xmlns:wpi="http://schemas.microsoft.com/office/word/2010/wordprocessingInk" xmlns:wne="http://schemas.microsoft.com/office/word/2006/wordml" xmlns:wps="http://schemas.microsoft.com/office/word/2010/wordprocessingShape" xmlns:ma14="http://schemas.microsoft.com/office/mac/drawingml/2011/main" xmlns:lc="http://schemas.openxmlformats.org/drawingml/2006/lockedCanvas"/>
+                <ma14:wrappingTextBoxFlag xmlns:lc="http://schemas.openxmlformats.org/drawingml/2006/lockedCanvas" xmlns:ma14="http://schemas.microsoft.com/office/mac/drawingml/2011/main" xmlns:wps="http://schemas.microsoft.com/office/word/2010/wordprocessingShape" xmlns:wne="http://schemas.microsoft.com/office/word/2006/wordml" xmlns:wpi="http://schemas.microsoft.com/office/word/2010/wordprocessingInk" xmlns:wpg="http://schemas.microsoft.com/office/word/2010/wordprocessingGroup" xmlns:w14="http://schemas.microsoft.com/office/word/2010/wordml" xmlns:w="http://schemas.openxmlformats.org/wordprocessingml/2006/main" xmlns:w10="urn:schemas-microsoft-com:office:word" xmlns:wp="http://schemas.openxmlformats.org/drawingml/2006/wordprocessingDrawing" xmlns:wp14="http://schemas.microsoft.com/office/word/2010/wordprocessingDrawing" xmlns:v="urn:schemas-microsoft-com:vml" xmlns:m="http://schemas.openxmlformats.org/officeDocument/2006/math" xmlns:o="urn:schemas-microsoft-com:office:office" xmlns:mv="urn:schemas-microsoft-com:mac:vml" xmlns:mc="http://schemas.openxmlformats.org/markup-compatibility/2006" xmlns:mo="http://schemas.microsoft.com/office/mac/office/2008/main" xmlns:wpc="http://schemas.microsoft.com/office/word/2010/wordprocessingCanvas" xmlns=""/>
               </a:ext>
             </a:extLst>
           </p:spPr>
@@ -30125,7 +30371,7 @@
             <a:effectLst/>
             <a:extLst>
               <a:ext uri="{C572A759-6A51-4108-AA02-DFA0A04FC94B}">
-                <ma14:wrappingTextBoxFlag xmlns="" xmlns:wpc="http://schemas.microsoft.com/office/word/2010/wordprocessingCanvas" xmlns:mo="http://schemas.microsoft.com/office/mac/office/2008/main" xmlns:mc="http://schemas.openxmlformats.org/markup-compatibility/2006" xmlns:mv="urn:schemas-microsoft-com:mac:vml" xmlns:o="urn:schemas-microsoft-com:office:office" xmlns:m="http://schemas.openxmlformats.org/officeDocument/2006/math" xmlns:v="urn:schemas-microsoft-com:vml" xmlns:wp14="http://schemas.microsoft.com/office/word/2010/wordprocessingDrawing" xmlns:wp="http://schemas.openxmlformats.org/drawingml/2006/wordprocessingDrawing" xmlns:w10="urn:schemas-microsoft-com:office:word" xmlns:w="http://schemas.openxmlformats.org/wordprocessingml/2006/main" xmlns:w14="http://schemas.microsoft.com/office/word/2010/wordml" xmlns:wpg="http://schemas.microsoft.com/office/word/2010/wordprocessingGroup" xmlns:wpi="http://schemas.microsoft.com/office/word/2010/wordprocessingInk" xmlns:wne="http://schemas.microsoft.com/office/word/2006/wordml" xmlns:wps="http://schemas.microsoft.com/office/word/2010/wordprocessingShape" xmlns:ma14="http://schemas.microsoft.com/office/mac/drawingml/2011/main" xmlns:lc="http://schemas.openxmlformats.org/drawingml/2006/lockedCanvas"/>
+                <ma14:wrappingTextBoxFlag xmlns:lc="http://schemas.openxmlformats.org/drawingml/2006/lockedCanvas" xmlns:ma14="http://schemas.microsoft.com/office/mac/drawingml/2011/main" xmlns:wps="http://schemas.microsoft.com/office/word/2010/wordprocessingShape" xmlns:wne="http://schemas.microsoft.com/office/word/2006/wordml" xmlns:wpi="http://schemas.microsoft.com/office/word/2010/wordprocessingInk" xmlns:wpg="http://schemas.microsoft.com/office/word/2010/wordprocessingGroup" xmlns:w14="http://schemas.microsoft.com/office/word/2010/wordml" xmlns:w="http://schemas.openxmlformats.org/wordprocessingml/2006/main" xmlns:w10="urn:schemas-microsoft-com:office:word" xmlns:wp="http://schemas.openxmlformats.org/drawingml/2006/wordprocessingDrawing" xmlns:wp14="http://schemas.microsoft.com/office/word/2010/wordprocessingDrawing" xmlns:v="urn:schemas-microsoft-com:vml" xmlns:m="http://schemas.openxmlformats.org/officeDocument/2006/math" xmlns:o="urn:schemas-microsoft-com:office:office" xmlns:mv="urn:schemas-microsoft-com:mac:vml" xmlns:mc="http://schemas.openxmlformats.org/markup-compatibility/2006" xmlns:mo="http://schemas.microsoft.com/office/mac/office/2008/main" xmlns:wpc="http://schemas.microsoft.com/office/word/2010/wordprocessingCanvas" xmlns=""/>
               </a:ext>
             </a:extLst>
           </p:spPr>
@@ -30241,7 +30487,7 @@
             <a:effectLst/>
             <a:extLst>
               <a:ext uri="{C572A759-6A51-4108-AA02-DFA0A04FC94B}">
-                <ma14:wrappingTextBoxFlag xmlns="" xmlns:wpc="http://schemas.microsoft.com/office/word/2010/wordprocessingCanvas" xmlns:mo="http://schemas.microsoft.com/office/mac/office/2008/main" xmlns:mc="http://schemas.openxmlformats.org/markup-compatibility/2006" xmlns:mv="urn:schemas-microsoft-com:mac:vml" xmlns:o="urn:schemas-microsoft-com:office:office" xmlns:m="http://schemas.openxmlformats.org/officeDocument/2006/math" xmlns:v="urn:schemas-microsoft-com:vml" xmlns:wp14="http://schemas.microsoft.com/office/word/2010/wordprocessingDrawing" xmlns:wp="http://schemas.openxmlformats.org/drawingml/2006/wordprocessingDrawing" xmlns:w10="urn:schemas-microsoft-com:office:word" xmlns:w="http://schemas.openxmlformats.org/wordprocessingml/2006/main" xmlns:w14="http://schemas.microsoft.com/office/word/2010/wordml" xmlns:wpg="http://schemas.microsoft.com/office/word/2010/wordprocessingGroup" xmlns:wpi="http://schemas.microsoft.com/office/word/2010/wordprocessingInk" xmlns:wne="http://schemas.microsoft.com/office/word/2006/wordml" xmlns:wps="http://schemas.microsoft.com/office/word/2010/wordprocessingShape" xmlns:ma14="http://schemas.microsoft.com/office/mac/drawingml/2011/main" xmlns:lc="http://schemas.openxmlformats.org/drawingml/2006/lockedCanvas"/>
+                <ma14:wrappingTextBoxFlag xmlns:lc="http://schemas.openxmlformats.org/drawingml/2006/lockedCanvas" xmlns:ma14="http://schemas.microsoft.com/office/mac/drawingml/2011/main" xmlns:wps="http://schemas.microsoft.com/office/word/2010/wordprocessingShape" xmlns:wne="http://schemas.microsoft.com/office/word/2006/wordml" xmlns:wpi="http://schemas.microsoft.com/office/word/2010/wordprocessingInk" xmlns:wpg="http://schemas.microsoft.com/office/word/2010/wordprocessingGroup" xmlns:w14="http://schemas.microsoft.com/office/word/2010/wordml" xmlns:w="http://schemas.openxmlformats.org/wordprocessingml/2006/main" xmlns:w10="urn:schemas-microsoft-com:office:word" xmlns:wp="http://schemas.openxmlformats.org/drawingml/2006/wordprocessingDrawing" xmlns:wp14="http://schemas.microsoft.com/office/word/2010/wordprocessingDrawing" xmlns:v="urn:schemas-microsoft-com:vml" xmlns:m="http://schemas.openxmlformats.org/officeDocument/2006/math" xmlns:o="urn:schemas-microsoft-com:office:office" xmlns:mv="urn:schemas-microsoft-com:mac:vml" xmlns:mc="http://schemas.openxmlformats.org/markup-compatibility/2006" xmlns:mo="http://schemas.microsoft.com/office/mac/office/2008/main" xmlns:wpc="http://schemas.microsoft.com/office/word/2010/wordprocessingCanvas" xmlns=""/>
               </a:ext>
             </a:extLst>
           </p:spPr>
@@ -30526,371 +30772,6 @@
 </p:sld>
 </file>
 
-<file path=ppt/slides/slide78.xml><?xml version="1.0" encoding="utf-8"?>
-<p:sld xmlns:a="http://schemas.openxmlformats.org/drawingml/2006/main" xmlns:r="http://schemas.openxmlformats.org/officeDocument/2006/relationships" xmlns:p="http://schemas.openxmlformats.org/presentationml/2006/main">
-  <p:cSld>
-    <p:spTree>
-      <p:nvGrpSpPr>
-        <p:cNvPr id="1" name=""/>
-        <p:cNvGrpSpPr/>
-        <p:nvPr/>
-      </p:nvGrpSpPr>
-      <p:grpSpPr>
-        <a:xfrm>
-          <a:off x="0" y="0"/>
-          <a:ext cx="0" cy="0"/>
-          <a:chOff x="0" y="0"/>
-          <a:chExt cx="0" cy="0"/>
-        </a:xfrm>
-      </p:grpSpPr>
-      <p:sp>
-        <p:nvSpPr>
-          <p:cNvPr id="2" name="Title 1"/>
-          <p:cNvSpPr>
-            <a:spLocks noGrp="1"/>
-          </p:cNvSpPr>
-          <p:nvPr>
-            <p:ph type="title"/>
-          </p:nvPr>
-        </p:nvSpPr>
-        <p:spPr/>
-        <p:txBody>
-          <a:bodyPr/>
-          <a:lstStyle/>
-          <a:p>
-            <a:r>
-              <a:rPr lang="en-US" dirty="0"/>
-              <a:t>Declaring Interfaces</a:t>
-            </a:r>
-          </a:p>
-        </p:txBody>
-      </p:sp>
-      <p:sp>
-        <p:nvSpPr>
-          <p:cNvPr id="3" name="Content Placeholder 2"/>
-          <p:cNvSpPr>
-            <a:spLocks noGrp="1"/>
-          </p:cNvSpPr>
-          <p:nvPr>
-            <p:ph idx="1"/>
-          </p:nvPr>
-        </p:nvSpPr>
-        <p:spPr/>
-        <p:txBody>
-          <a:bodyPr>
-            <a:normAutofit fontScale="92500" lnSpcReduction="10000"/>
-          </a:bodyPr>
-          <a:lstStyle/>
-          <a:p>
-            <a:pPr marL="0" indent="0">
-              <a:buNone/>
-            </a:pPr>
-            <a:r>
-              <a:rPr lang="en-US" sz="1400" dirty="0">
-                <a:latin typeface="Courier New" panose="02070309020205020404" pitchFamily="49" charset="0"/>
-                <a:cs typeface="Courier New" panose="02070309020205020404" pitchFamily="49" charset="0"/>
-              </a:rPr>
-              <a:t>public interface Salty{</a:t>
-            </a:r>
-          </a:p>
-          <a:p>
-            <a:pPr marL="0" indent="0">
-              <a:buNone/>
-            </a:pPr>
-            <a:r>
-              <a:rPr lang="en-US" sz="1400" dirty="0">
-                <a:latin typeface="Courier New" panose="02070309020205020404" pitchFamily="49" charset="0"/>
-                <a:cs typeface="Courier New" panose="02070309020205020404" pitchFamily="49" charset="0"/>
-              </a:rPr>
-              <a:t>	double </a:t>
-            </a:r>
-            <a:r>
-              <a:rPr lang="en-US" sz="1400" dirty="0" err="1">
-                <a:latin typeface="Courier New" panose="02070309020205020404" pitchFamily="49" charset="0"/>
-                <a:cs typeface="Courier New" panose="02070309020205020404" pitchFamily="49" charset="0"/>
-              </a:rPr>
-              <a:t>sodiumContent</a:t>
-            </a:r>
-            <a:r>
-              <a:rPr lang="en-US" sz="1400" dirty="0">
-                <a:latin typeface="Courier New" panose="02070309020205020404" pitchFamily="49" charset="0"/>
-                <a:cs typeface="Courier New" panose="02070309020205020404" pitchFamily="49" charset="0"/>
-              </a:rPr>
-              <a:t>();      	</a:t>
-            </a:r>
-            <a:r>
-              <a:rPr lang="en-US" sz="1400" dirty="0">
-                <a:latin typeface="Courier New" panose="02070309020205020404" pitchFamily="49" charset="0"/>
-                <a:cs typeface="Courier New" panose="02070309020205020404" pitchFamily="49" charset="0"/>
-                <a:sym typeface="Wingdings" panose="05000000000000000000" pitchFamily="2" charset="2"/>
-              </a:rPr>
-              <a:t></a:t>
-            </a:r>
-            <a:r>
-              <a:rPr lang="en-US" sz="1400" dirty="0">
-                <a:latin typeface="Courier New" panose="02070309020205020404" pitchFamily="49" charset="0"/>
-                <a:cs typeface="Courier New" panose="02070309020205020404" pitchFamily="49" charset="0"/>
-              </a:rPr>
-              <a:t>this is a promise to implement the </a:t>
-            </a:r>
-            <a:r>
-              <a:rPr lang="en-US" sz="1400" dirty="0" err="1">
-                <a:latin typeface="Courier New" panose="02070309020205020404" pitchFamily="49" charset="0"/>
-                <a:cs typeface="Courier New" panose="02070309020205020404" pitchFamily="49" charset="0"/>
-              </a:rPr>
-              <a:t>sodiumContent</a:t>
-            </a:r>
-            <a:r>
-              <a:rPr lang="en-US" sz="1400" dirty="0">
-                <a:latin typeface="Courier New" panose="02070309020205020404" pitchFamily="49" charset="0"/>
-                <a:cs typeface="Courier New" panose="02070309020205020404" pitchFamily="49" charset="0"/>
-              </a:rPr>
-              <a:t> </a:t>
-            </a:r>
-          </a:p>
-          <a:p>
-            <a:pPr marL="0" indent="0">
-              <a:buNone/>
-            </a:pPr>
-            <a:r>
-              <a:rPr lang="en-US" sz="1400" dirty="0">
-                <a:latin typeface="Courier New" panose="02070309020205020404" pitchFamily="49" charset="0"/>
-                <a:cs typeface="Courier New" panose="02070309020205020404" pitchFamily="49" charset="0"/>
-              </a:rPr>
-              <a:t>}				 	in the class that implements the Salty interface.</a:t>
-            </a:r>
-          </a:p>
-          <a:p>
-            <a:pPr marL="0" indent="0">
-              <a:buNone/>
-            </a:pPr>
-            <a:r>
-              <a:rPr lang="en-US" sz="1400" dirty="0">
-                <a:latin typeface="Courier New" panose="02070309020205020404" pitchFamily="49" charset="0"/>
-                <a:cs typeface="Courier New" panose="02070309020205020404" pitchFamily="49" charset="0"/>
-              </a:rPr>
-              <a:t> </a:t>
-            </a:r>
-          </a:p>
-          <a:p>
-            <a:pPr marL="0" indent="0">
-              <a:buNone/>
-            </a:pPr>
-            <a:r>
-              <a:rPr lang="en-US" sz="1400" dirty="0">
-                <a:latin typeface="Courier New" panose="02070309020205020404" pitchFamily="49" charset="0"/>
-                <a:cs typeface="Courier New" panose="02070309020205020404" pitchFamily="49" charset="0"/>
-              </a:rPr>
-              <a:t>public interface Aromatic{</a:t>
-            </a:r>
-          </a:p>
-          <a:p>
-            <a:pPr marL="0" indent="0">
-              <a:buNone/>
-            </a:pPr>
-            <a:r>
-              <a:rPr lang="en-US" sz="1400" dirty="0">
-                <a:latin typeface="Courier New" panose="02070309020205020404" pitchFamily="49" charset="0"/>
-                <a:cs typeface="Courier New" panose="02070309020205020404" pitchFamily="49" charset="0"/>
-              </a:rPr>
-              <a:t>	String </a:t>
-            </a:r>
-            <a:r>
-              <a:rPr lang="en-US" sz="1400" dirty="0" err="1">
-                <a:latin typeface="Courier New" panose="02070309020205020404" pitchFamily="49" charset="0"/>
-                <a:cs typeface="Courier New" panose="02070309020205020404" pitchFamily="49" charset="0"/>
-              </a:rPr>
-              <a:t>describeAroma</a:t>
-            </a:r>
-            <a:r>
-              <a:rPr lang="en-US" sz="1400" dirty="0">
-                <a:latin typeface="Courier New" panose="02070309020205020404" pitchFamily="49" charset="0"/>
-                <a:cs typeface="Courier New" panose="02070309020205020404" pitchFamily="49" charset="0"/>
-              </a:rPr>
-              <a:t>();  		</a:t>
-            </a:r>
-            <a:r>
-              <a:rPr lang="en-US" sz="1400" dirty="0">
-                <a:latin typeface="Courier New" panose="02070309020205020404" pitchFamily="49" charset="0"/>
-                <a:cs typeface="Courier New" panose="02070309020205020404" pitchFamily="49" charset="0"/>
-                <a:sym typeface="Wingdings" panose="05000000000000000000" pitchFamily="2" charset="2"/>
-              </a:rPr>
-              <a:t></a:t>
-            </a:r>
-            <a:r>
-              <a:rPr lang="en-US" sz="1400" dirty="0">
-                <a:latin typeface="Courier New" panose="02070309020205020404" pitchFamily="49" charset="0"/>
-                <a:cs typeface="Courier New" panose="02070309020205020404" pitchFamily="49" charset="0"/>
-              </a:rPr>
-              <a:t> Notice the lack of “public”! Public is </a:t>
-            </a:r>
-            <a:r>
-              <a:rPr lang="en-US" sz="1400" i="1" dirty="0">
-                <a:latin typeface="Courier New" panose="02070309020205020404" pitchFamily="49" charset="0"/>
-                <a:cs typeface="Courier New" panose="02070309020205020404" pitchFamily="49" charset="0"/>
-              </a:rPr>
-              <a:t>assumed</a:t>
-            </a:r>
-            <a:r>
-              <a:rPr lang="en-US" sz="1400" dirty="0">
-                <a:latin typeface="Courier New" panose="02070309020205020404" pitchFamily="49" charset="0"/>
-                <a:cs typeface="Courier New" panose="02070309020205020404" pitchFamily="49" charset="0"/>
-              </a:rPr>
-              <a:t>.</a:t>
-            </a:r>
-          </a:p>
-          <a:p>
-            <a:pPr marL="0" indent="0">
-              <a:buNone/>
-            </a:pPr>
-            <a:r>
-              <a:rPr lang="en-US" sz="1400" dirty="0">
-                <a:latin typeface="Courier New" panose="02070309020205020404" pitchFamily="49" charset="0"/>
-                <a:cs typeface="Courier New" panose="02070309020205020404" pitchFamily="49" charset="0"/>
-              </a:rPr>
-              <a:t>}</a:t>
-            </a:r>
-          </a:p>
-          <a:p>
-            <a:pPr marL="0" indent="0">
-              <a:buNone/>
-            </a:pPr>
-            <a:r>
-              <a:rPr lang="en-US" sz="1400" dirty="0">
-                <a:latin typeface="Courier New" panose="02070309020205020404" pitchFamily="49" charset="0"/>
-                <a:cs typeface="Courier New" panose="02070309020205020404" pitchFamily="49" charset="0"/>
-              </a:rPr>
-              <a:t> </a:t>
-            </a:r>
-          </a:p>
-          <a:p>
-            <a:pPr marL="0" indent="0">
-              <a:buNone/>
-            </a:pPr>
-            <a:r>
-              <a:rPr lang="en-US" sz="1400" dirty="0">
-                <a:latin typeface="Courier New" panose="02070309020205020404" pitchFamily="49" charset="0"/>
-                <a:cs typeface="Courier New" panose="02070309020205020404" pitchFamily="49" charset="0"/>
-              </a:rPr>
-              <a:t>public interface Greasy{</a:t>
-            </a:r>
-          </a:p>
-          <a:p>
-            <a:pPr marL="0" indent="0">
-              <a:buNone/>
-            </a:pPr>
-            <a:r>
-              <a:rPr lang="en-US" sz="1400" dirty="0">
-                <a:latin typeface="Courier New" panose="02070309020205020404" pitchFamily="49" charset="0"/>
-                <a:cs typeface="Courier New" panose="02070309020205020404" pitchFamily="49" charset="0"/>
-              </a:rPr>
-              <a:t>	double </a:t>
-            </a:r>
-            <a:r>
-              <a:rPr lang="en-US" sz="1400" dirty="0" err="1">
-                <a:latin typeface="Courier New" panose="02070309020205020404" pitchFamily="49" charset="0"/>
-                <a:cs typeface="Courier New" panose="02070309020205020404" pitchFamily="49" charset="0"/>
-              </a:rPr>
-              <a:t>amountOfGreaseInMg</a:t>
-            </a:r>
-            <a:r>
-              <a:rPr lang="en-US" sz="1400" dirty="0">
-                <a:latin typeface="Courier New" panose="02070309020205020404" pitchFamily="49" charset="0"/>
-                <a:cs typeface="Courier New" panose="02070309020205020404" pitchFamily="49" charset="0"/>
-              </a:rPr>
-              <a:t>();   	</a:t>
-            </a:r>
-            <a:r>
-              <a:rPr lang="en-US" sz="1400" dirty="0">
-                <a:latin typeface="Courier New" panose="02070309020205020404" pitchFamily="49" charset="0"/>
-                <a:cs typeface="Courier New" panose="02070309020205020404" pitchFamily="49" charset="0"/>
-                <a:sym typeface="Wingdings" panose="05000000000000000000" pitchFamily="2" charset="2"/>
-              </a:rPr>
-              <a:t></a:t>
-            </a:r>
-            <a:r>
-              <a:rPr lang="en-US" sz="1400" dirty="0">
-                <a:latin typeface="Courier New" panose="02070309020205020404" pitchFamily="49" charset="0"/>
-                <a:cs typeface="Courier New" panose="02070309020205020404" pitchFamily="49" charset="0"/>
-              </a:rPr>
-              <a:t>point out that interfaces look just like classes</a:t>
-            </a:r>
-          </a:p>
-          <a:p>
-            <a:pPr marL="0" indent="0">
-              <a:buNone/>
-            </a:pPr>
-            <a:r>
-              <a:rPr lang="en-US" sz="1400" dirty="0">
-                <a:latin typeface="Courier New" panose="02070309020205020404" pitchFamily="49" charset="0"/>
-                <a:cs typeface="Courier New" panose="02070309020205020404" pitchFamily="49" charset="0"/>
-              </a:rPr>
-              <a:t>}					but without fields or method bodies</a:t>
-            </a:r>
-          </a:p>
-          <a:p>
-            <a:pPr marL="0" indent="0">
-              <a:buNone/>
-            </a:pPr>
-            <a:r>
-              <a:rPr lang="en-US" sz="1400" dirty="0">
-                <a:latin typeface="Courier New" panose="02070309020205020404" pitchFamily="49" charset="0"/>
-                <a:cs typeface="Courier New" panose="02070309020205020404" pitchFamily="49" charset="0"/>
-              </a:rPr>
-              <a:t> </a:t>
-            </a:r>
-          </a:p>
-          <a:p>
-            <a:pPr marL="0" indent="0">
-              <a:buNone/>
-            </a:pPr>
-            <a:r>
-              <a:rPr lang="en-US" sz="1400" dirty="0">
-                <a:latin typeface="Courier New" panose="02070309020205020404" pitchFamily="49" charset="0"/>
-                <a:cs typeface="Courier New" panose="02070309020205020404" pitchFamily="49" charset="0"/>
-              </a:rPr>
-              <a:t>public interface Edible{</a:t>
-            </a:r>
-          </a:p>
-          <a:p>
-            <a:pPr marL="0" indent="0">
-              <a:buNone/>
-            </a:pPr>
-            <a:r>
-              <a:rPr lang="en-US" sz="1400" dirty="0">
-                <a:latin typeface="Courier New" panose="02070309020205020404" pitchFamily="49" charset="0"/>
-                <a:cs typeface="Courier New" panose="02070309020205020404" pitchFamily="49" charset="0"/>
-              </a:rPr>
-              <a:t>	double calories();</a:t>
-            </a:r>
-          </a:p>
-          <a:p>
-            <a:pPr marL="0" indent="0">
-              <a:buNone/>
-            </a:pPr>
-            <a:r>
-              <a:rPr lang="en-US" sz="1400" dirty="0">
-                <a:latin typeface="Courier New" panose="02070309020205020404" pitchFamily="49" charset="0"/>
-                <a:cs typeface="Courier New" panose="02070309020205020404" pitchFamily="49" charset="0"/>
-              </a:rPr>
-              <a:t>}</a:t>
-            </a:r>
-          </a:p>
-        </p:txBody>
-      </p:sp>
-    </p:spTree>
-    <p:extLst>
-      <p:ext uri="{BB962C8B-B14F-4D97-AF65-F5344CB8AC3E}">
-        <p14:creationId xmlns:p14="http://schemas.microsoft.com/office/powerpoint/2010/main" val="3474555343"/>
-      </p:ext>
-    </p:extLst>
-  </p:cSld>
-  <p:clrMapOvr>
-    <a:masterClrMapping/>
-  </p:clrMapOvr>
-</p:sld>
-</file>
-
 <file path=ppt/slides/slide79.xml><?xml version="1.0" encoding="utf-8"?>
 <p:sld xmlns:a="http://schemas.openxmlformats.org/drawingml/2006/main" xmlns:r="http://schemas.openxmlformats.org/officeDocument/2006/relationships" xmlns:p="http://schemas.openxmlformats.org/presentationml/2006/main">
   <p:cSld>
@@ -30925,7 +30806,7 @@
           <a:p>
             <a:r>
               <a:rPr lang="en-US" dirty="0"/>
-              <a:t>Implementing Interfaces</a:t>
+              <a:t>Declaring Interfaces</a:t>
             </a:r>
           </a:p>
         </p:txBody>
@@ -30940,15 +30821,10 @@
             <p:ph idx="1"/>
           </p:nvPr>
         </p:nvSpPr>
-        <p:spPr>
-          <a:xfrm>
-            <a:off x="838199" y="1825625"/>
-            <a:ext cx="10660529" cy="4351338"/>
-          </a:xfrm>
-        </p:spPr>
+        <p:spPr/>
         <p:txBody>
           <a:bodyPr>
-            <a:normAutofit/>
+            <a:normAutofit fontScale="92500" lnSpcReduction="10000"/>
           </a:bodyPr>
           <a:lstStyle/>
           <a:p>
@@ -30956,11 +30832,11 @@
               <a:buNone/>
             </a:pPr>
             <a:r>
-              <a:rPr lang="en-US" sz="1800" dirty="0">
-                <a:latin typeface="Courier New" panose="02070309020205020404" pitchFamily="49" charset="0"/>
-                <a:cs typeface="Courier New" panose="02070309020205020404" pitchFamily="49" charset="0"/>
-              </a:rPr>
-              <a:t>public class Bacon extends Pork implements Salty, Aromatic, Greasy, Edible {</a:t>
+              <a:rPr lang="en-US" sz="1400" dirty="0">
+                <a:latin typeface="Courier New" panose="02070309020205020404" pitchFamily="49" charset="0"/>
+                <a:cs typeface="Courier New" panose="02070309020205020404" pitchFamily="49" charset="0"/>
+              </a:rPr>
+              <a:t>public interface Salty{</a:t>
             </a:r>
           </a:p>
           <a:p>
@@ -30968,46 +30844,78 @@
               <a:buNone/>
             </a:pPr>
             <a:r>
-              <a:rPr lang="en-US" sz="1800" dirty="0">
-                <a:latin typeface="Courier New" panose="02070309020205020404" pitchFamily="49" charset="0"/>
-                <a:cs typeface="Courier New" panose="02070309020205020404" pitchFamily="49" charset="0"/>
-              </a:rPr>
-              <a:t>	private double </a:t>
-            </a:r>
-            <a:r>
-              <a:rPr lang="en-US" sz="1800" dirty="0" err="1">
-                <a:latin typeface="Courier New" panose="02070309020205020404" pitchFamily="49" charset="0"/>
-                <a:cs typeface="Courier New" panose="02070309020205020404" pitchFamily="49" charset="0"/>
-              </a:rPr>
-              <a:t>amountInKg</a:t>
-            </a:r>
-            <a:r>
-              <a:rPr lang="en-US" sz="1800" dirty="0">
-                <a:latin typeface="Courier New" panose="02070309020205020404" pitchFamily="49" charset="0"/>
-                <a:cs typeface="Courier New" panose="02070309020205020404" pitchFamily="49" charset="0"/>
-              </a:rPr>
-              <a:t>;</a:t>
+              <a:rPr lang="en-US" sz="1400" dirty="0">
+                <a:latin typeface="Courier New" panose="02070309020205020404" pitchFamily="49" charset="0"/>
+                <a:cs typeface="Courier New" panose="02070309020205020404" pitchFamily="49" charset="0"/>
+              </a:rPr>
+              <a:t>	double </a:t>
+            </a:r>
+            <a:r>
+              <a:rPr lang="en-US" sz="1400" dirty="0" err="1">
+                <a:latin typeface="Courier New" panose="02070309020205020404" pitchFamily="49" charset="0"/>
+                <a:cs typeface="Courier New" panose="02070309020205020404" pitchFamily="49" charset="0"/>
+              </a:rPr>
+              <a:t>sodiumContent</a:t>
+            </a:r>
+            <a:r>
+              <a:rPr lang="en-US" sz="1400" dirty="0">
+                <a:latin typeface="Courier New" panose="02070309020205020404" pitchFamily="49" charset="0"/>
+                <a:cs typeface="Courier New" panose="02070309020205020404" pitchFamily="49" charset="0"/>
+              </a:rPr>
+              <a:t>();      	</a:t>
+            </a:r>
+            <a:r>
+              <a:rPr lang="en-US" sz="1400" dirty="0">
+                <a:latin typeface="Courier New" panose="02070309020205020404" pitchFamily="49" charset="0"/>
+                <a:cs typeface="Courier New" panose="02070309020205020404" pitchFamily="49" charset="0"/>
+                <a:sym typeface="Wingdings" panose="05000000000000000000" pitchFamily="2" charset="2"/>
+              </a:rPr>
+              <a:t></a:t>
+            </a:r>
+            <a:r>
+              <a:rPr lang="en-US" sz="1400" dirty="0">
+                <a:latin typeface="Courier New" panose="02070309020205020404" pitchFamily="49" charset="0"/>
+                <a:cs typeface="Courier New" panose="02070309020205020404" pitchFamily="49" charset="0"/>
+              </a:rPr>
+              <a:t>this is a promise to implement the </a:t>
+            </a:r>
+            <a:r>
+              <a:rPr lang="en-US" sz="1400" dirty="0" err="1">
+                <a:latin typeface="Courier New" panose="02070309020205020404" pitchFamily="49" charset="0"/>
+                <a:cs typeface="Courier New" panose="02070309020205020404" pitchFamily="49" charset="0"/>
+              </a:rPr>
+              <a:t>sodiumContent</a:t>
+            </a:r>
+            <a:r>
+              <a:rPr lang="en-US" sz="1400" dirty="0">
+                <a:latin typeface="Courier New" panose="02070309020205020404" pitchFamily="49" charset="0"/>
+                <a:cs typeface="Courier New" panose="02070309020205020404" pitchFamily="49" charset="0"/>
+              </a:rPr>
+              <a:t> </a:t>
             </a:r>
           </a:p>
           <a:p>
             <a:pPr marL="0" indent="0">
               <a:buNone/>
             </a:pPr>
-            <a:endParaRPr lang="en-US" sz="1800" dirty="0">
-              <a:latin typeface="Courier New" panose="02070309020205020404" pitchFamily="49" charset="0"/>
-              <a:cs typeface="Courier New" panose="02070309020205020404" pitchFamily="49" charset="0"/>
-            </a:endParaRPr>
+            <a:r>
+              <a:rPr lang="en-US" sz="1400" dirty="0">
+                <a:latin typeface="Courier New" panose="02070309020205020404" pitchFamily="49" charset="0"/>
+                <a:cs typeface="Courier New" panose="02070309020205020404" pitchFamily="49" charset="0"/>
+              </a:rPr>
+              <a:t>}				 	in the class that implements the Salty interface.</a:t>
+            </a:r>
           </a:p>
           <a:p>
             <a:pPr marL="0" indent="0">
               <a:buNone/>
             </a:pPr>
             <a:r>
-              <a:rPr lang="en-US" sz="1800" dirty="0">
-                <a:latin typeface="Courier New" panose="02070309020205020404" pitchFamily="49" charset="0"/>
-                <a:cs typeface="Courier New" panose="02070309020205020404" pitchFamily="49" charset="0"/>
-              </a:rPr>
-              <a:t>	public Bacon(double amount){</a:t>
+              <a:rPr lang="en-US" sz="1400" dirty="0">
+                <a:latin typeface="Courier New" panose="02070309020205020404" pitchFamily="49" charset="0"/>
+                <a:cs typeface="Courier New" panose="02070309020205020404" pitchFamily="49" charset="0"/>
+              </a:rPr>
+              <a:t> </a:t>
             </a:r>
           </a:p>
           <a:p>
@@ -31015,25 +30923,11 @@
               <a:buNone/>
             </a:pPr>
             <a:r>
-              <a:rPr lang="en-US" sz="1800" dirty="0">
-                <a:latin typeface="Courier New" panose="02070309020205020404" pitchFamily="49" charset="0"/>
-                <a:cs typeface="Courier New" panose="02070309020205020404" pitchFamily="49" charset="0"/>
-              </a:rPr>
-              <a:t>		</a:t>
-            </a:r>
-            <a:r>
-              <a:rPr lang="en-US" sz="1800" dirty="0" err="1">
-                <a:latin typeface="Courier New" panose="02070309020205020404" pitchFamily="49" charset="0"/>
-                <a:cs typeface="Courier New" panose="02070309020205020404" pitchFamily="49" charset="0"/>
-              </a:rPr>
-              <a:t>amountInKg</a:t>
-            </a:r>
-            <a:r>
-              <a:rPr lang="en-US" sz="1800" dirty="0">
-                <a:latin typeface="Courier New" panose="02070309020205020404" pitchFamily="49" charset="0"/>
-                <a:cs typeface="Courier New" panose="02070309020205020404" pitchFamily="49" charset="0"/>
-              </a:rPr>
-              <a:t> = amount;</a:t>
+              <a:rPr lang="en-US" sz="1400" dirty="0">
+                <a:latin typeface="Courier New" panose="02070309020205020404" pitchFamily="49" charset="0"/>
+                <a:cs typeface="Courier New" panose="02070309020205020404" pitchFamily="49" charset="0"/>
+              </a:rPr>
+              <a:t>public interface Aromatic{</a:t>
             </a:r>
           </a:p>
           <a:p>
@@ -31041,32 +30935,78 @@
               <a:buNone/>
             </a:pPr>
             <a:r>
-              <a:rPr lang="en-US" sz="1800" dirty="0">
-                <a:latin typeface="Courier New" panose="02070309020205020404" pitchFamily="49" charset="0"/>
-                <a:cs typeface="Courier New" panose="02070309020205020404" pitchFamily="49" charset="0"/>
-              </a:rPr>
-              <a:t>	}</a:t>
+              <a:rPr lang="en-US" sz="1400" dirty="0">
+                <a:latin typeface="Courier New" panose="02070309020205020404" pitchFamily="49" charset="0"/>
+                <a:cs typeface="Courier New" panose="02070309020205020404" pitchFamily="49" charset="0"/>
+              </a:rPr>
+              <a:t>	String </a:t>
+            </a:r>
+            <a:r>
+              <a:rPr lang="en-US" sz="1400" dirty="0" err="1">
+                <a:latin typeface="Courier New" panose="02070309020205020404" pitchFamily="49" charset="0"/>
+                <a:cs typeface="Courier New" panose="02070309020205020404" pitchFamily="49" charset="0"/>
+              </a:rPr>
+              <a:t>describeAroma</a:t>
+            </a:r>
+            <a:r>
+              <a:rPr lang="en-US" sz="1400" dirty="0">
+                <a:latin typeface="Courier New" panose="02070309020205020404" pitchFamily="49" charset="0"/>
+                <a:cs typeface="Courier New" panose="02070309020205020404" pitchFamily="49" charset="0"/>
+              </a:rPr>
+              <a:t>();  		</a:t>
+            </a:r>
+            <a:r>
+              <a:rPr lang="en-US" sz="1400" dirty="0">
+                <a:latin typeface="Courier New" panose="02070309020205020404" pitchFamily="49" charset="0"/>
+                <a:cs typeface="Courier New" panose="02070309020205020404" pitchFamily="49" charset="0"/>
+                <a:sym typeface="Wingdings" panose="05000000000000000000" pitchFamily="2" charset="2"/>
+              </a:rPr>
+              <a:t></a:t>
+            </a:r>
+            <a:r>
+              <a:rPr lang="en-US" sz="1400" dirty="0">
+                <a:latin typeface="Courier New" panose="02070309020205020404" pitchFamily="49" charset="0"/>
+                <a:cs typeface="Courier New" panose="02070309020205020404" pitchFamily="49" charset="0"/>
+              </a:rPr>
+              <a:t> Notice the lack of “public”! Public is </a:t>
+            </a:r>
+            <a:r>
+              <a:rPr lang="en-US" sz="1400" i="1" dirty="0">
+                <a:latin typeface="Courier New" panose="02070309020205020404" pitchFamily="49" charset="0"/>
+                <a:cs typeface="Courier New" panose="02070309020205020404" pitchFamily="49" charset="0"/>
+              </a:rPr>
+              <a:t>assumed</a:t>
+            </a:r>
+            <a:r>
+              <a:rPr lang="en-US" sz="1400" dirty="0">
+                <a:latin typeface="Courier New" panose="02070309020205020404" pitchFamily="49" charset="0"/>
+                <a:cs typeface="Courier New" panose="02070309020205020404" pitchFamily="49" charset="0"/>
+              </a:rPr>
+              <a:t>.</a:t>
             </a:r>
           </a:p>
           <a:p>
             <a:pPr marL="0" indent="0">
               <a:buNone/>
             </a:pPr>
-            <a:endParaRPr lang="en-US" sz="1800" dirty="0">
-              <a:latin typeface="Courier New" panose="02070309020205020404" pitchFamily="49" charset="0"/>
-              <a:cs typeface="Courier New" panose="02070309020205020404" pitchFamily="49" charset="0"/>
-            </a:endParaRPr>
+            <a:r>
+              <a:rPr lang="en-US" sz="1400" dirty="0">
+                <a:latin typeface="Courier New" panose="02070309020205020404" pitchFamily="49" charset="0"/>
+                <a:cs typeface="Courier New" panose="02070309020205020404" pitchFamily="49" charset="0"/>
+              </a:rPr>
+              <a:t>}</a:t>
+            </a:r>
           </a:p>
           <a:p>
             <a:pPr marL="0" indent="0">
               <a:buNone/>
             </a:pPr>
             <a:r>
-              <a:rPr lang="en-US" sz="1800" dirty="0">
-                <a:latin typeface="Courier New" panose="02070309020205020404" pitchFamily="49" charset="0"/>
-                <a:cs typeface="Courier New" panose="02070309020205020404" pitchFamily="49" charset="0"/>
-              </a:rPr>
-              <a:t> 	public double calories(){</a:t>
+              <a:rPr lang="en-US" sz="1400" dirty="0">
+                <a:latin typeface="Courier New" panose="02070309020205020404" pitchFamily="49" charset="0"/>
+                <a:cs typeface="Courier New" panose="02070309020205020404" pitchFamily="49" charset="0"/>
+              </a:rPr>
+              <a:t> </a:t>
             </a:r>
           </a:p>
           <a:p>
@@ -31074,25 +31014,11 @@
               <a:buNone/>
             </a:pPr>
             <a:r>
-              <a:rPr lang="en-US" sz="1800" dirty="0">
-                <a:latin typeface="Courier New" panose="02070309020205020404" pitchFamily="49" charset="0"/>
-                <a:cs typeface="Courier New" panose="02070309020205020404" pitchFamily="49" charset="0"/>
-              </a:rPr>
-              <a:t>		return </a:t>
-            </a:r>
-            <a:r>
-              <a:rPr lang="en-US" sz="1800" dirty="0" err="1">
-                <a:latin typeface="Courier New" panose="02070309020205020404" pitchFamily="49" charset="0"/>
-                <a:cs typeface="Courier New" panose="02070309020205020404" pitchFamily="49" charset="0"/>
-              </a:rPr>
-              <a:t>amountInKg</a:t>
-            </a:r>
-            <a:r>
-              <a:rPr lang="en-US" sz="1800" dirty="0">
-                <a:latin typeface="Courier New" panose="02070309020205020404" pitchFamily="49" charset="0"/>
-                <a:cs typeface="Courier New" panose="02070309020205020404" pitchFamily="49" charset="0"/>
-              </a:rPr>
-              <a:t> * CALORIES_PER_KG_OF_BACON;</a:t>
+              <a:rPr lang="en-US" sz="1400" dirty="0">
+                <a:latin typeface="Courier New" panose="02070309020205020404" pitchFamily="49" charset="0"/>
+                <a:cs typeface="Courier New" panose="02070309020205020404" pitchFamily="49" charset="0"/>
+              </a:rPr>
+              <a:t>public interface Greasy{</a:t>
             </a:r>
           </a:p>
           <a:p>
@@ -31100,11 +31026,40 @@
               <a:buNone/>
             </a:pPr>
             <a:r>
-              <a:rPr lang="en-US" sz="1800" dirty="0">
-                <a:latin typeface="Courier New" panose="02070309020205020404" pitchFamily="49" charset="0"/>
-                <a:cs typeface="Courier New" panose="02070309020205020404" pitchFamily="49" charset="0"/>
-              </a:rPr>
-              <a:t>	}</a:t>
+              <a:rPr lang="en-US" sz="1400" dirty="0">
+                <a:latin typeface="Courier New" panose="02070309020205020404" pitchFamily="49" charset="0"/>
+                <a:cs typeface="Courier New" panose="02070309020205020404" pitchFamily="49" charset="0"/>
+              </a:rPr>
+              <a:t>	double </a:t>
+            </a:r>
+            <a:r>
+              <a:rPr lang="en-US" sz="1400" dirty="0" err="1">
+                <a:latin typeface="Courier New" panose="02070309020205020404" pitchFamily="49" charset="0"/>
+                <a:cs typeface="Courier New" panose="02070309020205020404" pitchFamily="49" charset="0"/>
+              </a:rPr>
+              <a:t>amountOfGreaseInMg</a:t>
+            </a:r>
+            <a:r>
+              <a:rPr lang="en-US" sz="1400" dirty="0">
+                <a:latin typeface="Courier New" panose="02070309020205020404" pitchFamily="49" charset="0"/>
+                <a:cs typeface="Courier New" panose="02070309020205020404" pitchFamily="49" charset="0"/>
+              </a:rPr>
+              <a:t>();   	</a:t>
+            </a:r>
+            <a:r>
+              <a:rPr lang="en-US" sz="1400" dirty="0">
+                <a:latin typeface="Courier New" panose="02070309020205020404" pitchFamily="49" charset="0"/>
+                <a:cs typeface="Courier New" panose="02070309020205020404" pitchFamily="49" charset="0"/>
+                <a:sym typeface="Wingdings" panose="05000000000000000000" pitchFamily="2" charset="2"/>
+              </a:rPr>
+              <a:t></a:t>
+            </a:r>
+            <a:r>
+              <a:rPr lang="en-US" sz="1400" dirty="0">
+                <a:latin typeface="Courier New" panose="02070309020205020404" pitchFamily="49" charset="0"/>
+                <a:cs typeface="Courier New" panose="02070309020205020404" pitchFamily="49" charset="0"/>
+              </a:rPr>
+              <a:t>point out that interfaces look just like classes</a:t>
             </a:r>
           </a:p>
           <a:p>
@@ -31112,7 +31067,55 @@
               <a:buNone/>
             </a:pPr>
             <a:r>
-              <a:rPr lang="en-US" sz="1800" dirty="0">
+              <a:rPr lang="en-US" sz="1400" dirty="0">
+                <a:latin typeface="Courier New" panose="02070309020205020404" pitchFamily="49" charset="0"/>
+                <a:cs typeface="Courier New" panose="02070309020205020404" pitchFamily="49" charset="0"/>
+              </a:rPr>
+              <a:t>}					but without fields or method bodies</a:t>
+            </a:r>
+          </a:p>
+          <a:p>
+            <a:pPr marL="0" indent="0">
+              <a:buNone/>
+            </a:pPr>
+            <a:r>
+              <a:rPr lang="en-US" sz="1400" dirty="0">
+                <a:latin typeface="Courier New" panose="02070309020205020404" pitchFamily="49" charset="0"/>
+                <a:cs typeface="Courier New" panose="02070309020205020404" pitchFamily="49" charset="0"/>
+              </a:rPr>
+              <a:t> </a:t>
+            </a:r>
+          </a:p>
+          <a:p>
+            <a:pPr marL="0" indent="0">
+              <a:buNone/>
+            </a:pPr>
+            <a:r>
+              <a:rPr lang="en-US" sz="1400" dirty="0">
+                <a:latin typeface="Courier New" panose="02070309020205020404" pitchFamily="49" charset="0"/>
+                <a:cs typeface="Courier New" panose="02070309020205020404" pitchFamily="49" charset="0"/>
+              </a:rPr>
+              <a:t>public interface Edible{</a:t>
+            </a:r>
+          </a:p>
+          <a:p>
+            <a:pPr marL="0" indent="0">
+              <a:buNone/>
+            </a:pPr>
+            <a:r>
+              <a:rPr lang="en-US" sz="1400" dirty="0">
+                <a:latin typeface="Courier New" panose="02070309020205020404" pitchFamily="49" charset="0"/>
+                <a:cs typeface="Courier New" panose="02070309020205020404" pitchFamily="49" charset="0"/>
+              </a:rPr>
+              <a:t>	double calories();</a:t>
+            </a:r>
+          </a:p>
+          <a:p>
+            <a:pPr marL="0" indent="0">
+              <a:buNone/>
+            </a:pPr>
+            <a:r>
+              <a:rPr lang="en-US" sz="1400" dirty="0">
                 <a:latin typeface="Courier New" panose="02070309020205020404" pitchFamily="49" charset="0"/>
                 <a:cs typeface="Courier New" panose="02070309020205020404" pitchFamily="49" charset="0"/>
               </a:rPr>
@@ -31124,7 +31127,7 @@
     </p:spTree>
     <p:extLst>
       <p:ext uri="{BB962C8B-B14F-4D97-AF65-F5344CB8AC3E}">
-        <p14:creationId xmlns:p14="http://schemas.microsoft.com/office/powerpoint/2010/main" val="1094721936"/>
+        <p14:creationId xmlns:p14="http://schemas.microsoft.com/office/powerpoint/2010/main" val="3474555343"/>
       </p:ext>
     </p:extLst>
   </p:cSld>
@@ -31222,7 +31225,7 @@
           <a:p>
             <a:r>
               <a:rPr lang="en-US" dirty="0"/>
-              <a:t>Class Activity</a:t>
+              <a:t>Implementing Interfaces</a:t>
             </a:r>
           </a:p>
         </p:txBody>
@@ -31237,17 +31240,183 @@
             <p:ph idx="1"/>
           </p:nvPr>
         </p:nvSpPr>
-        <p:spPr/>
+        <p:spPr>
+          <a:xfrm>
+            <a:off x="838199" y="1825625"/>
+            <a:ext cx="10660529" cy="4351338"/>
+          </a:xfrm>
+        </p:spPr>
         <p:txBody>
-          <a:bodyPr/>
+          <a:bodyPr>
+            <a:normAutofit/>
+          </a:bodyPr>
           <a:lstStyle/>
           <a:p>
             <a:pPr marL="0" indent="0">
               <a:buNone/>
             </a:pPr>
             <a:r>
-              <a:rPr lang="en-US" dirty="0"/>
-              <a:t>[Paste example activity or your own from lesson plan to slide]</a:t>
+              <a:rPr lang="en-US" sz="1800" dirty="0">
+                <a:latin typeface="Courier New" panose="02070309020205020404" pitchFamily="49" charset="0"/>
+                <a:cs typeface="Courier New" panose="02070309020205020404" pitchFamily="49" charset="0"/>
+              </a:rPr>
+              <a:t>public class Bacon extends Pork implements Salty, Aromatic, Greasy, Edible {</a:t>
+            </a:r>
+          </a:p>
+          <a:p>
+            <a:pPr marL="0" indent="0">
+              <a:buNone/>
+            </a:pPr>
+            <a:r>
+              <a:rPr lang="en-US" sz="1800" dirty="0">
+                <a:latin typeface="Courier New" panose="02070309020205020404" pitchFamily="49" charset="0"/>
+                <a:cs typeface="Courier New" panose="02070309020205020404" pitchFamily="49" charset="0"/>
+              </a:rPr>
+              <a:t>	private double </a:t>
+            </a:r>
+            <a:r>
+              <a:rPr lang="en-US" sz="1800" dirty="0" err="1">
+                <a:latin typeface="Courier New" panose="02070309020205020404" pitchFamily="49" charset="0"/>
+                <a:cs typeface="Courier New" panose="02070309020205020404" pitchFamily="49" charset="0"/>
+              </a:rPr>
+              <a:t>amountInKg</a:t>
+            </a:r>
+            <a:r>
+              <a:rPr lang="en-US" sz="1800" dirty="0">
+                <a:latin typeface="Courier New" panose="02070309020205020404" pitchFamily="49" charset="0"/>
+                <a:cs typeface="Courier New" panose="02070309020205020404" pitchFamily="49" charset="0"/>
+              </a:rPr>
+              <a:t>;</a:t>
+            </a:r>
+          </a:p>
+          <a:p>
+            <a:pPr marL="0" indent="0">
+              <a:buNone/>
+            </a:pPr>
+            <a:endParaRPr lang="en-US" sz="1800" dirty="0">
+              <a:latin typeface="Courier New" panose="02070309020205020404" pitchFamily="49" charset="0"/>
+              <a:cs typeface="Courier New" panose="02070309020205020404" pitchFamily="49" charset="0"/>
+            </a:endParaRPr>
+          </a:p>
+          <a:p>
+            <a:pPr marL="0" indent="0">
+              <a:buNone/>
+            </a:pPr>
+            <a:r>
+              <a:rPr lang="en-US" sz="1800" dirty="0">
+                <a:latin typeface="Courier New" panose="02070309020205020404" pitchFamily="49" charset="0"/>
+                <a:cs typeface="Courier New" panose="02070309020205020404" pitchFamily="49" charset="0"/>
+              </a:rPr>
+              <a:t>	public Bacon(double amount){</a:t>
+            </a:r>
+          </a:p>
+          <a:p>
+            <a:pPr marL="0" indent="0">
+              <a:buNone/>
+            </a:pPr>
+            <a:r>
+              <a:rPr lang="en-US" sz="1800" dirty="0">
+                <a:latin typeface="Courier New" panose="02070309020205020404" pitchFamily="49" charset="0"/>
+                <a:cs typeface="Courier New" panose="02070309020205020404" pitchFamily="49" charset="0"/>
+              </a:rPr>
+              <a:t>		</a:t>
+            </a:r>
+            <a:r>
+              <a:rPr lang="en-US" sz="1800" dirty="0" err="1">
+                <a:latin typeface="Courier New" panose="02070309020205020404" pitchFamily="49" charset="0"/>
+                <a:cs typeface="Courier New" panose="02070309020205020404" pitchFamily="49" charset="0"/>
+              </a:rPr>
+              <a:t>amountInKg</a:t>
+            </a:r>
+            <a:r>
+              <a:rPr lang="en-US" sz="1800" dirty="0">
+                <a:latin typeface="Courier New" panose="02070309020205020404" pitchFamily="49" charset="0"/>
+                <a:cs typeface="Courier New" panose="02070309020205020404" pitchFamily="49" charset="0"/>
+              </a:rPr>
+              <a:t> = amount;</a:t>
+            </a:r>
+          </a:p>
+          <a:p>
+            <a:pPr marL="0" indent="0">
+              <a:buNone/>
+            </a:pPr>
+            <a:r>
+              <a:rPr lang="en-US" sz="1800" dirty="0">
+                <a:latin typeface="Courier New" panose="02070309020205020404" pitchFamily="49" charset="0"/>
+                <a:cs typeface="Courier New" panose="02070309020205020404" pitchFamily="49" charset="0"/>
+              </a:rPr>
+              <a:t>	}</a:t>
+            </a:r>
+          </a:p>
+          <a:p>
+            <a:pPr marL="0" indent="0">
+              <a:buNone/>
+            </a:pPr>
+            <a:endParaRPr lang="en-US" sz="1800" dirty="0">
+              <a:latin typeface="Courier New" panose="02070309020205020404" pitchFamily="49" charset="0"/>
+              <a:cs typeface="Courier New" panose="02070309020205020404" pitchFamily="49" charset="0"/>
+            </a:endParaRPr>
+          </a:p>
+          <a:p>
+            <a:pPr marL="0" indent="0">
+              <a:buNone/>
+            </a:pPr>
+            <a:r>
+              <a:rPr lang="en-US" sz="1800" dirty="0">
+                <a:latin typeface="Courier New" panose="02070309020205020404" pitchFamily="49" charset="0"/>
+                <a:cs typeface="Courier New" panose="02070309020205020404" pitchFamily="49" charset="0"/>
+              </a:rPr>
+              <a:t> 	public double calories(){</a:t>
+            </a:r>
+          </a:p>
+          <a:p>
+            <a:pPr marL="0" indent="0">
+              <a:buNone/>
+            </a:pPr>
+            <a:r>
+              <a:rPr lang="en-US" sz="1800" dirty="0">
+                <a:latin typeface="Courier New" panose="02070309020205020404" pitchFamily="49" charset="0"/>
+                <a:cs typeface="Courier New" panose="02070309020205020404" pitchFamily="49" charset="0"/>
+              </a:rPr>
+              <a:t>		return </a:t>
+            </a:r>
+            <a:r>
+              <a:rPr lang="en-US" sz="1800" dirty="0" err="1">
+                <a:latin typeface="Courier New" panose="02070309020205020404" pitchFamily="49" charset="0"/>
+                <a:cs typeface="Courier New" panose="02070309020205020404" pitchFamily="49" charset="0"/>
+              </a:rPr>
+              <a:t>amountInKg</a:t>
+            </a:r>
+            <a:r>
+              <a:rPr lang="en-US" sz="1800" dirty="0">
+                <a:latin typeface="Courier New" panose="02070309020205020404" pitchFamily="49" charset="0"/>
+                <a:cs typeface="Courier New" panose="02070309020205020404" pitchFamily="49" charset="0"/>
+              </a:rPr>
+              <a:t> * CALORIES_PER_KG_OF_BACON;</a:t>
+            </a:r>
+          </a:p>
+          <a:p>
+            <a:pPr marL="0" indent="0">
+              <a:buNone/>
+            </a:pPr>
+            <a:r>
+              <a:rPr lang="en-US" sz="1800" dirty="0">
+                <a:latin typeface="Courier New" panose="02070309020205020404" pitchFamily="49" charset="0"/>
+                <a:cs typeface="Courier New" panose="02070309020205020404" pitchFamily="49" charset="0"/>
+              </a:rPr>
+              <a:t>	}</a:t>
+            </a:r>
+          </a:p>
+          <a:p>
+            <a:pPr marL="0" indent="0">
+              <a:buNone/>
+            </a:pPr>
+            <a:r>
+              <a:rPr lang="en-US" sz="1800" dirty="0">
+                <a:latin typeface="Courier New" panose="02070309020205020404" pitchFamily="49" charset="0"/>
+                <a:cs typeface="Courier New" panose="02070309020205020404" pitchFamily="49" charset="0"/>
+              </a:rPr>
+              <a:t>}</a:t>
             </a:r>
           </a:p>
         </p:txBody>
@@ -31255,7 +31424,7 @@
     </p:spTree>
     <p:extLst>
       <p:ext uri="{BB962C8B-B14F-4D97-AF65-F5344CB8AC3E}">
-        <p14:creationId xmlns:p14="http://schemas.microsoft.com/office/powerpoint/2010/main" val="3514558618"/>
+        <p14:creationId xmlns:p14="http://schemas.microsoft.com/office/powerpoint/2010/main" val="1094721936"/>
       </p:ext>
     </p:extLst>
   </p:cSld>
@@ -31294,6 +31463,83 @@
         </p:nvSpPr>
         <p:spPr/>
         <p:txBody>
+          <a:bodyPr/>
+          <a:lstStyle/>
+          <a:p>
+            <a:r>
+              <a:rPr lang="en-US" dirty="0"/>
+              <a:t>Class Activity</a:t>
+            </a:r>
+          </a:p>
+        </p:txBody>
+      </p:sp>
+      <p:sp>
+        <p:nvSpPr>
+          <p:cNvPr id="3" name="Content Placeholder 2"/>
+          <p:cNvSpPr>
+            <a:spLocks noGrp="1"/>
+          </p:cNvSpPr>
+          <p:nvPr>
+            <p:ph idx="1"/>
+          </p:nvPr>
+        </p:nvSpPr>
+        <p:spPr/>
+        <p:txBody>
+          <a:bodyPr/>
+          <a:lstStyle/>
+          <a:p>
+            <a:pPr marL="0" indent="0">
+              <a:buNone/>
+            </a:pPr>
+            <a:r>
+              <a:rPr lang="en-US" dirty="0"/>
+              <a:t>[Paste example activity or your own from lesson plan to slide]</a:t>
+            </a:r>
+          </a:p>
+        </p:txBody>
+      </p:sp>
+    </p:spTree>
+    <p:extLst>
+      <p:ext uri="{BB962C8B-B14F-4D97-AF65-F5344CB8AC3E}">
+        <p14:creationId xmlns:p14="http://schemas.microsoft.com/office/powerpoint/2010/main" val="3514558618"/>
+      </p:ext>
+    </p:extLst>
+  </p:cSld>
+  <p:clrMapOvr>
+    <a:masterClrMapping/>
+  </p:clrMapOvr>
+</p:sld>
+</file>
+
+<file path=ppt/slides/slide82.xml><?xml version="1.0" encoding="utf-8"?>
+<p:sld xmlns:a="http://schemas.openxmlformats.org/drawingml/2006/main" xmlns:r="http://schemas.openxmlformats.org/officeDocument/2006/relationships" xmlns:p="http://schemas.openxmlformats.org/presentationml/2006/main">
+  <p:cSld>
+    <p:spTree>
+      <p:nvGrpSpPr>
+        <p:cNvPr id="1" name=""/>
+        <p:cNvGrpSpPr/>
+        <p:nvPr/>
+      </p:nvGrpSpPr>
+      <p:grpSpPr>
+        <a:xfrm>
+          <a:off x="0" y="0"/>
+          <a:ext cx="0" cy="0"/>
+          <a:chOff x="0" y="0"/>
+          <a:chExt cx="0" cy="0"/>
+        </a:xfrm>
+      </p:grpSpPr>
+      <p:sp>
+        <p:nvSpPr>
+          <p:cNvPr id="2" name="Title 1"/>
+          <p:cNvSpPr>
+            <a:spLocks noGrp="1"/>
+          </p:cNvSpPr>
+          <p:nvPr>
+            <p:ph type="title"/>
+          </p:nvPr>
+        </p:nvSpPr>
+        <p:spPr/>
+        <p:txBody>
           <a:bodyPr>
             <a:normAutofit/>
           </a:bodyPr>
@@ -31391,7 +31637,7 @@
 </p:sld>
 </file>
 
-<file path=ppt/slides/slide82.xml><?xml version="1.0" encoding="utf-8"?>
+<file path=ppt/slides/slide83.xml><?xml version="1.0" encoding="utf-8"?>
 <p:sld xmlns:a="http://schemas.openxmlformats.org/drawingml/2006/main" xmlns:r="http://schemas.openxmlformats.org/officeDocument/2006/relationships" xmlns:p="http://schemas.openxmlformats.org/presentationml/2006/main">
   <p:cSld>
     <p:spTree>
@@ -31475,7 +31721,7 @@
 </p:sld>
 </file>
 
-<file path=ppt/slides/slide83.xml><?xml version="1.0" encoding="utf-8"?>
+<file path=ppt/slides/slide84.xml><?xml version="1.0" encoding="utf-8"?>
 <p:sld xmlns:a="http://schemas.openxmlformats.org/drawingml/2006/main" xmlns:r="http://schemas.openxmlformats.org/officeDocument/2006/relationships" xmlns:p="http://schemas.openxmlformats.org/presentationml/2006/main">
   <p:cSld>
     <p:spTree>
@@ -31557,80 +31803,6 @@
     <p:extLst>
       <p:ext uri="{BB962C8B-B14F-4D97-AF65-F5344CB8AC3E}">
         <p14:creationId xmlns:p14="http://schemas.microsoft.com/office/powerpoint/2010/main" val="2163985506"/>
-      </p:ext>
-    </p:extLst>
-  </p:cSld>
-  <p:clrMapOvr>
-    <a:masterClrMapping/>
-  </p:clrMapOvr>
-</p:sld>
-</file>
-
-<file path=ppt/slides/slide84.xml><?xml version="1.0" encoding="utf-8"?>
-<p:sld xmlns:a="http://schemas.openxmlformats.org/drawingml/2006/main" xmlns:r="http://schemas.openxmlformats.org/officeDocument/2006/relationships" xmlns:p="http://schemas.openxmlformats.org/presentationml/2006/main">
-  <p:cSld>
-    <p:spTree>
-      <p:nvGrpSpPr>
-        <p:cNvPr id="1" name=""/>
-        <p:cNvGrpSpPr/>
-        <p:nvPr/>
-      </p:nvGrpSpPr>
-      <p:grpSpPr>
-        <a:xfrm>
-          <a:off x="0" y="0"/>
-          <a:ext cx="0" cy="0"/>
-          <a:chOff x="0" y="0"/>
-          <a:chExt cx="0" cy="0"/>
-        </a:xfrm>
-      </p:grpSpPr>
-      <p:sp>
-        <p:nvSpPr>
-          <p:cNvPr id="2" name="Title 1"/>
-          <p:cNvSpPr>
-            <a:spLocks noGrp="1"/>
-          </p:cNvSpPr>
-          <p:nvPr>
-            <p:ph type="ctrTitle"/>
-          </p:nvPr>
-        </p:nvSpPr>
-        <p:spPr/>
-        <p:txBody>
-          <a:bodyPr/>
-          <a:lstStyle/>
-          <a:p>
-            <a:r>
-              <a:rPr lang="en-US" dirty="0"/>
-              <a:t>Finding and Fixing Errors</a:t>
-            </a:r>
-          </a:p>
-        </p:txBody>
-      </p:sp>
-      <p:sp>
-        <p:nvSpPr>
-          <p:cNvPr id="3" name="Subtitle 2"/>
-          <p:cNvSpPr>
-            <a:spLocks noGrp="1"/>
-          </p:cNvSpPr>
-          <p:nvPr>
-            <p:ph type="subTitle" idx="1"/>
-          </p:nvPr>
-        </p:nvSpPr>
-        <p:spPr/>
-        <p:txBody>
-          <a:bodyPr/>
-          <a:lstStyle/>
-          <a:p>
-            <a:r>
-              <a:rPr lang="en-US" dirty="0"/>
-              <a:t>[ 6.08 ] [ Today’s Date ] [ Instructor Name ]</a:t>
-            </a:r>
-          </a:p>
-        </p:txBody>
-      </p:sp>
-    </p:spTree>
-    <p:extLst>
-      <p:ext uri="{BB962C8B-B14F-4D97-AF65-F5344CB8AC3E}">
-        <p14:creationId xmlns:p14="http://schemas.microsoft.com/office/powerpoint/2010/main" val="3786121268"/>
       </p:ext>
     </p:extLst>
   </p:cSld>
@@ -31664,7 +31836,7 @@
             <a:spLocks noGrp="1"/>
           </p:cNvSpPr>
           <p:nvPr>
-            <p:ph type="title"/>
+            <p:ph type="ctrTitle"/>
           </p:nvPr>
         </p:nvSpPr>
         <p:spPr/>
@@ -31674,19 +31846,19 @@
           <a:p>
             <a:r>
               <a:rPr lang="en-US" dirty="0"/>
-              <a:t>Today’s plan:</a:t>
+              <a:t>Finding and Fixing Errors</a:t>
             </a:r>
           </a:p>
         </p:txBody>
       </p:sp>
       <p:sp>
         <p:nvSpPr>
-          <p:cNvPr id="3" name="Content Placeholder 2"/>
+          <p:cNvPr id="3" name="Subtitle 2"/>
           <p:cNvSpPr>
             <a:spLocks noGrp="1"/>
           </p:cNvSpPr>
           <p:nvPr>
-            <p:ph idx="1"/>
+            <p:ph type="subTitle" idx="1"/>
           </p:nvPr>
         </p:nvSpPr>
         <p:spPr/>
@@ -31694,52 +31866,17 @@
           <a:bodyPr/>
           <a:lstStyle/>
           <a:p>
-            <a:pPr marL="0" indent="0">
-              <a:buNone/>
-            </a:pPr>
             <a:r>
               <a:rPr lang="en-US" dirty="0"/>
-              <a:t>Error check and resubmit all chapter 9 assignments.</a:t>
-            </a:r>
-          </a:p>
-          <a:p>
-            <a:endParaRPr lang="en-US" dirty="0"/>
-          </a:p>
-          <a:p>
-            <a:pPr marL="0" indent="0">
-              <a:buNone/>
-            </a:pPr>
-            <a:r>
-              <a:rPr lang="en-US" dirty="0"/>
-              <a:t>Study for the test by:</a:t>
-            </a:r>
-          </a:p>
-          <a:p>
-            <a:pPr lvl="1"/>
-            <a:r>
-              <a:rPr lang="en-US" dirty="0"/>
-              <a:t>Reviewing all of the blue, self-check pages at the end of Chapter 9.</a:t>
-            </a:r>
-          </a:p>
-          <a:p>
-            <a:pPr lvl="1"/>
-            <a:r>
-              <a:rPr lang="en-US" dirty="0"/>
-              <a:t>Re-reading sections as needed to complete the self-check problems.</a:t>
-            </a:r>
-          </a:p>
-          <a:p>
-            <a:pPr marL="457200" lvl="1" indent="0">
-              <a:buNone/>
-            </a:pPr>
-            <a:endParaRPr lang="en-US" dirty="0"/>
+              <a:t>[ 6.08 ] [ Today’s Date ] [ Instructor Name ]</a:t>
+            </a:r>
           </a:p>
         </p:txBody>
       </p:sp>
     </p:spTree>
     <p:extLst>
       <p:ext uri="{BB962C8B-B14F-4D97-AF65-F5344CB8AC3E}">
-        <p14:creationId xmlns:p14="http://schemas.microsoft.com/office/powerpoint/2010/main" val="3923898911"/>
+        <p14:creationId xmlns:p14="http://schemas.microsoft.com/office/powerpoint/2010/main" val="3786121268"/>
       </p:ext>
     </p:extLst>
   </p:cSld>
@@ -31783,7 +31920,7 @@
           <a:p>
             <a:r>
               <a:rPr lang="en-US" dirty="0"/>
-              <a:t>Homework Regrade/Resubmit</a:t>
+              <a:t>Today’s plan:</a:t>
             </a:r>
           </a:p>
         </p:txBody>
@@ -31808,7 +31945,7 @@
             </a:pPr>
             <a:r>
               <a:rPr lang="en-US" dirty="0"/>
-              <a:t>You all have the opportunity to get full credit  on your homework grades by correcting them now, in class.</a:t>
+              <a:t>Error check and resubmit all chapter 9 assignments.</a:t>
             </a:r>
           </a:p>
           <a:p>
@@ -31820,11 +31957,25 @@
             </a:pPr>
             <a:r>
               <a:rPr lang="en-US" dirty="0"/>
-              <a:t>Use your error checking algorithm, and if you need help just ask!</a:t>
-            </a:r>
-          </a:p>
-          <a:p>
-            <a:pPr marL="0" indent="0">
+              <a:t>Study for the test by:</a:t>
+            </a:r>
+          </a:p>
+          <a:p>
+            <a:pPr lvl="1"/>
+            <a:r>
+              <a:rPr lang="en-US" dirty="0"/>
+              <a:t>Reviewing all of the blue, self-check pages at the end of Chapter 9.</a:t>
+            </a:r>
+          </a:p>
+          <a:p>
+            <a:pPr lvl="1"/>
+            <a:r>
+              <a:rPr lang="en-US" dirty="0"/>
+              <a:t>Re-reading sections as needed to complete the self-check problems.</a:t>
+            </a:r>
+          </a:p>
+          <a:p>
+            <a:pPr marL="457200" lvl="1" indent="0">
               <a:buNone/>
             </a:pPr>
             <a:endParaRPr lang="en-US" dirty="0"/>
@@ -31834,7 +31985,7 @@
     </p:spTree>
     <p:extLst>
       <p:ext uri="{BB962C8B-B14F-4D97-AF65-F5344CB8AC3E}">
-        <p14:creationId xmlns:p14="http://schemas.microsoft.com/office/powerpoint/2010/main" val="485091757"/>
+        <p14:creationId xmlns:p14="http://schemas.microsoft.com/office/powerpoint/2010/main" val="3923898911"/>
       </p:ext>
     </p:extLst>
   </p:cSld>
@@ -31878,7 +32029,7 @@
           <a:p>
             <a:r>
               <a:rPr lang="en-US" dirty="0"/>
-              <a:t>Homework</a:t>
+              <a:t>Homework Regrade/Resubmit</a:t>
             </a:r>
           </a:p>
         </p:txBody>
@@ -31898,9 +32049,24 @@
           <a:bodyPr/>
           <a:lstStyle/>
           <a:p>
+            <a:pPr marL="0" indent="0">
+              <a:buNone/>
+            </a:pPr>
             <a:r>
               <a:rPr lang="en-US" dirty="0"/>
-              <a:t>Begin reviewing chapter 9 for the Unit 6 Test.</a:t>
+              <a:t>You all have the opportunity to get full credit  on your homework grades by correcting them now, in class.</a:t>
+            </a:r>
+          </a:p>
+          <a:p>
+            <a:endParaRPr lang="en-US" dirty="0"/>
+          </a:p>
+          <a:p>
+            <a:pPr marL="0" indent="0">
+              <a:buNone/>
+            </a:pPr>
+            <a:r>
+              <a:rPr lang="en-US" dirty="0"/>
+              <a:t>Use your error checking algorithm, and if you need help just ask!</a:t>
             </a:r>
           </a:p>
           <a:p>
@@ -31914,7 +32080,7 @@
     </p:spTree>
     <p:extLst>
       <p:ext uri="{BB962C8B-B14F-4D97-AF65-F5344CB8AC3E}">
-        <p14:creationId xmlns:p14="http://schemas.microsoft.com/office/powerpoint/2010/main" val="912080518"/>
+        <p14:creationId xmlns:p14="http://schemas.microsoft.com/office/powerpoint/2010/main" val="485091757"/>
       </p:ext>
     </p:extLst>
   </p:cSld>
@@ -31948,31 +32114,7 @@
             <a:spLocks noGrp="1"/>
           </p:cNvSpPr>
           <p:nvPr>
-            <p:ph type="ctrTitle"/>
-          </p:nvPr>
-        </p:nvSpPr>
-        <p:spPr/>
-        <p:txBody>
-          <a:bodyPr>
-            <a:normAutofit/>
-          </a:bodyPr>
-          <a:lstStyle/>
-          <a:p>
-            <a:r>
-              <a:rPr lang="en-US" sz="4800" dirty="0"/>
-              <a:t>Review</a:t>
-            </a:r>
-          </a:p>
-        </p:txBody>
-      </p:sp>
-      <p:sp>
-        <p:nvSpPr>
-          <p:cNvPr id="3" name="Subtitle 2"/>
-          <p:cNvSpPr>
-            <a:spLocks noGrp="1"/>
-          </p:cNvSpPr>
-          <p:nvPr>
-            <p:ph type="subTitle" idx="1"/>
+            <p:ph type="title"/>
           </p:nvPr>
         </p:nvSpPr>
         <p:spPr/>
@@ -31982,15 +32124,43 @@
           <a:p>
             <a:r>
               <a:rPr lang="en-US" dirty="0"/>
-              <a:t>[ 6.09 ] [ Today’s Date ] [ Instructor Name ]</a:t>
-            </a:r>
+              <a:t>Homework</a:t>
+            </a:r>
+          </a:p>
+        </p:txBody>
+      </p:sp>
+      <p:sp>
+        <p:nvSpPr>
+          <p:cNvPr id="3" name="Content Placeholder 2"/>
+          <p:cNvSpPr>
+            <a:spLocks noGrp="1"/>
+          </p:cNvSpPr>
+          <p:nvPr>
+            <p:ph idx="1"/>
+          </p:nvPr>
+        </p:nvSpPr>
+        <p:spPr/>
+        <p:txBody>
+          <a:bodyPr/>
+          <a:lstStyle/>
+          <a:p>
+            <a:r>
+              <a:rPr lang="en-US" dirty="0"/>
+              <a:t>Begin reviewing chapter 9 for the Unit 6 Test.</a:t>
+            </a:r>
+          </a:p>
+          <a:p>
+            <a:pPr marL="0" indent="0">
+              <a:buNone/>
+            </a:pPr>
+            <a:endParaRPr lang="en-US" dirty="0"/>
           </a:p>
         </p:txBody>
       </p:sp>
     </p:spTree>
     <p:extLst>
       <p:ext uri="{BB962C8B-B14F-4D97-AF65-F5344CB8AC3E}">
-        <p14:creationId xmlns:p14="http://schemas.microsoft.com/office/powerpoint/2010/main" val="4280762843"/>
+        <p14:creationId xmlns:p14="http://schemas.microsoft.com/office/powerpoint/2010/main" val="912080518"/>
       </p:ext>
     </p:extLst>
   </p:cSld>
@@ -32019,7 +32189,7 @@
       </p:grpSpPr>
       <p:sp>
         <p:nvSpPr>
-          <p:cNvPr id="4" name="Title 3"/>
+          <p:cNvPr id="2" name="Title 1"/>
           <p:cNvSpPr>
             <a:spLocks noGrp="1"/>
           </p:cNvSpPr>
@@ -32027,12 +32197,7 @@
             <p:ph type="ctrTitle"/>
           </p:nvPr>
         </p:nvSpPr>
-        <p:spPr>
-          <a:xfrm>
-            <a:off x="1524000" y="1374151"/>
-            <a:ext cx="9144000" cy="2387600"/>
-          </a:xfrm>
-        </p:spPr>
+        <p:spPr/>
         <p:txBody>
           <a:bodyPr>
             <a:normAutofit/>
@@ -32040,8 +32205,30 @@
           <a:lstStyle/>
           <a:p>
             <a:r>
-              <a:rPr lang="en-US" sz="5000" dirty="0"/>
-              <a:t>What’s on the test?</a:t>
+              <a:rPr lang="en-US" sz="4800" dirty="0"/>
+              <a:t>Review</a:t>
+            </a:r>
+          </a:p>
+        </p:txBody>
+      </p:sp>
+      <p:sp>
+        <p:nvSpPr>
+          <p:cNvPr id="3" name="Subtitle 2"/>
+          <p:cNvSpPr>
+            <a:spLocks noGrp="1"/>
+          </p:cNvSpPr>
+          <p:nvPr>
+            <p:ph type="subTitle" idx="1"/>
+          </p:nvPr>
+        </p:nvSpPr>
+        <p:spPr/>
+        <p:txBody>
+          <a:bodyPr/>
+          <a:lstStyle/>
+          <a:p>
+            <a:r>
+              <a:rPr lang="en-US" dirty="0"/>
+              <a:t>[ 6.09 ] [ Today’s Date ] [ Instructor Name ]</a:t>
             </a:r>
           </a:p>
         </p:txBody>
@@ -32049,7 +32236,7 @@
     </p:spTree>
     <p:extLst>
       <p:ext uri="{BB962C8B-B14F-4D97-AF65-F5344CB8AC3E}">
-        <p14:creationId xmlns:p14="http://schemas.microsoft.com/office/powerpoint/2010/main" val="2707739066"/>
+        <p14:creationId xmlns:p14="http://schemas.microsoft.com/office/powerpoint/2010/main" val="4280762843"/>
       </p:ext>
     </p:extLst>
   </p:cSld>
@@ -32156,7 +32343,7 @@
       </p:grpSpPr>
       <p:sp>
         <p:nvSpPr>
-          <p:cNvPr id="2" name="Title 1"/>
+          <p:cNvPr id="4" name="Title 3"/>
           <p:cNvSpPr>
             <a:spLocks noGrp="1"/>
           </p:cNvSpPr>
@@ -32166,7 +32353,7 @@
         </p:nvSpPr>
         <p:spPr>
           <a:xfrm>
-            <a:off x="1524000" y="1409083"/>
+            <a:off x="1524000" y="1374151"/>
             <a:ext cx="9144000" cy="2387600"/>
           </a:xfrm>
         </p:spPr>
@@ -32177,8 +32364,8 @@
           <a:lstStyle/>
           <a:p>
             <a:r>
-              <a:rPr lang="en-US" sz="5400" dirty="0"/>
-              <a:t>Practice Test</a:t>
+              <a:rPr lang="en-US" sz="5000" dirty="0"/>
+              <a:t>What’s on the test?</a:t>
             </a:r>
           </a:p>
         </p:txBody>
@@ -32186,7 +32373,7 @@
     </p:spTree>
     <p:extLst>
       <p:ext uri="{BB962C8B-B14F-4D97-AF65-F5344CB8AC3E}">
-        <p14:creationId xmlns:p14="http://schemas.microsoft.com/office/powerpoint/2010/main" val="2393790933"/>
+        <p14:creationId xmlns:p14="http://schemas.microsoft.com/office/powerpoint/2010/main" val="2707739066"/>
       </p:ext>
     </p:extLst>
   </p:cSld>
@@ -32220,6 +32407,65 @@
             <a:spLocks noGrp="1"/>
           </p:cNvSpPr>
           <p:nvPr>
+            <p:ph type="ctrTitle"/>
+          </p:nvPr>
+        </p:nvSpPr>
+        <p:spPr>
+          <a:xfrm>
+            <a:off x="1524000" y="1409083"/>
+            <a:ext cx="9144000" cy="2387600"/>
+          </a:xfrm>
+        </p:spPr>
+        <p:txBody>
+          <a:bodyPr>
+            <a:normAutofit/>
+          </a:bodyPr>
+          <a:lstStyle/>
+          <a:p>
+            <a:r>
+              <a:rPr lang="en-US" sz="5400" dirty="0"/>
+              <a:t>Practice Test</a:t>
+            </a:r>
+          </a:p>
+        </p:txBody>
+      </p:sp>
+    </p:spTree>
+    <p:extLst>
+      <p:ext uri="{BB962C8B-B14F-4D97-AF65-F5344CB8AC3E}">
+        <p14:creationId xmlns:p14="http://schemas.microsoft.com/office/powerpoint/2010/main" val="2393790933"/>
+      </p:ext>
+    </p:extLst>
+  </p:cSld>
+  <p:clrMapOvr>
+    <a:masterClrMapping/>
+  </p:clrMapOvr>
+</p:sld>
+</file>
+
+<file path=ppt/slides/slide92.xml><?xml version="1.0" encoding="utf-8"?>
+<p:sld xmlns:a="http://schemas.openxmlformats.org/drawingml/2006/main" xmlns:r="http://schemas.openxmlformats.org/officeDocument/2006/relationships" xmlns:p="http://schemas.openxmlformats.org/presentationml/2006/main">
+  <p:cSld>
+    <p:spTree>
+      <p:nvGrpSpPr>
+        <p:cNvPr id="1" name=""/>
+        <p:cNvGrpSpPr/>
+        <p:nvPr/>
+      </p:nvGrpSpPr>
+      <p:grpSpPr>
+        <a:xfrm>
+          <a:off x="0" y="0"/>
+          <a:ext cx="0" cy="0"/>
+          <a:chOff x="0" y="0"/>
+          <a:chExt cx="0" cy="0"/>
+        </a:xfrm>
+      </p:grpSpPr>
+      <p:sp>
+        <p:nvSpPr>
+          <p:cNvPr id="2" name="Title 1"/>
+          <p:cNvSpPr>
+            <a:spLocks noGrp="1"/>
+          </p:cNvSpPr>
+          <p:nvPr>
             <p:ph type="title"/>
           </p:nvPr>
         </p:nvSpPr>
@@ -32288,7 +32534,7 @@
 </p:sld>
 </file>
 
-<file path=ppt/slides/slide92.xml><?xml version="1.0" encoding="utf-8"?>
+<file path=ppt/slides/slide93.xml><?xml version="1.0" encoding="utf-8"?>
 <p:sld xmlns:a="http://schemas.openxmlformats.org/drawingml/2006/main" xmlns:r="http://schemas.openxmlformats.org/officeDocument/2006/relationships" xmlns:p="http://schemas.openxmlformats.org/presentationml/2006/main">
   <p:cSld>
     <p:spTree>

--- a/curriculum/Unit6/Unit6.pptx
+++ b/curriculum/Unit6/Unit6.pptx
@@ -5,7 +5,7 @@
     <p:sldMasterId id="2147483648" r:id="rId4"/>
   </p:sldMasterIdLst>
   <p:notesMasterIdLst>
-    <p:notesMasterId r:id="rId97"/>
+    <p:notesMasterId r:id="rId99"/>
   </p:notesMasterIdLst>
   <p:sldIdLst>
     <p:sldId id="256" r:id="rId5"/>
@@ -46,60 +46,62 @@
     <p:sldId id="297" r:id="rId40"/>
     <p:sldId id="298" r:id="rId41"/>
     <p:sldId id="299" r:id="rId42"/>
-    <p:sldId id="300" r:id="rId43"/>
-    <p:sldId id="301" r:id="rId44"/>
-    <p:sldId id="302" r:id="rId45"/>
-    <p:sldId id="303" r:id="rId46"/>
-    <p:sldId id="304" r:id="rId47"/>
-    <p:sldId id="305" r:id="rId48"/>
-    <p:sldId id="306" r:id="rId49"/>
-    <p:sldId id="307" r:id="rId50"/>
-    <p:sldId id="308" r:id="rId51"/>
-    <p:sldId id="309" r:id="rId52"/>
-    <p:sldId id="310" r:id="rId53"/>
-    <p:sldId id="311" r:id="rId54"/>
-    <p:sldId id="312" r:id="rId55"/>
-    <p:sldId id="313" r:id="rId56"/>
-    <p:sldId id="314" r:id="rId57"/>
-    <p:sldId id="315" r:id="rId58"/>
-    <p:sldId id="316" r:id="rId59"/>
-    <p:sldId id="317" r:id="rId60"/>
-    <p:sldId id="318" r:id="rId61"/>
-    <p:sldId id="319" r:id="rId62"/>
-    <p:sldId id="320" r:id="rId63"/>
-    <p:sldId id="321" r:id="rId64"/>
-    <p:sldId id="322" r:id="rId65"/>
-    <p:sldId id="323" r:id="rId66"/>
-    <p:sldId id="324" r:id="rId67"/>
-    <p:sldId id="325" r:id="rId68"/>
-    <p:sldId id="326" r:id="rId69"/>
-    <p:sldId id="327" r:id="rId70"/>
-    <p:sldId id="328" r:id="rId71"/>
-    <p:sldId id="329" r:id="rId72"/>
-    <p:sldId id="330" r:id="rId73"/>
-    <p:sldId id="331" r:id="rId74"/>
-    <p:sldId id="332" r:id="rId75"/>
-    <p:sldId id="333" r:id="rId76"/>
-    <p:sldId id="334" r:id="rId77"/>
-    <p:sldId id="335" r:id="rId78"/>
-    <p:sldId id="336" r:id="rId79"/>
-    <p:sldId id="337" r:id="rId80"/>
-    <p:sldId id="338" r:id="rId81"/>
-    <p:sldId id="339" r:id="rId82"/>
-    <p:sldId id="340" r:id="rId83"/>
-    <p:sldId id="341" r:id="rId84"/>
-    <p:sldId id="342" r:id="rId85"/>
-    <p:sldId id="343" r:id="rId86"/>
-    <p:sldId id="344" r:id="rId87"/>
-    <p:sldId id="345" r:id="rId88"/>
-    <p:sldId id="346" r:id="rId89"/>
-    <p:sldId id="347" r:id="rId90"/>
-    <p:sldId id="348" r:id="rId91"/>
-    <p:sldId id="349" r:id="rId92"/>
-    <p:sldId id="350" r:id="rId93"/>
-    <p:sldId id="351" r:id="rId94"/>
-    <p:sldId id="352" r:id="rId95"/>
-    <p:sldId id="353" r:id="rId96"/>
+    <p:sldId id="369" r:id="rId43"/>
+    <p:sldId id="300" r:id="rId44"/>
+    <p:sldId id="301" r:id="rId45"/>
+    <p:sldId id="302" r:id="rId46"/>
+    <p:sldId id="303" r:id="rId47"/>
+    <p:sldId id="304" r:id="rId48"/>
+    <p:sldId id="305" r:id="rId49"/>
+    <p:sldId id="306" r:id="rId50"/>
+    <p:sldId id="307" r:id="rId51"/>
+    <p:sldId id="308" r:id="rId52"/>
+    <p:sldId id="309" r:id="rId53"/>
+    <p:sldId id="370" r:id="rId54"/>
+    <p:sldId id="310" r:id="rId55"/>
+    <p:sldId id="311" r:id="rId56"/>
+    <p:sldId id="312" r:id="rId57"/>
+    <p:sldId id="313" r:id="rId58"/>
+    <p:sldId id="314" r:id="rId59"/>
+    <p:sldId id="315" r:id="rId60"/>
+    <p:sldId id="316" r:id="rId61"/>
+    <p:sldId id="317" r:id="rId62"/>
+    <p:sldId id="318" r:id="rId63"/>
+    <p:sldId id="319" r:id="rId64"/>
+    <p:sldId id="320" r:id="rId65"/>
+    <p:sldId id="321" r:id="rId66"/>
+    <p:sldId id="322" r:id="rId67"/>
+    <p:sldId id="323" r:id="rId68"/>
+    <p:sldId id="324" r:id="rId69"/>
+    <p:sldId id="325" r:id="rId70"/>
+    <p:sldId id="326" r:id="rId71"/>
+    <p:sldId id="327" r:id="rId72"/>
+    <p:sldId id="328" r:id="rId73"/>
+    <p:sldId id="329" r:id="rId74"/>
+    <p:sldId id="330" r:id="rId75"/>
+    <p:sldId id="331" r:id="rId76"/>
+    <p:sldId id="332" r:id="rId77"/>
+    <p:sldId id="333" r:id="rId78"/>
+    <p:sldId id="334" r:id="rId79"/>
+    <p:sldId id="335" r:id="rId80"/>
+    <p:sldId id="336" r:id="rId81"/>
+    <p:sldId id="337" r:id="rId82"/>
+    <p:sldId id="338" r:id="rId83"/>
+    <p:sldId id="339" r:id="rId84"/>
+    <p:sldId id="340" r:id="rId85"/>
+    <p:sldId id="341" r:id="rId86"/>
+    <p:sldId id="342" r:id="rId87"/>
+    <p:sldId id="343" r:id="rId88"/>
+    <p:sldId id="344" r:id="rId89"/>
+    <p:sldId id="345" r:id="rId90"/>
+    <p:sldId id="346" r:id="rId91"/>
+    <p:sldId id="347" r:id="rId92"/>
+    <p:sldId id="348" r:id="rId93"/>
+    <p:sldId id="349" r:id="rId94"/>
+    <p:sldId id="350" r:id="rId95"/>
+    <p:sldId id="351" r:id="rId96"/>
+    <p:sldId id="352" r:id="rId97"/>
+    <p:sldId id="353" r:id="rId98"/>
   </p:sldIdLst>
   <p:sldSz cx="12192000" cy="6858000"/>
   <p:notesSz cx="6858000" cy="9144000"/>
@@ -4235,18 +4237,18 @@
     </dgm:pt>
   </dgm:ptLst>
   <dgm:cxnLst>
+    <dgm:cxn modelId="{C7FB6D03-7F57-4A48-8638-555DB1CEF4E9}" type="presOf" srcId="{FE0BA437-0DF8-48B9-9FB5-2133A3608879}" destId="{0B58578D-3EC3-4472-8BD3-1AFC673BABC4}" srcOrd="0" destOrd="0" presId="urn:microsoft.com/office/officeart/2005/8/layout/hierarchy1"/>
+    <dgm:cxn modelId="{A5346326-AF8E-4F24-BA81-71E3F399648F}" type="presOf" srcId="{DED67E32-1BA5-4F73-BDAB-368E32467305}" destId="{2D3AC9CD-838E-48D9-9B28-EED140691692}" srcOrd="0" destOrd="0" presId="urn:microsoft.com/office/officeart/2005/8/layout/hierarchy1"/>
+    <dgm:cxn modelId="{A0DF8067-9572-482A-AE99-BB95B818ADBA}" srcId="{FE0BA437-0DF8-48B9-9FB5-2133A3608879}" destId="{DCEDB4CB-DD2F-457E-AD49-CBE98BD7C8D5}" srcOrd="0" destOrd="0" parTransId="{8BED325C-8720-49B2-BE14-2A2E0173EB7D}" sibTransId="{47CE3190-4DD2-4D07-ACA2-520CB8620FB8}"/>
+    <dgm:cxn modelId="{E0E51F78-4362-4EB6-AED3-0ECFFFB8801C}" srcId="{0DEF9C8B-5130-4DEE-BA05-EA4DB3E3A6B7}" destId="{FE0BA437-0DF8-48B9-9FB5-2133A3608879}" srcOrd="1" destOrd="0" parTransId="{061E9185-3D02-49E7-8442-B97C1AFFDC18}" sibTransId="{0C4D82C3-44B6-42AB-8B83-8675909B5070}"/>
+    <dgm:cxn modelId="{F54BCF5A-2464-43E2-8A07-D3D4FBB67AD1}" type="presOf" srcId="{0DEF9C8B-5130-4DEE-BA05-EA4DB3E3A6B7}" destId="{49899FFC-63D1-431E-AE39-679FBD586C38}" srcOrd="0" destOrd="0" presId="urn:microsoft.com/office/officeart/2005/8/layout/hierarchy1"/>
+    <dgm:cxn modelId="{8C960A90-0D99-4D71-8E32-F231A28D7038}" type="presOf" srcId="{DCEDB4CB-DD2F-457E-AD49-CBE98BD7C8D5}" destId="{01CBEE15-E1DE-4FF2-9AF3-4E4A9B1D7478}" srcOrd="0" destOrd="0" presId="urn:microsoft.com/office/officeart/2005/8/layout/hierarchy1"/>
+    <dgm:cxn modelId="{1822349D-FA49-4B1D-A7E9-86C2847F3EBF}" srcId="{0DEF9C8B-5130-4DEE-BA05-EA4DB3E3A6B7}" destId="{DED67E32-1BA5-4F73-BDAB-368E32467305}" srcOrd="0" destOrd="0" parTransId="{2FEE2520-1C3C-4FE6-A9EC-FBDFA81B0AD2}" sibTransId="{96FD60EF-C3EB-4AD8-B20F-BE64675A741D}"/>
     <dgm:cxn modelId="{46EE6EAF-888A-4E9C-9248-F25CD717BB14}" srcId="{2810C438-4051-4B71-AE87-ECEDF569415D}" destId="{0DEF9C8B-5130-4DEE-BA05-EA4DB3E3A6B7}" srcOrd="0" destOrd="0" parTransId="{D7B830F6-885F-49B4-9C54-FDB27568A744}" sibTransId="{B5326653-6D9E-4D6A-85A2-AB250BDC0E7E}"/>
-    <dgm:cxn modelId="{C7FB6D03-7F57-4A48-8638-555DB1CEF4E9}" type="presOf" srcId="{FE0BA437-0DF8-48B9-9FB5-2133A3608879}" destId="{0B58578D-3EC3-4472-8BD3-1AFC673BABC4}" srcOrd="0" destOrd="0" presId="urn:microsoft.com/office/officeart/2005/8/layout/hierarchy1"/>
-    <dgm:cxn modelId="{A0DF8067-9572-482A-AE99-BB95B818ADBA}" srcId="{FE0BA437-0DF8-48B9-9FB5-2133A3608879}" destId="{DCEDB4CB-DD2F-457E-AD49-CBE98BD7C8D5}" srcOrd="0" destOrd="0" parTransId="{8BED325C-8720-49B2-BE14-2A2E0173EB7D}" sibTransId="{47CE3190-4DD2-4D07-ACA2-520CB8620FB8}"/>
-    <dgm:cxn modelId="{A5346326-AF8E-4F24-BA81-71E3F399648F}" type="presOf" srcId="{DED67E32-1BA5-4F73-BDAB-368E32467305}" destId="{2D3AC9CD-838E-48D9-9B28-EED140691692}" srcOrd="0" destOrd="0" presId="urn:microsoft.com/office/officeart/2005/8/layout/hierarchy1"/>
+    <dgm:cxn modelId="{DB724AB0-70FA-4937-840C-BD8847D03471}" type="presOf" srcId="{8BED325C-8720-49B2-BE14-2A2E0173EB7D}" destId="{38F674EC-3115-46BB-82B7-A45AC99883CF}" srcOrd="0" destOrd="0" presId="urn:microsoft.com/office/officeart/2005/8/layout/hierarchy1"/>
     <dgm:cxn modelId="{474582E2-EC12-459C-8D53-DFA0E5AD53CC}" type="presOf" srcId="{2FEE2520-1C3C-4FE6-A9EC-FBDFA81B0AD2}" destId="{19EC77F8-7575-4653-BD43-38897622597B}" srcOrd="0" destOrd="0" presId="urn:microsoft.com/office/officeart/2005/8/layout/hierarchy1"/>
-    <dgm:cxn modelId="{DB724AB0-70FA-4937-840C-BD8847D03471}" type="presOf" srcId="{8BED325C-8720-49B2-BE14-2A2E0173EB7D}" destId="{38F674EC-3115-46BB-82B7-A45AC99883CF}" srcOrd="0" destOrd="0" presId="urn:microsoft.com/office/officeart/2005/8/layout/hierarchy1"/>
+    <dgm:cxn modelId="{5167DDEC-BFCF-4E33-B71A-6541D52BC0AC}" type="presOf" srcId="{061E9185-3D02-49E7-8442-B97C1AFFDC18}" destId="{149C96F0-1599-4D75-9D8F-077CB9E52BBB}" srcOrd="0" destOrd="0" presId="urn:microsoft.com/office/officeart/2005/8/layout/hierarchy1"/>
     <dgm:cxn modelId="{CB36A0F7-B659-4809-915B-BA8A049F1B83}" type="presOf" srcId="{2810C438-4051-4B71-AE87-ECEDF569415D}" destId="{2B6AF26D-0F48-42EA-9404-3E2E0A861794}" srcOrd="0" destOrd="0" presId="urn:microsoft.com/office/officeart/2005/8/layout/hierarchy1"/>
-    <dgm:cxn modelId="{5167DDEC-BFCF-4E33-B71A-6541D52BC0AC}" type="presOf" srcId="{061E9185-3D02-49E7-8442-B97C1AFFDC18}" destId="{149C96F0-1599-4D75-9D8F-077CB9E52BBB}" srcOrd="0" destOrd="0" presId="urn:microsoft.com/office/officeart/2005/8/layout/hierarchy1"/>
-    <dgm:cxn modelId="{8C960A90-0D99-4D71-8E32-F231A28D7038}" type="presOf" srcId="{DCEDB4CB-DD2F-457E-AD49-CBE98BD7C8D5}" destId="{01CBEE15-E1DE-4FF2-9AF3-4E4A9B1D7478}" srcOrd="0" destOrd="0" presId="urn:microsoft.com/office/officeart/2005/8/layout/hierarchy1"/>
-    <dgm:cxn modelId="{F54BCF5A-2464-43E2-8A07-D3D4FBB67AD1}" type="presOf" srcId="{0DEF9C8B-5130-4DEE-BA05-EA4DB3E3A6B7}" destId="{49899FFC-63D1-431E-AE39-679FBD586C38}" srcOrd="0" destOrd="0" presId="urn:microsoft.com/office/officeart/2005/8/layout/hierarchy1"/>
-    <dgm:cxn modelId="{1822349D-FA49-4B1D-A7E9-86C2847F3EBF}" srcId="{0DEF9C8B-5130-4DEE-BA05-EA4DB3E3A6B7}" destId="{DED67E32-1BA5-4F73-BDAB-368E32467305}" srcOrd="0" destOrd="0" parTransId="{2FEE2520-1C3C-4FE6-A9EC-FBDFA81B0AD2}" sibTransId="{96FD60EF-C3EB-4AD8-B20F-BE64675A741D}"/>
-    <dgm:cxn modelId="{E0E51F78-4362-4EB6-AED3-0ECFFFB8801C}" srcId="{0DEF9C8B-5130-4DEE-BA05-EA4DB3E3A6B7}" destId="{FE0BA437-0DF8-48B9-9FB5-2133A3608879}" srcOrd="1" destOrd="0" parTransId="{061E9185-3D02-49E7-8442-B97C1AFFDC18}" sibTransId="{0C4D82C3-44B6-42AB-8B83-8675909B5070}"/>
     <dgm:cxn modelId="{434DC1EF-E033-470C-9FB6-8FB67D16F4BB}" type="presParOf" srcId="{2B6AF26D-0F48-42EA-9404-3E2E0A861794}" destId="{8D3724C0-79A3-490A-8935-151239946877}" srcOrd="0" destOrd="0" presId="urn:microsoft.com/office/officeart/2005/8/layout/hierarchy1"/>
     <dgm:cxn modelId="{46114C7E-553B-4672-922A-1EA8038FFFBE}" type="presParOf" srcId="{8D3724C0-79A3-490A-8935-151239946877}" destId="{EE8C3228-D341-4B53-BC2C-A2E9A2138444}" srcOrd="0" destOrd="0" presId="urn:microsoft.com/office/officeart/2005/8/layout/hierarchy1"/>
     <dgm:cxn modelId="{0ADE08E9-7845-443A-9A35-0B81C7AF271A}" type="presParOf" srcId="{EE8C3228-D341-4B53-BC2C-A2E9A2138444}" destId="{21084906-1D89-42BB-B11A-A7DBE8E58AF6}" srcOrd="0" destOrd="0" presId="urn:microsoft.com/office/officeart/2005/8/layout/hierarchy1"/>
@@ -4601,21 +4603,21 @@
     </dgm:pt>
   </dgm:ptLst>
   <dgm:cxnLst>
-    <dgm:cxn modelId="{53D3F1AD-9862-4B84-9D55-F6B5A47C3D4D}" type="presOf" srcId="{F6AF4DF7-323B-4AF7-B64E-A5613389B3FE}" destId="{D60E5B76-1D83-4B1E-9F5E-C3B70C556114}" srcOrd="1" destOrd="0" presId="urn:microsoft.com/office/officeart/2005/8/layout/hierarchy2"/>
     <dgm:cxn modelId="{2957BD10-0C0B-435A-9832-B168FFD70B52}" type="presOf" srcId="{27FBC282-CAF3-490B-B214-91191570762F}" destId="{31390DB4-3D51-4CF8-8C85-35B1DE49FC82}" srcOrd="0" destOrd="0" presId="urn:microsoft.com/office/officeart/2005/8/layout/hierarchy2"/>
-    <dgm:cxn modelId="{DD9C73D9-E718-4BA7-9284-D68237818690}" type="presOf" srcId="{57D0F85C-1480-4403-AB40-CE04ED68F61D}" destId="{95784A7C-5D96-46B1-9707-13924E4E779E}" srcOrd="0" destOrd="0" presId="urn:microsoft.com/office/officeart/2005/8/layout/hierarchy2"/>
     <dgm:cxn modelId="{F29E0926-898B-4D7B-A62B-B60051247516}" type="presOf" srcId="{2F62D43D-3A0F-4B1B-8FD1-5BFDA455A86C}" destId="{6998ADDA-3A1B-45B6-A07A-01FCD4BA49BB}" srcOrd="0" destOrd="0" presId="urn:microsoft.com/office/officeart/2005/8/layout/hierarchy2"/>
-    <dgm:cxn modelId="{182262AD-F3FC-4658-A491-B4A42DFF95D3}" type="presOf" srcId="{EA36CED6-914A-4F65-8351-21ACF729BB62}" destId="{A98D8B27-04C4-4743-99A8-4EBCAB174DA4}" srcOrd="0" destOrd="0" presId="urn:microsoft.com/office/officeart/2005/8/layout/hierarchy2"/>
-    <dgm:cxn modelId="{E01251AE-ED79-44FF-A618-703E33D5290F}" type="presOf" srcId="{34D97303-284D-4A60-ACDE-B41CE094D009}" destId="{2345C25D-B2C9-472B-88FC-F111DF3C1F4A}" srcOrd="1" destOrd="0" presId="urn:microsoft.com/office/officeart/2005/8/layout/hierarchy2"/>
+    <dgm:cxn modelId="{F6F19D2E-9C4C-4DEF-9FC6-59E4501CE55C}" srcId="{2F62D43D-3A0F-4B1B-8FD1-5BFDA455A86C}" destId="{27FBC282-CAF3-490B-B214-91191570762F}" srcOrd="1" destOrd="0" parTransId="{34D97303-284D-4A60-ACDE-B41CE094D009}" sibTransId="{96ECE465-0149-4815-943F-8A5781072BA0}"/>
+    <dgm:cxn modelId="{6478B25F-6B96-49AC-AFE3-0C2B6A4CBD1C}" srcId="{2F62D43D-3A0F-4B1B-8FD1-5BFDA455A86C}" destId="{5010841C-6FB4-4099-AA0F-4A0A40C2F39E}" srcOrd="0" destOrd="0" parTransId="{F6AF4DF7-323B-4AF7-B64E-A5613389B3FE}" sibTransId="{971660D0-0C93-4BC0-8275-691F8BEE0722}"/>
+    <dgm:cxn modelId="{F32AA143-281D-4522-8FB0-D2CE4A9BAEDD}" type="presOf" srcId="{F6AF4DF7-323B-4AF7-B64E-A5613389B3FE}" destId="{A3F2D820-7163-431D-AD2D-AAA44D891A20}" srcOrd="0" destOrd="0" presId="urn:microsoft.com/office/officeart/2005/8/layout/hierarchy2"/>
+    <dgm:cxn modelId="{1FFCC945-C772-4282-9AE8-8FE76BF55391}" srcId="{5010841C-6FB4-4099-AA0F-4A0A40C2F39E}" destId="{EA36CED6-914A-4F65-8351-21ACF729BB62}" srcOrd="0" destOrd="0" parTransId="{E1980178-2FF0-4114-A195-D91726820F5B}" sibTransId="{07F76758-9F5A-425C-94F2-0A2C6A60C636}"/>
     <dgm:cxn modelId="{5BAFBB75-959F-4EC5-90C0-898618EB098C}" type="presOf" srcId="{34D97303-284D-4A60-ACDE-B41CE094D009}" destId="{520093C4-51A8-49E0-9F68-8D97CDFA9EE4}" srcOrd="0" destOrd="0" presId="urn:microsoft.com/office/officeart/2005/8/layout/hierarchy2"/>
     <dgm:cxn modelId="{A9C46E76-A76C-47AA-AEC3-F04781C2F823}" srcId="{57D0F85C-1480-4403-AB40-CE04ED68F61D}" destId="{2F62D43D-3A0F-4B1B-8FD1-5BFDA455A86C}" srcOrd="0" destOrd="0" parTransId="{F95A871F-6975-4CEE-AF85-5C82CF3D9BEE}" sibTransId="{35305C68-15B6-41F6-A7E0-581849D959AA}"/>
-    <dgm:cxn modelId="{F6F19D2E-9C4C-4DEF-9FC6-59E4501CE55C}" srcId="{2F62D43D-3A0F-4B1B-8FD1-5BFDA455A86C}" destId="{27FBC282-CAF3-490B-B214-91191570762F}" srcOrd="1" destOrd="0" parTransId="{34D97303-284D-4A60-ACDE-B41CE094D009}" sibTransId="{96ECE465-0149-4815-943F-8A5781072BA0}"/>
-    <dgm:cxn modelId="{6478B25F-6B96-49AC-AFE3-0C2B6A4CBD1C}" srcId="{2F62D43D-3A0F-4B1B-8FD1-5BFDA455A86C}" destId="{5010841C-6FB4-4099-AA0F-4A0A40C2F39E}" srcOrd="0" destOrd="0" parTransId="{F6AF4DF7-323B-4AF7-B64E-A5613389B3FE}" sibTransId="{971660D0-0C93-4BC0-8275-691F8BEE0722}"/>
+    <dgm:cxn modelId="{84541595-FD30-4536-A6A8-8C5C59CA8FF3}" type="presOf" srcId="{5010841C-6FB4-4099-AA0F-4A0A40C2F39E}" destId="{79C575EC-6485-4BB0-B097-1E2831E29182}" srcOrd="0" destOrd="0" presId="urn:microsoft.com/office/officeart/2005/8/layout/hierarchy2"/>
     <dgm:cxn modelId="{1F97F59C-1333-4D12-A467-1D32B103C101}" type="presOf" srcId="{E1980178-2FF0-4114-A195-D91726820F5B}" destId="{558607E1-E212-4480-9474-001BBD395D7B}" srcOrd="0" destOrd="0" presId="urn:microsoft.com/office/officeart/2005/8/layout/hierarchy2"/>
+    <dgm:cxn modelId="{182262AD-F3FC-4658-A491-B4A42DFF95D3}" type="presOf" srcId="{EA36CED6-914A-4F65-8351-21ACF729BB62}" destId="{A98D8B27-04C4-4743-99A8-4EBCAB174DA4}" srcOrd="0" destOrd="0" presId="urn:microsoft.com/office/officeart/2005/8/layout/hierarchy2"/>
+    <dgm:cxn modelId="{53D3F1AD-9862-4B84-9D55-F6B5A47C3D4D}" type="presOf" srcId="{F6AF4DF7-323B-4AF7-B64E-A5613389B3FE}" destId="{D60E5B76-1D83-4B1E-9F5E-C3B70C556114}" srcOrd="1" destOrd="0" presId="urn:microsoft.com/office/officeart/2005/8/layout/hierarchy2"/>
+    <dgm:cxn modelId="{E01251AE-ED79-44FF-A618-703E33D5290F}" type="presOf" srcId="{34D97303-284D-4A60-ACDE-B41CE094D009}" destId="{2345C25D-B2C9-472B-88FC-F111DF3C1F4A}" srcOrd="1" destOrd="0" presId="urn:microsoft.com/office/officeart/2005/8/layout/hierarchy2"/>
+    <dgm:cxn modelId="{DD9C73D9-E718-4BA7-9284-D68237818690}" type="presOf" srcId="{57D0F85C-1480-4403-AB40-CE04ED68F61D}" destId="{95784A7C-5D96-46B1-9707-13924E4E779E}" srcOrd="0" destOrd="0" presId="urn:microsoft.com/office/officeart/2005/8/layout/hierarchy2"/>
     <dgm:cxn modelId="{89452AF3-521C-45E1-ABE7-C9912E151CE0}" type="presOf" srcId="{E1980178-2FF0-4114-A195-D91726820F5B}" destId="{3DCD49F6-7646-4CB8-BBE0-ADC8B1DF0DC0}" srcOrd="1" destOrd="0" presId="urn:microsoft.com/office/officeart/2005/8/layout/hierarchy2"/>
-    <dgm:cxn modelId="{84541595-FD30-4536-A6A8-8C5C59CA8FF3}" type="presOf" srcId="{5010841C-6FB4-4099-AA0F-4A0A40C2F39E}" destId="{79C575EC-6485-4BB0-B097-1E2831E29182}" srcOrd="0" destOrd="0" presId="urn:microsoft.com/office/officeart/2005/8/layout/hierarchy2"/>
-    <dgm:cxn modelId="{F32AA143-281D-4522-8FB0-D2CE4A9BAEDD}" type="presOf" srcId="{F6AF4DF7-323B-4AF7-B64E-A5613389B3FE}" destId="{A3F2D820-7163-431D-AD2D-AAA44D891A20}" srcOrd="0" destOrd="0" presId="urn:microsoft.com/office/officeart/2005/8/layout/hierarchy2"/>
-    <dgm:cxn modelId="{1FFCC945-C772-4282-9AE8-8FE76BF55391}" srcId="{5010841C-6FB4-4099-AA0F-4A0A40C2F39E}" destId="{EA36CED6-914A-4F65-8351-21ACF729BB62}" srcOrd="0" destOrd="0" parTransId="{E1980178-2FF0-4114-A195-D91726820F5B}" sibTransId="{07F76758-9F5A-425C-94F2-0A2C6A60C636}"/>
     <dgm:cxn modelId="{2FCA66AF-4520-4EFF-87A2-A0829DD64B20}" type="presParOf" srcId="{95784A7C-5D96-46B1-9707-13924E4E779E}" destId="{CD3D4F1F-2331-40AF-B1F1-0DE3BC1E14AC}" srcOrd="0" destOrd="0" presId="urn:microsoft.com/office/officeart/2005/8/layout/hierarchy2"/>
     <dgm:cxn modelId="{2316C99B-4E74-4F74-B7A0-B361AAB97A02}" type="presParOf" srcId="{CD3D4F1F-2331-40AF-B1F1-0DE3BC1E14AC}" destId="{6998ADDA-3A1B-45B6-A07A-01FCD4BA49BB}" srcOrd="0" destOrd="0" presId="urn:microsoft.com/office/officeart/2005/8/layout/hierarchy2"/>
     <dgm:cxn modelId="{622863EA-F1D6-43AE-ABDF-D3DF7EE47D43}" type="presParOf" srcId="{CD3D4F1F-2331-40AF-B1F1-0DE3BC1E14AC}" destId="{04E3543D-A5C8-4685-941D-CC5A6D3C16F0}" srcOrd="1" destOrd="0" presId="urn:microsoft.com/office/officeart/2005/8/layout/hierarchy2"/>
@@ -4967,21 +4969,21 @@
     </dgm:pt>
   </dgm:ptLst>
   <dgm:cxnLst>
-    <dgm:cxn modelId="{53D3F1AD-9862-4B84-9D55-F6B5A47C3D4D}" type="presOf" srcId="{F6AF4DF7-323B-4AF7-B64E-A5613389B3FE}" destId="{D60E5B76-1D83-4B1E-9F5E-C3B70C556114}" srcOrd="1" destOrd="0" presId="urn:microsoft.com/office/officeart/2005/8/layout/hierarchy2"/>
     <dgm:cxn modelId="{2957BD10-0C0B-435A-9832-B168FFD70B52}" type="presOf" srcId="{27FBC282-CAF3-490B-B214-91191570762F}" destId="{31390DB4-3D51-4CF8-8C85-35B1DE49FC82}" srcOrd="0" destOrd="0" presId="urn:microsoft.com/office/officeart/2005/8/layout/hierarchy2"/>
-    <dgm:cxn modelId="{DD9C73D9-E718-4BA7-9284-D68237818690}" type="presOf" srcId="{57D0F85C-1480-4403-AB40-CE04ED68F61D}" destId="{95784A7C-5D96-46B1-9707-13924E4E779E}" srcOrd="0" destOrd="0" presId="urn:microsoft.com/office/officeart/2005/8/layout/hierarchy2"/>
     <dgm:cxn modelId="{F29E0926-898B-4D7B-A62B-B60051247516}" type="presOf" srcId="{2F62D43D-3A0F-4B1B-8FD1-5BFDA455A86C}" destId="{6998ADDA-3A1B-45B6-A07A-01FCD4BA49BB}" srcOrd="0" destOrd="0" presId="urn:microsoft.com/office/officeart/2005/8/layout/hierarchy2"/>
-    <dgm:cxn modelId="{322C4FD9-B673-426B-829F-3D7B12000ACF}" type="presOf" srcId="{5469B62F-21EF-403D-AFAF-F1F3A62CC116}" destId="{2370D09E-6DCF-4E5F-AA9E-DE6FA75F978A}" srcOrd="0" destOrd="0" presId="urn:microsoft.com/office/officeart/2005/8/layout/hierarchy2"/>
-    <dgm:cxn modelId="{E01251AE-ED79-44FF-A618-703E33D5290F}" type="presOf" srcId="{34D97303-284D-4A60-ACDE-B41CE094D009}" destId="{2345C25D-B2C9-472B-88FC-F111DF3C1F4A}" srcOrd="1" destOrd="0" presId="urn:microsoft.com/office/officeart/2005/8/layout/hierarchy2"/>
-    <dgm:cxn modelId="{54EF559C-CC32-408A-92F1-462C6DCD925C}" type="presOf" srcId="{959D7E7C-8F3F-44AF-B69E-F4F90A8BEBF8}" destId="{E3691BD4-191B-42CA-BDA3-D11ADBFFCF6E}" srcOrd="0" destOrd="0" presId="urn:microsoft.com/office/officeart/2005/8/layout/hierarchy2"/>
+    <dgm:cxn modelId="{F6F19D2E-9C4C-4DEF-9FC6-59E4501CE55C}" srcId="{2F62D43D-3A0F-4B1B-8FD1-5BFDA455A86C}" destId="{27FBC282-CAF3-490B-B214-91191570762F}" srcOrd="1" destOrd="0" parTransId="{34D97303-284D-4A60-ACDE-B41CE094D009}" sibTransId="{96ECE465-0149-4815-943F-8A5781072BA0}"/>
+    <dgm:cxn modelId="{6478B25F-6B96-49AC-AFE3-0C2B6A4CBD1C}" srcId="{2F62D43D-3A0F-4B1B-8FD1-5BFDA455A86C}" destId="{5010841C-6FB4-4099-AA0F-4A0A40C2F39E}" srcOrd="0" destOrd="0" parTransId="{F6AF4DF7-323B-4AF7-B64E-A5613389B3FE}" sibTransId="{971660D0-0C93-4BC0-8275-691F8BEE0722}"/>
+    <dgm:cxn modelId="{F32AA143-281D-4522-8FB0-D2CE4A9BAEDD}" type="presOf" srcId="{F6AF4DF7-323B-4AF7-B64E-A5613389B3FE}" destId="{A3F2D820-7163-431D-AD2D-AAA44D891A20}" srcOrd="0" destOrd="0" presId="urn:microsoft.com/office/officeart/2005/8/layout/hierarchy2"/>
     <dgm:cxn modelId="{5BAFBB75-959F-4EC5-90C0-898618EB098C}" type="presOf" srcId="{34D97303-284D-4A60-ACDE-B41CE094D009}" destId="{520093C4-51A8-49E0-9F68-8D97CDFA9EE4}" srcOrd="0" destOrd="0" presId="urn:microsoft.com/office/officeart/2005/8/layout/hierarchy2"/>
     <dgm:cxn modelId="{A9C46E76-A76C-47AA-AEC3-F04781C2F823}" srcId="{57D0F85C-1480-4403-AB40-CE04ED68F61D}" destId="{2F62D43D-3A0F-4B1B-8FD1-5BFDA455A86C}" srcOrd="0" destOrd="0" parTransId="{F95A871F-6975-4CEE-AF85-5C82CF3D9BEE}" sibTransId="{35305C68-15B6-41F6-A7E0-581849D959AA}"/>
-    <dgm:cxn modelId="{F6F19D2E-9C4C-4DEF-9FC6-59E4501CE55C}" srcId="{2F62D43D-3A0F-4B1B-8FD1-5BFDA455A86C}" destId="{27FBC282-CAF3-490B-B214-91191570762F}" srcOrd="1" destOrd="0" parTransId="{34D97303-284D-4A60-ACDE-B41CE094D009}" sibTransId="{96ECE465-0149-4815-943F-8A5781072BA0}"/>
-    <dgm:cxn modelId="{6478B25F-6B96-49AC-AFE3-0C2B6A4CBD1C}" srcId="{2F62D43D-3A0F-4B1B-8FD1-5BFDA455A86C}" destId="{5010841C-6FB4-4099-AA0F-4A0A40C2F39E}" srcOrd="0" destOrd="0" parTransId="{F6AF4DF7-323B-4AF7-B64E-A5613389B3FE}" sibTransId="{971660D0-0C93-4BC0-8275-691F8BEE0722}"/>
     <dgm:cxn modelId="{F19A2677-EA8C-4BB7-9803-1EC26CD5C972}" type="presOf" srcId="{5469B62F-21EF-403D-AFAF-F1F3A62CC116}" destId="{9D3AB6AB-391D-412D-BAD9-CEB8CE3BD293}" srcOrd="1" destOrd="0" presId="urn:microsoft.com/office/officeart/2005/8/layout/hierarchy2"/>
     <dgm:cxn modelId="{84541595-FD30-4536-A6A8-8C5C59CA8FF3}" type="presOf" srcId="{5010841C-6FB4-4099-AA0F-4A0A40C2F39E}" destId="{79C575EC-6485-4BB0-B097-1E2831E29182}" srcOrd="0" destOrd="0" presId="urn:microsoft.com/office/officeart/2005/8/layout/hierarchy2"/>
-    <dgm:cxn modelId="{F32AA143-281D-4522-8FB0-D2CE4A9BAEDD}" type="presOf" srcId="{F6AF4DF7-323B-4AF7-B64E-A5613389B3FE}" destId="{A3F2D820-7163-431D-AD2D-AAA44D891A20}" srcOrd="0" destOrd="0" presId="urn:microsoft.com/office/officeart/2005/8/layout/hierarchy2"/>
     <dgm:cxn modelId="{0DA8E695-91DA-4743-AF75-8E5F3F291E2F}" srcId="{2F62D43D-3A0F-4B1B-8FD1-5BFDA455A86C}" destId="{959D7E7C-8F3F-44AF-B69E-F4F90A8BEBF8}" srcOrd="2" destOrd="0" parTransId="{5469B62F-21EF-403D-AFAF-F1F3A62CC116}" sibTransId="{AC85024C-967F-4E7E-99D0-8B6C16E5EA17}"/>
+    <dgm:cxn modelId="{54EF559C-CC32-408A-92F1-462C6DCD925C}" type="presOf" srcId="{959D7E7C-8F3F-44AF-B69E-F4F90A8BEBF8}" destId="{E3691BD4-191B-42CA-BDA3-D11ADBFFCF6E}" srcOrd="0" destOrd="0" presId="urn:microsoft.com/office/officeart/2005/8/layout/hierarchy2"/>
+    <dgm:cxn modelId="{53D3F1AD-9862-4B84-9D55-F6B5A47C3D4D}" type="presOf" srcId="{F6AF4DF7-323B-4AF7-B64E-A5613389B3FE}" destId="{D60E5B76-1D83-4B1E-9F5E-C3B70C556114}" srcOrd="1" destOrd="0" presId="urn:microsoft.com/office/officeart/2005/8/layout/hierarchy2"/>
+    <dgm:cxn modelId="{E01251AE-ED79-44FF-A618-703E33D5290F}" type="presOf" srcId="{34D97303-284D-4A60-ACDE-B41CE094D009}" destId="{2345C25D-B2C9-472B-88FC-F111DF3C1F4A}" srcOrd="1" destOrd="0" presId="urn:microsoft.com/office/officeart/2005/8/layout/hierarchy2"/>
+    <dgm:cxn modelId="{322C4FD9-B673-426B-829F-3D7B12000ACF}" type="presOf" srcId="{5469B62F-21EF-403D-AFAF-F1F3A62CC116}" destId="{2370D09E-6DCF-4E5F-AA9E-DE6FA75F978A}" srcOrd="0" destOrd="0" presId="urn:microsoft.com/office/officeart/2005/8/layout/hierarchy2"/>
+    <dgm:cxn modelId="{DD9C73D9-E718-4BA7-9284-D68237818690}" type="presOf" srcId="{57D0F85C-1480-4403-AB40-CE04ED68F61D}" destId="{95784A7C-5D96-46B1-9707-13924E4E779E}" srcOrd="0" destOrd="0" presId="urn:microsoft.com/office/officeart/2005/8/layout/hierarchy2"/>
     <dgm:cxn modelId="{2FCA66AF-4520-4EFF-87A2-A0829DD64B20}" type="presParOf" srcId="{95784A7C-5D96-46B1-9707-13924E4E779E}" destId="{CD3D4F1F-2331-40AF-B1F1-0DE3BC1E14AC}" srcOrd="0" destOrd="0" presId="urn:microsoft.com/office/officeart/2005/8/layout/hierarchy2"/>
     <dgm:cxn modelId="{2316C99B-4E74-4F74-B7A0-B361AAB97A02}" type="presParOf" srcId="{CD3D4F1F-2331-40AF-B1F1-0DE3BC1E14AC}" destId="{6998ADDA-3A1B-45B6-A07A-01FCD4BA49BB}" srcOrd="0" destOrd="0" presId="urn:microsoft.com/office/officeart/2005/8/layout/hierarchy2"/>
     <dgm:cxn modelId="{622863EA-F1D6-43AE-ABDF-D3DF7EE47D43}" type="presParOf" srcId="{CD3D4F1F-2331-40AF-B1F1-0DE3BC1E14AC}" destId="{04E3543D-A5C8-4685-941D-CC5A6D3C16F0}" srcOrd="1" destOrd="0" presId="urn:microsoft.com/office/officeart/2005/8/layout/hierarchy2"/>
@@ -5333,21 +5335,21 @@
     </dgm:pt>
   </dgm:ptLst>
   <dgm:cxnLst>
-    <dgm:cxn modelId="{53D3F1AD-9862-4B84-9D55-F6B5A47C3D4D}" type="presOf" srcId="{F6AF4DF7-323B-4AF7-B64E-A5613389B3FE}" destId="{D60E5B76-1D83-4B1E-9F5E-C3B70C556114}" srcOrd="1" destOrd="0" presId="urn:microsoft.com/office/officeart/2005/8/layout/hierarchy2"/>
     <dgm:cxn modelId="{2957BD10-0C0B-435A-9832-B168FFD70B52}" type="presOf" srcId="{27FBC282-CAF3-490B-B214-91191570762F}" destId="{31390DB4-3D51-4CF8-8C85-35B1DE49FC82}" srcOrd="0" destOrd="0" presId="urn:microsoft.com/office/officeart/2005/8/layout/hierarchy2"/>
-    <dgm:cxn modelId="{DD9C73D9-E718-4BA7-9284-D68237818690}" type="presOf" srcId="{57D0F85C-1480-4403-AB40-CE04ED68F61D}" destId="{95784A7C-5D96-46B1-9707-13924E4E779E}" srcOrd="0" destOrd="0" presId="urn:microsoft.com/office/officeart/2005/8/layout/hierarchy2"/>
     <dgm:cxn modelId="{F29E0926-898B-4D7B-A62B-B60051247516}" type="presOf" srcId="{2F62D43D-3A0F-4B1B-8FD1-5BFDA455A86C}" destId="{6998ADDA-3A1B-45B6-A07A-01FCD4BA49BB}" srcOrd="0" destOrd="0" presId="urn:microsoft.com/office/officeart/2005/8/layout/hierarchy2"/>
-    <dgm:cxn modelId="{322C4FD9-B673-426B-829F-3D7B12000ACF}" type="presOf" srcId="{5469B62F-21EF-403D-AFAF-F1F3A62CC116}" destId="{2370D09E-6DCF-4E5F-AA9E-DE6FA75F978A}" srcOrd="0" destOrd="0" presId="urn:microsoft.com/office/officeart/2005/8/layout/hierarchy2"/>
-    <dgm:cxn modelId="{E01251AE-ED79-44FF-A618-703E33D5290F}" type="presOf" srcId="{34D97303-284D-4A60-ACDE-B41CE094D009}" destId="{2345C25D-B2C9-472B-88FC-F111DF3C1F4A}" srcOrd="1" destOrd="0" presId="urn:microsoft.com/office/officeart/2005/8/layout/hierarchy2"/>
-    <dgm:cxn modelId="{54EF559C-CC32-408A-92F1-462C6DCD925C}" type="presOf" srcId="{959D7E7C-8F3F-44AF-B69E-F4F90A8BEBF8}" destId="{E3691BD4-191B-42CA-BDA3-D11ADBFFCF6E}" srcOrd="0" destOrd="0" presId="urn:microsoft.com/office/officeart/2005/8/layout/hierarchy2"/>
+    <dgm:cxn modelId="{F6F19D2E-9C4C-4DEF-9FC6-59E4501CE55C}" srcId="{2F62D43D-3A0F-4B1B-8FD1-5BFDA455A86C}" destId="{27FBC282-CAF3-490B-B214-91191570762F}" srcOrd="1" destOrd="0" parTransId="{34D97303-284D-4A60-ACDE-B41CE094D009}" sibTransId="{96ECE465-0149-4815-943F-8A5781072BA0}"/>
+    <dgm:cxn modelId="{6478B25F-6B96-49AC-AFE3-0C2B6A4CBD1C}" srcId="{2F62D43D-3A0F-4B1B-8FD1-5BFDA455A86C}" destId="{5010841C-6FB4-4099-AA0F-4A0A40C2F39E}" srcOrd="0" destOrd="0" parTransId="{F6AF4DF7-323B-4AF7-B64E-A5613389B3FE}" sibTransId="{971660D0-0C93-4BC0-8275-691F8BEE0722}"/>
+    <dgm:cxn modelId="{F32AA143-281D-4522-8FB0-D2CE4A9BAEDD}" type="presOf" srcId="{F6AF4DF7-323B-4AF7-B64E-A5613389B3FE}" destId="{A3F2D820-7163-431D-AD2D-AAA44D891A20}" srcOrd="0" destOrd="0" presId="urn:microsoft.com/office/officeart/2005/8/layout/hierarchy2"/>
     <dgm:cxn modelId="{5BAFBB75-959F-4EC5-90C0-898618EB098C}" type="presOf" srcId="{34D97303-284D-4A60-ACDE-B41CE094D009}" destId="{520093C4-51A8-49E0-9F68-8D97CDFA9EE4}" srcOrd="0" destOrd="0" presId="urn:microsoft.com/office/officeart/2005/8/layout/hierarchy2"/>
     <dgm:cxn modelId="{A9C46E76-A76C-47AA-AEC3-F04781C2F823}" srcId="{57D0F85C-1480-4403-AB40-CE04ED68F61D}" destId="{2F62D43D-3A0F-4B1B-8FD1-5BFDA455A86C}" srcOrd="0" destOrd="0" parTransId="{F95A871F-6975-4CEE-AF85-5C82CF3D9BEE}" sibTransId="{35305C68-15B6-41F6-A7E0-581849D959AA}"/>
-    <dgm:cxn modelId="{F6F19D2E-9C4C-4DEF-9FC6-59E4501CE55C}" srcId="{2F62D43D-3A0F-4B1B-8FD1-5BFDA455A86C}" destId="{27FBC282-CAF3-490B-B214-91191570762F}" srcOrd="1" destOrd="0" parTransId="{34D97303-284D-4A60-ACDE-B41CE094D009}" sibTransId="{96ECE465-0149-4815-943F-8A5781072BA0}"/>
-    <dgm:cxn modelId="{6478B25F-6B96-49AC-AFE3-0C2B6A4CBD1C}" srcId="{2F62D43D-3A0F-4B1B-8FD1-5BFDA455A86C}" destId="{5010841C-6FB4-4099-AA0F-4A0A40C2F39E}" srcOrd="0" destOrd="0" parTransId="{F6AF4DF7-323B-4AF7-B64E-A5613389B3FE}" sibTransId="{971660D0-0C93-4BC0-8275-691F8BEE0722}"/>
     <dgm:cxn modelId="{F19A2677-EA8C-4BB7-9803-1EC26CD5C972}" type="presOf" srcId="{5469B62F-21EF-403D-AFAF-F1F3A62CC116}" destId="{9D3AB6AB-391D-412D-BAD9-CEB8CE3BD293}" srcOrd="1" destOrd="0" presId="urn:microsoft.com/office/officeart/2005/8/layout/hierarchy2"/>
     <dgm:cxn modelId="{84541595-FD30-4536-A6A8-8C5C59CA8FF3}" type="presOf" srcId="{5010841C-6FB4-4099-AA0F-4A0A40C2F39E}" destId="{79C575EC-6485-4BB0-B097-1E2831E29182}" srcOrd="0" destOrd="0" presId="urn:microsoft.com/office/officeart/2005/8/layout/hierarchy2"/>
-    <dgm:cxn modelId="{F32AA143-281D-4522-8FB0-D2CE4A9BAEDD}" type="presOf" srcId="{F6AF4DF7-323B-4AF7-B64E-A5613389B3FE}" destId="{A3F2D820-7163-431D-AD2D-AAA44D891A20}" srcOrd="0" destOrd="0" presId="urn:microsoft.com/office/officeart/2005/8/layout/hierarchy2"/>
     <dgm:cxn modelId="{0DA8E695-91DA-4743-AF75-8E5F3F291E2F}" srcId="{2F62D43D-3A0F-4B1B-8FD1-5BFDA455A86C}" destId="{959D7E7C-8F3F-44AF-B69E-F4F90A8BEBF8}" srcOrd="2" destOrd="0" parTransId="{5469B62F-21EF-403D-AFAF-F1F3A62CC116}" sibTransId="{AC85024C-967F-4E7E-99D0-8B6C16E5EA17}"/>
+    <dgm:cxn modelId="{54EF559C-CC32-408A-92F1-462C6DCD925C}" type="presOf" srcId="{959D7E7C-8F3F-44AF-B69E-F4F90A8BEBF8}" destId="{E3691BD4-191B-42CA-BDA3-D11ADBFFCF6E}" srcOrd="0" destOrd="0" presId="urn:microsoft.com/office/officeart/2005/8/layout/hierarchy2"/>
+    <dgm:cxn modelId="{53D3F1AD-9862-4B84-9D55-F6B5A47C3D4D}" type="presOf" srcId="{F6AF4DF7-323B-4AF7-B64E-A5613389B3FE}" destId="{D60E5B76-1D83-4B1E-9F5E-C3B70C556114}" srcOrd="1" destOrd="0" presId="urn:microsoft.com/office/officeart/2005/8/layout/hierarchy2"/>
+    <dgm:cxn modelId="{E01251AE-ED79-44FF-A618-703E33D5290F}" type="presOf" srcId="{34D97303-284D-4A60-ACDE-B41CE094D009}" destId="{2345C25D-B2C9-472B-88FC-F111DF3C1F4A}" srcOrd="1" destOrd="0" presId="urn:microsoft.com/office/officeart/2005/8/layout/hierarchy2"/>
+    <dgm:cxn modelId="{322C4FD9-B673-426B-829F-3D7B12000ACF}" type="presOf" srcId="{5469B62F-21EF-403D-AFAF-F1F3A62CC116}" destId="{2370D09E-6DCF-4E5F-AA9E-DE6FA75F978A}" srcOrd="0" destOrd="0" presId="urn:microsoft.com/office/officeart/2005/8/layout/hierarchy2"/>
+    <dgm:cxn modelId="{DD9C73D9-E718-4BA7-9284-D68237818690}" type="presOf" srcId="{57D0F85C-1480-4403-AB40-CE04ED68F61D}" destId="{95784A7C-5D96-46B1-9707-13924E4E779E}" srcOrd="0" destOrd="0" presId="urn:microsoft.com/office/officeart/2005/8/layout/hierarchy2"/>
     <dgm:cxn modelId="{2FCA66AF-4520-4EFF-87A2-A0829DD64B20}" type="presParOf" srcId="{95784A7C-5D96-46B1-9707-13924E4E779E}" destId="{CD3D4F1F-2331-40AF-B1F1-0DE3BC1E14AC}" srcOrd="0" destOrd="0" presId="urn:microsoft.com/office/officeart/2005/8/layout/hierarchy2"/>
     <dgm:cxn modelId="{2316C99B-4E74-4F74-B7A0-B361AAB97A02}" type="presParOf" srcId="{CD3D4F1F-2331-40AF-B1F1-0DE3BC1E14AC}" destId="{6998ADDA-3A1B-45B6-A07A-01FCD4BA49BB}" srcOrd="0" destOrd="0" presId="urn:microsoft.com/office/officeart/2005/8/layout/hierarchy2"/>
     <dgm:cxn modelId="{622863EA-F1D6-43AE-ABDF-D3DF7EE47D43}" type="presParOf" srcId="{CD3D4F1F-2331-40AF-B1F1-0DE3BC1E14AC}" destId="{04E3543D-A5C8-4685-941D-CC5A6D3C16F0}" srcOrd="1" destOrd="0" presId="urn:microsoft.com/office/officeart/2005/8/layout/hierarchy2"/>
@@ -5699,21 +5701,21 @@
     </dgm:pt>
   </dgm:ptLst>
   <dgm:cxnLst>
-    <dgm:cxn modelId="{53D3F1AD-9862-4B84-9D55-F6B5A47C3D4D}" type="presOf" srcId="{F6AF4DF7-323B-4AF7-B64E-A5613389B3FE}" destId="{D60E5B76-1D83-4B1E-9F5E-C3B70C556114}" srcOrd="1" destOrd="0" presId="urn:microsoft.com/office/officeart/2005/8/layout/hierarchy2"/>
     <dgm:cxn modelId="{2957BD10-0C0B-435A-9832-B168FFD70B52}" type="presOf" srcId="{27FBC282-CAF3-490B-B214-91191570762F}" destId="{31390DB4-3D51-4CF8-8C85-35B1DE49FC82}" srcOrd="0" destOrd="0" presId="urn:microsoft.com/office/officeart/2005/8/layout/hierarchy2"/>
-    <dgm:cxn modelId="{DD9C73D9-E718-4BA7-9284-D68237818690}" type="presOf" srcId="{57D0F85C-1480-4403-AB40-CE04ED68F61D}" destId="{95784A7C-5D96-46B1-9707-13924E4E779E}" srcOrd="0" destOrd="0" presId="urn:microsoft.com/office/officeart/2005/8/layout/hierarchy2"/>
     <dgm:cxn modelId="{F29E0926-898B-4D7B-A62B-B60051247516}" type="presOf" srcId="{2F62D43D-3A0F-4B1B-8FD1-5BFDA455A86C}" destId="{6998ADDA-3A1B-45B6-A07A-01FCD4BA49BB}" srcOrd="0" destOrd="0" presId="urn:microsoft.com/office/officeart/2005/8/layout/hierarchy2"/>
-    <dgm:cxn modelId="{322C4FD9-B673-426B-829F-3D7B12000ACF}" type="presOf" srcId="{5469B62F-21EF-403D-AFAF-F1F3A62CC116}" destId="{2370D09E-6DCF-4E5F-AA9E-DE6FA75F978A}" srcOrd="0" destOrd="0" presId="urn:microsoft.com/office/officeart/2005/8/layout/hierarchy2"/>
-    <dgm:cxn modelId="{E01251AE-ED79-44FF-A618-703E33D5290F}" type="presOf" srcId="{34D97303-284D-4A60-ACDE-B41CE094D009}" destId="{2345C25D-B2C9-472B-88FC-F111DF3C1F4A}" srcOrd="1" destOrd="0" presId="urn:microsoft.com/office/officeart/2005/8/layout/hierarchy2"/>
-    <dgm:cxn modelId="{54EF559C-CC32-408A-92F1-462C6DCD925C}" type="presOf" srcId="{959D7E7C-8F3F-44AF-B69E-F4F90A8BEBF8}" destId="{E3691BD4-191B-42CA-BDA3-D11ADBFFCF6E}" srcOrd="0" destOrd="0" presId="urn:microsoft.com/office/officeart/2005/8/layout/hierarchy2"/>
+    <dgm:cxn modelId="{F6F19D2E-9C4C-4DEF-9FC6-59E4501CE55C}" srcId="{2F62D43D-3A0F-4B1B-8FD1-5BFDA455A86C}" destId="{27FBC282-CAF3-490B-B214-91191570762F}" srcOrd="1" destOrd="0" parTransId="{34D97303-284D-4A60-ACDE-B41CE094D009}" sibTransId="{96ECE465-0149-4815-943F-8A5781072BA0}"/>
+    <dgm:cxn modelId="{6478B25F-6B96-49AC-AFE3-0C2B6A4CBD1C}" srcId="{2F62D43D-3A0F-4B1B-8FD1-5BFDA455A86C}" destId="{5010841C-6FB4-4099-AA0F-4A0A40C2F39E}" srcOrd="0" destOrd="0" parTransId="{F6AF4DF7-323B-4AF7-B64E-A5613389B3FE}" sibTransId="{971660D0-0C93-4BC0-8275-691F8BEE0722}"/>
+    <dgm:cxn modelId="{F32AA143-281D-4522-8FB0-D2CE4A9BAEDD}" type="presOf" srcId="{F6AF4DF7-323B-4AF7-B64E-A5613389B3FE}" destId="{A3F2D820-7163-431D-AD2D-AAA44D891A20}" srcOrd="0" destOrd="0" presId="urn:microsoft.com/office/officeart/2005/8/layout/hierarchy2"/>
     <dgm:cxn modelId="{5BAFBB75-959F-4EC5-90C0-898618EB098C}" type="presOf" srcId="{34D97303-284D-4A60-ACDE-B41CE094D009}" destId="{520093C4-51A8-49E0-9F68-8D97CDFA9EE4}" srcOrd="0" destOrd="0" presId="urn:microsoft.com/office/officeart/2005/8/layout/hierarchy2"/>
     <dgm:cxn modelId="{A9C46E76-A76C-47AA-AEC3-F04781C2F823}" srcId="{57D0F85C-1480-4403-AB40-CE04ED68F61D}" destId="{2F62D43D-3A0F-4B1B-8FD1-5BFDA455A86C}" srcOrd="0" destOrd="0" parTransId="{F95A871F-6975-4CEE-AF85-5C82CF3D9BEE}" sibTransId="{35305C68-15B6-41F6-A7E0-581849D959AA}"/>
-    <dgm:cxn modelId="{F6F19D2E-9C4C-4DEF-9FC6-59E4501CE55C}" srcId="{2F62D43D-3A0F-4B1B-8FD1-5BFDA455A86C}" destId="{27FBC282-CAF3-490B-B214-91191570762F}" srcOrd="1" destOrd="0" parTransId="{34D97303-284D-4A60-ACDE-B41CE094D009}" sibTransId="{96ECE465-0149-4815-943F-8A5781072BA0}"/>
-    <dgm:cxn modelId="{6478B25F-6B96-49AC-AFE3-0C2B6A4CBD1C}" srcId="{2F62D43D-3A0F-4B1B-8FD1-5BFDA455A86C}" destId="{5010841C-6FB4-4099-AA0F-4A0A40C2F39E}" srcOrd="0" destOrd="0" parTransId="{F6AF4DF7-323B-4AF7-B64E-A5613389B3FE}" sibTransId="{971660D0-0C93-4BC0-8275-691F8BEE0722}"/>
     <dgm:cxn modelId="{F19A2677-EA8C-4BB7-9803-1EC26CD5C972}" type="presOf" srcId="{5469B62F-21EF-403D-AFAF-F1F3A62CC116}" destId="{9D3AB6AB-391D-412D-BAD9-CEB8CE3BD293}" srcOrd="1" destOrd="0" presId="urn:microsoft.com/office/officeart/2005/8/layout/hierarchy2"/>
     <dgm:cxn modelId="{84541595-FD30-4536-A6A8-8C5C59CA8FF3}" type="presOf" srcId="{5010841C-6FB4-4099-AA0F-4A0A40C2F39E}" destId="{79C575EC-6485-4BB0-B097-1E2831E29182}" srcOrd="0" destOrd="0" presId="urn:microsoft.com/office/officeart/2005/8/layout/hierarchy2"/>
-    <dgm:cxn modelId="{F32AA143-281D-4522-8FB0-D2CE4A9BAEDD}" type="presOf" srcId="{F6AF4DF7-323B-4AF7-B64E-A5613389B3FE}" destId="{A3F2D820-7163-431D-AD2D-AAA44D891A20}" srcOrd="0" destOrd="0" presId="urn:microsoft.com/office/officeart/2005/8/layout/hierarchy2"/>
     <dgm:cxn modelId="{0DA8E695-91DA-4743-AF75-8E5F3F291E2F}" srcId="{2F62D43D-3A0F-4B1B-8FD1-5BFDA455A86C}" destId="{959D7E7C-8F3F-44AF-B69E-F4F90A8BEBF8}" srcOrd="2" destOrd="0" parTransId="{5469B62F-21EF-403D-AFAF-F1F3A62CC116}" sibTransId="{AC85024C-967F-4E7E-99D0-8B6C16E5EA17}"/>
+    <dgm:cxn modelId="{54EF559C-CC32-408A-92F1-462C6DCD925C}" type="presOf" srcId="{959D7E7C-8F3F-44AF-B69E-F4F90A8BEBF8}" destId="{E3691BD4-191B-42CA-BDA3-D11ADBFFCF6E}" srcOrd="0" destOrd="0" presId="urn:microsoft.com/office/officeart/2005/8/layout/hierarchy2"/>
+    <dgm:cxn modelId="{53D3F1AD-9862-4B84-9D55-F6B5A47C3D4D}" type="presOf" srcId="{F6AF4DF7-323B-4AF7-B64E-A5613389B3FE}" destId="{D60E5B76-1D83-4B1E-9F5E-C3B70C556114}" srcOrd="1" destOrd="0" presId="urn:microsoft.com/office/officeart/2005/8/layout/hierarchy2"/>
+    <dgm:cxn modelId="{E01251AE-ED79-44FF-A618-703E33D5290F}" type="presOf" srcId="{34D97303-284D-4A60-ACDE-B41CE094D009}" destId="{2345C25D-B2C9-472B-88FC-F111DF3C1F4A}" srcOrd="1" destOrd="0" presId="urn:microsoft.com/office/officeart/2005/8/layout/hierarchy2"/>
+    <dgm:cxn modelId="{322C4FD9-B673-426B-829F-3D7B12000ACF}" type="presOf" srcId="{5469B62F-21EF-403D-AFAF-F1F3A62CC116}" destId="{2370D09E-6DCF-4E5F-AA9E-DE6FA75F978A}" srcOrd="0" destOrd="0" presId="urn:microsoft.com/office/officeart/2005/8/layout/hierarchy2"/>
+    <dgm:cxn modelId="{DD9C73D9-E718-4BA7-9284-D68237818690}" type="presOf" srcId="{57D0F85C-1480-4403-AB40-CE04ED68F61D}" destId="{95784A7C-5D96-46B1-9707-13924E4E779E}" srcOrd="0" destOrd="0" presId="urn:microsoft.com/office/officeart/2005/8/layout/hierarchy2"/>
     <dgm:cxn modelId="{2FCA66AF-4520-4EFF-87A2-A0829DD64B20}" type="presParOf" srcId="{95784A7C-5D96-46B1-9707-13924E4E779E}" destId="{CD3D4F1F-2331-40AF-B1F1-0DE3BC1E14AC}" srcOrd="0" destOrd="0" presId="urn:microsoft.com/office/officeart/2005/8/layout/hierarchy2"/>
     <dgm:cxn modelId="{2316C99B-4E74-4F74-B7A0-B361AAB97A02}" type="presParOf" srcId="{CD3D4F1F-2331-40AF-B1F1-0DE3BC1E14AC}" destId="{6998ADDA-3A1B-45B6-A07A-01FCD4BA49BB}" srcOrd="0" destOrd="0" presId="urn:microsoft.com/office/officeart/2005/8/layout/hierarchy2"/>
     <dgm:cxn modelId="{622863EA-F1D6-43AE-ABDF-D3DF7EE47D43}" type="presParOf" srcId="{CD3D4F1F-2331-40AF-B1F1-0DE3BC1E14AC}" destId="{04E3543D-A5C8-4685-941D-CC5A6D3C16F0}" srcOrd="1" destOrd="0" presId="urn:microsoft.com/office/officeart/2005/8/layout/hierarchy2"/>
@@ -15703,7 +15705,7 @@
           <a:p>
             <a:fld id="{208B30BF-BE3F-47C2-B7B3-E8CB680F2AA1}" type="datetimeFigureOut">
               <a:rPr lang="en-US" smtClean="0"/>
-              <a:t>11/14/2016</a:t>
+              <a:t>11/11/2019</a:t>
             </a:fld>
             <a:endParaRPr lang="en-US"/>
           </a:p>
@@ -16119,7 +16121,7 @@
           <a:p>
             <a:fld id="{C56969A0-B3EA-45A4-A390-44554200A62E}" type="slidenum">
               <a:rPr lang="en-US" smtClean="0"/>
-              <a:t>74</a:t>
+              <a:t>68</a:t>
             </a:fld>
             <a:endParaRPr lang="en-US"/>
           </a:p>
@@ -16128,7 +16130,7 @@
     </p:spTree>
     <p:extLst>
       <p:ext uri="{BB962C8B-B14F-4D97-AF65-F5344CB8AC3E}">
-        <p14:creationId xmlns:p14="http://schemas.microsoft.com/office/powerpoint/2010/main" val="5538721"/>
+        <p14:creationId xmlns:p14="http://schemas.microsoft.com/office/powerpoint/2010/main" val="2386918127"/>
       </p:ext>
     </p:extLst>
   </p:cSld>
@@ -16203,7 +16205,7 @@
           <a:p>
             <a:fld id="{C56969A0-B3EA-45A4-A390-44554200A62E}" type="slidenum">
               <a:rPr lang="en-US" smtClean="0"/>
-              <a:t>82</a:t>
+              <a:t>76</a:t>
             </a:fld>
             <a:endParaRPr lang="en-US"/>
           </a:p>
@@ -16212,7 +16214,7 @@
     </p:spTree>
     <p:extLst>
       <p:ext uri="{BB962C8B-B14F-4D97-AF65-F5344CB8AC3E}">
-        <p14:creationId xmlns:p14="http://schemas.microsoft.com/office/powerpoint/2010/main" val="1965811128"/>
+        <p14:creationId xmlns:p14="http://schemas.microsoft.com/office/powerpoint/2010/main" val="5538721"/>
       </p:ext>
     </p:extLst>
   </p:cSld>
@@ -16266,18 +16268,6 @@
           <a:bodyPr/>
           <a:lstStyle/>
           <a:p>
-            <a:r>
-              <a:rPr lang="en-US" dirty="0"/>
-              <a:t>This</a:t>
-            </a:r>
-            <a:r>
-              <a:rPr lang="en-US" baseline="0" dirty="0"/>
-              <a:t> unit is mostly done either on practice it or the board. Feel free to edit </a:t>
-            </a:r>
-            <a:r>
-              <a:rPr lang="en-US" baseline="0"/>
-              <a:t>this slide deck as you see fit!</a:t>
-            </a:r>
             <a:endParaRPr lang="en-US" dirty="0"/>
           </a:p>
         </p:txBody>
@@ -16308,7 +16298,7 @@
     </p:spTree>
     <p:extLst>
       <p:ext uri="{BB962C8B-B14F-4D97-AF65-F5344CB8AC3E}">
-        <p14:creationId xmlns:p14="http://schemas.microsoft.com/office/powerpoint/2010/main" val="2831798267"/>
+        <p14:creationId xmlns:p14="http://schemas.microsoft.com/office/powerpoint/2010/main" val="1965811128"/>
       </p:ext>
     </p:extLst>
   </p:cSld>
@@ -16362,6 +16352,18 @@
           <a:bodyPr/>
           <a:lstStyle/>
           <a:p>
+            <a:r>
+              <a:rPr lang="en-US" dirty="0"/>
+              <a:t>This</a:t>
+            </a:r>
+            <a:r>
+              <a:rPr lang="en-US" baseline="0" dirty="0"/>
+              <a:t> unit is mostly done either on practice it or the board. Feel free to edit </a:t>
+            </a:r>
+            <a:r>
+              <a:rPr lang="en-US" baseline="0"/>
+              <a:t>this slide deck as you see fit!</a:t>
+            </a:r>
             <a:endParaRPr lang="en-US" dirty="0"/>
           </a:p>
         </p:txBody>
@@ -16383,7 +16385,91 @@
           <a:p>
             <a:fld id="{C56969A0-B3EA-45A4-A390-44554200A62E}" type="slidenum">
               <a:rPr lang="en-US" smtClean="0"/>
-              <a:t>88</a:t>
+              <a:t>86</a:t>
+            </a:fld>
+            <a:endParaRPr lang="en-US"/>
+          </a:p>
+        </p:txBody>
+      </p:sp>
+    </p:spTree>
+    <p:extLst>
+      <p:ext uri="{BB962C8B-B14F-4D97-AF65-F5344CB8AC3E}">
+        <p14:creationId xmlns:p14="http://schemas.microsoft.com/office/powerpoint/2010/main" val="2831798267"/>
+      </p:ext>
+    </p:extLst>
+  </p:cSld>
+  <p:clrMapOvr>
+    <a:masterClrMapping/>
+  </p:clrMapOvr>
+</p:notes>
+</file>
+
+<file path=ppt/notesSlides/notesSlide14.xml><?xml version="1.0" encoding="utf-8"?>
+<p:notes xmlns:a="http://schemas.openxmlformats.org/drawingml/2006/main" xmlns:r="http://schemas.openxmlformats.org/officeDocument/2006/relationships" xmlns:p="http://schemas.openxmlformats.org/presentationml/2006/main">
+  <p:cSld>
+    <p:spTree>
+      <p:nvGrpSpPr>
+        <p:cNvPr id="1" name=""/>
+        <p:cNvGrpSpPr/>
+        <p:nvPr/>
+      </p:nvGrpSpPr>
+      <p:grpSpPr>
+        <a:xfrm>
+          <a:off x="0" y="0"/>
+          <a:ext cx="0" cy="0"/>
+          <a:chOff x="0" y="0"/>
+          <a:chExt cx="0" cy="0"/>
+        </a:xfrm>
+      </p:grpSpPr>
+      <p:sp>
+        <p:nvSpPr>
+          <p:cNvPr id="2" name="Slide Image Placeholder 1"/>
+          <p:cNvSpPr>
+            <a:spLocks noGrp="1" noRot="1" noChangeAspect="1"/>
+          </p:cNvSpPr>
+          <p:nvPr>
+            <p:ph type="sldImg"/>
+          </p:nvPr>
+        </p:nvSpPr>
+        <p:spPr/>
+      </p:sp>
+      <p:sp>
+        <p:nvSpPr>
+          <p:cNvPr id="3" name="Notes Placeholder 2"/>
+          <p:cNvSpPr>
+            <a:spLocks noGrp="1"/>
+          </p:cNvSpPr>
+          <p:nvPr>
+            <p:ph type="body" idx="1"/>
+          </p:nvPr>
+        </p:nvSpPr>
+        <p:spPr/>
+        <p:txBody>
+          <a:bodyPr/>
+          <a:lstStyle/>
+          <a:p>
+            <a:endParaRPr lang="en-US" dirty="0"/>
+          </a:p>
+        </p:txBody>
+      </p:sp>
+      <p:sp>
+        <p:nvSpPr>
+          <p:cNvPr id="4" name="Slide Number Placeholder 3"/>
+          <p:cNvSpPr>
+            <a:spLocks noGrp="1"/>
+          </p:cNvSpPr>
+          <p:nvPr>
+            <p:ph type="sldNum" sz="quarter" idx="10"/>
+          </p:nvPr>
+        </p:nvSpPr>
+        <p:spPr/>
+        <p:txBody>
+          <a:bodyPr/>
+          <a:lstStyle/>
+          <a:p>
+            <a:fld id="{C56969A0-B3EA-45A4-A390-44554200A62E}" type="slidenum">
+              <a:rPr lang="en-US" smtClean="0"/>
+              <a:t>90</a:t>
             </a:fld>
             <a:endParaRPr lang="en-US"/>
           </a:p>
@@ -16635,7 +16721,7 @@
           <a:p>
             <a:fld id="{C56969A0-B3EA-45A4-A390-44554200A62E}" type="slidenum">
               <a:rPr lang="en-US" smtClean="0"/>
-              <a:t>42</a:t>
+              <a:t>43</a:t>
             </a:fld>
             <a:endParaRPr lang="en-US"/>
           </a:p>
@@ -16738,7 +16824,7 @@
           <a:p>
             <a:fld id="{C56969A0-B3EA-45A4-A390-44554200A62E}" type="slidenum">
               <a:rPr lang="en-US" smtClean="0"/>
-              <a:t>48</a:t>
+              <a:t>49</a:t>
             </a:fld>
             <a:endParaRPr lang="en-US"/>
           </a:p>
@@ -16801,7 +16887,26 @@
           <a:bodyPr/>
           <a:lstStyle/>
           <a:p>
-            <a:endParaRPr lang="en-US" dirty="0"/>
+            <a:r>
+              <a:rPr lang="en-US" dirty="0"/>
+              <a:t>A good place to touch on </a:t>
+            </a:r>
+            <a:r>
+              <a:rPr lang="en-US" dirty="0" err="1"/>
+              <a:t>boolean</a:t>
+            </a:r>
+            <a:r>
+              <a:rPr lang="en-US" dirty="0"/>
+              <a:t> </a:t>
+            </a:r>
+            <a:r>
+              <a:rPr lang="en-US" dirty="0" err="1"/>
+              <a:t>zen</a:t>
+            </a:r>
+            <a:r>
+              <a:rPr lang="en-US" dirty="0"/>
+              <a:t>.</a:t>
+            </a:r>
           </a:p>
         </p:txBody>
       </p:sp>
@@ -16822,7 +16927,7 @@
           <a:p>
             <a:fld id="{C56969A0-B3EA-45A4-A390-44554200A62E}" type="slidenum">
               <a:rPr lang="en-US" smtClean="0"/>
-              <a:t>52</a:t>
+              <a:t>50</a:t>
             </a:fld>
             <a:endParaRPr lang="en-US"/>
           </a:p>
@@ -16831,7 +16936,7 @@
     </p:spTree>
     <p:extLst>
       <p:ext uri="{BB962C8B-B14F-4D97-AF65-F5344CB8AC3E}">
-        <p14:creationId xmlns:p14="http://schemas.microsoft.com/office/powerpoint/2010/main" val="220854644"/>
+        <p14:creationId xmlns:p14="http://schemas.microsoft.com/office/powerpoint/2010/main" val="2946527559"/>
       </p:ext>
     </p:extLst>
   </p:cSld>
@@ -16885,10 +16990,7 @@
           <a:bodyPr/>
           <a:lstStyle/>
           <a:p>
-            <a:r>
-              <a:rPr lang="en-US" dirty="0"/>
-              <a:t>Polymorphism is a difficult topic to understand, it’s worthwhile to spend extra time here with your students.</a:t>
-            </a:r>
+            <a:endParaRPr lang="en-US" dirty="0"/>
           </a:p>
         </p:txBody>
       </p:sp>
@@ -16909,7 +17011,7 @@
           <a:p>
             <a:fld id="{C56969A0-B3EA-45A4-A390-44554200A62E}" type="slidenum">
               <a:rPr lang="en-US" smtClean="0"/>
-              <a:t>57</a:t>
+              <a:t>54</a:t>
             </a:fld>
             <a:endParaRPr lang="en-US"/>
           </a:p>
@@ -16918,7 +17020,7 @@
     </p:spTree>
     <p:extLst>
       <p:ext uri="{BB962C8B-B14F-4D97-AF65-F5344CB8AC3E}">
-        <p14:creationId xmlns:p14="http://schemas.microsoft.com/office/powerpoint/2010/main" val="266274592"/>
+        <p14:creationId xmlns:p14="http://schemas.microsoft.com/office/powerpoint/2010/main" val="220854644"/>
       </p:ext>
     </p:extLst>
   </p:cSld>
@@ -16972,7 +17074,10 @@
           <a:bodyPr/>
           <a:lstStyle/>
           <a:p>
-            <a:endParaRPr lang="en-US" dirty="0"/>
+            <a:r>
+              <a:rPr lang="en-US" dirty="0"/>
+              <a:t>Polymorphism is a difficult topic to understand, it’s worthwhile to spend extra time here with your students.</a:t>
+            </a:r>
           </a:p>
         </p:txBody>
       </p:sp>
@@ -16993,7 +17098,7 @@
           <a:p>
             <a:fld id="{C56969A0-B3EA-45A4-A390-44554200A62E}" type="slidenum">
               <a:rPr lang="en-US" smtClean="0"/>
-              <a:t>63</a:t>
+              <a:t>59</a:t>
             </a:fld>
             <a:endParaRPr lang="en-US"/>
           </a:p>
@@ -17002,7 +17107,7 @@
     </p:spTree>
     <p:extLst>
       <p:ext uri="{BB962C8B-B14F-4D97-AF65-F5344CB8AC3E}">
-        <p14:creationId xmlns:p14="http://schemas.microsoft.com/office/powerpoint/2010/main" val="2422966477"/>
+        <p14:creationId xmlns:p14="http://schemas.microsoft.com/office/powerpoint/2010/main" val="266274592"/>
       </p:ext>
     </p:extLst>
   </p:cSld>
@@ -17077,7 +17182,7 @@
           <a:p>
             <a:fld id="{C56969A0-B3EA-45A4-A390-44554200A62E}" type="slidenum">
               <a:rPr lang="en-US" smtClean="0"/>
-              <a:t>66</a:t>
+              <a:t>65</a:t>
             </a:fld>
             <a:endParaRPr lang="en-US"/>
           </a:p>
@@ -17086,7 +17191,7 @@
     </p:spTree>
     <p:extLst>
       <p:ext uri="{BB962C8B-B14F-4D97-AF65-F5344CB8AC3E}">
-        <p14:creationId xmlns:p14="http://schemas.microsoft.com/office/powerpoint/2010/main" val="2386918127"/>
+        <p14:creationId xmlns:p14="http://schemas.microsoft.com/office/powerpoint/2010/main" val="2422966477"/>
       </p:ext>
     </p:extLst>
   </p:cSld>
@@ -17225,7 +17330,7 @@
           <a:p>
             <a:fld id="{5D2A64DF-0753-4272-8809-7B17C6953B30}" type="datetimeFigureOut">
               <a:rPr lang="en-US" smtClean="0"/>
-              <a:t>11/14/2016</a:t>
+              <a:t>11/11/2019</a:t>
             </a:fld>
             <a:endParaRPr lang="en-US"/>
           </a:p>
@@ -17393,7 +17498,7 @@
           <a:p>
             <a:fld id="{5D2A64DF-0753-4272-8809-7B17C6953B30}" type="datetimeFigureOut">
               <a:rPr lang="en-US" smtClean="0"/>
-              <a:t>11/14/2016</a:t>
+              <a:t>11/11/2019</a:t>
             </a:fld>
             <a:endParaRPr lang="en-US"/>
           </a:p>
@@ -17571,7 +17676,7 @@
           <a:p>
             <a:fld id="{5D2A64DF-0753-4272-8809-7B17C6953B30}" type="datetimeFigureOut">
               <a:rPr lang="en-US" smtClean="0"/>
-              <a:t>11/14/2016</a:t>
+              <a:t>11/11/2019</a:t>
             </a:fld>
             <a:endParaRPr lang="en-US"/>
           </a:p>
@@ -17739,7 +17844,7 @@
           <a:p>
             <a:fld id="{5D2A64DF-0753-4272-8809-7B17C6953B30}" type="datetimeFigureOut">
               <a:rPr lang="en-US" smtClean="0"/>
-              <a:t>11/14/2016</a:t>
+              <a:t>11/11/2019</a:t>
             </a:fld>
             <a:endParaRPr lang="en-US"/>
           </a:p>
@@ -17984,7 +18089,7 @@
           <a:p>
             <a:fld id="{5D2A64DF-0753-4272-8809-7B17C6953B30}" type="datetimeFigureOut">
               <a:rPr lang="en-US" smtClean="0"/>
-              <a:t>11/14/2016</a:t>
+              <a:t>11/11/2019</a:t>
             </a:fld>
             <a:endParaRPr lang="en-US"/>
           </a:p>
@@ -18213,7 +18318,7 @@
           <a:p>
             <a:fld id="{5D2A64DF-0753-4272-8809-7B17C6953B30}" type="datetimeFigureOut">
               <a:rPr lang="en-US" smtClean="0"/>
-              <a:t>11/14/2016</a:t>
+              <a:t>11/11/2019</a:t>
             </a:fld>
             <a:endParaRPr lang="en-US"/>
           </a:p>
@@ -18577,7 +18682,7 @@
           <a:p>
             <a:fld id="{5D2A64DF-0753-4272-8809-7B17C6953B30}" type="datetimeFigureOut">
               <a:rPr lang="en-US" smtClean="0"/>
-              <a:t>11/14/2016</a:t>
+              <a:t>11/11/2019</a:t>
             </a:fld>
             <a:endParaRPr lang="en-US"/>
           </a:p>
@@ -18694,7 +18799,7 @@
           <a:p>
             <a:fld id="{5D2A64DF-0753-4272-8809-7B17C6953B30}" type="datetimeFigureOut">
               <a:rPr lang="en-US" smtClean="0"/>
-              <a:t>11/14/2016</a:t>
+              <a:t>11/11/2019</a:t>
             </a:fld>
             <a:endParaRPr lang="en-US"/>
           </a:p>
@@ -18789,7 +18894,7 @@
           <a:p>
             <a:fld id="{5D2A64DF-0753-4272-8809-7B17C6953B30}" type="datetimeFigureOut">
               <a:rPr lang="en-US" smtClean="0"/>
-              <a:t>11/14/2016</a:t>
+              <a:t>11/11/2019</a:t>
             </a:fld>
             <a:endParaRPr lang="en-US"/>
           </a:p>
@@ -19064,7 +19169,7 @@
           <a:p>
             <a:fld id="{5D2A64DF-0753-4272-8809-7B17C6953B30}" type="datetimeFigureOut">
               <a:rPr lang="en-US" smtClean="0"/>
-              <a:t>11/14/2016</a:t>
+              <a:t>11/11/2019</a:t>
             </a:fld>
             <a:endParaRPr lang="en-US"/>
           </a:p>
@@ -19316,7 +19421,7 @@
           <a:p>
             <a:fld id="{5D2A64DF-0753-4272-8809-7B17C6953B30}" type="datetimeFigureOut">
               <a:rPr lang="en-US" smtClean="0"/>
-              <a:t>11/14/2016</a:t>
+              <a:t>11/11/2019</a:t>
             </a:fld>
             <a:endParaRPr lang="en-US"/>
           </a:p>
@@ -19527,7 +19632,7 @@
           <a:p>
             <a:fld id="{5D2A64DF-0753-4272-8809-7B17C6953B30}" type="datetimeFigureOut">
               <a:rPr lang="en-US" smtClean="0"/>
-              <a:t>11/14/2016</a:t>
+              <a:t>11/11/2019</a:t>
             </a:fld>
             <a:endParaRPr lang="en-US"/>
           </a:p>
@@ -23164,16 +23269,10 @@
           <a:lstStyle/>
           <a:p>
             <a:r>
-              <a:rPr lang="en-US" i="1" dirty="0">
-                <a:latin typeface="Courier New" panose="02070309020205020404" pitchFamily="49" charset="0"/>
-                <a:cs typeface="Courier New" panose="02070309020205020404" pitchFamily="49" charset="0"/>
-              </a:rPr>
-              <a:t>get</a:t>
-            </a:r>
-            <a:r>
-              <a:rPr lang="en-US" dirty="0"/>
-              <a:t> methods:</a:t>
-            </a:r>
+              <a:rPr lang="en-US"/>
+              <a:t>Override Requirements:</a:t>
+            </a:r>
+            <a:endParaRPr lang="en-US" dirty="0"/>
           </a:p>
         </p:txBody>
       </p:sp>
@@ -23198,48 +23297,11 @@
               <a:buNone/>
             </a:pPr>
             <a:r>
-              <a:rPr lang="en-US" sz="2400" dirty="0">
-                <a:latin typeface="Courier New" panose="02070309020205020404" pitchFamily="49" charset="0"/>
-                <a:cs typeface="Courier New" panose="02070309020205020404" pitchFamily="49" charset="0"/>
-              </a:rPr>
-              <a:t>public double </a:t>
-            </a:r>
-            <a:r>
-              <a:rPr lang="en-US" sz="2400" dirty="0" err="1">
-                <a:highlight>
-                  <a:srgbClr val="FFFF00"/>
-                </a:highlight>
-                <a:latin typeface="Courier New" panose="02070309020205020404" pitchFamily="49" charset="0"/>
-                <a:cs typeface="Courier New" panose="02070309020205020404" pitchFamily="49" charset="0"/>
-              </a:rPr>
-              <a:t>getName</a:t>
-            </a:r>
-            <a:r>
-              <a:rPr lang="en-US" sz="2400" dirty="0">
-                <a:highlight>
-                  <a:srgbClr val="FFFF00"/>
-                </a:highlight>
-                <a:latin typeface="Courier New" panose="02070309020205020404" pitchFamily="49" charset="0"/>
-                <a:cs typeface="Courier New" panose="02070309020205020404" pitchFamily="49" charset="0"/>
-              </a:rPr>
-              <a:t>() </a:t>
-            </a:r>
-            <a:r>
-              <a:rPr lang="en-US" sz="2400" dirty="0">
-                <a:latin typeface="Courier New" panose="02070309020205020404" pitchFamily="49" charset="0"/>
-                <a:cs typeface="Courier New" panose="02070309020205020404" pitchFamily="49" charset="0"/>
-              </a:rPr>
-              <a:t>{ 	</a:t>
-            </a:r>
-            <a:r>
-              <a:rPr lang="en-US" sz="2400" dirty="0">
-                <a:solidFill>
-                  <a:schemeClr val="accent6"/>
-                </a:solidFill>
-                <a:latin typeface="Courier New" panose="02070309020205020404" pitchFamily="49" charset="0"/>
-                <a:cs typeface="Courier New" panose="02070309020205020404" pitchFamily="49" charset="0"/>
-              </a:rPr>
-              <a:t>//written in superclass</a:t>
+              <a:rPr lang="en-US" dirty="0">
+                <a:latin typeface="Calibri" panose="020F0502020204030204" pitchFamily="34" charset="0"/>
+                <a:cs typeface="Calibri" panose="020F0502020204030204" pitchFamily="34" charset="0"/>
+              </a:rPr>
+              <a:t>To override an inherited method: </a:t>
             </a:r>
           </a:p>
           <a:p>
@@ -23247,109 +23309,59 @@
               <a:buNone/>
             </a:pPr>
             <a:r>
-              <a:rPr lang="en-US" sz="2400" dirty="0">
-                <a:latin typeface="Courier New" panose="02070309020205020404" pitchFamily="49" charset="0"/>
-                <a:cs typeface="Courier New" panose="02070309020205020404" pitchFamily="49" charset="0"/>
-              </a:rPr>
-              <a:t>	return name;</a:t>
+              <a:rPr lang="en-US" dirty="0">
+                <a:latin typeface="Calibri" panose="020F0502020204030204" pitchFamily="34" charset="0"/>
+                <a:cs typeface="Calibri" panose="020F0502020204030204" pitchFamily="34" charset="0"/>
+              </a:rPr>
+              <a:t>The method in the child class must have the same:</a:t>
+            </a:r>
+          </a:p>
+          <a:p>
+            <a:r>
+              <a:rPr lang="en-US" dirty="0">
+                <a:latin typeface="Calibri" panose="020F0502020204030204" pitchFamily="34" charset="0"/>
+                <a:cs typeface="Calibri" panose="020F0502020204030204" pitchFamily="34" charset="0"/>
+              </a:rPr>
+              <a:t>Name</a:t>
+            </a:r>
+          </a:p>
+          <a:p>
+            <a:r>
+              <a:rPr lang="en-US" dirty="0">
+                <a:latin typeface="Calibri" panose="020F0502020204030204" pitchFamily="34" charset="0"/>
+                <a:cs typeface="Calibri" panose="020F0502020204030204" pitchFamily="34" charset="0"/>
+              </a:rPr>
+              <a:t>Parameter list</a:t>
+            </a:r>
+          </a:p>
+          <a:p>
+            <a:r>
+              <a:rPr lang="en-US" dirty="0">
+                <a:latin typeface="Calibri" panose="020F0502020204030204" pitchFamily="34" charset="0"/>
+                <a:cs typeface="Calibri" panose="020F0502020204030204" pitchFamily="34" charset="0"/>
+              </a:rPr>
+              <a:t>Return type (or a subclass of the return type) as the parent method</a:t>
             </a:r>
           </a:p>
           <a:p>
             <a:pPr marL="0" indent="0">
               <a:buNone/>
             </a:pPr>
-            <a:r>
-              <a:rPr lang="en-US" sz="2400" dirty="0">
-                <a:latin typeface="Courier New" panose="02070309020205020404" pitchFamily="49" charset="0"/>
-                <a:cs typeface="Courier New" panose="02070309020205020404" pitchFamily="49" charset="0"/>
-              </a:rPr>
-              <a:t>}</a:t>
-            </a:r>
+            <a:endParaRPr lang="en-US" dirty="0">
+              <a:latin typeface="Calibri" panose="020F0502020204030204" pitchFamily="34" charset="0"/>
+              <a:cs typeface="Calibri" panose="020F0502020204030204" pitchFamily="34" charset="0"/>
+            </a:endParaRPr>
           </a:p>
           <a:p>
             <a:pPr marL="0" indent="0">
               <a:buNone/>
             </a:pPr>
-            <a:endParaRPr lang="en-US" sz="2400" dirty="0">
-              <a:latin typeface="Courier New" panose="02070309020205020404" pitchFamily="49" charset="0"/>
-              <a:cs typeface="Courier New" panose="02070309020205020404" pitchFamily="49" charset="0"/>
-            </a:endParaRPr>
-          </a:p>
-          <a:p>
-            <a:pPr marL="0" indent="0">
-              <a:buNone/>
-            </a:pPr>
-            <a:r>
-              <a:rPr lang="en-US" sz="2400" dirty="0">
-                <a:latin typeface="Courier New" panose="02070309020205020404" pitchFamily="49" charset="0"/>
-                <a:cs typeface="Courier New" panose="02070309020205020404" pitchFamily="49" charset="0"/>
-              </a:rPr>
-              <a:t>public void advertising() {</a:t>
-            </a:r>
-          </a:p>
-          <a:p>
-            <a:pPr marL="0" indent="0">
-              <a:buNone/>
-            </a:pPr>
-            <a:r>
-              <a:rPr lang="en-US" sz="2400" dirty="0">
-                <a:latin typeface="Courier New" panose="02070309020205020404" pitchFamily="49" charset="0"/>
-                <a:cs typeface="Courier New" panose="02070309020205020404" pitchFamily="49" charset="0"/>
-              </a:rPr>
-              <a:t>	</a:t>
-            </a:r>
-            <a:r>
-              <a:rPr lang="en-US" sz="2400" dirty="0" err="1">
-                <a:latin typeface="Courier New" panose="02070309020205020404" pitchFamily="49" charset="0"/>
-                <a:cs typeface="Courier New" panose="02070309020205020404" pitchFamily="49" charset="0"/>
-              </a:rPr>
-              <a:t>System.out.println</a:t>
-            </a:r>
-            <a:r>
-              <a:rPr lang="en-US" sz="2400" dirty="0">
-                <a:latin typeface="Courier New" panose="02070309020205020404" pitchFamily="49" charset="0"/>
-                <a:cs typeface="Courier New" panose="02070309020205020404" pitchFamily="49" charset="0"/>
-              </a:rPr>
-              <a:t>(“Avoid the extra calories by 	drinking delicious “ + </a:t>
-            </a:r>
-            <a:r>
-              <a:rPr lang="en-US" sz="2400" dirty="0" err="1">
-                <a:highlight>
-                  <a:srgbClr val="FFFF00"/>
-                </a:highlight>
-                <a:latin typeface="Courier New" panose="02070309020205020404" pitchFamily="49" charset="0"/>
-                <a:cs typeface="Courier New" panose="02070309020205020404" pitchFamily="49" charset="0"/>
-              </a:rPr>
-              <a:t>getName</a:t>
-            </a:r>
-            <a:r>
-              <a:rPr lang="en-US" sz="2400" dirty="0">
-                <a:highlight>
-                  <a:srgbClr val="FFFF00"/>
-                </a:highlight>
-                <a:latin typeface="Courier New" panose="02070309020205020404" pitchFamily="49" charset="0"/>
-                <a:cs typeface="Courier New" panose="02070309020205020404" pitchFamily="49" charset="0"/>
-              </a:rPr>
-              <a:t>()</a:t>
-            </a:r>
-            <a:r>
-              <a:rPr lang="en-US" sz="2400" dirty="0">
-                <a:latin typeface="Courier New" panose="02070309020205020404" pitchFamily="49" charset="0"/>
-                <a:cs typeface="Courier New" panose="02070309020205020404" pitchFamily="49" charset="0"/>
-              </a:rPr>
-              <a:t> + “every day!!”);</a:t>
-            </a:r>
-          </a:p>
-          <a:p>
-            <a:pPr marL="0" indent="0">
-              <a:buNone/>
-            </a:pPr>
-            <a:r>
-              <a:rPr lang="en-US" sz="2400" dirty="0">
-                <a:latin typeface="Courier New" panose="02070309020205020404" pitchFamily="49" charset="0"/>
-                <a:cs typeface="Courier New" panose="02070309020205020404" pitchFamily="49" charset="0"/>
-              </a:rPr>
-              <a:t>}</a:t>
+            <a:r>
+              <a:rPr lang="en-US" dirty="0">
+                <a:latin typeface="Calibri" panose="020F0502020204030204" pitchFamily="34" charset="0"/>
+                <a:cs typeface="Calibri" panose="020F0502020204030204" pitchFamily="34" charset="0"/>
+              </a:rPr>
+              <a:t>Any method that is called must be defined within its own class or its superclass</a:t>
             </a:r>
           </a:p>
         </p:txBody>
@@ -23391,24 +23403,201 @@
             <a:spLocks noGrp="1"/>
           </p:cNvSpPr>
           <p:nvPr>
-            <p:ph type="ctrTitle"/>
+            <p:ph type="title"/>
           </p:nvPr>
         </p:nvSpPr>
-        <p:spPr>
-          <a:xfrm>
-            <a:off x="1524000" y="1214438"/>
-            <a:ext cx="9144000" cy="2387600"/>
-          </a:xfrm>
-        </p:spPr>
+        <p:spPr/>
+        <p:txBody>
+          <a:bodyPr/>
+          <a:lstStyle/>
+          <a:p>
+            <a:r>
+              <a:rPr lang="en-US" i="1" dirty="0">
+                <a:latin typeface="Courier New" panose="02070309020205020404" pitchFamily="49" charset="0"/>
+                <a:cs typeface="Courier New" panose="02070309020205020404" pitchFamily="49" charset="0"/>
+              </a:rPr>
+              <a:t>get</a:t>
+            </a:r>
+            <a:r>
+              <a:rPr lang="en-US" dirty="0"/>
+              <a:t> methods:</a:t>
+            </a:r>
+          </a:p>
+        </p:txBody>
+      </p:sp>
+      <p:sp>
+        <p:nvSpPr>
+          <p:cNvPr id="3" name="Content Placeholder 2"/>
+          <p:cNvSpPr>
+            <a:spLocks noGrp="1"/>
+          </p:cNvSpPr>
+          <p:nvPr>
+            <p:ph idx="1"/>
+          </p:nvPr>
+        </p:nvSpPr>
+        <p:spPr/>
         <p:txBody>
           <a:bodyPr>
             <a:normAutofit/>
           </a:bodyPr>
           <a:lstStyle/>
           <a:p>
-            <a:r>
-              <a:rPr lang="en-US" sz="4800" dirty="0"/>
-              <a:t>Overloading vs Overriding</a:t>
+            <a:pPr marL="0" indent="0">
+              <a:buNone/>
+            </a:pPr>
+            <a:r>
+              <a:rPr lang="en-US" sz="2400" dirty="0">
+                <a:latin typeface="Courier New" panose="02070309020205020404" pitchFamily="49" charset="0"/>
+                <a:cs typeface="Courier New" panose="02070309020205020404" pitchFamily="49" charset="0"/>
+              </a:rPr>
+              <a:t>public double </a:t>
+            </a:r>
+            <a:r>
+              <a:rPr lang="en-US" sz="2400" dirty="0" err="1">
+                <a:highlight>
+                  <a:srgbClr val="FFFF00"/>
+                </a:highlight>
+                <a:latin typeface="Courier New" panose="02070309020205020404" pitchFamily="49" charset="0"/>
+                <a:cs typeface="Courier New" panose="02070309020205020404" pitchFamily="49" charset="0"/>
+              </a:rPr>
+              <a:t>getName</a:t>
+            </a:r>
+            <a:r>
+              <a:rPr lang="en-US" sz="2400" dirty="0">
+                <a:highlight>
+                  <a:srgbClr val="FFFF00"/>
+                </a:highlight>
+                <a:latin typeface="Courier New" panose="02070309020205020404" pitchFamily="49" charset="0"/>
+                <a:cs typeface="Courier New" panose="02070309020205020404" pitchFamily="49" charset="0"/>
+              </a:rPr>
+              <a:t>() </a:t>
+            </a:r>
+            <a:r>
+              <a:rPr lang="en-US" sz="2400" dirty="0">
+                <a:latin typeface="Courier New" panose="02070309020205020404" pitchFamily="49" charset="0"/>
+                <a:cs typeface="Courier New" panose="02070309020205020404" pitchFamily="49" charset="0"/>
+              </a:rPr>
+              <a:t>{ 	</a:t>
+            </a:r>
+            <a:r>
+              <a:rPr lang="en-US" sz="2400" dirty="0">
+                <a:solidFill>
+                  <a:schemeClr val="accent6"/>
+                </a:solidFill>
+                <a:latin typeface="Courier New" panose="02070309020205020404" pitchFamily="49" charset="0"/>
+                <a:cs typeface="Courier New" panose="02070309020205020404" pitchFamily="49" charset="0"/>
+              </a:rPr>
+              <a:t>//written in superclass</a:t>
+            </a:r>
+          </a:p>
+          <a:p>
+            <a:pPr marL="0" indent="0">
+              <a:buNone/>
+            </a:pPr>
+            <a:r>
+              <a:rPr lang="en-US" sz="2400" dirty="0">
+                <a:latin typeface="Courier New" panose="02070309020205020404" pitchFamily="49" charset="0"/>
+                <a:cs typeface="Courier New" panose="02070309020205020404" pitchFamily="49" charset="0"/>
+              </a:rPr>
+              <a:t>	return name;</a:t>
+            </a:r>
+          </a:p>
+          <a:p>
+            <a:pPr marL="0" indent="0">
+              <a:buNone/>
+            </a:pPr>
+            <a:r>
+              <a:rPr lang="en-US" sz="2400" dirty="0">
+                <a:latin typeface="Courier New" panose="02070309020205020404" pitchFamily="49" charset="0"/>
+                <a:cs typeface="Courier New" panose="02070309020205020404" pitchFamily="49" charset="0"/>
+              </a:rPr>
+              <a:t>}</a:t>
+            </a:r>
+          </a:p>
+          <a:p>
+            <a:pPr marL="0" indent="0">
+              <a:buNone/>
+            </a:pPr>
+            <a:endParaRPr lang="en-US" sz="2400" dirty="0">
+              <a:latin typeface="Courier New" panose="02070309020205020404" pitchFamily="49" charset="0"/>
+              <a:cs typeface="Courier New" panose="02070309020205020404" pitchFamily="49" charset="0"/>
+            </a:endParaRPr>
+          </a:p>
+          <a:p>
+            <a:pPr marL="0" indent="0">
+              <a:buNone/>
+            </a:pPr>
+            <a:r>
+              <a:rPr lang="en-US" sz="2400" dirty="0">
+                <a:latin typeface="Courier New" panose="02070309020205020404" pitchFamily="49" charset="0"/>
+                <a:cs typeface="Courier New" panose="02070309020205020404" pitchFamily="49" charset="0"/>
+              </a:rPr>
+              <a:t>public void advertising() {</a:t>
+            </a:r>
+          </a:p>
+          <a:p>
+            <a:pPr marL="0" indent="0">
+              <a:buNone/>
+            </a:pPr>
+            <a:r>
+              <a:rPr lang="en-US" sz="2400" dirty="0">
+                <a:latin typeface="Courier New" panose="02070309020205020404" pitchFamily="49" charset="0"/>
+                <a:cs typeface="Courier New" panose="02070309020205020404" pitchFamily="49" charset="0"/>
+              </a:rPr>
+              <a:t>	</a:t>
+            </a:r>
+            <a:r>
+              <a:rPr lang="en-US" sz="2400" dirty="0" err="1">
+                <a:latin typeface="Courier New" panose="02070309020205020404" pitchFamily="49" charset="0"/>
+                <a:cs typeface="Courier New" panose="02070309020205020404" pitchFamily="49" charset="0"/>
+              </a:rPr>
+              <a:t>System.out.println</a:t>
+            </a:r>
+            <a:r>
+              <a:rPr lang="en-US" sz="2400" dirty="0">
+                <a:latin typeface="Courier New" panose="02070309020205020404" pitchFamily="49" charset="0"/>
+                <a:cs typeface="Courier New" panose="02070309020205020404" pitchFamily="49" charset="0"/>
+              </a:rPr>
+              <a:t>(“Avoid the extra calories by 	drinking delicious “ + </a:t>
+            </a:r>
+            <a:r>
+              <a:rPr lang="en-US" sz="2400" dirty="0" err="1">
+                <a:highlight>
+                  <a:srgbClr val="FFFF00"/>
+                </a:highlight>
+                <a:latin typeface="Courier New" panose="02070309020205020404" pitchFamily="49" charset="0"/>
+                <a:cs typeface="Courier New" panose="02070309020205020404" pitchFamily="49" charset="0"/>
+              </a:rPr>
+              <a:t>getName</a:t>
+            </a:r>
+            <a:r>
+              <a:rPr lang="en-US" sz="2400" dirty="0">
+                <a:highlight>
+                  <a:srgbClr val="FFFF00"/>
+                </a:highlight>
+                <a:latin typeface="Courier New" panose="02070309020205020404" pitchFamily="49" charset="0"/>
+                <a:cs typeface="Courier New" panose="02070309020205020404" pitchFamily="49" charset="0"/>
+              </a:rPr>
+              <a:t>()</a:t>
+            </a:r>
+            <a:r>
+              <a:rPr lang="en-US" sz="2400" dirty="0">
+                <a:latin typeface="Courier New" panose="02070309020205020404" pitchFamily="49" charset="0"/>
+                <a:cs typeface="Courier New" panose="02070309020205020404" pitchFamily="49" charset="0"/>
+              </a:rPr>
+              <a:t> + “every day!!”);</a:t>
+            </a:r>
+          </a:p>
+          <a:p>
+            <a:pPr marL="0" indent="0">
+              <a:buNone/>
+            </a:pPr>
+            <a:r>
+              <a:rPr lang="en-US" sz="2400" dirty="0">
+                <a:latin typeface="Courier New" panose="02070309020205020404" pitchFamily="49" charset="0"/>
+                <a:cs typeface="Courier New" panose="02070309020205020404" pitchFamily="49" charset="0"/>
+              </a:rPr>
+              <a:t>}</a:t>
             </a:r>
           </a:p>
         </p:txBody>
@@ -23416,7 +23605,7 @@
     </p:spTree>
     <p:extLst>
       <p:ext uri="{BB962C8B-B14F-4D97-AF65-F5344CB8AC3E}">
-        <p14:creationId xmlns:p14="http://schemas.microsoft.com/office/powerpoint/2010/main" val="3542029998"/>
+        <p14:creationId xmlns:p14="http://schemas.microsoft.com/office/powerpoint/2010/main" val="627024430"/>
       </p:ext>
     </p:extLst>
   </p:cSld>
@@ -23504,13 +23693,13 @@
             <a:spLocks noGrp="1"/>
           </p:cNvSpPr>
           <p:nvPr>
-            <p:ph type="title"/>
+            <p:ph type="ctrTitle"/>
           </p:nvPr>
         </p:nvSpPr>
         <p:spPr>
           <a:xfrm>
-            <a:off x="838200" y="2729006"/>
-            <a:ext cx="10515600" cy="1157288"/>
+            <a:off x="1524000" y="1214438"/>
+            <a:ext cx="9144000" cy="2387600"/>
           </a:xfrm>
         </p:spPr>
         <p:txBody>
@@ -23519,10 +23708,9 @@
           </a:bodyPr>
           <a:lstStyle/>
           <a:p>
-            <a:pPr algn="ctr"/>
             <a:r>
               <a:rPr lang="en-US" sz="4800" dirty="0"/>
-              <a:t>Worksheet</a:t>
+              <a:t>Overloading vs Overriding</a:t>
             </a:r>
           </a:p>
         </p:txBody>
@@ -23530,7 +23718,7 @@
     </p:spTree>
     <p:extLst>
       <p:ext uri="{BB962C8B-B14F-4D97-AF65-F5344CB8AC3E}">
-        <p14:creationId xmlns:p14="http://schemas.microsoft.com/office/powerpoint/2010/main" val="3816643877"/>
+        <p14:creationId xmlns:p14="http://schemas.microsoft.com/office/powerpoint/2010/main" val="3542029998"/>
       </p:ext>
     </p:extLst>
   </p:cSld>
@@ -23567,6 +23755,66 @@
             <p:ph type="title"/>
           </p:nvPr>
         </p:nvSpPr>
+        <p:spPr>
+          <a:xfrm>
+            <a:off x="838200" y="2729006"/>
+            <a:ext cx="10515600" cy="1157288"/>
+          </a:xfrm>
+        </p:spPr>
+        <p:txBody>
+          <a:bodyPr>
+            <a:normAutofit/>
+          </a:bodyPr>
+          <a:lstStyle/>
+          <a:p>
+            <a:pPr algn="ctr"/>
+            <a:r>
+              <a:rPr lang="en-US" sz="4800" dirty="0"/>
+              <a:t>Worksheet</a:t>
+            </a:r>
+          </a:p>
+        </p:txBody>
+      </p:sp>
+    </p:spTree>
+    <p:extLst>
+      <p:ext uri="{BB962C8B-B14F-4D97-AF65-F5344CB8AC3E}">
+        <p14:creationId xmlns:p14="http://schemas.microsoft.com/office/powerpoint/2010/main" val="3816643877"/>
+      </p:ext>
+    </p:extLst>
+  </p:cSld>
+  <p:clrMapOvr>
+    <a:masterClrMapping/>
+  </p:clrMapOvr>
+</p:sld>
+</file>
+
+<file path=ppt/slides/slide42.xml><?xml version="1.0" encoding="utf-8"?>
+<p:sld xmlns:a="http://schemas.openxmlformats.org/drawingml/2006/main" xmlns:r="http://schemas.openxmlformats.org/officeDocument/2006/relationships" xmlns:p="http://schemas.openxmlformats.org/presentationml/2006/main">
+  <p:cSld>
+    <p:spTree>
+      <p:nvGrpSpPr>
+        <p:cNvPr id="1" name=""/>
+        <p:cNvGrpSpPr/>
+        <p:nvPr/>
+      </p:nvGrpSpPr>
+      <p:grpSpPr>
+        <a:xfrm>
+          <a:off x="0" y="0"/>
+          <a:ext cx="0" cy="0"/>
+          <a:chOff x="0" y="0"/>
+          <a:chExt cx="0" cy="0"/>
+        </a:xfrm>
+      </p:grpSpPr>
+      <p:sp>
+        <p:nvSpPr>
+          <p:cNvPr id="2" name="Title 1"/>
+          <p:cNvSpPr>
+            <a:spLocks noGrp="1"/>
+          </p:cNvSpPr>
+          <p:nvPr>
+            <p:ph type="title"/>
+          </p:nvPr>
+        </p:nvSpPr>
         <p:spPr/>
         <p:txBody>
           <a:bodyPr>
@@ -23625,7 +23873,7 @@
 </p:sld>
 </file>
 
-<file path=ppt/slides/slide42.xml><?xml version="1.0" encoding="utf-8"?>
+<file path=ppt/slides/slide43.xml><?xml version="1.0" encoding="utf-8"?>
 <p:sld xmlns:a="http://schemas.openxmlformats.org/drawingml/2006/main" xmlns:r="http://schemas.openxmlformats.org/officeDocument/2006/relationships" xmlns:p="http://schemas.openxmlformats.org/presentationml/2006/main">
   <p:cSld>
     <p:spTree>
@@ -23707,174 +23955,6 @@
     <p:extLst>
       <p:ext uri="{BB962C8B-B14F-4D97-AF65-F5344CB8AC3E}">
         <p14:creationId xmlns:p14="http://schemas.microsoft.com/office/powerpoint/2010/main" val="4073253706"/>
-      </p:ext>
-    </p:extLst>
-  </p:cSld>
-  <p:clrMapOvr>
-    <a:masterClrMapping/>
-  </p:clrMapOvr>
-</p:sld>
-</file>
-
-<file path=ppt/slides/slide43.xml><?xml version="1.0" encoding="utf-8"?>
-<p:sld xmlns:a="http://schemas.openxmlformats.org/drawingml/2006/main" xmlns:r="http://schemas.openxmlformats.org/officeDocument/2006/relationships" xmlns:p="http://schemas.openxmlformats.org/presentationml/2006/main">
-  <p:cSld>
-    <p:spTree>
-      <p:nvGrpSpPr>
-        <p:cNvPr id="1" name=""/>
-        <p:cNvGrpSpPr/>
-        <p:nvPr/>
-      </p:nvGrpSpPr>
-      <p:grpSpPr>
-        <a:xfrm>
-          <a:off x="0" y="0"/>
-          <a:ext cx="0" cy="0"/>
-          <a:chOff x="0" y="0"/>
-          <a:chExt cx="0" cy="0"/>
-        </a:xfrm>
-      </p:grpSpPr>
-      <p:sp>
-        <p:nvSpPr>
-          <p:cNvPr id="2" name="Title 1"/>
-          <p:cNvSpPr>
-            <a:spLocks noGrp="1"/>
-          </p:cNvSpPr>
-          <p:nvPr>
-            <p:ph type="title"/>
-          </p:nvPr>
-        </p:nvSpPr>
-        <p:spPr/>
-        <p:txBody>
-          <a:bodyPr/>
-          <a:lstStyle/>
-          <a:p>
-            <a:r>
-              <a:rPr lang="en-US" dirty="0"/>
-              <a:t>The </a:t>
-            </a:r>
-            <a:r>
-              <a:rPr lang="en-US" dirty="0">
-                <a:latin typeface="Courier New" panose="02070309020205020404" pitchFamily="49" charset="0"/>
-                <a:cs typeface="Courier New" panose="02070309020205020404" pitchFamily="49" charset="0"/>
-              </a:rPr>
-              <a:t>Object</a:t>
-            </a:r>
-            <a:r>
-              <a:rPr lang="en-US" dirty="0">
-                <a:cs typeface="Courier New" panose="02070309020205020404" pitchFamily="49" charset="0"/>
-              </a:rPr>
-              <a:t> Superclass</a:t>
-            </a:r>
-            <a:endParaRPr lang="en-US" dirty="0"/>
-          </a:p>
-        </p:txBody>
-      </p:sp>
-      <p:sp>
-        <p:nvSpPr>
-          <p:cNvPr id="3" name="Content Placeholder 2"/>
-          <p:cNvSpPr>
-            <a:spLocks noGrp="1"/>
-          </p:cNvSpPr>
-          <p:nvPr>
-            <p:ph idx="1"/>
-          </p:nvPr>
-        </p:nvSpPr>
-        <p:spPr/>
-        <p:txBody>
-          <a:bodyPr/>
-          <a:lstStyle/>
-          <a:p>
-            <a:pPr marL="0" indent="0">
-              <a:buNone/>
-            </a:pPr>
-            <a:r>
-              <a:rPr lang="en-US" dirty="0"/>
-              <a:t>All classes are subclasses of the </a:t>
-            </a:r>
-            <a:r>
-              <a:rPr lang="en-US" dirty="0">
-                <a:latin typeface="Courier New" panose="02070309020205020404" pitchFamily="49" charset="0"/>
-                <a:cs typeface="Courier New" panose="02070309020205020404" pitchFamily="49" charset="0"/>
-              </a:rPr>
-              <a:t>Object</a:t>
-            </a:r>
-            <a:r>
-              <a:rPr lang="en-US" dirty="0"/>
-              <a:t> class.</a:t>
-            </a:r>
-          </a:p>
-          <a:p>
-            <a:pPr marL="0" indent="0">
-              <a:buNone/>
-            </a:pPr>
-            <a:endParaRPr lang="en-US" dirty="0"/>
-          </a:p>
-          <a:p>
-            <a:pPr marL="0" indent="0">
-              <a:buNone/>
-            </a:pPr>
-            <a:r>
-              <a:rPr lang="en-US" dirty="0"/>
-              <a:t>This means all objects inherit some methods:</a:t>
-            </a:r>
-          </a:p>
-          <a:p>
-            <a:pPr marL="0" indent="0">
-              <a:buNone/>
-            </a:pPr>
-            <a:endParaRPr lang="en-US" dirty="0"/>
-          </a:p>
-          <a:p>
-            <a:pPr marL="0" indent="0">
-              <a:buNone/>
-            </a:pPr>
-            <a:r>
-              <a:rPr lang="en-US" dirty="0"/>
-              <a:t>	</a:t>
-            </a:r>
-            <a:r>
-              <a:rPr lang="en-US" dirty="0" err="1">
-                <a:latin typeface="Courier New" panose="02070309020205020404" pitchFamily="49" charset="0"/>
-                <a:cs typeface="Courier New" panose="02070309020205020404" pitchFamily="49" charset="0"/>
-              </a:rPr>
-              <a:t>toString</a:t>
-            </a:r>
-            <a:r>
-              <a:rPr lang="en-US" dirty="0">
-                <a:latin typeface="Courier New" panose="02070309020205020404" pitchFamily="49" charset="0"/>
-                <a:cs typeface="Courier New" panose="02070309020205020404" pitchFamily="49" charset="0"/>
-              </a:rPr>
-              <a:t>()  	 </a:t>
-            </a:r>
-            <a:r>
-              <a:rPr lang="en-US" dirty="0">
-                <a:solidFill>
-                  <a:schemeClr val="accent6"/>
-                </a:solidFill>
-                <a:latin typeface="Courier New" panose="02070309020205020404" pitchFamily="49" charset="0"/>
-                <a:cs typeface="Courier New" panose="02070309020205020404" pitchFamily="49" charset="0"/>
-              </a:rPr>
-              <a:t>//only ones on AP</a:t>
-            </a:r>
-          </a:p>
-          <a:p>
-            <a:pPr marL="0" indent="0">
-              <a:buNone/>
-            </a:pPr>
-            <a:r>
-              <a:rPr lang="en-US" dirty="0">
-                <a:latin typeface="Courier New" panose="02070309020205020404" pitchFamily="49" charset="0"/>
-                <a:cs typeface="Courier New" panose="02070309020205020404" pitchFamily="49" charset="0"/>
-              </a:rPr>
-              <a:t>	equals()</a:t>
-            </a:r>
-          </a:p>
-        </p:txBody>
-      </p:sp>
-    </p:spTree>
-    <p:extLst>
-      <p:ext uri="{BB962C8B-B14F-4D97-AF65-F5344CB8AC3E}">
-        <p14:creationId xmlns:p14="http://schemas.microsoft.com/office/powerpoint/2010/main" val="1474835000"/>
       </p:ext>
     </p:extLst>
   </p:cSld>
@@ -23911,20 +23991,94 @@
             <p:ph type="title"/>
           </p:nvPr>
         </p:nvSpPr>
-        <p:spPr>
-          <a:xfrm>
-            <a:off x="838200" y="2755900"/>
-            <a:ext cx="10515600" cy="1157288"/>
-          </a:xfrm>
-        </p:spPr>
+        <p:spPr/>
         <p:txBody>
           <a:bodyPr/>
           <a:lstStyle/>
           <a:p>
-            <a:pPr algn="ctr"/>
             <a:r>
               <a:rPr lang="en-US" dirty="0"/>
-              <a:t>Who remembers what </a:t>
+              <a:t>The </a:t>
+            </a:r>
+            <a:r>
+              <a:rPr lang="en-US" dirty="0">
+                <a:latin typeface="Courier New" panose="02070309020205020404" pitchFamily="49" charset="0"/>
+                <a:cs typeface="Courier New" panose="02070309020205020404" pitchFamily="49" charset="0"/>
+              </a:rPr>
+              <a:t>Object</a:t>
+            </a:r>
+            <a:r>
+              <a:rPr lang="en-US" dirty="0">
+                <a:cs typeface="Courier New" panose="02070309020205020404" pitchFamily="49" charset="0"/>
+              </a:rPr>
+              <a:t> Superclass</a:t>
+            </a:r>
+            <a:endParaRPr lang="en-US" dirty="0"/>
+          </a:p>
+        </p:txBody>
+      </p:sp>
+      <p:sp>
+        <p:nvSpPr>
+          <p:cNvPr id="3" name="Content Placeholder 2"/>
+          <p:cNvSpPr>
+            <a:spLocks noGrp="1"/>
+          </p:cNvSpPr>
+          <p:nvPr>
+            <p:ph idx="1"/>
+          </p:nvPr>
+        </p:nvSpPr>
+        <p:spPr/>
+        <p:txBody>
+          <a:bodyPr/>
+          <a:lstStyle/>
+          <a:p>
+            <a:pPr marL="0" indent="0">
+              <a:buNone/>
+            </a:pPr>
+            <a:r>
+              <a:rPr lang="en-US" dirty="0"/>
+              <a:t>All classes are subclasses of the </a:t>
+            </a:r>
+            <a:r>
+              <a:rPr lang="en-US" dirty="0">
+                <a:latin typeface="Courier New" panose="02070309020205020404" pitchFamily="49" charset="0"/>
+                <a:cs typeface="Courier New" panose="02070309020205020404" pitchFamily="49" charset="0"/>
+              </a:rPr>
+              <a:t>Object</a:t>
+            </a:r>
+            <a:r>
+              <a:rPr lang="en-US" dirty="0"/>
+              <a:t> class.</a:t>
+            </a:r>
+          </a:p>
+          <a:p>
+            <a:pPr marL="0" indent="0">
+              <a:buNone/>
+            </a:pPr>
+            <a:endParaRPr lang="en-US" dirty="0"/>
+          </a:p>
+          <a:p>
+            <a:pPr marL="0" indent="0">
+              <a:buNone/>
+            </a:pPr>
+            <a:r>
+              <a:rPr lang="en-US" dirty="0"/>
+              <a:t>This means all objects inherit some methods:</a:t>
+            </a:r>
+          </a:p>
+          <a:p>
+            <a:pPr marL="0" indent="0">
+              <a:buNone/>
+            </a:pPr>
+            <a:endParaRPr lang="en-US" dirty="0"/>
+          </a:p>
+          <a:p>
+            <a:pPr marL="0" indent="0">
+              <a:buNone/>
+            </a:pPr>
+            <a:r>
+              <a:rPr lang="en-US" dirty="0"/>
+              <a:t>	</a:t>
             </a:r>
             <a:r>
               <a:rPr lang="en-US" dirty="0" err="1">
@@ -23934,8 +24088,33 @@
               <a:t>toString</a:t>
             </a:r>
             <a:r>
-              <a:rPr lang="en-US" dirty="0"/>
-              <a:t> does?</a:t>
+              <a:rPr lang="en-US" dirty="0">
+                <a:latin typeface="Courier New" panose="02070309020205020404" pitchFamily="49" charset="0"/>
+                <a:cs typeface="Courier New" panose="02070309020205020404" pitchFamily="49" charset="0"/>
+              </a:rPr>
+              <a:t>()  	 </a:t>
+            </a:r>
+            <a:r>
+              <a:rPr lang="en-US" dirty="0">
+                <a:solidFill>
+                  <a:schemeClr val="accent6"/>
+                </a:solidFill>
+                <a:latin typeface="Courier New" panose="02070309020205020404" pitchFamily="49" charset="0"/>
+                <a:cs typeface="Courier New" panose="02070309020205020404" pitchFamily="49" charset="0"/>
+              </a:rPr>
+              <a:t>//only ones on AP</a:t>
+            </a:r>
+          </a:p>
+          <a:p>
+            <a:pPr marL="0" indent="0">
+              <a:buNone/>
+            </a:pPr>
+            <a:r>
+              <a:rPr lang="en-US" dirty="0">
+                <a:latin typeface="Courier New" panose="02070309020205020404" pitchFamily="49" charset="0"/>
+                <a:cs typeface="Courier New" panose="02070309020205020404" pitchFamily="49" charset="0"/>
+              </a:rPr>
+              <a:t>	equals()</a:t>
             </a:r>
           </a:p>
         </p:txBody>
@@ -23943,7 +24122,7 @@
     </p:spTree>
     <p:extLst>
       <p:ext uri="{BB962C8B-B14F-4D97-AF65-F5344CB8AC3E}">
-        <p14:creationId xmlns:p14="http://schemas.microsoft.com/office/powerpoint/2010/main" val="2615536636"/>
+        <p14:creationId xmlns:p14="http://schemas.microsoft.com/office/powerpoint/2010/main" val="1474835000"/>
       </p:ext>
     </p:extLst>
   </p:cSld>
@@ -23982,31 +24161,29 @@
         </p:nvSpPr>
         <p:spPr>
           <a:xfrm>
-            <a:off x="627529" y="2755900"/>
-            <a:ext cx="10936942" cy="1157288"/>
+            <a:off x="838200" y="2755900"/>
+            <a:ext cx="10515600" cy="1157288"/>
           </a:xfrm>
         </p:spPr>
         <p:txBody>
-          <a:bodyPr>
-            <a:normAutofit/>
-          </a:bodyPr>
+          <a:bodyPr/>
           <a:lstStyle/>
           <a:p>
             <a:pPr algn="ctr"/>
             <a:r>
               <a:rPr lang="en-US" dirty="0"/>
-              <a:t>Why can’t we just use  </a:t>
-            </a:r>
-            <a:r>
-              <a:rPr lang="en-US" dirty="0">
-                <a:latin typeface="Courier New" panose="02070309020205020404" pitchFamily="49" charset="0"/>
-                <a:cs typeface="Courier New" panose="02070309020205020404" pitchFamily="49" charset="0"/>
-              </a:rPr>
-              <a:t>==</a:t>
+              <a:t>Who remembers what </a:t>
+            </a:r>
+            <a:r>
+              <a:rPr lang="en-US" dirty="0" err="1">
+                <a:latin typeface="Courier New" panose="02070309020205020404" pitchFamily="49" charset="0"/>
+                <a:cs typeface="Courier New" panose="02070309020205020404" pitchFamily="49" charset="0"/>
+              </a:rPr>
+              <a:t>toString</a:t>
             </a:r>
             <a:r>
               <a:rPr lang="en-US" dirty="0"/>
-              <a:t>  to test for equality?</a:t>
+              <a:t> does?</a:t>
             </a:r>
           </a:p>
         </p:txBody>
@@ -24014,7 +24191,7 @@
     </p:spTree>
     <p:extLst>
       <p:ext uri="{BB962C8B-B14F-4D97-AF65-F5344CB8AC3E}">
-        <p14:creationId xmlns:p14="http://schemas.microsoft.com/office/powerpoint/2010/main" val="2455569365"/>
+        <p14:creationId xmlns:p14="http://schemas.microsoft.com/office/powerpoint/2010/main" val="2615536636"/>
       </p:ext>
     </p:extLst>
   </p:cSld>
@@ -24051,257 +24228,41 @@
             <p:ph type="title"/>
           </p:nvPr>
         </p:nvSpPr>
-        <p:spPr/>
+        <p:spPr>
+          <a:xfrm>
+            <a:off x="627529" y="2755900"/>
+            <a:ext cx="10936942" cy="1157288"/>
+          </a:xfrm>
+        </p:spPr>
         <p:txBody>
-          <a:bodyPr/>
+          <a:bodyPr>
+            <a:normAutofit/>
+          </a:bodyPr>
           <a:lstStyle/>
           <a:p>
+            <a:pPr algn="ctr"/>
             <a:r>
               <a:rPr lang="en-US" dirty="0"/>
-              <a:t>The standard == operator:</a:t>
-            </a:r>
-          </a:p>
-        </p:txBody>
-      </p:sp>
-      <p:sp>
-        <p:nvSpPr>
-          <p:cNvPr id="3" name="Content Placeholder 2"/>
-          <p:cNvSpPr>
-            <a:spLocks noGrp="1"/>
-          </p:cNvSpPr>
-          <p:nvPr>
-            <p:ph idx="1"/>
-          </p:nvPr>
-        </p:nvSpPr>
-        <p:spPr/>
-        <p:txBody>
-          <a:bodyPr/>
-          <a:lstStyle/>
-          <a:p>
-            <a:pPr marL="0" indent="0">
-              <a:buNone/>
-            </a:pPr>
+              <a:t>Why can’t we just use  </a:t>
+            </a:r>
             <a:r>
               <a:rPr lang="en-US" dirty="0">
                 <a:latin typeface="Courier New" panose="02070309020205020404" pitchFamily="49" charset="0"/>
                 <a:cs typeface="Courier New" panose="02070309020205020404" pitchFamily="49" charset="0"/>
               </a:rPr>
-              <a:t>String z = “z”;		a == b</a:t>
-            </a:r>
-          </a:p>
-          <a:p>
-            <a:pPr marL="0" indent="0">
-              <a:buNone/>
-            </a:pPr>
-            <a:r>
-              <a:rPr lang="en-US" dirty="0">
-                <a:latin typeface="Courier New" panose="02070309020205020404" pitchFamily="49" charset="0"/>
-                <a:cs typeface="Courier New" panose="02070309020205020404" pitchFamily="49" charset="0"/>
-              </a:rPr>
-              <a:t>					</a:t>
-            </a:r>
-            <a:r>
-              <a:rPr lang="en-US" dirty="0">
-                <a:solidFill>
-                  <a:srgbClr val="FF0000"/>
-                </a:solidFill>
-                <a:cs typeface="Courier New" panose="02070309020205020404" pitchFamily="49" charset="0"/>
-              </a:rPr>
-              <a:t>Evaluates to false because </a:t>
-            </a:r>
-            <a:r>
-              <a:rPr lang="en-US" dirty="0">
-                <a:solidFill>
-                  <a:srgbClr val="FF0000"/>
-                </a:solidFill>
-                <a:latin typeface="Courier New" panose="02070309020205020404" pitchFamily="49" charset="0"/>
-                <a:cs typeface="Courier New" panose="02070309020205020404" pitchFamily="49" charset="0"/>
-              </a:rPr>
-              <a:t>a</a:t>
-            </a:r>
-            <a:r>
-              <a:rPr lang="en-US" dirty="0">
-                <a:solidFill>
-                  <a:srgbClr val="FF0000"/>
-                </a:solidFill>
-                <a:cs typeface="Courier New" panose="02070309020205020404" pitchFamily="49" charset="0"/>
-              </a:rPr>
-              <a:t> and </a:t>
-            </a:r>
-            <a:r>
-              <a:rPr lang="en-US" dirty="0">
-                <a:solidFill>
-                  <a:srgbClr val="FF0000"/>
-                </a:solidFill>
-                <a:latin typeface="Courier New" panose="02070309020205020404" pitchFamily="49" charset="0"/>
-                <a:cs typeface="Courier New" panose="02070309020205020404" pitchFamily="49" charset="0"/>
-              </a:rPr>
-              <a:t>b</a:t>
-            </a:r>
-            <a:r>
-              <a:rPr lang="en-US" dirty="0">
-                <a:solidFill>
-                  <a:srgbClr val="FF0000"/>
-                </a:solidFill>
-                <a:cs typeface="Courier New" panose="02070309020205020404" pitchFamily="49" charset="0"/>
-              </a:rPr>
-              <a:t> </a:t>
-            </a:r>
-            <a:endParaRPr lang="en-US" dirty="0">
-              <a:solidFill>
-                <a:srgbClr val="FF0000"/>
-              </a:solidFill>
-              <a:latin typeface="Courier New" panose="02070309020205020404" pitchFamily="49" charset="0"/>
-              <a:cs typeface="Courier New" panose="02070309020205020404" pitchFamily="49" charset="0"/>
-            </a:endParaRPr>
-          </a:p>
-          <a:p>
-            <a:pPr marL="0" indent="0">
-              <a:buNone/>
-            </a:pPr>
-            <a:r>
-              <a:rPr lang="en-US" dirty="0">
-                <a:latin typeface="Courier New" panose="02070309020205020404" pitchFamily="49" charset="0"/>
-                <a:cs typeface="Courier New" panose="02070309020205020404" pitchFamily="49" charset="0"/>
-              </a:rPr>
-              <a:t>String a = z + z;		</a:t>
-            </a:r>
-            <a:r>
-              <a:rPr lang="en-US" dirty="0">
-                <a:solidFill>
-                  <a:srgbClr val="FF0000"/>
-                </a:solidFill>
-                <a:cs typeface="Courier New" panose="02070309020205020404" pitchFamily="49" charset="0"/>
-              </a:rPr>
-              <a:t>refer to different strings.</a:t>
-            </a:r>
-            <a:endParaRPr lang="en-US" dirty="0">
-              <a:solidFill>
-                <a:srgbClr val="FF0000"/>
-              </a:solidFill>
-              <a:latin typeface="Courier New" panose="02070309020205020404" pitchFamily="49" charset="0"/>
-              <a:cs typeface="Courier New" panose="02070309020205020404" pitchFamily="49" charset="0"/>
-            </a:endParaRPr>
-          </a:p>
-          <a:p>
-            <a:pPr marL="0" indent="0">
-              <a:buNone/>
-            </a:pPr>
-            <a:endParaRPr lang="en-US" dirty="0">
-              <a:latin typeface="Courier New" panose="02070309020205020404" pitchFamily="49" charset="0"/>
-              <a:cs typeface="Courier New" panose="02070309020205020404" pitchFamily="49" charset="0"/>
-            </a:endParaRPr>
-          </a:p>
-          <a:p>
-            <a:pPr marL="0" indent="0">
-              <a:buNone/>
-            </a:pPr>
-            <a:r>
-              <a:rPr lang="en-US" dirty="0">
-                <a:latin typeface="Courier New" panose="02070309020205020404" pitchFamily="49" charset="0"/>
-                <a:cs typeface="Courier New" panose="02070309020205020404" pitchFamily="49" charset="0"/>
-              </a:rPr>
-              <a:t>String b = “</a:t>
-            </a:r>
-            <a:r>
-              <a:rPr lang="en-US" dirty="0" err="1">
-                <a:latin typeface="Courier New" panose="02070309020205020404" pitchFamily="49" charset="0"/>
-                <a:cs typeface="Courier New" panose="02070309020205020404" pitchFamily="49" charset="0"/>
-              </a:rPr>
-              <a:t>zz</a:t>
-            </a:r>
-            <a:r>
-              <a:rPr lang="en-US" dirty="0">
-                <a:latin typeface="Courier New" panose="02070309020205020404" pitchFamily="49" charset="0"/>
-                <a:cs typeface="Courier New" panose="02070309020205020404" pitchFamily="49" charset="0"/>
-              </a:rPr>
-              <a:t>”;		c == b</a:t>
-            </a:r>
-          </a:p>
-          <a:p>
-            <a:pPr marL="0" indent="0">
-              <a:buNone/>
-            </a:pPr>
-            <a:r>
-              <a:rPr lang="en-US" dirty="0">
-                <a:latin typeface="Courier New" panose="02070309020205020404" pitchFamily="49" charset="0"/>
-                <a:cs typeface="Courier New" panose="02070309020205020404" pitchFamily="49" charset="0"/>
-              </a:rPr>
-              <a:t>					</a:t>
-            </a:r>
-            <a:r>
-              <a:rPr lang="en-US" dirty="0">
-                <a:solidFill>
-                  <a:schemeClr val="accent6"/>
-                </a:solidFill>
-                <a:cs typeface="Courier New" panose="02070309020205020404" pitchFamily="49" charset="0"/>
-              </a:rPr>
-              <a:t>Evaluates to true because </a:t>
-            </a:r>
-            <a:r>
-              <a:rPr lang="en-US" dirty="0">
-                <a:solidFill>
-                  <a:schemeClr val="accent6"/>
-                </a:solidFill>
-                <a:latin typeface="Courier New" panose="02070309020205020404" pitchFamily="49" charset="0"/>
-                <a:cs typeface="Courier New" panose="02070309020205020404" pitchFamily="49" charset="0"/>
-              </a:rPr>
-              <a:t>c</a:t>
-            </a:r>
-            <a:r>
-              <a:rPr lang="en-US" dirty="0">
-                <a:solidFill>
-                  <a:schemeClr val="accent6"/>
-                </a:solidFill>
-                <a:cs typeface="Courier New" panose="02070309020205020404" pitchFamily="49" charset="0"/>
-              </a:rPr>
-              <a:t> and </a:t>
-            </a:r>
-            <a:r>
-              <a:rPr lang="en-US" dirty="0">
-                <a:solidFill>
-                  <a:schemeClr val="accent6"/>
-                </a:solidFill>
-                <a:latin typeface="Courier New" panose="02070309020205020404" pitchFamily="49" charset="0"/>
-                <a:cs typeface="Courier New" panose="02070309020205020404" pitchFamily="49" charset="0"/>
-              </a:rPr>
-              <a:t>b</a:t>
-            </a:r>
-          </a:p>
-          <a:p>
-            <a:pPr marL="0" indent="0">
-              <a:buNone/>
-            </a:pPr>
-            <a:r>
-              <a:rPr lang="en-US" dirty="0">
-                <a:latin typeface="Courier New" panose="02070309020205020404" pitchFamily="49" charset="0"/>
-                <a:cs typeface="Courier New" panose="02070309020205020404" pitchFamily="49" charset="0"/>
-              </a:rPr>
-              <a:t>String c = b;		</a:t>
-            </a:r>
-            <a:r>
-              <a:rPr lang="en-US" dirty="0">
-                <a:solidFill>
-                  <a:schemeClr val="accent6"/>
-                </a:solidFill>
-                <a:cs typeface="Courier New" panose="02070309020205020404" pitchFamily="49" charset="0"/>
-              </a:rPr>
-              <a:t>refer to the same string.</a:t>
-            </a:r>
-            <a:endParaRPr lang="en-US" dirty="0">
-              <a:solidFill>
-                <a:schemeClr val="accent6"/>
-              </a:solidFill>
-              <a:latin typeface="Courier New" panose="02070309020205020404" pitchFamily="49" charset="0"/>
-              <a:cs typeface="Courier New" panose="02070309020205020404" pitchFamily="49" charset="0"/>
-            </a:endParaRPr>
+              <a:t>==</a:t>
+            </a:r>
+            <a:r>
+              <a:rPr lang="en-US" dirty="0"/>
+              <a:t>  to test for equality?</a:t>
+            </a:r>
           </a:p>
         </p:txBody>
       </p:sp>
     </p:spTree>
     <p:extLst>
       <p:ext uri="{BB962C8B-B14F-4D97-AF65-F5344CB8AC3E}">
-        <p14:creationId xmlns:p14="http://schemas.microsoft.com/office/powerpoint/2010/main" val="834510547"/>
+        <p14:creationId xmlns:p14="http://schemas.microsoft.com/office/powerpoint/2010/main" val="2455569365"/>
       </p:ext>
     </p:extLst>
   </p:cSld>
@@ -24345,18 +24306,7 @@
           <a:p>
             <a:r>
               <a:rPr lang="en-US" dirty="0"/>
-              <a:t>The String </a:t>
-            </a:r>
-            <a:r>
-              <a:rPr lang="en-US" dirty="0">
-                <a:latin typeface="Courier New" panose="02070309020205020404" pitchFamily="49" charset="0"/>
-                <a:cs typeface="Courier New" panose="02070309020205020404" pitchFamily="49" charset="0"/>
-              </a:rPr>
-              <a:t>equals</a:t>
-            </a:r>
-            <a:r>
-              <a:rPr lang="en-US" dirty="0"/>
-              <a:t> methods</a:t>
+              <a:t>The standard == operator:</a:t>
             </a:r>
           </a:p>
         </p:txBody>
@@ -24380,19 +24330,106 @@
               <a:buNone/>
             </a:pPr>
             <a:r>
-              <a:rPr lang="en-US" dirty="0" err="1">
-                <a:latin typeface="Courier New" panose="02070309020205020404" pitchFamily="49" charset="0"/>
-                <a:cs typeface="Courier New" panose="02070309020205020404" pitchFamily="49" charset="0"/>
-              </a:rPr>
-              <a:t>a.equals</a:t>
-            </a:r>
-            <a:r>
               <a:rPr lang="en-US" dirty="0">
                 <a:latin typeface="Courier New" panose="02070309020205020404" pitchFamily="49" charset="0"/>
                 <a:cs typeface="Courier New" panose="02070309020205020404" pitchFamily="49" charset="0"/>
               </a:rPr>
-              <a:t>(b) </a:t>
-            </a:r>
+              <a:t>String z = “z”;		a == b</a:t>
+            </a:r>
+          </a:p>
+          <a:p>
+            <a:pPr marL="0" indent="0">
+              <a:buNone/>
+            </a:pPr>
+            <a:r>
+              <a:rPr lang="en-US" dirty="0">
+                <a:latin typeface="Courier New" panose="02070309020205020404" pitchFamily="49" charset="0"/>
+                <a:cs typeface="Courier New" panose="02070309020205020404" pitchFamily="49" charset="0"/>
+              </a:rPr>
+              <a:t>					</a:t>
+            </a:r>
+            <a:r>
+              <a:rPr lang="en-US" dirty="0">
+                <a:solidFill>
+                  <a:srgbClr val="FF0000"/>
+                </a:solidFill>
+                <a:cs typeface="Courier New" panose="02070309020205020404" pitchFamily="49" charset="0"/>
+              </a:rPr>
+              <a:t>Evaluates to false because </a:t>
+            </a:r>
+            <a:r>
+              <a:rPr lang="en-US" dirty="0">
+                <a:solidFill>
+                  <a:srgbClr val="FF0000"/>
+                </a:solidFill>
+                <a:latin typeface="Courier New" panose="02070309020205020404" pitchFamily="49" charset="0"/>
+                <a:cs typeface="Courier New" panose="02070309020205020404" pitchFamily="49" charset="0"/>
+              </a:rPr>
+              <a:t>a</a:t>
+            </a:r>
+            <a:r>
+              <a:rPr lang="en-US" dirty="0">
+                <a:solidFill>
+                  <a:srgbClr val="FF0000"/>
+                </a:solidFill>
+                <a:cs typeface="Courier New" panose="02070309020205020404" pitchFamily="49" charset="0"/>
+              </a:rPr>
+              <a:t> and </a:t>
+            </a:r>
+            <a:r>
+              <a:rPr lang="en-US" dirty="0">
+                <a:solidFill>
+                  <a:srgbClr val="FF0000"/>
+                </a:solidFill>
+                <a:latin typeface="Courier New" panose="02070309020205020404" pitchFamily="49" charset="0"/>
+                <a:cs typeface="Courier New" panose="02070309020205020404" pitchFamily="49" charset="0"/>
+              </a:rPr>
+              <a:t>b</a:t>
+            </a:r>
+            <a:r>
+              <a:rPr lang="en-US" dirty="0">
+                <a:solidFill>
+                  <a:srgbClr val="FF0000"/>
+                </a:solidFill>
+                <a:cs typeface="Courier New" panose="02070309020205020404" pitchFamily="49" charset="0"/>
+              </a:rPr>
+              <a:t> </a:t>
+            </a:r>
+            <a:endParaRPr lang="en-US" dirty="0">
+              <a:solidFill>
+                <a:srgbClr val="FF0000"/>
+              </a:solidFill>
+              <a:latin typeface="Courier New" panose="02070309020205020404" pitchFamily="49" charset="0"/>
+              <a:cs typeface="Courier New" panose="02070309020205020404" pitchFamily="49" charset="0"/>
+            </a:endParaRPr>
+          </a:p>
+          <a:p>
+            <a:pPr marL="0" indent="0">
+              <a:buNone/>
+            </a:pPr>
+            <a:r>
+              <a:rPr lang="en-US" dirty="0">
+                <a:latin typeface="Courier New" panose="02070309020205020404" pitchFamily="49" charset="0"/>
+                <a:cs typeface="Courier New" panose="02070309020205020404" pitchFamily="49" charset="0"/>
+              </a:rPr>
+              <a:t>String a = z + z;		</a:t>
+            </a:r>
+            <a:r>
+              <a:rPr lang="en-US" dirty="0">
+                <a:solidFill>
+                  <a:srgbClr val="FF0000"/>
+                </a:solidFill>
+                <a:cs typeface="Courier New" panose="02070309020205020404" pitchFamily="49" charset="0"/>
+              </a:rPr>
+              <a:t>refer to different strings.</a:t>
+            </a:r>
+            <a:endParaRPr lang="en-US" dirty="0">
+              <a:solidFill>
+                <a:srgbClr val="FF0000"/>
+              </a:solidFill>
+              <a:latin typeface="Courier New" panose="02070309020205020404" pitchFamily="49" charset="0"/>
+              <a:cs typeface="Courier New" panose="02070309020205020404" pitchFamily="49" charset="0"/>
+            </a:endParaRPr>
           </a:p>
           <a:p>
             <a:pPr marL="0" indent="0">
@@ -24408,21 +24445,98 @@
               <a:buNone/>
             </a:pPr>
             <a:r>
-              <a:rPr lang="en-US" sz="2000" dirty="0">
+              <a:rPr lang="en-US" dirty="0">
+                <a:latin typeface="Courier New" panose="02070309020205020404" pitchFamily="49" charset="0"/>
+                <a:cs typeface="Courier New" panose="02070309020205020404" pitchFamily="49" charset="0"/>
+              </a:rPr>
+              <a:t>String b = “</a:t>
+            </a:r>
+            <a:r>
+              <a:rPr lang="en-US" dirty="0" err="1">
+                <a:latin typeface="Courier New" panose="02070309020205020404" pitchFamily="49" charset="0"/>
+                <a:cs typeface="Courier New" panose="02070309020205020404" pitchFamily="49" charset="0"/>
+              </a:rPr>
+              <a:t>zz</a:t>
+            </a:r>
+            <a:r>
+              <a:rPr lang="en-US" dirty="0">
+                <a:latin typeface="Courier New" panose="02070309020205020404" pitchFamily="49" charset="0"/>
+                <a:cs typeface="Courier New" panose="02070309020205020404" pitchFamily="49" charset="0"/>
+              </a:rPr>
+              <a:t>”;		c == b</a:t>
+            </a:r>
+          </a:p>
+          <a:p>
+            <a:pPr marL="0" indent="0">
+              <a:buNone/>
+            </a:pPr>
+            <a:r>
+              <a:rPr lang="en-US" dirty="0">
+                <a:latin typeface="Courier New" panose="02070309020205020404" pitchFamily="49" charset="0"/>
+                <a:cs typeface="Courier New" panose="02070309020205020404" pitchFamily="49" charset="0"/>
+              </a:rPr>
+              <a:t>					</a:t>
+            </a:r>
+            <a:r>
+              <a:rPr lang="en-US" dirty="0">
                 <a:solidFill>
                   <a:schemeClr val="accent6"/>
                 </a:solidFill>
-                <a:latin typeface="Courier New" panose="02070309020205020404" pitchFamily="49" charset="0"/>
-                <a:cs typeface="Courier New" panose="02070309020205020404" pitchFamily="49" charset="0"/>
-              </a:rPr>
-              <a:t>/* evaluates to true because the content of a and b are the same */</a:t>
+                <a:cs typeface="Courier New" panose="02070309020205020404" pitchFamily="49" charset="0"/>
+              </a:rPr>
+              <a:t>Evaluates to true because </a:t>
+            </a:r>
+            <a:r>
+              <a:rPr lang="en-US" dirty="0">
+                <a:solidFill>
+                  <a:schemeClr val="accent6"/>
+                </a:solidFill>
+                <a:latin typeface="Courier New" panose="02070309020205020404" pitchFamily="49" charset="0"/>
+                <a:cs typeface="Courier New" panose="02070309020205020404" pitchFamily="49" charset="0"/>
+              </a:rPr>
+              <a:t>c</a:t>
+            </a:r>
+            <a:r>
+              <a:rPr lang="en-US" dirty="0">
+                <a:solidFill>
+                  <a:schemeClr val="accent6"/>
+                </a:solidFill>
+                <a:cs typeface="Courier New" panose="02070309020205020404" pitchFamily="49" charset="0"/>
+              </a:rPr>
+              <a:t> and </a:t>
+            </a:r>
+            <a:r>
+              <a:rPr lang="en-US" dirty="0">
+                <a:solidFill>
+                  <a:schemeClr val="accent6"/>
+                </a:solidFill>
+                <a:latin typeface="Courier New" panose="02070309020205020404" pitchFamily="49" charset="0"/>
+                <a:cs typeface="Courier New" panose="02070309020205020404" pitchFamily="49" charset="0"/>
+              </a:rPr>
+              <a:t>b</a:t>
             </a:r>
           </a:p>
           <a:p>
             <a:pPr marL="0" indent="0">
               <a:buNone/>
             </a:pPr>
-            <a:endParaRPr lang="en-US" sz="2000" dirty="0">
+            <a:r>
+              <a:rPr lang="en-US" dirty="0">
+                <a:latin typeface="Courier New" panose="02070309020205020404" pitchFamily="49" charset="0"/>
+                <a:cs typeface="Courier New" panose="02070309020205020404" pitchFamily="49" charset="0"/>
+              </a:rPr>
+              <a:t>String c = b;		</a:t>
+            </a:r>
+            <a:r>
+              <a:rPr lang="en-US" dirty="0">
+                <a:solidFill>
+                  <a:schemeClr val="accent6"/>
+                </a:solidFill>
+                <a:cs typeface="Courier New" panose="02070309020205020404" pitchFamily="49" charset="0"/>
+              </a:rPr>
+              <a:t>refer to the same string.</a:t>
+            </a:r>
+            <a:endParaRPr lang="en-US" dirty="0">
               <a:solidFill>
                 <a:schemeClr val="accent6"/>
               </a:solidFill>
@@ -24430,67 +24544,12 @@
               <a:cs typeface="Courier New" panose="02070309020205020404" pitchFamily="49" charset="0"/>
             </a:endParaRPr>
           </a:p>
-          <a:p>
-            <a:pPr marL="0" indent="0">
-              <a:buNone/>
-            </a:pPr>
-            <a:r>
-              <a:rPr lang="en-US" dirty="0" err="1">
-                <a:latin typeface="Courier New" panose="02070309020205020404" pitchFamily="49" charset="0"/>
-                <a:cs typeface="Courier New" panose="02070309020205020404" pitchFamily="49" charset="0"/>
-              </a:rPr>
-              <a:t>c.equals</a:t>
-            </a:r>
-            <a:r>
-              <a:rPr lang="en-US" dirty="0">
-                <a:latin typeface="Courier New" panose="02070309020205020404" pitchFamily="49" charset="0"/>
-                <a:cs typeface="Courier New" panose="02070309020205020404" pitchFamily="49" charset="0"/>
-              </a:rPr>
-              <a:t>(b) </a:t>
-            </a:r>
-          </a:p>
-          <a:p>
-            <a:pPr marL="0" indent="0">
-              <a:buNone/>
-            </a:pPr>
-            <a:endParaRPr lang="en-US" sz="2000" dirty="0">
-              <a:latin typeface="Courier New" panose="02070309020205020404" pitchFamily="49" charset="0"/>
-              <a:cs typeface="Courier New" panose="02070309020205020404" pitchFamily="49" charset="0"/>
-            </a:endParaRPr>
-          </a:p>
-          <a:p>
-            <a:pPr marL="0" indent="0">
-              <a:buNone/>
-            </a:pPr>
-            <a:r>
-              <a:rPr lang="en-US" sz="2000" dirty="0">
-                <a:solidFill>
-                  <a:schemeClr val="accent6"/>
-                </a:solidFill>
-                <a:latin typeface="Courier New" panose="02070309020205020404" pitchFamily="49" charset="0"/>
-                <a:cs typeface="Courier New" panose="02070309020205020404" pitchFamily="49" charset="0"/>
-              </a:rPr>
-              <a:t>/* evaluates to true because c and b refer to the same string */</a:t>
-            </a:r>
-          </a:p>
-          <a:p>
-            <a:pPr marL="0" indent="0">
-              <a:buNone/>
-            </a:pPr>
-            <a:endParaRPr lang="en-US" sz="2000" dirty="0">
-              <a:solidFill>
-                <a:schemeClr val="accent6"/>
-              </a:solidFill>
-              <a:latin typeface="Courier New" panose="02070309020205020404" pitchFamily="49" charset="0"/>
-              <a:cs typeface="Courier New" panose="02070309020205020404" pitchFamily="49" charset="0"/>
-            </a:endParaRPr>
-          </a:p>
         </p:txBody>
       </p:sp>
     </p:spTree>
     <p:extLst>
       <p:ext uri="{BB962C8B-B14F-4D97-AF65-F5344CB8AC3E}">
-        <p14:creationId xmlns:p14="http://schemas.microsoft.com/office/powerpoint/2010/main" val="1746487571"/>
+        <p14:creationId xmlns:p14="http://schemas.microsoft.com/office/powerpoint/2010/main" val="834510547"/>
       </p:ext>
     </p:extLst>
   </p:cSld>
@@ -24534,7 +24593,7 @@
           <a:p>
             <a:r>
               <a:rPr lang="en-US" dirty="0"/>
-              <a:t>Overriding the </a:t>
+              <a:t>The String </a:t>
             </a:r>
             <a:r>
               <a:rPr lang="en-US" dirty="0">
@@ -24545,7 +24604,7 @@
             </a:r>
             <a:r>
               <a:rPr lang="en-US" dirty="0"/>
-              <a:t> method:</a:t>
+              <a:t> methods</a:t>
             </a:r>
           </a:p>
         </p:txBody>
@@ -24562,98 +24621,80 @@
         </p:nvSpPr>
         <p:spPr/>
         <p:txBody>
-          <a:bodyPr>
-            <a:normAutofit/>
-          </a:bodyPr>
+          <a:bodyPr/>
           <a:lstStyle/>
           <a:p>
             <a:pPr marL="0" indent="0">
               <a:buNone/>
             </a:pPr>
             <a:r>
+              <a:rPr lang="en-US" dirty="0" err="1">
+                <a:latin typeface="Courier New" panose="02070309020205020404" pitchFamily="49" charset="0"/>
+                <a:cs typeface="Courier New" panose="02070309020205020404" pitchFamily="49" charset="0"/>
+              </a:rPr>
+              <a:t>a.equals</a:t>
+            </a:r>
+            <a:r>
+              <a:rPr lang="en-US" dirty="0">
+                <a:latin typeface="Courier New" panose="02070309020205020404" pitchFamily="49" charset="0"/>
+                <a:cs typeface="Courier New" panose="02070309020205020404" pitchFamily="49" charset="0"/>
+              </a:rPr>
+              <a:t>(b) </a:t>
+            </a:r>
+          </a:p>
+          <a:p>
+            <a:pPr marL="0" indent="0">
+              <a:buNone/>
+            </a:pPr>
+            <a:endParaRPr lang="en-US" dirty="0">
+              <a:latin typeface="Courier New" panose="02070309020205020404" pitchFamily="49" charset="0"/>
+              <a:cs typeface="Courier New" panose="02070309020205020404" pitchFamily="49" charset="0"/>
+            </a:endParaRPr>
+          </a:p>
+          <a:p>
+            <a:pPr marL="0" indent="0">
+              <a:buNone/>
+            </a:pPr>
+            <a:r>
               <a:rPr lang="en-US" sz="2000" dirty="0">
-                <a:latin typeface="Courier New" panose="02070309020205020404" pitchFamily="49" charset="0"/>
-                <a:cs typeface="Courier New" panose="02070309020205020404" pitchFamily="49" charset="0"/>
-              </a:rPr>
-              <a:t>public </a:t>
-            </a:r>
-            <a:r>
-              <a:rPr lang="en-US" sz="2000" dirty="0" err="1">
-                <a:latin typeface="Courier New" panose="02070309020205020404" pitchFamily="49" charset="0"/>
-                <a:cs typeface="Courier New" panose="02070309020205020404" pitchFamily="49" charset="0"/>
-              </a:rPr>
-              <a:t>boolean</a:t>
-            </a:r>
-            <a:r>
-              <a:rPr lang="en-US" sz="2000" dirty="0">
-                <a:latin typeface="Courier New" panose="02070309020205020404" pitchFamily="49" charset="0"/>
-                <a:cs typeface="Courier New" panose="02070309020205020404" pitchFamily="49" charset="0"/>
-              </a:rPr>
-              <a:t> equals(Object o){</a:t>
+                <a:solidFill>
+                  <a:schemeClr val="accent6"/>
+                </a:solidFill>
+                <a:latin typeface="Courier New" panose="02070309020205020404" pitchFamily="49" charset="0"/>
+                <a:cs typeface="Courier New" panose="02070309020205020404" pitchFamily="49" charset="0"/>
+              </a:rPr>
+              <a:t>/* evaluates to true because the content of a and b are the same */</a:t>
             </a:r>
           </a:p>
           <a:p>
             <a:pPr marL="0" indent="0">
               <a:buNone/>
             </a:pPr>
-            <a:r>
-              <a:rPr lang="en-US" sz="2000" dirty="0">
-                <a:latin typeface="Courier New" panose="02070309020205020404" pitchFamily="49" charset="0"/>
-                <a:cs typeface="Courier New" panose="02070309020205020404" pitchFamily="49" charset="0"/>
-              </a:rPr>
-              <a:t>	Drink other = (Drink) o;</a:t>
-            </a:r>
+            <a:endParaRPr lang="en-US" sz="2000" dirty="0">
+              <a:solidFill>
+                <a:schemeClr val="accent6"/>
+              </a:solidFill>
+              <a:latin typeface="Courier New" panose="02070309020205020404" pitchFamily="49" charset="0"/>
+              <a:cs typeface="Courier New" panose="02070309020205020404" pitchFamily="49" charset="0"/>
+            </a:endParaRPr>
           </a:p>
           <a:p>
             <a:pPr marL="0" indent="0">
               <a:buNone/>
             </a:pPr>
             <a:r>
-              <a:rPr lang="en-US" sz="2000" dirty="0">
-                <a:latin typeface="Courier New" panose="02070309020205020404" pitchFamily="49" charset="0"/>
-                <a:cs typeface="Courier New" panose="02070309020205020404" pitchFamily="49" charset="0"/>
-              </a:rPr>
-              <a:t>	return </a:t>
-            </a:r>
-            <a:r>
-              <a:rPr lang="en-US" sz="2000" dirty="0" err="1">
-                <a:latin typeface="Courier New" panose="02070309020205020404" pitchFamily="49" charset="0"/>
-                <a:cs typeface="Courier New" panose="02070309020205020404" pitchFamily="49" charset="0"/>
-              </a:rPr>
-              <a:t>name.equal</a:t>
-            </a:r>
-            <a:r>
-              <a:rPr lang="en-US" sz="2000" dirty="0">
-                <a:latin typeface="Courier New" panose="02070309020205020404" pitchFamily="49" charset="0"/>
-                <a:cs typeface="Courier New" panose="02070309020205020404" pitchFamily="49" charset="0"/>
-              </a:rPr>
-              <a:t>(other.name) &amp;&amp; ounces == </a:t>
-            </a:r>
-            <a:r>
-              <a:rPr lang="en-US" sz="2000" dirty="0" err="1">
-                <a:latin typeface="Courier New" panose="02070309020205020404" pitchFamily="49" charset="0"/>
-                <a:cs typeface="Courier New" panose="02070309020205020404" pitchFamily="49" charset="0"/>
-              </a:rPr>
-              <a:t>other.ounces</a:t>
-            </a:r>
-            <a:r>
-              <a:rPr lang="en-US" sz="2000" dirty="0">
-                <a:latin typeface="Courier New" panose="02070309020205020404" pitchFamily="49" charset="0"/>
-                <a:cs typeface="Courier New" panose="02070309020205020404" pitchFamily="49" charset="0"/>
-              </a:rPr>
-              <a:t>;</a:t>
-            </a:r>
-          </a:p>
-          <a:p>
-            <a:pPr marL="0" indent="0">
-              <a:buNone/>
-            </a:pPr>
-            <a:r>
-              <a:rPr lang="en-US" sz="2000" dirty="0">
-                <a:latin typeface="Courier New" panose="02070309020205020404" pitchFamily="49" charset="0"/>
-                <a:cs typeface="Courier New" panose="02070309020205020404" pitchFamily="49" charset="0"/>
-              </a:rPr>
-              <a:t>}</a:t>
+              <a:rPr lang="en-US" dirty="0" err="1">
+                <a:latin typeface="Courier New" panose="02070309020205020404" pitchFamily="49" charset="0"/>
+                <a:cs typeface="Courier New" panose="02070309020205020404" pitchFamily="49" charset="0"/>
+              </a:rPr>
+              <a:t>c.equals</a:t>
+            </a:r>
+            <a:r>
+              <a:rPr lang="en-US" dirty="0">
+                <a:latin typeface="Courier New" panose="02070309020205020404" pitchFamily="49" charset="0"/>
+                <a:cs typeface="Courier New" panose="02070309020205020404" pitchFamily="49" charset="0"/>
+              </a:rPr>
+              <a:t>(b) </a:t>
             </a:r>
           </a:p>
           <a:p>
@@ -24670,37 +24711,34 @@
               <a:buNone/>
             </a:pPr>
             <a:r>
-              <a:rPr lang="en-US" dirty="0">
-                <a:cs typeface="Courier New" panose="02070309020205020404" pitchFamily="49" charset="0"/>
-              </a:rPr>
-              <a:t>What does this let us compare?</a:t>
+              <a:rPr lang="en-US" sz="2000" dirty="0">
+                <a:solidFill>
+                  <a:schemeClr val="accent6"/>
+                </a:solidFill>
+                <a:latin typeface="Courier New" panose="02070309020205020404" pitchFamily="49" charset="0"/>
+                <a:cs typeface="Courier New" panose="02070309020205020404" pitchFamily="49" charset="0"/>
+              </a:rPr>
+              <a:t>/* evaluates to true because c and b refer to the same string */</a:t>
             </a:r>
           </a:p>
           <a:p>
             <a:pPr marL="0" indent="0">
               <a:buNone/>
             </a:pPr>
-            <a:endParaRPr lang="en-US" dirty="0">
+            <a:endParaRPr lang="en-US" sz="2000" dirty="0">
+              <a:solidFill>
+                <a:schemeClr val="accent6"/>
+              </a:solidFill>
+              <a:latin typeface="Courier New" panose="02070309020205020404" pitchFamily="49" charset="0"/>
               <a:cs typeface="Courier New" panose="02070309020205020404" pitchFamily="49" charset="0"/>
             </a:endParaRPr>
-          </a:p>
-          <a:p>
-            <a:pPr marL="0" indent="0">
-              <a:buNone/>
-            </a:pPr>
-            <a:r>
-              <a:rPr lang="en-US" dirty="0">
-                <a:cs typeface="Courier New" panose="02070309020205020404" pitchFamily="49" charset="0"/>
-              </a:rPr>
-              <a:t>What are some examples of where this can be useful?</a:t>
-            </a:r>
           </a:p>
         </p:txBody>
       </p:sp>
     </p:spTree>
     <p:extLst>
       <p:ext uri="{BB962C8B-B14F-4D97-AF65-F5344CB8AC3E}">
-        <p14:creationId xmlns:p14="http://schemas.microsoft.com/office/powerpoint/2010/main" val="1493260520"/>
+        <p14:creationId xmlns:p14="http://schemas.microsoft.com/office/powerpoint/2010/main" val="1746487571"/>
       </p:ext>
     </p:extLst>
   </p:cSld>
@@ -24744,7 +24782,18 @@
           <a:p>
             <a:r>
               <a:rPr lang="en-US" dirty="0"/>
-              <a:t>Practice-It</a:t>
+              <a:t>Overriding the </a:t>
+            </a:r>
+            <a:r>
+              <a:rPr lang="en-US" dirty="0">
+                <a:latin typeface="Courier New" panose="02070309020205020404" pitchFamily="49" charset="0"/>
+                <a:cs typeface="Courier New" panose="02070309020205020404" pitchFamily="49" charset="0"/>
+              </a:rPr>
+              <a:t>equals</a:t>
+            </a:r>
+            <a:r>
+              <a:rPr lang="en-US" dirty="0"/>
+              <a:t> method:</a:t>
             </a:r>
           </a:p>
         </p:txBody>
@@ -24761,13 +24810,105 @@
         </p:nvSpPr>
         <p:spPr/>
         <p:txBody>
-          <a:bodyPr/>
+          <a:bodyPr>
+            <a:normAutofit/>
+          </a:bodyPr>
           <a:lstStyle/>
           <a:p>
             <a:pPr marL="0" indent="0">
               <a:buNone/>
             </a:pPr>
-            <a:endParaRPr lang="en-US" dirty="0">
+            <a:r>
+              <a:rPr lang="en-US" sz="2000" dirty="0">
+                <a:latin typeface="Courier New" panose="02070309020205020404" pitchFamily="49" charset="0"/>
+                <a:cs typeface="Courier New" panose="02070309020205020404" pitchFamily="49" charset="0"/>
+              </a:rPr>
+              <a:t>public </a:t>
+            </a:r>
+            <a:r>
+              <a:rPr lang="en-US" sz="2000" dirty="0" err="1">
+                <a:latin typeface="Courier New" panose="02070309020205020404" pitchFamily="49" charset="0"/>
+                <a:cs typeface="Courier New" panose="02070309020205020404" pitchFamily="49" charset="0"/>
+              </a:rPr>
+              <a:t>boolean</a:t>
+            </a:r>
+            <a:r>
+              <a:rPr lang="en-US" sz="2000" dirty="0">
+                <a:latin typeface="Courier New" panose="02070309020205020404" pitchFamily="49" charset="0"/>
+                <a:cs typeface="Courier New" panose="02070309020205020404" pitchFamily="49" charset="0"/>
+              </a:rPr>
+              <a:t> equals(Object o){</a:t>
+            </a:r>
+          </a:p>
+          <a:p>
+            <a:pPr marL="0" indent="0">
+              <a:buNone/>
+            </a:pPr>
+            <a:r>
+              <a:rPr lang="en-US" sz="2000" dirty="0">
+                <a:latin typeface="Courier New" panose="02070309020205020404" pitchFamily="49" charset="0"/>
+                <a:cs typeface="Courier New" panose="02070309020205020404" pitchFamily="49" charset="0"/>
+              </a:rPr>
+              <a:t>	Drink other = (Drink) o;</a:t>
+            </a:r>
+          </a:p>
+          <a:p>
+            <a:pPr marL="0" indent="0">
+              <a:buNone/>
+            </a:pPr>
+            <a:r>
+              <a:rPr lang="en-US" sz="2000" dirty="0">
+                <a:latin typeface="Courier New" panose="02070309020205020404" pitchFamily="49" charset="0"/>
+                <a:cs typeface="Courier New" panose="02070309020205020404" pitchFamily="49" charset="0"/>
+              </a:rPr>
+              <a:t>	return </a:t>
+            </a:r>
+            <a:r>
+              <a:rPr lang="en-US" sz="2000" dirty="0" err="1">
+                <a:latin typeface="Courier New" panose="02070309020205020404" pitchFamily="49" charset="0"/>
+                <a:cs typeface="Courier New" panose="02070309020205020404" pitchFamily="49" charset="0"/>
+              </a:rPr>
+              <a:t>name.equal</a:t>
+            </a:r>
+            <a:r>
+              <a:rPr lang="en-US" sz="2000" dirty="0">
+                <a:latin typeface="Courier New" panose="02070309020205020404" pitchFamily="49" charset="0"/>
+                <a:cs typeface="Courier New" panose="02070309020205020404" pitchFamily="49" charset="0"/>
+              </a:rPr>
+              <a:t>(other.name) &amp;&amp; ounces == </a:t>
+            </a:r>
+            <a:r>
+              <a:rPr lang="en-US" sz="2000" dirty="0" err="1">
+                <a:latin typeface="Courier New" panose="02070309020205020404" pitchFamily="49" charset="0"/>
+                <a:cs typeface="Courier New" panose="02070309020205020404" pitchFamily="49" charset="0"/>
+              </a:rPr>
+              <a:t>other.ounces</a:t>
+            </a:r>
+            <a:r>
+              <a:rPr lang="en-US" sz="2000" dirty="0">
+                <a:latin typeface="Courier New" panose="02070309020205020404" pitchFamily="49" charset="0"/>
+                <a:cs typeface="Courier New" panose="02070309020205020404" pitchFamily="49" charset="0"/>
+              </a:rPr>
+              <a:t>;</a:t>
+            </a:r>
+          </a:p>
+          <a:p>
+            <a:pPr marL="0" indent="0">
+              <a:buNone/>
+            </a:pPr>
+            <a:r>
+              <a:rPr lang="en-US" sz="2000" dirty="0">
+                <a:latin typeface="Courier New" panose="02070309020205020404" pitchFamily="49" charset="0"/>
+                <a:cs typeface="Courier New" panose="02070309020205020404" pitchFamily="49" charset="0"/>
+              </a:rPr>
+              <a:t>}</a:t>
+            </a:r>
+          </a:p>
+          <a:p>
+            <a:pPr marL="0" indent="0">
+              <a:buNone/>
+            </a:pPr>
+            <a:endParaRPr lang="en-US" sz="2000" dirty="0">
               <a:latin typeface="Courier New" panose="02070309020205020404" pitchFamily="49" charset="0"/>
               <a:cs typeface="Courier New" panose="02070309020205020404" pitchFamily="49" charset="0"/>
             </a:endParaRPr>
@@ -24777,14 +24918,17 @@
               <a:buNone/>
             </a:pPr>
             <a:r>
-              <a:rPr lang="en-US" dirty="0" err="1">
-                <a:latin typeface="Courier New" panose="02070309020205020404" pitchFamily="49" charset="0"/>
-                <a:cs typeface="Courier New" panose="02070309020205020404" pitchFamily="49" charset="0"/>
-              </a:rPr>
-              <a:t>subclassSyntax</a:t>
-            </a:r>
+              <a:rPr lang="en-US" dirty="0">
+                <a:cs typeface="Courier New" panose="02070309020205020404" pitchFamily="49" charset="0"/>
+              </a:rPr>
+              <a:t>What does this let us compare?</a:t>
+            </a:r>
+          </a:p>
+          <a:p>
+            <a:pPr marL="0" indent="0">
+              <a:buNone/>
+            </a:pPr>
             <a:endParaRPr lang="en-US" dirty="0">
-              <a:latin typeface="Courier New" panose="02070309020205020404" pitchFamily="49" charset="0"/>
               <a:cs typeface="Courier New" panose="02070309020205020404" pitchFamily="49" charset="0"/>
             </a:endParaRPr>
           </a:p>
@@ -24793,67 +24937,18 @@
               <a:buNone/>
             </a:pPr>
             <a:r>
-              <a:rPr lang="en-US" dirty="0" err="1">
-                <a:latin typeface="Courier New" panose="02070309020205020404" pitchFamily="49" charset="0"/>
-                <a:cs typeface="Courier New" panose="02070309020205020404" pitchFamily="49" charset="0"/>
-              </a:rPr>
-              <a:t>inheritanceVariableSyntax</a:t>
-            </a:r>
-            <a:endParaRPr lang="en-US" dirty="0">
-              <a:latin typeface="Courier New" panose="02070309020205020404" pitchFamily="49" charset="0"/>
-              <a:cs typeface="Courier New" panose="02070309020205020404" pitchFamily="49" charset="0"/>
-            </a:endParaRPr>
-          </a:p>
-          <a:p>
-            <a:pPr marL="0" indent="0">
-              <a:buNone/>
-            </a:pPr>
-            <a:r>
-              <a:rPr lang="en-US" dirty="0" err="1">
-                <a:latin typeface="Courier New" panose="02070309020205020404" pitchFamily="49" charset="0"/>
-                <a:cs typeface="Courier New" panose="02070309020205020404" pitchFamily="49" charset="0"/>
-              </a:rPr>
-              <a:t>CarTruck</a:t>
-            </a:r>
-            <a:endParaRPr lang="en-US" dirty="0">
-              <a:latin typeface="Courier New" panose="02070309020205020404" pitchFamily="49" charset="0"/>
-              <a:cs typeface="Courier New" panose="02070309020205020404" pitchFamily="49" charset="0"/>
-            </a:endParaRPr>
-          </a:p>
-          <a:p>
-            <a:pPr marL="0" indent="0">
-              <a:buNone/>
-            </a:pPr>
-            <a:r>
               <a:rPr lang="en-US" dirty="0">
-                <a:latin typeface="Courier New" panose="02070309020205020404" pitchFamily="49" charset="0"/>
-                <a:cs typeface="Courier New" panose="02070309020205020404" pitchFamily="49" charset="0"/>
-              </a:rPr>
-              <a:t>CarTruck2</a:t>
-            </a:r>
-          </a:p>
-          <a:p>
-            <a:pPr marL="0" indent="0">
-              <a:buNone/>
-            </a:pPr>
-            <a:r>
-              <a:rPr lang="en-US" dirty="0" err="1">
-                <a:latin typeface="Courier New" panose="02070309020205020404" pitchFamily="49" charset="0"/>
-                <a:cs typeface="Courier New" panose="02070309020205020404" pitchFamily="49" charset="0"/>
-              </a:rPr>
-              <a:t>MonsterTruck</a:t>
-            </a:r>
-            <a:endParaRPr lang="en-US" dirty="0">
-              <a:latin typeface="Courier New" panose="02070309020205020404" pitchFamily="49" charset="0"/>
-              <a:cs typeface="Courier New" panose="02070309020205020404" pitchFamily="49" charset="0"/>
-            </a:endParaRPr>
+                <a:cs typeface="Courier New" panose="02070309020205020404" pitchFamily="49" charset="0"/>
+              </a:rPr>
+              <a:t>What are some examples of where this can be useful?</a:t>
+            </a:r>
           </a:p>
         </p:txBody>
       </p:sp>
     </p:spTree>
     <p:extLst>
       <p:ext uri="{BB962C8B-B14F-4D97-AF65-F5344CB8AC3E}">
-        <p14:creationId xmlns:p14="http://schemas.microsoft.com/office/powerpoint/2010/main" val="2542628900"/>
+        <p14:creationId xmlns:p14="http://schemas.microsoft.com/office/powerpoint/2010/main" val="1493260520"/>
       </p:ext>
     </p:extLst>
   </p:cSld>
@@ -24944,22 +25039,85 @@
             <p:ph type="title"/>
           </p:nvPr>
         </p:nvSpPr>
-        <p:spPr>
-          <a:xfrm>
-            <a:off x="838200" y="2769347"/>
-            <a:ext cx="10515600" cy="1157288"/>
-          </a:xfrm>
-        </p:spPr>
+        <p:spPr/>
+        <p:txBody>
+          <a:bodyPr/>
+          <a:lstStyle/>
+          <a:p>
+            <a:r>
+              <a:rPr lang="en-US" dirty="0"/>
+              <a:t>Static vs Dynamic Binding</a:t>
+            </a:r>
+          </a:p>
+        </p:txBody>
+      </p:sp>
+      <p:sp>
+        <p:nvSpPr>
+          <p:cNvPr id="3" name="Content Placeholder 2"/>
+          <p:cNvSpPr>
+            <a:spLocks noGrp="1"/>
+          </p:cNvSpPr>
+          <p:nvPr>
+            <p:ph idx="1"/>
+          </p:nvPr>
+        </p:nvSpPr>
+        <p:spPr/>
         <p:txBody>
           <a:bodyPr>
             <a:normAutofit/>
           </a:bodyPr>
           <a:lstStyle/>
           <a:p>
-            <a:pPr algn="ctr"/>
-            <a:r>
-              <a:rPr lang="en-US" sz="4800" dirty="0"/>
-              <a:t>Worksheet</a:t>
+            <a:pPr marL="0" indent="0">
+              <a:buNone/>
+            </a:pPr>
+            <a:r>
+              <a:rPr lang="en-US" dirty="0">
+                <a:cs typeface="Courier New" panose="02070309020205020404" pitchFamily="49" charset="0"/>
+              </a:rPr>
+              <a:t>Static Binding</a:t>
+            </a:r>
+          </a:p>
+          <a:p>
+            <a:r>
+              <a:rPr lang="en-US" dirty="0">
+                <a:cs typeface="Courier New" panose="02070309020205020404" pitchFamily="49" charset="0"/>
+              </a:rPr>
+              <a:t>At compile time, methods in or inherited by the declared type determine the correctness of a non-static method </a:t>
+            </a:r>
+            <a:r>
+              <a:rPr lang="en-US">
+                <a:cs typeface="Courier New" panose="02070309020205020404" pitchFamily="49" charset="0"/>
+              </a:rPr>
+              <a:t>call </a:t>
+            </a:r>
+          </a:p>
+          <a:p>
+            <a:pPr marL="0" indent="0">
+              <a:buNone/>
+            </a:pPr>
+            <a:endParaRPr lang="en-US" dirty="0">
+              <a:cs typeface="Courier New" panose="02070309020205020404" pitchFamily="49" charset="0"/>
+            </a:endParaRPr>
+          </a:p>
+          <a:p>
+            <a:pPr marL="0" indent="0">
+              <a:buNone/>
+            </a:pPr>
+            <a:r>
+              <a:rPr lang="en-US" dirty="0"/>
+              <a:t>Dynamic Binding</a:t>
+            </a:r>
+            <a:endParaRPr lang="en-US" dirty="0">
+              <a:cs typeface="Courier New" panose="02070309020205020404" pitchFamily="49" charset="0"/>
+            </a:endParaRPr>
+          </a:p>
+          <a:p>
+            <a:r>
+              <a:rPr lang="en-US" dirty="0">
+                <a:cs typeface="Courier New" panose="02070309020205020404" pitchFamily="49" charset="0"/>
+              </a:rPr>
+              <a:t>At run-time, the method in the actual object type is executed for a non-static method call</a:t>
             </a:r>
           </a:p>
         </p:txBody>
@@ -24967,7 +25125,7 @@
     </p:spTree>
     <p:extLst>
       <p:ext uri="{BB962C8B-B14F-4D97-AF65-F5344CB8AC3E}">
-        <p14:creationId xmlns:p14="http://schemas.microsoft.com/office/powerpoint/2010/main" val="335546600"/>
+        <p14:creationId xmlns:p14="http://schemas.microsoft.com/office/powerpoint/2010/main" val="3076692110"/>
       </p:ext>
     </p:extLst>
   </p:cSld>
@@ -25006,14 +25164,12 @@
         </p:nvSpPr>
         <p:spPr/>
         <p:txBody>
-          <a:bodyPr>
-            <a:normAutofit/>
-          </a:bodyPr>
+          <a:bodyPr/>
           <a:lstStyle/>
           <a:p>
             <a:r>
               <a:rPr lang="en-US" dirty="0"/>
-              <a:t>Homework</a:t>
+              <a:t>Practice-It</a:t>
             </a:r>
           </a:p>
         </p:txBody>
@@ -25036,23 +25192,93 @@
             <a:pPr marL="0" indent="0">
               <a:buNone/>
             </a:pPr>
-            <a:r>
-              <a:rPr lang="en-US" dirty="0"/>
-              <a:t>Read HW 9.3 up to “Interpreting Inheritance Code”</a:t>
-            </a:r>
+            <a:endParaRPr lang="en-US" dirty="0">
+              <a:latin typeface="Courier New" panose="02070309020205020404" pitchFamily="49" charset="0"/>
+              <a:cs typeface="Courier New" panose="02070309020205020404" pitchFamily="49" charset="0"/>
+            </a:endParaRPr>
           </a:p>
           <a:p>
             <a:pPr marL="0" indent="0">
               <a:buNone/>
             </a:pPr>
-            <a:endParaRPr lang="en-US" dirty="0"/>
+            <a:r>
+              <a:rPr lang="en-US" dirty="0" err="1">
+                <a:latin typeface="Courier New" panose="02070309020205020404" pitchFamily="49" charset="0"/>
+                <a:cs typeface="Courier New" panose="02070309020205020404" pitchFamily="49" charset="0"/>
+              </a:rPr>
+              <a:t>subclassSyntax</a:t>
+            </a:r>
+            <a:endParaRPr lang="en-US" dirty="0">
+              <a:latin typeface="Courier New" panose="02070309020205020404" pitchFamily="49" charset="0"/>
+              <a:cs typeface="Courier New" panose="02070309020205020404" pitchFamily="49" charset="0"/>
+            </a:endParaRPr>
+          </a:p>
+          <a:p>
+            <a:pPr marL="0" indent="0">
+              <a:buNone/>
+            </a:pPr>
+            <a:r>
+              <a:rPr lang="en-US" dirty="0" err="1">
+                <a:latin typeface="Courier New" panose="02070309020205020404" pitchFamily="49" charset="0"/>
+                <a:cs typeface="Courier New" panose="02070309020205020404" pitchFamily="49" charset="0"/>
+              </a:rPr>
+              <a:t>inheritanceVariableSyntax</a:t>
+            </a:r>
+            <a:endParaRPr lang="en-US" dirty="0">
+              <a:latin typeface="Courier New" panose="02070309020205020404" pitchFamily="49" charset="0"/>
+              <a:cs typeface="Courier New" panose="02070309020205020404" pitchFamily="49" charset="0"/>
+            </a:endParaRPr>
+          </a:p>
+          <a:p>
+            <a:pPr marL="0" indent="0">
+              <a:buNone/>
+            </a:pPr>
+            <a:r>
+              <a:rPr lang="en-US" dirty="0" err="1">
+                <a:latin typeface="Courier New" panose="02070309020205020404" pitchFamily="49" charset="0"/>
+                <a:cs typeface="Courier New" panose="02070309020205020404" pitchFamily="49" charset="0"/>
+              </a:rPr>
+              <a:t>CarTruck</a:t>
+            </a:r>
+            <a:endParaRPr lang="en-US" dirty="0">
+              <a:latin typeface="Courier New" panose="02070309020205020404" pitchFamily="49" charset="0"/>
+              <a:cs typeface="Courier New" panose="02070309020205020404" pitchFamily="49" charset="0"/>
+            </a:endParaRPr>
+          </a:p>
+          <a:p>
+            <a:pPr marL="0" indent="0">
+              <a:buNone/>
+            </a:pPr>
+            <a:r>
+              <a:rPr lang="en-US" dirty="0">
+                <a:latin typeface="Courier New" panose="02070309020205020404" pitchFamily="49" charset="0"/>
+                <a:cs typeface="Courier New" panose="02070309020205020404" pitchFamily="49" charset="0"/>
+              </a:rPr>
+              <a:t>CarTruck2</a:t>
+            </a:r>
+          </a:p>
+          <a:p>
+            <a:pPr marL="0" indent="0">
+              <a:buNone/>
+            </a:pPr>
+            <a:r>
+              <a:rPr lang="en-US" dirty="0" err="1">
+                <a:latin typeface="Courier New" panose="02070309020205020404" pitchFamily="49" charset="0"/>
+                <a:cs typeface="Courier New" panose="02070309020205020404" pitchFamily="49" charset="0"/>
+              </a:rPr>
+              <a:t>MonsterTruck</a:t>
+            </a:r>
+            <a:endParaRPr lang="en-US" dirty="0">
+              <a:latin typeface="Courier New" panose="02070309020205020404" pitchFamily="49" charset="0"/>
+              <a:cs typeface="Courier New" panose="02070309020205020404" pitchFamily="49" charset="0"/>
+            </a:endParaRPr>
           </a:p>
         </p:txBody>
       </p:sp>
     </p:spTree>
     <p:extLst>
       <p:ext uri="{BB962C8B-B14F-4D97-AF65-F5344CB8AC3E}">
-        <p14:creationId xmlns:p14="http://schemas.microsoft.com/office/powerpoint/2010/main" val="499994446"/>
+        <p14:creationId xmlns:p14="http://schemas.microsoft.com/office/powerpoint/2010/main" val="2542628900"/>
       </p:ext>
     </p:extLst>
   </p:cSld>
@@ -25086,53 +25312,25 @@
             <a:spLocks noGrp="1"/>
           </p:cNvSpPr>
           <p:nvPr>
-            <p:ph type="ctrTitle"/>
+            <p:ph type="title"/>
           </p:nvPr>
         </p:nvSpPr>
         <p:spPr>
           <a:xfrm>
-            <a:off x="1524000" y="1177187"/>
-            <a:ext cx="9144000" cy="2387600"/>
+            <a:off x="838200" y="2769347"/>
+            <a:ext cx="10515600" cy="1157288"/>
           </a:xfrm>
         </p:spPr>
         <p:txBody>
-          <a:bodyPr/>
+          <a:bodyPr>
+            <a:normAutofit/>
+          </a:bodyPr>
           <a:lstStyle/>
           <a:p>
-            <a:r>
-              <a:rPr lang="en-US" dirty="0"/>
-              <a:t>Polymorphism</a:t>
-            </a:r>
-          </a:p>
-        </p:txBody>
-      </p:sp>
-      <p:sp>
-        <p:nvSpPr>
-          <p:cNvPr id="3" name="Subtitle 2"/>
-          <p:cNvSpPr>
-            <a:spLocks noGrp="1"/>
-          </p:cNvSpPr>
-          <p:nvPr>
-            <p:ph type="subTitle" idx="1"/>
-          </p:nvPr>
-        </p:nvSpPr>
-        <p:spPr>
-          <a:xfrm>
-            <a:off x="1524000" y="3656862"/>
-            <a:ext cx="9144000" cy="1655762"/>
-          </a:xfrm>
-        </p:spPr>
-        <p:txBody>
-          <a:bodyPr/>
-          <a:lstStyle/>
-          <a:p>
-            <a:r>
-              <a:rPr lang="en-US"/>
-              <a:t>[ 6.04 ] </a:t>
-            </a:r>
-            <a:r>
-              <a:rPr lang="en-US" dirty="0"/>
-              <a:t>[ Today’s Date ] [ Instructor Name ]</a:t>
+            <a:pPr algn="ctr"/>
+            <a:r>
+              <a:rPr lang="en-US" sz="4800" dirty="0"/>
+              <a:t>Worksheet</a:t>
             </a:r>
           </a:p>
         </p:txBody>
@@ -25140,7 +25338,7 @@
     </p:spTree>
     <p:extLst>
       <p:ext uri="{BB962C8B-B14F-4D97-AF65-F5344CB8AC3E}">
-        <p14:creationId xmlns:p14="http://schemas.microsoft.com/office/powerpoint/2010/main" val="2044580090"/>
+        <p14:creationId xmlns:p14="http://schemas.microsoft.com/office/powerpoint/2010/main" val="335546600"/>
       </p:ext>
     </p:extLst>
   </p:cSld>
@@ -25179,12 +25377,14 @@
         </p:nvSpPr>
         <p:spPr/>
         <p:txBody>
-          <a:bodyPr/>
+          <a:bodyPr>
+            <a:normAutofit/>
+          </a:bodyPr>
           <a:lstStyle/>
           <a:p>
             <a:r>
               <a:rPr lang="en-US" dirty="0"/>
-              <a:t>Review: subclass vs. superclass</a:t>
+              <a:t>Homework</a:t>
             </a:r>
           </a:p>
         </p:txBody>
@@ -25209,7 +25409,7 @@
             </a:pPr>
             <a:r>
               <a:rPr lang="en-US" dirty="0"/>
-              <a:t>subclass “extends” superclass</a:t>
+              <a:t>Read HW 9.3 up to “Interpreting Inheritance Code”</a:t>
             </a:r>
           </a:p>
           <a:p>
@@ -25217,46 +25417,13 @@
               <a:buNone/>
             </a:pPr>
             <a:endParaRPr lang="en-US" dirty="0"/>
-          </a:p>
-          <a:p>
-            <a:pPr marL="0" indent="0">
-              <a:buNone/>
-            </a:pPr>
-            <a:r>
-              <a:rPr lang="en-US" dirty="0"/>
-              <a:t>superclass: 	More general, less capability</a:t>
-            </a:r>
-          </a:p>
-          <a:p>
-            <a:pPr marL="0" indent="0">
-              <a:buNone/>
-            </a:pPr>
-            <a:r>
-              <a:rPr lang="en-US" dirty="0"/>
-              <a:t>subclass: 	More specific, more capability</a:t>
-            </a:r>
-          </a:p>
-          <a:p>
-            <a:pPr marL="0" indent="0">
-              <a:buNone/>
-            </a:pPr>
-            <a:endParaRPr lang="en-US" dirty="0"/>
-          </a:p>
-          <a:p>
-            <a:pPr marL="0" indent="0">
-              <a:buNone/>
-            </a:pPr>
-            <a:r>
-              <a:rPr lang="en-US" dirty="0"/>
-              <a:t>Think of a subclass as being “better” than a superclass.</a:t>
-            </a:r>
           </a:p>
         </p:txBody>
       </p:sp>
     </p:spTree>
     <p:extLst>
       <p:ext uri="{BB962C8B-B14F-4D97-AF65-F5344CB8AC3E}">
-        <p14:creationId xmlns:p14="http://schemas.microsoft.com/office/powerpoint/2010/main" val="3665013851"/>
+        <p14:creationId xmlns:p14="http://schemas.microsoft.com/office/powerpoint/2010/main" val="499994446"/>
       </p:ext>
     </p:extLst>
   </p:cSld>
@@ -25290,141 +25457,53 @@
             <a:spLocks noGrp="1"/>
           </p:cNvSpPr>
           <p:nvPr>
-            <p:ph type="title"/>
+            <p:ph type="ctrTitle"/>
           </p:nvPr>
         </p:nvSpPr>
-        <p:spPr/>
+        <p:spPr>
+          <a:xfrm>
+            <a:off x="1524000" y="1177187"/>
+            <a:ext cx="9144000" cy="2387600"/>
+          </a:xfrm>
+        </p:spPr>
         <p:txBody>
-          <a:bodyPr>
-            <a:normAutofit/>
-          </a:bodyPr>
+          <a:bodyPr/>
           <a:lstStyle/>
           <a:p>
             <a:r>
               <a:rPr lang="en-US" dirty="0"/>
-              <a:t>Variables and Classes</a:t>
+              <a:t>Polymorphism</a:t>
             </a:r>
           </a:p>
         </p:txBody>
       </p:sp>
       <p:sp>
         <p:nvSpPr>
-          <p:cNvPr id="3" name="Content Placeholder 2"/>
+          <p:cNvPr id="3" name="Subtitle 2"/>
           <p:cNvSpPr>
             <a:spLocks noGrp="1"/>
           </p:cNvSpPr>
           <p:nvPr>
-            <p:ph idx="1"/>
+            <p:ph type="subTitle" idx="1"/>
           </p:nvPr>
         </p:nvSpPr>
-        <p:spPr/>
+        <p:spPr>
+          <a:xfrm>
+            <a:off x="1524000" y="3656862"/>
+            <a:ext cx="9144000" cy="1655762"/>
+          </a:xfrm>
+        </p:spPr>
         <p:txBody>
           <a:bodyPr/>
           <a:lstStyle/>
           <a:p>
-            <a:pPr marL="0" indent="0">
-              <a:buNone/>
-            </a:pPr>
+            <a:r>
+              <a:rPr lang="en-US"/>
+              <a:t>[ 6.04 ] </a:t>
+            </a:r>
             <a:r>
               <a:rPr lang="en-US" dirty="0"/>
-              <a:t>Variable can hold objects of its type or “better” (subclass is “better”!)</a:t>
-            </a:r>
-          </a:p>
-          <a:p>
-            <a:pPr marL="0" indent="0">
-              <a:buNone/>
-            </a:pPr>
-            <a:endParaRPr lang="en-US" dirty="0"/>
-          </a:p>
-          <a:p>
-            <a:pPr marL="0" indent="0">
-              <a:buNone/>
-            </a:pPr>
-            <a:r>
-              <a:rPr lang="en-US" dirty="0"/>
-              <a:t>Same goes for parameters and fields.</a:t>
-            </a:r>
-          </a:p>
-          <a:p>
-            <a:pPr marL="0" indent="0">
-              <a:buNone/>
-            </a:pPr>
-            <a:endParaRPr lang="en-US" dirty="0"/>
-          </a:p>
-          <a:p>
-            <a:pPr marL="0" indent="0">
-              <a:buNone/>
-            </a:pPr>
-            <a:r>
-              <a:rPr lang="en-US" dirty="0"/>
-              <a:t>If:	</a:t>
-            </a:r>
-            <a:r>
-              <a:rPr lang="en-US" dirty="0">
-                <a:latin typeface="Courier New" panose="02070309020205020404" pitchFamily="49" charset="0"/>
-                <a:cs typeface="Courier New" panose="02070309020205020404" pitchFamily="49" charset="0"/>
-              </a:rPr>
-              <a:t>public class Lion extends Animal { … }</a:t>
-            </a:r>
-          </a:p>
-          <a:p>
-            <a:pPr marL="0" indent="0">
-              <a:buNone/>
-            </a:pPr>
-            <a:r>
-              <a:rPr lang="en-US" dirty="0"/>
-              <a:t>Then:	</a:t>
-            </a:r>
-            <a:r>
-              <a:rPr lang="en-US" dirty="0">
-                <a:latin typeface="Courier New" panose="02070309020205020404" pitchFamily="49" charset="0"/>
-                <a:cs typeface="Courier New" panose="02070309020205020404" pitchFamily="49" charset="0"/>
-              </a:rPr>
-              <a:t>Animal </a:t>
-            </a:r>
-            <a:r>
-              <a:rPr lang="en-US" dirty="0" err="1">
-                <a:latin typeface="Courier New" panose="02070309020205020404" pitchFamily="49" charset="0"/>
-                <a:cs typeface="Courier New" panose="02070309020205020404" pitchFamily="49" charset="0"/>
-              </a:rPr>
-              <a:t>simba</a:t>
-            </a:r>
-            <a:r>
-              <a:rPr lang="en-US" dirty="0">
-                <a:latin typeface="Courier New" panose="02070309020205020404" pitchFamily="49" charset="0"/>
-                <a:cs typeface="Courier New" panose="02070309020205020404" pitchFamily="49" charset="0"/>
-              </a:rPr>
-              <a:t> = new Animal();</a:t>
-            </a:r>
-          </a:p>
-          <a:p>
-            <a:pPr marL="0" indent="0">
-              <a:buNone/>
-            </a:pPr>
-            <a:r>
-              <a:rPr lang="en-US" dirty="0"/>
-              <a:t>Or:	</a:t>
-            </a:r>
-            <a:r>
-              <a:rPr lang="en-US" dirty="0">
-                <a:latin typeface="Courier New" panose="02070309020205020404" pitchFamily="49" charset="0"/>
-                <a:cs typeface="Courier New" panose="02070309020205020404" pitchFamily="49" charset="0"/>
-              </a:rPr>
-              <a:t>Animal </a:t>
-            </a:r>
-            <a:r>
-              <a:rPr lang="en-US" dirty="0" err="1">
-                <a:latin typeface="Courier New" panose="02070309020205020404" pitchFamily="49" charset="0"/>
-                <a:cs typeface="Courier New" panose="02070309020205020404" pitchFamily="49" charset="0"/>
-              </a:rPr>
-              <a:t>simba</a:t>
-            </a:r>
-            <a:r>
-              <a:rPr lang="en-US" dirty="0">
-                <a:latin typeface="Courier New" panose="02070309020205020404" pitchFamily="49" charset="0"/>
-                <a:cs typeface="Courier New" panose="02070309020205020404" pitchFamily="49" charset="0"/>
-              </a:rPr>
-              <a:t> = new Lion();</a:t>
+              <a:t>[ Today’s Date ] [ Instructor Name ]</a:t>
             </a:r>
           </a:p>
         </p:txBody>
@@ -25432,7 +25511,7 @@
     </p:spTree>
     <p:extLst>
       <p:ext uri="{BB962C8B-B14F-4D97-AF65-F5344CB8AC3E}">
-        <p14:creationId xmlns:p14="http://schemas.microsoft.com/office/powerpoint/2010/main" val="4059656631"/>
+        <p14:creationId xmlns:p14="http://schemas.microsoft.com/office/powerpoint/2010/main" val="2044580090"/>
       </p:ext>
     </p:extLst>
   </p:cSld>
@@ -25471,14 +25550,12 @@
         </p:nvSpPr>
         <p:spPr/>
         <p:txBody>
-          <a:bodyPr>
-            <a:normAutofit/>
-          </a:bodyPr>
+          <a:bodyPr/>
           <a:lstStyle/>
           <a:p>
             <a:r>
               <a:rPr lang="en-US" dirty="0"/>
-              <a:t>Variables and Classes</a:t>
+              <a:t>Review: subclass vs. superclass</a:t>
             </a:r>
           </a:p>
         </p:txBody>
@@ -25503,7 +25580,7 @@
             </a:pPr>
             <a:r>
               <a:rPr lang="en-US" dirty="0"/>
-              <a:t>The reverse is NOT true!</a:t>
+              <a:t>subclass “extends” superclass</a:t>
             </a:r>
           </a:p>
           <a:p>
@@ -25516,7 +25593,19 @@
             <a:pPr marL="0" indent="0">
               <a:buNone/>
             </a:pPr>
-            <a:endParaRPr lang="en-US" dirty="0"/>
+            <a:r>
+              <a:rPr lang="en-US" dirty="0"/>
+              <a:t>superclass: 	More general, less capability</a:t>
+            </a:r>
+          </a:p>
+          <a:p>
+            <a:pPr marL="0" indent="0">
+              <a:buNone/>
+            </a:pPr>
+            <a:r>
+              <a:rPr lang="en-US" dirty="0"/>
+              <a:t>subclass: 	More specific, more capability</a:t>
+            </a:r>
           </a:p>
           <a:p>
             <a:pPr marL="0" indent="0">
@@ -25530,109 +25619,15 @@
             </a:pPr>
             <a:r>
               <a:rPr lang="en-US" dirty="0"/>
-              <a:t>If:	</a:t>
-            </a:r>
-            <a:r>
-              <a:rPr lang="en-US" dirty="0">
-                <a:latin typeface="Courier New" panose="02070309020205020404" pitchFamily="49" charset="0"/>
-                <a:cs typeface="Courier New" panose="02070309020205020404" pitchFamily="49" charset="0"/>
-              </a:rPr>
-              <a:t>public class Lion extends Animal { … }</a:t>
-            </a:r>
-          </a:p>
-          <a:p>
-            <a:pPr marL="0" indent="0">
-              <a:buNone/>
-            </a:pPr>
-            <a:r>
-              <a:rPr lang="en-US" dirty="0"/>
-              <a:t>Then:	</a:t>
-            </a:r>
-            <a:r>
-              <a:rPr lang="en-US" dirty="0">
-                <a:latin typeface="Courier New" panose="02070309020205020404" pitchFamily="49" charset="0"/>
-                <a:cs typeface="Courier New" panose="02070309020205020404" pitchFamily="49" charset="0"/>
-              </a:rPr>
-              <a:t>Lion </a:t>
-            </a:r>
-            <a:r>
-              <a:rPr lang="en-US" dirty="0" err="1">
-                <a:latin typeface="Courier New" panose="02070309020205020404" pitchFamily="49" charset="0"/>
-                <a:cs typeface="Courier New" panose="02070309020205020404" pitchFamily="49" charset="0"/>
-              </a:rPr>
-              <a:t>simba</a:t>
-            </a:r>
-            <a:r>
-              <a:rPr lang="en-US" dirty="0">
-                <a:latin typeface="Courier New" panose="02070309020205020404" pitchFamily="49" charset="0"/>
-                <a:cs typeface="Courier New" panose="02070309020205020404" pitchFamily="49" charset="0"/>
-              </a:rPr>
-              <a:t> = new Lion();</a:t>
-            </a:r>
-          </a:p>
-          <a:p>
-            <a:pPr marL="0" indent="0">
-              <a:buNone/>
-            </a:pPr>
-            <a:r>
-              <a:rPr lang="en-US" strike="sngStrike" dirty="0">
-                <a:solidFill>
-                  <a:srgbClr val="FF0000"/>
-                </a:solidFill>
-              </a:rPr>
-              <a:t>NOT:	</a:t>
-            </a:r>
-            <a:r>
-              <a:rPr lang="en-US" strike="sngStrike" dirty="0">
-                <a:solidFill>
-                  <a:srgbClr val="FF0000"/>
-                </a:solidFill>
-                <a:latin typeface="Courier New" panose="02070309020205020404" pitchFamily="49" charset="0"/>
-                <a:cs typeface="Courier New" panose="02070309020205020404" pitchFamily="49" charset="0"/>
-              </a:rPr>
-              <a:t>Lion </a:t>
-            </a:r>
-            <a:r>
-              <a:rPr lang="en-US" strike="sngStrike" dirty="0" err="1">
-                <a:solidFill>
-                  <a:srgbClr val="FF0000"/>
-                </a:solidFill>
-                <a:latin typeface="Courier New" panose="02070309020205020404" pitchFamily="49" charset="0"/>
-                <a:cs typeface="Courier New" panose="02070309020205020404" pitchFamily="49" charset="0"/>
-              </a:rPr>
-              <a:t>simba</a:t>
-            </a:r>
-            <a:r>
-              <a:rPr lang="en-US" strike="sngStrike" dirty="0">
-                <a:solidFill>
-                  <a:srgbClr val="FF0000"/>
-                </a:solidFill>
-                <a:latin typeface="Courier New" panose="02070309020205020404" pitchFamily="49" charset="0"/>
-                <a:cs typeface="Courier New" panose="02070309020205020404" pitchFamily="49" charset="0"/>
-              </a:rPr>
-              <a:t> = new Animal();</a:t>
-            </a:r>
-            <a:r>
-              <a:rPr lang="en-US" dirty="0">
-                <a:latin typeface="Courier New" panose="02070309020205020404" pitchFamily="49" charset="0"/>
-                <a:cs typeface="Courier New" panose="02070309020205020404" pitchFamily="49" charset="0"/>
-              </a:rPr>
-              <a:t> (Lions &gt; Animals)</a:t>
-            </a:r>
-            <a:endParaRPr lang="en-US" strike="sngStrike" dirty="0">
-              <a:solidFill>
-                <a:srgbClr val="FF0000"/>
-              </a:solidFill>
-              <a:latin typeface="Courier New" panose="02070309020205020404" pitchFamily="49" charset="0"/>
-              <a:cs typeface="Courier New" panose="02070309020205020404" pitchFamily="49" charset="0"/>
-            </a:endParaRPr>
+              <a:t>Think of a subclass as being “better” than a superclass.</a:t>
+            </a:r>
           </a:p>
         </p:txBody>
       </p:sp>
     </p:spTree>
     <p:extLst>
       <p:ext uri="{BB962C8B-B14F-4D97-AF65-F5344CB8AC3E}">
-        <p14:creationId xmlns:p14="http://schemas.microsoft.com/office/powerpoint/2010/main" val="2523262568"/>
+        <p14:creationId xmlns:p14="http://schemas.microsoft.com/office/powerpoint/2010/main" val="3665013851"/>
       </p:ext>
     </p:extLst>
   </p:cSld>
@@ -25671,12 +25666,14 @@
         </p:nvSpPr>
         <p:spPr/>
         <p:txBody>
-          <a:bodyPr/>
+          <a:bodyPr>
+            <a:normAutofit/>
+          </a:bodyPr>
           <a:lstStyle/>
           <a:p>
             <a:r>
               <a:rPr lang="en-US" dirty="0"/>
-              <a:t>Once again:</a:t>
+              <a:t>Variables and Classes</a:t>
             </a:r>
           </a:p>
         </p:txBody>
@@ -25701,7 +25698,7 @@
             </a:pPr>
             <a:r>
               <a:rPr lang="en-US" dirty="0"/>
-              <a:t>IF a variable points to an objects…</a:t>
+              <a:t>Variable can hold objects of its type or “better” (subclass is “better”!)</a:t>
             </a:r>
           </a:p>
           <a:p>
@@ -25716,7 +25713,7 @@
             </a:pPr>
             <a:r>
               <a:rPr lang="en-US" dirty="0"/>
-              <a:t>THEN the object must be of the same type as the variable or “better”</a:t>
+              <a:t>Same goes for parameters and fields.</a:t>
             </a:r>
           </a:p>
           <a:p>
@@ -25729,7 +25726,17 @@
             <a:pPr marL="0" indent="0">
               <a:buNone/>
             </a:pPr>
-            <a:endParaRPr lang="en-US" dirty="0"/>
+            <a:r>
+              <a:rPr lang="en-US" dirty="0"/>
+              <a:t>If:	</a:t>
+            </a:r>
+            <a:r>
+              <a:rPr lang="en-US" dirty="0">
+                <a:latin typeface="Courier New" panose="02070309020205020404" pitchFamily="49" charset="0"/>
+                <a:cs typeface="Courier New" panose="02070309020205020404" pitchFamily="49" charset="0"/>
+              </a:rPr>
+              <a:t>public class Lion extends Animal { … }</a:t>
+            </a:r>
           </a:p>
           <a:p>
             <a:pPr marL="0" indent="0">
@@ -25737,7 +25744,58 @@
             </a:pPr>
             <a:r>
               <a:rPr lang="en-US" dirty="0"/>
-              <a:t>That means that the object can be a subtype of the variable type!</a:t>
+              <a:t>Then:	</a:t>
+            </a:r>
+            <a:r>
+              <a:rPr lang="en-US" dirty="0">
+                <a:latin typeface="Courier New" panose="02070309020205020404" pitchFamily="49" charset="0"/>
+                <a:cs typeface="Courier New" panose="02070309020205020404" pitchFamily="49" charset="0"/>
+              </a:rPr>
+              <a:t>Animal </a:t>
+            </a:r>
+            <a:r>
+              <a:rPr lang="en-US" dirty="0" err="1">
+                <a:latin typeface="Courier New" panose="02070309020205020404" pitchFamily="49" charset="0"/>
+                <a:cs typeface="Courier New" panose="02070309020205020404" pitchFamily="49" charset="0"/>
+              </a:rPr>
+              <a:t>simba</a:t>
+            </a:r>
+            <a:r>
+              <a:rPr lang="en-US" dirty="0">
+                <a:latin typeface="Courier New" panose="02070309020205020404" pitchFamily="49" charset="0"/>
+                <a:cs typeface="Courier New" panose="02070309020205020404" pitchFamily="49" charset="0"/>
+              </a:rPr>
+              <a:t> = new Animal();</a:t>
+            </a:r>
+          </a:p>
+          <a:p>
+            <a:pPr marL="0" indent="0">
+              <a:buNone/>
+            </a:pPr>
+            <a:r>
+              <a:rPr lang="en-US" dirty="0"/>
+              <a:t>Or:	</a:t>
+            </a:r>
+            <a:r>
+              <a:rPr lang="en-US" dirty="0">
+                <a:latin typeface="Courier New" panose="02070309020205020404" pitchFamily="49" charset="0"/>
+                <a:cs typeface="Courier New" panose="02070309020205020404" pitchFamily="49" charset="0"/>
+              </a:rPr>
+              <a:t>Animal </a:t>
+            </a:r>
+            <a:r>
+              <a:rPr lang="en-US" dirty="0" err="1">
+                <a:latin typeface="Courier New" panose="02070309020205020404" pitchFamily="49" charset="0"/>
+                <a:cs typeface="Courier New" panose="02070309020205020404" pitchFamily="49" charset="0"/>
+              </a:rPr>
+              <a:t>simba</a:t>
+            </a:r>
+            <a:r>
+              <a:rPr lang="en-US" dirty="0">
+                <a:latin typeface="Courier New" panose="02070309020205020404" pitchFamily="49" charset="0"/>
+                <a:cs typeface="Courier New" panose="02070309020205020404" pitchFamily="49" charset="0"/>
+              </a:rPr>
+              <a:t> = new Lion();</a:t>
             </a:r>
           </a:p>
         </p:txBody>
@@ -25745,7 +25803,7 @@
     </p:spTree>
     <p:extLst>
       <p:ext uri="{BB962C8B-B14F-4D97-AF65-F5344CB8AC3E}">
-        <p14:creationId xmlns:p14="http://schemas.microsoft.com/office/powerpoint/2010/main" val="1506096866"/>
+        <p14:creationId xmlns:p14="http://schemas.microsoft.com/office/powerpoint/2010/main" val="4059656631"/>
       </p:ext>
     </p:extLst>
   </p:cSld>
@@ -25784,12 +25842,14 @@
         </p:nvSpPr>
         <p:spPr/>
         <p:txBody>
-          <a:bodyPr/>
+          <a:bodyPr>
+            <a:normAutofit/>
+          </a:bodyPr>
           <a:lstStyle/>
           <a:p>
             <a:r>
               <a:rPr lang="en-US" dirty="0"/>
-              <a:t>Polymorphism</a:t>
+              <a:t>Variables and Classes</a:t>
             </a:r>
           </a:p>
         </p:txBody>
@@ -25814,7 +25874,7 @@
             </a:pPr>
             <a:r>
               <a:rPr lang="en-US" dirty="0"/>
-              <a:t>The ability to use the same code with different types of objects and behave differently with each.</a:t>
+              <a:t>The reverse is NOT true!</a:t>
             </a:r>
           </a:p>
           <a:p>
@@ -25827,27 +25887,7 @@
             <a:pPr marL="0" indent="0">
               <a:buNone/>
             </a:pPr>
-            <a:r>
-              <a:rPr lang="en-US" dirty="0">
-                <a:latin typeface="Courier New" panose="02070309020205020404" pitchFamily="49" charset="0"/>
-                <a:cs typeface="Courier New" panose="02070309020205020404" pitchFamily="49" charset="0"/>
-              </a:rPr>
-              <a:t>Animal </a:t>
-            </a:r>
-            <a:r>
-              <a:rPr lang="en-US" dirty="0" err="1">
-                <a:latin typeface="Courier New" panose="02070309020205020404" pitchFamily="49" charset="0"/>
-                <a:cs typeface="Courier New" panose="02070309020205020404" pitchFamily="49" charset="0"/>
-              </a:rPr>
-              <a:t>simba</a:t>
-            </a:r>
-            <a:r>
-              <a:rPr lang="en-US" dirty="0">
-                <a:latin typeface="Courier New" panose="02070309020205020404" pitchFamily="49" charset="0"/>
-                <a:cs typeface="Courier New" panose="02070309020205020404" pitchFamily="49" charset="0"/>
-              </a:rPr>
-              <a:t> = new Lion();</a:t>
-            </a:r>
+            <a:endParaRPr lang="en-US" dirty="0"/>
           </a:p>
           <a:p>
             <a:pPr marL="0" indent="0">
@@ -25861,15 +25901,109 @@
             </a:pPr>
             <a:r>
               <a:rPr lang="en-US" dirty="0"/>
-              <a:t>What behaviors does this object have?</a:t>
-            </a:r>
+              <a:t>If:	</a:t>
+            </a:r>
+            <a:r>
+              <a:rPr lang="en-US" dirty="0">
+                <a:latin typeface="Courier New" panose="02070309020205020404" pitchFamily="49" charset="0"/>
+                <a:cs typeface="Courier New" panose="02070309020205020404" pitchFamily="49" charset="0"/>
+              </a:rPr>
+              <a:t>public class Lion extends Animal { … }</a:t>
+            </a:r>
+          </a:p>
+          <a:p>
+            <a:pPr marL="0" indent="0">
+              <a:buNone/>
+            </a:pPr>
+            <a:r>
+              <a:rPr lang="en-US" dirty="0"/>
+              <a:t>Then:	</a:t>
+            </a:r>
+            <a:r>
+              <a:rPr lang="en-US" dirty="0">
+                <a:latin typeface="Courier New" panose="02070309020205020404" pitchFamily="49" charset="0"/>
+                <a:cs typeface="Courier New" panose="02070309020205020404" pitchFamily="49" charset="0"/>
+              </a:rPr>
+              <a:t>Lion </a:t>
+            </a:r>
+            <a:r>
+              <a:rPr lang="en-US" dirty="0" err="1">
+                <a:latin typeface="Courier New" panose="02070309020205020404" pitchFamily="49" charset="0"/>
+                <a:cs typeface="Courier New" panose="02070309020205020404" pitchFamily="49" charset="0"/>
+              </a:rPr>
+              <a:t>simba</a:t>
+            </a:r>
+            <a:r>
+              <a:rPr lang="en-US" dirty="0">
+                <a:latin typeface="Courier New" panose="02070309020205020404" pitchFamily="49" charset="0"/>
+                <a:cs typeface="Courier New" panose="02070309020205020404" pitchFamily="49" charset="0"/>
+              </a:rPr>
+              <a:t> = new Lion();</a:t>
+            </a:r>
+          </a:p>
+          <a:p>
+            <a:pPr marL="0" indent="0">
+              <a:buNone/>
+            </a:pPr>
+            <a:r>
+              <a:rPr lang="en-US" strike="sngStrike" dirty="0">
+                <a:solidFill>
+                  <a:srgbClr val="FF0000"/>
+                </a:solidFill>
+              </a:rPr>
+              <a:t>NOT:	</a:t>
+            </a:r>
+            <a:r>
+              <a:rPr lang="en-US" strike="sngStrike" dirty="0">
+                <a:solidFill>
+                  <a:srgbClr val="FF0000"/>
+                </a:solidFill>
+                <a:latin typeface="Courier New" panose="02070309020205020404" pitchFamily="49" charset="0"/>
+                <a:cs typeface="Courier New" panose="02070309020205020404" pitchFamily="49" charset="0"/>
+              </a:rPr>
+              <a:t>Lion </a:t>
+            </a:r>
+            <a:r>
+              <a:rPr lang="en-US" strike="sngStrike" dirty="0" err="1">
+                <a:solidFill>
+                  <a:srgbClr val="FF0000"/>
+                </a:solidFill>
+                <a:latin typeface="Courier New" panose="02070309020205020404" pitchFamily="49" charset="0"/>
+                <a:cs typeface="Courier New" panose="02070309020205020404" pitchFamily="49" charset="0"/>
+              </a:rPr>
+              <a:t>simba</a:t>
+            </a:r>
+            <a:r>
+              <a:rPr lang="en-US" strike="sngStrike" dirty="0">
+                <a:solidFill>
+                  <a:srgbClr val="FF0000"/>
+                </a:solidFill>
+                <a:latin typeface="Courier New" panose="02070309020205020404" pitchFamily="49" charset="0"/>
+                <a:cs typeface="Courier New" panose="02070309020205020404" pitchFamily="49" charset="0"/>
+              </a:rPr>
+              <a:t> = new Animal();</a:t>
+            </a:r>
+            <a:r>
+              <a:rPr lang="en-US" dirty="0">
+                <a:latin typeface="Courier New" panose="02070309020205020404" pitchFamily="49" charset="0"/>
+                <a:cs typeface="Courier New" panose="02070309020205020404" pitchFamily="49" charset="0"/>
+              </a:rPr>
+              <a:t> (Lions &gt; Animals)</a:t>
+            </a:r>
+            <a:endParaRPr lang="en-US" strike="sngStrike" dirty="0">
+              <a:solidFill>
+                <a:srgbClr val="FF0000"/>
+              </a:solidFill>
+              <a:latin typeface="Courier New" panose="02070309020205020404" pitchFamily="49" charset="0"/>
+              <a:cs typeface="Courier New" panose="02070309020205020404" pitchFamily="49" charset="0"/>
+            </a:endParaRPr>
           </a:p>
         </p:txBody>
       </p:sp>
     </p:spTree>
     <p:extLst>
       <p:ext uri="{BB962C8B-B14F-4D97-AF65-F5344CB8AC3E}">
-        <p14:creationId xmlns:p14="http://schemas.microsoft.com/office/powerpoint/2010/main" val="1384254036"/>
+        <p14:creationId xmlns:p14="http://schemas.microsoft.com/office/powerpoint/2010/main" val="2523262568"/>
       </p:ext>
     </p:extLst>
   </p:cSld>
@@ -25913,7 +26047,7 @@
           <a:p>
             <a:r>
               <a:rPr lang="en-US" dirty="0"/>
-              <a:t>Polymorphism</a:t>
+              <a:t>Once again:</a:t>
             </a:r>
           </a:p>
         </p:txBody>
@@ -25937,123 +26071,44 @@
               <a:buNone/>
             </a:pPr>
             <a:r>
-              <a:rPr lang="en-US" dirty="0">
-                <a:latin typeface="Courier New" panose="02070309020205020404" pitchFamily="49" charset="0"/>
-                <a:cs typeface="Courier New" panose="02070309020205020404" pitchFamily="49" charset="0"/>
-              </a:rPr>
-              <a:t>public class Lion extends Animal { … }</a:t>
+              <a:rPr lang="en-US" dirty="0"/>
+              <a:t>IF a variable points to an objects…</a:t>
             </a:r>
           </a:p>
           <a:p>
             <a:pPr marL="0" indent="0">
               <a:buNone/>
             </a:pPr>
-            <a:endParaRPr lang="en-US" dirty="0">
-              <a:latin typeface="Courier New" panose="02070309020205020404" pitchFamily="49" charset="0"/>
-              <a:cs typeface="Courier New" panose="02070309020205020404" pitchFamily="49" charset="0"/>
-            </a:endParaRPr>
+            <a:endParaRPr lang="en-US" dirty="0"/>
           </a:p>
           <a:p>
             <a:pPr marL="0" indent="0">
               <a:buNone/>
             </a:pPr>
             <a:r>
-              <a:rPr lang="en-US" dirty="0">
-                <a:latin typeface="Courier New" panose="02070309020205020404" pitchFamily="49" charset="0"/>
-                <a:cs typeface="Courier New" panose="02070309020205020404" pitchFamily="49" charset="0"/>
-              </a:rPr>
-              <a:t>Animal </a:t>
-            </a:r>
-            <a:r>
-              <a:rPr lang="en-US" dirty="0" err="1">
-                <a:latin typeface="Courier New" panose="02070309020205020404" pitchFamily="49" charset="0"/>
-                <a:cs typeface="Courier New" panose="02070309020205020404" pitchFamily="49" charset="0"/>
-              </a:rPr>
-              <a:t>simba</a:t>
-            </a:r>
-            <a:r>
-              <a:rPr lang="en-US" dirty="0">
-                <a:latin typeface="Courier New" panose="02070309020205020404" pitchFamily="49" charset="0"/>
-                <a:cs typeface="Courier New" panose="02070309020205020404" pitchFamily="49" charset="0"/>
-              </a:rPr>
-              <a:t> = new Lion();</a:t>
+              <a:rPr lang="en-US" dirty="0"/>
+              <a:t>THEN the object must be of the same type as the variable or “better”</a:t>
             </a:r>
           </a:p>
           <a:p>
             <a:pPr marL="0" indent="0">
               <a:buNone/>
             </a:pPr>
-            <a:endParaRPr lang="en-US" dirty="0">
-              <a:latin typeface="Courier New" panose="02070309020205020404" pitchFamily="49" charset="0"/>
-              <a:cs typeface="Courier New" panose="02070309020205020404" pitchFamily="49" charset="0"/>
-            </a:endParaRPr>
+            <a:endParaRPr lang="en-US" dirty="0"/>
           </a:p>
           <a:p>
             <a:pPr marL="0" indent="0">
               <a:buNone/>
             </a:pPr>
-            <a:r>
-              <a:rPr lang="en-US" dirty="0" err="1">
-                <a:latin typeface="Courier New" panose="02070309020205020404" pitchFamily="49" charset="0"/>
-                <a:cs typeface="Courier New" panose="02070309020205020404" pitchFamily="49" charset="0"/>
-              </a:rPr>
-              <a:t>System.out.prinln</a:t>
-            </a:r>
-            <a:r>
-              <a:rPr lang="en-US" dirty="0">
-                <a:latin typeface="Courier New" panose="02070309020205020404" pitchFamily="49" charset="0"/>
-                <a:cs typeface="Courier New" panose="02070309020205020404" pitchFamily="49" charset="0"/>
-              </a:rPr>
-              <a:t>(</a:t>
-            </a:r>
-            <a:r>
-              <a:rPr lang="en-US" dirty="0" err="1">
-                <a:latin typeface="Courier New" panose="02070309020205020404" pitchFamily="49" charset="0"/>
-                <a:cs typeface="Courier New" panose="02070309020205020404" pitchFamily="49" charset="0"/>
-              </a:rPr>
-              <a:t>simba.say</a:t>
-            </a:r>
-            <a:r>
-              <a:rPr lang="en-US" dirty="0">
-                <a:latin typeface="Courier New" panose="02070309020205020404" pitchFamily="49" charset="0"/>
-                <a:cs typeface="Courier New" panose="02070309020205020404" pitchFamily="49" charset="0"/>
-              </a:rPr>
-              <a:t>());</a:t>
-            </a:r>
+            <a:endParaRPr lang="en-US" dirty="0"/>
           </a:p>
           <a:p>
             <a:pPr marL="0" indent="0">
               <a:buNone/>
             </a:pPr>
-            <a:endParaRPr lang="en-US" dirty="0">
-              <a:latin typeface="Courier New" panose="02070309020205020404" pitchFamily="49" charset="0"/>
-              <a:cs typeface="Courier New" panose="02070309020205020404" pitchFamily="49" charset="0"/>
-            </a:endParaRPr>
-          </a:p>
-          <a:p>
-            <a:pPr marL="0" indent="0">
-              <a:buNone/>
-            </a:pPr>
-            <a:r>
-              <a:rPr lang="en-US" dirty="0">
-                <a:latin typeface="Courier New" panose="02070309020205020404" pitchFamily="49" charset="0"/>
-                <a:cs typeface="Courier New" panose="02070309020205020404" pitchFamily="49" charset="0"/>
-              </a:rPr>
-              <a:t>Output: “</a:t>
-            </a:r>
-            <a:r>
-              <a:rPr lang="en-US" dirty="0" err="1">
-                <a:latin typeface="Courier New" panose="02070309020205020404" pitchFamily="49" charset="0"/>
-                <a:cs typeface="Courier New" panose="02070309020205020404" pitchFamily="49" charset="0"/>
-              </a:rPr>
-              <a:t>Rawr</a:t>
-            </a:r>
-            <a:r>
-              <a:rPr lang="en-US" dirty="0">
-                <a:latin typeface="Courier New" panose="02070309020205020404" pitchFamily="49" charset="0"/>
-                <a:cs typeface="Courier New" panose="02070309020205020404" pitchFamily="49" charset="0"/>
-              </a:rPr>
-              <a:t>!!”</a:t>
+            <a:r>
+              <a:rPr lang="en-US" dirty="0"/>
+              <a:t>That means that the object can be a subtype of the variable type!</a:t>
             </a:r>
           </a:p>
         </p:txBody>
@@ -26061,7 +26116,7 @@
     </p:spTree>
     <p:extLst>
       <p:ext uri="{BB962C8B-B14F-4D97-AF65-F5344CB8AC3E}">
-        <p14:creationId xmlns:p14="http://schemas.microsoft.com/office/powerpoint/2010/main" val="4052956799"/>
+        <p14:creationId xmlns:p14="http://schemas.microsoft.com/office/powerpoint/2010/main" val="1506096866"/>
       </p:ext>
     </p:extLst>
   </p:cSld>
@@ -26105,7 +26160,7 @@
           <a:p>
             <a:r>
               <a:rPr lang="en-US" dirty="0"/>
-              <a:t>The Exercise</a:t>
+              <a:t>Polymorphism</a:t>
             </a:r>
           </a:p>
         </p:txBody>
@@ -26120,431 +26175,64 @@
             <p:ph idx="1"/>
           </p:nvPr>
         </p:nvSpPr>
-        <p:spPr>
-          <a:xfrm>
-            <a:off x="838200" y="2057399"/>
-            <a:ext cx="10707168" cy="4119563"/>
-          </a:xfrm>
-        </p:spPr>
+        <p:spPr/>
         <p:txBody>
-          <a:bodyPr>
-            <a:normAutofit fontScale="70000" lnSpcReduction="20000"/>
-          </a:bodyPr>
+          <a:bodyPr/>
           <a:lstStyle/>
           <a:p>
             <a:pPr marL="0" indent="0">
               <a:buNone/>
             </a:pPr>
             <a:r>
-              <a:rPr lang="en-US" sz="3400" dirty="0"/>
-              <a:t>Given the preceding classes, what would be the </a:t>
-            </a:r>
-            <a:r>
-              <a:rPr lang="en-US" sz="3400" b="1" dirty="0"/>
-              <a:t>output</a:t>
-            </a:r>
-            <a:r>
-              <a:rPr lang="en-US" sz="3400" dirty="0"/>
-              <a:t> of the following client code?</a:t>
+              <a:rPr lang="en-US" dirty="0"/>
+              <a:t>The ability to use the same code with different types of objects and behave differently with each.</a:t>
             </a:r>
           </a:p>
           <a:p>
             <a:pPr marL="0" indent="0">
               <a:buNone/>
             </a:pPr>
-            <a:endParaRPr lang="en-US" dirty="0">
-              <a:latin typeface="Courier New" panose="02070309020205020404" pitchFamily="49" charset="0"/>
-              <a:cs typeface="Courier New" panose="02070309020205020404" pitchFamily="49" charset="0"/>
-            </a:endParaRPr>
+            <a:endParaRPr lang="en-US" dirty="0"/>
           </a:p>
           <a:p>
             <a:pPr marL="0" indent="0">
               <a:buNone/>
             </a:pPr>
             <a:r>
+              <a:rPr lang="en-US" dirty="0">
+                <a:latin typeface="Courier New" panose="02070309020205020404" pitchFamily="49" charset="0"/>
+                <a:cs typeface="Courier New" panose="02070309020205020404" pitchFamily="49" charset="0"/>
+              </a:rPr>
+              <a:t>Animal </a:t>
+            </a:r>
+            <a:r>
               <a:rPr lang="en-US" dirty="0" err="1">
                 <a:latin typeface="Courier New" panose="02070309020205020404" pitchFamily="49" charset="0"/>
                 <a:cs typeface="Courier New" panose="02070309020205020404" pitchFamily="49" charset="0"/>
               </a:rPr>
-              <a:t>MusicalInstrument</a:t>
+              <a:t>simba</a:t>
             </a:r>
             <a:r>
               <a:rPr lang="en-US" dirty="0">
                 <a:latin typeface="Courier New" panose="02070309020205020404" pitchFamily="49" charset="0"/>
                 <a:cs typeface="Courier New" panose="02070309020205020404" pitchFamily="49" charset="0"/>
               </a:rPr>
-              <a:t>[] </a:t>
-            </a:r>
-            <a:r>
-              <a:rPr lang="en-US" dirty="0" err="1">
-                <a:latin typeface="Courier New" panose="02070309020205020404" pitchFamily="49" charset="0"/>
-                <a:cs typeface="Courier New" panose="02070309020205020404" pitchFamily="49" charset="0"/>
-              </a:rPr>
-              <a:t>insts</a:t>
-            </a:r>
-            <a:r>
-              <a:rPr lang="en-US" dirty="0">
-                <a:latin typeface="Courier New" panose="02070309020205020404" pitchFamily="49" charset="0"/>
-                <a:cs typeface="Courier New" panose="02070309020205020404" pitchFamily="49" charset="0"/>
-              </a:rPr>
-              <a:t> = {</a:t>
+              <a:t> = new Lion();</a:t>
             </a:r>
           </a:p>
           <a:p>
             <a:pPr marL="0" indent="0">
               <a:buNone/>
             </a:pPr>
-            <a:r>
-              <a:rPr lang="en-US" dirty="0">
-                <a:latin typeface="Courier New" panose="02070309020205020404" pitchFamily="49" charset="0"/>
-                <a:cs typeface="Courier New" panose="02070309020205020404" pitchFamily="49" charset="0"/>
-              </a:rPr>
-              <a:t>	new </a:t>
-            </a:r>
-            <a:r>
-              <a:rPr lang="en-US" dirty="0" err="1">
-                <a:latin typeface="Courier New" panose="02070309020205020404" pitchFamily="49" charset="0"/>
-                <a:cs typeface="Courier New" panose="02070309020205020404" pitchFamily="49" charset="0"/>
-              </a:rPr>
-              <a:t>MusicalInstrument</a:t>
-            </a:r>
-            <a:r>
-              <a:rPr lang="en-US" dirty="0">
-                <a:latin typeface="Courier New" panose="02070309020205020404" pitchFamily="49" charset="0"/>
-                <a:cs typeface="Courier New" panose="02070309020205020404" pitchFamily="49" charset="0"/>
-              </a:rPr>
-              <a:t>(), new </a:t>
-            </a:r>
-            <a:r>
-              <a:rPr lang="en-US" dirty="0" err="1">
-                <a:latin typeface="Courier New" panose="02070309020205020404" pitchFamily="49" charset="0"/>
-                <a:cs typeface="Courier New" panose="02070309020205020404" pitchFamily="49" charset="0"/>
-              </a:rPr>
-              <a:t>ElectricKeyboard</a:t>
-            </a:r>
-            <a:r>
-              <a:rPr lang="en-US" dirty="0">
-                <a:latin typeface="Courier New" panose="02070309020205020404" pitchFamily="49" charset="0"/>
-                <a:cs typeface="Courier New" panose="02070309020205020404" pitchFamily="49" charset="0"/>
-              </a:rPr>
-              <a:t>(),</a:t>
-            </a:r>
+            <a:endParaRPr lang="en-US" dirty="0"/>
           </a:p>
           <a:p>
             <a:pPr marL="0" indent="0">
               <a:buNone/>
             </a:pPr>
             <a:r>
-              <a:rPr lang="en-US" dirty="0">
-                <a:latin typeface="Courier New" panose="02070309020205020404" pitchFamily="49" charset="0"/>
-                <a:cs typeface="Courier New" panose="02070309020205020404" pitchFamily="49" charset="0"/>
-              </a:rPr>
-              <a:t> 	new Guitar(), new </a:t>
-            </a:r>
-            <a:r>
-              <a:rPr lang="en-US" dirty="0" err="1">
-                <a:latin typeface="Courier New" panose="02070309020205020404" pitchFamily="49" charset="0"/>
-                <a:cs typeface="Courier New" panose="02070309020205020404" pitchFamily="49" charset="0"/>
-              </a:rPr>
-              <a:t>ElectricGuitar</a:t>
-            </a:r>
-            <a:r>
-              <a:rPr lang="en-US" dirty="0">
-                <a:latin typeface="Courier New" panose="02070309020205020404" pitchFamily="49" charset="0"/>
-                <a:cs typeface="Courier New" panose="02070309020205020404" pitchFamily="49" charset="0"/>
-              </a:rPr>
-              <a:t>() };</a:t>
-            </a:r>
-          </a:p>
-          <a:p>
-            <a:pPr marL="0" indent="0">
-              <a:buNone/>
-            </a:pPr>
-            <a:endParaRPr lang="en-US" dirty="0">
-              <a:latin typeface="Courier New" panose="02070309020205020404" pitchFamily="49" charset="0"/>
-              <a:cs typeface="Courier New" panose="02070309020205020404" pitchFamily="49" charset="0"/>
-            </a:endParaRPr>
-          </a:p>
-          <a:p>
-            <a:pPr marL="0" indent="0">
-              <a:buNone/>
-            </a:pPr>
-            <a:r>
-              <a:rPr lang="en-US" dirty="0">
-                <a:latin typeface="Courier New" panose="02070309020205020404" pitchFamily="49" charset="0"/>
-                <a:cs typeface="Courier New" panose="02070309020205020404" pitchFamily="49" charset="0"/>
-              </a:rPr>
-              <a:t>for (</a:t>
-            </a:r>
-            <a:r>
-              <a:rPr lang="en-US" dirty="0" err="1">
-                <a:latin typeface="Courier New" panose="02070309020205020404" pitchFamily="49" charset="0"/>
-                <a:cs typeface="Courier New" panose="02070309020205020404" pitchFamily="49" charset="0"/>
-              </a:rPr>
-              <a:t>int</a:t>
-            </a:r>
-            <a:r>
-              <a:rPr lang="en-US" dirty="0">
-                <a:latin typeface="Courier New" panose="02070309020205020404" pitchFamily="49" charset="0"/>
-                <a:cs typeface="Courier New" panose="02070309020205020404" pitchFamily="49" charset="0"/>
-              </a:rPr>
-              <a:t> </a:t>
-            </a:r>
-            <a:r>
-              <a:rPr lang="en-US" dirty="0" err="1">
-                <a:latin typeface="Courier New" panose="02070309020205020404" pitchFamily="49" charset="0"/>
-                <a:cs typeface="Courier New" panose="02070309020205020404" pitchFamily="49" charset="0"/>
-              </a:rPr>
-              <a:t>i</a:t>
-            </a:r>
-            <a:r>
-              <a:rPr lang="en-US" dirty="0">
-                <a:latin typeface="Courier New" panose="02070309020205020404" pitchFamily="49" charset="0"/>
-                <a:cs typeface="Courier New" panose="02070309020205020404" pitchFamily="49" charset="0"/>
-              </a:rPr>
-              <a:t> = 0; </a:t>
-            </a:r>
-            <a:r>
-              <a:rPr lang="en-US" dirty="0" err="1">
-                <a:latin typeface="Courier New" panose="02070309020205020404" pitchFamily="49" charset="0"/>
-                <a:cs typeface="Courier New" panose="02070309020205020404" pitchFamily="49" charset="0"/>
-              </a:rPr>
-              <a:t>i</a:t>
-            </a:r>
-            <a:r>
-              <a:rPr lang="en-US" dirty="0">
-                <a:latin typeface="Courier New" panose="02070309020205020404" pitchFamily="49" charset="0"/>
-                <a:cs typeface="Courier New" panose="02070309020205020404" pitchFamily="49" charset="0"/>
-              </a:rPr>
-              <a:t> &lt; </a:t>
-            </a:r>
-            <a:r>
-              <a:rPr lang="en-US" dirty="0" err="1">
-                <a:latin typeface="Courier New" panose="02070309020205020404" pitchFamily="49" charset="0"/>
-                <a:cs typeface="Courier New" panose="02070309020205020404" pitchFamily="49" charset="0"/>
-              </a:rPr>
-              <a:t>insts.length</a:t>
-            </a:r>
-            <a:r>
-              <a:rPr lang="en-US" dirty="0">
-                <a:latin typeface="Courier New" panose="02070309020205020404" pitchFamily="49" charset="0"/>
-                <a:cs typeface="Courier New" panose="02070309020205020404" pitchFamily="49" charset="0"/>
-              </a:rPr>
-              <a:t>; </a:t>
-            </a:r>
-            <a:r>
-              <a:rPr lang="en-US" dirty="0" err="1">
-                <a:latin typeface="Courier New" panose="02070309020205020404" pitchFamily="49" charset="0"/>
-                <a:cs typeface="Courier New" panose="02070309020205020404" pitchFamily="49" charset="0"/>
-              </a:rPr>
-              <a:t>i</a:t>
-            </a:r>
-            <a:r>
-              <a:rPr lang="en-US" dirty="0">
-                <a:latin typeface="Courier New" panose="02070309020205020404" pitchFamily="49" charset="0"/>
-                <a:cs typeface="Courier New" panose="02070309020205020404" pitchFamily="49" charset="0"/>
-              </a:rPr>
-              <a:t>++) {</a:t>
-            </a:r>
-          </a:p>
-          <a:p>
-            <a:pPr marL="0" indent="0">
-              <a:buNone/>
-            </a:pPr>
-            <a:r>
-              <a:rPr lang="en-US" dirty="0">
-                <a:latin typeface="Courier New" panose="02070309020205020404" pitchFamily="49" charset="0"/>
-                <a:cs typeface="Courier New" panose="02070309020205020404" pitchFamily="49" charset="0"/>
-              </a:rPr>
-              <a:t>	</a:t>
-            </a:r>
-            <a:r>
-              <a:rPr lang="en-US" dirty="0" err="1">
-                <a:latin typeface="Courier New" panose="02070309020205020404" pitchFamily="49" charset="0"/>
-                <a:cs typeface="Courier New" panose="02070309020205020404" pitchFamily="49" charset="0"/>
-              </a:rPr>
-              <a:t>System.out.println</a:t>
-            </a:r>
-            <a:r>
-              <a:rPr lang="en-US" dirty="0">
-                <a:latin typeface="Courier New" panose="02070309020205020404" pitchFamily="49" charset="0"/>
-                <a:cs typeface="Courier New" panose="02070309020205020404" pitchFamily="49" charset="0"/>
-              </a:rPr>
-              <a:t>(</a:t>
-            </a:r>
-            <a:r>
-              <a:rPr lang="en-US" dirty="0" err="1">
-                <a:latin typeface="Courier New" panose="02070309020205020404" pitchFamily="49" charset="0"/>
-                <a:cs typeface="Courier New" panose="02070309020205020404" pitchFamily="49" charset="0"/>
-              </a:rPr>
-              <a:t>insts</a:t>
-            </a:r>
-            <a:r>
-              <a:rPr lang="en-US" dirty="0">
-                <a:latin typeface="Courier New" panose="02070309020205020404" pitchFamily="49" charset="0"/>
-                <a:cs typeface="Courier New" panose="02070309020205020404" pitchFamily="49" charset="0"/>
-              </a:rPr>
-              <a:t>[</a:t>
-            </a:r>
-            <a:r>
-              <a:rPr lang="en-US" dirty="0" err="1">
-                <a:latin typeface="Courier New" panose="02070309020205020404" pitchFamily="49" charset="0"/>
-                <a:cs typeface="Courier New" panose="02070309020205020404" pitchFamily="49" charset="0"/>
-              </a:rPr>
-              <a:t>i</a:t>
-            </a:r>
-            <a:r>
-              <a:rPr lang="en-US" dirty="0">
-                <a:latin typeface="Courier New" panose="02070309020205020404" pitchFamily="49" charset="0"/>
-                <a:cs typeface="Courier New" panose="02070309020205020404" pitchFamily="49" charset="0"/>
-              </a:rPr>
-              <a:t>]);</a:t>
-            </a:r>
-          </a:p>
-          <a:p>
-            <a:pPr marL="0" indent="0">
-              <a:buNone/>
-            </a:pPr>
-            <a:r>
-              <a:rPr lang="en-US" dirty="0">
-                <a:latin typeface="Courier New" panose="02070309020205020404" pitchFamily="49" charset="0"/>
-                <a:cs typeface="Courier New" panose="02070309020205020404" pitchFamily="49" charset="0"/>
-              </a:rPr>
-              <a:t>    	</a:t>
-            </a:r>
-            <a:r>
-              <a:rPr lang="en-US" dirty="0" err="1">
-                <a:latin typeface="Courier New" panose="02070309020205020404" pitchFamily="49" charset="0"/>
-                <a:cs typeface="Courier New" panose="02070309020205020404" pitchFamily="49" charset="0"/>
-              </a:rPr>
-              <a:t>insts</a:t>
-            </a:r>
-            <a:r>
-              <a:rPr lang="en-US" dirty="0">
-                <a:latin typeface="Courier New" panose="02070309020205020404" pitchFamily="49" charset="0"/>
-                <a:cs typeface="Courier New" panose="02070309020205020404" pitchFamily="49" charset="0"/>
-              </a:rPr>
-              <a:t> [</a:t>
-            </a:r>
-            <a:r>
-              <a:rPr lang="en-US" dirty="0" err="1">
-                <a:latin typeface="Courier New" panose="02070309020205020404" pitchFamily="49" charset="0"/>
-                <a:cs typeface="Courier New" panose="02070309020205020404" pitchFamily="49" charset="0"/>
-              </a:rPr>
-              <a:t>i</a:t>
-            </a:r>
-            <a:r>
-              <a:rPr lang="en-US" dirty="0">
-                <a:latin typeface="Courier New" panose="02070309020205020404" pitchFamily="49" charset="0"/>
-                <a:cs typeface="Courier New" panose="02070309020205020404" pitchFamily="49" charset="0"/>
-              </a:rPr>
-              <a:t>].</a:t>
-            </a:r>
-            <a:r>
-              <a:rPr lang="en-US" dirty="0" err="1">
-                <a:latin typeface="Courier New" panose="02070309020205020404" pitchFamily="49" charset="0"/>
-                <a:cs typeface="Courier New" panose="02070309020205020404" pitchFamily="49" charset="0"/>
-              </a:rPr>
-              <a:t>pickSound</a:t>
-            </a:r>
-            <a:r>
-              <a:rPr lang="en-US" dirty="0">
-                <a:latin typeface="Courier New" panose="02070309020205020404" pitchFamily="49" charset="0"/>
-                <a:cs typeface="Courier New" panose="02070309020205020404" pitchFamily="49" charset="0"/>
-              </a:rPr>
-              <a:t>();</a:t>
-            </a:r>
-          </a:p>
-          <a:p>
-            <a:pPr marL="0" indent="0">
-              <a:buNone/>
-            </a:pPr>
-            <a:r>
-              <a:rPr lang="en-US" dirty="0">
-                <a:latin typeface="Courier New" panose="02070309020205020404" pitchFamily="49" charset="0"/>
-                <a:cs typeface="Courier New" panose="02070309020205020404" pitchFamily="49" charset="0"/>
-              </a:rPr>
-              <a:t>    	</a:t>
-            </a:r>
-            <a:r>
-              <a:rPr lang="en-US" dirty="0" err="1">
-                <a:latin typeface="Courier New" panose="02070309020205020404" pitchFamily="49" charset="0"/>
-                <a:cs typeface="Courier New" panose="02070309020205020404" pitchFamily="49" charset="0"/>
-              </a:rPr>
-              <a:t>insts</a:t>
-            </a:r>
-            <a:r>
-              <a:rPr lang="en-US" dirty="0">
-                <a:latin typeface="Courier New" panose="02070309020205020404" pitchFamily="49" charset="0"/>
-                <a:cs typeface="Courier New" panose="02070309020205020404" pitchFamily="49" charset="0"/>
-              </a:rPr>
-              <a:t> [</a:t>
-            </a:r>
-            <a:r>
-              <a:rPr lang="en-US" dirty="0" err="1">
-                <a:latin typeface="Courier New" panose="02070309020205020404" pitchFamily="49" charset="0"/>
-                <a:cs typeface="Courier New" panose="02070309020205020404" pitchFamily="49" charset="0"/>
-              </a:rPr>
-              <a:t>i</a:t>
-            </a:r>
-            <a:r>
-              <a:rPr lang="en-US" dirty="0">
-                <a:latin typeface="Courier New" panose="02070309020205020404" pitchFamily="49" charset="0"/>
-                <a:cs typeface="Courier New" panose="02070309020205020404" pitchFamily="49" charset="0"/>
-              </a:rPr>
-              <a:t>].</a:t>
-            </a:r>
-            <a:r>
-              <a:rPr lang="en-US" dirty="0" err="1">
-                <a:latin typeface="Courier New" panose="02070309020205020404" pitchFamily="49" charset="0"/>
-                <a:cs typeface="Courier New" panose="02070309020205020404" pitchFamily="49" charset="0"/>
-              </a:rPr>
-              <a:t>playNote</a:t>
-            </a:r>
-            <a:r>
-              <a:rPr lang="en-US" dirty="0">
-                <a:latin typeface="Courier New" panose="02070309020205020404" pitchFamily="49" charset="0"/>
-                <a:cs typeface="Courier New" panose="02070309020205020404" pitchFamily="49" charset="0"/>
-              </a:rPr>
-              <a:t>();</a:t>
-            </a:r>
-          </a:p>
-          <a:p>
-            <a:pPr marL="0" indent="0">
-              <a:buNone/>
-            </a:pPr>
-            <a:r>
-              <a:rPr lang="en-US" dirty="0">
-                <a:latin typeface="Courier New" panose="02070309020205020404" pitchFamily="49" charset="0"/>
-                <a:cs typeface="Courier New" panose="02070309020205020404" pitchFamily="49" charset="0"/>
-              </a:rPr>
-              <a:t>    	</a:t>
-            </a:r>
-            <a:r>
-              <a:rPr lang="en-US" dirty="0" err="1">
-                <a:latin typeface="Courier New" panose="02070309020205020404" pitchFamily="49" charset="0"/>
-                <a:cs typeface="Courier New" panose="02070309020205020404" pitchFamily="49" charset="0"/>
-              </a:rPr>
-              <a:t>System.out.println</a:t>
-            </a:r>
-            <a:r>
-              <a:rPr lang="en-US" dirty="0">
-                <a:latin typeface="Courier New" panose="02070309020205020404" pitchFamily="49" charset="0"/>
-                <a:cs typeface="Courier New" panose="02070309020205020404" pitchFamily="49" charset="0"/>
-              </a:rPr>
-              <a:t>();</a:t>
-            </a:r>
-          </a:p>
-          <a:p>
-            <a:pPr marL="0" indent="0">
-              <a:buNone/>
-            </a:pPr>
-            <a:r>
-              <a:rPr lang="en-US" dirty="0">
-                <a:latin typeface="Courier New" panose="02070309020205020404" pitchFamily="49" charset="0"/>
-                <a:cs typeface="Courier New" panose="02070309020205020404" pitchFamily="49" charset="0"/>
-              </a:rPr>
-              <a:t>}</a:t>
+              <a:rPr lang="en-US" dirty="0"/>
+              <a:t>What behaviors does this object have?</a:t>
             </a:r>
           </a:p>
         </p:txBody>
@@ -26552,7 +26240,7 @@
     </p:spTree>
     <p:extLst>
       <p:ext uri="{BB962C8B-B14F-4D97-AF65-F5344CB8AC3E}">
-        <p14:creationId xmlns:p14="http://schemas.microsoft.com/office/powerpoint/2010/main" val="1572219314"/>
+        <p14:creationId xmlns:p14="http://schemas.microsoft.com/office/powerpoint/2010/main" val="1384254036"/>
       </p:ext>
     </p:extLst>
   </p:cSld>
@@ -26650,7 +26338,7 @@
           <a:p>
             <a:r>
               <a:rPr lang="en-US" dirty="0"/>
-              <a:t>Step 1: Class Diagram</a:t>
+              <a:t>Polymorphism</a:t>
             </a:r>
           </a:p>
         </p:txBody>
@@ -26673,62 +26361,132 @@
             <a:pPr marL="0" indent="0">
               <a:buNone/>
             </a:pPr>
-            <a:endParaRPr lang="en-US" dirty="0"/>
+            <a:r>
+              <a:rPr lang="en-US" dirty="0">
+                <a:latin typeface="Courier New" panose="02070309020205020404" pitchFamily="49" charset="0"/>
+                <a:cs typeface="Courier New" panose="02070309020205020404" pitchFamily="49" charset="0"/>
+              </a:rPr>
+              <a:t>public class Lion extends Animal { … }</a:t>
+            </a:r>
           </a:p>
           <a:p>
             <a:pPr marL="0" indent="0">
               <a:buNone/>
             </a:pPr>
-            <a:endParaRPr lang="en-US" dirty="0"/>
+            <a:endParaRPr lang="en-US" dirty="0">
+              <a:latin typeface="Courier New" panose="02070309020205020404" pitchFamily="49" charset="0"/>
+              <a:cs typeface="Courier New" panose="02070309020205020404" pitchFamily="49" charset="0"/>
+            </a:endParaRPr>
           </a:p>
           <a:p>
             <a:pPr marL="0" indent="0">
               <a:buNone/>
             </a:pPr>
-            <a:endParaRPr lang="en-US" dirty="0"/>
+            <a:r>
+              <a:rPr lang="en-US" dirty="0">
+                <a:latin typeface="Courier New" panose="02070309020205020404" pitchFamily="49" charset="0"/>
+                <a:cs typeface="Courier New" panose="02070309020205020404" pitchFamily="49" charset="0"/>
+              </a:rPr>
+              <a:t>Animal </a:t>
+            </a:r>
+            <a:r>
+              <a:rPr lang="en-US" dirty="0" err="1">
+                <a:latin typeface="Courier New" panose="02070309020205020404" pitchFamily="49" charset="0"/>
+                <a:cs typeface="Courier New" panose="02070309020205020404" pitchFamily="49" charset="0"/>
+              </a:rPr>
+              <a:t>simba</a:t>
+            </a:r>
+            <a:r>
+              <a:rPr lang="en-US" dirty="0">
+                <a:latin typeface="Courier New" panose="02070309020205020404" pitchFamily="49" charset="0"/>
+                <a:cs typeface="Courier New" panose="02070309020205020404" pitchFamily="49" charset="0"/>
+              </a:rPr>
+              <a:t> = new Lion();</a:t>
+            </a:r>
           </a:p>
           <a:p>
             <a:pPr marL="0" indent="0">
               <a:buNone/>
             </a:pPr>
-            <a:r>
-              <a:rPr lang="en-US" dirty="0"/>
-              <a:t>Add classes from top (superclass)</a:t>
-            </a:r>
+            <a:endParaRPr lang="en-US" dirty="0">
+              <a:latin typeface="Courier New" panose="02070309020205020404" pitchFamily="49" charset="0"/>
+              <a:cs typeface="Courier New" panose="02070309020205020404" pitchFamily="49" charset="0"/>
+            </a:endParaRPr>
           </a:p>
           <a:p>
             <a:pPr marL="0" indent="0">
               <a:buNone/>
             </a:pPr>
             <a:r>
-              <a:rPr lang="en-US" dirty="0"/>
-              <a:t>	to bottom (subclass).</a:t>
+              <a:rPr lang="en-US" dirty="0" err="1">
+                <a:latin typeface="Courier New" panose="02070309020205020404" pitchFamily="49" charset="0"/>
+                <a:cs typeface="Courier New" panose="02070309020205020404" pitchFamily="49" charset="0"/>
+              </a:rPr>
+              <a:t>System.out.prinln</a:t>
+            </a:r>
+            <a:r>
+              <a:rPr lang="en-US" dirty="0">
+                <a:latin typeface="Courier New" panose="02070309020205020404" pitchFamily="49" charset="0"/>
+                <a:cs typeface="Courier New" panose="02070309020205020404" pitchFamily="49" charset="0"/>
+              </a:rPr>
+              <a:t>(</a:t>
+            </a:r>
+            <a:r>
+              <a:rPr lang="en-US" dirty="0" err="1">
+                <a:latin typeface="Courier New" panose="02070309020205020404" pitchFamily="49" charset="0"/>
+                <a:cs typeface="Courier New" panose="02070309020205020404" pitchFamily="49" charset="0"/>
+              </a:rPr>
+              <a:t>simba.say</a:t>
+            </a:r>
+            <a:r>
+              <a:rPr lang="en-US" dirty="0">
+                <a:latin typeface="Courier New" panose="02070309020205020404" pitchFamily="49" charset="0"/>
+                <a:cs typeface="Courier New" panose="02070309020205020404" pitchFamily="49" charset="0"/>
+              </a:rPr>
+              <a:t>());</a:t>
+            </a:r>
+          </a:p>
+          <a:p>
+            <a:pPr marL="0" indent="0">
+              <a:buNone/>
+            </a:pPr>
+            <a:endParaRPr lang="en-US" dirty="0">
+              <a:latin typeface="Courier New" panose="02070309020205020404" pitchFamily="49" charset="0"/>
+              <a:cs typeface="Courier New" panose="02070309020205020404" pitchFamily="49" charset="0"/>
+            </a:endParaRPr>
+          </a:p>
+          <a:p>
+            <a:pPr marL="0" indent="0">
+              <a:buNone/>
+            </a:pPr>
+            <a:r>
+              <a:rPr lang="en-US" dirty="0">
+                <a:latin typeface="Courier New" panose="02070309020205020404" pitchFamily="49" charset="0"/>
+                <a:cs typeface="Courier New" panose="02070309020205020404" pitchFamily="49" charset="0"/>
+              </a:rPr>
+              <a:t>Output: “</a:t>
+            </a:r>
+            <a:r>
+              <a:rPr lang="en-US" dirty="0" err="1">
+                <a:latin typeface="Courier New" panose="02070309020205020404" pitchFamily="49" charset="0"/>
+                <a:cs typeface="Courier New" panose="02070309020205020404" pitchFamily="49" charset="0"/>
+              </a:rPr>
+              <a:t>Rawr</a:t>
+            </a:r>
+            <a:r>
+              <a:rPr lang="en-US" dirty="0">
+                <a:latin typeface="Courier New" panose="02070309020205020404" pitchFamily="49" charset="0"/>
+                <a:cs typeface="Courier New" panose="02070309020205020404" pitchFamily="49" charset="0"/>
+              </a:rPr>
+              <a:t>!!”</a:t>
             </a:r>
           </a:p>
         </p:txBody>
       </p:sp>
-      <p:graphicFrame>
-        <p:nvGraphicFramePr>
-          <p:cNvPr id="4" name="Diagram 3"/>
-          <p:cNvGraphicFramePr/>
-          <p:nvPr>
-            <p:extLst/>
-          </p:nvPr>
-        </p:nvGraphicFramePr>
-        <p:xfrm>
-          <a:off x="6096000" y="2057399"/>
-          <a:ext cx="6096000" cy="4064000"/>
-        </p:xfrm>
-        <a:graphic>
-          <a:graphicData uri="http://schemas.openxmlformats.org/drawingml/2006/diagram">
-            <dgm:relIds xmlns:dgm="http://schemas.openxmlformats.org/drawingml/2006/diagram" xmlns:r="http://schemas.openxmlformats.org/officeDocument/2006/relationships" r:dm="rId2" r:lo="rId3" r:qs="rId4" r:cs="rId5"/>
-          </a:graphicData>
-        </a:graphic>
-      </p:graphicFrame>
     </p:spTree>
     <p:extLst>
       <p:ext uri="{BB962C8B-B14F-4D97-AF65-F5344CB8AC3E}">
-        <p14:creationId xmlns:p14="http://schemas.microsoft.com/office/powerpoint/2010/main" val="3637651044"/>
+        <p14:creationId xmlns:p14="http://schemas.microsoft.com/office/powerpoint/2010/main" val="4052956799"/>
       </p:ext>
     </p:extLst>
   </p:cSld>
@@ -26772,7 +26530,498 @@
           <a:p>
             <a:r>
               <a:rPr lang="en-US" dirty="0"/>
-              <a:t>Step 2: Finding output with a table:</a:t>
+              <a:t>The Exercise</a:t>
+            </a:r>
+          </a:p>
+        </p:txBody>
+      </p:sp>
+      <p:sp>
+        <p:nvSpPr>
+          <p:cNvPr id="3" name="Content Placeholder 2"/>
+          <p:cNvSpPr>
+            <a:spLocks noGrp="1"/>
+          </p:cNvSpPr>
+          <p:nvPr>
+            <p:ph idx="1"/>
+          </p:nvPr>
+        </p:nvSpPr>
+        <p:spPr>
+          <a:xfrm>
+            <a:off x="838200" y="2057399"/>
+            <a:ext cx="10707168" cy="4119563"/>
+          </a:xfrm>
+        </p:spPr>
+        <p:txBody>
+          <a:bodyPr>
+            <a:normAutofit fontScale="70000" lnSpcReduction="20000"/>
+          </a:bodyPr>
+          <a:lstStyle/>
+          <a:p>
+            <a:pPr marL="0" indent="0">
+              <a:buNone/>
+            </a:pPr>
+            <a:r>
+              <a:rPr lang="en-US" sz="3400" dirty="0"/>
+              <a:t>Given the preceding classes, what would be the </a:t>
+            </a:r>
+            <a:r>
+              <a:rPr lang="en-US" sz="3400" b="1" dirty="0"/>
+              <a:t>output</a:t>
+            </a:r>
+            <a:r>
+              <a:rPr lang="en-US" sz="3400" dirty="0"/>
+              <a:t> of the following client code?</a:t>
+            </a:r>
+          </a:p>
+          <a:p>
+            <a:pPr marL="0" indent="0">
+              <a:buNone/>
+            </a:pPr>
+            <a:endParaRPr lang="en-US" dirty="0">
+              <a:latin typeface="Courier New" panose="02070309020205020404" pitchFamily="49" charset="0"/>
+              <a:cs typeface="Courier New" panose="02070309020205020404" pitchFamily="49" charset="0"/>
+            </a:endParaRPr>
+          </a:p>
+          <a:p>
+            <a:pPr marL="0" indent="0">
+              <a:buNone/>
+            </a:pPr>
+            <a:r>
+              <a:rPr lang="en-US" dirty="0" err="1">
+                <a:latin typeface="Courier New" panose="02070309020205020404" pitchFamily="49" charset="0"/>
+                <a:cs typeface="Courier New" panose="02070309020205020404" pitchFamily="49" charset="0"/>
+              </a:rPr>
+              <a:t>MusicalInstrument</a:t>
+            </a:r>
+            <a:r>
+              <a:rPr lang="en-US" dirty="0">
+                <a:latin typeface="Courier New" panose="02070309020205020404" pitchFamily="49" charset="0"/>
+                <a:cs typeface="Courier New" panose="02070309020205020404" pitchFamily="49" charset="0"/>
+              </a:rPr>
+              <a:t>[] </a:t>
+            </a:r>
+            <a:r>
+              <a:rPr lang="en-US" dirty="0" err="1">
+                <a:latin typeface="Courier New" panose="02070309020205020404" pitchFamily="49" charset="0"/>
+                <a:cs typeface="Courier New" panose="02070309020205020404" pitchFamily="49" charset="0"/>
+              </a:rPr>
+              <a:t>insts</a:t>
+            </a:r>
+            <a:r>
+              <a:rPr lang="en-US" dirty="0">
+                <a:latin typeface="Courier New" panose="02070309020205020404" pitchFamily="49" charset="0"/>
+                <a:cs typeface="Courier New" panose="02070309020205020404" pitchFamily="49" charset="0"/>
+              </a:rPr>
+              <a:t> = {</a:t>
+            </a:r>
+          </a:p>
+          <a:p>
+            <a:pPr marL="0" indent="0">
+              <a:buNone/>
+            </a:pPr>
+            <a:r>
+              <a:rPr lang="en-US" dirty="0">
+                <a:latin typeface="Courier New" panose="02070309020205020404" pitchFamily="49" charset="0"/>
+                <a:cs typeface="Courier New" panose="02070309020205020404" pitchFamily="49" charset="0"/>
+              </a:rPr>
+              <a:t>	new </a:t>
+            </a:r>
+            <a:r>
+              <a:rPr lang="en-US" dirty="0" err="1">
+                <a:latin typeface="Courier New" panose="02070309020205020404" pitchFamily="49" charset="0"/>
+                <a:cs typeface="Courier New" panose="02070309020205020404" pitchFamily="49" charset="0"/>
+              </a:rPr>
+              <a:t>MusicalInstrument</a:t>
+            </a:r>
+            <a:r>
+              <a:rPr lang="en-US" dirty="0">
+                <a:latin typeface="Courier New" panose="02070309020205020404" pitchFamily="49" charset="0"/>
+                <a:cs typeface="Courier New" panose="02070309020205020404" pitchFamily="49" charset="0"/>
+              </a:rPr>
+              <a:t>(), new </a:t>
+            </a:r>
+            <a:r>
+              <a:rPr lang="en-US" dirty="0" err="1">
+                <a:latin typeface="Courier New" panose="02070309020205020404" pitchFamily="49" charset="0"/>
+                <a:cs typeface="Courier New" panose="02070309020205020404" pitchFamily="49" charset="0"/>
+              </a:rPr>
+              <a:t>ElectricKeyboard</a:t>
+            </a:r>
+            <a:r>
+              <a:rPr lang="en-US" dirty="0">
+                <a:latin typeface="Courier New" panose="02070309020205020404" pitchFamily="49" charset="0"/>
+                <a:cs typeface="Courier New" panose="02070309020205020404" pitchFamily="49" charset="0"/>
+              </a:rPr>
+              <a:t>(),</a:t>
+            </a:r>
+          </a:p>
+          <a:p>
+            <a:pPr marL="0" indent="0">
+              <a:buNone/>
+            </a:pPr>
+            <a:r>
+              <a:rPr lang="en-US" dirty="0">
+                <a:latin typeface="Courier New" panose="02070309020205020404" pitchFamily="49" charset="0"/>
+                <a:cs typeface="Courier New" panose="02070309020205020404" pitchFamily="49" charset="0"/>
+              </a:rPr>
+              <a:t> 	new Guitar(), new </a:t>
+            </a:r>
+            <a:r>
+              <a:rPr lang="en-US" dirty="0" err="1">
+                <a:latin typeface="Courier New" panose="02070309020205020404" pitchFamily="49" charset="0"/>
+                <a:cs typeface="Courier New" panose="02070309020205020404" pitchFamily="49" charset="0"/>
+              </a:rPr>
+              <a:t>ElectricGuitar</a:t>
+            </a:r>
+            <a:r>
+              <a:rPr lang="en-US" dirty="0">
+                <a:latin typeface="Courier New" panose="02070309020205020404" pitchFamily="49" charset="0"/>
+                <a:cs typeface="Courier New" panose="02070309020205020404" pitchFamily="49" charset="0"/>
+              </a:rPr>
+              <a:t>() };</a:t>
+            </a:r>
+          </a:p>
+          <a:p>
+            <a:pPr marL="0" indent="0">
+              <a:buNone/>
+            </a:pPr>
+            <a:endParaRPr lang="en-US" dirty="0">
+              <a:latin typeface="Courier New" panose="02070309020205020404" pitchFamily="49" charset="0"/>
+              <a:cs typeface="Courier New" panose="02070309020205020404" pitchFamily="49" charset="0"/>
+            </a:endParaRPr>
+          </a:p>
+          <a:p>
+            <a:pPr marL="0" indent="0">
+              <a:buNone/>
+            </a:pPr>
+            <a:r>
+              <a:rPr lang="en-US" dirty="0">
+                <a:latin typeface="Courier New" panose="02070309020205020404" pitchFamily="49" charset="0"/>
+                <a:cs typeface="Courier New" panose="02070309020205020404" pitchFamily="49" charset="0"/>
+              </a:rPr>
+              <a:t>for (</a:t>
+            </a:r>
+            <a:r>
+              <a:rPr lang="en-US" dirty="0" err="1">
+                <a:latin typeface="Courier New" panose="02070309020205020404" pitchFamily="49" charset="0"/>
+                <a:cs typeface="Courier New" panose="02070309020205020404" pitchFamily="49" charset="0"/>
+              </a:rPr>
+              <a:t>int</a:t>
+            </a:r>
+            <a:r>
+              <a:rPr lang="en-US" dirty="0">
+                <a:latin typeface="Courier New" panose="02070309020205020404" pitchFamily="49" charset="0"/>
+                <a:cs typeface="Courier New" panose="02070309020205020404" pitchFamily="49" charset="0"/>
+              </a:rPr>
+              <a:t> </a:t>
+            </a:r>
+            <a:r>
+              <a:rPr lang="en-US" dirty="0" err="1">
+                <a:latin typeface="Courier New" panose="02070309020205020404" pitchFamily="49" charset="0"/>
+                <a:cs typeface="Courier New" panose="02070309020205020404" pitchFamily="49" charset="0"/>
+              </a:rPr>
+              <a:t>i</a:t>
+            </a:r>
+            <a:r>
+              <a:rPr lang="en-US" dirty="0">
+                <a:latin typeface="Courier New" panose="02070309020205020404" pitchFamily="49" charset="0"/>
+                <a:cs typeface="Courier New" panose="02070309020205020404" pitchFamily="49" charset="0"/>
+              </a:rPr>
+              <a:t> = 0; </a:t>
+            </a:r>
+            <a:r>
+              <a:rPr lang="en-US" dirty="0" err="1">
+                <a:latin typeface="Courier New" panose="02070309020205020404" pitchFamily="49" charset="0"/>
+                <a:cs typeface="Courier New" panose="02070309020205020404" pitchFamily="49" charset="0"/>
+              </a:rPr>
+              <a:t>i</a:t>
+            </a:r>
+            <a:r>
+              <a:rPr lang="en-US" dirty="0">
+                <a:latin typeface="Courier New" panose="02070309020205020404" pitchFamily="49" charset="0"/>
+                <a:cs typeface="Courier New" panose="02070309020205020404" pitchFamily="49" charset="0"/>
+              </a:rPr>
+              <a:t> &lt; </a:t>
+            </a:r>
+            <a:r>
+              <a:rPr lang="en-US" dirty="0" err="1">
+                <a:latin typeface="Courier New" panose="02070309020205020404" pitchFamily="49" charset="0"/>
+                <a:cs typeface="Courier New" panose="02070309020205020404" pitchFamily="49" charset="0"/>
+              </a:rPr>
+              <a:t>insts.length</a:t>
+            </a:r>
+            <a:r>
+              <a:rPr lang="en-US" dirty="0">
+                <a:latin typeface="Courier New" panose="02070309020205020404" pitchFamily="49" charset="0"/>
+                <a:cs typeface="Courier New" panose="02070309020205020404" pitchFamily="49" charset="0"/>
+              </a:rPr>
+              <a:t>; </a:t>
+            </a:r>
+            <a:r>
+              <a:rPr lang="en-US" dirty="0" err="1">
+                <a:latin typeface="Courier New" panose="02070309020205020404" pitchFamily="49" charset="0"/>
+                <a:cs typeface="Courier New" panose="02070309020205020404" pitchFamily="49" charset="0"/>
+              </a:rPr>
+              <a:t>i</a:t>
+            </a:r>
+            <a:r>
+              <a:rPr lang="en-US" dirty="0">
+                <a:latin typeface="Courier New" panose="02070309020205020404" pitchFamily="49" charset="0"/>
+                <a:cs typeface="Courier New" panose="02070309020205020404" pitchFamily="49" charset="0"/>
+              </a:rPr>
+              <a:t>++) {</a:t>
+            </a:r>
+          </a:p>
+          <a:p>
+            <a:pPr marL="0" indent="0">
+              <a:buNone/>
+            </a:pPr>
+            <a:r>
+              <a:rPr lang="en-US" dirty="0">
+                <a:latin typeface="Courier New" panose="02070309020205020404" pitchFamily="49" charset="0"/>
+                <a:cs typeface="Courier New" panose="02070309020205020404" pitchFamily="49" charset="0"/>
+              </a:rPr>
+              <a:t>	</a:t>
+            </a:r>
+            <a:r>
+              <a:rPr lang="en-US" dirty="0" err="1">
+                <a:latin typeface="Courier New" panose="02070309020205020404" pitchFamily="49" charset="0"/>
+                <a:cs typeface="Courier New" panose="02070309020205020404" pitchFamily="49" charset="0"/>
+              </a:rPr>
+              <a:t>System.out.println</a:t>
+            </a:r>
+            <a:r>
+              <a:rPr lang="en-US" dirty="0">
+                <a:latin typeface="Courier New" panose="02070309020205020404" pitchFamily="49" charset="0"/>
+                <a:cs typeface="Courier New" panose="02070309020205020404" pitchFamily="49" charset="0"/>
+              </a:rPr>
+              <a:t>(</a:t>
+            </a:r>
+            <a:r>
+              <a:rPr lang="en-US" dirty="0" err="1">
+                <a:latin typeface="Courier New" panose="02070309020205020404" pitchFamily="49" charset="0"/>
+                <a:cs typeface="Courier New" panose="02070309020205020404" pitchFamily="49" charset="0"/>
+              </a:rPr>
+              <a:t>insts</a:t>
+            </a:r>
+            <a:r>
+              <a:rPr lang="en-US" dirty="0">
+                <a:latin typeface="Courier New" panose="02070309020205020404" pitchFamily="49" charset="0"/>
+                <a:cs typeface="Courier New" panose="02070309020205020404" pitchFamily="49" charset="0"/>
+              </a:rPr>
+              <a:t>[</a:t>
+            </a:r>
+            <a:r>
+              <a:rPr lang="en-US" dirty="0" err="1">
+                <a:latin typeface="Courier New" panose="02070309020205020404" pitchFamily="49" charset="0"/>
+                <a:cs typeface="Courier New" panose="02070309020205020404" pitchFamily="49" charset="0"/>
+              </a:rPr>
+              <a:t>i</a:t>
+            </a:r>
+            <a:r>
+              <a:rPr lang="en-US" dirty="0">
+                <a:latin typeface="Courier New" panose="02070309020205020404" pitchFamily="49" charset="0"/>
+                <a:cs typeface="Courier New" panose="02070309020205020404" pitchFamily="49" charset="0"/>
+              </a:rPr>
+              <a:t>]);</a:t>
+            </a:r>
+          </a:p>
+          <a:p>
+            <a:pPr marL="0" indent="0">
+              <a:buNone/>
+            </a:pPr>
+            <a:r>
+              <a:rPr lang="en-US" dirty="0">
+                <a:latin typeface="Courier New" panose="02070309020205020404" pitchFamily="49" charset="0"/>
+                <a:cs typeface="Courier New" panose="02070309020205020404" pitchFamily="49" charset="0"/>
+              </a:rPr>
+              <a:t>    	</a:t>
+            </a:r>
+            <a:r>
+              <a:rPr lang="en-US" dirty="0" err="1">
+                <a:latin typeface="Courier New" panose="02070309020205020404" pitchFamily="49" charset="0"/>
+                <a:cs typeface="Courier New" panose="02070309020205020404" pitchFamily="49" charset="0"/>
+              </a:rPr>
+              <a:t>insts</a:t>
+            </a:r>
+            <a:r>
+              <a:rPr lang="en-US" dirty="0">
+                <a:latin typeface="Courier New" panose="02070309020205020404" pitchFamily="49" charset="0"/>
+                <a:cs typeface="Courier New" panose="02070309020205020404" pitchFamily="49" charset="0"/>
+              </a:rPr>
+              <a:t> [</a:t>
+            </a:r>
+            <a:r>
+              <a:rPr lang="en-US" dirty="0" err="1">
+                <a:latin typeface="Courier New" panose="02070309020205020404" pitchFamily="49" charset="0"/>
+                <a:cs typeface="Courier New" panose="02070309020205020404" pitchFamily="49" charset="0"/>
+              </a:rPr>
+              <a:t>i</a:t>
+            </a:r>
+            <a:r>
+              <a:rPr lang="en-US" dirty="0">
+                <a:latin typeface="Courier New" panose="02070309020205020404" pitchFamily="49" charset="0"/>
+                <a:cs typeface="Courier New" panose="02070309020205020404" pitchFamily="49" charset="0"/>
+              </a:rPr>
+              <a:t>].</a:t>
+            </a:r>
+            <a:r>
+              <a:rPr lang="en-US" dirty="0" err="1">
+                <a:latin typeface="Courier New" panose="02070309020205020404" pitchFamily="49" charset="0"/>
+                <a:cs typeface="Courier New" panose="02070309020205020404" pitchFamily="49" charset="0"/>
+              </a:rPr>
+              <a:t>pickSound</a:t>
+            </a:r>
+            <a:r>
+              <a:rPr lang="en-US" dirty="0">
+                <a:latin typeface="Courier New" panose="02070309020205020404" pitchFamily="49" charset="0"/>
+                <a:cs typeface="Courier New" panose="02070309020205020404" pitchFamily="49" charset="0"/>
+              </a:rPr>
+              <a:t>();</a:t>
+            </a:r>
+          </a:p>
+          <a:p>
+            <a:pPr marL="0" indent="0">
+              <a:buNone/>
+            </a:pPr>
+            <a:r>
+              <a:rPr lang="en-US" dirty="0">
+                <a:latin typeface="Courier New" panose="02070309020205020404" pitchFamily="49" charset="0"/>
+                <a:cs typeface="Courier New" panose="02070309020205020404" pitchFamily="49" charset="0"/>
+              </a:rPr>
+              <a:t>    	</a:t>
+            </a:r>
+            <a:r>
+              <a:rPr lang="en-US" dirty="0" err="1">
+                <a:latin typeface="Courier New" panose="02070309020205020404" pitchFamily="49" charset="0"/>
+                <a:cs typeface="Courier New" panose="02070309020205020404" pitchFamily="49" charset="0"/>
+              </a:rPr>
+              <a:t>insts</a:t>
+            </a:r>
+            <a:r>
+              <a:rPr lang="en-US" dirty="0">
+                <a:latin typeface="Courier New" panose="02070309020205020404" pitchFamily="49" charset="0"/>
+                <a:cs typeface="Courier New" panose="02070309020205020404" pitchFamily="49" charset="0"/>
+              </a:rPr>
+              <a:t> [</a:t>
+            </a:r>
+            <a:r>
+              <a:rPr lang="en-US" dirty="0" err="1">
+                <a:latin typeface="Courier New" panose="02070309020205020404" pitchFamily="49" charset="0"/>
+                <a:cs typeface="Courier New" panose="02070309020205020404" pitchFamily="49" charset="0"/>
+              </a:rPr>
+              <a:t>i</a:t>
+            </a:r>
+            <a:r>
+              <a:rPr lang="en-US" dirty="0">
+                <a:latin typeface="Courier New" panose="02070309020205020404" pitchFamily="49" charset="0"/>
+                <a:cs typeface="Courier New" panose="02070309020205020404" pitchFamily="49" charset="0"/>
+              </a:rPr>
+              <a:t>].</a:t>
+            </a:r>
+            <a:r>
+              <a:rPr lang="en-US" dirty="0" err="1">
+                <a:latin typeface="Courier New" panose="02070309020205020404" pitchFamily="49" charset="0"/>
+                <a:cs typeface="Courier New" panose="02070309020205020404" pitchFamily="49" charset="0"/>
+              </a:rPr>
+              <a:t>playNote</a:t>
+            </a:r>
+            <a:r>
+              <a:rPr lang="en-US" dirty="0">
+                <a:latin typeface="Courier New" panose="02070309020205020404" pitchFamily="49" charset="0"/>
+                <a:cs typeface="Courier New" panose="02070309020205020404" pitchFamily="49" charset="0"/>
+              </a:rPr>
+              <a:t>();</a:t>
+            </a:r>
+          </a:p>
+          <a:p>
+            <a:pPr marL="0" indent="0">
+              <a:buNone/>
+            </a:pPr>
+            <a:r>
+              <a:rPr lang="en-US" dirty="0">
+                <a:latin typeface="Courier New" panose="02070309020205020404" pitchFamily="49" charset="0"/>
+                <a:cs typeface="Courier New" panose="02070309020205020404" pitchFamily="49" charset="0"/>
+              </a:rPr>
+              <a:t>    	</a:t>
+            </a:r>
+            <a:r>
+              <a:rPr lang="en-US" dirty="0" err="1">
+                <a:latin typeface="Courier New" panose="02070309020205020404" pitchFamily="49" charset="0"/>
+                <a:cs typeface="Courier New" panose="02070309020205020404" pitchFamily="49" charset="0"/>
+              </a:rPr>
+              <a:t>System.out.println</a:t>
+            </a:r>
+            <a:r>
+              <a:rPr lang="en-US" dirty="0">
+                <a:latin typeface="Courier New" panose="02070309020205020404" pitchFamily="49" charset="0"/>
+                <a:cs typeface="Courier New" panose="02070309020205020404" pitchFamily="49" charset="0"/>
+              </a:rPr>
+              <a:t>();</a:t>
+            </a:r>
+          </a:p>
+          <a:p>
+            <a:pPr marL="0" indent="0">
+              <a:buNone/>
+            </a:pPr>
+            <a:r>
+              <a:rPr lang="en-US" dirty="0">
+                <a:latin typeface="Courier New" panose="02070309020205020404" pitchFamily="49" charset="0"/>
+                <a:cs typeface="Courier New" panose="02070309020205020404" pitchFamily="49" charset="0"/>
+              </a:rPr>
+              <a:t>}</a:t>
+            </a:r>
+          </a:p>
+        </p:txBody>
+      </p:sp>
+    </p:spTree>
+    <p:extLst>
+      <p:ext uri="{BB962C8B-B14F-4D97-AF65-F5344CB8AC3E}">
+        <p14:creationId xmlns:p14="http://schemas.microsoft.com/office/powerpoint/2010/main" val="1572219314"/>
+      </p:ext>
+    </p:extLst>
+  </p:cSld>
+  <p:clrMapOvr>
+    <a:masterClrMapping/>
+  </p:clrMapOvr>
+</p:sld>
+</file>
+
+<file path=ppt/slides/slide62.xml><?xml version="1.0" encoding="utf-8"?>
+<p:sld xmlns:a="http://schemas.openxmlformats.org/drawingml/2006/main" xmlns:r="http://schemas.openxmlformats.org/officeDocument/2006/relationships" xmlns:p="http://schemas.openxmlformats.org/presentationml/2006/main">
+  <p:cSld>
+    <p:spTree>
+      <p:nvGrpSpPr>
+        <p:cNvPr id="1" name=""/>
+        <p:cNvGrpSpPr/>
+        <p:nvPr/>
+      </p:nvGrpSpPr>
+      <p:grpSpPr>
+        <a:xfrm>
+          <a:off x="0" y="0"/>
+          <a:ext cx="0" cy="0"/>
+          <a:chOff x="0" y="0"/>
+          <a:chExt cx="0" cy="0"/>
+        </a:xfrm>
+      </p:grpSpPr>
+      <p:sp>
+        <p:nvSpPr>
+          <p:cNvPr id="2" name="Title 1"/>
+          <p:cNvSpPr>
+            <a:spLocks noGrp="1"/>
+          </p:cNvSpPr>
+          <p:nvPr>
+            <p:ph type="title"/>
+          </p:nvPr>
+        </p:nvSpPr>
+        <p:spPr/>
+        <p:txBody>
+          <a:bodyPr/>
+          <a:lstStyle/>
+          <a:p>
+            <a:r>
+              <a:rPr lang="en-US" dirty="0"/>
+              <a:t>Step 1: Class Diagram</a:t>
             </a:r>
           </a:p>
         </p:txBody>
@@ -26792,6 +27041,126 @@
           <a:bodyPr/>
           <a:lstStyle/>
           <a:p>
+            <a:pPr marL="0" indent="0">
+              <a:buNone/>
+            </a:pPr>
+            <a:endParaRPr lang="en-US" dirty="0"/>
+          </a:p>
+          <a:p>
+            <a:pPr marL="0" indent="0">
+              <a:buNone/>
+            </a:pPr>
+            <a:endParaRPr lang="en-US" dirty="0"/>
+          </a:p>
+          <a:p>
+            <a:pPr marL="0" indent="0">
+              <a:buNone/>
+            </a:pPr>
+            <a:endParaRPr lang="en-US" dirty="0"/>
+          </a:p>
+          <a:p>
+            <a:pPr marL="0" indent="0">
+              <a:buNone/>
+            </a:pPr>
+            <a:r>
+              <a:rPr lang="en-US" dirty="0"/>
+              <a:t>Add classes from top (superclass)</a:t>
+            </a:r>
+          </a:p>
+          <a:p>
+            <a:pPr marL="0" indent="0">
+              <a:buNone/>
+            </a:pPr>
+            <a:r>
+              <a:rPr lang="en-US" dirty="0"/>
+              <a:t>	to bottom (subclass).</a:t>
+            </a:r>
+          </a:p>
+        </p:txBody>
+      </p:sp>
+      <p:graphicFrame>
+        <p:nvGraphicFramePr>
+          <p:cNvPr id="4" name="Diagram 3"/>
+          <p:cNvGraphicFramePr/>
+          <p:nvPr/>
+        </p:nvGraphicFramePr>
+        <p:xfrm>
+          <a:off x="6096000" y="2057399"/>
+          <a:ext cx="6096000" cy="4064000"/>
+        </p:xfrm>
+        <a:graphic>
+          <a:graphicData uri="http://schemas.openxmlformats.org/drawingml/2006/diagram">
+            <dgm:relIds xmlns:dgm="http://schemas.openxmlformats.org/drawingml/2006/diagram" xmlns:r="http://schemas.openxmlformats.org/officeDocument/2006/relationships" r:dm="rId2" r:lo="rId3" r:qs="rId4" r:cs="rId5"/>
+          </a:graphicData>
+        </a:graphic>
+      </p:graphicFrame>
+    </p:spTree>
+    <p:extLst>
+      <p:ext uri="{BB962C8B-B14F-4D97-AF65-F5344CB8AC3E}">
+        <p14:creationId xmlns:p14="http://schemas.microsoft.com/office/powerpoint/2010/main" val="3637651044"/>
+      </p:ext>
+    </p:extLst>
+  </p:cSld>
+  <p:clrMapOvr>
+    <a:masterClrMapping/>
+  </p:clrMapOvr>
+</p:sld>
+</file>
+
+<file path=ppt/slides/slide63.xml><?xml version="1.0" encoding="utf-8"?>
+<p:sld xmlns:a="http://schemas.openxmlformats.org/drawingml/2006/main" xmlns:r="http://schemas.openxmlformats.org/officeDocument/2006/relationships" xmlns:p="http://schemas.openxmlformats.org/presentationml/2006/main">
+  <p:cSld>
+    <p:spTree>
+      <p:nvGrpSpPr>
+        <p:cNvPr id="1" name=""/>
+        <p:cNvGrpSpPr/>
+        <p:nvPr/>
+      </p:nvGrpSpPr>
+      <p:grpSpPr>
+        <a:xfrm>
+          <a:off x="0" y="0"/>
+          <a:ext cx="0" cy="0"/>
+          <a:chOff x="0" y="0"/>
+          <a:chExt cx="0" cy="0"/>
+        </a:xfrm>
+      </p:grpSpPr>
+      <p:sp>
+        <p:nvSpPr>
+          <p:cNvPr id="2" name="Title 1"/>
+          <p:cNvSpPr>
+            <a:spLocks noGrp="1"/>
+          </p:cNvSpPr>
+          <p:nvPr>
+            <p:ph type="title"/>
+          </p:nvPr>
+        </p:nvSpPr>
+        <p:spPr/>
+        <p:txBody>
+          <a:bodyPr/>
+          <a:lstStyle/>
+          <a:p>
+            <a:r>
+              <a:rPr lang="en-US" dirty="0"/>
+              <a:t>Step 2: Finding output with a table:</a:t>
+            </a:r>
+          </a:p>
+        </p:txBody>
+      </p:sp>
+      <p:sp>
+        <p:nvSpPr>
+          <p:cNvPr id="3" name="Content Placeholder 2"/>
+          <p:cNvSpPr>
+            <a:spLocks noGrp="1"/>
+          </p:cNvSpPr>
+          <p:nvPr>
+            <p:ph idx="1"/>
+          </p:nvPr>
+        </p:nvSpPr>
+        <p:spPr/>
+        <p:txBody>
+          <a:bodyPr/>
+          <a:lstStyle/>
+          <a:p>
             <a:pPr marL="0" indent="0" algn="ctr">
               <a:buNone/>
             </a:pPr>
@@ -26855,9 +27224,7 @@
           <p:cNvGraphicFramePr>
             <a:graphicFrameLocks noGrp="1"/>
           </p:cNvGraphicFramePr>
-          <p:nvPr>
-            <p:extLst/>
-          </p:nvPr>
+          <p:nvPr/>
         </p:nvGraphicFramePr>
         <p:xfrm>
           <a:off x="2400300" y="2057399"/>
@@ -27319,7 +27686,7 @@
 </p:sld>
 </file>
 
-<file path=ppt/slides/slide62.xml><?xml version="1.0" encoding="utf-8"?>
+<file path=ppt/slides/slide64.xml><?xml version="1.0" encoding="utf-8"?>
 <p:sld xmlns:a="http://schemas.openxmlformats.org/drawingml/2006/main" xmlns:r="http://schemas.openxmlformats.org/officeDocument/2006/relationships" xmlns:p="http://schemas.openxmlformats.org/presentationml/2006/main">
   <p:cSld>
     <p:spTree>
@@ -27784,7 +28151,7 @@
 </p:sld>
 </file>
 
-<file path=ppt/slides/slide63.xml><?xml version="1.0" encoding="utf-8"?>
+<file path=ppt/slides/slide65.xml><?xml version="1.0" encoding="utf-8"?>
 <p:sld xmlns:a="http://schemas.openxmlformats.org/drawingml/2006/main" xmlns:r="http://schemas.openxmlformats.org/officeDocument/2006/relationships" xmlns:p="http://schemas.openxmlformats.org/presentationml/2006/main">
   <p:cSld>
     <p:spTree>
@@ -28066,7 +28433,7 @@
 </p:sld>
 </file>
 
-<file path=ppt/slides/slide64.xml><?xml version="1.0" encoding="utf-8"?>
+<file path=ppt/slides/slide66.xml><?xml version="1.0" encoding="utf-8"?>
 <p:sld xmlns:a="http://schemas.openxmlformats.org/drawingml/2006/main" xmlns:r="http://schemas.openxmlformats.org/officeDocument/2006/relationships" xmlns:p="http://schemas.openxmlformats.org/presentationml/2006/main">
   <p:cSld>
     <p:spTree>
@@ -28115,194 +28482,6 @@
     <p:extLst>
       <p:ext uri="{BB962C8B-B14F-4D97-AF65-F5344CB8AC3E}">
         <p14:creationId xmlns:p14="http://schemas.microsoft.com/office/powerpoint/2010/main" val="1245461734"/>
-      </p:ext>
-    </p:extLst>
-  </p:cSld>
-  <p:clrMapOvr>
-    <a:masterClrMapping/>
-  </p:clrMapOvr>
-</p:sld>
-</file>
-
-<file path=ppt/slides/slide65.xml><?xml version="1.0" encoding="utf-8"?>
-<p:sld xmlns:a="http://schemas.openxmlformats.org/drawingml/2006/main" xmlns:r="http://schemas.openxmlformats.org/officeDocument/2006/relationships" xmlns:p="http://schemas.openxmlformats.org/presentationml/2006/main">
-  <p:cSld>
-    <p:spTree>
-      <p:nvGrpSpPr>
-        <p:cNvPr id="1" name=""/>
-        <p:cNvGrpSpPr/>
-        <p:nvPr/>
-      </p:nvGrpSpPr>
-      <p:grpSpPr>
-        <a:xfrm>
-          <a:off x="0" y="0"/>
-          <a:ext cx="0" cy="0"/>
-          <a:chOff x="0" y="0"/>
-          <a:chExt cx="0" cy="0"/>
-        </a:xfrm>
-      </p:grpSpPr>
-      <p:sp>
-        <p:nvSpPr>
-          <p:cNvPr id="2" name="Title 1"/>
-          <p:cNvSpPr>
-            <a:spLocks noGrp="1"/>
-          </p:cNvSpPr>
-          <p:nvPr>
-            <p:ph type="title"/>
-          </p:nvPr>
-        </p:nvSpPr>
-        <p:spPr/>
-        <p:txBody>
-          <a:bodyPr>
-            <a:normAutofit/>
-          </a:bodyPr>
-          <a:lstStyle/>
-          <a:p>
-            <a:r>
-              <a:rPr lang="en-US" dirty="0"/>
-              <a:t>Homework</a:t>
-            </a:r>
-          </a:p>
-        </p:txBody>
-      </p:sp>
-      <p:sp>
-        <p:nvSpPr>
-          <p:cNvPr id="3" name="Content Placeholder 2"/>
-          <p:cNvSpPr>
-            <a:spLocks noGrp="1"/>
-          </p:cNvSpPr>
-          <p:nvPr>
-            <p:ph idx="1"/>
-          </p:nvPr>
-        </p:nvSpPr>
-        <p:spPr/>
-        <p:txBody>
-          <a:bodyPr/>
-          <a:lstStyle/>
-          <a:p>
-            <a:pPr marL="0" indent="0">
-              <a:buNone/>
-            </a:pPr>
-            <a:r>
-              <a:rPr lang="en-US" dirty="0"/>
-              <a:t>Read HW 9.4 “Is-a Versus Has-a Relationships”</a:t>
-            </a:r>
-          </a:p>
-          <a:p>
-            <a:pPr marL="0" indent="0">
-              <a:buNone/>
-            </a:pPr>
-            <a:endParaRPr lang="en-US" dirty="0"/>
-          </a:p>
-          <a:p>
-            <a:pPr marL="0" indent="0">
-              <a:buNone/>
-            </a:pPr>
-            <a:r>
-              <a:rPr lang="en-US" dirty="0"/>
-              <a:t>Complete self-check questions #18 – 20 </a:t>
-            </a:r>
-          </a:p>
-          <a:p>
-            <a:pPr marL="0" indent="0">
-              <a:buNone/>
-            </a:pPr>
-            <a:endParaRPr lang="en-US" dirty="0"/>
-          </a:p>
-        </p:txBody>
-      </p:sp>
-    </p:spTree>
-    <p:extLst>
-      <p:ext uri="{BB962C8B-B14F-4D97-AF65-F5344CB8AC3E}">
-        <p14:creationId xmlns:p14="http://schemas.microsoft.com/office/powerpoint/2010/main" val="1974401861"/>
-      </p:ext>
-    </p:extLst>
-  </p:cSld>
-  <p:clrMapOvr>
-    <a:masterClrMapping/>
-  </p:clrMapOvr>
-</p:sld>
-</file>
-
-<file path=ppt/slides/slide66.xml><?xml version="1.0" encoding="utf-8"?>
-<p:sld xmlns:a="http://schemas.openxmlformats.org/drawingml/2006/main" xmlns:r="http://schemas.openxmlformats.org/officeDocument/2006/relationships" xmlns:p="http://schemas.openxmlformats.org/presentationml/2006/main">
-  <p:cSld>
-    <p:spTree>
-      <p:nvGrpSpPr>
-        <p:cNvPr id="1" name=""/>
-        <p:cNvGrpSpPr/>
-        <p:nvPr/>
-      </p:nvGrpSpPr>
-      <p:grpSpPr>
-        <a:xfrm>
-          <a:off x="0" y="0"/>
-          <a:ext cx="0" cy="0"/>
-          <a:chOff x="0" y="0"/>
-          <a:chExt cx="0" cy="0"/>
-        </a:xfrm>
-      </p:grpSpPr>
-      <p:sp>
-        <p:nvSpPr>
-          <p:cNvPr id="2" name="Title 1"/>
-          <p:cNvSpPr>
-            <a:spLocks noGrp="1"/>
-          </p:cNvSpPr>
-          <p:nvPr>
-            <p:ph type="ctrTitle"/>
-          </p:nvPr>
-        </p:nvSpPr>
-        <p:spPr>
-          <a:xfrm>
-            <a:off x="1524000" y="1177187"/>
-            <a:ext cx="9144000" cy="2387600"/>
-          </a:xfrm>
-        </p:spPr>
-        <p:txBody>
-          <a:bodyPr/>
-          <a:lstStyle/>
-          <a:p>
-            <a:r>
-              <a:rPr lang="en-US" dirty="0"/>
-              <a:t>Has-a Relationships</a:t>
-            </a:r>
-          </a:p>
-        </p:txBody>
-      </p:sp>
-      <p:sp>
-        <p:nvSpPr>
-          <p:cNvPr id="3" name="Subtitle 2"/>
-          <p:cNvSpPr>
-            <a:spLocks noGrp="1"/>
-          </p:cNvSpPr>
-          <p:nvPr>
-            <p:ph type="subTitle" idx="1"/>
-          </p:nvPr>
-        </p:nvSpPr>
-        <p:spPr>
-          <a:xfrm>
-            <a:off x="1524000" y="3656862"/>
-            <a:ext cx="9144000" cy="1655762"/>
-          </a:xfrm>
-        </p:spPr>
-        <p:txBody>
-          <a:bodyPr/>
-          <a:lstStyle/>
-          <a:p>
-            <a:r>
-              <a:rPr lang="en-US"/>
-              <a:t>[ 6.05 ] </a:t>
-            </a:r>
-            <a:r>
-              <a:rPr lang="en-US" dirty="0"/>
-              <a:t>[ Today’s Date ] [ Instructor Name ]</a:t>
-            </a:r>
-          </a:p>
-        </p:txBody>
-      </p:sp>
-    </p:spTree>
-    <p:extLst>
-      <p:ext uri="{BB962C8B-B14F-4D97-AF65-F5344CB8AC3E}">
-        <p14:creationId xmlns:p14="http://schemas.microsoft.com/office/powerpoint/2010/main" val="954404459"/>
       </p:ext>
     </p:extLst>
   </p:cSld>
@@ -28339,83 +28518,70 @@
             <p:ph type="title"/>
           </p:nvPr>
         </p:nvSpPr>
-        <p:spPr>
-          <a:xfrm>
-            <a:off x="838200" y="698500"/>
-            <a:ext cx="10515600" cy="1157288"/>
-          </a:xfrm>
-        </p:spPr>
+        <p:spPr/>
         <p:txBody>
           <a:bodyPr>
-            <a:normAutofit fontScale="90000"/>
+            <a:normAutofit/>
           </a:bodyPr>
           <a:lstStyle/>
           <a:p>
             <a:r>
               <a:rPr lang="en-US" dirty="0"/>
-              <a:t>Relationship between a:</a:t>
-            </a:r>
-            <a:br>
-              <a:rPr lang="en-US" dirty="0"/>
-            </a:br>
-            <a:r>
-              <a:rPr lang="en-US" dirty="0"/>
-              <a:t>Animal, Carnivore, Tiger, and Donkey</a:t>
+              <a:t>Homework</a:t>
             </a:r>
           </a:p>
         </p:txBody>
       </p:sp>
-      <p:graphicFrame>
-        <p:nvGraphicFramePr>
-          <p:cNvPr id="6" name="Diagram 5"/>
-          <p:cNvGraphicFramePr/>
-          <p:nvPr>
-            <p:extLst/>
-          </p:nvPr>
-        </p:nvGraphicFramePr>
-        <p:xfrm>
-          <a:off x="1117602" y="1001018"/>
-          <a:ext cx="8128000" cy="5418667"/>
-        </p:xfrm>
-        <a:graphic>
-          <a:graphicData uri="http://schemas.openxmlformats.org/drawingml/2006/diagram">
-            <dgm:relIds xmlns:dgm="http://schemas.openxmlformats.org/drawingml/2006/diagram" xmlns:r="http://schemas.openxmlformats.org/officeDocument/2006/relationships" r:dm="rId2" r:lo="rId3" r:qs="rId4" r:cs="rId5"/>
-          </a:graphicData>
-        </a:graphic>
-      </p:graphicFrame>
       <p:sp>
         <p:nvSpPr>
-          <p:cNvPr id="7" name="TextBox 6"/>
-          <p:cNvSpPr txBox="1"/>
-          <p:nvPr/>
+          <p:cNvPr id="3" name="Content Placeholder 2"/>
+          <p:cNvSpPr>
+            <a:spLocks noGrp="1"/>
+          </p:cNvSpPr>
+          <p:nvPr>
+            <p:ph idx="1"/>
+          </p:nvPr>
         </p:nvSpPr>
-        <p:spPr>
-          <a:xfrm>
-            <a:off x="6977577" y="4079629"/>
-            <a:ext cx="3993401" cy="523220"/>
-          </a:xfrm>
-          <a:prstGeom prst="rect">
-            <a:avLst/>
-          </a:prstGeom>
-          <a:noFill/>
-        </p:spPr>
+        <p:spPr/>
         <p:txBody>
-          <a:bodyPr wrap="none" rtlCol="0">
-            <a:spAutoFit/>
-          </a:bodyPr>
+          <a:bodyPr/>
           <a:lstStyle/>
           <a:p>
-            <a:r>
-              <a:rPr lang="en-US" sz="2800" dirty="0"/>
-              <a:t>This is an Is-a Relationship</a:t>
-            </a:r>
+            <a:pPr marL="0" indent="0">
+              <a:buNone/>
+            </a:pPr>
+            <a:r>
+              <a:rPr lang="en-US" dirty="0"/>
+              <a:t>Read HW 9.4 “Is-a Versus Has-a Relationships”</a:t>
+            </a:r>
+          </a:p>
+          <a:p>
+            <a:pPr marL="0" indent="0">
+              <a:buNone/>
+            </a:pPr>
+            <a:endParaRPr lang="en-US" dirty="0"/>
+          </a:p>
+          <a:p>
+            <a:pPr marL="0" indent="0">
+              <a:buNone/>
+            </a:pPr>
+            <a:r>
+              <a:rPr lang="en-US" dirty="0"/>
+              <a:t>Complete self-check questions #18 – 20 </a:t>
+            </a:r>
+          </a:p>
+          <a:p>
+            <a:pPr marL="0" indent="0">
+              <a:buNone/>
+            </a:pPr>
+            <a:endParaRPr lang="en-US" dirty="0"/>
           </a:p>
         </p:txBody>
       </p:sp>
     </p:spTree>
     <p:extLst>
       <p:ext uri="{BB962C8B-B14F-4D97-AF65-F5344CB8AC3E}">
-        <p14:creationId xmlns:p14="http://schemas.microsoft.com/office/powerpoint/2010/main" val="2171576540"/>
+        <p14:creationId xmlns:p14="http://schemas.microsoft.com/office/powerpoint/2010/main" val="1974401861"/>
       </p:ext>
     </p:extLst>
   </p:cSld>
@@ -28449,87 +28615,61 @@
             <a:spLocks noGrp="1"/>
           </p:cNvSpPr>
           <p:nvPr>
-            <p:ph type="title"/>
+            <p:ph type="ctrTitle"/>
           </p:nvPr>
         </p:nvSpPr>
         <p:spPr>
           <a:xfrm>
-            <a:off x="838200" y="698499"/>
-            <a:ext cx="10515600" cy="1805549"/>
+            <a:off x="1524000" y="1177187"/>
+            <a:ext cx="9144000" cy="2387600"/>
           </a:xfrm>
         </p:spPr>
         <p:txBody>
-          <a:bodyPr>
-            <a:normAutofit fontScale="90000"/>
-          </a:bodyPr>
+          <a:bodyPr/>
           <a:lstStyle/>
           <a:p>
             <a:r>
               <a:rPr lang="en-US" dirty="0"/>
-              <a:t>Relationships for:</a:t>
-            </a:r>
-            <a:br>
-              <a:rPr lang="en-US" dirty="0"/>
-            </a:br>
-            <a:br>
-              <a:rPr lang="en-US" dirty="0"/>
-            </a:br>
-            <a:r>
-              <a:rPr lang="en-US" dirty="0" err="1"/>
-              <a:t>ZooMember</a:t>
-            </a:r>
-            <a:r>
-              <a:rPr lang="en-US" dirty="0"/>
-              <a:t>				    </a:t>
-            </a:r>
-            <a:r>
-              <a:rPr lang="en-US" dirty="0" err="1"/>
-              <a:t>ZooFacility</a:t>
-            </a:r>
-            <a:endParaRPr lang="en-US" dirty="0"/>
+              <a:t>Has-a Relationships</a:t>
+            </a:r>
           </a:p>
         </p:txBody>
       </p:sp>
-      <p:graphicFrame>
-        <p:nvGraphicFramePr>
-          <p:cNvPr id="6" name="Diagram 5"/>
-          <p:cNvGraphicFramePr/>
+      <p:sp>
+        <p:nvSpPr>
+          <p:cNvPr id="3" name="Subtitle 2"/>
+          <p:cNvSpPr>
+            <a:spLocks noGrp="1"/>
+          </p:cNvSpPr>
           <p:nvPr>
-            <p:extLst/>
+            <p:ph type="subTitle" idx="1"/>
           </p:nvPr>
-        </p:nvGraphicFramePr>
-        <p:xfrm>
-          <a:off x="-992552" y="2917962"/>
-          <a:ext cx="8128000" cy="3104090"/>
-        </p:xfrm>
-        <a:graphic>
-          <a:graphicData uri="http://schemas.openxmlformats.org/drawingml/2006/diagram">
-            <dgm:relIds xmlns:dgm="http://schemas.openxmlformats.org/drawingml/2006/diagram" xmlns:r="http://schemas.openxmlformats.org/officeDocument/2006/relationships" r:dm="rId2" r:lo="rId3" r:qs="rId4" r:cs="rId5"/>
-          </a:graphicData>
-        </a:graphic>
-      </p:graphicFrame>
-      <p:graphicFrame>
-        <p:nvGraphicFramePr>
-          <p:cNvPr id="5" name="Diagram 4"/>
-          <p:cNvGraphicFramePr/>
-          <p:nvPr>
-            <p:extLst/>
-          </p:nvPr>
-        </p:nvGraphicFramePr>
-        <p:xfrm>
-          <a:off x="5022818" y="2917962"/>
-          <a:ext cx="8128000" cy="3104090"/>
-        </p:xfrm>
-        <a:graphic>
-          <a:graphicData uri="http://schemas.openxmlformats.org/drawingml/2006/diagram">
-            <dgm:relIds xmlns:dgm="http://schemas.openxmlformats.org/drawingml/2006/diagram" xmlns:r="http://schemas.openxmlformats.org/officeDocument/2006/relationships" r:dm="rId7" r:lo="rId8" r:qs="rId9" r:cs="rId10"/>
-          </a:graphicData>
-        </a:graphic>
-      </p:graphicFrame>
+        </p:nvSpPr>
+        <p:spPr>
+          <a:xfrm>
+            <a:off x="1524000" y="3656862"/>
+            <a:ext cx="9144000" cy="1655762"/>
+          </a:xfrm>
+        </p:spPr>
+        <p:txBody>
+          <a:bodyPr/>
+          <a:lstStyle/>
+          <a:p>
+            <a:r>
+              <a:rPr lang="en-US"/>
+              <a:t>[ 6.05 ] </a:t>
+            </a:r>
+            <a:r>
+              <a:rPr lang="en-US" dirty="0"/>
+              <a:t>[ Today’s Date ] [ Instructor Name ]</a:t>
+            </a:r>
+          </a:p>
+        </p:txBody>
+      </p:sp>
     </p:spTree>
     <p:extLst>
       <p:ext uri="{BB962C8B-B14F-4D97-AF65-F5344CB8AC3E}">
-        <p14:creationId xmlns:p14="http://schemas.microsoft.com/office/powerpoint/2010/main" val="1726424877"/>
+        <p14:creationId xmlns:p14="http://schemas.microsoft.com/office/powerpoint/2010/main" val="954404459"/>
       </p:ext>
     </p:extLst>
   </p:cSld>
@@ -28569,7 +28709,7 @@
         <p:spPr>
           <a:xfrm>
             <a:off x="838200" y="698500"/>
-            <a:ext cx="10515600" cy="1819617"/>
+            <a:ext cx="10515600" cy="1157288"/>
           </a:xfrm>
         </p:spPr>
         <p:txBody>
@@ -28580,32 +28720,27 @@
           <a:p>
             <a:r>
               <a:rPr lang="en-US" dirty="0"/>
-              <a:t>So how would we model a zoo?</a:t>
+              <a:t>Relationship between a:</a:t>
             </a:r>
             <a:br>
               <a:rPr lang="en-US" dirty="0"/>
             </a:br>
-            <a:br>
+            <a:r>
               <a:rPr lang="en-US" dirty="0"/>
-            </a:br>
-            <a:r>
-              <a:rPr lang="en-US" dirty="0"/>
-              <a:t>Zoo</a:t>
+              <a:t>Animal, Carnivore, Tiger, and Donkey</a:t>
             </a:r>
           </a:p>
         </p:txBody>
       </p:sp>
       <p:graphicFrame>
         <p:nvGraphicFramePr>
-          <p:cNvPr id="4" name="Diagram 3"/>
+          <p:cNvPr id="6" name="Diagram 5"/>
           <p:cNvGraphicFramePr/>
-          <p:nvPr>
-            <p:extLst/>
-          </p:nvPr>
+          <p:nvPr/>
         </p:nvGraphicFramePr>
         <p:xfrm>
-          <a:off x="-992552" y="2917962"/>
-          <a:ext cx="8128000" cy="3104090"/>
+          <a:off x="1117602" y="1001018"/>
+          <a:ext cx="8128000" cy="5418667"/>
         </p:xfrm>
         <a:graphic>
           <a:graphicData uri="http://schemas.openxmlformats.org/drawingml/2006/diagram">
@@ -28615,14 +28750,14 @@
       </p:graphicFrame>
       <p:sp>
         <p:nvSpPr>
-          <p:cNvPr id="5" name="TextBox 4"/>
+          <p:cNvPr id="7" name="TextBox 6"/>
           <p:cNvSpPr txBox="1"/>
           <p:nvPr/>
         </p:nvSpPr>
         <p:spPr>
           <a:xfrm>
-            <a:off x="6096000" y="2703016"/>
-            <a:ext cx="5509846" cy="4154984"/>
+            <a:off x="6977577" y="4079629"/>
+            <a:ext cx="3993401" cy="523220"/>
           </a:xfrm>
           <a:prstGeom prst="rect">
             <a:avLst/>
@@ -28630,62 +28765,22 @@
           <a:noFill/>
         </p:spPr>
         <p:txBody>
-          <a:bodyPr wrap="square" rtlCol="0">
+          <a:bodyPr wrap="none" rtlCol="0">
             <a:spAutoFit/>
           </a:bodyPr>
           <a:lstStyle/>
           <a:p>
             <a:r>
-              <a:rPr lang="en-US" sz="2400" dirty="0"/>
-              <a:t>Has-a describes the relationship between a class that is client code of another class.</a:t>
-            </a:r>
-          </a:p>
-          <a:p>
-            <a:endParaRPr lang="en-US" sz="2400" dirty="0"/>
-          </a:p>
-          <a:p>
-            <a:r>
-              <a:rPr lang="en-US" sz="2400" dirty="0"/>
-              <a:t>You should use a has-a relationship when you can’t substitute one class for another.</a:t>
-            </a:r>
-          </a:p>
-          <a:p>
-            <a:endParaRPr lang="en-US" sz="2400" dirty="0"/>
-          </a:p>
-          <a:p>
-            <a:r>
-              <a:rPr lang="en-US" sz="2400" dirty="0"/>
-              <a:t>In this case, a Zoo is not an Animal, </a:t>
-            </a:r>
-            <a:r>
-              <a:rPr lang="en-US" sz="2400" dirty="0" err="1"/>
-              <a:t>ZooMember</a:t>
-            </a:r>
-            <a:r>
-              <a:rPr lang="en-US" sz="2400" dirty="0"/>
-              <a:t> or </a:t>
-            </a:r>
-            <a:r>
-              <a:rPr lang="en-US" sz="2400" dirty="0" err="1"/>
-              <a:t>ZooFacility</a:t>
-            </a:r>
-            <a:r>
-              <a:rPr lang="en-US" sz="2400" dirty="0"/>
-              <a:t>, rather a Zoo has all of these components.</a:t>
-            </a:r>
-          </a:p>
-          <a:p>
-            <a:endParaRPr lang="en-US" sz="2400" dirty="0"/>
-          </a:p>
-          <a:p>
-            <a:endParaRPr lang="en-US" sz="2400" dirty="0"/>
+              <a:rPr lang="en-US" sz="2800" dirty="0"/>
+              <a:t>This is an Is-a Relationship</a:t>
+            </a:r>
           </a:p>
         </p:txBody>
       </p:sp>
     </p:spTree>
     <p:extLst>
       <p:ext uri="{BB962C8B-B14F-4D97-AF65-F5344CB8AC3E}">
-        <p14:creationId xmlns:p14="http://schemas.microsoft.com/office/powerpoint/2010/main" val="763434317"/>
+        <p14:creationId xmlns:p14="http://schemas.microsoft.com/office/powerpoint/2010/main" val="2171576540"/>
       </p:ext>
     </p:extLst>
   </p:cSld>
@@ -28800,120 +28895,80 @@
             <p:ph type="title"/>
           </p:nvPr>
         </p:nvSpPr>
-        <p:spPr/>
+        <p:spPr>
+          <a:xfrm>
+            <a:off x="838200" y="698499"/>
+            <a:ext cx="10515600" cy="1805549"/>
+          </a:xfrm>
+        </p:spPr>
         <p:txBody>
-          <a:bodyPr/>
+          <a:bodyPr>
+            <a:normAutofit fontScale="90000"/>
+          </a:bodyPr>
           <a:lstStyle/>
           <a:p>
             <a:r>
               <a:rPr lang="en-US" dirty="0"/>
-              <a:t>Has-a Relationships</a:t>
-            </a:r>
+              <a:t>Relationships for:</a:t>
+            </a:r>
+            <a:br>
+              <a:rPr lang="en-US" dirty="0"/>
+            </a:br>
+            <a:br>
+              <a:rPr lang="en-US" dirty="0"/>
+            </a:br>
+            <a:r>
+              <a:rPr lang="en-US" dirty="0" err="1"/>
+              <a:t>ZooMember</a:t>
+            </a:r>
+            <a:r>
+              <a:rPr lang="en-US" dirty="0"/>
+              <a:t>				    </a:t>
+            </a:r>
+            <a:r>
+              <a:rPr lang="en-US" dirty="0" err="1"/>
+              <a:t>ZooFacility</a:t>
+            </a:r>
+            <a:endParaRPr lang="en-US" dirty="0"/>
           </a:p>
         </p:txBody>
       </p:sp>
-      <p:sp>
-        <p:nvSpPr>
-          <p:cNvPr id="3" name="Content Placeholder 2"/>
-          <p:cNvSpPr>
-            <a:spLocks noGrp="1"/>
-          </p:cNvSpPr>
-          <p:nvPr>
-            <p:ph idx="1"/>
-          </p:nvPr>
-        </p:nvSpPr>
-        <p:spPr/>
-        <p:txBody>
-          <a:bodyPr/>
-          <a:lstStyle/>
-          <a:p>
-            <a:pPr marL="0" indent="0">
-              <a:buNone/>
-            </a:pPr>
-            <a:r>
-              <a:rPr lang="en-US" dirty="0"/>
-              <a:t>How would you design a Zoo?</a:t>
-            </a:r>
-          </a:p>
-          <a:p>
-            <a:pPr marL="0" indent="0">
-              <a:buNone/>
-            </a:pPr>
-            <a:endParaRPr lang="en-US" dirty="0"/>
-          </a:p>
-          <a:p>
-            <a:pPr marL="0" indent="0">
-              <a:buNone/>
-            </a:pPr>
-            <a:r>
-              <a:rPr lang="en-US" dirty="0"/>
-              <a:t>A Zoo has many parts:</a:t>
-            </a:r>
-          </a:p>
-          <a:p>
-            <a:pPr marL="0" indent="0">
-              <a:buNone/>
-            </a:pPr>
-            <a:endParaRPr lang="en-US" dirty="0"/>
-          </a:p>
-          <a:p>
-            <a:pPr marL="0" indent="0">
-              <a:buNone/>
-            </a:pPr>
-            <a:r>
-              <a:rPr lang="en-US" sz="2400" dirty="0">
-                <a:latin typeface="Courier New" panose="02070309020205020404" pitchFamily="49" charset="0"/>
-                <a:cs typeface="Courier New" panose="02070309020205020404" pitchFamily="49" charset="0"/>
-              </a:rPr>
-              <a:t>Animals, </a:t>
-            </a:r>
-            <a:r>
-              <a:rPr lang="en-US" sz="2400" dirty="0" err="1">
-                <a:latin typeface="Courier New" panose="02070309020205020404" pitchFamily="49" charset="0"/>
-                <a:cs typeface="Courier New" panose="02070309020205020404" pitchFamily="49" charset="0"/>
-              </a:rPr>
-              <a:t>ZooMember</a:t>
-            </a:r>
-            <a:r>
-              <a:rPr lang="en-US" sz="2400" dirty="0">
-                <a:latin typeface="Courier New" panose="02070309020205020404" pitchFamily="49" charset="0"/>
-                <a:cs typeface="Courier New" panose="02070309020205020404" pitchFamily="49" charset="0"/>
-              </a:rPr>
-              <a:t>, </a:t>
-            </a:r>
-            <a:r>
-              <a:rPr lang="en-US" sz="2400" dirty="0" err="1">
-                <a:latin typeface="Courier New" panose="02070309020205020404" pitchFamily="49" charset="0"/>
-                <a:cs typeface="Courier New" panose="02070309020205020404" pitchFamily="49" charset="0"/>
-              </a:rPr>
-              <a:t>ZooFacility</a:t>
-            </a:r>
-            <a:endParaRPr lang="en-US" sz="2400" dirty="0">
-              <a:latin typeface="Courier New" panose="02070309020205020404" pitchFamily="49" charset="0"/>
-              <a:cs typeface="Courier New" panose="02070309020205020404" pitchFamily="49" charset="0"/>
-            </a:endParaRPr>
-          </a:p>
-          <a:p>
-            <a:pPr marL="0" indent="0">
-              <a:buNone/>
-            </a:pPr>
-            <a:endParaRPr lang="en-US" dirty="0"/>
-          </a:p>
-          <a:p>
-            <a:pPr marL="0" indent="0">
-              <a:buNone/>
-            </a:pPr>
-            <a:r>
-              <a:rPr lang="en-US" dirty="0"/>
-              <a:t>You need each of these classes to have an effective Zoo.</a:t>
-            </a:r>
-          </a:p>
-        </p:txBody>
-      </p:sp>
+      <p:graphicFrame>
+        <p:nvGraphicFramePr>
+          <p:cNvPr id="6" name="Diagram 5"/>
+          <p:cNvGraphicFramePr/>
+          <p:nvPr/>
+        </p:nvGraphicFramePr>
+        <p:xfrm>
+          <a:off x="-992552" y="2917962"/>
+          <a:ext cx="8128000" cy="3104090"/>
+        </p:xfrm>
+        <a:graphic>
+          <a:graphicData uri="http://schemas.openxmlformats.org/drawingml/2006/diagram">
+            <dgm:relIds xmlns:dgm="http://schemas.openxmlformats.org/drawingml/2006/diagram" xmlns:r="http://schemas.openxmlformats.org/officeDocument/2006/relationships" r:dm="rId2" r:lo="rId3" r:qs="rId4" r:cs="rId5"/>
+          </a:graphicData>
+        </a:graphic>
+      </p:graphicFrame>
+      <p:graphicFrame>
+        <p:nvGraphicFramePr>
+          <p:cNvPr id="5" name="Diagram 4"/>
+          <p:cNvGraphicFramePr/>
+          <p:nvPr/>
+        </p:nvGraphicFramePr>
+        <p:xfrm>
+          <a:off x="5022818" y="2917962"/>
+          <a:ext cx="8128000" cy="3104090"/>
+        </p:xfrm>
+        <a:graphic>
+          <a:graphicData uri="http://schemas.openxmlformats.org/drawingml/2006/diagram">
+            <dgm:relIds xmlns:dgm="http://schemas.openxmlformats.org/drawingml/2006/diagram" xmlns:r="http://schemas.openxmlformats.org/officeDocument/2006/relationships" r:dm="rId7" r:lo="rId8" r:qs="rId9" r:cs="rId10"/>
+          </a:graphicData>
+        </a:graphic>
+      </p:graphicFrame>
     </p:spTree>
     <p:extLst>
       <p:ext uri="{BB962C8B-B14F-4D97-AF65-F5344CB8AC3E}">
-        <p14:creationId xmlns:p14="http://schemas.microsoft.com/office/powerpoint/2010/main" val="3222473941"/>
+        <p14:creationId xmlns:p14="http://schemas.microsoft.com/office/powerpoint/2010/main" val="1726424877"/>
       </p:ext>
     </p:extLst>
   </p:cSld>
@@ -28950,193 +29005,124 @@
             <p:ph type="title"/>
           </p:nvPr>
         </p:nvSpPr>
-        <p:spPr/>
-        <p:txBody>
-          <a:bodyPr/>
-          <a:lstStyle/>
-          <a:p>
-            <a:r>
-              <a:rPr lang="en-US" dirty="0"/>
-              <a:t>Declaring a Has-a Relationship</a:t>
-            </a:r>
-          </a:p>
-        </p:txBody>
-      </p:sp>
-      <p:sp>
-        <p:nvSpPr>
-          <p:cNvPr id="3" name="Content Placeholder 2"/>
-          <p:cNvSpPr>
-            <a:spLocks noGrp="1"/>
-          </p:cNvSpPr>
-          <p:nvPr>
-            <p:ph idx="1"/>
-          </p:nvPr>
-        </p:nvSpPr>
         <p:spPr>
           <a:xfrm>
-            <a:off x="838200" y="2057399"/>
-            <a:ext cx="10978662" cy="4119563"/>
+            <a:off x="838200" y="698500"/>
+            <a:ext cx="10515600" cy="1819617"/>
           </a:xfrm>
         </p:spPr>
         <p:txBody>
           <a:bodyPr>
-            <a:normAutofit/>
+            <a:normAutofit fontScale="90000"/>
           </a:bodyPr>
           <a:lstStyle/>
           <a:p>
-            <a:pPr marL="0" indent="0">
-              <a:buNone/>
-            </a:pPr>
-            <a:r>
-              <a:rPr lang="en-US" dirty="0">
-                <a:latin typeface="Courier New" panose="02070309020205020404" pitchFamily="49" charset="0"/>
-                <a:cs typeface="Courier New" panose="02070309020205020404" pitchFamily="49" charset="0"/>
-              </a:rPr>
-              <a:t>public class Zoo{</a:t>
-            </a:r>
-          </a:p>
-          <a:p>
-            <a:pPr marL="0" indent="0">
-              <a:buNone/>
-            </a:pPr>
-            <a:r>
-              <a:rPr lang="en-US" dirty="0">
-                <a:latin typeface="Courier New" panose="02070309020205020404" pitchFamily="49" charset="0"/>
-                <a:cs typeface="Courier New" panose="02070309020205020404" pitchFamily="49" charset="0"/>
-              </a:rPr>
-              <a:t>	private Animal[] animals;</a:t>
-            </a:r>
-          </a:p>
-          <a:p>
-            <a:pPr marL="0" indent="0">
-              <a:buNone/>
-            </a:pPr>
-            <a:r>
-              <a:rPr lang="en-US" dirty="0">
-                <a:latin typeface="Courier New" panose="02070309020205020404" pitchFamily="49" charset="0"/>
-                <a:cs typeface="Courier New" panose="02070309020205020404" pitchFamily="49" charset="0"/>
-              </a:rPr>
-              <a:t>	private </a:t>
-            </a:r>
-            <a:r>
-              <a:rPr lang="en-US" dirty="0" err="1">
-                <a:latin typeface="Courier New" panose="02070309020205020404" pitchFamily="49" charset="0"/>
-                <a:cs typeface="Courier New" panose="02070309020205020404" pitchFamily="49" charset="0"/>
-              </a:rPr>
+            <a:r>
+              <a:rPr lang="en-US" dirty="0"/>
+              <a:t>So how would we model a zoo?</a:t>
+            </a:r>
+            <a:br>
+              <a:rPr lang="en-US" dirty="0"/>
+            </a:br>
+            <a:br>
+              <a:rPr lang="en-US" dirty="0"/>
+            </a:br>
+            <a:r>
+              <a:rPr lang="en-US" dirty="0"/>
+              <a:t>Zoo</a:t>
+            </a:r>
+          </a:p>
+        </p:txBody>
+      </p:sp>
+      <p:graphicFrame>
+        <p:nvGraphicFramePr>
+          <p:cNvPr id="4" name="Diagram 3"/>
+          <p:cNvGraphicFramePr/>
+          <p:nvPr/>
+        </p:nvGraphicFramePr>
+        <p:xfrm>
+          <a:off x="-992552" y="2917962"/>
+          <a:ext cx="8128000" cy="3104090"/>
+        </p:xfrm>
+        <a:graphic>
+          <a:graphicData uri="http://schemas.openxmlformats.org/drawingml/2006/diagram">
+            <dgm:relIds xmlns:dgm="http://schemas.openxmlformats.org/drawingml/2006/diagram" xmlns:r="http://schemas.openxmlformats.org/officeDocument/2006/relationships" r:dm="rId2" r:lo="rId3" r:qs="rId4" r:cs="rId5"/>
+          </a:graphicData>
+        </a:graphic>
+      </p:graphicFrame>
+      <p:sp>
+        <p:nvSpPr>
+          <p:cNvPr id="5" name="TextBox 4"/>
+          <p:cNvSpPr txBox="1"/>
+          <p:nvPr/>
+        </p:nvSpPr>
+        <p:spPr>
+          <a:xfrm>
+            <a:off x="6096000" y="2703016"/>
+            <a:ext cx="5509846" cy="4154984"/>
+          </a:xfrm>
+          <a:prstGeom prst="rect">
+            <a:avLst/>
+          </a:prstGeom>
+          <a:noFill/>
+        </p:spPr>
+        <p:txBody>
+          <a:bodyPr wrap="square" rtlCol="0">
+            <a:spAutoFit/>
+          </a:bodyPr>
+          <a:lstStyle/>
+          <a:p>
+            <a:r>
+              <a:rPr lang="en-US" sz="2400" dirty="0"/>
+              <a:t>Has-a describes the relationship between a class that is client code of another class.</a:t>
+            </a:r>
+          </a:p>
+          <a:p>
+            <a:endParaRPr lang="en-US" sz="2400" dirty="0"/>
+          </a:p>
+          <a:p>
+            <a:r>
+              <a:rPr lang="en-US" sz="2400" dirty="0"/>
+              <a:t>You should use a has-a relationship when you can’t substitute one class for another.</a:t>
+            </a:r>
+          </a:p>
+          <a:p>
+            <a:endParaRPr lang="en-US" sz="2400" dirty="0"/>
+          </a:p>
+          <a:p>
+            <a:r>
+              <a:rPr lang="en-US" sz="2400" dirty="0"/>
+              <a:t>In this case, a Zoo is not an Animal, </a:t>
+            </a:r>
+            <a:r>
+              <a:rPr lang="en-US" sz="2400" dirty="0" err="1"/>
               <a:t>ZooMember</a:t>
             </a:r>
             <a:r>
-              <a:rPr lang="en-US" dirty="0">
-                <a:latin typeface="Courier New" panose="02070309020205020404" pitchFamily="49" charset="0"/>
-                <a:cs typeface="Courier New" panose="02070309020205020404" pitchFamily="49" charset="0"/>
-              </a:rPr>
-              <a:t>[] </a:t>
-            </a:r>
-            <a:r>
-              <a:rPr lang="en-US" dirty="0" err="1">
-                <a:latin typeface="Courier New" panose="02070309020205020404" pitchFamily="49" charset="0"/>
-                <a:cs typeface="Courier New" panose="02070309020205020404" pitchFamily="49" charset="0"/>
-              </a:rPr>
-              <a:t>zooMembers</a:t>
-            </a:r>
-            <a:r>
-              <a:rPr lang="en-US" dirty="0">
-                <a:latin typeface="Courier New" panose="02070309020205020404" pitchFamily="49" charset="0"/>
-                <a:cs typeface="Courier New" panose="02070309020205020404" pitchFamily="49" charset="0"/>
-              </a:rPr>
-              <a:t>;</a:t>
-            </a:r>
-          </a:p>
-          <a:p>
-            <a:pPr marL="0" indent="0">
-              <a:buNone/>
-            </a:pPr>
-            <a:r>
-              <a:rPr lang="en-US" dirty="0">
-                <a:latin typeface="Courier New" panose="02070309020205020404" pitchFamily="49" charset="0"/>
-                <a:cs typeface="Courier New" panose="02070309020205020404" pitchFamily="49" charset="0"/>
-              </a:rPr>
-              <a:t>	private </a:t>
-            </a:r>
-            <a:r>
-              <a:rPr lang="en-US" dirty="0" err="1">
-                <a:latin typeface="Courier New" panose="02070309020205020404" pitchFamily="49" charset="0"/>
-                <a:cs typeface="Courier New" panose="02070309020205020404" pitchFamily="49" charset="0"/>
-              </a:rPr>
+              <a:rPr lang="en-US" sz="2400" dirty="0"/>
+              <a:t> or </a:t>
+            </a:r>
+            <a:r>
+              <a:rPr lang="en-US" sz="2400" dirty="0" err="1"/>
               <a:t>ZooFacility</a:t>
             </a:r>
             <a:r>
-              <a:rPr lang="en-US" dirty="0">
-                <a:latin typeface="Courier New" panose="02070309020205020404" pitchFamily="49" charset="0"/>
-                <a:cs typeface="Courier New" panose="02070309020205020404" pitchFamily="49" charset="0"/>
-              </a:rPr>
-              <a:t>[] </a:t>
-            </a:r>
-            <a:r>
-              <a:rPr lang="en-US" dirty="0" err="1">
-                <a:latin typeface="Courier New" panose="02070309020205020404" pitchFamily="49" charset="0"/>
-                <a:cs typeface="Courier New" panose="02070309020205020404" pitchFamily="49" charset="0"/>
-              </a:rPr>
-              <a:t>zooFacilities</a:t>
-            </a:r>
-            <a:r>
-              <a:rPr lang="en-US" dirty="0">
-                <a:latin typeface="Courier New" panose="02070309020205020404" pitchFamily="49" charset="0"/>
-                <a:cs typeface="Courier New" panose="02070309020205020404" pitchFamily="49" charset="0"/>
-              </a:rPr>
-              <a:t>;</a:t>
-            </a:r>
-          </a:p>
-          <a:p>
-            <a:pPr marL="0" indent="0">
-              <a:buNone/>
-            </a:pPr>
-            <a:r>
-              <a:rPr lang="en-US" dirty="0">
-                <a:latin typeface="Courier New" panose="02070309020205020404" pitchFamily="49" charset="0"/>
-                <a:cs typeface="Courier New" panose="02070309020205020404" pitchFamily="49" charset="0"/>
-              </a:rPr>
-              <a:t>	…</a:t>
-            </a:r>
-          </a:p>
-          <a:p>
-            <a:pPr marL="0" indent="0">
-              <a:buNone/>
-            </a:pPr>
-            <a:r>
-              <a:rPr lang="en-US" dirty="0">
-                <a:latin typeface="Courier New" panose="02070309020205020404" pitchFamily="49" charset="0"/>
-                <a:cs typeface="Courier New" panose="02070309020205020404" pitchFamily="49" charset="0"/>
-              </a:rPr>
-              <a:t>}</a:t>
-            </a:r>
-          </a:p>
-          <a:p>
-            <a:pPr marL="0" indent="0">
-              <a:buNone/>
-            </a:pPr>
-            <a:endParaRPr lang="en-US" dirty="0">
-              <a:latin typeface="Courier New" panose="02070309020205020404" pitchFamily="49" charset="0"/>
-              <a:cs typeface="Courier New" panose="02070309020205020404" pitchFamily="49" charset="0"/>
-            </a:endParaRPr>
-          </a:p>
-          <a:p>
-            <a:pPr marL="0" indent="0">
-              <a:buNone/>
-            </a:pPr>
-            <a:r>
-              <a:rPr lang="en-US" dirty="0">
-                <a:cs typeface="Courier New" panose="02070309020205020404" pitchFamily="49" charset="0"/>
-              </a:rPr>
-              <a:t>We create fields that refer to other classes to create a has-a relationship.</a:t>
-            </a:r>
+              <a:rPr lang="en-US" sz="2400" dirty="0"/>
+              <a:t>, rather a Zoo has all of these components.</a:t>
+            </a:r>
+          </a:p>
+          <a:p>
+            <a:endParaRPr lang="en-US" sz="2400" dirty="0"/>
+          </a:p>
+          <a:p>
+            <a:endParaRPr lang="en-US" sz="2400" dirty="0"/>
           </a:p>
         </p:txBody>
       </p:sp>
     </p:spTree>
     <p:extLst>
       <p:ext uri="{BB962C8B-B14F-4D97-AF65-F5344CB8AC3E}">
-        <p14:creationId xmlns:p14="http://schemas.microsoft.com/office/powerpoint/2010/main" val="2166580154"/>
+        <p14:creationId xmlns:p14="http://schemas.microsoft.com/office/powerpoint/2010/main" val="763434317"/>
       </p:ext>
     </p:extLst>
   </p:cSld>
@@ -29173,20 +29159,112 @@
             <p:ph type="title"/>
           </p:nvPr>
         </p:nvSpPr>
-        <p:spPr>
-          <a:xfrm>
-            <a:off x="838200" y="2752383"/>
-            <a:ext cx="10515600" cy="1157288"/>
-          </a:xfrm>
-        </p:spPr>
+        <p:spPr/>
         <p:txBody>
           <a:bodyPr/>
           <a:lstStyle/>
           <a:p>
-            <a:pPr algn="ctr"/>
             <a:r>
               <a:rPr lang="en-US" dirty="0"/>
-              <a:t>Worksheet 6.5: Trio</a:t>
+              <a:t>Has-a Relationships</a:t>
+            </a:r>
+          </a:p>
+        </p:txBody>
+      </p:sp>
+      <p:sp>
+        <p:nvSpPr>
+          <p:cNvPr id="3" name="Content Placeholder 2"/>
+          <p:cNvSpPr>
+            <a:spLocks noGrp="1"/>
+          </p:cNvSpPr>
+          <p:nvPr>
+            <p:ph idx="1"/>
+          </p:nvPr>
+        </p:nvSpPr>
+        <p:spPr/>
+        <p:txBody>
+          <a:bodyPr/>
+          <a:lstStyle/>
+          <a:p>
+            <a:pPr marL="0" indent="0">
+              <a:buNone/>
+            </a:pPr>
+            <a:r>
+              <a:rPr lang="en-US" dirty="0"/>
+              <a:t>How would you design a Zoo?</a:t>
+            </a:r>
+          </a:p>
+          <a:p>
+            <a:pPr marL="0" indent="0">
+              <a:buNone/>
+            </a:pPr>
+            <a:endParaRPr lang="en-US" dirty="0"/>
+          </a:p>
+          <a:p>
+            <a:pPr marL="0" indent="0">
+              <a:buNone/>
+            </a:pPr>
+            <a:r>
+              <a:rPr lang="en-US" dirty="0"/>
+              <a:t>A Zoo has many parts:</a:t>
+            </a:r>
+          </a:p>
+          <a:p>
+            <a:pPr marL="0" indent="0">
+              <a:buNone/>
+            </a:pPr>
+            <a:endParaRPr lang="en-US" dirty="0"/>
+          </a:p>
+          <a:p>
+            <a:pPr marL="0" indent="0">
+              <a:buNone/>
+            </a:pPr>
+            <a:r>
+              <a:rPr lang="en-US" sz="2400" dirty="0">
+                <a:latin typeface="Courier New" panose="02070309020205020404" pitchFamily="49" charset="0"/>
+                <a:cs typeface="Courier New" panose="02070309020205020404" pitchFamily="49" charset="0"/>
+              </a:rPr>
+              <a:t>Animals, </a:t>
+            </a:r>
+            <a:r>
+              <a:rPr lang="en-US" sz="2400" dirty="0" err="1">
+                <a:latin typeface="Courier New" panose="02070309020205020404" pitchFamily="49" charset="0"/>
+                <a:cs typeface="Courier New" panose="02070309020205020404" pitchFamily="49" charset="0"/>
+              </a:rPr>
+              <a:t>ZooMember</a:t>
+            </a:r>
+            <a:r>
+              <a:rPr lang="en-US" sz="2400" dirty="0">
+                <a:latin typeface="Courier New" panose="02070309020205020404" pitchFamily="49" charset="0"/>
+                <a:cs typeface="Courier New" panose="02070309020205020404" pitchFamily="49" charset="0"/>
+              </a:rPr>
+              <a:t>, </a:t>
+            </a:r>
+            <a:r>
+              <a:rPr lang="en-US" sz="2400" dirty="0" err="1">
+                <a:latin typeface="Courier New" panose="02070309020205020404" pitchFamily="49" charset="0"/>
+                <a:cs typeface="Courier New" panose="02070309020205020404" pitchFamily="49" charset="0"/>
+              </a:rPr>
+              <a:t>ZooFacility</a:t>
+            </a:r>
+            <a:endParaRPr lang="en-US" sz="2400" dirty="0">
+              <a:latin typeface="Courier New" panose="02070309020205020404" pitchFamily="49" charset="0"/>
+              <a:cs typeface="Courier New" panose="02070309020205020404" pitchFamily="49" charset="0"/>
+            </a:endParaRPr>
+          </a:p>
+          <a:p>
+            <a:pPr marL="0" indent="0">
+              <a:buNone/>
+            </a:pPr>
+            <a:endParaRPr lang="en-US" dirty="0"/>
+          </a:p>
+          <a:p>
+            <a:pPr marL="0" indent="0">
+              <a:buNone/>
+            </a:pPr>
+            <a:r>
+              <a:rPr lang="en-US" dirty="0"/>
+              <a:t>You need each of these classes to have an effective Zoo.</a:t>
             </a:r>
           </a:p>
         </p:txBody>
@@ -29194,7 +29272,7 @@
     </p:spTree>
     <p:extLst>
       <p:ext uri="{BB962C8B-B14F-4D97-AF65-F5344CB8AC3E}">
-        <p14:creationId xmlns:p14="http://schemas.microsoft.com/office/powerpoint/2010/main" val="2398621642"/>
+        <p14:creationId xmlns:p14="http://schemas.microsoft.com/office/powerpoint/2010/main" val="3222473941"/>
       </p:ext>
     </p:extLst>
   </p:cSld>
@@ -29233,14 +29311,12 @@
         </p:nvSpPr>
         <p:spPr/>
         <p:txBody>
-          <a:bodyPr>
-            <a:normAutofit/>
-          </a:bodyPr>
+          <a:bodyPr/>
           <a:lstStyle/>
           <a:p>
             <a:r>
               <a:rPr lang="en-US" dirty="0"/>
-              <a:t>Homework</a:t>
+              <a:t>Declaring a Has-a Relationship</a:t>
             </a:r>
           </a:p>
         </p:txBody>
@@ -29255,31 +29331,171 @@
             <p:ph idx="1"/>
           </p:nvPr>
         </p:nvSpPr>
-        <p:spPr/>
+        <p:spPr>
+          <a:xfrm>
+            <a:off x="838200" y="2057399"/>
+            <a:ext cx="10978662" cy="4119563"/>
+          </a:xfrm>
+        </p:spPr>
         <p:txBody>
-          <a:bodyPr/>
+          <a:bodyPr>
+            <a:normAutofit/>
+          </a:bodyPr>
           <a:lstStyle/>
           <a:p>
             <a:pPr marL="0" indent="0">
               <a:buNone/>
             </a:pPr>
             <a:r>
-              <a:rPr lang="en-US" dirty="0"/>
-              <a:t>Read HW 9.5</a:t>
+              <a:rPr lang="en-US" dirty="0">
+                <a:latin typeface="Courier New" panose="02070309020205020404" pitchFamily="49" charset="0"/>
+                <a:cs typeface="Courier New" panose="02070309020205020404" pitchFamily="49" charset="0"/>
+              </a:rPr>
+              <a:t>public class Zoo{</a:t>
             </a:r>
           </a:p>
           <a:p>
             <a:pPr marL="0" indent="0">
               <a:buNone/>
             </a:pPr>
-            <a:endParaRPr lang="en-US" dirty="0"/>
+            <a:r>
+              <a:rPr lang="en-US" dirty="0">
+                <a:latin typeface="Courier New" panose="02070309020205020404" pitchFamily="49" charset="0"/>
+                <a:cs typeface="Courier New" panose="02070309020205020404" pitchFamily="49" charset="0"/>
+              </a:rPr>
+              <a:t>	private Animal[] animals;</a:t>
+            </a:r>
+          </a:p>
+          <a:p>
+            <a:pPr marL="0" indent="0">
+              <a:buNone/>
+            </a:pPr>
+            <a:r>
+              <a:rPr lang="en-US" dirty="0">
+                <a:latin typeface="Courier New" panose="02070309020205020404" pitchFamily="49" charset="0"/>
+                <a:cs typeface="Courier New" panose="02070309020205020404" pitchFamily="49" charset="0"/>
+              </a:rPr>
+              <a:t>	private </a:t>
+            </a:r>
+            <a:r>
+              <a:rPr lang="en-US" dirty="0" err="1">
+                <a:latin typeface="Courier New" panose="02070309020205020404" pitchFamily="49" charset="0"/>
+                <a:cs typeface="Courier New" panose="02070309020205020404" pitchFamily="49" charset="0"/>
+              </a:rPr>
+              <a:t>ZooMember</a:t>
+            </a:r>
+            <a:r>
+              <a:rPr lang="en-US" dirty="0">
+                <a:latin typeface="Courier New" panose="02070309020205020404" pitchFamily="49" charset="0"/>
+                <a:cs typeface="Courier New" panose="02070309020205020404" pitchFamily="49" charset="0"/>
+              </a:rPr>
+              <a:t>[] </a:t>
+            </a:r>
+            <a:r>
+              <a:rPr lang="en-US" dirty="0" err="1">
+                <a:latin typeface="Courier New" panose="02070309020205020404" pitchFamily="49" charset="0"/>
+                <a:cs typeface="Courier New" panose="02070309020205020404" pitchFamily="49" charset="0"/>
+              </a:rPr>
+              <a:t>zooMembers</a:t>
+            </a:r>
+            <a:r>
+              <a:rPr lang="en-US" dirty="0">
+                <a:latin typeface="Courier New" panose="02070309020205020404" pitchFamily="49" charset="0"/>
+                <a:cs typeface="Courier New" panose="02070309020205020404" pitchFamily="49" charset="0"/>
+              </a:rPr>
+              <a:t>;</a:t>
+            </a:r>
+          </a:p>
+          <a:p>
+            <a:pPr marL="0" indent="0">
+              <a:buNone/>
+            </a:pPr>
+            <a:r>
+              <a:rPr lang="en-US" dirty="0">
+                <a:latin typeface="Courier New" panose="02070309020205020404" pitchFamily="49" charset="0"/>
+                <a:cs typeface="Courier New" panose="02070309020205020404" pitchFamily="49" charset="0"/>
+              </a:rPr>
+              <a:t>	private </a:t>
+            </a:r>
+            <a:r>
+              <a:rPr lang="en-US" dirty="0" err="1">
+                <a:latin typeface="Courier New" panose="02070309020205020404" pitchFamily="49" charset="0"/>
+                <a:cs typeface="Courier New" panose="02070309020205020404" pitchFamily="49" charset="0"/>
+              </a:rPr>
+              <a:t>ZooFacility</a:t>
+            </a:r>
+            <a:r>
+              <a:rPr lang="en-US" dirty="0">
+                <a:latin typeface="Courier New" panose="02070309020205020404" pitchFamily="49" charset="0"/>
+                <a:cs typeface="Courier New" panose="02070309020205020404" pitchFamily="49" charset="0"/>
+              </a:rPr>
+              <a:t>[] </a:t>
+            </a:r>
+            <a:r>
+              <a:rPr lang="en-US" dirty="0" err="1">
+                <a:latin typeface="Courier New" panose="02070309020205020404" pitchFamily="49" charset="0"/>
+                <a:cs typeface="Courier New" panose="02070309020205020404" pitchFamily="49" charset="0"/>
+              </a:rPr>
+              <a:t>zooFacilities</a:t>
+            </a:r>
+            <a:r>
+              <a:rPr lang="en-US" dirty="0">
+                <a:latin typeface="Courier New" panose="02070309020205020404" pitchFamily="49" charset="0"/>
+                <a:cs typeface="Courier New" panose="02070309020205020404" pitchFamily="49" charset="0"/>
+              </a:rPr>
+              <a:t>;</a:t>
+            </a:r>
+          </a:p>
+          <a:p>
+            <a:pPr marL="0" indent="0">
+              <a:buNone/>
+            </a:pPr>
+            <a:r>
+              <a:rPr lang="en-US" dirty="0">
+                <a:latin typeface="Courier New" panose="02070309020205020404" pitchFamily="49" charset="0"/>
+                <a:cs typeface="Courier New" panose="02070309020205020404" pitchFamily="49" charset="0"/>
+              </a:rPr>
+              <a:t>	…</a:t>
+            </a:r>
+          </a:p>
+          <a:p>
+            <a:pPr marL="0" indent="0">
+              <a:buNone/>
+            </a:pPr>
+            <a:r>
+              <a:rPr lang="en-US" dirty="0">
+                <a:latin typeface="Courier New" panose="02070309020205020404" pitchFamily="49" charset="0"/>
+                <a:cs typeface="Courier New" panose="02070309020205020404" pitchFamily="49" charset="0"/>
+              </a:rPr>
+              <a:t>}</a:t>
+            </a:r>
+          </a:p>
+          <a:p>
+            <a:pPr marL="0" indent="0">
+              <a:buNone/>
+            </a:pPr>
+            <a:endParaRPr lang="en-US" dirty="0">
+              <a:latin typeface="Courier New" panose="02070309020205020404" pitchFamily="49" charset="0"/>
+              <a:cs typeface="Courier New" panose="02070309020205020404" pitchFamily="49" charset="0"/>
+            </a:endParaRPr>
+          </a:p>
+          <a:p>
+            <a:pPr marL="0" indent="0">
+              <a:buNone/>
+            </a:pPr>
+            <a:r>
+              <a:rPr lang="en-US" dirty="0">
+                <a:cs typeface="Courier New" panose="02070309020205020404" pitchFamily="49" charset="0"/>
+              </a:rPr>
+              <a:t>We create fields that refer to other classes to create a has-a relationship.</a:t>
+            </a:r>
           </a:p>
         </p:txBody>
       </p:sp>
     </p:spTree>
     <p:extLst>
       <p:ext uri="{BB962C8B-B14F-4D97-AF65-F5344CB8AC3E}">
-        <p14:creationId xmlns:p14="http://schemas.microsoft.com/office/powerpoint/2010/main" val="1778483582"/>
+        <p14:creationId xmlns:p14="http://schemas.microsoft.com/office/powerpoint/2010/main" val="2166580154"/>
       </p:ext>
     </p:extLst>
   </p:cSld>
@@ -29313,49 +29529,23 @@
             <a:spLocks noGrp="1"/>
           </p:cNvSpPr>
           <p:nvPr>
-            <p:ph type="ctrTitle"/>
+            <p:ph type="title"/>
           </p:nvPr>
         </p:nvSpPr>
         <p:spPr>
           <a:xfrm>
-            <a:off x="1524000" y="1177187"/>
-            <a:ext cx="9144000" cy="2387600"/>
+            <a:off x="838200" y="2752383"/>
+            <a:ext cx="10515600" cy="1157288"/>
           </a:xfrm>
         </p:spPr>
         <p:txBody>
           <a:bodyPr/>
           <a:lstStyle/>
           <a:p>
+            <a:pPr algn="ctr"/>
             <a:r>
               <a:rPr lang="en-US" dirty="0"/>
-              <a:t>Interfaces</a:t>
-            </a:r>
-          </a:p>
-        </p:txBody>
-      </p:sp>
-      <p:sp>
-        <p:nvSpPr>
-          <p:cNvPr id="3" name="Subtitle 2"/>
-          <p:cNvSpPr>
-            <a:spLocks noGrp="1"/>
-          </p:cNvSpPr>
-          <p:nvPr>
-            <p:ph type="subTitle" idx="1"/>
-          </p:nvPr>
-        </p:nvSpPr>
-        <p:spPr>
-          <a:xfrm>
-            <a:off x="1524000" y="3656862"/>
-            <a:ext cx="9144000" cy="1655762"/>
-          </a:xfrm>
-        </p:spPr>
-        <p:txBody>
-          <a:bodyPr/>
-          <a:lstStyle/>
-          <a:p>
-            <a:r>
-              <a:rPr lang="en-US" dirty="0"/>
-              <a:t>[ 6.06 ] [ Today’s Date ] [ Instructor Name ]</a:t>
+              <a:t>Worksheet 6.5: Trio</a:t>
             </a:r>
           </a:p>
         </p:txBody>
@@ -29363,7 +29553,7 @@
     </p:spTree>
     <p:extLst>
       <p:ext uri="{BB962C8B-B14F-4D97-AF65-F5344CB8AC3E}">
-        <p14:creationId xmlns:p14="http://schemas.microsoft.com/office/powerpoint/2010/main" val="546057595"/>
+        <p14:creationId xmlns:p14="http://schemas.microsoft.com/office/powerpoint/2010/main" val="2398621642"/>
       </p:ext>
     </p:extLst>
   </p:cSld>
@@ -29402,12 +29592,14 @@
         </p:nvSpPr>
         <p:spPr/>
         <p:txBody>
-          <a:bodyPr/>
+          <a:bodyPr>
+            <a:normAutofit/>
+          </a:bodyPr>
           <a:lstStyle/>
           <a:p>
             <a:r>
               <a:rPr lang="en-US" dirty="0"/>
-              <a:t>What are some limitations to inheritance?</a:t>
+              <a:t>Homework</a:t>
             </a:r>
           </a:p>
         </p:txBody>
@@ -29430,15 +29622,9 @@
             <a:pPr marL="0" indent="0">
               <a:buNone/>
             </a:pPr>
-            <a:endParaRPr lang="en-US" dirty="0"/>
-          </a:p>
-          <a:p>
-            <a:pPr marL="0" indent="0">
-              <a:buNone/>
-            </a:pPr>
             <a:r>
               <a:rPr lang="en-US" dirty="0"/>
-              <a:t>Can we inherit code from more than one superclass?</a:t>
+              <a:t>Read HW 9.5</a:t>
             </a:r>
           </a:p>
           <a:p>
@@ -29446,22 +29632,13 @@
               <a:buNone/>
             </a:pPr>
             <a:endParaRPr lang="en-US" dirty="0"/>
-          </a:p>
-          <a:p>
-            <a:pPr marL="0" indent="0">
-              <a:buNone/>
-            </a:pPr>
-            <a:r>
-              <a:rPr lang="en-US" dirty="0"/>
-              <a:t>Can we have an is-a relationship or polymorphism without giving the subclass access to our code?</a:t>
-            </a:r>
           </a:p>
         </p:txBody>
       </p:sp>
     </p:spTree>
     <p:extLst>
       <p:ext uri="{BB962C8B-B14F-4D97-AF65-F5344CB8AC3E}">
-        <p14:creationId xmlns:p14="http://schemas.microsoft.com/office/powerpoint/2010/main" val="1214770709"/>
+        <p14:creationId xmlns:p14="http://schemas.microsoft.com/office/powerpoint/2010/main" val="1778483582"/>
       </p:ext>
     </p:extLst>
   </p:cSld>
@@ -29495,19 +29672,101 @@
             <a:spLocks noGrp="1"/>
           </p:cNvSpPr>
           <p:nvPr>
+            <p:ph type="ctrTitle"/>
+          </p:nvPr>
+        </p:nvSpPr>
+        <p:spPr>
+          <a:xfrm>
+            <a:off x="1524000" y="1177187"/>
+            <a:ext cx="9144000" cy="2387600"/>
+          </a:xfrm>
+        </p:spPr>
+        <p:txBody>
+          <a:bodyPr/>
+          <a:lstStyle/>
+          <a:p>
+            <a:r>
+              <a:rPr lang="en-US" dirty="0"/>
+              <a:t>Interfaces</a:t>
+            </a:r>
+          </a:p>
+        </p:txBody>
+      </p:sp>
+      <p:sp>
+        <p:nvSpPr>
+          <p:cNvPr id="3" name="Subtitle 2"/>
+          <p:cNvSpPr>
+            <a:spLocks noGrp="1"/>
+          </p:cNvSpPr>
+          <p:nvPr>
+            <p:ph type="subTitle" idx="1"/>
+          </p:nvPr>
+        </p:nvSpPr>
+        <p:spPr>
+          <a:xfrm>
+            <a:off x="1524000" y="3656862"/>
+            <a:ext cx="9144000" cy="1655762"/>
+          </a:xfrm>
+        </p:spPr>
+        <p:txBody>
+          <a:bodyPr/>
+          <a:lstStyle/>
+          <a:p>
+            <a:r>
+              <a:rPr lang="en-US" dirty="0"/>
+              <a:t>[ 6.06 ] [ Today’s Date ] [ Instructor Name ]</a:t>
+            </a:r>
+          </a:p>
+        </p:txBody>
+      </p:sp>
+    </p:spTree>
+    <p:extLst>
+      <p:ext uri="{BB962C8B-B14F-4D97-AF65-F5344CB8AC3E}">
+        <p14:creationId xmlns:p14="http://schemas.microsoft.com/office/powerpoint/2010/main" val="546057595"/>
+      </p:ext>
+    </p:extLst>
+  </p:cSld>
+  <p:clrMapOvr>
+    <a:masterClrMapping/>
+  </p:clrMapOvr>
+</p:sld>
+</file>
+
+<file path=ppt/slides/slide77.xml><?xml version="1.0" encoding="utf-8"?>
+<p:sld xmlns:a="http://schemas.openxmlformats.org/drawingml/2006/main" xmlns:r="http://schemas.openxmlformats.org/officeDocument/2006/relationships" xmlns:p="http://schemas.openxmlformats.org/presentationml/2006/main">
+  <p:cSld>
+    <p:spTree>
+      <p:nvGrpSpPr>
+        <p:cNvPr id="1" name=""/>
+        <p:cNvGrpSpPr/>
+        <p:nvPr/>
+      </p:nvGrpSpPr>
+      <p:grpSpPr>
+        <a:xfrm>
+          <a:off x="0" y="0"/>
+          <a:ext cx="0" cy="0"/>
+          <a:chOff x="0" y="0"/>
+          <a:chExt cx="0" cy="0"/>
+        </a:xfrm>
+      </p:grpSpPr>
+      <p:sp>
+        <p:nvSpPr>
+          <p:cNvPr id="2" name="Title 1"/>
+          <p:cNvSpPr>
+            <a:spLocks noGrp="1"/>
+          </p:cNvSpPr>
+          <p:nvPr>
             <p:ph type="title"/>
           </p:nvPr>
         </p:nvSpPr>
         <p:spPr/>
         <p:txBody>
-          <a:bodyPr>
-            <a:normAutofit/>
-          </a:bodyPr>
+          <a:bodyPr/>
           <a:lstStyle/>
           <a:p>
             <a:r>
               <a:rPr lang="en-US" dirty="0"/>
-              <a:t>Interfaces</a:t>
+              <a:t>What are some limitations to inheritance?</a:t>
             </a:r>
           </a:p>
         </p:txBody>
@@ -29530,6 +29789,106 @@
             <a:pPr marL="0" indent="0">
               <a:buNone/>
             </a:pPr>
+            <a:endParaRPr lang="en-US" dirty="0"/>
+          </a:p>
+          <a:p>
+            <a:pPr marL="0" indent="0">
+              <a:buNone/>
+            </a:pPr>
+            <a:r>
+              <a:rPr lang="en-US" dirty="0"/>
+              <a:t>Can we inherit code from more than one superclass?</a:t>
+            </a:r>
+          </a:p>
+          <a:p>
+            <a:pPr marL="0" indent="0">
+              <a:buNone/>
+            </a:pPr>
+            <a:endParaRPr lang="en-US" dirty="0"/>
+          </a:p>
+          <a:p>
+            <a:pPr marL="0" indent="0">
+              <a:buNone/>
+            </a:pPr>
+            <a:r>
+              <a:rPr lang="en-US" dirty="0"/>
+              <a:t>Can we have an is-a relationship or polymorphism without giving the subclass access to our code?</a:t>
+            </a:r>
+          </a:p>
+        </p:txBody>
+      </p:sp>
+    </p:spTree>
+    <p:extLst>
+      <p:ext uri="{BB962C8B-B14F-4D97-AF65-F5344CB8AC3E}">
+        <p14:creationId xmlns:p14="http://schemas.microsoft.com/office/powerpoint/2010/main" val="1214770709"/>
+      </p:ext>
+    </p:extLst>
+  </p:cSld>
+  <p:clrMapOvr>
+    <a:masterClrMapping/>
+  </p:clrMapOvr>
+</p:sld>
+</file>
+
+<file path=ppt/slides/slide78.xml><?xml version="1.0" encoding="utf-8"?>
+<p:sld xmlns:a="http://schemas.openxmlformats.org/drawingml/2006/main" xmlns:r="http://schemas.openxmlformats.org/officeDocument/2006/relationships" xmlns:p="http://schemas.openxmlformats.org/presentationml/2006/main">
+  <p:cSld>
+    <p:spTree>
+      <p:nvGrpSpPr>
+        <p:cNvPr id="1" name=""/>
+        <p:cNvGrpSpPr/>
+        <p:nvPr/>
+      </p:nvGrpSpPr>
+      <p:grpSpPr>
+        <a:xfrm>
+          <a:off x="0" y="0"/>
+          <a:ext cx="0" cy="0"/>
+          <a:chOff x="0" y="0"/>
+          <a:chExt cx="0" cy="0"/>
+        </a:xfrm>
+      </p:grpSpPr>
+      <p:sp>
+        <p:nvSpPr>
+          <p:cNvPr id="2" name="Title 1"/>
+          <p:cNvSpPr>
+            <a:spLocks noGrp="1"/>
+          </p:cNvSpPr>
+          <p:nvPr>
+            <p:ph type="title"/>
+          </p:nvPr>
+        </p:nvSpPr>
+        <p:spPr/>
+        <p:txBody>
+          <a:bodyPr>
+            <a:normAutofit/>
+          </a:bodyPr>
+          <a:lstStyle/>
+          <a:p>
+            <a:r>
+              <a:rPr lang="en-US" dirty="0"/>
+              <a:t>Interfaces</a:t>
+            </a:r>
+          </a:p>
+        </p:txBody>
+      </p:sp>
+      <p:sp>
+        <p:nvSpPr>
+          <p:cNvPr id="3" name="Content Placeholder 2"/>
+          <p:cNvSpPr>
+            <a:spLocks noGrp="1"/>
+          </p:cNvSpPr>
+          <p:nvPr>
+            <p:ph idx="1"/>
+          </p:nvPr>
+        </p:nvSpPr>
+        <p:spPr/>
+        <p:txBody>
+          <a:bodyPr/>
+          <a:lstStyle/>
+          <a:p>
+            <a:pPr marL="0" indent="0">
+              <a:buNone/>
+            </a:pPr>
             <a:r>
               <a:rPr lang="en-US" dirty="0"/>
               <a:t>Offer a means to share a common </a:t>
@@ -29606,7 +29965,7 @@
 </p:sld>
 </file>
 
-<file path=ppt/slides/slide77.xml><?xml version="1.0" encoding="utf-8"?>
+<file path=ppt/slides/slide79.xml><?xml version="1.0" encoding="utf-8"?>
 <p:sld xmlns:a="http://schemas.openxmlformats.org/drawingml/2006/main" xmlns:r="http://schemas.openxmlformats.org/officeDocument/2006/relationships" xmlns:p="http://schemas.openxmlformats.org/presentationml/2006/main">
   <p:cSld>
     <p:spTree>
@@ -30526,614 +30885,6 @@
 </p:sld>
 </file>
 
-<file path=ppt/slides/slide78.xml><?xml version="1.0" encoding="utf-8"?>
-<p:sld xmlns:a="http://schemas.openxmlformats.org/drawingml/2006/main" xmlns:r="http://schemas.openxmlformats.org/officeDocument/2006/relationships" xmlns:p="http://schemas.openxmlformats.org/presentationml/2006/main">
-  <p:cSld>
-    <p:spTree>
-      <p:nvGrpSpPr>
-        <p:cNvPr id="1" name=""/>
-        <p:cNvGrpSpPr/>
-        <p:nvPr/>
-      </p:nvGrpSpPr>
-      <p:grpSpPr>
-        <a:xfrm>
-          <a:off x="0" y="0"/>
-          <a:ext cx="0" cy="0"/>
-          <a:chOff x="0" y="0"/>
-          <a:chExt cx="0" cy="0"/>
-        </a:xfrm>
-      </p:grpSpPr>
-      <p:sp>
-        <p:nvSpPr>
-          <p:cNvPr id="2" name="Title 1"/>
-          <p:cNvSpPr>
-            <a:spLocks noGrp="1"/>
-          </p:cNvSpPr>
-          <p:nvPr>
-            <p:ph type="title"/>
-          </p:nvPr>
-        </p:nvSpPr>
-        <p:spPr/>
-        <p:txBody>
-          <a:bodyPr/>
-          <a:lstStyle/>
-          <a:p>
-            <a:r>
-              <a:rPr lang="en-US" dirty="0"/>
-              <a:t>Declaring Interfaces</a:t>
-            </a:r>
-          </a:p>
-        </p:txBody>
-      </p:sp>
-      <p:sp>
-        <p:nvSpPr>
-          <p:cNvPr id="3" name="Content Placeholder 2"/>
-          <p:cNvSpPr>
-            <a:spLocks noGrp="1"/>
-          </p:cNvSpPr>
-          <p:nvPr>
-            <p:ph idx="1"/>
-          </p:nvPr>
-        </p:nvSpPr>
-        <p:spPr/>
-        <p:txBody>
-          <a:bodyPr>
-            <a:normAutofit fontScale="92500" lnSpcReduction="10000"/>
-          </a:bodyPr>
-          <a:lstStyle/>
-          <a:p>
-            <a:pPr marL="0" indent="0">
-              <a:buNone/>
-            </a:pPr>
-            <a:r>
-              <a:rPr lang="en-US" sz="1400" dirty="0">
-                <a:latin typeface="Courier New" panose="02070309020205020404" pitchFamily="49" charset="0"/>
-                <a:cs typeface="Courier New" panose="02070309020205020404" pitchFamily="49" charset="0"/>
-              </a:rPr>
-              <a:t>public interface Salty{</a:t>
-            </a:r>
-          </a:p>
-          <a:p>
-            <a:pPr marL="0" indent="0">
-              <a:buNone/>
-            </a:pPr>
-            <a:r>
-              <a:rPr lang="en-US" sz="1400" dirty="0">
-                <a:latin typeface="Courier New" panose="02070309020205020404" pitchFamily="49" charset="0"/>
-                <a:cs typeface="Courier New" panose="02070309020205020404" pitchFamily="49" charset="0"/>
-              </a:rPr>
-              <a:t>	double </a:t>
-            </a:r>
-            <a:r>
-              <a:rPr lang="en-US" sz="1400" dirty="0" err="1">
-                <a:latin typeface="Courier New" panose="02070309020205020404" pitchFamily="49" charset="0"/>
-                <a:cs typeface="Courier New" panose="02070309020205020404" pitchFamily="49" charset="0"/>
-              </a:rPr>
-              <a:t>sodiumContent</a:t>
-            </a:r>
-            <a:r>
-              <a:rPr lang="en-US" sz="1400" dirty="0">
-                <a:latin typeface="Courier New" panose="02070309020205020404" pitchFamily="49" charset="0"/>
-                <a:cs typeface="Courier New" panose="02070309020205020404" pitchFamily="49" charset="0"/>
-              </a:rPr>
-              <a:t>();      	</a:t>
-            </a:r>
-            <a:r>
-              <a:rPr lang="en-US" sz="1400" dirty="0">
-                <a:latin typeface="Courier New" panose="02070309020205020404" pitchFamily="49" charset="0"/>
-                <a:cs typeface="Courier New" panose="02070309020205020404" pitchFamily="49" charset="0"/>
-                <a:sym typeface="Wingdings" panose="05000000000000000000" pitchFamily="2" charset="2"/>
-              </a:rPr>
-              <a:t></a:t>
-            </a:r>
-            <a:r>
-              <a:rPr lang="en-US" sz="1400" dirty="0">
-                <a:latin typeface="Courier New" panose="02070309020205020404" pitchFamily="49" charset="0"/>
-                <a:cs typeface="Courier New" panose="02070309020205020404" pitchFamily="49" charset="0"/>
-              </a:rPr>
-              <a:t>this is a promise to implement the </a:t>
-            </a:r>
-            <a:r>
-              <a:rPr lang="en-US" sz="1400" dirty="0" err="1">
-                <a:latin typeface="Courier New" panose="02070309020205020404" pitchFamily="49" charset="0"/>
-                <a:cs typeface="Courier New" panose="02070309020205020404" pitchFamily="49" charset="0"/>
-              </a:rPr>
-              <a:t>sodiumContent</a:t>
-            </a:r>
-            <a:r>
-              <a:rPr lang="en-US" sz="1400" dirty="0">
-                <a:latin typeface="Courier New" panose="02070309020205020404" pitchFamily="49" charset="0"/>
-                <a:cs typeface="Courier New" panose="02070309020205020404" pitchFamily="49" charset="0"/>
-              </a:rPr>
-              <a:t> </a:t>
-            </a:r>
-          </a:p>
-          <a:p>
-            <a:pPr marL="0" indent="0">
-              <a:buNone/>
-            </a:pPr>
-            <a:r>
-              <a:rPr lang="en-US" sz="1400" dirty="0">
-                <a:latin typeface="Courier New" panose="02070309020205020404" pitchFamily="49" charset="0"/>
-                <a:cs typeface="Courier New" panose="02070309020205020404" pitchFamily="49" charset="0"/>
-              </a:rPr>
-              <a:t>}				 	in the class that implements the Salty interface.</a:t>
-            </a:r>
-          </a:p>
-          <a:p>
-            <a:pPr marL="0" indent="0">
-              <a:buNone/>
-            </a:pPr>
-            <a:r>
-              <a:rPr lang="en-US" sz="1400" dirty="0">
-                <a:latin typeface="Courier New" panose="02070309020205020404" pitchFamily="49" charset="0"/>
-                <a:cs typeface="Courier New" panose="02070309020205020404" pitchFamily="49" charset="0"/>
-              </a:rPr>
-              <a:t> </a:t>
-            </a:r>
-          </a:p>
-          <a:p>
-            <a:pPr marL="0" indent="0">
-              <a:buNone/>
-            </a:pPr>
-            <a:r>
-              <a:rPr lang="en-US" sz="1400" dirty="0">
-                <a:latin typeface="Courier New" panose="02070309020205020404" pitchFamily="49" charset="0"/>
-                <a:cs typeface="Courier New" panose="02070309020205020404" pitchFamily="49" charset="0"/>
-              </a:rPr>
-              <a:t>public interface Aromatic{</a:t>
-            </a:r>
-          </a:p>
-          <a:p>
-            <a:pPr marL="0" indent="0">
-              <a:buNone/>
-            </a:pPr>
-            <a:r>
-              <a:rPr lang="en-US" sz="1400" dirty="0">
-                <a:latin typeface="Courier New" panose="02070309020205020404" pitchFamily="49" charset="0"/>
-                <a:cs typeface="Courier New" panose="02070309020205020404" pitchFamily="49" charset="0"/>
-              </a:rPr>
-              <a:t>	String </a:t>
-            </a:r>
-            <a:r>
-              <a:rPr lang="en-US" sz="1400" dirty="0" err="1">
-                <a:latin typeface="Courier New" panose="02070309020205020404" pitchFamily="49" charset="0"/>
-                <a:cs typeface="Courier New" panose="02070309020205020404" pitchFamily="49" charset="0"/>
-              </a:rPr>
-              <a:t>describeAroma</a:t>
-            </a:r>
-            <a:r>
-              <a:rPr lang="en-US" sz="1400" dirty="0">
-                <a:latin typeface="Courier New" panose="02070309020205020404" pitchFamily="49" charset="0"/>
-                <a:cs typeface="Courier New" panose="02070309020205020404" pitchFamily="49" charset="0"/>
-              </a:rPr>
-              <a:t>();  		</a:t>
-            </a:r>
-            <a:r>
-              <a:rPr lang="en-US" sz="1400" dirty="0">
-                <a:latin typeface="Courier New" panose="02070309020205020404" pitchFamily="49" charset="0"/>
-                <a:cs typeface="Courier New" panose="02070309020205020404" pitchFamily="49" charset="0"/>
-                <a:sym typeface="Wingdings" panose="05000000000000000000" pitchFamily="2" charset="2"/>
-              </a:rPr>
-              <a:t></a:t>
-            </a:r>
-            <a:r>
-              <a:rPr lang="en-US" sz="1400" dirty="0">
-                <a:latin typeface="Courier New" panose="02070309020205020404" pitchFamily="49" charset="0"/>
-                <a:cs typeface="Courier New" panose="02070309020205020404" pitchFamily="49" charset="0"/>
-              </a:rPr>
-              <a:t> Notice the lack of “public”! Public is </a:t>
-            </a:r>
-            <a:r>
-              <a:rPr lang="en-US" sz="1400" i="1" dirty="0">
-                <a:latin typeface="Courier New" panose="02070309020205020404" pitchFamily="49" charset="0"/>
-                <a:cs typeface="Courier New" panose="02070309020205020404" pitchFamily="49" charset="0"/>
-              </a:rPr>
-              <a:t>assumed</a:t>
-            </a:r>
-            <a:r>
-              <a:rPr lang="en-US" sz="1400" dirty="0">
-                <a:latin typeface="Courier New" panose="02070309020205020404" pitchFamily="49" charset="0"/>
-                <a:cs typeface="Courier New" panose="02070309020205020404" pitchFamily="49" charset="0"/>
-              </a:rPr>
-              <a:t>.</a:t>
-            </a:r>
-          </a:p>
-          <a:p>
-            <a:pPr marL="0" indent="0">
-              <a:buNone/>
-            </a:pPr>
-            <a:r>
-              <a:rPr lang="en-US" sz="1400" dirty="0">
-                <a:latin typeface="Courier New" panose="02070309020205020404" pitchFamily="49" charset="0"/>
-                <a:cs typeface="Courier New" panose="02070309020205020404" pitchFamily="49" charset="0"/>
-              </a:rPr>
-              <a:t>}</a:t>
-            </a:r>
-          </a:p>
-          <a:p>
-            <a:pPr marL="0" indent="0">
-              <a:buNone/>
-            </a:pPr>
-            <a:r>
-              <a:rPr lang="en-US" sz="1400" dirty="0">
-                <a:latin typeface="Courier New" panose="02070309020205020404" pitchFamily="49" charset="0"/>
-                <a:cs typeface="Courier New" panose="02070309020205020404" pitchFamily="49" charset="0"/>
-              </a:rPr>
-              <a:t> </a:t>
-            </a:r>
-          </a:p>
-          <a:p>
-            <a:pPr marL="0" indent="0">
-              <a:buNone/>
-            </a:pPr>
-            <a:r>
-              <a:rPr lang="en-US" sz="1400" dirty="0">
-                <a:latin typeface="Courier New" panose="02070309020205020404" pitchFamily="49" charset="0"/>
-                <a:cs typeface="Courier New" panose="02070309020205020404" pitchFamily="49" charset="0"/>
-              </a:rPr>
-              <a:t>public interface Greasy{</a:t>
-            </a:r>
-          </a:p>
-          <a:p>
-            <a:pPr marL="0" indent="0">
-              <a:buNone/>
-            </a:pPr>
-            <a:r>
-              <a:rPr lang="en-US" sz="1400" dirty="0">
-                <a:latin typeface="Courier New" panose="02070309020205020404" pitchFamily="49" charset="0"/>
-                <a:cs typeface="Courier New" panose="02070309020205020404" pitchFamily="49" charset="0"/>
-              </a:rPr>
-              <a:t>	double </a:t>
-            </a:r>
-            <a:r>
-              <a:rPr lang="en-US" sz="1400" dirty="0" err="1">
-                <a:latin typeface="Courier New" panose="02070309020205020404" pitchFamily="49" charset="0"/>
-                <a:cs typeface="Courier New" panose="02070309020205020404" pitchFamily="49" charset="0"/>
-              </a:rPr>
-              <a:t>amountOfGreaseInMg</a:t>
-            </a:r>
-            <a:r>
-              <a:rPr lang="en-US" sz="1400" dirty="0">
-                <a:latin typeface="Courier New" panose="02070309020205020404" pitchFamily="49" charset="0"/>
-                <a:cs typeface="Courier New" panose="02070309020205020404" pitchFamily="49" charset="0"/>
-              </a:rPr>
-              <a:t>();   	</a:t>
-            </a:r>
-            <a:r>
-              <a:rPr lang="en-US" sz="1400" dirty="0">
-                <a:latin typeface="Courier New" panose="02070309020205020404" pitchFamily="49" charset="0"/>
-                <a:cs typeface="Courier New" panose="02070309020205020404" pitchFamily="49" charset="0"/>
-                <a:sym typeface="Wingdings" panose="05000000000000000000" pitchFamily="2" charset="2"/>
-              </a:rPr>
-              <a:t></a:t>
-            </a:r>
-            <a:r>
-              <a:rPr lang="en-US" sz="1400" dirty="0">
-                <a:latin typeface="Courier New" panose="02070309020205020404" pitchFamily="49" charset="0"/>
-                <a:cs typeface="Courier New" panose="02070309020205020404" pitchFamily="49" charset="0"/>
-              </a:rPr>
-              <a:t>point out that interfaces look just like classes</a:t>
-            </a:r>
-          </a:p>
-          <a:p>
-            <a:pPr marL="0" indent="0">
-              <a:buNone/>
-            </a:pPr>
-            <a:r>
-              <a:rPr lang="en-US" sz="1400" dirty="0">
-                <a:latin typeface="Courier New" panose="02070309020205020404" pitchFamily="49" charset="0"/>
-                <a:cs typeface="Courier New" panose="02070309020205020404" pitchFamily="49" charset="0"/>
-              </a:rPr>
-              <a:t>}					but without fields or method bodies</a:t>
-            </a:r>
-          </a:p>
-          <a:p>
-            <a:pPr marL="0" indent="0">
-              <a:buNone/>
-            </a:pPr>
-            <a:r>
-              <a:rPr lang="en-US" sz="1400" dirty="0">
-                <a:latin typeface="Courier New" panose="02070309020205020404" pitchFamily="49" charset="0"/>
-                <a:cs typeface="Courier New" panose="02070309020205020404" pitchFamily="49" charset="0"/>
-              </a:rPr>
-              <a:t> </a:t>
-            </a:r>
-          </a:p>
-          <a:p>
-            <a:pPr marL="0" indent="0">
-              <a:buNone/>
-            </a:pPr>
-            <a:r>
-              <a:rPr lang="en-US" sz="1400" dirty="0">
-                <a:latin typeface="Courier New" panose="02070309020205020404" pitchFamily="49" charset="0"/>
-                <a:cs typeface="Courier New" panose="02070309020205020404" pitchFamily="49" charset="0"/>
-              </a:rPr>
-              <a:t>public interface Edible{</a:t>
-            </a:r>
-          </a:p>
-          <a:p>
-            <a:pPr marL="0" indent="0">
-              <a:buNone/>
-            </a:pPr>
-            <a:r>
-              <a:rPr lang="en-US" sz="1400" dirty="0">
-                <a:latin typeface="Courier New" panose="02070309020205020404" pitchFamily="49" charset="0"/>
-                <a:cs typeface="Courier New" panose="02070309020205020404" pitchFamily="49" charset="0"/>
-              </a:rPr>
-              <a:t>	double calories();</a:t>
-            </a:r>
-          </a:p>
-          <a:p>
-            <a:pPr marL="0" indent="0">
-              <a:buNone/>
-            </a:pPr>
-            <a:r>
-              <a:rPr lang="en-US" sz="1400" dirty="0">
-                <a:latin typeface="Courier New" panose="02070309020205020404" pitchFamily="49" charset="0"/>
-                <a:cs typeface="Courier New" panose="02070309020205020404" pitchFamily="49" charset="0"/>
-              </a:rPr>
-              <a:t>}</a:t>
-            </a:r>
-          </a:p>
-        </p:txBody>
-      </p:sp>
-    </p:spTree>
-    <p:extLst>
-      <p:ext uri="{BB962C8B-B14F-4D97-AF65-F5344CB8AC3E}">
-        <p14:creationId xmlns:p14="http://schemas.microsoft.com/office/powerpoint/2010/main" val="3474555343"/>
-      </p:ext>
-    </p:extLst>
-  </p:cSld>
-  <p:clrMapOvr>
-    <a:masterClrMapping/>
-  </p:clrMapOvr>
-</p:sld>
-</file>
-
-<file path=ppt/slides/slide79.xml><?xml version="1.0" encoding="utf-8"?>
-<p:sld xmlns:a="http://schemas.openxmlformats.org/drawingml/2006/main" xmlns:r="http://schemas.openxmlformats.org/officeDocument/2006/relationships" xmlns:p="http://schemas.openxmlformats.org/presentationml/2006/main">
-  <p:cSld>
-    <p:spTree>
-      <p:nvGrpSpPr>
-        <p:cNvPr id="1" name=""/>
-        <p:cNvGrpSpPr/>
-        <p:nvPr/>
-      </p:nvGrpSpPr>
-      <p:grpSpPr>
-        <a:xfrm>
-          <a:off x="0" y="0"/>
-          <a:ext cx="0" cy="0"/>
-          <a:chOff x="0" y="0"/>
-          <a:chExt cx="0" cy="0"/>
-        </a:xfrm>
-      </p:grpSpPr>
-      <p:sp>
-        <p:nvSpPr>
-          <p:cNvPr id="2" name="Title 1"/>
-          <p:cNvSpPr>
-            <a:spLocks noGrp="1"/>
-          </p:cNvSpPr>
-          <p:nvPr>
-            <p:ph type="title"/>
-          </p:nvPr>
-        </p:nvSpPr>
-        <p:spPr/>
-        <p:txBody>
-          <a:bodyPr/>
-          <a:lstStyle/>
-          <a:p>
-            <a:r>
-              <a:rPr lang="en-US" dirty="0"/>
-              <a:t>Implementing Interfaces</a:t>
-            </a:r>
-          </a:p>
-        </p:txBody>
-      </p:sp>
-      <p:sp>
-        <p:nvSpPr>
-          <p:cNvPr id="3" name="Content Placeholder 2"/>
-          <p:cNvSpPr>
-            <a:spLocks noGrp="1"/>
-          </p:cNvSpPr>
-          <p:nvPr>
-            <p:ph idx="1"/>
-          </p:nvPr>
-        </p:nvSpPr>
-        <p:spPr>
-          <a:xfrm>
-            <a:off x="838199" y="1825625"/>
-            <a:ext cx="10660529" cy="4351338"/>
-          </a:xfrm>
-        </p:spPr>
-        <p:txBody>
-          <a:bodyPr>
-            <a:normAutofit/>
-          </a:bodyPr>
-          <a:lstStyle/>
-          <a:p>
-            <a:pPr marL="0" indent="0">
-              <a:buNone/>
-            </a:pPr>
-            <a:r>
-              <a:rPr lang="en-US" sz="1800" dirty="0">
-                <a:latin typeface="Courier New" panose="02070309020205020404" pitchFamily="49" charset="0"/>
-                <a:cs typeface="Courier New" panose="02070309020205020404" pitchFamily="49" charset="0"/>
-              </a:rPr>
-              <a:t>public class Bacon extends Pork implements Salty, Aromatic, Greasy, Edible {</a:t>
-            </a:r>
-          </a:p>
-          <a:p>
-            <a:pPr marL="0" indent="0">
-              <a:buNone/>
-            </a:pPr>
-            <a:r>
-              <a:rPr lang="en-US" sz="1800" dirty="0">
-                <a:latin typeface="Courier New" panose="02070309020205020404" pitchFamily="49" charset="0"/>
-                <a:cs typeface="Courier New" panose="02070309020205020404" pitchFamily="49" charset="0"/>
-              </a:rPr>
-              <a:t>	private double </a:t>
-            </a:r>
-            <a:r>
-              <a:rPr lang="en-US" sz="1800" dirty="0" err="1">
-                <a:latin typeface="Courier New" panose="02070309020205020404" pitchFamily="49" charset="0"/>
-                <a:cs typeface="Courier New" panose="02070309020205020404" pitchFamily="49" charset="0"/>
-              </a:rPr>
-              <a:t>amountInKg</a:t>
-            </a:r>
-            <a:r>
-              <a:rPr lang="en-US" sz="1800" dirty="0">
-                <a:latin typeface="Courier New" panose="02070309020205020404" pitchFamily="49" charset="0"/>
-                <a:cs typeface="Courier New" panose="02070309020205020404" pitchFamily="49" charset="0"/>
-              </a:rPr>
-              <a:t>;</a:t>
-            </a:r>
-          </a:p>
-          <a:p>
-            <a:pPr marL="0" indent="0">
-              <a:buNone/>
-            </a:pPr>
-            <a:endParaRPr lang="en-US" sz="1800" dirty="0">
-              <a:latin typeface="Courier New" panose="02070309020205020404" pitchFamily="49" charset="0"/>
-              <a:cs typeface="Courier New" panose="02070309020205020404" pitchFamily="49" charset="0"/>
-            </a:endParaRPr>
-          </a:p>
-          <a:p>
-            <a:pPr marL="0" indent="0">
-              <a:buNone/>
-            </a:pPr>
-            <a:r>
-              <a:rPr lang="en-US" sz="1800" dirty="0">
-                <a:latin typeface="Courier New" panose="02070309020205020404" pitchFamily="49" charset="0"/>
-                <a:cs typeface="Courier New" panose="02070309020205020404" pitchFamily="49" charset="0"/>
-              </a:rPr>
-              <a:t>	public Bacon(double amount){</a:t>
-            </a:r>
-          </a:p>
-          <a:p>
-            <a:pPr marL="0" indent="0">
-              <a:buNone/>
-            </a:pPr>
-            <a:r>
-              <a:rPr lang="en-US" sz="1800" dirty="0">
-                <a:latin typeface="Courier New" panose="02070309020205020404" pitchFamily="49" charset="0"/>
-                <a:cs typeface="Courier New" panose="02070309020205020404" pitchFamily="49" charset="0"/>
-              </a:rPr>
-              <a:t>		</a:t>
-            </a:r>
-            <a:r>
-              <a:rPr lang="en-US" sz="1800" dirty="0" err="1">
-                <a:latin typeface="Courier New" panose="02070309020205020404" pitchFamily="49" charset="0"/>
-                <a:cs typeface="Courier New" panose="02070309020205020404" pitchFamily="49" charset="0"/>
-              </a:rPr>
-              <a:t>amountInKg</a:t>
-            </a:r>
-            <a:r>
-              <a:rPr lang="en-US" sz="1800" dirty="0">
-                <a:latin typeface="Courier New" panose="02070309020205020404" pitchFamily="49" charset="0"/>
-                <a:cs typeface="Courier New" panose="02070309020205020404" pitchFamily="49" charset="0"/>
-              </a:rPr>
-              <a:t> = amount;</a:t>
-            </a:r>
-          </a:p>
-          <a:p>
-            <a:pPr marL="0" indent="0">
-              <a:buNone/>
-            </a:pPr>
-            <a:r>
-              <a:rPr lang="en-US" sz="1800" dirty="0">
-                <a:latin typeface="Courier New" panose="02070309020205020404" pitchFamily="49" charset="0"/>
-                <a:cs typeface="Courier New" panose="02070309020205020404" pitchFamily="49" charset="0"/>
-              </a:rPr>
-              <a:t>	}</a:t>
-            </a:r>
-          </a:p>
-          <a:p>
-            <a:pPr marL="0" indent="0">
-              <a:buNone/>
-            </a:pPr>
-            <a:endParaRPr lang="en-US" sz="1800" dirty="0">
-              <a:latin typeface="Courier New" panose="02070309020205020404" pitchFamily="49" charset="0"/>
-              <a:cs typeface="Courier New" panose="02070309020205020404" pitchFamily="49" charset="0"/>
-            </a:endParaRPr>
-          </a:p>
-          <a:p>
-            <a:pPr marL="0" indent="0">
-              <a:buNone/>
-            </a:pPr>
-            <a:r>
-              <a:rPr lang="en-US" sz="1800" dirty="0">
-                <a:latin typeface="Courier New" panose="02070309020205020404" pitchFamily="49" charset="0"/>
-                <a:cs typeface="Courier New" panose="02070309020205020404" pitchFamily="49" charset="0"/>
-              </a:rPr>
-              <a:t> 	public double calories(){</a:t>
-            </a:r>
-          </a:p>
-          <a:p>
-            <a:pPr marL="0" indent="0">
-              <a:buNone/>
-            </a:pPr>
-            <a:r>
-              <a:rPr lang="en-US" sz="1800" dirty="0">
-                <a:latin typeface="Courier New" panose="02070309020205020404" pitchFamily="49" charset="0"/>
-                <a:cs typeface="Courier New" panose="02070309020205020404" pitchFamily="49" charset="0"/>
-              </a:rPr>
-              <a:t>		return </a:t>
-            </a:r>
-            <a:r>
-              <a:rPr lang="en-US" sz="1800" dirty="0" err="1">
-                <a:latin typeface="Courier New" panose="02070309020205020404" pitchFamily="49" charset="0"/>
-                <a:cs typeface="Courier New" panose="02070309020205020404" pitchFamily="49" charset="0"/>
-              </a:rPr>
-              <a:t>amountInKg</a:t>
-            </a:r>
-            <a:r>
-              <a:rPr lang="en-US" sz="1800" dirty="0">
-                <a:latin typeface="Courier New" panose="02070309020205020404" pitchFamily="49" charset="0"/>
-                <a:cs typeface="Courier New" panose="02070309020205020404" pitchFamily="49" charset="0"/>
-              </a:rPr>
-              <a:t> * CALORIES_PER_KG_OF_BACON;</a:t>
-            </a:r>
-          </a:p>
-          <a:p>
-            <a:pPr marL="0" indent="0">
-              <a:buNone/>
-            </a:pPr>
-            <a:r>
-              <a:rPr lang="en-US" sz="1800" dirty="0">
-                <a:latin typeface="Courier New" panose="02070309020205020404" pitchFamily="49" charset="0"/>
-                <a:cs typeface="Courier New" panose="02070309020205020404" pitchFamily="49" charset="0"/>
-              </a:rPr>
-              <a:t>	}</a:t>
-            </a:r>
-          </a:p>
-          <a:p>
-            <a:pPr marL="0" indent="0">
-              <a:buNone/>
-            </a:pPr>
-            <a:r>
-              <a:rPr lang="en-US" sz="1800" dirty="0">
-                <a:latin typeface="Courier New" panose="02070309020205020404" pitchFamily="49" charset="0"/>
-                <a:cs typeface="Courier New" panose="02070309020205020404" pitchFamily="49" charset="0"/>
-              </a:rPr>
-              <a:t>}</a:t>
-            </a:r>
-          </a:p>
-        </p:txBody>
-      </p:sp>
-    </p:spTree>
-    <p:extLst>
-      <p:ext uri="{BB962C8B-B14F-4D97-AF65-F5344CB8AC3E}">
-        <p14:creationId xmlns:p14="http://schemas.microsoft.com/office/powerpoint/2010/main" val="1094721936"/>
-      </p:ext>
-    </p:extLst>
-  </p:cSld>
-  <p:clrMapOvr>
-    <a:masterClrMapping/>
-  </p:clrMapOvr>
-</p:sld>
-</file>
-
 <file path=ppt/slides/slide8.xml><?xml version="1.0" encoding="utf-8"?>
 <p:sld xmlns:a="http://schemas.openxmlformats.org/drawingml/2006/main" xmlns:r="http://schemas.openxmlformats.org/officeDocument/2006/relationships" xmlns:p="http://schemas.openxmlformats.org/presentationml/2006/main">
   <p:cSld>
@@ -31222,7 +30973,7 @@
           <a:p>
             <a:r>
               <a:rPr lang="en-US" dirty="0"/>
-              <a:t>Class Activity</a:t>
+              <a:t>Declaring Interfaces</a:t>
             </a:r>
           </a:p>
         </p:txBody>
@@ -31239,15 +30990,303 @@
         </p:nvSpPr>
         <p:spPr/>
         <p:txBody>
-          <a:bodyPr/>
+          <a:bodyPr>
+            <a:normAutofit fontScale="92500" lnSpcReduction="10000"/>
+          </a:bodyPr>
           <a:lstStyle/>
           <a:p>
             <a:pPr marL="0" indent="0">
               <a:buNone/>
             </a:pPr>
             <a:r>
-              <a:rPr lang="en-US" dirty="0"/>
-              <a:t>[Paste example activity or your own from lesson plan to slide]</a:t>
+              <a:rPr lang="en-US" sz="1400" dirty="0">
+                <a:latin typeface="Courier New" panose="02070309020205020404" pitchFamily="49" charset="0"/>
+                <a:cs typeface="Courier New" panose="02070309020205020404" pitchFamily="49" charset="0"/>
+              </a:rPr>
+              <a:t>public interface Salty{</a:t>
+            </a:r>
+          </a:p>
+          <a:p>
+            <a:pPr marL="0" indent="0">
+              <a:buNone/>
+            </a:pPr>
+            <a:r>
+              <a:rPr lang="en-US" sz="1400" dirty="0">
+                <a:latin typeface="Courier New" panose="02070309020205020404" pitchFamily="49" charset="0"/>
+                <a:cs typeface="Courier New" panose="02070309020205020404" pitchFamily="49" charset="0"/>
+              </a:rPr>
+              <a:t>	double </a:t>
+            </a:r>
+            <a:r>
+              <a:rPr lang="en-US" sz="1400" dirty="0" err="1">
+                <a:latin typeface="Courier New" panose="02070309020205020404" pitchFamily="49" charset="0"/>
+                <a:cs typeface="Courier New" panose="02070309020205020404" pitchFamily="49" charset="0"/>
+              </a:rPr>
+              <a:t>sodiumContent</a:t>
+            </a:r>
+            <a:r>
+              <a:rPr lang="en-US" sz="1400" dirty="0">
+                <a:latin typeface="Courier New" panose="02070309020205020404" pitchFamily="49" charset="0"/>
+                <a:cs typeface="Courier New" panose="02070309020205020404" pitchFamily="49" charset="0"/>
+              </a:rPr>
+              <a:t>();      	</a:t>
+            </a:r>
+            <a:r>
+              <a:rPr lang="en-US" sz="1400" dirty="0">
+                <a:latin typeface="Courier New" panose="02070309020205020404" pitchFamily="49" charset="0"/>
+                <a:cs typeface="Courier New" panose="02070309020205020404" pitchFamily="49" charset="0"/>
+                <a:sym typeface="Wingdings" panose="05000000000000000000" pitchFamily="2" charset="2"/>
+              </a:rPr>
+              <a:t></a:t>
+            </a:r>
+            <a:r>
+              <a:rPr lang="en-US" sz="1400" dirty="0">
+                <a:latin typeface="Courier New" panose="02070309020205020404" pitchFamily="49" charset="0"/>
+                <a:cs typeface="Courier New" panose="02070309020205020404" pitchFamily="49" charset="0"/>
+              </a:rPr>
+              <a:t>this is a promise to implement the </a:t>
+            </a:r>
+            <a:r>
+              <a:rPr lang="en-US" sz="1400" dirty="0" err="1">
+                <a:latin typeface="Courier New" panose="02070309020205020404" pitchFamily="49" charset="0"/>
+                <a:cs typeface="Courier New" panose="02070309020205020404" pitchFamily="49" charset="0"/>
+              </a:rPr>
+              <a:t>sodiumContent</a:t>
+            </a:r>
+            <a:r>
+              <a:rPr lang="en-US" sz="1400" dirty="0">
+                <a:latin typeface="Courier New" panose="02070309020205020404" pitchFamily="49" charset="0"/>
+                <a:cs typeface="Courier New" panose="02070309020205020404" pitchFamily="49" charset="0"/>
+              </a:rPr>
+              <a:t> </a:t>
+            </a:r>
+          </a:p>
+          <a:p>
+            <a:pPr marL="0" indent="0">
+              <a:buNone/>
+            </a:pPr>
+            <a:r>
+              <a:rPr lang="en-US" sz="1400" dirty="0">
+                <a:latin typeface="Courier New" panose="02070309020205020404" pitchFamily="49" charset="0"/>
+                <a:cs typeface="Courier New" panose="02070309020205020404" pitchFamily="49" charset="0"/>
+              </a:rPr>
+              <a:t>}				 	in the class that implements the Salty interface.</a:t>
+            </a:r>
+          </a:p>
+          <a:p>
+            <a:pPr marL="0" indent="0">
+              <a:buNone/>
+            </a:pPr>
+            <a:r>
+              <a:rPr lang="en-US" sz="1400" dirty="0">
+                <a:latin typeface="Courier New" panose="02070309020205020404" pitchFamily="49" charset="0"/>
+                <a:cs typeface="Courier New" panose="02070309020205020404" pitchFamily="49" charset="0"/>
+              </a:rPr>
+              <a:t> </a:t>
+            </a:r>
+          </a:p>
+          <a:p>
+            <a:pPr marL="0" indent="0">
+              <a:buNone/>
+            </a:pPr>
+            <a:r>
+              <a:rPr lang="en-US" sz="1400" dirty="0">
+                <a:latin typeface="Courier New" panose="02070309020205020404" pitchFamily="49" charset="0"/>
+                <a:cs typeface="Courier New" panose="02070309020205020404" pitchFamily="49" charset="0"/>
+              </a:rPr>
+              <a:t>public interface Aromatic{</a:t>
+            </a:r>
+          </a:p>
+          <a:p>
+            <a:pPr marL="0" indent="0">
+              <a:buNone/>
+            </a:pPr>
+            <a:r>
+              <a:rPr lang="en-US" sz="1400" dirty="0">
+                <a:latin typeface="Courier New" panose="02070309020205020404" pitchFamily="49" charset="0"/>
+                <a:cs typeface="Courier New" panose="02070309020205020404" pitchFamily="49" charset="0"/>
+              </a:rPr>
+              <a:t>	String </a:t>
+            </a:r>
+            <a:r>
+              <a:rPr lang="en-US" sz="1400" dirty="0" err="1">
+                <a:latin typeface="Courier New" panose="02070309020205020404" pitchFamily="49" charset="0"/>
+                <a:cs typeface="Courier New" panose="02070309020205020404" pitchFamily="49" charset="0"/>
+              </a:rPr>
+              <a:t>describeAroma</a:t>
+            </a:r>
+            <a:r>
+              <a:rPr lang="en-US" sz="1400" dirty="0">
+                <a:latin typeface="Courier New" panose="02070309020205020404" pitchFamily="49" charset="0"/>
+                <a:cs typeface="Courier New" panose="02070309020205020404" pitchFamily="49" charset="0"/>
+              </a:rPr>
+              <a:t>();  		</a:t>
+            </a:r>
+            <a:r>
+              <a:rPr lang="en-US" sz="1400" dirty="0">
+                <a:latin typeface="Courier New" panose="02070309020205020404" pitchFamily="49" charset="0"/>
+                <a:cs typeface="Courier New" panose="02070309020205020404" pitchFamily="49" charset="0"/>
+                <a:sym typeface="Wingdings" panose="05000000000000000000" pitchFamily="2" charset="2"/>
+              </a:rPr>
+              <a:t></a:t>
+            </a:r>
+            <a:r>
+              <a:rPr lang="en-US" sz="1400" dirty="0">
+                <a:latin typeface="Courier New" panose="02070309020205020404" pitchFamily="49" charset="0"/>
+                <a:cs typeface="Courier New" panose="02070309020205020404" pitchFamily="49" charset="0"/>
+              </a:rPr>
+              <a:t> Notice the lack of “public”! Public is </a:t>
+            </a:r>
+            <a:r>
+              <a:rPr lang="en-US" sz="1400" i="1" dirty="0">
+                <a:latin typeface="Courier New" panose="02070309020205020404" pitchFamily="49" charset="0"/>
+                <a:cs typeface="Courier New" panose="02070309020205020404" pitchFamily="49" charset="0"/>
+              </a:rPr>
+              <a:t>assumed</a:t>
+            </a:r>
+            <a:r>
+              <a:rPr lang="en-US" sz="1400" dirty="0">
+                <a:latin typeface="Courier New" panose="02070309020205020404" pitchFamily="49" charset="0"/>
+                <a:cs typeface="Courier New" panose="02070309020205020404" pitchFamily="49" charset="0"/>
+              </a:rPr>
+              <a:t>.</a:t>
+            </a:r>
+          </a:p>
+          <a:p>
+            <a:pPr marL="0" indent="0">
+              <a:buNone/>
+            </a:pPr>
+            <a:r>
+              <a:rPr lang="en-US" sz="1400" dirty="0">
+                <a:latin typeface="Courier New" panose="02070309020205020404" pitchFamily="49" charset="0"/>
+                <a:cs typeface="Courier New" panose="02070309020205020404" pitchFamily="49" charset="0"/>
+              </a:rPr>
+              <a:t>}</a:t>
+            </a:r>
+          </a:p>
+          <a:p>
+            <a:pPr marL="0" indent="0">
+              <a:buNone/>
+            </a:pPr>
+            <a:r>
+              <a:rPr lang="en-US" sz="1400" dirty="0">
+                <a:latin typeface="Courier New" panose="02070309020205020404" pitchFamily="49" charset="0"/>
+                <a:cs typeface="Courier New" panose="02070309020205020404" pitchFamily="49" charset="0"/>
+              </a:rPr>
+              <a:t> </a:t>
+            </a:r>
+          </a:p>
+          <a:p>
+            <a:pPr marL="0" indent="0">
+              <a:buNone/>
+            </a:pPr>
+            <a:r>
+              <a:rPr lang="en-US" sz="1400" dirty="0">
+                <a:latin typeface="Courier New" panose="02070309020205020404" pitchFamily="49" charset="0"/>
+                <a:cs typeface="Courier New" panose="02070309020205020404" pitchFamily="49" charset="0"/>
+              </a:rPr>
+              <a:t>public interface Greasy{</a:t>
+            </a:r>
+          </a:p>
+          <a:p>
+            <a:pPr marL="0" indent="0">
+              <a:buNone/>
+            </a:pPr>
+            <a:r>
+              <a:rPr lang="en-US" sz="1400" dirty="0">
+                <a:latin typeface="Courier New" panose="02070309020205020404" pitchFamily="49" charset="0"/>
+                <a:cs typeface="Courier New" panose="02070309020205020404" pitchFamily="49" charset="0"/>
+              </a:rPr>
+              <a:t>	double </a:t>
+            </a:r>
+            <a:r>
+              <a:rPr lang="en-US" sz="1400" dirty="0" err="1">
+                <a:latin typeface="Courier New" panose="02070309020205020404" pitchFamily="49" charset="0"/>
+                <a:cs typeface="Courier New" panose="02070309020205020404" pitchFamily="49" charset="0"/>
+              </a:rPr>
+              <a:t>amountOfGreaseInMg</a:t>
+            </a:r>
+            <a:r>
+              <a:rPr lang="en-US" sz="1400" dirty="0">
+                <a:latin typeface="Courier New" panose="02070309020205020404" pitchFamily="49" charset="0"/>
+                <a:cs typeface="Courier New" panose="02070309020205020404" pitchFamily="49" charset="0"/>
+              </a:rPr>
+              <a:t>();   	</a:t>
+            </a:r>
+            <a:r>
+              <a:rPr lang="en-US" sz="1400" dirty="0">
+                <a:latin typeface="Courier New" panose="02070309020205020404" pitchFamily="49" charset="0"/>
+                <a:cs typeface="Courier New" panose="02070309020205020404" pitchFamily="49" charset="0"/>
+                <a:sym typeface="Wingdings" panose="05000000000000000000" pitchFamily="2" charset="2"/>
+              </a:rPr>
+              <a:t></a:t>
+            </a:r>
+            <a:r>
+              <a:rPr lang="en-US" sz="1400" dirty="0">
+                <a:latin typeface="Courier New" panose="02070309020205020404" pitchFamily="49" charset="0"/>
+                <a:cs typeface="Courier New" panose="02070309020205020404" pitchFamily="49" charset="0"/>
+              </a:rPr>
+              <a:t>point out that interfaces look just like classes</a:t>
+            </a:r>
+          </a:p>
+          <a:p>
+            <a:pPr marL="0" indent="0">
+              <a:buNone/>
+            </a:pPr>
+            <a:r>
+              <a:rPr lang="en-US" sz="1400" dirty="0">
+                <a:latin typeface="Courier New" panose="02070309020205020404" pitchFamily="49" charset="0"/>
+                <a:cs typeface="Courier New" panose="02070309020205020404" pitchFamily="49" charset="0"/>
+              </a:rPr>
+              <a:t>}					but without fields or method bodies</a:t>
+            </a:r>
+          </a:p>
+          <a:p>
+            <a:pPr marL="0" indent="0">
+              <a:buNone/>
+            </a:pPr>
+            <a:r>
+              <a:rPr lang="en-US" sz="1400" dirty="0">
+                <a:latin typeface="Courier New" panose="02070309020205020404" pitchFamily="49" charset="0"/>
+                <a:cs typeface="Courier New" panose="02070309020205020404" pitchFamily="49" charset="0"/>
+              </a:rPr>
+              <a:t> </a:t>
+            </a:r>
+          </a:p>
+          <a:p>
+            <a:pPr marL="0" indent="0">
+              <a:buNone/>
+            </a:pPr>
+            <a:r>
+              <a:rPr lang="en-US" sz="1400" dirty="0">
+                <a:latin typeface="Courier New" panose="02070309020205020404" pitchFamily="49" charset="0"/>
+                <a:cs typeface="Courier New" panose="02070309020205020404" pitchFamily="49" charset="0"/>
+              </a:rPr>
+              <a:t>public interface Edible{</a:t>
+            </a:r>
+          </a:p>
+          <a:p>
+            <a:pPr marL="0" indent="0">
+              <a:buNone/>
+            </a:pPr>
+            <a:r>
+              <a:rPr lang="en-US" sz="1400" dirty="0">
+                <a:latin typeface="Courier New" panose="02070309020205020404" pitchFamily="49" charset="0"/>
+                <a:cs typeface="Courier New" panose="02070309020205020404" pitchFamily="49" charset="0"/>
+              </a:rPr>
+              <a:t>	double calories();</a:t>
+            </a:r>
+          </a:p>
+          <a:p>
+            <a:pPr marL="0" indent="0">
+              <a:buNone/>
+            </a:pPr>
+            <a:r>
+              <a:rPr lang="en-US" sz="1400" dirty="0">
+                <a:latin typeface="Courier New" panose="02070309020205020404" pitchFamily="49" charset="0"/>
+                <a:cs typeface="Courier New" panose="02070309020205020404" pitchFamily="49" charset="0"/>
+              </a:rPr>
+              <a:t>}</a:t>
             </a:r>
           </a:p>
         </p:txBody>
@@ -31255,7 +31294,7 @@
     </p:spTree>
     <p:extLst>
       <p:ext uri="{BB962C8B-B14F-4D97-AF65-F5344CB8AC3E}">
-        <p14:creationId xmlns:p14="http://schemas.microsoft.com/office/powerpoint/2010/main" val="3514558618"/>
+        <p14:creationId xmlns:p14="http://schemas.microsoft.com/office/powerpoint/2010/main" val="3474555343"/>
       </p:ext>
     </p:extLst>
   </p:cSld>
@@ -31294,14 +31333,12 @@
         </p:nvSpPr>
         <p:spPr/>
         <p:txBody>
-          <a:bodyPr>
-            <a:normAutofit/>
-          </a:bodyPr>
+          <a:bodyPr/>
           <a:lstStyle/>
           <a:p>
             <a:r>
               <a:rPr lang="en-US" dirty="0"/>
-              <a:t>Homework</a:t>
+              <a:t>Implementing Interfaces</a:t>
             </a:r>
           </a:p>
         </p:txBody>
@@ -31316,7 +31353,12 @@
             <p:ph idx="1"/>
           </p:nvPr>
         </p:nvSpPr>
-        <p:spPr/>
+        <p:spPr>
+          <a:xfrm>
+            <a:off x="838199" y="1825625"/>
+            <a:ext cx="10660529" cy="4351338"/>
+          </a:xfrm>
+        </p:spPr>
         <p:txBody>
           <a:bodyPr>
             <a:normAutofit/>
@@ -31327,38 +31369,84 @@
               <a:buNone/>
             </a:pPr>
             <a:r>
-              <a:rPr lang="en-US" dirty="0"/>
-              <a:t>Read HW 9.6</a:t>
+              <a:rPr lang="en-US" sz="1800" dirty="0">
+                <a:latin typeface="Courier New" panose="02070309020205020404" pitchFamily="49" charset="0"/>
+                <a:cs typeface="Courier New" panose="02070309020205020404" pitchFamily="49" charset="0"/>
+              </a:rPr>
+              <a:t>public class Bacon extends Pork implements Salty, Aromatic, Greasy, Edible {</a:t>
             </a:r>
           </a:p>
           <a:p>
             <a:pPr marL="0" indent="0">
               <a:buNone/>
             </a:pPr>
-            <a:endParaRPr lang="en-US" dirty="0"/>
+            <a:r>
+              <a:rPr lang="en-US" sz="1800" dirty="0">
+                <a:latin typeface="Courier New" panose="02070309020205020404" pitchFamily="49" charset="0"/>
+                <a:cs typeface="Courier New" panose="02070309020205020404" pitchFamily="49" charset="0"/>
+              </a:rPr>
+              <a:t>	private double </a:t>
+            </a:r>
+            <a:r>
+              <a:rPr lang="en-US" sz="1800" dirty="0" err="1">
+                <a:latin typeface="Courier New" panose="02070309020205020404" pitchFamily="49" charset="0"/>
+                <a:cs typeface="Courier New" panose="02070309020205020404" pitchFamily="49" charset="0"/>
+              </a:rPr>
+              <a:t>amountInKg</a:t>
+            </a:r>
+            <a:r>
+              <a:rPr lang="en-US" sz="1800" dirty="0">
+                <a:latin typeface="Courier New" panose="02070309020205020404" pitchFamily="49" charset="0"/>
+                <a:cs typeface="Courier New" panose="02070309020205020404" pitchFamily="49" charset="0"/>
+              </a:rPr>
+              <a:t>;</a:t>
+            </a:r>
           </a:p>
           <a:p>
             <a:pPr marL="0" indent="0">
               <a:buNone/>
             </a:pPr>
-            <a:r>
-              <a:rPr lang="en-US" dirty="0"/>
-              <a:t>Summarize notes in notebook for tomorrow’s notebook check</a:t>
-            </a:r>
+            <a:endParaRPr lang="en-US" sz="1800" dirty="0">
+              <a:latin typeface="Courier New" panose="02070309020205020404" pitchFamily="49" charset="0"/>
+              <a:cs typeface="Courier New" panose="02070309020205020404" pitchFamily="49" charset="0"/>
+            </a:endParaRPr>
           </a:p>
           <a:p>
             <a:pPr marL="0" indent="0">
               <a:buNone/>
             </a:pPr>
-            <a:endParaRPr lang="en-US" dirty="0"/>
+            <a:r>
+              <a:rPr lang="en-US" sz="1800" dirty="0">
+                <a:latin typeface="Courier New" panose="02070309020205020404" pitchFamily="49" charset="0"/>
+                <a:cs typeface="Courier New" panose="02070309020205020404" pitchFamily="49" charset="0"/>
+              </a:rPr>
+              <a:t>	public Bacon(double amount){</a:t>
+            </a:r>
           </a:p>
           <a:p>
             <a:pPr marL="0" indent="0">
               <a:buNone/>
             </a:pPr>
             <a:r>
-              <a:rPr lang="en-US" dirty="0"/>
-              <a:t>For extra credit:</a:t>
+              <a:rPr lang="en-US" sz="1800" dirty="0">
+                <a:latin typeface="Courier New" panose="02070309020205020404" pitchFamily="49" charset="0"/>
+                <a:cs typeface="Courier New" panose="02070309020205020404" pitchFamily="49" charset="0"/>
+              </a:rPr>
+              <a:t>		</a:t>
+            </a:r>
+            <a:r>
+              <a:rPr lang="en-US" sz="1800" dirty="0" err="1">
+                <a:latin typeface="Courier New" panose="02070309020205020404" pitchFamily="49" charset="0"/>
+                <a:cs typeface="Courier New" panose="02070309020205020404" pitchFamily="49" charset="0"/>
+              </a:rPr>
+              <a:t>amountInKg</a:t>
+            </a:r>
+            <a:r>
+              <a:rPr lang="en-US" sz="1800" dirty="0">
+                <a:latin typeface="Courier New" panose="02070309020205020404" pitchFamily="49" charset="0"/>
+                <a:cs typeface="Courier New" panose="02070309020205020404" pitchFamily="49" charset="0"/>
+              </a:rPr>
+              <a:t> = amount;</a:t>
             </a:r>
           </a:p>
           <a:p>
@@ -31366,22 +31454,90 @@
               <a:buNone/>
             </a:pPr>
             <a:r>
-              <a:rPr lang="en-US" dirty="0"/>
-              <a:t>	Generate your own class hierarchy that demonstrates the same 	concepts illustrated by the Financial Class Hierarchy outlines in 	the book. The extra credit project is due [in one week].</a:t>
+              <a:rPr lang="en-US" sz="1800" dirty="0">
+                <a:latin typeface="Courier New" panose="02070309020205020404" pitchFamily="49" charset="0"/>
+                <a:cs typeface="Courier New" panose="02070309020205020404" pitchFamily="49" charset="0"/>
+              </a:rPr>
+              <a:t>	}</a:t>
             </a:r>
           </a:p>
           <a:p>
             <a:pPr marL="0" indent="0">
               <a:buNone/>
             </a:pPr>
-            <a:endParaRPr lang="en-US" dirty="0"/>
+            <a:endParaRPr lang="en-US" sz="1800" dirty="0">
+              <a:latin typeface="Courier New" panose="02070309020205020404" pitchFamily="49" charset="0"/>
+              <a:cs typeface="Courier New" panose="02070309020205020404" pitchFamily="49" charset="0"/>
+            </a:endParaRPr>
+          </a:p>
+          <a:p>
+            <a:pPr marL="0" indent="0">
+              <a:buNone/>
+            </a:pPr>
+            <a:r>
+              <a:rPr lang="en-US" sz="1800" dirty="0">
+                <a:latin typeface="Courier New" panose="02070309020205020404" pitchFamily="49" charset="0"/>
+                <a:cs typeface="Courier New" panose="02070309020205020404" pitchFamily="49" charset="0"/>
+              </a:rPr>
+              <a:t> 	public double calories(){</a:t>
+            </a:r>
+          </a:p>
+          <a:p>
+            <a:pPr marL="0" indent="0">
+              <a:buNone/>
+            </a:pPr>
+            <a:r>
+              <a:rPr lang="en-US" sz="1800" dirty="0">
+                <a:latin typeface="Courier New" panose="02070309020205020404" pitchFamily="49" charset="0"/>
+                <a:cs typeface="Courier New" panose="02070309020205020404" pitchFamily="49" charset="0"/>
+              </a:rPr>
+              <a:t>		return </a:t>
+            </a:r>
+            <a:r>
+              <a:rPr lang="en-US" sz="1800" dirty="0" err="1">
+                <a:latin typeface="Courier New" panose="02070309020205020404" pitchFamily="49" charset="0"/>
+                <a:cs typeface="Courier New" panose="02070309020205020404" pitchFamily="49" charset="0"/>
+              </a:rPr>
+              <a:t>amountInKg</a:t>
+            </a:r>
+            <a:r>
+              <a:rPr lang="en-US" sz="1800" dirty="0">
+                <a:latin typeface="Courier New" panose="02070309020205020404" pitchFamily="49" charset="0"/>
+                <a:cs typeface="Courier New" panose="02070309020205020404" pitchFamily="49" charset="0"/>
+              </a:rPr>
+              <a:t> * CALORIES_PER_KG_OF_BACON;</a:t>
+            </a:r>
+          </a:p>
+          <a:p>
+            <a:pPr marL="0" indent="0">
+              <a:buNone/>
+            </a:pPr>
+            <a:r>
+              <a:rPr lang="en-US" sz="1800" dirty="0">
+                <a:latin typeface="Courier New" panose="02070309020205020404" pitchFamily="49" charset="0"/>
+                <a:cs typeface="Courier New" panose="02070309020205020404" pitchFamily="49" charset="0"/>
+              </a:rPr>
+              <a:t>	}</a:t>
+            </a:r>
+          </a:p>
+          <a:p>
+            <a:pPr marL="0" indent="0">
+              <a:buNone/>
+            </a:pPr>
+            <a:r>
+              <a:rPr lang="en-US" sz="1800" dirty="0">
+                <a:latin typeface="Courier New" panose="02070309020205020404" pitchFamily="49" charset="0"/>
+                <a:cs typeface="Courier New" panose="02070309020205020404" pitchFamily="49" charset="0"/>
+              </a:rPr>
+              <a:t>}</a:t>
+            </a:r>
           </a:p>
         </p:txBody>
       </p:sp>
     </p:spTree>
     <p:extLst>
       <p:ext uri="{BB962C8B-B14F-4D97-AF65-F5344CB8AC3E}">
-        <p14:creationId xmlns:p14="http://schemas.microsoft.com/office/powerpoint/2010/main" val="1892429667"/>
+        <p14:creationId xmlns:p14="http://schemas.microsoft.com/office/powerpoint/2010/main" val="1094721936"/>
       </p:ext>
     </p:extLst>
   </p:cSld>
@@ -31415,49 +31571,42 @@
             <a:spLocks noGrp="1"/>
           </p:cNvSpPr>
           <p:nvPr>
-            <p:ph type="ctrTitle"/>
+            <p:ph type="title"/>
           </p:nvPr>
         </p:nvSpPr>
-        <p:spPr>
-          <a:xfrm>
-            <a:off x="1524000" y="1177187"/>
-            <a:ext cx="9144000" cy="2387600"/>
-          </a:xfrm>
-        </p:spPr>
+        <p:spPr/>
         <p:txBody>
           <a:bodyPr/>
           <a:lstStyle/>
           <a:p>
             <a:r>
               <a:rPr lang="en-US" dirty="0"/>
-              <a:t>Programming Project</a:t>
+              <a:t>Class Activity</a:t>
             </a:r>
           </a:p>
         </p:txBody>
       </p:sp>
       <p:sp>
         <p:nvSpPr>
-          <p:cNvPr id="3" name="Subtitle 2"/>
+          <p:cNvPr id="3" name="Content Placeholder 2"/>
           <p:cNvSpPr>
             <a:spLocks noGrp="1"/>
           </p:cNvSpPr>
           <p:nvPr>
-            <p:ph type="subTitle" idx="1"/>
+            <p:ph idx="1"/>
           </p:nvPr>
         </p:nvSpPr>
-        <p:spPr>
-          <a:xfrm>
-            <a:off x="1524000" y="3656862"/>
-            <a:ext cx="9144000" cy="1655762"/>
-          </a:xfrm>
-        </p:spPr>
+        <p:spPr/>
         <p:txBody>
           <a:bodyPr/>
           <a:lstStyle/>
           <a:p>
+            <a:pPr marL="0" indent="0">
+              <a:buNone/>
+            </a:pPr>
             <a:r>
               <a:rPr lang="en-US" dirty="0"/>
-              <a:t>[ 6.07 ] [ Today’s Date ] [ Instructor Name ]</a:t>
+              <a:t>[Paste example activity or your own from lesson plan to slide]</a:t>
             </a:r>
           </a:p>
         </p:txBody>
@@ -31465,7 +31614,7 @@
     </p:spTree>
     <p:extLst>
       <p:ext uri="{BB962C8B-B14F-4D97-AF65-F5344CB8AC3E}">
-        <p14:creationId xmlns:p14="http://schemas.microsoft.com/office/powerpoint/2010/main" val="743500731"/>
+        <p14:creationId xmlns:p14="http://schemas.microsoft.com/office/powerpoint/2010/main" val="3514558618"/>
       </p:ext>
     </p:extLst>
   </p:cSld>
@@ -31511,7 +31660,7 @@
           <a:p>
             <a:r>
               <a:rPr lang="en-US" dirty="0"/>
-              <a:t>[Slides reserved for Programming Project Review]</a:t>
+              <a:t>Homework</a:t>
             </a:r>
           </a:p>
         </p:txBody>
@@ -31528,7 +31677,9 @@
         </p:nvSpPr>
         <p:spPr/>
         <p:txBody>
-          <a:bodyPr/>
+          <a:bodyPr>
+            <a:normAutofit/>
+          </a:bodyPr>
           <a:lstStyle/>
           <a:p>
             <a:pPr marL="0" indent="0">
@@ -31536,7 +31687,7 @@
             </a:pPr>
             <a:r>
               <a:rPr lang="en-US" dirty="0"/>
-              <a:t>Edit this slide deck to go over questions that your class has during the programming project days.</a:t>
+              <a:t>Read HW 9.6</a:t>
             </a:r>
           </a:p>
           <a:p>
@@ -31544,6 +31695,39 @@
               <a:buNone/>
             </a:pPr>
             <a:endParaRPr lang="en-US" dirty="0"/>
+          </a:p>
+          <a:p>
+            <a:pPr marL="0" indent="0">
+              <a:buNone/>
+            </a:pPr>
+            <a:r>
+              <a:rPr lang="en-US" dirty="0"/>
+              <a:t>Summarize notes in notebook for tomorrow’s notebook check</a:t>
+            </a:r>
+          </a:p>
+          <a:p>
+            <a:pPr marL="0" indent="0">
+              <a:buNone/>
+            </a:pPr>
+            <a:endParaRPr lang="en-US" dirty="0"/>
+          </a:p>
+          <a:p>
+            <a:pPr marL="0" indent="0">
+              <a:buNone/>
+            </a:pPr>
+            <a:r>
+              <a:rPr lang="en-US" dirty="0"/>
+              <a:t>For extra credit:</a:t>
+            </a:r>
+          </a:p>
+          <a:p>
+            <a:pPr marL="0" indent="0">
+              <a:buNone/>
+            </a:pPr>
+            <a:r>
+              <a:rPr lang="en-US" dirty="0"/>
+              <a:t>	Generate your own class hierarchy that demonstrates the same 	concepts illustrated by the Financial Class Hierarchy outlines in 	the book. The extra credit project is due [in one week].</a:t>
+            </a:r>
           </a:p>
           <a:p>
             <a:pPr marL="0" indent="0">
@@ -31556,7 +31740,7 @@
     </p:spTree>
     <p:extLst>
       <p:ext uri="{BB962C8B-B14F-4D97-AF65-F5344CB8AC3E}">
-        <p14:creationId xmlns:p14="http://schemas.microsoft.com/office/powerpoint/2010/main" val="2163985506"/>
+        <p14:creationId xmlns:p14="http://schemas.microsoft.com/office/powerpoint/2010/main" val="1892429667"/>
       </p:ext>
     </p:extLst>
   </p:cSld>
@@ -31593,14 +31777,19 @@
             <p:ph type="ctrTitle"/>
           </p:nvPr>
         </p:nvSpPr>
-        <p:spPr/>
+        <p:spPr>
+          <a:xfrm>
+            <a:off x="1524000" y="1177187"/>
+            <a:ext cx="9144000" cy="2387600"/>
+          </a:xfrm>
+        </p:spPr>
         <p:txBody>
           <a:bodyPr/>
           <a:lstStyle/>
           <a:p>
             <a:r>
               <a:rPr lang="en-US" dirty="0"/>
-              <a:t>Finding and Fixing Errors</a:t>
+              <a:t>Programming Project</a:t>
             </a:r>
           </a:p>
         </p:txBody>
@@ -31615,14 +31804,19 @@
             <p:ph type="subTitle" idx="1"/>
           </p:nvPr>
         </p:nvSpPr>
-        <p:spPr/>
+        <p:spPr>
+          <a:xfrm>
+            <a:off x="1524000" y="3656862"/>
+            <a:ext cx="9144000" cy="1655762"/>
+          </a:xfrm>
+        </p:spPr>
         <p:txBody>
           <a:bodyPr/>
           <a:lstStyle/>
           <a:p>
             <a:r>
               <a:rPr lang="en-US" dirty="0"/>
-              <a:t>[ 6.08 ] [ Today’s Date ] [ Instructor Name ]</a:t>
+              <a:t>[ 6.07 ] [ Today’s Date ] [ Instructor Name ]</a:t>
             </a:r>
           </a:p>
         </p:txBody>
@@ -31630,7 +31824,7 @@
     </p:spTree>
     <p:extLst>
       <p:ext uri="{BB962C8B-B14F-4D97-AF65-F5344CB8AC3E}">
-        <p14:creationId xmlns:p14="http://schemas.microsoft.com/office/powerpoint/2010/main" val="3786121268"/>
+        <p14:creationId xmlns:p14="http://schemas.microsoft.com/office/powerpoint/2010/main" val="743500731"/>
       </p:ext>
     </p:extLst>
   </p:cSld>
@@ -31669,12 +31863,14 @@
         </p:nvSpPr>
         <p:spPr/>
         <p:txBody>
-          <a:bodyPr/>
+          <a:bodyPr>
+            <a:normAutofit/>
+          </a:bodyPr>
           <a:lstStyle/>
           <a:p>
             <a:r>
               <a:rPr lang="en-US" dirty="0"/>
-              <a:t>Today’s plan:</a:t>
+              <a:t>[Slides reserved for Programming Project Review]</a:t>
             </a:r>
           </a:p>
         </p:txBody>
@@ -31699,37 +31895,17 @@
             </a:pPr>
             <a:r>
               <a:rPr lang="en-US" dirty="0"/>
-              <a:t>Error check and resubmit all chapter 9 assignments.</a:t>
-            </a:r>
-          </a:p>
-          <a:p>
+              <a:t>Edit this slide deck to go over questions that your class has during the programming project days.</a:t>
+            </a:r>
+          </a:p>
+          <a:p>
+            <a:pPr marL="0" indent="0">
+              <a:buNone/>
+            </a:pPr>
             <a:endParaRPr lang="en-US" dirty="0"/>
           </a:p>
           <a:p>
             <a:pPr marL="0" indent="0">
-              <a:buNone/>
-            </a:pPr>
-            <a:r>
-              <a:rPr lang="en-US" dirty="0"/>
-              <a:t>Study for the test by:</a:t>
-            </a:r>
-          </a:p>
-          <a:p>
-            <a:pPr lvl="1"/>
-            <a:r>
-              <a:rPr lang="en-US" dirty="0"/>
-              <a:t>Reviewing all of the blue, self-check pages at the end of Chapter 9.</a:t>
-            </a:r>
-          </a:p>
-          <a:p>
-            <a:pPr lvl="1"/>
-            <a:r>
-              <a:rPr lang="en-US" dirty="0"/>
-              <a:t>Re-reading sections as needed to complete the self-check problems.</a:t>
-            </a:r>
-          </a:p>
-          <a:p>
-            <a:pPr marL="457200" lvl="1" indent="0">
               <a:buNone/>
             </a:pPr>
             <a:endParaRPr lang="en-US" dirty="0"/>
@@ -31739,7 +31915,7 @@
     </p:spTree>
     <p:extLst>
       <p:ext uri="{BB962C8B-B14F-4D97-AF65-F5344CB8AC3E}">
-        <p14:creationId xmlns:p14="http://schemas.microsoft.com/office/powerpoint/2010/main" val="3923898911"/>
+        <p14:creationId xmlns:p14="http://schemas.microsoft.com/office/powerpoint/2010/main" val="2163985506"/>
       </p:ext>
     </p:extLst>
   </p:cSld>
@@ -31773,7 +31949,7 @@
             <a:spLocks noGrp="1"/>
           </p:cNvSpPr>
           <p:nvPr>
-            <p:ph type="title"/>
+            <p:ph type="ctrTitle"/>
           </p:nvPr>
         </p:nvSpPr>
         <p:spPr/>
@@ -31783,19 +31959,19 @@
           <a:p>
             <a:r>
               <a:rPr lang="en-US" dirty="0"/>
-              <a:t>Homework Regrade/Resubmit</a:t>
+              <a:t>Finding and Fixing Errors</a:t>
             </a:r>
           </a:p>
         </p:txBody>
       </p:sp>
       <p:sp>
         <p:nvSpPr>
-          <p:cNvPr id="3" name="Content Placeholder 2"/>
+          <p:cNvPr id="3" name="Subtitle 2"/>
           <p:cNvSpPr>
             <a:spLocks noGrp="1"/>
           </p:cNvSpPr>
           <p:nvPr>
-            <p:ph idx="1"/>
+            <p:ph type="subTitle" idx="1"/>
           </p:nvPr>
         </p:nvSpPr>
         <p:spPr/>
@@ -31803,38 +31979,17 @@
           <a:bodyPr/>
           <a:lstStyle/>
           <a:p>
-            <a:pPr marL="0" indent="0">
-              <a:buNone/>
-            </a:pPr>
             <a:r>
               <a:rPr lang="en-US" dirty="0"/>
-              <a:t>You all have the opportunity to get full credit  on your homework grades by correcting them now, in class.</a:t>
-            </a:r>
-          </a:p>
-          <a:p>
-            <a:endParaRPr lang="en-US" dirty="0"/>
-          </a:p>
-          <a:p>
-            <a:pPr marL="0" indent="0">
-              <a:buNone/>
-            </a:pPr>
-            <a:r>
-              <a:rPr lang="en-US" dirty="0"/>
-              <a:t>Use your error checking algorithm, and if you need help just ask!</a:t>
-            </a:r>
-          </a:p>
-          <a:p>
-            <a:pPr marL="0" indent="0">
-              <a:buNone/>
-            </a:pPr>
-            <a:endParaRPr lang="en-US" dirty="0"/>
+              <a:t>[ 6.08 ] [ Today’s Date ] [ Instructor Name ]</a:t>
+            </a:r>
           </a:p>
         </p:txBody>
       </p:sp>
     </p:spTree>
     <p:extLst>
       <p:ext uri="{BB962C8B-B14F-4D97-AF65-F5344CB8AC3E}">
-        <p14:creationId xmlns:p14="http://schemas.microsoft.com/office/powerpoint/2010/main" val="485091757"/>
+        <p14:creationId xmlns:p14="http://schemas.microsoft.com/office/powerpoint/2010/main" val="3786121268"/>
       </p:ext>
     </p:extLst>
   </p:cSld>
@@ -31878,7 +32033,7 @@
           <a:p>
             <a:r>
               <a:rPr lang="en-US" dirty="0"/>
-              <a:t>Homework</a:t>
+              <a:t>Today’s plan:</a:t>
             </a:r>
           </a:p>
         </p:txBody>
@@ -31898,13 +32053,42 @@
           <a:bodyPr/>
           <a:lstStyle/>
           <a:p>
+            <a:pPr marL="0" indent="0">
+              <a:buNone/>
+            </a:pPr>
             <a:r>
               <a:rPr lang="en-US" dirty="0"/>
-              <a:t>Begin reviewing chapter 9 for the Unit 6 Test.</a:t>
-            </a:r>
+              <a:t>Error check and resubmit all chapter 9 assignments.</a:t>
+            </a:r>
+          </a:p>
+          <a:p>
+            <a:endParaRPr lang="en-US" dirty="0"/>
           </a:p>
           <a:p>
             <a:pPr marL="0" indent="0">
+              <a:buNone/>
+            </a:pPr>
+            <a:r>
+              <a:rPr lang="en-US" dirty="0"/>
+              <a:t>Study for the test by:</a:t>
+            </a:r>
+          </a:p>
+          <a:p>
+            <a:pPr lvl="1"/>
+            <a:r>
+              <a:rPr lang="en-US" dirty="0"/>
+              <a:t>Reviewing all of the blue, self-check pages at the end of Chapter 9.</a:t>
+            </a:r>
+          </a:p>
+          <a:p>
+            <a:pPr lvl="1"/>
+            <a:r>
+              <a:rPr lang="en-US" dirty="0"/>
+              <a:t>Re-reading sections as needed to complete the self-check problems.</a:t>
+            </a:r>
+          </a:p>
+          <a:p>
+            <a:pPr marL="457200" lvl="1" indent="0">
               <a:buNone/>
             </a:pPr>
             <a:endParaRPr lang="en-US" dirty="0"/>
@@ -31914,7 +32098,7 @@
     </p:spTree>
     <p:extLst>
       <p:ext uri="{BB962C8B-B14F-4D97-AF65-F5344CB8AC3E}">
-        <p14:creationId xmlns:p14="http://schemas.microsoft.com/office/powerpoint/2010/main" val="912080518"/>
+        <p14:creationId xmlns:p14="http://schemas.microsoft.com/office/powerpoint/2010/main" val="3923898911"/>
       </p:ext>
     </p:extLst>
   </p:cSld>
@@ -31948,31 +32132,7 @@
             <a:spLocks noGrp="1"/>
           </p:cNvSpPr>
           <p:nvPr>
-            <p:ph type="ctrTitle"/>
-          </p:nvPr>
-        </p:nvSpPr>
-        <p:spPr/>
-        <p:txBody>
-          <a:bodyPr>
-            <a:normAutofit/>
-          </a:bodyPr>
-          <a:lstStyle/>
-          <a:p>
-            <a:r>
-              <a:rPr lang="en-US" sz="4800" dirty="0"/>
-              <a:t>Review</a:t>
-            </a:r>
-          </a:p>
-        </p:txBody>
-      </p:sp>
-      <p:sp>
-        <p:nvSpPr>
-          <p:cNvPr id="3" name="Subtitle 2"/>
-          <p:cNvSpPr>
-            <a:spLocks noGrp="1"/>
-          </p:cNvSpPr>
-          <p:nvPr>
-            <p:ph type="subTitle" idx="1"/>
+            <p:ph type="title"/>
           </p:nvPr>
         </p:nvSpPr>
         <p:spPr/>
@@ -31982,15 +32142,58 @@
           <a:p>
             <a:r>
               <a:rPr lang="en-US" dirty="0"/>
-              <a:t>[ 6.09 ] [ Today’s Date ] [ Instructor Name ]</a:t>
-            </a:r>
+              <a:t>Homework Regrade/Resubmit</a:t>
+            </a:r>
+          </a:p>
+        </p:txBody>
+      </p:sp>
+      <p:sp>
+        <p:nvSpPr>
+          <p:cNvPr id="3" name="Content Placeholder 2"/>
+          <p:cNvSpPr>
+            <a:spLocks noGrp="1"/>
+          </p:cNvSpPr>
+          <p:nvPr>
+            <p:ph idx="1"/>
+          </p:nvPr>
+        </p:nvSpPr>
+        <p:spPr/>
+        <p:txBody>
+          <a:bodyPr/>
+          <a:lstStyle/>
+          <a:p>
+            <a:pPr marL="0" indent="0">
+              <a:buNone/>
+            </a:pPr>
+            <a:r>
+              <a:rPr lang="en-US" dirty="0"/>
+              <a:t>You all have the opportunity to get full credit  on your homework grades by correcting them now, in class.</a:t>
+            </a:r>
+          </a:p>
+          <a:p>
+            <a:endParaRPr lang="en-US" dirty="0"/>
+          </a:p>
+          <a:p>
+            <a:pPr marL="0" indent="0">
+              <a:buNone/>
+            </a:pPr>
+            <a:r>
+              <a:rPr lang="en-US" dirty="0"/>
+              <a:t>Use your error checking algorithm, and if you need help just ask!</a:t>
+            </a:r>
+          </a:p>
+          <a:p>
+            <a:pPr marL="0" indent="0">
+              <a:buNone/>
+            </a:pPr>
+            <a:endParaRPr lang="en-US" dirty="0"/>
           </a:p>
         </p:txBody>
       </p:sp>
     </p:spTree>
     <p:extLst>
       <p:ext uri="{BB962C8B-B14F-4D97-AF65-F5344CB8AC3E}">
-        <p14:creationId xmlns:p14="http://schemas.microsoft.com/office/powerpoint/2010/main" val="4280762843"/>
+        <p14:creationId xmlns:p14="http://schemas.microsoft.com/office/powerpoint/2010/main" val="485091757"/>
       </p:ext>
     </p:extLst>
   </p:cSld>
@@ -32019,37 +32222,58 @@
       </p:grpSpPr>
       <p:sp>
         <p:nvSpPr>
-          <p:cNvPr id="4" name="Title 3"/>
+          <p:cNvPr id="2" name="Title 1"/>
           <p:cNvSpPr>
             <a:spLocks noGrp="1"/>
           </p:cNvSpPr>
           <p:nvPr>
-            <p:ph type="ctrTitle"/>
+            <p:ph type="title"/>
           </p:nvPr>
         </p:nvSpPr>
-        <p:spPr>
-          <a:xfrm>
-            <a:off x="1524000" y="1374151"/>
-            <a:ext cx="9144000" cy="2387600"/>
-          </a:xfrm>
-        </p:spPr>
+        <p:spPr/>
         <p:txBody>
-          <a:bodyPr>
-            <a:normAutofit/>
-          </a:bodyPr>
+          <a:bodyPr/>
           <a:lstStyle/>
           <a:p>
             <a:r>
-              <a:rPr lang="en-US" sz="5000" dirty="0"/>
-              <a:t>What’s on the test?</a:t>
-            </a:r>
+              <a:rPr lang="en-US" dirty="0"/>
+              <a:t>Homework</a:t>
+            </a:r>
+          </a:p>
+        </p:txBody>
+      </p:sp>
+      <p:sp>
+        <p:nvSpPr>
+          <p:cNvPr id="3" name="Content Placeholder 2"/>
+          <p:cNvSpPr>
+            <a:spLocks noGrp="1"/>
+          </p:cNvSpPr>
+          <p:nvPr>
+            <p:ph idx="1"/>
+          </p:nvPr>
+        </p:nvSpPr>
+        <p:spPr/>
+        <p:txBody>
+          <a:bodyPr/>
+          <a:lstStyle/>
+          <a:p>
+            <a:r>
+              <a:rPr lang="en-US" dirty="0"/>
+              <a:t>Begin reviewing chapter 9 for the Unit 6 Test.</a:t>
+            </a:r>
+          </a:p>
+          <a:p>
+            <a:pPr marL="0" indent="0">
+              <a:buNone/>
+            </a:pPr>
+            <a:endParaRPr lang="en-US" dirty="0"/>
           </a:p>
         </p:txBody>
       </p:sp>
     </p:spTree>
     <p:extLst>
       <p:ext uri="{BB962C8B-B14F-4D97-AF65-F5344CB8AC3E}">
-        <p14:creationId xmlns:p14="http://schemas.microsoft.com/office/powerpoint/2010/main" val="2707739066"/>
+        <p14:creationId xmlns:p14="http://schemas.microsoft.com/office/powerpoint/2010/main" val="912080518"/>
       </p:ext>
     </p:extLst>
   </p:cSld>
@@ -32164,6 +32388,141 @@
             <p:ph type="ctrTitle"/>
           </p:nvPr>
         </p:nvSpPr>
+        <p:spPr/>
+        <p:txBody>
+          <a:bodyPr>
+            <a:normAutofit/>
+          </a:bodyPr>
+          <a:lstStyle/>
+          <a:p>
+            <a:r>
+              <a:rPr lang="en-US" sz="4800" dirty="0"/>
+              <a:t>Review</a:t>
+            </a:r>
+          </a:p>
+        </p:txBody>
+      </p:sp>
+      <p:sp>
+        <p:nvSpPr>
+          <p:cNvPr id="3" name="Subtitle 2"/>
+          <p:cNvSpPr>
+            <a:spLocks noGrp="1"/>
+          </p:cNvSpPr>
+          <p:nvPr>
+            <p:ph type="subTitle" idx="1"/>
+          </p:nvPr>
+        </p:nvSpPr>
+        <p:spPr/>
+        <p:txBody>
+          <a:bodyPr/>
+          <a:lstStyle/>
+          <a:p>
+            <a:r>
+              <a:rPr lang="en-US" dirty="0"/>
+              <a:t>[ 6.09 ] [ Today’s Date ] [ Instructor Name ]</a:t>
+            </a:r>
+          </a:p>
+        </p:txBody>
+      </p:sp>
+    </p:spTree>
+    <p:extLst>
+      <p:ext uri="{BB962C8B-B14F-4D97-AF65-F5344CB8AC3E}">
+        <p14:creationId xmlns:p14="http://schemas.microsoft.com/office/powerpoint/2010/main" val="4280762843"/>
+      </p:ext>
+    </p:extLst>
+  </p:cSld>
+  <p:clrMapOvr>
+    <a:masterClrMapping/>
+  </p:clrMapOvr>
+</p:sld>
+</file>
+
+<file path=ppt/slides/slide91.xml><?xml version="1.0" encoding="utf-8"?>
+<p:sld xmlns:a="http://schemas.openxmlformats.org/drawingml/2006/main" xmlns:r="http://schemas.openxmlformats.org/officeDocument/2006/relationships" xmlns:p="http://schemas.openxmlformats.org/presentationml/2006/main">
+  <p:cSld>
+    <p:spTree>
+      <p:nvGrpSpPr>
+        <p:cNvPr id="1" name=""/>
+        <p:cNvGrpSpPr/>
+        <p:nvPr/>
+      </p:nvGrpSpPr>
+      <p:grpSpPr>
+        <a:xfrm>
+          <a:off x="0" y="0"/>
+          <a:ext cx="0" cy="0"/>
+          <a:chOff x="0" y="0"/>
+          <a:chExt cx="0" cy="0"/>
+        </a:xfrm>
+      </p:grpSpPr>
+      <p:sp>
+        <p:nvSpPr>
+          <p:cNvPr id="4" name="Title 3"/>
+          <p:cNvSpPr>
+            <a:spLocks noGrp="1"/>
+          </p:cNvSpPr>
+          <p:nvPr>
+            <p:ph type="ctrTitle"/>
+          </p:nvPr>
+        </p:nvSpPr>
+        <p:spPr>
+          <a:xfrm>
+            <a:off x="1524000" y="1374151"/>
+            <a:ext cx="9144000" cy="2387600"/>
+          </a:xfrm>
+        </p:spPr>
+        <p:txBody>
+          <a:bodyPr>
+            <a:normAutofit/>
+          </a:bodyPr>
+          <a:lstStyle/>
+          <a:p>
+            <a:r>
+              <a:rPr lang="en-US" sz="5000" dirty="0"/>
+              <a:t>What’s on the test?</a:t>
+            </a:r>
+          </a:p>
+        </p:txBody>
+      </p:sp>
+    </p:spTree>
+    <p:extLst>
+      <p:ext uri="{BB962C8B-B14F-4D97-AF65-F5344CB8AC3E}">
+        <p14:creationId xmlns:p14="http://schemas.microsoft.com/office/powerpoint/2010/main" val="2707739066"/>
+      </p:ext>
+    </p:extLst>
+  </p:cSld>
+  <p:clrMapOvr>
+    <a:masterClrMapping/>
+  </p:clrMapOvr>
+</p:sld>
+</file>
+
+<file path=ppt/slides/slide92.xml><?xml version="1.0" encoding="utf-8"?>
+<p:sld xmlns:a="http://schemas.openxmlformats.org/drawingml/2006/main" xmlns:r="http://schemas.openxmlformats.org/officeDocument/2006/relationships" xmlns:p="http://schemas.openxmlformats.org/presentationml/2006/main">
+  <p:cSld>
+    <p:spTree>
+      <p:nvGrpSpPr>
+        <p:cNvPr id="1" name=""/>
+        <p:cNvGrpSpPr/>
+        <p:nvPr/>
+      </p:nvGrpSpPr>
+      <p:grpSpPr>
+        <a:xfrm>
+          <a:off x="0" y="0"/>
+          <a:ext cx="0" cy="0"/>
+          <a:chOff x="0" y="0"/>
+          <a:chExt cx="0" cy="0"/>
+        </a:xfrm>
+      </p:grpSpPr>
+      <p:sp>
+        <p:nvSpPr>
+          <p:cNvPr id="2" name="Title 1"/>
+          <p:cNvSpPr>
+            <a:spLocks noGrp="1"/>
+          </p:cNvSpPr>
+          <p:nvPr>
+            <p:ph type="ctrTitle"/>
+          </p:nvPr>
+        </p:nvSpPr>
         <p:spPr>
           <a:xfrm>
             <a:off x="1524000" y="1409083"/>
@@ -32196,7 +32555,7 @@
 </p:sld>
 </file>
 
-<file path=ppt/slides/slide91.xml><?xml version="1.0" encoding="utf-8"?>
+<file path=ppt/slides/slide93.xml><?xml version="1.0" encoding="utf-8"?>
 <p:sld xmlns:a="http://schemas.openxmlformats.org/drawingml/2006/main" xmlns:r="http://schemas.openxmlformats.org/officeDocument/2006/relationships" xmlns:p="http://schemas.openxmlformats.org/presentationml/2006/main">
   <p:cSld>
     <p:spTree>
@@ -32288,7 +32647,7 @@
 </p:sld>
 </file>
 
-<file path=ppt/slides/slide92.xml><?xml version="1.0" encoding="utf-8"?>
+<file path=ppt/slides/slide94.xml><?xml version="1.0" encoding="utf-8"?>
 <p:sld xmlns:a="http://schemas.openxmlformats.org/drawingml/2006/main" xmlns:r="http://schemas.openxmlformats.org/officeDocument/2006/relationships" xmlns:p="http://schemas.openxmlformats.org/presentationml/2006/main">
   <p:cSld>
     <p:spTree>

--- a/curriculum/Unit6/Unit6.pptx
+++ b/curriculum/Unit6/Unit6.pptx
@@ -5,7 +5,7 @@
     <p:sldMasterId id="2147483648" r:id="rId4"/>
   </p:sldMasterIdLst>
   <p:notesMasterIdLst>
-    <p:notesMasterId r:id="rId99"/>
+    <p:notesMasterId r:id="rId98"/>
   </p:notesMasterIdLst>
   <p:sldIdLst>
     <p:sldId id="256" r:id="rId5"/>
@@ -46,62 +46,61 @@
     <p:sldId id="297" r:id="rId40"/>
     <p:sldId id="298" r:id="rId41"/>
     <p:sldId id="299" r:id="rId42"/>
-    <p:sldId id="369" r:id="rId43"/>
-    <p:sldId id="300" r:id="rId44"/>
-    <p:sldId id="301" r:id="rId45"/>
-    <p:sldId id="302" r:id="rId46"/>
-    <p:sldId id="303" r:id="rId47"/>
-    <p:sldId id="304" r:id="rId48"/>
-    <p:sldId id="305" r:id="rId49"/>
-    <p:sldId id="306" r:id="rId50"/>
-    <p:sldId id="307" r:id="rId51"/>
-    <p:sldId id="308" r:id="rId52"/>
-    <p:sldId id="309" r:id="rId53"/>
-    <p:sldId id="370" r:id="rId54"/>
-    <p:sldId id="310" r:id="rId55"/>
-    <p:sldId id="311" r:id="rId56"/>
-    <p:sldId id="312" r:id="rId57"/>
-    <p:sldId id="313" r:id="rId58"/>
-    <p:sldId id="314" r:id="rId59"/>
-    <p:sldId id="315" r:id="rId60"/>
-    <p:sldId id="316" r:id="rId61"/>
-    <p:sldId id="317" r:id="rId62"/>
-    <p:sldId id="318" r:id="rId63"/>
-    <p:sldId id="319" r:id="rId64"/>
-    <p:sldId id="320" r:id="rId65"/>
-    <p:sldId id="321" r:id="rId66"/>
-    <p:sldId id="322" r:id="rId67"/>
-    <p:sldId id="323" r:id="rId68"/>
-    <p:sldId id="324" r:id="rId69"/>
-    <p:sldId id="325" r:id="rId70"/>
-    <p:sldId id="326" r:id="rId71"/>
-    <p:sldId id="327" r:id="rId72"/>
-    <p:sldId id="328" r:id="rId73"/>
-    <p:sldId id="329" r:id="rId74"/>
-    <p:sldId id="330" r:id="rId75"/>
-    <p:sldId id="331" r:id="rId76"/>
-    <p:sldId id="332" r:id="rId77"/>
-    <p:sldId id="333" r:id="rId78"/>
-    <p:sldId id="334" r:id="rId79"/>
-    <p:sldId id="335" r:id="rId80"/>
-    <p:sldId id="336" r:id="rId81"/>
-    <p:sldId id="337" r:id="rId82"/>
-    <p:sldId id="338" r:id="rId83"/>
-    <p:sldId id="339" r:id="rId84"/>
-    <p:sldId id="340" r:id="rId85"/>
-    <p:sldId id="341" r:id="rId86"/>
-    <p:sldId id="342" r:id="rId87"/>
-    <p:sldId id="343" r:id="rId88"/>
-    <p:sldId id="344" r:id="rId89"/>
-    <p:sldId id="345" r:id="rId90"/>
-    <p:sldId id="346" r:id="rId91"/>
-    <p:sldId id="347" r:id="rId92"/>
-    <p:sldId id="348" r:id="rId93"/>
-    <p:sldId id="349" r:id="rId94"/>
-    <p:sldId id="350" r:id="rId95"/>
-    <p:sldId id="351" r:id="rId96"/>
-    <p:sldId id="352" r:id="rId97"/>
-    <p:sldId id="353" r:id="rId98"/>
+    <p:sldId id="300" r:id="rId43"/>
+    <p:sldId id="301" r:id="rId44"/>
+    <p:sldId id="302" r:id="rId45"/>
+    <p:sldId id="303" r:id="rId46"/>
+    <p:sldId id="304" r:id="rId47"/>
+    <p:sldId id="305" r:id="rId48"/>
+    <p:sldId id="306" r:id="rId49"/>
+    <p:sldId id="307" r:id="rId50"/>
+    <p:sldId id="308" r:id="rId51"/>
+    <p:sldId id="309" r:id="rId52"/>
+    <p:sldId id="369" r:id="rId53"/>
+    <p:sldId id="310" r:id="rId54"/>
+    <p:sldId id="311" r:id="rId55"/>
+    <p:sldId id="312" r:id="rId56"/>
+    <p:sldId id="313" r:id="rId57"/>
+    <p:sldId id="314" r:id="rId58"/>
+    <p:sldId id="315" r:id="rId59"/>
+    <p:sldId id="316" r:id="rId60"/>
+    <p:sldId id="317" r:id="rId61"/>
+    <p:sldId id="318" r:id="rId62"/>
+    <p:sldId id="319" r:id="rId63"/>
+    <p:sldId id="320" r:id="rId64"/>
+    <p:sldId id="321" r:id="rId65"/>
+    <p:sldId id="322" r:id="rId66"/>
+    <p:sldId id="323" r:id="rId67"/>
+    <p:sldId id="324" r:id="rId68"/>
+    <p:sldId id="325" r:id="rId69"/>
+    <p:sldId id="326" r:id="rId70"/>
+    <p:sldId id="327" r:id="rId71"/>
+    <p:sldId id="328" r:id="rId72"/>
+    <p:sldId id="329" r:id="rId73"/>
+    <p:sldId id="330" r:id="rId74"/>
+    <p:sldId id="331" r:id="rId75"/>
+    <p:sldId id="332" r:id="rId76"/>
+    <p:sldId id="333" r:id="rId77"/>
+    <p:sldId id="334" r:id="rId78"/>
+    <p:sldId id="335" r:id="rId79"/>
+    <p:sldId id="336" r:id="rId80"/>
+    <p:sldId id="337" r:id="rId81"/>
+    <p:sldId id="338" r:id="rId82"/>
+    <p:sldId id="339" r:id="rId83"/>
+    <p:sldId id="340" r:id="rId84"/>
+    <p:sldId id="341" r:id="rId85"/>
+    <p:sldId id="342" r:id="rId86"/>
+    <p:sldId id="343" r:id="rId87"/>
+    <p:sldId id="344" r:id="rId88"/>
+    <p:sldId id="345" r:id="rId89"/>
+    <p:sldId id="346" r:id="rId90"/>
+    <p:sldId id="347" r:id="rId91"/>
+    <p:sldId id="348" r:id="rId92"/>
+    <p:sldId id="349" r:id="rId93"/>
+    <p:sldId id="350" r:id="rId94"/>
+    <p:sldId id="351" r:id="rId95"/>
+    <p:sldId id="352" r:id="rId96"/>
+    <p:sldId id="353" r:id="rId97"/>
   </p:sldIdLst>
   <p:sldSz cx="12192000" cy="6858000"/>
   <p:notesSz cx="6858000" cy="9144000"/>
@@ -15705,7 +15704,7 @@
           <a:p>
             <a:fld id="{208B30BF-BE3F-47C2-B7B3-E8CB680F2AA1}" type="datetimeFigureOut">
               <a:rPr lang="en-US" smtClean="0"/>
-              <a:t>11/11/2019</a:t>
+              <a:t>1/7/2020</a:t>
             </a:fld>
             <a:endParaRPr lang="en-US"/>
           </a:p>
@@ -16121,7 +16120,7 @@
           <a:p>
             <a:fld id="{C56969A0-B3EA-45A4-A390-44554200A62E}" type="slidenum">
               <a:rPr lang="en-US" smtClean="0"/>
-              <a:t>68</a:t>
+              <a:t>67</a:t>
             </a:fld>
             <a:endParaRPr lang="en-US"/>
           </a:p>
@@ -16205,7 +16204,7 @@
           <a:p>
             <a:fld id="{C56969A0-B3EA-45A4-A390-44554200A62E}" type="slidenum">
               <a:rPr lang="en-US" smtClean="0"/>
-              <a:t>76</a:t>
+              <a:t>75</a:t>
             </a:fld>
             <a:endParaRPr lang="en-US"/>
           </a:p>
@@ -16289,7 +16288,7 @@
           <a:p>
             <a:fld id="{C56969A0-B3EA-45A4-A390-44554200A62E}" type="slidenum">
               <a:rPr lang="en-US" smtClean="0"/>
-              <a:t>84</a:t>
+              <a:t>83</a:t>
             </a:fld>
             <a:endParaRPr lang="en-US"/>
           </a:p>
@@ -16385,7 +16384,7 @@
           <a:p>
             <a:fld id="{C56969A0-B3EA-45A4-A390-44554200A62E}" type="slidenum">
               <a:rPr lang="en-US" smtClean="0"/>
-              <a:t>86</a:t>
+              <a:t>85</a:t>
             </a:fld>
             <a:endParaRPr lang="en-US"/>
           </a:p>
@@ -16469,7 +16468,7 @@
           <a:p>
             <a:fld id="{C56969A0-B3EA-45A4-A390-44554200A62E}" type="slidenum">
               <a:rPr lang="en-US" smtClean="0"/>
-              <a:t>90</a:t>
+              <a:t>89</a:t>
             </a:fld>
             <a:endParaRPr lang="en-US"/>
           </a:p>
@@ -16721,7 +16720,7 @@
           <a:p>
             <a:fld id="{C56969A0-B3EA-45A4-A390-44554200A62E}" type="slidenum">
               <a:rPr lang="en-US" smtClean="0"/>
-              <a:t>43</a:t>
+              <a:t>42</a:t>
             </a:fld>
             <a:endParaRPr lang="en-US"/>
           </a:p>
@@ -16824,7 +16823,7 @@
           <a:p>
             <a:fld id="{C56969A0-B3EA-45A4-A390-44554200A62E}" type="slidenum">
               <a:rPr lang="en-US" smtClean="0"/>
-              <a:t>49</a:t>
+              <a:t>48</a:t>
             </a:fld>
             <a:endParaRPr lang="en-US"/>
           </a:p>
@@ -16927,7 +16926,7 @@
           <a:p>
             <a:fld id="{C56969A0-B3EA-45A4-A390-44554200A62E}" type="slidenum">
               <a:rPr lang="en-US" smtClean="0"/>
-              <a:t>50</a:t>
+              <a:t>49</a:t>
             </a:fld>
             <a:endParaRPr lang="en-US"/>
           </a:p>
@@ -17011,7 +17010,7 @@
           <a:p>
             <a:fld id="{C56969A0-B3EA-45A4-A390-44554200A62E}" type="slidenum">
               <a:rPr lang="en-US" smtClean="0"/>
-              <a:t>54</a:t>
+              <a:t>53</a:t>
             </a:fld>
             <a:endParaRPr lang="en-US"/>
           </a:p>
@@ -17098,7 +17097,7 @@
           <a:p>
             <a:fld id="{C56969A0-B3EA-45A4-A390-44554200A62E}" type="slidenum">
               <a:rPr lang="en-US" smtClean="0"/>
-              <a:t>59</a:t>
+              <a:t>58</a:t>
             </a:fld>
             <a:endParaRPr lang="en-US"/>
           </a:p>
@@ -17182,7 +17181,7 @@
           <a:p>
             <a:fld id="{C56969A0-B3EA-45A4-A390-44554200A62E}" type="slidenum">
               <a:rPr lang="en-US" smtClean="0"/>
-              <a:t>65</a:t>
+              <a:t>64</a:t>
             </a:fld>
             <a:endParaRPr lang="en-US"/>
           </a:p>
@@ -17330,7 +17329,7 @@
           <a:p>
             <a:fld id="{5D2A64DF-0753-4272-8809-7B17C6953B30}" type="datetimeFigureOut">
               <a:rPr lang="en-US" smtClean="0"/>
-              <a:t>11/11/2019</a:t>
+              <a:t>1/7/2020</a:t>
             </a:fld>
             <a:endParaRPr lang="en-US"/>
           </a:p>
@@ -17498,7 +17497,7 @@
           <a:p>
             <a:fld id="{5D2A64DF-0753-4272-8809-7B17C6953B30}" type="datetimeFigureOut">
               <a:rPr lang="en-US" smtClean="0"/>
-              <a:t>11/11/2019</a:t>
+              <a:t>1/7/2020</a:t>
             </a:fld>
             <a:endParaRPr lang="en-US"/>
           </a:p>
@@ -17676,7 +17675,7 @@
           <a:p>
             <a:fld id="{5D2A64DF-0753-4272-8809-7B17C6953B30}" type="datetimeFigureOut">
               <a:rPr lang="en-US" smtClean="0"/>
-              <a:t>11/11/2019</a:t>
+              <a:t>1/7/2020</a:t>
             </a:fld>
             <a:endParaRPr lang="en-US"/>
           </a:p>
@@ -17844,7 +17843,7 @@
           <a:p>
             <a:fld id="{5D2A64DF-0753-4272-8809-7B17C6953B30}" type="datetimeFigureOut">
               <a:rPr lang="en-US" smtClean="0"/>
-              <a:t>11/11/2019</a:t>
+              <a:t>1/7/2020</a:t>
             </a:fld>
             <a:endParaRPr lang="en-US"/>
           </a:p>
@@ -18089,7 +18088,7 @@
           <a:p>
             <a:fld id="{5D2A64DF-0753-4272-8809-7B17C6953B30}" type="datetimeFigureOut">
               <a:rPr lang="en-US" smtClean="0"/>
-              <a:t>11/11/2019</a:t>
+              <a:t>1/7/2020</a:t>
             </a:fld>
             <a:endParaRPr lang="en-US"/>
           </a:p>
@@ -18318,7 +18317,7 @@
           <a:p>
             <a:fld id="{5D2A64DF-0753-4272-8809-7B17C6953B30}" type="datetimeFigureOut">
               <a:rPr lang="en-US" smtClean="0"/>
-              <a:t>11/11/2019</a:t>
+              <a:t>1/7/2020</a:t>
             </a:fld>
             <a:endParaRPr lang="en-US"/>
           </a:p>
@@ -18682,7 +18681,7 @@
           <a:p>
             <a:fld id="{5D2A64DF-0753-4272-8809-7B17C6953B30}" type="datetimeFigureOut">
               <a:rPr lang="en-US" smtClean="0"/>
-              <a:t>11/11/2019</a:t>
+              <a:t>1/7/2020</a:t>
             </a:fld>
             <a:endParaRPr lang="en-US"/>
           </a:p>
@@ -18799,7 +18798,7 @@
           <a:p>
             <a:fld id="{5D2A64DF-0753-4272-8809-7B17C6953B30}" type="datetimeFigureOut">
               <a:rPr lang="en-US" smtClean="0"/>
-              <a:t>11/11/2019</a:t>
+              <a:t>1/7/2020</a:t>
             </a:fld>
             <a:endParaRPr lang="en-US"/>
           </a:p>
@@ -18894,7 +18893,7 @@
           <a:p>
             <a:fld id="{5D2A64DF-0753-4272-8809-7B17C6953B30}" type="datetimeFigureOut">
               <a:rPr lang="en-US" smtClean="0"/>
-              <a:t>11/11/2019</a:t>
+              <a:t>1/7/2020</a:t>
             </a:fld>
             <a:endParaRPr lang="en-US"/>
           </a:p>
@@ -19169,7 +19168,7 @@
           <a:p>
             <a:fld id="{5D2A64DF-0753-4272-8809-7B17C6953B30}" type="datetimeFigureOut">
               <a:rPr lang="en-US" smtClean="0"/>
-              <a:t>11/11/2019</a:t>
+              <a:t>1/7/2020</a:t>
             </a:fld>
             <a:endParaRPr lang="en-US"/>
           </a:p>
@@ -19421,7 +19420,7 @@
           <a:p>
             <a:fld id="{5D2A64DF-0753-4272-8809-7B17C6953B30}" type="datetimeFigureOut">
               <a:rPr lang="en-US" smtClean="0"/>
-              <a:t>11/11/2019</a:t>
+              <a:t>1/7/2020</a:t>
             </a:fld>
             <a:endParaRPr lang="en-US"/>
           </a:p>
@@ -19632,7 +19631,7 @@
           <a:p>
             <a:fld id="{5D2A64DF-0753-4272-8809-7B17C6953B30}" type="datetimeFigureOut">
               <a:rPr lang="en-US" smtClean="0"/>
-              <a:t>11/11/2019</a:t>
+              <a:t>1/7/2020</a:t>
             </a:fld>
             <a:endParaRPr lang="en-US"/>
           </a:p>
@@ -23269,10 +23268,16 @@
           <a:lstStyle/>
           <a:p>
             <a:r>
-              <a:rPr lang="en-US"/>
-              <a:t>Override Requirements:</a:t>
-            </a:r>
-            <a:endParaRPr lang="en-US" dirty="0"/>
+              <a:rPr lang="en-US" i="1" dirty="0">
+                <a:latin typeface="Courier New" panose="02070309020205020404" pitchFamily="49" charset="0"/>
+                <a:cs typeface="Courier New" panose="02070309020205020404" pitchFamily="49" charset="0"/>
+              </a:rPr>
+              <a:t>get</a:t>
+            </a:r>
+            <a:r>
+              <a:rPr lang="en-US" dirty="0"/>
+              <a:t> methods:</a:t>
+            </a:r>
           </a:p>
         </p:txBody>
       </p:sp>
@@ -23297,11 +23302,48 @@
               <a:buNone/>
             </a:pPr>
             <a:r>
-              <a:rPr lang="en-US" dirty="0">
-                <a:latin typeface="Calibri" panose="020F0502020204030204" pitchFamily="34" charset="0"/>
-                <a:cs typeface="Calibri" panose="020F0502020204030204" pitchFamily="34" charset="0"/>
-              </a:rPr>
-              <a:t>To override an inherited method: </a:t>
+              <a:rPr lang="en-US" sz="2400" dirty="0">
+                <a:latin typeface="Courier New" panose="02070309020205020404" pitchFamily="49" charset="0"/>
+                <a:cs typeface="Courier New" panose="02070309020205020404" pitchFamily="49" charset="0"/>
+              </a:rPr>
+              <a:t>public double </a:t>
+            </a:r>
+            <a:r>
+              <a:rPr lang="en-US" sz="2400" dirty="0" err="1">
+                <a:highlight>
+                  <a:srgbClr val="FFFF00"/>
+                </a:highlight>
+                <a:latin typeface="Courier New" panose="02070309020205020404" pitchFamily="49" charset="0"/>
+                <a:cs typeface="Courier New" panose="02070309020205020404" pitchFamily="49" charset="0"/>
+              </a:rPr>
+              <a:t>getName</a:t>
+            </a:r>
+            <a:r>
+              <a:rPr lang="en-US" sz="2400" dirty="0">
+                <a:highlight>
+                  <a:srgbClr val="FFFF00"/>
+                </a:highlight>
+                <a:latin typeface="Courier New" panose="02070309020205020404" pitchFamily="49" charset="0"/>
+                <a:cs typeface="Courier New" panose="02070309020205020404" pitchFamily="49" charset="0"/>
+              </a:rPr>
+              <a:t>() </a:t>
+            </a:r>
+            <a:r>
+              <a:rPr lang="en-US" sz="2400" dirty="0">
+                <a:latin typeface="Courier New" panose="02070309020205020404" pitchFamily="49" charset="0"/>
+                <a:cs typeface="Courier New" panose="02070309020205020404" pitchFamily="49" charset="0"/>
+              </a:rPr>
+              <a:t>{ 	</a:t>
+            </a:r>
+            <a:r>
+              <a:rPr lang="en-US" sz="2400" dirty="0">
+                <a:solidFill>
+                  <a:schemeClr val="accent6"/>
+                </a:solidFill>
+                <a:latin typeface="Courier New" panose="02070309020205020404" pitchFamily="49" charset="0"/>
+                <a:cs typeface="Courier New" panose="02070309020205020404" pitchFamily="49" charset="0"/>
+              </a:rPr>
+              <a:t>//written in superclass</a:t>
             </a:r>
           </a:p>
           <a:p>
@@ -23309,47 +23351,32 @@
               <a:buNone/>
             </a:pPr>
             <a:r>
-              <a:rPr lang="en-US" dirty="0">
-                <a:latin typeface="Calibri" panose="020F0502020204030204" pitchFamily="34" charset="0"/>
-                <a:cs typeface="Calibri" panose="020F0502020204030204" pitchFamily="34" charset="0"/>
-              </a:rPr>
-              <a:t>The method in the child class must have the same:</a:t>
-            </a:r>
-          </a:p>
-          <a:p>
-            <a:r>
-              <a:rPr lang="en-US" dirty="0">
-                <a:latin typeface="Calibri" panose="020F0502020204030204" pitchFamily="34" charset="0"/>
-                <a:cs typeface="Calibri" panose="020F0502020204030204" pitchFamily="34" charset="0"/>
-              </a:rPr>
-              <a:t>Name</a:t>
-            </a:r>
-          </a:p>
-          <a:p>
-            <a:r>
-              <a:rPr lang="en-US" dirty="0">
-                <a:latin typeface="Calibri" panose="020F0502020204030204" pitchFamily="34" charset="0"/>
-                <a:cs typeface="Calibri" panose="020F0502020204030204" pitchFamily="34" charset="0"/>
-              </a:rPr>
-              <a:t>Parameter list</a:t>
-            </a:r>
-          </a:p>
-          <a:p>
-            <a:r>
-              <a:rPr lang="en-US" dirty="0">
-                <a:latin typeface="Calibri" panose="020F0502020204030204" pitchFamily="34" charset="0"/>
-                <a:cs typeface="Calibri" panose="020F0502020204030204" pitchFamily="34" charset="0"/>
-              </a:rPr>
-              <a:t>Return type (or a subclass of the return type) as the parent method</a:t>
+              <a:rPr lang="en-US" sz="2400" dirty="0">
+                <a:latin typeface="Courier New" panose="02070309020205020404" pitchFamily="49" charset="0"/>
+                <a:cs typeface="Courier New" panose="02070309020205020404" pitchFamily="49" charset="0"/>
+              </a:rPr>
+              <a:t>	return name;</a:t>
             </a:r>
           </a:p>
           <a:p>
             <a:pPr marL="0" indent="0">
               <a:buNone/>
             </a:pPr>
-            <a:endParaRPr lang="en-US" dirty="0">
-              <a:latin typeface="Calibri" panose="020F0502020204030204" pitchFamily="34" charset="0"/>
-              <a:cs typeface="Calibri" panose="020F0502020204030204" pitchFamily="34" charset="0"/>
+            <a:r>
+              <a:rPr lang="en-US" sz="2400" dirty="0">
+                <a:latin typeface="Courier New" panose="02070309020205020404" pitchFamily="49" charset="0"/>
+                <a:cs typeface="Courier New" panose="02070309020205020404" pitchFamily="49" charset="0"/>
+              </a:rPr>
+              <a:t>}</a:t>
+            </a:r>
+          </a:p>
+          <a:p>
+            <a:pPr marL="0" indent="0">
+              <a:buNone/>
+            </a:pPr>
+            <a:endParaRPr lang="en-US" sz="2400" dirty="0">
+              <a:latin typeface="Courier New" panose="02070309020205020404" pitchFamily="49" charset="0"/>
+              <a:cs typeface="Courier New" panose="02070309020205020404" pitchFamily="49" charset="0"/>
             </a:endParaRPr>
           </a:p>
           <a:p>
@@ -23357,11 +23384,76 @@
               <a:buNone/>
             </a:pPr>
             <a:r>
-              <a:rPr lang="en-US" dirty="0">
-                <a:latin typeface="Calibri" panose="020F0502020204030204" pitchFamily="34" charset="0"/>
-                <a:cs typeface="Calibri" panose="020F0502020204030204" pitchFamily="34" charset="0"/>
-              </a:rPr>
-              <a:t>Any method that is called must be defined within its own class or its superclass</a:t>
+              <a:rPr lang="en-US" sz="2400" dirty="0">
+                <a:latin typeface="Courier New" panose="02070309020205020404" pitchFamily="49" charset="0"/>
+                <a:cs typeface="Courier New" panose="02070309020205020404" pitchFamily="49" charset="0"/>
+              </a:rPr>
+              <a:t>public void advertising() {</a:t>
+            </a:r>
+          </a:p>
+          <a:p>
+            <a:pPr marL="0" indent="0">
+              <a:buNone/>
+            </a:pPr>
+            <a:r>
+              <a:rPr lang="en-US" sz="2400" dirty="0">
+                <a:latin typeface="Courier New" panose="02070309020205020404" pitchFamily="49" charset="0"/>
+                <a:cs typeface="Courier New" panose="02070309020205020404" pitchFamily="49" charset="0"/>
+              </a:rPr>
+              <a:t>	</a:t>
+            </a:r>
+            <a:r>
+              <a:rPr lang="en-US" sz="2400" dirty="0" err="1">
+                <a:latin typeface="Courier New" panose="02070309020205020404" pitchFamily="49" charset="0"/>
+                <a:cs typeface="Courier New" panose="02070309020205020404" pitchFamily="49" charset="0"/>
+              </a:rPr>
+              <a:t>System.out.println</a:t>
+            </a:r>
+            <a:r>
+              <a:rPr lang="en-US" sz="2400" dirty="0">
+                <a:latin typeface="Courier New" panose="02070309020205020404" pitchFamily="49" charset="0"/>
+                <a:cs typeface="Courier New" panose="02070309020205020404" pitchFamily="49" charset="0"/>
+              </a:rPr>
+              <a:t>(“Avoid the extra calories by 	drinking delicious “ + </a:t>
+            </a:r>
+            <a:r>
+              <a:rPr lang="en-US" sz="2400" dirty="0" err="1">
+                <a:highlight>
+                  <a:srgbClr val="FFFF00"/>
+                </a:highlight>
+                <a:latin typeface="Courier New" panose="02070309020205020404" pitchFamily="49" charset="0"/>
+                <a:cs typeface="Courier New" panose="02070309020205020404" pitchFamily="49" charset="0"/>
+              </a:rPr>
+              <a:t>getName</a:t>
+            </a:r>
+            <a:r>
+              <a:rPr lang="en-US" sz="2400" dirty="0">
+                <a:highlight>
+                  <a:srgbClr val="FFFF00"/>
+                </a:highlight>
+                <a:latin typeface="Courier New" panose="02070309020205020404" pitchFamily="49" charset="0"/>
+                <a:cs typeface="Courier New" panose="02070309020205020404" pitchFamily="49" charset="0"/>
+              </a:rPr>
+              <a:t>()</a:t>
+            </a:r>
+            <a:r>
+              <a:rPr lang="en-US" sz="2400" dirty="0">
+                <a:latin typeface="Courier New" panose="02070309020205020404" pitchFamily="49" charset="0"/>
+                <a:cs typeface="Courier New" panose="02070309020205020404" pitchFamily="49" charset="0"/>
+              </a:rPr>
+              <a:t> + “every day!!”);</a:t>
+            </a:r>
+          </a:p>
+          <a:p>
+            <a:pPr marL="0" indent="0">
+              <a:buNone/>
+            </a:pPr>
+            <a:r>
+              <a:rPr lang="en-US" sz="2400" dirty="0">
+                <a:latin typeface="Courier New" panose="02070309020205020404" pitchFamily="49" charset="0"/>
+                <a:cs typeface="Courier New" panose="02070309020205020404" pitchFamily="49" charset="0"/>
+              </a:rPr>
+              <a:t>}</a:t>
             </a:r>
           </a:p>
         </p:txBody>
@@ -23403,201 +23495,24 @@
             <a:spLocks noGrp="1"/>
           </p:cNvSpPr>
           <p:nvPr>
-            <p:ph type="title"/>
+            <p:ph type="ctrTitle"/>
           </p:nvPr>
         </p:nvSpPr>
-        <p:spPr/>
-        <p:txBody>
-          <a:bodyPr/>
-          <a:lstStyle/>
-          <a:p>
-            <a:r>
-              <a:rPr lang="en-US" i="1" dirty="0">
-                <a:latin typeface="Courier New" panose="02070309020205020404" pitchFamily="49" charset="0"/>
-                <a:cs typeface="Courier New" panose="02070309020205020404" pitchFamily="49" charset="0"/>
-              </a:rPr>
-              <a:t>get</a:t>
-            </a:r>
-            <a:r>
-              <a:rPr lang="en-US" dirty="0"/>
-              <a:t> methods:</a:t>
-            </a:r>
-          </a:p>
-        </p:txBody>
-      </p:sp>
-      <p:sp>
-        <p:nvSpPr>
-          <p:cNvPr id="3" name="Content Placeholder 2"/>
-          <p:cNvSpPr>
-            <a:spLocks noGrp="1"/>
-          </p:cNvSpPr>
-          <p:nvPr>
-            <p:ph idx="1"/>
-          </p:nvPr>
-        </p:nvSpPr>
-        <p:spPr/>
+        <p:spPr>
+          <a:xfrm>
+            <a:off x="1524000" y="1214438"/>
+            <a:ext cx="9144000" cy="2387600"/>
+          </a:xfrm>
+        </p:spPr>
         <p:txBody>
           <a:bodyPr>
             <a:normAutofit/>
           </a:bodyPr>
           <a:lstStyle/>
           <a:p>
-            <a:pPr marL="0" indent="0">
-              <a:buNone/>
-            </a:pPr>
-            <a:r>
-              <a:rPr lang="en-US" sz="2400" dirty="0">
-                <a:latin typeface="Courier New" panose="02070309020205020404" pitchFamily="49" charset="0"/>
-                <a:cs typeface="Courier New" panose="02070309020205020404" pitchFamily="49" charset="0"/>
-              </a:rPr>
-              <a:t>public double </a:t>
-            </a:r>
-            <a:r>
-              <a:rPr lang="en-US" sz="2400" dirty="0" err="1">
-                <a:highlight>
-                  <a:srgbClr val="FFFF00"/>
-                </a:highlight>
-                <a:latin typeface="Courier New" panose="02070309020205020404" pitchFamily="49" charset="0"/>
-                <a:cs typeface="Courier New" panose="02070309020205020404" pitchFamily="49" charset="0"/>
-              </a:rPr>
-              <a:t>getName</a:t>
-            </a:r>
-            <a:r>
-              <a:rPr lang="en-US" sz="2400" dirty="0">
-                <a:highlight>
-                  <a:srgbClr val="FFFF00"/>
-                </a:highlight>
-                <a:latin typeface="Courier New" panose="02070309020205020404" pitchFamily="49" charset="0"/>
-                <a:cs typeface="Courier New" panose="02070309020205020404" pitchFamily="49" charset="0"/>
-              </a:rPr>
-              <a:t>() </a:t>
-            </a:r>
-            <a:r>
-              <a:rPr lang="en-US" sz="2400" dirty="0">
-                <a:latin typeface="Courier New" panose="02070309020205020404" pitchFamily="49" charset="0"/>
-                <a:cs typeface="Courier New" panose="02070309020205020404" pitchFamily="49" charset="0"/>
-              </a:rPr>
-              <a:t>{ 	</a:t>
-            </a:r>
-            <a:r>
-              <a:rPr lang="en-US" sz="2400" dirty="0">
-                <a:solidFill>
-                  <a:schemeClr val="accent6"/>
-                </a:solidFill>
-                <a:latin typeface="Courier New" panose="02070309020205020404" pitchFamily="49" charset="0"/>
-                <a:cs typeface="Courier New" panose="02070309020205020404" pitchFamily="49" charset="0"/>
-              </a:rPr>
-              <a:t>//written in superclass</a:t>
-            </a:r>
-          </a:p>
-          <a:p>
-            <a:pPr marL="0" indent="0">
-              <a:buNone/>
-            </a:pPr>
-            <a:r>
-              <a:rPr lang="en-US" sz="2400" dirty="0">
-                <a:latin typeface="Courier New" panose="02070309020205020404" pitchFamily="49" charset="0"/>
-                <a:cs typeface="Courier New" panose="02070309020205020404" pitchFamily="49" charset="0"/>
-              </a:rPr>
-              <a:t>	return name;</a:t>
-            </a:r>
-          </a:p>
-          <a:p>
-            <a:pPr marL="0" indent="0">
-              <a:buNone/>
-            </a:pPr>
-            <a:r>
-              <a:rPr lang="en-US" sz="2400" dirty="0">
-                <a:latin typeface="Courier New" panose="02070309020205020404" pitchFamily="49" charset="0"/>
-                <a:cs typeface="Courier New" panose="02070309020205020404" pitchFamily="49" charset="0"/>
-              </a:rPr>
-              <a:t>}</a:t>
-            </a:r>
-          </a:p>
-          <a:p>
-            <a:pPr marL="0" indent="0">
-              <a:buNone/>
-            </a:pPr>
-            <a:endParaRPr lang="en-US" sz="2400" dirty="0">
-              <a:latin typeface="Courier New" panose="02070309020205020404" pitchFamily="49" charset="0"/>
-              <a:cs typeface="Courier New" panose="02070309020205020404" pitchFamily="49" charset="0"/>
-            </a:endParaRPr>
-          </a:p>
-          <a:p>
-            <a:pPr marL="0" indent="0">
-              <a:buNone/>
-            </a:pPr>
-            <a:r>
-              <a:rPr lang="en-US" sz="2400" dirty="0">
-                <a:latin typeface="Courier New" panose="02070309020205020404" pitchFamily="49" charset="0"/>
-                <a:cs typeface="Courier New" panose="02070309020205020404" pitchFamily="49" charset="0"/>
-              </a:rPr>
-              <a:t>public void advertising() {</a:t>
-            </a:r>
-          </a:p>
-          <a:p>
-            <a:pPr marL="0" indent="0">
-              <a:buNone/>
-            </a:pPr>
-            <a:r>
-              <a:rPr lang="en-US" sz="2400" dirty="0">
-                <a:latin typeface="Courier New" panose="02070309020205020404" pitchFamily="49" charset="0"/>
-                <a:cs typeface="Courier New" panose="02070309020205020404" pitchFamily="49" charset="0"/>
-              </a:rPr>
-              <a:t>	</a:t>
-            </a:r>
-            <a:r>
-              <a:rPr lang="en-US" sz="2400" dirty="0" err="1">
-                <a:latin typeface="Courier New" panose="02070309020205020404" pitchFamily="49" charset="0"/>
-                <a:cs typeface="Courier New" panose="02070309020205020404" pitchFamily="49" charset="0"/>
-              </a:rPr>
-              <a:t>System.out.println</a:t>
-            </a:r>
-            <a:r>
-              <a:rPr lang="en-US" sz="2400" dirty="0">
-                <a:latin typeface="Courier New" panose="02070309020205020404" pitchFamily="49" charset="0"/>
-                <a:cs typeface="Courier New" panose="02070309020205020404" pitchFamily="49" charset="0"/>
-              </a:rPr>
-              <a:t>(“Avoid the extra calories by 	drinking delicious “ + </a:t>
-            </a:r>
-            <a:r>
-              <a:rPr lang="en-US" sz="2400" dirty="0" err="1">
-                <a:highlight>
-                  <a:srgbClr val="FFFF00"/>
-                </a:highlight>
-                <a:latin typeface="Courier New" panose="02070309020205020404" pitchFamily="49" charset="0"/>
-                <a:cs typeface="Courier New" panose="02070309020205020404" pitchFamily="49" charset="0"/>
-              </a:rPr>
-              <a:t>getName</a:t>
-            </a:r>
-            <a:r>
-              <a:rPr lang="en-US" sz="2400" dirty="0">
-                <a:highlight>
-                  <a:srgbClr val="FFFF00"/>
-                </a:highlight>
-                <a:latin typeface="Courier New" panose="02070309020205020404" pitchFamily="49" charset="0"/>
-                <a:cs typeface="Courier New" panose="02070309020205020404" pitchFamily="49" charset="0"/>
-              </a:rPr>
-              <a:t>()</a:t>
-            </a:r>
-            <a:r>
-              <a:rPr lang="en-US" sz="2400" dirty="0">
-                <a:latin typeface="Courier New" panose="02070309020205020404" pitchFamily="49" charset="0"/>
-                <a:cs typeface="Courier New" panose="02070309020205020404" pitchFamily="49" charset="0"/>
-              </a:rPr>
-              <a:t> + “every day!!”);</a:t>
-            </a:r>
-          </a:p>
-          <a:p>
-            <a:pPr marL="0" indent="0">
-              <a:buNone/>
-            </a:pPr>
-            <a:r>
-              <a:rPr lang="en-US" sz="2400" dirty="0">
-                <a:latin typeface="Courier New" panose="02070309020205020404" pitchFamily="49" charset="0"/>
-                <a:cs typeface="Courier New" panose="02070309020205020404" pitchFamily="49" charset="0"/>
-              </a:rPr>
-              <a:t>}</a:t>
+            <a:r>
+              <a:rPr lang="en-US" sz="4800" dirty="0"/>
+              <a:t>Overloading vs Overriding</a:t>
             </a:r>
           </a:p>
         </p:txBody>
@@ -23605,7 +23520,7 @@
     </p:spTree>
     <p:extLst>
       <p:ext uri="{BB962C8B-B14F-4D97-AF65-F5344CB8AC3E}">
-        <p14:creationId xmlns:p14="http://schemas.microsoft.com/office/powerpoint/2010/main" val="627024430"/>
+        <p14:creationId xmlns:p14="http://schemas.microsoft.com/office/powerpoint/2010/main" val="3542029998"/>
       </p:ext>
     </p:extLst>
   </p:cSld>
@@ -23693,13 +23608,13 @@
             <a:spLocks noGrp="1"/>
           </p:cNvSpPr>
           <p:nvPr>
-            <p:ph type="ctrTitle"/>
+            <p:ph type="title"/>
           </p:nvPr>
         </p:nvSpPr>
         <p:spPr>
           <a:xfrm>
-            <a:off x="1524000" y="1214438"/>
-            <a:ext cx="9144000" cy="2387600"/>
+            <a:off x="838200" y="2729006"/>
+            <a:ext cx="10515600" cy="1157288"/>
           </a:xfrm>
         </p:spPr>
         <p:txBody>
@@ -23708,9 +23623,10 @@
           </a:bodyPr>
           <a:lstStyle/>
           <a:p>
+            <a:pPr algn="ctr"/>
             <a:r>
               <a:rPr lang="en-US" sz="4800" dirty="0"/>
-              <a:t>Overloading vs Overriding</a:t>
+              <a:t>Worksheet</a:t>
             </a:r>
           </a:p>
         </p:txBody>
@@ -23718,7 +23634,7 @@
     </p:spTree>
     <p:extLst>
       <p:ext uri="{BB962C8B-B14F-4D97-AF65-F5344CB8AC3E}">
-        <p14:creationId xmlns:p14="http://schemas.microsoft.com/office/powerpoint/2010/main" val="3542029998"/>
+        <p14:creationId xmlns:p14="http://schemas.microsoft.com/office/powerpoint/2010/main" val="3816643877"/>
       </p:ext>
     </p:extLst>
   </p:cSld>
@@ -23755,66 +23671,6 @@
             <p:ph type="title"/>
           </p:nvPr>
         </p:nvSpPr>
-        <p:spPr>
-          <a:xfrm>
-            <a:off x="838200" y="2729006"/>
-            <a:ext cx="10515600" cy="1157288"/>
-          </a:xfrm>
-        </p:spPr>
-        <p:txBody>
-          <a:bodyPr>
-            <a:normAutofit/>
-          </a:bodyPr>
-          <a:lstStyle/>
-          <a:p>
-            <a:pPr algn="ctr"/>
-            <a:r>
-              <a:rPr lang="en-US" sz="4800" dirty="0"/>
-              <a:t>Worksheet</a:t>
-            </a:r>
-          </a:p>
-        </p:txBody>
-      </p:sp>
-    </p:spTree>
-    <p:extLst>
-      <p:ext uri="{BB962C8B-B14F-4D97-AF65-F5344CB8AC3E}">
-        <p14:creationId xmlns:p14="http://schemas.microsoft.com/office/powerpoint/2010/main" val="3816643877"/>
-      </p:ext>
-    </p:extLst>
-  </p:cSld>
-  <p:clrMapOvr>
-    <a:masterClrMapping/>
-  </p:clrMapOvr>
-</p:sld>
-</file>
-
-<file path=ppt/slides/slide42.xml><?xml version="1.0" encoding="utf-8"?>
-<p:sld xmlns:a="http://schemas.openxmlformats.org/drawingml/2006/main" xmlns:r="http://schemas.openxmlformats.org/officeDocument/2006/relationships" xmlns:p="http://schemas.openxmlformats.org/presentationml/2006/main">
-  <p:cSld>
-    <p:spTree>
-      <p:nvGrpSpPr>
-        <p:cNvPr id="1" name=""/>
-        <p:cNvGrpSpPr/>
-        <p:nvPr/>
-      </p:nvGrpSpPr>
-      <p:grpSpPr>
-        <a:xfrm>
-          <a:off x="0" y="0"/>
-          <a:ext cx="0" cy="0"/>
-          <a:chOff x="0" y="0"/>
-          <a:chExt cx="0" cy="0"/>
-        </a:xfrm>
-      </p:grpSpPr>
-      <p:sp>
-        <p:nvSpPr>
-          <p:cNvPr id="2" name="Title 1"/>
-          <p:cNvSpPr>
-            <a:spLocks noGrp="1"/>
-          </p:cNvSpPr>
-          <p:nvPr>
-            <p:ph type="title"/>
-          </p:nvPr>
-        </p:nvSpPr>
         <p:spPr/>
         <p:txBody>
           <a:bodyPr>
@@ -23873,7 +23729,7 @@
 </p:sld>
 </file>
 
-<file path=ppt/slides/slide43.xml><?xml version="1.0" encoding="utf-8"?>
+<file path=ppt/slides/slide42.xml><?xml version="1.0" encoding="utf-8"?>
 <p:sld xmlns:a="http://schemas.openxmlformats.org/drawingml/2006/main" xmlns:r="http://schemas.openxmlformats.org/officeDocument/2006/relationships" xmlns:p="http://schemas.openxmlformats.org/presentationml/2006/main">
   <p:cSld>
     <p:spTree>
@@ -23955,6 +23811,205 @@
     <p:extLst>
       <p:ext uri="{BB962C8B-B14F-4D97-AF65-F5344CB8AC3E}">
         <p14:creationId xmlns:p14="http://schemas.microsoft.com/office/powerpoint/2010/main" val="4073253706"/>
+      </p:ext>
+    </p:extLst>
+  </p:cSld>
+  <p:clrMapOvr>
+    <a:masterClrMapping/>
+  </p:clrMapOvr>
+</p:sld>
+</file>
+
+<file path=ppt/slides/slide43.xml><?xml version="1.0" encoding="utf-8"?>
+<p:sld xmlns:a="http://schemas.openxmlformats.org/drawingml/2006/main" xmlns:r="http://schemas.openxmlformats.org/officeDocument/2006/relationships" xmlns:p="http://schemas.openxmlformats.org/presentationml/2006/main">
+  <p:cSld>
+    <p:spTree>
+      <p:nvGrpSpPr>
+        <p:cNvPr id="1" name=""/>
+        <p:cNvGrpSpPr/>
+        <p:nvPr/>
+      </p:nvGrpSpPr>
+      <p:grpSpPr>
+        <a:xfrm>
+          <a:off x="0" y="0"/>
+          <a:ext cx="0" cy="0"/>
+          <a:chOff x="0" y="0"/>
+          <a:chExt cx="0" cy="0"/>
+        </a:xfrm>
+      </p:grpSpPr>
+      <p:sp>
+        <p:nvSpPr>
+          <p:cNvPr id="2" name="Title 1"/>
+          <p:cNvSpPr>
+            <a:spLocks noGrp="1"/>
+          </p:cNvSpPr>
+          <p:nvPr>
+            <p:ph type="title"/>
+          </p:nvPr>
+        </p:nvSpPr>
+        <p:spPr/>
+        <p:txBody>
+          <a:bodyPr/>
+          <a:lstStyle/>
+          <a:p>
+            <a:r>
+              <a:rPr lang="en-US" dirty="0"/>
+              <a:t>The </a:t>
+            </a:r>
+            <a:r>
+              <a:rPr lang="en-US" dirty="0">
+                <a:latin typeface="Courier New" panose="02070309020205020404" pitchFamily="49" charset="0"/>
+                <a:cs typeface="Courier New" panose="02070309020205020404" pitchFamily="49" charset="0"/>
+              </a:rPr>
+              <a:t>Object</a:t>
+            </a:r>
+            <a:r>
+              <a:rPr lang="en-US" dirty="0">
+                <a:cs typeface="Courier New" panose="02070309020205020404" pitchFamily="49" charset="0"/>
+              </a:rPr>
+              <a:t> Superclass</a:t>
+            </a:r>
+            <a:endParaRPr lang="en-US" dirty="0"/>
+          </a:p>
+        </p:txBody>
+      </p:sp>
+      <p:sp>
+        <p:nvSpPr>
+          <p:cNvPr id="3" name="Content Placeholder 2"/>
+          <p:cNvSpPr>
+            <a:spLocks noGrp="1"/>
+          </p:cNvSpPr>
+          <p:nvPr>
+            <p:ph idx="1"/>
+          </p:nvPr>
+        </p:nvSpPr>
+        <p:spPr/>
+        <p:txBody>
+          <a:bodyPr/>
+          <a:lstStyle/>
+          <a:p>
+            <a:pPr marL="0" indent="0">
+              <a:buNone/>
+            </a:pPr>
+            <a:r>
+              <a:rPr lang="en-US" dirty="0"/>
+              <a:t>All classes are subclasses of the </a:t>
+            </a:r>
+            <a:r>
+              <a:rPr lang="en-US" dirty="0">
+                <a:latin typeface="Courier New" panose="02070309020205020404" pitchFamily="49" charset="0"/>
+                <a:cs typeface="Courier New" panose="02070309020205020404" pitchFamily="49" charset="0"/>
+              </a:rPr>
+              <a:t>Object</a:t>
+            </a:r>
+            <a:r>
+              <a:rPr lang="en-US" dirty="0"/>
+              <a:t> class</a:t>
+            </a:r>
+          </a:p>
+          <a:p>
+            <a:pPr marL="0" indent="0">
+              <a:buNone/>
+            </a:pPr>
+            <a:r>
+              <a:rPr lang="en-US" dirty="0"/>
+              <a:t>The</a:t>
+            </a:r>
+            <a:r>
+              <a:rPr lang="en-US" dirty="0">
+                <a:latin typeface="Courier New" panose="02070309020205020404" pitchFamily="49" charset="0"/>
+                <a:cs typeface="Courier New" panose="02070309020205020404" pitchFamily="49" charset="0"/>
+              </a:rPr>
+              <a:t> Object</a:t>
+            </a:r>
+            <a:r>
+              <a:rPr lang="en-US" dirty="0"/>
+              <a:t> class is located in </a:t>
+            </a:r>
+            <a:r>
+              <a:rPr lang="en-US" dirty="0" err="1">
+                <a:latin typeface="Courier New" panose="02070309020205020404" pitchFamily="49" charset="0"/>
+                <a:cs typeface="Courier New" panose="02070309020205020404" pitchFamily="49" charset="0"/>
+              </a:rPr>
+              <a:t>java.lang</a:t>
+            </a:r>
+            <a:r>
+              <a:rPr lang="en-US" dirty="0"/>
+              <a:t> package</a:t>
+            </a:r>
+          </a:p>
+          <a:p>
+            <a:pPr marL="0" indent="0">
+              <a:buNone/>
+            </a:pPr>
+            <a:endParaRPr lang="en-US" dirty="0"/>
+          </a:p>
+          <a:p>
+            <a:pPr marL="0" indent="0">
+              <a:buNone/>
+            </a:pPr>
+            <a:r>
+              <a:rPr lang="en-US" dirty="0"/>
+              <a:t>This means all objects inherit some methods:</a:t>
+            </a:r>
+          </a:p>
+          <a:p>
+            <a:pPr marL="0" indent="0">
+              <a:buNone/>
+            </a:pPr>
+            <a:endParaRPr lang="en-US" dirty="0"/>
+          </a:p>
+          <a:p>
+            <a:pPr marL="0" indent="0">
+              <a:buNone/>
+            </a:pPr>
+            <a:r>
+              <a:rPr lang="en-US" dirty="0"/>
+              <a:t>	</a:t>
+            </a:r>
+            <a:r>
+              <a:rPr lang="en-US" dirty="0" err="1">
+                <a:latin typeface="Courier New" panose="02070309020205020404" pitchFamily="49" charset="0"/>
+                <a:cs typeface="Courier New" panose="02070309020205020404" pitchFamily="49" charset="0"/>
+              </a:rPr>
+              <a:t>toString</a:t>
+            </a:r>
+            <a:r>
+              <a:rPr lang="en-US" dirty="0">
+                <a:latin typeface="Courier New" panose="02070309020205020404" pitchFamily="49" charset="0"/>
+                <a:cs typeface="Courier New" panose="02070309020205020404" pitchFamily="49" charset="0"/>
+              </a:rPr>
+              <a:t>()  	 </a:t>
+            </a:r>
+            <a:r>
+              <a:rPr lang="en-US" dirty="0">
+                <a:solidFill>
+                  <a:schemeClr val="accent6"/>
+                </a:solidFill>
+                <a:latin typeface="Courier New" panose="02070309020205020404" pitchFamily="49" charset="0"/>
+                <a:cs typeface="Courier New" panose="02070309020205020404" pitchFamily="49" charset="0"/>
+              </a:rPr>
+              <a:t>//only ones on AP</a:t>
+            </a:r>
+          </a:p>
+          <a:p>
+            <a:pPr marL="0" indent="0">
+              <a:buNone/>
+            </a:pPr>
+            <a:r>
+              <a:rPr lang="en-US" dirty="0">
+                <a:latin typeface="Courier New" panose="02070309020205020404" pitchFamily="49" charset="0"/>
+                <a:cs typeface="Courier New" panose="02070309020205020404" pitchFamily="49" charset="0"/>
+              </a:rPr>
+              <a:t>	equals()</a:t>
+            </a:r>
+          </a:p>
+        </p:txBody>
+      </p:sp>
+    </p:spTree>
+    <p:extLst>
+      <p:ext uri="{BB962C8B-B14F-4D97-AF65-F5344CB8AC3E}">
+        <p14:creationId xmlns:p14="http://schemas.microsoft.com/office/powerpoint/2010/main" val="1474835000"/>
       </p:ext>
     </p:extLst>
   </p:cSld>
@@ -23991,130 +24046,38 @@
             <p:ph type="title"/>
           </p:nvPr>
         </p:nvSpPr>
-        <p:spPr/>
+        <p:spPr>
+          <a:xfrm>
+            <a:off x="838200" y="2755900"/>
+            <a:ext cx="10515600" cy="1157288"/>
+          </a:xfrm>
+        </p:spPr>
         <p:txBody>
           <a:bodyPr/>
           <a:lstStyle/>
           <a:p>
+            <a:pPr algn="ctr"/>
             <a:r>
               <a:rPr lang="en-US" dirty="0"/>
-              <a:t>The </a:t>
+              <a:t>Who remembers what </a:t>
+            </a:r>
+            <a:r>
+              <a:rPr lang="en-US" dirty="0" err="1">
+                <a:latin typeface="Courier New" panose="02070309020205020404" pitchFamily="49" charset="0"/>
+                <a:cs typeface="Courier New" panose="02070309020205020404" pitchFamily="49" charset="0"/>
+              </a:rPr>
+              <a:t>toString</a:t>
             </a:r>
             <a:r>
               <a:rPr lang="en-US" dirty="0">
                 <a:latin typeface="Courier New" panose="02070309020205020404" pitchFamily="49" charset="0"/>
                 <a:cs typeface="Courier New" panose="02070309020205020404" pitchFamily="49" charset="0"/>
               </a:rPr>
-              <a:t>Object</a:t>
-            </a:r>
-            <a:r>
-              <a:rPr lang="en-US" dirty="0">
-                <a:cs typeface="Courier New" panose="02070309020205020404" pitchFamily="49" charset="0"/>
-              </a:rPr>
-              <a:t> Superclass</a:t>
-            </a:r>
-            <a:endParaRPr lang="en-US" dirty="0"/>
-          </a:p>
-        </p:txBody>
-      </p:sp>
-      <p:sp>
-        <p:nvSpPr>
-          <p:cNvPr id="3" name="Content Placeholder 2"/>
-          <p:cNvSpPr>
-            <a:spLocks noGrp="1"/>
-          </p:cNvSpPr>
-          <p:nvPr>
-            <p:ph idx="1"/>
-          </p:nvPr>
-        </p:nvSpPr>
-        <p:spPr/>
-        <p:txBody>
-          <a:bodyPr/>
-          <a:lstStyle/>
-          <a:p>
-            <a:pPr marL="0" indent="0">
-              <a:buNone/>
-            </a:pPr>
+              <a:t>()</a:t>
+            </a:r>
             <a:r>
               <a:rPr lang="en-US" dirty="0"/>
-              <a:t>All classes are subclasses of the </a:t>
-            </a:r>
-            <a:r>
-              <a:rPr lang="en-US" dirty="0">
-                <a:latin typeface="Courier New" panose="02070309020205020404" pitchFamily="49" charset="0"/>
-                <a:cs typeface="Courier New" panose="02070309020205020404" pitchFamily="49" charset="0"/>
-              </a:rPr>
-              <a:t>Object</a:t>
-            </a:r>
-            <a:r>
-              <a:rPr lang="en-US" dirty="0"/>
-              <a:t> class.</a:t>
-            </a:r>
-          </a:p>
-          <a:p>
-            <a:pPr marL="0" indent="0">
-              <a:buNone/>
-            </a:pPr>
-            <a:endParaRPr lang="en-US" dirty="0"/>
-          </a:p>
-          <a:p>
-            <a:pPr marL="0" indent="0">
-              <a:buNone/>
-            </a:pPr>
-            <a:r>
-              <a:rPr lang="en-US" dirty="0"/>
-              <a:t>This means all objects inherit some methods:</a:t>
-            </a:r>
-          </a:p>
-          <a:p>
-            <a:pPr marL="0" indent="0">
-              <a:buNone/>
-            </a:pPr>
-            <a:endParaRPr lang="en-US" dirty="0"/>
-          </a:p>
-          <a:p>
-            <a:pPr marL="0" indent="0">
-              <a:buNone/>
-            </a:pPr>
-            <a:r>
-              <a:rPr lang="en-US" dirty="0"/>
-              <a:t>	</a:t>
-            </a:r>
-            <a:r>
-              <a:rPr lang="en-US" dirty="0" err="1">
-                <a:latin typeface="Courier New" panose="02070309020205020404" pitchFamily="49" charset="0"/>
-                <a:cs typeface="Courier New" panose="02070309020205020404" pitchFamily="49" charset="0"/>
-              </a:rPr>
-              <a:t>toString</a:t>
-            </a:r>
-            <a:r>
-              <a:rPr lang="en-US" dirty="0">
-                <a:latin typeface="Courier New" panose="02070309020205020404" pitchFamily="49" charset="0"/>
-                <a:cs typeface="Courier New" panose="02070309020205020404" pitchFamily="49" charset="0"/>
-              </a:rPr>
-              <a:t>()  	 </a:t>
-            </a:r>
-            <a:r>
-              <a:rPr lang="en-US" dirty="0">
-                <a:solidFill>
-                  <a:schemeClr val="accent6"/>
-                </a:solidFill>
-                <a:latin typeface="Courier New" panose="02070309020205020404" pitchFamily="49" charset="0"/>
-                <a:cs typeface="Courier New" panose="02070309020205020404" pitchFamily="49" charset="0"/>
-              </a:rPr>
-              <a:t>//only ones on AP</a:t>
-            </a:r>
-          </a:p>
-          <a:p>
-            <a:pPr marL="0" indent="0">
-              <a:buNone/>
-            </a:pPr>
-            <a:r>
-              <a:rPr lang="en-US" dirty="0">
-                <a:latin typeface="Courier New" panose="02070309020205020404" pitchFamily="49" charset="0"/>
-                <a:cs typeface="Courier New" panose="02070309020205020404" pitchFamily="49" charset="0"/>
-              </a:rPr>
-              <a:t>	equals()</a:t>
+              <a:t> does?</a:t>
             </a:r>
           </a:p>
         </p:txBody>
@@ -24122,7 +24085,7 @@
     </p:spTree>
     <p:extLst>
       <p:ext uri="{BB962C8B-B14F-4D97-AF65-F5344CB8AC3E}">
-        <p14:creationId xmlns:p14="http://schemas.microsoft.com/office/powerpoint/2010/main" val="1474835000"/>
+        <p14:creationId xmlns:p14="http://schemas.microsoft.com/office/powerpoint/2010/main" val="2615536636"/>
       </p:ext>
     </p:extLst>
   </p:cSld>
@@ -24161,29 +24124,31 @@
         </p:nvSpPr>
         <p:spPr>
           <a:xfrm>
-            <a:off x="838200" y="2755900"/>
-            <a:ext cx="10515600" cy="1157288"/>
+            <a:off x="627529" y="2755900"/>
+            <a:ext cx="10936942" cy="1157288"/>
           </a:xfrm>
         </p:spPr>
         <p:txBody>
-          <a:bodyPr/>
+          <a:bodyPr>
+            <a:normAutofit/>
+          </a:bodyPr>
           <a:lstStyle/>
           <a:p>
             <a:pPr algn="ctr"/>
             <a:r>
               <a:rPr lang="en-US" dirty="0"/>
-              <a:t>Who remembers what </a:t>
-            </a:r>
-            <a:r>
-              <a:rPr lang="en-US" dirty="0" err="1">
-                <a:latin typeface="Courier New" panose="02070309020205020404" pitchFamily="49" charset="0"/>
-                <a:cs typeface="Courier New" panose="02070309020205020404" pitchFamily="49" charset="0"/>
-              </a:rPr>
-              <a:t>toString</a:t>
+              <a:t>Why can’t we just use  </a:t>
+            </a:r>
+            <a:r>
+              <a:rPr lang="en-US" dirty="0">
+                <a:latin typeface="Courier New" panose="02070309020205020404" pitchFamily="49" charset="0"/>
+                <a:cs typeface="Courier New" panose="02070309020205020404" pitchFamily="49" charset="0"/>
+              </a:rPr>
+              <a:t>==</a:t>
             </a:r>
             <a:r>
               <a:rPr lang="en-US" dirty="0"/>
-              <a:t> does?</a:t>
+              <a:t>  to test for equality?</a:t>
             </a:r>
           </a:p>
         </p:txBody>
@@ -24191,7 +24156,7 @@
     </p:spTree>
     <p:extLst>
       <p:ext uri="{BB962C8B-B14F-4D97-AF65-F5344CB8AC3E}">
-        <p14:creationId xmlns:p14="http://schemas.microsoft.com/office/powerpoint/2010/main" val="2615536636"/>
+        <p14:creationId xmlns:p14="http://schemas.microsoft.com/office/powerpoint/2010/main" val="2455569365"/>
       </p:ext>
     </p:extLst>
   </p:cSld>
@@ -24228,41 +24193,257 @@
             <p:ph type="title"/>
           </p:nvPr>
         </p:nvSpPr>
-        <p:spPr>
-          <a:xfrm>
-            <a:off x="627529" y="2755900"/>
-            <a:ext cx="10936942" cy="1157288"/>
-          </a:xfrm>
-        </p:spPr>
+        <p:spPr/>
         <p:txBody>
-          <a:bodyPr>
-            <a:normAutofit/>
-          </a:bodyPr>
+          <a:bodyPr/>
           <a:lstStyle/>
           <a:p>
-            <a:pPr algn="ctr"/>
             <a:r>
               <a:rPr lang="en-US" dirty="0"/>
-              <a:t>Why can’t we just use  </a:t>
-            </a:r>
+              <a:t>The standard == operator:</a:t>
+            </a:r>
+          </a:p>
+        </p:txBody>
+      </p:sp>
+      <p:sp>
+        <p:nvSpPr>
+          <p:cNvPr id="3" name="Content Placeholder 2"/>
+          <p:cNvSpPr>
+            <a:spLocks noGrp="1"/>
+          </p:cNvSpPr>
+          <p:nvPr>
+            <p:ph idx="1"/>
+          </p:nvPr>
+        </p:nvSpPr>
+        <p:spPr/>
+        <p:txBody>
+          <a:bodyPr/>
+          <a:lstStyle/>
+          <a:p>
+            <a:pPr marL="0" indent="0">
+              <a:buNone/>
+            </a:pPr>
             <a:r>
               <a:rPr lang="en-US" dirty="0">
                 <a:latin typeface="Courier New" panose="02070309020205020404" pitchFamily="49" charset="0"/>
                 <a:cs typeface="Courier New" panose="02070309020205020404" pitchFamily="49" charset="0"/>
               </a:rPr>
-              <a:t>==</a:t>
-            </a:r>
-            <a:r>
-              <a:rPr lang="en-US" dirty="0"/>
-              <a:t>  to test for equality?</a:t>
-            </a:r>
+              <a:t>String z = “z”;		a == b</a:t>
+            </a:r>
+          </a:p>
+          <a:p>
+            <a:pPr marL="0" indent="0">
+              <a:buNone/>
+            </a:pPr>
+            <a:r>
+              <a:rPr lang="en-US" dirty="0">
+                <a:latin typeface="Courier New" panose="02070309020205020404" pitchFamily="49" charset="0"/>
+                <a:cs typeface="Courier New" panose="02070309020205020404" pitchFamily="49" charset="0"/>
+              </a:rPr>
+              <a:t>					</a:t>
+            </a:r>
+            <a:r>
+              <a:rPr lang="en-US" dirty="0">
+                <a:solidFill>
+                  <a:srgbClr val="FF0000"/>
+                </a:solidFill>
+                <a:cs typeface="Courier New" panose="02070309020205020404" pitchFamily="49" charset="0"/>
+              </a:rPr>
+              <a:t>Evaluates to false because </a:t>
+            </a:r>
+            <a:r>
+              <a:rPr lang="en-US" dirty="0">
+                <a:solidFill>
+                  <a:srgbClr val="FF0000"/>
+                </a:solidFill>
+                <a:latin typeface="Courier New" panose="02070309020205020404" pitchFamily="49" charset="0"/>
+                <a:cs typeface="Courier New" panose="02070309020205020404" pitchFamily="49" charset="0"/>
+              </a:rPr>
+              <a:t>a</a:t>
+            </a:r>
+            <a:r>
+              <a:rPr lang="en-US" dirty="0">
+                <a:solidFill>
+                  <a:srgbClr val="FF0000"/>
+                </a:solidFill>
+                <a:cs typeface="Courier New" panose="02070309020205020404" pitchFamily="49" charset="0"/>
+              </a:rPr>
+              <a:t> and </a:t>
+            </a:r>
+            <a:r>
+              <a:rPr lang="en-US" dirty="0">
+                <a:solidFill>
+                  <a:srgbClr val="FF0000"/>
+                </a:solidFill>
+                <a:latin typeface="Courier New" panose="02070309020205020404" pitchFamily="49" charset="0"/>
+                <a:cs typeface="Courier New" panose="02070309020205020404" pitchFamily="49" charset="0"/>
+              </a:rPr>
+              <a:t>b</a:t>
+            </a:r>
+            <a:r>
+              <a:rPr lang="en-US" dirty="0">
+                <a:solidFill>
+                  <a:srgbClr val="FF0000"/>
+                </a:solidFill>
+                <a:cs typeface="Courier New" panose="02070309020205020404" pitchFamily="49" charset="0"/>
+              </a:rPr>
+              <a:t> </a:t>
+            </a:r>
+            <a:endParaRPr lang="en-US" dirty="0">
+              <a:solidFill>
+                <a:srgbClr val="FF0000"/>
+              </a:solidFill>
+              <a:latin typeface="Courier New" panose="02070309020205020404" pitchFamily="49" charset="0"/>
+              <a:cs typeface="Courier New" panose="02070309020205020404" pitchFamily="49" charset="0"/>
+            </a:endParaRPr>
+          </a:p>
+          <a:p>
+            <a:pPr marL="0" indent="0">
+              <a:buNone/>
+            </a:pPr>
+            <a:r>
+              <a:rPr lang="en-US" dirty="0">
+                <a:latin typeface="Courier New" panose="02070309020205020404" pitchFamily="49" charset="0"/>
+                <a:cs typeface="Courier New" panose="02070309020205020404" pitchFamily="49" charset="0"/>
+              </a:rPr>
+              <a:t>String a = z + z;		</a:t>
+            </a:r>
+            <a:r>
+              <a:rPr lang="en-US" dirty="0">
+                <a:solidFill>
+                  <a:srgbClr val="FF0000"/>
+                </a:solidFill>
+                <a:cs typeface="Courier New" panose="02070309020205020404" pitchFamily="49" charset="0"/>
+              </a:rPr>
+              <a:t>refer to different strings.</a:t>
+            </a:r>
+            <a:endParaRPr lang="en-US" dirty="0">
+              <a:solidFill>
+                <a:srgbClr val="FF0000"/>
+              </a:solidFill>
+              <a:latin typeface="Courier New" panose="02070309020205020404" pitchFamily="49" charset="0"/>
+              <a:cs typeface="Courier New" panose="02070309020205020404" pitchFamily="49" charset="0"/>
+            </a:endParaRPr>
+          </a:p>
+          <a:p>
+            <a:pPr marL="0" indent="0">
+              <a:buNone/>
+            </a:pPr>
+            <a:endParaRPr lang="en-US" dirty="0">
+              <a:latin typeface="Courier New" panose="02070309020205020404" pitchFamily="49" charset="0"/>
+              <a:cs typeface="Courier New" panose="02070309020205020404" pitchFamily="49" charset="0"/>
+            </a:endParaRPr>
+          </a:p>
+          <a:p>
+            <a:pPr marL="0" indent="0">
+              <a:buNone/>
+            </a:pPr>
+            <a:r>
+              <a:rPr lang="en-US" dirty="0">
+                <a:latin typeface="Courier New" panose="02070309020205020404" pitchFamily="49" charset="0"/>
+                <a:cs typeface="Courier New" panose="02070309020205020404" pitchFamily="49" charset="0"/>
+              </a:rPr>
+              <a:t>String b = “</a:t>
+            </a:r>
+            <a:r>
+              <a:rPr lang="en-US" dirty="0" err="1">
+                <a:latin typeface="Courier New" panose="02070309020205020404" pitchFamily="49" charset="0"/>
+                <a:cs typeface="Courier New" panose="02070309020205020404" pitchFamily="49" charset="0"/>
+              </a:rPr>
+              <a:t>zz</a:t>
+            </a:r>
+            <a:r>
+              <a:rPr lang="en-US" dirty="0">
+                <a:latin typeface="Courier New" panose="02070309020205020404" pitchFamily="49" charset="0"/>
+                <a:cs typeface="Courier New" panose="02070309020205020404" pitchFamily="49" charset="0"/>
+              </a:rPr>
+              <a:t>”;		c == b</a:t>
+            </a:r>
+          </a:p>
+          <a:p>
+            <a:pPr marL="0" indent="0">
+              <a:buNone/>
+            </a:pPr>
+            <a:r>
+              <a:rPr lang="en-US" dirty="0">
+                <a:latin typeface="Courier New" panose="02070309020205020404" pitchFamily="49" charset="0"/>
+                <a:cs typeface="Courier New" panose="02070309020205020404" pitchFamily="49" charset="0"/>
+              </a:rPr>
+              <a:t>					</a:t>
+            </a:r>
+            <a:r>
+              <a:rPr lang="en-US" dirty="0">
+                <a:solidFill>
+                  <a:schemeClr val="accent6"/>
+                </a:solidFill>
+                <a:cs typeface="Courier New" panose="02070309020205020404" pitchFamily="49" charset="0"/>
+              </a:rPr>
+              <a:t>Evaluates to true because </a:t>
+            </a:r>
+            <a:r>
+              <a:rPr lang="en-US" dirty="0">
+                <a:solidFill>
+                  <a:schemeClr val="accent6"/>
+                </a:solidFill>
+                <a:latin typeface="Courier New" panose="02070309020205020404" pitchFamily="49" charset="0"/>
+                <a:cs typeface="Courier New" panose="02070309020205020404" pitchFamily="49" charset="0"/>
+              </a:rPr>
+              <a:t>c</a:t>
+            </a:r>
+            <a:r>
+              <a:rPr lang="en-US" dirty="0">
+                <a:solidFill>
+                  <a:schemeClr val="accent6"/>
+                </a:solidFill>
+                <a:cs typeface="Courier New" panose="02070309020205020404" pitchFamily="49" charset="0"/>
+              </a:rPr>
+              <a:t> and </a:t>
+            </a:r>
+            <a:r>
+              <a:rPr lang="en-US" dirty="0">
+                <a:solidFill>
+                  <a:schemeClr val="accent6"/>
+                </a:solidFill>
+                <a:latin typeface="Courier New" panose="02070309020205020404" pitchFamily="49" charset="0"/>
+                <a:cs typeface="Courier New" panose="02070309020205020404" pitchFamily="49" charset="0"/>
+              </a:rPr>
+              <a:t>b</a:t>
+            </a:r>
+          </a:p>
+          <a:p>
+            <a:pPr marL="0" indent="0">
+              <a:buNone/>
+            </a:pPr>
+            <a:r>
+              <a:rPr lang="en-US" dirty="0">
+                <a:latin typeface="Courier New" panose="02070309020205020404" pitchFamily="49" charset="0"/>
+                <a:cs typeface="Courier New" panose="02070309020205020404" pitchFamily="49" charset="0"/>
+              </a:rPr>
+              <a:t>String c = b;		</a:t>
+            </a:r>
+            <a:r>
+              <a:rPr lang="en-US" dirty="0">
+                <a:solidFill>
+                  <a:schemeClr val="accent6"/>
+                </a:solidFill>
+                <a:cs typeface="Courier New" panose="02070309020205020404" pitchFamily="49" charset="0"/>
+              </a:rPr>
+              <a:t>refer to the same string.</a:t>
+            </a:r>
+            <a:endParaRPr lang="en-US" dirty="0">
+              <a:solidFill>
+                <a:schemeClr val="accent6"/>
+              </a:solidFill>
+              <a:latin typeface="Courier New" panose="02070309020205020404" pitchFamily="49" charset="0"/>
+              <a:cs typeface="Courier New" panose="02070309020205020404" pitchFamily="49" charset="0"/>
+            </a:endParaRPr>
           </a:p>
         </p:txBody>
       </p:sp>
     </p:spTree>
     <p:extLst>
       <p:ext uri="{BB962C8B-B14F-4D97-AF65-F5344CB8AC3E}">
-        <p14:creationId xmlns:p14="http://schemas.microsoft.com/office/powerpoint/2010/main" val="2455569365"/>
+        <p14:creationId xmlns:p14="http://schemas.microsoft.com/office/powerpoint/2010/main" val="834510547"/>
       </p:ext>
     </p:extLst>
   </p:cSld>
@@ -24306,7 +24487,18 @@
           <a:p>
             <a:r>
               <a:rPr lang="en-US" dirty="0"/>
-              <a:t>The standard == operator:</a:t>
+              <a:t>The String </a:t>
+            </a:r>
+            <a:r>
+              <a:rPr lang="en-US" dirty="0">
+                <a:latin typeface="Courier New" panose="02070309020205020404" pitchFamily="49" charset="0"/>
+                <a:cs typeface="Courier New" panose="02070309020205020404" pitchFamily="49" charset="0"/>
+              </a:rPr>
+              <a:t>equals</a:t>
+            </a:r>
+            <a:r>
+              <a:rPr lang="en-US" dirty="0"/>
+              <a:t> methods</a:t>
             </a:r>
           </a:p>
         </p:txBody>
@@ -24330,106 +24522,19 @@
               <a:buNone/>
             </a:pPr>
             <a:r>
+              <a:rPr lang="en-US" dirty="0" err="1">
+                <a:latin typeface="Courier New" panose="02070309020205020404" pitchFamily="49" charset="0"/>
+                <a:cs typeface="Courier New" panose="02070309020205020404" pitchFamily="49" charset="0"/>
+              </a:rPr>
+              <a:t>a.equals</a:t>
+            </a:r>
+            <a:r>
               <a:rPr lang="en-US" dirty="0">
                 <a:latin typeface="Courier New" panose="02070309020205020404" pitchFamily="49" charset="0"/>
                 <a:cs typeface="Courier New" panose="02070309020205020404" pitchFamily="49" charset="0"/>
               </a:rPr>
-              <a:t>String z = “z”;		a == b</a:t>
-            </a:r>
-          </a:p>
-          <a:p>
-            <a:pPr marL="0" indent="0">
-              <a:buNone/>
-            </a:pPr>
-            <a:r>
-              <a:rPr lang="en-US" dirty="0">
-                <a:latin typeface="Courier New" panose="02070309020205020404" pitchFamily="49" charset="0"/>
-                <a:cs typeface="Courier New" panose="02070309020205020404" pitchFamily="49" charset="0"/>
-              </a:rPr>
-              <a:t>					</a:t>
-            </a:r>
-            <a:r>
-              <a:rPr lang="en-US" dirty="0">
-                <a:solidFill>
-                  <a:srgbClr val="FF0000"/>
-                </a:solidFill>
-                <a:cs typeface="Courier New" panose="02070309020205020404" pitchFamily="49" charset="0"/>
-              </a:rPr>
-              <a:t>Evaluates to false because </a:t>
-            </a:r>
-            <a:r>
-              <a:rPr lang="en-US" dirty="0">
-                <a:solidFill>
-                  <a:srgbClr val="FF0000"/>
-                </a:solidFill>
-                <a:latin typeface="Courier New" panose="02070309020205020404" pitchFamily="49" charset="0"/>
-                <a:cs typeface="Courier New" panose="02070309020205020404" pitchFamily="49" charset="0"/>
-              </a:rPr>
-              <a:t>a</a:t>
-            </a:r>
-            <a:r>
-              <a:rPr lang="en-US" dirty="0">
-                <a:solidFill>
-                  <a:srgbClr val="FF0000"/>
-                </a:solidFill>
-                <a:cs typeface="Courier New" panose="02070309020205020404" pitchFamily="49" charset="0"/>
-              </a:rPr>
-              <a:t> and </a:t>
-            </a:r>
-            <a:r>
-              <a:rPr lang="en-US" dirty="0">
-                <a:solidFill>
-                  <a:srgbClr val="FF0000"/>
-                </a:solidFill>
-                <a:latin typeface="Courier New" panose="02070309020205020404" pitchFamily="49" charset="0"/>
-                <a:cs typeface="Courier New" panose="02070309020205020404" pitchFamily="49" charset="0"/>
-              </a:rPr>
-              <a:t>b</a:t>
-            </a:r>
-            <a:r>
-              <a:rPr lang="en-US" dirty="0">
-                <a:solidFill>
-                  <a:srgbClr val="FF0000"/>
-                </a:solidFill>
-                <a:cs typeface="Courier New" panose="02070309020205020404" pitchFamily="49" charset="0"/>
-              </a:rPr>
-              <a:t> </a:t>
-            </a:r>
-            <a:endParaRPr lang="en-US" dirty="0">
-              <a:solidFill>
-                <a:srgbClr val="FF0000"/>
-              </a:solidFill>
-              <a:latin typeface="Courier New" panose="02070309020205020404" pitchFamily="49" charset="0"/>
-              <a:cs typeface="Courier New" panose="02070309020205020404" pitchFamily="49" charset="0"/>
-            </a:endParaRPr>
-          </a:p>
-          <a:p>
-            <a:pPr marL="0" indent="0">
-              <a:buNone/>
-            </a:pPr>
-            <a:r>
-              <a:rPr lang="en-US" dirty="0">
-                <a:latin typeface="Courier New" panose="02070309020205020404" pitchFamily="49" charset="0"/>
-                <a:cs typeface="Courier New" panose="02070309020205020404" pitchFamily="49" charset="0"/>
-              </a:rPr>
-              <a:t>String a = z + z;		</a:t>
-            </a:r>
-            <a:r>
-              <a:rPr lang="en-US" dirty="0">
-                <a:solidFill>
-                  <a:srgbClr val="FF0000"/>
-                </a:solidFill>
-                <a:cs typeface="Courier New" panose="02070309020205020404" pitchFamily="49" charset="0"/>
-              </a:rPr>
-              <a:t>refer to different strings.</a:t>
-            </a:r>
-            <a:endParaRPr lang="en-US" dirty="0">
-              <a:solidFill>
-                <a:srgbClr val="FF0000"/>
-              </a:solidFill>
-              <a:latin typeface="Courier New" panose="02070309020205020404" pitchFamily="49" charset="0"/>
-              <a:cs typeface="Courier New" panose="02070309020205020404" pitchFamily="49" charset="0"/>
-            </a:endParaRPr>
+              <a:t>(b) </a:t>
+            </a:r>
           </a:p>
           <a:p>
             <a:pPr marL="0" indent="0">
@@ -24445,98 +24550,21 @@
               <a:buNone/>
             </a:pPr>
             <a:r>
-              <a:rPr lang="en-US" dirty="0">
-                <a:latin typeface="Courier New" panose="02070309020205020404" pitchFamily="49" charset="0"/>
-                <a:cs typeface="Courier New" panose="02070309020205020404" pitchFamily="49" charset="0"/>
-              </a:rPr>
-              <a:t>String b = “</a:t>
-            </a:r>
-            <a:r>
-              <a:rPr lang="en-US" dirty="0" err="1">
-                <a:latin typeface="Courier New" panose="02070309020205020404" pitchFamily="49" charset="0"/>
-                <a:cs typeface="Courier New" panose="02070309020205020404" pitchFamily="49" charset="0"/>
-              </a:rPr>
-              <a:t>zz</a:t>
-            </a:r>
-            <a:r>
-              <a:rPr lang="en-US" dirty="0">
-                <a:latin typeface="Courier New" panose="02070309020205020404" pitchFamily="49" charset="0"/>
-                <a:cs typeface="Courier New" panose="02070309020205020404" pitchFamily="49" charset="0"/>
-              </a:rPr>
-              <a:t>”;		c == b</a:t>
-            </a:r>
-          </a:p>
-          <a:p>
-            <a:pPr marL="0" indent="0">
-              <a:buNone/>
-            </a:pPr>
-            <a:r>
-              <a:rPr lang="en-US" dirty="0">
-                <a:latin typeface="Courier New" panose="02070309020205020404" pitchFamily="49" charset="0"/>
-                <a:cs typeface="Courier New" panose="02070309020205020404" pitchFamily="49" charset="0"/>
-              </a:rPr>
-              <a:t>					</a:t>
-            </a:r>
-            <a:r>
-              <a:rPr lang="en-US" dirty="0">
+              <a:rPr lang="en-US" sz="2000" dirty="0">
                 <a:solidFill>
                   <a:schemeClr val="accent6"/>
                 </a:solidFill>
-                <a:cs typeface="Courier New" panose="02070309020205020404" pitchFamily="49" charset="0"/>
-              </a:rPr>
-              <a:t>Evaluates to true because </a:t>
-            </a:r>
-            <a:r>
-              <a:rPr lang="en-US" dirty="0">
-                <a:solidFill>
-                  <a:schemeClr val="accent6"/>
-                </a:solidFill>
-                <a:latin typeface="Courier New" panose="02070309020205020404" pitchFamily="49" charset="0"/>
-                <a:cs typeface="Courier New" panose="02070309020205020404" pitchFamily="49" charset="0"/>
-              </a:rPr>
-              <a:t>c</a:t>
-            </a:r>
-            <a:r>
-              <a:rPr lang="en-US" dirty="0">
-                <a:solidFill>
-                  <a:schemeClr val="accent6"/>
-                </a:solidFill>
-                <a:cs typeface="Courier New" panose="02070309020205020404" pitchFamily="49" charset="0"/>
-              </a:rPr>
-              <a:t> and </a:t>
-            </a:r>
-            <a:r>
-              <a:rPr lang="en-US" dirty="0">
-                <a:solidFill>
-                  <a:schemeClr val="accent6"/>
-                </a:solidFill>
-                <a:latin typeface="Courier New" panose="02070309020205020404" pitchFamily="49" charset="0"/>
-                <a:cs typeface="Courier New" panose="02070309020205020404" pitchFamily="49" charset="0"/>
-              </a:rPr>
-              <a:t>b</a:t>
+                <a:latin typeface="Courier New" panose="02070309020205020404" pitchFamily="49" charset="0"/>
+                <a:cs typeface="Courier New" panose="02070309020205020404" pitchFamily="49" charset="0"/>
+              </a:rPr>
+              <a:t>/* evaluates to true because the content of a and b are the same */</a:t>
             </a:r>
           </a:p>
           <a:p>
             <a:pPr marL="0" indent="0">
               <a:buNone/>
             </a:pPr>
-            <a:r>
-              <a:rPr lang="en-US" dirty="0">
-                <a:latin typeface="Courier New" panose="02070309020205020404" pitchFamily="49" charset="0"/>
-                <a:cs typeface="Courier New" panose="02070309020205020404" pitchFamily="49" charset="0"/>
-              </a:rPr>
-              <a:t>String c = b;		</a:t>
-            </a:r>
-            <a:r>
-              <a:rPr lang="en-US" dirty="0">
-                <a:solidFill>
-                  <a:schemeClr val="accent6"/>
-                </a:solidFill>
-                <a:cs typeface="Courier New" panose="02070309020205020404" pitchFamily="49" charset="0"/>
-              </a:rPr>
-              <a:t>refer to the same string.</a:t>
-            </a:r>
-            <a:endParaRPr lang="en-US" dirty="0">
+            <a:endParaRPr lang="en-US" sz="2000" dirty="0">
               <a:solidFill>
                 <a:schemeClr val="accent6"/>
               </a:solidFill>
@@ -24544,12 +24572,67 @@
               <a:cs typeface="Courier New" panose="02070309020205020404" pitchFamily="49" charset="0"/>
             </a:endParaRPr>
           </a:p>
+          <a:p>
+            <a:pPr marL="0" indent="0">
+              <a:buNone/>
+            </a:pPr>
+            <a:r>
+              <a:rPr lang="en-US" dirty="0" err="1">
+                <a:latin typeface="Courier New" panose="02070309020205020404" pitchFamily="49" charset="0"/>
+                <a:cs typeface="Courier New" panose="02070309020205020404" pitchFamily="49" charset="0"/>
+              </a:rPr>
+              <a:t>c.equals</a:t>
+            </a:r>
+            <a:r>
+              <a:rPr lang="en-US" dirty="0">
+                <a:latin typeface="Courier New" panose="02070309020205020404" pitchFamily="49" charset="0"/>
+                <a:cs typeface="Courier New" panose="02070309020205020404" pitchFamily="49" charset="0"/>
+              </a:rPr>
+              <a:t>(b) </a:t>
+            </a:r>
+          </a:p>
+          <a:p>
+            <a:pPr marL="0" indent="0">
+              <a:buNone/>
+            </a:pPr>
+            <a:endParaRPr lang="en-US" sz="2000" dirty="0">
+              <a:latin typeface="Courier New" panose="02070309020205020404" pitchFamily="49" charset="0"/>
+              <a:cs typeface="Courier New" panose="02070309020205020404" pitchFamily="49" charset="0"/>
+            </a:endParaRPr>
+          </a:p>
+          <a:p>
+            <a:pPr marL="0" indent="0">
+              <a:buNone/>
+            </a:pPr>
+            <a:r>
+              <a:rPr lang="en-US" sz="2000" dirty="0">
+                <a:solidFill>
+                  <a:schemeClr val="accent6"/>
+                </a:solidFill>
+                <a:latin typeface="Courier New" panose="02070309020205020404" pitchFamily="49" charset="0"/>
+                <a:cs typeface="Courier New" panose="02070309020205020404" pitchFamily="49" charset="0"/>
+              </a:rPr>
+              <a:t>/* evaluates to true because c and b refer to the same string */</a:t>
+            </a:r>
+          </a:p>
+          <a:p>
+            <a:pPr marL="0" indent="0">
+              <a:buNone/>
+            </a:pPr>
+            <a:endParaRPr lang="en-US" sz="2000" dirty="0">
+              <a:solidFill>
+                <a:schemeClr val="accent6"/>
+              </a:solidFill>
+              <a:latin typeface="Courier New" panose="02070309020205020404" pitchFamily="49" charset="0"/>
+              <a:cs typeface="Courier New" panose="02070309020205020404" pitchFamily="49" charset="0"/>
+            </a:endParaRPr>
+          </a:p>
         </p:txBody>
       </p:sp>
     </p:spTree>
     <p:extLst>
       <p:ext uri="{BB962C8B-B14F-4D97-AF65-F5344CB8AC3E}">
-        <p14:creationId xmlns:p14="http://schemas.microsoft.com/office/powerpoint/2010/main" val="834510547"/>
+        <p14:creationId xmlns:p14="http://schemas.microsoft.com/office/powerpoint/2010/main" val="1746487571"/>
       </p:ext>
     </p:extLst>
   </p:cSld>
@@ -24593,7 +24676,7 @@
           <a:p>
             <a:r>
               <a:rPr lang="en-US" dirty="0"/>
-              <a:t>The String </a:t>
+              <a:t>Overriding the </a:t>
             </a:r>
             <a:r>
               <a:rPr lang="en-US" dirty="0">
@@ -24604,7 +24687,7 @@
             </a:r>
             <a:r>
               <a:rPr lang="en-US" dirty="0"/>
-              <a:t> methods</a:t>
+              <a:t> method:</a:t>
             </a:r>
           </a:p>
         </p:txBody>
@@ -24621,35 +24704,47 @@
         </p:nvSpPr>
         <p:spPr/>
         <p:txBody>
-          <a:bodyPr/>
+          <a:bodyPr>
+            <a:normAutofit/>
+          </a:bodyPr>
           <a:lstStyle/>
           <a:p>
             <a:pPr marL="0" indent="0">
               <a:buNone/>
             </a:pPr>
             <a:r>
-              <a:rPr lang="en-US" dirty="0" err="1">
-                <a:latin typeface="Courier New" panose="02070309020205020404" pitchFamily="49" charset="0"/>
-                <a:cs typeface="Courier New" panose="02070309020205020404" pitchFamily="49" charset="0"/>
-              </a:rPr>
-              <a:t>a.equals</a:t>
-            </a:r>
-            <a:r>
-              <a:rPr lang="en-US" dirty="0">
-                <a:latin typeface="Courier New" panose="02070309020205020404" pitchFamily="49" charset="0"/>
-                <a:cs typeface="Courier New" panose="02070309020205020404" pitchFamily="49" charset="0"/>
-              </a:rPr>
-              <a:t>(b) </a:t>
+              <a:rPr lang="en-US" sz="2000" dirty="0">
+                <a:latin typeface="Courier New" panose="02070309020205020404" pitchFamily="49" charset="0"/>
+                <a:cs typeface="Courier New" panose="02070309020205020404" pitchFamily="49" charset="0"/>
+              </a:rPr>
+              <a:t>public </a:t>
+            </a:r>
+            <a:r>
+              <a:rPr lang="en-US" sz="2000" dirty="0" err="1">
+                <a:latin typeface="Courier New" panose="02070309020205020404" pitchFamily="49" charset="0"/>
+                <a:cs typeface="Courier New" panose="02070309020205020404" pitchFamily="49" charset="0"/>
+              </a:rPr>
+              <a:t>boolean</a:t>
+            </a:r>
+            <a:r>
+              <a:rPr lang="en-US" sz="2000" dirty="0">
+                <a:latin typeface="Courier New" panose="02070309020205020404" pitchFamily="49" charset="0"/>
+                <a:cs typeface="Courier New" panose="02070309020205020404" pitchFamily="49" charset="0"/>
+              </a:rPr>
+              <a:t> equals(Object o){</a:t>
             </a:r>
           </a:p>
           <a:p>
             <a:pPr marL="0" indent="0">
               <a:buNone/>
             </a:pPr>
-            <a:endParaRPr lang="en-US" dirty="0">
-              <a:latin typeface="Courier New" panose="02070309020205020404" pitchFamily="49" charset="0"/>
-              <a:cs typeface="Courier New" panose="02070309020205020404" pitchFamily="49" charset="0"/>
-            </a:endParaRPr>
+            <a:r>
+              <a:rPr lang="en-US" sz="2000" dirty="0">
+                <a:latin typeface="Courier New" panose="02070309020205020404" pitchFamily="49" charset="0"/>
+                <a:cs typeface="Courier New" panose="02070309020205020404" pitchFamily="49" charset="0"/>
+              </a:rPr>
+              <a:t>	Drink other = (Drink) o;</a:t>
+            </a:r>
           </a:p>
           <a:p>
             <a:pPr marL="0" indent="0">
@@ -24657,44 +24752,50 @@
             </a:pPr>
             <a:r>
               <a:rPr lang="en-US" sz="2000" dirty="0">
-                <a:solidFill>
-                  <a:schemeClr val="accent6"/>
-                </a:solidFill>
-                <a:latin typeface="Courier New" panose="02070309020205020404" pitchFamily="49" charset="0"/>
-                <a:cs typeface="Courier New" panose="02070309020205020404" pitchFamily="49" charset="0"/>
-              </a:rPr>
-              <a:t>/* evaluates to true because the content of a and b are the same */</a:t>
+                <a:latin typeface="Courier New" panose="02070309020205020404" pitchFamily="49" charset="0"/>
+                <a:cs typeface="Courier New" panose="02070309020205020404" pitchFamily="49" charset="0"/>
+              </a:rPr>
+              <a:t>	return </a:t>
+            </a:r>
+            <a:r>
+              <a:rPr lang="en-US" sz="2000" dirty="0" err="1">
+                <a:latin typeface="Courier New" panose="02070309020205020404" pitchFamily="49" charset="0"/>
+                <a:cs typeface="Courier New" panose="02070309020205020404" pitchFamily="49" charset="0"/>
+              </a:rPr>
+              <a:t>name.equal</a:t>
+            </a:r>
+            <a:r>
+              <a:rPr lang="en-US" sz="2000" dirty="0">
+                <a:latin typeface="Courier New" panose="02070309020205020404" pitchFamily="49" charset="0"/>
+                <a:cs typeface="Courier New" panose="02070309020205020404" pitchFamily="49" charset="0"/>
+              </a:rPr>
+              <a:t>(other.name) &amp;&amp; ounces == </a:t>
+            </a:r>
+            <a:r>
+              <a:rPr lang="en-US" sz="2000" dirty="0" err="1">
+                <a:latin typeface="Courier New" panose="02070309020205020404" pitchFamily="49" charset="0"/>
+                <a:cs typeface="Courier New" panose="02070309020205020404" pitchFamily="49" charset="0"/>
+              </a:rPr>
+              <a:t>other.ounces</a:t>
+            </a:r>
+            <a:r>
+              <a:rPr lang="en-US" sz="2000" dirty="0">
+                <a:latin typeface="Courier New" panose="02070309020205020404" pitchFamily="49" charset="0"/>
+                <a:cs typeface="Courier New" panose="02070309020205020404" pitchFamily="49" charset="0"/>
+              </a:rPr>
+              <a:t>;</a:t>
             </a:r>
           </a:p>
           <a:p>
             <a:pPr marL="0" indent="0">
               <a:buNone/>
             </a:pPr>
-            <a:endParaRPr lang="en-US" sz="2000" dirty="0">
-              <a:solidFill>
-                <a:schemeClr val="accent6"/>
-              </a:solidFill>
-              <a:latin typeface="Courier New" panose="02070309020205020404" pitchFamily="49" charset="0"/>
-              <a:cs typeface="Courier New" panose="02070309020205020404" pitchFamily="49" charset="0"/>
-            </a:endParaRPr>
-          </a:p>
-          <a:p>
-            <a:pPr marL="0" indent="0">
-              <a:buNone/>
-            </a:pPr>
-            <a:r>
-              <a:rPr lang="en-US" dirty="0" err="1">
-                <a:latin typeface="Courier New" panose="02070309020205020404" pitchFamily="49" charset="0"/>
-                <a:cs typeface="Courier New" panose="02070309020205020404" pitchFamily="49" charset="0"/>
-              </a:rPr>
-              <a:t>c.equals</a:t>
-            </a:r>
-            <a:r>
-              <a:rPr lang="en-US" dirty="0">
-                <a:latin typeface="Courier New" panose="02070309020205020404" pitchFamily="49" charset="0"/>
-                <a:cs typeface="Courier New" panose="02070309020205020404" pitchFamily="49" charset="0"/>
-              </a:rPr>
-              <a:t>(b) </a:t>
+            <a:r>
+              <a:rPr lang="en-US" sz="2000" dirty="0">
+                <a:latin typeface="Courier New" panose="02070309020205020404" pitchFamily="49" charset="0"/>
+                <a:cs typeface="Courier New" panose="02070309020205020404" pitchFamily="49" charset="0"/>
+              </a:rPr>
+              <a:t>}</a:t>
             </a:r>
           </a:p>
           <a:p>
@@ -24711,34 +24812,37 @@
               <a:buNone/>
             </a:pPr>
             <a:r>
-              <a:rPr lang="en-US" sz="2000" dirty="0">
-                <a:solidFill>
-                  <a:schemeClr val="accent6"/>
-                </a:solidFill>
-                <a:latin typeface="Courier New" panose="02070309020205020404" pitchFamily="49" charset="0"/>
-                <a:cs typeface="Courier New" panose="02070309020205020404" pitchFamily="49" charset="0"/>
-              </a:rPr>
-              <a:t>/* evaluates to true because c and b refer to the same string */</a:t>
+              <a:rPr lang="en-US" dirty="0">
+                <a:cs typeface="Courier New" panose="02070309020205020404" pitchFamily="49" charset="0"/>
+              </a:rPr>
+              <a:t>What does this let us compare?</a:t>
             </a:r>
           </a:p>
           <a:p>
             <a:pPr marL="0" indent="0">
               <a:buNone/>
             </a:pPr>
-            <a:endParaRPr lang="en-US" sz="2000" dirty="0">
-              <a:solidFill>
-                <a:schemeClr val="accent6"/>
-              </a:solidFill>
-              <a:latin typeface="Courier New" panose="02070309020205020404" pitchFamily="49" charset="0"/>
+            <a:endParaRPr lang="en-US" dirty="0">
               <a:cs typeface="Courier New" panose="02070309020205020404" pitchFamily="49" charset="0"/>
             </a:endParaRPr>
+          </a:p>
+          <a:p>
+            <a:pPr marL="0" indent="0">
+              <a:buNone/>
+            </a:pPr>
+            <a:r>
+              <a:rPr lang="en-US" dirty="0">
+                <a:cs typeface="Courier New" panose="02070309020205020404" pitchFamily="49" charset="0"/>
+              </a:rPr>
+              <a:t>What are some examples of where this can be useful?</a:t>
+            </a:r>
           </a:p>
         </p:txBody>
       </p:sp>
     </p:spTree>
     <p:extLst>
       <p:ext uri="{BB962C8B-B14F-4D97-AF65-F5344CB8AC3E}">
-        <p14:creationId xmlns:p14="http://schemas.microsoft.com/office/powerpoint/2010/main" val="1746487571"/>
+        <p14:creationId xmlns:p14="http://schemas.microsoft.com/office/powerpoint/2010/main" val="1493260520"/>
       </p:ext>
     </p:extLst>
   </p:cSld>
@@ -24782,18 +24886,7 @@
           <a:p>
             <a:r>
               <a:rPr lang="en-US" dirty="0"/>
-              <a:t>Overriding the </a:t>
-            </a:r>
-            <a:r>
-              <a:rPr lang="en-US" dirty="0">
-                <a:latin typeface="Courier New" panose="02070309020205020404" pitchFamily="49" charset="0"/>
-                <a:cs typeface="Courier New" panose="02070309020205020404" pitchFamily="49" charset="0"/>
-              </a:rPr>
-              <a:t>equals</a:t>
-            </a:r>
-            <a:r>
-              <a:rPr lang="en-US" dirty="0"/>
-              <a:t> method:</a:t>
+              <a:t>Static vs Dynamic Binding</a:t>
             </a:r>
           </a:p>
         </p:txBody>
@@ -24819,109 +24912,24 @@
               <a:buNone/>
             </a:pPr>
             <a:r>
-              <a:rPr lang="en-US" sz="2000" dirty="0">
-                <a:latin typeface="Courier New" panose="02070309020205020404" pitchFamily="49" charset="0"/>
-                <a:cs typeface="Courier New" panose="02070309020205020404" pitchFamily="49" charset="0"/>
-              </a:rPr>
-              <a:t>public </a:t>
-            </a:r>
-            <a:r>
-              <a:rPr lang="en-US" sz="2000" dirty="0" err="1">
-                <a:latin typeface="Courier New" panose="02070309020205020404" pitchFamily="49" charset="0"/>
-                <a:cs typeface="Courier New" panose="02070309020205020404" pitchFamily="49" charset="0"/>
-              </a:rPr>
-              <a:t>boolean</a:t>
-            </a:r>
-            <a:r>
-              <a:rPr lang="en-US" sz="2000" dirty="0">
-                <a:latin typeface="Courier New" panose="02070309020205020404" pitchFamily="49" charset="0"/>
-                <a:cs typeface="Courier New" panose="02070309020205020404" pitchFamily="49" charset="0"/>
-              </a:rPr>
-              <a:t> equals(Object o){</a:t>
-            </a:r>
-          </a:p>
-          <a:p>
-            <a:pPr marL="0" indent="0">
-              <a:buNone/>
-            </a:pPr>
-            <a:r>
-              <a:rPr lang="en-US" sz="2000" dirty="0">
-                <a:latin typeface="Courier New" panose="02070309020205020404" pitchFamily="49" charset="0"/>
-                <a:cs typeface="Courier New" panose="02070309020205020404" pitchFamily="49" charset="0"/>
-              </a:rPr>
-              <a:t>	Drink other = (Drink) o;</a:t>
-            </a:r>
-          </a:p>
-          <a:p>
-            <a:pPr marL="0" indent="0">
-              <a:buNone/>
-            </a:pPr>
-            <a:r>
-              <a:rPr lang="en-US" sz="2000" dirty="0">
-                <a:latin typeface="Courier New" panose="02070309020205020404" pitchFamily="49" charset="0"/>
-                <a:cs typeface="Courier New" panose="02070309020205020404" pitchFamily="49" charset="0"/>
-              </a:rPr>
-              <a:t>	return </a:t>
-            </a:r>
-            <a:r>
-              <a:rPr lang="en-US" sz="2000" dirty="0" err="1">
-                <a:latin typeface="Courier New" panose="02070309020205020404" pitchFamily="49" charset="0"/>
-                <a:cs typeface="Courier New" panose="02070309020205020404" pitchFamily="49" charset="0"/>
-              </a:rPr>
-              <a:t>name.equal</a:t>
-            </a:r>
-            <a:r>
-              <a:rPr lang="en-US" sz="2000" dirty="0">
-                <a:latin typeface="Courier New" panose="02070309020205020404" pitchFamily="49" charset="0"/>
-                <a:cs typeface="Courier New" panose="02070309020205020404" pitchFamily="49" charset="0"/>
-              </a:rPr>
-              <a:t>(other.name) &amp;&amp; ounces == </a:t>
-            </a:r>
-            <a:r>
-              <a:rPr lang="en-US" sz="2000" dirty="0" err="1">
-                <a:latin typeface="Courier New" panose="02070309020205020404" pitchFamily="49" charset="0"/>
-                <a:cs typeface="Courier New" panose="02070309020205020404" pitchFamily="49" charset="0"/>
-              </a:rPr>
-              <a:t>other.ounces</a:t>
-            </a:r>
-            <a:r>
-              <a:rPr lang="en-US" sz="2000" dirty="0">
-                <a:latin typeface="Courier New" panose="02070309020205020404" pitchFamily="49" charset="0"/>
-                <a:cs typeface="Courier New" panose="02070309020205020404" pitchFamily="49" charset="0"/>
-              </a:rPr>
-              <a:t>;</a:t>
-            </a:r>
-          </a:p>
-          <a:p>
-            <a:pPr marL="0" indent="0">
-              <a:buNone/>
-            </a:pPr>
-            <a:r>
-              <a:rPr lang="en-US" sz="2000" dirty="0">
-                <a:latin typeface="Courier New" panose="02070309020205020404" pitchFamily="49" charset="0"/>
-                <a:cs typeface="Courier New" panose="02070309020205020404" pitchFamily="49" charset="0"/>
-              </a:rPr>
-              <a:t>}</a:t>
-            </a:r>
-          </a:p>
-          <a:p>
-            <a:pPr marL="0" indent="0">
-              <a:buNone/>
-            </a:pPr>
-            <a:endParaRPr lang="en-US" sz="2000" dirty="0">
-              <a:latin typeface="Courier New" panose="02070309020205020404" pitchFamily="49" charset="0"/>
-              <a:cs typeface="Courier New" panose="02070309020205020404" pitchFamily="49" charset="0"/>
-            </a:endParaRPr>
-          </a:p>
-          <a:p>
-            <a:pPr marL="0" indent="0">
-              <a:buNone/>
-            </a:pPr>
-            <a:r>
               <a:rPr lang="en-US" dirty="0">
                 <a:cs typeface="Courier New" panose="02070309020205020404" pitchFamily="49" charset="0"/>
               </a:rPr>
-              <a:t>What does this let us compare?</a:t>
+              <a:t>Static Binding</a:t>
+            </a:r>
+          </a:p>
+          <a:p>
+            <a:r>
+              <a:rPr lang="en-US" dirty="0">
+                <a:cs typeface="Courier New" panose="02070309020205020404" pitchFamily="49" charset="0"/>
+              </a:rPr>
+              <a:t>At compile time, methods in or inherited by the declared type determine the correctness of a non-static method </a:t>
+            </a:r>
+            <a:r>
+              <a:rPr lang="en-US">
+                <a:cs typeface="Courier New" panose="02070309020205020404" pitchFamily="49" charset="0"/>
+              </a:rPr>
+              <a:t>call </a:t>
             </a:r>
           </a:p>
           <a:p>
@@ -24937,10 +24945,19 @@
               <a:buNone/>
             </a:pPr>
             <a:r>
+              <a:rPr lang="en-US" dirty="0"/>
+              <a:t>Dynamic Binding</a:t>
+            </a:r>
+            <a:endParaRPr lang="en-US" dirty="0">
+              <a:cs typeface="Courier New" panose="02070309020205020404" pitchFamily="49" charset="0"/>
+            </a:endParaRPr>
+          </a:p>
+          <a:p>
+            <a:r>
               <a:rPr lang="en-US" dirty="0">
                 <a:cs typeface="Courier New" panose="02070309020205020404" pitchFamily="49" charset="0"/>
               </a:rPr>
-              <a:t>What are some examples of where this can be useful?</a:t>
+              <a:t>At run-time, the method in the actual object type is executed for a non-static method call</a:t>
             </a:r>
           </a:p>
         </p:txBody>
@@ -24948,7 +24965,7 @@
     </p:spTree>
     <p:extLst>
       <p:ext uri="{BB962C8B-B14F-4D97-AF65-F5344CB8AC3E}">
-        <p14:creationId xmlns:p14="http://schemas.microsoft.com/office/powerpoint/2010/main" val="1493260520"/>
+        <p14:creationId xmlns:p14="http://schemas.microsoft.com/office/powerpoint/2010/main" val="3076692110"/>
       </p:ext>
     </p:extLst>
   </p:cSld>
@@ -25046,129 +25063,6 @@
           <a:p>
             <a:r>
               <a:rPr lang="en-US" dirty="0"/>
-              <a:t>Static vs Dynamic Binding</a:t>
-            </a:r>
-          </a:p>
-        </p:txBody>
-      </p:sp>
-      <p:sp>
-        <p:nvSpPr>
-          <p:cNvPr id="3" name="Content Placeholder 2"/>
-          <p:cNvSpPr>
-            <a:spLocks noGrp="1"/>
-          </p:cNvSpPr>
-          <p:nvPr>
-            <p:ph idx="1"/>
-          </p:nvPr>
-        </p:nvSpPr>
-        <p:spPr/>
-        <p:txBody>
-          <a:bodyPr>
-            <a:normAutofit/>
-          </a:bodyPr>
-          <a:lstStyle/>
-          <a:p>
-            <a:pPr marL="0" indent="0">
-              <a:buNone/>
-            </a:pPr>
-            <a:r>
-              <a:rPr lang="en-US" dirty="0">
-                <a:cs typeface="Courier New" panose="02070309020205020404" pitchFamily="49" charset="0"/>
-              </a:rPr>
-              <a:t>Static Binding</a:t>
-            </a:r>
-          </a:p>
-          <a:p>
-            <a:r>
-              <a:rPr lang="en-US" dirty="0">
-                <a:cs typeface="Courier New" panose="02070309020205020404" pitchFamily="49" charset="0"/>
-              </a:rPr>
-              <a:t>At compile time, methods in or inherited by the declared type determine the correctness of a non-static method </a:t>
-            </a:r>
-            <a:r>
-              <a:rPr lang="en-US">
-                <a:cs typeface="Courier New" panose="02070309020205020404" pitchFamily="49" charset="0"/>
-              </a:rPr>
-              <a:t>call </a:t>
-            </a:r>
-          </a:p>
-          <a:p>
-            <a:pPr marL="0" indent="0">
-              <a:buNone/>
-            </a:pPr>
-            <a:endParaRPr lang="en-US" dirty="0">
-              <a:cs typeface="Courier New" panose="02070309020205020404" pitchFamily="49" charset="0"/>
-            </a:endParaRPr>
-          </a:p>
-          <a:p>
-            <a:pPr marL="0" indent="0">
-              <a:buNone/>
-            </a:pPr>
-            <a:r>
-              <a:rPr lang="en-US" dirty="0"/>
-              <a:t>Dynamic Binding</a:t>
-            </a:r>
-            <a:endParaRPr lang="en-US" dirty="0">
-              <a:cs typeface="Courier New" panose="02070309020205020404" pitchFamily="49" charset="0"/>
-            </a:endParaRPr>
-          </a:p>
-          <a:p>
-            <a:r>
-              <a:rPr lang="en-US" dirty="0">
-                <a:cs typeface="Courier New" panose="02070309020205020404" pitchFamily="49" charset="0"/>
-              </a:rPr>
-              <a:t>At run-time, the method in the actual object type is executed for a non-static method call</a:t>
-            </a:r>
-          </a:p>
-        </p:txBody>
-      </p:sp>
-    </p:spTree>
-    <p:extLst>
-      <p:ext uri="{BB962C8B-B14F-4D97-AF65-F5344CB8AC3E}">
-        <p14:creationId xmlns:p14="http://schemas.microsoft.com/office/powerpoint/2010/main" val="3076692110"/>
-      </p:ext>
-    </p:extLst>
-  </p:cSld>
-  <p:clrMapOvr>
-    <a:masterClrMapping/>
-  </p:clrMapOvr>
-</p:sld>
-</file>
-
-<file path=ppt/slides/slide51.xml><?xml version="1.0" encoding="utf-8"?>
-<p:sld xmlns:a="http://schemas.openxmlformats.org/drawingml/2006/main" xmlns:r="http://schemas.openxmlformats.org/officeDocument/2006/relationships" xmlns:p="http://schemas.openxmlformats.org/presentationml/2006/main">
-  <p:cSld>
-    <p:spTree>
-      <p:nvGrpSpPr>
-        <p:cNvPr id="1" name=""/>
-        <p:cNvGrpSpPr/>
-        <p:nvPr/>
-      </p:nvGrpSpPr>
-      <p:grpSpPr>
-        <a:xfrm>
-          <a:off x="0" y="0"/>
-          <a:ext cx="0" cy="0"/>
-          <a:chOff x="0" y="0"/>
-          <a:chExt cx="0" cy="0"/>
-        </a:xfrm>
-      </p:grpSpPr>
-      <p:sp>
-        <p:nvSpPr>
-          <p:cNvPr id="2" name="Title 1"/>
-          <p:cNvSpPr>
-            <a:spLocks noGrp="1"/>
-          </p:cNvSpPr>
-          <p:nvPr>
-            <p:ph type="title"/>
-          </p:nvPr>
-        </p:nvSpPr>
-        <p:spPr/>
-        <p:txBody>
-          <a:bodyPr/>
-          <a:lstStyle/>
-          <a:p>
-            <a:r>
-              <a:rPr lang="en-US" dirty="0"/>
               <a:t>Practice-It</a:t>
             </a:r>
           </a:p>
@@ -25288,7 +25182,7 @@
 </p:sld>
 </file>
 
-<file path=ppt/slides/slide52.xml><?xml version="1.0" encoding="utf-8"?>
+<file path=ppt/slides/slide51.xml><?xml version="1.0" encoding="utf-8"?>
 <p:sld xmlns:a="http://schemas.openxmlformats.org/drawingml/2006/main" xmlns:r="http://schemas.openxmlformats.org/officeDocument/2006/relationships" xmlns:p="http://schemas.openxmlformats.org/presentationml/2006/main">
   <p:cSld>
     <p:spTree>
@@ -25348,7 +25242,7 @@
 </p:sld>
 </file>
 
-<file path=ppt/slides/slide53.xml><?xml version="1.0" encoding="utf-8"?>
+<file path=ppt/slides/slide52.xml><?xml version="1.0" encoding="utf-8"?>
 <p:sld xmlns:a="http://schemas.openxmlformats.org/drawingml/2006/main" xmlns:r="http://schemas.openxmlformats.org/officeDocument/2006/relationships" xmlns:p="http://schemas.openxmlformats.org/presentationml/2006/main">
   <p:cSld>
     <p:spTree>
@@ -25433,7 +25327,7 @@
 </p:sld>
 </file>
 
-<file path=ppt/slides/slide54.xml><?xml version="1.0" encoding="utf-8"?>
+<file path=ppt/slides/slide53.xml><?xml version="1.0" encoding="utf-8"?>
 <p:sld xmlns:a="http://schemas.openxmlformats.org/drawingml/2006/main" xmlns:r="http://schemas.openxmlformats.org/officeDocument/2006/relationships" xmlns:p="http://schemas.openxmlformats.org/presentationml/2006/main">
   <p:cSld>
     <p:spTree>
@@ -25512,6 +25406,122 @@
     <p:extLst>
       <p:ext uri="{BB962C8B-B14F-4D97-AF65-F5344CB8AC3E}">
         <p14:creationId xmlns:p14="http://schemas.microsoft.com/office/powerpoint/2010/main" val="2044580090"/>
+      </p:ext>
+    </p:extLst>
+  </p:cSld>
+  <p:clrMapOvr>
+    <a:masterClrMapping/>
+  </p:clrMapOvr>
+</p:sld>
+</file>
+
+<file path=ppt/slides/slide54.xml><?xml version="1.0" encoding="utf-8"?>
+<p:sld xmlns:a="http://schemas.openxmlformats.org/drawingml/2006/main" xmlns:r="http://schemas.openxmlformats.org/officeDocument/2006/relationships" xmlns:p="http://schemas.openxmlformats.org/presentationml/2006/main">
+  <p:cSld>
+    <p:spTree>
+      <p:nvGrpSpPr>
+        <p:cNvPr id="1" name=""/>
+        <p:cNvGrpSpPr/>
+        <p:nvPr/>
+      </p:nvGrpSpPr>
+      <p:grpSpPr>
+        <a:xfrm>
+          <a:off x="0" y="0"/>
+          <a:ext cx="0" cy="0"/>
+          <a:chOff x="0" y="0"/>
+          <a:chExt cx="0" cy="0"/>
+        </a:xfrm>
+      </p:grpSpPr>
+      <p:sp>
+        <p:nvSpPr>
+          <p:cNvPr id="2" name="Title 1"/>
+          <p:cNvSpPr>
+            <a:spLocks noGrp="1"/>
+          </p:cNvSpPr>
+          <p:nvPr>
+            <p:ph type="title"/>
+          </p:nvPr>
+        </p:nvSpPr>
+        <p:spPr/>
+        <p:txBody>
+          <a:bodyPr/>
+          <a:lstStyle/>
+          <a:p>
+            <a:r>
+              <a:rPr lang="en-US" dirty="0"/>
+              <a:t>Review: subclass vs. superclass</a:t>
+            </a:r>
+          </a:p>
+        </p:txBody>
+      </p:sp>
+      <p:sp>
+        <p:nvSpPr>
+          <p:cNvPr id="3" name="Content Placeholder 2"/>
+          <p:cNvSpPr>
+            <a:spLocks noGrp="1"/>
+          </p:cNvSpPr>
+          <p:nvPr>
+            <p:ph idx="1"/>
+          </p:nvPr>
+        </p:nvSpPr>
+        <p:spPr/>
+        <p:txBody>
+          <a:bodyPr/>
+          <a:lstStyle/>
+          <a:p>
+            <a:pPr marL="0" indent="0">
+              <a:buNone/>
+            </a:pPr>
+            <a:r>
+              <a:rPr lang="en-US" dirty="0"/>
+              <a:t>subclass “extends” superclass</a:t>
+            </a:r>
+          </a:p>
+          <a:p>
+            <a:pPr marL="0" indent="0">
+              <a:buNone/>
+            </a:pPr>
+            <a:endParaRPr lang="en-US" dirty="0"/>
+          </a:p>
+          <a:p>
+            <a:pPr marL="0" indent="0">
+              <a:buNone/>
+            </a:pPr>
+            <a:r>
+              <a:rPr lang="en-US" dirty="0"/>
+              <a:t>superclass: 	More general, less capability</a:t>
+            </a:r>
+          </a:p>
+          <a:p>
+            <a:pPr marL="0" indent="0">
+              <a:buNone/>
+            </a:pPr>
+            <a:r>
+              <a:rPr lang="en-US" dirty="0"/>
+              <a:t>subclass: 	More specific, more capability</a:t>
+            </a:r>
+          </a:p>
+          <a:p>
+            <a:pPr marL="0" indent="0">
+              <a:buNone/>
+            </a:pPr>
+            <a:endParaRPr lang="en-US" dirty="0"/>
+          </a:p>
+          <a:p>
+            <a:pPr marL="0" indent="0">
+              <a:buNone/>
+            </a:pPr>
+            <a:r>
+              <a:rPr lang="en-US" dirty="0"/>
+              <a:t>Think of a subclass as being “better” than a superclass.</a:t>
+            </a:r>
+          </a:p>
+        </p:txBody>
+      </p:sp>
+    </p:spTree>
+    <p:extLst>
+      <p:ext uri="{BB962C8B-B14F-4D97-AF65-F5344CB8AC3E}">
+        <p14:creationId xmlns:p14="http://schemas.microsoft.com/office/powerpoint/2010/main" val="3665013851"/>
       </p:ext>
     </p:extLst>
   </p:cSld>
@@ -25550,12 +25560,14 @@
         </p:nvSpPr>
         <p:spPr/>
         <p:txBody>
-          <a:bodyPr/>
+          <a:bodyPr>
+            <a:normAutofit/>
+          </a:bodyPr>
           <a:lstStyle/>
           <a:p>
             <a:r>
               <a:rPr lang="en-US" dirty="0"/>
-              <a:t>Review: subclass vs. superclass</a:t>
+              <a:t>Variables and Classes</a:t>
             </a:r>
           </a:p>
         </p:txBody>
@@ -25580,7 +25592,7 @@
             </a:pPr>
             <a:r>
               <a:rPr lang="en-US" dirty="0"/>
-              <a:t>subclass “extends” superclass</a:t>
+              <a:t>Variable can hold objects of its type or “better” (subclass is “better”!)</a:t>
             </a:r>
           </a:p>
           <a:p>
@@ -25595,16 +25607,7 @@
             </a:pPr>
             <a:r>
               <a:rPr lang="en-US" dirty="0"/>
-              <a:t>superclass: 	More general, less capability</a:t>
-            </a:r>
-          </a:p>
-          <a:p>
-            <a:pPr marL="0" indent="0">
-              <a:buNone/>
-            </a:pPr>
-            <a:r>
-              <a:rPr lang="en-US" dirty="0"/>
-              <a:t>subclass: 	More specific, more capability</a:t>
+              <a:t>Same goes for parameters and fields.</a:t>
             </a:r>
           </a:p>
           <a:p>
@@ -25619,7 +25622,74 @@
             </a:pPr>
             <a:r>
               <a:rPr lang="en-US" dirty="0"/>
-              <a:t>Think of a subclass as being “better” than a superclass.</a:t>
+              <a:t>If:	</a:t>
+            </a:r>
+            <a:r>
+              <a:rPr lang="en-US" dirty="0">
+                <a:latin typeface="Courier New" panose="02070309020205020404" pitchFamily="49" charset="0"/>
+                <a:cs typeface="Courier New" panose="02070309020205020404" pitchFamily="49" charset="0"/>
+              </a:rPr>
+              <a:t>public class Lion extends Animal { … }</a:t>
+            </a:r>
+          </a:p>
+          <a:p>
+            <a:pPr marL="0" indent="0">
+              <a:buNone/>
+            </a:pPr>
+            <a:r>
+              <a:rPr lang="en-US" dirty="0"/>
+              <a:t>Then:	</a:t>
+            </a:r>
+            <a:r>
+              <a:rPr lang="en-US" dirty="0">
+                <a:latin typeface="Courier New" panose="02070309020205020404" pitchFamily="49" charset="0"/>
+                <a:cs typeface="Courier New" panose="02070309020205020404" pitchFamily="49" charset="0"/>
+              </a:rPr>
+              <a:t>Animal </a:t>
+            </a:r>
+            <a:r>
+              <a:rPr lang="en-US" dirty="0" err="1">
+                <a:latin typeface="Courier New" panose="02070309020205020404" pitchFamily="49" charset="0"/>
+                <a:cs typeface="Courier New" panose="02070309020205020404" pitchFamily="49" charset="0"/>
+              </a:rPr>
+              <a:t>simba</a:t>
+            </a:r>
+            <a:r>
+              <a:rPr lang="en-US" dirty="0">
+                <a:latin typeface="Courier New" panose="02070309020205020404" pitchFamily="49" charset="0"/>
+                <a:cs typeface="Courier New" panose="02070309020205020404" pitchFamily="49" charset="0"/>
+              </a:rPr>
+              <a:t> = new Animal();</a:t>
+            </a:r>
+          </a:p>
+          <a:p>
+            <a:pPr marL="0" indent="0">
+              <a:buNone/>
+            </a:pPr>
+            <a:r>
+              <a:rPr lang="en-US" dirty="0"/>
+              <a:t>Or:	</a:t>
+            </a:r>
+            <a:r>
+              <a:rPr lang="en-US" dirty="0">
+                <a:latin typeface="Courier New" panose="02070309020205020404" pitchFamily="49" charset="0"/>
+                <a:cs typeface="Courier New" panose="02070309020205020404" pitchFamily="49" charset="0"/>
+              </a:rPr>
+              <a:t>Animal </a:t>
+            </a:r>
+            <a:r>
+              <a:rPr lang="en-US" dirty="0" err="1">
+                <a:latin typeface="Courier New" panose="02070309020205020404" pitchFamily="49" charset="0"/>
+                <a:cs typeface="Courier New" panose="02070309020205020404" pitchFamily="49" charset="0"/>
+              </a:rPr>
+              <a:t>simba</a:t>
+            </a:r>
+            <a:r>
+              <a:rPr lang="en-US" dirty="0">
+                <a:latin typeface="Courier New" panose="02070309020205020404" pitchFamily="49" charset="0"/>
+                <a:cs typeface="Courier New" panose="02070309020205020404" pitchFamily="49" charset="0"/>
+              </a:rPr>
+              <a:t> = new Lion();</a:t>
             </a:r>
           </a:p>
         </p:txBody>
@@ -25627,7 +25697,7 @@
     </p:spTree>
     <p:extLst>
       <p:ext uri="{BB962C8B-B14F-4D97-AF65-F5344CB8AC3E}">
-        <p14:creationId xmlns:p14="http://schemas.microsoft.com/office/powerpoint/2010/main" val="3665013851"/>
+        <p14:creationId xmlns:p14="http://schemas.microsoft.com/office/powerpoint/2010/main" val="4059656631"/>
       </p:ext>
     </p:extLst>
   </p:cSld>
@@ -25698,7 +25768,7 @@
             </a:pPr>
             <a:r>
               <a:rPr lang="en-US" dirty="0"/>
-              <a:t>Variable can hold objects of its type or “better” (subclass is “better”!)</a:t>
+              <a:t>The reverse is NOT true!</a:t>
             </a:r>
           </a:p>
           <a:p>
@@ -25711,10 +25781,7 @@
             <a:pPr marL="0" indent="0">
               <a:buNone/>
             </a:pPr>
-            <a:r>
-              <a:rPr lang="en-US" dirty="0"/>
-              <a:t>Same goes for parameters and fields.</a:t>
-            </a:r>
+            <a:endParaRPr lang="en-US" dirty="0"/>
           </a:p>
           <a:p>
             <a:pPr marL="0" indent="0">
@@ -25751,7 +25818,7 @@
                 <a:latin typeface="Courier New" panose="02070309020205020404" pitchFamily="49" charset="0"/>
                 <a:cs typeface="Courier New" panose="02070309020205020404" pitchFamily="49" charset="0"/>
               </a:rPr>
-              <a:t>Animal </a:t>
+              <a:t>Lion </a:t>
             </a:r>
             <a:r>
               <a:rPr lang="en-US" dirty="0" err="1">
@@ -25765,45 +25832,72 @@
                 <a:latin typeface="Courier New" panose="02070309020205020404" pitchFamily="49" charset="0"/>
                 <a:cs typeface="Courier New" panose="02070309020205020404" pitchFamily="49" charset="0"/>
               </a:rPr>
+              <a:t> = new Lion();</a:t>
+            </a:r>
+          </a:p>
+          <a:p>
+            <a:pPr marL="0" indent="0">
+              <a:buNone/>
+            </a:pPr>
+            <a:r>
+              <a:rPr lang="en-US" strike="sngStrike" dirty="0">
+                <a:solidFill>
+                  <a:srgbClr val="FF0000"/>
+                </a:solidFill>
+              </a:rPr>
+              <a:t>NOT:	</a:t>
+            </a:r>
+            <a:r>
+              <a:rPr lang="en-US" strike="sngStrike" dirty="0">
+                <a:solidFill>
+                  <a:srgbClr val="FF0000"/>
+                </a:solidFill>
+                <a:latin typeface="Courier New" panose="02070309020205020404" pitchFamily="49" charset="0"/>
+                <a:cs typeface="Courier New" panose="02070309020205020404" pitchFamily="49" charset="0"/>
+              </a:rPr>
+              <a:t>Lion </a:t>
+            </a:r>
+            <a:r>
+              <a:rPr lang="en-US" strike="sngStrike" dirty="0" err="1">
+                <a:solidFill>
+                  <a:srgbClr val="FF0000"/>
+                </a:solidFill>
+                <a:latin typeface="Courier New" panose="02070309020205020404" pitchFamily="49" charset="0"/>
+                <a:cs typeface="Courier New" panose="02070309020205020404" pitchFamily="49" charset="0"/>
+              </a:rPr>
+              <a:t>simba</a:t>
+            </a:r>
+            <a:r>
+              <a:rPr lang="en-US" strike="sngStrike" dirty="0">
+                <a:solidFill>
+                  <a:srgbClr val="FF0000"/>
+                </a:solidFill>
+                <a:latin typeface="Courier New" panose="02070309020205020404" pitchFamily="49" charset="0"/>
+                <a:cs typeface="Courier New" panose="02070309020205020404" pitchFamily="49" charset="0"/>
+              </a:rPr>
               <a:t> = new Animal();</a:t>
             </a:r>
-          </a:p>
-          <a:p>
-            <a:pPr marL="0" indent="0">
-              <a:buNone/>
-            </a:pPr>
-            <a:r>
-              <a:rPr lang="en-US" dirty="0"/>
-              <a:t>Or:	</a:t>
-            </a:r>
             <a:r>
               <a:rPr lang="en-US" dirty="0">
                 <a:latin typeface="Courier New" panose="02070309020205020404" pitchFamily="49" charset="0"/>
                 <a:cs typeface="Courier New" panose="02070309020205020404" pitchFamily="49" charset="0"/>
               </a:rPr>
-              <a:t>Animal </a:t>
-            </a:r>
-            <a:r>
-              <a:rPr lang="en-US" dirty="0" err="1">
-                <a:latin typeface="Courier New" panose="02070309020205020404" pitchFamily="49" charset="0"/>
-                <a:cs typeface="Courier New" panose="02070309020205020404" pitchFamily="49" charset="0"/>
-              </a:rPr>
-              <a:t>simba</a:t>
-            </a:r>
-            <a:r>
-              <a:rPr lang="en-US" dirty="0">
-                <a:latin typeface="Courier New" panose="02070309020205020404" pitchFamily="49" charset="0"/>
-                <a:cs typeface="Courier New" panose="02070309020205020404" pitchFamily="49" charset="0"/>
-              </a:rPr>
-              <a:t> = new Lion();</a:t>
-            </a:r>
+              <a:t> (Lions &gt; Animals)</a:t>
+            </a:r>
+            <a:endParaRPr lang="en-US" strike="sngStrike" dirty="0">
+              <a:solidFill>
+                <a:srgbClr val="FF0000"/>
+              </a:solidFill>
+              <a:latin typeface="Courier New" panose="02070309020205020404" pitchFamily="49" charset="0"/>
+              <a:cs typeface="Courier New" panose="02070309020205020404" pitchFamily="49" charset="0"/>
+            </a:endParaRPr>
           </a:p>
         </p:txBody>
       </p:sp>
     </p:spTree>
     <p:extLst>
       <p:ext uri="{BB962C8B-B14F-4D97-AF65-F5344CB8AC3E}">
-        <p14:creationId xmlns:p14="http://schemas.microsoft.com/office/powerpoint/2010/main" val="4059656631"/>
+        <p14:creationId xmlns:p14="http://schemas.microsoft.com/office/powerpoint/2010/main" val="2523262568"/>
       </p:ext>
     </p:extLst>
   </p:cSld>
@@ -25842,14 +25936,12 @@
         </p:nvSpPr>
         <p:spPr/>
         <p:txBody>
-          <a:bodyPr>
-            <a:normAutofit/>
-          </a:bodyPr>
+          <a:bodyPr/>
           <a:lstStyle/>
           <a:p>
             <a:r>
               <a:rPr lang="en-US" dirty="0"/>
-              <a:t>Variables and Classes</a:t>
+              <a:t>Once again:</a:t>
             </a:r>
           </a:p>
         </p:txBody>
@@ -25874,7 +25966,7 @@
             </a:pPr>
             <a:r>
               <a:rPr lang="en-US" dirty="0"/>
-              <a:t>The reverse is NOT true!</a:t>
+              <a:t>IF a variable points to an objects…</a:t>
             </a:r>
           </a:p>
           <a:p>
@@ -25887,7 +25979,10 @@
             <a:pPr marL="0" indent="0">
               <a:buNone/>
             </a:pPr>
-            <a:endParaRPr lang="en-US" dirty="0"/>
+            <a:r>
+              <a:rPr lang="en-US" dirty="0"/>
+              <a:t>THEN the object must be of the same type as the variable or “better”</a:t>
+            </a:r>
           </a:p>
           <a:p>
             <a:pPr marL="0" indent="0">
@@ -25899,111 +25994,23 @@
             <a:pPr marL="0" indent="0">
               <a:buNone/>
             </a:pPr>
+            <a:endParaRPr lang="en-US" dirty="0"/>
+          </a:p>
+          <a:p>
+            <a:pPr marL="0" indent="0">
+              <a:buNone/>
+            </a:pPr>
             <a:r>
               <a:rPr lang="en-US" dirty="0"/>
-              <a:t>If:	</a:t>
-            </a:r>
-            <a:r>
-              <a:rPr lang="en-US" dirty="0">
-                <a:latin typeface="Courier New" panose="02070309020205020404" pitchFamily="49" charset="0"/>
-                <a:cs typeface="Courier New" panose="02070309020205020404" pitchFamily="49" charset="0"/>
-              </a:rPr>
-              <a:t>public class Lion extends Animal { … }</a:t>
-            </a:r>
-          </a:p>
-          <a:p>
-            <a:pPr marL="0" indent="0">
-              <a:buNone/>
-            </a:pPr>
-            <a:r>
-              <a:rPr lang="en-US" dirty="0"/>
-              <a:t>Then:	</a:t>
-            </a:r>
-            <a:r>
-              <a:rPr lang="en-US" dirty="0">
-                <a:latin typeface="Courier New" panose="02070309020205020404" pitchFamily="49" charset="0"/>
-                <a:cs typeface="Courier New" panose="02070309020205020404" pitchFamily="49" charset="0"/>
-              </a:rPr>
-              <a:t>Lion </a:t>
-            </a:r>
-            <a:r>
-              <a:rPr lang="en-US" dirty="0" err="1">
-                <a:latin typeface="Courier New" panose="02070309020205020404" pitchFamily="49" charset="0"/>
-                <a:cs typeface="Courier New" panose="02070309020205020404" pitchFamily="49" charset="0"/>
-              </a:rPr>
-              <a:t>simba</a:t>
-            </a:r>
-            <a:r>
-              <a:rPr lang="en-US" dirty="0">
-                <a:latin typeface="Courier New" panose="02070309020205020404" pitchFamily="49" charset="0"/>
-                <a:cs typeface="Courier New" panose="02070309020205020404" pitchFamily="49" charset="0"/>
-              </a:rPr>
-              <a:t> = new Lion();</a:t>
-            </a:r>
-          </a:p>
-          <a:p>
-            <a:pPr marL="0" indent="0">
-              <a:buNone/>
-            </a:pPr>
-            <a:r>
-              <a:rPr lang="en-US" strike="sngStrike" dirty="0">
-                <a:solidFill>
-                  <a:srgbClr val="FF0000"/>
-                </a:solidFill>
-              </a:rPr>
-              <a:t>NOT:	</a:t>
-            </a:r>
-            <a:r>
-              <a:rPr lang="en-US" strike="sngStrike" dirty="0">
-                <a:solidFill>
-                  <a:srgbClr val="FF0000"/>
-                </a:solidFill>
-                <a:latin typeface="Courier New" panose="02070309020205020404" pitchFamily="49" charset="0"/>
-                <a:cs typeface="Courier New" panose="02070309020205020404" pitchFamily="49" charset="0"/>
-              </a:rPr>
-              <a:t>Lion </a:t>
-            </a:r>
-            <a:r>
-              <a:rPr lang="en-US" strike="sngStrike" dirty="0" err="1">
-                <a:solidFill>
-                  <a:srgbClr val="FF0000"/>
-                </a:solidFill>
-                <a:latin typeface="Courier New" panose="02070309020205020404" pitchFamily="49" charset="0"/>
-                <a:cs typeface="Courier New" panose="02070309020205020404" pitchFamily="49" charset="0"/>
-              </a:rPr>
-              <a:t>simba</a:t>
-            </a:r>
-            <a:r>
-              <a:rPr lang="en-US" strike="sngStrike" dirty="0">
-                <a:solidFill>
-                  <a:srgbClr val="FF0000"/>
-                </a:solidFill>
-                <a:latin typeface="Courier New" panose="02070309020205020404" pitchFamily="49" charset="0"/>
-                <a:cs typeface="Courier New" panose="02070309020205020404" pitchFamily="49" charset="0"/>
-              </a:rPr>
-              <a:t> = new Animal();</a:t>
-            </a:r>
-            <a:r>
-              <a:rPr lang="en-US" dirty="0">
-                <a:latin typeface="Courier New" panose="02070309020205020404" pitchFamily="49" charset="0"/>
-                <a:cs typeface="Courier New" panose="02070309020205020404" pitchFamily="49" charset="0"/>
-              </a:rPr>
-              <a:t> (Lions &gt; Animals)</a:t>
-            </a:r>
-            <a:endParaRPr lang="en-US" strike="sngStrike" dirty="0">
-              <a:solidFill>
-                <a:srgbClr val="FF0000"/>
-              </a:solidFill>
-              <a:latin typeface="Courier New" panose="02070309020205020404" pitchFamily="49" charset="0"/>
-              <a:cs typeface="Courier New" panose="02070309020205020404" pitchFamily="49" charset="0"/>
-            </a:endParaRPr>
+              <a:t>That means that the object can be a subtype of the variable type!</a:t>
+            </a:r>
           </a:p>
         </p:txBody>
       </p:sp>
     </p:spTree>
     <p:extLst>
       <p:ext uri="{BB962C8B-B14F-4D97-AF65-F5344CB8AC3E}">
-        <p14:creationId xmlns:p14="http://schemas.microsoft.com/office/powerpoint/2010/main" val="2523262568"/>
+        <p14:creationId xmlns:p14="http://schemas.microsoft.com/office/powerpoint/2010/main" val="1506096866"/>
       </p:ext>
     </p:extLst>
   </p:cSld>
@@ -26047,7 +26054,7 @@
           <a:p>
             <a:r>
               <a:rPr lang="en-US" dirty="0"/>
-              <a:t>Once again:</a:t>
+              <a:t>Polymorphism</a:t>
             </a:r>
           </a:p>
         </p:txBody>
@@ -26072,7 +26079,7 @@
             </a:pPr>
             <a:r>
               <a:rPr lang="en-US" dirty="0"/>
-              <a:t>IF a variable points to an objects…</a:t>
+              <a:t>The ability to use the same code with different types of objects and behave differently with each.</a:t>
             </a:r>
           </a:p>
           <a:p>
@@ -26086,8 +26093,25 @@
               <a:buNone/>
             </a:pPr>
             <a:r>
-              <a:rPr lang="en-US" dirty="0"/>
-              <a:t>THEN the object must be of the same type as the variable or “better”</a:t>
+              <a:rPr lang="en-US" dirty="0">
+                <a:latin typeface="Courier New" panose="02070309020205020404" pitchFamily="49" charset="0"/>
+                <a:cs typeface="Courier New" panose="02070309020205020404" pitchFamily="49" charset="0"/>
+              </a:rPr>
+              <a:t>Animal </a:t>
+            </a:r>
+            <a:r>
+              <a:rPr lang="en-US" dirty="0" err="1">
+                <a:latin typeface="Courier New" panose="02070309020205020404" pitchFamily="49" charset="0"/>
+                <a:cs typeface="Courier New" panose="02070309020205020404" pitchFamily="49" charset="0"/>
+              </a:rPr>
+              <a:t>simba</a:t>
+            </a:r>
+            <a:r>
+              <a:rPr lang="en-US" dirty="0">
+                <a:latin typeface="Courier New" panose="02070309020205020404" pitchFamily="49" charset="0"/>
+                <a:cs typeface="Courier New" panose="02070309020205020404" pitchFamily="49" charset="0"/>
+              </a:rPr>
+              <a:t> = new Lion();</a:t>
             </a:r>
           </a:p>
           <a:p>
@@ -26100,15 +26124,9 @@
             <a:pPr marL="0" indent="0">
               <a:buNone/>
             </a:pPr>
-            <a:endParaRPr lang="en-US" dirty="0"/>
-          </a:p>
-          <a:p>
-            <a:pPr marL="0" indent="0">
-              <a:buNone/>
-            </a:pPr>
             <a:r>
               <a:rPr lang="en-US" dirty="0"/>
-              <a:t>That means that the object can be a subtype of the variable type!</a:t>
+              <a:t>What behaviors does this object have?</a:t>
             </a:r>
           </a:p>
         </p:txBody>
@@ -26116,7 +26134,7 @@
     </p:spTree>
     <p:extLst>
       <p:ext uri="{BB962C8B-B14F-4D97-AF65-F5344CB8AC3E}">
-        <p14:creationId xmlns:p14="http://schemas.microsoft.com/office/powerpoint/2010/main" val="1506096866"/>
+        <p14:creationId xmlns:p14="http://schemas.microsoft.com/office/powerpoint/2010/main" val="1384254036"/>
       </p:ext>
     </p:extLst>
   </p:cSld>
@@ -26184,15 +26202,21 @@
               <a:buNone/>
             </a:pPr>
             <a:r>
-              <a:rPr lang="en-US" dirty="0"/>
-              <a:t>The ability to use the same code with different types of objects and behave differently with each.</a:t>
+              <a:rPr lang="en-US" dirty="0">
+                <a:latin typeface="Courier New" panose="02070309020205020404" pitchFamily="49" charset="0"/>
+                <a:cs typeface="Courier New" panose="02070309020205020404" pitchFamily="49" charset="0"/>
+              </a:rPr>
+              <a:t>public class Lion extends Animal { … }</a:t>
             </a:r>
           </a:p>
           <a:p>
             <a:pPr marL="0" indent="0">
               <a:buNone/>
             </a:pPr>
-            <a:endParaRPr lang="en-US" dirty="0"/>
+            <a:endParaRPr lang="en-US" dirty="0">
+              <a:latin typeface="Courier New" panose="02070309020205020404" pitchFamily="49" charset="0"/>
+              <a:cs typeface="Courier New" panose="02070309020205020404" pitchFamily="49" charset="0"/>
+            </a:endParaRPr>
           </a:p>
           <a:p>
             <a:pPr marL="0" indent="0">
@@ -26224,15 +26248,77 @@
             <a:pPr marL="0" indent="0">
               <a:buNone/>
             </a:pPr>
-            <a:endParaRPr lang="en-US" dirty="0"/>
+            <a:endParaRPr lang="en-US" dirty="0">
+              <a:latin typeface="Courier New" panose="02070309020205020404" pitchFamily="49" charset="0"/>
+              <a:cs typeface="Courier New" panose="02070309020205020404" pitchFamily="49" charset="0"/>
+            </a:endParaRPr>
           </a:p>
           <a:p>
             <a:pPr marL="0" indent="0">
               <a:buNone/>
             </a:pPr>
             <a:r>
-              <a:rPr lang="en-US" dirty="0"/>
-              <a:t>What behaviors does this object have?</a:t>
+              <a:rPr lang="en-US" dirty="0" err="1">
+                <a:latin typeface="Courier New" panose="02070309020205020404" pitchFamily="49" charset="0"/>
+                <a:cs typeface="Courier New" panose="02070309020205020404" pitchFamily="49" charset="0"/>
+              </a:rPr>
+              <a:t>System.out.prinln</a:t>
+            </a:r>
+            <a:r>
+              <a:rPr lang="en-US" dirty="0">
+                <a:latin typeface="Courier New" panose="02070309020205020404" pitchFamily="49" charset="0"/>
+                <a:cs typeface="Courier New" panose="02070309020205020404" pitchFamily="49" charset="0"/>
+              </a:rPr>
+              <a:t>(</a:t>
+            </a:r>
+            <a:r>
+              <a:rPr lang="en-US" dirty="0" err="1">
+                <a:latin typeface="Courier New" panose="02070309020205020404" pitchFamily="49" charset="0"/>
+                <a:cs typeface="Courier New" panose="02070309020205020404" pitchFamily="49" charset="0"/>
+              </a:rPr>
+              <a:t>simba.say</a:t>
+            </a:r>
+            <a:r>
+              <a:rPr lang="en-US" dirty="0">
+                <a:latin typeface="Courier New" panose="02070309020205020404" pitchFamily="49" charset="0"/>
+                <a:cs typeface="Courier New" panose="02070309020205020404" pitchFamily="49" charset="0"/>
+              </a:rPr>
+              <a:t>());</a:t>
+            </a:r>
+          </a:p>
+          <a:p>
+            <a:pPr marL="0" indent="0">
+              <a:buNone/>
+            </a:pPr>
+            <a:endParaRPr lang="en-US" dirty="0">
+              <a:latin typeface="Courier New" panose="02070309020205020404" pitchFamily="49" charset="0"/>
+              <a:cs typeface="Courier New" panose="02070309020205020404" pitchFamily="49" charset="0"/>
+            </a:endParaRPr>
+          </a:p>
+          <a:p>
+            <a:pPr marL="0" indent="0">
+              <a:buNone/>
+            </a:pPr>
+            <a:r>
+              <a:rPr lang="en-US" dirty="0">
+                <a:latin typeface="Courier New" panose="02070309020205020404" pitchFamily="49" charset="0"/>
+                <a:cs typeface="Courier New" panose="02070309020205020404" pitchFamily="49" charset="0"/>
+              </a:rPr>
+              <a:t>Output: “</a:t>
+            </a:r>
+            <a:r>
+              <a:rPr lang="en-US" dirty="0" err="1">
+                <a:latin typeface="Courier New" panose="02070309020205020404" pitchFamily="49" charset="0"/>
+                <a:cs typeface="Courier New" panose="02070309020205020404" pitchFamily="49" charset="0"/>
+              </a:rPr>
+              <a:t>Rawr</a:t>
+            </a:r>
+            <a:r>
+              <a:rPr lang="en-US" dirty="0">
+                <a:latin typeface="Courier New" panose="02070309020205020404" pitchFamily="49" charset="0"/>
+                <a:cs typeface="Courier New" panose="02070309020205020404" pitchFamily="49" charset="0"/>
+              </a:rPr>
+              <a:t>!!”</a:t>
             </a:r>
           </a:p>
         </p:txBody>
@@ -26240,7 +26326,7 @@
     </p:spTree>
     <p:extLst>
       <p:ext uri="{BB962C8B-B14F-4D97-AF65-F5344CB8AC3E}">
-        <p14:creationId xmlns:p14="http://schemas.microsoft.com/office/powerpoint/2010/main" val="1384254036"/>
+        <p14:creationId xmlns:p14="http://schemas.microsoft.com/office/powerpoint/2010/main" val="4052956799"/>
       </p:ext>
     </p:extLst>
   </p:cSld>
@@ -26338,7 +26424,7 @@
           <a:p>
             <a:r>
               <a:rPr lang="en-US" dirty="0"/>
-              <a:t>Polymorphism</a:t>
+              <a:t>The Exercise</a:t>
             </a:r>
           </a:p>
         </p:txBody>
@@ -26353,20 +26439,32 @@
             <p:ph idx="1"/>
           </p:nvPr>
         </p:nvSpPr>
-        <p:spPr/>
+        <p:spPr>
+          <a:xfrm>
+            <a:off x="838200" y="2057399"/>
+            <a:ext cx="10707168" cy="4119563"/>
+          </a:xfrm>
+        </p:spPr>
         <p:txBody>
-          <a:bodyPr/>
+          <a:bodyPr>
+            <a:normAutofit fontScale="70000" lnSpcReduction="20000"/>
+          </a:bodyPr>
           <a:lstStyle/>
           <a:p>
             <a:pPr marL="0" indent="0">
               <a:buNone/>
             </a:pPr>
             <a:r>
-              <a:rPr lang="en-US" dirty="0">
-                <a:latin typeface="Courier New" panose="02070309020205020404" pitchFamily="49" charset="0"/>
-                <a:cs typeface="Courier New" panose="02070309020205020404" pitchFamily="49" charset="0"/>
-              </a:rPr>
-              <a:t>public class Lion extends Animal { … }</a:t>
+              <a:rPr lang="en-US" sz="3400" dirty="0"/>
+              <a:t>Given the preceding classes, what would be the </a:t>
+            </a:r>
+            <a:r>
+              <a:rPr lang="en-US" sz="3400" b="1" dirty="0"/>
+              <a:t>output</a:t>
+            </a:r>
+            <a:r>
+              <a:rPr lang="en-US" sz="3400" dirty="0"/>
+              <a:t> of the following client code?</a:t>
             </a:r>
           </a:p>
           <a:p>
@@ -26383,25 +26481,98 @@
               <a:buNone/>
             </a:pPr>
             <a:r>
+              <a:rPr lang="en-US" dirty="0" err="1">
+                <a:latin typeface="Courier New" panose="02070309020205020404" pitchFamily="49" charset="0"/>
+                <a:cs typeface="Courier New" panose="02070309020205020404" pitchFamily="49" charset="0"/>
+              </a:rPr>
+              <a:t>MusicalInstrument</a:t>
+            </a:r>
+            <a:r>
               <a:rPr lang="en-US" dirty="0">
                 <a:latin typeface="Courier New" panose="02070309020205020404" pitchFamily="49" charset="0"/>
                 <a:cs typeface="Courier New" panose="02070309020205020404" pitchFamily="49" charset="0"/>
               </a:rPr>
-              <a:t>Animal </a:t>
+              <a:t>[] </a:t>
             </a:r>
             <a:r>
               <a:rPr lang="en-US" dirty="0" err="1">
                 <a:latin typeface="Courier New" panose="02070309020205020404" pitchFamily="49" charset="0"/>
                 <a:cs typeface="Courier New" panose="02070309020205020404" pitchFamily="49" charset="0"/>
               </a:rPr>
-              <a:t>simba</a:t>
+              <a:t>insts</a:t>
             </a:r>
             <a:r>
               <a:rPr lang="en-US" dirty="0">
                 <a:latin typeface="Courier New" panose="02070309020205020404" pitchFamily="49" charset="0"/>
                 <a:cs typeface="Courier New" panose="02070309020205020404" pitchFamily="49" charset="0"/>
               </a:rPr>
-              <a:t> = new Lion();</a:t>
+              <a:t> = {</a:t>
+            </a:r>
+          </a:p>
+          <a:p>
+            <a:pPr marL="0" indent="0">
+              <a:buNone/>
+            </a:pPr>
+            <a:r>
+              <a:rPr lang="en-US" dirty="0">
+                <a:latin typeface="Courier New" panose="02070309020205020404" pitchFamily="49" charset="0"/>
+                <a:cs typeface="Courier New" panose="02070309020205020404" pitchFamily="49" charset="0"/>
+              </a:rPr>
+              <a:t>	new </a:t>
+            </a:r>
+            <a:r>
+              <a:rPr lang="en-US" dirty="0" err="1">
+                <a:latin typeface="Courier New" panose="02070309020205020404" pitchFamily="49" charset="0"/>
+                <a:cs typeface="Courier New" panose="02070309020205020404" pitchFamily="49" charset="0"/>
+              </a:rPr>
+              <a:t>MusicalInstrument</a:t>
+            </a:r>
+            <a:r>
+              <a:rPr lang="en-US" dirty="0">
+                <a:latin typeface="Courier New" panose="02070309020205020404" pitchFamily="49" charset="0"/>
+                <a:cs typeface="Courier New" panose="02070309020205020404" pitchFamily="49" charset="0"/>
+              </a:rPr>
+              <a:t>(), new </a:t>
+            </a:r>
+            <a:r>
+              <a:rPr lang="en-US" dirty="0" err="1">
+                <a:latin typeface="Courier New" panose="02070309020205020404" pitchFamily="49" charset="0"/>
+                <a:cs typeface="Courier New" panose="02070309020205020404" pitchFamily="49" charset="0"/>
+              </a:rPr>
+              <a:t>ElectricKeyboard</a:t>
+            </a:r>
+            <a:r>
+              <a:rPr lang="en-US" dirty="0">
+                <a:latin typeface="Courier New" panose="02070309020205020404" pitchFamily="49" charset="0"/>
+                <a:cs typeface="Courier New" panose="02070309020205020404" pitchFamily="49" charset="0"/>
+              </a:rPr>
+              <a:t>(),</a:t>
+            </a:r>
+          </a:p>
+          <a:p>
+            <a:pPr marL="0" indent="0">
+              <a:buNone/>
+            </a:pPr>
+            <a:r>
+              <a:rPr lang="en-US" dirty="0">
+                <a:latin typeface="Courier New" panose="02070309020205020404" pitchFamily="49" charset="0"/>
+                <a:cs typeface="Courier New" panose="02070309020205020404" pitchFamily="49" charset="0"/>
+              </a:rPr>
+              <a:t> 	new Guitar(), new </a:t>
+            </a:r>
+            <a:r>
+              <a:rPr lang="en-US" dirty="0" err="1">
+                <a:latin typeface="Courier New" panose="02070309020205020404" pitchFamily="49" charset="0"/>
+                <a:cs typeface="Courier New" panose="02070309020205020404" pitchFamily="49" charset="0"/>
+              </a:rPr>
+              <a:t>ElectricGuitar</a:t>
+            </a:r>
+            <a:r>
+              <a:rPr lang="en-US" dirty="0">
+                <a:latin typeface="Courier New" panose="02070309020205020404" pitchFamily="49" charset="0"/>
+                <a:cs typeface="Courier New" panose="02070309020205020404" pitchFamily="49" charset="0"/>
+              </a:rPr>
+              <a:t>() };</a:t>
             </a:r>
           </a:p>
           <a:p>
@@ -26418,17 +26589,106 @@
               <a:buNone/>
             </a:pPr>
             <a:r>
+              <a:rPr lang="en-US" dirty="0">
+                <a:latin typeface="Courier New" panose="02070309020205020404" pitchFamily="49" charset="0"/>
+                <a:cs typeface="Courier New" panose="02070309020205020404" pitchFamily="49" charset="0"/>
+              </a:rPr>
+              <a:t>for (</a:t>
+            </a:r>
+            <a:r>
               <a:rPr lang="en-US" dirty="0" err="1">
                 <a:latin typeface="Courier New" panose="02070309020205020404" pitchFamily="49" charset="0"/>
                 <a:cs typeface="Courier New" panose="02070309020205020404" pitchFamily="49" charset="0"/>
               </a:rPr>
-              <a:t>System.out.prinln</a:t>
+              <a:t>int</a:t>
             </a:r>
             <a:r>
               <a:rPr lang="en-US" dirty="0">
                 <a:latin typeface="Courier New" panose="02070309020205020404" pitchFamily="49" charset="0"/>
                 <a:cs typeface="Courier New" panose="02070309020205020404" pitchFamily="49" charset="0"/>
               </a:rPr>
+              <a:t> </a:t>
+            </a:r>
+            <a:r>
+              <a:rPr lang="en-US" dirty="0" err="1">
+                <a:latin typeface="Courier New" panose="02070309020205020404" pitchFamily="49" charset="0"/>
+                <a:cs typeface="Courier New" panose="02070309020205020404" pitchFamily="49" charset="0"/>
+              </a:rPr>
+              <a:t>i</a:t>
+            </a:r>
+            <a:r>
+              <a:rPr lang="en-US" dirty="0">
+                <a:latin typeface="Courier New" panose="02070309020205020404" pitchFamily="49" charset="0"/>
+                <a:cs typeface="Courier New" panose="02070309020205020404" pitchFamily="49" charset="0"/>
+              </a:rPr>
+              <a:t> = 0; </a:t>
+            </a:r>
+            <a:r>
+              <a:rPr lang="en-US" dirty="0" err="1">
+                <a:latin typeface="Courier New" panose="02070309020205020404" pitchFamily="49" charset="0"/>
+                <a:cs typeface="Courier New" panose="02070309020205020404" pitchFamily="49" charset="0"/>
+              </a:rPr>
+              <a:t>i</a:t>
+            </a:r>
+            <a:r>
+              <a:rPr lang="en-US" dirty="0">
+                <a:latin typeface="Courier New" panose="02070309020205020404" pitchFamily="49" charset="0"/>
+                <a:cs typeface="Courier New" panose="02070309020205020404" pitchFamily="49" charset="0"/>
+              </a:rPr>
+              <a:t> &lt; </a:t>
+            </a:r>
+            <a:r>
+              <a:rPr lang="en-US" dirty="0" err="1">
+                <a:latin typeface="Courier New" panose="02070309020205020404" pitchFamily="49" charset="0"/>
+                <a:cs typeface="Courier New" panose="02070309020205020404" pitchFamily="49" charset="0"/>
+              </a:rPr>
+              <a:t>insts.length</a:t>
+            </a:r>
+            <a:r>
+              <a:rPr lang="en-US" dirty="0">
+                <a:latin typeface="Courier New" panose="02070309020205020404" pitchFamily="49" charset="0"/>
+                <a:cs typeface="Courier New" panose="02070309020205020404" pitchFamily="49" charset="0"/>
+              </a:rPr>
+              <a:t>; </a:t>
+            </a:r>
+            <a:r>
+              <a:rPr lang="en-US" dirty="0" err="1">
+                <a:latin typeface="Courier New" panose="02070309020205020404" pitchFamily="49" charset="0"/>
+                <a:cs typeface="Courier New" panose="02070309020205020404" pitchFamily="49" charset="0"/>
+              </a:rPr>
+              <a:t>i</a:t>
+            </a:r>
+            <a:r>
+              <a:rPr lang="en-US" dirty="0">
+                <a:latin typeface="Courier New" panose="02070309020205020404" pitchFamily="49" charset="0"/>
+                <a:cs typeface="Courier New" panose="02070309020205020404" pitchFamily="49" charset="0"/>
+              </a:rPr>
+              <a:t>++) {</a:t>
+            </a:r>
+          </a:p>
+          <a:p>
+            <a:pPr marL="0" indent="0">
+              <a:buNone/>
+            </a:pPr>
+            <a:r>
+              <a:rPr lang="en-US" dirty="0">
+                <a:latin typeface="Courier New" panose="02070309020205020404" pitchFamily="49" charset="0"/>
+                <a:cs typeface="Courier New" panose="02070309020205020404" pitchFamily="49" charset="0"/>
+              </a:rPr>
+              <a:t>	</a:t>
+            </a:r>
+            <a:r>
+              <a:rPr lang="en-US" dirty="0" err="1">
+                <a:latin typeface="Courier New" panose="02070309020205020404" pitchFamily="49" charset="0"/>
+                <a:cs typeface="Courier New" panose="02070309020205020404" pitchFamily="49" charset="0"/>
+              </a:rPr>
+              <a:t>System.out.println</a:t>
+            </a:r>
+            <a:r>
+              <a:rPr lang="en-US" dirty="0">
+                <a:latin typeface="Courier New" panose="02070309020205020404" pitchFamily="49" charset="0"/>
+                <a:cs typeface="Courier New" panose="02070309020205020404" pitchFamily="49" charset="0"/>
+              </a:rPr>
               <a:t>(</a:t>
             </a:r>
             <a:r>
@@ -26436,24 +26696,83 @@
                 <a:latin typeface="Courier New" panose="02070309020205020404" pitchFamily="49" charset="0"/>
                 <a:cs typeface="Courier New" panose="02070309020205020404" pitchFamily="49" charset="0"/>
               </a:rPr>
-              <a:t>simba.say</a:t>
+              <a:t>insts</a:t>
             </a:r>
             <a:r>
               <a:rPr lang="en-US" dirty="0">
                 <a:latin typeface="Courier New" panose="02070309020205020404" pitchFamily="49" charset="0"/>
                 <a:cs typeface="Courier New" panose="02070309020205020404" pitchFamily="49" charset="0"/>
               </a:rPr>
-              <a:t>());</a:t>
+              <a:t>[</a:t>
+            </a:r>
+            <a:r>
+              <a:rPr lang="en-US" dirty="0" err="1">
+                <a:latin typeface="Courier New" panose="02070309020205020404" pitchFamily="49" charset="0"/>
+                <a:cs typeface="Courier New" panose="02070309020205020404" pitchFamily="49" charset="0"/>
+              </a:rPr>
+              <a:t>i</a:t>
+            </a:r>
+            <a:r>
+              <a:rPr lang="en-US" dirty="0">
+                <a:latin typeface="Courier New" panose="02070309020205020404" pitchFamily="49" charset="0"/>
+                <a:cs typeface="Courier New" panose="02070309020205020404" pitchFamily="49" charset="0"/>
+              </a:rPr>
+              <a:t>]);</a:t>
             </a:r>
           </a:p>
           <a:p>
             <a:pPr marL="0" indent="0">
               <a:buNone/>
             </a:pPr>
-            <a:endParaRPr lang="en-US" dirty="0">
-              <a:latin typeface="Courier New" panose="02070309020205020404" pitchFamily="49" charset="0"/>
-              <a:cs typeface="Courier New" panose="02070309020205020404" pitchFamily="49" charset="0"/>
-            </a:endParaRPr>
+            <a:r>
+              <a:rPr lang="en-US" dirty="0">
+                <a:latin typeface="Courier New" panose="02070309020205020404" pitchFamily="49" charset="0"/>
+                <a:cs typeface="Courier New" panose="02070309020205020404" pitchFamily="49" charset="0"/>
+              </a:rPr>
+              <a:t>    	</a:t>
+            </a:r>
+            <a:r>
+              <a:rPr lang="en-US" dirty="0" err="1">
+                <a:latin typeface="Courier New" panose="02070309020205020404" pitchFamily="49" charset="0"/>
+                <a:cs typeface="Courier New" panose="02070309020205020404" pitchFamily="49" charset="0"/>
+              </a:rPr>
+              <a:t>insts</a:t>
+            </a:r>
+            <a:r>
+              <a:rPr lang="en-US" dirty="0">
+                <a:latin typeface="Courier New" panose="02070309020205020404" pitchFamily="49" charset="0"/>
+                <a:cs typeface="Courier New" panose="02070309020205020404" pitchFamily="49" charset="0"/>
+              </a:rPr>
+              <a:t> [</a:t>
+            </a:r>
+            <a:r>
+              <a:rPr lang="en-US" dirty="0" err="1">
+                <a:latin typeface="Courier New" panose="02070309020205020404" pitchFamily="49" charset="0"/>
+                <a:cs typeface="Courier New" panose="02070309020205020404" pitchFamily="49" charset="0"/>
+              </a:rPr>
+              <a:t>i</a:t>
+            </a:r>
+            <a:r>
+              <a:rPr lang="en-US" dirty="0">
+                <a:latin typeface="Courier New" panose="02070309020205020404" pitchFamily="49" charset="0"/>
+                <a:cs typeface="Courier New" panose="02070309020205020404" pitchFamily="49" charset="0"/>
+              </a:rPr>
+              <a:t>].</a:t>
+            </a:r>
+            <a:r>
+              <a:rPr lang="en-US" dirty="0" err="1">
+                <a:latin typeface="Courier New" panose="02070309020205020404" pitchFamily="49" charset="0"/>
+                <a:cs typeface="Courier New" panose="02070309020205020404" pitchFamily="49" charset="0"/>
+              </a:rPr>
+              <a:t>pickSound</a:t>
+            </a:r>
+            <a:r>
+              <a:rPr lang="en-US" dirty="0">
+                <a:latin typeface="Courier New" panose="02070309020205020404" pitchFamily="49" charset="0"/>
+                <a:cs typeface="Courier New" panose="02070309020205020404" pitchFamily="49" charset="0"/>
+              </a:rPr>
+              <a:t>();</a:t>
+            </a:r>
           </a:p>
           <a:p>
             <a:pPr marL="0" indent="0">
@@ -26464,21 +26783,87 @@
                 <a:latin typeface="Courier New" panose="02070309020205020404" pitchFamily="49" charset="0"/>
                 <a:cs typeface="Courier New" panose="02070309020205020404" pitchFamily="49" charset="0"/>
               </a:rPr>
-              <a:t>Output: “</a:t>
+              <a:t>    	</a:t>
             </a:r>
             <a:r>
               <a:rPr lang="en-US" dirty="0" err="1">
                 <a:latin typeface="Courier New" panose="02070309020205020404" pitchFamily="49" charset="0"/>
                 <a:cs typeface="Courier New" panose="02070309020205020404" pitchFamily="49" charset="0"/>
               </a:rPr>
-              <a:t>Rawr</a:t>
+              <a:t>insts</a:t>
             </a:r>
             <a:r>
               <a:rPr lang="en-US" dirty="0">
                 <a:latin typeface="Courier New" panose="02070309020205020404" pitchFamily="49" charset="0"/>
                 <a:cs typeface="Courier New" panose="02070309020205020404" pitchFamily="49" charset="0"/>
               </a:rPr>
-              <a:t>!!”</a:t>
+              <a:t> [</a:t>
+            </a:r>
+            <a:r>
+              <a:rPr lang="en-US" dirty="0" err="1">
+                <a:latin typeface="Courier New" panose="02070309020205020404" pitchFamily="49" charset="0"/>
+                <a:cs typeface="Courier New" panose="02070309020205020404" pitchFamily="49" charset="0"/>
+              </a:rPr>
+              <a:t>i</a:t>
+            </a:r>
+            <a:r>
+              <a:rPr lang="en-US" dirty="0">
+                <a:latin typeface="Courier New" panose="02070309020205020404" pitchFamily="49" charset="0"/>
+                <a:cs typeface="Courier New" panose="02070309020205020404" pitchFamily="49" charset="0"/>
+              </a:rPr>
+              <a:t>].</a:t>
+            </a:r>
+            <a:r>
+              <a:rPr lang="en-US" dirty="0" err="1">
+                <a:latin typeface="Courier New" panose="02070309020205020404" pitchFamily="49" charset="0"/>
+                <a:cs typeface="Courier New" panose="02070309020205020404" pitchFamily="49" charset="0"/>
+              </a:rPr>
+              <a:t>playNote</a:t>
+            </a:r>
+            <a:r>
+              <a:rPr lang="en-US" dirty="0">
+                <a:latin typeface="Courier New" panose="02070309020205020404" pitchFamily="49" charset="0"/>
+                <a:cs typeface="Courier New" panose="02070309020205020404" pitchFamily="49" charset="0"/>
+              </a:rPr>
+              <a:t>();</a:t>
+            </a:r>
+          </a:p>
+          <a:p>
+            <a:pPr marL="0" indent="0">
+              <a:buNone/>
+            </a:pPr>
+            <a:r>
+              <a:rPr lang="en-US" dirty="0">
+                <a:latin typeface="Courier New" panose="02070309020205020404" pitchFamily="49" charset="0"/>
+                <a:cs typeface="Courier New" panose="02070309020205020404" pitchFamily="49" charset="0"/>
+              </a:rPr>
+              <a:t>    	</a:t>
+            </a:r>
+            <a:r>
+              <a:rPr lang="en-US" dirty="0" err="1">
+                <a:latin typeface="Courier New" panose="02070309020205020404" pitchFamily="49" charset="0"/>
+                <a:cs typeface="Courier New" panose="02070309020205020404" pitchFamily="49" charset="0"/>
+              </a:rPr>
+              <a:t>System.out.println</a:t>
+            </a:r>
+            <a:r>
+              <a:rPr lang="en-US" dirty="0">
+                <a:latin typeface="Courier New" panose="02070309020205020404" pitchFamily="49" charset="0"/>
+                <a:cs typeface="Courier New" panose="02070309020205020404" pitchFamily="49" charset="0"/>
+              </a:rPr>
+              <a:t>();</a:t>
+            </a:r>
+          </a:p>
+          <a:p>
+            <a:pPr marL="0" indent="0">
+              <a:buNone/>
+            </a:pPr>
+            <a:r>
+              <a:rPr lang="en-US" dirty="0">
+                <a:latin typeface="Courier New" panose="02070309020205020404" pitchFamily="49" charset="0"/>
+                <a:cs typeface="Courier New" panose="02070309020205020404" pitchFamily="49" charset="0"/>
+              </a:rPr>
+              <a:t>}</a:t>
             </a:r>
           </a:p>
         </p:txBody>
@@ -26486,7 +26871,7 @@
     </p:spTree>
     <p:extLst>
       <p:ext uri="{BB962C8B-B14F-4D97-AF65-F5344CB8AC3E}">
-        <p14:creationId xmlns:p14="http://schemas.microsoft.com/office/powerpoint/2010/main" val="4052956799"/>
+        <p14:creationId xmlns:p14="http://schemas.microsoft.com/office/powerpoint/2010/main" val="1572219314"/>
       </p:ext>
     </p:extLst>
   </p:cSld>
@@ -26530,497 +26915,6 @@
           <a:p>
             <a:r>
               <a:rPr lang="en-US" dirty="0"/>
-              <a:t>The Exercise</a:t>
-            </a:r>
-          </a:p>
-        </p:txBody>
-      </p:sp>
-      <p:sp>
-        <p:nvSpPr>
-          <p:cNvPr id="3" name="Content Placeholder 2"/>
-          <p:cNvSpPr>
-            <a:spLocks noGrp="1"/>
-          </p:cNvSpPr>
-          <p:nvPr>
-            <p:ph idx="1"/>
-          </p:nvPr>
-        </p:nvSpPr>
-        <p:spPr>
-          <a:xfrm>
-            <a:off x="838200" y="2057399"/>
-            <a:ext cx="10707168" cy="4119563"/>
-          </a:xfrm>
-        </p:spPr>
-        <p:txBody>
-          <a:bodyPr>
-            <a:normAutofit fontScale="70000" lnSpcReduction="20000"/>
-          </a:bodyPr>
-          <a:lstStyle/>
-          <a:p>
-            <a:pPr marL="0" indent="0">
-              <a:buNone/>
-            </a:pPr>
-            <a:r>
-              <a:rPr lang="en-US" sz="3400" dirty="0"/>
-              <a:t>Given the preceding classes, what would be the </a:t>
-            </a:r>
-            <a:r>
-              <a:rPr lang="en-US" sz="3400" b="1" dirty="0"/>
-              <a:t>output</a:t>
-            </a:r>
-            <a:r>
-              <a:rPr lang="en-US" sz="3400" dirty="0"/>
-              <a:t> of the following client code?</a:t>
-            </a:r>
-          </a:p>
-          <a:p>
-            <a:pPr marL="0" indent="0">
-              <a:buNone/>
-            </a:pPr>
-            <a:endParaRPr lang="en-US" dirty="0">
-              <a:latin typeface="Courier New" panose="02070309020205020404" pitchFamily="49" charset="0"/>
-              <a:cs typeface="Courier New" panose="02070309020205020404" pitchFamily="49" charset="0"/>
-            </a:endParaRPr>
-          </a:p>
-          <a:p>
-            <a:pPr marL="0" indent="0">
-              <a:buNone/>
-            </a:pPr>
-            <a:r>
-              <a:rPr lang="en-US" dirty="0" err="1">
-                <a:latin typeface="Courier New" panose="02070309020205020404" pitchFamily="49" charset="0"/>
-                <a:cs typeface="Courier New" panose="02070309020205020404" pitchFamily="49" charset="0"/>
-              </a:rPr>
-              <a:t>MusicalInstrument</a:t>
-            </a:r>
-            <a:r>
-              <a:rPr lang="en-US" dirty="0">
-                <a:latin typeface="Courier New" panose="02070309020205020404" pitchFamily="49" charset="0"/>
-                <a:cs typeface="Courier New" panose="02070309020205020404" pitchFamily="49" charset="0"/>
-              </a:rPr>
-              <a:t>[] </a:t>
-            </a:r>
-            <a:r>
-              <a:rPr lang="en-US" dirty="0" err="1">
-                <a:latin typeface="Courier New" panose="02070309020205020404" pitchFamily="49" charset="0"/>
-                <a:cs typeface="Courier New" panose="02070309020205020404" pitchFamily="49" charset="0"/>
-              </a:rPr>
-              <a:t>insts</a:t>
-            </a:r>
-            <a:r>
-              <a:rPr lang="en-US" dirty="0">
-                <a:latin typeface="Courier New" panose="02070309020205020404" pitchFamily="49" charset="0"/>
-                <a:cs typeface="Courier New" panose="02070309020205020404" pitchFamily="49" charset="0"/>
-              </a:rPr>
-              <a:t> = {</a:t>
-            </a:r>
-          </a:p>
-          <a:p>
-            <a:pPr marL="0" indent="0">
-              <a:buNone/>
-            </a:pPr>
-            <a:r>
-              <a:rPr lang="en-US" dirty="0">
-                <a:latin typeface="Courier New" panose="02070309020205020404" pitchFamily="49" charset="0"/>
-                <a:cs typeface="Courier New" panose="02070309020205020404" pitchFamily="49" charset="0"/>
-              </a:rPr>
-              <a:t>	new </a:t>
-            </a:r>
-            <a:r>
-              <a:rPr lang="en-US" dirty="0" err="1">
-                <a:latin typeface="Courier New" panose="02070309020205020404" pitchFamily="49" charset="0"/>
-                <a:cs typeface="Courier New" panose="02070309020205020404" pitchFamily="49" charset="0"/>
-              </a:rPr>
-              <a:t>MusicalInstrument</a:t>
-            </a:r>
-            <a:r>
-              <a:rPr lang="en-US" dirty="0">
-                <a:latin typeface="Courier New" panose="02070309020205020404" pitchFamily="49" charset="0"/>
-                <a:cs typeface="Courier New" panose="02070309020205020404" pitchFamily="49" charset="0"/>
-              </a:rPr>
-              <a:t>(), new </a:t>
-            </a:r>
-            <a:r>
-              <a:rPr lang="en-US" dirty="0" err="1">
-                <a:latin typeface="Courier New" panose="02070309020205020404" pitchFamily="49" charset="0"/>
-                <a:cs typeface="Courier New" panose="02070309020205020404" pitchFamily="49" charset="0"/>
-              </a:rPr>
-              <a:t>ElectricKeyboard</a:t>
-            </a:r>
-            <a:r>
-              <a:rPr lang="en-US" dirty="0">
-                <a:latin typeface="Courier New" panose="02070309020205020404" pitchFamily="49" charset="0"/>
-                <a:cs typeface="Courier New" panose="02070309020205020404" pitchFamily="49" charset="0"/>
-              </a:rPr>
-              <a:t>(),</a:t>
-            </a:r>
-          </a:p>
-          <a:p>
-            <a:pPr marL="0" indent="0">
-              <a:buNone/>
-            </a:pPr>
-            <a:r>
-              <a:rPr lang="en-US" dirty="0">
-                <a:latin typeface="Courier New" panose="02070309020205020404" pitchFamily="49" charset="0"/>
-                <a:cs typeface="Courier New" panose="02070309020205020404" pitchFamily="49" charset="0"/>
-              </a:rPr>
-              <a:t> 	new Guitar(), new </a:t>
-            </a:r>
-            <a:r>
-              <a:rPr lang="en-US" dirty="0" err="1">
-                <a:latin typeface="Courier New" panose="02070309020205020404" pitchFamily="49" charset="0"/>
-                <a:cs typeface="Courier New" panose="02070309020205020404" pitchFamily="49" charset="0"/>
-              </a:rPr>
-              <a:t>ElectricGuitar</a:t>
-            </a:r>
-            <a:r>
-              <a:rPr lang="en-US" dirty="0">
-                <a:latin typeface="Courier New" panose="02070309020205020404" pitchFamily="49" charset="0"/>
-                <a:cs typeface="Courier New" panose="02070309020205020404" pitchFamily="49" charset="0"/>
-              </a:rPr>
-              <a:t>() };</a:t>
-            </a:r>
-          </a:p>
-          <a:p>
-            <a:pPr marL="0" indent="0">
-              <a:buNone/>
-            </a:pPr>
-            <a:endParaRPr lang="en-US" dirty="0">
-              <a:latin typeface="Courier New" panose="02070309020205020404" pitchFamily="49" charset="0"/>
-              <a:cs typeface="Courier New" panose="02070309020205020404" pitchFamily="49" charset="0"/>
-            </a:endParaRPr>
-          </a:p>
-          <a:p>
-            <a:pPr marL="0" indent="0">
-              <a:buNone/>
-            </a:pPr>
-            <a:r>
-              <a:rPr lang="en-US" dirty="0">
-                <a:latin typeface="Courier New" panose="02070309020205020404" pitchFamily="49" charset="0"/>
-                <a:cs typeface="Courier New" panose="02070309020205020404" pitchFamily="49" charset="0"/>
-              </a:rPr>
-              <a:t>for (</a:t>
-            </a:r>
-            <a:r>
-              <a:rPr lang="en-US" dirty="0" err="1">
-                <a:latin typeface="Courier New" panose="02070309020205020404" pitchFamily="49" charset="0"/>
-                <a:cs typeface="Courier New" panose="02070309020205020404" pitchFamily="49" charset="0"/>
-              </a:rPr>
-              <a:t>int</a:t>
-            </a:r>
-            <a:r>
-              <a:rPr lang="en-US" dirty="0">
-                <a:latin typeface="Courier New" panose="02070309020205020404" pitchFamily="49" charset="0"/>
-                <a:cs typeface="Courier New" panose="02070309020205020404" pitchFamily="49" charset="0"/>
-              </a:rPr>
-              <a:t> </a:t>
-            </a:r>
-            <a:r>
-              <a:rPr lang="en-US" dirty="0" err="1">
-                <a:latin typeface="Courier New" panose="02070309020205020404" pitchFamily="49" charset="0"/>
-                <a:cs typeface="Courier New" panose="02070309020205020404" pitchFamily="49" charset="0"/>
-              </a:rPr>
-              <a:t>i</a:t>
-            </a:r>
-            <a:r>
-              <a:rPr lang="en-US" dirty="0">
-                <a:latin typeface="Courier New" panose="02070309020205020404" pitchFamily="49" charset="0"/>
-                <a:cs typeface="Courier New" panose="02070309020205020404" pitchFamily="49" charset="0"/>
-              </a:rPr>
-              <a:t> = 0; </a:t>
-            </a:r>
-            <a:r>
-              <a:rPr lang="en-US" dirty="0" err="1">
-                <a:latin typeface="Courier New" panose="02070309020205020404" pitchFamily="49" charset="0"/>
-                <a:cs typeface="Courier New" panose="02070309020205020404" pitchFamily="49" charset="0"/>
-              </a:rPr>
-              <a:t>i</a:t>
-            </a:r>
-            <a:r>
-              <a:rPr lang="en-US" dirty="0">
-                <a:latin typeface="Courier New" panose="02070309020205020404" pitchFamily="49" charset="0"/>
-                <a:cs typeface="Courier New" panose="02070309020205020404" pitchFamily="49" charset="0"/>
-              </a:rPr>
-              <a:t> &lt; </a:t>
-            </a:r>
-            <a:r>
-              <a:rPr lang="en-US" dirty="0" err="1">
-                <a:latin typeface="Courier New" panose="02070309020205020404" pitchFamily="49" charset="0"/>
-                <a:cs typeface="Courier New" panose="02070309020205020404" pitchFamily="49" charset="0"/>
-              </a:rPr>
-              <a:t>insts.length</a:t>
-            </a:r>
-            <a:r>
-              <a:rPr lang="en-US" dirty="0">
-                <a:latin typeface="Courier New" panose="02070309020205020404" pitchFamily="49" charset="0"/>
-                <a:cs typeface="Courier New" panose="02070309020205020404" pitchFamily="49" charset="0"/>
-              </a:rPr>
-              <a:t>; </a:t>
-            </a:r>
-            <a:r>
-              <a:rPr lang="en-US" dirty="0" err="1">
-                <a:latin typeface="Courier New" panose="02070309020205020404" pitchFamily="49" charset="0"/>
-                <a:cs typeface="Courier New" panose="02070309020205020404" pitchFamily="49" charset="0"/>
-              </a:rPr>
-              <a:t>i</a:t>
-            </a:r>
-            <a:r>
-              <a:rPr lang="en-US" dirty="0">
-                <a:latin typeface="Courier New" panose="02070309020205020404" pitchFamily="49" charset="0"/>
-                <a:cs typeface="Courier New" panose="02070309020205020404" pitchFamily="49" charset="0"/>
-              </a:rPr>
-              <a:t>++) {</a:t>
-            </a:r>
-          </a:p>
-          <a:p>
-            <a:pPr marL="0" indent="0">
-              <a:buNone/>
-            </a:pPr>
-            <a:r>
-              <a:rPr lang="en-US" dirty="0">
-                <a:latin typeface="Courier New" panose="02070309020205020404" pitchFamily="49" charset="0"/>
-                <a:cs typeface="Courier New" panose="02070309020205020404" pitchFamily="49" charset="0"/>
-              </a:rPr>
-              <a:t>	</a:t>
-            </a:r>
-            <a:r>
-              <a:rPr lang="en-US" dirty="0" err="1">
-                <a:latin typeface="Courier New" panose="02070309020205020404" pitchFamily="49" charset="0"/>
-                <a:cs typeface="Courier New" panose="02070309020205020404" pitchFamily="49" charset="0"/>
-              </a:rPr>
-              <a:t>System.out.println</a:t>
-            </a:r>
-            <a:r>
-              <a:rPr lang="en-US" dirty="0">
-                <a:latin typeface="Courier New" panose="02070309020205020404" pitchFamily="49" charset="0"/>
-                <a:cs typeface="Courier New" panose="02070309020205020404" pitchFamily="49" charset="0"/>
-              </a:rPr>
-              <a:t>(</a:t>
-            </a:r>
-            <a:r>
-              <a:rPr lang="en-US" dirty="0" err="1">
-                <a:latin typeface="Courier New" panose="02070309020205020404" pitchFamily="49" charset="0"/>
-                <a:cs typeface="Courier New" panose="02070309020205020404" pitchFamily="49" charset="0"/>
-              </a:rPr>
-              <a:t>insts</a:t>
-            </a:r>
-            <a:r>
-              <a:rPr lang="en-US" dirty="0">
-                <a:latin typeface="Courier New" panose="02070309020205020404" pitchFamily="49" charset="0"/>
-                <a:cs typeface="Courier New" panose="02070309020205020404" pitchFamily="49" charset="0"/>
-              </a:rPr>
-              <a:t>[</a:t>
-            </a:r>
-            <a:r>
-              <a:rPr lang="en-US" dirty="0" err="1">
-                <a:latin typeface="Courier New" panose="02070309020205020404" pitchFamily="49" charset="0"/>
-                <a:cs typeface="Courier New" panose="02070309020205020404" pitchFamily="49" charset="0"/>
-              </a:rPr>
-              <a:t>i</a:t>
-            </a:r>
-            <a:r>
-              <a:rPr lang="en-US" dirty="0">
-                <a:latin typeface="Courier New" panose="02070309020205020404" pitchFamily="49" charset="0"/>
-                <a:cs typeface="Courier New" panose="02070309020205020404" pitchFamily="49" charset="0"/>
-              </a:rPr>
-              <a:t>]);</a:t>
-            </a:r>
-          </a:p>
-          <a:p>
-            <a:pPr marL="0" indent="0">
-              <a:buNone/>
-            </a:pPr>
-            <a:r>
-              <a:rPr lang="en-US" dirty="0">
-                <a:latin typeface="Courier New" panose="02070309020205020404" pitchFamily="49" charset="0"/>
-                <a:cs typeface="Courier New" panose="02070309020205020404" pitchFamily="49" charset="0"/>
-              </a:rPr>
-              <a:t>    	</a:t>
-            </a:r>
-            <a:r>
-              <a:rPr lang="en-US" dirty="0" err="1">
-                <a:latin typeface="Courier New" panose="02070309020205020404" pitchFamily="49" charset="0"/>
-                <a:cs typeface="Courier New" panose="02070309020205020404" pitchFamily="49" charset="0"/>
-              </a:rPr>
-              <a:t>insts</a:t>
-            </a:r>
-            <a:r>
-              <a:rPr lang="en-US" dirty="0">
-                <a:latin typeface="Courier New" panose="02070309020205020404" pitchFamily="49" charset="0"/>
-                <a:cs typeface="Courier New" panose="02070309020205020404" pitchFamily="49" charset="0"/>
-              </a:rPr>
-              <a:t> [</a:t>
-            </a:r>
-            <a:r>
-              <a:rPr lang="en-US" dirty="0" err="1">
-                <a:latin typeface="Courier New" panose="02070309020205020404" pitchFamily="49" charset="0"/>
-                <a:cs typeface="Courier New" panose="02070309020205020404" pitchFamily="49" charset="0"/>
-              </a:rPr>
-              <a:t>i</a:t>
-            </a:r>
-            <a:r>
-              <a:rPr lang="en-US" dirty="0">
-                <a:latin typeface="Courier New" panose="02070309020205020404" pitchFamily="49" charset="0"/>
-                <a:cs typeface="Courier New" panose="02070309020205020404" pitchFamily="49" charset="0"/>
-              </a:rPr>
-              <a:t>].</a:t>
-            </a:r>
-            <a:r>
-              <a:rPr lang="en-US" dirty="0" err="1">
-                <a:latin typeface="Courier New" panose="02070309020205020404" pitchFamily="49" charset="0"/>
-                <a:cs typeface="Courier New" panose="02070309020205020404" pitchFamily="49" charset="0"/>
-              </a:rPr>
-              <a:t>pickSound</a:t>
-            </a:r>
-            <a:r>
-              <a:rPr lang="en-US" dirty="0">
-                <a:latin typeface="Courier New" panose="02070309020205020404" pitchFamily="49" charset="0"/>
-                <a:cs typeface="Courier New" panose="02070309020205020404" pitchFamily="49" charset="0"/>
-              </a:rPr>
-              <a:t>();</a:t>
-            </a:r>
-          </a:p>
-          <a:p>
-            <a:pPr marL="0" indent="0">
-              <a:buNone/>
-            </a:pPr>
-            <a:r>
-              <a:rPr lang="en-US" dirty="0">
-                <a:latin typeface="Courier New" panose="02070309020205020404" pitchFamily="49" charset="0"/>
-                <a:cs typeface="Courier New" panose="02070309020205020404" pitchFamily="49" charset="0"/>
-              </a:rPr>
-              <a:t>    	</a:t>
-            </a:r>
-            <a:r>
-              <a:rPr lang="en-US" dirty="0" err="1">
-                <a:latin typeface="Courier New" panose="02070309020205020404" pitchFamily="49" charset="0"/>
-                <a:cs typeface="Courier New" panose="02070309020205020404" pitchFamily="49" charset="0"/>
-              </a:rPr>
-              <a:t>insts</a:t>
-            </a:r>
-            <a:r>
-              <a:rPr lang="en-US" dirty="0">
-                <a:latin typeface="Courier New" panose="02070309020205020404" pitchFamily="49" charset="0"/>
-                <a:cs typeface="Courier New" panose="02070309020205020404" pitchFamily="49" charset="0"/>
-              </a:rPr>
-              <a:t> [</a:t>
-            </a:r>
-            <a:r>
-              <a:rPr lang="en-US" dirty="0" err="1">
-                <a:latin typeface="Courier New" panose="02070309020205020404" pitchFamily="49" charset="0"/>
-                <a:cs typeface="Courier New" panose="02070309020205020404" pitchFamily="49" charset="0"/>
-              </a:rPr>
-              <a:t>i</a:t>
-            </a:r>
-            <a:r>
-              <a:rPr lang="en-US" dirty="0">
-                <a:latin typeface="Courier New" panose="02070309020205020404" pitchFamily="49" charset="0"/>
-                <a:cs typeface="Courier New" panose="02070309020205020404" pitchFamily="49" charset="0"/>
-              </a:rPr>
-              <a:t>].</a:t>
-            </a:r>
-            <a:r>
-              <a:rPr lang="en-US" dirty="0" err="1">
-                <a:latin typeface="Courier New" panose="02070309020205020404" pitchFamily="49" charset="0"/>
-                <a:cs typeface="Courier New" panose="02070309020205020404" pitchFamily="49" charset="0"/>
-              </a:rPr>
-              <a:t>playNote</a:t>
-            </a:r>
-            <a:r>
-              <a:rPr lang="en-US" dirty="0">
-                <a:latin typeface="Courier New" panose="02070309020205020404" pitchFamily="49" charset="0"/>
-                <a:cs typeface="Courier New" panose="02070309020205020404" pitchFamily="49" charset="0"/>
-              </a:rPr>
-              <a:t>();</a:t>
-            </a:r>
-          </a:p>
-          <a:p>
-            <a:pPr marL="0" indent="0">
-              <a:buNone/>
-            </a:pPr>
-            <a:r>
-              <a:rPr lang="en-US" dirty="0">
-                <a:latin typeface="Courier New" panose="02070309020205020404" pitchFamily="49" charset="0"/>
-                <a:cs typeface="Courier New" panose="02070309020205020404" pitchFamily="49" charset="0"/>
-              </a:rPr>
-              <a:t>    	</a:t>
-            </a:r>
-            <a:r>
-              <a:rPr lang="en-US" dirty="0" err="1">
-                <a:latin typeface="Courier New" panose="02070309020205020404" pitchFamily="49" charset="0"/>
-                <a:cs typeface="Courier New" panose="02070309020205020404" pitchFamily="49" charset="0"/>
-              </a:rPr>
-              <a:t>System.out.println</a:t>
-            </a:r>
-            <a:r>
-              <a:rPr lang="en-US" dirty="0">
-                <a:latin typeface="Courier New" panose="02070309020205020404" pitchFamily="49" charset="0"/>
-                <a:cs typeface="Courier New" panose="02070309020205020404" pitchFamily="49" charset="0"/>
-              </a:rPr>
-              <a:t>();</a:t>
-            </a:r>
-          </a:p>
-          <a:p>
-            <a:pPr marL="0" indent="0">
-              <a:buNone/>
-            </a:pPr>
-            <a:r>
-              <a:rPr lang="en-US" dirty="0">
-                <a:latin typeface="Courier New" panose="02070309020205020404" pitchFamily="49" charset="0"/>
-                <a:cs typeface="Courier New" panose="02070309020205020404" pitchFamily="49" charset="0"/>
-              </a:rPr>
-              <a:t>}</a:t>
-            </a:r>
-          </a:p>
-        </p:txBody>
-      </p:sp>
-    </p:spTree>
-    <p:extLst>
-      <p:ext uri="{BB962C8B-B14F-4D97-AF65-F5344CB8AC3E}">
-        <p14:creationId xmlns:p14="http://schemas.microsoft.com/office/powerpoint/2010/main" val="1572219314"/>
-      </p:ext>
-    </p:extLst>
-  </p:cSld>
-  <p:clrMapOvr>
-    <a:masterClrMapping/>
-  </p:clrMapOvr>
-</p:sld>
-</file>
-
-<file path=ppt/slides/slide62.xml><?xml version="1.0" encoding="utf-8"?>
-<p:sld xmlns:a="http://schemas.openxmlformats.org/drawingml/2006/main" xmlns:r="http://schemas.openxmlformats.org/officeDocument/2006/relationships" xmlns:p="http://schemas.openxmlformats.org/presentationml/2006/main">
-  <p:cSld>
-    <p:spTree>
-      <p:nvGrpSpPr>
-        <p:cNvPr id="1" name=""/>
-        <p:cNvGrpSpPr/>
-        <p:nvPr/>
-      </p:nvGrpSpPr>
-      <p:grpSpPr>
-        <a:xfrm>
-          <a:off x="0" y="0"/>
-          <a:ext cx="0" cy="0"/>
-          <a:chOff x="0" y="0"/>
-          <a:chExt cx="0" cy="0"/>
-        </a:xfrm>
-      </p:grpSpPr>
-      <p:sp>
-        <p:nvSpPr>
-          <p:cNvPr id="2" name="Title 1"/>
-          <p:cNvSpPr>
-            <a:spLocks noGrp="1"/>
-          </p:cNvSpPr>
-          <p:nvPr>
-            <p:ph type="title"/>
-          </p:nvPr>
-        </p:nvSpPr>
-        <p:spPr/>
-        <p:txBody>
-          <a:bodyPr/>
-          <a:lstStyle/>
-          <a:p>
-            <a:r>
-              <a:rPr lang="en-US" dirty="0"/>
               <a:t>Step 1: Class Diagram</a:t>
             </a:r>
           </a:p>
@@ -27107,7 +27001,7 @@
 </p:sld>
 </file>
 
-<file path=ppt/slides/slide63.xml><?xml version="1.0" encoding="utf-8"?>
+<file path=ppt/slides/slide62.xml><?xml version="1.0" encoding="utf-8"?>
 <p:sld xmlns:a="http://schemas.openxmlformats.org/drawingml/2006/main" xmlns:r="http://schemas.openxmlformats.org/officeDocument/2006/relationships" xmlns:p="http://schemas.openxmlformats.org/presentationml/2006/main">
   <p:cSld>
     <p:spTree>
@@ -27686,7 +27580,7 @@
 </p:sld>
 </file>
 
-<file path=ppt/slides/slide64.xml><?xml version="1.0" encoding="utf-8"?>
+<file path=ppt/slides/slide63.xml><?xml version="1.0" encoding="utf-8"?>
 <p:sld xmlns:a="http://schemas.openxmlformats.org/drawingml/2006/main" xmlns:r="http://schemas.openxmlformats.org/officeDocument/2006/relationships" xmlns:p="http://schemas.openxmlformats.org/presentationml/2006/main">
   <p:cSld>
     <p:spTree>
@@ -28151,7 +28045,7 @@
 </p:sld>
 </file>
 
-<file path=ppt/slides/slide65.xml><?xml version="1.0" encoding="utf-8"?>
+<file path=ppt/slides/slide64.xml><?xml version="1.0" encoding="utf-8"?>
 <p:sld xmlns:a="http://schemas.openxmlformats.org/drawingml/2006/main" xmlns:r="http://schemas.openxmlformats.org/officeDocument/2006/relationships" xmlns:p="http://schemas.openxmlformats.org/presentationml/2006/main">
   <p:cSld>
     <p:spTree>
@@ -28433,7 +28327,7 @@
 </p:sld>
 </file>
 
-<file path=ppt/slides/slide66.xml><?xml version="1.0" encoding="utf-8"?>
+<file path=ppt/slides/slide65.xml><?xml version="1.0" encoding="utf-8"?>
 <p:sld xmlns:a="http://schemas.openxmlformats.org/drawingml/2006/main" xmlns:r="http://schemas.openxmlformats.org/officeDocument/2006/relationships" xmlns:p="http://schemas.openxmlformats.org/presentationml/2006/main">
   <p:cSld>
     <p:spTree>
@@ -28491,7 +28385,7 @@
 </p:sld>
 </file>
 
-<file path=ppt/slides/slide67.xml><?xml version="1.0" encoding="utf-8"?>
+<file path=ppt/slides/slide66.xml><?xml version="1.0" encoding="utf-8"?>
 <p:sld xmlns:a="http://schemas.openxmlformats.org/drawingml/2006/main" xmlns:r="http://schemas.openxmlformats.org/officeDocument/2006/relationships" xmlns:p="http://schemas.openxmlformats.org/presentationml/2006/main">
   <p:cSld>
     <p:spTree>
@@ -28591,7 +28485,7 @@
 </p:sld>
 </file>
 
-<file path=ppt/slides/slide68.xml><?xml version="1.0" encoding="utf-8"?>
+<file path=ppt/slides/slide67.xml><?xml version="1.0" encoding="utf-8"?>
 <p:sld xmlns:a="http://schemas.openxmlformats.org/drawingml/2006/main" xmlns:r="http://schemas.openxmlformats.org/officeDocument/2006/relationships" xmlns:p="http://schemas.openxmlformats.org/presentationml/2006/main">
   <p:cSld>
     <p:spTree>
@@ -28679,7 +28573,7 @@
 </p:sld>
 </file>
 
-<file path=ppt/slides/slide69.xml><?xml version="1.0" encoding="utf-8"?>
+<file path=ppt/slides/slide68.xml><?xml version="1.0" encoding="utf-8"?>
 <p:sld xmlns:a="http://schemas.openxmlformats.org/drawingml/2006/main" xmlns:r="http://schemas.openxmlformats.org/officeDocument/2006/relationships" xmlns:p="http://schemas.openxmlformats.org/presentationml/2006/main">
   <p:cSld>
     <p:spTree>
@@ -28781,6 +28675,116 @@
     <p:extLst>
       <p:ext uri="{BB962C8B-B14F-4D97-AF65-F5344CB8AC3E}">
         <p14:creationId xmlns:p14="http://schemas.microsoft.com/office/powerpoint/2010/main" val="2171576540"/>
+      </p:ext>
+    </p:extLst>
+  </p:cSld>
+  <p:clrMapOvr>
+    <a:masterClrMapping/>
+  </p:clrMapOvr>
+</p:sld>
+</file>
+
+<file path=ppt/slides/slide69.xml><?xml version="1.0" encoding="utf-8"?>
+<p:sld xmlns:a="http://schemas.openxmlformats.org/drawingml/2006/main" xmlns:r="http://schemas.openxmlformats.org/officeDocument/2006/relationships" xmlns:p="http://schemas.openxmlformats.org/presentationml/2006/main">
+  <p:cSld>
+    <p:spTree>
+      <p:nvGrpSpPr>
+        <p:cNvPr id="1" name=""/>
+        <p:cNvGrpSpPr/>
+        <p:nvPr/>
+      </p:nvGrpSpPr>
+      <p:grpSpPr>
+        <a:xfrm>
+          <a:off x="0" y="0"/>
+          <a:ext cx="0" cy="0"/>
+          <a:chOff x="0" y="0"/>
+          <a:chExt cx="0" cy="0"/>
+        </a:xfrm>
+      </p:grpSpPr>
+      <p:sp>
+        <p:nvSpPr>
+          <p:cNvPr id="2" name="Title 1"/>
+          <p:cNvSpPr>
+            <a:spLocks noGrp="1"/>
+          </p:cNvSpPr>
+          <p:nvPr>
+            <p:ph type="title"/>
+          </p:nvPr>
+        </p:nvSpPr>
+        <p:spPr>
+          <a:xfrm>
+            <a:off x="838200" y="698499"/>
+            <a:ext cx="10515600" cy="1805549"/>
+          </a:xfrm>
+        </p:spPr>
+        <p:txBody>
+          <a:bodyPr>
+            <a:normAutofit fontScale="90000"/>
+          </a:bodyPr>
+          <a:lstStyle/>
+          <a:p>
+            <a:r>
+              <a:rPr lang="en-US" dirty="0"/>
+              <a:t>Relationships for:</a:t>
+            </a:r>
+            <a:br>
+              <a:rPr lang="en-US" dirty="0"/>
+            </a:br>
+            <a:br>
+              <a:rPr lang="en-US" dirty="0"/>
+            </a:br>
+            <a:r>
+              <a:rPr lang="en-US" dirty="0" err="1"/>
+              <a:t>ZooMember</a:t>
+            </a:r>
+            <a:r>
+              <a:rPr lang="en-US" dirty="0"/>
+              <a:t>				    </a:t>
+            </a:r>
+            <a:r>
+              <a:rPr lang="en-US" dirty="0" err="1"/>
+              <a:t>ZooFacility</a:t>
+            </a:r>
+            <a:endParaRPr lang="en-US" dirty="0"/>
+          </a:p>
+        </p:txBody>
+      </p:sp>
+      <p:graphicFrame>
+        <p:nvGraphicFramePr>
+          <p:cNvPr id="6" name="Diagram 5"/>
+          <p:cNvGraphicFramePr/>
+          <p:nvPr/>
+        </p:nvGraphicFramePr>
+        <p:xfrm>
+          <a:off x="-992552" y="2917962"/>
+          <a:ext cx="8128000" cy="3104090"/>
+        </p:xfrm>
+        <a:graphic>
+          <a:graphicData uri="http://schemas.openxmlformats.org/drawingml/2006/diagram">
+            <dgm:relIds xmlns:dgm="http://schemas.openxmlformats.org/drawingml/2006/diagram" xmlns:r="http://schemas.openxmlformats.org/officeDocument/2006/relationships" r:dm="rId2" r:lo="rId3" r:qs="rId4" r:cs="rId5"/>
+          </a:graphicData>
+        </a:graphic>
+      </p:graphicFrame>
+      <p:graphicFrame>
+        <p:nvGraphicFramePr>
+          <p:cNvPr id="5" name="Diagram 4"/>
+          <p:cNvGraphicFramePr/>
+          <p:nvPr/>
+        </p:nvGraphicFramePr>
+        <p:xfrm>
+          <a:off x="5022818" y="2917962"/>
+          <a:ext cx="8128000" cy="3104090"/>
+        </p:xfrm>
+        <a:graphic>
+          <a:graphicData uri="http://schemas.openxmlformats.org/drawingml/2006/diagram">
+            <dgm:relIds xmlns:dgm="http://schemas.openxmlformats.org/drawingml/2006/diagram" xmlns:r="http://schemas.openxmlformats.org/officeDocument/2006/relationships" r:dm="rId7" r:lo="rId8" r:qs="rId9" r:cs="rId10"/>
+          </a:graphicData>
+        </a:graphic>
+      </p:graphicFrame>
+    </p:spTree>
+    <p:extLst>
+      <p:ext uri="{BB962C8B-B14F-4D97-AF65-F5344CB8AC3E}">
+        <p14:creationId xmlns:p14="http://schemas.microsoft.com/office/powerpoint/2010/main" val="1726424877"/>
       </p:ext>
     </p:extLst>
   </p:cSld>
@@ -28897,116 +28901,6 @@
         </p:nvSpPr>
         <p:spPr>
           <a:xfrm>
-            <a:off x="838200" y="698499"/>
-            <a:ext cx="10515600" cy="1805549"/>
-          </a:xfrm>
-        </p:spPr>
-        <p:txBody>
-          <a:bodyPr>
-            <a:normAutofit fontScale="90000"/>
-          </a:bodyPr>
-          <a:lstStyle/>
-          <a:p>
-            <a:r>
-              <a:rPr lang="en-US" dirty="0"/>
-              <a:t>Relationships for:</a:t>
-            </a:r>
-            <a:br>
-              <a:rPr lang="en-US" dirty="0"/>
-            </a:br>
-            <a:br>
-              <a:rPr lang="en-US" dirty="0"/>
-            </a:br>
-            <a:r>
-              <a:rPr lang="en-US" dirty="0" err="1"/>
-              <a:t>ZooMember</a:t>
-            </a:r>
-            <a:r>
-              <a:rPr lang="en-US" dirty="0"/>
-              <a:t>				    </a:t>
-            </a:r>
-            <a:r>
-              <a:rPr lang="en-US" dirty="0" err="1"/>
-              <a:t>ZooFacility</a:t>
-            </a:r>
-            <a:endParaRPr lang="en-US" dirty="0"/>
-          </a:p>
-        </p:txBody>
-      </p:sp>
-      <p:graphicFrame>
-        <p:nvGraphicFramePr>
-          <p:cNvPr id="6" name="Diagram 5"/>
-          <p:cNvGraphicFramePr/>
-          <p:nvPr/>
-        </p:nvGraphicFramePr>
-        <p:xfrm>
-          <a:off x="-992552" y="2917962"/>
-          <a:ext cx="8128000" cy="3104090"/>
-        </p:xfrm>
-        <a:graphic>
-          <a:graphicData uri="http://schemas.openxmlformats.org/drawingml/2006/diagram">
-            <dgm:relIds xmlns:dgm="http://schemas.openxmlformats.org/drawingml/2006/diagram" xmlns:r="http://schemas.openxmlformats.org/officeDocument/2006/relationships" r:dm="rId2" r:lo="rId3" r:qs="rId4" r:cs="rId5"/>
-          </a:graphicData>
-        </a:graphic>
-      </p:graphicFrame>
-      <p:graphicFrame>
-        <p:nvGraphicFramePr>
-          <p:cNvPr id="5" name="Diagram 4"/>
-          <p:cNvGraphicFramePr/>
-          <p:nvPr/>
-        </p:nvGraphicFramePr>
-        <p:xfrm>
-          <a:off x="5022818" y="2917962"/>
-          <a:ext cx="8128000" cy="3104090"/>
-        </p:xfrm>
-        <a:graphic>
-          <a:graphicData uri="http://schemas.openxmlformats.org/drawingml/2006/diagram">
-            <dgm:relIds xmlns:dgm="http://schemas.openxmlformats.org/drawingml/2006/diagram" xmlns:r="http://schemas.openxmlformats.org/officeDocument/2006/relationships" r:dm="rId7" r:lo="rId8" r:qs="rId9" r:cs="rId10"/>
-          </a:graphicData>
-        </a:graphic>
-      </p:graphicFrame>
-    </p:spTree>
-    <p:extLst>
-      <p:ext uri="{BB962C8B-B14F-4D97-AF65-F5344CB8AC3E}">
-        <p14:creationId xmlns:p14="http://schemas.microsoft.com/office/powerpoint/2010/main" val="1726424877"/>
-      </p:ext>
-    </p:extLst>
-  </p:cSld>
-  <p:clrMapOvr>
-    <a:masterClrMapping/>
-  </p:clrMapOvr>
-</p:sld>
-</file>
-
-<file path=ppt/slides/slide71.xml><?xml version="1.0" encoding="utf-8"?>
-<p:sld xmlns:a="http://schemas.openxmlformats.org/drawingml/2006/main" xmlns:r="http://schemas.openxmlformats.org/officeDocument/2006/relationships" xmlns:p="http://schemas.openxmlformats.org/presentationml/2006/main">
-  <p:cSld>
-    <p:spTree>
-      <p:nvGrpSpPr>
-        <p:cNvPr id="1" name=""/>
-        <p:cNvGrpSpPr/>
-        <p:nvPr/>
-      </p:nvGrpSpPr>
-      <p:grpSpPr>
-        <a:xfrm>
-          <a:off x="0" y="0"/>
-          <a:ext cx="0" cy="0"/>
-          <a:chOff x="0" y="0"/>
-          <a:chExt cx="0" cy="0"/>
-        </a:xfrm>
-      </p:grpSpPr>
-      <p:sp>
-        <p:nvSpPr>
-          <p:cNvPr id="2" name="Title 1"/>
-          <p:cNvSpPr>
-            <a:spLocks noGrp="1"/>
-          </p:cNvSpPr>
-          <p:nvPr>
-            <p:ph type="title"/>
-          </p:nvPr>
-        </p:nvSpPr>
-        <p:spPr>
-          <a:xfrm>
             <a:off x="838200" y="698500"/>
             <a:ext cx="10515600" cy="1819617"/>
           </a:xfrm>
@@ -29123,6 +29017,156 @@
     <p:extLst>
       <p:ext uri="{BB962C8B-B14F-4D97-AF65-F5344CB8AC3E}">
         <p14:creationId xmlns:p14="http://schemas.microsoft.com/office/powerpoint/2010/main" val="763434317"/>
+      </p:ext>
+    </p:extLst>
+  </p:cSld>
+  <p:clrMapOvr>
+    <a:masterClrMapping/>
+  </p:clrMapOvr>
+</p:sld>
+</file>
+
+<file path=ppt/slides/slide71.xml><?xml version="1.0" encoding="utf-8"?>
+<p:sld xmlns:a="http://schemas.openxmlformats.org/drawingml/2006/main" xmlns:r="http://schemas.openxmlformats.org/officeDocument/2006/relationships" xmlns:p="http://schemas.openxmlformats.org/presentationml/2006/main">
+  <p:cSld>
+    <p:spTree>
+      <p:nvGrpSpPr>
+        <p:cNvPr id="1" name=""/>
+        <p:cNvGrpSpPr/>
+        <p:nvPr/>
+      </p:nvGrpSpPr>
+      <p:grpSpPr>
+        <a:xfrm>
+          <a:off x="0" y="0"/>
+          <a:ext cx="0" cy="0"/>
+          <a:chOff x="0" y="0"/>
+          <a:chExt cx="0" cy="0"/>
+        </a:xfrm>
+      </p:grpSpPr>
+      <p:sp>
+        <p:nvSpPr>
+          <p:cNvPr id="2" name="Title 1"/>
+          <p:cNvSpPr>
+            <a:spLocks noGrp="1"/>
+          </p:cNvSpPr>
+          <p:nvPr>
+            <p:ph type="title"/>
+          </p:nvPr>
+        </p:nvSpPr>
+        <p:spPr/>
+        <p:txBody>
+          <a:bodyPr/>
+          <a:lstStyle/>
+          <a:p>
+            <a:r>
+              <a:rPr lang="en-US" dirty="0"/>
+              <a:t>Has-a Relationships</a:t>
+            </a:r>
+          </a:p>
+        </p:txBody>
+      </p:sp>
+      <p:sp>
+        <p:nvSpPr>
+          <p:cNvPr id="3" name="Content Placeholder 2"/>
+          <p:cNvSpPr>
+            <a:spLocks noGrp="1"/>
+          </p:cNvSpPr>
+          <p:nvPr>
+            <p:ph idx="1"/>
+          </p:nvPr>
+        </p:nvSpPr>
+        <p:spPr/>
+        <p:txBody>
+          <a:bodyPr/>
+          <a:lstStyle/>
+          <a:p>
+            <a:pPr marL="0" indent="0">
+              <a:buNone/>
+            </a:pPr>
+            <a:r>
+              <a:rPr lang="en-US" dirty="0"/>
+              <a:t>How would you design a Zoo?</a:t>
+            </a:r>
+          </a:p>
+          <a:p>
+            <a:pPr marL="0" indent="0">
+              <a:buNone/>
+            </a:pPr>
+            <a:endParaRPr lang="en-US" dirty="0"/>
+          </a:p>
+          <a:p>
+            <a:pPr marL="0" indent="0">
+              <a:buNone/>
+            </a:pPr>
+            <a:r>
+              <a:rPr lang="en-US" dirty="0"/>
+              <a:t>A Zoo has many parts:</a:t>
+            </a:r>
+          </a:p>
+          <a:p>
+            <a:pPr marL="0" indent="0">
+              <a:buNone/>
+            </a:pPr>
+            <a:endParaRPr lang="en-US" dirty="0"/>
+          </a:p>
+          <a:p>
+            <a:pPr marL="0" indent="0">
+              <a:buNone/>
+            </a:pPr>
+            <a:r>
+              <a:rPr lang="en-US" sz="2400" dirty="0">
+                <a:latin typeface="Courier New" panose="02070309020205020404" pitchFamily="49" charset="0"/>
+                <a:cs typeface="Courier New" panose="02070309020205020404" pitchFamily="49" charset="0"/>
+              </a:rPr>
+              <a:t>Animals, </a:t>
+            </a:r>
+            <a:r>
+              <a:rPr lang="en-US" sz="2400" dirty="0" err="1">
+                <a:latin typeface="Courier New" panose="02070309020205020404" pitchFamily="49" charset="0"/>
+                <a:cs typeface="Courier New" panose="02070309020205020404" pitchFamily="49" charset="0"/>
+              </a:rPr>
+              <a:t>ZooMember</a:t>
+            </a:r>
+            <a:r>
+              <a:rPr lang="en-US" sz="2400" dirty="0">
+                <a:latin typeface="Courier New" panose="02070309020205020404" pitchFamily="49" charset="0"/>
+                <a:cs typeface="Courier New" panose="02070309020205020404" pitchFamily="49" charset="0"/>
+              </a:rPr>
+              <a:t>, </a:t>
+            </a:r>
+            <a:r>
+              <a:rPr lang="en-US" sz="2400" dirty="0" err="1">
+                <a:latin typeface="Courier New" panose="02070309020205020404" pitchFamily="49" charset="0"/>
+                <a:cs typeface="Courier New" panose="02070309020205020404" pitchFamily="49" charset="0"/>
+              </a:rPr>
+              <a:t>ZooFacility</a:t>
+            </a:r>
+            <a:endParaRPr lang="en-US" sz="2400" dirty="0">
+              <a:latin typeface="Courier New" panose="02070309020205020404" pitchFamily="49" charset="0"/>
+              <a:cs typeface="Courier New" panose="02070309020205020404" pitchFamily="49" charset="0"/>
+            </a:endParaRPr>
+          </a:p>
+          <a:p>
+            <a:pPr marL="0" indent="0">
+              <a:buNone/>
+            </a:pPr>
+            <a:endParaRPr lang="en-US" dirty="0"/>
+          </a:p>
+          <a:p>
+            <a:pPr marL="0" indent="0">
+              <a:buNone/>
+            </a:pPr>
+            <a:r>
+              <a:rPr lang="en-US" dirty="0"/>
+              <a:t>You need each of these classes to have an effective Zoo.</a:t>
+            </a:r>
+          </a:p>
+        </p:txBody>
+      </p:sp>
+    </p:spTree>
+    <p:extLst>
+      <p:ext uri="{BB962C8B-B14F-4D97-AF65-F5344CB8AC3E}">
+        <p14:creationId xmlns:p14="http://schemas.microsoft.com/office/powerpoint/2010/main" val="3222473941"/>
       </p:ext>
     </p:extLst>
   </p:cSld>
@@ -29166,7 +29210,7 @@
           <a:p>
             <a:r>
               <a:rPr lang="en-US" dirty="0"/>
-              <a:t>Has-a Relationships</a:t>
+              <a:t>Declaring a Has-a Relationship</a:t>
             </a:r>
           </a:p>
         </p:txBody>
@@ -29181,73 +29225,150 @@
             <p:ph idx="1"/>
           </p:nvPr>
         </p:nvSpPr>
-        <p:spPr/>
+        <p:spPr>
+          <a:xfrm>
+            <a:off x="838200" y="2057399"/>
+            <a:ext cx="10978662" cy="4119563"/>
+          </a:xfrm>
+        </p:spPr>
         <p:txBody>
-          <a:bodyPr/>
+          <a:bodyPr>
+            <a:normAutofit/>
+          </a:bodyPr>
           <a:lstStyle/>
           <a:p>
             <a:pPr marL="0" indent="0">
               <a:buNone/>
             </a:pPr>
             <a:r>
-              <a:rPr lang="en-US" dirty="0"/>
-              <a:t>How would you design a Zoo?</a:t>
+              <a:rPr lang="en-US" dirty="0">
+                <a:latin typeface="Courier New" panose="02070309020205020404" pitchFamily="49" charset="0"/>
+                <a:cs typeface="Courier New" panose="02070309020205020404" pitchFamily="49" charset="0"/>
+              </a:rPr>
+              <a:t>public class Zoo{</a:t>
             </a:r>
           </a:p>
           <a:p>
             <a:pPr marL="0" indent="0">
               <a:buNone/>
             </a:pPr>
-            <a:endParaRPr lang="en-US" dirty="0"/>
+            <a:r>
+              <a:rPr lang="en-US" dirty="0">
+                <a:latin typeface="Courier New" panose="02070309020205020404" pitchFamily="49" charset="0"/>
+                <a:cs typeface="Courier New" panose="02070309020205020404" pitchFamily="49" charset="0"/>
+              </a:rPr>
+              <a:t>	private Animal[] animals;</a:t>
+            </a:r>
           </a:p>
           <a:p>
             <a:pPr marL="0" indent="0">
               <a:buNone/>
             </a:pPr>
             <a:r>
-              <a:rPr lang="en-US" dirty="0"/>
-              <a:t>A Zoo has many parts:</a:t>
+              <a:rPr lang="en-US" dirty="0">
+                <a:latin typeface="Courier New" panose="02070309020205020404" pitchFamily="49" charset="0"/>
+                <a:cs typeface="Courier New" panose="02070309020205020404" pitchFamily="49" charset="0"/>
+              </a:rPr>
+              <a:t>	private </a:t>
+            </a:r>
+            <a:r>
+              <a:rPr lang="en-US" dirty="0" err="1">
+                <a:latin typeface="Courier New" panose="02070309020205020404" pitchFamily="49" charset="0"/>
+                <a:cs typeface="Courier New" panose="02070309020205020404" pitchFamily="49" charset="0"/>
+              </a:rPr>
+              <a:t>ZooMember</a:t>
+            </a:r>
+            <a:r>
+              <a:rPr lang="en-US" dirty="0">
+                <a:latin typeface="Courier New" panose="02070309020205020404" pitchFamily="49" charset="0"/>
+                <a:cs typeface="Courier New" panose="02070309020205020404" pitchFamily="49" charset="0"/>
+              </a:rPr>
+              <a:t>[] </a:t>
+            </a:r>
+            <a:r>
+              <a:rPr lang="en-US" dirty="0" err="1">
+                <a:latin typeface="Courier New" panose="02070309020205020404" pitchFamily="49" charset="0"/>
+                <a:cs typeface="Courier New" panose="02070309020205020404" pitchFamily="49" charset="0"/>
+              </a:rPr>
+              <a:t>zooMembers</a:t>
+            </a:r>
+            <a:r>
+              <a:rPr lang="en-US" dirty="0">
+                <a:latin typeface="Courier New" panose="02070309020205020404" pitchFamily="49" charset="0"/>
+                <a:cs typeface="Courier New" panose="02070309020205020404" pitchFamily="49" charset="0"/>
+              </a:rPr>
+              <a:t>;</a:t>
             </a:r>
           </a:p>
           <a:p>
             <a:pPr marL="0" indent="0">
               <a:buNone/>
             </a:pPr>
-            <a:endParaRPr lang="en-US" dirty="0"/>
+            <a:r>
+              <a:rPr lang="en-US" dirty="0">
+                <a:latin typeface="Courier New" panose="02070309020205020404" pitchFamily="49" charset="0"/>
+                <a:cs typeface="Courier New" panose="02070309020205020404" pitchFamily="49" charset="0"/>
+              </a:rPr>
+              <a:t>	private </a:t>
+            </a:r>
+            <a:r>
+              <a:rPr lang="en-US" dirty="0" err="1">
+                <a:latin typeface="Courier New" panose="02070309020205020404" pitchFamily="49" charset="0"/>
+                <a:cs typeface="Courier New" panose="02070309020205020404" pitchFamily="49" charset="0"/>
+              </a:rPr>
+              <a:t>ZooFacility</a:t>
+            </a:r>
+            <a:r>
+              <a:rPr lang="en-US" dirty="0">
+                <a:latin typeface="Courier New" panose="02070309020205020404" pitchFamily="49" charset="0"/>
+                <a:cs typeface="Courier New" panose="02070309020205020404" pitchFamily="49" charset="0"/>
+              </a:rPr>
+              <a:t>[] </a:t>
+            </a:r>
+            <a:r>
+              <a:rPr lang="en-US" dirty="0" err="1">
+                <a:latin typeface="Courier New" panose="02070309020205020404" pitchFamily="49" charset="0"/>
+                <a:cs typeface="Courier New" panose="02070309020205020404" pitchFamily="49" charset="0"/>
+              </a:rPr>
+              <a:t>zooFacilities</a:t>
+            </a:r>
+            <a:r>
+              <a:rPr lang="en-US" dirty="0">
+                <a:latin typeface="Courier New" panose="02070309020205020404" pitchFamily="49" charset="0"/>
+                <a:cs typeface="Courier New" panose="02070309020205020404" pitchFamily="49" charset="0"/>
+              </a:rPr>
+              <a:t>;</a:t>
+            </a:r>
           </a:p>
           <a:p>
             <a:pPr marL="0" indent="0">
               <a:buNone/>
             </a:pPr>
             <a:r>
-              <a:rPr lang="en-US" sz="2400" dirty="0">
-                <a:latin typeface="Courier New" panose="02070309020205020404" pitchFamily="49" charset="0"/>
-                <a:cs typeface="Courier New" panose="02070309020205020404" pitchFamily="49" charset="0"/>
-              </a:rPr>
-              <a:t>Animals, </a:t>
-            </a:r>
-            <a:r>
-              <a:rPr lang="en-US" sz="2400" dirty="0" err="1">
-                <a:latin typeface="Courier New" panose="02070309020205020404" pitchFamily="49" charset="0"/>
-                <a:cs typeface="Courier New" panose="02070309020205020404" pitchFamily="49" charset="0"/>
-              </a:rPr>
-              <a:t>ZooMember</a:t>
-            </a:r>
-            <a:r>
-              <a:rPr lang="en-US" sz="2400" dirty="0">
-                <a:latin typeface="Courier New" panose="02070309020205020404" pitchFamily="49" charset="0"/>
-                <a:cs typeface="Courier New" panose="02070309020205020404" pitchFamily="49" charset="0"/>
-              </a:rPr>
-              <a:t>, </a:t>
-            </a:r>
-            <a:r>
-              <a:rPr lang="en-US" sz="2400" dirty="0" err="1">
-                <a:latin typeface="Courier New" panose="02070309020205020404" pitchFamily="49" charset="0"/>
-                <a:cs typeface="Courier New" panose="02070309020205020404" pitchFamily="49" charset="0"/>
-              </a:rPr>
-              <a:t>ZooFacility</a:t>
-            </a:r>
-            <a:endParaRPr lang="en-US" sz="2400" dirty="0">
+              <a:rPr lang="en-US" dirty="0">
+                <a:latin typeface="Courier New" panose="02070309020205020404" pitchFamily="49" charset="0"/>
+                <a:cs typeface="Courier New" panose="02070309020205020404" pitchFamily="49" charset="0"/>
+              </a:rPr>
+              <a:t>	…</a:t>
+            </a:r>
+          </a:p>
+          <a:p>
+            <a:pPr marL="0" indent="0">
+              <a:buNone/>
+            </a:pPr>
+            <a:r>
+              <a:rPr lang="en-US" dirty="0">
+                <a:latin typeface="Courier New" panose="02070309020205020404" pitchFamily="49" charset="0"/>
+                <a:cs typeface="Courier New" panose="02070309020205020404" pitchFamily="49" charset="0"/>
+              </a:rPr>
+              <a:t>}</a:t>
+            </a:r>
+          </a:p>
+          <a:p>
+            <a:pPr marL="0" indent="0">
+              <a:buNone/>
+            </a:pPr>
+            <a:endParaRPr lang="en-US" dirty="0">
               <a:latin typeface="Courier New" panose="02070309020205020404" pitchFamily="49" charset="0"/>
               <a:cs typeface="Courier New" panose="02070309020205020404" pitchFamily="49" charset="0"/>
             </a:endParaRPr>
@@ -29256,15 +29377,11 @@
             <a:pPr marL="0" indent="0">
               <a:buNone/>
             </a:pPr>
-            <a:endParaRPr lang="en-US" dirty="0"/>
-          </a:p>
-          <a:p>
-            <a:pPr marL="0" indent="0">
-              <a:buNone/>
-            </a:pPr>
-            <a:r>
-              <a:rPr lang="en-US" dirty="0"/>
-              <a:t>You need each of these classes to have an effective Zoo.</a:t>
+            <a:r>
+              <a:rPr lang="en-US" dirty="0">
+                <a:cs typeface="Courier New" panose="02070309020205020404" pitchFamily="49" charset="0"/>
+              </a:rPr>
+              <a:t>We create fields that refer to other classes to create a has-a relationship.</a:t>
             </a:r>
           </a:p>
         </p:txBody>
@@ -29272,7 +29389,7 @@
     </p:spTree>
     <p:extLst>
       <p:ext uri="{BB962C8B-B14F-4D97-AF65-F5344CB8AC3E}">
-        <p14:creationId xmlns:p14="http://schemas.microsoft.com/office/powerpoint/2010/main" val="3222473941"/>
+        <p14:creationId xmlns:p14="http://schemas.microsoft.com/office/powerpoint/2010/main" val="2166580154"/>
       </p:ext>
     </p:extLst>
   </p:cSld>
@@ -29309,185 +29426,20 @@
             <p:ph type="title"/>
           </p:nvPr>
         </p:nvSpPr>
-        <p:spPr/>
+        <p:spPr>
+          <a:xfrm>
+            <a:off x="838200" y="2752383"/>
+            <a:ext cx="10515600" cy="1157288"/>
+          </a:xfrm>
+        </p:spPr>
         <p:txBody>
           <a:bodyPr/>
           <a:lstStyle/>
           <a:p>
+            <a:pPr algn="ctr"/>
             <a:r>
               <a:rPr lang="en-US" dirty="0"/>
-              <a:t>Declaring a Has-a Relationship</a:t>
-            </a:r>
-          </a:p>
-        </p:txBody>
-      </p:sp>
-      <p:sp>
-        <p:nvSpPr>
-          <p:cNvPr id="3" name="Content Placeholder 2"/>
-          <p:cNvSpPr>
-            <a:spLocks noGrp="1"/>
-          </p:cNvSpPr>
-          <p:nvPr>
-            <p:ph idx="1"/>
-          </p:nvPr>
-        </p:nvSpPr>
-        <p:spPr>
-          <a:xfrm>
-            <a:off x="838200" y="2057399"/>
-            <a:ext cx="10978662" cy="4119563"/>
-          </a:xfrm>
-        </p:spPr>
-        <p:txBody>
-          <a:bodyPr>
-            <a:normAutofit/>
-          </a:bodyPr>
-          <a:lstStyle/>
-          <a:p>
-            <a:pPr marL="0" indent="0">
-              <a:buNone/>
-            </a:pPr>
-            <a:r>
-              <a:rPr lang="en-US" dirty="0">
-                <a:latin typeface="Courier New" panose="02070309020205020404" pitchFamily="49" charset="0"/>
-                <a:cs typeface="Courier New" panose="02070309020205020404" pitchFamily="49" charset="0"/>
-              </a:rPr>
-              <a:t>public class Zoo{</a:t>
-            </a:r>
-          </a:p>
-          <a:p>
-            <a:pPr marL="0" indent="0">
-              <a:buNone/>
-            </a:pPr>
-            <a:r>
-              <a:rPr lang="en-US" dirty="0">
-                <a:latin typeface="Courier New" panose="02070309020205020404" pitchFamily="49" charset="0"/>
-                <a:cs typeface="Courier New" panose="02070309020205020404" pitchFamily="49" charset="0"/>
-              </a:rPr>
-              <a:t>	private Animal[] animals;</a:t>
-            </a:r>
-          </a:p>
-          <a:p>
-            <a:pPr marL="0" indent="0">
-              <a:buNone/>
-            </a:pPr>
-            <a:r>
-              <a:rPr lang="en-US" dirty="0">
-                <a:latin typeface="Courier New" panose="02070309020205020404" pitchFamily="49" charset="0"/>
-                <a:cs typeface="Courier New" panose="02070309020205020404" pitchFamily="49" charset="0"/>
-              </a:rPr>
-              <a:t>	private </a:t>
-            </a:r>
-            <a:r>
-              <a:rPr lang="en-US" dirty="0" err="1">
-                <a:latin typeface="Courier New" panose="02070309020205020404" pitchFamily="49" charset="0"/>
-                <a:cs typeface="Courier New" panose="02070309020205020404" pitchFamily="49" charset="0"/>
-              </a:rPr>
-              <a:t>ZooMember</a:t>
-            </a:r>
-            <a:r>
-              <a:rPr lang="en-US" dirty="0">
-                <a:latin typeface="Courier New" panose="02070309020205020404" pitchFamily="49" charset="0"/>
-                <a:cs typeface="Courier New" panose="02070309020205020404" pitchFamily="49" charset="0"/>
-              </a:rPr>
-              <a:t>[] </a:t>
-            </a:r>
-            <a:r>
-              <a:rPr lang="en-US" dirty="0" err="1">
-                <a:latin typeface="Courier New" panose="02070309020205020404" pitchFamily="49" charset="0"/>
-                <a:cs typeface="Courier New" panose="02070309020205020404" pitchFamily="49" charset="0"/>
-              </a:rPr>
-              <a:t>zooMembers</a:t>
-            </a:r>
-            <a:r>
-              <a:rPr lang="en-US" dirty="0">
-                <a:latin typeface="Courier New" panose="02070309020205020404" pitchFamily="49" charset="0"/>
-                <a:cs typeface="Courier New" panose="02070309020205020404" pitchFamily="49" charset="0"/>
-              </a:rPr>
-              <a:t>;</a:t>
-            </a:r>
-          </a:p>
-          <a:p>
-            <a:pPr marL="0" indent="0">
-              <a:buNone/>
-            </a:pPr>
-            <a:r>
-              <a:rPr lang="en-US" dirty="0">
-                <a:latin typeface="Courier New" panose="02070309020205020404" pitchFamily="49" charset="0"/>
-                <a:cs typeface="Courier New" panose="02070309020205020404" pitchFamily="49" charset="0"/>
-              </a:rPr>
-              <a:t>	private </a:t>
-            </a:r>
-            <a:r>
-              <a:rPr lang="en-US" dirty="0" err="1">
-                <a:latin typeface="Courier New" panose="02070309020205020404" pitchFamily="49" charset="0"/>
-                <a:cs typeface="Courier New" panose="02070309020205020404" pitchFamily="49" charset="0"/>
-              </a:rPr>
-              <a:t>ZooFacility</a:t>
-            </a:r>
-            <a:r>
-              <a:rPr lang="en-US" dirty="0">
-                <a:latin typeface="Courier New" panose="02070309020205020404" pitchFamily="49" charset="0"/>
-                <a:cs typeface="Courier New" panose="02070309020205020404" pitchFamily="49" charset="0"/>
-              </a:rPr>
-              <a:t>[] </a:t>
-            </a:r>
-            <a:r>
-              <a:rPr lang="en-US" dirty="0" err="1">
-                <a:latin typeface="Courier New" panose="02070309020205020404" pitchFamily="49" charset="0"/>
-                <a:cs typeface="Courier New" panose="02070309020205020404" pitchFamily="49" charset="0"/>
-              </a:rPr>
-              <a:t>zooFacilities</a:t>
-            </a:r>
-            <a:r>
-              <a:rPr lang="en-US" dirty="0">
-                <a:latin typeface="Courier New" panose="02070309020205020404" pitchFamily="49" charset="0"/>
-                <a:cs typeface="Courier New" panose="02070309020205020404" pitchFamily="49" charset="0"/>
-              </a:rPr>
-              <a:t>;</a:t>
-            </a:r>
-          </a:p>
-          <a:p>
-            <a:pPr marL="0" indent="0">
-              <a:buNone/>
-            </a:pPr>
-            <a:r>
-              <a:rPr lang="en-US" dirty="0">
-                <a:latin typeface="Courier New" panose="02070309020205020404" pitchFamily="49" charset="0"/>
-                <a:cs typeface="Courier New" panose="02070309020205020404" pitchFamily="49" charset="0"/>
-              </a:rPr>
-              <a:t>	…</a:t>
-            </a:r>
-          </a:p>
-          <a:p>
-            <a:pPr marL="0" indent="0">
-              <a:buNone/>
-            </a:pPr>
-            <a:r>
-              <a:rPr lang="en-US" dirty="0">
-                <a:latin typeface="Courier New" panose="02070309020205020404" pitchFamily="49" charset="0"/>
-                <a:cs typeface="Courier New" panose="02070309020205020404" pitchFamily="49" charset="0"/>
-              </a:rPr>
-              <a:t>}</a:t>
-            </a:r>
-          </a:p>
-          <a:p>
-            <a:pPr marL="0" indent="0">
-              <a:buNone/>
-            </a:pPr>
-            <a:endParaRPr lang="en-US" dirty="0">
-              <a:latin typeface="Courier New" panose="02070309020205020404" pitchFamily="49" charset="0"/>
-              <a:cs typeface="Courier New" panose="02070309020205020404" pitchFamily="49" charset="0"/>
-            </a:endParaRPr>
-          </a:p>
-          <a:p>
-            <a:pPr marL="0" indent="0">
-              <a:buNone/>
-            </a:pPr>
-            <a:r>
-              <a:rPr lang="en-US" dirty="0">
-                <a:cs typeface="Courier New" panose="02070309020205020404" pitchFamily="49" charset="0"/>
-              </a:rPr>
-              <a:t>We create fields that refer to other classes to create a has-a relationship.</a:t>
+              <a:t>Worksheet 6.5: Trio</a:t>
             </a:r>
           </a:p>
         </p:txBody>
@@ -29495,7 +29447,7 @@
     </p:spTree>
     <p:extLst>
       <p:ext uri="{BB962C8B-B14F-4D97-AF65-F5344CB8AC3E}">
-        <p14:creationId xmlns:p14="http://schemas.microsoft.com/office/powerpoint/2010/main" val="2166580154"/>
+        <p14:creationId xmlns:p14="http://schemas.microsoft.com/office/powerpoint/2010/main" val="2398621642"/>
       </p:ext>
     </p:extLst>
   </p:cSld>
@@ -29532,64 +29484,6 @@
             <p:ph type="title"/>
           </p:nvPr>
         </p:nvSpPr>
-        <p:spPr>
-          <a:xfrm>
-            <a:off x="838200" y="2752383"/>
-            <a:ext cx="10515600" cy="1157288"/>
-          </a:xfrm>
-        </p:spPr>
-        <p:txBody>
-          <a:bodyPr/>
-          <a:lstStyle/>
-          <a:p>
-            <a:pPr algn="ctr"/>
-            <a:r>
-              <a:rPr lang="en-US" dirty="0"/>
-              <a:t>Worksheet 6.5: Trio</a:t>
-            </a:r>
-          </a:p>
-        </p:txBody>
-      </p:sp>
-    </p:spTree>
-    <p:extLst>
-      <p:ext uri="{BB962C8B-B14F-4D97-AF65-F5344CB8AC3E}">
-        <p14:creationId xmlns:p14="http://schemas.microsoft.com/office/powerpoint/2010/main" val="2398621642"/>
-      </p:ext>
-    </p:extLst>
-  </p:cSld>
-  <p:clrMapOvr>
-    <a:masterClrMapping/>
-  </p:clrMapOvr>
-</p:sld>
-</file>
-
-<file path=ppt/slides/slide75.xml><?xml version="1.0" encoding="utf-8"?>
-<p:sld xmlns:a="http://schemas.openxmlformats.org/drawingml/2006/main" xmlns:r="http://schemas.openxmlformats.org/officeDocument/2006/relationships" xmlns:p="http://schemas.openxmlformats.org/presentationml/2006/main">
-  <p:cSld>
-    <p:spTree>
-      <p:nvGrpSpPr>
-        <p:cNvPr id="1" name=""/>
-        <p:cNvGrpSpPr/>
-        <p:nvPr/>
-      </p:nvGrpSpPr>
-      <p:grpSpPr>
-        <a:xfrm>
-          <a:off x="0" y="0"/>
-          <a:ext cx="0" cy="0"/>
-          <a:chOff x="0" y="0"/>
-          <a:chExt cx="0" cy="0"/>
-        </a:xfrm>
-      </p:grpSpPr>
-      <p:sp>
-        <p:nvSpPr>
-          <p:cNvPr id="2" name="Title 1"/>
-          <p:cNvSpPr>
-            <a:spLocks noGrp="1"/>
-          </p:cNvSpPr>
-          <p:nvPr>
-            <p:ph type="title"/>
-          </p:nvPr>
-        </p:nvSpPr>
         <p:spPr/>
         <p:txBody>
           <a:bodyPr>
@@ -29648,7 +29542,7 @@
 </p:sld>
 </file>
 
-<file path=ppt/slides/slide76.xml><?xml version="1.0" encoding="utf-8"?>
+<file path=ppt/slides/slide75.xml><?xml version="1.0" encoding="utf-8"?>
 <p:sld xmlns:a="http://schemas.openxmlformats.org/drawingml/2006/main" xmlns:r="http://schemas.openxmlformats.org/officeDocument/2006/relationships" xmlns:p="http://schemas.openxmlformats.org/presentationml/2006/main">
   <p:cSld>
     <p:spTree>
@@ -29723,6 +29617,104 @@
     <p:extLst>
       <p:ext uri="{BB962C8B-B14F-4D97-AF65-F5344CB8AC3E}">
         <p14:creationId xmlns:p14="http://schemas.microsoft.com/office/powerpoint/2010/main" val="546057595"/>
+      </p:ext>
+    </p:extLst>
+  </p:cSld>
+  <p:clrMapOvr>
+    <a:masterClrMapping/>
+  </p:clrMapOvr>
+</p:sld>
+</file>
+
+<file path=ppt/slides/slide76.xml><?xml version="1.0" encoding="utf-8"?>
+<p:sld xmlns:a="http://schemas.openxmlformats.org/drawingml/2006/main" xmlns:r="http://schemas.openxmlformats.org/officeDocument/2006/relationships" xmlns:p="http://schemas.openxmlformats.org/presentationml/2006/main">
+  <p:cSld>
+    <p:spTree>
+      <p:nvGrpSpPr>
+        <p:cNvPr id="1" name=""/>
+        <p:cNvGrpSpPr/>
+        <p:nvPr/>
+      </p:nvGrpSpPr>
+      <p:grpSpPr>
+        <a:xfrm>
+          <a:off x="0" y="0"/>
+          <a:ext cx="0" cy="0"/>
+          <a:chOff x="0" y="0"/>
+          <a:chExt cx="0" cy="0"/>
+        </a:xfrm>
+      </p:grpSpPr>
+      <p:sp>
+        <p:nvSpPr>
+          <p:cNvPr id="2" name="Title 1"/>
+          <p:cNvSpPr>
+            <a:spLocks noGrp="1"/>
+          </p:cNvSpPr>
+          <p:nvPr>
+            <p:ph type="title"/>
+          </p:nvPr>
+        </p:nvSpPr>
+        <p:spPr/>
+        <p:txBody>
+          <a:bodyPr/>
+          <a:lstStyle/>
+          <a:p>
+            <a:r>
+              <a:rPr lang="en-US" dirty="0"/>
+              <a:t>What are some limitations to inheritance?</a:t>
+            </a:r>
+          </a:p>
+        </p:txBody>
+      </p:sp>
+      <p:sp>
+        <p:nvSpPr>
+          <p:cNvPr id="3" name="Content Placeholder 2"/>
+          <p:cNvSpPr>
+            <a:spLocks noGrp="1"/>
+          </p:cNvSpPr>
+          <p:nvPr>
+            <p:ph idx="1"/>
+          </p:nvPr>
+        </p:nvSpPr>
+        <p:spPr/>
+        <p:txBody>
+          <a:bodyPr/>
+          <a:lstStyle/>
+          <a:p>
+            <a:pPr marL="0" indent="0">
+              <a:buNone/>
+            </a:pPr>
+            <a:endParaRPr lang="en-US" dirty="0"/>
+          </a:p>
+          <a:p>
+            <a:pPr marL="0" indent="0">
+              <a:buNone/>
+            </a:pPr>
+            <a:r>
+              <a:rPr lang="en-US" dirty="0"/>
+              <a:t>Can we inherit code from more than one superclass?</a:t>
+            </a:r>
+          </a:p>
+          <a:p>
+            <a:pPr marL="0" indent="0">
+              <a:buNone/>
+            </a:pPr>
+            <a:endParaRPr lang="en-US" dirty="0"/>
+          </a:p>
+          <a:p>
+            <a:pPr marL="0" indent="0">
+              <a:buNone/>
+            </a:pPr>
+            <a:r>
+              <a:rPr lang="en-US" dirty="0"/>
+              <a:t>Can we have an is-a relationship or polymorphism without giving the subclass access to our code?</a:t>
+            </a:r>
+          </a:p>
+        </p:txBody>
+      </p:sp>
+    </p:spTree>
+    <p:extLst>
+      <p:ext uri="{BB962C8B-B14F-4D97-AF65-F5344CB8AC3E}">
+        <p14:creationId xmlns:p14="http://schemas.microsoft.com/office/powerpoint/2010/main" val="1214770709"/>
       </p:ext>
     </p:extLst>
   </p:cSld>
@@ -29761,12 +29753,14 @@
         </p:nvSpPr>
         <p:spPr/>
         <p:txBody>
-          <a:bodyPr/>
+          <a:bodyPr>
+            <a:normAutofit/>
+          </a:bodyPr>
           <a:lstStyle/>
           <a:p>
             <a:r>
               <a:rPr lang="en-US" dirty="0"/>
-              <a:t>What are some limitations to inheritance?</a:t>
+              <a:t>Interfaces</a:t>
             </a:r>
           </a:p>
         </p:txBody>
@@ -29789,106 +29783,6 @@
             <a:pPr marL="0" indent="0">
               <a:buNone/>
             </a:pPr>
-            <a:endParaRPr lang="en-US" dirty="0"/>
-          </a:p>
-          <a:p>
-            <a:pPr marL="0" indent="0">
-              <a:buNone/>
-            </a:pPr>
-            <a:r>
-              <a:rPr lang="en-US" dirty="0"/>
-              <a:t>Can we inherit code from more than one superclass?</a:t>
-            </a:r>
-          </a:p>
-          <a:p>
-            <a:pPr marL="0" indent="0">
-              <a:buNone/>
-            </a:pPr>
-            <a:endParaRPr lang="en-US" dirty="0"/>
-          </a:p>
-          <a:p>
-            <a:pPr marL="0" indent="0">
-              <a:buNone/>
-            </a:pPr>
-            <a:r>
-              <a:rPr lang="en-US" dirty="0"/>
-              <a:t>Can we have an is-a relationship or polymorphism without giving the subclass access to our code?</a:t>
-            </a:r>
-          </a:p>
-        </p:txBody>
-      </p:sp>
-    </p:spTree>
-    <p:extLst>
-      <p:ext uri="{BB962C8B-B14F-4D97-AF65-F5344CB8AC3E}">
-        <p14:creationId xmlns:p14="http://schemas.microsoft.com/office/powerpoint/2010/main" val="1214770709"/>
-      </p:ext>
-    </p:extLst>
-  </p:cSld>
-  <p:clrMapOvr>
-    <a:masterClrMapping/>
-  </p:clrMapOvr>
-</p:sld>
-</file>
-
-<file path=ppt/slides/slide78.xml><?xml version="1.0" encoding="utf-8"?>
-<p:sld xmlns:a="http://schemas.openxmlformats.org/drawingml/2006/main" xmlns:r="http://schemas.openxmlformats.org/officeDocument/2006/relationships" xmlns:p="http://schemas.openxmlformats.org/presentationml/2006/main">
-  <p:cSld>
-    <p:spTree>
-      <p:nvGrpSpPr>
-        <p:cNvPr id="1" name=""/>
-        <p:cNvGrpSpPr/>
-        <p:nvPr/>
-      </p:nvGrpSpPr>
-      <p:grpSpPr>
-        <a:xfrm>
-          <a:off x="0" y="0"/>
-          <a:ext cx="0" cy="0"/>
-          <a:chOff x="0" y="0"/>
-          <a:chExt cx="0" cy="0"/>
-        </a:xfrm>
-      </p:grpSpPr>
-      <p:sp>
-        <p:nvSpPr>
-          <p:cNvPr id="2" name="Title 1"/>
-          <p:cNvSpPr>
-            <a:spLocks noGrp="1"/>
-          </p:cNvSpPr>
-          <p:nvPr>
-            <p:ph type="title"/>
-          </p:nvPr>
-        </p:nvSpPr>
-        <p:spPr/>
-        <p:txBody>
-          <a:bodyPr>
-            <a:normAutofit/>
-          </a:bodyPr>
-          <a:lstStyle/>
-          <a:p>
-            <a:r>
-              <a:rPr lang="en-US" dirty="0"/>
-              <a:t>Interfaces</a:t>
-            </a:r>
-          </a:p>
-        </p:txBody>
-      </p:sp>
-      <p:sp>
-        <p:nvSpPr>
-          <p:cNvPr id="3" name="Content Placeholder 2"/>
-          <p:cNvSpPr>
-            <a:spLocks noGrp="1"/>
-          </p:cNvSpPr>
-          <p:nvPr>
-            <p:ph idx="1"/>
-          </p:nvPr>
-        </p:nvSpPr>
-        <p:spPr/>
-        <p:txBody>
-          <a:bodyPr/>
-          <a:lstStyle/>
-          <a:p>
-            <a:pPr marL="0" indent="0">
-              <a:buNone/>
-            </a:pPr>
             <a:r>
               <a:rPr lang="en-US" dirty="0"/>
               <a:t>Offer a means to share a common </a:t>
@@ -29965,7 +29859,7 @@
 </p:sld>
 </file>
 
-<file path=ppt/slides/slide79.xml><?xml version="1.0" encoding="utf-8"?>
+<file path=ppt/slides/slide78.xml><?xml version="1.0" encoding="utf-8"?>
 <p:sld xmlns:a="http://schemas.openxmlformats.org/drawingml/2006/main" xmlns:r="http://schemas.openxmlformats.org/officeDocument/2006/relationships" xmlns:p="http://schemas.openxmlformats.org/presentationml/2006/main">
   <p:cSld>
     <p:spTree>
@@ -30885,6 +30779,371 @@
 </p:sld>
 </file>
 
+<file path=ppt/slides/slide79.xml><?xml version="1.0" encoding="utf-8"?>
+<p:sld xmlns:a="http://schemas.openxmlformats.org/drawingml/2006/main" xmlns:r="http://schemas.openxmlformats.org/officeDocument/2006/relationships" xmlns:p="http://schemas.openxmlformats.org/presentationml/2006/main">
+  <p:cSld>
+    <p:spTree>
+      <p:nvGrpSpPr>
+        <p:cNvPr id="1" name=""/>
+        <p:cNvGrpSpPr/>
+        <p:nvPr/>
+      </p:nvGrpSpPr>
+      <p:grpSpPr>
+        <a:xfrm>
+          <a:off x="0" y="0"/>
+          <a:ext cx="0" cy="0"/>
+          <a:chOff x="0" y="0"/>
+          <a:chExt cx="0" cy="0"/>
+        </a:xfrm>
+      </p:grpSpPr>
+      <p:sp>
+        <p:nvSpPr>
+          <p:cNvPr id="2" name="Title 1"/>
+          <p:cNvSpPr>
+            <a:spLocks noGrp="1"/>
+          </p:cNvSpPr>
+          <p:nvPr>
+            <p:ph type="title"/>
+          </p:nvPr>
+        </p:nvSpPr>
+        <p:spPr/>
+        <p:txBody>
+          <a:bodyPr/>
+          <a:lstStyle/>
+          <a:p>
+            <a:r>
+              <a:rPr lang="en-US" dirty="0"/>
+              <a:t>Declaring Interfaces</a:t>
+            </a:r>
+          </a:p>
+        </p:txBody>
+      </p:sp>
+      <p:sp>
+        <p:nvSpPr>
+          <p:cNvPr id="3" name="Content Placeholder 2"/>
+          <p:cNvSpPr>
+            <a:spLocks noGrp="1"/>
+          </p:cNvSpPr>
+          <p:nvPr>
+            <p:ph idx="1"/>
+          </p:nvPr>
+        </p:nvSpPr>
+        <p:spPr/>
+        <p:txBody>
+          <a:bodyPr>
+            <a:normAutofit fontScale="92500" lnSpcReduction="10000"/>
+          </a:bodyPr>
+          <a:lstStyle/>
+          <a:p>
+            <a:pPr marL="0" indent="0">
+              <a:buNone/>
+            </a:pPr>
+            <a:r>
+              <a:rPr lang="en-US" sz="1400" dirty="0">
+                <a:latin typeface="Courier New" panose="02070309020205020404" pitchFamily="49" charset="0"/>
+                <a:cs typeface="Courier New" panose="02070309020205020404" pitchFamily="49" charset="0"/>
+              </a:rPr>
+              <a:t>public interface Salty{</a:t>
+            </a:r>
+          </a:p>
+          <a:p>
+            <a:pPr marL="0" indent="0">
+              <a:buNone/>
+            </a:pPr>
+            <a:r>
+              <a:rPr lang="en-US" sz="1400" dirty="0">
+                <a:latin typeface="Courier New" panose="02070309020205020404" pitchFamily="49" charset="0"/>
+                <a:cs typeface="Courier New" panose="02070309020205020404" pitchFamily="49" charset="0"/>
+              </a:rPr>
+              <a:t>	double </a:t>
+            </a:r>
+            <a:r>
+              <a:rPr lang="en-US" sz="1400" dirty="0" err="1">
+                <a:latin typeface="Courier New" panose="02070309020205020404" pitchFamily="49" charset="0"/>
+                <a:cs typeface="Courier New" panose="02070309020205020404" pitchFamily="49" charset="0"/>
+              </a:rPr>
+              <a:t>sodiumContent</a:t>
+            </a:r>
+            <a:r>
+              <a:rPr lang="en-US" sz="1400" dirty="0">
+                <a:latin typeface="Courier New" panose="02070309020205020404" pitchFamily="49" charset="0"/>
+                <a:cs typeface="Courier New" panose="02070309020205020404" pitchFamily="49" charset="0"/>
+              </a:rPr>
+              <a:t>();      	</a:t>
+            </a:r>
+            <a:r>
+              <a:rPr lang="en-US" sz="1400" dirty="0">
+                <a:latin typeface="Courier New" panose="02070309020205020404" pitchFamily="49" charset="0"/>
+                <a:cs typeface="Courier New" panose="02070309020205020404" pitchFamily="49" charset="0"/>
+                <a:sym typeface="Wingdings" panose="05000000000000000000" pitchFamily="2" charset="2"/>
+              </a:rPr>
+              <a:t></a:t>
+            </a:r>
+            <a:r>
+              <a:rPr lang="en-US" sz="1400" dirty="0">
+                <a:latin typeface="Courier New" panose="02070309020205020404" pitchFamily="49" charset="0"/>
+                <a:cs typeface="Courier New" panose="02070309020205020404" pitchFamily="49" charset="0"/>
+              </a:rPr>
+              <a:t>this is a promise to implement the </a:t>
+            </a:r>
+            <a:r>
+              <a:rPr lang="en-US" sz="1400" dirty="0" err="1">
+                <a:latin typeface="Courier New" panose="02070309020205020404" pitchFamily="49" charset="0"/>
+                <a:cs typeface="Courier New" panose="02070309020205020404" pitchFamily="49" charset="0"/>
+              </a:rPr>
+              <a:t>sodiumContent</a:t>
+            </a:r>
+            <a:r>
+              <a:rPr lang="en-US" sz="1400" dirty="0">
+                <a:latin typeface="Courier New" panose="02070309020205020404" pitchFamily="49" charset="0"/>
+                <a:cs typeface="Courier New" panose="02070309020205020404" pitchFamily="49" charset="0"/>
+              </a:rPr>
+              <a:t> </a:t>
+            </a:r>
+          </a:p>
+          <a:p>
+            <a:pPr marL="0" indent="0">
+              <a:buNone/>
+            </a:pPr>
+            <a:r>
+              <a:rPr lang="en-US" sz="1400" dirty="0">
+                <a:latin typeface="Courier New" panose="02070309020205020404" pitchFamily="49" charset="0"/>
+                <a:cs typeface="Courier New" panose="02070309020205020404" pitchFamily="49" charset="0"/>
+              </a:rPr>
+              <a:t>}				 	in the class that implements the Salty interface.</a:t>
+            </a:r>
+          </a:p>
+          <a:p>
+            <a:pPr marL="0" indent="0">
+              <a:buNone/>
+            </a:pPr>
+            <a:r>
+              <a:rPr lang="en-US" sz="1400" dirty="0">
+                <a:latin typeface="Courier New" panose="02070309020205020404" pitchFamily="49" charset="0"/>
+                <a:cs typeface="Courier New" panose="02070309020205020404" pitchFamily="49" charset="0"/>
+              </a:rPr>
+              <a:t> </a:t>
+            </a:r>
+          </a:p>
+          <a:p>
+            <a:pPr marL="0" indent="0">
+              <a:buNone/>
+            </a:pPr>
+            <a:r>
+              <a:rPr lang="en-US" sz="1400" dirty="0">
+                <a:latin typeface="Courier New" panose="02070309020205020404" pitchFamily="49" charset="0"/>
+                <a:cs typeface="Courier New" panose="02070309020205020404" pitchFamily="49" charset="0"/>
+              </a:rPr>
+              <a:t>public interface Aromatic{</a:t>
+            </a:r>
+          </a:p>
+          <a:p>
+            <a:pPr marL="0" indent="0">
+              <a:buNone/>
+            </a:pPr>
+            <a:r>
+              <a:rPr lang="en-US" sz="1400" dirty="0">
+                <a:latin typeface="Courier New" panose="02070309020205020404" pitchFamily="49" charset="0"/>
+                <a:cs typeface="Courier New" panose="02070309020205020404" pitchFamily="49" charset="0"/>
+              </a:rPr>
+              <a:t>	String </a:t>
+            </a:r>
+            <a:r>
+              <a:rPr lang="en-US" sz="1400" dirty="0" err="1">
+                <a:latin typeface="Courier New" panose="02070309020205020404" pitchFamily="49" charset="0"/>
+                <a:cs typeface="Courier New" panose="02070309020205020404" pitchFamily="49" charset="0"/>
+              </a:rPr>
+              <a:t>describeAroma</a:t>
+            </a:r>
+            <a:r>
+              <a:rPr lang="en-US" sz="1400" dirty="0">
+                <a:latin typeface="Courier New" panose="02070309020205020404" pitchFamily="49" charset="0"/>
+                <a:cs typeface="Courier New" panose="02070309020205020404" pitchFamily="49" charset="0"/>
+              </a:rPr>
+              <a:t>();  		</a:t>
+            </a:r>
+            <a:r>
+              <a:rPr lang="en-US" sz="1400" dirty="0">
+                <a:latin typeface="Courier New" panose="02070309020205020404" pitchFamily="49" charset="0"/>
+                <a:cs typeface="Courier New" panose="02070309020205020404" pitchFamily="49" charset="0"/>
+                <a:sym typeface="Wingdings" panose="05000000000000000000" pitchFamily="2" charset="2"/>
+              </a:rPr>
+              <a:t></a:t>
+            </a:r>
+            <a:r>
+              <a:rPr lang="en-US" sz="1400" dirty="0">
+                <a:latin typeface="Courier New" panose="02070309020205020404" pitchFamily="49" charset="0"/>
+                <a:cs typeface="Courier New" panose="02070309020205020404" pitchFamily="49" charset="0"/>
+              </a:rPr>
+              <a:t> Notice the lack of “public”! Public is </a:t>
+            </a:r>
+            <a:r>
+              <a:rPr lang="en-US" sz="1400" i="1" dirty="0">
+                <a:latin typeface="Courier New" panose="02070309020205020404" pitchFamily="49" charset="0"/>
+                <a:cs typeface="Courier New" panose="02070309020205020404" pitchFamily="49" charset="0"/>
+              </a:rPr>
+              <a:t>assumed</a:t>
+            </a:r>
+            <a:r>
+              <a:rPr lang="en-US" sz="1400" dirty="0">
+                <a:latin typeface="Courier New" panose="02070309020205020404" pitchFamily="49" charset="0"/>
+                <a:cs typeface="Courier New" panose="02070309020205020404" pitchFamily="49" charset="0"/>
+              </a:rPr>
+              <a:t>.</a:t>
+            </a:r>
+          </a:p>
+          <a:p>
+            <a:pPr marL="0" indent="0">
+              <a:buNone/>
+            </a:pPr>
+            <a:r>
+              <a:rPr lang="en-US" sz="1400" dirty="0">
+                <a:latin typeface="Courier New" panose="02070309020205020404" pitchFamily="49" charset="0"/>
+                <a:cs typeface="Courier New" panose="02070309020205020404" pitchFamily="49" charset="0"/>
+              </a:rPr>
+              <a:t>}</a:t>
+            </a:r>
+          </a:p>
+          <a:p>
+            <a:pPr marL="0" indent="0">
+              <a:buNone/>
+            </a:pPr>
+            <a:r>
+              <a:rPr lang="en-US" sz="1400" dirty="0">
+                <a:latin typeface="Courier New" panose="02070309020205020404" pitchFamily="49" charset="0"/>
+                <a:cs typeface="Courier New" panose="02070309020205020404" pitchFamily="49" charset="0"/>
+              </a:rPr>
+              <a:t> </a:t>
+            </a:r>
+          </a:p>
+          <a:p>
+            <a:pPr marL="0" indent="0">
+              <a:buNone/>
+            </a:pPr>
+            <a:r>
+              <a:rPr lang="en-US" sz="1400" dirty="0">
+                <a:latin typeface="Courier New" panose="02070309020205020404" pitchFamily="49" charset="0"/>
+                <a:cs typeface="Courier New" panose="02070309020205020404" pitchFamily="49" charset="0"/>
+              </a:rPr>
+              <a:t>public interface Greasy{</a:t>
+            </a:r>
+          </a:p>
+          <a:p>
+            <a:pPr marL="0" indent="0">
+              <a:buNone/>
+            </a:pPr>
+            <a:r>
+              <a:rPr lang="en-US" sz="1400" dirty="0">
+                <a:latin typeface="Courier New" panose="02070309020205020404" pitchFamily="49" charset="0"/>
+                <a:cs typeface="Courier New" panose="02070309020205020404" pitchFamily="49" charset="0"/>
+              </a:rPr>
+              <a:t>	double </a:t>
+            </a:r>
+            <a:r>
+              <a:rPr lang="en-US" sz="1400" dirty="0" err="1">
+                <a:latin typeface="Courier New" panose="02070309020205020404" pitchFamily="49" charset="0"/>
+                <a:cs typeface="Courier New" panose="02070309020205020404" pitchFamily="49" charset="0"/>
+              </a:rPr>
+              <a:t>amountOfGreaseInMg</a:t>
+            </a:r>
+            <a:r>
+              <a:rPr lang="en-US" sz="1400" dirty="0">
+                <a:latin typeface="Courier New" panose="02070309020205020404" pitchFamily="49" charset="0"/>
+                <a:cs typeface="Courier New" panose="02070309020205020404" pitchFamily="49" charset="0"/>
+              </a:rPr>
+              <a:t>();   	</a:t>
+            </a:r>
+            <a:r>
+              <a:rPr lang="en-US" sz="1400" dirty="0">
+                <a:latin typeface="Courier New" panose="02070309020205020404" pitchFamily="49" charset="0"/>
+                <a:cs typeface="Courier New" panose="02070309020205020404" pitchFamily="49" charset="0"/>
+                <a:sym typeface="Wingdings" panose="05000000000000000000" pitchFamily="2" charset="2"/>
+              </a:rPr>
+              <a:t></a:t>
+            </a:r>
+            <a:r>
+              <a:rPr lang="en-US" sz="1400" dirty="0">
+                <a:latin typeface="Courier New" panose="02070309020205020404" pitchFamily="49" charset="0"/>
+                <a:cs typeface="Courier New" panose="02070309020205020404" pitchFamily="49" charset="0"/>
+              </a:rPr>
+              <a:t>point out that interfaces look just like classes</a:t>
+            </a:r>
+          </a:p>
+          <a:p>
+            <a:pPr marL="0" indent="0">
+              <a:buNone/>
+            </a:pPr>
+            <a:r>
+              <a:rPr lang="en-US" sz="1400" dirty="0">
+                <a:latin typeface="Courier New" panose="02070309020205020404" pitchFamily="49" charset="0"/>
+                <a:cs typeface="Courier New" panose="02070309020205020404" pitchFamily="49" charset="0"/>
+              </a:rPr>
+              <a:t>}					but without fields or method bodies</a:t>
+            </a:r>
+          </a:p>
+          <a:p>
+            <a:pPr marL="0" indent="0">
+              <a:buNone/>
+            </a:pPr>
+            <a:r>
+              <a:rPr lang="en-US" sz="1400" dirty="0">
+                <a:latin typeface="Courier New" panose="02070309020205020404" pitchFamily="49" charset="0"/>
+                <a:cs typeface="Courier New" panose="02070309020205020404" pitchFamily="49" charset="0"/>
+              </a:rPr>
+              <a:t> </a:t>
+            </a:r>
+          </a:p>
+          <a:p>
+            <a:pPr marL="0" indent="0">
+              <a:buNone/>
+            </a:pPr>
+            <a:r>
+              <a:rPr lang="en-US" sz="1400" dirty="0">
+                <a:latin typeface="Courier New" panose="02070309020205020404" pitchFamily="49" charset="0"/>
+                <a:cs typeface="Courier New" panose="02070309020205020404" pitchFamily="49" charset="0"/>
+              </a:rPr>
+              <a:t>public interface Edible{</a:t>
+            </a:r>
+          </a:p>
+          <a:p>
+            <a:pPr marL="0" indent="0">
+              <a:buNone/>
+            </a:pPr>
+            <a:r>
+              <a:rPr lang="en-US" sz="1400" dirty="0">
+                <a:latin typeface="Courier New" panose="02070309020205020404" pitchFamily="49" charset="0"/>
+                <a:cs typeface="Courier New" panose="02070309020205020404" pitchFamily="49" charset="0"/>
+              </a:rPr>
+              <a:t>	double calories();</a:t>
+            </a:r>
+          </a:p>
+          <a:p>
+            <a:pPr marL="0" indent="0">
+              <a:buNone/>
+            </a:pPr>
+            <a:r>
+              <a:rPr lang="en-US" sz="1400" dirty="0">
+                <a:latin typeface="Courier New" panose="02070309020205020404" pitchFamily="49" charset="0"/>
+                <a:cs typeface="Courier New" panose="02070309020205020404" pitchFamily="49" charset="0"/>
+              </a:rPr>
+              <a:t>}</a:t>
+            </a:r>
+          </a:p>
+        </p:txBody>
+      </p:sp>
+    </p:spTree>
+    <p:extLst>
+      <p:ext uri="{BB962C8B-B14F-4D97-AF65-F5344CB8AC3E}">
+        <p14:creationId xmlns:p14="http://schemas.microsoft.com/office/powerpoint/2010/main" val="3474555343"/>
+      </p:ext>
+    </p:extLst>
+  </p:cSld>
+  <p:clrMapOvr>
+    <a:masterClrMapping/>
+  </p:clrMapOvr>
+</p:sld>
+</file>
+
 <file path=ppt/slides/slide8.xml><?xml version="1.0" encoding="utf-8"?>
 <p:sld xmlns:a="http://schemas.openxmlformats.org/drawingml/2006/main" xmlns:r="http://schemas.openxmlformats.org/officeDocument/2006/relationships" xmlns:p="http://schemas.openxmlformats.org/presentationml/2006/main">
   <p:cSld>
@@ -30973,7 +31232,7 @@
           <a:p>
             <a:r>
               <a:rPr lang="en-US" dirty="0"/>
-              <a:t>Declaring Interfaces</a:t>
+              <a:t>Implementing Interfaces</a:t>
             </a:r>
           </a:p>
         </p:txBody>
@@ -30988,10 +31247,15 @@
             <p:ph idx="1"/>
           </p:nvPr>
         </p:nvSpPr>
-        <p:spPr/>
+        <p:spPr>
+          <a:xfrm>
+            <a:off x="838199" y="1825625"/>
+            <a:ext cx="10660529" cy="4351338"/>
+          </a:xfrm>
+        </p:spPr>
         <p:txBody>
           <a:bodyPr>
-            <a:normAutofit fontScale="92500" lnSpcReduction="10000"/>
+            <a:normAutofit/>
           </a:bodyPr>
           <a:lstStyle/>
           <a:p>
@@ -30999,11 +31263,11 @@
               <a:buNone/>
             </a:pPr>
             <a:r>
-              <a:rPr lang="en-US" sz="1400" dirty="0">
-                <a:latin typeface="Courier New" panose="02070309020205020404" pitchFamily="49" charset="0"/>
-                <a:cs typeface="Courier New" panose="02070309020205020404" pitchFamily="49" charset="0"/>
-              </a:rPr>
-              <a:t>public interface Salty{</a:t>
+              <a:rPr lang="en-US" sz="1800" dirty="0">
+                <a:latin typeface="Courier New" panose="02070309020205020404" pitchFamily="49" charset="0"/>
+                <a:cs typeface="Courier New" panose="02070309020205020404" pitchFamily="49" charset="0"/>
+              </a:rPr>
+              <a:t>public class Bacon extends Pork implements Salty, Aromatic, Greasy, Edible {</a:t>
             </a:r>
           </a:p>
           <a:p>
@@ -31011,78 +31275,46 @@
               <a:buNone/>
             </a:pPr>
             <a:r>
-              <a:rPr lang="en-US" sz="1400" dirty="0">
-                <a:latin typeface="Courier New" panose="02070309020205020404" pitchFamily="49" charset="0"/>
-                <a:cs typeface="Courier New" panose="02070309020205020404" pitchFamily="49" charset="0"/>
-              </a:rPr>
-              <a:t>	double </a:t>
-            </a:r>
-            <a:r>
-              <a:rPr lang="en-US" sz="1400" dirty="0" err="1">
-                <a:latin typeface="Courier New" panose="02070309020205020404" pitchFamily="49" charset="0"/>
-                <a:cs typeface="Courier New" panose="02070309020205020404" pitchFamily="49" charset="0"/>
-              </a:rPr>
-              <a:t>sodiumContent</a:t>
-            </a:r>
-            <a:r>
-              <a:rPr lang="en-US" sz="1400" dirty="0">
-                <a:latin typeface="Courier New" panose="02070309020205020404" pitchFamily="49" charset="0"/>
-                <a:cs typeface="Courier New" panose="02070309020205020404" pitchFamily="49" charset="0"/>
-              </a:rPr>
-              <a:t>();      	</a:t>
-            </a:r>
-            <a:r>
-              <a:rPr lang="en-US" sz="1400" dirty="0">
-                <a:latin typeface="Courier New" panose="02070309020205020404" pitchFamily="49" charset="0"/>
-                <a:cs typeface="Courier New" panose="02070309020205020404" pitchFamily="49" charset="0"/>
-                <a:sym typeface="Wingdings" panose="05000000000000000000" pitchFamily="2" charset="2"/>
-              </a:rPr>
-              <a:t></a:t>
-            </a:r>
-            <a:r>
-              <a:rPr lang="en-US" sz="1400" dirty="0">
-                <a:latin typeface="Courier New" panose="02070309020205020404" pitchFamily="49" charset="0"/>
-                <a:cs typeface="Courier New" panose="02070309020205020404" pitchFamily="49" charset="0"/>
-              </a:rPr>
-              <a:t>this is a promise to implement the </a:t>
-            </a:r>
-            <a:r>
-              <a:rPr lang="en-US" sz="1400" dirty="0" err="1">
-                <a:latin typeface="Courier New" panose="02070309020205020404" pitchFamily="49" charset="0"/>
-                <a:cs typeface="Courier New" panose="02070309020205020404" pitchFamily="49" charset="0"/>
-              </a:rPr>
-              <a:t>sodiumContent</a:t>
-            </a:r>
-            <a:r>
-              <a:rPr lang="en-US" sz="1400" dirty="0">
-                <a:latin typeface="Courier New" panose="02070309020205020404" pitchFamily="49" charset="0"/>
-                <a:cs typeface="Courier New" panose="02070309020205020404" pitchFamily="49" charset="0"/>
-              </a:rPr>
-              <a:t> </a:t>
+              <a:rPr lang="en-US" sz="1800" dirty="0">
+                <a:latin typeface="Courier New" panose="02070309020205020404" pitchFamily="49" charset="0"/>
+                <a:cs typeface="Courier New" panose="02070309020205020404" pitchFamily="49" charset="0"/>
+              </a:rPr>
+              <a:t>	private double </a:t>
+            </a:r>
+            <a:r>
+              <a:rPr lang="en-US" sz="1800" dirty="0" err="1">
+                <a:latin typeface="Courier New" panose="02070309020205020404" pitchFamily="49" charset="0"/>
+                <a:cs typeface="Courier New" panose="02070309020205020404" pitchFamily="49" charset="0"/>
+              </a:rPr>
+              <a:t>amountInKg</a:t>
+            </a:r>
+            <a:r>
+              <a:rPr lang="en-US" sz="1800" dirty="0">
+                <a:latin typeface="Courier New" panose="02070309020205020404" pitchFamily="49" charset="0"/>
+                <a:cs typeface="Courier New" panose="02070309020205020404" pitchFamily="49" charset="0"/>
+              </a:rPr>
+              <a:t>;</a:t>
             </a:r>
           </a:p>
           <a:p>
             <a:pPr marL="0" indent="0">
               <a:buNone/>
             </a:pPr>
-            <a:r>
-              <a:rPr lang="en-US" sz="1400" dirty="0">
-                <a:latin typeface="Courier New" panose="02070309020205020404" pitchFamily="49" charset="0"/>
-                <a:cs typeface="Courier New" panose="02070309020205020404" pitchFamily="49" charset="0"/>
-              </a:rPr>
-              <a:t>}				 	in the class that implements the Salty interface.</a:t>
-            </a:r>
+            <a:endParaRPr lang="en-US" sz="1800" dirty="0">
+              <a:latin typeface="Courier New" panose="02070309020205020404" pitchFamily="49" charset="0"/>
+              <a:cs typeface="Courier New" panose="02070309020205020404" pitchFamily="49" charset="0"/>
+            </a:endParaRPr>
           </a:p>
           <a:p>
             <a:pPr marL="0" indent="0">
               <a:buNone/>
             </a:pPr>
             <a:r>
-              <a:rPr lang="en-US" sz="1400" dirty="0">
-                <a:latin typeface="Courier New" panose="02070309020205020404" pitchFamily="49" charset="0"/>
-                <a:cs typeface="Courier New" panose="02070309020205020404" pitchFamily="49" charset="0"/>
-              </a:rPr>
-              <a:t> </a:t>
+              <a:rPr lang="en-US" sz="1800" dirty="0">
+                <a:latin typeface="Courier New" panose="02070309020205020404" pitchFamily="49" charset="0"/>
+                <a:cs typeface="Courier New" panose="02070309020205020404" pitchFamily="49" charset="0"/>
+              </a:rPr>
+              <a:t>	public Bacon(double amount){</a:t>
             </a:r>
           </a:p>
           <a:p>
@@ -31090,11 +31322,25 @@
               <a:buNone/>
             </a:pPr>
             <a:r>
-              <a:rPr lang="en-US" sz="1400" dirty="0">
-                <a:latin typeface="Courier New" panose="02070309020205020404" pitchFamily="49" charset="0"/>
-                <a:cs typeface="Courier New" panose="02070309020205020404" pitchFamily="49" charset="0"/>
-              </a:rPr>
-              <a:t>public interface Aromatic{</a:t>
+              <a:rPr lang="en-US" sz="1800" dirty="0">
+                <a:latin typeface="Courier New" panose="02070309020205020404" pitchFamily="49" charset="0"/>
+                <a:cs typeface="Courier New" panose="02070309020205020404" pitchFamily="49" charset="0"/>
+              </a:rPr>
+              <a:t>		</a:t>
+            </a:r>
+            <a:r>
+              <a:rPr lang="en-US" sz="1800" dirty="0" err="1">
+                <a:latin typeface="Courier New" panose="02070309020205020404" pitchFamily="49" charset="0"/>
+                <a:cs typeface="Courier New" panose="02070309020205020404" pitchFamily="49" charset="0"/>
+              </a:rPr>
+              <a:t>amountInKg</a:t>
+            </a:r>
+            <a:r>
+              <a:rPr lang="en-US" sz="1800" dirty="0">
+                <a:latin typeface="Courier New" panose="02070309020205020404" pitchFamily="49" charset="0"/>
+                <a:cs typeface="Courier New" panose="02070309020205020404" pitchFamily="49" charset="0"/>
+              </a:rPr>
+              <a:t> = amount;</a:t>
             </a:r>
           </a:p>
           <a:p>
@@ -31102,78 +31348,32 @@
               <a:buNone/>
             </a:pPr>
             <a:r>
-              <a:rPr lang="en-US" sz="1400" dirty="0">
-                <a:latin typeface="Courier New" panose="02070309020205020404" pitchFamily="49" charset="0"/>
-                <a:cs typeface="Courier New" panose="02070309020205020404" pitchFamily="49" charset="0"/>
-              </a:rPr>
-              <a:t>	String </a:t>
-            </a:r>
-            <a:r>
-              <a:rPr lang="en-US" sz="1400" dirty="0" err="1">
-                <a:latin typeface="Courier New" panose="02070309020205020404" pitchFamily="49" charset="0"/>
-                <a:cs typeface="Courier New" panose="02070309020205020404" pitchFamily="49" charset="0"/>
-              </a:rPr>
-              <a:t>describeAroma</a:t>
-            </a:r>
-            <a:r>
-              <a:rPr lang="en-US" sz="1400" dirty="0">
-                <a:latin typeface="Courier New" panose="02070309020205020404" pitchFamily="49" charset="0"/>
-                <a:cs typeface="Courier New" panose="02070309020205020404" pitchFamily="49" charset="0"/>
-              </a:rPr>
-              <a:t>();  		</a:t>
-            </a:r>
-            <a:r>
-              <a:rPr lang="en-US" sz="1400" dirty="0">
-                <a:latin typeface="Courier New" panose="02070309020205020404" pitchFamily="49" charset="0"/>
-                <a:cs typeface="Courier New" panose="02070309020205020404" pitchFamily="49" charset="0"/>
-                <a:sym typeface="Wingdings" panose="05000000000000000000" pitchFamily="2" charset="2"/>
-              </a:rPr>
-              <a:t></a:t>
-            </a:r>
-            <a:r>
-              <a:rPr lang="en-US" sz="1400" dirty="0">
-                <a:latin typeface="Courier New" panose="02070309020205020404" pitchFamily="49" charset="0"/>
-                <a:cs typeface="Courier New" panose="02070309020205020404" pitchFamily="49" charset="0"/>
-              </a:rPr>
-              <a:t> Notice the lack of “public”! Public is </a:t>
-            </a:r>
-            <a:r>
-              <a:rPr lang="en-US" sz="1400" i="1" dirty="0">
-                <a:latin typeface="Courier New" panose="02070309020205020404" pitchFamily="49" charset="0"/>
-                <a:cs typeface="Courier New" panose="02070309020205020404" pitchFamily="49" charset="0"/>
-              </a:rPr>
-              <a:t>assumed</a:t>
-            </a:r>
-            <a:r>
-              <a:rPr lang="en-US" sz="1400" dirty="0">
-                <a:latin typeface="Courier New" panose="02070309020205020404" pitchFamily="49" charset="0"/>
-                <a:cs typeface="Courier New" panose="02070309020205020404" pitchFamily="49" charset="0"/>
-              </a:rPr>
-              <a:t>.</a:t>
+              <a:rPr lang="en-US" sz="1800" dirty="0">
+                <a:latin typeface="Courier New" panose="02070309020205020404" pitchFamily="49" charset="0"/>
+                <a:cs typeface="Courier New" panose="02070309020205020404" pitchFamily="49" charset="0"/>
+              </a:rPr>
+              <a:t>	}</a:t>
             </a:r>
           </a:p>
           <a:p>
             <a:pPr marL="0" indent="0">
               <a:buNone/>
             </a:pPr>
-            <a:r>
-              <a:rPr lang="en-US" sz="1400" dirty="0">
-                <a:latin typeface="Courier New" panose="02070309020205020404" pitchFamily="49" charset="0"/>
-                <a:cs typeface="Courier New" panose="02070309020205020404" pitchFamily="49" charset="0"/>
-              </a:rPr>
-              <a:t>}</a:t>
-            </a:r>
+            <a:endParaRPr lang="en-US" sz="1800" dirty="0">
+              <a:latin typeface="Courier New" panose="02070309020205020404" pitchFamily="49" charset="0"/>
+              <a:cs typeface="Courier New" panose="02070309020205020404" pitchFamily="49" charset="0"/>
+            </a:endParaRPr>
           </a:p>
           <a:p>
             <a:pPr marL="0" indent="0">
               <a:buNone/>
             </a:pPr>
             <a:r>
-              <a:rPr lang="en-US" sz="1400" dirty="0">
-                <a:latin typeface="Courier New" panose="02070309020205020404" pitchFamily="49" charset="0"/>
-                <a:cs typeface="Courier New" panose="02070309020205020404" pitchFamily="49" charset="0"/>
-              </a:rPr>
-              <a:t> </a:t>
+              <a:rPr lang="en-US" sz="1800" dirty="0">
+                <a:latin typeface="Courier New" panose="02070309020205020404" pitchFamily="49" charset="0"/>
+                <a:cs typeface="Courier New" panose="02070309020205020404" pitchFamily="49" charset="0"/>
+              </a:rPr>
+              <a:t> 	public double calories(){</a:t>
             </a:r>
           </a:p>
           <a:p>
@@ -31181,11 +31381,25 @@
               <a:buNone/>
             </a:pPr>
             <a:r>
-              <a:rPr lang="en-US" sz="1400" dirty="0">
-                <a:latin typeface="Courier New" panose="02070309020205020404" pitchFamily="49" charset="0"/>
-                <a:cs typeface="Courier New" panose="02070309020205020404" pitchFamily="49" charset="0"/>
-              </a:rPr>
-              <a:t>public interface Greasy{</a:t>
+              <a:rPr lang="en-US" sz="1800" dirty="0">
+                <a:latin typeface="Courier New" panose="02070309020205020404" pitchFamily="49" charset="0"/>
+                <a:cs typeface="Courier New" panose="02070309020205020404" pitchFamily="49" charset="0"/>
+              </a:rPr>
+              <a:t>		return </a:t>
+            </a:r>
+            <a:r>
+              <a:rPr lang="en-US" sz="1800" dirty="0" err="1">
+                <a:latin typeface="Courier New" panose="02070309020205020404" pitchFamily="49" charset="0"/>
+                <a:cs typeface="Courier New" panose="02070309020205020404" pitchFamily="49" charset="0"/>
+              </a:rPr>
+              <a:t>amountInKg</a:t>
+            </a:r>
+            <a:r>
+              <a:rPr lang="en-US" sz="1800" dirty="0">
+                <a:latin typeface="Courier New" panose="02070309020205020404" pitchFamily="49" charset="0"/>
+                <a:cs typeface="Courier New" panose="02070309020205020404" pitchFamily="49" charset="0"/>
+              </a:rPr>
+              <a:t> * CALORIES_PER_KG_OF_BACON;</a:t>
             </a:r>
           </a:p>
           <a:p>
@@ -31193,40 +31407,11 @@
               <a:buNone/>
             </a:pPr>
             <a:r>
-              <a:rPr lang="en-US" sz="1400" dirty="0">
-                <a:latin typeface="Courier New" panose="02070309020205020404" pitchFamily="49" charset="0"/>
-                <a:cs typeface="Courier New" panose="02070309020205020404" pitchFamily="49" charset="0"/>
-              </a:rPr>
-              <a:t>	double </a:t>
-            </a:r>
-            <a:r>
-              <a:rPr lang="en-US" sz="1400" dirty="0" err="1">
-                <a:latin typeface="Courier New" panose="02070309020205020404" pitchFamily="49" charset="0"/>
-                <a:cs typeface="Courier New" panose="02070309020205020404" pitchFamily="49" charset="0"/>
-              </a:rPr>
-              <a:t>amountOfGreaseInMg</a:t>
-            </a:r>
-            <a:r>
-              <a:rPr lang="en-US" sz="1400" dirty="0">
-                <a:latin typeface="Courier New" panose="02070309020205020404" pitchFamily="49" charset="0"/>
-                <a:cs typeface="Courier New" panose="02070309020205020404" pitchFamily="49" charset="0"/>
-              </a:rPr>
-              <a:t>();   	</a:t>
-            </a:r>
-            <a:r>
-              <a:rPr lang="en-US" sz="1400" dirty="0">
-                <a:latin typeface="Courier New" panose="02070309020205020404" pitchFamily="49" charset="0"/>
-                <a:cs typeface="Courier New" panose="02070309020205020404" pitchFamily="49" charset="0"/>
-                <a:sym typeface="Wingdings" panose="05000000000000000000" pitchFamily="2" charset="2"/>
-              </a:rPr>
-              <a:t></a:t>
-            </a:r>
-            <a:r>
-              <a:rPr lang="en-US" sz="1400" dirty="0">
-                <a:latin typeface="Courier New" panose="02070309020205020404" pitchFamily="49" charset="0"/>
-                <a:cs typeface="Courier New" panose="02070309020205020404" pitchFamily="49" charset="0"/>
-              </a:rPr>
-              <a:t>point out that interfaces look just like classes</a:t>
+              <a:rPr lang="en-US" sz="1800" dirty="0">
+                <a:latin typeface="Courier New" panose="02070309020205020404" pitchFamily="49" charset="0"/>
+                <a:cs typeface="Courier New" panose="02070309020205020404" pitchFamily="49" charset="0"/>
+              </a:rPr>
+              <a:t>	}</a:t>
             </a:r>
           </a:p>
           <a:p>
@@ -31234,55 +31419,7 @@
               <a:buNone/>
             </a:pPr>
             <a:r>
-              <a:rPr lang="en-US" sz="1400" dirty="0">
-                <a:latin typeface="Courier New" panose="02070309020205020404" pitchFamily="49" charset="0"/>
-                <a:cs typeface="Courier New" panose="02070309020205020404" pitchFamily="49" charset="0"/>
-              </a:rPr>
-              <a:t>}					but without fields or method bodies</a:t>
-            </a:r>
-          </a:p>
-          <a:p>
-            <a:pPr marL="0" indent="0">
-              <a:buNone/>
-            </a:pPr>
-            <a:r>
-              <a:rPr lang="en-US" sz="1400" dirty="0">
-                <a:latin typeface="Courier New" panose="02070309020205020404" pitchFamily="49" charset="0"/>
-                <a:cs typeface="Courier New" panose="02070309020205020404" pitchFamily="49" charset="0"/>
-              </a:rPr>
-              <a:t> </a:t>
-            </a:r>
-          </a:p>
-          <a:p>
-            <a:pPr marL="0" indent="0">
-              <a:buNone/>
-            </a:pPr>
-            <a:r>
-              <a:rPr lang="en-US" sz="1400" dirty="0">
-                <a:latin typeface="Courier New" panose="02070309020205020404" pitchFamily="49" charset="0"/>
-                <a:cs typeface="Courier New" panose="02070309020205020404" pitchFamily="49" charset="0"/>
-              </a:rPr>
-              <a:t>public interface Edible{</a:t>
-            </a:r>
-          </a:p>
-          <a:p>
-            <a:pPr marL="0" indent="0">
-              <a:buNone/>
-            </a:pPr>
-            <a:r>
-              <a:rPr lang="en-US" sz="1400" dirty="0">
-                <a:latin typeface="Courier New" panose="02070309020205020404" pitchFamily="49" charset="0"/>
-                <a:cs typeface="Courier New" panose="02070309020205020404" pitchFamily="49" charset="0"/>
-              </a:rPr>
-              <a:t>	double calories();</a:t>
-            </a:r>
-          </a:p>
-          <a:p>
-            <a:pPr marL="0" indent="0">
-              <a:buNone/>
-            </a:pPr>
-            <a:r>
-              <a:rPr lang="en-US" sz="1400" dirty="0">
+              <a:rPr lang="en-US" sz="1800" dirty="0">
                 <a:latin typeface="Courier New" panose="02070309020205020404" pitchFamily="49" charset="0"/>
                 <a:cs typeface="Courier New" panose="02070309020205020404" pitchFamily="49" charset="0"/>
               </a:rPr>
@@ -31294,7 +31431,7 @@
     </p:spTree>
     <p:extLst>
       <p:ext uri="{BB962C8B-B14F-4D97-AF65-F5344CB8AC3E}">
-        <p14:creationId xmlns:p14="http://schemas.microsoft.com/office/powerpoint/2010/main" val="3474555343"/>
+        <p14:creationId xmlns:p14="http://schemas.microsoft.com/office/powerpoint/2010/main" val="1094721936"/>
       </p:ext>
     </p:extLst>
   </p:cSld>
@@ -31338,7 +31475,7 @@
           <a:p>
             <a:r>
               <a:rPr lang="en-US" dirty="0"/>
-              <a:t>Implementing Interfaces</a:t>
+              <a:t>Class Activity</a:t>
             </a:r>
           </a:p>
         </p:txBody>
@@ -31353,183 +31490,17 @@
             <p:ph idx="1"/>
           </p:nvPr>
         </p:nvSpPr>
-        <p:spPr>
-          <a:xfrm>
-            <a:off x="838199" y="1825625"/>
-            <a:ext cx="10660529" cy="4351338"/>
-          </a:xfrm>
-        </p:spPr>
+        <p:spPr/>
         <p:txBody>
-          <a:bodyPr>
-            <a:normAutofit/>
-          </a:bodyPr>
+          <a:bodyPr/>
           <a:lstStyle/>
           <a:p>
             <a:pPr marL="0" indent="0">
               <a:buNone/>
             </a:pPr>
             <a:r>
-              <a:rPr lang="en-US" sz="1800" dirty="0">
-                <a:latin typeface="Courier New" panose="02070309020205020404" pitchFamily="49" charset="0"/>
-                <a:cs typeface="Courier New" panose="02070309020205020404" pitchFamily="49" charset="0"/>
-              </a:rPr>
-              <a:t>public class Bacon extends Pork implements Salty, Aromatic, Greasy, Edible {</a:t>
-            </a:r>
-          </a:p>
-          <a:p>
-            <a:pPr marL="0" indent="0">
-              <a:buNone/>
-            </a:pPr>
-            <a:r>
-              <a:rPr lang="en-US" sz="1800" dirty="0">
-                <a:latin typeface="Courier New" panose="02070309020205020404" pitchFamily="49" charset="0"/>
-                <a:cs typeface="Courier New" panose="02070309020205020404" pitchFamily="49" charset="0"/>
-              </a:rPr>
-              <a:t>	private double </a:t>
-            </a:r>
-            <a:r>
-              <a:rPr lang="en-US" sz="1800" dirty="0" err="1">
-                <a:latin typeface="Courier New" panose="02070309020205020404" pitchFamily="49" charset="0"/>
-                <a:cs typeface="Courier New" panose="02070309020205020404" pitchFamily="49" charset="0"/>
-              </a:rPr>
-              <a:t>amountInKg</a:t>
-            </a:r>
-            <a:r>
-              <a:rPr lang="en-US" sz="1800" dirty="0">
-                <a:latin typeface="Courier New" panose="02070309020205020404" pitchFamily="49" charset="0"/>
-                <a:cs typeface="Courier New" panose="02070309020205020404" pitchFamily="49" charset="0"/>
-              </a:rPr>
-              <a:t>;</a:t>
-            </a:r>
-          </a:p>
-          <a:p>
-            <a:pPr marL="0" indent="0">
-              <a:buNone/>
-            </a:pPr>
-            <a:endParaRPr lang="en-US" sz="1800" dirty="0">
-              <a:latin typeface="Courier New" panose="02070309020205020404" pitchFamily="49" charset="0"/>
-              <a:cs typeface="Courier New" panose="02070309020205020404" pitchFamily="49" charset="0"/>
-            </a:endParaRPr>
-          </a:p>
-          <a:p>
-            <a:pPr marL="0" indent="0">
-              <a:buNone/>
-            </a:pPr>
-            <a:r>
-              <a:rPr lang="en-US" sz="1800" dirty="0">
-                <a:latin typeface="Courier New" panose="02070309020205020404" pitchFamily="49" charset="0"/>
-                <a:cs typeface="Courier New" panose="02070309020205020404" pitchFamily="49" charset="0"/>
-              </a:rPr>
-              <a:t>	public Bacon(double amount){</a:t>
-            </a:r>
-          </a:p>
-          <a:p>
-            <a:pPr marL="0" indent="0">
-              <a:buNone/>
-            </a:pPr>
-            <a:r>
-              <a:rPr lang="en-US" sz="1800" dirty="0">
-                <a:latin typeface="Courier New" panose="02070309020205020404" pitchFamily="49" charset="0"/>
-                <a:cs typeface="Courier New" panose="02070309020205020404" pitchFamily="49" charset="0"/>
-              </a:rPr>
-              <a:t>		</a:t>
-            </a:r>
-            <a:r>
-              <a:rPr lang="en-US" sz="1800" dirty="0" err="1">
-                <a:latin typeface="Courier New" panose="02070309020205020404" pitchFamily="49" charset="0"/>
-                <a:cs typeface="Courier New" panose="02070309020205020404" pitchFamily="49" charset="0"/>
-              </a:rPr>
-              <a:t>amountInKg</a:t>
-            </a:r>
-            <a:r>
-              <a:rPr lang="en-US" sz="1800" dirty="0">
-                <a:latin typeface="Courier New" panose="02070309020205020404" pitchFamily="49" charset="0"/>
-                <a:cs typeface="Courier New" panose="02070309020205020404" pitchFamily="49" charset="0"/>
-              </a:rPr>
-              <a:t> = amount;</a:t>
-            </a:r>
-          </a:p>
-          <a:p>
-            <a:pPr marL="0" indent="0">
-              <a:buNone/>
-            </a:pPr>
-            <a:r>
-              <a:rPr lang="en-US" sz="1800" dirty="0">
-                <a:latin typeface="Courier New" panose="02070309020205020404" pitchFamily="49" charset="0"/>
-                <a:cs typeface="Courier New" panose="02070309020205020404" pitchFamily="49" charset="0"/>
-              </a:rPr>
-              <a:t>	}</a:t>
-            </a:r>
-          </a:p>
-          <a:p>
-            <a:pPr marL="0" indent="0">
-              <a:buNone/>
-            </a:pPr>
-            <a:endParaRPr lang="en-US" sz="1800" dirty="0">
-              <a:latin typeface="Courier New" panose="02070309020205020404" pitchFamily="49" charset="0"/>
-              <a:cs typeface="Courier New" panose="02070309020205020404" pitchFamily="49" charset="0"/>
-            </a:endParaRPr>
-          </a:p>
-          <a:p>
-            <a:pPr marL="0" indent="0">
-              <a:buNone/>
-            </a:pPr>
-            <a:r>
-              <a:rPr lang="en-US" sz="1800" dirty="0">
-                <a:latin typeface="Courier New" panose="02070309020205020404" pitchFamily="49" charset="0"/>
-                <a:cs typeface="Courier New" panose="02070309020205020404" pitchFamily="49" charset="0"/>
-              </a:rPr>
-              <a:t> 	public double calories(){</a:t>
-            </a:r>
-          </a:p>
-          <a:p>
-            <a:pPr marL="0" indent="0">
-              <a:buNone/>
-            </a:pPr>
-            <a:r>
-              <a:rPr lang="en-US" sz="1800" dirty="0">
-                <a:latin typeface="Courier New" panose="02070309020205020404" pitchFamily="49" charset="0"/>
-                <a:cs typeface="Courier New" panose="02070309020205020404" pitchFamily="49" charset="0"/>
-              </a:rPr>
-              <a:t>		return </a:t>
-            </a:r>
-            <a:r>
-              <a:rPr lang="en-US" sz="1800" dirty="0" err="1">
-                <a:latin typeface="Courier New" panose="02070309020205020404" pitchFamily="49" charset="0"/>
-                <a:cs typeface="Courier New" panose="02070309020205020404" pitchFamily="49" charset="0"/>
-              </a:rPr>
-              <a:t>amountInKg</a:t>
-            </a:r>
-            <a:r>
-              <a:rPr lang="en-US" sz="1800" dirty="0">
-                <a:latin typeface="Courier New" panose="02070309020205020404" pitchFamily="49" charset="0"/>
-                <a:cs typeface="Courier New" panose="02070309020205020404" pitchFamily="49" charset="0"/>
-              </a:rPr>
-              <a:t> * CALORIES_PER_KG_OF_BACON;</a:t>
-            </a:r>
-          </a:p>
-          <a:p>
-            <a:pPr marL="0" indent="0">
-              <a:buNone/>
-            </a:pPr>
-            <a:r>
-              <a:rPr lang="en-US" sz="1800" dirty="0">
-                <a:latin typeface="Courier New" panose="02070309020205020404" pitchFamily="49" charset="0"/>
-                <a:cs typeface="Courier New" panose="02070309020205020404" pitchFamily="49" charset="0"/>
-              </a:rPr>
-              <a:t>	}</a:t>
-            </a:r>
-          </a:p>
-          <a:p>
-            <a:pPr marL="0" indent="0">
-              <a:buNone/>
-            </a:pPr>
-            <a:r>
-              <a:rPr lang="en-US" sz="1800" dirty="0">
-                <a:latin typeface="Courier New" panose="02070309020205020404" pitchFamily="49" charset="0"/>
-                <a:cs typeface="Courier New" panose="02070309020205020404" pitchFamily="49" charset="0"/>
-              </a:rPr>
-              <a:t>}</a:t>
+              <a:rPr lang="en-US" dirty="0"/>
+              <a:t>[Paste example activity or your own from lesson plan to slide]</a:t>
             </a:r>
           </a:p>
         </p:txBody>
@@ -31537,7 +31508,7 @@
     </p:spTree>
     <p:extLst>
       <p:ext uri="{BB962C8B-B14F-4D97-AF65-F5344CB8AC3E}">
-        <p14:creationId xmlns:p14="http://schemas.microsoft.com/office/powerpoint/2010/main" val="1094721936"/>
+        <p14:creationId xmlns:p14="http://schemas.microsoft.com/office/powerpoint/2010/main" val="3514558618"/>
       </p:ext>
     </p:extLst>
   </p:cSld>
@@ -31576,83 +31547,6 @@
         </p:nvSpPr>
         <p:spPr/>
         <p:txBody>
-          <a:bodyPr/>
-          <a:lstStyle/>
-          <a:p>
-            <a:r>
-              <a:rPr lang="en-US" dirty="0"/>
-              <a:t>Class Activity</a:t>
-            </a:r>
-          </a:p>
-        </p:txBody>
-      </p:sp>
-      <p:sp>
-        <p:nvSpPr>
-          <p:cNvPr id="3" name="Content Placeholder 2"/>
-          <p:cNvSpPr>
-            <a:spLocks noGrp="1"/>
-          </p:cNvSpPr>
-          <p:nvPr>
-            <p:ph idx="1"/>
-          </p:nvPr>
-        </p:nvSpPr>
-        <p:spPr/>
-        <p:txBody>
-          <a:bodyPr/>
-          <a:lstStyle/>
-          <a:p>
-            <a:pPr marL="0" indent="0">
-              <a:buNone/>
-            </a:pPr>
-            <a:r>
-              <a:rPr lang="en-US" dirty="0"/>
-              <a:t>[Paste example activity or your own from lesson plan to slide]</a:t>
-            </a:r>
-          </a:p>
-        </p:txBody>
-      </p:sp>
-    </p:spTree>
-    <p:extLst>
-      <p:ext uri="{BB962C8B-B14F-4D97-AF65-F5344CB8AC3E}">
-        <p14:creationId xmlns:p14="http://schemas.microsoft.com/office/powerpoint/2010/main" val="3514558618"/>
-      </p:ext>
-    </p:extLst>
-  </p:cSld>
-  <p:clrMapOvr>
-    <a:masterClrMapping/>
-  </p:clrMapOvr>
-</p:sld>
-</file>
-
-<file path=ppt/slides/slide83.xml><?xml version="1.0" encoding="utf-8"?>
-<p:sld xmlns:a="http://schemas.openxmlformats.org/drawingml/2006/main" xmlns:r="http://schemas.openxmlformats.org/officeDocument/2006/relationships" xmlns:p="http://schemas.openxmlformats.org/presentationml/2006/main">
-  <p:cSld>
-    <p:spTree>
-      <p:nvGrpSpPr>
-        <p:cNvPr id="1" name=""/>
-        <p:cNvGrpSpPr/>
-        <p:nvPr/>
-      </p:nvGrpSpPr>
-      <p:grpSpPr>
-        <a:xfrm>
-          <a:off x="0" y="0"/>
-          <a:ext cx="0" cy="0"/>
-          <a:chOff x="0" y="0"/>
-          <a:chExt cx="0" cy="0"/>
-        </a:xfrm>
-      </p:grpSpPr>
-      <p:sp>
-        <p:nvSpPr>
-          <p:cNvPr id="2" name="Title 1"/>
-          <p:cNvSpPr>
-            <a:spLocks noGrp="1"/>
-          </p:cNvSpPr>
-          <p:nvPr>
-            <p:ph type="title"/>
-          </p:nvPr>
-        </p:nvSpPr>
-        <p:spPr/>
-        <p:txBody>
           <a:bodyPr>
             <a:normAutofit/>
           </a:bodyPr>
@@ -31750,7 +31644,7 @@
 </p:sld>
 </file>
 
-<file path=ppt/slides/slide84.xml><?xml version="1.0" encoding="utf-8"?>
+<file path=ppt/slides/slide83.xml><?xml version="1.0" encoding="utf-8"?>
 <p:sld xmlns:a="http://schemas.openxmlformats.org/drawingml/2006/main" xmlns:r="http://schemas.openxmlformats.org/officeDocument/2006/relationships" xmlns:p="http://schemas.openxmlformats.org/presentationml/2006/main">
   <p:cSld>
     <p:spTree>
@@ -31834,7 +31728,7 @@
 </p:sld>
 </file>
 
-<file path=ppt/slides/slide85.xml><?xml version="1.0" encoding="utf-8"?>
+<file path=ppt/slides/slide84.xml><?xml version="1.0" encoding="utf-8"?>
 <p:sld xmlns:a="http://schemas.openxmlformats.org/drawingml/2006/main" xmlns:r="http://schemas.openxmlformats.org/officeDocument/2006/relationships" xmlns:p="http://schemas.openxmlformats.org/presentationml/2006/main">
   <p:cSld>
     <p:spTree>
@@ -31916,6 +31810,80 @@
     <p:extLst>
       <p:ext uri="{BB962C8B-B14F-4D97-AF65-F5344CB8AC3E}">
         <p14:creationId xmlns:p14="http://schemas.microsoft.com/office/powerpoint/2010/main" val="2163985506"/>
+      </p:ext>
+    </p:extLst>
+  </p:cSld>
+  <p:clrMapOvr>
+    <a:masterClrMapping/>
+  </p:clrMapOvr>
+</p:sld>
+</file>
+
+<file path=ppt/slides/slide85.xml><?xml version="1.0" encoding="utf-8"?>
+<p:sld xmlns:a="http://schemas.openxmlformats.org/drawingml/2006/main" xmlns:r="http://schemas.openxmlformats.org/officeDocument/2006/relationships" xmlns:p="http://schemas.openxmlformats.org/presentationml/2006/main">
+  <p:cSld>
+    <p:spTree>
+      <p:nvGrpSpPr>
+        <p:cNvPr id="1" name=""/>
+        <p:cNvGrpSpPr/>
+        <p:nvPr/>
+      </p:nvGrpSpPr>
+      <p:grpSpPr>
+        <a:xfrm>
+          <a:off x="0" y="0"/>
+          <a:ext cx="0" cy="0"/>
+          <a:chOff x="0" y="0"/>
+          <a:chExt cx="0" cy="0"/>
+        </a:xfrm>
+      </p:grpSpPr>
+      <p:sp>
+        <p:nvSpPr>
+          <p:cNvPr id="2" name="Title 1"/>
+          <p:cNvSpPr>
+            <a:spLocks noGrp="1"/>
+          </p:cNvSpPr>
+          <p:nvPr>
+            <p:ph type="ctrTitle"/>
+          </p:nvPr>
+        </p:nvSpPr>
+        <p:spPr/>
+        <p:txBody>
+          <a:bodyPr/>
+          <a:lstStyle/>
+          <a:p>
+            <a:r>
+              <a:rPr lang="en-US" dirty="0"/>
+              <a:t>Finding and Fixing Errors</a:t>
+            </a:r>
+          </a:p>
+        </p:txBody>
+      </p:sp>
+      <p:sp>
+        <p:nvSpPr>
+          <p:cNvPr id="3" name="Subtitle 2"/>
+          <p:cNvSpPr>
+            <a:spLocks noGrp="1"/>
+          </p:cNvSpPr>
+          <p:nvPr>
+            <p:ph type="subTitle" idx="1"/>
+          </p:nvPr>
+        </p:nvSpPr>
+        <p:spPr/>
+        <p:txBody>
+          <a:bodyPr/>
+          <a:lstStyle/>
+          <a:p>
+            <a:r>
+              <a:rPr lang="en-US" dirty="0"/>
+              <a:t>[ 6.08 ] [ Today’s Date ] [ Instructor Name ]</a:t>
+            </a:r>
+          </a:p>
+        </p:txBody>
+      </p:sp>
+    </p:spTree>
+    <p:extLst>
+      <p:ext uri="{BB962C8B-B14F-4D97-AF65-F5344CB8AC3E}">
+        <p14:creationId xmlns:p14="http://schemas.microsoft.com/office/powerpoint/2010/main" val="3786121268"/>
       </p:ext>
     </p:extLst>
   </p:cSld>
@@ -31949,7 +31917,7 @@
             <a:spLocks noGrp="1"/>
           </p:cNvSpPr>
           <p:nvPr>
-            <p:ph type="ctrTitle"/>
+            <p:ph type="title"/>
           </p:nvPr>
         </p:nvSpPr>
         <p:spPr/>
@@ -31959,19 +31927,19 @@
           <a:p>
             <a:r>
               <a:rPr lang="en-US" dirty="0"/>
-              <a:t>Finding and Fixing Errors</a:t>
+              <a:t>Today’s plan:</a:t>
             </a:r>
           </a:p>
         </p:txBody>
       </p:sp>
       <p:sp>
         <p:nvSpPr>
-          <p:cNvPr id="3" name="Subtitle 2"/>
+          <p:cNvPr id="3" name="Content Placeholder 2"/>
           <p:cNvSpPr>
             <a:spLocks noGrp="1"/>
           </p:cNvSpPr>
           <p:nvPr>
-            <p:ph type="subTitle" idx="1"/>
+            <p:ph idx="1"/>
           </p:nvPr>
         </p:nvSpPr>
         <p:spPr/>
@@ -31979,17 +31947,52 @@
           <a:bodyPr/>
           <a:lstStyle/>
           <a:p>
+            <a:pPr marL="0" indent="0">
+              <a:buNone/>
+            </a:pPr>
             <a:r>
               <a:rPr lang="en-US" dirty="0"/>
-              <a:t>[ 6.08 ] [ Today’s Date ] [ Instructor Name ]</a:t>
-            </a:r>
+              <a:t>Error check and resubmit all chapter 9 assignments.</a:t>
+            </a:r>
+          </a:p>
+          <a:p>
+            <a:endParaRPr lang="en-US" dirty="0"/>
+          </a:p>
+          <a:p>
+            <a:pPr marL="0" indent="0">
+              <a:buNone/>
+            </a:pPr>
+            <a:r>
+              <a:rPr lang="en-US" dirty="0"/>
+              <a:t>Study for the test by:</a:t>
+            </a:r>
+          </a:p>
+          <a:p>
+            <a:pPr lvl="1"/>
+            <a:r>
+              <a:rPr lang="en-US" dirty="0"/>
+              <a:t>Reviewing all of the blue, self-check pages at the end of Chapter 9.</a:t>
+            </a:r>
+          </a:p>
+          <a:p>
+            <a:pPr lvl="1"/>
+            <a:r>
+              <a:rPr lang="en-US" dirty="0"/>
+              <a:t>Re-reading sections as needed to complete the self-check problems.</a:t>
+            </a:r>
+          </a:p>
+          <a:p>
+            <a:pPr marL="457200" lvl="1" indent="0">
+              <a:buNone/>
+            </a:pPr>
+            <a:endParaRPr lang="en-US" dirty="0"/>
           </a:p>
         </p:txBody>
       </p:sp>
     </p:spTree>
     <p:extLst>
       <p:ext uri="{BB962C8B-B14F-4D97-AF65-F5344CB8AC3E}">
-        <p14:creationId xmlns:p14="http://schemas.microsoft.com/office/powerpoint/2010/main" val="3786121268"/>
+        <p14:creationId xmlns:p14="http://schemas.microsoft.com/office/powerpoint/2010/main" val="3923898911"/>
       </p:ext>
     </p:extLst>
   </p:cSld>
@@ -32033,7 +32036,7 @@
           <a:p>
             <a:r>
               <a:rPr lang="en-US" dirty="0"/>
-              <a:t>Today’s plan:</a:t>
+              <a:t>Homework Regrade/Resubmit</a:t>
             </a:r>
           </a:p>
         </p:txBody>
@@ -32058,7 +32061,7 @@
             </a:pPr>
             <a:r>
               <a:rPr lang="en-US" dirty="0"/>
-              <a:t>Error check and resubmit all chapter 9 assignments.</a:t>
+              <a:t>You all have the opportunity to get full credit  on your homework grades by correcting them now, in class.</a:t>
             </a:r>
           </a:p>
           <a:p>
@@ -32070,25 +32073,11 @@
             </a:pPr>
             <a:r>
               <a:rPr lang="en-US" dirty="0"/>
-              <a:t>Study for the test by:</a:t>
-            </a:r>
-          </a:p>
-          <a:p>
-            <a:pPr lvl="1"/>
-            <a:r>
-              <a:rPr lang="en-US" dirty="0"/>
-              <a:t>Reviewing all of the blue, self-check pages at the end of Chapter 9.</a:t>
-            </a:r>
-          </a:p>
-          <a:p>
-            <a:pPr lvl="1"/>
-            <a:r>
-              <a:rPr lang="en-US" dirty="0"/>
-              <a:t>Re-reading sections as needed to complete the self-check problems.</a:t>
-            </a:r>
-          </a:p>
-          <a:p>
-            <a:pPr marL="457200" lvl="1" indent="0">
+              <a:t>Use your error checking algorithm, and if you need help just ask!</a:t>
+            </a:r>
+          </a:p>
+          <a:p>
+            <a:pPr marL="0" indent="0">
               <a:buNone/>
             </a:pPr>
             <a:endParaRPr lang="en-US" dirty="0"/>
@@ -32098,7 +32087,7 @@
     </p:spTree>
     <p:extLst>
       <p:ext uri="{BB962C8B-B14F-4D97-AF65-F5344CB8AC3E}">
-        <p14:creationId xmlns:p14="http://schemas.microsoft.com/office/powerpoint/2010/main" val="3923898911"/>
+        <p14:creationId xmlns:p14="http://schemas.microsoft.com/office/powerpoint/2010/main" val="485091757"/>
       </p:ext>
     </p:extLst>
   </p:cSld>
@@ -32142,7 +32131,7 @@
           <a:p>
             <a:r>
               <a:rPr lang="en-US" dirty="0"/>
-              <a:t>Homework Regrade/Resubmit</a:t>
+              <a:t>Homework</a:t>
             </a:r>
           </a:p>
         </p:txBody>
@@ -32162,24 +32151,9 @@
           <a:bodyPr/>
           <a:lstStyle/>
           <a:p>
-            <a:pPr marL="0" indent="0">
-              <a:buNone/>
-            </a:pPr>
             <a:r>
               <a:rPr lang="en-US" dirty="0"/>
-              <a:t>You all have the opportunity to get full credit  on your homework grades by correcting them now, in class.</a:t>
-            </a:r>
-          </a:p>
-          <a:p>
-            <a:endParaRPr lang="en-US" dirty="0"/>
-          </a:p>
-          <a:p>
-            <a:pPr marL="0" indent="0">
-              <a:buNone/>
-            </a:pPr>
-            <a:r>
-              <a:rPr lang="en-US" dirty="0"/>
-              <a:t>Use your error checking algorithm, and if you need help just ask!</a:t>
+              <a:t>Begin reviewing chapter 9 for the Unit 6 Test.</a:t>
             </a:r>
           </a:p>
           <a:p>
@@ -32193,7 +32167,7 @@
     </p:spTree>
     <p:extLst>
       <p:ext uri="{BB962C8B-B14F-4D97-AF65-F5344CB8AC3E}">
-        <p14:creationId xmlns:p14="http://schemas.microsoft.com/office/powerpoint/2010/main" val="485091757"/>
+        <p14:creationId xmlns:p14="http://schemas.microsoft.com/office/powerpoint/2010/main" val="912080518"/>
       </p:ext>
     </p:extLst>
   </p:cSld>
@@ -32227,7 +32201,31 @@
             <a:spLocks noGrp="1"/>
           </p:cNvSpPr>
           <p:nvPr>
-            <p:ph type="title"/>
+            <p:ph type="ctrTitle"/>
+          </p:nvPr>
+        </p:nvSpPr>
+        <p:spPr/>
+        <p:txBody>
+          <a:bodyPr>
+            <a:normAutofit/>
+          </a:bodyPr>
+          <a:lstStyle/>
+          <a:p>
+            <a:r>
+              <a:rPr lang="en-US" sz="4800" dirty="0"/>
+              <a:t>Review</a:t>
+            </a:r>
+          </a:p>
+        </p:txBody>
+      </p:sp>
+      <p:sp>
+        <p:nvSpPr>
+          <p:cNvPr id="3" name="Subtitle 2"/>
+          <p:cNvSpPr>
+            <a:spLocks noGrp="1"/>
+          </p:cNvSpPr>
+          <p:nvPr>
+            <p:ph type="subTitle" idx="1"/>
           </p:nvPr>
         </p:nvSpPr>
         <p:spPr/>
@@ -32237,43 +32235,15 @@
           <a:p>
             <a:r>
               <a:rPr lang="en-US" dirty="0"/>
-              <a:t>Homework</a:t>
-            </a:r>
-          </a:p>
-        </p:txBody>
-      </p:sp>
-      <p:sp>
-        <p:nvSpPr>
-          <p:cNvPr id="3" name="Content Placeholder 2"/>
-          <p:cNvSpPr>
-            <a:spLocks noGrp="1"/>
-          </p:cNvSpPr>
-          <p:nvPr>
-            <p:ph idx="1"/>
-          </p:nvPr>
-        </p:nvSpPr>
-        <p:spPr/>
-        <p:txBody>
-          <a:bodyPr/>
-          <a:lstStyle/>
-          <a:p>
-            <a:r>
-              <a:rPr lang="en-US" dirty="0"/>
-              <a:t>Begin reviewing chapter 9 for the Unit 6 Test.</a:t>
-            </a:r>
-          </a:p>
-          <a:p>
-            <a:pPr marL="0" indent="0">
-              <a:buNone/>
-            </a:pPr>
-            <a:endParaRPr lang="en-US" dirty="0"/>
+              <a:t>[ 6.09 ] [ Today’s Date ] [ Instructor Name ]</a:t>
+            </a:r>
           </a:p>
         </p:txBody>
       </p:sp>
     </p:spTree>
     <p:extLst>
       <p:ext uri="{BB962C8B-B14F-4D97-AF65-F5344CB8AC3E}">
-        <p14:creationId xmlns:p14="http://schemas.microsoft.com/office/powerpoint/2010/main" val="912080518"/>
+        <p14:creationId xmlns:p14="http://schemas.microsoft.com/office/powerpoint/2010/main" val="4280762843"/>
       </p:ext>
     </p:extLst>
   </p:cSld>
@@ -32380,82 +32350,6 @@
       </p:grpSpPr>
       <p:sp>
         <p:nvSpPr>
-          <p:cNvPr id="2" name="Title 1"/>
-          <p:cNvSpPr>
-            <a:spLocks noGrp="1"/>
-          </p:cNvSpPr>
-          <p:nvPr>
-            <p:ph type="ctrTitle"/>
-          </p:nvPr>
-        </p:nvSpPr>
-        <p:spPr/>
-        <p:txBody>
-          <a:bodyPr>
-            <a:normAutofit/>
-          </a:bodyPr>
-          <a:lstStyle/>
-          <a:p>
-            <a:r>
-              <a:rPr lang="en-US" sz="4800" dirty="0"/>
-              <a:t>Review</a:t>
-            </a:r>
-          </a:p>
-        </p:txBody>
-      </p:sp>
-      <p:sp>
-        <p:nvSpPr>
-          <p:cNvPr id="3" name="Subtitle 2"/>
-          <p:cNvSpPr>
-            <a:spLocks noGrp="1"/>
-          </p:cNvSpPr>
-          <p:nvPr>
-            <p:ph type="subTitle" idx="1"/>
-          </p:nvPr>
-        </p:nvSpPr>
-        <p:spPr/>
-        <p:txBody>
-          <a:bodyPr/>
-          <a:lstStyle/>
-          <a:p>
-            <a:r>
-              <a:rPr lang="en-US" dirty="0"/>
-              <a:t>[ 6.09 ] [ Today’s Date ] [ Instructor Name ]</a:t>
-            </a:r>
-          </a:p>
-        </p:txBody>
-      </p:sp>
-    </p:spTree>
-    <p:extLst>
-      <p:ext uri="{BB962C8B-B14F-4D97-AF65-F5344CB8AC3E}">
-        <p14:creationId xmlns:p14="http://schemas.microsoft.com/office/powerpoint/2010/main" val="4280762843"/>
-      </p:ext>
-    </p:extLst>
-  </p:cSld>
-  <p:clrMapOvr>
-    <a:masterClrMapping/>
-  </p:clrMapOvr>
-</p:sld>
-</file>
-
-<file path=ppt/slides/slide91.xml><?xml version="1.0" encoding="utf-8"?>
-<p:sld xmlns:a="http://schemas.openxmlformats.org/drawingml/2006/main" xmlns:r="http://schemas.openxmlformats.org/officeDocument/2006/relationships" xmlns:p="http://schemas.openxmlformats.org/presentationml/2006/main">
-  <p:cSld>
-    <p:spTree>
-      <p:nvGrpSpPr>
-        <p:cNvPr id="1" name=""/>
-        <p:cNvGrpSpPr/>
-        <p:nvPr/>
-      </p:nvGrpSpPr>
-      <p:grpSpPr>
-        <a:xfrm>
-          <a:off x="0" y="0"/>
-          <a:ext cx="0" cy="0"/>
-          <a:chOff x="0" y="0"/>
-          <a:chExt cx="0" cy="0"/>
-        </a:xfrm>
-      </p:grpSpPr>
-      <p:sp>
-        <p:nvSpPr>
           <p:cNvPr id="4" name="Title 3"/>
           <p:cNvSpPr>
             <a:spLocks noGrp="1"/>
@@ -32496,7 +32390,7 @@
 </p:sld>
 </file>
 
-<file path=ppt/slides/slide92.xml><?xml version="1.0" encoding="utf-8"?>
+<file path=ppt/slides/slide91.xml><?xml version="1.0" encoding="utf-8"?>
 <p:sld xmlns:a="http://schemas.openxmlformats.org/drawingml/2006/main" xmlns:r="http://schemas.openxmlformats.org/officeDocument/2006/relationships" xmlns:p="http://schemas.openxmlformats.org/presentationml/2006/main">
   <p:cSld>
     <p:spTree>
@@ -32555,7 +32449,7 @@
 </p:sld>
 </file>
 
-<file path=ppt/slides/slide93.xml><?xml version="1.0" encoding="utf-8"?>
+<file path=ppt/slides/slide92.xml><?xml version="1.0" encoding="utf-8"?>
 <p:sld xmlns:a="http://schemas.openxmlformats.org/drawingml/2006/main" xmlns:r="http://schemas.openxmlformats.org/officeDocument/2006/relationships" xmlns:p="http://schemas.openxmlformats.org/presentationml/2006/main">
   <p:cSld>
     <p:spTree>
@@ -32647,7 +32541,7 @@
 </p:sld>
 </file>
 
-<file path=ppt/slides/slide94.xml><?xml version="1.0" encoding="utf-8"?>
+<file path=ppt/slides/slide93.xml><?xml version="1.0" encoding="utf-8"?>
 <p:sld xmlns:a="http://schemas.openxmlformats.org/drawingml/2006/main" xmlns:r="http://schemas.openxmlformats.org/officeDocument/2006/relationships" xmlns:p="http://schemas.openxmlformats.org/presentationml/2006/main">
   <p:cSld>
     <p:spTree>

--- a/curriculum/Unit6/Unit6.pptx
+++ b/curriculum/Unit6/Unit6.pptx
@@ -16110,7 +16110,7 @@
             <a:spLocks noGrp="1"/>
           </p:cNvSpPr>
           <p:nvPr>
-            <p:ph type="sldNum" sz="quarter" idx="10"/>
+            <p:ph type="sldNum" sz="quarter" idx="5"/>
           </p:nvPr>
         </p:nvSpPr>
         <p:spPr/>
@@ -16118,9 +16118,9 @@
           <a:bodyPr/>
           <a:lstStyle/>
           <a:p>
-            <a:fld id="{C56969A0-B3EA-45A4-A390-44554200A62E}" type="slidenum">
+            <a:fld id="{A7ECB63E-8074-41A1-9CD7-8EC3ED69F85F}" type="slidenum">
               <a:rPr lang="en-US" smtClean="0"/>
-              <a:t>67</a:t>
+              <a:t>63</a:t>
             </a:fld>
             <a:endParaRPr lang="en-US"/>
           </a:p>
@@ -16129,7 +16129,7 @@
     </p:spTree>
     <p:extLst>
       <p:ext uri="{BB962C8B-B14F-4D97-AF65-F5344CB8AC3E}">
-        <p14:creationId xmlns:p14="http://schemas.microsoft.com/office/powerpoint/2010/main" val="2386918127"/>
+        <p14:creationId xmlns:p14="http://schemas.microsoft.com/office/powerpoint/2010/main" val="2875358068"/>
       </p:ext>
     </p:extLst>
   </p:cSld>
@@ -16183,6 +16183,175 @@
           <a:bodyPr/>
           <a:lstStyle/>
           <a:p>
+            <a:pPr marL="0" marR="0" lvl="0" indent="0" algn="l" defTabSz="914400" rtl="0" eaLnBrk="1" fontAlgn="auto" latinLnBrk="0" hangingPunct="1">
+              <a:lnSpc>
+                <a:spcPct val="100000"/>
+              </a:lnSpc>
+              <a:spcBef>
+                <a:spcPts val="0"/>
+              </a:spcBef>
+              <a:spcAft>
+                <a:spcPts val="0"/>
+              </a:spcAft>
+              <a:buClrTx/>
+              <a:buSzTx/>
+              <a:buFontTx/>
+              <a:buNone/>
+              <a:tabLst/>
+              <a:defRPr/>
+            </a:pPr>
+            <a:r>
+              <a:rPr lang="en-US" dirty="0" err="1">
+                <a:latin typeface="Courier New" panose="02070309020205020404" pitchFamily="49" charset="0"/>
+                <a:cs typeface="Courier New" panose="02070309020205020404" pitchFamily="49" charset="0"/>
+              </a:rPr>
+              <a:t>Useing</a:t>
+            </a:r>
+            <a:r>
+              <a:rPr lang="en-US" dirty="0">
+                <a:latin typeface="Courier New" panose="02070309020205020404" pitchFamily="49" charset="0"/>
+                <a:cs typeface="Courier New" panose="02070309020205020404" pitchFamily="49" charset="0"/>
+              </a:rPr>
+              <a:t> the Step 1 hierarchy graph and the Step 2 Output table:</a:t>
+            </a:r>
+          </a:p>
+          <a:p>
+            <a:r>
+              <a:rPr lang="en-US" dirty="0"/>
+              <a:t>      Walk through each Musical Instrument printed through the loop.  </a:t>
+            </a:r>
+          </a:p>
+          <a:p>
+            <a:r>
+              <a:rPr lang="en-US"/>
+              <a:t>      Have </a:t>
+            </a:r>
+            <a:r>
+              <a:rPr lang="en-US" dirty="0"/>
+              <a:t>students explain how each statement produced the given out in the 3 loop lines:</a:t>
+            </a:r>
+          </a:p>
+          <a:p>
+            <a:pPr marL="0" indent="0">
+              <a:buNone/>
+            </a:pPr>
+            <a:r>
+              <a:rPr lang="en-US" dirty="0">
+                <a:latin typeface="Courier New" panose="02070309020205020404" pitchFamily="49" charset="0"/>
+                <a:cs typeface="Courier New" panose="02070309020205020404" pitchFamily="49" charset="0"/>
+              </a:rPr>
+              <a:t>	</a:t>
+            </a:r>
+            <a:r>
+              <a:rPr lang="en-US" dirty="0" err="1">
+                <a:latin typeface="Courier New" panose="02070309020205020404" pitchFamily="49" charset="0"/>
+                <a:cs typeface="Courier New" panose="02070309020205020404" pitchFamily="49" charset="0"/>
+              </a:rPr>
+              <a:t>System.out.println</a:t>
+            </a:r>
+            <a:r>
+              <a:rPr lang="en-US" dirty="0">
+                <a:latin typeface="Courier New" panose="02070309020205020404" pitchFamily="49" charset="0"/>
+                <a:cs typeface="Courier New" panose="02070309020205020404" pitchFamily="49" charset="0"/>
+              </a:rPr>
+              <a:t>(</a:t>
+            </a:r>
+            <a:r>
+              <a:rPr lang="en-US" dirty="0" err="1">
+                <a:latin typeface="Courier New" panose="02070309020205020404" pitchFamily="49" charset="0"/>
+                <a:cs typeface="Courier New" panose="02070309020205020404" pitchFamily="49" charset="0"/>
+              </a:rPr>
+              <a:t>insts</a:t>
+            </a:r>
+            <a:r>
+              <a:rPr lang="en-US" dirty="0">
+                <a:latin typeface="Courier New" panose="02070309020205020404" pitchFamily="49" charset="0"/>
+                <a:cs typeface="Courier New" panose="02070309020205020404" pitchFamily="49" charset="0"/>
+              </a:rPr>
+              <a:t>[i]);</a:t>
+            </a:r>
+          </a:p>
+          <a:p>
+            <a:pPr marL="0" indent="0">
+              <a:buNone/>
+            </a:pPr>
+            <a:r>
+              <a:rPr lang="en-US" dirty="0">
+                <a:latin typeface="Courier New" panose="02070309020205020404" pitchFamily="49" charset="0"/>
+                <a:cs typeface="Courier New" panose="02070309020205020404" pitchFamily="49" charset="0"/>
+              </a:rPr>
+              <a:t>    	</a:t>
+            </a:r>
+            <a:r>
+              <a:rPr lang="en-US" dirty="0" err="1">
+                <a:latin typeface="Courier New" panose="02070309020205020404" pitchFamily="49" charset="0"/>
+                <a:cs typeface="Courier New" panose="02070309020205020404" pitchFamily="49" charset="0"/>
+              </a:rPr>
+              <a:t>insts</a:t>
+            </a:r>
+            <a:r>
+              <a:rPr lang="en-US" dirty="0">
+                <a:latin typeface="Courier New" panose="02070309020205020404" pitchFamily="49" charset="0"/>
+                <a:cs typeface="Courier New" panose="02070309020205020404" pitchFamily="49" charset="0"/>
+              </a:rPr>
+              <a:t> [i].</a:t>
+            </a:r>
+            <a:r>
+              <a:rPr lang="en-US" dirty="0" err="1">
+                <a:latin typeface="Courier New" panose="02070309020205020404" pitchFamily="49" charset="0"/>
+                <a:cs typeface="Courier New" panose="02070309020205020404" pitchFamily="49" charset="0"/>
+              </a:rPr>
+              <a:t>pickSound</a:t>
+            </a:r>
+            <a:r>
+              <a:rPr lang="en-US" dirty="0">
+                <a:latin typeface="Courier New" panose="02070309020205020404" pitchFamily="49" charset="0"/>
+                <a:cs typeface="Courier New" panose="02070309020205020404" pitchFamily="49" charset="0"/>
+              </a:rPr>
+              <a:t>();</a:t>
+            </a:r>
+          </a:p>
+          <a:p>
+            <a:pPr marL="0" indent="0">
+              <a:buNone/>
+            </a:pPr>
+            <a:r>
+              <a:rPr lang="en-US" dirty="0">
+                <a:latin typeface="Courier New" panose="02070309020205020404" pitchFamily="49" charset="0"/>
+                <a:cs typeface="Courier New" panose="02070309020205020404" pitchFamily="49" charset="0"/>
+              </a:rPr>
+              <a:t>    	</a:t>
+            </a:r>
+            <a:r>
+              <a:rPr lang="en-US" dirty="0" err="1">
+                <a:latin typeface="Courier New" panose="02070309020205020404" pitchFamily="49" charset="0"/>
+                <a:cs typeface="Courier New" panose="02070309020205020404" pitchFamily="49" charset="0"/>
+              </a:rPr>
+              <a:t>insts</a:t>
+            </a:r>
+            <a:r>
+              <a:rPr lang="en-US" dirty="0">
+                <a:latin typeface="Courier New" panose="02070309020205020404" pitchFamily="49" charset="0"/>
+                <a:cs typeface="Courier New" panose="02070309020205020404" pitchFamily="49" charset="0"/>
+              </a:rPr>
+              <a:t> [i].</a:t>
+            </a:r>
+            <a:r>
+              <a:rPr lang="en-US" dirty="0" err="1">
+                <a:latin typeface="Courier New" panose="02070309020205020404" pitchFamily="49" charset="0"/>
+                <a:cs typeface="Courier New" panose="02070309020205020404" pitchFamily="49" charset="0"/>
+              </a:rPr>
+              <a:t>playNote</a:t>
+            </a:r>
+            <a:r>
+              <a:rPr lang="en-US" dirty="0">
+                <a:latin typeface="Courier New" panose="02070309020205020404" pitchFamily="49" charset="0"/>
+                <a:cs typeface="Courier New" panose="02070309020205020404" pitchFamily="49" charset="0"/>
+              </a:rPr>
+              <a:t>();</a:t>
+            </a:r>
+          </a:p>
+          <a:p>
             <a:endParaRPr lang="en-US" dirty="0"/>
           </a:p>
         </p:txBody>
@@ -16204,7 +16373,7 @@
           <a:p>
             <a:fld id="{C56969A0-B3EA-45A4-A390-44554200A62E}" type="slidenum">
               <a:rPr lang="en-US" smtClean="0"/>
-              <a:t>75</a:t>
+              <a:t>64</a:t>
             </a:fld>
             <a:endParaRPr lang="en-US"/>
           </a:p>
@@ -16213,7 +16382,7 @@
     </p:spTree>
     <p:extLst>
       <p:ext uri="{BB962C8B-B14F-4D97-AF65-F5344CB8AC3E}">
-        <p14:creationId xmlns:p14="http://schemas.microsoft.com/office/powerpoint/2010/main" val="5538721"/>
+        <p14:creationId xmlns:p14="http://schemas.microsoft.com/office/powerpoint/2010/main" val="2422966477"/>
       </p:ext>
     </p:extLst>
   </p:cSld>
@@ -16288,7 +16457,7 @@
           <a:p>
             <a:fld id="{C56969A0-B3EA-45A4-A390-44554200A62E}" type="slidenum">
               <a:rPr lang="en-US" smtClean="0"/>
-              <a:t>83</a:t>
+              <a:t>67</a:t>
             </a:fld>
             <a:endParaRPr lang="en-US"/>
           </a:p>
@@ -16297,7 +16466,7 @@
     </p:spTree>
     <p:extLst>
       <p:ext uri="{BB962C8B-B14F-4D97-AF65-F5344CB8AC3E}">
-        <p14:creationId xmlns:p14="http://schemas.microsoft.com/office/powerpoint/2010/main" val="1965811128"/>
+        <p14:creationId xmlns:p14="http://schemas.microsoft.com/office/powerpoint/2010/main" val="2386918127"/>
       </p:ext>
     </p:extLst>
   </p:cSld>
@@ -16351,18 +16520,6 @@
           <a:bodyPr/>
           <a:lstStyle/>
           <a:p>
-            <a:r>
-              <a:rPr lang="en-US" dirty="0"/>
-              <a:t>This</a:t>
-            </a:r>
-            <a:r>
-              <a:rPr lang="en-US" baseline="0" dirty="0"/>
-              <a:t> unit is mostly done either on practice it or the board. Feel free to edit </a:t>
-            </a:r>
-            <a:r>
-              <a:rPr lang="en-US" baseline="0"/>
-              <a:t>this slide deck as you see fit!</a:t>
-            </a:r>
             <a:endParaRPr lang="en-US" dirty="0"/>
           </a:p>
         </p:txBody>
@@ -16384,6 +16541,186 @@
           <a:p>
             <a:fld id="{C56969A0-B3EA-45A4-A390-44554200A62E}" type="slidenum">
               <a:rPr lang="en-US" smtClean="0"/>
+              <a:t>75</a:t>
+            </a:fld>
+            <a:endParaRPr lang="en-US"/>
+          </a:p>
+        </p:txBody>
+      </p:sp>
+    </p:spTree>
+    <p:extLst>
+      <p:ext uri="{BB962C8B-B14F-4D97-AF65-F5344CB8AC3E}">
+        <p14:creationId xmlns:p14="http://schemas.microsoft.com/office/powerpoint/2010/main" val="5538721"/>
+      </p:ext>
+    </p:extLst>
+  </p:cSld>
+  <p:clrMapOvr>
+    <a:masterClrMapping/>
+  </p:clrMapOvr>
+</p:notes>
+</file>
+
+<file path=ppt/notesSlides/notesSlide14.xml><?xml version="1.0" encoding="utf-8"?>
+<p:notes xmlns:a="http://schemas.openxmlformats.org/drawingml/2006/main" xmlns:r="http://schemas.openxmlformats.org/officeDocument/2006/relationships" xmlns:p="http://schemas.openxmlformats.org/presentationml/2006/main">
+  <p:cSld>
+    <p:spTree>
+      <p:nvGrpSpPr>
+        <p:cNvPr id="1" name=""/>
+        <p:cNvGrpSpPr/>
+        <p:nvPr/>
+      </p:nvGrpSpPr>
+      <p:grpSpPr>
+        <a:xfrm>
+          <a:off x="0" y="0"/>
+          <a:ext cx="0" cy="0"/>
+          <a:chOff x="0" y="0"/>
+          <a:chExt cx="0" cy="0"/>
+        </a:xfrm>
+      </p:grpSpPr>
+      <p:sp>
+        <p:nvSpPr>
+          <p:cNvPr id="2" name="Slide Image Placeholder 1"/>
+          <p:cNvSpPr>
+            <a:spLocks noGrp="1" noRot="1" noChangeAspect="1"/>
+          </p:cNvSpPr>
+          <p:nvPr>
+            <p:ph type="sldImg"/>
+          </p:nvPr>
+        </p:nvSpPr>
+        <p:spPr/>
+      </p:sp>
+      <p:sp>
+        <p:nvSpPr>
+          <p:cNvPr id="3" name="Notes Placeholder 2"/>
+          <p:cNvSpPr>
+            <a:spLocks noGrp="1"/>
+          </p:cNvSpPr>
+          <p:nvPr>
+            <p:ph type="body" idx="1"/>
+          </p:nvPr>
+        </p:nvSpPr>
+        <p:spPr/>
+        <p:txBody>
+          <a:bodyPr/>
+          <a:lstStyle/>
+          <a:p>
+            <a:endParaRPr lang="en-US" dirty="0"/>
+          </a:p>
+        </p:txBody>
+      </p:sp>
+      <p:sp>
+        <p:nvSpPr>
+          <p:cNvPr id="4" name="Slide Number Placeholder 3"/>
+          <p:cNvSpPr>
+            <a:spLocks noGrp="1"/>
+          </p:cNvSpPr>
+          <p:nvPr>
+            <p:ph type="sldNum" sz="quarter" idx="10"/>
+          </p:nvPr>
+        </p:nvSpPr>
+        <p:spPr/>
+        <p:txBody>
+          <a:bodyPr/>
+          <a:lstStyle/>
+          <a:p>
+            <a:fld id="{C56969A0-B3EA-45A4-A390-44554200A62E}" type="slidenum">
+              <a:rPr lang="en-US" smtClean="0"/>
+              <a:t>83</a:t>
+            </a:fld>
+            <a:endParaRPr lang="en-US"/>
+          </a:p>
+        </p:txBody>
+      </p:sp>
+    </p:spTree>
+    <p:extLst>
+      <p:ext uri="{BB962C8B-B14F-4D97-AF65-F5344CB8AC3E}">
+        <p14:creationId xmlns:p14="http://schemas.microsoft.com/office/powerpoint/2010/main" val="1965811128"/>
+      </p:ext>
+    </p:extLst>
+  </p:cSld>
+  <p:clrMapOvr>
+    <a:masterClrMapping/>
+  </p:clrMapOvr>
+</p:notes>
+</file>
+
+<file path=ppt/notesSlides/notesSlide15.xml><?xml version="1.0" encoding="utf-8"?>
+<p:notes xmlns:a="http://schemas.openxmlformats.org/drawingml/2006/main" xmlns:r="http://schemas.openxmlformats.org/officeDocument/2006/relationships" xmlns:p="http://schemas.openxmlformats.org/presentationml/2006/main">
+  <p:cSld>
+    <p:spTree>
+      <p:nvGrpSpPr>
+        <p:cNvPr id="1" name=""/>
+        <p:cNvGrpSpPr/>
+        <p:nvPr/>
+      </p:nvGrpSpPr>
+      <p:grpSpPr>
+        <a:xfrm>
+          <a:off x="0" y="0"/>
+          <a:ext cx="0" cy="0"/>
+          <a:chOff x="0" y="0"/>
+          <a:chExt cx="0" cy="0"/>
+        </a:xfrm>
+      </p:grpSpPr>
+      <p:sp>
+        <p:nvSpPr>
+          <p:cNvPr id="2" name="Slide Image Placeholder 1"/>
+          <p:cNvSpPr>
+            <a:spLocks noGrp="1" noRot="1" noChangeAspect="1"/>
+          </p:cNvSpPr>
+          <p:nvPr>
+            <p:ph type="sldImg"/>
+          </p:nvPr>
+        </p:nvSpPr>
+        <p:spPr/>
+      </p:sp>
+      <p:sp>
+        <p:nvSpPr>
+          <p:cNvPr id="3" name="Notes Placeholder 2"/>
+          <p:cNvSpPr>
+            <a:spLocks noGrp="1"/>
+          </p:cNvSpPr>
+          <p:nvPr>
+            <p:ph type="body" idx="1"/>
+          </p:nvPr>
+        </p:nvSpPr>
+        <p:spPr/>
+        <p:txBody>
+          <a:bodyPr/>
+          <a:lstStyle/>
+          <a:p>
+            <a:r>
+              <a:rPr lang="en-US" dirty="0"/>
+              <a:t>This</a:t>
+            </a:r>
+            <a:r>
+              <a:rPr lang="en-US" baseline="0" dirty="0"/>
+              <a:t> unit is mostly done either on practice it or the board. Feel free to edit </a:t>
+            </a:r>
+            <a:r>
+              <a:rPr lang="en-US" baseline="0"/>
+              <a:t>this slide deck as you see fit!</a:t>
+            </a:r>
+            <a:endParaRPr lang="en-US" dirty="0"/>
+          </a:p>
+        </p:txBody>
+      </p:sp>
+      <p:sp>
+        <p:nvSpPr>
+          <p:cNvPr id="4" name="Slide Number Placeholder 3"/>
+          <p:cNvSpPr>
+            <a:spLocks noGrp="1"/>
+          </p:cNvSpPr>
+          <p:nvPr>
+            <p:ph type="sldNum" sz="quarter" idx="10"/>
+          </p:nvPr>
+        </p:nvSpPr>
+        <p:spPr/>
+        <p:txBody>
+          <a:bodyPr/>
+          <a:lstStyle/>
+          <a:p>
+            <a:fld id="{C56969A0-B3EA-45A4-A390-44554200A62E}" type="slidenum">
+              <a:rPr lang="en-US" smtClean="0"/>
               <a:t>85</a:t>
             </a:fld>
             <a:endParaRPr lang="en-US"/>
@@ -16403,7 +16740,7 @@
 </p:notes>
 </file>
 
-<file path=ppt/notesSlides/notesSlide14.xml><?xml version="1.0" encoding="utf-8"?>
+<file path=ppt/notesSlides/notesSlide16.xml><?xml version="1.0" encoding="utf-8"?>
 <p:notes xmlns:a="http://schemas.openxmlformats.org/drawingml/2006/main" xmlns:r="http://schemas.openxmlformats.org/officeDocument/2006/relationships" xmlns:p="http://schemas.openxmlformats.org/presentationml/2006/main">
   <p:cSld>
     <p:spTree>
@@ -17171,7 +17508,7 @@
             <a:spLocks noGrp="1"/>
           </p:cNvSpPr>
           <p:nvPr>
-            <p:ph type="sldNum" sz="quarter" idx="10"/>
+            <p:ph type="sldNum" sz="quarter" idx="5"/>
           </p:nvPr>
         </p:nvSpPr>
         <p:spPr/>
@@ -17179,9 +17516,9 @@
           <a:bodyPr/>
           <a:lstStyle/>
           <a:p>
-            <a:fld id="{C56969A0-B3EA-45A4-A390-44554200A62E}" type="slidenum">
+            <a:fld id="{A7ECB63E-8074-41A1-9CD7-8EC3ED69F85F}" type="slidenum">
               <a:rPr lang="en-US" smtClean="0"/>
-              <a:t>64</a:t>
+              <a:t>60</a:t>
             </a:fld>
             <a:endParaRPr lang="en-US"/>
           </a:p>
@@ -17190,7 +17527,7 @@
     </p:spTree>
     <p:extLst>
       <p:ext uri="{BB962C8B-B14F-4D97-AF65-F5344CB8AC3E}">
-        <p14:creationId xmlns:p14="http://schemas.microsoft.com/office/powerpoint/2010/main" val="2422966477"/>
+        <p14:creationId xmlns:p14="http://schemas.microsoft.com/office/powerpoint/2010/main" val="659790653"/>
       </p:ext>
     </p:extLst>
   </p:cSld>
@@ -29938,7 +30275,7 @@
             <a:effectLst/>
             <a:extLst>
               <a:ext uri="{C572A759-6A51-4108-AA02-DFA0A04FC94B}">
-                <ma14:wrappingTextBoxFlag xmlns="" xmlns:wpc="http://schemas.microsoft.com/office/word/2010/wordprocessingCanvas" xmlns:mo="http://schemas.microsoft.com/office/mac/office/2008/main" xmlns:mc="http://schemas.openxmlformats.org/markup-compatibility/2006" xmlns:mv="urn:schemas-microsoft-com:mac:vml" xmlns:o="urn:schemas-microsoft-com:office:office" xmlns:m="http://schemas.openxmlformats.org/officeDocument/2006/math" xmlns:v="urn:schemas-microsoft-com:vml" xmlns:wp14="http://schemas.microsoft.com/office/word/2010/wordprocessingDrawing" xmlns:wp="http://schemas.openxmlformats.org/drawingml/2006/wordprocessingDrawing" xmlns:w10="urn:schemas-microsoft-com:office:word" xmlns:w="http://schemas.openxmlformats.org/wordprocessingml/2006/main" xmlns:w14="http://schemas.microsoft.com/office/word/2010/wordml" xmlns:wpg="http://schemas.microsoft.com/office/word/2010/wordprocessingGroup" xmlns:wpi="http://schemas.microsoft.com/office/word/2010/wordprocessingInk" xmlns:wne="http://schemas.microsoft.com/office/word/2006/wordml" xmlns:wps="http://schemas.microsoft.com/office/word/2010/wordprocessingShape" xmlns:ma14="http://schemas.microsoft.com/office/mac/drawingml/2011/main" xmlns:lc="http://schemas.openxmlformats.org/drawingml/2006/lockedCanvas"/>
+                <ma14:wrappingTextBoxFlag xmlns:lc="http://schemas.openxmlformats.org/drawingml/2006/lockedCanvas" xmlns:ma14="http://schemas.microsoft.com/office/mac/drawingml/2011/main" xmlns:wps="http://schemas.microsoft.com/office/word/2010/wordprocessingShape" xmlns:wne="http://schemas.microsoft.com/office/word/2006/wordml" xmlns:wpi="http://schemas.microsoft.com/office/word/2010/wordprocessingInk" xmlns:wpg="http://schemas.microsoft.com/office/word/2010/wordprocessingGroup" xmlns:w14="http://schemas.microsoft.com/office/word/2010/wordml" xmlns:w="http://schemas.openxmlformats.org/wordprocessingml/2006/main" xmlns:w10="urn:schemas-microsoft-com:office:word" xmlns:wp="http://schemas.openxmlformats.org/drawingml/2006/wordprocessingDrawing" xmlns:wp14="http://schemas.microsoft.com/office/word/2010/wordprocessingDrawing" xmlns:v="urn:schemas-microsoft-com:vml" xmlns:m="http://schemas.openxmlformats.org/officeDocument/2006/math" xmlns:o="urn:schemas-microsoft-com:office:office" xmlns:mv="urn:schemas-microsoft-com:mac:vml" xmlns:mc="http://schemas.openxmlformats.org/markup-compatibility/2006" xmlns:mo="http://schemas.microsoft.com/office/mac/office/2008/main" xmlns:wpc="http://schemas.microsoft.com/office/word/2010/wordprocessingCanvas" xmlns=""/>
               </a:ext>
             </a:extLst>
           </p:spPr>
@@ -30019,7 +30356,7 @@
             <a:effectLst/>
             <a:extLst>
               <a:ext uri="{C572A759-6A51-4108-AA02-DFA0A04FC94B}">
-                <ma14:wrappingTextBoxFlag xmlns="" xmlns:wpc="http://schemas.microsoft.com/office/word/2010/wordprocessingCanvas" xmlns:mo="http://schemas.microsoft.com/office/mac/office/2008/main" xmlns:mc="http://schemas.openxmlformats.org/markup-compatibility/2006" xmlns:mv="urn:schemas-microsoft-com:mac:vml" xmlns:o="urn:schemas-microsoft-com:office:office" xmlns:m="http://schemas.openxmlformats.org/officeDocument/2006/math" xmlns:v="urn:schemas-microsoft-com:vml" xmlns:wp14="http://schemas.microsoft.com/office/word/2010/wordprocessingDrawing" xmlns:wp="http://schemas.openxmlformats.org/drawingml/2006/wordprocessingDrawing" xmlns:w10="urn:schemas-microsoft-com:office:word" xmlns:w="http://schemas.openxmlformats.org/wordprocessingml/2006/main" xmlns:w14="http://schemas.microsoft.com/office/word/2010/wordml" xmlns:wpg="http://schemas.microsoft.com/office/word/2010/wordprocessingGroup" xmlns:wpi="http://schemas.microsoft.com/office/word/2010/wordprocessingInk" xmlns:wne="http://schemas.microsoft.com/office/word/2006/wordml" xmlns:wps="http://schemas.microsoft.com/office/word/2010/wordprocessingShape" xmlns:ma14="http://schemas.microsoft.com/office/mac/drawingml/2011/main" xmlns:lc="http://schemas.openxmlformats.org/drawingml/2006/lockedCanvas"/>
+                <ma14:wrappingTextBoxFlag xmlns:lc="http://schemas.openxmlformats.org/drawingml/2006/lockedCanvas" xmlns:ma14="http://schemas.microsoft.com/office/mac/drawingml/2011/main" xmlns:wps="http://schemas.microsoft.com/office/word/2010/wordprocessingShape" xmlns:wne="http://schemas.microsoft.com/office/word/2006/wordml" xmlns:wpi="http://schemas.microsoft.com/office/word/2010/wordprocessingInk" xmlns:wpg="http://schemas.microsoft.com/office/word/2010/wordprocessingGroup" xmlns:w14="http://schemas.microsoft.com/office/word/2010/wordml" xmlns:w="http://schemas.openxmlformats.org/wordprocessingml/2006/main" xmlns:w10="urn:schemas-microsoft-com:office:word" xmlns:wp="http://schemas.openxmlformats.org/drawingml/2006/wordprocessingDrawing" xmlns:wp14="http://schemas.microsoft.com/office/word/2010/wordprocessingDrawing" xmlns:v="urn:schemas-microsoft-com:vml" xmlns:m="http://schemas.openxmlformats.org/officeDocument/2006/math" xmlns:o="urn:schemas-microsoft-com:office:office" xmlns:mv="urn:schemas-microsoft-com:mac:vml" xmlns:mc="http://schemas.openxmlformats.org/markup-compatibility/2006" xmlns:mo="http://schemas.microsoft.com/office/mac/office/2008/main" xmlns:wpc="http://schemas.microsoft.com/office/word/2010/wordprocessingCanvas" xmlns=""/>
               </a:ext>
             </a:extLst>
           </p:spPr>
@@ -30100,7 +30437,7 @@
             <a:effectLst/>
             <a:extLst>
               <a:ext uri="{C572A759-6A51-4108-AA02-DFA0A04FC94B}">
-                <ma14:wrappingTextBoxFlag xmlns="" xmlns:wpc="http://schemas.microsoft.com/office/word/2010/wordprocessingCanvas" xmlns:mo="http://schemas.microsoft.com/office/mac/office/2008/main" xmlns:mc="http://schemas.openxmlformats.org/markup-compatibility/2006" xmlns:mv="urn:schemas-microsoft-com:mac:vml" xmlns:o="urn:schemas-microsoft-com:office:office" xmlns:m="http://schemas.openxmlformats.org/officeDocument/2006/math" xmlns:v="urn:schemas-microsoft-com:vml" xmlns:wp14="http://schemas.microsoft.com/office/word/2010/wordprocessingDrawing" xmlns:wp="http://schemas.openxmlformats.org/drawingml/2006/wordprocessingDrawing" xmlns:w10="urn:schemas-microsoft-com:office:word" xmlns:w="http://schemas.openxmlformats.org/wordprocessingml/2006/main" xmlns:w14="http://schemas.microsoft.com/office/word/2010/wordml" xmlns:wpg="http://schemas.microsoft.com/office/word/2010/wordprocessingGroup" xmlns:wpi="http://schemas.microsoft.com/office/word/2010/wordprocessingInk" xmlns:wne="http://schemas.microsoft.com/office/word/2006/wordml" xmlns:wps="http://schemas.microsoft.com/office/word/2010/wordprocessingShape" xmlns:ma14="http://schemas.microsoft.com/office/mac/drawingml/2011/main" xmlns:lc="http://schemas.openxmlformats.org/drawingml/2006/lockedCanvas"/>
+                <ma14:wrappingTextBoxFlag xmlns:lc="http://schemas.openxmlformats.org/drawingml/2006/lockedCanvas" xmlns:ma14="http://schemas.microsoft.com/office/mac/drawingml/2011/main" xmlns:wps="http://schemas.microsoft.com/office/word/2010/wordprocessingShape" xmlns:wne="http://schemas.microsoft.com/office/word/2006/wordml" xmlns:wpi="http://schemas.microsoft.com/office/word/2010/wordprocessingInk" xmlns:wpg="http://schemas.microsoft.com/office/word/2010/wordprocessingGroup" xmlns:w14="http://schemas.microsoft.com/office/word/2010/wordml" xmlns:w="http://schemas.openxmlformats.org/wordprocessingml/2006/main" xmlns:w10="urn:schemas-microsoft-com:office:word" xmlns:wp="http://schemas.openxmlformats.org/drawingml/2006/wordprocessingDrawing" xmlns:wp14="http://schemas.microsoft.com/office/word/2010/wordprocessingDrawing" xmlns:v="urn:schemas-microsoft-com:vml" xmlns:m="http://schemas.openxmlformats.org/officeDocument/2006/math" xmlns:o="urn:schemas-microsoft-com:office:office" xmlns:mv="urn:schemas-microsoft-com:mac:vml" xmlns:mc="http://schemas.openxmlformats.org/markup-compatibility/2006" xmlns:mo="http://schemas.microsoft.com/office/mac/office/2008/main" xmlns:wpc="http://schemas.microsoft.com/office/word/2010/wordprocessingCanvas" xmlns=""/>
               </a:ext>
             </a:extLst>
           </p:spPr>
@@ -30181,7 +30518,7 @@
             <a:effectLst/>
             <a:extLst>
               <a:ext uri="{C572A759-6A51-4108-AA02-DFA0A04FC94B}">
-                <ma14:wrappingTextBoxFlag xmlns="" xmlns:wpc="http://schemas.microsoft.com/office/word/2010/wordprocessingCanvas" xmlns:mo="http://schemas.microsoft.com/office/mac/office/2008/main" xmlns:mc="http://schemas.openxmlformats.org/markup-compatibility/2006" xmlns:mv="urn:schemas-microsoft-com:mac:vml" xmlns:o="urn:schemas-microsoft-com:office:office" xmlns:m="http://schemas.openxmlformats.org/officeDocument/2006/math" xmlns:v="urn:schemas-microsoft-com:vml" xmlns:wp14="http://schemas.microsoft.com/office/word/2010/wordprocessingDrawing" xmlns:wp="http://schemas.openxmlformats.org/drawingml/2006/wordprocessingDrawing" xmlns:w10="urn:schemas-microsoft-com:office:word" xmlns:w="http://schemas.openxmlformats.org/wordprocessingml/2006/main" xmlns:w14="http://schemas.microsoft.com/office/word/2010/wordml" xmlns:wpg="http://schemas.microsoft.com/office/word/2010/wordprocessingGroup" xmlns:wpi="http://schemas.microsoft.com/office/word/2010/wordprocessingInk" xmlns:wne="http://schemas.microsoft.com/office/word/2006/wordml" xmlns:wps="http://schemas.microsoft.com/office/word/2010/wordprocessingShape" xmlns:ma14="http://schemas.microsoft.com/office/mac/drawingml/2011/main" xmlns:lc="http://schemas.openxmlformats.org/drawingml/2006/lockedCanvas"/>
+                <ma14:wrappingTextBoxFlag xmlns:lc="http://schemas.openxmlformats.org/drawingml/2006/lockedCanvas" xmlns:ma14="http://schemas.microsoft.com/office/mac/drawingml/2011/main" xmlns:wps="http://schemas.microsoft.com/office/word/2010/wordprocessingShape" xmlns:wne="http://schemas.microsoft.com/office/word/2006/wordml" xmlns:wpi="http://schemas.microsoft.com/office/word/2010/wordprocessingInk" xmlns:wpg="http://schemas.microsoft.com/office/word/2010/wordprocessingGroup" xmlns:w14="http://schemas.microsoft.com/office/word/2010/wordml" xmlns:w="http://schemas.openxmlformats.org/wordprocessingml/2006/main" xmlns:w10="urn:schemas-microsoft-com:office:word" xmlns:wp="http://schemas.openxmlformats.org/drawingml/2006/wordprocessingDrawing" xmlns:wp14="http://schemas.microsoft.com/office/word/2010/wordprocessingDrawing" xmlns:v="urn:schemas-microsoft-com:vml" xmlns:m="http://schemas.openxmlformats.org/officeDocument/2006/math" xmlns:o="urn:schemas-microsoft-com:office:office" xmlns:mv="urn:schemas-microsoft-com:mac:vml" xmlns:mc="http://schemas.openxmlformats.org/markup-compatibility/2006" xmlns:mo="http://schemas.microsoft.com/office/mac/office/2008/main" xmlns:wpc="http://schemas.microsoft.com/office/word/2010/wordprocessingCanvas" xmlns=""/>
               </a:ext>
             </a:extLst>
           </p:spPr>
@@ -30262,7 +30599,7 @@
             <a:effectLst/>
             <a:extLst>
               <a:ext uri="{C572A759-6A51-4108-AA02-DFA0A04FC94B}">
-                <ma14:wrappingTextBoxFlag xmlns="" xmlns:wpc="http://schemas.microsoft.com/office/word/2010/wordprocessingCanvas" xmlns:mo="http://schemas.microsoft.com/office/mac/office/2008/main" xmlns:mc="http://schemas.openxmlformats.org/markup-compatibility/2006" xmlns:mv="urn:schemas-microsoft-com:mac:vml" xmlns:o="urn:schemas-microsoft-com:office:office" xmlns:m="http://schemas.openxmlformats.org/officeDocument/2006/math" xmlns:v="urn:schemas-microsoft-com:vml" xmlns:wp14="http://schemas.microsoft.com/office/word/2010/wordprocessingDrawing" xmlns:wp="http://schemas.openxmlformats.org/drawingml/2006/wordprocessingDrawing" xmlns:w10="urn:schemas-microsoft-com:office:word" xmlns:w="http://schemas.openxmlformats.org/wordprocessingml/2006/main" xmlns:w14="http://schemas.microsoft.com/office/word/2010/wordml" xmlns:wpg="http://schemas.microsoft.com/office/word/2010/wordprocessingGroup" xmlns:wpi="http://schemas.microsoft.com/office/word/2010/wordprocessingInk" xmlns:wne="http://schemas.microsoft.com/office/word/2006/wordml" xmlns:wps="http://schemas.microsoft.com/office/word/2010/wordprocessingShape" xmlns:ma14="http://schemas.microsoft.com/office/mac/drawingml/2011/main" xmlns:lc="http://schemas.openxmlformats.org/drawingml/2006/lockedCanvas"/>
+                <ma14:wrappingTextBoxFlag xmlns:lc="http://schemas.openxmlformats.org/drawingml/2006/lockedCanvas" xmlns:ma14="http://schemas.microsoft.com/office/mac/drawingml/2011/main" xmlns:wps="http://schemas.microsoft.com/office/word/2010/wordprocessingShape" xmlns:wne="http://schemas.microsoft.com/office/word/2006/wordml" xmlns:wpi="http://schemas.microsoft.com/office/word/2010/wordprocessingInk" xmlns:wpg="http://schemas.microsoft.com/office/word/2010/wordprocessingGroup" xmlns:w14="http://schemas.microsoft.com/office/word/2010/wordml" xmlns:w="http://schemas.openxmlformats.org/wordprocessingml/2006/main" xmlns:w10="urn:schemas-microsoft-com:office:word" xmlns:wp="http://schemas.openxmlformats.org/drawingml/2006/wordprocessingDrawing" xmlns:wp14="http://schemas.microsoft.com/office/word/2010/wordprocessingDrawing" xmlns:v="urn:schemas-microsoft-com:vml" xmlns:m="http://schemas.openxmlformats.org/officeDocument/2006/math" xmlns:o="urn:schemas-microsoft-com:office:office" xmlns:mv="urn:schemas-microsoft-com:mac:vml" xmlns:mc="http://schemas.openxmlformats.org/markup-compatibility/2006" xmlns:mo="http://schemas.microsoft.com/office/mac/office/2008/main" xmlns:wpc="http://schemas.microsoft.com/office/word/2010/wordprocessingCanvas" xmlns=""/>
               </a:ext>
             </a:extLst>
           </p:spPr>
@@ -30378,7 +30715,7 @@
             <a:effectLst/>
             <a:extLst>
               <a:ext uri="{C572A759-6A51-4108-AA02-DFA0A04FC94B}">
-                <ma14:wrappingTextBoxFlag xmlns="" xmlns:wpc="http://schemas.microsoft.com/office/word/2010/wordprocessingCanvas" xmlns:mo="http://schemas.microsoft.com/office/mac/office/2008/main" xmlns:mc="http://schemas.openxmlformats.org/markup-compatibility/2006" xmlns:mv="urn:schemas-microsoft-com:mac:vml" xmlns:o="urn:schemas-microsoft-com:office:office" xmlns:m="http://schemas.openxmlformats.org/officeDocument/2006/math" xmlns:v="urn:schemas-microsoft-com:vml" xmlns:wp14="http://schemas.microsoft.com/office/word/2010/wordprocessingDrawing" xmlns:wp="http://schemas.openxmlformats.org/drawingml/2006/wordprocessingDrawing" xmlns:w10="urn:schemas-microsoft-com:office:word" xmlns:w="http://schemas.openxmlformats.org/wordprocessingml/2006/main" xmlns:w14="http://schemas.microsoft.com/office/word/2010/wordml" xmlns:wpg="http://schemas.microsoft.com/office/word/2010/wordprocessingGroup" xmlns:wpi="http://schemas.microsoft.com/office/word/2010/wordprocessingInk" xmlns:wne="http://schemas.microsoft.com/office/word/2006/wordml" xmlns:wps="http://schemas.microsoft.com/office/word/2010/wordprocessingShape" xmlns:ma14="http://schemas.microsoft.com/office/mac/drawingml/2011/main" xmlns:lc="http://schemas.openxmlformats.org/drawingml/2006/lockedCanvas"/>
+                <ma14:wrappingTextBoxFlag xmlns:lc="http://schemas.openxmlformats.org/drawingml/2006/lockedCanvas" xmlns:ma14="http://schemas.microsoft.com/office/mac/drawingml/2011/main" xmlns:wps="http://schemas.microsoft.com/office/word/2010/wordprocessingShape" xmlns:wne="http://schemas.microsoft.com/office/word/2006/wordml" xmlns:wpi="http://schemas.microsoft.com/office/word/2010/wordprocessingInk" xmlns:wpg="http://schemas.microsoft.com/office/word/2010/wordprocessingGroup" xmlns:w14="http://schemas.microsoft.com/office/word/2010/wordml" xmlns:w="http://schemas.openxmlformats.org/wordprocessingml/2006/main" xmlns:w10="urn:schemas-microsoft-com:office:word" xmlns:wp="http://schemas.openxmlformats.org/drawingml/2006/wordprocessingDrawing" xmlns:wp14="http://schemas.microsoft.com/office/word/2010/wordprocessingDrawing" xmlns:v="urn:schemas-microsoft-com:vml" xmlns:m="http://schemas.openxmlformats.org/officeDocument/2006/math" xmlns:o="urn:schemas-microsoft-com:office:office" xmlns:mv="urn:schemas-microsoft-com:mac:vml" xmlns:mc="http://schemas.openxmlformats.org/markup-compatibility/2006" xmlns:mo="http://schemas.microsoft.com/office/mac/office/2008/main" xmlns:wpc="http://schemas.microsoft.com/office/word/2010/wordprocessingCanvas" xmlns=""/>
               </a:ext>
             </a:extLst>
           </p:spPr>
@@ -30494,7 +30831,7 @@
             <a:effectLst/>
             <a:extLst>
               <a:ext uri="{C572A759-6A51-4108-AA02-DFA0A04FC94B}">
-                <ma14:wrappingTextBoxFlag xmlns="" xmlns:wpc="http://schemas.microsoft.com/office/word/2010/wordprocessingCanvas" xmlns:mo="http://schemas.microsoft.com/office/mac/office/2008/main" xmlns:mc="http://schemas.openxmlformats.org/markup-compatibility/2006" xmlns:mv="urn:schemas-microsoft-com:mac:vml" xmlns:o="urn:schemas-microsoft-com:office:office" xmlns:m="http://schemas.openxmlformats.org/officeDocument/2006/math" xmlns:v="urn:schemas-microsoft-com:vml" xmlns:wp14="http://schemas.microsoft.com/office/word/2010/wordprocessingDrawing" xmlns:wp="http://schemas.openxmlformats.org/drawingml/2006/wordprocessingDrawing" xmlns:w10="urn:schemas-microsoft-com:office:word" xmlns:w="http://schemas.openxmlformats.org/wordprocessingml/2006/main" xmlns:w14="http://schemas.microsoft.com/office/word/2010/wordml" xmlns:wpg="http://schemas.microsoft.com/office/word/2010/wordprocessingGroup" xmlns:wpi="http://schemas.microsoft.com/office/word/2010/wordprocessingInk" xmlns:wne="http://schemas.microsoft.com/office/word/2006/wordml" xmlns:wps="http://schemas.microsoft.com/office/word/2010/wordprocessingShape" xmlns:ma14="http://schemas.microsoft.com/office/mac/drawingml/2011/main" xmlns:lc="http://schemas.openxmlformats.org/drawingml/2006/lockedCanvas"/>
+                <ma14:wrappingTextBoxFlag xmlns:lc="http://schemas.openxmlformats.org/drawingml/2006/lockedCanvas" xmlns:ma14="http://schemas.microsoft.com/office/mac/drawingml/2011/main" xmlns:wps="http://schemas.microsoft.com/office/word/2010/wordprocessingShape" xmlns:wne="http://schemas.microsoft.com/office/word/2006/wordml" xmlns:wpi="http://schemas.microsoft.com/office/word/2010/wordprocessingInk" xmlns:wpg="http://schemas.microsoft.com/office/word/2010/wordprocessingGroup" xmlns:w14="http://schemas.microsoft.com/office/word/2010/wordml" xmlns:w="http://schemas.openxmlformats.org/wordprocessingml/2006/main" xmlns:w10="urn:schemas-microsoft-com:office:word" xmlns:wp="http://schemas.openxmlformats.org/drawingml/2006/wordprocessingDrawing" xmlns:wp14="http://schemas.microsoft.com/office/word/2010/wordprocessingDrawing" xmlns:v="urn:schemas-microsoft-com:vml" xmlns:m="http://schemas.openxmlformats.org/officeDocument/2006/math" xmlns:o="urn:schemas-microsoft-com:office:office" xmlns:mv="urn:schemas-microsoft-com:mac:vml" xmlns:mc="http://schemas.openxmlformats.org/markup-compatibility/2006" xmlns:mo="http://schemas.microsoft.com/office/mac/office/2008/main" xmlns:wpc="http://schemas.microsoft.com/office/word/2010/wordprocessingCanvas" xmlns=""/>
               </a:ext>
             </a:extLst>
           </p:spPr>

--- a/curriculum/Unit6/Unit6.pptx
+++ b/curriculum/Unit6/Unit6.pptx
@@ -5,7 +5,7 @@
     <p:sldMasterId id="2147483648" r:id="rId4"/>
   </p:sldMasterIdLst>
   <p:notesMasterIdLst>
-    <p:notesMasterId r:id="rId98"/>
+    <p:notesMasterId r:id="rId99"/>
   </p:notesMasterIdLst>
   <p:sldIdLst>
     <p:sldId id="256" r:id="rId5"/>
@@ -80,27 +80,28 @@
     <p:sldId id="330" r:id="rId74"/>
     <p:sldId id="331" r:id="rId75"/>
     <p:sldId id="332" r:id="rId76"/>
-    <p:sldId id="333" r:id="rId77"/>
-    <p:sldId id="334" r:id="rId78"/>
-    <p:sldId id="335" r:id="rId79"/>
-    <p:sldId id="336" r:id="rId80"/>
-    <p:sldId id="337" r:id="rId81"/>
-    <p:sldId id="338" r:id="rId82"/>
-    <p:sldId id="339" r:id="rId83"/>
-    <p:sldId id="340" r:id="rId84"/>
-    <p:sldId id="341" r:id="rId85"/>
-    <p:sldId id="342" r:id="rId86"/>
-    <p:sldId id="343" r:id="rId87"/>
-    <p:sldId id="344" r:id="rId88"/>
-    <p:sldId id="345" r:id="rId89"/>
-    <p:sldId id="346" r:id="rId90"/>
-    <p:sldId id="347" r:id="rId91"/>
-    <p:sldId id="348" r:id="rId92"/>
-    <p:sldId id="349" r:id="rId93"/>
-    <p:sldId id="350" r:id="rId94"/>
-    <p:sldId id="351" r:id="rId95"/>
-    <p:sldId id="352" r:id="rId96"/>
-    <p:sldId id="353" r:id="rId97"/>
+    <p:sldId id="370" r:id="rId77"/>
+    <p:sldId id="333" r:id="rId78"/>
+    <p:sldId id="334" r:id="rId79"/>
+    <p:sldId id="335" r:id="rId80"/>
+    <p:sldId id="336" r:id="rId81"/>
+    <p:sldId id="337" r:id="rId82"/>
+    <p:sldId id="338" r:id="rId83"/>
+    <p:sldId id="339" r:id="rId84"/>
+    <p:sldId id="340" r:id="rId85"/>
+    <p:sldId id="341" r:id="rId86"/>
+    <p:sldId id="342" r:id="rId87"/>
+    <p:sldId id="343" r:id="rId88"/>
+    <p:sldId id="344" r:id="rId89"/>
+    <p:sldId id="345" r:id="rId90"/>
+    <p:sldId id="346" r:id="rId91"/>
+    <p:sldId id="347" r:id="rId92"/>
+    <p:sldId id="348" r:id="rId93"/>
+    <p:sldId id="349" r:id="rId94"/>
+    <p:sldId id="350" r:id="rId95"/>
+    <p:sldId id="351" r:id="rId96"/>
+    <p:sldId id="352" r:id="rId97"/>
+    <p:sldId id="353" r:id="rId98"/>
   </p:sldIdLst>
   <p:sldSz cx="12192000" cy="6858000"/>
   <p:notesSz cx="6858000" cy="9144000"/>
@@ -16541,7 +16542,7 @@
           <a:p>
             <a:fld id="{C56969A0-B3EA-45A4-A390-44554200A62E}" type="slidenum">
               <a:rPr lang="en-US" smtClean="0"/>
-              <a:t>75</a:t>
+              <a:t>76</a:t>
             </a:fld>
             <a:endParaRPr lang="en-US"/>
           </a:p>
@@ -16625,7 +16626,7 @@
           <a:p>
             <a:fld id="{C56969A0-B3EA-45A4-A390-44554200A62E}" type="slidenum">
               <a:rPr lang="en-US" smtClean="0"/>
-              <a:t>83</a:t>
+              <a:t>84</a:t>
             </a:fld>
             <a:endParaRPr lang="en-US"/>
           </a:p>
@@ -16721,7 +16722,7 @@
           <a:p>
             <a:fld id="{C56969A0-B3EA-45A4-A390-44554200A62E}" type="slidenum">
               <a:rPr lang="en-US" smtClean="0"/>
-              <a:t>85</a:t>
+              <a:t>86</a:t>
             </a:fld>
             <a:endParaRPr lang="en-US"/>
           </a:p>
@@ -16805,7 +16806,7 @@
           <a:p>
             <a:fld id="{C56969A0-B3EA-45A4-A390-44554200A62E}" type="slidenum">
               <a:rPr lang="en-US" smtClean="0"/>
-              <a:t>89</a:t>
+              <a:t>90</a:t>
             </a:fld>
             <a:endParaRPr lang="en-US"/>
           </a:p>
@@ -29755,7 +29756,13 @@
       </p:grpSpPr>
       <p:sp>
         <p:nvSpPr>
-          <p:cNvPr id="2" name="Title 1"/>
+          <p:cNvPr id="2" name="Title 1">
+            <a:extLst>
+              <a:ext uri="{FF2B5EF4-FFF2-40B4-BE49-F238E27FC236}">
+                <a16:creationId xmlns:a16="http://schemas.microsoft.com/office/drawing/2014/main" id="{BB4B3D72-5930-4999-8EA6-E76E0485F240}"/>
+              </a:ext>
+            </a:extLst>
+          </p:cNvPr>
           <p:cNvSpPr>
             <a:spLocks noGrp="1"/>
           </p:cNvSpPr>
@@ -29763,20 +29770,149 @@
             <p:ph type="title"/>
           </p:nvPr>
         </p:nvSpPr>
-        <p:spPr>
-          <a:xfrm>
-            <a:off x="838200" y="2752383"/>
-            <a:ext cx="10515600" cy="1157288"/>
-          </a:xfrm>
-        </p:spPr>
+        <p:spPr/>
         <p:txBody>
           <a:bodyPr/>
           <a:lstStyle/>
           <a:p>
-            <a:pPr algn="ctr"/>
             <a:r>
               <a:rPr lang="en-US" dirty="0"/>
-              <a:t>Worksheet 6.5: Trio</a:t>
+              <a:t>Constructors</a:t>
+            </a:r>
+          </a:p>
+        </p:txBody>
+      </p:sp>
+      <p:sp>
+        <p:nvSpPr>
+          <p:cNvPr id="3" name="Content Placeholder 2">
+            <a:extLst>
+              <a:ext uri="{FF2B5EF4-FFF2-40B4-BE49-F238E27FC236}">
+                <a16:creationId xmlns:a16="http://schemas.microsoft.com/office/drawing/2014/main" id="{4D13C041-DCF5-425D-B03C-A6CA3F915AFE}"/>
+              </a:ext>
+            </a:extLst>
+          </p:cNvPr>
+          <p:cNvSpPr>
+            <a:spLocks noGrp="1"/>
+          </p:cNvSpPr>
+          <p:nvPr>
+            <p:ph idx="1"/>
+          </p:nvPr>
+        </p:nvSpPr>
+        <p:spPr/>
+        <p:txBody>
+          <a:bodyPr>
+            <a:normAutofit fontScale="85000" lnSpcReduction="20000"/>
+          </a:bodyPr>
+          <a:lstStyle/>
+          <a:p>
+            <a:r>
+              <a:rPr lang="en-US" dirty="0"/>
+              <a:t>If no constructor in specified, the compiler will add a no-argument constructor. </a:t>
+            </a:r>
+          </a:p>
+          <a:p>
+            <a:pPr lvl="1"/>
+            <a:r>
+              <a:rPr lang="en-US" dirty="0"/>
+              <a:t>A no-argument constructor has no parameters, for example </a:t>
+            </a:r>
+            <a:r>
+              <a:rPr lang="en-US" dirty="0">
+                <a:latin typeface="Courier New" panose="02070309020205020404" pitchFamily="49" charset="0"/>
+                <a:cs typeface="Courier New" panose="02070309020205020404" pitchFamily="49" charset="0"/>
+              </a:rPr>
+              <a:t>public Zoo()</a:t>
+            </a:r>
+            <a:r>
+              <a:rPr lang="en-US" dirty="0"/>
+              <a:t>.</a:t>
+            </a:r>
+          </a:p>
+          <a:p>
+            <a:endParaRPr lang="en-US" dirty="0"/>
+          </a:p>
+          <a:p>
+            <a:r>
+              <a:rPr lang="en-US" dirty="0"/>
+              <a:t>If a subclass has no call to a superclass constructor using </a:t>
+            </a:r>
+            <a:r>
+              <a:rPr lang="en-US" dirty="0">
+                <a:latin typeface="Courier New" panose="02070309020205020404" pitchFamily="49" charset="0"/>
+                <a:cs typeface="Courier New" panose="02070309020205020404" pitchFamily="49" charset="0"/>
+              </a:rPr>
+              <a:t>super</a:t>
+            </a:r>
+            <a:r>
+              <a:rPr lang="en-US" dirty="0"/>
+              <a:t> as the first line in a subclass constructor, then the compiler will automatically add a </a:t>
+            </a:r>
+            <a:r>
+              <a:rPr lang="en-US" dirty="0">
+                <a:latin typeface="Courier New" panose="02070309020205020404" pitchFamily="49" charset="0"/>
+                <a:cs typeface="Courier New" panose="02070309020205020404" pitchFamily="49" charset="0"/>
+              </a:rPr>
+              <a:t>super()</a:t>
+            </a:r>
+            <a:r>
+              <a:rPr lang="en-US" dirty="0"/>
+              <a:t> call as the first line in a constructor. </a:t>
+            </a:r>
+          </a:p>
+          <a:p>
+            <a:pPr lvl="1"/>
+            <a:r>
+              <a:rPr lang="en-US" dirty="0"/>
+              <a:t>provide no-argument constructors in parent classes </a:t>
+            </a:r>
+          </a:p>
+          <a:p>
+            <a:pPr lvl="1"/>
+            <a:r>
+              <a:rPr lang="en-US" dirty="0"/>
+              <a:t>or be sure to use an explicit call to </a:t>
+            </a:r>
+            <a:r>
+              <a:rPr lang="en-US" dirty="0">
+                <a:latin typeface="Courier New" panose="02070309020205020404" pitchFamily="49" charset="0"/>
+                <a:cs typeface="Courier New" panose="02070309020205020404" pitchFamily="49" charset="0"/>
+              </a:rPr>
+              <a:t>super()</a:t>
+            </a:r>
+            <a:r>
+              <a:rPr lang="en-US" dirty="0"/>
+              <a:t> as the first line in the constructors of subclasses.</a:t>
+            </a:r>
+          </a:p>
+          <a:p>
+            <a:endParaRPr lang="en-US" dirty="0"/>
+          </a:p>
+          <a:p>
+            <a:r>
+              <a:rPr lang="en-US" dirty="0"/>
+              <a:t>Regardless of whether the superclass constructor is called implicitly or explicitly, the process of calling superclass constructors continues until the </a:t>
+            </a:r>
+            <a:r>
+              <a:rPr lang="en-US" dirty="0">
+                <a:latin typeface="Courier New" panose="02070309020205020404" pitchFamily="49" charset="0"/>
+                <a:cs typeface="Courier New" panose="02070309020205020404" pitchFamily="49" charset="0"/>
+              </a:rPr>
+              <a:t>Object</a:t>
+            </a:r>
+            <a:r>
+              <a:rPr lang="en-US" dirty="0"/>
+              <a:t> constructor is called since every class inherits from the </a:t>
+            </a:r>
+            <a:r>
+              <a:rPr lang="en-US" dirty="0">
+                <a:latin typeface="Courier New" panose="02070309020205020404" pitchFamily="49" charset="0"/>
+                <a:cs typeface="Courier New" panose="02070309020205020404" pitchFamily="49" charset="0"/>
+              </a:rPr>
+              <a:t>Object</a:t>
+            </a:r>
+            <a:r>
+              <a:rPr lang="en-US" dirty="0"/>
+              <a:t> class.</a:t>
             </a:r>
           </a:p>
         </p:txBody>
@@ -29784,7 +29920,7 @@
     </p:spTree>
     <p:extLst>
       <p:ext uri="{BB962C8B-B14F-4D97-AF65-F5344CB8AC3E}">
-        <p14:creationId xmlns:p14="http://schemas.microsoft.com/office/powerpoint/2010/main" val="2398621642"/>
+        <p14:creationId xmlns:p14="http://schemas.microsoft.com/office/powerpoint/2010/main" val="86351906"/>
       </p:ext>
     </p:extLst>
   </p:cSld>
@@ -29821,6 +29957,64 @@
             <p:ph type="title"/>
           </p:nvPr>
         </p:nvSpPr>
+        <p:spPr>
+          <a:xfrm>
+            <a:off x="838200" y="2752383"/>
+            <a:ext cx="10515600" cy="1157288"/>
+          </a:xfrm>
+        </p:spPr>
+        <p:txBody>
+          <a:bodyPr/>
+          <a:lstStyle/>
+          <a:p>
+            <a:pPr algn="ctr"/>
+            <a:r>
+              <a:rPr lang="en-US" dirty="0"/>
+              <a:t>Worksheet 6.5: Trio</a:t>
+            </a:r>
+          </a:p>
+        </p:txBody>
+      </p:sp>
+    </p:spTree>
+    <p:extLst>
+      <p:ext uri="{BB962C8B-B14F-4D97-AF65-F5344CB8AC3E}">
+        <p14:creationId xmlns:p14="http://schemas.microsoft.com/office/powerpoint/2010/main" val="2398621642"/>
+      </p:ext>
+    </p:extLst>
+  </p:cSld>
+  <p:clrMapOvr>
+    <a:masterClrMapping/>
+  </p:clrMapOvr>
+</p:sld>
+</file>
+
+<file path=ppt/slides/slide75.xml><?xml version="1.0" encoding="utf-8"?>
+<p:sld xmlns:a="http://schemas.openxmlformats.org/drawingml/2006/main" xmlns:r="http://schemas.openxmlformats.org/officeDocument/2006/relationships" xmlns:p="http://schemas.openxmlformats.org/presentationml/2006/main">
+  <p:cSld>
+    <p:spTree>
+      <p:nvGrpSpPr>
+        <p:cNvPr id="1" name=""/>
+        <p:cNvGrpSpPr/>
+        <p:nvPr/>
+      </p:nvGrpSpPr>
+      <p:grpSpPr>
+        <a:xfrm>
+          <a:off x="0" y="0"/>
+          <a:ext cx="0" cy="0"/>
+          <a:chOff x="0" y="0"/>
+          <a:chExt cx="0" cy="0"/>
+        </a:xfrm>
+      </p:grpSpPr>
+      <p:sp>
+        <p:nvSpPr>
+          <p:cNvPr id="2" name="Title 1"/>
+          <p:cNvSpPr>
+            <a:spLocks noGrp="1"/>
+          </p:cNvSpPr>
+          <p:nvPr>
+            <p:ph type="title"/>
+          </p:nvPr>
+        </p:nvSpPr>
         <p:spPr/>
         <p:txBody>
           <a:bodyPr>
@@ -29879,7 +30073,7 @@
 </p:sld>
 </file>
 
-<file path=ppt/slides/slide75.xml><?xml version="1.0" encoding="utf-8"?>
+<file path=ppt/slides/slide76.xml><?xml version="1.0" encoding="utf-8"?>
 <p:sld xmlns:a="http://schemas.openxmlformats.org/drawingml/2006/main" xmlns:r="http://schemas.openxmlformats.org/officeDocument/2006/relationships" xmlns:p="http://schemas.openxmlformats.org/presentationml/2006/main">
   <p:cSld>
     <p:spTree>
@@ -29954,104 +30148,6 @@
     <p:extLst>
       <p:ext uri="{BB962C8B-B14F-4D97-AF65-F5344CB8AC3E}">
         <p14:creationId xmlns:p14="http://schemas.microsoft.com/office/powerpoint/2010/main" val="546057595"/>
-      </p:ext>
-    </p:extLst>
-  </p:cSld>
-  <p:clrMapOvr>
-    <a:masterClrMapping/>
-  </p:clrMapOvr>
-</p:sld>
-</file>
-
-<file path=ppt/slides/slide76.xml><?xml version="1.0" encoding="utf-8"?>
-<p:sld xmlns:a="http://schemas.openxmlformats.org/drawingml/2006/main" xmlns:r="http://schemas.openxmlformats.org/officeDocument/2006/relationships" xmlns:p="http://schemas.openxmlformats.org/presentationml/2006/main">
-  <p:cSld>
-    <p:spTree>
-      <p:nvGrpSpPr>
-        <p:cNvPr id="1" name=""/>
-        <p:cNvGrpSpPr/>
-        <p:nvPr/>
-      </p:nvGrpSpPr>
-      <p:grpSpPr>
-        <a:xfrm>
-          <a:off x="0" y="0"/>
-          <a:ext cx="0" cy="0"/>
-          <a:chOff x="0" y="0"/>
-          <a:chExt cx="0" cy="0"/>
-        </a:xfrm>
-      </p:grpSpPr>
-      <p:sp>
-        <p:nvSpPr>
-          <p:cNvPr id="2" name="Title 1"/>
-          <p:cNvSpPr>
-            <a:spLocks noGrp="1"/>
-          </p:cNvSpPr>
-          <p:nvPr>
-            <p:ph type="title"/>
-          </p:nvPr>
-        </p:nvSpPr>
-        <p:spPr/>
-        <p:txBody>
-          <a:bodyPr/>
-          <a:lstStyle/>
-          <a:p>
-            <a:r>
-              <a:rPr lang="en-US" dirty="0"/>
-              <a:t>What are some limitations to inheritance?</a:t>
-            </a:r>
-          </a:p>
-        </p:txBody>
-      </p:sp>
-      <p:sp>
-        <p:nvSpPr>
-          <p:cNvPr id="3" name="Content Placeholder 2"/>
-          <p:cNvSpPr>
-            <a:spLocks noGrp="1"/>
-          </p:cNvSpPr>
-          <p:nvPr>
-            <p:ph idx="1"/>
-          </p:nvPr>
-        </p:nvSpPr>
-        <p:spPr/>
-        <p:txBody>
-          <a:bodyPr/>
-          <a:lstStyle/>
-          <a:p>
-            <a:pPr marL="0" indent="0">
-              <a:buNone/>
-            </a:pPr>
-            <a:endParaRPr lang="en-US" dirty="0"/>
-          </a:p>
-          <a:p>
-            <a:pPr marL="0" indent="0">
-              <a:buNone/>
-            </a:pPr>
-            <a:r>
-              <a:rPr lang="en-US" dirty="0"/>
-              <a:t>Can we inherit code from more than one superclass?</a:t>
-            </a:r>
-          </a:p>
-          <a:p>
-            <a:pPr marL="0" indent="0">
-              <a:buNone/>
-            </a:pPr>
-            <a:endParaRPr lang="en-US" dirty="0"/>
-          </a:p>
-          <a:p>
-            <a:pPr marL="0" indent="0">
-              <a:buNone/>
-            </a:pPr>
-            <a:r>
-              <a:rPr lang="en-US" dirty="0"/>
-              <a:t>Can we have an is-a relationship or polymorphism without giving the subclass access to our code?</a:t>
-            </a:r>
-          </a:p>
-        </p:txBody>
-      </p:sp>
-    </p:spTree>
-    <p:extLst>
-      <p:ext uri="{BB962C8B-B14F-4D97-AF65-F5344CB8AC3E}">
-        <p14:creationId xmlns:p14="http://schemas.microsoft.com/office/powerpoint/2010/main" val="1214770709"/>
       </p:ext>
     </p:extLst>
   </p:cSld>
@@ -30090,14 +30186,12 @@
         </p:nvSpPr>
         <p:spPr/>
         <p:txBody>
-          <a:bodyPr>
-            <a:normAutofit/>
-          </a:bodyPr>
+          <a:bodyPr/>
           <a:lstStyle/>
           <a:p>
             <a:r>
               <a:rPr lang="en-US" dirty="0"/>
-              <a:t>Interfaces</a:t>
+              <a:t>What are some limitations to inheritance?</a:t>
             </a:r>
           </a:p>
         </p:txBody>
@@ -30120,6 +30214,106 @@
             <a:pPr marL="0" indent="0">
               <a:buNone/>
             </a:pPr>
+            <a:endParaRPr lang="en-US" dirty="0"/>
+          </a:p>
+          <a:p>
+            <a:pPr marL="0" indent="0">
+              <a:buNone/>
+            </a:pPr>
+            <a:r>
+              <a:rPr lang="en-US" dirty="0"/>
+              <a:t>Can we inherit code from more than one superclass?</a:t>
+            </a:r>
+          </a:p>
+          <a:p>
+            <a:pPr marL="0" indent="0">
+              <a:buNone/>
+            </a:pPr>
+            <a:endParaRPr lang="en-US" dirty="0"/>
+          </a:p>
+          <a:p>
+            <a:pPr marL="0" indent="0">
+              <a:buNone/>
+            </a:pPr>
+            <a:r>
+              <a:rPr lang="en-US" dirty="0"/>
+              <a:t>Can we have an is-a relationship or polymorphism without giving the subclass access to our code?</a:t>
+            </a:r>
+          </a:p>
+        </p:txBody>
+      </p:sp>
+    </p:spTree>
+    <p:extLst>
+      <p:ext uri="{BB962C8B-B14F-4D97-AF65-F5344CB8AC3E}">
+        <p14:creationId xmlns:p14="http://schemas.microsoft.com/office/powerpoint/2010/main" val="1214770709"/>
+      </p:ext>
+    </p:extLst>
+  </p:cSld>
+  <p:clrMapOvr>
+    <a:masterClrMapping/>
+  </p:clrMapOvr>
+</p:sld>
+</file>
+
+<file path=ppt/slides/slide78.xml><?xml version="1.0" encoding="utf-8"?>
+<p:sld xmlns:a="http://schemas.openxmlformats.org/drawingml/2006/main" xmlns:r="http://schemas.openxmlformats.org/officeDocument/2006/relationships" xmlns:p="http://schemas.openxmlformats.org/presentationml/2006/main">
+  <p:cSld>
+    <p:spTree>
+      <p:nvGrpSpPr>
+        <p:cNvPr id="1" name=""/>
+        <p:cNvGrpSpPr/>
+        <p:nvPr/>
+      </p:nvGrpSpPr>
+      <p:grpSpPr>
+        <a:xfrm>
+          <a:off x="0" y="0"/>
+          <a:ext cx="0" cy="0"/>
+          <a:chOff x="0" y="0"/>
+          <a:chExt cx="0" cy="0"/>
+        </a:xfrm>
+      </p:grpSpPr>
+      <p:sp>
+        <p:nvSpPr>
+          <p:cNvPr id="2" name="Title 1"/>
+          <p:cNvSpPr>
+            <a:spLocks noGrp="1"/>
+          </p:cNvSpPr>
+          <p:nvPr>
+            <p:ph type="title"/>
+          </p:nvPr>
+        </p:nvSpPr>
+        <p:spPr/>
+        <p:txBody>
+          <a:bodyPr>
+            <a:normAutofit/>
+          </a:bodyPr>
+          <a:lstStyle/>
+          <a:p>
+            <a:r>
+              <a:rPr lang="en-US" dirty="0"/>
+              <a:t>Interfaces</a:t>
+            </a:r>
+          </a:p>
+        </p:txBody>
+      </p:sp>
+      <p:sp>
+        <p:nvSpPr>
+          <p:cNvPr id="3" name="Content Placeholder 2"/>
+          <p:cNvSpPr>
+            <a:spLocks noGrp="1"/>
+          </p:cNvSpPr>
+          <p:nvPr>
+            <p:ph idx="1"/>
+          </p:nvPr>
+        </p:nvSpPr>
+        <p:spPr/>
+        <p:txBody>
+          <a:bodyPr/>
+          <a:lstStyle/>
+          <a:p>
+            <a:pPr marL="0" indent="0">
+              <a:buNone/>
+            </a:pPr>
             <a:r>
               <a:rPr lang="en-US" dirty="0"/>
               <a:t>Offer a means to share a common </a:t>
@@ -30196,7 +30390,7 @@
 </p:sld>
 </file>
 
-<file path=ppt/slides/slide78.xml><?xml version="1.0" encoding="utf-8"?>
+<file path=ppt/slides/slide79.xml><?xml version="1.0" encoding="utf-8"?>
 <p:sld xmlns:a="http://schemas.openxmlformats.org/drawingml/2006/main" xmlns:r="http://schemas.openxmlformats.org/officeDocument/2006/relationships" xmlns:p="http://schemas.openxmlformats.org/presentationml/2006/main">
   <p:cSld>
     <p:spTree>
@@ -31116,371 +31310,6 @@
 </p:sld>
 </file>
 
-<file path=ppt/slides/slide79.xml><?xml version="1.0" encoding="utf-8"?>
-<p:sld xmlns:a="http://schemas.openxmlformats.org/drawingml/2006/main" xmlns:r="http://schemas.openxmlformats.org/officeDocument/2006/relationships" xmlns:p="http://schemas.openxmlformats.org/presentationml/2006/main">
-  <p:cSld>
-    <p:spTree>
-      <p:nvGrpSpPr>
-        <p:cNvPr id="1" name=""/>
-        <p:cNvGrpSpPr/>
-        <p:nvPr/>
-      </p:nvGrpSpPr>
-      <p:grpSpPr>
-        <a:xfrm>
-          <a:off x="0" y="0"/>
-          <a:ext cx="0" cy="0"/>
-          <a:chOff x="0" y="0"/>
-          <a:chExt cx="0" cy="0"/>
-        </a:xfrm>
-      </p:grpSpPr>
-      <p:sp>
-        <p:nvSpPr>
-          <p:cNvPr id="2" name="Title 1"/>
-          <p:cNvSpPr>
-            <a:spLocks noGrp="1"/>
-          </p:cNvSpPr>
-          <p:nvPr>
-            <p:ph type="title"/>
-          </p:nvPr>
-        </p:nvSpPr>
-        <p:spPr/>
-        <p:txBody>
-          <a:bodyPr/>
-          <a:lstStyle/>
-          <a:p>
-            <a:r>
-              <a:rPr lang="en-US" dirty="0"/>
-              <a:t>Declaring Interfaces</a:t>
-            </a:r>
-          </a:p>
-        </p:txBody>
-      </p:sp>
-      <p:sp>
-        <p:nvSpPr>
-          <p:cNvPr id="3" name="Content Placeholder 2"/>
-          <p:cNvSpPr>
-            <a:spLocks noGrp="1"/>
-          </p:cNvSpPr>
-          <p:nvPr>
-            <p:ph idx="1"/>
-          </p:nvPr>
-        </p:nvSpPr>
-        <p:spPr/>
-        <p:txBody>
-          <a:bodyPr>
-            <a:normAutofit fontScale="92500" lnSpcReduction="10000"/>
-          </a:bodyPr>
-          <a:lstStyle/>
-          <a:p>
-            <a:pPr marL="0" indent="0">
-              <a:buNone/>
-            </a:pPr>
-            <a:r>
-              <a:rPr lang="en-US" sz="1400" dirty="0">
-                <a:latin typeface="Courier New" panose="02070309020205020404" pitchFamily="49" charset="0"/>
-                <a:cs typeface="Courier New" panose="02070309020205020404" pitchFamily="49" charset="0"/>
-              </a:rPr>
-              <a:t>public interface Salty{</a:t>
-            </a:r>
-          </a:p>
-          <a:p>
-            <a:pPr marL="0" indent="0">
-              <a:buNone/>
-            </a:pPr>
-            <a:r>
-              <a:rPr lang="en-US" sz="1400" dirty="0">
-                <a:latin typeface="Courier New" panose="02070309020205020404" pitchFamily="49" charset="0"/>
-                <a:cs typeface="Courier New" panose="02070309020205020404" pitchFamily="49" charset="0"/>
-              </a:rPr>
-              <a:t>	double </a:t>
-            </a:r>
-            <a:r>
-              <a:rPr lang="en-US" sz="1400" dirty="0" err="1">
-                <a:latin typeface="Courier New" panose="02070309020205020404" pitchFamily="49" charset="0"/>
-                <a:cs typeface="Courier New" panose="02070309020205020404" pitchFamily="49" charset="0"/>
-              </a:rPr>
-              <a:t>sodiumContent</a:t>
-            </a:r>
-            <a:r>
-              <a:rPr lang="en-US" sz="1400" dirty="0">
-                <a:latin typeface="Courier New" panose="02070309020205020404" pitchFamily="49" charset="0"/>
-                <a:cs typeface="Courier New" panose="02070309020205020404" pitchFamily="49" charset="0"/>
-              </a:rPr>
-              <a:t>();      	</a:t>
-            </a:r>
-            <a:r>
-              <a:rPr lang="en-US" sz="1400" dirty="0">
-                <a:latin typeface="Courier New" panose="02070309020205020404" pitchFamily="49" charset="0"/>
-                <a:cs typeface="Courier New" panose="02070309020205020404" pitchFamily="49" charset="0"/>
-                <a:sym typeface="Wingdings" panose="05000000000000000000" pitchFamily="2" charset="2"/>
-              </a:rPr>
-              <a:t></a:t>
-            </a:r>
-            <a:r>
-              <a:rPr lang="en-US" sz="1400" dirty="0">
-                <a:latin typeface="Courier New" panose="02070309020205020404" pitchFamily="49" charset="0"/>
-                <a:cs typeface="Courier New" panose="02070309020205020404" pitchFamily="49" charset="0"/>
-              </a:rPr>
-              <a:t>this is a promise to implement the </a:t>
-            </a:r>
-            <a:r>
-              <a:rPr lang="en-US" sz="1400" dirty="0" err="1">
-                <a:latin typeface="Courier New" panose="02070309020205020404" pitchFamily="49" charset="0"/>
-                <a:cs typeface="Courier New" panose="02070309020205020404" pitchFamily="49" charset="0"/>
-              </a:rPr>
-              <a:t>sodiumContent</a:t>
-            </a:r>
-            <a:r>
-              <a:rPr lang="en-US" sz="1400" dirty="0">
-                <a:latin typeface="Courier New" panose="02070309020205020404" pitchFamily="49" charset="0"/>
-                <a:cs typeface="Courier New" panose="02070309020205020404" pitchFamily="49" charset="0"/>
-              </a:rPr>
-              <a:t> </a:t>
-            </a:r>
-          </a:p>
-          <a:p>
-            <a:pPr marL="0" indent="0">
-              <a:buNone/>
-            </a:pPr>
-            <a:r>
-              <a:rPr lang="en-US" sz="1400" dirty="0">
-                <a:latin typeface="Courier New" panose="02070309020205020404" pitchFamily="49" charset="0"/>
-                <a:cs typeface="Courier New" panose="02070309020205020404" pitchFamily="49" charset="0"/>
-              </a:rPr>
-              <a:t>}				 	in the class that implements the Salty interface.</a:t>
-            </a:r>
-          </a:p>
-          <a:p>
-            <a:pPr marL="0" indent="0">
-              <a:buNone/>
-            </a:pPr>
-            <a:r>
-              <a:rPr lang="en-US" sz="1400" dirty="0">
-                <a:latin typeface="Courier New" panose="02070309020205020404" pitchFamily="49" charset="0"/>
-                <a:cs typeface="Courier New" panose="02070309020205020404" pitchFamily="49" charset="0"/>
-              </a:rPr>
-              <a:t> </a:t>
-            </a:r>
-          </a:p>
-          <a:p>
-            <a:pPr marL="0" indent="0">
-              <a:buNone/>
-            </a:pPr>
-            <a:r>
-              <a:rPr lang="en-US" sz="1400" dirty="0">
-                <a:latin typeface="Courier New" panose="02070309020205020404" pitchFamily="49" charset="0"/>
-                <a:cs typeface="Courier New" panose="02070309020205020404" pitchFamily="49" charset="0"/>
-              </a:rPr>
-              <a:t>public interface Aromatic{</a:t>
-            </a:r>
-          </a:p>
-          <a:p>
-            <a:pPr marL="0" indent="0">
-              <a:buNone/>
-            </a:pPr>
-            <a:r>
-              <a:rPr lang="en-US" sz="1400" dirty="0">
-                <a:latin typeface="Courier New" panose="02070309020205020404" pitchFamily="49" charset="0"/>
-                <a:cs typeface="Courier New" panose="02070309020205020404" pitchFamily="49" charset="0"/>
-              </a:rPr>
-              <a:t>	String </a:t>
-            </a:r>
-            <a:r>
-              <a:rPr lang="en-US" sz="1400" dirty="0" err="1">
-                <a:latin typeface="Courier New" panose="02070309020205020404" pitchFamily="49" charset="0"/>
-                <a:cs typeface="Courier New" panose="02070309020205020404" pitchFamily="49" charset="0"/>
-              </a:rPr>
-              <a:t>describeAroma</a:t>
-            </a:r>
-            <a:r>
-              <a:rPr lang="en-US" sz="1400" dirty="0">
-                <a:latin typeface="Courier New" panose="02070309020205020404" pitchFamily="49" charset="0"/>
-                <a:cs typeface="Courier New" panose="02070309020205020404" pitchFamily="49" charset="0"/>
-              </a:rPr>
-              <a:t>();  		</a:t>
-            </a:r>
-            <a:r>
-              <a:rPr lang="en-US" sz="1400" dirty="0">
-                <a:latin typeface="Courier New" panose="02070309020205020404" pitchFamily="49" charset="0"/>
-                <a:cs typeface="Courier New" panose="02070309020205020404" pitchFamily="49" charset="0"/>
-                <a:sym typeface="Wingdings" panose="05000000000000000000" pitchFamily="2" charset="2"/>
-              </a:rPr>
-              <a:t></a:t>
-            </a:r>
-            <a:r>
-              <a:rPr lang="en-US" sz="1400" dirty="0">
-                <a:latin typeface="Courier New" panose="02070309020205020404" pitchFamily="49" charset="0"/>
-                <a:cs typeface="Courier New" panose="02070309020205020404" pitchFamily="49" charset="0"/>
-              </a:rPr>
-              <a:t> Notice the lack of “public”! Public is </a:t>
-            </a:r>
-            <a:r>
-              <a:rPr lang="en-US" sz="1400" i="1" dirty="0">
-                <a:latin typeface="Courier New" panose="02070309020205020404" pitchFamily="49" charset="0"/>
-                <a:cs typeface="Courier New" panose="02070309020205020404" pitchFamily="49" charset="0"/>
-              </a:rPr>
-              <a:t>assumed</a:t>
-            </a:r>
-            <a:r>
-              <a:rPr lang="en-US" sz="1400" dirty="0">
-                <a:latin typeface="Courier New" panose="02070309020205020404" pitchFamily="49" charset="0"/>
-                <a:cs typeface="Courier New" panose="02070309020205020404" pitchFamily="49" charset="0"/>
-              </a:rPr>
-              <a:t>.</a:t>
-            </a:r>
-          </a:p>
-          <a:p>
-            <a:pPr marL="0" indent="0">
-              <a:buNone/>
-            </a:pPr>
-            <a:r>
-              <a:rPr lang="en-US" sz="1400" dirty="0">
-                <a:latin typeface="Courier New" panose="02070309020205020404" pitchFamily="49" charset="0"/>
-                <a:cs typeface="Courier New" panose="02070309020205020404" pitchFamily="49" charset="0"/>
-              </a:rPr>
-              <a:t>}</a:t>
-            </a:r>
-          </a:p>
-          <a:p>
-            <a:pPr marL="0" indent="0">
-              <a:buNone/>
-            </a:pPr>
-            <a:r>
-              <a:rPr lang="en-US" sz="1400" dirty="0">
-                <a:latin typeface="Courier New" panose="02070309020205020404" pitchFamily="49" charset="0"/>
-                <a:cs typeface="Courier New" panose="02070309020205020404" pitchFamily="49" charset="0"/>
-              </a:rPr>
-              <a:t> </a:t>
-            </a:r>
-          </a:p>
-          <a:p>
-            <a:pPr marL="0" indent="0">
-              <a:buNone/>
-            </a:pPr>
-            <a:r>
-              <a:rPr lang="en-US" sz="1400" dirty="0">
-                <a:latin typeface="Courier New" panose="02070309020205020404" pitchFamily="49" charset="0"/>
-                <a:cs typeface="Courier New" panose="02070309020205020404" pitchFamily="49" charset="0"/>
-              </a:rPr>
-              <a:t>public interface Greasy{</a:t>
-            </a:r>
-          </a:p>
-          <a:p>
-            <a:pPr marL="0" indent="0">
-              <a:buNone/>
-            </a:pPr>
-            <a:r>
-              <a:rPr lang="en-US" sz="1400" dirty="0">
-                <a:latin typeface="Courier New" panose="02070309020205020404" pitchFamily="49" charset="0"/>
-                <a:cs typeface="Courier New" panose="02070309020205020404" pitchFamily="49" charset="0"/>
-              </a:rPr>
-              <a:t>	double </a:t>
-            </a:r>
-            <a:r>
-              <a:rPr lang="en-US" sz="1400" dirty="0" err="1">
-                <a:latin typeface="Courier New" panose="02070309020205020404" pitchFamily="49" charset="0"/>
-                <a:cs typeface="Courier New" panose="02070309020205020404" pitchFamily="49" charset="0"/>
-              </a:rPr>
-              <a:t>amountOfGreaseInMg</a:t>
-            </a:r>
-            <a:r>
-              <a:rPr lang="en-US" sz="1400" dirty="0">
-                <a:latin typeface="Courier New" panose="02070309020205020404" pitchFamily="49" charset="0"/>
-                <a:cs typeface="Courier New" panose="02070309020205020404" pitchFamily="49" charset="0"/>
-              </a:rPr>
-              <a:t>();   	</a:t>
-            </a:r>
-            <a:r>
-              <a:rPr lang="en-US" sz="1400" dirty="0">
-                <a:latin typeface="Courier New" panose="02070309020205020404" pitchFamily="49" charset="0"/>
-                <a:cs typeface="Courier New" panose="02070309020205020404" pitchFamily="49" charset="0"/>
-                <a:sym typeface="Wingdings" panose="05000000000000000000" pitchFamily="2" charset="2"/>
-              </a:rPr>
-              <a:t></a:t>
-            </a:r>
-            <a:r>
-              <a:rPr lang="en-US" sz="1400" dirty="0">
-                <a:latin typeface="Courier New" panose="02070309020205020404" pitchFamily="49" charset="0"/>
-                <a:cs typeface="Courier New" panose="02070309020205020404" pitchFamily="49" charset="0"/>
-              </a:rPr>
-              <a:t>point out that interfaces look just like classes</a:t>
-            </a:r>
-          </a:p>
-          <a:p>
-            <a:pPr marL="0" indent="0">
-              <a:buNone/>
-            </a:pPr>
-            <a:r>
-              <a:rPr lang="en-US" sz="1400" dirty="0">
-                <a:latin typeface="Courier New" panose="02070309020205020404" pitchFamily="49" charset="0"/>
-                <a:cs typeface="Courier New" panose="02070309020205020404" pitchFamily="49" charset="0"/>
-              </a:rPr>
-              <a:t>}					but without fields or method bodies</a:t>
-            </a:r>
-          </a:p>
-          <a:p>
-            <a:pPr marL="0" indent="0">
-              <a:buNone/>
-            </a:pPr>
-            <a:r>
-              <a:rPr lang="en-US" sz="1400" dirty="0">
-                <a:latin typeface="Courier New" panose="02070309020205020404" pitchFamily="49" charset="0"/>
-                <a:cs typeface="Courier New" panose="02070309020205020404" pitchFamily="49" charset="0"/>
-              </a:rPr>
-              <a:t> </a:t>
-            </a:r>
-          </a:p>
-          <a:p>
-            <a:pPr marL="0" indent="0">
-              <a:buNone/>
-            </a:pPr>
-            <a:r>
-              <a:rPr lang="en-US" sz="1400" dirty="0">
-                <a:latin typeface="Courier New" panose="02070309020205020404" pitchFamily="49" charset="0"/>
-                <a:cs typeface="Courier New" panose="02070309020205020404" pitchFamily="49" charset="0"/>
-              </a:rPr>
-              <a:t>public interface Edible{</a:t>
-            </a:r>
-          </a:p>
-          <a:p>
-            <a:pPr marL="0" indent="0">
-              <a:buNone/>
-            </a:pPr>
-            <a:r>
-              <a:rPr lang="en-US" sz="1400" dirty="0">
-                <a:latin typeface="Courier New" panose="02070309020205020404" pitchFamily="49" charset="0"/>
-                <a:cs typeface="Courier New" panose="02070309020205020404" pitchFamily="49" charset="0"/>
-              </a:rPr>
-              <a:t>	double calories();</a:t>
-            </a:r>
-          </a:p>
-          <a:p>
-            <a:pPr marL="0" indent="0">
-              <a:buNone/>
-            </a:pPr>
-            <a:r>
-              <a:rPr lang="en-US" sz="1400" dirty="0">
-                <a:latin typeface="Courier New" panose="02070309020205020404" pitchFamily="49" charset="0"/>
-                <a:cs typeface="Courier New" panose="02070309020205020404" pitchFamily="49" charset="0"/>
-              </a:rPr>
-              <a:t>}</a:t>
-            </a:r>
-          </a:p>
-        </p:txBody>
-      </p:sp>
-    </p:spTree>
-    <p:extLst>
-      <p:ext uri="{BB962C8B-B14F-4D97-AF65-F5344CB8AC3E}">
-        <p14:creationId xmlns:p14="http://schemas.microsoft.com/office/powerpoint/2010/main" val="3474555343"/>
-      </p:ext>
-    </p:extLst>
-  </p:cSld>
-  <p:clrMapOvr>
-    <a:masterClrMapping/>
-  </p:clrMapOvr>
-</p:sld>
-</file>
-
 <file path=ppt/slides/slide8.xml><?xml version="1.0" encoding="utf-8"?>
 <p:sld xmlns:a="http://schemas.openxmlformats.org/drawingml/2006/main" xmlns:r="http://schemas.openxmlformats.org/officeDocument/2006/relationships" xmlns:p="http://schemas.openxmlformats.org/presentationml/2006/main">
   <p:cSld>
@@ -31569,7 +31398,7 @@
           <a:p>
             <a:r>
               <a:rPr lang="en-US" dirty="0"/>
-              <a:t>Implementing Interfaces</a:t>
+              <a:t>Declaring Interfaces</a:t>
             </a:r>
           </a:p>
         </p:txBody>
@@ -31584,15 +31413,10 @@
             <p:ph idx="1"/>
           </p:nvPr>
         </p:nvSpPr>
-        <p:spPr>
-          <a:xfrm>
-            <a:off x="838199" y="1825625"/>
-            <a:ext cx="10660529" cy="4351338"/>
-          </a:xfrm>
-        </p:spPr>
+        <p:spPr/>
         <p:txBody>
           <a:bodyPr>
-            <a:normAutofit/>
+            <a:normAutofit fontScale="92500" lnSpcReduction="10000"/>
           </a:bodyPr>
           <a:lstStyle/>
           <a:p>
@@ -31600,11 +31424,11 @@
               <a:buNone/>
             </a:pPr>
             <a:r>
-              <a:rPr lang="en-US" sz="1800" dirty="0">
-                <a:latin typeface="Courier New" panose="02070309020205020404" pitchFamily="49" charset="0"/>
-                <a:cs typeface="Courier New" panose="02070309020205020404" pitchFamily="49" charset="0"/>
-              </a:rPr>
-              <a:t>public class Bacon extends Pork implements Salty, Aromatic, Greasy, Edible {</a:t>
+              <a:rPr lang="en-US" sz="1400" dirty="0">
+                <a:latin typeface="Courier New" panose="02070309020205020404" pitchFamily="49" charset="0"/>
+                <a:cs typeface="Courier New" panose="02070309020205020404" pitchFamily="49" charset="0"/>
+              </a:rPr>
+              <a:t>public interface Salty{</a:t>
             </a:r>
           </a:p>
           <a:p>
@@ -31612,46 +31436,78 @@
               <a:buNone/>
             </a:pPr>
             <a:r>
-              <a:rPr lang="en-US" sz="1800" dirty="0">
-                <a:latin typeface="Courier New" panose="02070309020205020404" pitchFamily="49" charset="0"/>
-                <a:cs typeface="Courier New" panose="02070309020205020404" pitchFamily="49" charset="0"/>
-              </a:rPr>
-              <a:t>	private double </a:t>
-            </a:r>
-            <a:r>
-              <a:rPr lang="en-US" sz="1800" dirty="0" err="1">
-                <a:latin typeface="Courier New" panose="02070309020205020404" pitchFamily="49" charset="0"/>
-                <a:cs typeface="Courier New" panose="02070309020205020404" pitchFamily="49" charset="0"/>
-              </a:rPr>
-              <a:t>amountInKg</a:t>
-            </a:r>
-            <a:r>
-              <a:rPr lang="en-US" sz="1800" dirty="0">
-                <a:latin typeface="Courier New" panose="02070309020205020404" pitchFamily="49" charset="0"/>
-                <a:cs typeface="Courier New" panose="02070309020205020404" pitchFamily="49" charset="0"/>
-              </a:rPr>
-              <a:t>;</a:t>
+              <a:rPr lang="en-US" sz="1400" dirty="0">
+                <a:latin typeface="Courier New" panose="02070309020205020404" pitchFamily="49" charset="0"/>
+                <a:cs typeface="Courier New" panose="02070309020205020404" pitchFamily="49" charset="0"/>
+              </a:rPr>
+              <a:t>	double </a:t>
+            </a:r>
+            <a:r>
+              <a:rPr lang="en-US" sz="1400" dirty="0" err="1">
+                <a:latin typeface="Courier New" panose="02070309020205020404" pitchFamily="49" charset="0"/>
+                <a:cs typeface="Courier New" panose="02070309020205020404" pitchFamily="49" charset="0"/>
+              </a:rPr>
+              <a:t>sodiumContent</a:t>
+            </a:r>
+            <a:r>
+              <a:rPr lang="en-US" sz="1400" dirty="0">
+                <a:latin typeface="Courier New" panose="02070309020205020404" pitchFamily="49" charset="0"/>
+                <a:cs typeface="Courier New" panose="02070309020205020404" pitchFamily="49" charset="0"/>
+              </a:rPr>
+              <a:t>();      	</a:t>
+            </a:r>
+            <a:r>
+              <a:rPr lang="en-US" sz="1400" dirty="0">
+                <a:latin typeface="Courier New" panose="02070309020205020404" pitchFamily="49" charset="0"/>
+                <a:cs typeface="Courier New" panose="02070309020205020404" pitchFamily="49" charset="0"/>
+                <a:sym typeface="Wingdings" panose="05000000000000000000" pitchFamily="2" charset="2"/>
+              </a:rPr>
+              <a:t></a:t>
+            </a:r>
+            <a:r>
+              <a:rPr lang="en-US" sz="1400" dirty="0">
+                <a:latin typeface="Courier New" panose="02070309020205020404" pitchFamily="49" charset="0"/>
+                <a:cs typeface="Courier New" panose="02070309020205020404" pitchFamily="49" charset="0"/>
+              </a:rPr>
+              <a:t>this is a promise to implement the </a:t>
+            </a:r>
+            <a:r>
+              <a:rPr lang="en-US" sz="1400" dirty="0" err="1">
+                <a:latin typeface="Courier New" panose="02070309020205020404" pitchFamily="49" charset="0"/>
+                <a:cs typeface="Courier New" panose="02070309020205020404" pitchFamily="49" charset="0"/>
+              </a:rPr>
+              <a:t>sodiumContent</a:t>
+            </a:r>
+            <a:r>
+              <a:rPr lang="en-US" sz="1400" dirty="0">
+                <a:latin typeface="Courier New" panose="02070309020205020404" pitchFamily="49" charset="0"/>
+                <a:cs typeface="Courier New" panose="02070309020205020404" pitchFamily="49" charset="0"/>
+              </a:rPr>
+              <a:t> </a:t>
             </a:r>
           </a:p>
           <a:p>
             <a:pPr marL="0" indent="0">
               <a:buNone/>
             </a:pPr>
-            <a:endParaRPr lang="en-US" sz="1800" dirty="0">
-              <a:latin typeface="Courier New" panose="02070309020205020404" pitchFamily="49" charset="0"/>
-              <a:cs typeface="Courier New" panose="02070309020205020404" pitchFamily="49" charset="0"/>
-            </a:endParaRPr>
+            <a:r>
+              <a:rPr lang="en-US" sz="1400" dirty="0">
+                <a:latin typeface="Courier New" panose="02070309020205020404" pitchFamily="49" charset="0"/>
+                <a:cs typeface="Courier New" panose="02070309020205020404" pitchFamily="49" charset="0"/>
+              </a:rPr>
+              <a:t>}				 	in the class that implements the Salty interface.</a:t>
+            </a:r>
           </a:p>
           <a:p>
             <a:pPr marL="0" indent="0">
               <a:buNone/>
             </a:pPr>
             <a:r>
-              <a:rPr lang="en-US" sz="1800" dirty="0">
-                <a:latin typeface="Courier New" panose="02070309020205020404" pitchFamily="49" charset="0"/>
-                <a:cs typeface="Courier New" panose="02070309020205020404" pitchFamily="49" charset="0"/>
-              </a:rPr>
-              <a:t>	public Bacon(double amount){</a:t>
+              <a:rPr lang="en-US" sz="1400" dirty="0">
+                <a:latin typeface="Courier New" panose="02070309020205020404" pitchFamily="49" charset="0"/>
+                <a:cs typeface="Courier New" panose="02070309020205020404" pitchFamily="49" charset="0"/>
+              </a:rPr>
+              <a:t> </a:t>
             </a:r>
           </a:p>
           <a:p>
@@ -31659,25 +31515,11 @@
               <a:buNone/>
             </a:pPr>
             <a:r>
-              <a:rPr lang="en-US" sz="1800" dirty="0">
-                <a:latin typeface="Courier New" panose="02070309020205020404" pitchFamily="49" charset="0"/>
-                <a:cs typeface="Courier New" panose="02070309020205020404" pitchFamily="49" charset="0"/>
-              </a:rPr>
-              <a:t>		</a:t>
-            </a:r>
-            <a:r>
-              <a:rPr lang="en-US" sz="1800" dirty="0" err="1">
-                <a:latin typeface="Courier New" panose="02070309020205020404" pitchFamily="49" charset="0"/>
-                <a:cs typeface="Courier New" panose="02070309020205020404" pitchFamily="49" charset="0"/>
-              </a:rPr>
-              <a:t>amountInKg</a:t>
-            </a:r>
-            <a:r>
-              <a:rPr lang="en-US" sz="1800" dirty="0">
-                <a:latin typeface="Courier New" panose="02070309020205020404" pitchFamily="49" charset="0"/>
-                <a:cs typeface="Courier New" panose="02070309020205020404" pitchFamily="49" charset="0"/>
-              </a:rPr>
-              <a:t> = amount;</a:t>
+              <a:rPr lang="en-US" sz="1400" dirty="0">
+                <a:latin typeface="Courier New" panose="02070309020205020404" pitchFamily="49" charset="0"/>
+                <a:cs typeface="Courier New" panose="02070309020205020404" pitchFamily="49" charset="0"/>
+              </a:rPr>
+              <a:t>public interface Aromatic{</a:t>
             </a:r>
           </a:p>
           <a:p>
@@ -31685,32 +31527,78 @@
               <a:buNone/>
             </a:pPr>
             <a:r>
-              <a:rPr lang="en-US" sz="1800" dirty="0">
-                <a:latin typeface="Courier New" panose="02070309020205020404" pitchFamily="49" charset="0"/>
-                <a:cs typeface="Courier New" panose="02070309020205020404" pitchFamily="49" charset="0"/>
-              </a:rPr>
-              <a:t>	}</a:t>
+              <a:rPr lang="en-US" sz="1400" dirty="0">
+                <a:latin typeface="Courier New" panose="02070309020205020404" pitchFamily="49" charset="0"/>
+                <a:cs typeface="Courier New" panose="02070309020205020404" pitchFamily="49" charset="0"/>
+              </a:rPr>
+              <a:t>	String </a:t>
+            </a:r>
+            <a:r>
+              <a:rPr lang="en-US" sz="1400" dirty="0" err="1">
+                <a:latin typeface="Courier New" panose="02070309020205020404" pitchFamily="49" charset="0"/>
+                <a:cs typeface="Courier New" panose="02070309020205020404" pitchFamily="49" charset="0"/>
+              </a:rPr>
+              <a:t>describeAroma</a:t>
+            </a:r>
+            <a:r>
+              <a:rPr lang="en-US" sz="1400" dirty="0">
+                <a:latin typeface="Courier New" panose="02070309020205020404" pitchFamily="49" charset="0"/>
+                <a:cs typeface="Courier New" panose="02070309020205020404" pitchFamily="49" charset="0"/>
+              </a:rPr>
+              <a:t>();  		</a:t>
+            </a:r>
+            <a:r>
+              <a:rPr lang="en-US" sz="1400" dirty="0">
+                <a:latin typeface="Courier New" panose="02070309020205020404" pitchFamily="49" charset="0"/>
+                <a:cs typeface="Courier New" panose="02070309020205020404" pitchFamily="49" charset="0"/>
+                <a:sym typeface="Wingdings" panose="05000000000000000000" pitchFamily="2" charset="2"/>
+              </a:rPr>
+              <a:t></a:t>
+            </a:r>
+            <a:r>
+              <a:rPr lang="en-US" sz="1400" dirty="0">
+                <a:latin typeface="Courier New" panose="02070309020205020404" pitchFamily="49" charset="0"/>
+                <a:cs typeface="Courier New" panose="02070309020205020404" pitchFamily="49" charset="0"/>
+              </a:rPr>
+              <a:t> Notice the lack of “public”! Public is </a:t>
+            </a:r>
+            <a:r>
+              <a:rPr lang="en-US" sz="1400" i="1" dirty="0">
+                <a:latin typeface="Courier New" panose="02070309020205020404" pitchFamily="49" charset="0"/>
+                <a:cs typeface="Courier New" panose="02070309020205020404" pitchFamily="49" charset="0"/>
+              </a:rPr>
+              <a:t>assumed</a:t>
+            </a:r>
+            <a:r>
+              <a:rPr lang="en-US" sz="1400" dirty="0">
+                <a:latin typeface="Courier New" panose="02070309020205020404" pitchFamily="49" charset="0"/>
+                <a:cs typeface="Courier New" panose="02070309020205020404" pitchFamily="49" charset="0"/>
+              </a:rPr>
+              <a:t>.</a:t>
             </a:r>
           </a:p>
           <a:p>
             <a:pPr marL="0" indent="0">
               <a:buNone/>
             </a:pPr>
-            <a:endParaRPr lang="en-US" sz="1800" dirty="0">
-              <a:latin typeface="Courier New" panose="02070309020205020404" pitchFamily="49" charset="0"/>
-              <a:cs typeface="Courier New" panose="02070309020205020404" pitchFamily="49" charset="0"/>
-            </a:endParaRPr>
+            <a:r>
+              <a:rPr lang="en-US" sz="1400" dirty="0">
+                <a:latin typeface="Courier New" panose="02070309020205020404" pitchFamily="49" charset="0"/>
+                <a:cs typeface="Courier New" panose="02070309020205020404" pitchFamily="49" charset="0"/>
+              </a:rPr>
+              <a:t>}</a:t>
+            </a:r>
           </a:p>
           <a:p>
             <a:pPr marL="0" indent="0">
               <a:buNone/>
             </a:pPr>
             <a:r>
-              <a:rPr lang="en-US" sz="1800" dirty="0">
-                <a:latin typeface="Courier New" panose="02070309020205020404" pitchFamily="49" charset="0"/>
-                <a:cs typeface="Courier New" panose="02070309020205020404" pitchFamily="49" charset="0"/>
-              </a:rPr>
-              <a:t> 	public double calories(){</a:t>
+              <a:rPr lang="en-US" sz="1400" dirty="0">
+                <a:latin typeface="Courier New" panose="02070309020205020404" pitchFamily="49" charset="0"/>
+                <a:cs typeface="Courier New" panose="02070309020205020404" pitchFamily="49" charset="0"/>
+              </a:rPr>
+              <a:t> </a:t>
             </a:r>
           </a:p>
           <a:p>
@@ -31718,25 +31606,11 @@
               <a:buNone/>
             </a:pPr>
             <a:r>
-              <a:rPr lang="en-US" sz="1800" dirty="0">
-                <a:latin typeface="Courier New" panose="02070309020205020404" pitchFamily="49" charset="0"/>
-                <a:cs typeface="Courier New" panose="02070309020205020404" pitchFamily="49" charset="0"/>
-              </a:rPr>
-              <a:t>		return </a:t>
-            </a:r>
-            <a:r>
-              <a:rPr lang="en-US" sz="1800" dirty="0" err="1">
-                <a:latin typeface="Courier New" panose="02070309020205020404" pitchFamily="49" charset="0"/>
-                <a:cs typeface="Courier New" panose="02070309020205020404" pitchFamily="49" charset="0"/>
-              </a:rPr>
-              <a:t>amountInKg</a:t>
-            </a:r>
-            <a:r>
-              <a:rPr lang="en-US" sz="1800" dirty="0">
-                <a:latin typeface="Courier New" panose="02070309020205020404" pitchFamily="49" charset="0"/>
-                <a:cs typeface="Courier New" panose="02070309020205020404" pitchFamily="49" charset="0"/>
-              </a:rPr>
-              <a:t> * CALORIES_PER_KG_OF_BACON;</a:t>
+              <a:rPr lang="en-US" sz="1400" dirty="0">
+                <a:latin typeface="Courier New" panose="02070309020205020404" pitchFamily="49" charset="0"/>
+                <a:cs typeface="Courier New" panose="02070309020205020404" pitchFamily="49" charset="0"/>
+              </a:rPr>
+              <a:t>public interface Greasy{</a:t>
             </a:r>
           </a:p>
           <a:p>
@@ -31744,11 +31618,40 @@
               <a:buNone/>
             </a:pPr>
             <a:r>
-              <a:rPr lang="en-US" sz="1800" dirty="0">
-                <a:latin typeface="Courier New" panose="02070309020205020404" pitchFamily="49" charset="0"/>
-                <a:cs typeface="Courier New" panose="02070309020205020404" pitchFamily="49" charset="0"/>
-              </a:rPr>
-              <a:t>	}</a:t>
+              <a:rPr lang="en-US" sz="1400" dirty="0">
+                <a:latin typeface="Courier New" panose="02070309020205020404" pitchFamily="49" charset="0"/>
+                <a:cs typeface="Courier New" panose="02070309020205020404" pitchFamily="49" charset="0"/>
+              </a:rPr>
+              <a:t>	double </a:t>
+            </a:r>
+            <a:r>
+              <a:rPr lang="en-US" sz="1400" dirty="0" err="1">
+                <a:latin typeface="Courier New" panose="02070309020205020404" pitchFamily="49" charset="0"/>
+                <a:cs typeface="Courier New" panose="02070309020205020404" pitchFamily="49" charset="0"/>
+              </a:rPr>
+              <a:t>amountOfGreaseInMg</a:t>
+            </a:r>
+            <a:r>
+              <a:rPr lang="en-US" sz="1400" dirty="0">
+                <a:latin typeface="Courier New" panose="02070309020205020404" pitchFamily="49" charset="0"/>
+                <a:cs typeface="Courier New" panose="02070309020205020404" pitchFamily="49" charset="0"/>
+              </a:rPr>
+              <a:t>();   	</a:t>
+            </a:r>
+            <a:r>
+              <a:rPr lang="en-US" sz="1400" dirty="0">
+                <a:latin typeface="Courier New" panose="02070309020205020404" pitchFamily="49" charset="0"/>
+                <a:cs typeface="Courier New" panose="02070309020205020404" pitchFamily="49" charset="0"/>
+                <a:sym typeface="Wingdings" panose="05000000000000000000" pitchFamily="2" charset="2"/>
+              </a:rPr>
+              <a:t></a:t>
+            </a:r>
+            <a:r>
+              <a:rPr lang="en-US" sz="1400" dirty="0">
+                <a:latin typeface="Courier New" panose="02070309020205020404" pitchFamily="49" charset="0"/>
+                <a:cs typeface="Courier New" panose="02070309020205020404" pitchFamily="49" charset="0"/>
+              </a:rPr>
+              <a:t>point out that interfaces look just like classes</a:t>
             </a:r>
           </a:p>
           <a:p>
@@ -31756,7 +31659,55 @@
               <a:buNone/>
             </a:pPr>
             <a:r>
-              <a:rPr lang="en-US" sz="1800" dirty="0">
+              <a:rPr lang="en-US" sz="1400" dirty="0">
+                <a:latin typeface="Courier New" panose="02070309020205020404" pitchFamily="49" charset="0"/>
+                <a:cs typeface="Courier New" panose="02070309020205020404" pitchFamily="49" charset="0"/>
+              </a:rPr>
+              <a:t>}					but without fields or method bodies</a:t>
+            </a:r>
+          </a:p>
+          <a:p>
+            <a:pPr marL="0" indent="0">
+              <a:buNone/>
+            </a:pPr>
+            <a:r>
+              <a:rPr lang="en-US" sz="1400" dirty="0">
+                <a:latin typeface="Courier New" panose="02070309020205020404" pitchFamily="49" charset="0"/>
+                <a:cs typeface="Courier New" panose="02070309020205020404" pitchFamily="49" charset="0"/>
+              </a:rPr>
+              <a:t> </a:t>
+            </a:r>
+          </a:p>
+          <a:p>
+            <a:pPr marL="0" indent="0">
+              <a:buNone/>
+            </a:pPr>
+            <a:r>
+              <a:rPr lang="en-US" sz="1400" dirty="0">
+                <a:latin typeface="Courier New" panose="02070309020205020404" pitchFamily="49" charset="0"/>
+                <a:cs typeface="Courier New" panose="02070309020205020404" pitchFamily="49" charset="0"/>
+              </a:rPr>
+              <a:t>public interface Edible{</a:t>
+            </a:r>
+          </a:p>
+          <a:p>
+            <a:pPr marL="0" indent="0">
+              <a:buNone/>
+            </a:pPr>
+            <a:r>
+              <a:rPr lang="en-US" sz="1400" dirty="0">
+                <a:latin typeface="Courier New" panose="02070309020205020404" pitchFamily="49" charset="0"/>
+                <a:cs typeface="Courier New" panose="02070309020205020404" pitchFamily="49" charset="0"/>
+              </a:rPr>
+              <a:t>	double calories();</a:t>
+            </a:r>
+          </a:p>
+          <a:p>
+            <a:pPr marL="0" indent="0">
+              <a:buNone/>
+            </a:pPr>
+            <a:r>
+              <a:rPr lang="en-US" sz="1400" dirty="0">
                 <a:latin typeface="Courier New" panose="02070309020205020404" pitchFamily="49" charset="0"/>
                 <a:cs typeface="Courier New" panose="02070309020205020404" pitchFamily="49" charset="0"/>
               </a:rPr>
@@ -31768,7 +31719,7 @@
     </p:spTree>
     <p:extLst>
       <p:ext uri="{BB962C8B-B14F-4D97-AF65-F5344CB8AC3E}">
-        <p14:creationId xmlns:p14="http://schemas.microsoft.com/office/powerpoint/2010/main" val="1094721936"/>
+        <p14:creationId xmlns:p14="http://schemas.microsoft.com/office/powerpoint/2010/main" val="3474555343"/>
       </p:ext>
     </p:extLst>
   </p:cSld>
@@ -31812,7 +31763,7 @@
           <a:p>
             <a:r>
               <a:rPr lang="en-US" dirty="0"/>
-              <a:t>Class Activity</a:t>
+              <a:t>Implementing Interfaces</a:t>
             </a:r>
           </a:p>
         </p:txBody>
@@ -31827,17 +31778,183 @@
             <p:ph idx="1"/>
           </p:nvPr>
         </p:nvSpPr>
-        <p:spPr/>
+        <p:spPr>
+          <a:xfrm>
+            <a:off x="838199" y="1825625"/>
+            <a:ext cx="10660529" cy="4351338"/>
+          </a:xfrm>
+        </p:spPr>
         <p:txBody>
-          <a:bodyPr/>
+          <a:bodyPr>
+            <a:normAutofit/>
+          </a:bodyPr>
           <a:lstStyle/>
           <a:p>
             <a:pPr marL="0" indent="0">
               <a:buNone/>
             </a:pPr>
             <a:r>
-              <a:rPr lang="en-US" dirty="0"/>
-              <a:t>[Paste example activity or your own from lesson plan to slide]</a:t>
+              <a:rPr lang="en-US" sz="1800" dirty="0">
+                <a:latin typeface="Courier New" panose="02070309020205020404" pitchFamily="49" charset="0"/>
+                <a:cs typeface="Courier New" panose="02070309020205020404" pitchFamily="49" charset="0"/>
+              </a:rPr>
+              <a:t>public class Bacon extends Pork implements Salty, Aromatic, Greasy, Edible {</a:t>
+            </a:r>
+          </a:p>
+          <a:p>
+            <a:pPr marL="0" indent="0">
+              <a:buNone/>
+            </a:pPr>
+            <a:r>
+              <a:rPr lang="en-US" sz="1800" dirty="0">
+                <a:latin typeface="Courier New" panose="02070309020205020404" pitchFamily="49" charset="0"/>
+                <a:cs typeface="Courier New" panose="02070309020205020404" pitchFamily="49" charset="0"/>
+              </a:rPr>
+              <a:t>	private double </a:t>
+            </a:r>
+            <a:r>
+              <a:rPr lang="en-US" sz="1800" dirty="0" err="1">
+                <a:latin typeface="Courier New" panose="02070309020205020404" pitchFamily="49" charset="0"/>
+                <a:cs typeface="Courier New" panose="02070309020205020404" pitchFamily="49" charset="0"/>
+              </a:rPr>
+              <a:t>amountInKg</a:t>
+            </a:r>
+            <a:r>
+              <a:rPr lang="en-US" sz="1800" dirty="0">
+                <a:latin typeface="Courier New" panose="02070309020205020404" pitchFamily="49" charset="0"/>
+                <a:cs typeface="Courier New" panose="02070309020205020404" pitchFamily="49" charset="0"/>
+              </a:rPr>
+              <a:t>;</a:t>
+            </a:r>
+          </a:p>
+          <a:p>
+            <a:pPr marL="0" indent="0">
+              <a:buNone/>
+            </a:pPr>
+            <a:endParaRPr lang="en-US" sz="1800" dirty="0">
+              <a:latin typeface="Courier New" panose="02070309020205020404" pitchFamily="49" charset="0"/>
+              <a:cs typeface="Courier New" panose="02070309020205020404" pitchFamily="49" charset="0"/>
+            </a:endParaRPr>
+          </a:p>
+          <a:p>
+            <a:pPr marL="0" indent="0">
+              <a:buNone/>
+            </a:pPr>
+            <a:r>
+              <a:rPr lang="en-US" sz="1800" dirty="0">
+                <a:latin typeface="Courier New" panose="02070309020205020404" pitchFamily="49" charset="0"/>
+                <a:cs typeface="Courier New" panose="02070309020205020404" pitchFamily="49" charset="0"/>
+              </a:rPr>
+              <a:t>	public Bacon(double amount){</a:t>
+            </a:r>
+          </a:p>
+          <a:p>
+            <a:pPr marL="0" indent="0">
+              <a:buNone/>
+            </a:pPr>
+            <a:r>
+              <a:rPr lang="en-US" sz="1800" dirty="0">
+                <a:latin typeface="Courier New" panose="02070309020205020404" pitchFamily="49" charset="0"/>
+                <a:cs typeface="Courier New" panose="02070309020205020404" pitchFamily="49" charset="0"/>
+              </a:rPr>
+              <a:t>		</a:t>
+            </a:r>
+            <a:r>
+              <a:rPr lang="en-US" sz="1800" dirty="0" err="1">
+                <a:latin typeface="Courier New" panose="02070309020205020404" pitchFamily="49" charset="0"/>
+                <a:cs typeface="Courier New" panose="02070309020205020404" pitchFamily="49" charset="0"/>
+              </a:rPr>
+              <a:t>amountInKg</a:t>
+            </a:r>
+            <a:r>
+              <a:rPr lang="en-US" sz="1800" dirty="0">
+                <a:latin typeface="Courier New" panose="02070309020205020404" pitchFamily="49" charset="0"/>
+                <a:cs typeface="Courier New" panose="02070309020205020404" pitchFamily="49" charset="0"/>
+              </a:rPr>
+              <a:t> = amount;</a:t>
+            </a:r>
+          </a:p>
+          <a:p>
+            <a:pPr marL="0" indent="0">
+              <a:buNone/>
+            </a:pPr>
+            <a:r>
+              <a:rPr lang="en-US" sz="1800" dirty="0">
+                <a:latin typeface="Courier New" panose="02070309020205020404" pitchFamily="49" charset="0"/>
+                <a:cs typeface="Courier New" panose="02070309020205020404" pitchFamily="49" charset="0"/>
+              </a:rPr>
+              <a:t>	}</a:t>
+            </a:r>
+          </a:p>
+          <a:p>
+            <a:pPr marL="0" indent="0">
+              <a:buNone/>
+            </a:pPr>
+            <a:endParaRPr lang="en-US" sz="1800" dirty="0">
+              <a:latin typeface="Courier New" panose="02070309020205020404" pitchFamily="49" charset="0"/>
+              <a:cs typeface="Courier New" panose="02070309020205020404" pitchFamily="49" charset="0"/>
+            </a:endParaRPr>
+          </a:p>
+          <a:p>
+            <a:pPr marL="0" indent="0">
+              <a:buNone/>
+            </a:pPr>
+            <a:r>
+              <a:rPr lang="en-US" sz="1800" dirty="0">
+                <a:latin typeface="Courier New" panose="02070309020205020404" pitchFamily="49" charset="0"/>
+                <a:cs typeface="Courier New" panose="02070309020205020404" pitchFamily="49" charset="0"/>
+              </a:rPr>
+              <a:t> 	public double calories(){</a:t>
+            </a:r>
+          </a:p>
+          <a:p>
+            <a:pPr marL="0" indent="0">
+              <a:buNone/>
+            </a:pPr>
+            <a:r>
+              <a:rPr lang="en-US" sz="1800" dirty="0">
+                <a:latin typeface="Courier New" panose="02070309020205020404" pitchFamily="49" charset="0"/>
+                <a:cs typeface="Courier New" panose="02070309020205020404" pitchFamily="49" charset="0"/>
+              </a:rPr>
+              <a:t>		return </a:t>
+            </a:r>
+            <a:r>
+              <a:rPr lang="en-US" sz="1800" dirty="0" err="1">
+                <a:latin typeface="Courier New" panose="02070309020205020404" pitchFamily="49" charset="0"/>
+                <a:cs typeface="Courier New" panose="02070309020205020404" pitchFamily="49" charset="0"/>
+              </a:rPr>
+              <a:t>amountInKg</a:t>
+            </a:r>
+            <a:r>
+              <a:rPr lang="en-US" sz="1800" dirty="0">
+                <a:latin typeface="Courier New" panose="02070309020205020404" pitchFamily="49" charset="0"/>
+                <a:cs typeface="Courier New" panose="02070309020205020404" pitchFamily="49" charset="0"/>
+              </a:rPr>
+              <a:t> * CALORIES_PER_KG_OF_BACON;</a:t>
+            </a:r>
+          </a:p>
+          <a:p>
+            <a:pPr marL="0" indent="0">
+              <a:buNone/>
+            </a:pPr>
+            <a:r>
+              <a:rPr lang="en-US" sz="1800" dirty="0">
+                <a:latin typeface="Courier New" panose="02070309020205020404" pitchFamily="49" charset="0"/>
+                <a:cs typeface="Courier New" panose="02070309020205020404" pitchFamily="49" charset="0"/>
+              </a:rPr>
+              <a:t>	}</a:t>
+            </a:r>
+          </a:p>
+          <a:p>
+            <a:pPr marL="0" indent="0">
+              <a:buNone/>
+            </a:pPr>
+            <a:r>
+              <a:rPr lang="en-US" sz="1800" dirty="0">
+                <a:latin typeface="Courier New" panose="02070309020205020404" pitchFamily="49" charset="0"/>
+                <a:cs typeface="Courier New" panose="02070309020205020404" pitchFamily="49" charset="0"/>
+              </a:rPr>
+              <a:t>}</a:t>
             </a:r>
           </a:p>
         </p:txBody>
@@ -31845,7 +31962,7 @@
     </p:spTree>
     <p:extLst>
       <p:ext uri="{BB962C8B-B14F-4D97-AF65-F5344CB8AC3E}">
-        <p14:creationId xmlns:p14="http://schemas.microsoft.com/office/powerpoint/2010/main" val="3514558618"/>
+        <p14:creationId xmlns:p14="http://schemas.microsoft.com/office/powerpoint/2010/main" val="1094721936"/>
       </p:ext>
     </p:extLst>
   </p:cSld>
@@ -31884,6 +32001,83 @@
         </p:nvSpPr>
         <p:spPr/>
         <p:txBody>
+          <a:bodyPr/>
+          <a:lstStyle/>
+          <a:p>
+            <a:r>
+              <a:rPr lang="en-US" dirty="0"/>
+              <a:t>Class Activity</a:t>
+            </a:r>
+          </a:p>
+        </p:txBody>
+      </p:sp>
+      <p:sp>
+        <p:nvSpPr>
+          <p:cNvPr id="3" name="Content Placeholder 2"/>
+          <p:cNvSpPr>
+            <a:spLocks noGrp="1"/>
+          </p:cNvSpPr>
+          <p:nvPr>
+            <p:ph idx="1"/>
+          </p:nvPr>
+        </p:nvSpPr>
+        <p:spPr/>
+        <p:txBody>
+          <a:bodyPr/>
+          <a:lstStyle/>
+          <a:p>
+            <a:pPr marL="0" indent="0">
+              <a:buNone/>
+            </a:pPr>
+            <a:r>
+              <a:rPr lang="en-US" dirty="0"/>
+              <a:t>[Paste example activity or your own from lesson plan to slide]</a:t>
+            </a:r>
+          </a:p>
+        </p:txBody>
+      </p:sp>
+    </p:spTree>
+    <p:extLst>
+      <p:ext uri="{BB962C8B-B14F-4D97-AF65-F5344CB8AC3E}">
+        <p14:creationId xmlns:p14="http://schemas.microsoft.com/office/powerpoint/2010/main" val="3514558618"/>
+      </p:ext>
+    </p:extLst>
+  </p:cSld>
+  <p:clrMapOvr>
+    <a:masterClrMapping/>
+  </p:clrMapOvr>
+</p:sld>
+</file>
+
+<file path=ppt/slides/slide83.xml><?xml version="1.0" encoding="utf-8"?>
+<p:sld xmlns:a="http://schemas.openxmlformats.org/drawingml/2006/main" xmlns:r="http://schemas.openxmlformats.org/officeDocument/2006/relationships" xmlns:p="http://schemas.openxmlformats.org/presentationml/2006/main">
+  <p:cSld>
+    <p:spTree>
+      <p:nvGrpSpPr>
+        <p:cNvPr id="1" name=""/>
+        <p:cNvGrpSpPr/>
+        <p:nvPr/>
+      </p:nvGrpSpPr>
+      <p:grpSpPr>
+        <a:xfrm>
+          <a:off x="0" y="0"/>
+          <a:ext cx="0" cy="0"/>
+          <a:chOff x="0" y="0"/>
+          <a:chExt cx="0" cy="0"/>
+        </a:xfrm>
+      </p:grpSpPr>
+      <p:sp>
+        <p:nvSpPr>
+          <p:cNvPr id="2" name="Title 1"/>
+          <p:cNvSpPr>
+            <a:spLocks noGrp="1"/>
+          </p:cNvSpPr>
+          <p:nvPr>
+            <p:ph type="title"/>
+          </p:nvPr>
+        </p:nvSpPr>
+        <p:spPr/>
+        <p:txBody>
           <a:bodyPr>
             <a:normAutofit/>
           </a:bodyPr>
@@ -31981,7 +32175,7 @@
 </p:sld>
 </file>
 
-<file path=ppt/slides/slide83.xml><?xml version="1.0" encoding="utf-8"?>
+<file path=ppt/slides/slide84.xml><?xml version="1.0" encoding="utf-8"?>
 <p:sld xmlns:a="http://schemas.openxmlformats.org/drawingml/2006/main" xmlns:r="http://schemas.openxmlformats.org/officeDocument/2006/relationships" xmlns:p="http://schemas.openxmlformats.org/presentationml/2006/main">
   <p:cSld>
     <p:spTree>
@@ -32065,7 +32259,7 @@
 </p:sld>
 </file>
 
-<file path=ppt/slides/slide84.xml><?xml version="1.0" encoding="utf-8"?>
+<file path=ppt/slides/slide85.xml><?xml version="1.0" encoding="utf-8"?>
 <p:sld xmlns:a="http://schemas.openxmlformats.org/drawingml/2006/main" xmlns:r="http://schemas.openxmlformats.org/officeDocument/2006/relationships" xmlns:p="http://schemas.openxmlformats.org/presentationml/2006/main">
   <p:cSld>
     <p:spTree>
@@ -32147,80 +32341,6 @@
     <p:extLst>
       <p:ext uri="{BB962C8B-B14F-4D97-AF65-F5344CB8AC3E}">
         <p14:creationId xmlns:p14="http://schemas.microsoft.com/office/powerpoint/2010/main" val="2163985506"/>
-      </p:ext>
-    </p:extLst>
-  </p:cSld>
-  <p:clrMapOvr>
-    <a:masterClrMapping/>
-  </p:clrMapOvr>
-</p:sld>
-</file>
-
-<file path=ppt/slides/slide85.xml><?xml version="1.0" encoding="utf-8"?>
-<p:sld xmlns:a="http://schemas.openxmlformats.org/drawingml/2006/main" xmlns:r="http://schemas.openxmlformats.org/officeDocument/2006/relationships" xmlns:p="http://schemas.openxmlformats.org/presentationml/2006/main">
-  <p:cSld>
-    <p:spTree>
-      <p:nvGrpSpPr>
-        <p:cNvPr id="1" name=""/>
-        <p:cNvGrpSpPr/>
-        <p:nvPr/>
-      </p:nvGrpSpPr>
-      <p:grpSpPr>
-        <a:xfrm>
-          <a:off x="0" y="0"/>
-          <a:ext cx="0" cy="0"/>
-          <a:chOff x="0" y="0"/>
-          <a:chExt cx="0" cy="0"/>
-        </a:xfrm>
-      </p:grpSpPr>
-      <p:sp>
-        <p:nvSpPr>
-          <p:cNvPr id="2" name="Title 1"/>
-          <p:cNvSpPr>
-            <a:spLocks noGrp="1"/>
-          </p:cNvSpPr>
-          <p:nvPr>
-            <p:ph type="ctrTitle"/>
-          </p:nvPr>
-        </p:nvSpPr>
-        <p:spPr/>
-        <p:txBody>
-          <a:bodyPr/>
-          <a:lstStyle/>
-          <a:p>
-            <a:r>
-              <a:rPr lang="en-US" dirty="0"/>
-              <a:t>Finding and Fixing Errors</a:t>
-            </a:r>
-          </a:p>
-        </p:txBody>
-      </p:sp>
-      <p:sp>
-        <p:nvSpPr>
-          <p:cNvPr id="3" name="Subtitle 2"/>
-          <p:cNvSpPr>
-            <a:spLocks noGrp="1"/>
-          </p:cNvSpPr>
-          <p:nvPr>
-            <p:ph type="subTitle" idx="1"/>
-          </p:nvPr>
-        </p:nvSpPr>
-        <p:spPr/>
-        <p:txBody>
-          <a:bodyPr/>
-          <a:lstStyle/>
-          <a:p>
-            <a:r>
-              <a:rPr lang="en-US" dirty="0"/>
-              <a:t>[ 6.08 ] [ Today’s Date ] [ Instructor Name ]</a:t>
-            </a:r>
-          </a:p>
-        </p:txBody>
-      </p:sp>
-    </p:spTree>
-    <p:extLst>
-      <p:ext uri="{BB962C8B-B14F-4D97-AF65-F5344CB8AC3E}">
-        <p14:creationId xmlns:p14="http://schemas.microsoft.com/office/powerpoint/2010/main" val="3786121268"/>
       </p:ext>
     </p:extLst>
   </p:cSld>
@@ -32254,7 +32374,7 @@
             <a:spLocks noGrp="1"/>
           </p:cNvSpPr>
           <p:nvPr>
-            <p:ph type="title"/>
+            <p:ph type="ctrTitle"/>
           </p:nvPr>
         </p:nvSpPr>
         <p:spPr/>
@@ -32264,19 +32384,19 @@
           <a:p>
             <a:r>
               <a:rPr lang="en-US" dirty="0"/>
-              <a:t>Today’s plan:</a:t>
+              <a:t>Finding and Fixing Errors</a:t>
             </a:r>
           </a:p>
         </p:txBody>
       </p:sp>
       <p:sp>
         <p:nvSpPr>
-          <p:cNvPr id="3" name="Content Placeholder 2"/>
+          <p:cNvPr id="3" name="Subtitle 2"/>
           <p:cNvSpPr>
             <a:spLocks noGrp="1"/>
           </p:cNvSpPr>
           <p:nvPr>
-            <p:ph idx="1"/>
+            <p:ph type="subTitle" idx="1"/>
           </p:nvPr>
         </p:nvSpPr>
         <p:spPr/>
@@ -32284,52 +32404,17 @@
           <a:bodyPr/>
           <a:lstStyle/>
           <a:p>
-            <a:pPr marL="0" indent="0">
-              <a:buNone/>
-            </a:pPr>
             <a:r>
               <a:rPr lang="en-US" dirty="0"/>
-              <a:t>Error check and resubmit all chapter 9 assignments.</a:t>
-            </a:r>
-          </a:p>
-          <a:p>
-            <a:endParaRPr lang="en-US" dirty="0"/>
-          </a:p>
-          <a:p>
-            <a:pPr marL="0" indent="0">
-              <a:buNone/>
-            </a:pPr>
-            <a:r>
-              <a:rPr lang="en-US" dirty="0"/>
-              <a:t>Study for the test by:</a:t>
-            </a:r>
-          </a:p>
-          <a:p>
-            <a:pPr lvl="1"/>
-            <a:r>
-              <a:rPr lang="en-US" dirty="0"/>
-              <a:t>Reviewing all of the blue, self-check pages at the end of Chapter 9.</a:t>
-            </a:r>
-          </a:p>
-          <a:p>
-            <a:pPr lvl="1"/>
-            <a:r>
-              <a:rPr lang="en-US" dirty="0"/>
-              <a:t>Re-reading sections as needed to complete the self-check problems.</a:t>
-            </a:r>
-          </a:p>
-          <a:p>
-            <a:pPr marL="457200" lvl="1" indent="0">
-              <a:buNone/>
-            </a:pPr>
-            <a:endParaRPr lang="en-US" dirty="0"/>
+              <a:t>[ 6.08 ] [ Today’s Date ] [ Instructor Name ]</a:t>
+            </a:r>
           </a:p>
         </p:txBody>
       </p:sp>
     </p:spTree>
     <p:extLst>
       <p:ext uri="{BB962C8B-B14F-4D97-AF65-F5344CB8AC3E}">
-        <p14:creationId xmlns:p14="http://schemas.microsoft.com/office/powerpoint/2010/main" val="3923898911"/>
+        <p14:creationId xmlns:p14="http://schemas.microsoft.com/office/powerpoint/2010/main" val="3786121268"/>
       </p:ext>
     </p:extLst>
   </p:cSld>
@@ -32373,7 +32458,7 @@
           <a:p>
             <a:r>
               <a:rPr lang="en-US" dirty="0"/>
-              <a:t>Homework Regrade/Resubmit</a:t>
+              <a:t>Today’s plan:</a:t>
             </a:r>
           </a:p>
         </p:txBody>
@@ -32398,7 +32483,7 @@
             </a:pPr>
             <a:r>
               <a:rPr lang="en-US" dirty="0"/>
-              <a:t>You all have the opportunity to get full credit  on your homework grades by correcting them now, in class.</a:t>
+              <a:t>Error check and resubmit all chapter 9 assignments.</a:t>
             </a:r>
           </a:p>
           <a:p>
@@ -32410,11 +32495,25 @@
             </a:pPr>
             <a:r>
               <a:rPr lang="en-US" dirty="0"/>
-              <a:t>Use your error checking algorithm, and if you need help just ask!</a:t>
-            </a:r>
-          </a:p>
-          <a:p>
-            <a:pPr marL="0" indent="0">
+              <a:t>Study for the test by:</a:t>
+            </a:r>
+          </a:p>
+          <a:p>
+            <a:pPr lvl="1"/>
+            <a:r>
+              <a:rPr lang="en-US" dirty="0"/>
+              <a:t>Reviewing all of the blue, self-check pages at the end of Chapter 9.</a:t>
+            </a:r>
+          </a:p>
+          <a:p>
+            <a:pPr lvl="1"/>
+            <a:r>
+              <a:rPr lang="en-US" dirty="0"/>
+              <a:t>Re-reading sections as needed to complete the self-check problems.</a:t>
+            </a:r>
+          </a:p>
+          <a:p>
+            <a:pPr marL="457200" lvl="1" indent="0">
               <a:buNone/>
             </a:pPr>
             <a:endParaRPr lang="en-US" dirty="0"/>
@@ -32424,7 +32523,7 @@
     </p:spTree>
     <p:extLst>
       <p:ext uri="{BB962C8B-B14F-4D97-AF65-F5344CB8AC3E}">
-        <p14:creationId xmlns:p14="http://schemas.microsoft.com/office/powerpoint/2010/main" val="485091757"/>
+        <p14:creationId xmlns:p14="http://schemas.microsoft.com/office/powerpoint/2010/main" val="3923898911"/>
       </p:ext>
     </p:extLst>
   </p:cSld>
@@ -32468,7 +32567,7 @@
           <a:p>
             <a:r>
               <a:rPr lang="en-US" dirty="0"/>
-              <a:t>Homework</a:t>
+              <a:t>Homework Regrade/Resubmit</a:t>
             </a:r>
           </a:p>
         </p:txBody>
@@ -32488,9 +32587,24 @@
           <a:bodyPr/>
           <a:lstStyle/>
           <a:p>
+            <a:pPr marL="0" indent="0">
+              <a:buNone/>
+            </a:pPr>
             <a:r>
               <a:rPr lang="en-US" dirty="0"/>
-              <a:t>Begin reviewing chapter 9 for the Unit 6 Test.</a:t>
+              <a:t>You all have the opportunity to get full credit  on your homework grades by correcting them now, in class.</a:t>
+            </a:r>
+          </a:p>
+          <a:p>
+            <a:endParaRPr lang="en-US" dirty="0"/>
+          </a:p>
+          <a:p>
+            <a:pPr marL="0" indent="0">
+              <a:buNone/>
+            </a:pPr>
+            <a:r>
+              <a:rPr lang="en-US" dirty="0"/>
+              <a:t>Use your error checking algorithm, and if you need help just ask!</a:t>
             </a:r>
           </a:p>
           <a:p>
@@ -32504,7 +32618,7 @@
     </p:spTree>
     <p:extLst>
       <p:ext uri="{BB962C8B-B14F-4D97-AF65-F5344CB8AC3E}">
-        <p14:creationId xmlns:p14="http://schemas.microsoft.com/office/powerpoint/2010/main" val="912080518"/>
+        <p14:creationId xmlns:p14="http://schemas.microsoft.com/office/powerpoint/2010/main" val="485091757"/>
       </p:ext>
     </p:extLst>
   </p:cSld>
@@ -32538,31 +32652,7 @@
             <a:spLocks noGrp="1"/>
           </p:cNvSpPr>
           <p:nvPr>
-            <p:ph type="ctrTitle"/>
-          </p:nvPr>
-        </p:nvSpPr>
-        <p:spPr/>
-        <p:txBody>
-          <a:bodyPr>
-            <a:normAutofit/>
-          </a:bodyPr>
-          <a:lstStyle/>
-          <a:p>
-            <a:r>
-              <a:rPr lang="en-US" sz="4800" dirty="0"/>
-              <a:t>Review</a:t>
-            </a:r>
-          </a:p>
-        </p:txBody>
-      </p:sp>
-      <p:sp>
-        <p:nvSpPr>
-          <p:cNvPr id="3" name="Subtitle 2"/>
-          <p:cNvSpPr>
-            <a:spLocks noGrp="1"/>
-          </p:cNvSpPr>
-          <p:nvPr>
-            <p:ph type="subTitle" idx="1"/>
+            <p:ph type="title"/>
           </p:nvPr>
         </p:nvSpPr>
         <p:spPr/>
@@ -32572,15 +32662,43 @@
           <a:p>
             <a:r>
               <a:rPr lang="en-US" dirty="0"/>
-              <a:t>[ 6.09 ] [ Today’s Date ] [ Instructor Name ]</a:t>
-            </a:r>
+              <a:t>Homework</a:t>
+            </a:r>
+          </a:p>
+        </p:txBody>
+      </p:sp>
+      <p:sp>
+        <p:nvSpPr>
+          <p:cNvPr id="3" name="Content Placeholder 2"/>
+          <p:cNvSpPr>
+            <a:spLocks noGrp="1"/>
+          </p:cNvSpPr>
+          <p:nvPr>
+            <p:ph idx="1"/>
+          </p:nvPr>
+        </p:nvSpPr>
+        <p:spPr/>
+        <p:txBody>
+          <a:bodyPr/>
+          <a:lstStyle/>
+          <a:p>
+            <a:r>
+              <a:rPr lang="en-US" dirty="0"/>
+              <a:t>Begin reviewing chapter 9 for the Unit 6 Test.</a:t>
+            </a:r>
+          </a:p>
+          <a:p>
+            <a:pPr marL="0" indent="0">
+              <a:buNone/>
+            </a:pPr>
+            <a:endParaRPr lang="en-US" dirty="0"/>
           </a:p>
         </p:txBody>
       </p:sp>
     </p:spTree>
     <p:extLst>
       <p:ext uri="{BB962C8B-B14F-4D97-AF65-F5344CB8AC3E}">
-        <p14:creationId xmlns:p14="http://schemas.microsoft.com/office/powerpoint/2010/main" val="4280762843"/>
+        <p14:creationId xmlns:p14="http://schemas.microsoft.com/office/powerpoint/2010/main" val="912080518"/>
       </p:ext>
     </p:extLst>
   </p:cSld>
@@ -32687,6 +32805,82 @@
       </p:grpSpPr>
       <p:sp>
         <p:nvSpPr>
+          <p:cNvPr id="2" name="Title 1"/>
+          <p:cNvSpPr>
+            <a:spLocks noGrp="1"/>
+          </p:cNvSpPr>
+          <p:nvPr>
+            <p:ph type="ctrTitle"/>
+          </p:nvPr>
+        </p:nvSpPr>
+        <p:spPr/>
+        <p:txBody>
+          <a:bodyPr>
+            <a:normAutofit/>
+          </a:bodyPr>
+          <a:lstStyle/>
+          <a:p>
+            <a:r>
+              <a:rPr lang="en-US" sz="4800" dirty="0"/>
+              <a:t>Review</a:t>
+            </a:r>
+          </a:p>
+        </p:txBody>
+      </p:sp>
+      <p:sp>
+        <p:nvSpPr>
+          <p:cNvPr id="3" name="Subtitle 2"/>
+          <p:cNvSpPr>
+            <a:spLocks noGrp="1"/>
+          </p:cNvSpPr>
+          <p:nvPr>
+            <p:ph type="subTitle" idx="1"/>
+          </p:nvPr>
+        </p:nvSpPr>
+        <p:spPr/>
+        <p:txBody>
+          <a:bodyPr/>
+          <a:lstStyle/>
+          <a:p>
+            <a:r>
+              <a:rPr lang="en-US" dirty="0"/>
+              <a:t>[ 6.09 ] [ Today’s Date ] [ Instructor Name ]</a:t>
+            </a:r>
+          </a:p>
+        </p:txBody>
+      </p:sp>
+    </p:spTree>
+    <p:extLst>
+      <p:ext uri="{BB962C8B-B14F-4D97-AF65-F5344CB8AC3E}">
+        <p14:creationId xmlns:p14="http://schemas.microsoft.com/office/powerpoint/2010/main" val="4280762843"/>
+      </p:ext>
+    </p:extLst>
+  </p:cSld>
+  <p:clrMapOvr>
+    <a:masterClrMapping/>
+  </p:clrMapOvr>
+</p:sld>
+</file>
+
+<file path=ppt/slides/slide91.xml><?xml version="1.0" encoding="utf-8"?>
+<p:sld xmlns:a="http://schemas.openxmlformats.org/drawingml/2006/main" xmlns:r="http://schemas.openxmlformats.org/officeDocument/2006/relationships" xmlns:p="http://schemas.openxmlformats.org/presentationml/2006/main">
+  <p:cSld>
+    <p:spTree>
+      <p:nvGrpSpPr>
+        <p:cNvPr id="1" name=""/>
+        <p:cNvGrpSpPr/>
+        <p:nvPr/>
+      </p:nvGrpSpPr>
+      <p:grpSpPr>
+        <a:xfrm>
+          <a:off x="0" y="0"/>
+          <a:ext cx="0" cy="0"/>
+          <a:chOff x="0" y="0"/>
+          <a:chExt cx="0" cy="0"/>
+        </a:xfrm>
+      </p:grpSpPr>
+      <p:sp>
+        <p:nvSpPr>
           <p:cNvPr id="4" name="Title 3"/>
           <p:cNvSpPr>
             <a:spLocks noGrp="1"/>
@@ -32727,7 +32921,7 @@
 </p:sld>
 </file>
 
-<file path=ppt/slides/slide91.xml><?xml version="1.0" encoding="utf-8"?>
+<file path=ppt/slides/slide92.xml><?xml version="1.0" encoding="utf-8"?>
 <p:sld xmlns:a="http://schemas.openxmlformats.org/drawingml/2006/main" xmlns:r="http://schemas.openxmlformats.org/officeDocument/2006/relationships" xmlns:p="http://schemas.openxmlformats.org/presentationml/2006/main">
   <p:cSld>
     <p:spTree>
@@ -32786,7 +32980,7 @@
 </p:sld>
 </file>
 
-<file path=ppt/slides/slide92.xml><?xml version="1.0" encoding="utf-8"?>
+<file path=ppt/slides/slide93.xml><?xml version="1.0" encoding="utf-8"?>
 <p:sld xmlns:a="http://schemas.openxmlformats.org/drawingml/2006/main" xmlns:r="http://schemas.openxmlformats.org/officeDocument/2006/relationships" xmlns:p="http://schemas.openxmlformats.org/presentationml/2006/main">
   <p:cSld>
     <p:spTree>
@@ -32878,7 +33072,7 @@
 </p:sld>
 </file>
 
-<file path=ppt/slides/slide93.xml><?xml version="1.0" encoding="utf-8"?>
+<file path=ppt/slides/slide94.xml><?xml version="1.0" encoding="utf-8"?>
 <p:sld xmlns:a="http://schemas.openxmlformats.org/drawingml/2006/main" xmlns:r="http://schemas.openxmlformats.org/officeDocument/2006/relationships" xmlns:p="http://schemas.openxmlformats.org/presentationml/2006/main">
   <p:cSld>
     <p:spTree>

--- a/curriculum/Unit6/Unit6.pptx
+++ b/curriculum/Unit6/Unit6.pptx
@@ -15705,7 +15705,7 @@
           <a:p>
             <a:fld id="{208B30BF-BE3F-47C2-B7B3-E8CB680F2AA1}" type="datetimeFigureOut">
               <a:rPr lang="en-US" smtClean="0"/>
-              <a:t>1/7/2020</a:t>
+              <a:t>1/17/2020</a:t>
             </a:fld>
             <a:endParaRPr lang="en-US"/>
           </a:p>
@@ -17667,7 +17667,7 @@
           <a:p>
             <a:fld id="{5D2A64DF-0753-4272-8809-7B17C6953B30}" type="datetimeFigureOut">
               <a:rPr lang="en-US" smtClean="0"/>
-              <a:t>1/7/2020</a:t>
+              <a:t>1/17/2020</a:t>
             </a:fld>
             <a:endParaRPr lang="en-US"/>
           </a:p>
@@ -17835,7 +17835,7 @@
           <a:p>
             <a:fld id="{5D2A64DF-0753-4272-8809-7B17C6953B30}" type="datetimeFigureOut">
               <a:rPr lang="en-US" smtClean="0"/>
-              <a:t>1/7/2020</a:t>
+              <a:t>1/17/2020</a:t>
             </a:fld>
             <a:endParaRPr lang="en-US"/>
           </a:p>
@@ -18013,7 +18013,7 @@
           <a:p>
             <a:fld id="{5D2A64DF-0753-4272-8809-7B17C6953B30}" type="datetimeFigureOut">
               <a:rPr lang="en-US" smtClean="0"/>
-              <a:t>1/7/2020</a:t>
+              <a:t>1/17/2020</a:t>
             </a:fld>
             <a:endParaRPr lang="en-US"/>
           </a:p>
@@ -18181,7 +18181,7 @@
           <a:p>
             <a:fld id="{5D2A64DF-0753-4272-8809-7B17C6953B30}" type="datetimeFigureOut">
               <a:rPr lang="en-US" smtClean="0"/>
-              <a:t>1/7/2020</a:t>
+              <a:t>1/17/2020</a:t>
             </a:fld>
             <a:endParaRPr lang="en-US"/>
           </a:p>
@@ -18426,7 +18426,7 @@
           <a:p>
             <a:fld id="{5D2A64DF-0753-4272-8809-7B17C6953B30}" type="datetimeFigureOut">
               <a:rPr lang="en-US" smtClean="0"/>
-              <a:t>1/7/2020</a:t>
+              <a:t>1/17/2020</a:t>
             </a:fld>
             <a:endParaRPr lang="en-US"/>
           </a:p>
@@ -18655,7 +18655,7 @@
           <a:p>
             <a:fld id="{5D2A64DF-0753-4272-8809-7B17C6953B30}" type="datetimeFigureOut">
               <a:rPr lang="en-US" smtClean="0"/>
-              <a:t>1/7/2020</a:t>
+              <a:t>1/17/2020</a:t>
             </a:fld>
             <a:endParaRPr lang="en-US"/>
           </a:p>
@@ -19019,7 +19019,7 @@
           <a:p>
             <a:fld id="{5D2A64DF-0753-4272-8809-7B17C6953B30}" type="datetimeFigureOut">
               <a:rPr lang="en-US" smtClean="0"/>
-              <a:t>1/7/2020</a:t>
+              <a:t>1/17/2020</a:t>
             </a:fld>
             <a:endParaRPr lang="en-US"/>
           </a:p>
@@ -19136,7 +19136,7 @@
           <a:p>
             <a:fld id="{5D2A64DF-0753-4272-8809-7B17C6953B30}" type="datetimeFigureOut">
               <a:rPr lang="en-US" smtClean="0"/>
-              <a:t>1/7/2020</a:t>
+              <a:t>1/17/2020</a:t>
             </a:fld>
             <a:endParaRPr lang="en-US"/>
           </a:p>
@@ -19231,7 +19231,7 @@
           <a:p>
             <a:fld id="{5D2A64DF-0753-4272-8809-7B17C6953B30}" type="datetimeFigureOut">
               <a:rPr lang="en-US" smtClean="0"/>
-              <a:t>1/7/2020</a:t>
+              <a:t>1/17/2020</a:t>
             </a:fld>
             <a:endParaRPr lang="en-US"/>
           </a:p>
@@ -19506,7 +19506,7 @@
           <a:p>
             <a:fld id="{5D2A64DF-0753-4272-8809-7B17C6953B30}" type="datetimeFigureOut">
               <a:rPr lang="en-US" smtClean="0"/>
-              <a:t>1/7/2020</a:t>
+              <a:t>1/17/2020</a:t>
             </a:fld>
             <a:endParaRPr lang="en-US"/>
           </a:p>
@@ -19758,7 +19758,7 @@
           <a:p>
             <a:fld id="{5D2A64DF-0753-4272-8809-7B17C6953B30}" type="datetimeFigureOut">
               <a:rPr lang="en-US" smtClean="0"/>
-              <a:t>1/7/2020</a:t>
+              <a:t>1/17/2020</a:t>
             </a:fld>
             <a:endParaRPr lang="en-US"/>
           </a:p>
@@ -19969,7 +19969,7 @@
           <a:p>
             <a:fld id="{5D2A64DF-0753-4272-8809-7B17C6953B30}" type="datetimeFigureOut">
               <a:rPr lang="en-US" smtClean="0"/>
-              <a:t>1/7/2020</a:t>
+              <a:t>1/17/2020</a:t>
             </a:fld>
             <a:endParaRPr lang="en-US"/>
           </a:p>
@@ -29807,7 +29807,15 @@
           <a:p>
             <a:r>
               <a:rPr lang="en-US" dirty="0"/>
-              <a:t>If no constructor in specified, the compiler will add a no-argument constructor. </a:t>
+              <a:t>If no </a:t>
+            </a:r>
+            <a:r>
+              <a:rPr lang="en-US"/>
+              <a:t>constructor is </a:t>
+            </a:r>
+            <a:r>
+              <a:rPr lang="en-US" dirty="0"/>
+              <a:t>specified, the compiler will add a no-argument constructor. </a:t>
             </a:r>
           </a:p>
           <a:p>
@@ -30469,7 +30477,7 @@
             <a:effectLst/>
             <a:extLst>
               <a:ext uri="{C572A759-6A51-4108-AA02-DFA0A04FC94B}">
-                <ma14:wrappingTextBoxFlag xmlns:lc="http://schemas.openxmlformats.org/drawingml/2006/lockedCanvas" xmlns:ma14="http://schemas.microsoft.com/office/mac/drawingml/2011/main" xmlns:wps="http://schemas.microsoft.com/office/word/2010/wordprocessingShape" xmlns:wne="http://schemas.microsoft.com/office/word/2006/wordml" xmlns:wpi="http://schemas.microsoft.com/office/word/2010/wordprocessingInk" xmlns:wpg="http://schemas.microsoft.com/office/word/2010/wordprocessingGroup" xmlns:w14="http://schemas.microsoft.com/office/word/2010/wordml" xmlns:w="http://schemas.openxmlformats.org/wordprocessingml/2006/main" xmlns:w10="urn:schemas-microsoft-com:office:word" xmlns:wp="http://schemas.openxmlformats.org/drawingml/2006/wordprocessingDrawing" xmlns:wp14="http://schemas.microsoft.com/office/word/2010/wordprocessingDrawing" xmlns:v="urn:schemas-microsoft-com:vml" xmlns:m="http://schemas.openxmlformats.org/officeDocument/2006/math" xmlns:o="urn:schemas-microsoft-com:office:office" xmlns:mv="urn:schemas-microsoft-com:mac:vml" xmlns:mc="http://schemas.openxmlformats.org/markup-compatibility/2006" xmlns:mo="http://schemas.microsoft.com/office/mac/office/2008/main" xmlns:wpc="http://schemas.microsoft.com/office/word/2010/wordprocessingCanvas" xmlns=""/>
+                <ma14:wrappingTextBoxFlag xmlns="" xmlns:wpc="http://schemas.microsoft.com/office/word/2010/wordprocessingCanvas" xmlns:mo="http://schemas.microsoft.com/office/mac/office/2008/main" xmlns:mc="http://schemas.openxmlformats.org/markup-compatibility/2006" xmlns:mv="urn:schemas-microsoft-com:mac:vml" xmlns:o="urn:schemas-microsoft-com:office:office" xmlns:m="http://schemas.openxmlformats.org/officeDocument/2006/math" xmlns:v="urn:schemas-microsoft-com:vml" xmlns:wp14="http://schemas.microsoft.com/office/word/2010/wordprocessingDrawing" xmlns:wp="http://schemas.openxmlformats.org/drawingml/2006/wordprocessingDrawing" xmlns:w10="urn:schemas-microsoft-com:office:word" xmlns:w="http://schemas.openxmlformats.org/wordprocessingml/2006/main" xmlns:w14="http://schemas.microsoft.com/office/word/2010/wordml" xmlns:wpg="http://schemas.microsoft.com/office/word/2010/wordprocessingGroup" xmlns:wpi="http://schemas.microsoft.com/office/word/2010/wordprocessingInk" xmlns:wne="http://schemas.microsoft.com/office/word/2006/wordml" xmlns:wps="http://schemas.microsoft.com/office/word/2010/wordprocessingShape" xmlns:ma14="http://schemas.microsoft.com/office/mac/drawingml/2011/main" xmlns:lc="http://schemas.openxmlformats.org/drawingml/2006/lockedCanvas"/>
               </a:ext>
             </a:extLst>
           </p:spPr>
@@ -30550,7 +30558,7 @@
             <a:effectLst/>
             <a:extLst>
               <a:ext uri="{C572A759-6A51-4108-AA02-DFA0A04FC94B}">
-                <ma14:wrappingTextBoxFlag xmlns:lc="http://schemas.openxmlformats.org/drawingml/2006/lockedCanvas" xmlns:ma14="http://schemas.microsoft.com/office/mac/drawingml/2011/main" xmlns:wps="http://schemas.microsoft.com/office/word/2010/wordprocessingShape" xmlns:wne="http://schemas.microsoft.com/office/word/2006/wordml" xmlns:wpi="http://schemas.microsoft.com/office/word/2010/wordprocessingInk" xmlns:wpg="http://schemas.microsoft.com/office/word/2010/wordprocessingGroup" xmlns:w14="http://schemas.microsoft.com/office/word/2010/wordml" xmlns:w="http://schemas.openxmlformats.org/wordprocessingml/2006/main" xmlns:w10="urn:schemas-microsoft-com:office:word" xmlns:wp="http://schemas.openxmlformats.org/drawingml/2006/wordprocessingDrawing" xmlns:wp14="http://schemas.microsoft.com/office/word/2010/wordprocessingDrawing" xmlns:v="urn:schemas-microsoft-com:vml" xmlns:m="http://schemas.openxmlformats.org/officeDocument/2006/math" xmlns:o="urn:schemas-microsoft-com:office:office" xmlns:mv="urn:schemas-microsoft-com:mac:vml" xmlns:mc="http://schemas.openxmlformats.org/markup-compatibility/2006" xmlns:mo="http://schemas.microsoft.com/office/mac/office/2008/main" xmlns:wpc="http://schemas.microsoft.com/office/word/2010/wordprocessingCanvas" xmlns=""/>
+                <ma14:wrappingTextBoxFlag xmlns="" xmlns:wpc="http://schemas.microsoft.com/office/word/2010/wordprocessingCanvas" xmlns:mo="http://schemas.microsoft.com/office/mac/office/2008/main" xmlns:mc="http://schemas.openxmlformats.org/markup-compatibility/2006" xmlns:mv="urn:schemas-microsoft-com:mac:vml" xmlns:o="urn:schemas-microsoft-com:office:office" xmlns:m="http://schemas.openxmlformats.org/officeDocument/2006/math" xmlns:v="urn:schemas-microsoft-com:vml" xmlns:wp14="http://schemas.microsoft.com/office/word/2010/wordprocessingDrawing" xmlns:wp="http://schemas.openxmlformats.org/drawingml/2006/wordprocessingDrawing" xmlns:w10="urn:schemas-microsoft-com:office:word" xmlns:w="http://schemas.openxmlformats.org/wordprocessingml/2006/main" xmlns:w14="http://schemas.microsoft.com/office/word/2010/wordml" xmlns:wpg="http://schemas.microsoft.com/office/word/2010/wordprocessingGroup" xmlns:wpi="http://schemas.microsoft.com/office/word/2010/wordprocessingInk" xmlns:wne="http://schemas.microsoft.com/office/word/2006/wordml" xmlns:wps="http://schemas.microsoft.com/office/word/2010/wordprocessingShape" xmlns:ma14="http://schemas.microsoft.com/office/mac/drawingml/2011/main" xmlns:lc="http://schemas.openxmlformats.org/drawingml/2006/lockedCanvas"/>
               </a:ext>
             </a:extLst>
           </p:spPr>
@@ -30631,7 +30639,7 @@
             <a:effectLst/>
             <a:extLst>
               <a:ext uri="{C572A759-6A51-4108-AA02-DFA0A04FC94B}">
-                <ma14:wrappingTextBoxFlag xmlns:lc="http://schemas.openxmlformats.org/drawingml/2006/lockedCanvas" xmlns:ma14="http://schemas.microsoft.com/office/mac/drawingml/2011/main" xmlns:wps="http://schemas.microsoft.com/office/word/2010/wordprocessingShape" xmlns:wne="http://schemas.microsoft.com/office/word/2006/wordml" xmlns:wpi="http://schemas.microsoft.com/office/word/2010/wordprocessingInk" xmlns:wpg="http://schemas.microsoft.com/office/word/2010/wordprocessingGroup" xmlns:w14="http://schemas.microsoft.com/office/word/2010/wordml" xmlns:w="http://schemas.openxmlformats.org/wordprocessingml/2006/main" xmlns:w10="urn:schemas-microsoft-com:office:word" xmlns:wp="http://schemas.openxmlformats.org/drawingml/2006/wordprocessingDrawing" xmlns:wp14="http://schemas.microsoft.com/office/word/2010/wordprocessingDrawing" xmlns:v="urn:schemas-microsoft-com:vml" xmlns:m="http://schemas.openxmlformats.org/officeDocument/2006/math" xmlns:o="urn:schemas-microsoft-com:office:office" xmlns:mv="urn:schemas-microsoft-com:mac:vml" xmlns:mc="http://schemas.openxmlformats.org/markup-compatibility/2006" xmlns:mo="http://schemas.microsoft.com/office/mac/office/2008/main" xmlns:wpc="http://schemas.microsoft.com/office/word/2010/wordprocessingCanvas" xmlns=""/>
+                <ma14:wrappingTextBoxFlag xmlns="" xmlns:wpc="http://schemas.microsoft.com/office/word/2010/wordprocessingCanvas" xmlns:mo="http://schemas.microsoft.com/office/mac/office/2008/main" xmlns:mc="http://schemas.openxmlformats.org/markup-compatibility/2006" xmlns:mv="urn:schemas-microsoft-com:mac:vml" xmlns:o="urn:schemas-microsoft-com:office:office" xmlns:m="http://schemas.openxmlformats.org/officeDocument/2006/math" xmlns:v="urn:schemas-microsoft-com:vml" xmlns:wp14="http://schemas.microsoft.com/office/word/2010/wordprocessingDrawing" xmlns:wp="http://schemas.openxmlformats.org/drawingml/2006/wordprocessingDrawing" xmlns:w10="urn:schemas-microsoft-com:office:word" xmlns:w="http://schemas.openxmlformats.org/wordprocessingml/2006/main" xmlns:w14="http://schemas.microsoft.com/office/word/2010/wordml" xmlns:wpg="http://schemas.microsoft.com/office/word/2010/wordprocessingGroup" xmlns:wpi="http://schemas.microsoft.com/office/word/2010/wordprocessingInk" xmlns:wne="http://schemas.microsoft.com/office/word/2006/wordml" xmlns:wps="http://schemas.microsoft.com/office/word/2010/wordprocessingShape" xmlns:ma14="http://schemas.microsoft.com/office/mac/drawingml/2011/main" xmlns:lc="http://schemas.openxmlformats.org/drawingml/2006/lockedCanvas"/>
               </a:ext>
             </a:extLst>
           </p:spPr>
@@ -30712,7 +30720,7 @@
             <a:effectLst/>
             <a:extLst>
               <a:ext uri="{C572A759-6A51-4108-AA02-DFA0A04FC94B}">
-                <ma14:wrappingTextBoxFlag xmlns:lc="http://schemas.openxmlformats.org/drawingml/2006/lockedCanvas" xmlns:ma14="http://schemas.microsoft.com/office/mac/drawingml/2011/main" xmlns:wps="http://schemas.microsoft.com/office/word/2010/wordprocessingShape" xmlns:wne="http://schemas.microsoft.com/office/word/2006/wordml" xmlns:wpi="http://schemas.microsoft.com/office/word/2010/wordprocessingInk" xmlns:wpg="http://schemas.microsoft.com/office/word/2010/wordprocessingGroup" xmlns:w14="http://schemas.microsoft.com/office/word/2010/wordml" xmlns:w="http://schemas.openxmlformats.org/wordprocessingml/2006/main" xmlns:w10="urn:schemas-microsoft-com:office:word" xmlns:wp="http://schemas.openxmlformats.org/drawingml/2006/wordprocessingDrawing" xmlns:wp14="http://schemas.microsoft.com/office/word/2010/wordprocessingDrawing" xmlns:v="urn:schemas-microsoft-com:vml" xmlns:m="http://schemas.openxmlformats.org/officeDocument/2006/math" xmlns:o="urn:schemas-microsoft-com:office:office" xmlns:mv="urn:schemas-microsoft-com:mac:vml" xmlns:mc="http://schemas.openxmlformats.org/markup-compatibility/2006" xmlns:mo="http://schemas.microsoft.com/office/mac/office/2008/main" xmlns:wpc="http://schemas.microsoft.com/office/word/2010/wordprocessingCanvas" xmlns=""/>
+                <ma14:wrappingTextBoxFlag xmlns="" xmlns:wpc="http://schemas.microsoft.com/office/word/2010/wordprocessingCanvas" xmlns:mo="http://schemas.microsoft.com/office/mac/office/2008/main" xmlns:mc="http://schemas.openxmlformats.org/markup-compatibility/2006" xmlns:mv="urn:schemas-microsoft-com:mac:vml" xmlns:o="urn:schemas-microsoft-com:office:office" xmlns:m="http://schemas.openxmlformats.org/officeDocument/2006/math" xmlns:v="urn:schemas-microsoft-com:vml" xmlns:wp14="http://schemas.microsoft.com/office/word/2010/wordprocessingDrawing" xmlns:wp="http://schemas.openxmlformats.org/drawingml/2006/wordprocessingDrawing" xmlns:w10="urn:schemas-microsoft-com:office:word" xmlns:w="http://schemas.openxmlformats.org/wordprocessingml/2006/main" xmlns:w14="http://schemas.microsoft.com/office/word/2010/wordml" xmlns:wpg="http://schemas.microsoft.com/office/word/2010/wordprocessingGroup" xmlns:wpi="http://schemas.microsoft.com/office/word/2010/wordprocessingInk" xmlns:wne="http://schemas.microsoft.com/office/word/2006/wordml" xmlns:wps="http://schemas.microsoft.com/office/word/2010/wordprocessingShape" xmlns:ma14="http://schemas.microsoft.com/office/mac/drawingml/2011/main" xmlns:lc="http://schemas.openxmlformats.org/drawingml/2006/lockedCanvas"/>
               </a:ext>
             </a:extLst>
           </p:spPr>
@@ -30793,7 +30801,7 @@
             <a:effectLst/>
             <a:extLst>
               <a:ext uri="{C572A759-6A51-4108-AA02-DFA0A04FC94B}">
-                <ma14:wrappingTextBoxFlag xmlns:lc="http://schemas.openxmlformats.org/drawingml/2006/lockedCanvas" xmlns:ma14="http://schemas.microsoft.com/office/mac/drawingml/2011/main" xmlns:wps="http://schemas.microsoft.com/office/word/2010/wordprocessingShape" xmlns:wne="http://schemas.microsoft.com/office/word/2006/wordml" xmlns:wpi="http://schemas.microsoft.com/office/word/2010/wordprocessingInk" xmlns:wpg="http://schemas.microsoft.com/office/word/2010/wordprocessingGroup" xmlns:w14="http://schemas.microsoft.com/office/word/2010/wordml" xmlns:w="http://schemas.openxmlformats.org/wordprocessingml/2006/main" xmlns:w10="urn:schemas-microsoft-com:office:word" xmlns:wp="http://schemas.openxmlformats.org/drawingml/2006/wordprocessingDrawing" xmlns:wp14="http://schemas.microsoft.com/office/word/2010/wordprocessingDrawing" xmlns:v="urn:schemas-microsoft-com:vml" xmlns:m="http://schemas.openxmlformats.org/officeDocument/2006/math" xmlns:o="urn:schemas-microsoft-com:office:office" xmlns:mv="urn:schemas-microsoft-com:mac:vml" xmlns:mc="http://schemas.openxmlformats.org/markup-compatibility/2006" xmlns:mo="http://schemas.microsoft.com/office/mac/office/2008/main" xmlns:wpc="http://schemas.microsoft.com/office/word/2010/wordprocessingCanvas" xmlns=""/>
+                <ma14:wrappingTextBoxFlag xmlns="" xmlns:wpc="http://schemas.microsoft.com/office/word/2010/wordprocessingCanvas" xmlns:mo="http://schemas.microsoft.com/office/mac/office/2008/main" xmlns:mc="http://schemas.openxmlformats.org/markup-compatibility/2006" xmlns:mv="urn:schemas-microsoft-com:mac:vml" xmlns:o="urn:schemas-microsoft-com:office:office" xmlns:m="http://schemas.openxmlformats.org/officeDocument/2006/math" xmlns:v="urn:schemas-microsoft-com:vml" xmlns:wp14="http://schemas.microsoft.com/office/word/2010/wordprocessingDrawing" xmlns:wp="http://schemas.openxmlformats.org/drawingml/2006/wordprocessingDrawing" xmlns:w10="urn:schemas-microsoft-com:office:word" xmlns:w="http://schemas.openxmlformats.org/wordprocessingml/2006/main" xmlns:w14="http://schemas.microsoft.com/office/word/2010/wordml" xmlns:wpg="http://schemas.microsoft.com/office/word/2010/wordprocessingGroup" xmlns:wpi="http://schemas.microsoft.com/office/word/2010/wordprocessingInk" xmlns:wne="http://schemas.microsoft.com/office/word/2006/wordml" xmlns:wps="http://schemas.microsoft.com/office/word/2010/wordprocessingShape" xmlns:ma14="http://schemas.microsoft.com/office/mac/drawingml/2011/main" xmlns:lc="http://schemas.openxmlformats.org/drawingml/2006/lockedCanvas"/>
               </a:ext>
             </a:extLst>
           </p:spPr>
@@ -30909,7 +30917,7 @@
             <a:effectLst/>
             <a:extLst>
               <a:ext uri="{C572A759-6A51-4108-AA02-DFA0A04FC94B}">
-                <ma14:wrappingTextBoxFlag xmlns:lc="http://schemas.openxmlformats.org/drawingml/2006/lockedCanvas" xmlns:ma14="http://schemas.microsoft.com/office/mac/drawingml/2011/main" xmlns:wps="http://schemas.microsoft.com/office/word/2010/wordprocessingShape" xmlns:wne="http://schemas.microsoft.com/office/word/2006/wordml" xmlns:wpi="http://schemas.microsoft.com/office/word/2010/wordprocessingInk" xmlns:wpg="http://schemas.microsoft.com/office/word/2010/wordprocessingGroup" xmlns:w14="http://schemas.microsoft.com/office/word/2010/wordml" xmlns:w="http://schemas.openxmlformats.org/wordprocessingml/2006/main" xmlns:w10="urn:schemas-microsoft-com:office:word" xmlns:wp="http://schemas.openxmlformats.org/drawingml/2006/wordprocessingDrawing" xmlns:wp14="http://schemas.microsoft.com/office/word/2010/wordprocessingDrawing" xmlns:v="urn:schemas-microsoft-com:vml" xmlns:m="http://schemas.openxmlformats.org/officeDocument/2006/math" xmlns:o="urn:schemas-microsoft-com:office:office" xmlns:mv="urn:schemas-microsoft-com:mac:vml" xmlns:mc="http://schemas.openxmlformats.org/markup-compatibility/2006" xmlns:mo="http://schemas.microsoft.com/office/mac/office/2008/main" xmlns:wpc="http://schemas.microsoft.com/office/word/2010/wordprocessingCanvas" xmlns=""/>
+                <ma14:wrappingTextBoxFlag xmlns="" xmlns:wpc="http://schemas.microsoft.com/office/word/2010/wordprocessingCanvas" xmlns:mo="http://schemas.microsoft.com/office/mac/office/2008/main" xmlns:mc="http://schemas.openxmlformats.org/markup-compatibility/2006" xmlns:mv="urn:schemas-microsoft-com:mac:vml" xmlns:o="urn:schemas-microsoft-com:office:office" xmlns:m="http://schemas.openxmlformats.org/officeDocument/2006/math" xmlns:v="urn:schemas-microsoft-com:vml" xmlns:wp14="http://schemas.microsoft.com/office/word/2010/wordprocessingDrawing" xmlns:wp="http://schemas.openxmlformats.org/drawingml/2006/wordprocessingDrawing" xmlns:w10="urn:schemas-microsoft-com:office:word" xmlns:w="http://schemas.openxmlformats.org/wordprocessingml/2006/main" xmlns:w14="http://schemas.microsoft.com/office/word/2010/wordml" xmlns:wpg="http://schemas.microsoft.com/office/word/2010/wordprocessingGroup" xmlns:wpi="http://schemas.microsoft.com/office/word/2010/wordprocessingInk" xmlns:wne="http://schemas.microsoft.com/office/word/2006/wordml" xmlns:wps="http://schemas.microsoft.com/office/word/2010/wordprocessingShape" xmlns:ma14="http://schemas.microsoft.com/office/mac/drawingml/2011/main" xmlns:lc="http://schemas.openxmlformats.org/drawingml/2006/lockedCanvas"/>
               </a:ext>
             </a:extLst>
           </p:spPr>
@@ -31025,7 +31033,7 @@
             <a:effectLst/>
             <a:extLst>
               <a:ext uri="{C572A759-6A51-4108-AA02-DFA0A04FC94B}">
-                <ma14:wrappingTextBoxFlag xmlns:lc="http://schemas.openxmlformats.org/drawingml/2006/lockedCanvas" xmlns:ma14="http://schemas.microsoft.com/office/mac/drawingml/2011/main" xmlns:wps="http://schemas.microsoft.com/office/word/2010/wordprocessingShape" xmlns:wne="http://schemas.microsoft.com/office/word/2006/wordml" xmlns:wpi="http://schemas.microsoft.com/office/word/2010/wordprocessingInk" xmlns:wpg="http://schemas.microsoft.com/office/word/2010/wordprocessingGroup" xmlns:w14="http://schemas.microsoft.com/office/word/2010/wordml" xmlns:w="http://schemas.openxmlformats.org/wordprocessingml/2006/main" xmlns:w10="urn:schemas-microsoft-com:office:word" xmlns:wp="http://schemas.openxmlformats.org/drawingml/2006/wordprocessingDrawing" xmlns:wp14="http://schemas.microsoft.com/office/word/2010/wordprocessingDrawing" xmlns:v="urn:schemas-microsoft-com:vml" xmlns:m="http://schemas.openxmlformats.org/officeDocument/2006/math" xmlns:o="urn:schemas-microsoft-com:office:office" xmlns:mv="urn:schemas-microsoft-com:mac:vml" xmlns:mc="http://schemas.openxmlformats.org/markup-compatibility/2006" xmlns:mo="http://schemas.microsoft.com/office/mac/office/2008/main" xmlns:wpc="http://schemas.microsoft.com/office/word/2010/wordprocessingCanvas" xmlns=""/>
+                <ma14:wrappingTextBoxFlag xmlns="" xmlns:wpc="http://schemas.microsoft.com/office/word/2010/wordprocessingCanvas" xmlns:mo="http://schemas.microsoft.com/office/mac/office/2008/main" xmlns:mc="http://schemas.openxmlformats.org/markup-compatibility/2006" xmlns:mv="urn:schemas-microsoft-com:mac:vml" xmlns:o="urn:schemas-microsoft-com:office:office" xmlns:m="http://schemas.openxmlformats.org/officeDocument/2006/math" xmlns:v="urn:schemas-microsoft-com:vml" xmlns:wp14="http://schemas.microsoft.com/office/word/2010/wordprocessingDrawing" xmlns:wp="http://schemas.openxmlformats.org/drawingml/2006/wordprocessingDrawing" xmlns:w10="urn:schemas-microsoft-com:office:word" xmlns:w="http://schemas.openxmlformats.org/wordprocessingml/2006/main" xmlns:w14="http://schemas.microsoft.com/office/word/2010/wordml" xmlns:wpg="http://schemas.microsoft.com/office/word/2010/wordprocessingGroup" xmlns:wpi="http://schemas.microsoft.com/office/word/2010/wordprocessingInk" xmlns:wne="http://schemas.microsoft.com/office/word/2006/wordml" xmlns:wps="http://schemas.microsoft.com/office/word/2010/wordprocessingShape" xmlns:ma14="http://schemas.microsoft.com/office/mac/drawingml/2011/main" xmlns:lc="http://schemas.openxmlformats.org/drawingml/2006/lockedCanvas"/>
               </a:ext>
             </a:extLst>
           </p:spPr>

--- a/curriculum/Unit6/Unit6.pptx
+++ b/curriculum/Unit6/Unit6.pptx
@@ -5,7 +5,7 @@
     <p:sldMasterId id="2147483648" r:id="rId4"/>
   </p:sldMasterIdLst>
   <p:notesMasterIdLst>
-    <p:notesMasterId r:id="rId99"/>
+    <p:notesMasterId r:id="rId98"/>
   </p:notesMasterIdLst>
   <p:sldIdLst>
     <p:sldId id="256" r:id="rId5"/>
@@ -57,51 +57,50 @@
     <p:sldId id="308" r:id="rId51"/>
     <p:sldId id="309" r:id="rId52"/>
     <p:sldId id="369" r:id="rId53"/>
-    <p:sldId id="310" r:id="rId54"/>
-    <p:sldId id="311" r:id="rId55"/>
-    <p:sldId id="312" r:id="rId56"/>
-    <p:sldId id="313" r:id="rId57"/>
-    <p:sldId id="314" r:id="rId58"/>
-    <p:sldId id="315" r:id="rId59"/>
-    <p:sldId id="316" r:id="rId60"/>
-    <p:sldId id="317" r:id="rId61"/>
-    <p:sldId id="318" r:id="rId62"/>
-    <p:sldId id="319" r:id="rId63"/>
-    <p:sldId id="320" r:id="rId64"/>
-    <p:sldId id="321" r:id="rId65"/>
-    <p:sldId id="322" r:id="rId66"/>
-    <p:sldId id="323" r:id="rId67"/>
-    <p:sldId id="324" r:id="rId68"/>
-    <p:sldId id="325" r:id="rId69"/>
-    <p:sldId id="326" r:id="rId70"/>
-    <p:sldId id="327" r:id="rId71"/>
-    <p:sldId id="328" r:id="rId72"/>
-    <p:sldId id="329" r:id="rId73"/>
-    <p:sldId id="330" r:id="rId74"/>
-    <p:sldId id="331" r:id="rId75"/>
-    <p:sldId id="332" r:id="rId76"/>
-    <p:sldId id="370" r:id="rId77"/>
-    <p:sldId id="333" r:id="rId78"/>
-    <p:sldId id="334" r:id="rId79"/>
-    <p:sldId id="335" r:id="rId80"/>
-    <p:sldId id="336" r:id="rId81"/>
-    <p:sldId id="337" r:id="rId82"/>
-    <p:sldId id="338" r:id="rId83"/>
-    <p:sldId id="339" r:id="rId84"/>
-    <p:sldId id="340" r:id="rId85"/>
-    <p:sldId id="341" r:id="rId86"/>
-    <p:sldId id="342" r:id="rId87"/>
-    <p:sldId id="343" r:id="rId88"/>
-    <p:sldId id="344" r:id="rId89"/>
-    <p:sldId id="345" r:id="rId90"/>
-    <p:sldId id="346" r:id="rId91"/>
-    <p:sldId id="347" r:id="rId92"/>
-    <p:sldId id="348" r:id="rId93"/>
-    <p:sldId id="349" r:id="rId94"/>
-    <p:sldId id="350" r:id="rId95"/>
-    <p:sldId id="351" r:id="rId96"/>
-    <p:sldId id="352" r:id="rId97"/>
-    <p:sldId id="353" r:id="rId98"/>
+    <p:sldId id="311" r:id="rId54"/>
+    <p:sldId id="312" r:id="rId55"/>
+    <p:sldId id="313" r:id="rId56"/>
+    <p:sldId id="314" r:id="rId57"/>
+    <p:sldId id="315" r:id="rId58"/>
+    <p:sldId id="316" r:id="rId59"/>
+    <p:sldId id="317" r:id="rId60"/>
+    <p:sldId id="318" r:id="rId61"/>
+    <p:sldId id="319" r:id="rId62"/>
+    <p:sldId id="320" r:id="rId63"/>
+    <p:sldId id="321" r:id="rId64"/>
+    <p:sldId id="322" r:id="rId65"/>
+    <p:sldId id="323" r:id="rId66"/>
+    <p:sldId id="324" r:id="rId67"/>
+    <p:sldId id="325" r:id="rId68"/>
+    <p:sldId id="326" r:id="rId69"/>
+    <p:sldId id="327" r:id="rId70"/>
+    <p:sldId id="328" r:id="rId71"/>
+    <p:sldId id="329" r:id="rId72"/>
+    <p:sldId id="330" r:id="rId73"/>
+    <p:sldId id="331" r:id="rId74"/>
+    <p:sldId id="332" r:id="rId75"/>
+    <p:sldId id="370" r:id="rId76"/>
+    <p:sldId id="333" r:id="rId77"/>
+    <p:sldId id="334" r:id="rId78"/>
+    <p:sldId id="335" r:id="rId79"/>
+    <p:sldId id="336" r:id="rId80"/>
+    <p:sldId id="337" r:id="rId81"/>
+    <p:sldId id="338" r:id="rId82"/>
+    <p:sldId id="339" r:id="rId83"/>
+    <p:sldId id="340" r:id="rId84"/>
+    <p:sldId id="341" r:id="rId85"/>
+    <p:sldId id="342" r:id="rId86"/>
+    <p:sldId id="343" r:id="rId87"/>
+    <p:sldId id="344" r:id="rId88"/>
+    <p:sldId id="345" r:id="rId89"/>
+    <p:sldId id="346" r:id="rId90"/>
+    <p:sldId id="347" r:id="rId91"/>
+    <p:sldId id="348" r:id="rId92"/>
+    <p:sldId id="349" r:id="rId93"/>
+    <p:sldId id="350" r:id="rId94"/>
+    <p:sldId id="351" r:id="rId95"/>
+    <p:sldId id="352" r:id="rId96"/>
+    <p:sldId id="353" r:id="rId97"/>
   </p:sldIdLst>
   <p:sldSz cx="12192000" cy="6858000"/>
   <p:notesSz cx="6858000" cy="9144000"/>
@@ -15705,7 +15704,7 @@
           <a:p>
             <a:fld id="{208B30BF-BE3F-47C2-B7B3-E8CB680F2AA1}" type="datetimeFigureOut">
               <a:rPr lang="en-US" smtClean="0"/>
-              <a:t>1/17/2020</a:t>
+              <a:t>2/18/2020</a:t>
             </a:fld>
             <a:endParaRPr lang="en-US"/>
           </a:p>
@@ -16121,7 +16120,7 @@
           <a:p>
             <a:fld id="{A7ECB63E-8074-41A1-9CD7-8EC3ED69F85F}" type="slidenum">
               <a:rPr lang="en-US" smtClean="0"/>
-              <a:t>63</a:t>
+              <a:t>62</a:t>
             </a:fld>
             <a:endParaRPr lang="en-US"/>
           </a:p>
@@ -16374,7 +16373,7 @@
           <a:p>
             <a:fld id="{C56969A0-B3EA-45A4-A390-44554200A62E}" type="slidenum">
               <a:rPr lang="en-US" smtClean="0"/>
-              <a:t>64</a:t>
+              <a:t>63</a:t>
             </a:fld>
             <a:endParaRPr lang="en-US"/>
           </a:p>
@@ -16458,7 +16457,7 @@
           <a:p>
             <a:fld id="{C56969A0-B3EA-45A4-A390-44554200A62E}" type="slidenum">
               <a:rPr lang="en-US" smtClean="0"/>
-              <a:t>67</a:t>
+              <a:t>66</a:t>
             </a:fld>
             <a:endParaRPr lang="en-US"/>
           </a:p>
@@ -16542,7 +16541,7 @@
           <a:p>
             <a:fld id="{C56969A0-B3EA-45A4-A390-44554200A62E}" type="slidenum">
               <a:rPr lang="en-US" smtClean="0"/>
-              <a:t>76</a:t>
+              <a:t>75</a:t>
             </a:fld>
             <a:endParaRPr lang="en-US"/>
           </a:p>
@@ -16626,7 +16625,7 @@
           <a:p>
             <a:fld id="{C56969A0-B3EA-45A4-A390-44554200A62E}" type="slidenum">
               <a:rPr lang="en-US" smtClean="0"/>
-              <a:t>84</a:t>
+              <a:t>83</a:t>
             </a:fld>
             <a:endParaRPr lang="en-US"/>
           </a:p>
@@ -16722,7 +16721,7 @@
           <a:p>
             <a:fld id="{C56969A0-B3EA-45A4-A390-44554200A62E}" type="slidenum">
               <a:rPr lang="en-US" smtClean="0"/>
-              <a:t>86</a:t>
+              <a:t>85</a:t>
             </a:fld>
             <a:endParaRPr lang="en-US"/>
           </a:p>
@@ -16806,7 +16805,7 @@
           <a:p>
             <a:fld id="{C56969A0-B3EA-45A4-A390-44554200A62E}" type="slidenum">
               <a:rPr lang="en-US" smtClean="0"/>
-              <a:t>90</a:t>
+              <a:t>89</a:t>
             </a:fld>
             <a:endParaRPr lang="en-US"/>
           </a:p>
@@ -17348,7 +17347,7 @@
           <a:p>
             <a:fld id="{C56969A0-B3EA-45A4-A390-44554200A62E}" type="slidenum">
               <a:rPr lang="en-US" smtClean="0"/>
-              <a:t>53</a:t>
+              <a:t>52</a:t>
             </a:fld>
             <a:endParaRPr lang="en-US"/>
           </a:p>
@@ -17435,7 +17434,7 @@
           <a:p>
             <a:fld id="{C56969A0-B3EA-45A4-A390-44554200A62E}" type="slidenum">
               <a:rPr lang="en-US" smtClean="0"/>
-              <a:t>58</a:t>
+              <a:t>57</a:t>
             </a:fld>
             <a:endParaRPr lang="en-US"/>
           </a:p>
@@ -17519,7 +17518,7 @@
           <a:p>
             <a:fld id="{A7ECB63E-8074-41A1-9CD7-8EC3ED69F85F}" type="slidenum">
               <a:rPr lang="en-US" smtClean="0"/>
-              <a:t>60</a:t>
+              <a:t>59</a:t>
             </a:fld>
             <a:endParaRPr lang="en-US"/>
           </a:p>
@@ -17667,7 +17666,7 @@
           <a:p>
             <a:fld id="{5D2A64DF-0753-4272-8809-7B17C6953B30}" type="datetimeFigureOut">
               <a:rPr lang="en-US" smtClean="0"/>
-              <a:t>1/17/2020</a:t>
+              <a:t>2/18/2020</a:t>
             </a:fld>
             <a:endParaRPr lang="en-US"/>
           </a:p>
@@ -17835,7 +17834,7 @@
           <a:p>
             <a:fld id="{5D2A64DF-0753-4272-8809-7B17C6953B30}" type="datetimeFigureOut">
               <a:rPr lang="en-US" smtClean="0"/>
-              <a:t>1/17/2020</a:t>
+              <a:t>2/18/2020</a:t>
             </a:fld>
             <a:endParaRPr lang="en-US"/>
           </a:p>
@@ -18013,7 +18012,7 @@
           <a:p>
             <a:fld id="{5D2A64DF-0753-4272-8809-7B17C6953B30}" type="datetimeFigureOut">
               <a:rPr lang="en-US" smtClean="0"/>
-              <a:t>1/17/2020</a:t>
+              <a:t>2/18/2020</a:t>
             </a:fld>
             <a:endParaRPr lang="en-US"/>
           </a:p>
@@ -18181,7 +18180,7 @@
           <a:p>
             <a:fld id="{5D2A64DF-0753-4272-8809-7B17C6953B30}" type="datetimeFigureOut">
               <a:rPr lang="en-US" smtClean="0"/>
-              <a:t>1/17/2020</a:t>
+              <a:t>2/18/2020</a:t>
             </a:fld>
             <a:endParaRPr lang="en-US"/>
           </a:p>
@@ -18426,7 +18425,7 @@
           <a:p>
             <a:fld id="{5D2A64DF-0753-4272-8809-7B17C6953B30}" type="datetimeFigureOut">
               <a:rPr lang="en-US" smtClean="0"/>
-              <a:t>1/17/2020</a:t>
+              <a:t>2/18/2020</a:t>
             </a:fld>
             <a:endParaRPr lang="en-US"/>
           </a:p>
@@ -18655,7 +18654,7 @@
           <a:p>
             <a:fld id="{5D2A64DF-0753-4272-8809-7B17C6953B30}" type="datetimeFigureOut">
               <a:rPr lang="en-US" smtClean="0"/>
-              <a:t>1/17/2020</a:t>
+              <a:t>2/18/2020</a:t>
             </a:fld>
             <a:endParaRPr lang="en-US"/>
           </a:p>
@@ -19019,7 +19018,7 @@
           <a:p>
             <a:fld id="{5D2A64DF-0753-4272-8809-7B17C6953B30}" type="datetimeFigureOut">
               <a:rPr lang="en-US" smtClean="0"/>
-              <a:t>1/17/2020</a:t>
+              <a:t>2/18/2020</a:t>
             </a:fld>
             <a:endParaRPr lang="en-US"/>
           </a:p>
@@ -19136,7 +19135,7 @@
           <a:p>
             <a:fld id="{5D2A64DF-0753-4272-8809-7B17C6953B30}" type="datetimeFigureOut">
               <a:rPr lang="en-US" smtClean="0"/>
-              <a:t>1/17/2020</a:t>
+              <a:t>2/18/2020</a:t>
             </a:fld>
             <a:endParaRPr lang="en-US"/>
           </a:p>
@@ -19231,7 +19230,7 @@
           <a:p>
             <a:fld id="{5D2A64DF-0753-4272-8809-7B17C6953B30}" type="datetimeFigureOut">
               <a:rPr lang="en-US" smtClean="0"/>
-              <a:t>1/17/2020</a:t>
+              <a:t>2/18/2020</a:t>
             </a:fld>
             <a:endParaRPr lang="en-US"/>
           </a:p>
@@ -19506,7 +19505,7 @@
           <a:p>
             <a:fld id="{5D2A64DF-0753-4272-8809-7B17C6953B30}" type="datetimeFigureOut">
               <a:rPr lang="en-US" smtClean="0"/>
-              <a:t>1/17/2020</a:t>
+              <a:t>2/18/2020</a:t>
             </a:fld>
             <a:endParaRPr lang="en-US"/>
           </a:p>
@@ -19758,7 +19757,7 @@
           <a:p>
             <a:fld id="{5D2A64DF-0753-4272-8809-7B17C6953B30}" type="datetimeFigureOut">
               <a:rPr lang="en-US" smtClean="0"/>
-              <a:t>1/17/2020</a:t>
+              <a:t>2/18/2020</a:t>
             </a:fld>
             <a:endParaRPr lang="en-US"/>
           </a:p>
@@ -19969,7 +19968,7 @@
           <a:p>
             <a:fld id="{5D2A64DF-0753-4272-8809-7B17C6953B30}" type="datetimeFigureOut">
               <a:rPr lang="en-US" smtClean="0"/>
-              <a:t>1/17/2020</a:t>
+              <a:t>2/18/2020</a:t>
             </a:fld>
             <a:endParaRPr lang="en-US"/>
           </a:p>
@@ -25394,123 +25393,30 @@
             <p:ph type="title"/>
           </p:nvPr>
         </p:nvSpPr>
-        <p:spPr/>
+        <p:spPr>
+          <a:xfrm>
+            <a:off x="838200" y="2769347"/>
+            <a:ext cx="10515600" cy="1157288"/>
+          </a:xfrm>
+        </p:spPr>
         <p:txBody>
-          <a:bodyPr/>
+          <a:bodyPr>
+            <a:normAutofit/>
+          </a:bodyPr>
           <a:lstStyle/>
           <a:p>
-            <a:r>
-              <a:rPr lang="en-US" dirty="0"/>
-              <a:t>Practice-It</a:t>
-            </a:r>
-          </a:p>
-        </p:txBody>
-      </p:sp>
-      <p:sp>
-        <p:nvSpPr>
-          <p:cNvPr id="3" name="Content Placeholder 2"/>
-          <p:cNvSpPr>
-            <a:spLocks noGrp="1"/>
-          </p:cNvSpPr>
-          <p:nvPr>
-            <p:ph idx="1"/>
-          </p:nvPr>
-        </p:nvSpPr>
-        <p:spPr/>
-        <p:txBody>
-          <a:bodyPr/>
-          <a:lstStyle/>
-          <a:p>
-            <a:pPr marL="0" indent="0">
-              <a:buNone/>
-            </a:pPr>
-            <a:endParaRPr lang="en-US" dirty="0">
-              <a:latin typeface="Courier New" panose="02070309020205020404" pitchFamily="49" charset="0"/>
-              <a:cs typeface="Courier New" panose="02070309020205020404" pitchFamily="49" charset="0"/>
-            </a:endParaRPr>
-          </a:p>
-          <a:p>
-            <a:pPr marL="0" indent="0">
-              <a:buNone/>
-            </a:pPr>
-            <a:r>
-              <a:rPr lang="en-US" dirty="0" err="1">
-                <a:latin typeface="Courier New" panose="02070309020205020404" pitchFamily="49" charset="0"/>
-                <a:cs typeface="Courier New" panose="02070309020205020404" pitchFamily="49" charset="0"/>
-              </a:rPr>
-              <a:t>subclassSyntax</a:t>
-            </a:r>
-            <a:endParaRPr lang="en-US" dirty="0">
-              <a:latin typeface="Courier New" panose="02070309020205020404" pitchFamily="49" charset="0"/>
-              <a:cs typeface="Courier New" panose="02070309020205020404" pitchFamily="49" charset="0"/>
-            </a:endParaRPr>
-          </a:p>
-          <a:p>
-            <a:pPr marL="0" indent="0">
-              <a:buNone/>
-            </a:pPr>
-            <a:r>
-              <a:rPr lang="en-US" dirty="0" err="1">
-                <a:latin typeface="Courier New" panose="02070309020205020404" pitchFamily="49" charset="0"/>
-                <a:cs typeface="Courier New" panose="02070309020205020404" pitchFamily="49" charset="0"/>
-              </a:rPr>
-              <a:t>inheritanceVariableSyntax</a:t>
-            </a:r>
-            <a:endParaRPr lang="en-US" dirty="0">
-              <a:latin typeface="Courier New" panose="02070309020205020404" pitchFamily="49" charset="0"/>
-              <a:cs typeface="Courier New" panose="02070309020205020404" pitchFamily="49" charset="0"/>
-            </a:endParaRPr>
-          </a:p>
-          <a:p>
-            <a:pPr marL="0" indent="0">
-              <a:buNone/>
-            </a:pPr>
-            <a:r>
-              <a:rPr lang="en-US" dirty="0" err="1">
-                <a:latin typeface="Courier New" panose="02070309020205020404" pitchFamily="49" charset="0"/>
-                <a:cs typeface="Courier New" panose="02070309020205020404" pitchFamily="49" charset="0"/>
-              </a:rPr>
-              <a:t>CarTruck</a:t>
-            </a:r>
-            <a:endParaRPr lang="en-US" dirty="0">
-              <a:latin typeface="Courier New" panose="02070309020205020404" pitchFamily="49" charset="0"/>
-              <a:cs typeface="Courier New" panose="02070309020205020404" pitchFamily="49" charset="0"/>
-            </a:endParaRPr>
-          </a:p>
-          <a:p>
-            <a:pPr marL="0" indent="0">
-              <a:buNone/>
-            </a:pPr>
-            <a:r>
-              <a:rPr lang="en-US" dirty="0">
-                <a:latin typeface="Courier New" panose="02070309020205020404" pitchFamily="49" charset="0"/>
-                <a:cs typeface="Courier New" panose="02070309020205020404" pitchFamily="49" charset="0"/>
-              </a:rPr>
-              <a:t>CarTruck2</a:t>
-            </a:r>
-          </a:p>
-          <a:p>
-            <a:pPr marL="0" indent="0">
-              <a:buNone/>
-            </a:pPr>
-            <a:r>
-              <a:rPr lang="en-US" dirty="0" err="1">
-                <a:latin typeface="Courier New" panose="02070309020205020404" pitchFamily="49" charset="0"/>
-                <a:cs typeface="Courier New" panose="02070309020205020404" pitchFamily="49" charset="0"/>
-              </a:rPr>
-              <a:t>MonsterTruck</a:t>
-            </a:r>
-            <a:endParaRPr lang="en-US" dirty="0">
-              <a:latin typeface="Courier New" panose="02070309020205020404" pitchFamily="49" charset="0"/>
-              <a:cs typeface="Courier New" panose="02070309020205020404" pitchFamily="49" charset="0"/>
-            </a:endParaRPr>
+            <a:pPr algn="ctr"/>
+            <a:r>
+              <a:rPr lang="en-US" sz="4800" dirty="0"/>
+              <a:t>Worksheet</a:t>
+            </a:r>
           </a:p>
         </p:txBody>
       </p:sp>
     </p:spTree>
     <p:extLst>
       <p:ext uri="{BB962C8B-B14F-4D97-AF65-F5344CB8AC3E}">
-        <p14:creationId xmlns:p14="http://schemas.microsoft.com/office/powerpoint/2010/main" val="2542628900"/>
+        <p14:creationId xmlns:p14="http://schemas.microsoft.com/office/powerpoint/2010/main" val="335546600"/>
       </p:ext>
     </p:extLst>
   </p:cSld>
@@ -25547,66 +25453,6 @@
             <p:ph type="title"/>
           </p:nvPr>
         </p:nvSpPr>
-        <p:spPr>
-          <a:xfrm>
-            <a:off x="838200" y="2769347"/>
-            <a:ext cx="10515600" cy="1157288"/>
-          </a:xfrm>
-        </p:spPr>
-        <p:txBody>
-          <a:bodyPr>
-            <a:normAutofit/>
-          </a:bodyPr>
-          <a:lstStyle/>
-          <a:p>
-            <a:pPr algn="ctr"/>
-            <a:r>
-              <a:rPr lang="en-US" sz="4800" dirty="0"/>
-              <a:t>Worksheet</a:t>
-            </a:r>
-          </a:p>
-        </p:txBody>
-      </p:sp>
-    </p:spTree>
-    <p:extLst>
-      <p:ext uri="{BB962C8B-B14F-4D97-AF65-F5344CB8AC3E}">
-        <p14:creationId xmlns:p14="http://schemas.microsoft.com/office/powerpoint/2010/main" val="335546600"/>
-      </p:ext>
-    </p:extLst>
-  </p:cSld>
-  <p:clrMapOvr>
-    <a:masterClrMapping/>
-  </p:clrMapOvr>
-</p:sld>
-</file>
-
-<file path=ppt/slides/slide52.xml><?xml version="1.0" encoding="utf-8"?>
-<p:sld xmlns:a="http://schemas.openxmlformats.org/drawingml/2006/main" xmlns:r="http://schemas.openxmlformats.org/officeDocument/2006/relationships" xmlns:p="http://schemas.openxmlformats.org/presentationml/2006/main">
-  <p:cSld>
-    <p:spTree>
-      <p:nvGrpSpPr>
-        <p:cNvPr id="1" name=""/>
-        <p:cNvGrpSpPr/>
-        <p:nvPr/>
-      </p:nvGrpSpPr>
-      <p:grpSpPr>
-        <a:xfrm>
-          <a:off x="0" y="0"/>
-          <a:ext cx="0" cy="0"/>
-          <a:chOff x="0" y="0"/>
-          <a:chExt cx="0" cy="0"/>
-        </a:xfrm>
-      </p:grpSpPr>
-      <p:sp>
-        <p:nvSpPr>
-          <p:cNvPr id="2" name="Title 1"/>
-          <p:cNvSpPr>
-            <a:spLocks noGrp="1"/>
-          </p:cNvSpPr>
-          <p:nvPr>
-            <p:ph type="title"/>
-          </p:nvPr>
-        </p:nvSpPr>
         <p:spPr/>
         <p:txBody>
           <a:bodyPr>
@@ -25665,7 +25511,7 @@
 </p:sld>
 </file>
 
-<file path=ppt/slides/slide53.xml><?xml version="1.0" encoding="utf-8"?>
+<file path=ppt/slides/slide52.xml><?xml version="1.0" encoding="utf-8"?>
 <p:sld xmlns:a="http://schemas.openxmlformats.org/drawingml/2006/main" xmlns:r="http://schemas.openxmlformats.org/officeDocument/2006/relationships" xmlns:p="http://schemas.openxmlformats.org/presentationml/2006/main">
   <p:cSld>
     <p:spTree>
@@ -25744,6 +25590,122 @@
     <p:extLst>
       <p:ext uri="{BB962C8B-B14F-4D97-AF65-F5344CB8AC3E}">
         <p14:creationId xmlns:p14="http://schemas.microsoft.com/office/powerpoint/2010/main" val="2044580090"/>
+      </p:ext>
+    </p:extLst>
+  </p:cSld>
+  <p:clrMapOvr>
+    <a:masterClrMapping/>
+  </p:clrMapOvr>
+</p:sld>
+</file>
+
+<file path=ppt/slides/slide53.xml><?xml version="1.0" encoding="utf-8"?>
+<p:sld xmlns:a="http://schemas.openxmlformats.org/drawingml/2006/main" xmlns:r="http://schemas.openxmlformats.org/officeDocument/2006/relationships" xmlns:p="http://schemas.openxmlformats.org/presentationml/2006/main">
+  <p:cSld>
+    <p:spTree>
+      <p:nvGrpSpPr>
+        <p:cNvPr id="1" name=""/>
+        <p:cNvGrpSpPr/>
+        <p:nvPr/>
+      </p:nvGrpSpPr>
+      <p:grpSpPr>
+        <a:xfrm>
+          <a:off x="0" y="0"/>
+          <a:ext cx="0" cy="0"/>
+          <a:chOff x="0" y="0"/>
+          <a:chExt cx="0" cy="0"/>
+        </a:xfrm>
+      </p:grpSpPr>
+      <p:sp>
+        <p:nvSpPr>
+          <p:cNvPr id="2" name="Title 1"/>
+          <p:cNvSpPr>
+            <a:spLocks noGrp="1"/>
+          </p:cNvSpPr>
+          <p:nvPr>
+            <p:ph type="title"/>
+          </p:nvPr>
+        </p:nvSpPr>
+        <p:spPr/>
+        <p:txBody>
+          <a:bodyPr/>
+          <a:lstStyle/>
+          <a:p>
+            <a:r>
+              <a:rPr lang="en-US" dirty="0"/>
+              <a:t>Review: subclass vs. superclass</a:t>
+            </a:r>
+          </a:p>
+        </p:txBody>
+      </p:sp>
+      <p:sp>
+        <p:nvSpPr>
+          <p:cNvPr id="3" name="Content Placeholder 2"/>
+          <p:cNvSpPr>
+            <a:spLocks noGrp="1"/>
+          </p:cNvSpPr>
+          <p:nvPr>
+            <p:ph idx="1"/>
+          </p:nvPr>
+        </p:nvSpPr>
+        <p:spPr/>
+        <p:txBody>
+          <a:bodyPr/>
+          <a:lstStyle/>
+          <a:p>
+            <a:pPr marL="0" indent="0">
+              <a:buNone/>
+            </a:pPr>
+            <a:r>
+              <a:rPr lang="en-US" dirty="0"/>
+              <a:t>subclass “extends” superclass</a:t>
+            </a:r>
+          </a:p>
+          <a:p>
+            <a:pPr marL="0" indent="0">
+              <a:buNone/>
+            </a:pPr>
+            <a:endParaRPr lang="en-US" dirty="0"/>
+          </a:p>
+          <a:p>
+            <a:pPr marL="0" indent="0">
+              <a:buNone/>
+            </a:pPr>
+            <a:r>
+              <a:rPr lang="en-US" dirty="0"/>
+              <a:t>superclass: 	More general, less capability</a:t>
+            </a:r>
+          </a:p>
+          <a:p>
+            <a:pPr marL="0" indent="0">
+              <a:buNone/>
+            </a:pPr>
+            <a:r>
+              <a:rPr lang="en-US" dirty="0"/>
+              <a:t>subclass: 	More specific, more capability</a:t>
+            </a:r>
+          </a:p>
+          <a:p>
+            <a:pPr marL="0" indent="0">
+              <a:buNone/>
+            </a:pPr>
+            <a:endParaRPr lang="en-US" dirty="0"/>
+          </a:p>
+          <a:p>
+            <a:pPr marL="0" indent="0">
+              <a:buNone/>
+            </a:pPr>
+            <a:r>
+              <a:rPr lang="en-US" dirty="0"/>
+              <a:t>Think of a subclass as being “better” than a superclass.</a:t>
+            </a:r>
+          </a:p>
+        </p:txBody>
+      </p:sp>
+    </p:spTree>
+    <p:extLst>
+      <p:ext uri="{BB962C8B-B14F-4D97-AF65-F5344CB8AC3E}">
+        <p14:creationId xmlns:p14="http://schemas.microsoft.com/office/powerpoint/2010/main" val="3665013851"/>
       </p:ext>
     </p:extLst>
   </p:cSld>
@@ -25782,12 +25744,14 @@
         </p:nvSpPr>
         <p:spPr/>
         <p:txBody>
-          <a:bodyPr/>
+          <a:bodyPr>
+            <a:normAutofit/>
+          </a:bodyPr>
           <a:lstStyle/>
           <a:p>
             <a:r>
               <a:rPr lang="en-US" dirty="0"/>
-              <a:t>Review: subclass vs. superclass</a:t>
+              <a:t>Variables and Classes</a:t>
             </a:r>
           </a:p>
         </p:txBody>
@@ -25812,7 +25776,7 @@
             </a:pPr>
             <a:r>
               <a:rPr lang="en-US" dirty="0"/>
-              <a:t>subclass “extends” superclass</a:t>
+              <a:t>Variable can hold objects of its type or “better” (subclass is “better”!)</a:t>
             </a:r>
           </a:p>
           <a:p>
@@ -25827,16 +25791,7 @@
             </a:pPr>
             <a:r>
               <a:rPr lang="en-US" dirty="0"/>
-              <a:t>superclass: 	More general, less capability</a:t>
-            </a:r>
-          </a:p>
-          <a:p>
-            <a:pPr marL="0" indent="0">
-              <a:buNone/>
-            </a:pPr>
-            <a:r>
-              <a:rPr lang="en-US" dirty="0"/>
-              <a:t>subclass: 	More specific, more capability</a:t>
+              <a:t>Same goes for parameters and fields.</a:t>
             </a:r>
           </a:p>
           <a:p>
@@ -25851,7 +25806,74 @@
             </a:pPr>
             <a:r>
               <a:rPr lang="en-US" dirty="0"/>
-              <a:t>Think of a subclass as being “better” than a superclass.</a:t>
+              <a:t>If:	</a:t>
+            </a:r>
+            <a:r>
+              <a:rPr lang="en-US" dirty="0">
+                <a:latin typeface="Courier New" panose="02070309020205020404" pitchFamily="49" charset="0"/>
+                <a:cs typeface="Courier New" panose="02070309020205020404" pitchFamily="49" charset="0"/>
+              </a:rPr>
+              <a:t>public class Lion extends Animal { … }</a:t>
+            </a:r>
+          </a:p>
+          <a:p>
+            <a:pPr marL="0" indent="0">
+              <a:buNone/>
+            </a:pPr>
+            <a:r>
+              <a:rPr lang="en-US" dirty="0"/>
+              <a:t>Then:	</a:t>
+            </a:r>
+            <a:r>
+              <a:rPr lang="en-US" dirty="0">
+                <a:latin typeface="Courier New" panose="02070309020205020404" pitchFamily="49" charset="0"/>
+                <a:cs typeface="Courier New" panose="02070309020205020404" pitchFamily="49" charset="0"/>
+              </a:rPr>
+              <a:t>Animal </a:t>
+            </a:r>
+            <a:r>
+              <a:rPr lang="en-US" dirty="0" err="1">
+                <a:latin typeface="Courier New" panose="02070309020205020404" pitchFamily="49" charset="0"/>
+                <a:cs typeface="Courier New" panose="02070309020205020404" pitchFamily="49" charset="0"/>
+              </a:rPr>
+              <a:t>simba</a:t>
+            </a:r>
+            <a:r>
+              <a:rPr lang="en-US" dirty="0">
+                <a:latin typeface="Courier New" panose="02070309020205020404" pitchFamily="49" charset="0"/>
+                <a:cs typeface="Courier New" panose="02070309020205020404" pitchFamily="49" charset="0"/>
+              </a:rPr>
+              <a:t> = new Animal();</a:t>
+            </a:r>
+          </a:p>
+          <a:p>
+            <a:pPr marL="0" indent="0">
+              <a:buNone/>
+            </a:pPr>
+            <a:r>
+              <a:rPr lang="en-US" dirty="0"/>
+              <a:t>Or:	</a:t>
+            </a:r>
+            <a:r>
+              <a:rPr lang="en-US" dirty="0">
+                <a:latin typeface="Courier New" panose="02070309020205020404" pitchFamily="49" charset="0"/>
+                <a:cs typeface="Courier New" panose="02070309020205020404" pitchFamily="49" charset="0"/>
+              </a:rPr>
+              <a:t>Animal </a:t>
+            </a:r>
+            <a:r>
+              <a:rPr lang="en-US" dirty="0" err="1">
+                <a:latin typeface="Courier New" panose="02070309020205020404" pitchFamily="49" charset="0"/>
+                <a:cs typeface="Courier New" panose="02070309020205020404" pitchFamily="49" charset="0"/>
+              </a:rPr>
+              <a:t>simba</a:t>
+            </a:r>
+            <a:r>
+              <a:rPr lang="en-US" dirty="0">
+                <a:latin typeface="Courier New" panose="02070309020205020404" pitchFamily="49" charset="0"/>
+                <a:cs typeface="Courier New" panose="02070309020205020404" pitchFamily="49" charset="0"/>
+              </a:rPr>
+              <a:t> = new Lion();</a:t>
             </a:r>
           </a:p>
         </p:txBody>
@@ -25859,7 +25881,7 @@
     </p:spTree>
     <p:extLst>
       <p:ext uri="{BB962C8B-B14F-4D97-AF65-F5344CB8AC3E}">
-        <p14:creationId xmlns:p14="http://schemas.microsoft.com/office/powerpoint/2010/main" val="3665013851"/>
+        <p14:creationId xmlns:p14="http://schemas.microsoft.com/office/powerpoint/2010/main" val="4059656631"/>
       </p:ext>
     </p:extLst>
   </p:cSld>
@@ -25930,7 +25952,7 @@
             </a:pPr>
             <a:r>
               <a:rPr lang="en-US" dirty="0"/>
-              <a:t>Variable can hold objects of its type or “better” (subclass is “better”!)</a:t>
+              <a:t>The reverse is NOT true!</a:t>
             </a:r>
           </a:p>
           <a:p>
@@ -25943,10 +25965,7 @@
             <a:pPr marL="0" indent="0">
               <a:buNone/>
             </a:pPr>
-            <a:r>
-              <a:rPr lang="en-US" dirty="0"/>
-              <a:t>Same goes for parameters and fields.</a:t>
-            </a:r>
+            <a:endParaRPr lang="en-US" dirty="0"/>
           </a:p>
           <a:p>
             <a:pPr marL="0" indent="0">
@@ -25983,7 +26002,7 @@
                 <a:latin typeface="Courier New" panose="02070309020205020404" pitchFamily="49" charset="0"/>
                 <a:cs typeface="Courier New" panose="02070309020205020404" pitchFamily="49" charset="0"/>
               </a:rPr>
-              <a:t>Animal </a:t>
+              <a:t>Lion </a:t>
             </a:r>
             <a:r>
               <a:rPr lang="en-US" dirty="0" err="1">
@@ -25997,7 +26016,7 @@
                 <a:latin typeface="Courier New" panose="02070309020205020404" pitchFamily="49" charset="0"/>
                 <a:cs typeface="Courier New" panose="02070309020205020404" pitchFamily="49" charset="0"/>
               </a:rPr>
-              <a:t> = new Animal();</a:t>
+              <a:t> = new Lion();</a:t>
             </a:r>
           </a:p>
           <a:p>
@@ -26005,37 +26024,64 @@
               <a:buNone/>
             </a:pPr>
             <a:r>
-              <a:rPr lang="en-US" dirty="0"/>
-              <a:t>Or:	</a:t>
+              <a:rPr lang="en-US" strike="sngStrike" dirty="0">
+                <a:solidFill>
+                  <a:srgbClr val="FF0000"/>
+                </a:solidFill>
+              </a:rPr>
+              <a:t>NOT:	</a:t>
+            </a:r>
+            <a:r>
+              <a:rPr lang="en-US" strike="sngStrike" dirty="0">
+                <a:solidFill>
+                  <a:srgbClr val="FF0000"/>
+                </a:solidFill>
+                <a:latin typeface="Courier New" panose="02070309020205020404" pitchFamily="49" charset="0"/>
+                <a:cs typeface="Courier New" panose="02070309020205020404" pitchFamily="49" charset="0"/>
+              </a:rPr>
+              <a:t>Lion </a:t>
+            </a:r>
+            <a:r>
+              <a:rPr lang="en-US" strike="sngStrike" dirty="0" err="1">
+                <a:solidFill>
+                  <a:srgbClr val="FF0000"/>
+                </a:solidFill>
+                <a:latin typeface="Courier New" panose="02070309020205020404" pitchFamily="49" charset="0"/>
+                <a:cs typeface="Courier New" panose="02070309020205020404" pitchFamily="49" charset="0"/>
+              </a:rPr>
+              <a:t>simba</a:t>
+            </a:r>
+            <a:r>
+              <a:rPr lang="en-US" strike="sngStrike" dirty="0">
+                <a:solidFill>
+                  <a:srgbClr val="FF0000"/>
+                </a:solidFill>
+                <a:latin typeface="Courier New" panose="02070309020205020404" pitchFamily="49" charset="0"/>
+                <a:cs typeface="Courier New" panose="02070309020205020404" pitchFamily="49" charset="0"/>
+              </a:rPr>
+              <a:t> = new Animal();</a:t>
             </a:r>
             <a:r>
               <a:rPr lang="en-US" dirty="0">
                 <a:latin typeface="Courier New" panose="02070309020205020404" pitchFamily="49" charset="0"/>
                 <a:cs typeface="Courier New" panose="02070309020205020404" pitchFamily="49" charset="0"/>
               </a:rPr>
-              <a:t>Animal </a:t>
-            </a:r>
-            <a:r>
-              <a:rPr lang="en-US" dirty="0" err="1">
-                <a:latin typeface="Courier New" panose="02070309020205020404" pitchFamily="49" charset="0"/>
-                <a:cs typeface="Courier New" panose="02070309020205020404" pitchFamily="49" charset="0"/>
-              </a:rPr>
-              <a:t>simba</a:t>
-            </a:r>
-            <a:r>
-              <a:rPr lang="en-US" dirty="0">
-                <a:latin typeface="Courier New" panose="02070309020205020404" pitchFamily="49" charset="0"/>
-                <a:cs typeface="Courier New" panose="02070309020205020404" pitchFamily="49" charset="0"/>
-              </a:rPr>
-              <a:t> = new Lion();</a:t>
-            </a:r>
+              <a:t> (Lions &gt; Animals)</a:t>
+            </a:r>
+            <a:endParaRPr lang="en-US" strike="sngStrike" dirty="0">
+              <a:solidFill>
+                <a:srgbClr val="FF0000"/>
+              </a:solidFill>
+              <a:latin typeface="Courier New" panose="02070309020205020404" pitchFamily="49" charset="0"/>
+              <a:cs typeface="Courier New" panose="02070309020205020404" pitchFamily="49" charset="0"/>
+            </a:endParaRPr>
           </a:p>
         </p:txBody>
       </p:sp>
     </p:spTree>
     <p:extLst>
       <p:ext uri="{BB962C8B-B14F-4D97-AF65-F5344CB8AC3E}">
-        <p14:creationId xmlns:p14="http://schemas.microsoft.com/office/powerpoint/2010/main" val="4059656631"/>
+        <p14:creationId xmlns:p14="http://schemas.microsoft.com/office/powerpoint/2010/main" val="2523262568"/>
       </p:ext>
     </p:extLst>
   </p:cSld>
@@ -26074,14 +26120,12 @@
         </p:nvSpPr>
         <p:spPr/>
         <p:txBody>
-          <a:bodyPr>
-            <a:normAutofit/>
-          </a:bodyPr>
+          <a:bodyPr/>
           <a:lstStyle/>
           <a:p>
             <a:r>
               <a:rPr lang="en-US" dirty="0"/>
-              <a:t>Variables and Classes</a:t>
+              <a:t>Once again:</a:t>
             </a:r>
           </a:p>
         </p:txBody>
@@ -26106,7 +26150,7 @@
             </a:pPr>
             <a:r>
               <a:rPr lang="en-US" dirty="0"/>
-              <a:t>The reverse is NOT true!</a:t>
+              <a:t>IF a variable points to an objects…</a:t>
             </a:r>
           </a:p>
           <a:p>
@@ -26119,7 +26163,10 @@
             <a:pPr marL="0" indent="0">
               <a:buNone/>
             </a:pPr>
-            <a:endParaRPr lang="en-US" dirty="0"/>
+            <a:r>
+              <a:rPr lang="en-US" dirty="0"/>
+              <a:t>THEN the object must be of the same type as the variable or “better”</a:t>
+            </a:r>
           </a:p>
           <a:p>
             <a:pPr marL="0" indent="0">
@@ -26131,17 +26178,7 @@
             <a:pPr marL="0" indent="0">
               <a:buNone/>
             </a:pPr>
-            <a:r>
-              <a:rPr lang="en-US" dirty="0"/>
-              <a:t>If:	</a:t>
-            </a:r>
-            <a:r>
-              <a:rPr lang="en-US" dirty="0">
-                <a:latin typeface="Courier New" panose="02070309020205020404" pitchFamily="49" charset="0"/>
-                <a:cs typeface="Courier New" panose="02070309020205020404" pitchFamily="49" charset="0"/>
-              </a:rPr>
-              <a:t>public class Lion extends Animal { … }</a:t>
-            </a:r>
+            <a:endParaRPr lang="en-US" dirty="0"/>
           </a:p>
           <a:p>
             <a:pPr marL="0" indent="0">
@@ -26149,93 +26186,15 @@
             </a:pPr>
             <a:r>
               <a:rPr lang="en-US" dirty="0"/>
-              <a:t>Then:	</a:t>
-            </a:r>
-            <a:r>
-              <a:rPr lang="en-US" dirty="0">
-                <a:latin typeface="Courier New" panose="02070309020205020404" pitchFamily="49" charset="0"/>
-                <a:cs typeface="Courier New" panose="02070309020205020404" pitchFamily="49" charset="0"/>
-              </a:rPr>
-              <a:t>Lion </a:t>
-            </a:r>
-            <a:r>
-              <a:rPr lang="en-US" dirty="0" err="1">
-                <a:latin typeface="Courier New" panose="02070309020205020404" pitchFamily="49" charset="0"/>
-                <a:cs typeface="Courier New" panose="02070309020205020404" pitchFamily="49" charset="0"/>
-              </a:rPr>
-              <a:t>simba</a:t>
-            </a:r>
-            <a:r>
-              <a:rPr lang="en-US" dirty="0">
-                <a:latin typeface="Courier New" panose="02070309020205020404" pitchFamily="49" charset="0"/>
-                <a:cs typeface="Courier New" panose="02070309020205020404" pitchFamily="49" charset="0"/>
-              </a:rPr>
-              <a:t> = new Lion();</a:t>
-            </a:r>
-          </a:p>
-          <a:p>
-            <a:pPr marL="0" indent="0">
-              <a:buNone/>
-            </a:pPr>
-            <a:r>
-              <a:rPr lang="en-US" strike="sngStrike" dirty="0">
-                <a:solidFill>
-                  <a:srgbClr val="FF0000"/>
-                </a:solidFill>
-              </a:rPr>
-              <a:t>NOT:	</a:t>
-            </a:r>
-            <a:r>
-              <a:rPr lang="en-US" strike="sngStrike" dirty="0">
-                <a:solidFill>
-                  <a:srgbClr val="FF0000"/>
-                </a:solidFill>
-                <a:latin typeface="Courier New" panose="02070309020205020404" pitchFamily="49" charset="0"/>
-                <a:cs typeface="Courier New" panose="02070309020205020404" pitchFamily="49" charset="0"/>
-              </a:rPr>
-              <a:t>Lion </a:t>
-            </a:r>
-            <a:r>
-              <a:rPr lang="en-US" strike="sngStrike" dirty="0" err="1">
-                <a:solidFill>
-                  <a:srgbClr val="FF0000"/>
-                </a:solidFill>
-                <a:latin typeface="Courier New" panose="02070309020205020404" pitchFamily="49" charset="0"/>
-                <a:cs typeface="Courier New" panose="02070309020205020404" pitchFamily="49" charset="0"/>
-              </a:rPr>
-              <a:t>simba</a:t>
-            </a:r>
-            <a:r>
-              <a:rPr lang="en-US" strike="sngStrike" dirty="0">
-                <a:solidFill>
-                  <a:srgbClr val="FF0000"/>
-                </a:solidFill>
-                <a:latin typeface="Courier New" panose="02070309020205020404" pitchFamily="49" charset="0"/>
-                <a:cs typeface="Courier New" panose="02070309020205020404" pitchFamily="49" charset="0"/>
-              </a:rPr>
-              <a:t> = new Animal();</a:t>
-            </a:r>
-            <a:r>
-              <a:rPr lang="en-US" dirty="0">
-                <a:latin typeface="Courier New" panose="02070309020205020404" pitchFamily="49" charset="0"/>
-                <a:cs typeface="Courier New" panose="02070309020205020404" pitchFamily="49" charset="0"/>
-              </a:rPr>
-              <a:t> (Lions &gt; Animals)</a:t>
-            </a:r>
-            <a:endParaRPr lang="en-US" strike="sngStrike" dirty="0">
-              <a:solidFill>
-                <a:srgbClr val="FF0000"/>
-              </a:solidFill>
-              <a:latin typeface="Courier New" panose="02070309020205020404" pitchFamily="49" charset="0"/>
-              <a:cs typeface="Courier New" panose="02070309020205020404" pitchFamily="49" charset="0"/>
-            </a:endParaRPr>
+              <a:t>That means that the object can be a subtype of the variable type!</a:t>
+            </a:r>
           </a:p>
         </p:txBody>
       </p:sp>
     </p:spTree>
     <p:extLst>
       <p:ext uri="{BB962C8B-B14F-4D97-AF65-F5344CB8AC3E}">
-        <p14:creationId xmlns:p14="http://schemas.microsoft.com/office/powerpoint/2010/main" val="2523262568"/>
+        <p14:creationId xmlns:p14="http://schemas.microsoft.com/office/powerpoint/2010/main" val="1506096866"/>
       </p:ext>
     </p:extLst>
   </p:cSld>
@@ -26279,7 +26238,7 @@
           <a:p>
             <a:r>
               <a:rPr lang="en-US" dirty="0"/>
-              <a:t>Once again:</a:t>
+              <a:t>Polymorphism</a:t>
             </a:r>
           </a:p>
         </p:txBody>
@@ -26304,7 +26263,7 @@
             </a:pPr>
             <a:r>
               <a:rPr lang="en-US" dirty="0"/>
-              <a:t>IF a variable points to an objects…</a:t>
+              <a:t>The ability to use the same code with different types of objects and behave differently with each.</a:t>
             </a:r>
           </a:p>
           <a:p>
@@ -26318,8 +26277,25 @@
               <a:buNone/>
             </a:pPr>
             <a:r>
-              <a:rPr lang="en-US" dirty="0"/>
-              <a:t>THEN the object must be of the same type as the variable or “better”</a:t>
+              <a:rPr lang="en-US" dirty="0">
+                <a:latin typeface="Courier New" panose="02070309020205020404" pitchFamily="49" charset="0"/>
+                <a:cs typeface="Courier New" panose="02070309020205020404" pitchFamily="49" charset="0"/>
+              </a:rPr>
+              <a:t>Animal </a:t>
+            </a:r>
+            <a:r>
+              <a:rPr lang="en-US" dirty="0" err="1">
+                <a:latin typeface="Courier New" panose="02070309020205020404" pitchFamily="49" charset="0"/>
+                <a:cs typeface="Courier New" panose="02070309020205020404" pitchFamily="49" charset="0"/>
+              </a:rPr>
+              <a:t>simba</a:t>
+            </a:r>
+            <a:r>
+              <a:rPr lang="en-US" dirty="0">
+                <a:latin typeface="Courier New" panose="02070309020205020404" pitchFamily="49" charset="0"/>
+                <a:cs typeface="Courier New" panose="02070309020205020404" pitchFamily="49" charset="0"/>
+              </a:rPr>
+              <a:t> = new Lion();</a:t>
             </a:r>
           </a:p>
           <a:p>
@@ -26332,15 +26308,9 @@
             <a:pPr marL="0" indent="0">
               <a:buNone/>
             </a:pPr>
-            <a:endParaRPr lang="en-US" dirty="0"/>
-          </a:p>
-          <a:p>
-            <a:pPr marL="0" indent="0">
-              <a:buNone/>
-            </a:pPr>
             <a:r>
               <a:rPr lang="en-US" dirty="0"/>
-              <a:t>That means that the object can be a subtype of the variable type!</a:t>
+              <a:t>What behaviors does this object have?</a:t>
             </a:r>
           </a:p>
         </p:txBody>
@@ -26348,7 +26318,7 @@
     </p:spTree>
     <p:extLst>
       <p:ext uri="{BB962C8B-B14F-4D97-AF65-F5344CB8AC3E}">
-        <p14:creationId xmlns:p14="http://schemas.microsoft.com/office/powerpoint/2010/main" val="1506096866"/>
+        <p14:creationId xmlns:p14="http://schemas.microsoft.com/office/powerpoint/2010/main" val="1384254036"/>
       </p:ext>
     </p:extLst>
   </p:cSld>
@@ -26416,15 +26386,21 @@
               <a:buNone/>
             </a:pPr>
             <a:r>
-              <a:rPr lang="en-US" dirty="0"/>
-              <a:t>The ability to use the same code with different types of objects and behave differently with each.</a:t>
+              <a:rPr lang="en-US" dirty="0">
+                <a:latin typeface="Courier New" panose="02070309020205020404" pitchFamily="49" charset="0"/>
+                <a:cs typeface="Courier New" panose="02070309020205020404" pitchFamily="49" charset="0"/>
+              </a:rPr>
+              <a:t>public class Lion extends Animal { … }</a:t>
             </a:r>
           </a:p>
           <a:p>
             <a:pPr marL="0" indent="0">
               <a:buNone/>
             </a:pPr>
-            <a:endParaRPr lang="en-US" dirty="0"/>
+            <a:endParaRPr lang="en-US" dirty="0">
+              <a:latin typeface="Courier New" panose="02070309020205020404" pitchFamily="49" charset="0"/>
+              <a:cs typeface="Courier New" panose="02070309020205020404" pitchFamily="49" charset="0"/>
+            </a:endParaRPr>
           </a:p>
           <a:p>
             <a:pPr marL="0" indent="0">
@@ -26456,15 +26432,77 @@
             <a:pPr marL="0" indent="0">
               <a:buNone/>
             </a:pPr>
-            <a:endParaRPr lang="en-US" dirty="0"/>
+            <a:endParaRPr lang="en-US" dirty="0">
+              <a:latin typeface="Courier New" panose="02070309020205020404" pitchFamily="49" charset="0"/>
+              <a:cs typeface="Courier New" panose="02070309020205020404" pitchFamily="49" charset="0"/>
+            </a:endParaRPr>
           </a:p>
           <a:p>
             <a:pPr marL="0" indent="0">
               <a:buNone/>
             </a:pPr>
             <a:r>
-              <a:rPr lang="en-US" dirty="0"/>
-              <a:t>What behaviors does this object have?</a:t>
+              <a:rPr lang="en-US" dirty="0" err="1">
+                <a:latin typeface="Courier New" panose="02070309020205020404" pitchFamily="49" charset="0"/>
+                <a:cs typeface="Courier New" panose="02070309020205020404" pitchFamily="49" charset="0"/>
+              </a:rPr>
+              <a:t>System.out.prinln</a:t>
+            </a:r>
+            <a:r>
+              <a:rPr lang="en-US" dirty="0">
+                <a:latin typeface="Courier New" panose="02070309020205020404" pitchFamily="49" charset="0"/>
+                <a:cs typeface="Courier New" panose="02070309020205020404" pitchFamily="49" charset="0"/>
+              </a:rPr>
+              <a:t>(</a:t>
+            </a:r>
+            <a:r>
+              <a:rPr lang="en-US" dirty="0" err="1">
+                <a:latin typeface="Courier New" panose="02070309020205020404" pitchFamily="49" charset="0"/>
+                <a:cs typeface="Courier New" panose="02070309020205020404" pitchFamily="49" charset="0"/>
+              </a:rPr>
+              <a:t>simba.say</a:t>
+            </a:r>
+            <a:r>
+              <a:rPr lang="en-US" dirty="0">
+                <a:latin typeface="Courier New" panose="02070309020205020404" pitchFamily="49" charset="0"/>
+                <a:cs typeface="Courier New" panose="02070309020205020404" pitchFamily="49" charset="0"/>
+              </a:rPr>
+              <a:t>());</a:t>
+            </a:r>
+          </a:p>
+          <a:p>
+            <a:pPr marL="0" indent="0">
+              <a:buNone/>
+            </a:pPr>
+            <a:endParaRPr lang="en-US" dirty="0">
+              <a:latin typeface="Courier New" panose="02070309020205020404" pitchFamily="49" charset="0"/>
+              <a:cs typeface="Courier New" panose="02070309020205020404" pitchFamily="49" charset="0"/>
+            </a:endParaRPr>
+          </a:p>
+          <a:p>
+            <a:pPr marL="0" indent="0">
+              <a:buNone/>
+            </a:pPr>
+            <a:r>
+              <a:rPr lang="en-US" dirty="0">
+                <a:latin typeface="Courier New" panose="02070309020205020404" pitchFamily="49" charset="0"/>
+                <a:cs typeface="Courier New" panose="02070309020205020404" pitchFamily="49" charset="0"/>
+              </a:rPr>
+              <a:t>Output: “</a:t>
+            </a:r>
+            <a:r>
+              <a:rPr lang="en-US" dirty="0" err="1">
+                <a:latin typeface="Courier New" panose="02070309020205020404" pitchFamily="49" charset="0"/>
+                <a:cs typeface="Courier New" panose="02070309020205020404" pitchFamily="49" charset="0"/>
+              </a:rPr>
+              <a:t>Rawr</a:t>
+            </a:r>
+            <a:r>
+              <a:rPr lang="en-US" dirty="0">
+                <a:latin typeface="Courier New" panose="02070309020205020404" pitchFamily="49" charset="0"/>
+                <a:cs typeface="Courier New" panose="02070309020205020404" pitchFamily="49" charset="0"/>
+              </a:rPr>
+              <a:t>!!”</a:t>
             </a:r>
           </a:p>
         </p:txBody>
@@ -26472,7 +26510,7 @@
     </p:spTree>
     <p:extLst>
       <p:ext uri="{BB962C8B-B14F-4D97-AF65-F5344CB8AC3E}">
-        <p14:creationId xmlns:p14="http://schemas.microsoft.com/office/powerpoint/2010/main" val="1384254036"/>
+        <p14:creationId xmlns:p14="http://schemas.microsoft.com/office/powerpoint/2010/main" val="4052956799"/>
       </p:ext>
     </p:extLst>
   </p:cSld>
@@ -26516,7 +26554,7 @@
           <a:p>
             <a:r>
               <a:rPr lang="en-US" dirty="0"/>
-              <a:t>Polymorphism</a:t>
+              <a:t>The Exercise</a:t>
             </a:r>
           </a:p>
         </p:txBody>
@@ -26531,20 +26569,32 @@
             <p:ph idx="1"/>
           </p:nvPr>
         </p:nvSpPr>
-        <p:spPr/>
+        <p:spPr>
+          <a:xfrm>
+            <a:off x="838200" y="2057399"/>
+            <a:ext cx="10707168" cy="4119563"/>
+          </a:xfrm>
+        </p:spPr>
         <p:txBody>
-          <a:bodyPr/>
+          <a:bodyPr>
+            <a:normAutofit fontScale="70000" lnSpcReduction="20000"/>
+          </a:bodyPr>
           <a:lstStyle/>
           <a:p>
             <a:pPr marL="0" indent="0">
               <a:buNone/>
             </a:pPr>
             <a:r>
-              <a:rPr lang="en-US" dirty="0">
-                <a:latin typeface="Courier New" panose="02070309020205020404" pitchFamily="49" charset="0"/>
-                <a:cs typeface="Courier New" panose="02070309020205020404" pitchFamily="49" charset="0"/>
-              </a:rPr>
-              <a:t>public class Lion extends Animal { … }</a:t>
+              <a:rPr lang="en-US" sz="3400" dirty="0"/>
+              <a:t>Given the preceding classes, what would be the </a:t>
+            </a:r>
+            <a:r>
+              <a:rPr lang="en-US" sz="3400" b="1" dirty="0"/>
+              <a:t>output</a:t>
+            </a:r>
+            <a:r>
+              <a:rPr lang="en-US" sz="3400" dirty="0"/>
+              <a:t> of the following client code?</a:t>
             </a:r>
           </a:p>
           <a:p>
@@ -26561,25 +26611,98 @@
               <a:buNone/>
             </a:pPr>
             <a:r>
+              <a:rPr lang="en-US" dirty="0" err="1">
+                <a:latin typeface="Courier New" panose="02070309020205020404" pitchFamily="49" charset="0"/>
+                <a:cs typeface="Courier New" panose="02070309020205020404" pitchFamily="49" charset="0"/>
+              </a:rPr>
+              <a:t>MusicalInstrument</a:t>
+            </a:r>
+            <a:r>
               <a:rPr lang="en-US" dirty="0">
                 <a:latin typeface="Courier New" panose="02070309020205020404" pitchFamily="49" charset="0"/>
                 <a:cs typeface="Courier New" panose="02070309020205020404" pitchFamily="49" charset="0"/>
               </a:rPr>
-              <a:t>Animal </a:t>
+              <a:t>[] </a:t>
             </a:r>
             <a:r>
               <a:rPr lang="en-US" dirty="0" err="1">
                 <a:latin typeface="Courier New" panose="02070309020205020404" pitchFamily="49" charset="0"/>
                 <a:cs typeface="Courier New" panose="02070309020205020404" pitchFamily="49" charset="0"/>
               </a:rPr>
-              <a:t>simba</a:t>
+              <a:t>insts</a:t>
             </a:r>
             <a:r>
               <a:rPr lang="en-US" dirty="0">
                 <a:latin typeface="Courier New" panose="02070309020205020404" pitchFamily="49" charset="0"/>
                 <a:cs typeface="Courier New" panose="02070309020205020404" pitchFamily="49" charset="0"/>
               </a:rPr>
-              <a:t> = new Lion();</a:t>
+              <a:t> = {</a:t>
+            </a:r>
+          </a:p>
+          <a:p>
+            <a:pPr marL="0" indent="0">
+              <a:buNone/>
+            </a:pPr>
+            <a:r>
+              <a:rPr lang="en-US" dirty="0">
+                <a:latin typeface="Courier New" panose="02070309020205020404" pitchFamily="49" charset="0"/>
+                <a:cs typeface="Courier New" panose="02070309020205020404" pitchFamily="49" charset="0"/>
+              </a:rPr>
+              <a:t>	new </a:t>
+            </a:r>
+            <a:r>
+              <a:rPr lang="en-US" dirty="0" err="1">
+                <a:latin typeface="Courier New" panose="02070309020205020404" pitchFamily="49" charset="0"/>
+                <a:cs typeface="Courier New" panose="02070309020205020404" pitchFamily="49" charset="0"/>
+              </a:rPr>
+              <a:t>MusicalInstrument</a:t>
+            </a:r>
+            <a:r>
+              <a:rPr lang="en-US" dirty="0">
+                <a:latin typeface="Courier New" panose="02070309020205020404" pitchFamily="49" charset="0"/>
+                <a:cs typeface="Courier New" panose="02070309020205020404" pitchFamily="49" charset="0"/>
+              </a:rPr>
+              <a:t>(), new </a:t>
+            </a:r>
+            <a:r>
+              <a:rPr lang="en-US" dirty="0" err="1">
+                <a:latin typeface="Courier New" panose="02070309020205020404" pitchFamily="49" charset="0"/>
+                <a:cs typeface="Courier New" panose="02070309020205020404" pitchFamily="49" charset="0"/>
+              </a:rPr>
+              <a:t>ElectricKeyboard</a:t>
+            </a:r>
+            <a:r>
+              <a:rPr lang="en-US" dirty="0">
+                <a:latin typeface="Courier New" panose="02070309020205020404" pitchFamily="49" charset="0"/>
+                <a:cs typeface="Courier New" panose="02070309020205020404" pitchFamily="49" charset="0"/>
+              </a:rPr>
+              <a:t>(),</a:t>
+            </a:r>
+          </a:p>
+          <a:p>
+            <a:pPr marL="0" indent="0">
+              <a:buNone/>
+            </a:pPr>
+            <a:r>
+              <a:rPr lang="en-US" dirty="0">
+                <a:latin typeface="Courier New" panose="02070309020205020404" pitchFamily="49" charset="0"/>
+                <a:cs typeface="Courier New" panose="02070309020205020404" pitchFamily="49" charset="0"/>
+              </a:rPr>
+              <a:t> 	new Guitar(), new </a:t>
+            </a:r>
+            <a:r>
+              <a:rPr lang="en-US" dirty="0" err="1">
+                <a:latin typeface="Courier New" panose="02070309020205020404" pitchFamily="49" charset="0"/>
+                <a:cs typeface="Courier New" panose="02070309020205020404" pitchFamily="49" charset="0"/>
+              </a:rPr>
+              <a:t>ElectricGuitar</a:t>
+            </a:r>
+            <a:r>
+              <a:rPr lang="en-US" dirty="0">
+                <a:latin typeface="Courier New" panose="02070309020205020404" pitchFamily="49" charset="0"/>
+                <a:cs typeface="Courier New" panose="02070309020205020404" pitchFamily="49" charset="0"/>
+              </a:rPr>
+              <a:t>() };</a:t>
             </a:r>
           </a:p>
           <a:p>
@@ -26596,42 +26719,136 @@
               <a:buNone/>
             </a:pPr>
             <a:r>
+              <a:rPr lang="en-US" dirty="0">
+                <a:latin typeface="Courier New" panose="02070309020205020404" pitchFamily="49" charset="0"/>
+                <a:cs typeface="Courier New" panose="02070309020205020404" pitchFamily="49" charset="0"/>
+              </a:rPr>
+              <a:t>for (</a:t>
+            </a:r>
+            <a:r>
               <a:rPr lang="en-US" dirty="0" err="1">
                 <a:latin typeface="Courier New" panose="02070309020205020404" pitchFamily="49" charset="0"/>
                 <a:cs typeface="Courier New" panose="02070309020205020404" pitchFamily="49" charset="0"/>
               </a:rPr>
-              <a:t>System.out.prinln</a:t>
+              <a:t>int</a:t>
             </a:r>
             <a:r>
               <a:rPr lang="en-US" dirty="0">
                 <a:latin typeface="Courier New" panose="02070309020205020404" pitchFamily="49" charset="0"/>
                 <a:cs typeface="Courier New" panose="02070309020205020404" pitchFamily="49" charset="0"/>
               </a:rPr>
-              <a:t>(</a:t>
+              <a:t> </a:t>
             </a:r>
             <a:r>
               <a:rPr lang="en-US" dirty="0" err="1">
                 <a:latin typeface="Courier New" panose="02070309020205020404" pitchFamily="49" charset="0"/>
                 <a:cs typeface="Courier New" panose="02070309020205020404" pitchFamily="49" charset="0"/>
               </a:rPr>
-              <a:t>simba.say</a:t>
+              <a:t>i</a:t>
             </a:r>
             <a:r>
               <a:rPr lang="en-US" dirty="0">
                 <a:latin typeface="Courier New" panose="02070309020205020404" pitchFamily="49" charset="0"/>
                 <a:cs typeface="Courier New" panose="02070309020205020404" pitchFamily="49" charset="0"/>
               </a:rPr>
-              <a:t>());</a:t>
+              <a:t> = 0; </a:t>
+            </a:r>
+            <a:r>
+              <a:rPr lang="en-US" dirty="0" err="1">
+                <a:latin typeface="Courier New" panose="02070309020205020404" pitchFamily="49" charset="0"/>
+                <a:cs typeface="Courier New" panose="02070309020205020404" pitchFamily="49" charset="0"/>
+              </a:rPr>
+              <a:t>i</a:t>
+            </a:r>
+            <a:r>
+              <a:rPr lang="en-US" dirty="0">
+                <a:latin typeface="Courier New" panose="02070309020205020404" pitchFamily="49" charset="0"/>
+                <a:cs typeface="Courier New" panose="02070309020205020404" pitchFamily="49" charset="0"/>
+              </a:rPr>
+              <a:t> &lt; </a:t>
+            </a:r>
+            <a:r>
+              <a:rPr lang="en-US" dirty="0" err="1">
+                <a:latin typeface="Courier New" panose="02070309020205020404" pitchFamily="49" charset="0"/>
+                <a:cs typeface="Courier New" panose="02070309020205020404" pitchFamily="49" charset="0"/>
+              </a:rPr>
+              <a:t>insts.length</a:t>
+            </a:r>
+            <a:r>
+              <a:rPr lang="en-US" dirty="0">
+                <a:latin typeface="Courier New" panose="02070309020205020404" pitchFamily="49" charset="0"/>
+                <a:cs typeface="Courier New" panose="02070309020205020404" pitchFamily="49" charset="0"/>
+              </a:rPr>
+              <a:t>; </a:t>
+            </a:r>
+            <a:r>
+              <a:rPr lang="en-US" dirty="0" err="1">
+                <a:latin typeface="Courier New" panose="02070309020205020404" pitchFamily="49" charset="0"/>
+                <a:cs typeface="Courier New" panose="02070309020205020404" pitchFamily="49" charset="0"/>
+              </a:rPr>
+              <a:t>i</a:t>
+            </a:r>
+            <a:r>
+              <a:rPr lang="en-US" dirty="0">
+                <a:latin typeface="Courier New" panose="02070309020205020404" pitchFamily="49" charset="0"/>
+                <a:cs typeface="Courier New" panose="02070309020205020404" pitchFamily="49" charset="0"/>
+              </a:rPr>
+              <a:t>++) {</a:t>
             </a:r>
           </a:p>
           <a:p>
             <a:pPr marL="0" indent="0">
               <a:buNone/>
             </a:pPr>
-            <a:endParaRPr lang="en-US" dirty="0">
-              <a:latin typeface="Courier New" panose="02070309020205020404" pitchFamily="49" charset="0"/>
-              <a:cs typeface="Courier New" panose="02070309020205020404" pitchFamily="49" charset="0"/>
-            </a:endParaRPr>
+            <a:r>
+              <a:rPr lang="en-US" dirty="0">
+                <a:latin typeface="Courier New" panose="02070309020205020404" pitchFamily="49" charset="0"/>
+                <a:cs typeface="Courier New" panose="02070309020205020404" pitchFamily="49" charset="0"/>
+              </a:rPr>
+              <a:t>	</a:t>
+            </a:r>
+            <a:r>
+              <a:rPr lang="en-US" dirty="0" err="1">
+                <a:latin typeface="Courier New" panose="02070309020205020404" pitchFamily="49" charset="0"/>
+                <a:cs typeface="Courier New" panose="02070309020205020404" pitchFamily="49" charset="0"/>
+              </a:rPr>
+              <a:t>System.out.println</a:t>
+            </a:r>
+            <a:r>
+              <a:rPr lang="en-US" dirty="0">
+                <a:latin typeface="Courier New" panose="02070309020205020404" pitchFamily="49" charset="0"/>
+                <a:cs typeface="Courier New" panose="02070309020205020404" pitchFamily="49" charset="0"/>
+              </a:rPr>
+              <a:t>(</a:t>
+            </a:r>
+            <a:r>
+              <a:rPr lang="en-US" dirty="0" err="1">
+                <a:latin typeface="Courier New" panose="02070309020205020404" pitchFamily="49" charset="0"/>
+                <a:cs typeface="Courier New" panose="02070309020205020404" pitchFamily="49" charset="0"/>
+              </a:rPr>
+              <a:t>insts</a:t>
+            </a:r>
+            <a:r>
+              <a:rPr lang="en-US" dirty="0">
+                <a:latin typeface="Courier New" panose="02070309020205020404" pitchFamily="49" charset="0"/>
+                <a:cs typeface="Courier New" panose="02070309020205020404" pitchFamily="49" charset="0"/>
+              </a:rPr>
+              <a:t>[</a:t>
+            </a:r>
+            <a:r>
+              <a:rPr lang="en-US" dirty="0" err="1">
+                <a:latin typeface="Courier New" panose="02070309020205020404" pitchFamily="49" charset="0"/>
+                <a:cs typeface="Courier New" panose="02070309020205020404" pitchFamily="49" charset="0"/>
+              </a:rPr>
+              <a:t>i</a:t>
+            </a:r>
+            <a:r>
+              <a:rPr lang="en-US" dirty="0">
+                <a:latin typeface="Courier New" panose="02070309020205020404" pitchFamily="49" charset="0"/>
+                <a:cs typeface="Courier New" panose="02070309020205020404" pitchFamily="49" charset="0"/>
+              </a:rPr>
+              <a:t>]);</a:t>
+            </a:r>
           </a:p>
           <a:p>
             <a:pPr marL="0" indent="0">
@@ -26642,21 +26859,141 @@
                 <a:latin typeface="Courier New" panose="02070309020205020404" pitchFamily="49" charset="0"/>
                 <a:cs typeface="Courier New" panose="02070309020205020404" pitchFamily="49" charset="0"/>
               </a:rPr>
-              <a:t>Output: “</a:t>
+              <a:t>    	</a:t>
             </a:r>
             <a:r>
               <a:rPr lang="en-US" dirty="0" err="1">
                 <a:latin typeface="Courier New" panose="02070309020205020404" pitchFamily="49" charset="0"/>
                 <a:cs typeface="Courier New" panose="02070309020205020404" pitchFamily="49" charset="0"/>
               </a:rPr>
-              <a:t>Rawr</a:t>
+              <a:t>insts</a:t>
             </a:r>
             <a:r>
               <a:rPr lang="en-US" dirty="0">
                 <a:latin typeface="Courier New" panose="02070309020205020404" pitchFamily="49" charset="0"/>
                 <a:cs typeface="Courier New" panose="02070309020205020404" pitchFamily="49" charset="0"/>
               </a:rPr>
-              <a:t>!!”</a:t>
+              <a:t> [</a:t>
+            </a:r>
+            <a:r>
+              <a:rPr lang="en-US" dirty="0" err="1">
+                <a:latin typeface="Courier New" panose="02070309020205020404" pitchFamily="49" charset="0"/>
+                <a:cs typeface="Courier New" panose="02070309020205020404" pitchFamily="49" charset="0"/>
+              </a:rPr>
+              <a:t>i</a:t>
+            </a:r>
+            <a:r>
+              <a:rPr lang="en-US" dirty="0">
+                <a:latin typeface="Courier New" panose="02070309020205020404" pitchFamily="49" charset="0"/>
+                <a:cs typeface="Courier New" panose="02070309020205020404" pitchFamily="49" charset="0"/>
+              </a:rPr>
+              <a:t>].</a:t>
+            </a:r>
+            <a:r>
+              <a:rPr lang="en-US" dirty="0" err="1">
+                <a:latin typeface="Courier New" panose="02070309020205020404" pitchFamily="49" charset="0"/>
+                <a:cs typeface="Courier New" panose="02070309020205020404" pitchFamily="49" charset="0"/>
+              </a:rPr>
+              <a:t>pickSound</a:t>
+            </a:r>
+            <a:r>
+              <a:rPr lang="en-US" dirty="0">
+                <a:latin typeface="Courier New" panose="02070309020205020404" pitchFamily="49" charset="0"/>
+                <a:cs typeface="Courier New" panose="02070309020205020404" pitchFamily="49" charset="0"/>
+              </a:rPr>
+              <a:t>();</a:t>
+            </a:r>
+          </a:p>
+          <a:p>
+            <a:pPr marL="0" indent="0">
+              <a:buNone/>
+            </a:pPr>
+            <a:r>
+              <a:rPr lang="en-US" dirty="0">
+                <a:latin typeface="Courier New" panose="02070309020205020404" pitchFamily="49" charset="0"/>
+                <a:cs typeface="Courier New" panose="02070309020205020404" pitchFamily="49" charset="0"/>
+              </a:rPr>
+              <a:t>    	</a:t>
+            </a:r>
+            <a:r>
+              <a:rPr lang="en-US" dirty="0" err="1">
+                <a:latin typeface="Courier New" panose="02070309020205020404" pitchFamily="49" charset="0"/>
+                <a:cs typeface="Courier New" panose="02070309020205020404" pitchFamily="49" charset="0"/>
+              </a:rPr>
+              <a:t>insts</a:t>
+            </a:r>
+            <a:r>
+              <a:rPr lang="en-US" dirty="0">
+                <a:latin typeface="Courier New" panose="02070309020205020404" pitchFamily="49" charset="0"/>
+                <a:cs typeface="Courier New" panose="02070309020205020404" pitchFamily="49" charset="0"/>
+              </a:rPr>
+              <a:t> [</a:t>
+            </a:r>
+            <a:r>
+              <a:rPr lang="en-US" dirty="0" err="1">
+                <a:latin typeface="Courier New" panose="02070309020205020404" pitchFamily="49" charset="0"/>
+                <a:cs typeface="Courier New" panose="02070309020205020404" pitchFamily="49" charset="0"/>
+              </a:rPr>
+              <a:t>i</a:t>
+            </a:r>
+            <a:r>
+              <a:rPr lang="en-US" dirty="0">
+                <a:latin typeface="Courier New" panose="02070309020205020404" pitchFamily="49" charset="0"/>
+                <a:cs typeface="Courier New" panose="02070309020205020404" pitchFamily="49" charset="0"/>
+              </a:rPr>
+              <a:t>].</a:t>
+            </a:r>
+            <a:r>
+              <a:rPr lang="en-US" dirty="0" err="1">
+                <a:latin typeface="Courier New" panose="02070309020205020404" pitchFamily="49" charset="0"/>
+                <a:cs typeface="Courier New" panose="02070309020205020404" pitchFamily="49" charset="0"/>
+              </a:rPr>
+              <a:t>playNote</a:t>
+            </a:r>
+            <a:r>
+              <a:rPr lang="en-US" dirty="0">
+                <a:latin typeface="Courier New" panose="02070309020205020404" pitchFamily="49" charset="0"/>
+                <a:cs typeface="Courier New" panose="02070309020205020404" pitchFamily="49" charset="0"/>
+              </a:rPr>
+              <a:t>();</a:t>
+            </a:r>
+          </a:p>
+          <a:p>
+            <a:pPr marL="0" indent="0">
+              <a:buNone/>
+            </a:pPr>
+            <a:r>
+              <a:rPr lang="en-US" dirty="0">
+                <a:latin typeface="Courier New" panose="02070309020205020404" pitchFamily="49" charset="0"/>
+                <a:cs typeface="Courier New" panose="02070309020205020404" pitchFamily="49" charset="0"/>
+              </a:rPr>
+              <a:t>    	</a:t>
+            </a:r>
+            <a:r>
+              <a:rPr lang="en-US" dirty="0" err="1">
+                <a:latin typeface="Courier New" panose="02070309020205020404" pitchFamily="49" charset="0"/>
+                <a:cs typeface="Courier New" panose="02070309020205020404" pitchFamily="49" charset="0"/>
+              </a:rPr>
+              <a:t>System.out.println</a:t>
+            </a:r>
+            <a:r>
+              <a:rPr lang="en-US" dirty="0">
+                <a:latin typeface="Courier New" panose="02070309020205020404" pitchFamily="49" charset="0"/>
+                <a:cs typeface="Courier New" panose="02070309020205020404" pitchFamily="49" charset="0"/>
+              </a:rPr>
+              <a:t>();</a:t>
+            </a:r>
+          </a:p>
+          <a:p>
+            <a:pPr marL="0" indent="0">
+              <a:buNone/>
+            </a:pPr>
+            <a:r>
+              <a:rPr lang="en-US" dirty="0">
+                <a:latin typeface="Courier New" panose="02070309020205020404" pitchFamily="49" charset="0"/>
+                <a:cs typeface="Courier New" panose="02070309020205020404" pitchFamily="49" charset="0"/>
+              </a:rPr>
+              <a:t>}</a:t>
             </a:r>
           </a:p>
         </p:txBody>
@@ -26664,7 +27001,7 @@
     </p:spTree>
     <p:extLst>
       <p:ext uri="{BB962C8B-B14F-4D97-AF65-F5344CB8AC3E}">
-        <p14:creationId xmlns:p14="http://schemas.microsoft.com/office/powerpoint/2010/main" val="4052956799"/>
+        <p14:creationId xmlns:p14="http://schemas.microsoft.com/office/powerpoint/2010/main" val="1572219314"/>
       </p:ext>
     </p:extLst>
   </p:cSld>
@@ -26762,497 +27099,6 @@
           <a:p>
             <a:r>
               <a:rPr lang="en-US" dirty="0"/>
-              <a:t>The Exercise</a:t>
-            </a:r>
-          </a:p>
-        </p:txBody>
-      </p:sp>
-      <p:sp>
-        <p:nvSpPr>
-          <p:cNvPr id="3" name="Content Placeholder 2"/>
-          <p:cNvSpPr>
-            <a:spLocks noGrp="1"/>
-          </p:cNvSpPr>
-          <p:nvPr>
-            <p:ph idx="1"/>
-          </p:nvPr>
-        </p:nvSpPr>
-        <p:spPr>
-          <a:xfrm>
-            <a:off x="838200" y="2057399"/>
-            <a:ext cx="10707168" cy="4119563"/>
-          </a:xfrm>
-        </p:spPr>
-        <p:txBody>
-          <a:bodyPr>
-            <a:normAutofit fontScale="70000" lnSpcReduction="20000"/>
-          </a:bodyPr>
-          <a:lstStyle/>
-          <a:p>
-            <a:pPr marL="0" indent="0">
-              <a:buNone/>
-            </a:pPr>
-            <a:r>
-              <a:rPr lang="en-US" sz="3400" dirty="0"/>
-              <a:t>Given the preceding classes, what would be the </a:t>
-            </a:r>
-            <a:r>
-              <a:rPr lang="en-US" sz="3400" b="1" dirty="0"/>
-              <a:t>output</a:t>
-            </a:r>
-            <a:r>
-              <a:rPr lang="en-US" sz="3400" dirty="0"/>
-              <a:t> of the following client code?</a:t>
-            </a:r>
-          </a:p>
-          <a:p>
-            <a:pPr marL="0" indent="0">
-              <a:buNone/>
-            </a:pPr>
-            <a:endParaRPr lang="en-US" dirty="0">
-              <a:latin typeface="Courier New" panose="02070309020205020404" pitchFamily="49" charset="0"/>
-              <a:cs typeface="Courier New" panose="02070309020205020404" pitchFamily="49" charset="0"/>
-            </a:endParaRPr>
-          </a:p>
-          <a:p>
-            <a:pPr marL="0" indent="0">
-              <a:buNone/>
-            </a:pPr>
-            <a:r>
-              <a:rPr lang="en-US" dirty="0" err="1">
-                <a:latin typeface="Courier New" panose="02070309020205020404" pitchFamily="49" charset="0"/>
-                <a:cs typeface="Courier New" panose="02070309020205020404" pitchFamily="49" charset="0"/>
-              </a:rPr>
-              <a:t>MusicalInstrument</a:t>
-            </a:r>
-            <a:r>
-              <a:rPr lang="en-US" dirty="0">
-                <a:latin typeface="Courier New" panose="02070309020205020404" pitchFamily="49" charset="0"/>
-                <a:cs typeface="Courier New" panose="02070309020205020404" pitchFamily="49" charset="0"/>
-              </a:rPr>
-              <a:t>[] </a:t>
-            </a:r>
-            <a:r>
-              <a:rPr lang="en-US" dirty="0" err="1">
-                <a:latin typeface="Courier New" panose="02070309020205020404" pitchFamily="49" charset="0"/>
-                <a:cs typeface="Courier New" panose="02070309020205020404" pitchFamily="49" charset="0"/>
-              </a:rPr>
-              <a:t>insts</a:t>
-            </a:r>
-            <a:r>
-              <a:rPr lang="en-US" dirty="0">
-                <a:latin typeface="Courier New" panose="02070309020205020404" pitchFamily="49" charset="0"/>
-                <a:cs typeface="Courier New" panose="02070309020205020404" pitchFamily="49" charset="0"/>
-              </a:rPr>
-              <a:t> = {</a:t>
-            </a:r>
-          </a:p>
-          <a:p>
-            <a:pPr marL="0" indent="0">
-              <a:buNone/>
-            </a:pPr>
-            <a:r>
-              <a:rPr lang="en-US" dirty="0">
-                <a:latin typeface="Courier New" panose="02070309020205020404" pitchFamily="49" charset="0"/>
-                <a:cs typeface="Courier New" panose="02070309020205020404" pitchFamily="49" charset="0"/>
-              </a:rPr>
-              <a:t>	new </a:t>
-            </a:r>
-            <a:r>
-              <a:rPr lang="en-US" dirty="0" err="1">
-                <a:latin typeface="Courier New" panose="02070309020205020404" pitchFamily="49" charset="0"/>
-                <a:cs typeface="Courier New" panose="02070309020205020404" pitchFamily="49" charset="0"/>
-              </a:rPr>
-              <a:t>MusicalInstrument</a:t>
-            </a:r>
-            <a:r>
-              <a:rPr lang="en-US" dirty="0">
-                <a:latin typeface="Courier New" panose="02070309020205020404" pitchFamily="49" charset="0"/>
-                <a:cs typeface="Courier New" panose="02070309020205020404" pitchFamily="49" charset="0"/>
-              </a:rPr>
-              <a:t>(), new </a:t>
-            </a:r>
-            <a:r>
-              <a:rPr lang="en-US" dirty="0" err="1">
-                <a:latin typeface="Courier New" panose="02070309020205020404" pitchFamily="49" charset="0"/>
-                <a:cs typeface="Courier New" panose="02070309020205020404" pitchFamily="49" charset="0"/>
-              </a:rPr>
-              <a:t>ElectricKeyboard</a:t>
-            </a:r>
-            <a:r>
-              <a:rPr lang="en-US" dirty="0">
-                <a:latin typeface="Courier New" panose="02070309020205020404" pitchFamily="49" charset="0"/>
-                <a:cs typeface="Courier New" panose="02070309020205020404" pitchFamily="49" charset="0"/>
-              </a:rPr>
-              <a:t>(),</a:t>
-            </a:r>
-          </a:p>
-          <a:p>
-            <a:pPr marL="0" indent="0">
-              <a:buNone/>
-            </a:pPr>
-            <a:r>
-              <a:rPr lang="en-US" dirty="0">
-                <a:latin typeface="Courier New" panose="02070309020205020404" pitchFamily="49" charset="0"/>
-                <a:cs typeface="Courier New" panose="02070309020205020404" pitchFamily="49" charset="0"/>
-              </a:rPr>
-              <a:t> 	new Guitar(), new </a:t>
-            </a:r>
-            <a:r>
-              <a:rPr lang="en-US" dirty="0" err="1">
-                <a:latin typeface="Courier New" panose="02070309020205020404" pitchFamily="49" charset="0"/>
-                <a:cs typeface="Courier New" panose="02070309020205020404" pitchFamily="49" charset="0"/>
-              </a:rPr>
-              <a:t>ElectricGuitar</a:t>
-            </a:r>
-            <a:r>
-              <a:rPr lang="en-US" dirty="0">
-                <a:latin typeface="Courier New" panose="02070309020205020404" pitchFamily="49" charset="0"/>
-                <a:cs typeface="Courier New" panose="02070309020205020404" pitchFamily="49" charset="0"/>
-              </a:rPr>
-              <a:t>() };</a:t>
-            </a:r>
-          </a:p>
-          <a:p>
-            <a:pPr marL="0" indent="0">
-              <a:buNone/>
-            </a:pPr>
-            <a:endParaRPr lang="en-US" dirty="0">
-              <a:latin typeface="Courier New" panose="02070309020205020404" pitchFamily="49" charset="0"/>
-              <a:cs typeface="Courier New" panose="02070309020205020404" pitchFamily="49" charset="0"/>
-            </a:endParaRPr>
-          </a:p>
-          <a:p>
-            <a:pPr marL="0" indent="0">
-              <a:buNone/>
-            </a:pPr>
-            <a:r>
-              <a:rPr lang="en-US" dirty="0">
-                <a:latin typeface="Courier New" panose="02070309020205020404" pitchFamily="49" charset="0"/>
-                <a:cs typeface="Courier New" panose="02070309020205020404" pitchFamily="49" charset="0"/>
-              </a:rPr>
-              <a:t>for (</a:t>
-            </a:r>
-            <a:r>
-              <a:rPr lang="en-US" dirty="0" err="1">
-                <a:latin typeface="Courier New" panose="02070309020205020404" pitchFamily="49" charset="0"/>
-                <a:cs typeface="Courier New" panose="02070309020205020404" pitchFamily="49" charset="0"/>
-              </a:rPr>
-              <a:t>int</a:t>
-            </a:r>
-            <a:r>
-              <a:rPr lang="en-US" dirty="0">
-                <a:latin typeface="Courier New" panose="02070309020205020404" pitchFamily="49" charset="0"/>
-                <a:cs typeface="Courier New" panose="02070309020205020404" pitchFamily="49" charset="0"/>
-              </a:rPr>
-              <a:t> </a:t>
-            </a:r>
-            <a:r>
-              <a:rPr lang="en-US" dirty="0" err="1">
-                <a:latin typeface="Courier New" panose="02070309020205020404" pitchFamily="49" charset="0"/>
-                <a:cs typeface="Courier New" panose="02070309020205020404" pitchFamily="49" charset="0"/>
-              </a:rPr>
-              <a:t>i</a:t>
-            </a:r>
-            <a:r>
-              <a:rPr lang="en-US" dirty="0">
-                <a:latin typeface="Courier New" panose="02070309020205020404" pitchFamily="49" charset="0"/>
-                <a:cs typeface="Courier New" panose="02070309020205020404" pitchFamily="49" charset="0"/>
-              </a:rPr>
-              <a:t> = 0; </a:t>
-            </a:r>
-            <a:r>
-              <a:rPr lang="en-US" dirty="0" err="1">
-                <a:latin typeface="Courier New" panose="02070309020205020404" pitchFamily="49" charset="0"/>
-                <a:cs typeface="Courier New" panose="02070309020205020404" pitchFamily="49" charset="0"/>
-              </a:rPr>
-              <a:t>i</a:t>
-            </a:r>
-            <a:r>
-              <a:rPr lang="en-US" dirty="0">
-                <a:latin typeface="Courier New" panose="02070309020205020404" pitchFamily="49" charset="0"/>
-                <a:cs typeface="Courier New" panose="02070309020205020404" pitchFamily="49" charset="0"/>
-              </a:rPr>
-              <a:t> &lt; </a:t>
-            </a:r>
-            <a:r>
-              <a:rPr lang="en-US" dirty="0" err="1">
-                <a:latin typeface="Courier New" panose="02070309020205020404" pitchFamily="49" charset="0"/>
-                <a:cs typeface="Courier New" panose="02070309020205020404" pitchFamily="49" charset="0"/>
-              </a:rPr>
-              <a:t>insts.length</a:t>
-            </a:r>
-            <a:r>
-              <a:rPr lang="en-US" dirty="0">
-                <a:latin typeface="Courier New" panose="02070309020205020404" pitchFamily="49" charset="0"/>
-                <a:cs typeface="Courier New" panose="02070309020205020404" pitchFamily="49" charset="0"/>
-              </a:rPr>
-              <a:t>; </a:t>
-            </a:r>
-            <a:r>
-              <a:rPr lang="en-US" dirty="0" err="1">
-                <a:latin typeface="Courier New" panose="02070309020205020404" pitchFamily="49" charset="0"/>
-                <a:cs typeface="Courier New" panose="02070309020205020404" pitchFamily="49" charset="0"/>
-              </a:rPr>
-              <a:t>i</a:t>
-            </a:r>
-            <a:r>
-              <a:rPr lang="en-US" dirty="0">
-                <a:latin typeface="Courier New" panose="02070309020205020404" pitchFamily="49" charset="0"/>
-                <a:cs typeface="Courier New" panose="02070309020205020404" pitchFamily="49" charset="0"/>
-              </a:rPr>
-              <a:t>++) {</a:t>
-            </a:r>
-          </a:p>
-          <a:p>
-            <a:pPr marL="0" indent="0">
-              <a:buNone/>
-            </a:pPr>
-            <a:r>
-              <a:rPr lang="en-US" dirty="0">
-                <a:latin typeface="Courier New" panose="02070309020205020404" pitchFamily="49" charset="0"/>
-                <a:cs typeface="Courier New" panose="02070309020205020404" pitchFamily="49" charset="0"/>
-              </a:rPr>
-              <a:t>	</a:t>
-            </a:r>
-            <a:r>
-              <a:rPr lang="en-US" dirty="0" err="1">
-                <a:latin typeface="Courier New" panose="02070309020205020404" pitchFamily="49" charset="0"/>
-                <a:cs typeface="Courier New" panose="02070309020205020404" pitchFamily="49" charset="0"/>
-              </a:rPr>
-              <a:t>System.out.println</a:t>
-            </a:r>
-            <a:r>
-              <a:rPr lang="en-US" dirty="0">
-                <a:latin typeface="Courier New" panose="02070309020205020404" pitchFamily="49" charset="0"/>
-                <a:cs typeface="Courier New" panose="02070309020205020404" pitchFamily="49" charset="0"/>
-              </a:rPr>
-              <a:t>(</a:t>
-            </a:r>
-            <a:r>
-              <a:rPr lang="en-US" dirty="0" err="1">
-                <a:latin typeface="Courier New" panose="02070309020205020404" pitchFamily="49" charset="0"/>
-                <a:cs typeface="Courier New" panose="02070309020205020404" pitchFamily="49" charset="0"/>
-              </a:rPr>
-              <a:t>insts</a:t>
-            </a:r>
-            <a:r>
-              <a:rPr lang="en-US" dirty="0">
-                <a:latin typeface="Courier New" panose="02070309020205020404" pitchFamily="49" charset="0"/>
-                <a:cs typeface="Courier New" panose="02070309020205020404" pitchFamily="49" charset="0"/>
-              </a:rPr>
-              <a:t>[</a:t>
-            </a:r>
-            <a:r>
-              <a:rPr lang="en-US" dirty="0" err="1">
-                <a:latin typeface="Courier New" panose="02070309020205020404" pitchFamily="49" charset="0"/>
-                <a:cs typeface="Courier New" panose="02070309020205020404" pitchFamily="49" charset="0"/>
-              </a:rPr>
-              <a:t>i</a:t>
-            </a:r>
-            <a:r>
-              <a:rPr lang="en-US" dirty="0">
-                <a:latin typeface="Courier New" panose="02070309020205020404" pitchFamily="49" charset="0"/>
-                <a:cs typeface="Courier New" panose="02070309020205020404" pitchFamily="49" charset="0"/>
-              </a:rPr>
-              <a:t>]);</a:t>
-            </a:r>
-          </a:p>
-          <a:p>
-            <a:pPr marL="0" indent="0">
-              <a:buNone/>
-            </a:pPr>
-            <a:r>
-              <a:rPr lang="en-US" dirty="0">
-                <a:latin typeface="Courier New" panose="02070309020205020404" pitchFamily="49" charset="0"/>
-                <a:cs typeface="Courier New" panose="02070309020205020404" pitchFamily="49" charset="0"/>
-              </a:rPr>
-              <a:t>    	</a:t>
-            </a:r>
-            <a:r>
-              <a:rPr lang="en-US" dirty="0" err="1">
-                <a:latin typeface="Courier New" panose="02070309020205020404" pitchFamily="49" charset="0"/>
-                <a:cs typeface="Courier New" panose="02070309020205020404" pitchFamily="49" charset="0"/>
-              </a:rPr>
-              <a:t>insts</a:t>
-            </a:r>
-            <a:r>
-              <a:rPr lang="en-US" dirty="0">
-                <a:latin typeface="Courier New" panose="02070309020205020404" pitchFamily="49" charset="0"/>
-                <a:cs typeface="Courier New" panose="02070309020205020404" pitchFamily="49" charset="0"/>
-              </a:rPr>
-              <a:t> [</a:t>
-            </a:r>
-            <a:r>
-              <a:rPr lang="en-US" dirty="0" err="1">
-                <a:latin typeface="Courier New" panose="02070309020205020404" pitchFamily="49" charset="0"/>
-                <a:cs typeface="Courier New" panose="02070309020205020404" pitchFamily="49" charset="0"/>
-              </a:rPr>
-              <a:t>i</a:t>
-            </a:r>
-            <a:r>
-              <a:rPr lang="en-US" dirty="0">
-                <a:latin typeface="Courier New" panose="02070309020205020404" pitchFamily="49" charset="0"/>
-                <a:cs typeface="Courier New" panose="02070309020205020404" pitchFamily="49" charset="0"/>
-              </a:rPr>
-              <a:t>].</a:t>
-            </a:r>
-            <a:r>
-              <a:rPr lang="en-US" dirty="0" err="1">
-                <a:latin typeface="Courier New" panose="02070309020205020404" pitchFamily="49" charset="0"/>
-                <a:cs typeface="Courier New" panose="02070309020205020404" pitchFamily="49" charset="0"/>
-              </a:rPr>
-              <a:t>pickSound</a:t>
-            </a:r>
-            <a:r>
-              <a:rPr lang="en-US" dirty="0">
-                <a:latin typeface="Courier New" panose="02070309020205020404" pitchFamily="49" charset="0"/>
-                <a:cs typeface="Courier New" panose="02070309020205020404" pitchFamily="49" charset="0"/>
-              </a:rPr>
-              <a:t>();</a:t>
-            </a:r>
-          </a:p>
-          <a:p>
-            <a:pPr marL="0" indent="0">
-              <a:buNone/>
-            </a:pPr>
-            <a:r>
-              <a:rPr lang="en-US" dirty="0">
-                <a:latin typeface="Courier New" panose="02070309020205020404" pitchFamily="49" charset="0"/>
-                <a:cs typeface="Courier New" panose="02070309020205020404" pitchFamily="49" charset="0"/>
-              </a:rPr>
-              <a:t>    	</a:t>
-            </a:r>
-            <a:r>
-              <a:rPr lang="en-US" dirty="0" err="1">
-                <a:latin typeface="Courier New" panose="02070309020205020404" pitchFamily="49" charset="0"/>
-                <a:cs typeface="Courier New" panose="02070309020205020404" pitchFamily="49" charset="0"/>
-              </a:rPr>
-              <a:t>insts</a:t>
-            </a:r>
-            <a:r>
-              <a:rPr lang="en-US" dirty="0">
-                <a:latin typeface="Courier New" panose="02070309020205020404" pitchFamily="49" charset="0"/>
-                <a:cs typeface="Courier New" panose="02070309020205020404" pitchFamily="49" charset="0"/>
-              </a:rPr>
-              <a:t> [</a:t>
-            </a:r>
-            <a:r>
-              <a:rPr lang="en-US" dirty="0" err="1">
-                <a:latin typeface="Courier New" panose="02070309020205020404" pitchFamily="49" charset="0"/>
-                <a:cs typeface="Courier New" panose="02070309020205020404" pitchFamily="49" charset="0"/>
-              </a:rPr>
-              <a:t>i</a:t>
-            </a:r>
-            <a:r>
-              <a:rPr lang="en-US" dirty="0">
-                <a:latin typeface="Courier New" panose="02070309020205020404" pitchFamily="49" charset="0"/>
-                <a:cs typeface="Courier New" panose="02070309020205020404" pitchFamily="49" charset="0"/>
-              </a:rPr>
-              <a:t>].</a:t>
-            </a:r>
-            <a:r>
-              <a:rPr lang="en-US" dirty="0" err="1">
-                <a:latin typeface="Courier New" panose="02070309020205020404" pitchFamily="49" charset="0"/>
-                <a:cs typeface="Courier New" panose="02070309020205020404" pitchFamily="49" charset="0"/>
-              </a:rPr>
-              <a:t>playNote</a:t>
-            </a:r>
-            <a:r>
-              <a:rPr lang="en-US" dirty="0">
-                <a:latin typeface="Courier New" panose="02070309020205020404" pitchFamily="49" charset="0"/>
-                <a:cs typeface="Courier New" panose="02070309020205020404" pitchFamily="49" charset="0"/>
-              </a:rPr>
-              <a:t>();</a:t>
-            </a:r>
-          </a:p>
-          <a:p>
-            <a:pPr marL="0" indent="0">
-              <a:buNone/>
-            </a:pPr>
-            <a:r>
-              <a:rPr lang="en-US" dirty="0">
-                <a:latin typeface="Courier New" panose="02070309020205020404" pitchFamily="49" charset="0"/>
-                <a:cs typeface="Courier New" panose="02070309020205020404" pitchFamily="49" charset="0"/>
-              </a:rPr>
-              <a:t>    	</a:t>
-            </a:r>
-            <a:r>
-              <a:rPr lang="en-US" dirty="0" err="1">
-                <a:latin typeface="Courier New" panose="02070309020205020404" pitchFamily="49" charset="0"/>
-                <a:cs typeface="Courier New" panose="02070309020205020404" pitchFamily="49" charset="0"/>
-              </a:rPr>
-              <a:t>System.out.println</a:t>
-            </a:r>
-            <a:r>
-              <a:rPr lang="en-US" dirty="0">
-                <a:latin typeface="Courier New" panose="02070309020205020404" pitchFamily="49" charset="0"/>
-                <a:cs typeface="Courier New" panose="02070309020205020404" pitchFamily="49" charset="0"/>
-              </a:rPr>
-              <a:t>();</a:t>
-            </a:r>
-          </a:p>
-          <a:p>
-            <a:pPr marL="0" indent="0">
-              <a:buNone/>
-            </a:pPr>
-            <a:r>
-              <a:rPr lang="en-US" dirty="0">
-                <a:latin typeface="Courier New" panose="02070309020205020404" pitchFamily="49" charset="0"/>
-                <a:cs typeface="Courier New" panose="02070309020205020404" pitchFamily="49" charset="0"/>
-              </a:rPr>
-              <a:t>}</a:t>
-            </a:r>
-          </a:p>
-        </p:txBody>
-      </p:sp>
-    </p:spTree>
-    <p:extLst>
-      <p:ext uri="{BB962C8B-B14F-4D97-AF65-F5344CB8AC3E}">
-        <p14:creationId xmlns:p14="http://schemas.microsoft.com/office/powerpoint/2010/main" val="1572219314"/>
-      </p:ext>
-    </p:extLst>
-  </p:cSld>
-  <p:clrMapOvr>
-    <a:masterClrMapping/>
-  </p:clrMapOvr>
-</p:sld>
-</file>
-
-<file path=ppt/slides/slide61.xml><?xml version="1.0" encoding="utf-8"?>
-<p:sld xmlns:a="http://schemas.openxmlformats.org/drawingml/2006/main" xmlns:r="http://schemas.openxmlformats.org/officeDocument/2006/relationships" xmlns:p="http://schemas.openxmlformats.org/presentationml/2006/main">
-  <p:cSld>
-    <p:spTree>
-      <p:nvGrpSpPr>
-        <p:cNvPr id="1" name=""/>
-        <p:cNvGrpSpPr/>
-        <p:nvPr/>
-      </p:nvGrpSpPr>
-      <p:grpSpPr>
-        <a:xfrm>
-          <a:off x="0" y="0"/>
-          <a:ext cx="0" cy="0"/>
-          <a:chOff x="0" y="0"/>
-          <a:chExt cx="0" cy="0"/>
-        </a:xfrm>
-      </p:grpSpPr>
-      <p:sp>
-        <p:nvSpPr>
-          <p:cNvPr id="2" name="Title 1"/>
-          <p:cNvSpPr>
-            <a:spLocks noGrp="1"/>
-          </p:cNvSpPr>
-          <p:nvPr>
-            <p:ph type="title"/>
-          </p:nvPr>
-        </p:nvSpPr>
-        <p:spPr/>
-        <p:txBody>
-          <a:bodyPr/>
-          <a:lstStyle/>
-          <a:p>
-            <a:r>
-              <a:rPr lang="en-US" dirty="0"/>
               <a:t>Step 1: Class Diagram</a:t>
             </a:r>
           </a:p>
@@ -27339,7 +27185,7 @@
 </p:sld>
 </file>
 
-<file path=ppt/slides/slide62.xml><?xml version="1.0" encoding="utf-8"?>
+<file path=ppt/slides/slide61.xml><?xml version="1.0" encoding="utf-8"?>
 <p:sld xmlns:a="http://schemas.openxmlformats.org/drawingml/2006/main" xmlns:r="http://schemas.openxmlformats.org/officeDocument/2006/relationships" xmlns:p="http://schemas.openxmlformats.org/presentationml/2006/main">
   <p:cSld>
     <p:spTree>
@@ -27918,7 +27764,7 @@
 </p:sld>
 </file>
 
-<file path=ppt/slides/slide63.xml><?xml version="1.0" encoding="utf-8"?>
+<file path=ppt/slides/slide62.xml><?xml version="1.0" encoding="utf-8"?>
 <p:sld xmlns:a="http://schemas.openxmlformats.org/drawingml/2006/main" xmlns:r="http://schemas.openxmlformats.org/officeDocument/2006/relationships" xmlns:p="http://schemas.openxmlformats.org/presentationml/2006/main">
   <p:cSld>
     <p:spTree>
@@ -28383,7 +28229,7 @@
 </p:sld>
 </file>
 
-<file path=ppt/slides/slide64.xml><?xml version="1.0" encoding="utf-8"?>
+<file path=ppt/slides/slide63.xml><?xml version="1.0" encoding="utf-8"?>
 <p:sld xmlns:a="http://schemas.openxmlformats.org/drawingml/2006/main" xmlns:r="http://schemas.openxmlformats.org/officeDocument/2006/relationships" xmlns:p="http://schemas.openxmlformats.org/presentationml/2006/main">
   <p:cSld>
     <p:spTree>
@@ -28665,7 +28511,7 @@
 </p:sld>
 </file>
 
-<file path=ppt/slides/slide65.xml><?xml version="1.0" encoding="utf-8"?>
+<file path=ppt/slides/slide64.xml><?xml version="1.0" encoding="utf-8"?>
 <p:sld xmlns:a="http://schemas.openxmlformats.org/drawingml/2006/main" xmlns:r="http://schemas.openxmlformats.org/officeDocument/2006/relationships" xmlns:p="http://schemas.openxmlformats.org/presentationml/2006/main">
   <p:cSld>
     <p:spTree>
@@ -28723,7 +28569,7 @@
 </p:sld>
 </file>
 
-<file path=ppt/slides/slide66.xml><?xml version="1.0" encoding="utf-8"?>
+<file path=ppt/slides/slide65.xml><?xml version="1.0" encoding="utf-8"?>
 <p:sld xmlns:a="http://schemas.openxmlformats.org/drawingml/2006/main" xmlns:r="http://schemas.openxmlformats.org/officeDocument/2006/relationships" xmlns:p="http://schemas.openxmlformats.org/presentationml/2006/main">
   <p:cSld>
     <p:spTree>
@@ -28823,7 +28669,7 @@
 </p:sld>
 </file>
 
-<file path=ppt/slides/slide67.xml><?xml version="1.0" encoding="utf-8"?>
+<file path=ppt/slides/slide66.xml><?xml version="1.0" encoding="utf-8"?>
 <p:sld xmlns:a="http://schemas.openxmlformats.org/drawingml/2006/main" xmlns:r="http://schemas.openxmlformats.org/officeDocument/2006/relationships" xmlns:p="http://schemas.openxmlformats.org/presentationml/2006/main">
   <p:cSld>
     <p:spTree>
@@ -28911,7 +28757,7 @@
 </p:sld>
 </file>
 
-<file path=ppt/slides/slide68.xml><?xml version="1.0" encoding="utf-8"?>
+<file path=ppt/slides/slide67.xml><?xml version="1.0" encoding="utf-8"?>
 <p:sld xmlns:a="http://schemas.openxmlformats.org/drawingml/2006/main" xmlns:r="http://schemas.openxmlformats.org/officeDocument/2006/relationships" xmlns:p="http://schemas.openxmlformats.org/presentationml/2006/main">
   <p:cSld>
     <p:spTree>
@@ -29022,7 +28868,7 @@
 </p:sld>
 </file>
 
-<file path=ppt/slides/slide69.xml><?xml version="1.0" encoding="utf-8"?>
+<file path=ppt/slides/slide68.xml><?xml version="1.0" encoding="utf-8"?>
 <p:sld xmlns:a="http://schemas.openxmlformats.org/drawingml/2006/main" xmlns:r="http://schemas.openxmlformats.org/officeDocument/2006/relationships" xmlns:p="http://schemas.openxmlformats.org/presentationml/2006/main">
   <p:cSld>
     <p:spTree>
@@ -29123,6 +28969,160 @@
     <p:extLst>
       <p:ext uri="{BB962C8B-B14F-4D97-AF65-F5344CB8AC3E}">
         <p14:creationId xmlns:p14="http://schemas.microsoft.com/office/powerpoint/2010/main" val="1726424877"/>
+      </p:ext>
+    </p:extLst>
+  </p:cSld>
+  <p:clrMapOvr>
+    <a:masterClrMapping/>
+  </p:clrMapOvr>
+</p:sld>
+</file>
+
+<file path=ppt/slides/slide69.xml><?xml version="1.0" encoding="utf-8"?>
+<p:sld xmlns:a="http://schemas.openxmlformats.org/drawingml/2006/main" xmlns:r="http://schemas.openxmlformats.org/officeDocument/2006/relationships" xmlns:p="http://schemas.openxmlformats.org/presentationml/2006/main">
+  <p:cSld>
+    <p:spTree>
+      <p:nvGrpSpPr>
+        <p:cNvPr id="1" name=""/>
+        <p:cNvGrpSpPr/>
+        <p:nvPr/>
+      </p:nvGrpSpPr>
+      <p:grpSpPr>
+        <a:xfrm>
+          <a:off x="0" y="0"/>
+          <a:ext cx="0" cy="0"/>
+          <a:chOff x="0" y="0"/>
+          <a:chExt cx="0" cy="0"/>
+        </a:xfrm>
+      </p:grpSpPr>
+      <p:sp>
+        <p:nvSpPr>
+          <p:cNvPr id="2" name="Title 1"/>
+          <p:cNvSpPr>
+            <a:spLocks noGrp="1"/>
+          </p:cNvSpPr>
+          <p:nvPr>
+            <p:ph type="title"/>
+          </p:nvPr>
+        </p:nvSpPr>
+        <p:spPr>
+          <a:xfrm>
+            <a:off x="838200" y="698500"/>
+            <a:ext cx="10515600" cy="1819617"/>
+          </a:xfrm>
+        </p:spPr>
+        <p:txBody>
+          <a:bodyPr>
+            <a:normAutofit fontScale="90000"/>
+          </a:bodyPr>
+          <a:lstStyle/>
+          <a:p>
+            <a:r>
+              <a:rPr lang="en-US" dirty="0"/>
+              <a:t>So how would we model a zoo?</a:t>
+            </a:r>
+            <a:br>
+              <a:rPr lang="en-US" dirty="0"/>
+            </a:br>
+            <a:br>
+              <a:rPr lang="en-US" dirty="0"/>
+            </a:br>
+            <a:r>
+              <a:rPr lang="en-US" dirty="0"/>
+              <a:t>Zoo</a:t>
+            </a:r>
+          </a:p>
+        </p:txBody>
+      </p:sp>
+      <p:graphicFrame>
+        <p:nvGraphicFramePr>
+          <p:cNvPr id="4" name="Diagram 3"/>
+          <p:cNvGraphicFramePr/>
+          <p:nvPr/>
+        </p:nvGraphicFramePr>
+        <p:xfrm>
+          <a:off x="-992552" y="2917962"/>
+          <a:ext cx="8128000" cy="3104090"/>
+        </p:xfrm>
+        <a:graphic>
+          <a:graphicData uri="http://schemas.openxmlformats.org/drawingml/2006/diagram">
+            <dgm:relIds xmlns:dgm="http://schemas.openxmlformats.org/drawingml/2006/diagram" xmlns:r="http://schemas.openxmlformats.org/officeDocument/2006/relationships" r:dm="rId2" r:lo="rId3" r:qs="rId4" r:cs="rId5"/>
+          </a:graphicData>
+        </a:graphic>
+      </p:graphicFrame>
+      <p:sp>
+        <p:nvSpPr>
+          <p:cNvPr id="5" name="TextBox 4"/>
+          <p:cNvSpPr txBox="1"/>
+          <p:nvPr/>
+        </p:nvSpPr>
+        <p:spPr>
+          <a:xfrm>
+            <a:off x="6096000" y="2703016"/>
+            <a:ext cx="5509846" cy="4154984"/>
+          </a:xfrm>
+          <a:prstGeom prst="rect">
+            <a:avLst/>
+          </a:prstGeom>
+          <a:noFill/>
+        </p:spPr>
+        <p:txBody>
+          <a:bodyPr wrap="square" rtlCol="0">
+            <a:spAutoFit/>
+          </a:bodyPr>
+          <a:lstStyle/>
+          <a:p>
+            <a:r>
+              <a:rPr lang="en-US" sz="2400" dirty="0"/>
+              <a:t>Has-a describes the relationship between a class that is client code of another class.</a:t>
+            </a:r>
+          </a:p>
+          <a:p>
+            <a:endParaRPr lang="en-US" sz="2400" dirty="0"/>
+          </a:p>
+          <a:p>
+            <a:r>
+              <a:rPr lang="en-US" sz="2400" dirty="0"/>
+              <a:t>You should use a has-a relationship when you can’t substitute one class for another.</a:t>
+            </a:r>
+          </a:p>
+          <a:p>
+            <a:endParaRPr lang="en-US" sz="2400" dirty="0"/>
+          </a:p>
+          <a:p>
+            <a:r>
+              <a:rPr lang="en-US" sz="2400" dirty="0"/>
+              <a:t>In this case, a Zoo is not an Animal, </a:t>
+            </a:r>
+            <a:r>
+              <a:rPr lang="en-US" sz="2400" dirty="0" err="1"/>
+              <a:t>ZooMember</a:t>
+            </a:r>
+            <a:r>
+              <a:rPr lang="en-US" sz="2400" dirty="0"/>
+              <a:t> or </a:t>
+            </a:r>
+            <a:r>
+              <a:rPr lang="en-US" sz="2400" dirty="0" err="1"/>
+              <a:t>ZooFacility</a:t>
+            </a:r>
+            <a:r>
+              <a:rPr lang="en-US" sz="2400" dirty="0"/>
+              <a:t>, rather a Zoo has all of these components.</a:t>
+            </a:r>
+          </a:p>
+          <a:p>
+            <a:endParaRPr lang="en-US" sz="2400" dirty="0"/>
+          </a:p>
+          <a:p>
+            <a:endParaRPr lang="en-US" sz="2400" dirty="0"/>
+          </a:p>
+        </p:txBody>
+      </p:sp>
+    </p:spTree>
+    <p:extLst>
+      <p:ext uri="{BB962C8B-B14F-4D97-AF65-F5344CB8AC3E}">
+        <p14:creationId xmlns:p14="http://schemas.microsoft.com/office/powerpoint/2010/main" val="763434317"/>
       </p:ext>
     </p:extLst>
   </p:cSld>
@@ -29237,124 +29237,120 @@
             <p:ph type="title"/>
           </p:nvPr>
         </p:nvSpPr>
-        <p:spPr>
-          <a:xfrm>
-            <a:off x="838200" y="698500"/>
-            <a:ext cx="10515600" cy="1819617"/>
-          </a:xfrm>
-        </p:spPr>
+        <p:spPr/>
         <p:txBody>
-          <a:bodyPr>
-            <a:normAutofit fontScale="90000"/>
-          </a:bodyPr>
+          <a:bodyPr/>
           <a:lstStyle/>
           <a:p>
             <a:r>
               <a:rPr lang="en-US" dirty="0"/>
-              <a:t>So how would we model a zoo?</a:t>
-            </a:r>
-            <a:br>
-              <a:rPr lang="en-US" dirty="0"/>
-            </a:br>
-            <a:br>
-              <a:rPr lang="en-US" dirty="0"/>
-            </a:br>
-            <a:r>
-              <a:rPr lang="en-US" dirty="0"/>
-              <a:t>Zoo</a:t>
+              <a:t>Has-a Relationships</a:t>
             </a:r>
           </a:p>
         </p:txBody>
       </p:sp>
-      <p:graphicFrame>
-        <p:nvGraphicFramePr>
-          <p:cNvPr id="4" name="Diagram 3"/>
-          <p:cNvGraphicFramePr/>
-          <p:nvPr/>
-        </p:nvGraphicFramePr>
-        <p:xfrm>
-          <a:off x="-992552" y="2917962"/>
-          <a:ext cx="8128000" cy="3104090"/>
-        </p:xfrm>
-        <a:graphic>
-          <a:graphicData uri="http://schemas.openxmlformats.org/drawingml/2006/diagram">
-            <dgm:relIds xmlns:dgm="http://schemas.openxmlformats.org/drawingml/2006/diagram" xmlns:r="http://schemas.openxmlformats.org/officeDocument/2006/relationships" r:dm="rId2" r:lo="rId3" r:qs="rId4" r:cs="rId5"/>
-          </a:graphicData>
-        </a:graphic>
-      </p:graphicFrame>
       <p:sp>
         <p:nvSpPr>
-          <p:cNvPr id="5" name="TextBox 4"/>
-          <p:cNvSpPr txBox="1"/>
-          <p:nvPr/>
+          <p:cNvPr id="3" name="Content Placeholder 2"/>
+          <p:cNvSpPr>
+            <a:spLocks noGrp="1"/>
+          </p:cNvSpPr>
+          <p:nvPr>
+            <p:ph idx="1"/>
+          </p:nvPr>
         </p:nvSpPr>
-        <p:spPr>
-          <a:xfrm>
-            <a:off x="6096000" y="2703016"/>
-            <a:ext cx="5509846" cy="4154984"/>
-          </a:xfrm>
-          <a:prstGeom prst="rect">
-            <a:avLst/>
-          </a:prstGeom>
-          <a:noFill/>
-        </p:spPr>
+        <p:spPr/>
         <p:txBody>
-          <a:bodyPr wrap="square" rtlCol="0">
-            <a:spAutoFit/>
-          </a:bodyPr>
+          <a:bodyPr/>
           <a:lstStyle/>
           <a:p>
-            <a:r>
-              <a:rPr lang="en-US" sz="2400" dirty="0"/>
-              <a:t>Has-a describes the relationship between a class that is client code of another class.</a:t>
-            </a:r>
-          </a:p>
-          <a:p>
-            <a:endParaRPr lang="en-US" sz="2400" dirty="0"/>
-          </a:p>
-          <a:p>
-            <a:r>
-              <a:rPr lang="en-US" sz="2400" dirty="0"/>
-              <a:t>You should use a has-a relationship when you can’t substitute one class for another.</a:t>
-            </a:r>
-          </a:p>
-          <a:p>
-            <a:endParaRPr lang="en-US" sz="2400" dirty="0"/>
-          </a:p>
-          <a:p>
-            <a:r>
-              <a:rPr lang="en-US" sz="2400" dirty="0"/>
-              <a:t>In this case, a Zoo is not an Animal, </a:t>
-            </a:r>
-            <a:r>
-              <a:rPr lang="en-US" sz="2400" dirty="0" err="1"/>
+            <a:pPr marL="0" indent="0">
+              <a:buNone/>
+            </a:pPr>
+            <a:r>
+              <a:rPr lang="en-US" dirty="0"/>
+              <a:t>How would you design a Zoo?</a:t>
+            </a:r>
+          </a:p>
+          <a:p>
+            <a:pPr marL="0" indent="0">
+              <a:buNone/>
+            </a:pPr>
+            <a:endParaRPr lang="en-US" dirty="0"/>
+          </a:p>
+          <a:p>
+            <a:pPr marL="0" indent="0">
+              <a:buNone/>
+            </a:pPr>
+            <a:r>
+              <a:rPr lang="en-US" dirty="0"/>
+              <a:t>A Zoo has many parts:</a:t>
+            </a:r>
+          </a:p>
+          <a:p>
+            <a:pPr marL="0" indent="0">
+              <a:buNone/>
+            </a:pPr>
+            <a:endParaRPr lang="en-US" dirty="0"/>
+          </a:p>
+          <a:p>
+            <a:pPr marL="0" indent="0">
+              <a:buNone/>
+            </a:pPr>
+            <a:r>
+              <a:rPr lang="en-US" sz="2400" dirty="0">
+                <a:latin typeface="Courier New" panose="02070309020205020404" pitchFamily="49" charset="0"/>
+                <a:cs typeface="Courier New" panose="02070309020205020404" pitchFamily="49" charset="0"/>
+              </a:rPr>
+              <a:t>Animals, </a:t>
+            </a:r>
+            <a:r>
+              <a:rPr lang="en-US" sz="2400" dirty="0" err="1">
+                <a:latin typeface="Courier New" panose="02070309020205020404" pitchFamily="49" charset="0"/>
+                <a:cs typeface="Courier New" panose="02070309020205020404" pitchFamily="49" charset="0"/>
+              </a:rPr>
               <a:t>ZooMember</a:t>
             </a:r>
             <a:r>
-              <a:rPr lang="en-US" sz="2400" dirty="0"/>
-              <a:t> or </a:t>
-            </a:r>
-            <a:r>
-              <a:rPr lang="en-US" sz="2400" dirty="0" err="1"/>
+              <a:rPr lang="en-US" sz="2400" dirty="0">
+                <a:latin typeface="Courier New" panose="02070309020205020404" pitchFamily="49" charset="0"/>
+                <a:cs typeface="Courier New" panose="02070309020205020404" pitchFamily="49" charset="0"/>
+              </a:rPr>
+              <a:t>, </a:t>
+            </a:r>
+            <a:r>
+              <a:rPr lang="en-US" sz="2400" dirty="0" err="1">
+                <a:latin typeface="Courier New" panose="02070309020205020404" pitchFamily="49" charset="0"/>
+                <a:cs typeface="Courier New" panose="02070309020205020404" pitchFamily="49" charset="0"/>
+              </a:rPr>
               <a:t>ZooFacility</a:t>
             </a:r>
-            <a:r>
-              <a:rPr lang="en-US" sz="2400" dirty="0"/>
-              <a:t>, rather a Zoo has all of these components.</a:t>
-            </a:r>
-          </a:p>
-          <a:p>
-            <a:endParaRPr lang="en-US" sz="2400" dirty="0"/>
-          </a:p>
-          <a:p>
-            <a:endParaRPr lang="en-US" sz="2400" dirty="0"/>
+            <a:endParaRPr lang="en-US" sz="2400" dirty="0">
+              <a:latin typeface="Courier New" panose="02070309020205020404" pitchFamily="49" charset="0"/>
+              <a:cs typeface="Courier New" panose="02070309020205020404" pitchFamily="49" charset="0"/>
+            </a:endParaRPr>
+          </a:p>
+          <a:p>
+            <a:pPr marL="0" indent="0">
+              <a:buNone/>
+            </a:pPr>
+            <a:endParaRPr lang="en-US" dirty="0"/>
+          </a:p>
+          <a:p>
+            <a:pPr marL="0" indent="0">
+              <a:buNone/>
+            </a:pPr>
+            <a:r>
+              <a:rPr lang="en-US" dirty="0"/>
+              <a:t>You need each of these classes to have an effective Zoo.</a:t>
+            </a:r>
           </a:p>
         </p:txBody>
       </p:sp>
     </p:spTree>
     <p:extLst>
       <p:ext uri="{BB962C8B-B14F-4D97-AF65-F5344CB8AC3E}">
-        <p14:creationId xmlns:p14="http://schemas.microsoft.com/office/powerpoint/2010/main" val="763434317"/>
+        <p14:creationId xmlns:p14="http://schemas.microsoft.com/office/powerpoint/2010/main" val="3222473941"/>
       </p:ext>
     </p:extLst>
   </p:cSld>
@@ -29398,156 +29394,6 @@
           <a:p>
             <a:r>
               <a:rPr lang="en-US" dirty="0"/>
-              <a:t>Has-a Relationships</a:t>
-            </a:r>
-          </a:p>
-        </p:txBody>
-      </p:sp>
-      <p:sp>
-        <p:nvSpPr>
-          <p:cNvPr id="3" name="Content Placeholder 2"/>
-          <p:cNvSpPr>
-            <a:spLocks noGrp="1"/>
-          </p:cNvSpPr>
-          <p:nvPr>
-            <p:ph idx="1"/>
-          </p:nvPr>
-        </p:nvSpPr>
-        <p:spPr/>
-        <p:txBody>
-          <a:bodyPr/>
-          <a:lstStyle/>
-          <a:p>
-            <a:pPr marL="0" indent="0">
-              <a:buNone/>
-            </a:pPr>
-            <a:r>
-              <a:rPr lang="en-US" dirty="0"/>
-              <a:t>How would you design a Zoo?</a:t>
-            </a:r>
-          </a:p>
-          <a:p>
-            <a:pPr marL="0" indent="0">
-              <a:buNone/>
-            </a:pPr>
-            <a:endParaRPr lang="en-US" dirty="0"/>
-          </a:p>
-          <a:p>
-            <a:pPr marL="0" indent="0">
-              <a:buNone/>
-            </a:pPr>
-            <a:r>
-              <a:rPr lang="en-US" dirty="0"/>
-              <a:t>A Zoo has many parts:</a:t>
-            </a:r>
-          </a:p>
-          <a:p>
-            <a:pPr marL="0" indent="0">
-              <a:buNone/>
-            </a:pPr>
-            <a:endParaRPr lang="en-US" dirty="0"/>
-          </a:p>
-          <a:p>
-            <a:pPr marL="0" indent="0">
-              <a:buNone/>
-            </a:pPr>
-            <a:r>
-              <a:rPr lang="en-US" sz="2400" dirty="0">
-                <a:latin typeface="Courier New" panose="02070309020205020404" pitchFamily="49" charset="0"/>
-                <a:cs typeface="Courier New" panose="02070309020205020404" pitchFamily="49" charset="0"/>
-              </a:rPr>
-              <a:t>Animals, </a:t>
-            </a:r>
-            <a:r>
-              <a:rPr lang="en-US" sz="2400" dirty="0" err="1">
-                <a:latin typeface="Courier New" panose="02070309020205020404" pitchFamily="49" charset="0"/>
-                <a:cs typeface="Courier New" panose="02070309020205020404" pitchFamily="49" charset="0"/>
-              </a:rPr>
-              <a:t>ZooMember</a:t>
-            </a:r>
-            <a:r>
-              <a:rPr lang="en-US" sz="2400" dirty="0">
-                <a:latin typeface="Courier New" panose="02070309020205020404" pitchFamily="49" charset="0"/>
-                <a:cs typeface="Courier New" panose="02070309020205020404" pitchFamily="49" charset="0"/>
-              </a:rPr>
-              <a:t>, </a:t>
-            </a:r>
-            <a:r>
-              <a:rPr lang="en-US" sz="2400" dirty="0" err="1">
-                <a:latin typeface="Courier New" panose="02070309020205020404" pitchFamily="49" charset="0"/>
-                <a:cs typeface="Courier New" panose="02070309020205020404" pitchFamily="49" charset="0"/>
-              </a:rPr>
-              <a:t>ZooFacility</a:t>
-            </a:r>
-            <a:endParaRPr lang="en-US" sz="2400" dirty="0">
-              <a:latin typeface="Courier New" panose="02070309020205020404" pitchFamily="49" charset="0"/>
-              <a:cs typeface="Courier New" panose="02070309020205020404" pitchFamily="49" charset="0"/>
-            </a:endParaRPr>
-          </a:p>
-          <a:p>
-            <a:pPr marL="0" indent="0">
-              <a:buNone/>
-            </a:pPr>
-            <a:endParaRPr lang="en-US" dirty="0"/>
-          </a:p>
-          <a:p>
-            <a:pPr marL="0" indent="0">
-              <a:buNone/>
-            </a:pPr>
-            <a:r>
-              <a:rPr lang="en-US" dirty="0"/>
-              <a:t>You need each of these classes to have an effective Zoo.</a:t>
-            </a:r>
-          </a:p>
-        </p:txBody>
-      </p:sp>
-    </p:spTree>
-    <p:extLst>
-      <p:ext uri="{BB962C8B-B14F-4D97-AF65-F5344CB8AC3E}">
-        <p14:creationId xmlns:p14="http://schemas.microsoft.com/office/powerpoint/2010/main" val="3222473941"/>
-      </p:ext>
-    </p:extLst>
-  </p:cSld>
-  <p:clrMapOvr>
-    <a:masterClrMapping/>
-  </p:clrMapOvr>
-</p:sld>
-</file>
-
-<file path=ppt/slides/slide72.xml><?xml version="1.0" encoding="utf-8"?>
-<p:sld xmlns:a="http://schemas.openxmlformats.org/drawingml/2006/main" xmlns:r="http://schemas.openxmlformats.org/officeDocument/2006/relationships" xmlns:p="http://schemas.openxmlformats.org/presentationml/2006/main">
-  <p:cSld>
-    <p:spTree>
-      <p:nvGrpSpPr>
-        <p:cNvPr id="1" name=""/>
-        <p:cNvGrpSpPr/>
-        <p:nvPr/>
-      </p:nvGrpSpPr>
-      <p:grpSpPr>
-        <a:xfrm>
-          <a:off x="0" y="0"/>
-          <a:ext cx="0" cy="0"/>
-          <a:chOff x="0" y="0"/>
-          <a:chExt cx="0" cy="0"/>
-        </a:xfrm>
-      </p:grpSpPr>
-      <p:sp>
-        <p:nvSpPr>
-          <p:cNvPr id="2" name="Title 1"/>
-          <p:cNvSpPr>
-            <a:spLocks noGrp="1"/>
-          </p:cNvSpPr>
-          <p:nvPr>
-            <p:ph type="title"/>
-          </p:nvPr>
-        </p:nvSpPr>
-        <p:spPr/>
-        <p:txBody>
-          <a:bodyPr/>
-          <a:lstStyle/>
-          <a:p>
-            <a:r>
-              <a:rPr lang="en-US" dirty="0"/>
               <a:t>Declaring a Has-a Relationship</a:t>
             </a:r>
           </a:p>
@@ -29737,7 +29583,7 @@
 </p:sld>
 </file>
 
-<file path=ppt/slides/slide73.xml><?xml version="1.0" encoding="utf-8"?>
+<file path=ppt/slides/slide72.xml><?xml version="1.0" encoding="utf-8"?>
 <p:sld xmlns:a="http://schemas.openxmlformats.org/drawingml/2006/main" xmlns:r="http://schemas.openxmlformats.org/officeDocument/2006/relationships" xmlns:p="http://schemas.openxmlformats.org/presentationml/2006/main">
   <p:cSld>
     <p:spTree>
@@ -29938,7 +29784,7 @@
 </p:sld>
 </file>
 
-<file path=ppt/slides/slide74.xml><?xml version="1.0" encoding="utf-8"?>
+<file path=ppt/slides/slide73.xml><?xml version="1.0" encoding="utf-8"?>
 <p:sld xmlns:a="http://schemas.openxmlformats.org/drawingml/2006/main" xmlns:r="http://schemas.openxmlformats.org/officeDocument/2006/relationships" xmlns:p="http://schemas.openxmlformats.org/presentationml/2006/main">
   <p:cSld>
     <p:spTree>
@@ -29996,7 +29842,7 @@
 </p:sld>
 </file>
 
-<file path=ppt/slides/slide75.xml><?xml version="1.0" encoding="utf-8"?>
+<file path=ppt/slides/slide74.xml><?xml version="1.0" encoding="utf-8"?>
 <p:sld xmlns:a="http://schemas.openxmlformats.org/drawingml/2006/main" xmlns:r="http://schemas.openxmlformats.org/officeDocument/2006/relationships" xmlns:p="http://schemas.openxmlformats.org/presentationml/2006/main">
   <p:cSld>
     <p:spTree>
@@ -30081,7 +29927,7 @@
 </p:sld>
 </file>
 
-<file path=ppt/slides/slide76.xml><?xml version="1.0" encoding="utf-8"?>
+<file path=ppt/slides/slide75.xml><?xml version="1.0" encoding="utf-8"?>
 <p:sld xmlns:a="http://schemas.openxmlformats.org/drawingml/2006/main" xmlns:r="http://schemas.openxmlformats.org/officeDocument/2006/relationships" xmlns:p="http://schemas.openxmlformats.org/presentationml/2006/main">
   <p:cSld>
     <p:spTree>
@@ -30156,6 +30002,104 @@
     <p:extLst>
       <p:ext uri="{BB962C8B-B14F-4D97-AF65-F5344CB8AC3E}">
         <p14:creationId xmlns:p14="http://schemas.microsoft.com/office/powerpoint/2010/main" val="546057595"/>
+      </p:ext>
+    </p:extLst>
+  </p:cSld>
+  <p:clrMapOvr>
+    <a:masterClrMapping/>
+  </p:clrMapOvr>
+</p:sld>
+</file>
+
+<file path=ppt/slides/slide76.xml><?xml version="1.0" encoding="utf-8"?>
+<p:sld xmlns:a="http://schemas.openxmlformats.org/drawingml/2006/main" xmlns:r="http://schemas.openxmlformats.org/officeDocument/2006/relationships" xmlns:p="http://schemas.openxmlformats.org/presentationml/2006/main">
+  <p:cSld>
+    <p:spTree>
+      <p:nvGrpSpPr>
+        <p:cNvPr id="1" name=""/>
+        <p:cNvGrpSpPr/>
+        <p:nvPr/>
+      </p:nvGrpSpPr>
+      <p:grpSpPr>
+        <a:xfrm>
+          <a:off x="0" y="0"/>
+          <a:ext cx="0" cy="0"/>
+          <a:chOff x="0" y="0"/>
+          <a:chExt cx="0" cy="0"/>
+        </a:xfrm>
+      </p:grpSpPr>
+      <p:sp>
+        <p:nvSpPr>
+          <p:cNvPr id="2" name="Title 1"/>
+          <p:cNvSpPr>
+            <a:spLocks noGrp="1"/>
+          </p:cNvSpPr>
+          <p:nvPr>
+            <p:ph type="title"/>
+          </p:nvPr>
+        </p:nvSpPr>
+        <p:spPr/>
+        <p:txBody>
+          <a:bodyPr/>
+          <a:lstStyle/>
+          <a:p>
+            <a:r>
+              <a:rPr lang="en-US" dirty="0"/>
+              <a:t>What are some limitations to inheritance?</a:t>
+            </a:r>
+          </a:p>
+        </p:txBody>
+      </p:sp>
+      <p:sp>
+        <p:nvSpPr>
+          <p:cNvPr id="3" name="Content Placeholder 2"/>
+          <p:cNvSpPr>
+            <a:spLocks noGrp="1"/>
+          </p:cNvSpPr>
+          <p:nvPr>
+            <p:ph idx="1"/>
+          </p:nvPr>
+        </p:nvSpPr>
+        <p:spPr/>
+        <p:txBody>
+          <a:bodyPr/>
+          <a:lstStyle/>
+          <a:p>
+            <a:pPr marL="0" indent="0">
+              <a:buNone/>
+            </a:pPr>
+            <a:endParaRPr lang="en-US" dirty="0"/>
+          </a:p>
+          <a:p>
+            <a:pPr marL="0" indent="0">
+              <a:buNone/>
+            </a:pPr>
+            <a:r>
+              <a:rPr lang="en-US" dirty="0"/>
+              <a:t>Can we inherit code from more than one superclass?</a:t>
+            </a:r>
+          </a:p>
+          <a:p>
+            <a:pPr marL="0" indent="0">
+              <a:buNone/>
+            </a:pPr>
+            <a:endParaRPr lang="en-US" dirty="0"/>
+          </a:p>
+          <a:p>
+            <a:pPr marL="0" indent="0">
+              <a:buNone/>
+            </a:pPr>
+            <a:r>
+              <a:rPr lang="en-US" dirty="0"/>
+              <a:t>Can we have an is-a relationship or polymorphism without giving the subclass access to our code?</a:t>
+            </a:r>
+          </a:p>
+        </p:txBody>
+      </p:sp>
+    </p:spTree>
+    <p:extLst>
+      <p:ext uri="{BB962C8B-B14F-4D97-AF65-F5344CB8AC3E}">
+        <p14:creationId xmlns:p14="http://schemas.microsoft.com/office/powerpoint/2010/main" val="1214770709"/>
       </p:ext>
     </p:extLst>
   </p:cSld>
@@ -30194,12 +30138,14 @@
         </p:nvSpPr>
         <p:spPr/>
         <p:txBody>
-          <a:bodyPr/>
+          <a:bodyPr>
+            <a:normAutofit/>
+          </a:bodyPr>
           <a:lstStyle/>
           <a:p>
             <a:r>
               <a:rPr lang="en-US" dirty="0"/>
-              <a:t>What are some limitations to inheritance?</a:t>
+              <a:t>Interfaces</a:t>
             </a:r>
           </a:p>
         </p:txBody>
@@ -30222,106 +30168,6 @@
             <a:pPr marL="0" indent="0">
               <a:buNone/>
             </a:pPr>
-            <a:endParaRPr lang="en-US" dirty="0"/>
-          </a:p>
-          <a:p>
-            <a:pPr marL="0" indent="0">
-              <a:buNone/>
-            </a:pPr>
-            <a:r>
-              <a:rPr lang="en-US" dirty="0"/>
-              <a:t>Can we inherit code from more than one superclass?</a:t>
-            </a:r>
-          </a:p>
-          <a:p>
-            <a:pPr marL="0" indent="0">
-              <a:buNone/>
-            </a:pPr>
-            <a:endParaRPr lang="en-US" dirty="0"/>
-          </a:p>
-          <a:p>
-            <a:pPr marL="0" indent="0">
-              <a:buNone/>
-            </a:pPr>
-            <a:r>
-              <a:rPr lang="en-US" dirty="0"/>
-              <a:t>Can we have an is-a relationship or polymorphism without giving the subclass access to our code?</a:t>
-            </a:r>
-          </a:p>
-        </p:txBody>
-      </p:sp>
-    </p:spTree>
-    <p:extLst>
-      <p:ext uri="{BB962C8B-B14F-4D97-AF65-F5344CB8AC3E}">
-        <p14:creationId xmlns:p14="http://schemas.microsoft.com/office/powerpoint/2010/main" val="1214770709"/>
-      </p:ext>
-    </p:extLst>
-  </p:cSld>
-  <p:clrMapOvr>
-    <a:masterClrMapping/>
-  </p:clrMapOvr>
-</p:sld>
-</file>
-
-<file path=ppt/slides/slide78.xml><?xml version="1.0" encoding="utf-8"?>
-<p:sld xmlns:a="http://schemas.openxmlformats.org/drawingml/2006/main" xmlns:r="http://schemas.openxmlformats.org/officeDocument/2006/relationships" xmlns:p="http://schemas.openxmlformats.org/presentationml/2006/main">
-  <p:cSld>
-    <p:spTree>
-      <p:nvGrpSpPr>
-        <p:cNvPr id="1" name=""/>
-        <p:cNvGrpSpPr/>
-        <p:nvPr/>
-      </p:nvGrpSpPr>
-      <p:grpSpPr>
-        <a:xfrm>
-          <a:off x="0" y="0"/>
-          <a:ext cx="0" cy="0"/>
-          <a:chOff x="0" y="0"/>
-          <a:chExt cx="0" cy="0"/>
-        </a:xfrm>
-      </p:grpSpPr>
-      <p:sp>
-        <p:nvSpPr>
-          <p:cNvPr id="2" name="Title 1"/>
-          <p:cNvSpPr>
-            <a:spLocks noGrp="1"/>
-          </p:cNvSpPr>
-          <p:nvPr>
-            <p:ph type="title"/>
-          </p:nvPr>
-        </p:nvSpPr>
-        <p:spPr/>
-        <p:txBody>
-          <a:bodyPr>
-            <a:normAutofit/>
-          </a:bodyPr>
-          <a:lstStyle/>
-          <a:p>
-            <a:r>
-              <a:rPr lang="en-US" dirty="0"/>
-              <a:t>Interfaces</a:t>
-            </a:r>
-          </a:p>
-        </p:txBody>
-      </p:sp>
-      <p:sp>
-        <p:nvSpPr>
-          <p:cNvPr id="3" name="Content Placeholder 2"/>
-          <p:cNvSpPr>
-            <a:spLocks noGrp="1"/>
-          </p:cNvSpPr>
-          <p:nvPr>
-            <p:ph idx="1"/>
-          </p:nvPr>
-        </p:nvSpPr>
-        <p:spPr/>
-        <p:txBody>
-          <a:bodyPr/>
-          <a:lstStyle/>
-          <a:p>
-            <a:pPr marL="0" indent="0">
-              <a:buNone/>
-            </a:pPr>
             <a:r>
               <a:rPr lang="en-US" dirty="0"/>
               <a:t>Offer a means to share a common </a:t>
@@ -30398,7 +30244,7 @@
 </p:sld>
 </file>
 
-<file path=ppt/slides/slide79.xml><?xml version="1.0" encoding="utf-8"?>
+<file path=ppt/slides/slide78.xml><?xml version="1.0" encoding="utf-8"?>
 <p:sld xmlns:a="http://schemas.openxmlformats.org/drawingml/2006/main" xmlns:r="http://schemas.openxmlformats.org/officeDocument/2006/relationships" xmlns:p="http://schemas.openxmlformats.org/presentationml/2006/main">
   <p:cSld>
     <p:spTree>
@@ -30477,7 +30323,7 @@
             <a:effectLst/>
             <a:extLst>
               <a:ext uri="{C572A759-6A51-4108-AA02-DFA0A04FC94B}">
-                <ma14:wrappingTextBoxFlag xmlns="" xmlns:wpc="http://schemas.microsoft.com/office/word/2010/wordprocessingCanvas" xmlns:mo="http://schemas.microsoft.com/office/mac/office/2008/main" xmlns:mc="http://schemas.openxmlformats.org/markup-compatibility/2006" xmlns:mv="urn:schemas-microsoft-com:mac:vml" xmlns:o="urn:schemas-microsoft-com:office:office" xmlns:m="http://schemas.openxmlformats.org/officeDocument/2006/math" xmlns:v="urn:schemas-microsoft-com:vml" xmlns:wp14="http://schemas.microsoft.com/office/word/2010/wordprocessingDrawing" xmlns:wp="http://schemas.openxmlformats.org/drawingml/2006/wordprocessingDrawing" xmlns:w10="urn:schemas-microsoft-com:office:word" xmlns:w="http://schemas.openxmlformats.org/wordprocessingml/2006/main" xmlns:w14="http://schemas.microsoft.com/office/word/2010/wordml" xmlns:wpg="http://schemas.microsoft.com/office/word/2010/wordprocessingGroup" xmlns:wpi="http://schemas.microsoft.com/office/word/2010/wordprocessingInk" xmlns:wne="http://schemas.microsoft.com/office/word/2006/wordml" xmlns:wps="http://schemas.microsoft.com/office/word/2010/wordprocessingShape" xmlns:ma14="http://schemas.microsoft.com/office/mac/drawingml/2011/main" xmlns:lc="http://schemas.openxmlformats.org/drawingml/2006/lockedCanvas"/>
+                <ma14:wrappingTextBoxFlag xmlns:lc="http://schemas.openxmlformats.org/drawingml/2006/lockedCanvas" xmlns:ma14="http://schemas.microsoft.com/office/mac/drawingml/2011/main" xmlns:wps="http://schemas.microsoft.com/office/word/2010/wordprocessingShape" xmlns:wne="http://schemas.microsoft.com/office/word/2006/wordml" xmlns:wpi="http://schemas.microsoft.com/office/word/2010/wordprocessingInk" xmlns:wpg="http://schemas.microsoft.com/office/word/2010/wordprocessingGroup" xmlns:w14="http://schemas.microsoft.com/office/word/2010/wordml" xmlns:w="http://schemas.openxmlformats.org/wordprocessingml/2006/main" xmlns:w10="urn:schemas-microsoft-com:office:word" xmlns:wp="http://schemas.openxmlformats.org/drawingml/2006/wordprocessingDrawing" xmlns:wp14="http://schemas.microsoft.com/office/word/2010/wordprocessingDrawing" xmlns:v="urn:schemas-microsoft-com:vml" xmlns:m="http://schemas.openxmlformats.org/officeDocument/2006/math" xmlns:o="urn:schemas-microsoft-com:office:office" xmlns:mv="urn:schemas-microsoft-com:mac:vml" xmlns:mc="http://schemas.openxmlformats.org/markup-compatibility/2006" xmlns:mo="http://schemas.microsoft.com/office/mac/office/2008/main" xmlns:wpc="http://schemas.microsoft.com/office/word/2010/wordprocessingCanvas" xmlns=""/>
               </a:ext>
             </a:extLst>
           </p:spPr>
@@ -30558,7 +30404,7 @@
             <a:effectLst/>
             <a:extLst>
               <a:ext uri="{C572A759-6A51-4108-AA02-DFA0A04FC94B}">
-                <ma14:wrappingTextBoxFlag xmlns="" xmlns:wpc="http://schemas.microsoft.com/office/word/2010/wordprocessingCanvas" xmlns:mo="http://schemas.microsoft.com/office/mac/office/2008/main" xmlns:mc="http://schemas.openxmlformats.org/markup-compatibility/2006" xmlns:mv="urn:schemas-microsoft-com:mac:vml" xmlns:o="urn:schemas-microsoft-com:office:office" xmlns:m="http://schemas.openxmlformats.org/officeDocument/2006/math" xmlns:v="urn:schemas-microsoft-com:vml" xmlns:wp14="http://schemas.microsoft.com/office/word/2010/wordprocessingDrawing" xmlns:wp="http://schemas.openxmlformats.org/drawingml/2006/wordprocessingDrawing" xmlns:w10="urn:schemas-microsoft-com:office:word" xmlns:w="http://schemas.openxmlformats.org/wordprocessingml/2006/main" xmlns:w14="http://schemas.microsoft.com/office/word/2010/wordml" xmlns:wpg="http://schemas.microsoft.com/office/word/2010/wordprocessingGroup" xmlns:wpi="http://schemas.microsoft.com/office/word/2010/wordprocessingInk" xmlns:wne="http://schemas.microsoft.com/office/word/2006/wordml" xmlns:wps="http://schemas.microsoft.com/office/word/2010/wordprocessingShape" xmlns:ma14="http://schemas.microsoft.com/office/mac/drawingml/2011/main" xmlns:lc="http://schemas.openxmlformats.org/drawingml/2006/lockedCanvas"/>
+                <ma14:wrappingTextBoxFlag xmlns:lc="http://schemas.openxmlformats.org/drawingml/2006/lockedCanvas" xmlns:ma14="http://schemas.microsoft.com/office/mac/drawingml/2011/main" xmlns:wps="http://schemas.microsoft.com/office/word/2010/wordprocessingShape" xmlns:wne="http://schemas.microsoft.com/office/word/2006/wordml" xmlns:wpi="http://schemas.microsoft.com/office/word/2010/wordprocessingInk" xmlns:wpg="http://schemas.microsoft.com/office/word/2010/wordprocessingGroup" xmlns:w14="http://schemas.microsoft.com/office/word/2010/wordml" xmlns:w="http://schemas.openxmlformats.org/wordprocessingml/2006/main" xmlns:w10="urn:schemas-microsoft-com:office:word" xmlns:wp="http://schemas.openxmlformats.org/drawingml/2006/wordprocessingDrawing" xmlns:wp14="http://schemas.microsoft.com/office/word/2010/wordprocessingDrawing" xmlns:v="urn:schemas-microsoft-com:vml" xmlns:m="http://schemas.openxmlformats.org/officeDocument/2006/math" xmlns:o="urn:schemas-microsoft-com:office:office" xmlns:mv="urn:schemas-microsoft-com:mac:vml" xmlns:mc="http://schemas.openxmlformats.org/markup-compatibility/2006" xmlns:mo="http://schemas.microsoft.com/office/mac/office/2008/main" xmlns:wpc="http://schemas.microsoft.com/office/word/2010/wordprocessingCanvas" xmlns=""/>
               </a:ext>
             </a:extLst>
           </p:spPr>
@@ -30639,7 +30485,7 @@
             <a:effectLst/>
             <a:extLst>
               <a:ext uri="{C572A759-6A51-4108-AA02-DFA0A04FC94B}">
-                <ma14:wrappingTextBoxFlag xmlns="" xmlns:wpc="http://schemas.microsoft.com/office/word/2010/wordprocessingCanvas" xmlns:mo="http://schemas.microsoft.com/office/mac/office/2008/main" xmlns:mc="http://schemas.openxmlformats.org/markup-compatibility/2006" xmlns:mv="urn:schemas-microsoft-com:mac:vml" xmlns:o="urn:schemas-microsoft-com:office:office" xmlns:m="http://schemas.openxmlformats.org/officeDocument/2006/math" xmlns:v="urn:schemas-microsoft-com:vml" xmlns:wp14="http://schemas.microsoft.com/office/word/2010/wordprocessingDrawing" xmlns:wp="http://schemas.openxmlformats.org/drawingml/2006/wordprocessingDrawing" xmlns:w10="urn:schemas-microsoft-com:office:word" xmlns:w="http://schemas.openxmlformats.org/wordprocessingml/2006/main" xmlns:w14="http://schemas.microsoft.com/office/word/2010/wordml" xmlns:wpg="http://schemas.microsoft.com/office/word/2010/wordprocessingGroup" xmlns:wpi="http://schemas.microsoft.com/office/word/2010/wordprocessingInk" xmlns:wne="http://schemas.microsoft.com/office/word/2006/wordml" xmlns:wps="http://schemas.microsoft.com/office/word/2010/wordprocessingShape" xmlns:ma14="http://schemas.microsoft.com/office/mac/drawingml/2011/main" xmlns:lc="http://schemas.openxmlformats.org/drawingml/2006/lockedCanvas"/>
+                <ma14:wrappingTextBoxFlag xmlns:lc="http://schemas.openxmlformats.org/drawingml/2006/lockedCanvas" xmlns:ma14="http://schemas.microsoft.com/office/mac/drawingml/2011/main" xmlns:wps="http://schemas.microsoft.com/office/word/2010/wordprocessingShape" xmlns:wne="http://schemas.microsoft.com/office/word/2006/wordml" xmlns:wpi="http://schemas.microsoft.com/office/word/2010/wordprocessingInk" xmlns:wpg="http://schemas.microsoft.com/office/word/2010/wordprocessingGroup" xmlns:w14="http://schemas.microsoft.com/office/word/2010/wordml" xmlns:w="http://schemas.openxmlformats.org/wordprocessingml/2006/main" xmlns:w10="urn:schemas-microsoft-com:office:word" xmlns:wp="http://schemas.openxmlformats.org/drawingml/2006/wordprocessingDrawing" xmlns:wp14="http://schemas.microsoft.com/office/word/2010/wordprocessingDrawing" xmlns:v="urn:schemas-microsoft-com:vml" xmlns:m="http://schemas.openxmlformats.org/officeDocument/2006/math" xmlns:o="urn:schemas-microsoft-com:office:office" xmlns:mv="urn:schemas-microsoft-com:mac:vml" xmlns:mc="http://schemas.openxmlformats.org/markup-compatibility/2006" xmlns:mo="http://schemas.microsoft.com/office/mac/office/2008/main" xmlns:wpc="http://schemas.microsoft.com/office/word/2010/wordprocessingCanvas" xmlns=""/>
               </a:ext>
             </a:extLst>
           </p:spPr>
@@ -30720,7 +30566,7 @@
             <a:effectLst/>
             <a:extLst>
               <a:ext uri="{C572A759-6A51-4108-AA02-DFA0A04FC94B}">
-                <ma14:wrappingTextBoxFlag xmlns="" xmlns:wpc="http://schemas.microsoft.com/office/word/2010/wordprocessingCanvas" xmlns:mo="http://schemas.microsoft.com/office/mac/office/2008/main" xmlns:mc="http://schemas.openxmlformats.org/markup-compatibility/2006" xmlns:mv="urn:schemas-microsoft-com:mac:vml" xmlns:o="urn:schemas-microsoft-com:office:office" xmlns:m="http://schemas.openxmlformats.org/officeDocument/2006/math" xmlns:v="urn:schemas-microsoft-com:vml" xmlns:wp14="http://schemas.microsoft.com/office/word/2010/wordprocessingDrawing" xmlns:wp="http://schemas.openxmlformats.org/drawingml/2006/wordprocessingDrawing" xmlns:w10="urn:schemas-microsoft-com:office:word" xmlns:w="http://schemas.openxmlformats.org/wordprocessingml/2006/main" xmlns:w14="http://schemas.microsoft.com/office/word/2010/wordml" xmlns:wpg="http://schemas.microsoft.com/office/word/2010/wordprocessingGroup" xmlns:wpi="http://schemas.microsoft.com/office/word/2010/wordprocessingInk" xmlns:wne="http://schemas.microsoft.com/office/word/2006/wordml" xmlns:wps="http://schemas.microsoft.com/office/word/2010/wordprocessingShape" xmlns:ma14="http://schemas.microsoft.com/office/mac/drawingml/2011/main" xmlns:lc="http://schemas.openxmlformats.org/drawingml/2006/lockedCanvas"/>
+                <ma14:wrappingTextBoxFlag xmlns:lc="http://schemas.openxmlformats.org/drawingml/2006/lockedCanvas" xmlns:ma14="http://schemas.microsoft.com/office/mac/drawingml/2011/main" xmlns:wps="http://schemas.microsoft.com/office/word/2010/wordprocessingShape" xmlns:wne="http://schemas.microsoft.com/office/word/2006/wordml" xmlns:wpi="http://schemas.microsoft.com/office/word/2010/wordprocessingInk" xmlns:wpg="http://schemas.microsoft.com/office/word/2010/wordprocessingGroup" xmlns:w14="http://schemas.microsoft.com/office/word/2010/wordml" xmlns:w="http://schemas.openxmlformats.org/wordprocessingml/2006/main" xmlns:w10="urn:schemas-microsoft-com:office:word" xmlns:wp="http://schemas.openxmlformats.org/drawingml/2006/wordprocessingDrawing" xmlns:wp14="http://schemas.microsoft.com/office/word/2010/wordprocessingDrawing" xmlns:v="urn:schemas-microsoft-com:vml" xmlns:m="http://schemas.openxmlformats.org/officeDocument/2006/math" xmlns:o="urn:schemas-microsoft-com:office:office" xmlns:mv="urn:schemas-microsoft-com:mac:vml" xmlns:mc="http://schemas.openxmlformats.org/markup-compatibility/2006" xmlns:mo="http://schemas.microsoft.com/office/mac/office/2008/main" xmlns:wpc="http://schemas.microsoft.com/office/word/2010/wordprocessingCanvas" xmlns=""/>
               </a:ext>
             </a:extLst>
           </p:spPr>
@@ -30801,7 +30647,7 @@
             <a:effectLst/>
             <a:extLst>
               <a:ext uri="{C572A759-6A51-4108-AA02-DFA0A04FC94B}">
-                <ma14:wrappingTextBoxFlag xmlns="" xmlns:wpc="http://schemas.microsoft.com/office/word/2010/wordprocessingCanvas" xmlns:mo="http://schemas.microsoft.com/office/mac/office/2008/main" xmlns:mc="http://schemas.openxmlformats.org/markup-compatibility/2006" xmlns:mv="urn:schemas-microsoft-com:mac:vml" xmlns:o="urn:schemas-microsoft-com:office:office" xmlns:m="http://schemas.openxmlformats.org/officeDocument/2006/math" xmlns:v="urn:schemas-microsoft-com:vml" xmlns:wp14="http://schemas.microsoft.com/office/word/2010/wordprocessingDrawing" xmlns:wp="http://schemas.openxmlformats.org/drawingml/2006/wordprocessingDrawing" xmlns:w10="urn:schemas-microsoft-com:office:word" xmlns:w="http://schemas.openxmlformats.org/wordprocessingml/2006/main" xmlns:w14="http://schemas.microsoft.com/office/word/2010/wordml" xmlns:wpg="http://schemas.microsoft.com/office/word/2010/wordprocessingGroup" xmlns:wpi="http://schemas.microsoft.com/office/word/2010/wordprocessingInk" xmlns:wne="http://schemas.microsoft.com/office/word/2006/wordml" xmlns:wps="http://schemas.microsoft.com/office/word/2010/wordprocessingShape" xmlns:ma14="http://schemas.microsoft.com/office/mac/drawingml/2011/main" xmlns:lc="http://schemas.openxmlformats.org/drawingml/2006/lockedCanvas"/>
+                <ma14:wrappingTextBoxFlag xmlns:lc="http://schemas.openxmlformats.org/drawingml/2006/lockedCanvas" xmlns:ma14="http://schemas.microsoft.com/office/mac/drawingml/2011/main" xmlns:wps="http://schemas.microsoft.com/office/word/2010/wordprocessingShape" xmlns:wne="http://schemas.microsoft.com/office/word/2006/wordml" xmlns:wpi="http://schemas.microsoft.com/office/word/2010/wordprocessingInk" xmlns:wpg="http://schemas.microsoft.com/office/word/2010/wordprocessingGroup" xmlns:w14="http://schemas.microsoft.com/office/word/2010/wordml" xmlns:w="http://schemas.openxmlformats.org/wordprocessingml/2006/main" xmlns:w10="urn:schemas-microsoft-com:office:word" xmlns:wp="http://schemas.openxmlformats.org/drawingml/2006/wordprocessingDrawing" xmlns:wp14="http://schemas.microsoft.com/office/word/2010/wordprocessingDrawing" xmlns:v="urn:schemas-microsoft-com:vml" xmlns:m="http://schemas.openxmlformats.org/officeDocument/2006/math" xmlns:o="urn:schemas-microsoft-com:office:office" xmlns:mv="urn:schemas-microsoft-com:mac:vml" xmlns:mc="http://schemas.openxmlformats.org/markup-compatibility/2006" xmlns:mo="http://schemas.microsoft.com/office/mac/office/2008/main" xmlns:wpc="http://schemas.microsoft.com/office/word/2010/wordprocessingCanvas" xmlns=""/>
               </a:ext>
             </a:extLst>
           </p:spPr>
@@ -30917,7 +30763,7 @@
             <a:effectLst/>
             <a:extLst>
               <a:ext uri="{C572A759-6A51-4108-AA02-DFA0A04FC94B}">
-                <ma14:wrappingTextBoxFlag xmlns="" xmlns:wpc="http://schemas.microsoft.com/office/word/2010/wordprocessingCanvas" xmlns:mo="http://schemas.microsoft.com/office/mac/office/2008/main" xmlns:mc="http://schemas.openxmlformats.org/markup-compatibility/2006" xmlns:mv="urn:schemas-microsoft-com:mac:vml" xmlns:o="urn:schemas-microsoft-com:office:office" xmlns:m="http://schemas.openxmlformats.org/officeDocument/2006/math" xmlns:v="urn:schemas-microsoft-com:vml" xmlns:wp14="http://schemas.microsoft.com/office/word/2010/wordprocessingDrawing" xmlns:wp="http://schemas.openxmlformats.org/drawingml/2006/wordprocessingDrawing" xmlns:w10="urn:schemas-microsoft-com:office:word" xmlns:w="http://schemas.openxmlformats.org/wordprocessingml/2006/main" xmlns:w14="http://schemas.microsoft.com/office/word/2010/wordml" xmlns:wpg="http://schemas.microsoft.com/office/word/2010/wordprocessingGroup" xmlns:wpi="http://schemas.microsoft.com/office/word/2010/wordprocessingInk" xmlns:wne="http://schemas.microsoft.com/office/word/2006/wordml" xmlns:wps="http://schemas.microsoft.com/office/word/2010/wordprocessingShape" xmlns:ma14="http://schemas.microsoft.com/office/mac/drawingml/2011/main" xmlns:lc="http://schemas.openxmlformats.org/drawingml/2006/lockedCanvas"/>
+                <ma14:wrappingTextBoxFlag xmlns:lc="http://schemas.openxmlformats.org/drawingml/2006/lockedCanvas" xmlns:ma14="http://schemas.microsoft.com/office/mac/drawingml/2011/main" xmlns:wps="http://schemas.microsoft.com/office/word/2010/wordprocessingShape" xmlns:wne="http://schemas.microsoft.com/office/word/2006/wordml" xmlns:wpi="http://schemas.microsoft.com/office/word/2010/wordprocessingInk" xmlns:wpg="http://schemas.microsoft.com/office/word/2010/wordprocessingGroup" xmlns:w14="http://schemas.microsoft.com/office/word/2010/wordml" xmlns:w="http://schemas.openxmlformats.org/wordprocessingml/2006/main" xmlns:w10="urn:schemas-microsoft-com:office:word" xmlns:wp="http://schemas.openxmlformats.org/drawingml/2006/wordprocessingDrawing" xmlns:wp14="http://schemas.microsoft.com/office/word/2010/wordprocessingDrawing" xmlns:v="urn:schemas-microsoft-com:vml" xmlns:m="http://schemas.openxmlformats.org/officeDocument/2006/math" xmlns:o="urn:schemas-microsoft-com:office:office" xmlns:mv="urn:schemas-microsoft-com:mac:vml" xmlns:mc="http://schemas.openxmlformats.org/markup-compatibility/2006" xmlns:mo="http://schemas.microsoft.com/office/mac/office/2008/main" xmlns:wpc="http://schemas.microsoft.com/office/word/2010/wordprocessingCanvas" xmlns=""/>
               </a:ext>
             </a:extLst>
           </p:spPr>
@@ -31033,7 +30879,7 @@
             <a:effectLst/>
             <a:extLst>
               <a:ext uri="{C572A759-6A51-4108-AA02-DFA0A04FC94B}">
-                <ma14:wrappingTextBoxFlag xmlns="" xmlns:wpc="http://schemas.microsoft.com/office/word/2010/wordprocessingCanvas" xmlns:mo="http://schemas.microsoft.com/office/mac/office/2008/main" xmlns:mc="http://schemas.openxmlformats.org/markup-compatibility/2006" xmlns:mv="urn:schemas-microsoft-com:mac:vml" xmlns:o="urn:schemas-microsoft-com:office:office" xmlns:m="http://schemas.openxmlformats.org/officeDocument/2006/math" xmlns:v="urn:schemas-microsoft-com:vml" xmlns:wp14="http://schemas.microsoft.com/office/word/2010/wordprocessingDrawing" xmlns:wp="http://schemas.openxmlformats.org/drawingml/2006/wordprocessingDrawing" xmlns:w10="urn:schemas-microsoft-com:office:word" xmlns:w="http://schemas.openxmlformats.org/wordprocessingml/2006/main" xmlns:w14="http://schemas.microsoft.com/office/word/2010/wordml" xmlns:wpg="http://schemas.microsoft.com/office/word/2010/wordprocessingGroup" xmlns:wpi="http://schemas.microsoft.com/office/word/2010/wordprocessingInk" xmlns:wne="http://schemas.microsoft.com/office/word/2006/wordml" xmlns:wps="http://schemas.microsoft.com/office/word/2010/wordprocessingShape" xmlns:ma14="http://schemas.microsoft.com/office/mac/drawingml/2011/main" xmlns:lc="http://schemas.openxmlformats.org/drawingml/2006/lockedCanvas"/>
+                <ma14:wrappingTextBoxFlag xmlns:lc="http://schemas.openxmlformats.org/drawingml/2006/lockedCanvas" xmlns:ma14="http://schemas.microsoft.com/office/mac/drawingml/2011/main" xmlns:wps="http://schemas.microsoft.com/office/word/2010/wordprocessingShape" xmlns:wne="http://schemas.microsoft.com/office/word/2006/wordml" xmlns:wpi="http://schemas.microsoft.com/office/word/2010/wordprocessingInk" xmlns:wpg="http://schemas.microsoft.com/office/word/2010/wordprocessingGroup" xmlns:w14="http://schemas.microsoft.com/office/word/2010/wordml" xmlns:w="http://schemas.openxmlformats.org/wordprocessingml/2006/main" xmlns:w10="urn:schemas-microsoft-com:office:word" xmlns:wp="http://schemas.openxmlformats.org/drawingml/2006/wordprocessingDrawing" xmlns:wp14="http://schemas.microsoft.com/office/word/2010/wordprocessingDrawing" xmlns:v="urn:schemas-microsoft-com:vml" xmlns:m="http://schemas.openxmlformats.org/officeDocument/2006/math" xmlns:o="urn:schemas-microsoft-com:office:office" xmlns:mv="urn:schemas-microsoft-com:mac:vml" xmlns:mc="http://schemas.openxmlformats.org/markup-compatibility/2006" xmlns:mo="http://schemas.microsoft.com/office/mac/office/2008/main" xmlns:wpc="http://schemas.microsoft.com/office/word/2010/wordprocessingCanvas" xmlns=""/>
               </a:ext>
             </a:extLst>
           </p:spPr>
@@ -31318,6 +31164,371 @@
 </p:sld>
 </file>
 
+<file path=ppt/slides/slide79.xml><?xml version="1.0" encoding="utf-8"?>
+<p:sld xmlns:a="http://schemas.openxmlformats.org/drawingml/2006/main" xmlns:r="http://schemas.openxmlformats.org/officeDocument/2006/relationships" xmlns:p="http://schemas.openxmlformats.org/presentationml/2006/main">
+  <p:cSld>
+    <p:spTree>
+      <p:nvGrpSpPr>
+        <p:cNvPr id="1" name=""/>
+        <p:cNvGrpSpPr/>
+        <p:nvPr/>
+      </p:nvGrpSpPr>
+      <p:grpSpPr>
+        <a:xfrm>
+          <a:off x="0" y="0"/>
+          <a:ext cx="0" cy="0"/>
+          <a:chOff x="0" y="0"/>
+          <a:chExt cx="0" cy="0"/>
+        </a:xfrm>
+      </p:grpSpPr>
+      <p:sp>
+        <p:nvSpPr>
+          <p:cNvPr id="2" name="Title 1"/>
+          <p:cNvSpPr>
+            <a:spLocks noGrp="1"/>
+          </p:cNvSpPr>
+          <p:nvPr>
+            <p:ph type="title"/>
+          </p:nvPr>
+        </p:nvSpPr>
+        <p:spPr/>
+        <p:txBody>
+          <a:bodyPr/>
+          <a:lstStyle/>
+          <a:p>
+            <a:r>
+              <a:rPr lang="en-US" dirty="0"/>
+              <a:t>Declaring Interfaces</a:t>
+            </a:r>
+          </a:p>
+        </p:txBody>
+      </p:sp>
+      <p:sp>
+        <p:nvSpPr>
+          <p:cNvPr id="3" name="Content Placeholder 2"/>
+          <p:cNvSpPr>
+            <a:spLocks noGrp="1"/>
+          </p:cNvSpPr>
+          <p:nvPr>
+            <p:ph idx="1"/>
+          </p:nvPr>
+        </p:nvSpPr>
+        <p:spPr/>
+        <p:txBody>
+          <a:bodyPr>
+            <a:normAutofit fontScale="92500" lnSpcReduction="10000"/>
+          </a:bodyPr>
+          <a:lstStyle/>
+          <a:p>
+            <a:pPr marL="0" indent="0">
+              <a:buNone/>
+            </a:pPr>
+            <a:r>
+              <a:rPr lang="en-US" sz="1400" dirty="0">
+                <a:latin typeface="Courier New" panose="02070309020205020404" pitchFamily="49" charset="0"/>
+                <a:cs typeface="Courier New" panose="02070309020205020404" pitchFamily="49" charset="0"/>
+              </a:rPr>
+              <a:t>public interface Salty{</a:t>
+            </a:r>
+          </a:p>
+          <a:p>
+            <a:pPr marL="0" indent="0">
+              <a:buNone/>
+            </a:pPr>
+            <a:r>
+              <a:rPr lang="en-US" sz="1400" dirty="0">
+                <a:latin typeface="Courier New" panose="02070309020205020404" pitchFamily="49" charset="0"/>
+                <a:cs typeface="Courier New" panose="02070309020205020404" pitchFamily="49" charset="0"/>
+              </a:rPr>
+              <a:t>	double </a:t>
+            </a:r>
+            <a:r>
+              <a:rPr lang="en-US" sz="1400" dirty="0" err="1">
+                <a:latin typeface="Courier New" panose="02070309020205020404" pitchFamily="49" charset="0"/>
+                <a:cs typeface="Courier New" panose="02070309020205020404" pitchFamily="49" charset="0"/>
+              </a:rPr>
+              <a:t>sodiumContent</a:t>
+            </a:r>
+            <a:r>
+              <a:rPr lang="en-US" sz="1400" dirty="0">
+                <a:latin typeface="Courier New" panose="02070309020205020404" pitchFamily="49" charset="0"/>
+                <a:cs typeface="Courier New" panose="02070309020205020404" pitchFamily="49" charset="0"/>
+              </a:rPr>
+              <a:t>();      	</a:t>
+            </a:r>
+            <a:r>
+              <a:rPr lang="en-US" sz="1400" dirty="0">
+                <a:latin typeface="Courier New" panose="02070309020205020404" pitchFamily="49" charset="0"/>
+                <a:cs typeface="Courier New" panose="02070309020205020404" pitchFamily="49" charset="0"/>
+                <a:sym typeface="Wingdings" panose="05000000000000000000" pitchFamily="2" charset="2"/>
+              </a:rPr>
+              <a:t></a:t>
+            </a:r>
+            <a:r>
+              <a:rPr lang="en-US" sz="1400" dirty="0">
+                <a:latin typeface="Courier New" panose="02070309020205020404" pitchFamily="49" charset="0"/>
+                <a:cs typeface="Courier New" panose="02070309020205020404" pitchFamily="49" charset="0"/>
+              </a:rPr>
+              <a:t>this is a promise to implement the </a:t>
+            </a:r>
+            <a:r>
+              <a:rPr lang="en-US" sz="1400" dirty="0" err="1">
+                <a:latin typeface="Courier New" panose="02070309020205020404" pitchFamily="49" charset="0"/>
+                <a:cs typeface="Courier New" panose="02070309020205020404" pitchFamily="49" charset="0"/>
+              </a:rPr>
+              <a:t>sodiumContent</a:t>
+            </a:r>
+            <a:r>
+              <a:rPr lang="en-US" sz="1400" dirty="0">
+                <a:latin typeface="Courier New" panose="02070309020205020404" pitchFamily="49" charset="0"/>
+                <a:cs typeface="Courier New" panose="02070309020205020404" pitchFamily="49" charset="0"/>
+              </a:rPr>
+              <a:t> </a:t>
+            </a:r>
+          </a:p>
+          <a:p>
+            <a:pPr marL="0" indent="0">
+              <a:buNone/>
+            </a:pPr>
+            <a:r>
+              <a:rPr lang="en-US" sz="1400" dirty="0">
+                <a:latin typeface="Courier New" panose="02070309020205020404" pitchFamily="49" charset="0"/>
+                <a:cs typeface="Courier New" panose="02070309020205020404" pitchFamily="49" charset="0"/>
+              </a:rPr>
+              <a:t>}				 	in the class that implements the Salty interface.</a:t>
+            </a:r>
+          </a:p>
+          <a:p>
+            <a:pPr marL="0" indent="0">
+              <a:buNone/>
+            </a:pPr>
+            <a:r>
+              <a:rPr lang="en-US" sz="1400" dirty="0">
+                <a:latin typeface="Courier New" panose="02070309020205020404" pitchFamily="49" charset="0"/>
+                <a:cs typeface="Courier New" panose="02070309020205020404" pitchFamily="49" charset="0"/>
+              </a:rPr>
+              <a:t> </a:t>
+            </a:r>
+          </a:p>
+          <a:p>
+            <a:pPr marL="0" indent="0">
+              <a:buNone/>
+            </a:pPr>
+            <a:r>
+              <a:rPr lang="en-US" sz="1400" dirty="0">
+                <a:latin typeface="Courier New" panose="02070309020205020404" pitchFamily="49" charset="0"/>
+                <a:cs typeface="Courier New" panose="02070309020205020404" pitchFamily="49" charset="0"/>
+              </a:rPr>
+              <a:t>public interface Aromatic{</a:t>
+            </a:r>
+          </a:p>
+          <a:p>
+            <a:pPr marL="0" indent="0">
+              <a:buNone/>
+            </a:pPr>
+            <a:r>
+              <a:rPr lang="en-US" sz="1400" dirty="0">
+                <a:latin typeface="Courier New" panose="02070309020205020404" pitchFamily="49" charset="0"/>
+                <a:cs typeface="Courier New" panose="02070309020205020404" pitchFamily="49" charset="0"/>
+              </a:rPr>
+              <a:t>	String </a:t>
+            </a:r>
+            <a:r>
+              <a:rPr lang="en-US" sz="1400" dirty="0" err="1">
+                <a:latin typeface="Courier New" panose="02070309020205020404" pitchFamily="49" charset="0"/>
+                <a:cs typeface="Courier New" panose="02070309020205020404" pitchFamily="49" charset="0"/>
+              </a:rPr>
+              <a:t>describeAroma</a:t>
+            </a:r>
+            <a:r>
+              <a:rPr lang="en-US" sz="1400" dirty="0">
+                <a:latin typeface="Courier New" panose="02070309020205020404" pitchFamily="49" charset="0"/>
+                <a:cs typeface="Courier New" panose="02070309020205020404" pitchFamily="49" charset="0"/>
+              </a:rPr>
+              <a:t>();  		</a:t>
+            </a:r>
+            <a:r>
+              <a:rPr lang="en-US" sz="1400" dirty="0">
+                <a:latin typeface="Courier New" panose="02070309020205020404" pitchFamily="49" charset="0"/>
+                <a:cs typeface="Courier New" panose="02070309020205020404" pitchFamily="49" charset="0"/>
+                <a:sym typeface="Wingdings" panose="05000000000000000000" pitchFamily="2" charset="2"/>
+              </a:rPr>
+              <a:t></a:t>
+            </a:r>
+            <a:r>
+              <a:rPr lang="en-US" sz="1400" dirty="0">
+                <a:latin typeface="Courier New" panose="02070309020205020404" pitchFamily="49" charset="0"/>
+                <a:cs typeface="Courier New" panose="02070309020205020404" pitchFamily="49" charset="0"/>
+              </a:rPr>
+              <a:t> Notice the lack of “public”! Public is </a:t>
+            </a:r>
+            <a:r>
+              <a:rPr lang="en-US" sz="1400" i="1" dirty="0">
+                <a:latin typeface="Courier New" panose="02070309020205020404" pitchFamily="49" charset="0"/>
+                <a:cs typeface="Courier New" panose="02070309020205020404" pitchFamily="49" charset="0"/>
+              </a:rPr>
+              <a:t>assumed</a:t>
+            </a:r>
+            <a:r>
+              <a:rPr lang="en-US" sz="1400" dirty="0">
+                <a:latin typeface="Courier New" panose="02070309020205020404" pitchFamily="49" charset="0"/>
+                <a:cs typeface="Courier New" panose="02070309020205020404" pitchFamily="49" charset="0"/>
+              </a:rPr>
+              <a:t>.</a:t>
+            </a:r>
+          </a:p>
+          <a:p>
+            <a:pPr marL="0" indent="0">
+              <a:buNone/>
+            </a:pPr>
+            <a:r>
+              <a:rPr lang="en-US" sz="1400" dirty="0">
+                <a:latin typeface="Courier New" panose="02070309020205020404" pitchFamily="49" charset="0"/>
+                <a:cs typeface="Courier New" panose="02070309020205020404" pitchFamily="49" charset="0"/>
+              </a:rPr>
+              <a:t>}</a:t>
+            </a:r>
+          </a:p>
+          <a:p>
+            <a:pPr marL="0" indent="0">
+              <a:buNone/>
+            </a:pPr>
+            <a:r>
+              <a:rPr lang="en-US" sz="1400" dirty="0">
+                <a:latin typeface="Courier New" panose="02070309020205020404" pitchFamily="49" charset="0"/>
+                <a:cs typeface="Courier New" panose="02070309020205020404" pitchFamily="49" charset="0"/>
+              </a:rPr>
+              <a:t> </a:t>
+            </a:r>
+          </a:p>
+          <a:p>
+            <a:pPr marL="0" indent="0">
+              <a:buNone/>
+            </a:pPr>
+            <a:r>
+              <a:rPr lang="en-US" sz="1400" dirty="0">
+                <a:latin typeface="Courier New" panose="02070309020205020404" pitchFamily="49" charset="0"/>
+                <a:cs typeface="Courier New" panose="02070309020205020404" pitchFamily="49" charset="0"/>
+              </a:rPr>
+              <a:t>public interface Greasy{</a:t>
+            </a:r>
+          </a:p>
+          <a:p>
+            <a:pPr marL="0" indent="0">
+              <a:buNone/>
+            </a:pPr>
+            <a:r>
+              <a:rPr lang="en-US" sz="1400" dirty="0">
+                <a:latin typeface="Courier New" panose="02070309020205020404" pitchFamily="49" charset="0"/>
+                <a:cs typeface="Courier New" panose="02070309020205020404" pitchFamily="49" charset="0"/>
+              </a:rPr>
+              <a:t>	double </a:t>
+            </a:r>
+            <a:r>
+              <a:rPr lang="en-US" sz="1400" dirty="0" err="1">
+                <a:latin typeface="Courier New" panose="02070309020205020404" pitchFamily="49" charset="0"/>
+                <a:cs typeface="Courier New" panose="02070309020205020404" pitchFamily="49" charset="0"/>
+              </a:rPr>
+              <a:t>amountOfGreaseInMg</a:t>
+            </a:r>
+            <a:r>
+              <a:rPr lang="en-US" sz="1400" dirty="0">
+                <a:latin typeface="Courier New" panose="02070309020205020404" pitchFamily="49" charset="0"/>
+                <a:cs typeface="Courier New" panose="02070309020205020404" pitchFamily="49" charset="0"/>
+              </a:rPr>
+              <a:t>();   	</a:t>
+            </a:r>
+            <a:r>
+              <a:rPr lang="en-US" sz="1400" dirty="0">
+                <a:latin typeface="Courier New" panose="02070309020205020404" pitchFamily="49" charset="0"/>
+                <a:cs typeface="Courier New" panose="02070309020205020404" pitchFamily="49" charset="0"/>
+                <a:sym typeface="Wingdings" panose="05000000000000000000" pitchFamily="2" charset="2"/>
+              </a:rPr>
+              <a:t></a:t>
+            </a:r>
+            <a:r>
+              <a:rPr lang="en-US" sz="1400" dirty="0">
+                <a:latin typeface="Courier New" panose="02070309020205020404" pitchFamily="49" charset="0"/>
+                <a:cs typeface="Courier New" panose="02070309020205020404" pitchFamily="49" charset="0"/>
+              </a:rPr>
+              <a:t>point out that interfaces look just like classes</a:t>
+            </a:r>
+          </a:p>
+          <a:p>
+            <a:pPr marL="0" indent="0">
+              <a:buNone/>
+            </a:pPr>
+            <a:r>
+              <a:rPr lang="en-US" sz="1400" dirty="0">
+                <a:latin typeface="Courier New" panose="02070309020205020404" pitchFamily="49" charset="0"/>
+                <a:cs typeface="Courier New" panose="02070309020205020404" pitchFamily="49" charset="0"/>
+              </a:rPr>
+              <a:t>}					but without fields or method bodies</a:t>
+            </a:r>
+          </a:p>
+          <a:p>
+            <a:pPr marL="0" indent="0">
+              <a:buNone/>
+            </a:pPr>
+            <a:r>
+              <a:rPr lang="en-US" sz="1400" dirty="0">
+                <a:latin typeface="Courier New" panose="02070309020205020404" pitchFamily="49" charset="0"/>
+                <a:cs typeface="Courier New" panose="02070309020205020404" pitchFamily="49" charset="0"/>
+              </a:rPr>
+              <a:t> </a:t>
+            </a:r>
+          </a:p>
+          <a:p>
+            <a:pPr marL="0" indent="0">
+              <a:buNone/>
+            </a:pPr>
+            <a:r>
+              <a:rPr lang="en-US" sz="1400" dirty="0">
+                <a:latin typeface="Courier New" panose="02070309020205020404" pitchFamily="49" charset="0"/>
+                <a:cs typeface="Courier New" panose="02070309020205020404" pitchFamily="49" charset="0"/>
+              </a:rPr>
+              <a:t>public interface Edible{</a:t>
+            </a:r>
+          </a:p>
+          <a:p>
+            <a:pPr marL="0" indent="0">
+              <a:buNone/>
+            </a:pPr>
+            <a:r>
+              <a:rPr lang="en-US" sz="1400" dirty="0">
+                <a:latin typeface="Courier New" panose="02070309020205020404" pitchFamily="49" charset="0"/>
+                <a:cs typeface="Courier New" panose="02070309020205020404" pitchFamily="49" charset="0"/>
+              </a:rPr>
+              <a:t>	double calories();</a:t>
+            </a:r>
+          </a:p>
+          <a:p>
+            <a:pPr marL="0" indent="0">
+              <a:buNone/>
+            </a:pPr>
+            <a:r>
+              <a:rPr lang="en-US" sz="1400" dirty="0">
+                <a:latin typeface="Courier New" panose="02070309020205020404" pitchFamily="49" charset="0"/>
+                <a:cs typeface="Courier New" panose="02070309020205020404" pitchFamily="49" charset="0"/>
+              </a:rPr>
+              <a:t>}</a:t>
+            </a:r>
+          </a:p>
+        </p:txBody>
+      </p:sp>
+    </p:spTree>
+    <p:extLst>
+      <p:ext uri="{BB962C8B-B14F-4D97-AF65-F5344CB8AC3E}">
+        <p14:creationId xmlns:p14="http://schemas.microsoft.com/office/powerpoint/2010/main" val="3474555343"/>
+      </p:ext>
+    </p:extLst>
+  </p:cSld>
+  <p:clrMapOvr>
+    <a:masterClrMapping/>
+  </p:clrMapOvr>
+</p:sld>
+</file>
+
 <file path=ppt/slides/slide8.xml><?xml version="1.0" encoding="utf-8"?>
 <p:sld xmlns:a="http://schemas.openxmlformats.org/drawingml/2006/main" xmlns:r="http://schemas.openxmlformats.org/officeDocument/2006/relationships" xmlns:p="http://schemas.openxmlformats.org/presentationml/2006/main">
   <p:cSld>
@@ -31406,7 +31617,7 @@
           <a:p>
             <a:r>
               <a:rPr lang="en-US" dirty="0"/>
-              <a:t>Declaring Interfaces</a:t>
+              <a:t>Implementing Interfaces</a:t>
             </a:r>
           </a:p>
         </p:txBody>
@@ -31421,10 +31632,15 @@
             <p:ph idx="1"/>
           </p:nvPr>
         </p:nvSpPr>
-        <p:spPr/>
+        <p:spPr>
+          <a:xfrm>
+            <a:off x="838199" y="1825625"/>
+            <a:ext cx="10660529" cy="4351338"/>
+          </a:xfrm>
+        </p:spPr>
         <p:txBody>
           <a:bodyPr>
-            <a:normAutofit fontScale="92500" lnSpcReduction="10000"/>
+            <a:normAutofit/>
           </a:bodyPr>
           <a:lstStyle/>
           <a:p>
@@ -31432,11 +31648,11 @@
               <a:buNone/>
             </a:pPr>
             <a:r>
-              <a:rPr lang="en-US" sz="1400" dirty="0">
-                <a:latin typeface="Courier New" panose="02070309020205020404" pitchFamily="49" charset="0"/>
-                <a:cs typeface="Courier New" panose="02070309020205020404" pitchFamily="49" charset="0"/>
-              </a:rPr>
-              <a:t>public interface Salty{</a:t>
+              <a:rPr lang="en-US" sz="1800" dirty="0">
+                <a:latin typeface="Courier New" panose="02070309020205020404" pitchFamily="49" charset="0"/>
+                <a:cs typeface="Courier New" panose="02070309020205020404" pitchFamily="49" charset="0"/>
+              </a:rPr>
+              <a:t>public class Bacon extends Pork implements Salty, Aromatic, Greasy, Edible {</a:t>
             </a:r>
           </a:p>
           <a:p>
@@ -31444,78 +31660,46 @@
               <a:buNone/>
             </a:pPr>
             <a:r>
-              <a:rPr lang="en-US" sz="1400" dirty="0">
-                <a:latin typeface="Courier New" panose="02070309020205020404" pitchFamily="49" charset="0"/>
-                <a:cs typeface="Courier New" panose="02070309020205020404" pitchFamily="49" charset="0"/>
-              </a:rPr>
-              <a:t>	double </a:t>
-            </a:r>
-            <a:r>
-              <a:rPr lang="en-US" sz="1400" dirty="0" err="1">
-                <a:latin typeface="Courier New" panose="02070309020205020404" pitchFamily="49" charset="0"/>
-                <a:cs typeface="Courier New" panose="02070309020205020404" pitchFamily="49" charset="0"/>
-              </a:rPr>
-              <a:t>sodiumContent</a:t>
-            </a:r>
-            <a:r>
-              <a:rPr lang="en-US" sz="1400" dirty="0">
-                <a:latin typeface="Courier New" panose="02070309020205020404" pitchFamily="49" charset="0"/>
-                <a:cs typeface="Courier New" panose="02070309020205020404" pitchFamily="49" charset="0"/>
-              </a:rPr>
-              <a:t>();      	</a:t>
-            </a:r>
-            <a:r>
-              <a:rPr lang="en-US" sz="1400" dirty="0">
-                <a:latin typeface="Courier New" panose="02070309020205020404" pitchFamily="49" charset="0"/>
-                <a:cs typeface="Courier New" panose="02070309020205020404" pitchFamily="49" charset="0"/>
-                <a:sym typeface="Wingdings" panose="05000000000000000000" pitchFamily="2" charset="2"/>
-              </a:rPr>
-              <a:t></a:t>
-            </a:r>
-            <a:r>
-              <a:rPr lang="en-US" sz="1400" dirty="0">
-                <a:latin typeface="Courier New" panose="02070309020205020404" pitchFamily="49" charset="0"/>
-                <a:cs typeface="Courier New" panose="02070309020205020404" pitchFamily="49" charset="0"/>
-              </a:rPr>
-              <a:t>this is a promise to implement the </a:t>
-            </a:r>
-            <a:r>
-              <a:rPr lang="en-US" sz="1400" dirty="0" err="1">
-                <a:latin typeface="Courier New" panose="02070309020205020404" pitchFamily="49" charset="0"/>
-                <a:cs typeface="Courier New" panose="02070309020205020404" pitchFamily="49" charset="0"/>
-              </a:rPr>
-              <a:t>sodiumContent</a:t>
-            </a:r>
-            <a:r>
-              <a:rPr lang="en-US" sz="1400" dirty="0">
-                <a:latin typeface="Courier New" panose="02070309020205020404" pitchFamily="49" charset="0"/>
-                <a:cs typeface="Courier New" panose="02070309020205020404" pitchFamily="49" charset="0"/>
-              </a:rPr>
-              <a:t> </a:t>
+              <a:rPr lang="en-US" sz="1800" dirty="0">
+                <a:latin typeface="Courier New" panose="02070309020205020404" pitchFamily="49" charset="0"/>
+                <a:cs typeface="Courier New" panose="02070309020205020404" pitchFamily="49" charset="0"/>
+              </a:rPr>
+              <a:t>	private double </a:t>
+            </a:r>
+            <a:r>
+              <a:rPr lang="en-US" sz="1800" dirty="0" err="1">
+                <a:latin typeface="Courier New" panose="02070309020205020404" pitchFamily="49" charset="0"/>
+                <a:cs typeface="Courier New" panose="02070309020205020404" pitchFamily="49" charset="0"/>
+              </a:rPr>
+              <a:t>amountInKg</a:t>
+            </a:r>
+            <a:r>
+              <a:rPr lang="en-US" sz="1800" dirty="0">
+                <a:latin typeface="Courier New" panose="02070309020205020404" pitchFamily="49" charset="0"/>
+                <a:cs typeface="Courier New" panose="02070309020205020404" pitchFamily="49" charset="0"/>
+              </a:rPr>
+              <a:t>;</a:t>
             </a:r>
           </a:p>
           <a:p>
             <a:pPr marL="0" indent="0">
               <a:buNone/>
             </a:pPr>
-            <a:r>
-              <a:rPr lang="en-US" sz="1400" dirty="0">
-                <a:latin typeface="Courier New" panose="02070309020205020404" pitchFamily="49" charset="0"/>
-                <a:cs typeface="Courier New" panose="02070309020205020404" pitchFamily="49" charset="0"/>
-              </a:rPr>
-              <a:t>}				 	in the class that implements the Salty interface.</a:t>
-            </a:r>
+            <a:endParaRPr lang="en-US" sz="1800" dirty="0">
+              <a:latin typeface="Courier New" panose="02070309020205020404" pitchFamily="49" charset="0"/>
+              <a:cs typeface="Courier New" panose="02070309020205020404" pitchFamily="49" charset="0"/>
+            </a:endParaRPr>
           </a:p>
           <a:p>
             <a:pPr marL="0" indent="0">
               <a:buNone/>
             </a:pPr>
             <a:r>
-              <a:rPr lang="en-US" sz="1400" dirty="0">
-                <a:latin typeface="Courier New" panose="02070309020205020404" pitchFamily="49" charset="0"/>
-                <a:cs typeface="Courier New" panose="02070309020205020404" pitchFamily="49" charset="0"/>
-              </a:rPr>
-              <a:t> </a:t>
+              <a:rPr lang="en-US" sz="1800" dirty="0">
+                <a:latin typeface="Courier New" panose="02070309020205020404" pitchFamily="49" charset="0"/>
+                <a:cs typeface="Courier New" panose="02070309020205020404" pitchFamily="49" charset="0"/>
+              </a:rPr>
+              <a:t>	public Bacon(double amount){</a:t>
             </a:r>
           </a:p>
           <a:p>
@@ -31523,11 +31707,25 @@
               <a:buNone/>
             </a:pPr>
             <a:r>
-              <a:rPr lang="en-US" sz="1400" dirty="0">
-                <a:latin typeface="Courier New" panose="02070309020205020404" pitchFamily="49" charset="0"/>
-                <a:cs typeface="Courier New" panose="02070309020205020404" pitchFamily="49" charset="0"/>
-              </a:rPr>
-              <a:t>public interface Aromatic{</a:t>
+              <a:rPr lang="en-US" sz="1800" dirty="0">
+                <a:latin typeface="Courier New" panose="02070309020205020404" pitchFamily="49" charset="0"/>
+                <a:cs typeface="Courier New" panose="02070309020205020404" pitchFamily="49" charset="0"/>
+              </a:rPr>
+              <a:t>		</a:t>
+            </a:r>
+            <a:r>
+              <a:rPr lang="en-US" sz="1800" dirty="0" err="1">
+                <a:latin typeface="Courier New" panose="02070309020205020404" pitchFamily="49" charset="0"/>
+                <a:cs typeface="Courier New" panose="02070309020205020404" pitchFamily="49" charset="0"/>
+              </a:rPr>
+              <a:t>amountInKg</a:t>
+            </a:r>
+            <a:r>
+              <a:rPr lang="en-US" sz="1800" dirty="0">
+                <a:latin typeface="Courier New" panose="02070309020205020404" pitchFamily="49" charset="0"/>
+                <a:cs typeface="Courier New" panose="02070309020205020404" pitchFamily="49" charset="0"/>
+              </a:rPr>
+              <a:t> = amount;</a:t>
             </a:r>
           </a:p>
           <a:p>
@@ -31535,78 +31733,32 @@
               <a:buNone/>
             </a:pPr>
             <a:r>
-              <a:rPr lang="en-US" sz="1400" dirty="0">
-                <a:latin typeface="Courier New" panose="02070309020205020404" pitchFamily="49" charset="0"/>
-                <a:cs typeface="Courier New" panose="02070309020205020404" pitchFamily="49" charset="0"/>
-              </a:rPr>
-              <a:t>	String </a:t>
-            </a:r>
-            <a:r>
-              <a:rPr lang="en-US" sz="1400" dirty="0" err="1">
-                <a:latin typeface="Courier New" panose="02070309020205020404" pitchFamily="49" charset="0"/>
-                <a:cs typeface="Courier New" panose="02070309020205020404" pitchFamily="49" charset="0"/>
-              </a:rPr>
-              <a:t>describeAroma</a:t>
-            </a:r>
-            <a:r>
-              <a:rPr lang="en-US" sz="1400" dirty="0">
-                <a:latin typeface="Courier New" panose="02070309020205020404" pitchFamily="49" charset="0"/>
-                <a:cs typeface="Courier New" panose="02070309020205020404" pitchFamily="49" charset="0"/>
-              </a:rPr>
-              <a:t>();  		</a:t>
-            </a:r>
-            <a:r>
-              <a:rPr lang="en-US" sz="1400" dirty="0">
-                <a:latin typeface="Courier New" panose="02070309020205020404" pitchFamily="49" charset="0"/>
-                <a:cs typeface="Courier New" panose="02070309020205020404" pitchFamily="49" charset="0"/>
-                <a:sym typeface="Wingdings" panose="05000000000000000000" pitchFamily="2" charset="2"/>
-              </a:rPr>
-              <a:t></a:t>
-            </a:r>
-            <a:r>
-              <a:rPr lang="en-US" sz="1400" dirty="0">
-                <a:latin typeface="Courier New" panose="02070309020205020404" pitchFamily="49" charset="0"/>
-                <a:cs typeface="Courier New" panose="02070309020205020404" pitchFamily="49" charset="0"/>
-              </a:rPr>
-              <a:t> Notice the lack of “public”! Public is </a:t>
-            </a:r>
-            <a:r>
-              <a:rPr lang="en-US" sz="1400" i="1" dirty="0">
-                <a:latin typeface="Courier New" panose="02070309020205020404" pitchFamily="49" charset="0"/>
-                <a:cs typeface="Courier New" panose="02070309020205020404" pitchFamily="49" charset="0"/>
-              </a:rPr>
-              <a:t>assumed</a:t>
-            </a:r>
-            <a:r>
-              <a:rPr lang="en-US" sz="1400" dirty="0">
-                <a:latin typeface="Courier New" panose="02070309020205020404" pitchFamily="49" charset="0"/>
-                <a:cs typeface="Courier New" panose="02070309020205020404" pitchFamily="49" charset="0"/>
-              </a:rPr>
-              <a:t>.</a:t>
+              <a:rPr lang="en-US" sz="1800" dirty="0">
+                <a:latin typeface="Courier New" panose="02070309020205020404" pitchFamily="49" charset="0"/>
+                <a:cs typeface="Courier New" panose="02070309020205020404" pitchFamily="49" charset="0"/>
+              </a:rPr>
+              <a:t>	}</a:t>
             </a:r>
           </a:p>
           <a:p>
             <a:pPr marL="0" indent="0">
               <a:buNone/>
             </a:pPr>
-            <a:r>
-              <a:rPr lang="en-US" sz="1400" dirty="0">
-                <a:latin typeface="Courier New" panose="02070309020205020404" pitchFamily="49" charset="0"/>
-                <a:cs typeface="Courier New" panose="02070309020205020404" pitchFamily="49" charset="0"/>
-              </a:rPr>
-              <a:t>}</a:t>
-            </a:r>
+            <a:endParaRPr lang="en-US" sz="1800" dirty="0">
+              <a:latin typeface="Courier New" panose="02070309020205020404" pitchFamily="49" charset="0"/>
+              <a:cs typeface="Courier New" panose="02070309020205020404" pitchFamily="49" charset="0"/>
+            </a:endParaRPr>
           </a:p>
           <a:p>
             <a:pPr marL="0" indent="0">
               <a:buNone/>
             </a:pPr>
             <a:r>
-              <a:rPr lang="en-US" sz="1400" dirty="0">
-                <a:latin typeface="Courier New" panose="02070309020205020404" pitchFamily="49" charset="0"/>
-                <a:cs typeface="Courier New" panose="02070309020205020404" pitchFamily="49" charset="0"/>
-              </a:rPr>
-              <a:t> </a:t>
+              <a:rPr lang="en-US" sz="1800" dirty="0">
+                <a:latin typeface="Courier New" panose="02070309020205020404" pitchFamily="49" charset="0"/>
+                <a:cs typeface="Courier New" panose="02070309020205020404" pitchFamily="49" charset="0"/>
+              </a:rPr>
+              <a:t> 	public double calories(){</a:t>
             </a:r>
           </a:p>
           <a:p>
@@ -31614,11 +31766,25 @@
               <a:buNone/>
             </a:pPr>
             <a:r>
-              <a:rPr lang="en-US" sz="1400" dirty="0">
-                <a:latin typeface="Courier New" panose="02070309020205020404" pitchFamily="49" charset="0"/>
-                <a:cs typeface="Courier New" panose="02070309020205020404" pitchFamily="49" charset="0"/>
-              </a:rPr>
-              <a:t>public interface Greasy{</a:t>
+              <a:rPr lang="en-US" sz="1800" dirty="0">
+                <a:latin typeface="Courier New" panose="02070309020205020404" pitchFamily="49" charset="0"/>
+                <a:cs typeface="Courier New" panose="02070309020205020404" pitchFamily="49" charset="0"/>
+              </a:rPr>
+              <a:t>		return </a:t>
+            </a:r>
+            <a:r>
+              <a:rPr lang="en-US" sz="1800" dirty="0" err="1">
+                <a:latin typeface="Courier New" panose="02070309020205020404" pitchFamily="49" charset="0"/>
+                <a:cs typeface="Courier New" panose="02070309020205020404" pitchFamily="49" charset="0"/>
+              </a:rPr>
+              <a:t>amountInKg</a:t>
+            </a:r>
+            <a:r>
+              <a:rPr lang="en-US" sz="1800" dirty="0">
+                <a:latin typeface="Courier New" panose="02070309020205020404" pitchFamily="49" charset="0"/>
+                <a:cs typeface="Courier New" panose="02070309020205020404" pitchFamily="49" charset="0"/>
+              </a:rPr>
+              <a:t> * CALORIES_PER_KG_OF_BACON;</a:t>
             </a:r>
           </a:p>
           <a:p>
@@ -31626,40 +31792,11 @@
               <a:buNone/>
             </a:pPr>
             <a:r>
-              <a:rPr lang="en-US" sz="1400" dirty="0">
-                <a:latin typeface="Courier New" panose="02070309020205020404" pitchFamily="49" charset="0"/>
-                <a:cs typeface="Courier New" panose="02070309020205020404" pitchFamily="49" charset="0"/>
-              </a:rPr>
-              <a:t>	double </a:t>
-            </a:r>
-            <a:r>
-              <a:rPr lang="en-US" sz="1400" dirty="0" err="1">
-                <a:latin typeface="Courier New" panose="02070309020205020404" pitchFamily="49" charset="0"/>
-                <a:cs typeface="Courier New" panose="02070309020205020404" pitchFamily="49" charset="0"/>
-              </a:rPr>
-              <a:t>amountOfGreaseInMg</a:t>
-            </a:r>
-            <a:r>
-              <a:rPr lang="en-US" sz="1400" dirty="0">
-                <a:latin typeface="Courier New" panose="02070309020205020404" pitchFamily="49" charset="0"/>
-                <a:cs typeface="Courier New" panose="02070309020205020404" pitchFamily="49" charset="0"/>
-              </a:rPr>
-              <a:t>();   	</a:t>
-            </a:r>
-            <a:r>
-              <a:rPr lang="en-US" sz="1400" dirty="0">
-                <a:latin typeface="Courier New" panose="02070309020205020404" pitchFamily="49" charset="0"/>
-                <a:cs typeface="Courier New" panose="02070309020205020404" pitchFamily="49" charset="0"/>
-                <a:sym typeface="Wingdings" panose="05000000000000000000" pitchFamily="2" charset="2"/>
-              </a:rPr>
-              <a:t></a:t>
-            </a:r>
-            <a:r>
-              <a:rPr lang="en-US" sz="1400" dirty="0">
-                <a:latin typeface="Courier New" panose="02070309020205020404" pitchFamily="49" charset="0"/>
-                <a:cs typeface="Courier New" panose="02070309020205020404" pitchFamily="49" charset="0"/>
-              </a:rPr>
-              <a:t>point out that interfaces look just like classes</a:t>
+              <a:rPr lang="en-US" sz="1800" dirty="0">
+                <a:latin typeface="Courier New" panose="02070309020205020404" pitchFamily="49" charset="0"/>
+                <a:cs typeface="Courier New" panose="02070309020205020404" pitchFamily="49" charset="0"/>
+              </a:rPr>
+              <a:t>	}</a:t>
             </a:r>
           </a:p>
           <a:p>
@@ -31667,55 +31804,7 @@
               <a:buNone/>
             </a:pPr>
             <a:r>
-              <a:rPr lang="en-US" sz="1400" dirty="0">
-                <a:latin typeface="Courier New" panose="02070309020205020404" pitchFamily="49" charset="0"/>
-                <a:cs typeface="Courier New" panose="02070309020205020404" pitchFamily="49" charset="0"/>
-              </a:rPr>
-              <a:t>}					but without fields or method bodies</a:t>
-            </a:r>
-          </a:p>
-          <a:p>
-            <a:pPr marL="0" indent="0">
-              <a:buNone/>
-            </a:pPr>
-            <a:r>
-              <a:rPr lang="en-US" sz="1400" dirty="0">
-                <a:latin typeface="Courier New" panose="02070309020205020404" pitchFamily="49" charset="0"/>
-                <a:cs typeface="Courier New" panose="02070309020205020404" pitchFamily="49" charset="0"/>
-              </a:rPr>
-              <a:t> </a:t>
-            </a:r>
-          </a:p>
-          <a:p>
-            <a:pPr marL="0" indent="0">
-              <a:buNone/>
-            </a:pPr>
-            <a:r>
-              <a:rPr lang="en-US" sz="1400" dirty="0">
-                <a:latin typeface="Courier New" panose="02070309020205020404" pitchFamily="49" charset="0"/>
-                <a:cs typeface="Courier New" panose="02070309020205020404" pitchFamily="49" charset="0"/>
-              </a:rPr>
-              <a:t>public interface Edible{</a:t>
-            </a:r>
-          </a:p>
-          <a:p>
-            <a:pPr marL="0" indent="0">
-              <a:buNone/>
-            </a:pPr>
-            <a:r>
-              <a:rPr lang="en-US" sz="1400" dirty="0">
-                <a:latin typeface="Courier New" panose="02070309020205020404" pitchFamily="49" charset="0"/>
-                <a:cs typeface="Courier New" panose="02070309020205020404" pitchFamily="49" charset="0"/>
-              </a:rPr>
-              <a:t>	double calories();</a:t>
-            </a:r>
-          </a:p>
-          <a:p>
-            <a:pPr marL="0" indent="0">
-              <a:buNone/>
-            </a:pPr>
-            <a:r>
-              <a:rPr lang="en-US" sz="1400" dirty="0">
+              <a:rPr lang="en-US" sz="1800" dirty="0">
                 <a:latin typeface="Courier New" panose="02070309020205020404" pitchFamily="49" charset="0"/>
                 <a:cs typeface="Courier New" panose="02070309020205020404" pitchFamily="49" charset="0"/>
               </a:rPr>
@@ -31727,7 +31816,7 @@
     </p:spTree>
     <p:extLst>
       <p:ext uri="{BB962C8B-B14F-4D97-AF65-F5344CB8AC3E}">
-        <p14:creationId xmlns:p14="http://schemas.microsoft.com/office/powerpoint/2010/main" val="3474555343"/>
+        <p14:creationId xmlns:p14="http://schemas.microsoft.com/office/powerpoint/2010/main" val="1094721936"/>
       </p:ext>
     </p:extLst>
   </p:cSld>
@@ -31771,7 +31860,7 @@
           <a:p>
             <a:r>
               <a:rPr lang="en-US" dirty="0"/>
-              <a:t>Implementing Interfaces</a:t>
+              <a:t>Class Activity</a:t>
             </a:r>
           </a:p>
         </p:txBody>
@@ -31786,183 +31875,17 @@
             <p:ph idx="1"/>
           </p:nvPr>
         </p:nvSpPr>
-        <p:spPr>
-          <a:xfrm>
-            <a:off x="838199" y="1825625"/>
-            <a:ext cx="10660529" cy="4351338"/>
-          </a:xfrm>
-        </p:spPr>
+        <p:spPr/>
         <p:txBody>
-          <a:bodyPr>
-            <a:normAutofit/>
-          </a:bodyPr>
+          <a:bodyPr/>
           <a:lstStyle/>
           <a:p>
             <a:pPr marL="0" indent="0">
               <a:buNone/>
             </a:pPr>
             <a:r>
-              <a:rPr lang="en-US" sz="1800" dirty="0">
-                <a:latin typeface="Courier New" panose="02070309020205020404" pitchFamily="49" charset="0"/>
-                <a:cs typeface="Courier New" panose="02070309020205020404" pitchFamily="49" charset="0"/>
-              </a:rPr>
-              <a:t>public class Bacon extends Pork implements Salty, Aromatic, Greasy, Edible {</a:t>
-            </a:r>
-          </a:p>
-          <a:p>
-            <a:pPr marL="0" indent="0">
-              <a:buNone/>
-            </a:pPr>
-            <a:r>
-              <a:rPr lang="en-US" sz="1800" dirty="0">
-                <a:latin typeface="Courier New" panose="02070309020205020404" pitchFamily="49" charset="0"/>
-                <a:cs typeface="Courier New" panose="02070309020205020404" pitchFamily="49" charset="0"/>
-              </a:rPr>
-              <a:t>	private double </a:t>
-            </a:r>
-            <a:r>
-              <a:rPr lang="en-US" sz="1800" dirty="0" err="1">
-                <a:latin typeface="Courier New" panose="02070309020205020404" pitchFamily="49" charset="0"/>
-                <a:cs typeface="Courier New" panose="02070309020205020404" pitchFamily="49" charset="0"/>
-              </a:rPr>
-              <a:t>amountInKg</a:t>
-            </a:r>
-            <a:r>
-              <a:rPr lang="en-US" sz="1800" dirty="0">
-                <a:latin typeface="Courier New" panose="02070309020205020404" pitchFamily="49" charset="0"/>
-                <a:cs typeface="Courier New" panose="02070309020205020404" pitchFamily="49" charset="0"/>
-              </a:rPr>
-              <a:t>;</a:t>
-            </a:r>
-          </a:p>
-          <a:p>
-            <a:pPr marL="0" indent="0">
-              <a:buNone/>
-            </a:pPr>
-            <a:endParaRPr lang="en-US" sz="1800" dirty="0">
-              <a:latin typeface="Courier New" panose="02070309020205020404" pitchFamily="49" charset="0"/>
-              <a:cs typeface="Courier New" panose="02070309020205020404" pitchFamily="49" charset="0"/>
-            </a:endParaRPr>
-          </a:p>
-          <a:p>
-            <a:pPr marL="0" indent="0">
-              <a:buNone/>
-            </a:pPr>
-            <a:r>
-              <a:rPr lang="en-US" sz="1800" dirty="0">
-                <a:latin typeface="Courier New" panose="02070309020205020404" pitchFamily="49" charset="0"/>
-                <a:cs typeface="Courier New" panose="02070309020205020404" pitchFamily="49" charset="0"/>
-              </a:rPr>
-              <a:t>	public Bacon(double amount){</a:t>
-            </a:r>
-          </a:p>
-          <a:p>
-            <a:pPr marL="0" indent="0">
-              <a:buNone/>
-            </a:pPr>
-            <a:r>
-              <a:rPr lang="en-US" sz="1800" dirty="0">
-                <a:latin typeface="Courier New" panose="02070309020205020404" pitchFamily="49" charset="0"/>
-                <a:cs typeface="Courier New" panose="02070309020205020404" pitchFamily="49" charset="0"/>
-              </a:rPr>
-              <a:t>		</a:t>
-            </a:r>
-            <a:r>
-              <a:rPr lang="en-US" sz="1800" dirty="0" err="1">
-                <a:latin typeface="Courier New" panose="02070309020205020404" pitchFamily="49" charset="0"/>
-                <a:cs typeface="Courier New" panose="02070309020205020404" pitchFamily="49" charset="0"/>
-              </a:rPr>
-              <a:t>amountInKg</a:t>
-            </a:r>
-            <a:r>
-              <a:rPr lang="en-US" sz="1800" dirty="0">
-                <a:latin typeface="Courier New" panose="02070309020205020404" pitchFamily="49" charset="0"/>
-                <a:cs typeface="Courier New" panose="02070309020205020404" pitchFamily="49" charset="0"/>
-              </a:rPr>
-              <a:t> = amount;</a:t>
-            </a:r>
-          </a:p>
-          <a:p>
-            <a:pPr marL="0" indent="0">
-              <a:buNone/>
-            </a:pPr>
-            <a:r>
-              <a:rPr lang="en-US" sz="1800" dirty="0">
-                <a:latin typeface="Courier New" panose="02070309020205020404" pitchFamily="49" charset="0"/>
-                <a:cs typeface="Courier New" panose="02070309020205020404" pitchFamily="49" charset="0"/>
-              </a:rPr>
-              <a:t>	}</a:t>
-            </a:r>
-          </a:p>
-          <a:p>
-            <a:pPr marL="0" indent="0">
-              <a:buNone/>
-            </a:pPr>
-            <a:endParaRPr lang="en-US" sz="1800" dirty="0">
-              <a:latin typeface="Courier New" panose="02070309020205020404" pitchFamily="49" charset="0"/>
-              <a:cs typeface="Courier New" panose="02070309020205020404" pitchFamily="49" charset="0"/>
-            </a:endParaRPr>
-          </a:p>
-          <a:p>
-            <a:pPr marL="0" indent="0">
-              <a:buNone/>
-            </a:pPr>
-            <a:r>
-              <a:rPr lang="en-US" sz="1800" dirty="0">
-                <a:latin typeface="Courier New" panose="02070309020205020404" pitchFamily="49" charset="0"/>
-                <a:cs typeface="Courier New" panose="02070309020205020404" pitchFamily="49" charset="0"/>
-              </a:rPr>
-              <a:t> 	public double calories(){</a:t>
-            </a:r>
-          </a:p>
-          <a:p>
-            <a:pPr marL="0" indent="0">
-              <a:buNone/>
-            </a:pPr>
-            <a:r>
-              <a:rPr lang="en-US" sz="1800" dirty="0">
-                <a:latin typeface="Courier New" panose="02070309020205020404" pitchFamily="49" charset="0"/>
-                <a:cs typeface="Courier New" panose="02070309020205020404" pitchFamily="49" charset="0"/>
-              </a:rPr>
-              <a:t>		return </a:t>
-            </a:r>
-            <a:r>
-              <a:rPr lang="en-US" sz="1800" dirty="0" err="1">
-                <a:latin typeface="Courier New" panose="02070309020205020404" pitchFamily="49" charset="0"/>
-                <a:cs typeface="Courier New" panose="02070309020205020404" pitchFamily="49" charset="0"/>
-              </a:rPr>
-              <a:t>amountInKg</a:t>
-            </a:r>
-            <a:r>
-              <a:rPr lang="en-US" sz="1800" dirty="0">
-                <a:latin typeface="Courier New" panose="02070309020205020404" pitchFamily="49" charset="0"/>
-                <a:cs typeface="Courier New" panose="02070309020205020404" pitchFamily="49" charset="0"/>
-              </a:rPr>
-              <a:t> * CALORIES_PER_KG_OF_BACON;</a:t>
-            </a:r>
-          </a:p>
-          <a:p>
-            <a:pPr marL="0" indent="0">
-              <a:buNone/>
-            </a:pPr>
-            <a:r>
-              <a:rPr lang="en-US" sz="1800" dirty="0">
-                <a:latin typeface="Courier New" panose="02070309020205020404" pitchFamily="49" charset="0"/>
-                <a:cs typeface="Courier New" panose="02070309020205020404" pitchFamily="49" charset="0"/>
-              </a:rPr>
-              <a:t>	}</a:t>
-            </a:r>
-          </a:p>
-          <a:p>
-            <a:pPr marL="0" indent="0">
-              <a:buNone/>
-            </a:pPr>
-            <a:r>
-              <a:rPr lang="en-US" sz="1800" dirty="0">
-                <a:latin typeface="Courier New" panose="02070309020205020404" pitchFamily="49" charset="0"/>
-                <a:cs typeface="Courier New" panose="02070309020205020404" pitchFamily="49" charset="0"/>
-              </a:rPr>
-              <a:t>}</a:t>
+              <a:rPr lang="en-US" dirty="0"/>
+              <a:t>[Paste example activity or your own from lesson plan to slide]</a:t>
             </a:r>
           </a:p>
         </p:txBody>
@@ -31970,7 +31893,7 @@
     </p:spTree>
     <p:extLst>
       <p:ext uri="{BB962C8B-B14F-4D97-AF65-F5344CB8AC3E}">
-        <p14:creationId xmlns:p14="http://schemas.microsoft.com/office/powerpoint/2010/main" val="1094721936"/>
+        <p14:creationId xmlns:p14="http://schemas.microsoft.com/office/powerpoint/2010/main" val="3514558618"/>
       </p:ext>
     </p:extLst>
   </p:cSld>
@@ -32009,83 +31932,6 @@
         </p:nvSpPr>
         <p:spPr/>
         <p:txBody>
-          <a:bodyPr/>
-          <a:lstStyle/>
-          <a:p>
-            <a:r>
-              <a:rPr lang="en-US" dirty="0"/>
-              <a:t>Class Activity</a:t>
-            </a:r>
-          </a:p>
-        </p:txBody>
-      </p:sp>
-      <p:sp>
-        <p:nvSpPr>
-          <p:cNvPr id="3" name="Content Placeholder 2"/>
-          <p:cNvSpPr>
-            <a:spLocks noGrp="1"/>
-          </p:cNvSpPr>
-          <p:nvPr>
-            <p:ph idx="1"/>
-          </p:nvPr>
-        </p:nvSpPr>
-        <p:spPr/>
-        <p:txBody>
-          <a:bodyPr/>
-          <a:lstStyle/>
-          <a:p>
-            <a:pPr marL="0" indent="0">
-              <a:buNone/>
-            </a:pPr>
-            <a:r>
-              <a:rPr lang="en-US" dirty="0"/>
-              <a:t>[Paste example activity or your own from lesson plan to slide]</a:t>
-            </a:r>
-          </a:p>
-        </p:txBody>
-      </p:sp>
-    </p:spTree>
-    <p:extLst>
-      <p:ext uri="{BB962C8B-B14F-4D97-AF65-F5344CB8AC3E}">
-        <p14:creationId xmlns:p14="http://schemas.microsoft.com/office/powerpoint/2010/main" val="3514558618"/>
-      </p:ext>
-    </p:extLst>
-  </p:cSld>
-  <p:clrMapOvr>
-    <a:masterClrMapping/>
-  </p:clrMapOvr>
-</p:sld>
-</file>
-
-<file path=ppt/slides/slide83.xml><?xml version="1.0" encoding="utf-8"?>
-<p:sld xmlns:a="http://schemas.openxmlformats.org/drawingml/2006/main" xmlns:r="http://schemas.openxmlformats.org/officeDocument/2006/relationships" xmlns:p="http://schemas.openxmlformats.org/presentationml/2006/main">
-  <p:cSld>
-    <p:spTree>
-      <p:nvGrpSpPr>
-        <p:cNvPr id="1" name=""/>
-        <p:cNvGrpSpPr/>
-        <p:nvPr/>
-      </p:nvGrpSpPr>
-      <p:grpSpPr>
-        <a:xfrm>
-          <a:off x="0" y="0"/>
-          <a:ext cx="0" cy="0"/>
-          <a:chOff x="0" y="0"/>
-          <a:chExt cx="0" cy="0"/>
-        </a:xfrm>
-      </p:grpSpPr>
-      <p:sp>
-        <p:nvSpPr>
-          <p:cNvPr id="2" name="Title 1"/>
-          <p:cNvSpPr>
-            <a:spLocks noGrp="1"/>
-          </p:cNvSpPr>
-          <p:nvPr>
-            <p:ph type="title"/>
-          </p:nvPr>
-        </p:nvSpPr>
-        <p:spPr/>
-        <p:txBody>
           <a:bodyPr>
             <a:normAutofit/>
           </a:bodyPr>
@@ -32183,7 +32029,7 @@
 </p:sld>
 </file>
 
-<file path=ppt/slides/slide84.xml><?xml version="1.0" encoding="utf-8"?>
+<file path=ppt/slides/slide83.xml><?xml version="1.0" encoding="utf-8"?>
 <p:sld xmlns:a="http://schemas.openxmlformats.org/drawingml/2006/main" xmlns:r="http://schemas.openxmlformats.org/officeDocument/2006/relationships" xmlns:p="http://schemas.openxmlformats.org/presentationml/2006/main">
   <p:cSld>
     <p:spTree>
@@ -32267,7 +32113,7 @@
 </p:sld>
 </file>
 
-<file path=ppt/slides/slide85.xml><?xml version="1.0" encoding="utf-8"?>
+<file path=ppt/slides/slide84.xml><?xml version="1.0" encoding="utf-8"?>
 <p:sld xmlns:a="http://schemas.openxmlformats.org/drawingml/2006/main" xmlns:r="http://schemas.openxmlformats.org/officeDocument/2006/relationships" xmlns:p="http://schemas.openxmlformats.org/presentationml/2006/main">
   <p:cSld>
     <p:spTree>
@@ -32349,6 +32195,80 @@
     <p:extLst>
       <p:ext uri="{BB962C8B-B14F-4D97-AF65-F5344CB8AC3E}">
         <p14:creationId xmlns:p14="http://schemas.microsoft.com/office/powerpoint/2010/main" val="2163985506"/>
+      </p:ext>
+    </p:extLst>
+  </p:cSld>
+  <p:clrMapOvr>
+    <a:masterClrMapping/>
+  </p:clrMapOvr>
+</p:sld>
+</file>
+
+<file path=ppt/slides/slide85.xml><?xml version="1.0" encoding="utf-8"?>
+<p:sld xmlns:a="http://schemas.openxmlformats.org/drawingml/2006/main" xmlns:r="http://schemas.openxmlformats.org/officeDocument/2006/relationships" xmlns:p="http://schemas.openxmlformats.org/presentationml/2006/main">
+  <p:cSld>
+    <p:spTree>
+      <p:nvGrpSpPr>
+        <p:cNvPr id="1" name=""/>
+        <p:cNvGrpSpPr/>
+        <p:nvPr/>
+      </p:nvGrpSpPr>
+      <p:grpSpPr>
+        <a:xfrm>
+          <a:off x="0" y="0"/>
+          <a:ext cx="0" cy="0"/>
+          <a:chOff x="0" y="0"/>
+          <a:chExt cx="0" cy="0"/>
+        </a:xfrm>
+      </p:grpSpPr>
+      <p:sp>
+        <p:nvSpPr>
+          <p:cNvPr id="2" name="Title 1"/>
+          <p:cNvSpPr>
+            <a:spLocks noGrp="1"/>
+          </p:cNvSpPr>
+          <p:nvPr>
+            <p:ph type="ctrTitle"/>
+          </p:nvPr>
+        </p:nvSpPr>
+        <p:spPr/>
+        <p:txBody>
+          <a:bodyPr/>
+          <a:lstStyle/>
+          <a:p>
+            <a:r>
+              <a:rPr lang="en-US" dirty="0"/>
+              <a:t>Finding and Fixing Errors</a:t>
+            </a:r>
+          </a:p>
+        </p:txBody>
+      </p:sp>
+      <p:sp>
+        <p:nvSpPr>
+          <p:cNvPr id="3" name="Subtitle 2"/>
+          <p:cNvSpPr>
+            <a:spLocks noGrp="1"/>
+          </p:cNvSpPr>
+          <p:nvPr>
+            <p:ph type="subTitle" idx="1"/>
+          </p:nvPr>
+        </p:nvSpPr>
+        <p:spPr/>
+        <p:txBody>
+          <a:bodyPr/>
+          <a:lstStyle/>
+          <a:p>
+            <a:r>
+              <a:rPr lang="en-US" dirty="0"/>
+              <a:t>[ 6.08 ] [ Today’s Date ] [ Instructor Name ]</a:t>
+            </a:r>
+          </a:p>
+        </p:txBody>
+      </p:sp>
+    </p:spTree>
+    <p:extLst>
+      <p:ext uri="{BB962C8B-B14F-4D97-AF65-F5344CB8AC3E}">
+        <p14:creationId xmlns:p14="http://schemas.microsoft.com/office/powerpoint/2010/main" val="3786121268"/>
       </p:ext>
     </p:extLst>
   </p:cSld>
@@ -32382,7 +32302,7 @@
             <a:spLocks noGrp="1"/>
           </p:cNvSpPr>
           <p:nvPr>
-            <p:ph type="ctrTitle"/>
+            <p:ph type="title"/>
           </p:nvPr>
         </p:nvSpPr>
         <p:spPr/>
@@ -32392,19 +32312,19 @@
           <a:p>
             <a:r>
               <a:rPr lang="en-US" dirty="0"/>
-              <a:t>Finding and Fixing Errors</a:t>
+              <a:t>Today’s plan:</a:t>
             </a:r>
           </a:p>
         </p:txBody>
       </p:sp>
       <p:sp>
         <p:nvSpPr>
-          <p:cNvPr id="3" name="Subtitle 2"/>
+          <p:cNvPr id="3" name="Content Placeholder 2"/>
           <p:cNvSpPr>
             <a:spLocks noGrp="1"/>
           </p:cNvSpPr>
           <p:nvPr>
-            <p:ph type="subTitle" idx="1"/>
+            <p:ph idx="1"/>
           </p:nvPr>
         </p:nvSpPr>
         <p:spPr/>
@@ -32412,17 +32332,52 @@
           <a:bodyPr/>
           <a:lstStyle/>
           <a:p>
+            <a:pPr marL="0" indent="0">
+              <a:buNone/>
+            </a:pPr>
             <a:r>
               <a:rPr lang="en-US" dirty="0"/>
-              <a:t>[ 6.08 ] [ Today’s Date ] [ Instructor Name ]</a:t>
-            </a:r>
+              <a:t>Error check and resubmit all chapter 9 assignments.</a:t>
+            </a:r>
+          </a:p>
+          <a:p>
+            <a:endParaRPr lang="en-US" dirty="0"/>
+          </a:p>
+          <a:p>
+            <a:pPr marL="0" indent="0">
+              <a:buNone/>
+            </a:pPr>
+            <a:r>
+              <a:rPr lang="en-US" dirty="0"/>
+              <a:t>Study for the test by:</a:t>
+            </a:r>
+          </a:p>
+          <a:p>
+            <a:pPr lvl="1"/>
+            <a:r>
+              <a:rPr lang="en-US" dirty="0"/>
+              <a:t>Reviewing all of the blue, self-check pages at the end of Chapter 9.</a:t>
+            </a:r>
+          </a:p>
+          <a:p>
+            <a:pPr lvl="1"/>
+            <a:r>
+              <a:rPr lang="en-US" dirty="0"/>
+              <a:t>Re-reading sections as needed to complete the self-check problems.</a:t>
+            </a:r>
+          </a:p>
+          <a:p>
+            <a:pPr marL="457200" lvl="1" indent="0">
+              <a:buNone/>
+            </a:pPr>
+            <a:endParaRPr lang="en-US" dirty="0"/>
           </a:p>
         </p:txBody>
       </p:sp>
     </p:spTree>
     <p:extLst>
       <p:ext uri="{BB962C8B-B14F-4D97-AF65-F5344CB8AC3E}">
-        <p14:creationId xmlns:p14="http://schemas.microsoft.com/office/powerpoint/2010/main" val="3786121268"/>
+        <p14:creationId xmlns:p14="http://schemas.microsoft.com/office/powerpoint/2010/main" val="3923898911"/>
       </p:ext>
     </p:extLst>
   </p:cSld>
@@ -32466,7 +32421,7 @@
           <a:p>
             <a:r>
               <a:rPr lang="en-US" dirty="0"/>
-              <a:t>Today’s plan:</a:t>
+              <a:t>Homework Regrade/Resubmit</a:t>
             </a:r>
           </a:p>
         </p:txBody>
@@ -32491,7 +32446,7 @@
             </a:pPr>
             <a:r>
               <a:rPr lang="en-US" dirty="0"/>
-              <a:t>Error check and resubmit all chapter 9 assignments.</a:t>
+              <a:t>You all have the opportunity to get full credit  on your homework grades by correcting them now, in class.</a:t>
             </a:r>
           </a:p>
           <a:p>
@@ -32503,25 +32458,11 @@
             </a:pPr>
             <a:r>
               <a:rPr lang="en-US" dirty="0"/>
-              <a:t>Study for the test by:</a:t>
-            </a:r>
-          </a:p>
-          <a:p>
-            <a:pPr lvl="1"/>
-            <a:r>
-              <a:rPr lang="en-US" dirty="0"/>
-              <a:t>Reviewing all of the blue, self-check pages at the end of Chapter 9.</a:t>
-            </a:r>
-          </a:p>
-          <a:p>
-            <a:pPr lvl="1"/>
-            <a:r>
-              <a:rPr lang="en-US" dirty="0"/>
-              <a:t>Re-reading sections as needed to complete the self-check problems.</a:t>
-            </a:r>
-          </a:p>
-          <a:p>
-            <a:pPr marL="457200" lvl="1" indent="0">
+              <a:t>Use your error checking algorithm, and if you need help just ask!</a:t>
+            </a:r>
+          </a:p>
+          <a:p>
+            <a:pPr marL="0" indent="0">
               <a:buNone/>
             </a:pPr>
             <a:endParaRPr lang="en-US" dirty="0"/>
@@ -32531,7 +32472,7 @@
     </p:spTree>
     <p:extLst>
       <p:ext uri="{BB962C8B-B14F-4D97-AF65-F5344CB8AC3E}">
-        <p14:creationId xmlns:p14="http://schemas.microsoft.com/office/powerpoint/2010/main" val="3923898911"/>
+        <p14:creationId xmlns:p14="http://schemas.microsoft.com/office/powerpoint/2010/main" val="485091757"/>
       </p:ext>
     </p:extLst>
   </p:cSld>
@@ -32575,7 +32516,7 @@
           <a:p>
             <a:r>
               <a:rPr lang="en-US" dirty="0"/>
-              <a:t>Homework Regrade/Resubmit</a:t>
+              <a:t>Homework</a:t>
             </a:r>
           </a:p>
         </p:txBody>
@@ -32595,24 +32536,9 @@
           <a:bodyPr/>
           <a:lstStyle/>
           <a:p>
-            <a:pPr marL="0" indent="0">
-              <a:buNone/>
-            </a:pPr>
             <a:r>
               <a:rPr lang="en-US" dirty="0"/>
-              <a:t>You all have the opportunity to get full credit  on your homework grades by correcting them now, in class.</a:t>
-            </a:r>
-          </a:p>
-          <a:p>
-            <a:endParaRPr lang="en-US" dirty="0"/>
-          </a:p>
-          <a:p>
-            <a:pPr marL="0" indent="0">
-              <a:buNone/>
-            </a:pPr>
-            <a:r>
-              <a:rPr lang="en-US" dirty="0"/>
-              <a:t>Use your error checking algorithm, and if you need help just ask!</a:t>
+              <a:t>Begin reviewing chapter 9 for the Unit 6 Test.</a:t>
             </a:r>
           </a:p>
           <a:p>
@@ -32626,7 +32552,7 @@
     </p:spTree>
     <p:extLst>
       <p:ext uri="{BB962C8B-B14F-4D97-AF65-F5344CB8AC3E}">
-        <p14:creationId xmlns:p14="http://schemas.microsoft.com/office/powerpoint/2010/main" val="485091757"/>
+        <p14:creationId xmlns:p14="http://schemas.microsoft.com/office/powerpoint/2010/main" val="912080518"/>
       </p:ext>
     </p:extLst>
   </p:cSld>
@@ -32660,7 +32586,31 @@
             <a:spLocks noGrp="1"/>
           </p:cNvSpPr>
           <p:nvPr>
-            <p:ph type="title"/>
+            <p:ph type="ctrTitle"/>
+          </p:nvPr>
+        </p:nvSpPr>
+        <p:spPr/>
+        <p:txBody>
+          <a:bodyPr>
+            <a:normAutofit/>
+          </a:bodyPr>
+          <a:lstStyle/>
+          <a:p>
+            <a:r>
+              <a:rPr lang="en-US" sz="4800" dirty="0"/>
+              <a:t>Review</a:t>
+            </a:r>
+          </a:p>
+        </p:txBody>
+      </p:sp>
+      <p:sp>
+        <p:nvSpPr>
+          <p:cNvPr id="3" name="Subtitle 2"/>
+          <p:cNvSpPr>
+            <a:spLocks noGrp="1"/>
+          </p:cNvSpPr>
+          <p:nvPr>
+            <p:ph type="subTitle" idx="1"/>
           </p:nvPr>
         </p:nvSpPr>
         <p:spPr/>
@@ -32670,43 +32620,15 @@
           <a:p>
             <a:r>
               <a:rPr lang="en-US" dirty="0"/>
-              <a:t>Homework</a:t>
-            </a:r>
-          </a:p>
-        </p:txBody>
-      </p:sp>
-      <p:sp>
-        <p:nvSpPr>
-          <p:cNvPr id="3" name="Content Placeholder 2"/>
-          <p:cNvSpPr>
-            <a:spLocks noGrp="1"/>
-          </p:cNvSpPr>
-          <p:nvPr>
-            <p:ph idx="1"/>
-          </p:nvPr>
-        </p:nvSpPr>
-        <p:spPr/>
-        <p:txBody>
-          <a:bodyPr/>
-          <a:lstStyle/>
-          <a:p>
-            <a:r>
-              <a:rPr lang="en-US" dirty="0"/>
-              <a:t>Begin reviewing chapter 9 for the Unit 6 Test.</a:t>
-            </a:r>
-          </a:p>
-          <a:p>
-            <a:pPr marL="0" indent="0">
-              <a:buNone/>
-            </a:pPr>
-            <a:endParaRPr lang="en-US" dirty="0"/>
+              <a:t>[ 6.09 ] [ Today’s Date ] [ Instructor Name ]</a:t>
+            </a:r>
           </a:p>
         </p:txBody>
       </p:sp>
     </p:spTree>
     <p:extLst>
       <p:ext uri="{BB962C8B-B14F-4D97-AF65-F5344CB8AC3E}">
-        <p14:creationId xmlns:p14="http://schemas.microsoft.com/office/powerpoint/2010/main" val="912080518"/>
+        <p14:creationId xmlns:p14="http://schemas.microsoft.com/office/powerpoint/2010/main" val="4280762843"/>
       </p:ext>
     </p:extLst>
   </p:cSld>
@@ -32813,82 +32735,6 @@
       </p:grpSpPr>
       <p:sp>
         <p:nvSpPr>
-          <p:cNvPr id="2" name="Title 1"/>
-          <p:cNvSpPr>
-            <a:spLocks noGrp="1"/>
-          </p:cNvSpPr>
-          <p:nvPr>
-            <p:ph type="ctrTitle"/>
-          </p:nvPr>
-        </p:nvSpPr>
-        <p:spPr/>
-        <p:txBody>
-          <a:bodyPr>
-            <a:normAutofit/>
-          </a:bodyPr>
-          <a:lstStyle/>
-          <a:p>
-            <a:r>
-              <a:rPr lang="en-US" sz="4800" dirty="0"/>
-              <a:t>Review</a:t>
-            </a:r>
-          </a:p>
-        </p:txBody>
-      </p:sp>
-      <p:sp>
-        <p:nvSpPr>
-          <p:cNvPr id="3" name="Subtitle 2"/>
-          <p:cNvSpPr>
-            <a:spLocks noGrp="1"/>
-          </p:cNvSpPr>
-          <p:nvPr>
-            <p:ph type="subTitle" idx="1"/>
-          </p:nvPr>
-        </p:nvSpPr>
-        <p:spPr/>
-        <p:txBody>
-          <a:bodyPr/>
-          <a:lstStyle/>
-          <a:p>
-            <a:r>
-              <a:rPr lang="en-US" dirty="0"/>
-              <a:t>[ 6.09 ] [ Today’s Date ] [ Instructor Name ]</a:t>
-            </a:r>
-          </a:p>
-        </p:txBody>
-      </p:sp>
-    </p:spTree>
-    <p:extLst>
-      <p:ext uri="{BB962C8B-B14F-4D97-AF65-F5344CB8AC3E}">
-        <p14:creationId xmlns:p14="http://schemas.microsoft.com/office/powerpoint/2010/main" val="4280762843"/>
-      </p:ext>
-    </p:extLst>
-  </p:cSld>
-  <p:clrMapOvr>
-    <a:masterClrMapping/>
-  </p:clrMapOvr>
-</p:sld>
-</file>
-
-<file path=ppt/slides/slide91.xml><?xml version="1.0" encoding="utf-8"?>
-<p:sld xmlns:a="http://schemas.openxmlformats.org/drawingml/2006/main" xmlns:r="http://schemas.openxmlformats.org/officeDocument/2006/relationships" xmlns:p="http://schemas.openxmlformats.org/presentationml/2006/main">
-  <p:cSld>
-    <p:spTree>
-      <p:nvGrpSpPr>
-        <p:cNvPr id="1" name=""/>
-        <p:cNvGrpSpPr/>
-        <p:nvPr/>
-      </p:nvGrpSpPr>
-      <p:grpSpPr>
-        <a:xfrm>
-          <a:off x="0" y="0"/>
-          <a:ext cx="0" cy="0"/>
-          <a:chOff x="0" y="0"/>
-          <a:chExt cx="0" cy="0"/>
-        </a:xfrm>
-      </p:grpSpPr>
-      <p:sp>
-        <p:nvSpPr>
           <p:cNvPr id="4" name="Title 3"/>
           <p:cNvSpPr>
             <a:spLocks noGrp="1"/>
@@ -32929,7 +32775,7 @@
 </p:sld>
 </file>
 
-<file path=ppt/slides/slide92.xml><?xml version="1.0" encoding="utf-8"?>
+<file path=ppt/slides/slide91.xml><?xml version="1.0" encoding="utf-8"?>
 <p:sld xmlns:a="http://schemas.openxmlformats.org/drawingml/2006/main" xmlns:r="http://schemas.openxmlformats.org/officeDocument/2006/relationships" xmlns:p="http://schemas.openxmlformats.org/presentationml/2006/main">
   <p:cSld>
     <p:spTree>
@@ -32988,7 +32834,7 @@
 </p:sld>
 </file>
 
-<file path=ppt/slides/slide93.xml><?xml version="1.0" encoding="utf-8"?>
+<file path=ppt/slides/slide92.xml><?xml version="1.0" encoding="utf-8"?>
 <p:sld xmlns:a="http://schemas.openxmlformats.org/drawingml/2006/main" xmlns:r="http://schemas.openxmlformats.org/officeDocument/2006/relationships" xmlns:p="http://schemas.openxmlformats.org/presentationml/2006/main">
   <p:cSld>
     <p:spTree>
@@ -33062,8 +32908,13 @@
             </a:pPr>
             <a:r>
               <a:rPr lang="en-US" dirty="0"/>
-              <a:t>For each topic, follow up by reviewing the textbook, self-check problems, and the appropriate Practice-It problems.</a:t>
-            </a:r>
+              <a:t>For each topic, follow up by reviewing the textbook, and </a:t>
+            </a:r>
+            <a:r>
+              <a:rPr lang="en-US"/>
+              <a:t>self-check problems. </a:t>
+            </a:r>
+            <a:endParaRPr lang="en-US" dirty="0"/>
           </a:p>
         </p:txBody>
       </p:sp>
@@ -33080,7 +32931,7 @@
 </p:sld>
 </file>
 
-<file path=ppt/slides/slide94.xml><?xml version="1.0" encoding="utf-8"?>
+<file path=ppt/slides/slide93.xml><?xml version="1.0" encoding="utf-8"?>
 <p:sld xmlns:a="http://schemas.openxmlformats.org/drawingml/2006/main" xmlns:r="http://schemas.openxmlformats.org/officeDocument/2006/relationships" xmlns:p="http://schemas.openxmlformats.org/presentationml/2006/main">
   <p:cSld>
     <p:spTree>

--- a/curriculum/Unit6/Unit6.pptx
+++ b/curriculum/Unit6/Unit6.pptx
@@ -5,7 +5,7 @@
     <p:sldMasterId id="2147483648" r:id="rId4"/>
   </p:sldMasterIdLst>
   <p:notesMasterIdLst>
-    <p:notesMasterId r:id="rId98"/>
+    <p:notesMasterId r:id="rId99"/>
   </p:notesMasterIdLst>
   <p:sldIdLst>
     <p:sldId id="256" r:id="rId5"/>
@@ -57,50 +57,51 @@
     <p:sldId id="308" r:id="rId51"/>
     <p:sldId id="309" r:id="rId52"/>
     <p:sldId id="369" r:id="rId53"/>
-    <p:sldId id="311" r:id="rId54"/>
-    <p:sldId id="312" r:id="rId55"/>
-    <p:sldId id="313" r:id="rId56"/>
-    <p:sldId id="314" r:id="rId57"/>
-    <p:sldId id="315" r:id="rId58"/>
-    <p:sldId id="316" r:id="rId59"/>
-    <p:sldId id="317" r:id="rId60"/>
-    <p:sldId id="318" r:id="rId61"/>
-    <p:sldId id="319" r:id="rId62"/>
-    <p:sldId id="320" r:id="rId63"/>
-    <p:sldId id="321" r:id="rId64"/>
-    <p:sldId id="322" r:id="rId65"/>
-    <p:sldId id="323" r:id="rId66"/>
-    <p:sldId id="324" r:id="rId67"/>
-    <p:sldId id="325" r:id="rId68"/>
-    <p:sldId id="326" r:id="rId69"/>
-    <p:sldId id="327" r:id="rId70"/>
-    <p:sldId id="328" r:id="rId71"/>
-    <p:sldId id="329" r:id="rId72"/>
-    <p:sldId id="330" r:id="rId73"/>
-    <p:sldId id="331" r:id="rId74"/>
-    <p:sldId id="332" r:id="rId75"/>
-    <p:sldId id="370" r:id="rId76"/>
-    <p:sldId id="333" r:id="rId77"/>
-    <p:sldId id="334" r:id="rId78"/>
-    <p:sldId id="335" r:id="rId79"/>
-    <p:sldId id="336" r:id="rId80"/>
-    <p:sldId id="337" r:id="rId81"/>
-    <p:sldId id="338" r:id="rId82"/>
-    <p:sldId id="339" r:id="rId83"/>
-    <p:sldId id="340" r:id="rId84"/>
-    <p:sldId id="341" r:id="rId85"/>
-    <p:sldId id="342" r:id="rId86"/>
-    <p:sldId id="343" r:id="rId87"/>
-    <p:sldId id="344" r:id="rId88"/>
-    <p:sldId id="345" r:id="rId89"/>
-    <p:sldId id="346" r:id="rId90"/>
-    <p:sldId id="347" r:id="rId91"/>
-    <p:sldId id="348" r:id="rId92"/>
-    <p:sldId id="349" r:id="rId93"/>
-    <p:sldId id="350" r:id="rId94"/>
-    <p:sldId id="351" r:id="rId95"/>
-    <p:sldId id="352" r:id="rId96"/>
-    <p:sldId id="353" r:id="rId97"/>
+    <p:sldId id="310" r:id="rId54"/>
+    <p:sldId id="311" r:id="rId55"/>
+    <p:sldId id="312" r:id="rId56"/>
+    <p:sldId id="313" r:id="rId57"/>
+    <p:sldId id="314" r:id="rId58"/>
+    <p:sldId id="315" r:id="rId59"/>
+    <p:sldId id="316" r:id="rId60"/>
+    <p:sldId id="317" r:id="rId61"/>
+    <p:sldId id="318" r:id="rId62"/>
+    <p:sldId id="319" r:id="rId63"/>
+    <p:sldId id="320" r:id="rId64"/>
+    <p:sldId id="321" r:id="rId65"/>
+    <p:sldId id="322" r:id="rId66"/>
+    <p:sldId id="323" r:id="rId67"/>
+    <p:sldId id="324" r:id="rId68"/>
+    <p:sldId id="325" r:id="rId69"/>
+    <p:sldId id="326" r:id="rId70"/>
+    <p:sldId id="327" r:id="rId71"/>
+    <p:sldId id="328" r:id="rId72"/>
+    <p:sldId id="329" r:id="rId73"/>
+    <p:sldId id="330" r:id="rId74"/>
+    <p:sldId id="331" r:id="rId75"/>
+    <p:sldId id="332" r:id="rId76"/>
+    <p:sldId id="370" r:id="rId77"/>
+    <p:sldId id="333" r:id="rId78"/>
+    <p:sldId id="334" r:id="rId79"/>
+    <p:sldId id="335" r:id="rId80"/>
+    <p:sldId id="336" r:id="rId81"/>
+    <p:sldId id="337" r:id="rId82"/>
+    <p:sldId id="338" r:id="rId83"/>
+    <p:sldId id="339" r:id="rId84"/>
+    <p:sldId id="340" r:id="rId85"/>
+    <p:sldId id="341" r:id="rId86"/>
+    <p:sldId id="342" r:id="rId87"/>
+    <p:sldId id="343" r:id="rId88"/>
+    <p:sldId id="344" r:id="rId89"/>
+    <p:sldId id="345" r:id="rId90"/>
+    <p:sldId id="346" r:id="rId91"/>
+    <p:sldId id="347" r:id="rId92"/>
+    <p:sldId id="348" r:id="rId93"/>
+    <p:sldId id="349" r:id="rId94"/>
+    <p:sldId id="350" r:id="rId95"/>
+    <p:sldId id="351" r:id="rId96"/>
+    <p:sldId id="352" r:id="rId97"/>
+    <p:sldId id="353" r:id="rId98"/>
   </p:sldIdLst>
   <p:sldSz cx="12192000" cy="6858000"/>
   <p:notesSz cx="6858000" cy="9144000"/>
@@ -15704,7 +15705,7 @@
           <a:p>
             <a:fld id="{208B30BF-BE3F-47C2-B7B3-E8CB680F2AA1}" type="datetimeFigureOut">
               <a:rPr lang="en-US" smtClean="0"/>
-              <a:t>2/18/2020</a:t>
+              <a:t>1/17/2020</a:t>
             </a:fld>
             <a:endParaRPr lang="en-US"/>
           </a:p>
@@ -16120,7 +16121,7 @@
           <a:p>
             <a:fld id="{A7ECB63E-8074-41A1-9CD7-8EC3ED69F85F}" type="slidenum">
               <a:rPr lang="en-US" smtClean="0"/>
-              <a:t>62</a:t>
+              <a:t>63</a:t>
             </a:fld>
             <a:endParaRPr lang="en-US"/>
           </a:p>
@@ -16373,7 +16374,7 @@
           <a:p>
             <a:fld id="{C56969A0-B3EA-45A4-A390-44554200A62E}" type="slidenum">
               <a:rPr lang="en-US" smtClean="0"/>
-              <a:t>63</a:t>
+              <a:t>64</a:t>
             </a:fld>
             <a:endParaRPr lang="en-US"/>
           </a:p>
@@ -16457,7 +16458,7 @@
           <a:p>
             <a:fld id="{C56969A0-B3EA-45A4-A390-44554200A62E}" type="slidenum">
               <a:rPr lang="en-US" smtClean="0"/>
-              <a:t>66</a:t>
+              <a:t>67</a:t>
             </a:fld>
             <a:endParaRPr lang="en-US"/>
           </a:p>
@@ -16541,7 +16542,7 @@
           <a:p>
             <a:fld id="{C56969A0-B3EA-45A4-A390-44554200A62E}" type="slidenum">
               <a:rPr lang="en-US" smtClean="0"/>
-              <a:t>75</a:t>
+              <a:t>76</a:t>
             </a:fld>
             <a:endParaRPr lang="en-US"/>
           </a:p>
@@ -16625,7 +16626,7 @@
           <a:p>
             <a:fld id="{C56969A0-B3EA-45A4-A390-44554200A62E}" type="slidenum">
               <a:rPr lang="en-US" smtClean="0"/>
-              <a:t>83</a:t>
+              <a:t>84</a:t>
             </a:fld>
             <a:endParaRPr lang="en-US"/>
           </a:p>
@@ -16721,7 +16722,7 @@
           <a:p>
             <a:fld id="{C56969A0-B3EA-45A4-A390-44554200A62E}" type="slidenum">
               <a:rPr lang="en-US" smtClean="0"/>
-              <a:t>85</a:t>
+              <a:t>86</a:t>
             </a:fld>
             <a:endParaRPr lang="en-US"/>
           </a:p>
@@ -16805,7 +16806,7 @@
           <a:p>
             <a:fld id="{C56969A0-B3EA-45A4-A390-44554200A62E}" type="slidenum">
               <a:rPr lang="en-US" smtClean="0"/>
-              <a:t>89</a:t>
+              <a:t>90</a:t>
             </a:fld>
             <a:endParaRPr lang="en-US"/>
           </a:p>
@@ -17347,7 +17348,7 @@
           <a:p>
             <a:fld id="{C56969A0-B3EA-45A4-A390-44554200A62E}" type="slidenum">
               <a:rPr lang="en-US" smtClean="0"/>
-              <a:t>52</a:t>
+              <a:t>53</a:t>
             </a:fld>
             <a:endParaRPr lang="en-US"/>
           </a:p>
@@ -17434,7 +17435,7 @@
           <a:p>
             <a:fld id="{C56969A0-B3EA-45A4-A390-44554200A62E}" type="slidenum">
               <a:rPr lang="en-US" smtClean="0"/>
-              <a:t>57</a:t>
+              <a:t>58</a:t>
             </a:fld>
             <a:endParaRPr lang="en-US"/>
           </a:p>
@@ -17518,7 +17519,7 @@
           <a:p>
             <a:fld id="{A7ECB63E-8074-41A1-9CD7-8EC3ED69F85F}" type="slidenum">
               <a:rPr lang="en-US" smtClean="0"/>
-              <a:t>59</a:t>
+              <a:t>60</a:t>
             </a:fld>
             <a:endParaRPr lang="en-US"/>
           </a:p>
@@ -17666,7 +17667,7 @@
           <a:p>
             <a:fld id="{5D2A64DF-0753-4272-8809-7B17C6953B30}" type="datetimeFigureOut">
               <a:rPr lang="en-US" smtClean="0"/>
-              <a:t>2/18/2020</a:t>
+              <a:t>1/17/2020</a:t>
             </a:fld>
             <a:endParaRPr lang="en-US"/>
           </a:p>
@@ -17834,7 +17835,7 @@
           <a:p>
             <a:fld id="{5D2A64DF-0753-4272-8809-7B17C6953B30}" type="datetimeFigureOut">
               <a:rPr lang="en-US" smtClean="0"/>
-              <a:t>2/18/2020</a:t>
+              <a:t>1/17/2020</a:t>
             </a:fld>
             <a:endParaRPr lang="en-US"/>
           </a:p>
@@ -18012,7 +18013,7 @@
           <a:p>
             <a:fld id="{5D2A64DF-0753-4272-8809-7B17C6953B30}" type="datetimeFigureOut">
               <a:rPr lang="en-US" smtClean="0"/>
-              <a:t>2/18/2020</a:t>
+              <a:t>1/17/2020</a:t>
             </a:fld>
             <a:endParaRPr lang="en-US"/>
           </a:p>
@@ -18180,7 +18181,7 @@
           <a:p>
             <a:fld id="{5D2A64DF-0753-4272-8809-7B17C6953B30}" type="datetimeFigureOut">
               <a:rPr lang="en-US" smtClean="0"/>
-              <a:t>2/18/2020</a:t>
+              <a:t>1/17/2020</a:t>
             </a:fld>
             <a:endParaRPr lang="en-US"/>
           </a:p>
@@ -18425,7 +18426,7 @@
           <a:p>
             <a:fld id="{5D2A64DF-0753-4272-8809-7B17C6953B30}" type="datetimeFigureOut">
               <a:rPr lang="en-US" smtClean="0"/>
-              <a:t>2/18/2020</a:t>
+              <a:t>1/17/2020</a:t>
             </a:fld>
             <a:endParaRPr lang="en-US"/>
           </a:p>
@@ -18654,7 +18655,7 @@
           <a:p>
             <a:fld id="{5D2A64DF-0753-4272-8809-7B17C6953B30}" type="datetimeFigureOut">
               <a:rPr lang="en-US" smtClean="0"/>
-              <a:t>2/18/2020</a:t>
+              <a:t>1/17/2020</a:t>
             </a:fld>
             <a:endParaRPr lang="en-US"/>
           </a:p>
@@ -19018,7 +19019,7 @@
           <a:p>
             <a:fld id="{5D2A64DF-0753-4272-8809-7B17C6953B30}" type="datetimeFigureOut">
               <a:rPr lang="en-US" smtClean="0"/>
-              <a:t>2/18/2020</a:t>
+              <a:t>1/17/2020</a:t>
             </a:fld>
             <a:endParaRPr lang="en-US"/>
           </a:p>
@@ -19135,7 +19136,7 @@
           <a:p>
             <a:fld id="{5D2A64DF-0753-4272-8809-7B17C6953B30}" type="datetimeFigureOut">
               <a:rPr lang="en-US" smtClean="0"/>
-              <a:t>2/18/2020</a:t>
+              <a:t>1/17/2020</a:t>
             </a:fld>
             <a:endParaRPr lang="en-US"/>
           </a:p>
@@ -19230,7 +19231,7 @@
           <a:p>
             <a:fld id="{5D2A64DF-0753-4272-8809-7B17C6953B30}" type="datetimeFigureOut">
               <a:rPr lang="en-US" smtClean="0"/>
-              <a:t>2/18/2020</a:t>
+              <a:t>1/17/2020</a:t>
             </a:fld>
             <a:endParaRPr lang="en-US"/>
           </a:p>
@@ -19505,7 +19506,7 @@
           <a:p>
             <a:fld id="{5D2A64DF-0753-4272-8809-7B17C6953B30}" type="datetimeFigureOut">
               <a:rPr lang="en-US" smtClean="0"/>
-              <a:t>2/18/2020</a:t>
+              <a:t>1/17/2020</a:t>
             </a:fld>
             <a:endParaRPr lang="en-US"/>
           </a:p>
@@ -19757,7 +19758,7 @@
           <a:p>
             <a:fld id="{5D2A64DF-0753-4272-8809-7B17C6953B30}" type="datetimeFigureOut">
               <a:rPr lang="en-US" smtClean="0"/>
-              <a:t>2/18/2020</a:t>
+              <a:t>1/17/2020</a:t>
             </a:fld>
             <a:endParaRPr lang="en-US"/>
           </a:p>
@@ -19968,7 +19969,7 @@
           <a:p>
             <a:fld id="{5D2A64DF-0753-4272-8809-7B17C6953B30}" type="datetimeFigureOut">
               <a:rPr lang="en-US" smtClean="0"/>
-              <a:t>2/18/2020</a:t>
+              <a:t>1/17/2020</a:t>
             </a:fld>
             <a:endParaRPr lang="en-US"/>
           </a:p>
@@ -25393,30 +25394,123 @@
             <p:ph type="title"/>
           </p:nvPr>
         </p:nvSpPr>
-        <p:spPr>
-          <a:xfrm>
-            <a:off x="838200" y="2769347"/>
-            <a:ext cx="10515600" cy="1157288"/>
-          </a:xfrm>
-        </p:spPr>
+        <p:spPr/>
         <p:txBody>
-          <a:bodyPr>
-            <a:normAutofit/>
-          </a:bodyPr>
+          <a:bodyPr/>
           <a:lstStyle/>
           <a:p>
-            <a:pPr algn="ctr"/>
-            <a:r>
-              <a:rPr lang="en-US" sz="4800" dirty="0"/>
-              <a:t>Worksheet</a:t>
-            </a:r>
+            <a:r>
+              <a:rPr lang="en-US" dirty="0"/>
+              <a:t>Practice-It</a:t>
+            </a:r>
+          </a:p>
+        </p:txBody>
+      </p:sp>
+      <p:sp>
+        <p:nvSpPr>
+          <p:cNvPr id="3" name="Content Placeholder 2"/>
+          <p:cNvSpPr>
+            <a:spLocks noGrp="1"/>
+          </p:cNvSpPr>
+          <p:nvPr>
+            <p:ph idx="1"/>
+          </p:nvPr>
+        </p:nvSpPr>
+        <p:spPr/>
+        <p:txBody>
+          <a:bodyPr/>
+          <a:lstStyle/>
+          <a:p>
+            <a:pPr marL="0" indent="0">
+              <a:buNone/>
+            </a:pPr>
+            <a:endParaRPr lang="en-US" dirty="0">
+              <a:latin typeface="Courier New" panose="02070309020205020404" pitchFamily="49" charset="0"/>
+              <a:cs typeface="Courier New" panose="02070309020205020404" pitchFamily="49" charset="0"/>
+            </a:endParaRPr>
+          </a:p>
+          <a:p>
+            <a:pPr marL="0" indent="0">
+              <a:buNone/>
+            </a:pPr>
+            <a:r>
+              <a:rPr lang="en-US" dirty="0" err="1">
+                <a:latin typeface="Courier New" panose="02070309020205020404" pitchFamily="49" charset="0"/>
+                <a:cs typeface="Courier New" panose="02070309020205020404" pitchFamily="49" charset="0"/>
+              </a:rPr>
+              <a:t>subclassSyntax</a:t>
+            </a:r>
+            <a:endParaRPr lang="en-US" dirty="0">
+              <a:latin typeface="Courier New" panose="02070309020205020404" pitchFamily="49" charset="0"/>
+              <a:cs typeface="Courier New" panose="02070309020205020404" pitchFamily="49" charset="0"/>
+            </a:endParaRPr>
+          </a:p>
+          <a:p>
+            <a:pPr marL="0" indent="0">
+              <a:buNone/>
+            </a:pPr>
+            <a:r>
+              <a:rPr lang="en-US" dirty="0" err="1">
+                <a:latin typeface="Courier New" panose="02070309020205020404" pitchFamily="49" charset="0"/>
+                <a:cs typeface="Courier New" panose="02070309020205020404" pitchFamily="49" charset="0"/>
+              </a:rPr>
+              <a:t>inheritanceVariableSyntax</a:t>
+            </a:r>
+            <a:endParaRPr lang="en-US" dirty="0">
+              <a:latin typeface="Courier New" panose="02070309020205020404" pitchFamily="49" charset="0"/>
+              <a:cs typeface="Courier New" panose="02070309020205020404" pitchFamily="49" charset="0"/>
+            </a:endParaRPr>
+          </a:p>
+          <a:p>
+            <a:pPr marL="0" indent="0">
+              <a:buNone/>
+            </a:pPr>
+            <a:r>
+              <a:rPr lang="en-US" dirty="0" err="1">
+                <a:latin typeface="Courier New" panose="02070309020205020404" pitchFamily="49" charset="0"/>
+                <a:cs typeface="Courier New" panose="02070309020205020404" pitchFamily="49" charset="0"/>
+              </a:rPr>
+              <a:t>CarTruck</a:t>
+            </a:r>
+            <a:endParaRPr lang="en-US" dirty="0">
+              <a:latin typeface="Courier New" panose="02070309020205020404" pitchFamily="49" charset="0"/>
+              <a:cs typeface="Courier New" panose="02070309020205020404" pitchFamily="49" charset="0"/>
+            </a:endParaRPr>
+          </a:p>
+          <a:p>
+            <a:pPr marL="0" indent="0">
+              <a:buNone/>
+            </a:pPr>
+            <a:r>
+              <a:rPr lang="en-US" dirty="0">
+                <a:latin typeface="Courier New" panose="02070309020205020404" pitchFamily="49" charset="0"/>
+                <a:cs typeface="Courier New" panose="02070309020205020404" pitchFamily="49" charset="0"/>
+              </a:rPr>
+              <a:t>CarTruck2</a:t>
+            </a:r>
+          </a:p>
+          <a:p>
+            <a:pPr marL="0" indent="0">
+              <a:buNone/>
+            </a:pPr>
+            <a:r>
+              <a:rPr lang="en-US" dirty="0" err="1">
+                <a:latin typeface="Courier New" panose="02070309020205020404" pitchFamily="49" charset="0"/>
+                <a:cs typeface="Courier New" panose="02070309020205020404" pitchFamily="49" charset="0"/>
+              </a:rPr>
+              <a:t>MonsterTruck</a:t>
+            </a:r>
+            <a:endParaRPr lang="en-US" dirty="0">
+              <a:latin typeface="Courier New" panose="02070309020205020404" pitchFamily="49" charset="0"/>
+              <a:cs typeface="Courier New" panose="02070309020205020404" pitchFamily="49" charset="0"/>
+            </a:endParaRPr>
           </a:p>
         </p:txBody>
       </p:sp>
     </p:spTree>
     <p:extLst>
       <p:ext uri="{BB962C8B-B14F-4D97-AF65-F5344CB8AC3E}">
-        <p14:creationId xmlns:p14="http://schemas.microsoft.com/office/powerpoint/2010/main" val="335546600"/>
+        <p14:creationId xmlns:p14="http://schemas.microsoft.com/office/powerpoint/2010/main" val="2542628900"/>
       </p:ext>
     </p:extLst>
   </p:cSld>
@@ -25453,6 +25547,66 @@
             <p:ph type="title"/>
           </p:nvPr>
         </p:nvSpPr>
+        <p:spPr>
+          <a:xfrm>
+            <a:off x="838200" y="2769347"/>
+            <a:ext cx="10515600" cy="1157288"/>
+          </a:xfrm>
+        </p:spPr>
+        <p:txBody>
+          <a:bodyPr>
+            <a:normAutofit/>
+          </a:bodyPr>
+          <a:lstStyle/>
+          <a:p>
+            <a:pPr algn="ctr"/>
+            <a:r>
+              <a:rPr lang="en-US" sz="4800" dirty="0"/>
+              <a:t>Worksheet</a:t>
+            </a:r>
+          </a:p>
+        </p:txBody>
+      </p:sp>
+    </p:spTree>
+    <p:extLst>
+      <p:ext uri="{BB962C8B-B14F-4D97-AF65-F5344CB8AC3E}">
+        <p14:creationId xmlns:p14="http://schemas.microsoft.com/office/powerpoint/2010/main" val="335546600"/>
+      </p:ext>
+    </p:extLst>
+  </p:cSld>
+  <p:clrMapOvr>
+    <a:masterClrMapping/>
+  </p:clrMapOvr>
+</p:sld>
+</file>
+
+<file path=ppt/slides/slide52.xml><?xml version="1.0" encoding="utf-8"?>
+<p:sld xmlns:a="http://schemas.openxmlformats.org/drawingml/2006/main" xmlns:r="http://schemas.openxmlformats.org/officeDocument/2006/relationships" xmlns:p="http://schemas.openxmlformats.org/presentationml/2006/main">
+  <p:cSld>
+    <p:spTree>
+      <p:nvGrpSpPr>
+        <p:cNvPr id="1" name=""/>
+        <p:cNvGrpSpPr/>
+        <p:nvPr/>
+      </p:nvGrpSpPr>
+      <p:grpSpPr>
+        <a:xfrm>
+          <a:off x="0" y="0"/>
+          <a:ext cx="0" cy="0"/>
+          <a:chOff x="0" y="0"/>
+          <a:chExt cx="0" cy="0"/>
+        </a:xfrm>
+      </p:grpSpPr>
+      <p:sp>
+        <p:nvSpPr>
+          <p:cNvPr id="2" name="Title 1"/>
+          <p:cNvSpPr>
+            <a:spLocks noGrp="1"/>
+          </p:cNvSpPr>
+          <p:nvPr>
+            <p:ph type="title"/>
+          </p:nvPr>
+        </p:nvSpPr>
         <p:spPr/>
         <p:txBody>
           <a:bodyPr>
@@ -25511,7 +25665,7 @@
 </p:sld>
 </file>
 
-<file path=ppt/slides/slide52.xml><?xml version="1.0" encoding="utf-8"?>
+<file path=ppt/slides/slide53.xml><?xml version="1.0" encoding="utf-8"?>
 <p:sld xmlns:a="http://schemas.openxmlformats.org/drawingml/2006/main" xmlns:r="http://schemas.openxmlformats.org/officeDocument/2006/relationships" xmlns:p="http://schemas.openxmlformats.org/presentationml/2006/main">
   <p:cSld>
     <p:spTree>
@@ -25590,122 +25744,6 @@
     <p:extLst>
       <p:ext uri="{BB962C8B-B14F-4D97-AF65-F5344CB8AC3E}">
         <p14:creationId xmlns:p14="http://schemas.microsoft.com/office/powerpoint/2010/main" val="2044580090"/>
-      </p:ext>
-    </p:extLst>
-  </p:cSld>
-  <p:clrMapOvr>
-    <a:masterClrMapping/>
-  </p:clrMapOvr>
-</p:sld>
-</file>
-
-<file path=ppt/slides/slide53.xml><?xml version="1.0" encoding="utf-8"?>
-<p:sld xmlns:a="http://schemas.openxmlformats.org/drawingml/2006/main" xmlns:r="http://schemas.openxmlformats.org/officeDocument/2006/relationships" xmlns:p="http://schemas.openxmlformats.org/presentationml/2006/main">
-  <p:cSld>
-    <p:spTree>
-      <p:nvGrpSpPr>
-        <p:cNvPr id="1" name=""/>
-        <p:cNvGrpSpPr/>
-        <p:nvPr/>
-      </p:nvGrpSpPr>
-      <p:grpSpPr>
-        <a:xfrm>
-          <a:off x="0" y="0"/>
-          <a:ext cx="0" cy="0"/>
-          <a:chOff x="0" y="0"/>
-          <a:chExt cx="0" cy="0"/>
-        </a:xfrm>
-      </p:grpSpPr>
-      <p:sp>
-        <p:nvSpPr>
-          <p:cNvPr id="2" name="Title 1"/>
-          <p:cNvSpPr>
-            <a:spLocks noGrp="1"/>
-          </p:cNvSpPr>
-          <p:nvPr>
-            <p:ph type="title"/>
-          </p:nvPr>
-        </p:nvSpPr>
-        <p:spPr/>
-        <p:txBody>
-          <a:bodyPr/>
-          <a:lstStyle/>
-          <a:p>
-            <a:r>
-              <a:rPr lang="en-US" dirty="0"/>
-              <a:t>Review: subclass vs. superclass</a:t>
-            </a:r>
-          </a:p>
-        </p:txBody>
-      </p:sp>
-      <p:sp>
-        <p:nvSpPr>
-          <p:cNvPr id="3" name="Content Placeholder 2"/>
-          <p:cNvSpPr>
-            <a:spLocks noGrp="1"/>
-          </p:cNvSpPr>
-          <p:nvPr>
-            <p:ph idx="1"/>
-          </p:nvPr>
-        </p:nvSpPr>
-        <p:spPr/>
-        <p:txBody>
-          <a:bodyPr/>
-          <a:lstStyle/>
-          <a:p>
-            <a:pPr marL="0" indent="0">
-              <a:buNone/>
-            </a:pPr>
-            <a:r>
-              <a:rPr lang="en-US" dirty="0"/>
-              <a:t>subclass “extends” superclass</a:t>
-            </a:r>
-          </a:p>
-          <a:p>
-            <a:pPr marL="0" indent="0">
-              <a:buNone/>
-            </a:pPr>
-            <a:endParaRPr lang="en-US" dirty="0"/>
-          </a:p>
-          <a:p>
-            <a:pPr marL="0" indent="0">
-              <a:buNone/>
-            </a:pPr>
-            <a:r>
-              <a:rPr lang="en-US" dirty="0"/>
-              <a:t>superclass: 	More general, less capability</a:t>
-            </a:r>
-          </a:p>
-          <a:p>
-            <a:pPr marL="0" indent="0">
-              <a:buNone/>
-            </a:pPr>
-            <a:r>
-              <a:rPr lang="en-US" dirty="0"/>
-              <a:t>subclass: 	More specific, more capability</a:t>
-            </a:r>
-          </a:p>
-          <a:p>
-            <a:pPr marL="0" indent="0">
-              <a:buNone/>
-            </a:pPr>
-            <a:endParaRPr lang="en-US" dirty="0"/>
-          </a:p>
-          <a:p>
-            <a:pPr marL="0" indent="0">
-              <a:buNone/>
-            </a:pPr>
-            <a:r>
-              <a:rPr lang="en-US" dirty="0"/>
-              <a:t>Think of a subclass as being “better” than a superclass.</a:t>
-            </a:r>
-          </a:p>
-        </p:txBody>
-      </p:sp>
-    </p:spTree>
-    <p:extLst>
-      <p:ext uri="{BB962C8B-B14F-4D97-AF65-F5344CB8AC3E}">
-        <p14:creationId xmlns:p14="http://schemas.microsoft.com/office/powerpoint/2010/main" val="3665013851"/>
       </p:ext>
     </p:extLst>
   </p:cSld>
@@ -25744,14 +25782,12 @@
         </p:nvSpPr>
         <p:spPr/>
         <p:txBody>
-          <a:bodyPr>
-            <a:normAutofit/>
-          </a:bodyPr>
+          <a:bodyPr/>
           <a:lstStyle/>
           <a:p>
             <a:r>
               <a:rPr lang="en-US" dirty="0"/>
-              <a:t>Variables and Classes</a:t>
+              <a:t>Review: subclass vs. superclass</a:t>
             </a:r>
           </a:p>
         </p:txBody>
@@ -25776,7 +25812,7 @@
             </a:pPr>
             <a:r>
               <a:rPr lang="en-US" dirty="0"/>
-              <a:t>Variable can hold objects of its type or “better” (subclass is “better”!)</a:t>
+              <a:t>subclass “extends” superclass</a:t>
             </a:r>
           </a:p>
           <a:p>
@@ -25791,7 +25827,16 @@
             </a:pPr>
             <a:r>
               <a:rPr lang="en-US" dirty="0"/>
-              <a:t>Same goes for parameters and fields.</a:t>
+              <a:t>superclass: 	More general, less capability</a:t>
+            </a:r>
+          </a:p>
+          <a:p>
+            <a:pPr marL="0" indent="0">
+              <a:buNone/>
+            </a:pPr>
+            <a:r>
+              <a:rPr lang="en-US" dirty="0"/>
+              <a:t>subclass: 	More specific, more capability</a:t>
             </a:r>
           </a:p>
           <a:p>
@@ -25806,74 +25851,7 @@
             </a:pPr>
             <a:r>
               <a:rPr lang="en-US" dirty="0"/>
-              <a:t>If:	</a:t>
-            </a:r>
-            <a:r>
-              <a:rPr lang="en-US" dirty="0">
-                <a:latin typeface="Courier New" panose="02070309020205020404" pitchFamily="49" charset="0"/>
-                <a:cs typeface="Courier New" panose="02070309020205020404" pitchFamily="49" charset="0"/>
-              </a:rPr>
-              <a:t>public class Lion extends Animal { … }</a:t>
-            </a:r>
-          </a:p>
-          <a:p>
-            <a:pPr marL="0" indent="0">
-              <a:buNone/>
-            </a:pPr>
-            <a:r>
-              <a:rPr lang="en-US" dirty="0"/>
-              <a:t>Then:	</a:t>
-            </a:r>
-            <a:r>
-              <a:rPr lang="en-US" dirty="0">
-                <a:latin typeface="Courier New" panose="02070309020205020404" pitchFamily="49" charset="0"/>
-                <a:cs typeface="Courier New" panose="02070309020205020404" pitchFamily="49" charset="0"/>
-              </a:rPr>
-              <a:t>Animal </a:t>
-            </a:r>
-            <a:r>
-              <a:rPr lang="en-US" dirty="0" err="1">
-                <a:latin typeface="Courier New" panose="02070309020205020404" pitchFamily="49" charset="0"/>
-                <a:cs typeface="Courier New" panose="02070309020205020404" pitchFamily="49" charset="0"/>
-              </a:rPr>
-              <a:t>simba</a:t>
-            </a:r>
-            <a:r>
-              <a:rPr lang="en-US" dirty="0">
-                <a:latin typeface="Courier New" panose="02070309020205020404" pitchFamily="49" charset="0"/>
-                <a:cs typeface="Courier New" panose="02070309020205020404" pitchFamily="49" charset="0"/>
-              </a:rPr>
-              <a:t> = new Animal();</a:t>
-            </a:r>
-          </a:p>
-          <a:p>
-            <a:pPr marL="0" indent="0">
-              <a:buNone/>
-            </a:pPr>
-            <a:r>
-              <a:rPr lang="en-US" dirty="0"/>
-              <a:t>Or:	</a:t>
-            </a:r>
-            <a:r>
-              <a:rPr lang="en-US" dirty="0">
-                <a:latin typeface="Courier New" panose="02070309020205020404" pitchFamily="49" charset="0"/>
-                <a:cs typeface="Courier New" panose="02070309020205020404" pitchFamily="49" charset="0"/>
-              </a:rPr>
-              <a:t>Animal </a:t>
-            </a:r>
-            <a:r>
-              <a:rPr lang="en-US" dirty="0" err="1">
-                <a:latin typeface="Courier New" panose="02070309020205020404" pitchFamily="49" charset="0"/>
-                <a:cs typeface="Courier New" panose="02070309020205020404" pitchFamily="49" charset="0"/>
-              </a:rPr>
-              <a:t>simba</a:t>
-            </a:r>
-            <a:r>
-              <a:rPr lang="en-US" dirty="0">
-                <a:latin typeface="Courier New" panose="02070309020205020404" pitchFamily="49" charset="0"/>
-                <a:cs typeface="Courier New" panose="02070309020205020404" pitchFamily="49" charset="0"/>
-              </a:rPr>
-              <a:t> = new Lion();</a:t>
+              <a:t>Think of a subclass as being “better” than a superclass.</a:t>
             </a:r>
           </a:p>
         </p:txBody>
@@ -25881,7 +25859,7 @@
     </p:spTree>
     <p:extLst>
       <p:ext uri="{BB962C8B-B14F-4D97-AF65-F5344CB8AC3E}">
-        <p14:creationId xmlns:p14="http://schemas.microsoft.com/office/powerpoint/2010/main" val="4059656631"/>
+        <p14:creationId xmlns:p14="http://schemas.microsoft.com/office/powerpoint/2010/main" val="3665013851"/>
       </p:ext>
     </p:extLst>
   </p:cSld>
@@ -25952,7 +25930,7 @@
             </a:pPr>
             <a:r>
               <a:rPr lang="en-US" dirty="0"/>
-              <a:t>The reverse is NOT true!</a:t>
+              <a:t>Variable can hold objects of its type or “better” (subclass is “better”!)</a:t>
             </a:r>
           </a:p>
           <a:p>
@@ -25965,7 +25943,10 @@
             <a:pPr marL="0" indent="0">
               <a:buNone/>
             </a:pPr>
-            <a:endParaRPr lang="en-US" dirty="0"/>
+            <a:r>
+              <a:rPr lang="en-US" dirty="0"/>
+              <a:t>Same goes for parameters and fields.</a:t>
+            </a:r>
           </a:p>
           <a:p>
             <a:pPr marL="0" indent="0">
@@ -26002,7 +25983,7 @@
                 <a:latin typeface="Courier New" panose="02070309020205020404" pitchFamily="49" charset="0"/>
                 <a:cs typeface="Courier New" panose="02070309020205020404" pitchFamily="49" charset="0"/>
               </a:rPr>
-              <a:t>Lion </a:t>
+              <a:t>Animal </a:t>
             </a:r>
             <a:r>
               <a:rPr lang="en-US" dirty="0" err="1">
@@ -26016,72 +25997,45 @@
                 <a:latin typeface="Courier New" panose="02070309020205020404" pitchFamily="49" charset="0"/>
                 <a:cs typeface="Courier New" panose="02070309020205020404" pitchFamily="49" charset="0"/>
               </a:rPr>
+              <a:t> = new Animal();</a:t>
+            </a:r>
+          </a:p>
+          <a:p>
+            <a:pPr marL="0" indent="0">
+              <a:buNone/>
+            </a:pPr>
+            <a:r>
+              <a:rPr lang="en-US" dirty="0"/>
+              <a:t>Or:	</a:t>
+            </a:r>
+            <a:r>
+              <a:rPr lang="en-US" dirty="0">
+                <a:latin typeface="Courier New" panose="02070309020205020404" pitchFamily="49" charset="0"/>
+                <a:cs typeface="Courier New" panose="02070309020205020404" pitchFamily="49" charset="0"/>
+              </a:rPr>
+              <a:t>Animal </a:t>
+            </a:r>
+            <a:r>
+              <a:rPr lang="en-US" dirty="0" err="1">
+                <a:latin typeface="Courier New" panose="02070309020205020404" pitchFamily="49" charset="0"/>
+                <a:cs typeface="Courier New" panose="02070309020205020404" pitchFamily="49" charset="0"/>
+              </a:rPr>
+              <a:t>simba</a:t>
+            </a:r>
+            <a:r>
+              <a:rPr lang="en-US" dirty="0">
+                <a:latin typeface="Courier New" panose="02070309020205020404" pitchFamily="49" charset="0"/>
+                <a:cs typeface="Courier New" panose="02070309020205020404" pitchFamily="49" charset="0"/>
+              </a:rPr>
               <a:t> = new Lion();</a:t>
             </a:r>
-          </a:p>
-          <a:p>
-            <a:pPr marL="0" indent="0">
-              <a:buNone/>
-            </a:pPr>
-            <a:r>
-              <a:rPr lang="en-US" strike="sngStrike" dirty="0">
-                <a:solidFill>
-                  <a:srgbClr val="FF0000"/>
-                </a:solidFill>
-              </a:rPr>
-              <a:t>NOT:	</a:t>
-            </a:r>
-            <a:r>
-              <a:rPr lang="en-US" strike="sngStrike" dirty="0">
-                <a:solidFill>
-                  <a:srgbClr val="FF0000"/>
-                </a:solidFill>
-                <a:latin typeface="Courier New" panose="02070309020205020404" pitchFamily="49" charset="0"/>
-                <a:cs typeface="Courier New" panose="02070309020205020404" pitchFamily="49" charset="0"/>
-              </a:rPr>
-              <a:t>Lion </a:t>
-            </a:r>
-            <a:r>
-              <a:rPr lang="en-US" strike="sngStrike" dirty="0" err="1">
-                <a:solidFill>
-                  <a:srgbClr val="FF0000"/>
-                </a:solidFill>
-                <a:latin typeface="Courier New" panose="02070309020205020404" pitchFamily="49" charset="0"/>
-                <a:cs typeface="Courier New" panose="02070309020205020404" pitchFamily="49" charset="0"/>
-              </a:rPr>
-              <a:t>simba</a:t>
-            </a:r>
-            <a:r>
-              <a:rPr lang="en-US" strike="sngStrike" dirty="0">
-                <a:solidFill>
-                  <a:srgbClr val="FF0000"/>
-                </a:solidFill>
-                <a:latin typeface="Courier New" panose="02070309020205020404" pitchFamily="49" charset="0"/>
-                <a:cs typeface="Courier New" panose="02070309020205020404" pitchFamily="49" charset="0"/>
-              </a:rPr>
-              <a:t> = new Animal();</a:t>
-            </a:r>
-            <a:r>
-              <a:rPr lang="en-US" dirty="0">
-                <a:latin typeface="Courier New" panose="02070309020205020404" pitchFamily="49" charset="0"/>
-                <a:cs typeface="Courier New" panose="02070309020205020404" pitchFamily="49" charset="0"/>
-              </a:rPr>
-              <a:t> (Lions &gt; Animals)</a:t>
-            </a:r>
-            <a:endParaRPr lang="en-US" strike="sngStrike" dirty="0">
-              <a:solidFill>
-                <a:srgbClr val="FF0000"/>
-              </a:solidFill>
-              <a:latin typeface="Courier New" panose="02070309020205020404" pitchFamily="49" charset="0"/>
-              <a:cs typeface="Courier New" panose="02070309020205020404" pitchFamily="49" charset="0"/>
-            </a:endParaRPr>
           </a:p>
         </p:txBody>
       </p:sp>
     </p:spTree>
     <p:extLst>
       <p:ext uri="{BB962C8B-B14F-4D97-AF65-F5344CB8AC3E}">
-        <p14:creationId xmlns:p14="http://schemas.microsoft.com/office/powerpoint/2010/main" val="2523262568"/>
+        <p14:creationId xmlns:p14="http://schemas.microsoft.com/office/powerpoint/2010/main" val="4059656631"/>
       </p:ext>
     </p:extLst>
   </p:cSld>
@@ -26120,12 +26074,14 @@
         </p:nvSpPr>
         <p:spPr/>
         <p:txBody>
-          <a:bodyPr/>
+          <a:bodyPr>
+            <a:normAutofit/>
+          </a:bodyPr>
           <a:lstStyle/>
           <a:p>
             <a:r>
               <a:rPr lang="en-US" dirty="0"/>
-              <a:t>Once again:</a:t>
+              <a:t>Variables and Classes</a:t>
             </a:r>
           </a:p>
         </p:txBody>
@@ -26150,7 +26106,7 @@
             </a:pPr>
             <a:r>
               <a:rPr lang="en-US" dirty="0"/>
-              <a:t>IF a variable points to an objects…</a:t>
+              <a:t>The reverse is NOT true!</a:t>
             </a:r>
           </a:p>
           <a:p>
@@ -26163,10 +26119,7 @@
             <a:pPr marL="0" indent="0">
               <a:buNone/>
             </a:pPr>
-            <a:r>
-              <a:rPr lang="en-US" dirty="0"/>
-              <a:t>THEN the object must be of the same type as the variable or “better”</a:t>
-            </a:r>
+            <a:endParaRPr lang="en-US" dirty="0"/>
           </a:p>
           <a:p>
             <a:pPr marL="0" indent="0">
@@ -26178,7 +26131,17 @@
             <a:pPr marL="0" indent="0">
               <a:buNone/>
             </a:pPr>
-            <a:endParaRPr lang="en-US" dirty="0"/>
+            <a:r>
+              <a:rPr lang="en-US" dirty="0"/>
+              <a:t>If:	</a:t>
+            </a:r>
+            <a:r>
+              <a:rPr lang="en-US" dirty="0">
+                <a:latin typeface="Courier New" panose="02070309020205020404" pitchFamily="49" charset="0"/>
+                <a:cs typeface="Courier New" panose="02070309020205020404" pitchFamily="49" charset="0"/>
+              </a:rPr>
+              <a:t>public class Lion extends Animal { … }</a:t>
+            </a:r>
           </a:p>
           <a:p>
             <a:pPr marL="0" indent="0">
@@ -26186,15 +26149,93 @@
             </a:pPr>
             <a:r>
               <a:rPr lang="en-US" dirty="0"/>
-              <a:t>That means that the object can be a subtype of the variable type!</a:t>
-            </a:r>
+              <a:t>Then:	</a:t>
+            </a:r>
+            <a:r>
+              <a:rPr lang="en-US" dirty="0">
+                <a:latin typeface="Courier New" panose="02070309020205020404" pitchFamily="49" charset="0"/>
+                <a:cs typeface="Courier New" panose="02070309020205020404" pitchFamily="49" charset="0"/>
+              </a:rPr>
+              <a:t>Lion </a:t>
+            </a:r>
+            <a:r>
+              <a:rPr lang="en-US" dirty="0" err="1">
+                <a:latin typeface="Courier New" panose="02070309020205020404" pitchFamily="49" charset="0"/>
+                <a:cs typeface="Courier New" panose="02070309020205020404" pitchFamily="49" charset="0"/>
+              </a:rPr>
+              <a:t>simba</a:t>
+            </a:r>
+            <a:r>
+              <a:rPr lang="en-US" dirty="0">
+                <a:latin typeface="Courier New" panose="02070309020205020404" pitchFamily="49" charset="0"/>
+                <a:cs typeface="Courier New" panose="02070309020205020404" pitchFamily="49" charset="0"/>
+              </a:rPr>
+              <a:t> = new Lion();</a:t>
+            </a:r>
+          </a:p>
+          <a:p>
+            <a:pPr marL="0" indent="0">
+              <a:buNone/>
+            </a:pPr>
+            <a:r>
+              <a:rPr lang="en-US" strike="sngStrike" dirty="0">
+                <a:solidFill>
+                  <a:srgbClr val="FF0000"/>
+                </a:solidFill>
+              </a:rPr>
+              <a:t>NOT:	</a:t>
+            </a:r>
+            <a:r>
+              <a:rPr lang="en-US" strike="sngStrike" dirty="0">
+                <a:solidFill>
+                  <a:srgbClr val="FF0000"/>
+                </a:solidFill>
+                <a:latin typeface="Courier New" panose="02070309020205020404" pitchFamily="49" charset="0"/>
+                <a:cs typeface="Courier New" panose="02070309020205020404" pitchFamily="49" charset="0"/>
+              </a:rPr>
+              <a:t>Lion </a:t>
+            </a:r>
+            <a:r>
+              <a:rPr lang="en-US" strike="sngStrike" dirty="0" err="1">
+                <a:solidFill>
+                  <a:srgbClr val="FF0000"/>
+                </a:solidFill>
+                <a:latin typeface="Courier New" panose="02070309020205020404" pitchFamily="49" charset="0"/>
+                <a:cs typeface="Courier New" panose="02070309020205020404" pitchFamily="49" charset="0"/>
+              </a:rPr>
+              <a:t>simba</a:t>
+            </a:r>
+            <a:r>
+              <a:rPr lang="en-US" strike="sngStrike" dirty="0">
+                <a:solidFill>
+                  <a:srgbClr val="FF0000"/>
+                </a:solidFill>
+                <a:latin typeface="Courier New" panose="02070309020205020404" pitchFamily="49" charset="0"/>
+                <a:cs typeface="Courier New" panose="02070309020205020404" pitchFamily="49" charset="0"/>
+              </a:rPr>
+              <a:t> = new Animal();</a:t>
+            </a:r>
+            <a:r>
+              <a:rPr lang="en-US" dirty="0">
+                <a:latin typeface="Courier New" panose="02070309020205020404" pitchFamily="49" charset="0"/>
+                <a:cs typeface="Courier New" panose="02070309020205020404" pitchFamily="49" charset="0"/>
+              </a:rPr>
+              <a:t> (Lions &gt; Animals)</a:t>
+            </a:r>
+            <a:endParaRPr lang="en-US" strike="sngStrike" dirty="0">
+              <a:solidFill>
+                <a:srgbClr val="FF0000"/>
+              </a:solidFill>
+              <a:latin typeface="Courier New" panose="02070309020205020404" pitchFamily="49" charset="0"/>
+              <a:cs typeface="Courier New" panose="02070309020205020404" pitchFamily="49" charset="0"/>
+            </a:endParaRPr>
           </a:p>
         </p:txBody>
       </p:sp>
     </p:spTree>
     <p:extLst>
       <p:ext uri="{BB962C8B-B14F-4D97-AF65-F5344CB8AC3E}">
-        <p14:creationId xmlns:p14="http://schemas.microsoft.com/office/powerpoint/2010/main" val="1506096866"/>
+        <p14:creationId xmlns:p14="http://schemas.microsoft.com/office/powerpoint/2010/main" val="2523262568"/>
       </p:ext>
     </p:extLst>
   </p:cSld>
@@ -26238,7 +26279,7 @@
           <a:p>
             <a:r>
               <a:rPr lang="en-US" dirty="0"/>
-              <a:t>Polymorphism</a:t>
+              <a:t>Once again:</a:t>
             </a:r>
           </a:p>
         </p:txBody>
@@ -26263,7 +26304,7 @@
             </a:pPr>
             <a:r>
               <a:rPr lang="en-US" dirty="0"/>
-              <a:t>The ability to use the same code with different types of objects and behave differently with each.</a:t>
+              <a:t>IF a variable points to an objects…</a:t>
             </a:r>
           </a:p>
           <a:p>
@@ -26277,25 +26318,8 @@
               <a:buNone/>
             </a:pPr>
             <a:r>
-              <a:rPr lang="en-US" dirty="0">
-                <a:latin typeface="Courier New" panose="02070309020205020404" pitchFamily="49" charset="0"/>
-                <a:cs typeface="Courier New" panose="02070309020205020404" pitchFamily="49" charset="0"/>
-              </a:rPr>
-              <a:t>Animal </a:t>
-            </a:r>
-            <a:r>
-              <a:rPr lang="en-US" dirty="0" err="1">
-                <a:latin typeface="Courier New" panose="02070309020205020404" pitchFamily="49" charset="0"/>
-                <a:cs typeface="Courier New" panose="02070309020205020404" pitchFamily="49" charset="0"/>
-              </a:rPr>
-              <a:t>simba</a:t>
-            </a:r>
-            <a:r>
-              <a:rPr lang="en-US" dirty="0">
-                <a:latin typeface="Courier New" panose="02070309020205020404" pitchFamily="49" charset="0"/>
-                <a:cs typeface="Courier New" panose="02070309020205020404" pitchFamily="49" charset="0"/>
-              </a:rPr>
-              <a:t> = new Lion();</a:t>
+              <a:rPr lang="en-US" dirty="0"/>
+              <a:t>THEN the object must be of the same type as the variable or “better”</a:t>
             </a:r>
           </a:p>
           <a:p>
@@ -26308,9 +26332,15 @@
             <a:pPr marL="0" indent="0">
               <a:buNone/>
             </a:pPr>
+            <a:endParaRPr lang="en-US" dirty="0"/>
+          </a:p>
+          <a:p>
+            <a:pPr marL="0" indent="0">
+              <a:buNone/>
+            </a:pPr>
             <a:r>
               <a:rPr lang="en-US" dirty="0"/>
-              <a:t>What behaviors does this object have?</a:t>
+              <a:t>That means that the object can be a subtype of the variable type!</a:t>
             </a:r>
           </a:p>
         </p:txBody>
@@ -26318,7 +26348,7 @@
     </p:spTree>
     <p:extLst>
       <p:ext uri="{BB962C8B-B14F-4D97-AF65-F5344CB8AC3E}">
-        <p14:creationId xmlns:p14="http://schemas.microsoft.com/office/powerpoint/2010/main" val="1384254036"/>
+        <p14:creationId xmlns:p14="http://schemas.microsoft.com/office/powerpoint/2010/main" val="1506096866"/>
       </p:ext>
     </p:extLst>
   </p:cSld>
@@ -26386,123 +26416,55 @@
               <a:buNone/>
             </a:pPr>
             <a:r>
+              <a:rPr lang="en-US" dirty="0"/>
+              <a:t>The ability to use the same code with different types of objects and behave differently with each.</a:t>
+            </a:r>
+          </a:p>
+          <a:p>
+            <a:pPr marL="0" indent="0">
+              <a:buNone/>
+            </a:pPr>
+            <a:endParaRPr lang="en-US" dirty="0"/>
+          </a:p>
+          <a:p>
+            <a:pPr marL="0" indent="0">
+              <a:buNone/>
+            </a:pPr>
+            <a:r>
               <a:rPr lang="en-US" dirty="0">
                 <a:latin typeface="Courier New" panose="02070309020205020404" pitchFamily="49" charset="0"/>
                 <a:cs typeface="Courier New" panose="02070309020205020404" pitchFamily="49" charset="0"/>
               </a:rPr>
-              <a:t>public class Lion extends Animal { … }</a:t>
+              <a:t>Animal </a:t>
+            </a:r>
+            <a:r>
+              <a:rPr lang="en-US" dirty="0" err="1">
+                <a:latin typeface="Courier New" panose="02070309020205020404" pitchFamily="49" charset="0"/>
+                <a:cs typeface="Courier New" panose="02070309020205020404" pitchFamily="49" charset="0"/>
+              </a:rPr>
+              <a:t>simba</a:t>
+            </a:r>
+            <a:r>
+              <a:rPr lang="en-US" dirty="0">
+                <a:latin typeface="Courier New" panose="02070309020205020404" pitchFamily="49" charset="0"/>
+                <a:cs typeface="Courier New" panose="02070309020205020404" pitchFamily="49" charset="0"/>
+              </a:rPr>
+              <a:t> = new Lion();</a:t>
             </a:r>
           </a:p>
           <a:p>
             <a:pPr marL="0" indent="0">
               <a:buNone/>
             </a:pPr>
-            <a:endParaRPr lang="en-US" dirty="0">
-              <a:latin typeface="Courier New" panose="02070309020205020404" pitchFamily="49" charset="0"/>
-              <a:cs typeface="Courier New" panose="02070309020205020404" pitchFamily="49" charset="0"/>
-            </a:endParaRPr>
+            <a:endParaRPr lang="en-US" dirty="0"/>
           </a:p>
           <a:p>
             <a:pPr marL="0" indent="0">
               <a:buNone/>
             </a:pPr>
             <a:r>
-              <a:rPr lang="en-US" dirty="0">
-                <a:latin typeface="Courier New" panose="02070309020205020404" pitchFamily="49" charset="0"/>
-                <a:cs typeface="Courier New" panose="02070309020205020404" pitchFamily="49" charset="0"/>
-              </a:rPr>
-              <a:t>Animal </a:t>
-            </a:r>
-            <a:r>
-              <a:rPr lang="en-US" dirty="0" err="1">
-                <a:latin typeface="Courier New" panose="02070309020205020404" pitchFamily="49" charset="0"/>
-                <a:cs typeface="Courier New" panose="02070309020205020404" pitchFamily="49" charset="0"/>
-              </a:rPr>
-              <a:t>simba</a:t>
-            </a:r>
-            <a:r>
-              <a:rPr lang="en-US" dirty="0">
-                <a:latin typeface="Courier New" panose="02070309020205020404" pitchFamily="49" charset="0"/>
-                <a:cs typeface="Courier New" panose="02070309020205020404" pitchFamily="49" charset="0"/>
-              </a:rPr>
-              <a:t> = new Lion();</a:t>
-            </a:r>
-          </a:p>
-          <a:p>
-            <a:pPr marL="0" indent="0">
-              <a:buNone/>
-            </a:pPr>
-            <a:endParaRPr lang="en-US" dirty="0">
-              <a:latin typeface="Courier New" panose="02070309020205020404" pitchFamily="49" charset="0"/>
-              <a:cs typeface="Courier New" panose="02070309020205020404" pitchFamily="49" charset="0"/>
-            </a:endParaRPr>
-          </a:p>
-          <a:p>
-            <a:pPr marL="0" indent="0">
-              <a:buNone/>
-            </a:pPr>
-            <a:r>
-              <a:rPr lang="en-US" dirty="0" err="1">
-                <a:latin typeface="Courier New" panose="02070309020205020404" pitchFamily="49" charset="0"/>
-                <a:cs typeface="Courier New" panose="02070309020205020404" pitchFamily="49" charset="0"/>
-              </a:rPr>
-              <a:t>System.out.prinln</a:t>
-            </a:r>
-            <a:r>
-              <a:rPr lang="en-US" dirty="0">
-                <a:latin typeface="Courier New" panose="02070309020205020404" pitchFamily="49" charset="0"/>
-                <a:cs typeface="Courier New" panose="02070309020205020404" pitchFamily="49" charset="0"/>
-              </a:rPr>
-              <a:t>(</a:t>
-            </a:r>
-            <a:r>
-              <a:rPr lang="en-US" dirty="0" err="1">
-                <a:latin typeface="Courier New" panose="02070309020205020404" pitchFamily="49" charset="0"/>
-                <a:cs typeface="Courier New" panose="02070309020205020404" pitchFamily="49" charset="0"/>
-              </a:rPr>
-              <a:t>simba.say</a:t>
-            </a:r>
-            <a:r>
-              <a:rPr lang="en-US" dirty="0">
-                <a:latin typeface="Courier New" panose="02070309020205020404" pitchFamily="49" charset="0"/>
-                <a:cs typeface="Courier New" panose="02070309020205020404" pitchFamily="49" charset="0"/>
-              </a:rPr>
-              <a:t>());</a:t>
-            </a:r>
-          </a:p>
-          <a:p>
-            <a:pPr marL="0" indent="0">
-              <a:buNone/>
-            </a:pPr>
-            <a:endParaRPr lang="en-US" dirty="0">
-              <a:latin typeface="Courier New" panose="02070309020205020404" pitchFamily="49" charset="0"/>
-              <a:cs typeface="Courier New" panose="02070309020205020404" pitchFamily="49" charset="0"/>
-            </a:endParaRPr>
-          </a:p>
-          <a:p>
-            <a:pPr marL="0" indent="0">
-              <a:buNone/>
-            </a:pPr>
-            <a:r>
-              <a:rPr lang="en-US" dirty="0">
-                <a:latin typeface="Courier New" panose="02070309020205020404" pitchFamily="49" charset="0"/>
-                <a:cs typeface="Courier New" panose="02070309020205020404" pitchFamily="49" charset="0"/>
-              </a:rPr>
-              <a:t>Output: “</a:t>
-            </a:r>
-            <a:r>
-              <a:rPr lang="en-US" dirty="0" err="1">
-                <a:latin typeface="Courier New" panose="02070309020205020404" pitchFamily="49" charset="0"/>
-                <a:cs typeface="Courier New" panose="02070309020205020404" pitchFamily="49" charset="0"/>
-              </a:rPr>
-              <a:t>Rawr</a:t>
-            </a:r>
-            <a:r>
-              <a:rPr lang="en-US" dirty="0">
-                <a:latin typeface="Courier New" panose="02070309020205020404" pitchFamily="49" charset="0"/>
-                <a:cs typeface="Courier New" panose="02070309020205020404" pitchFamily="49" charset="0"/>
-              </a:rPr>
-              <a:t>!!”</a:t>
+              <a:rPr lang="en-US" dirty="0"/>
+              <a:t>What behaviors does this object have?</a:t>
             </a:r>
           </a:p>
         </p:txBody>
@@ -26510,7 +26472,7 @@
     </p:spTree>
     <p:extLst>
       <p:ext uri="{BB962C8B-B14F-4D97-AF65-F5344CB8AC3E}">
-        <p14:creationId xmlns:p14="http://schemas.microsoft.com/office/powerpoint/2010/main" val="4052956799"/>
+        <p14:creationId xmlns:p14="http://schemas.microsoft.com/office/powerpoint/2010/main" val="1384254036"/>
       </p:ext>
     </p:extLst>
   </p:cSld>
@@ -26554,7 +26516,7 @@
           <a:p>
             <a:r>
               <a:rPr lang="en-US" dirty="0"/>
-              <a:t>The Exercise</a:t>
+              <a:t>Polymorphism</a:t>
             </a:r>
           </a:p>
         </p:txBody>
@@ -26569,32 +26531,20 @@
             <p:ph idx="1"/>
           </p:nvPr>
         </p:nvSpPr>
-        <p:spPr>
-          <a:xfrm>
-            <a:off x="838200" y="2057399"/>
-            <a:ext cx="10707168" cy="4119563"/>
-          </a:xfrm>
-        </p:spPr>
+        <p:spPr/>
         <p:txBody>
-          <a:bodyPr>
-            <a:normAutofit fontScale="70000" lnSpcReduction="20000"/>
-          </a:bodyPr>
+          <a:bodyPr/>
           <a:lstStyle/>
           <a:p>
             <a:pPr marL="0" indent="0">
               <a:buNone/>
             </a:pPr>
             <a:r>
-              <a:rPr lang="en-US" sz="3400" dirty="0"/>
-              <a:t>Given the preceding classes, what would be the </a:t>
-            </a:r>
-            <a:r>
-              <a:rPr lang="en-US" sz="3400" b="1" dirty="0"/>
-              <a:t>output</a:t>
-            </a:r>
-            <a:r>
-              <a:rPr lang="en-US" sz="3400" dirty="0"/>
-              <a:t> of the following client code?</a:t>
+              <a:rPr lang="en-US" dirty="0">
+                <a:latin typeface="Courier New" panose="02070309020205020404" pitchFamily="49" charset="0"/>
+                <a:cs typeface="Courier New" panose="02070309020205020404" pitchFamily="49" charset="0"/>
+              </a:rPr>
+              <a:t>public class Lion extends Animal { … }</a:t>
             </a:r>
           </a:p>
           <a:p>
@@ -26611,98 +26561,25 @@
               <a:buNone/>
             </a:pPr>
             <a:r>
+              <a:rPr lang="en-US" dirty="0">
+                <a:latin typeface="Courier New" panose="02070309020205020404" pitchFamily="49" charset="0"/>
+                <a:cs typeface="Courier New" panose="02070309020205020404" pitchFamily="49" charset="0"/>
+              </a:rPr>
+              <a:t>Animal </a:t>
+            </a:r>
+            <a:r>
               <a:rPr lang="en-US" dirty="0" err="1">
                 <a:latin typeface="Courier New" panose="02070309020205020404" pitchFamily="49" charset="0"/>
                 <a:cs typeface="Courier New" panose="02070309020205020404" pitchFamily="49" charset="0"/>
               </a:rPr>
-              <a:t>MusicalInstrument</a:t>
+              <a:t>simba</a:t>
             </a:r>
             <a:r>
               <a:rPr lang="en-US" dirty="0">
                 <a:latin typeface="Courier New" panose="02070309020205020404" pitchFamily="49" charset="0"/>
                 <a:cs typeface="Courier New" panose="02070309020205020404" pitchFamily="49" charset="0"/>
               </a:rPr>
-              <a:t>[] </a:t>
-            </a:r>
-            <a:r>
-              <a:rPr lang="en-US" dirty="0" err="1">
-                <a:latin typeface="Courier New" panose="02070309020205020404" pitchFamily="49" charset="0"/>
-                <a:cs typeface="Courier New" panose="02070309020205020404" pitchFamily="49" charset="0"/>
-              </a:rPr>
-              <a:t>insts</a:t>
-            </a:r>
-            <a:r>
-              <a:rPr lang="en-US" dirty="0">
-                <a:latin typeface="Courier New" panose="02070309020205020404" pitchFamily="49" charset="0"/>
-                <a:cs typeface="Courier New" panose="02070309020205020404" pitchFamily="49" charset="0"/>
-              </a:rPr>
-              <a:t> = {</a:t>
-            </a:r>
-          </a:p>
-          <a:p>
-            <a:pPr marL="0" indent="0">
-              <a:buNone/>
-            </a:pPr>
-            <a:r>
-              <a:rPr lang="en-US" dirty="0">
-                <a:latin typeface="Courier New" panose="02070309020205020404" pitchFamily="49" charset="0"/>
-                <a:cs typeface="Courier New" panose="02070309020205020404" pitchFamily="49" charset="0"/>
-              </a:rPr>
-              <a:t>	new </a:t>
-            </a:r>
-            <a:r>
-              <a:rPr lang="en-US" dirty="0" err="1">
-                <a:latin typeface="Courier New" panose="02070309020205020404" pitchFamily="49" charset="0"/>
-                <a:cs typeface="Courier New" panose="02070309020205020404" pitchFamily="49" charset="0"/>
-              </a:rPr>
-              <a:t>MusicalInstrument</a:t>
-            </a:r>
-            <a:r>
-              <a:rPr lang="en-US" dirty="0">
-                <a:latin typeface="Courier New" panose="02070309020205020404" pitchFamily="49" charset="0"/>
-                <a:cs typeface="Courier New" panose="02070309020205020404" pitchFamily="49" charset="0"/>
-              </a:rPr>
-              <a:t>(), new </a:t>
-            </a:r>
-            <a:r>
-              <a:rPr lang="en-US" dirty="0" err="1">
-                <a:latin typeface="Courier New" panose="02070309020205020404" pitchFamily="49" charset="0"/>
-                <a:cs typeface="Courier New" panose="02070309020205020404" pitchFamily="49" charset="0"/>
-              </a:rPr>
-              <a:t>ElectricKeyboard</a:t>
-            </a:r>
-            <a:r>
-              <a:rPr lang="en-US" dirty="0">
-                <a:latin typeface="Courier New" panose="02070309020205020404" pitchFamily="49" charset="0"/>
-                <a:cs typeface="Courier New" panose="02070309020205020404" pitchFamily="49" charset="0"/>
-              </a:rPr>
-              <a:t>(),</a:t>
-            </a:r>
-          </a:p>
-          <a:p>
-            <a:pPr marL="0" indent="0">
-              <a:buNone/>
-            </a:pPr>
-            <a:r>
-              <a:rPr lang="en-US" dirty="0">
-                <a:latin typeface="Courier New" panose="02070309020205020404" pitchFamily="49" charset="0"/>
-                <a:cs typeface="Courier New" panose="02070309020205020404" pitchFamily="49" charset="0"/>
-              </a:rPr>
-              <a:t> 	new Guitar(), new </a:t>
-            </a:r>
-            <a:r>
-              <a:rPr lang="en-US" dirty="0" err="1">
-                <a:latin typeface="Courier New" panose="02070309020205020404" pitchFamily="49" charset="0"/>
-                <a:cs typeface="Courier New" panose="02070309020205020404" pitchFamily="49" charset="0"/>
-              </a:rPr>
-              <a:t>ElectricGuitar</a:t>
-            </a:r>
-            <a:r>
-              <a:rPr lang="en-US" dirty="0">
-                <a:latin typeface="Courier New" panose="02070309020205020404" pitchFamily="49" charset="0"/>
-                <a:cs typeface="Courier New" panose="02070309020205020404" pitchFamily="49" charset="0"/>
-              </a:rPr>
-              <a:t>() };</a:t>
+              <a:t> = new Lion();</a:t>
             </a:r>
           </a:p>
           <a:p>
@@ -26719,281 +26596,67 @@
               <a:buNone/>
             </a:pPr>
             <a:r>
+              <a:rPr lang="en-US" dirty="0" err="1">
+                <a:latin typeface="Courier New" panose="02070309020205020404" pitchFamily="49" charset="0"/>
+                <a:cs typeface="Courier New" panose="02070309020205020404" pitchFamily="49" charset="0"/>
+              </a:rPr>
+              <a:t>System.out.prinln</a:t>
+            </a:r>
+            <a:r>
               <a:rPr lang="en-US" dirty="0">
                 <a:latin typeface="Courier New" panose="02070309020205020404" pitchFamily="49" charset="0"/>
                 <a:cs typeface="Courier New" panose="02070309020205020404" pitchFamily="49" charset="0"/>
               </a:rPr>
-              <a:t>for (</a:t>
+              <a:t>(</a:t>
             </a:r>
             <a:r>
               <a:rPr lang="en-US" dirty="0" err="1">
                 <a:latin typeface="Courier New" panose="02070309020205020404" pitchFamily="49" charset="0"/>
                 <a:cs typeface="Courier New" panose="02070309020205020404" pitchFamily="49" charset="0"/>
               </a:rPr>
-              <a:t>int</a:t>
+              <a:t>simba.say</a:t>
             </a:r>
             <a:r>
               <a:rPr lang="en-US" dirty="0">
                 <a:latin typeface="Courier New" panose="02070309020205020404" pitchFamily="49" charset="0"/>
                 <a:cs typeface="Courier New" panose="02070309020205020404" pitchFamily="49" charset="0"/>
               </a:rPr>
-              <a:t> </a:t>
+              <a:t>());</a:t>
+            </a:r>
+          </a:p>
+          <a:p>
+            <a:pPr marL="0" indent="0">
+              <a:buNone/>
+            </a:pPr>
+            <a:endParaRPr lang="en-US" dirty="0">
+              <a:latin typeface="Courier New" panose="02070309020205020404" pitchFamily="49" charset="0"/>
+              <a:cs typeface="Courier New" panose="02070309020205020404" pitchFamily="49" charset="0"/>
+            </a:endParaRPr>
+          </a:p>
+          <a:p>
+            <a:pPr marL="0" indent="0">
+              <a:buNone/>
+            </a:pPr>
+            <a:r>
+              <a:rPr lang="en-US" dirty="0">
+                <a:latin typeface="Courier New" panose="02070309020205020404" pitchFamily="49" charset="0"/>
+                <a:cs typeface="Courier New" panose="02070309020205020404" pitchFamily="49" charset="0"/>
+              </a:rPr>
+              <a:t>Output: “</a:t>
             </a:r>
             <a:r>
               <a:rPr lang="en-US" dirty="0" err="1">
                 <a:latin typeface="Courier New" panose="02070309020205020404" pitchFamily="49" charset="0"/>
                 <a:cs typeface="Courier New" panose="02070309020205020404" pitchFamily="49" charset="0"/>
               </a:rPr>
-              <a:t>i</a:t>
+              <a:t>Rawr</a:t>
             </a:r>
             <a:r>
               <a:rPr lang="en-US" dirty="0">
                 <a:latin typeface="Courier New" panose="02070309020205020404" pitchFamily="49" charset="0"/>
                 <a:cs typeface="Courier New" panose="02070309020205020404" pitchFamily="49" charset="0"/>
               </a:rPr>
-              <a:t> = 0; </a:t>
-            </a:r>
-            <a:r>
-              <a:rPr lang="en-US" dirty="0" err="1">
-                <a:latin typeface="Courier New" panose="02070309020205020404" pitchFamily="49" charset="0"/>
-                <a:cs typeface="Courier New" panose="02070309020205020404" pitchFamily="49" charset="0"/>
-              </a:rPr>
-              <a:t>i</a:t>
-            </a:r>
-            <a:r>
-              <a:rPr lang="en-US" dirty="0">
-                <a:latin typeface="Courier New" panose="02070309020205020404" pitchFamily="49" charset="0"/>
-                <a:cs typeface="Courier New" panose="02070309020205020404" pitchFamily="49" charset="0"/>
-              </a:rPr>
-              <a:t> &lt; </a:t>
-            </a:r>
-            <a:r>
-              <a:rPr lang="en-US" dirty="0" err="1">
-                <a:latin typeface="Courier New" panose="02070309020205020404" pitchFamily="49" charset="0"/>
-                <a:cs typeface="Courier New" panose="02070309020205020404" pitchFamily="49" charset="0"/>
-              </a:rPr>
-              <a:t>insts.length</a:t>
-            </a:r>
-            <a:r>
-              <a:rPr lang="en-US" dirty="0">
-                <a:latin typeface="Courier New" panose="02070309020205020404" pitchFamily="49" charset="0"/>
-                <a:cs typeface="Courier New" panose="02070309020205020404" pitchFamily="49" charset="0"/>
-              </a:rPr>
-              <a:t>; </a:t>
-            </a:r>
-            <a:r>
-              <a:rPr lang="en-US" dirty="0" err="1">
-                <a:latin typeface="Courier New" panose="02070309020205020404" pitchFamily="49" charset="0"/>
-                <a:cs typeface="Courier New" panose="02070309020205020404" pitchFamily="49" charset="0"/>
-              </a:rPr>
-              <a:t>i</a:t>
-            </a:r>
-            <a:r>
-              <a:rPr lang="en-US" dirty="0">
-                <a:latin typeface="Courier New" panose="02070309020205020404" pitchFamily="49" charset="0"/>
-                <a:cs typeface="Courier New" panose="02070309020205020404" pitchFamily="49" charset="0"/>
-              </a:rPr>
-              <a:t>++) {</a:t>
-            </a:r>
-          </a:p>
-          <a:p>
-            <a:pPr marL="0" indent="0">
-              <a:buNone/>
-            </a:pPr>
-            <a:r>
-              <a:rPr lang="en-US" dirty="0">
-                <a:latin typeface="Courier New" panose="02070309020205020404" pitchFamily="49" charset="0"/>
-                <a:cs typeface="Courier New" panose="02070309020205020404" pitchFamily="49" charset="0"/>
-              </a:rPr>
-              <a:t>	</a:t>
-            </a:r>
-            <a:r>
-              <a:rPr lang="en-US" dirty="0" err="1">
-                <a:latin typeface="Courier New" panose="02070309020205020404" pitchFamily="49" charset="0"/>
-                <a:cs typeface="Courier New" panose="02070309020205020404" pitchFamily="49" charset="0"/>
-              </a:rPr>
-              <a:t>System.out.println</a:t>
-            </a:r>
-            <a:r>
-              <a:rPr lang="en-US" dirty="0">
-                <a:latin typeface="Courier New" panose="02070309020205020404" pitchFamily="49" charset="0"/>
-                <a:cs typeface="Courier New" panose="02070309020205020404" pitchFamily="49" charset="0"/>
-              </a:rPr>
-              <a:t>(</a:t>
-            </a:r>
-            <a:r>
-              <a:rPr lang="en-US" dirty="0" err="1">
-                <a:latin typeface="Courier New" panose="02070309020205020404" pitchFamily="49" charset="0"/>
-                <a:cs typeface="Courier New" panose="02070309020205020404" pitchFamily="49" charset="0"/>
-              </a:rPr>
-              <a:t>insts</a:t>
-            </a:r>
-            <a:r>
-              <a:rPr lang="en-US" dirty="0">
-                <a:latin typeface="Courier New" panose="02070309020205020404" pitchFamily="49" charset="0"/>
-                <a:cs typeface="Courier New" panose="02070309020205020404" pitchFamily="49" charset="0"/>
-              </a:rPr>
-              <a:t>[</a:t>
-            </a:r>
-            <a:r>
-              <a:rPr lang="en-US" dirty="0" err="1">
-                <a:latin typeface="Courier New" panose="02070309020205020404" pitchFamily="49" charset="0"/>
-                <a:cs typeface="Courier New" panose="02070309020205020404" pitchFamily="49" charset="0"/>
-              </a:rPr>
-              <a:t>i</a:t>
-            </a:r>
-            <a:r>
-              <a:rPr lang="en-US" dirty="0">
-                <a:latin typeface="Courier New" panose="02070309020205020404" pitchFamily="49" charset="0"/>
-                <a:cs typeface="Courier New" panose="02070309020205020404" pitchFamily="49" charset="0"/>
-              </a:rPr>
-              <a:t>]);</a:t>
-            </a:r>
-          </a:p>
-          <a:p>
-            <a:pPr marL="0" indent="0">
-              <a:buNone/>
-            </a:pPr>
-            <a:r>
-              <a:rPr lang="en-US" dirty="0">
-                <a:latin typeface="Courier New" panose="02070309020205020404" pitchFamily="49" charset="0"/>
-                <a:cs typeface="Courier New" panose="02070309020205020404" pitchFamily="49" charset="0"/>
-              </a:rPr>
-              <a:t>    	</a:t>
-            </a:r>
-            <a:r>
-              <a:rPr lang="en-US" dirty="0" err="1">
-                <a:latin typeface="Courier New" panose="02070309020205020404" pitchFamily="49" charset="0"/>
-                <a:cs typeface="Courier New" panose="02070309020205020404" pitchFamily="49" charset="0"/>
-              </a:rPr>
-              <a:t>insts</a:t>
-            </a:r>
-            <a:r>
-              <a:rPr lang="en-US" dirty="0">
-                <a:latin typeface="Courier New" panose="02070309020205020404" pitchFamily="49" charset="0"/>
-                <a:cs typeface="Courier New" panose="02070309020205020404" pitchFamily="49" charset="0"/>
-              </a:rPr>
-              <a:t> [</a:t>
-            </a:r>
-            <a:r>
-              <a:rPr lang="en-US" dirty="0" err="1">
-                <a:latin typeface="Courier New" panose="02070309020205020404" pitchFamily="49" charset="0"/>
-                <a:cs typeface="Courier New" panose="02070309020205020404" pitchFamily="49" charset="0"/>
-              </a:rPr>
-              <a:t>i</a:t>
-            </a:r>
-            <a:r>
-              <a:rPr lang="en-US" dirty="0">
-                <a:latin typeface="Courier New" panose="02070309020205020404" pitchFamily="49" charset="0"/>
-                <a:cs typeface="Courier New" panose="02070309020205020404" pitchFamily="49" charset="0"/>
-              </a:rPr>
-              <a:t>].</a:t>
-            </a:r>
-            <a:r>
-              <a:rPr lang="en-US" dirty="0" err="1">
-                <a:latin typeface="Courier New" panose="02070309020205020404" pitchFamily="49" charset="0"/>
-                <a:cs typeface="Courier New" panose="02070309020205020404" pitchFamily="49" charset="0"/>
-              </a:rPr>
-              <a:t>pickSound</a:t>
-            </a:r>
-            <a:r>
-              <a:rPr lang="en-US" dirty="0">
-                <a:latin typeface="Courier New" panose="02070309020205020404" pitchFamily="49" charset="0"/>
-                <a:cs typeface="Courier New" panose="02070309020205020404" pitchFamily="49" charset="0"/>
-              </a:rPr>
-              <a:t>();</a:t>
-            </a:r>
-          </a:p>
-          <a:p>
-            <a:pPr marL="0" indent="0">
-              <a:buNone/>
-            </a:pPr>
-            <a:r>
-              <a:rPr lang="en-US" dirty="0">
-                <a:latin typeface="Courier New" panose="02070309020205020404" pitchFamily="49" charset="0"/>
-                <a:cs typeface="Courier New" panose="02070309020205020404" pitchFamily="49" charset="0"/>
-              </a:rPr>
-              <a:t>    	</a:t>
-            </a:r>
-            <a:r>
-              <a:rPr lang="en-US" dirty="0" err="1">
-                <a:latin typeface="Courier New" panose="02070309020205020404" pitchFamily="49" charset="0"/>
-                <a:cs typeface="Courier New" panose="02070309020205020404" pitchFamily="49" charset="0"/>
-              </a:rPr>
-              <a:t>insts</a:t>
-            </a:r>
-            <a:r>
-              <a:rPr lang="en-US" dirty="0">
-                <a:latin typeface="Courier New" panose="02070309020205020404" pitchFamily="49" charset="0"/>
-                <a:cs typeface="Courier New" panose="02070309020205020404" pitchFamily="49" charset="0"/>
-              </a:rPr>
-              <a:t> [</a:t>
-            </a:r>
-            <a:r>
-              <a:rPr lang="en-US" dirty="0" err="1">
-                <a:latin typeface="Courier New" panose="02070309020205020404" pitchFamily="49" charset="0"/>
-                <a:cs typeface="Courier New" panose="02070309020205020404" pitchFamily="49" charset="0"/>
-              </a:rPr>
-              <a:t>i</a:t>
-            </a:r>
-            <a:r>
-              <a:rPr lang="en-US" dirty="0">
-                <a:latin typeface="Courier New" panose="02070309020205020404" pitchFamily="49" charset="0"/>
-                <a:cs typeface="Courier New" panose="02070309020205020404" pitchFamily="49" charset="0"/>
-              </a:rPr>
-              <a:t>].</a:t>
-            </a:r>
-            <a:r>
-              <a:rPr lang="en-US" dirty="0" err="1">
-                <a:latin typeface="Courier New" panose="02070309020205020404" pitchFamily="49" charset="0"/>
-                <a:cs typeface="Courier New" panose="02070309020205020404" pitchFamily="49" charset="0"/>
-              </a:rPr>
-              <a:t>playNote</a:t>
-            </a:r>
-            <a:r>
-              <a:rPr lang="en-US" dirty="0">
-                <a:latin typeface="Courier New" panose="02070309020205020404" pitchFamily="49" charset="0"/>
-                <a:cs typeface="Courier New" panose="02070309020205020404" pitchFamily="49" charset="0"/>
-              </a:rPr>
-              <a:t>();</a:t>
-            </a:r>
-          </a:p>
-          <a:p>
-            <a:pPr marL="0" indent="0">
-              <a:buNone/>
-            </a:pPr>
-            <a:r>
-              <a:rPr lang="en-US" dirty="0">
-                <a:latin typeface="Courier New" panose="02070309020205020404" pitchFamily="49" charset="0"/>
-                <a:cs typeface="Courier New" panose="02070309020205020404" pitchFamily="49" charset="0"/>
-              </a:rPr>
-              <a:t>    	</a:t>
-            </a:r>
-            <a:r>
-              <a:rPr lang="en-US" dirty="0" err="1">
-                <a:latin typeface="Courier New" panose="02070309020205020404" pitchFamily="49" charset="0"/>
-                <a:cs typeface="Courier New" panose="02070309020205020404" pitchFamily="49" charset="0"/>
-              </a:rPr>
-              <a:t>System.out.println</a:t>
-            </a:r>
-            <a:r>
-              <a:rPr lang="en-US" dirty="0">
-                <a:latin typeface="Courier New" panose="02070309020205020404" pitchFamily="49" charset="0"/>
-                <a:cs typeface="Courier New" panose="02070309020205020404" pitchFamily="49" charset="0"/>
-              </a:rPr>
-              <a:t>();</a:t>
-            </a:r>
-          </a:p>
-          <a:p>
-            <a:pPr marL="0" indent="0">
-              <a:buNone/>
-            </a:pPr>
-            <a:r>
-              <a:rPr lang="en-US" dirty="0">
-                <a:latin typeface="Courier New" panose="02070309020205020404" pitchFamily="49" charset="0"/>
-                <a:cs typeface="Courier New" panose="02070309020205020404" pitchFamily="49" charset="0"/>
-              </a:rPr>
-              <a:t>}</a:t>
+              <a:t>!!”</a:t>
             </a:r>
           </a:p>
         </p:txBody>
@@ -27001,7 +26664,7 @@
     </p:spTree>
     <p:extLst>
       <p:ext uri="{BB962C8B-B14F-4D97-AF65-F5344CB8AC3E}">
-        <p14:creationId xmlns:p14="http://schemas.microsoft.com/office/powerpoint/2010/main" val="1572219314"/>
+        <p14:creationId xmlns:p14="http://schemas.microsoft.com/office/powerpoint/2010/main" val="4052956799"/>
       </p:ext>
     </p:extLst>
   </p:cSld>
@@ -27099,6 +26762,497 @@
           <a:p>
             <a:r>
               <a:rPr lang="en-US" dirty="0"/>
+              <a:t>The Exercise</a:t>
+            </a:r>
+          </a:p>
+        </p:txBody>
+      </p:sp>
+      <p:sp>
+        <p:nvSpPr>
+          <p:cNvPr id="3" name="Content Placeholder 2"/>
+          <p:cNvSpPr>
+            <a:spLocks noGrp="1"/>
+          </p:cNvSpPr>
+          <p:nvPr>
+            <p:ph idx="1"/>
+          </p:nvPr>
+        </p:nvSpPr>
+        <p:spPr>
+          <a:xfrm>
+            <a:off x="838200" y="2057399"/>
+            <a:ext cx="10707168" cy="4119563"/>
+          </a:xfrm>
+        </p:spPr>
+        <p:txBody>
+          <a:bodyPr>
+            <a:normAutofit fontScale="70000" lnSpcReduction="20000"/>
+          </a:bodyPr>
+          <a:lstStyle/>
+          <a:p>
+            <a:pPr marL="0" indent="0">
+              <a:buNone/>
+            </a:pPr>
+            <a:r>
+              <a:rPr lang="en-US" sz="3400" dirty="0"/>
+              <a:t>Given the preceding classes, what would be the </a:t>
+            </a:r>
+            <a:r>
+              <a:rPr lang="en-US" sz="3400" b="1" dirty="0"/>
+              <a:t>output</a:t>
+            </a:r>
+            <a:r>
+              <a:rPr lang="en-US" sz="3400" dirty="0"/>
+              <a:t> of the following client code?</a:t>
+            </a:r>
+          </a:p>
+          <a:p>
+            <a:pPr marL="0" indent="0">
+              <a:buNone/>
+            </a:pPr>
+            <a:endParaRPr lang="en-US" dirty="0">
+              <a:latin typeface="Courier New" panose="02070309020205020404" pitchFamily="49" charset="0"/>
+              <a:cs typeface="Courier New" panose="02070309020205020404" pitchFamily="49" charset="0"/>
+            </a:endParaRPr>
+          </a:p>
+          <a:p>
+            <a:pPr marL="0" indent="0">
+              <a:buNone/>
+            </a:pPr>
+            <a:r>
+              <a:rPr lang="en-US" dirty="0" err="1">
+                <a:latin typeface="Courier New" panose="02070309020205020404" pitchFamily="49" charset="0"/>
+                <a:cs typeface="Courier New" panose="02070309020205020404" pitchFamily="49" charset="0"/>
+              </a:rPr>
+              <a:t>MusicalInstrument</a:t>
+            </a:r>
+            <a:r>
+              <a:rPr lang="en-US" dirty="0">
+                <a:latin typeface="Courier New" panose="02070309020205020404" pitchFamily="49" charset="0"/>
+                <a:cs typeface="Courier New" panose="02070309020205020404" pitchFamily="49" charset="0"/>
+              </a:rPr>
+              <a:t>[] </a:t>
+            </a:r>
+            <a:r>
+              <a:rPr lang="en-US" dirty="0" err="1">
+                <a:latin typeface="Courier New" panose="02070309020205020404" pitchFamily="49" charset="0"/>
+                <a:cs typeface="Courier New" panose="02070309020205020404" pitchFamily="49" charset="0"/>
+              </a:rPr>
+              <a:t>insts</a:t>
+            </a:r>
+            <a:r>
+              <a:rPr lang="en-US" dirty="0">
+                <a:latin typeface="Courier New" panose="02070309020205020404" pitchFamily="49" charset="0"/>
+                <a:cs typeface="Courier New" panose="02070309020205020404" pitchFamily="49" charset="0"/>
+              </a:rPr>
+              <a:t> = {</a:t>
+            </a:r>
+          </a:p>
+          <a:p>
+            <a:pPr marL="0" indent="0">
+              <a:buNone/>
+            </a:pPr>
+            <a:r>
+              <a:rPr lang="en-US" dirty="0">
+                <a:latin typeface="Courier New" panose="02070309020205020404" pitchFamily="49" charset="0"/>
+                <a:cs typeface="Courier New" panose="02070309020205020404" pitchFamily="49" charset="0"/>
+              </a:rPr>
+              <a:t>	new </a:t>
+            </a:r>
+            <a:r>
+              <a:rPr lang="en-US" dirty="0" err="1">
+                <a:latin typeface="Courier New" panose="02070309020205020404" pitchFamily="49" charset="0"/>
+                <a:cs typeface="Courier New" panose="02070309020205020404" pitchFamily="49" charset="0"/>
+              </a:rPr>
+              <a:t>MusicalInstrument</a:t>
+            </a:r>
+            <a:r>
+              <a:rPr lang="en-US" dirty="0">
+                <a:latin typeface="Courier New" panose="02070309020205020404" pitchFamily="49" charset="0"/>
+                <a:cs typeface="Courier New" panose="02070309020205020404" pitchFamily="49" charset="0"/>
+              </a:rPr>
+              <a:t>(), new </a:t>
+            </a:r>
+            <a:r>
+              <a:rPr lang="en-US" dirty="0" err="1">
+                <a:latin typeface="Courier New" panose="02070309020205020404" pitchFamily="49" charset="0"/>
+                <a:cs typeface="Courier New" panose="02070309020205020404" pitchFamily="49" charset="0"/>
+              </a:rPr>
+              <a:t>ElectricKeyboard</a:t>
+            </a:r>
+            <a:r>
+              <a:rPr lang="en-US" dirty="0">
+                <a:latin typeface="Courier New" panose="02070309020205020404" pitchFamily="49" charset="0"/>
+                <a:cs typeface="Courier New" panose="02070309020205020404" pitchFamily="49" charset="0"/>
+              </a:rPr>
+              <a:t>(),</a:t>
+            </a:r>
+          </a:p>
+          <a:p>
+            <a:pPr marL="0" indent="0">
+              <a:buNone/>
+            </a:pPr>
+            <a:r>
+              <a:rPr lang="en-US" dirty="0">
+                <a:latin typeface="Courier New" panose="02070309020205020404" pitchFamily="49" charset="0"/>
+                <a:cs typeface="Courier New" panose="02070309020205020404" pitchFamily="49" charset="0"/>
+              </a:rPr>
+              <a:t> 	new Guitar(), new </a:t>
+            </a:r>
+            <a:r>
+              <a:rPr lang="en-US" dirty="0" err="1">
+                <a:latin typeface="Courier New" panose="02070309020205020404" pitchFamily="49" charset="0"/>
+                <a:cs typeface="Courier New" panose="02070309020205020404" pitchFamily="49" charset="0"/>
+              </a:rPr>
+              <a:t>ElectricGuitar</a:t>
+            </a:r>
+            <a:r>
+              <a:rPr lang="en-US" dirty="0">
+                <a:latin typeface="Courier New" panose="02070309020205020404" pitchFamily="49" charset="0"/>
+                <a:cs typeface="Courier New" panose="02070309020205020404" pitchFamily="49" charset="0"/>
+              </a:rPr>
+              <a:t>() };</a:t>
+            </a:r>
+          </a:p>
+          <a:p>
+            <a:pPr marL="0" indent="0">
+              <a:buNone/>
+            </a:pPr>
+            <a:endParaRPr lang="en-US" dirty="0">
+              <a:latin typeface="Courier New" panose="02070309020205020404" pitchFamily="49" charset="0"/>
+              <a:cs typeface="Courier New" panose="02070309020205020404" pitchFamily="49" charset="0"/>
+            </a:endParaRPr>
+          </a:p>
+          <a:p>
+            <a:pPr marL="0" indent="0">
+              <a:buNone/>
+            </a:pPr>
+            <a:r>
+              <a:rPr lang="en-US" dirty="0">
+                <a:latin typeface="Courier New" panose="02070309020205020404" pitchFamily="49" charset="0"/>
+                <a:cs typeface="Courier New" panose="02070309020205020404" pitchFamily="49" charset="0"/>
+              </a:rPr>
+              <a:t>for (</a:t>
+            </a:r>
+            <a:r>
+              <a:rPr lang="en-US" dirty="0" err="1">
+                <a:latin typeface="Courier New" panose="02070309020205020404" pitchFamily="49" charset="0"/>
+                <a:cs typeface="Courier New" panose="02070309020205020404" pitchFamily="49" charset="0"/>
+              </a:rPr>
+              <a:t>int</a:t>
+            </a:r>
+            <a:r>
+              <a:rPr lang="en-US" dirty="0">
+                <a:latin typeface="Courier New" panose="02070309020205020404" pitchFamily="49" charset="0"/>
+                <a:cs typeface="Courier New" panose="02070309020205020404" pitchFamily="49" charset="0"/>
+              </a:rPr>
+              <a:t> </a:t>
+            </a:r>
+            <a:r>
+              <a:rPr lang="en-US" dirty="0" err="1">
+                <a:latin typeface="Courier New" panose="02070309020205020404" pitchFamily="49" charset="0"/>
+                <a:cs typeface="Courier New" panose="02070309020205020404" pitchFamily="49" charset="0"/>
+              </a:rPr>
+              <a:t>i</a:t>
+            </a:r>
+            <a:r>
+              <a:rPr lang="en-US" dirty="0">
+                <a:latin typeface="Courier New" panose="02070309020205020404" pitchFamily="49" charset="0"/>
+                <a:cs typeface="Courier New" panose="02070309020205020404" pitchFamily="49" charset="0"/>
+              </a:rPr>
+              <a:t> = 0; </a:t>
+            </a:r>
+            <a:r>
+              <a:rPr lang="en-US" dirty="0" err="1">
+                <a:latin typeface="Courier New" panose="02070309020205020404" pitchFamily="49" charset="0"/>
+                <a:cs typeface="Courier New" panose="02070309020205020404" pitchFamily="49" charset="0"/>
+              </a:rPr>
+              <a:t>i</a:t>
+            </a:r>
+            <a:r>
+              <a:rPr lang="en-US" dirty="0">
+                <a:latin typeface="Courier New" panose="02070309020205020404" pitchFamily="49" charset="0"/>
+                <a:cs typeface="Courier New" panose="02070309020205020404" pitchFamily="49" charset="0"/>
+              </a:rPr>
+              <a:t> &lt; </a:t>
+            </a:r>
+            <a:r>
+              <a:rPr lang="en-US" dirty="0" err="1">
+                <a:latin typeface="Courier New" panose="02070309020205020404" pitchFamily="49" charset="0"/>
+                <a:cs typeface="Courier New" panose="02070309020205020404" pitchFamily="49" charset="0"/>
+              </a:rPr>
+              <a:t>insts.length</a:t>
+            </a:r>
+            <a:r>
+              <a:rPr lang="en-US" dirty="0">
+                <a:latin typeface="Courier New" panose="02070309020205020404" pitchFamily="49" charset="0"/>
+                <a:cs typeface="Courier New" panose="02070309020205020404" pitchFamily="49" charset="0"/>
+              </a:rPr>
+              <a:t>; </a:t>
+            </a:r>
+            <a:r>
+              <a:rPr lang="en-US" dirty="0" err="1">
+                <a:latin typeface="Courier New" panose="02070309020205020404" pitchFamily="49" charset="0"/>
+                <a:cs typeface="Courier New" panose="02070309020205020404" pitchFamily="49" charset="0"/>
+              </a:rPr>
+              <a:t>i</a:t>
+            </a:r>
+            <a:r>
+              <a:rPr lang="en-US" dirty="0">
+                <a:latin typeface="Courier New" panose="02070309020205020404" pitchFamily="49" charset="0"/>
+                <a:cs typeface="Courier New" panose="02070309020205020404" pitchFamily="49" charset="0"/>
+              </a:rPr>
+              <a:t>++) {</a:t>
+            </a:r>
+          </a:p>
+          <a:p>
+            <a:pPr marL="0" indent="0">
+              <a:buNone/>
+            </a:pPr>
+            <a:r>
+              <a:rPr lang="en-US" dirty="0">
+                <a:latin typeface="Courier New" panose="02070309020205020404" pitchFamily="49" charset="0"/>
+                <a:cs typeface="Courier New" panose="02070309020205020404" pitchFamily="49" charset="0"/>
+              </a:rPr>
+              <a:t>	</a:t>
+            </a:r>
+            <a:r>
+              <a:rPr lang="en-US" dirty="0" err="1">
+                <a:latin typeface="Courier New" panose="02070309020205020404" pitchFamily="49" charset="0"/>
+                <a:cs typeface="Courier New" panose="02070309020205020404" pitchFamily="49" charset="0"/>
+              </a:rPr>
+              <a:t>System.out.println</a:t>
+            </a:r>
+            <a:r>
+              <a:rPr lang="en-US" dirty="0">
+                <a:latin typeface="Courier New" panose="02070309020205020404" pitchFamily="49" charset="0"/>
+                <a:cs typeface="Courier New" panose="02070309020205020404" pitchFamily="49" charset="0"/>
+              </a:rPr>
+              <a:t>(</a:t>
+            </a:r>
+            <a:r>
+              <a:rPr lang="en-US" dirty="0" err="1">
+                <a:latin typeface="Courier New" panose="02070309020205020404" pitchFamily="49" charset="0"/>
+                <a:cs typeface="Courier New" panose="02070309020205020404" pitchFamily="49" charset="0"/>
+              </a:rPr>
+              <a:t>insts</a:t>
+            </a:r>
+            <a:r>
+              <a:rPr lang="en-US" dirty="0">
+                <a:latin typeface="Courier New" panose="02070309020205020404" pitchFamily="49" charset="0"/>
+                <a:cs typeface="Courier New" panose="02070309020205020404" pitchFamily="49" charset="0"/>
+              </a:rPr>
+              <a:t>[</a:t>
+            </a:r>
+            <a:r>
+              <a:rPr lang="en-US" dirty="0" err="1">
+                <a:latin typeface="Courier New" panose="02070309020205020404" pitchFamily="49" charset="0"/>
+                <a:cs typeface="Courier New" panose="02070309020205020404" pitchFamily="49" charset="0"/>
+              </a:rPr>
+              <a:t>i</a:t>
+            </a:r>
+            <a:r>
+              <a:rPr lang="en-US" dirty="0">
+                <a:latin typeface="Courier New" panose="02070309020205020404" pitchFamily="49" charset="0"/>
+                <a:cs typeface="Courier New" panose="02070309020205020404" pitchFamily="49" charset="0"/>
+              </a:rPr>
+              <a:t>]);</a:t>
+            </a:r>
+          </a:p>
+          <a:p>
+            <a:pPr marL="0" indent="0">
+              <a:buNone/>
+            </a:pPr>
+            <a:r>
+              <a:rPr lang="en-US" dirty="0">
+                <a:latin typeface="Courier New" panose="02070309020205020404" pitchFamily="49" charset="0"/>
+                <a:cs typeface="Courier New" panose="02070309020205020404" pitchFamily="49" charset="0"/>
+              </a:rPr>
+              <a:t>    	</a:t>
+            </a:r>
+            <a:r>
+              <a:rPr lang="en-US" dirty="0" err="1">
+                <a:latin typeface="Courier New" panose="02070309020205020404" pitchFamily="49" charset="0"/>
+                <a:cs typeface="Courier New" panose="02070309020205020404" pitchFamily="49" charset="0"/>
+              </a:rPr>
+              <a:t>insts</a:t>
+            </a:r>
+            <a:r>
+              <a:rPr lang="en-US" dirty="0">
+                <a:latin typeface="Courier New" panose="02070309020205020404" pitchFamily="49" charset="0"/>
+                <a:cs typeface="Courier New" panose="02070309020205020404" pitchFamily="49" charset="0"/>
+              </a:rPr>
+              <a:t> [</a:t>
+            </a:r>
+            <a:r>
+              <a:rPr lang="en-US" dirty="0" err="1">
+                <a:latin typeface="Courier New" panose="02070309020205020404" pitchFamily="49" charset="0"/>
+                <a:cs typeface="Courier New" panose="02070309020205020404" pitchFamily="49" charset="0"/>
+              </a:rPr>
+              <a:t>i</a:t>
+            </a:r>
+            <a:r>
+              <a:rPr lang="en-US" dirty="0">
+                <a:latin typeface="Courier New" panose="02070309020205020404" pitchFamily="49" charset="0"/>
+                <a:cs typeface="Courier New" panose="02070309020205020404" pitchFamily="49" charset="0"/>
+              </a:rPr>
+              <a:t>].</a:t>
+            </a:r>
+            <a:r>
+              <a:rPr lang="en-US" dirty="0" err="1">
+                <a:latin typeface="Courier New" panose="02070309020205020404" pitchFamily="49" charset="0"/>
+                <a:cs typeface="Courier New" panose="02070309020205020404" pitchFamily="49" charset="0"/>
+              </a:rPr>
+              <a:t>pickSound</a:t>
+            </a:r>
+            <a:r>
+              <a:rPr lang="en-US" dirty="0">
+                <a:latin typeface="Courier New" panose="02070309020205020404" pitchFamily="49" charset="0"/>
+                <a:cs typeface="Courier New" panose="02070309020205020404" pitchFamily="49" charset="0"/>
+              </a:rPr>
+              <a:t>();</a:t>
+            </a:r>
+          </a:p>
+          <a:p>
+            <a:pPr marL="0" indent="0">
+              <a:buNone/>
+            </a:pPr>
+            <a:r>
+              <a:rPr lang="en-US" dirty="0">
+                <a:latin typeface="Courier New" panose="02070309020205020404" pitchFamily="49" charset="0"/>
+                <a:cs typeface="Courier New" panose="02070309020205020404" pitchFamily="49" charset="0"/>
+              </a:rPr>
+              <a:t>    	</a:t>
+            </a:r>
+            <a:r>
+              <a:rPr lang="en-US" dirty="0" err="1">
+                <a:latin typeface="Courier New" panose="02070309020205020404" pitchFamily="49" charset="0"/>
+                <a:cs typeface="Courier New" panose="02070309020205020404" pitchFamily="49" charset="0"/>
+              </a:rPr>
+              <a:t>insts</a:t>
+            </a:r>
+            <a:r>
+              <a:rPr lang="en-US" dirty="0">
+                <a:latin typeface="Courier New" panose="02070309020205020404" pitchFamily="49" charset="0"/>
+                <a:cs typeface="Courier New" panose="02070309020205020404" pitchFamily="49" charset="0"/>
+              </a:rPr>
+              <a:t> [</a:t>
+            </a:r>
+            <a:r>
+              <a:rPr lang="en-US" dirty="0" err="1">
+                <a:latin typeface="Courier New" panose="02070309020205020404" pitchFamily="49" charset="0"/>
+                <a:cs typeface="Courier New" panose="02070309020205020404" pitchFamily="49" charset="0"/>
+              </a:rPr>
+              <a:t>i</a:t>
+            </a:r>
+            <a:r>
+              <a:rPr lang="en-US" dirty="0">
+                <a:latin typeface="Courier New" panose="02070309020205020404" pitchFamily="49" charset="0"/>
+                <a:cs typeface="Courier New" panose="02070309020205020404" pitchFamily="49" charset="0"/>
+              </a:rPr>
+              <a:t>].</a:t>
+            </a:r>
+            <a:r>
+              <a:rPr lang="en-US" dirty="0" err="1">
+                <a:latin typeface="Courier New" panose="02070309020205020404" pitchFamily="49" charset="0"/>
+                <a:cs typeface="Courier New" panose="02070309020205020404" pitchFamily="49" charset="0"/>
+              </a:rPr>
+              <a:t>playNote</a:t>
+            </a:r>
+            <a:r>
+              <a:rPr lang="en-US" dirty="0">
+                <a:latin typeface="Courier New" panose="02070309020205020404" pitchFamily="49" charset="0"/>
+                <a:cs typeface="Courier New" panose="02070309020205020404" pitchFamily="49" charset="0"/>
+              </a:rPr>
+              <a:t>();</a:t>
+            </a:r>
+          </a:p>
+          <a:p>
+            <a:pPr marL="0" indent="0">
+              <a:buNone/>
+            </a:pPr>
+            <a:r>
+              <a:rPr lang="en-US" dirty="0">
+                <a:latin typeface="Courier New" panose="02070309020205020404" pitchFamily="49" charset="0"/>
+                <a:cs typeface="Courier New" panose="02070309020205020404" pitchFamily="49" charset="0"/>
+              </a:rPr>
+              <a:t>    	</a:t>
+            </a:r>
+            <a:r>
+              <a:rPr lang="en-US" dirty="0" err="1">
+                <a:latin typeface="Courier New" panose="02070309020205020404" pitchFamily="49" charset="0"/>
+                <a:cs typeface="Courier New" panose="02070309020205020404" pitchFamily="49" charset="0"/>
+              </a:rPr>
+              <a:t>System.out.println</a:t>
+            </a:r>
+            <a:r>
+              <a:rPr lang="en-US" dirty="0">
+                <a:latin typeface="Courier New" panose="02070309020205020404" pitchFamily="49" charset="0"/>
+                <a:cs typeface="Courier New" panose="02070309020205020404" pitchFamily="49" charset="0"/>
+              </a:rPr>
+              <a:t>();</a:t>
+            </a:r>
+          </a:p>
+          <a:p>
+            <a:pPr marL="0" indent="0">
+              <a:buNone/>
+            </a:pPr>
+            <a:r>
+              <a:rPr lang="en-US" dirty="0">
+                <a:latin typeface="Courier New" panose="02070309020205020404" pitchFamily="49" charset="0"/>
+                <a:cs typeface="Courier New" panose="02070309020205020404" pitchFamily="49" charset="0"/>
+              </a:rPr>
+              <a:t>}</a:t>
+            </a:r>
+          </a:p>
+        </p:txBody>
+      </p:sp>
+    </p:spTree>
+    <p:extLst>
+      <p:ext uri="{BB962C8B-B14F-4D97-AF65-F5344CB8AC3E}">
+        <p14:creationId xmlns:p14="http://schemas.microsoft.com/office/powerpoint/2010/main" val="1572219314"/>
+      </p:ext>
+    </p:extLst>
+  </p:cSld>
+  <p:clrMapOvr>
+    <a:masterClrMapping/>
+  </p:clrMapOvr>
+</p:sld>
+</file>
+
+<file path=ppt/slides/slide61.xml><?xml version="1.0" encoding="utf-8"?>
+<p:sld xmlns:a="http://schemas.openxmlformats.org/drawingml/2006/main" xmlns:r="http://schemas.openxmlformats.org/officeDocument/2006/relationships" xmlns:p="http://schemas.openxmlformats.org/presentationml/2006/main">
+  <p:cSld>
+    <p:spTree>
+      <p:nvGrpSpPr>
+        <p:cNvPr id="1" name=""/>
+        <p:cNvGrpSpPr/>
+        <p:nvPr/>
+      </p:nvGrpSpPr>
+      <p:grpSpPr>
+        <a:xfrm>
+          <a:off x="0" y="0"/>
+          <a:ext cx="0" cy="0"/>
+          <a:chOff x="0" y="0"/>
+          <a:chExt cx="0" cy="0"/>
+        </a:xfrm>
+      </p:grpSpPr>
+      <p:sp>
+        <p:nvSpPr>
+          <p:cNvPr id="2" name="Title 1"/>
+          <p:cNvSpPr>
+            <a:spLocks noGrp="1"/>
+          </p:cNvSpPr>
+          <p:nvPr>
+            <p:ph type="title"/>
+          </p:nvPr>
+        </p:nvSpPr>
+        <p:spPr/>
+        <p:txBody>
+          <a:bodyPr/>
+          <a:lstStyle/>
+          <a:p>
+            <a:r>
+              <a:rPr lang="en-US" dirty="0"/>
               <a:t>Step 1: Class Diagram</a:t>
             </a:r>
           </a:p>
@@ -27185,7 +27339,7 @@
 </p:sld>
 </file>
 
-<file path=ppt/slides/slide61.xml><?xml version="1.0" encoding="utf-8"?>
+<file path=ppt/slides/slide62.xml><?xml version="1.0" encoding="utf-8"?>
 <p:sld xmlns:a="http://schemas.openxmlformats.org/drawingml/2006/main" xmlns:r="http://schemas.openxmlformats.org/officeDocument/2006/relationships" xmlns:p="http://schemas.openxmlformats.org/presentationml/2006/main">
   <p:cSld>
     <p:spTree>
@@ -27764,7 +27918,7 @@
 </p:sld>
 </file>
 
-<file path=ppt/slides/slide62.xml><?xml version="1.0" encoding="utf-8"?>
+<file path=ppt/slides/slide63.xml><?xml version="1.0" encoding="utf-8"?>
 <p:sld xmlns:a="http://schemas.openxmlformats.org/drawingml/2006/main" xmlns:r="http://schemas.openxmlformats.org/officeDocument/2006/relationships" xmlns:p="http://schemas.openxmlformats.org/presentationml/2006/main">
   <p:cSld>
     <p:spTree>
@@ -28229,7 +28383,7 @@
 </p:sld>
 </file>
 
-<file path=ppt/slides/slide63.xml><?xml version="1.0" encoding="utf-8"?>
+<file path=ppt/slides/slide64.xml><?xml version="1.0" encoding="utf-8"?>
 <p:sld xmlns:a="http://schemas.openxmlformats.org/drawingml/2006/main" xmlns:r="http://schemas.openxmlformats.org/officeDocument/2006/relationships" xmlns:p="http://schemas.openxmlformats.org/presentationml/2006/main">
   <p:cSld>
     <p:spTree>
@@ -28511,7 +28665,7 @@
 </p:sld>
 </file>
 
-<file path=ppt/slides/slide64.xml><?xml version="1.0" encoding="utf-8"?>
+<file path=ppt/slides/slide65.xml><?xml version="1.0" encoding="utf-8"?>
 <p:sld xmlns:a="http://schemas.openxmlformats.org/drawingml/2006/main" xmlns:r="http://schemas.openxmlformats.org/officeDocument/2006/relationships" xmlns:p="http://schemas.openxmlformats.org/presentationml/2006/main">
   <p:cSld>
     <p:spTree>
@@ -28569,7 +28723,7 @@
 </p:sld>
 </file>
 
-<file path=ppt/slides/slide65.xml><?xml version="1.0" encoding="utf-8"?>
+<file path=ppt/slides/slide66.xml><?xml version="1.0" encoding="utf-8"?>
 <p:sld xmlns:a="http://schemas.openxmlformats.org/drawingml/2006/main" xmlns:r="http://schemas.openxmlformats.org/officeDocument/2006/relationships" xmlns:p="http://schemas.openxmlformats.org/presentationml/2006/main">
   <p:cSld>
     <p:spTree>
@@ -28669,7 +28823,7 @@
 </p:sld>
 </file>
 
-<file path=ppt/slides/slide66.xml><?xml version="1.0" encoding="utf-8"?>
+<file path=ppt/slides/slide67.xml><?xml version="1.0" encoding="utf-8"?>
 <p:sld xmlns:a="http://schemas.openxmlformats.org/drawingml/2006/main" xmlns:r="http://schemas.openxmlformats.org/officeDocument/2006/relationships" xmlns:p="http://schemas.openxmlformats.org/presentationml/2006/main">
   <p:cSld>
     <p:spTree>
@@ -28757,7 +28911,7 @@
 </p:sld>
 </file>
 
-<file path=ppt/slides/slide67.xml><?xml version="1.0" encoding="utf-8"?>
+<file path=ppt/slides/slide68.xml><?xml version="1.0" encoding="utf-8"?>
 <p:sld xmlns:a="http://schemas.openxmlformats.org/drawingml/2006/main" xmlns:r="http://schemas.openxmlformats.org/officeDocument/2006/relationships" xmlns:p="http://schemas.openxmlformats.org/presentationml/2006/main">
   <p:cSld>
     <p:spTree>
@@ -28868,7 +29022,7 @@
 </p:sld>
 </file>
 
-<file path=ppt/slides/slide68.xml><?xml version="1.0" encoding="utf-8"?>
+<file path=ppt/slides/slide69.xml><?xml version="1.0" encoding="utf-8"?>
 <p:sld xmlns:a="http://schemas.openxmlformats.org/drawingml/2006/main" xmlns:r="http://schemas.openxmlformats.org/officeDocument/2006/relationships" xmlns:p="http://schemas.openxmlformats.org/presentationml/2006/main">
   <p:cSld>
     <p:spTree>
@@ -28969,160 +29123,6 @@
     <p:extLst>
       <p:ext uri="{BB962C8B-B14F-4D97-AF65-F5344CB8AC3E}">
         <p14:creationId xmlns:p14="http://schemas.microsoft.com/office/powerpoint/2010/main" val="1726424877"/>
-      </p:ext>
-    </p:extLst>
-  </p:cSld>
-  <p:clrMapOvr>
-    <a:masterClrMapping/>
-  </p:clrMapOvr>
-</p:sld>
-</file>
-
-<file path=ppt/slides/slide69.xml><?xml version="1.0" encoding="utf-8"?>
-<p:sld xmlns:a="http://schemas.openxmlformats.org/drawingml/2006/main" xmlns:r="http://schemas.openxmlformats.org/officeDocument/2006/relationships" xmlns:p="http://schemas.openxmlformats.org/presentationml/2006/main">
-  <p:cSld>
-    <p:spTree>
-      <p:nvGrpSpPr>
-        <p:cNvPr id="1" name=""/>
-        <p:cNvGrpSpPr/>
-        <p:nvPr/>
-      </p:nvGrpSpPr>
-      <p:grpSpPr>
-        <a:xfrm>
-          <a:off x="0" y="0"/>
-          <a:ext cx="0" cy="0"/>
-          <a:chOff x="0" y="0"/>
-          <a:chExt cx="0" cy="0"/>
-        </a:xfrm>
-      </p:grpSpPr>
-      <p:sp>
-        <p:nvSpPr>
-          <p:cNvPr id="2" name="Title 1"/>
-          <p:cNvSpPr>
-            <a:spLocks noGrp="1"/>
-          </p:cNvSpPr>
-          <p:nvPr>
-            <p:ph type="title"/>
-          </p:nvPr>
-        </p:nvSpPr>
-        <p:spPr>
-          <a:xfrm>
-            <a:off x="838200" y="698500"/>
-            <a:ext cx="10515600" cy="1819617"/>
-          </a:xfrm>
-        </p:spPr>
-        <p:txBody>
-          <a:bodyPr>
-            <a:normAutofit fontScale="90000"/>
-          </a:bodyPr>
-          <a:lstStyle/>
-          <a:p>
-            <a:r>
-              <a:rPr lang="en-US" dirty="0"/>
-              <a:t>So how would we model a zoo?</a:t>
-            </a:r>
-            <a:br>
-              <a:rPr lang="en-US" dirty="0"/>
-            </a:br>
-            <a:br>
-              <a:rPr lang="en-US" dirty="0"/>
-            </a:br>
-            <a:r>
-              <a:rPr lang="en-US" dirty="0"/>
-              <a:t>Zoo</a:t>
-            </a:r>
-          </a:p>
-        </p:txBody>
-      </p:sp>
-      <p:graphicFrame>
-        <p:nvGraphicFramePr>
-          <p:cNvPr id="4" name="Diagram 3"/>
-          <p:cNvGraphicFramePr/>
-          <p:nvPr/>
-        </p:nvGraphicFramePr>
-        <p:xfrm>
-          <a:off x="-992552" y="2917962"/>
-          <a:ext cx="8128000" cy="3104090"/>
-        </p:xfrm>
-        <a:graphic>
-          <a:graphicData uri="http://schemas.openxmlformats.org/drawingml/2006/diagram">
-            <dgm:relIds xmlns:dgm="http://schemas.openxmlformats.org/drawingml/2006/diagram" xmlns:r="http://schemas.openxmlformats.org/officeDocument/2006/relationships" r:dm="rId2" r:lo="rId3" r:qs="rId4" r:cs="rId5"/>
-          </a:graphicData>
-        </a:graphic>
-      </p:graphicFrame>
-      <p:sp>
-        <p:nvSpPr>
-          <p:cNvPr id="5" name="TextBox 4"/>
-          <p:cNvSpPr txBox="1"/>
-          <p:nvPr/>
-        </p:nvSpPr>
-        <p:spPr>
-          <a:xfrm>
-            <a:off x="6096000" y="2703016"/>
-            <a:ext cx="5509846" cy="4154984"/>
-          </a:xfrm>
-          <a:prstGeom prst="rect">
-            <a:avLst/>
-          </a:prstGeom>
-          <a:noFill/>
-        </p:spPr>
-        <p:txBody>
-          <a:bodyPr wrap="square" rtlCol="0">
-            <a:spAutoFit/>
-          </a:bodyPr>
-          <a:lstStyle/>
-          <a:p>
-            <a:r>
-              <a:rPr lang="en-US" sz="2400" dirty="0"/>
-              <a:t>Has-a describes the relationship between a class that is client code of another class.</a:t>
-            </a:r>
-          </a:p>
-          <a:p>
-            <a:endParaRPr lang="en-US" sz="2400" dirty="0"/>
-          </a:p>
-          <a:p>
-            <a:r>
-              <a:rPr lang="en-US" sz="2400" dirty="0"/>
-              <a:t>You should use a has-a relationship when you can’t substitute one class for another.</a:t>
-            </a:r>
-          </a:p>
-          <a:p>
-            <a:endParaRPr lang="en-US" sz="2400" dirty="0"/>
-          </a:p>
-          <a:p>
-            <a:r>
-              <a:rPr lang="en-US" sz="2400" dirty="0"/>
-              <a:t>In this case, a Zoo is not an Animal, </a:t>
-            </a:r>
-            <a:r>
-              <a:rPr lang="en-US" sz="2400" dirty="0" err="1"/>
-              <a:t>ZooMember</a:t>
-            </a:r>
-            <a:r>
-              <a:rPr lang="en-US" sz="2400" dirty="0"/>
-              <a:t> or </a:t>
-            </a:r>
-            <a:r>
-              <a:rPr lang="en-US" sz="2400" dirty="0" err="1"/>
-              <a:t>ZooFacility</a:t>
-            </a:r>
-            <a:r>
-              <a:rPr lang="en-US" sz="2400" dirty="0"/>
-              <a:t>, rather a Zoo has all of these components.</a:t>
-            </a:r>
-          </a:p>
-          <a:p>
-            <a:endParaRPr lang="en-US" sz="2400" dirty="0"/>
-          </a:p>
-          <a:p>
-            <a:endParaRPr lang="en-US" sz="2400" dirty="0"/>
-          </a:p>
-        </p:txBody>
-      </p:sp>
-    </p:spTree>
-    <p:extLst>
-      <p:ext uri="{BB962C8B-B14F-4D97-AF65-F5344CB8AC3E}">
-        <p14:creationId xmlns:p14="http://schemas.microsoft.com/office/powerpoint/2010/main" val="763434317"/>
       </p:ext>
     </p:extLst>
   </p:cSld>
@@ -29237,120 +29237,124 @@
             <p:ph type="title"/>
           </p:nvPr>
         </p:nvSpPr>
-        <p:spPr/>
+        <p:spPr>
+          <a:xfrm>
+            <a:off x="838200" y="698500"/>
+            <a:ext cx="10515600" cy="1819617"/>
+          </a:xfrm>
+        </p:spPr>
         <p:txBody>
-          <a:bodyPr/>
+          <a:bodyPr>
+            <a:normAutofit fontScale="90000"/>
+          </a:bodyPr>
           <a:lstStyle/>
           <a:p>
             <a:r>
               <a:rPr lang="en-US" dirty="0"/>
-              <a:t>Has-a Relationships</a:t>
+              <a:t>So how would we model a zoo?</a:t>
+            </a:r>
+            <a:br>
+              <a:rPr lang="en-US" dirty="0"/>
+            </a:br>
+            <a:br>
+              <a:rPr lang="en-US" dirty="0"/>
+            </a:br>
+            <a:r>
+              <a:rPr lang="en-US" dirty="0"/>
+              <a:t>Zoo</a:t>
             </a:r>
           </a:p>
         </p:txBody>
       </p:sp>
+      <p:graphicFrame>
+        <p:nvGraphicFramePr>
+          <p:cNvPr id="4" name="Diagram 3"/>
+          <p:cNvGraphicFramePr/>
+          <p:nvPr/>
+        </p:nvGraphicFramePr>
+        <p:xfrm>
+          <a:off x="-992552" y="2917962"/>
+          <a:ext cx="8128000" cy="3104090"/>
+        </p:xfrm>
+        <a:graphic>
+          <a:graphicData uri="http://schemas.openxmlformats.org/drawingml/2006/diagram">
+            <dgm:relIds xmlns:dgm="http://schemas.openxmlformats.org/drawingml/2006/diagram" xmlns:r="http://schemas.openxmlformats.org/officeDocument/2006/relationships" r:dm="rId2" r:lo="rId3" r:qs="rId4" r:cs="rId5"/>
+          </a:graphicData>
+        </a:graphic>
+      </p:graphicFrame>
       <p:sp>
         <p:nvSpPr>
-          <p:cNvPr id="3" name="Content Placeholder 2"/>
-          <p:cNvSpPr>
-            <a:spLocks noGrp="1"/>
-          </p:cNvSpPr>
-          <p:nvPr>
-            <p:ph idx="1"/>
-          </p:nvPr>
+          <p:cNvPr id="5" name="TextBox 4"/>
+          <p:cNvSpPr txBox="1"/>
+          <p:nvPr/>
         </p:nvSpPr>
-        <p:spPr/>
+        <p:spPr>
+          <a:xfrm>
+            <a:off x="6096000" y="2703016"/>
+            <a:ext cx="5509846" cy="4154984"/>
+          </a:xfrm>
+          <a:prstGeom prst="rect">
+            <a:avLst/>
+          </a:prstGeom>
+          <a:noFill/>
+        </p:spPr>
         <p:txBody>
-          <a:bodyPr/>
+          <a:bodyPr wrap="square" rtlCol="0">
+            <a:spAutoFit/>
+          </a:bodyPr>
           <a:lstStyle/>
           <a:p>
-            <a:pPr marL="0" indent="0">
-              <a:buNone/>
-            </a:pPr>
-            <a:r>
-              <a:rPr lang="en-US" dirty="0"/>
-              <a:t>How would you design a Zoo?</a:t>
-            </a:r>
-          </a:p>
-          <a:p>
-            <a:pPr marL="0" indent="0">
-              <a:buNone/>
-            </a:pPr>
-            <a:endParaRPr lang="en-US" dirty="0"/>
-          </a:p>
-          <a:p>
-            <a:pPr marL="0" indent="0">
-              <a:buNone/>
-            </a:pPr>
-            <a:r>
-              <a:rPr lang="en-US" dirty="0"/>
-              <a:t>A Zoo has many parts:</a:t>
-            </a:r>
-          </a:p>
-          <a:p>
-            <a:pPr marL="0" indent="0">
-              <a:buNone/>
-            </a:pPr>
-            <a:endParaRPr lang="en-US" dirty="0"/>
-          </a:p>
-          <a:p>
-            <a:pPr marL="0" indent="0">
-              <a:buNone/>
-            </a:pPr>
-            <a:r>
-              <a:rPr lang="en-US" sz="2400" dirty="0">
-                <a:latin typeface="Courier New" panose="02070309020205020404" pitchFamily="49" charset="0"/>
-                <a:cs typeface="Courier New" panose="02070309020205020404" pitchFamily="49" charset="0"/>
-              </a:rPr>
-              <a:t>Animals, </a:t>
-            </a:r>
-            <a:r>
-              <a:rPr lang="en-US" sz="2400" dirty="0" err="1">
-                <a:latin typeface="Courier New" panose="02070309020205020404" pitchFamily="49" charset="0"/>
-                <a:cs typeface="Courier New" panose="02070309020205020404" pitchFamily="49" charset="0"/>
-              </a:rPr>
+            <a:r>
+              <a:rPr lang="en-US" sz="2400" dirty="0"/>
+              <a:t>Has-a describes the relationship between a class that is client code of another class.</a:t>
+            </a:r>
+          </a:p>
+          <a:p>
+            <a:endParaRPr lang="en-US" sz="2400" dirty="0"/>
+          </a:p>
+          <a:p>
+            <a:r>
+              <a:rPr lang="en-US" sz="2400" dirty="0"/>
+              <a:t>You should use a has-a relationship when you can’t substitute one class for another.</a:t>
+            </a:r>
+          </a:p>
+          <a:p>
+            <a:endParaRPr lang="en-US" sz="2400" dirty="0"/>
+          </a:p>
+          <a:p>
+            <a:r>
+              <a:rPr lang="en-US" sz="2400" dirty="0"/>
+              <a:t>In this case, a Zoo is not an Animal, </a:t>
+            </a:r>
+            <a:r>
+              <a:rPr lang="en-US" sz="2400" dirty="0" err="1"/>
               <a:t>ZooMember</a:t>
             </a:r>
             <a:r>
-              <a:rPr lang="en-US" sz="2400" dirty="0">
-                <a:latin typeface="Courier New" panose="02070309020205020404" pitchFamily="49" charset="0"/>
-                <a:cs typeface="Courier New" panose="02070309020205020404" pitchFamily="49" charset="0"/>
-              </a:rPr>
-              <a:t>, </a:t>
-            </a:r>
-            <a:r>
-              <a:rPr lang="en-US" sz="2400" dirty="0" err="1">
-                <a:latin typeface="Courier New" panose="02070309020205020404" pitchFamily="49" charset="0"/>
-                <a:cs typeface="Courier New" panose="02070309020205020404" pitchFamily="49" charset="0"/>
-              </a:rPr>
+              <a:rPr lang="en-US" sz="2400" dirty="0"/>
+              <a:t> or </a:t>
+            </a:r>
+            <a:r>
+              <a:rPr lang="en-US" sz="2400" dirty="0" err="1"/>
               <a:t>ZooFacility</a:t>
             </a:r>
-            <a:endParaRPr lang="en-US" sz="2400" dirty="0">
-              <a:latin typeface="Courier New" panose="02070309020205020404" pitchFamily="49" charset="0"/>
-              <a:cs typeface="Courier New" panose="02070309020205020404" pitchFamily="49" charset="0"/>
-            </a:endParaRPr>
-          </a:p>
-          <a:p>
-            <a:pPr marL="0" indent="0">
-              <a:buNone/>
-            </a:pPr>
-            <a:endParaRPr lang="en-US" dirty="0"/>
-          </a:p>
-          <a:p>
-            <a:pPr marL="0" indent="0">
-              <a:buNone/>
-            </a:pPr>
-            <a:r>
-              <a:rPr lang="en-US" dirty="0"/>
-              <a:t>You need each of these classes to have an effective Zoo.</a:t>
-            </a:r>
+            <a:r>
+              <a:rPr lang="en-US" sz="2400" dirty="0"/>
+              <a:t>, rather a Zoo has all of these components.</a:t>
+            </a:r>
+          </a:p>
+          <a:p>
+            <a:endParaRPr lang="en-US" sz="2400" dirty="0"/>
+          </a:p>
+          <a:p>
+            <a:endParaRPr lang="en-US" sz="2400" dirty="0"/>
           </a:p>
         </p:txBody>
       </p:sp>
     </p:spTree>
     <p:extLst>
       <p:ext uri="{BB962C8B-B14F-4D97-AF65-F5344CB8AC3E}">
-        <p14:creationId xmlns:p14="http://schemas.microsoft.com/office/powerpoint/2010/main" val="3222473941"/>
+        <p14:creationId xmlns:p14="http://schemas.microsoft.com/office/powerpoint/2010/main" val="763434317"/>
       </p:ext>
     </p:extLst>
   </p:cSld>
@@ -29394,6 +29398,156 @@
           <a:p>
             <a:r>
               <a:rPr lang="en-US" dirty="0"/>
+              <a:t>Has-a Relationships</a:t>
+            </a:r>
+          </a:p>
+        </p:txBody>
+      </p:sp>
+      <p:sp>
+        <p:nvSpPr>
+          <p:cNvPr id="3" name="Content Placeholder 2"/>
+          <p:cNvSpPr>
+            <a:spLocks noGrp="1"/>
+          </p:cNvSpPr>
+          <p:nvPr>
+            <p:ph idx="1"/>
+          </p:nvPr>
+        </p:nvSpPr>
+        <p:spPr/>
+        <p:txBody>
+          <a:bodyPr/>
+          <a:lstStyle/>
+          <a:p>
+            <a:pPr marL="0" indent="0">
+              <a:buNone/>
+            </a:pPr>
+            <a:r>
+              <a:rPr lang="en-US" dirty="0"/>
+              <a:t>How would you design a Zoo?</a:t>
+            </a:r>
+          </a:p>
+          <a:p>
+            <a:pPr marL="0" indent="0">
+              <a:buNone/>
+            </a:pPr>
+            <a:endParaRPr lang="en-US" dirty="0"/>
+          </a:p>
+          <a:p>
+            <a:pPr marL="0" indent="0">
+              <a:buNone/>
+            </a:pPr>
+            <a:r>
+              <a:rPr lang="en-US" dirty="0"/>
+              <a:t>A Zoo has many parts:</a:t>
+            </a:r>
+          </a:p>
+          <a:p>
+            <a:pPr marL="0" indent="0">
+              <a:buNone/>
+            </a:pPr>
+            <a:endParaRPr lang="en-US" dirty="0"/>
+          </a:p>
+          <a:p>
+            <a:pPr marL="0" indent="0">
+              <a:buNone/>
+            </a:pPr>
+            <a:r>
+              <a:rPr lang="en-US" sz="2400" dirty="0">
+                <a:latin typeface="Courier New" panose="02070309020205020404" pitchFamily="49" charset="0"/>
+                <a:cs typeface="Courier New" panose="02070309020205020404" pitchFamily="49" charset="0"/>
+              </a:rPr>
+              <a:t>Animals, </a:t>
+            </a:r>
+            <a:r>
+              <a:rPr lang="en-US" sz="2400" dirty="0" err="1">
+                <a:latin typeface="Courier New" panose="02070309020205020404" pitchFamily="49" charset="0"/>
+                <a:cs typeface="Courier New" panose="02070309020205020404" pitchFamily="49" charset="0"/>
+              </a:rPr>
+              <a:t>ZooMember</a:t>
+            </a:r>
+            <a:r>
+              <a:rPr lang="en-US" sz="2400" dirty="0">
+                <a:latin typeface="Courier New" panose="02070309020205020404" pitchFamily="49" charset="0"/>
+                <a:cs typeface="Courier New" panose="02070309020205020404" pitchFamily="49" charset="0"/>
+              </a:rPr>
+              <a:t>, </a:t>
+            </a:r>
+            <a:r>
+              <a:rPr lang="en-US" sz="2400" dirty="0" err="1">
+                <a:latin typeface="Courier New" panose="02070309020205020404" pitchFamily="49" charset="0"/>
+                <a:cs typeface="Courier New" panose="02070309020205020404" pitchFamily="49" charset="0"/>
+              </a:rPr>
+              <a:t>ZooFacility</a:t>
+            </a:r>
+            <a:endParaRPr lang="en-US" sz="2400" dirty="0">
+              <a:latin typeface="Courier New" panose="02070309020205020404" pitchFamily="49" charset="0"/>
+              <a:cs typeface="Courier New" panose="02070309020205020404" pitchFamily="49" charset="0"/>
+            </a:endParaRPr>
+          </a:p>
+          <a:p>
+            <a:pPr marL="0" indent="0">
+              <a:buNone/>
+            </a:pPr>
+            <a:endParaRPr lang="en-US" dirty="0"/>
+          </a:p>
+          <a:p>
+            <a:pPr marL="0" indent="0">
+              <a:buNone/>
+            </a:pPr>
+            <a:r>
+              <a:rPr lang="en-US" dirty="0"/>
+              <a:t>You need each of these classes to have an effective Zoo.</a:t>
+            </a:r>
+          </a:p>
+        </p:txBody>
+      </p:sp>
+    </p:spTree>
+    <p:extLst>
+      <p:ext uri="{BB962C8B-B14F-4D97-AF65-F5344CB8AC3E}">
+        <p14:creationId xmlns:p14="http://schemas.microsoft.com/office/powerpoint/2010/main" val="3222473941"/>
+      </p:ext>
+    </p:extLst>
+  </p:cSld>
+  <p:clrMapOvr>
+    <a:masterClrMapping/>
+  </p:clrMapOvr>
+</p:sld>
+</file>
+
+<file path=ppt/slides/slide72.xml><?xml version="1.0" encoding="utf-8"?>
+<p:sld xmlns:a="http://schemas.openxmlformats.org/drawingml/2006/main" xmlns:r="http://schemas.openxmlformats.org/officeDocument/2006/relationships" xmlns:p="http://schemas.openxmlformats.org/presentationml/2006/main">
+  <p:cSld>
+    <p:spTree>
+      <p:nvGrpSpPr>
+        <p:cNvPr id="1" name=""/>
+        <p:cNvGrpSpPr/>
+        <p:nvPr/>
+      </p:nvGrpSpPr>
+      <p:grpSpPr>
+        <a:xfrm>
+          <a:off x="0" y="0"/>
+          <a:ext cx="0" cy="0"/>
+          <a:chOff x="0" y="0"/>
+          <a:chExt cx="0" cy="0"/>
+        </a:xfrm>
+      </p:grpSpPr>
+      <p:sp>
+        <p:nvSpPr>
+          <p:cNvPr id="2" name="Title 1"/>
+          <p:cNvSpPr>
+            <a:spLocks noGrp="1"/>
+          </p:cNvSpPr>
+          <p:nvPr>
+            <p:ph type="title"/>
+          </p:nvPr>
+        </p:nvSpPr>
+        <p:spPr/>
+        <p:txBody>
+          <a:bodyPr/>
+          <a:lstStyle/>
+          <a:p>
+            <a:r>
+              <a:rPr lang="en-US" dirty="0"/>
               <a:t>Declaring a Has-a Relationship</a:t>
             </a:r>
           </a:p>
@@ -29583,7 +29737,7 @@
 </p:sld>
 </file>
 
-<file path=ppt/slides/slide72.xml><?xml version="1.0" encoding="utf-8"?>
+<file path=ppt/slides/slide73.xml><?xml version="1.0" encoding="utf-8"?>
 <p:sld xmlns:a="http://schemas.openxmlformats.org/drawingml/2006/main" xmlns:r="http://schemas.openxmlformats.org/officeDocument/2006/relationships" xmlns:p="http://schemas.openxmlformats.org/presentationml/2006/main">
   <p:cSld>
     <p:spTree>
@@ -29784,7 +29938,7 @@
 </p:sld>
 </file>
 
-<file path=ppt/slides/slide73.xml><?xml version="1.0" encoding="utf-8"?>
+<file path=ppt/slides/slide74.xml><?xml version="1.0" encoding="utf-8"?>
 <p:sld xmlns:a="http://schemas.openxmlformats.org/drawingml/2006/main" xmlns:r="http://schemas.openxmlformats.org/officeDocument/2006/relationships" xmlns:p="http://schemas.openxmlformats.org/presentationml/2006/main">
   <p:cSld>
     <p:spTree>
@@ -29842,7 +29996,7 @@
 </p:sld>
 </file>
 
-<file path=ppt/slides/slide74.xml><?xml version="1.0" encoding="utf-8"?>
+<file path=ppt/slides/slide75.xml><?xml version="1.0" encoding="utf-8"?>
 <p:sld xmlns:a="http://schemas.openxmlformats.org/drawingml/2006/main" xmlns:r="http://schemas.openxmlformats.org/officeDocument/2006/relationships" xmlns:p="http://schemas.openxmlformats.org/presentationml/2006/main">
   <p:cSld>
     <p:spTree>
@@ -29927,7 +30081,7 @@
 </p:sld>
 </file>
 
-<file path=ppt/slides/slide75.xml><?xml version="1.0" encoding="utf-8"?>
+<file path=ppt/slides/slide76.xml><?xml version="1.0" encoding="utf-8"?>
 <p:sld xmlns:a="http://schemas.openxmlformats.org/drawingml/2006/main" xmlns:r="http://schemas.openxmlformats.org/officeDocument/2006/relationships" xmlns:p="http://schemas.openxmlformats.org/presentationml/2006/main">
   <p:cSld>
     <p:spTree>
@@ -30002,104 +30156,6 @@
     <p:extLst>
       <p:ext uri="{BB962C8B-B14F-4D97-AF65-F5344CB8AC3E}">
         <p14:creationId xmlns:p14="http://schemas.microsoft.com/office/powerpoint/2010/main" val="546057595"/>
-      </p:ext>
-    </p:extLst>
-  </p:cSld>
-  <p:clrMapOvr>
-    <a:masterClrMapping/>
-  </p:clrMapOvr>
-</p:sld>
-</file>
-
-<file path=ppt/slides/slide76.xml><?xml version="1.0" encoding="utf-8"?>
-<p:sld xmlns:a="http://schemas.openxmlformats.org/drawingml/2006/main" xmlns:r="http://schemas.openxmlformats.org/officeDocument/2006/relationships" xmlns:p="http://schemas.openxmlformats.org/presentationml/2006/main">
-  <p:cSld>
-    <p:spTree>
-      <p:nvGrpSpPr>
-        <p:cNvPr id="1" name=""/>
-        <p:cNvGrpSpPr/>
-        <p:nvPr/>
-      </p:nvGrpSpPr>
-      <p:grpSpPr>
-        <a:xfrm>
-          <a:off x="0" y="0"/>
-          <a:ext cx="0" cy="0"/>
-          <a:chOff x="0" y="0"/>
-          <a:chExt cx="0" cy="0"/>
-        </a:xfrm>
-      </p:grpSpPr>
-      <p:sp>
-        <p:nvSpPr>
-          <p:cNvPr id="2" name="Title 1"/>
-          <p:cNvSpPr>
-            <a:spLocks noGrp="1"/>
-          </p:cNvSpPr>
-          <p:nvPr>
-            <p:ph type="title"/>
-          </p:nvPr>
-        </p:nvSpPr>
-        <p:spPr/>
-        <p:txBody>
-          <a:bodyPr/>
-          <a:lstStyle/>
-          <a:p>
-            <a:r>
-              <a:rPr lang="en-US" dirty="0"/>
-              <a:t>What are some limitations to inheritance?</a:t>
-            </a:r>
-          </a:p>
-        </p:txBody>
-      </p:sp>
-      <p:sp>
-        <p:nvSpPr>
-          <p:cNvPr id="3" name="Content Placeholder 2"/>
-          <p:cNvSpPr>
-            <a:spLocks noGrp="1"/>
-          </p:cNvSpPr>
-          <p:nvPr>
-            <p:ph idx="1"/>
-          </p:nvPr>
-        </p:nvSpPr>
-        <p:spPr/>
-        <p:txBody>
-          <a:bodyPr/>
-          <a:lstStyle/>
-          <a:p>
-            <a:pPr marL="0" indent="0">
-              <a:buNone/>
-            </a:pPr>
-            <a:endParaRPr lang="en-US" dirty="0"/>
-          </a:p>
-          <a:p>
-            <a:pPr marL="0" indent="0">
-              <a:buNone/>
-            </a:pPr>
-            <a:r>
-              <a:rPr lang="en-US" dirty="0"/>
-              <a:t>Can we inherit code from more than one superclass?</a:t>
-            </a:r>
-          </a:p>
-          <a:p>
-            <a:pPr marL="0" indent="0">
-              <a:buNone/>
-            </a:pPr>
-            <a:endParaRPr lang="en-US" dirty="0"/>
-          </a:p>
-          <a:p>
-            <a:pPr marL="0" indent="0">
-              <a:buNone/>
-            </a:pPr>
-            <a:r>
-              <a:rPr lang="en-US" dirty="0"/>
-              <a:t>Can we have an is-a relationship or polymorphism without giving the subclass access to our code?</a:t>
-            </a:r>
-          </a:p>
-        </p:txBody>
-      </p:sp>
-    </p:spTree>
-    <p:extLst>
-      <p:ext uri="{BB962C8B-B14F-4D97-AF65-F5344CB8AC3E}">
-        <p14:creationId xmlns:p14="http://schemas.microsoft.com/office/powerpoint/2010/main" val="1214770709"/>
       </p:ext>
     </p:extLst>
   </p:cSld>
@@ -30138,14 +30194,12 @@
         </p:nvSpPr>
         <p:spPr/>
         <p:txBody>
-          <a:bodyPr>
-            <a:normAutofit/>
-          </a:bodyPr>
+          <a:bodyPr/>
           <a:lstStyle/>
           <a:p>
             <a:r>
               <a:rPr lang="en-US" dirty="0"/>
-              <a:t>Interfaces</a:t>
+              <a:t>What are some limitations to inheritance?</a:t>
             </a:r>
           </a:p>
         </p:txBody>
@@ -30168,6 +30222,106 @@
             <a:pPr marL="0" indent="0">
               <a:buNone/>
             </a:pPr>
+            <a:endParaRPr lang="en-US" dirty="0"/>
+          </a:p>
+          <a:p>
+            <a:pPr marL="0" indent="0">
+              <a:buNone/>
+            </a:pPr>
+            <a:r>
+              <a:rPr lang="en-US" dirty="0"/>
+              <a:t>Can we inherit code from more than one superclass?</a:t>
+            </a:r>
+          </a:p>
+          <a:p>
+            <a:pPr marL="0" indent="0">
+              <a:buNone/>
+            </a:pPr>
+            <a:endParaRPr lang="en-US" dirty="0"/>
+          </a:p>
+          <a:p>
+            <a:pPr marL="0" indent="0">
+              <a:buNone/>
+            </a:pPr>
+            <a:r>
+              <a:rPr lang="en-US" dirty="0"/>
+              <a:t>Can we have an is-a relationship or polymorphism without giving the subclass access to our code?</a:t>
+            </a:r>
+          </a:p>
+        </p:txBody>
+      </p:sp>
+    </p:spTree>
+    <p:extLst>
+      <p:ext uri="{BB962C8B-B14F-4D97-AF65-F5344CB8AC3E}">
+        <p14:creationId xmlns:p14="http://schemas.microsoft.com/office/powerpoint/2010/main" val="1214770709"/>
+      </p:ext>
+    </p:extLst>
+  </p:cSld>
+  <p:clrMapOvr>
+    <a:masterClrMapping/>
+  </p:clrMapOvr>
+</p:sld>
+</file>
+
+<file path=ppt/slides/slide78.xml><?xml version="1.0" encoding="utf-8"?>
+<p:sld xmlns:a="http://schemas.openxmlformats.org/drawingml/2006/main" xmlns:r="http://schemas.openxmlformats.org/officeDocument/2006/relationships" xmlns:p="http://schemas.openxmlformats.org/presentationml/2006/main">
+  <p:cSld>
+    <p:spTree>
+      <p:nvGrpSpPr>
+        <p:cNvPr id="1" name=""/>
+        <p:cNvGrpSpPr/>
+        <p:nvPr/>
+      </p:nvGrpSpPr>
+      <p:grpSpPr>
+        <a:xfrm>
+          <a:off x="0" y="0"/>
+          <a:ext cx="0" cy="0"/>
+          <a:chOff x="0" y="0"/>
+          <a:chExt cx="0" cy="0"/>
+        </a:xfrm>
+      </p:grpSpPr>
+      <p:sp>
+        <p:nvSpPr>
+          <p:cNvPr id="2" name="Title 1"/>
+          <p:cNvSpPr>
+            <a:spLocks noGrp="1"/>
+          </p:cNvSpPr>
+          <p:nvPr>
+            <p:ph type="title"/>
+          </p:nvPr>
+        </p:nvSpPr>
+        <p:spPr/>
+        <p:txBody>
+          <a:bodyPr>
+            <a:normAutofit/>
+          </a:bodyPr>
+          <a:lstStyle/>
+          <a:p>
+            <a:r>
+              <a:rPr lang="en-US" dirty="0"/>
+              <a:t>Interfaces</a:t>
+            </a:r>
+          </a:p>
+        </p:txBody>
+      </p:sp>
+      <p:sp>
+        <p:nvSpPr>
+          <p:cNvPr id="3" name="Content Placeholder 2"/>
+          <p:cNvSpPr>
+            <a:spLocks noGrp="1"/>
+          </p:cNvSpPr>
+          <p:nvPr>
+            <p:ph idx="1"/>
+          </p:nvPr>
+        </p:nvSpPr>
+        <p:spPr/>
+        <p:txBody>
+          <a:bodyPr/>
+          <a:lstStyle/>
+          <a:p>
+            <a:pPr marL="0" indent="0">
+              <a:buNone/>
+            </a:pPr>
             <a:r>
               <a:rPr lang="en-US" dirty="0"/>
               <a:t>Offer a means to share a common </a:t>
@@ -30244,7 +30398,7 @@
 </p:sld>
 </file>
 
-<file path=ppt/slides/slide78.xml><?xml version="1.0" encoding="utf-8"?>
+<file path=ppt/slides/slide79.xml><?xml version="1.0" encoding="utf-8"?>
 <p:sld xmlns:a="http://schemas.openxmlformats.org/drawingml/2006/main" xmlns:r="http://schemas.openxmlformats.org/officeDocument/2006/relationships" xmlns:p="http://schemas.openxmlformats.org/presentationml/2006/main">
   <p:cSld>
     <p:spTree>
@@ -30323,7 +30477,7 @@
             <a:effectLst/>
             <a:extLst>
               <a:ext uri="{C572A759-6A51-4108-AA02-DFA0A04FC94B}">
-                <ma14:wrappingTextBoxFlag xmlns:lc="http://schemas.openxmlformats.org/drawingml/2006/lockedCanvas" xmlns:ma14="http://schemas.microsoft.com/office/mac/drawingml/2011/main" xmlns:wps="http://schemas.microsoft.com/office/word/2010/wordprocessingShape" xmlns:wne="http://schemas.microsoft.com/office/word/2006/wordml" xmlns:wpi="http://schemas.microsoft.com/office/word/2010/wordprocessingInk" xmlns:wpg="http://schemas.microsoft.com/office/word/2010/wordprocessingGroup" xmlns:w14="http://schemas.microsoft.com/office/word/2010/wordml" xmlns:w="http://schemas.openxmlformats.org/wordprocessingml/2006/main" xmlns:w10="urn:schemas-microsoft-com:office:word" xmlns:wp="http://schemas.openxmlformats.org/drawingml/2006/wordprocessingDrawing" xmlns:wp14="http://schemas.microsoft.com/office/word/2010/wordprocessingDrawing" xmlns:v="urn:schemas-microsoft-com:vml" xmlns:m="http://schemas.openxmlformats.org/officeDocument/2006/math" xmlns:o="urn:schemas-microsoft-com:office:office" xmlns:mv="urn:schemas-microsoft-com:mac:vml" xmlns:mc="http://schemas.openxmlformats.org/markup-compatibility/2006" xmlns:mo="http://schemas.microsoft.com/office/mac/office/2008/main" xmlns:wpc="http://schemas.microsoft.com/office/word/2010/wordprocessingCanvas" xmlns=""/>
+                <ma14:wrappingTextBoxFlag xmlns="" xmlns:wpc="http://schemas.microsoft.com/office/word/2010/wordprocessingCanvas" xmlns:mo="http://schemas.microsoft.com/office/mac/office/2008/main" xmlns:mc="http://schemas.openxmlformats.org/markup-compatibility/2006" xmlns:mv="urn:schemas-microsoft-com:mac:vml" xmlns:o="urn:schemas-microsoft-com:office:office" xmlns:m="http://schemas.openxmlformats.org/officeDocument/2006/math" xmlns:v="urn:schemas-microsoft-com:vml" xmlns:wp14="http://schemas.microsoft.com/office/word/2010/wordprocessingDrawing" xmlns:wp="http://schemas.openxmlformats.org/drawingml/2006/wordprocessingDrawing" xmlns:w10="urn:schemas-microsoft-com:office:word" xmlns:w="http://schemas.openxmlformats.org/wordprocessingml/2006/main" xmlns:w14="http://schemas.microsoft.com/office/word/2010/wordml" xmlns:wpg="http://schemas.microsoft.com/office/word/2010/wordprocessingGroup" xmlns:wpi="http://schemas.microsoft.com/office/word/2010/wordprocessingInk" xmlns:wne="http://schemas.microsoft.com/office/word/2006/wordml" xmlns:wps="http://schemas.microsoft.com/office/word/2010/wordprocessingShape" xmlns:ma14="http://schemas.microsoft.com/office/mac/drawingml/2011/main" xmlns:lc="http://schemas.openxmlformats.org/drawingml/2006/lockedCanvas"/>
               </a:ext>
             </a:extLst>
           </p:spPr>
@@ -30404,7 +30558,7 @@
             <a:effectLst/>
             <a:extLst>
               <a:ext uri="{C572A759-6A51-4108-AA02-DFA0A04FC94B}">
-                <ma14:wrappingTextBoxFlag xmlns:lc="http://schemas.openxmlformats.org/drawingml/2006/lockedCanvas" xmlns:ma14="http://schemas.microsoft.com/office/mac/drawingml/2011/main" xmlns:wps="http://schemas.microsoft.com/office/word/2010/wordprocessingShape" xmlns:wne="http://schemas.microsoft.com/office/word/2006/wordml" xmlns:wpi="http://schemas.microsoft.com/office/word/2010/wordprocessingInk" xmlns:wpg="http://schemas.microsoft.com/office/word/2010/wordprocessingGroup" xmlns:w14="http://schemas.microsoft.com/office/word/2010/wordml" xmlns:w="http://schemas.openxmlformats.org/wordprocessingml/2006/main" xmlns:w10="urn:schemas-microsoft-com:office:word" xmlns:wp="http://schemas.openxmlformats.org/drawingml/2006/wordprocessingDrawing" xmlns:wp14="http://schemas.microsoft.com/office/word/2010/wordprocessingDrawing" xmlns:v="urn:schemas-microsoft-com:vml" xmlns:m="http://schemas.openxmlformats.org/officeDocument/2006/math" xmlns:o="urn:schemas-microsoft-com:office:office" xmlns:mv="urn:schemas-microsoft-com:mac:vml" xmlns:mc="http://schemas.openxmlformats.org/markup-compatibility/2006" xmlns:mo="http://schemas.microsoft.com/office/mac/office/2008/main" xmlns:wpc="http://schemas.microsoft.com/office/word/2010/wordprocessingCanvas" xmlns=""/>
+                <ma14:wrappingTextBoxFlag xmlns="" xmlns:wpc="http://schemas.microsoft.com/office/word/2010/wordprocessingCanvas" xmlns:mo="http://schemas.microsoft.com/office/mac/office/2008/main" xmlns:mc="http://schemas.openxmlformats.org/markup-compatibility/2006" xmlns:mv="urn:schemas-microsoft-com:mac:vml" xmlns:o="urn:schemas-microsoft-com:office:office" xmlns:m="http://schemas.openxmlformats.org/officeDocument/2006/math" xmlns:v="urn:schemas-microsoft-com:vml" xmlns:wp14="http://schemas.microsoft.com/office/word/2010/wordprocessingDrawing" xmlns:wp="http://schemas.openxmlformats.org/drawingml/2006/wordprocessingDrawing" xmlns:w10="urn:schemas-microsoft-com:office:word" xmlns:w="http://schemas.openxmlformats.org/wordprocessingml/2006/main" xmlns:w14="http://schemas.microsoft.com/office/word/2010/wordml" xmlns:wpg="http://schemas.microsoft.com/office/word/2010/wordprocessingGroup" xmlns:wpi="http://schemas.microsoft.com/office/word/2010/wordprocessingInk" xmlns:wne="http://schemas.microsoft.com/office/word/2006/wordml" xmlns:wps="http://schemas.microsoft.com/office/word/2010/wordprocessingShape" xmlns:ma14="http://schemas.microsoft.com/office/mac/drawingml/2011/main" xmlns:lc="http://schemas.openxmlformats.org/drawingml/2006/lockedCanvas"/>
               </a:ext>
             </a:extLst>
           </p:spPr>
@@ -30485,7 +30639,7 @@
             <a:effectLst/>
             <a:extLst>
               <a:ext uri="{C572A759-6A51-4108-AA02-DFA0A04FC94B}">
-                <ma14:wrappingTextBoxFlag xmlns:lc="http://schemas.openxmlformats.org/drawingml/2006/lockedCanvas" xmlns:ma14="http://schemas.microsoft.com/office/mac/drawingml/2011/main" xmlns:wps="http://schemas.microsoft.com/office/word/2010/wordprocessingShape" xmlns:wne="http://schemas.microsoft.com/office/word/2006/wordml" xmlns:wpi="http://schemas.microsoft.com/office/word/2010/wordprocessingInk" xmlns:wpg="http://schemas.microsoft.com/office/word/2010/wordprocessingGroup" xmlns:w14="http://schemas.microsoft.com/office/word/2010/wordml" xmlns:w="http://schemas.openxmlformats.org/wordprocessingml/2006/main" xmlns:w10="urn:schemas-microsoft-com:office:word" xmlns:wp="http://schemas.openxmlformats.org/drawingml/2006/wordprocessingDrawing" xmlns:wp14="http://schemas.microsoft.com/office/word/2010/wordprocessingDrawing" xmlns:v="urn:schemas-microsoft-com:vml" xmlns:m="http://schemas.openxmlformats.org/officeDocument/2006/math" xmlns:o="urn:schemas-microsoft-com:office:office" xmlns:mv="urn:schemas-microsoft-com:mac:vml" xmlns:mc="http://schemas.openxmlformats.org/markup-compatibility/2006" xmlns:mo="http://schemas.microsoft.com/office/mac/office/2008/main" xmlns:wpc="http://schemas.microsoft.com/office/word/2010/wordprocessingCanvas" xmlns=""/>
+                <ma14:wrappingTextBoxFlag xmlns="" xmlns:wpc="http://schemas.microsoft.com/office/word/2010/wordprocessingCanvas" xmlns:mo="http://schemas.microsoft.com/office/mac/office/2008/main" xmlns:mc="http://schemas.openxmlformats.org/markup-compatibility/2006" xmlns:mv="urn:schemas-microsoft-com:mac:vml" xmlns:o="urn:schemas-microsoft-com:office:office" xmlns:m="http://schemas.openxmlformats.org/officeDocument/2006/math" xmlns:v="urn:schemas-microsoft-com:vml" xmlns:wp14="http://schemas.microsoft.com/office/word/2010/wordprocessingDrawing" xmlns:wp="http://schemas.openxmlformats.org/drawingml/2006/wordprocessingDrawing" xmlns:w10="urn:schemas-microsoft-com:office:word" xmlns:w="http://schemas.openxmlformats.org/wordprocessingml/2006/main" xmlns:w14="http://schemas.microsoft.com/office/word/2010/wordml" xmlns:wpg="http://schemas.microsoft.com/office/word/2010/wordprocessingGroup" xmlns:wpi="http://schemas.microsoft.com/office/word/2010/wordprocessingInk" xmlns:wne="http://schemas.microsoft.com/office/word/2006/wordml" xmlns:wps="http://schemas.microsoft.com/office/word/2010/wordprocessingShape" xmlns:ma14="http://schemas.microsoft.com/office/mac/drawingml/2011/main" xmlns:lc="http://schemas.openxmlformats.org/drawingml/2006/lockedCanvas"/>
               </a:ext>
             </a:extLst>
           </p:spPr>
@@ -30566,7 +30720,7 @@
             <a:effectLst/>
             <a:extLst>
               <a:ext uri="{C572A759-6A51-4108-AA02-DFA0A04FC94B}">
-                <ma14:wrappingTextBoxFlag xmlns:lc="http://schemas.openxmlformats.org/drawingml/2006/lockedCanvas" xmlns:ma14="http://schemas.microsoft.com/office/mac/drawingml/2011/main" xmlns:wps="http://schemas.microsoft.com/office/word/2010/wordprocessingShape" xmlns:wne="http://schemas.microsoft.com/office/word/2006/wordml" xmlns:wpi="http://schemas.microsoft.com/office/word/2010/wordprocessingInk" xmlns:wpg="http://schemas.microsoft.com/office/word/2010/wordprocessingGroup" xmlns:w14="http://schemas.microsoft.com/office/word/2010/wordml" xmlns:w="http://schemas.openxmlformats.org/wordprocessingml/2006/main" xmlns:w10="urn:schemas-microsoft-com:office:word" xmlns:wp="http://schemas.openxmlformats.org/drawingml/2006/wordprocessingDrawing" xmlns:wp14="http://schemas.microsoft.com/office/word/2010/wordprocessingDrawing" xmlns:v="urn:schemas-microsoft-com:vml" xmlns:m="http://schemas.openxmlformats.org/officeDocument/2006/math" xmlns:o="urn:schemas-microsoft-com:office:office" xmlns:mv="urn:schemas-microsoft-com:mac:vml" xmlns:mc="http://schemas.openxmlformats.org/markup-compatibility/2006" xmlns:mo="http://schemas.microsoft.com/office/mac/office/2008/main" xmlns:wpc="http://schemas.microsoft.com/office/word/2010/wordprocessingCanvas" xmlns=""/>
+                <ma14:wrappingTextBoxFlag xmlns="" xmlns:wpc="http://schemas.microsoft.com/office/word/2010/wordprocessingCanvas" xmlns:mo="http://schemas.microsoft.com/office/mac/office/2008/main" xmlns:mc="http://schemas.openxmlformats.org/markup-compatibility/2006" xmlns:mv="urn:schemas-microsoft-com:mac:vml" xmlns:o="urn:schemas-microsoft-com:office:office" xmlns:m="http://schemas.openxmlformats.org/officeDocument/2006/math" xmlns:v="urn:schemas-microsoft-com:vml" xmlns:wp14="http://schemas.microsoft.com/office/word/2010/wordprocessingDrawing" xmlns:wp="http://schemas.openxmlformats.org/drawingml/2006/wordprocessingDrawing" xmlns:w10="urn:schemas-microsoft-com:office:word" xmlns:w="http://schemas.openxmlformats.org/wordprocessingml/2006/main" xmlns:w14="http://schemas.microsoft.com/office/word/2010/wordml" xmlns:wpg="http://schemas.microsoft.com/office/word/2010/wordprocessingGroup" xmlns:wpi="http://schemas.microsoft.com/office/word/2010/wordprocessingInk" xmlns:wne="http://schemas.microsoft.com/office/word/2006/wordml" xmlns:wps="http://schemas.microsoft.com/office/word/2010/wordprocessingShape" xmlns:ma14="http://schemas.microsoft.com/office/mac/drawingml/2011/main" xmlns:lc="http://schemas.openxmlformats.org/drawingml/2006/lockedCanvas"/>
               </a:ext>
             </a:extLst>
           </p:spPr>
@@ -30647,7 +30801,7 @@
             <a:effectLst/>
             <a:extLst>
               <a:ext uri="{C572A759-6A51-4108-AA02-DFA0A04FC94B}">
-                <ma14:wrappingTextBoxFlag xmlns:lc="http://schemas.openxmlformats.org/drawingml/2006/lockedCanvas" xmlns:ma14="http://schemas.microsoft.com/office/mac/drawingml/2011/main" xmlns:wps="http://schemas.microsoft.com/office/word/2010/wordprocessingShape" xmlns:wne="http://schemas.microsoft.com/office/word/2006/wordml" xmlns:wpi="http://schemas.microsoft.com/office/word/2010/wordprocessingInk" xmlns:wpg="http://schemas.microsoft.com/office/word/2010/wordprocessingGroup" xmlns:w14="http://schemas.microsoft.com/office/word/2010/wordml" xmlns:w="http://schemas.openxmlformats.org/wordprocessingml/2006/main" xmlns:w10="urn:schemas-microsoft-com:office:word" xmlns:wp="http://schemas.openxmlformats.org/drawingml/2006/wordprocessingDrawing" xmlns:wp14="http://schemas.microsoft.com/office/word/2010/wordprocessingDrawing" xmlns:v="urn:schemas-microsoft-com:vml" xmlns:m="http://schemas.openxmlformats.org/officeDocument/2006/math" xmlns:o="urn:schemas-microsoft-com:office:office" xmlns:mv="urn:schemas-microsoft-com:mac:vml" xmlns:mc="http://schemas.openxmlformats.org/markup-compatibility/2006" xmlns:mo="http://schemas.microsoft.com/office/mac/office/2008/main" xmlns:wpc="http://schemas.microsoft.com/office/word/2010/wordprocessingCanvas" xmlns=""/>
+                <ma14:wrappingTextBoxFlag xmlns="" xmlns:wpc="http://schemas.microsoft.com/office/word/2010/wordprocessingCanvas" xmlns:mo="http://schemas.microsoft.com/office/mac/office/2008/main" xmlns:mc="http://schemas.openxmlformats.org/markup-compatibility/2006" xmlns:mv="urn:schemas-microsoft-com:mac:vml" xmlns:o="urn:schemas-microsoft-com:office:office" xmlns:m="http://schemas.openxmlformats.org/officeDocument/2006/math" xmlns:v="urn:schemas-microsoft-com:vml" xmlns:wp14="http://schemas.microsoft.com/office/word/2010/wordprocessingDrawing" xmlns:wp="http://schemas.openxmlformats.org/drawingml/2006/wordprocessingDrawing" xmlns:w10="urn:schemas-microsoft-com:office:word" xmlns:w="http://schemas.openxmlformats.org/wordprocessingml/2006/main" xmlns:w14="http://schemas.microsoft.com/office/word/2010/wordml" xmlns:wpg="http://schemas.microsoft.com/office/word/2010/wordprocessingGroup" xmlns:wpi="http://schemas.microsoft.com/office/word/2010/wordprocessingInk" xmlns:wne="http://schemas.microsoft.com/office/word/2006/wordml" xmlns:wps="http://schemas.microsoft.com/office/word/2010/wordprocessingShape" xmlns:ma14="http://schemas.microsoft.com/office/mac/drawingml/2011/main" xmlns:lc="http://schemas.openxmlformats.org/drawingml/2006/lockedCanvas"/>
               </a:ext>
             </a:extLst>
           </p:spPr>
@@ -30763,7 +30917,7 @@
             <a:effectLst/>
             <a:extLst>
               <a:ext uri="{C572A759-6A51-4108-AA02-DFA0A04FC94B}">
-                <ma14:wrappingTextBoxFlag xmlns:lc="http://schemas.openxmlformats.org/drawingml/2006/lockedCanvas" xmlns:ma14="http://schemas.microsoft.com/office/mac/drawingml/2011/main" xmlns:wps="http://schemas.microsoft.com/office/word/2010/wordprocessingShape" xmlns:wne="http://schemas.microsoft.com/office/word/2006/wordml" xmlns:wpi="http://schemas.microsoft.com/office/word/2010/wordprocessingInk" xmlns:wpg="http://schemas.microsoft.com/office/word/2010/wordprocessingGroup" xmlns:w14="http://schemas.microsoft.com/office/word/2010/wordml" xmlns:w="http://schemas.openxmlformats.org/wordprocessingml/2006/main" xmlns:w10="urn:schemas-microsoft-com:office:word" xmlns:wp="http://schemas.openxmlformats.org/drawingml/2006/wordprocessingDrawing" xmlns:wp14="http://schemas.microsoft.com/office/word/2010/wordprocessingDrawing" xmlns:v="urn:schemas-microsoft-com:vml" xmlns:m="http://schemas.openxmlformats.org/officeDocument/2006/math" xmlns:o="urn:schemas-microsoft-com:office:office" xmlns:mv="urn:schemas-microsoft-com:mac:vml" xmlns:mc="http://schemas.openxmlformats.org/markup-compatibility/2006" xmlns:mo="http://schemas.microsoft.com/office/mac/office/2008/main" xmlns:wpc="http://schemas.microsoft.com/office/word/2010/wordprocessingCanvas" xmlns=""/>
+                <ma14:wrappingTextBoxFlag xmlns="" xmlns:wpc="http://schemas.microsoft.com/office/word/2010/wordprocessingCanvas" xmlns:mo="http://schemas.microsoft.com/office/mac/office/2008/main" xmlns:mc="http://schemas.openxmlformats.org/markup-compatibility/2006" xmlns:mv="urn:schemas-microsoft-com:mac:vml" xmlns:o="urn:schemas-microsoft-com:office:office" xmlns:m="http://schemas.openxmlformats.org/officeDocument/2006/math" xmlns:v="urn:schemas-microsoft-com:vml" xmlns:wp14="http://schemas.microsoft.com/office/word/2010/wordprocessingDrawing" xmlns:wp="http://schemas.openxmlformats.org/drawingml/2006/wordprocessingDrawing" xmlns:w10="urn:schemas-microsoft-com:office:word" xmlns:w="http://schemas.openxmlformats.org/wordprocessingml/2006/main" xmlns:w14="http://schemas.microsoft.com/office/word/2010/wordml" xmlns:wpg="http://schemas.microsoft.com/office/word/2010/wordprocessingGroup" xmlns:wpi="http://schemas.microsoft.com/office/word/2010/wordprocessingInk" xmlns:wne="http://schemas.microsoft.com/office/word/2006/wordml" xmlns:wps="http://schemas.microsoft.com/office/word/2010/wordprocessingShape" xmlns:ma14="http://schemas.microsoft.com/office/mac/drawingml/2011/main" xmlns:lc="http://schemas.openxmlformats.org/drawingml/2006/lockedCanvas"/>
               </a:ext>
             </a:extLst>
           </p:spPr>
@@ -30879,7 +31033,7 @@
             <a:effectLst/>
             <a:extLst>
               <a:ext uri="{C572A759-6A51-4108-AA02-DFA0A04FC94B}">
-                <ma14:wrappingTextBoxFlag xmlns:lc="http://schemas.openxmlformats.org/drawingml/2006/lockedCanvas" xmlns:ma14="http://schemas.microsoft.com/office/mac/drawingml/2011/main" xmlns:wps="http://schemas.microsoft.com/office/word/2010/wordprocessingShape" xmlns:wne="http://schemas.microsoft.com/office/word/2006/wordml" xmlns:wpi="http://schemas.microsoft.com/office/word/2010/wordprocessingInk" xmlns:wpg="http://schemas.microsoft.com/office/word/2010/wordprocessingGroup" xmlns:w14="http://schemas.microsoft.com/office/word/2010/wordml" xmlns:w="http://schemas.openxmlformats.org/wordprocessingml/2006/main" xmlns:w10="urn:schemas-microsoft-com:office:word" xmlns:wp="http://schemas.openxmlformats.org/drawingml/2006/wordprocessingDrawing" xmlns:wp14="http://schemas.microsoft.com/office/word/2010/wordprocessingDrawing" xmlns:v="urn:schemas-microsoft-com:vml" xmlns:m="http://schemas.openxmlformats.org/officeDocument/2006/math" xmlns:o="urn:schemas-microsoft-com:office:office" xmlns:mv="urn:schemas-microsoft-com:mac:vml" xmlns:mc="http://schemas.openxmlformats.org/markup-compatibility/2006" xmlns:mo="http://schemas.microsoft.com/office/mac/office/2008/main" xmlns:wpc="http://schemas.microsoft.com/office/word/2010/wordprocessingCanvas" xmlns=""/>
+                <ma14:wrappingTextBoxFlag xmlns="" xmlns:wpc="http://schemas.microsoft.com/office/word/2010/wordprocessingCanvas" xmlns:mo="http://schemas.microsoft.com/office/mac/office/2008/main" xmlns:mc="http://schemas.openxmlformats.org/markup-compatibility/2006" xmlns:mv="urn:schemas-microsoft-com:mac:vml" xmlns:o="urn:schemas-microsoft-com:office:office" xmlns:m="http://schemas.openxmlformats.org/officeDocument/2006/math" xmlns:v="urn:schemas-microsoft-com:vml" xmlns:wp14="http://schemas.microsoft.com/office/word/2010/wordprocessingDrawing" xmlns:wp="http://schemas.openxmlformats.org/drawingml/2006/wordprocessingDrawing" xmlns:w10="urn:schemas-microsoft-com:office:word" xmlns:w="http://schemas.openxmlformats.org/wordprocessingml/2006/main" xmlns:w14="http://schemas.microsoft.com/office/word/2010/wordml" xmlns:wpg="http://schemas.microsoft.com/office/word/2010/wordprocessingGroup" xmlns:wpi="http://schemas.microsoft.com/office/word/2010/wordprocessingInk" xmlns:wne="http://schemas.microsoft.com/office/word/2006/wordml" xmlns:wps="http://schemas.microsoft.com/office/word/2010/wordprocessingShape" xmlns:ma14="http://schemas.microsoft.com/office/mac/drawingml/2011/main" xmlns:lc="http://schemas.openxmlformats.org/drawingml/2006/lockedCanvas"/>
               </a:ext>
             </a:extLst>
           </p:spPr>
@@ -31164,371 +31318,6 @@
 </p:sld>
 </file>
 
-<file path=ppt/slides/slide79.xml><?xml version="1.0" encoding="utf-8"?>
-<p:sld xmlns:a="http://schemas.openxmlformats.org/drawingml/2006/main" xmlns:r="http://schemas.openxmlformats.org/officeDocument/2006/relationships" xmlns:p="http://schemas.openxmlformats.org/presentationml/2006/main">
-  <p:cSld>
-    <p:spTree>
-      <p:nvGrpSpPr>
-        <p:cNvPr id="1" name=""/>
-        <p:cNvGrpSpPr/>
-        <p:nvPr/>
-      </p:nvGrpSpPr>
-      <p:grpSpPr>
-        <a:xfrm>
-          <a:off x="0" y="0"/>
-          <a:ext cx="0" cy="0"/>
-          <a:chOff x="0" y="0"/>
-          <a:chExt cx="0" cy="0"/>
-        </a:xfrm>
-      </p:grpSpPr>
-      <p:sp>
-        <p:nvSpPr>
-          <p:cNvPr id="2" name="Title 1"/>
-          <p:cNvSpPr>
-            <a:spLocks noGrp="1"/>
-          </p:cNvSpPr>
-          <p:nvPr>
-            <p:ph type="title"/>
-          </p:nvPr>
-        </p:nvSpPr>
-        <p:spPr/>
-        <p:txBody>
-          <a:bodyPr/>
-          <a:lstStyle/>
-          <a:p>
-            <a:r>
-              <a:rPr lang="en-US" dirty="0"/>
-              <a:t>Declaring Interfaces</a:t>
-            </a:r>
-          </a:p>
-        </p:txBody>
-      </p:sp>
-      <p:sp>
-        <p:nvSpPr>
-          <p:cNvPr id="3" name="Content Placeholder 2"/>
-          <p:cNvSpPr>
-            <a:spLocks noGrp="1"/>
-          </p:cNvSpPr>
-          <p:nvPr>
-            <p:ph idx="1"/>
-          </p:nvPr>
-        </p:nvSpPr>
-        <p:spPr/>
-        <p:txBody>
-          <a:bodyPr>
-            <a:normAutofit fontScale="92500" lnSpcReduction="10000"/>
-          </a:bodyPr>
-          <a:lstStyle/>
-          <a:p>
-            <a:pPr marL="0" indent="0">
-              <a:buNone/>
-            </a:pPr>
-            <a:r>
-              <a:rPr lang="en-US" sz="1400" dirty="0">
-                <a:latin typeface="Courier New" panose="02070309020205020404" pitchFamily="49" charset="0"/>
-                <a:cs typeface="Courier New" panose="02070309020205020404" pitchFamily="49" charset="0"/>
-              </a:rPr>
-              <a:t>public interface Salty{</a:t>
-            </a:r>
-          </a:p>
-          <a:p>
-            <a:pPr marL="0" indent="0">
-              <a:buNone/>
-            </a:pPr>
-            <a:r>
-              <a:rPr lang="en-US" sz="1400" dirty="0">
-                <a:latin typeface="Courier New" panose="02070309020205020404" pitchFamily="49" charset="0"/>
-                <a:cs typeface="Courier New" panose="02070309020205020404" pitchFamily="49" charset="0"/>
-              </a:rPr>
-              <a:t>	double </a:t>
-            </a:r>
-            <a:r>
-              <a:rPr lang="en-US" sz="1400" dirty="0" err="1">
-                <a:latin typeface="Courier New" panose="02070309020205020404" pitchFamily="49" charset="0"/>
-                <a:cs typeface="Courier New" panose="02070309020205020404" pitchFamily="49" charset="0"/>
-              </a:rPr>
-              <a:t>sodiumContent</a:t>
-            </a:r>
-            <a:r>
-              <a:rPr lang="en-US" sz="1400" dirty="0">
-                <a:latin typeface="Courier New" panose="02070309020205020404" pitchFamily="49" charset="0"/>
-                <a:cs typeface="Courier New" panose="02070309020205020404" pitchFamily="49" charset="0"/>
-              </a:rPr>
-              <a:t>();      	</a:t>
-            </a:r>
-            <a:r>
-              <a:rPr lang="en-US" sz="1400" dirty="0">
-                <a:latin typeface="Courier New" panose="02070309020205020404" pitchFamily="49" charset="0"/>
-                <a:cs typeface="Courier New" panose="02070309020205020404" pitchFamily="49" charset="0"/>
-                <a:sym typeface="Wingdings" panose="05000000000000000000" pitchFamily="2" charset="2"/>
-              </a:rPr>
-              <a:t></a:t>
-            </a:r>
-            <a:r>
-              <a:rPr lang="en-US" sz="1400" dirty="0">
-                <a:latin typeface="Courier New" panose="02070309020205020404" pitchFamily="49" charset="0"/>
-                <a:cs typeface="Courier New" panose="02070309020205020404" pitchFamily="49" charset="0"/>
-              </a:rPr>
-              <a:t>this is a promise to implement the </a:t>
-            </a:r>
-            <a:r>
-              <a:rPr lang="en-US" sz="1400" dirty="0" err="1">
-                <a:latin typeface="Courier New" panose="02070309020205020404" pitchFamily="49" charset="0"/>
-                <a:cs typeface="Courier New" panose="02070309020205020404" pitchFamily="49" charset="0"/>
-              </a:rPr>
-              <a:t>sodiumContent</a:t>
-            </a:r>
-            <a:r>
-              <a:rPr lang="en-US" sz="1400" dirty="0">
-                <a:latin typeface="Courier New" panose="02070309020205020404" pitchFamily="49" charset="0"/>
-                <a:cs typeface="Courier New" panose="02070309020205020404" pitchFamily="49" charset="0"/>
-              </a:rPr>
-              <a:t> </a:t>
-            </a:r>
-          </a:p>
-          <a:p>
-            <a:pPr marL="0" indent="0">
-              <a:buNone/>
-            </a:pPr>
-            <a:r>
-              <a:rPr lang="en-US" sz="1400" dirty="0">
-                <a:latin typeface="Courier New" panose="02070309020205020404" pitchFamily="49" charset="0"/>
-                <a:cs typeface="Courier New" panose="02070309020205020404" pitchFamily="49" charset="0"/>
-              </a:rPr>
-              <a:t>}				 	in the class that implements the Salty interface.</a:t>
-            </a:r>
-          </a:p>
-          <a:p>
-            <a:pPr marL="0" indent="0">
-              <a:buNone/>
-            </a:pPr>
-            <a:r>
-              <a:rPr lang="en-US" sz="1400" dirty="0">
-                <a:latin typeface="Courier New" panose="02070309020205020404" pitchFamily="49" charset="0"/>
-                <a:cs typeface="Courier New" panose="02070309020205020404" pitchFamily="49" charset="0"/>
-              </a:rPr>
-              <a:t> </a:t>
-            </a:r>
-          </a:p>
-          <a:p>
-            <a:pPr marL="0" indent="0">
-              <a:buNone/>
-            </a:pPr>
-            <a:r>
-              <a:rPr lang="en-US" sz="1400" dirty="0">
-                <a:latin typeface="Courier New" panose="02070309020205020404" pitchFamily="49" charset="0"/>
-                <a:cs typeface="Courier New" panose="02070309020205020404" pitchFamily="49" charset="0"/>
-              </a:rPr>
-              <a:t>public interface Aromatic{</a:t>
-            </a:r>
-          </a:p>
-          <a:p>
-            <a:pPr marL="0" indent="0">
-              <a:buNone/>
-            </a:pPr>
-            <a:r>
-              <a:rPr lang="en-US" sz="1400" dirty="0">
-                <a:latin typeface="Courier New" panose="02070309020205020404" pitchFamily="49" charset="0"/>
-                <a:cs typeface="Courier New" panose="02070309020205020404" pitchFamily="49" charset="0"/>
-              </a:rPr>
-              <a:t>	String </a:t>
-            </a:r>
-            <a:r>
-              <a:rPr lang="en-US" sz="1400" dirty="0" err="1">
-                <a:latin typeface="Courier New" panose="02070309020205020404" pitchFamily="49" charset="0"/>
-                <a:cs typeface="Courier New" panose="02070309020205020404" pitchFamily="49" charset="0"/>
-              </a:rPr>
-              <a:t>describeAroma</a:t>
-            </a:r>
-            <a:r>
-              <a:rPr lang="en-US" sz="1400" dirty="0">
-                <a:latin typeface="Courier New" panose="02070309020205020404" pitchFamily="49" charset="0"/>
-                <a:cs typeface="Courier New" panose="02070309020205020404" pitchFamily="49" charset="0"/>
-              </a:rPr>
-              <a:t>();  		</a:t>
-            </a:r>
-            <a:r>
-              <a:rPr lang="en-US" sz="1400" dirty="0">
-                <a:latin typeface="Courier New" panose="02070309020205020404" pitchFamily="49" charset="0"/>
-                <a:cs typeface="Courier New" panose="02070309020205020404" pitchFamily="49" charset="0"/>
-                <a:sym typeface="Wingdings" panose="05000000000000000000" pitchFamily="2" charset="2"/>
-              </a:rPr>
-              <a:t></a:t>
-            </a:r>
-            <a:r>
-              <a:rPr lang="en-US" sz="1400" dirty="0">
-                <a:latin typeface="Courier New" panose="02070309020205020404" pitchFamily="49" charset="0"/>
-                <a:cs typeface="Courier New" panose="02070309020205020404" pitchFamily="49" charset="0"/>
-              </a:rPr>
-              <a:t> Notice the lack of “public”! Public is </a:t>
-            </a:r>
-            <a:r>
-              <a:rPr lang="en-US" sz="1400" i="1" dirty="0">
-                <a:latin typeface="Courier New" panose="02070309020205020404" pitchFamily="49" charset="0"/>
-                <a:cs typeface="Courier New" panose="02070309020205020404" pitchFamily="49" charset="0"/>
-              </a:rPr>
-              <a:t>assumed</a:t>
-            </a:r>
-            <a:r>
-              <a:rPr lang="en-US" sz="1400" dirty="0">
-                <a:latin typeface="Courier New" panose="02070309020205020404" pitchFamily="49" charset="0"/>
-                <a:cs typeface="Courier New" panose="02070309020205020404" pitchFamily="49" charset="0"/>
-              </a:rPr>
-              <a:t>.</a:t>
-            </a:r>
-          </a:p>
-          <a:p>
-            <a:pPr marL="0" indent="0">
-              <a:buNone/>
-            </a:pPr>
-            <a:r>
-              <a:rPr lang="en-US" sz="1400" dirty="0">
-                <a:latin typeface="Courier New" panose="02070309020205020404" pitchFamily="49" charset="0"/>
-                <a:cs typeface="Courier New" panose="02070309020205020404" pitchFamily="49" charset="0"/>
-              </a:rPr>
-              <a:t>}</a:t>
-            </a:r>
-          </a:p>
-          <a:p>
-            <a:pPr marL="0" indent="0">
-              <a:buNone/>
-            </a:pPr>
-            <a:r>
-              <a:rPr lang="en-US" sz="1400" dirty="0">
-                <a:latin typeface="Courier New" panose="02070309020205020404" pitchFamily="49" charset="0"/>
-                <a:cs typeface="Courier New" panose="02070309020205020404" pitchFamily="49" charset="0"/>
-              </a:rPr>
-              <a:t> </a:t>
-            </a:r>
-          </a:p>
-          <a:p>
-            <a:pPr marL="0" indent="0">
-              <a:buNone/>
-            </a:pPr>
-            <a:r>
-              <a:rPr lang="en-US" sz="1400" dirty="0">
-                <a:latin typeface="Courier New" panose="02070309020205020404" pitchFamily="49" charset="0"/>
-                <a:cs typeface="Courier New" panose="02070309020205020404" pitchFamily="49" charset="0"/>
-              </a:rPr>
-              <a:t>public interface Greasy{</a:t>
-            </a:r>
-          </a:p>
-          <a:p>
-            <a:pPr marL="0" indent="0">
-              <a:buNone/>
-            </a:pPr>
-            <a:r>
-              <a:rPr lang="en-US" sz="1400" dirty="0">
-                <a:latin typeface="Courier New" panose="02070309020205020404" pitchFamily="49" charset="0"/>
-                <a:cs typeface="Courier New" panose="02070309020205020404" pitchFamily="49" charset="0"/>
-              </a:rPr>
-              <a:t>	double </a:t>
-            </a:r>
-            <a:r>
-              <a:rPr lang="en-US" sz="1400" dirty="0" err="1">
-                <a:latin typeface="Courier New" panose="02070309020205020404" pitchFamily="49" charset="0"/>
-                <a:cs typeface="Courier New" panose="02070309020205020404" pitchFamily="49" charset="0"/>
-              </a:rPr>
-              <a:t>amountOfGreaseInMg</a:t>
-            </a:r>
-            <a:r>
-              <a:rPr lang="en-US" sz="1400" dirty="0">
-                <a:latin typeface="Courier New" panose="02070309020205020404" pitchFamily="49" charset="0"/>
-                <a:cs typeface="Courier New" panose="02070309020205020404" pitchFamily="49" charset="0"/>
-              </a:rPr>
-              <a:t>();   	</a:t>
-            </a:r>
-            <a:r>
-              <a:rPr lang="en-US" sz="1400" dirty="0">
-                <a:latin typeface="Courier New" panose="02070309020205020404" pitchFamily="49" charset="0"/>
-                <a:cs typeface="Courier New" panose="02070309020205020404" pitchFamily="49" charset="0"/>
-                <a:sym typeface="Wingdings" panose="05000000000000000000" pitchFamily="2" charset="2"/>
-              </a:rPr>
-              <a:t></a:t>
-            </a:r>
-            <a:r>
-              <a:rPr lang="en-US" sz="1400" dirty="0">
-                <a:latin typeface="Courier New" panose="02070309020205020404" pitchFamily="49" charset="0"/>
-                <a:cs typeface="Courier New" panose="02070309020205020404" pitchFamily="49" charset="0"/>
-              </a:rPr>
-              <a:t>point out that interfaces look just like classes</a:t>
-            </a:r>
-          </a:p>
-          <a:p>
-            <a:pPr marL="0" indent="0">
-              <a:buNone/>
-            </a:pPr>
-            <a:r>
-              <a:rPr lang="en-US" sz="1400" dirty="0">
-                <a:latin typeface="Courier New" panose="02070309020205020404" pitchFamily="49" charset="0"/>
-                <a:cs typeface="Courier New" panose="02070309020205020404" pitchFamily="49" charset="0"/>
-              </a:rPr>
-              <a:t>}					but without fields or method bodies</a:t>
-            </a:r>
-          </a:p>
-          <a:p>
-            <a:pPr marL="0" indent="0">
-              <a:buNone/>
-            </a:pPr>
-            <a:r>
-              <a:rPr lang="en-US" sz="1400" dirty="0">
-                <a:latin typeface="Courier New" panose="02070309020205020404" pitchFamily="49" charset="0"/>
-                <a:cs typeface="Courier New" panose="02070309020205020404" pitchFamily="49" charset="0"/>
-              </a:rPr>
-              <a:t> </a:t>
-            </a:r>
-          </a:p>
-          <a:p>
-            <a:pPr marL="0" indent="0">
-              <a:buNone/>
-            </a:pPr>
-            <a:r>
-              <a:rPr lang="en-US" sz="1400" dirty="0">
-                <a:latin typeface="Courier New" panose="02070309020205020404" pitchFamily="49" charset="0"/>
-                <a:cs typeface="Courier New" panose="02070309020205020404" pitchFamily="49" charset="0"/>
-              </a:rPr>
-              <a:t>public interface Edible{</a:t>
-            </a:r>
-          </a:p>
-          <a:p>
-            <a:pPr marL="0" indent="0">
-              <a:buNone/>
-            </a:pPr>
-            <a:r>
-              <a:rPr lang="en-US" sz="1400" dirty="0">
-                <a:latin typeface="Courier New" panose="02070309020205020404" pitchFamily="49" charset="0"/>
-                <a:cs typeface="Courier New" panose="02070309020205020404" pitchFamily="49" charset="0"/>
-              </a:rPr>
-              <a:t>	double calories();</a:t>
-            </a:r>
-          </a:p>
-          <a:p>
-            <a:pPr marL="0" indent="0">
-              <a:buNone/>
-            </a:pPr>
-            <a:r>
-              <a:rPr lang="en-US" sz="1400" dirty="0">
-                <a:latin typeface="Courier New" panose="02070309020205020404" pitchFamily="49" charset="0"/>
-                <a:cs typeface="Courier New" panose="02070309020205020404" pitchFamily="49" charset="0"/>
-              </a:rPr>
-              <a:t>}</a:t>
-            </a:r>
-          </a:p>
-        </p:txBody>
-      </p:sp>
-    </p:spTree>
-    <p:extLst>
-      <p:ext uri="{BB962C8B-B14F-4D97-AF65-F5344CB8AC3E}">
-        <p14:creationId xmlns:p14="http://schemas.microsoft.com/office/powerpoint/2010/main" val="3474555343"/>
-      </p:ext>
-    </p:extLst>
-  </p:cSld>
-  <p:clrMapOvr>
-    <a:masterClrMapping/>
-  </p:clrMapOvr>
-</p:sld>
-</file>
-
 <file path=ppt/slides/slide8.xml><?xml version="1.0" encoding="utf-8"?>
 <p:sld xmlns:a="http://schemas.openxmlformats.org/drawingml/2006/main" xmlns:r="http://schemas.openxmlformats.org/officeDocument/2006/relationships" xmlns:p="http://schemas.openxmlformats.org/presentationml/2006/main">
   <p:cSld>
@@ -31617,7 +31406,7 @@
           <a:p>
             <a:r>
               <a:rPr lang="en-US" dirty="0"/>
-              <a:t>Implementing Interfaces</a:t>
+              <a:t>Declaring Interfaces</a:t>
             </a:r>
           </a:p>
         </p:txBody>
@@ -31632,15 +31421,10 @@
             <p:ph idx="1"/>
           </p:nvPr>
         </p:nvSpPr>
-        <p:spPr>
-          <a:xfrm>
-            <a:off x="838199" y="1825625"/>
-            <a:ext cx="10660529" cy="4351338"/>
-          </a:xfrm>
-        </p:spPr>
+        <p:spPr/>
         <p:txBody>
           <a:bodyPr>
-            <a:normAutofit/>
+            <a:normAutofit fontScale="92500" lnSpcReduction="10000"/>
           </a:bodyPr>
           <a:lstStyle/>
           <a:p>
@@ -31648,11 +31432,11 @@
               <a:buNone/>
             </a:pPr>
             <a:r>
-              <a:rPr lang="en-US" sz="1800" dirty="0">
-                <a:latin typeface="Courier New" panose="02070309020205020404" pitchFamily="49" charset="0"/>
-                <a:cs typeface="Courier New" panose="02070309020205020404" pitchFamily="49" charset="0"/>
-              </a:rPr>
-              <a:t>public class Bacon extends Pork implements Salty, Aromatic, Greasy, Edible {</a:t>
+              <a:rPr lang="en-US" sz="1400" dirty="0">
+                <a:latin typeface="Courier New" panose="02070309020205020404" pitchFamily="49" charset="0"/>
+                <a:cs typeface="Courier New" panose="02070309020205020404" pitchFamily="49" charset="0"/>
+              </a:rPr>
+              <a:t>public interface Salty{</a:t>
             </a:r>
           </a:p>
           <a:p>
@@ -31660,46 +31444,78 @@
               <a:buNone/>
             </a:pPr>
             <a:r>
-              <a:rPr lang="en-US" sz="1800" dirty="0">
-                <a:latin typeface="Courier New" panose="02070309020205020404" pitchFamily="49" charset="0"/>
-                <a:cs typeface="Courier New" panose="02070309020205020404" pitchFamily="49" charset="0"/>
-              </a:rPr>
-              <a:t>	private double </a:t>
-            </a:r>
-            <a:r>
-              <a:rPr lang="en-US" sz="1800" dirty="0" err="1">
-                <a:latin typeface="Courier New" panose="02070309020205020404" pitchFamily="49" charset="0"/>
-                <a:cs typeface="Courier New" panose="02070309020205020404" pitchFamily="49" charset="0"/>
-              </a:rPr>
-              <a:t>amountInKg</a:t>
-            </a:r>
-            <a:r>
-              <a:rPr lang="en-US" sz="1800" dirty="0">
-                <a:latin typeface="Courier New" panose="02070309020205020404" pitchFamily="49" charset="0"/>
-                <a:cs typeface="Courier New" panose="02070309020205020404" pitchFamily="49" charset="0"/>
-              </a:rPr>
-              <a:t>;</a:t>
+              <a:rPr lang="en-US" sz="1400" dirty="0">
+                <a:latin typeface="Courier New" panose="02070309020205020404" pitchFamily="49" charset="0"/>
+                <a:cs typeface="Courier New" panose="02070309020205020404" pitchFamily="49" charset="0"/>
+              </a:rPr>
+              <a:t>	double </a:t>
+            </a:r>
+            <a:r>
+              <a:rPr lang="en-US" sz="1400" dirty="0" err="1">
+                <a:latin typeface="Courier New" panose="02070309020205020404" pitchFamily="49" charset="0"/>
+                <a:cs typeface="Courier New" panose="02070309020205020404" pitchFamily="49" charset="0"/>
+              </a:rPr>
+              <a:t>sodiumContent</a:t>
+            </a:r>
+            <a:r>
+              <a:rPr lang="en-US" sz="1400" dirty="0">
+                <a:latin typeface="Courier New" panose="02070309020205020404" pitchFamily="49" charset="0"/>
+                <a:cs typeface="Courier New" panose="02070309020205020404" pitchFamily="49" charset="0"/>
+              </a:rPr>
+              <a:t>();      	</a:t>
+            </a:r>
+            <a:r>
+              <a:rPr lang="en-US" sz="1400" dirty="0">
+                <a:latin typeface="Courier New" panose="02070309020205020404" pitchFamily="49" charset="0"/>
+                <a:cs typeface="Courier New" panose="02070309020205020404" pitchFamily="49" charset="0"/>
+                <a:sym typeface="Wingdings" panose="05000000000000000000" pitchFamily="2" charset="2"/>
+              </a:rPr>
+              <a:t></a:t>
+            </a:r>
+            <a:r>
+              <a:rPr lang="en-US" sz="1400" dirty="0">
+                <a:latin typeface="Courier New" panose="02070309020205020404" pitchFamily="49" charset="0"/>
+                <a:cs typeface="Courier New" panose="02070309020205020404" pitchFamily="49" charset="0"/>
+              </a:rPr>
+              <a:t>this is a promise to implement the </a:t>
+            </a:r>
+            <a:r>
+              <a:rPr lang="en-US" sz="1400" dirty="0" err="1">
+                <a:latin typeface="Courier New" panose="02070309020205020404" pitchFamily="49" charset="0"/>
+                <a:cs typeface="Courier New" panose="02070309020205020404" pitchFamily="49" charset="0"/>
+              </a:rPr>
+              <a:t>sodiumContent</a:t>
+            </a:r>
+            <a:r>
+              <a:rPr lang="en-US" sz="1400" dirty="0">
+                <a:latin typeface="Courier New" panose="02070309020205020404" pitchFamily="49" charset="0"/>
+                <a:cs typeface="Courier New" panose="02070309020205020404" pitchFamily="49" charset="0"/>
+              </a:rPr>
+              <a:t> </a:t>
             </a:r>
           </a:p>
           <a:p>
             <a:pPr marL="0" indent="0">
               <a:buNone/>
             </a:pPr>
-            <a:endParaRPr lang="en-US" sz="1800" dirty="0">
-              <a:latin typeface="Courier New" panose="02070309020205020404" pitchFamily="49" charset="0"/>
-              <a:cs typeface="Courier New" panose="02070309020205020404" pitchFamily="49" charset="0"/>
-            </a:endParaRPr>
+            <a:r>
+              <a:rPr lang="en-US" sz="1400" dirty="0">
+                <a:latin typeface="Courier New" panose="02070309020205020404" pitchFamily="49" charset="0"/>
+                <a:cs typeface="Courier New" panose="02070309020205020404" pitchFamily="49" charset="0"/>
+              </a:rPr>
+              <a:t>}				 	in the class that implements the Salty interface.</a:t>
+            </a:r>
           </a:p>
           <a:p>
             <a:pPr marL="0" indent="0">
               <a:buNone/>
             </a:pPr>
             <a:r>
-              <a:rPr lang="en-US" sz="1800" dirty="0">
-                <a:latin typeface="Courier New" panose="02070309020205020404" pitchFamily="49" charset="0"/>
-                <a:cs typeface="Courier New" panose="02070309020205020404" pitchFamily="49" charset="0"/>
-              </a:rPr>
-              <a:t>	public Bacon(double amount){</a:t>
+              <a:rPr lang="en-US" sz="1400" dirty="0">
+                <a:latin typeface="Courier New" panose="02070309020205020404" pitchFamily="49" charset="0"/>
+                <a:cs typeface="Courier New" panose="02070309020205020404" pitchFamily="49" charset="0"/>
+              </a:rPr>
+              <a:t> </a:t>
             </a:r>
           </a:p>
           <a:p>
@@ -31707,25 +31523,11 @@
               <a:buNone/>
             </a:pPr>
             <a:r>
-              <a:rPr lang="en-US" sz="1800" dirty="0">
-                <a:latin typeface="Courier New" panose="02070309020205020404" pitchFamily="49" charset="0"/>
-                <a:cs typeface="Courier New" panose="02070309020205020404" pitchFamily="49" charset="0"/>
-              </a:rPr>
-              <a:t>		</a:t>
-            </a:r>
-            <a:r>
-              <a:rPr lang="en-US" sz="1800" dirty="0" err="1">
-                <a:latin typeface="Courier New" panose="02070309020205020404" pitchFamily="49" charset="0"/>
-                <a:cs typeface="Courier New" panose="02070309020205020404" pitchFamily="49" charset="0"/>
-              </a:rPr>
-              <a:t>amountInKg</a:t>
-            </a:r>
-            <a:r>
-              <a:rPr lang="en-US" sz="1800" dirty="0">
-                <a:latin typeface="Courier New" panose="02070309020205020404" pitchFamily="49" charset="0"/>
-                <a:cs typeface="Courier New" panose="02070309020205020404" pitchFamily="49" charset="0"/>
-              </a:rPr>
-              <a:t> = amount;</a:t>
+              <a:rPr lang="en-US" sz="1400" dirty="0">
+                <a:latin typeface="Courier New" panose="02070309020205020404" pitchFamily="49" charset="0"/>
+                <a:cs typeface="Courier New" panose="02070309020205020404" pitchFamily="49" charset="0"/>
+              </a:rPr>
+              <a:t>public interface Aromatic{</a:t>
             </a:r>
           </a:p>
           <a:p>
@@ -31733,32 +31535,78 @@
               <a:buNone/>
             </a:pPr>
             <a:r>
-              <a:rPr lang="en-US" sz="1800" dirty="0">
-                <a:latin typeface="Courier New" panose="02070309020205020404" pitchFamily="49" charset="0"/>
-                <a:cs typeface="Courier New" panose="02070309020205020404" pitchFamily="49" charset="0"/>
-              </a:rPr>
-              <a:t>	}</a:t>
+              <a:rPr lang="en-US" sz="1400" dirty="0">
+                <a:latin typeface="Courier New" panose="02070309020205020404" pitchFamily="49" charset="0"/>
+                <a:cs typeface="Courier New" panose="02070309020205020404" pitchFamily="49" charset="0"/>
+              </a:rPr>
+              <a:t>	String </a:t>
+            </a:r>
+            <a:r>
+              <a:rPr lang="en-US" sz="1400" dirty="0" err="1">
+                <a:latin typeface="Courier New" panose="02070309020205020404" pitchFamily="49" charset="0"/>
+                <a:cs typeface="Courier New" panose="02070309020205020404" pitchFamily="49" charset="0"/>
+              </a:rPr>
+              <a:t>describeAroma</a:t>
+            </a:r>
+            <a:r>
+              <a:rPr lang="en-US" sz="1400" dirty="0">
+                <a:latin typeface="Courier New" panose="02070309020205020404" pitchFamily="49" charset="0"/>
+                <a:cs typeface="Courier New" panose="02070309020205020404" pitchFamily="49" charset="0"/>
+              </a:rPr>
+              <a:t>();  		</a:t>
+            </a:r>
+            <a:r>
+              <a:rPr lang="en-US" sz="1400" dirty="0">
+                <a:latin typeface="Courier New" panose="02070309020205020404" pitchFamily="49" charset="0"/>
+                <a:cs typeface="Courier New" panose="02070309020205020404" pitchFamily="49" charset="0"/>
+                <a:sym typeface="Wingdings" panose="05000000000000000000" pitchFamily="2" charset="2"/>
+              </a:rPr>
+              <a:t></a:t>
+            </a:r>
+            <a:r>
+              <a:rPr lang="en-US" sz="1400" dirty="0">
+                <a:latin typeface="Courier New" panose="02070309020205020404" pitchFamily="49" charset="0"/>
+                <a:cs typeface="Courier New" panose="02070309020205020404" pitchFamily="49" charset="0"/>
+              </a:rPr>
+              <a:t> Notice the lack of “public”! Public is </a:t>
+            </a:r>
+            <a:r>
+              <a:rPr lang="en-US" sz="1400" i="1" dirty="0">
+                <a:latin typeface="Courier New" panose="02070309020205020404" pitchFamily="49" charset="0"/>
+                <a:cs typeface="Courier New" panose="02070309020205020404" pitchFamily="49" charset="0"/>
+              </a:rPr>
+              <a:t>assumed</a:t>
+            </a:r>
+            <a:r>
+              <a:rPr lang="en-US" sz="1400" dirty="0">
+                <a:latin typeface="Courier New" panose="02070309020205020404" pitchFamily="49" charset="0"/>
+                <a:cs typeface="Courier New" panose="02070309020205020404" pitchFamily="49" charset="0"/>
+              </a:rPr>
+              <a:t>.</a:t>
             </a:r>
           </a:p>
           <a:p>
             <a:pPr marL="0" indent="0">
               <a:buNone/>
             </a:pPr>
-            <a:endParaRPr lang="en-US" sz="1800" dirty="0">
-              <a:latin typeface="Courier New" panose="02070309020205020404" pitchFamily="49" charset="0"/>
-              <a:cs typeface="Courier New" panose="02070309020205020404" pitchFamily="49" charset="0"/>
-            </a:endParaRPr>
+            <a:r>
+              <a:rPr lang="en-US" sz="1400" dirty="0">
+                <a:latin typeface="Courier New" panose="02070309020205020404" pitchFamily="49" charset="0"/>
+                <a:cs typeface="Courier New" panose="02070309020205020404" pitchFamily="49" charset="0"/>
+              </a:rPr>
+              <a:t>}</a:t>
+            </a:r>
           </a:p>
           <a:p>
             <a:pPr marL="0" indent="0">
               <a:buNone/>
             </a:pPr>
             <a:r>
-              <a:rPr lang="en-US" sz="1800" dirty="0">
-                <a:latin typeface="Courier New" panose="02070309020205020404" pitchFamily="49" charset="0"/>
-                <a:cs typeface="Courier New" panose="02070309020205020404" pitchFamily="49" charset="0"/>
-              </a:rPr>
-              <a:t> 	public double calories(){</a:t>
+              <a:rPr lang="en-US" sz="1400" dirty="0">
+                <a:latin typeface="Courier New" panose="02070309020205020404" pitchFamily="49" charset="0"/>
+                <a:cs typeface="Courier New" panose="02070309020205020404" pitchFamily="49" charset="0"/>
+              </a:rPr>
+              <a:t> </a:t>
             </a:r>
           </a:p>
           <a:p>
@@ -31766,25 +31614,11 @@
               <a:buNone/>
             </a:pPr>
             <a:r>
-              <a:rPr lang="en-US" sz="1800" dirty="0">
-                <a:latin typeface="Courier New" panose="02070309020205020404" pitchFamily="49" charset="0"/>
-                <a:cs typeface="Courier New" panose="02070309020205020404" pitchFamily="49" charset="0"/>
-              </a:rPr>
-              <a:t>		return </a:t>
-            </a:r>
-            <a:r>
-              <a:rPr lang="en-US" sz="1800" dirty="0" err="1">
-                <a:latin typeface="Courier New" panose="02070309020205020404" pitchFamily="49" charset="0"/>
-                <a:cs typeface="Courier New" panose="02070309020205020404" pitchFamily="49" charset="0"/>
-              </a:rPr>
-              <a:t>amountInKg</a:t>
-            </a:r>
-            <a:r>
-              <a:rPr lang="en-US" sz="1800" dirty="0">
-                <a:latin typeface="Courier New" panose="02070309020205020404" pitchFamily="49" charset="0"/>
-                <a:cs typeface="Courier New" panose="02070309020205020404" pitchFamily="49" charset="0"/>
-              </a:rPr>
-              <a:t> * CALORIES_PER_KG_OF_BACON;</a:t>
+              <a:rPr lang="en-US" sz="1400" dirty="0">
+                <a:latin typeface="Courier New" panose="02070309020205020404" pitchFamily="49" charset="0"/>
+                <a:cs typeface="Courier New" panose="02070309020205020404" pitchFamily="49" charset="0"/>
+              </a:rPr>
+              <a:t>public interface Greasy{</a:t>
             </a:r>
           </a:p>
           <a:p>
@@ -31792,11 +31626,40 @@
               <a:buNone/>
             </a:pPr>
             <a:r>
-              <a:rPr lang="en-US" sz="1800" dirty="0">
-                <a:latin typeface="Courier New" panose="02070309020205020404" pitchFamily="49" charset="0"/>
-                <a:cs typeface="Courier New" panose="02070309020205020404" pitchFamily="49" charset="0"/>
-              </a:rPr>
-              <a:t>	}</a:t>
+              <a:rPr lang="en-US" sz="1400" dirty="0">
+                <a:latin typeface="Courier New" panose="02070309020205020404" pitchFamily="49" charset="0"/>
+                <a:cs typeface="Courier New" panose="02070309020205020404" pitchFamily="49" charset="0"/>
+              </a:rPr>
+              <a:t>	double </a:t>
+            </a:r>
+            <a:r>
+              <a:rPr lang="en-US" sz="1400" dirty="0" err="1">
+                <a:latin typeface="Courier New" panose="02070309020205020404" pitchFamily="49" charset="0"/>
+                <a:cs typeface="Courier New" panose="02070309020205020404" pitchFamily="49" charset="0"/>
+              </a:rPr>
+              <a:t>amountOfGreaseInMg</a:t>
+            </a:r>
+            <a:r>
+              <a:rPr lang="en-US" sz="1400" dirty="0">
+                <a:latin typeface="Courier New" panose="02070309020205020404" pitchFamily="49" charset="0"/>
+                <a:cs typeface="Courier New" panose="02070309020205020404" pitchFamily="49" charset="0"/>
+              </a:rPr>
+              <a:t>();   	</a:t>
+            </a:r>
+            <a:r>
+              <a:rPr lang="en-US" sz="1400" dirty="0">
+                <a:latin typeface="Courier New" panose="02070309020205020404" pitchFamily="49" charset="0"/>
+                <a:cs typeface="Courier New" panose="02070309020205020404" pitchFamily="49" charset="0"/>
+                <a:sym typeface="Wingdings" panose="05000000000000000000" pitchFamily="2" charset="2"/>
+              </a:rPr>
+              <a:t></a:t>
+            </a:r>
+            <a:r>
+              <a:rPr lang="en-US" sz="1400" dirty="0">
+                <a:latin typeface="Courier New" panose="02070309020205020404" pitchFamily="49" charset="0"/>
+                <a:cs typeface="Courier New" panose="02070309020205020404" pitchFamily="49" charset="0"/>
+              </a:rPr>
+              <a:t>point out that interfaces look just like classes</a:t>
             </a:r>
           </a:p>
           <a:p>
@@ -31804,7 +31667,55 @@
               <a:buNone/>
             </a:pPr>
             <a:r>
-              <a:rPr lang="en-US" sz="1800" dirty="0">
+              <a:rPr lang="en-US" sz="1400" dirty="0">
+                <a:latin typeface="Courier New" panose="02070309020205020404" pitchFamily="49" charset="0"/>
+                <a:cs typeface="Courier New" panose="02070309020205020404" pitchFamily="49" charset="0"/>
+              </a:rPr>
+              <a:t>}					but without fields or method bodies</a:t>
+            </a:r>
+          </a:p>
+          <a:p>
+            <a:pPr marL="0" indent="0">
+              <a:buNone/>
+            </a:pPr>
+            <a:r>
+              <a:rPr lang="en-US" sz="1400" dirty="0">
+                <a:latin typeface="Courier New" panose="02070309020205020404" pitchFamily="49" charset="0"/>
+                <a:cs typeface="Courier New" panose="02070309020205020404" pitchFamily="49" charset="0"/>
+              </a:rPr>
+              <a:t> </a:t>
+            </a:r>
+          </a:p>
+          <a:p>
+            <a:pPr marL="0" indent="0">
+              <a:buNone/>
+            </a:pPr>
+            <a:r>
+              <a:rPr lang="en-US" sz="1400" dirty="0">
+                <a:latin typeface="Courier New" panose="02070309020205020404" pitchFamily="49" charset="0"/>
+                <a:cs typeface="Courier New" panose="02070309020205020404" pitchFamily="49" charset="0"/>
+              </a:rPr>
+              <a:t>public interface Edible{</a:t>
+            </a:r>
+          </a:p>
+          <a:p>
+            <a:pPr marL="0" indent="0">
+              <a:buNone/>
+            </a:pPr>
+            <a:r>
+              <a:rPr lang="en-US" sz="1400" dirty="0">
+                <a:latin typeface="Courier New" panose="02070309020205020404" pitchFamily="49" charset="0"/>
+                <a:cs typeface="Courier New" panose="02070309020205020404" pitchFamily="49" charset="0"/>
+              </a:rPr>
+              <a:t>	double calories();</a:t>
+            </a:r>
+          </a:p>
+          <a:p>
+            <a:pPr marL="0" indent="0">
+              <a:buNone/>
+            </a:pPr>
+            <a:r>
+              <a:rPr lang="en-US" sz="1400" dirty="0">
                 <a:latin typeface="Courier New" panose="02070309020205020404" pitchFamily="49" charset="0"/>
                 <a:cs typeface="Courier New" panose="02070309020205020404" pitchFamily="49" charset="0"/>
               </a:rPr>
@@ -31816,7 +31727,7 @@
     </p:spTree>
     <p:extLst>
       <p:ext uri="{BB962C8B-B14F-4D97-AF65-F5344CB8AC3E}">
-        <p14:creationId xmlns:p14="http://schemas.microsoft.com/office/powerpoint/2010/main" val="1094721936"/>
+        <p14:creationId xmlns:p14="http://schemas.microsoft.com/office/powerpoint/2010/main" val="3474555343"/>
       </p:ext>
     </p:extLst>
   </p:cSld>
@@ -31860,7 +31771,7 @@
           <a:p>
             <a:r>
               <a:rPr lang="en-US" dirty="0"/>
-              <a:t>Class Activity</a:t>
+              <a:t>Implementing Interfaces</a:t>
             </a:r>
           </a:p>
         </p:txBody>
@@ -31875,17 +31786,183 @@
             <p:ph idx="1"/>
           </p:nvPr>
         </p:nvSpPr>
-        <p:spPr/>
+        <p:spPr>
+          <a:xfrm>
+            <a:off x="838199" y="1825625"/>
+            <a:ext cx="10660529" cy="4351338"/>
+          </a:xfrm>
+        </p:spPr>
         <p:txBody>
-          <a:bodyPr/>
+          <a:bodyPr>
+            <a:normAutofit/>
+          </a:bodyPr>
           <a:lstStyle/>
           <a:p>
             <a:pPr marL="0" indent="0">
               <a:buNone/>
             </a:pPr>
             <a:r>
-              <a:rPr lang="en-US" dirty="0"/>
-              <a:t>[Paste example activity or your own from lesson plan to slide]</a:t>
+              <a:rPr lang="en-US" sz="1800" dirty="0">
+                <a:latin typeface="Courier New" panose="02070309020205020404" pitchFamily="49" charset="0"/>
+                <a:cs typeface="Courier New" panose="02070309020205020404" pitchFamily="49" charset="0"/>
+              </a:rPr>
+              <a:t>public class Bacon extends Pork implements Salty, Aromatic, Greasy, Edible {</a:t>
+            </a:r>
+          </a:p>
+          <a:p>
+            <a:pPr marL="0" indent="0">
+              <a:buNone/>
+            </a:pPr>
+            <a:r>
+              <a:rPr lang="en-US" sz="1800" dirty="0">
+                <a:latin typeface="Courier New" panose="02070309020205020404" pitchFamily="49" charset="0"/>
+                <a:cs typeface="Courier New" panose="02070309020205020404" pitchFamily="49" charset="0"/>
+              </a:rPr>
+              <a:t>	private double </a:t>
+            </a:r>
+            <a:r>
+              <a:rPr lang="en-US" sz="1800" dirty="0" err="1">
+                <a:latin typeface="Courier New" panose="02070309020205020404" pitchFamily="49" charset="0"/>
+                <a:cs typeface="Courier New" panose="02070309020205020404" pitchFamily="49" charset="0"/>
+              </a:rPr>
+              <a:t>amountInKg</a:t>
+            </a:r>
+            <a:r>
+              <a:rPr lang="en-US" sz="1800" dirty="0">
+                <a:latin typeface="Courier New" panose="02070309020205020404" pitchFamily="49" charset="0"/>
+                <a:cs typeface="Courier New" panose="02070309020205020404" pitchFamily="49" charset="0"/>
+              </a:rPr>
+              <a:t>;</a:t>
+            </a:r>
+          </a:p>
+          <a:p>
+            <a:pPr marL="0" indent="0">
+              <a:buNone/>
+            </a:pPr>
+            <a:endParaRPr lang="en-US" sz="1800" dirty="0">
+              <a:latin typeface="Courier New" panose="02070309020205020404" pitchFamily="49" charset="0"/>
+              <a:cs typeface="Courier New" panose="02070309020205020404" pitchFamily="49" charset="0"/>
+            </a:endParaRPr>
+          </a:p>
+          <a:p>
+            <a:pPr marL="0" indent="0">
+              <a:buNone/>
+            </a:pPr>
+            <a:r>
+              <a:rPr lang="en-US" sz="1800" dirty="0">
+                <a:latin typeface="Courier New" panose="02070309020205020404" pitchFamily="49" charset="0"/>
+                <a:cs typeface="Courier New" panose="02070309020205020404" pitchFamily="49" charset="0"/>
+              </a:rPr>
+              <a:t>	public Bacon(double amount){</a:t>
+            </a:r>
+          </a:p>
+          <a:p>
+            <a:pPr marL="0" indent="0">
+              <a:buNone/>
+            </a:pPr>
+            <a:r>
+              <a:rPr lang="en-US" sz="1800" dirty="0">
+                <a:latin typeface="Courier New" panose="02070309020205020404" pitchFamily="49" charset="0"/>
+                <a:cs typeface="Courier New" panose="02070309020205020404" pitchFamily="49" charset="0"/>
+              </a:rPr>
+              <a:t>		</a:t>
+            </a:r>
+            <a:r>
+              <a:rPr lang="en-US" sz="1800" dirty="0" err="1">
+                <a:latin typeface="Courier New" panose="02070309020205020404" pitchFamily="49" charset="0"/>
+                <a:cs typeface="Courier New" panose="02070309020205020404" pitchFamily="49" charset="0"/>
+              </a:rPr>
+              <a:t>amountInKg</a:t>
+            </a:r>
+            <a:r>
+              <a:rPr lang="en-US" sz="1800" dirty="0">
+                <a:latin typeface="Courier New" panose="02070309020205020404" pitchFamily="49" charset="0"/>
+                <a:cs typeface="Courier New" panose="02070309020205020404" pitchFamily="49" charset="0"/>
+              </a:rPr>
+              <a:t> = amount;</a:t>
+            </a:r>
+          </a:p>
+          <a:p>
+            <a:pPr marL="0" indent="0">
+              <a:buNone/>
+            </a:pPr>
+            <a:r>
+              <a:rPr lang="en-US" sz="1800" dirty="0">
+                <a:latin typeface="Courier New" panose="02070309020205020404" pitchFamily="49" charset="0"/>
+                <a:cs typeface="Courier New" panose="02070309020205020404" pitchFamily="49" charset="0"/>
+              </a:rPr>
+              <a:t>	}</a:t>
+            </a:r>
+          </a:p>
+          <a:p>
+            <a:pPr marL="0" indent="0">
+              <a:buNone/>
+            </a:pPr>
+            <a:endParaRPr lang="en-US" sz="1800" dirty="0">
+              <a:latin typeface="Courier New" panose="02070309020205020404" pitchFamily="49" charset="0"/>
+              <a:cs typeface="Courier New" panose="02070309020205020404" pitchFamily="49" charset="0"/>
+            </a:endParaRPr>
+          </a:p>
+          <a:p>
+            <a:pPr marL="0" indent="0">
+              <a:buNone/>
+            </a:pPr>
+            <a:r>
+              <a:rPr lang="en-US" sz="1800" dirty="0">
+                <a:latin typeface="Courier New" panose="02070309020205020404" pitchFamily="49" charset="0"/>
+                <a:cs typeface="Courier New" panose="02070309020205020404" pitchFamily="49" charset="0"/>
+              </a:rPr>
+              <a:t> 	public double calories(){</a:t>
+            </a:r>
+          </a:p>
+          <a:p>
+            <a:pPr marL="0" indent="0">
+              <a:buNone/>
+            </a:pPr>
+            <a:r>
+              <a:rPr lang="en-US" sz="1800" dirty="0">
+                <a:latin typeface="Courier New" panose="02070309020205020404" pitchFamily="49" charset="0"/>
+                <a:cs typeface="Courier New" panose="02070309020205020404" pitchFamily="49" charset="0"/>
+              </a:rPr>
+              <a:t>		return </a:t>
+            </a:r>
+            <a:r>
+              <a:rPr lang="en-US" sz="1800" dirty="0" err="1">
+                <a:latin typeface="Courier New" panose="02070309020205020404" pitchFamily="49" charset="0"/>
+                <a:cs typeface="Courier New" panose="02070309020205020404" pitchFamily="49" charset="0"/>
+              </a:rPr>
+              <a:t>amountInKg</a:t>
+            </a:r>
+            <a:r>
+              <a:rPr lang="en-US" sz="1800" dirty="0">
+                <a:latin typeface="Courier New" panose="02070309020205020404" pitchFamily="49" charset="0"/>
+                <a:cs typeface="Courier New" panose="02070309020205020404" pitchFamily="49" charset="0"/>
+              </a:rPr>
+              <a:t> * CALORIES_PER_KG_OF_BACON;</a:t>
+            </a:r>
+          </a:p>
+          <a:p>
+            <a:pPr marL="0" indent="0">
+              <a:buNone/>
+            </a:pPr>
+            <a:r>
+              <a:rPr lang="en-US" sz="1800" dirty="0">
+                <a:latin typeface="Courier New" panose="02070309020205020404" pitchFamily="49" charset="0"/>
+                <a:cs typeface="Courier New" panose="02070309020205020404" pitchFamily="49" charset="0"/>
+              </a:rPr>
+              <a:t>	}</a:t>
+            </a:r>
+          </a:p>
+          <a:p>
+            <a:pPr marL="0" indent="0">
+              <a:buNone/>
+            </a:pPr>
+            <a:r>
+              <a:rPr lang="en-US" sz="1800" dirty="0">
+                <a:latin typeface="Courier New" panose="02070309020205020404" pitchFamily="49" charset="0"/>
+                <a:cs typeface="Courier New" panose="02070309020205020404" pitchFamily="49" charset="0"/>
+              </a:rPr>
+              <a:t>}</a:t>
             </a:r>
           </a:p>
         </p:txBody>
@@ -31893,7 +31970,7 @@
     </p:spTree>
     <p:extLst>
       <p:ext uri="{BB962C8B-B14F-4D97-AF65-F5344CB8AC3E}">
-        <p14:creationId xmlns:p14="http://schemas.microsoft.com/office/powerpoint/2010/main" val="3514558618"/>
+        <p14:creationId xmlns:p14="http://schemas.microsoft.com/office/powerpoint/2010/main" val="1094721936"/>
       </p:ext>
     </p:extLst>
   </p:cSld>
@@ -31932,6 +32009,83 @@
         </p:nvSpPr>
         <p:spPr/>
         <p:txBody>
+          <a:bodyPr/>
+          <a:lstStyle/>
+          <a:p>
+            <a:r>
+              <a:rPr lang="en-US" dirty="0"/>
+              <a:t>Class Activity</a:t>
+            </a:r>
+          </a:p>
+        </p:txBody>
+      </p:sp>
+      <p:sp>
+        <p:nvSpPr>
+          <p:cNvPr id="3" name="Content Placeholder 2"/>
+          <p:cNvSpPr>
+            <a:spLocks noGrp="1"/>
+          </p:cNvSpPr>
+          <p:nvPr>
+            <p:ph idx="1"/>
+          </p:nvPr>
+        </p:nvSpPr>
+        <p:spPr/>
+        <p:txBody>
+          <a:bodyPr/>
+          <a:lstStyle/>
+          <a:p>
+            <a:pPr marL="0" indent="0">
+              <a:buNone/>
+            </a:pPr>
+            <a:r>
+              <a:rPr lang="en-US" dirty="0"/>
+              <a:t>[Paste example activity or your own from lesson plan to slide]</a:t>
+            </a:r>
+          </a:p>
+        </p:txBody>
+      </p:sp>
+    </p:spTree>
+    <p:extLst>
+      <p:ext uri="{BB962C8B-B14F-4D97-AF65-F5344CB8AC3E}">
+        <p14:creationId xmlns:p14="http://schemas.microsoft.com/office/powerpoint/2010/main" val="3514558618"/>
+      </p:ext>
+    </p:extLst>
+  </p:cSld>
+  <p:clrMapOvr>
+    <a:masterClrMapping/>
+  </p:clrMapOvr>
+</p:sld>
+</file>
+
+<file path=ppt/slides/slide83.xml><?xml version="1.0" encoding="utf-8"?>
+<p:sld xmlns:a="http://schemas.openxmlformats.org/drawingml/2006/main" xmlns:r="http://schemas.openxmlformats.org/officeDocument/2006/relationships" xmlns:p="http://schemas.openxmlformats.org/presentationml/2006/main">
+  <p:cSld>
+    <p:spTree>
+      <p:nvGrpSpPr>
+        <p:cNvPr id="1" name=""/>
+        <p:cNvGrpSpPr/>
+        <p:nvPr/>
+      </p:nvGrpSpPr>
+      <p:grpSpPr>
+        <a:xfrm>
+          <a:off x="0" y="0"/>
+          <a:ext cx="0" cy="0"/>
+          <a:chOff x="0" y="0"/>
+          <a:chExt cx="0" cy="0"/>
+        </a:xfrm>
+      </p:grpSpPr>
+      <p:sp>
+        <p:nvSpPr>
+          <p:cNvPr id="2" name="Title 1"/>
+          <p:cNvSpPr>
+            <a:spLocks noGrp="1"/>
+          </p:cNvSpPr>
+          <p:nvPr>
+            <p:ph type="title"/>
+          </p:nvPr>
+        </p:nvSpPr>
+        <p:spPr/>
+        <p:txBody>
           <a:bodyPr>
             <a:normAutofit/>
           </a:bodyPr>
@@ -32029,7 +32183,7 @@
 </p:sld>
 </file>
 
-<file path=ppt/slides/slide83.xml><?xml version="1.0" encoding="utf-8"?>
+<file path=ppt/slides/slide84.xml><?xml version="1.0" encoding="utf-8"?>
 <p:sld xmlns:a="http://schemas.openxmlformats.org/drawingml/2006/main" xmlns:r="http://schemas.openxmlformats.org/officeDocument/2006/relationships" xmlns:p="http://schemas.openxmlformats.org/presentationml/2006/main">
   <p:cSld>
     <p:spTree>
@@ -32113,7 +32267,7 @@
 </p:sld>
 </file>
 
-<file path=ppt/slides/slide84.xml><?xml version="1.0" encoding="utf-8"?>
+<file path=ppt/slides/slide85.xml><?xml version="1.0" encoding="utf-8"?>
 <p:sld xmlns:a="http://schemas.openxmlformats.org/drawingml/2006/main" xmlns:r="http://schemas.openxmlformats.org/officeDocument/2006/relationships" xmlns:p="http://schemas.openxmlformats.org/presentationml/2006/main">
   <p:cSld>
     <p:spTree>
@@ -32195,80 +32349,6 @@
     <p:extLst>
       <p:ext uri="{BB962C8B-B14F-4D97-AF65-F5344CB8AC3E}">
         <p14:creationId xmlns:p14="http://schemas.microsoft.com/office/powerpoint/2010/main" val="2163985506"/>
-      </p:ext>
-    </p:extLst>
-  </p:cSld>
-  <p:clrMapOvr>
-    <a:masterClrMapping/>
-  </p:clrMapOvr>
-</p:sld>
-</file>
-
-<file path=ppt/slides/slide85.xml><?xml version="1.0" encoding="utf-8"?>
-<p:sld xmlns:a="http://schemas.openxmlformats.org/drawingml/2006/main" xmlns:r="http://schemas.openxmlformats.org/officeDocument/2006/relationships" xmlns:p="http://schemas.openxmlformats.org/presentationml/2006/main">
-  <p:cSld>
-    <p:spTree>
-      <p:nvGrpSpPr>
-        <p:cNvPr id="1" name=""/>
-        <p:cNvGrpSpPr/>
-        <p:nvPr/>
-      </p:nvGrpSpPr>
-      <p:grpSpPr>
-        <a:xfrm>
-          <a:off x="0" y="0"/>
-          <a:ext cx="0" cy="0"/>
-          <a:chOff x="0" y="0"/>
-          <a:chExt cx="0" cy="0"/>
-        </a:xfrm>
-      </p:grpSpPr>
-      <p:sp>
-        <p:nvSpPr>
-          <p:cNvPr id="2" name="Title 1"/>
-          <p:cNvSpPr>
-            <a:spLocks noGrp="1"/>
-          </p:cNvSpPr>
-          <p:nvPr>
-            <p:ph type="ctrTitle"/>
-          </p:nvPr>
-        </p:nvSpPr>
-        <p:spPr/>
-        <p:txBody>
-          <a:bodyPr/>
-          <a:lstStyle/>
-          <a:p>
-            <a:r>
-              <a:rPr lang="en-US" dirty="0"/>
-              <a:t>Finding and Fixing Errors</a:t>
-            </a:r>
-          </a:p>
-        </p:txBody>
-      </p:sp>
-      <p:sp>
-        <p:nvSpPr>
-          <p:cNvPr id="3" name="Subtitle 2"/>
-          <p:cNvSpPr>
-            <a:spLocks noGrp="1"/>
-          </p:cNvSpPr>
-          <p:nvPr>
-            <p:ph type="subTitle" idx="1"/>
-          </p:nvPr>
-        </p:nvSpPr>
-        <p:spPr/>
-        <p:txBody>
-          <a:bodyPr/>
-          <a:lstStyle/>
-          <a:p>
-            <a:r>
-              <a:rPr lang="en-US" dirty="0"/>
-              <a:t>[ 6.08 ] [ Today’s Date ] [ Instructor Name ]</a:t>
-            </a:r>
-          </a:p>
-        </p:txBody>
-      </p:sp>
-    </p:spTree>
-    <p:extLst>
-      <p:ext uri="{BB962C8B-B14F-4D97-AF65-F5344CB8AC3E}">
-        <p14:creationId xmlns:p14="http://schemas.microsoft.com/office/powerpoint/2010/main" val="3786121268"/>
       </p:ext>
     </p:extLst>
   </p:cSld>
@@ -32302,7 +32382,7 @@
             <a:spLocks noGrp="1"/>
           </p:cNvSpPr>
           <p:nvPr>
-            <p:ph type="title"/>
+            <p:ph type="ctrTitle"/>
           </p:nvPr>
         </p:nvSpPr>
         <p:spPr/>
@@ -32312,19 +32392,19 @@
           <a:p>
             <a:r>
               <a:rPr lang="en-US" dirty="0"/>
-              <a:t>Today’s plan:</a:t>
+              <a:t>Finding and Fixing Errors</a:t>
             </a:r>
           </a:p>
         </p:txBody>
       </p:sp>
       <p:sp>
         <p:nvSpPr>
-          <p:cNvPr id="3" name="Content Placeholder 2"/>
+          <p:cNvPr id="3" name="Subtitle 2"/>
           <p:cNvSpPr>
             <a:spLocks noGrp="1"/>
           </p:cNvSpPr>
           <p:nvPr>
-            <p:ph idx="1"/>
+            <p:ph type="subTitle" idx="1"/>
           </p:nvPr>
         </p:nvSpPr>
         <p:spPr/>
@@ -32332,52 +32412,17 @@
           <a:bodyPr/>
           <a:lstStyle/>
           <a:p>
-            <a:pPr marL="0" indent="0">
-              <a:buNone/>
-            </a:pPr>
             <a:r>
               <a:rPr lang="en-US" dirty="0"/>
-              <a:t>Error check and resubmit all chapter 9 assignments.</a:t>
-            </a:r>
-          </a:p>
-          <a:p>
-            <a:endParaRPr lang="en-US" dirty="0"/>
-          </a:p>
-          <a:p>
-            <a:pPr marL="0" indent="0">
-              <a:buNone/>
-            </a:pPr>
-            <a:r>
-              <a:rPr lang="en-US" dirty="0"/>
-              <a:t>Study for the test by:</a:t>
-            </a:r>
-          </a:p>
-          <a:p>
-            <a:pPr lvl="1"/>
-            <a:r>
-              <a:rPr lang="en-US" dirty="0"/>
-              <a:t>Reviewing all of the blue, self-check pages at the end of Chapter 9.</a:t>
-            </a:r>
-          </a:p>
-          <a:p>
-            <a:pPr lvl="1"/>
-            <a:r>
-              <a:rPr lang="en-US" dirty="0"/>
-              <a:t>Re-reading sections as needed to complete the self-check problems.</a:t>
-            </a:r>
-          </a:p>
-          <a:p>
-            <a:pPr marL="457200" lvl="1" indent="0">
-              <a:buNone/>
-            </a:pPr>
-            <a:endParaRPr lang="en-US" dirty="0"/>
+              <a:t>[ 6.08 ] [ Today’s Date ] [ Instructor Name ]</a:t>
+            </a:r>
           </a:p>
         </p:txBody>
       </p:sp>
     </p:spTree>
     <p:extLst>
       <p:ext uri="{BB962C8B-B14F-4D97-AF65-F5344CB8AC3E}">
-        <p14:creationId xmlns:p14="http://schemas.microsoft.com/office/powerpoint/2010/main" val="3923898911"/>
+        <p14:creationId xmlns:p14="http://schemas.microsoft.com/office/powerpoint/2010/main" val="3786121268"/>
       </p:ext>
     </p:extLst>
   </p:cSld>
@@ -32421,7 +32466,7 @@
           <a:p>
             <a:r>
               <a:rPr lang="en-US" dirty="0"/>
-              <a:t>Homework Regrade/Resubmit</a:t>
+              <a:t>Today’s plan:</a:t>
             </a:r>
           </a:p>
         </p:txBody>
@@ -32446,7 +32491,7 @@
             </a:pPr>
             <a:r>
               <a:rPr lang="en-US" dirty="0"/>
-              <a:t>You all have the opportunity to get full credit  on your homework grades by correcting them now, in class.</a:t>
+              <a:t>Error check and resubmit all chapter 9 assignments.</a:t>
             </a:r>
           </a:p>
           <a:p>
@@ -32458,11 +32503,25 @@
             </a:pPr>
             <a:r>
               <a:rPr lang="en-US" dirty="0"/>
-              <a:t>Use your error checking algorithm, and if you need help just ask!</a:t>
-            </a:r>
-          </a:p>
-          <a:p>
-            <a:pPr marL="0" indent="0">
+              <a:t>Study for the test by:</a:t>
+            </a:r>
+          </a:p>
+          <a:p>
+            <a:pPr lvl="1"/>
+            <a:r>
+              <a:rPr lang="en-US" dirty="0"/>
+              <a:t>Reviewing all of the blue, self-check pages at the end of Chapter 9.</a:t>
+            </a:r>
+          </a:p>
+          <a:p>
+            <a:pPr lvl="1"/>
+            <a:r>
+              <a:rPr lang="en-US" dirty="0"/>
+              <a:t>Re-reading sections as needed to complete the self-check problems.</a:t>
+            </a:r>
+          </a:p>
+          <a:p>
+            <a:pPr marL="457200" lvl="1" indent="0">
               <a:buNone/>
             </a:pPr>
             <a:endParaRPr lang="en-US" dirty="0"/>
@@ -32472,7 +32531,7 @@
     </p:spTree>
     <p:extLst>
       <p:ext uri="{BB962C8B-B14F-4D97-AF65-F5344CB8AC3E}">
-        <p14:creationId xmlns:p14="http://schemas.microsoft.com/office/powerpoint/2010/main" val="485091757"/>
+        <p14:creationId xmlns:p14="http://schemas.microsoft.com/office/powerpoint/2010/main" val="3923898911"/>
       </p:ext>
     </p:extLst>
   </p:cSld>
@@ -32516,7 +32575,7 @@
           <a:p>
             <a:r>
               <a:rPr lang="en-US" dirty="0"/>
-              <a:t>Homework</a:t>
+              <a:t>Homework Regrade/Resubmit</a:t>
             </a:r>
           </a:p>
         </p:txBody>
@@ -32536,9 +32595,24 @@
           <a:bodyPr/>
           <a:lstStyle/>
           <a:p>
+            <a:pPr marL="0" indent="0">
+              <a:buNone/>
+            </a:pPr>
             <a:r>
               <a:rPr lang="en-US" dirty="0"/>
-              <a:t>Begin reviewing chapter 9 for the Unit 6 Test.</a:t>
+              <a:t>You all have the opportunity to get full credit  on your homework grades by correcting them now, in class.</a:t>
+            </a:r>
+          </a:p>
+          <a:p>
+            <a:endParaRPr lang="en-US" dirty="0"/>
+          </a:p>
+          <a:p>
+            <a:pPr marL="0" indent="0">
+              <a:buNone/>
+            </a:pPr>
+            <a:r>
+              <a:rPr lang="en-US" dirty="0"/>
+              <a:t>Use your error checking algorithm, and if you need help just ask!</a:t>
             </a:r>
           </a:p>
           <a:p>
@@ -32552,7 +32626,7 @@
     </p:spTree>
     <p:extLst>
       <p:ext uri="{BB962C8B-B14F-4D97-AF65-F5344CB8AC3E}">
-        <p14:creationId xmlns:p14="http://schemas.microsoft.com/office/powerpoint/2010/main" val="912080518"/>
+        <p14:creationId xmlns:p14="http://schemas.microsoft.com/office/powerpoint/2010/main" val="485091757"/>
       </p:ext>
     </p:extLst>
   </p:cSld>
@@ -32586,31 +32660,7 @@
             <a:spLocks noGrp="1"/>
           </p:cNvSpPr>
           <p:nvPr>
-            <p:ph type="ctrTitle"/>
-          </p:nvPr>
-        </p:nvSpPr>
-        <p:spPr/>
-        <p:txBody>
-          <a:bodyPr>
-            <a:normAutofit/>
-          </a:bodyPr>
-          <a:lstStyle/>
-          <a:p>
-            <a:r>
-              <a:rPr lang="en-US" sz="4800" dirty="0"/>
-              <a:t>Review</a:t>
-            </a:r>
-          </a:p>
-        </p:txBody>
-      </p:sp>
-      <p:sp>
-        <p:nvSpPr>
-          <p:cNvPr id="3" name="Subtitle 2"/>
-          <p:cNvSpPr>
-            <a:spLocks noGrp="1"/>
-          </p:cNvSpPr>
-          <p:nvPr>
-            <p:ph type="subTitle" idx="1"/>
+            <p:ph type="title"/>
           </p:nvPr>
         </p:nvSpPr>
         <p:spPr/>
@@ -32620,15 +32670,43 @@
           <a:p>
             <a:r>
               <a:rPr lang="en-US" dirty="0"/>
-              <a:t>[ 6.09 ] [ Today’s Date ] [ Instructor Name ]</a:t>
-            </a:r>
+              <a:t>Homework</a:t>
+            </a:r>
+          </a:p>
+        </p:txBody>
+      </p:sp>
+      <p:sp>
+        <p:nvSpPr>
+          <p:cNvPr id="3" name="Content Placeholder 2"/>
+          <p:cNvSpPr>
+            <a:spLocks noGrp="1"/>
+          </p:cNvSpPr>
+          <p:nvPr>
+            <p:ph idx="1"/>
+          </p:nvPr>
+        </p:nvSpPr>
+        <p:spPr/>
+        <p:txBody>
+          <a:bodyPr/>
+          <a:lstStyle/>
+          <a:p>
+            <a:r>
+              <a:rPr lang="en-US" dirty="0"/>
+              <a:t>Begin reviewing chapter 9 for the Unit 6 Test.</a:t>
+            </a:r>
+          </a:p>
+          <a:p>
+            <a:pPr marL="0" indent="0">
+              <a:buNone/>
+            </a:pPr>
+            <a:endParaRPr lang="en-US" dirty="0"/>
           </a:p>
         </p:txBody>
       </p:sp>
     </p:spTree>
     <p:extLst>
       <p:ext uri="{BB962C8B-B14F-4D97-AF65-F5344CB8AC3E}">
-        <p14:creationId xmlns:p14="http://schemas.microsoft.com/office/powerpoint/2010/main" val="4280762843"/>
+        <p14:creationId xmlns:p14="http://schemas.microsoft.com/office/powerpoint/2010/main" val="912080518"/>
       </p:ext>
     </p:extLst>
   </p:cSld>
@@ -32735,6 +32813,82 @@
       </p:grpSpPr>
       <p:sp>
         <p:nvSpPr>
+          <p:cNvPr id="2" name="Title 1"/>
+          <p:cNvSpPr>
+            <a:spLocks noGrp="1"/>
+          </p:cNvSpPr>
+          <p:nvPr>
+            <p:ph type="ctrTitle"/>
+          </p:nvPr>
+        </p:nvSpPr>
+        <p:spPr/>
+        <p:txBody>
+          <a:bodyPr>
+            <a:normAutofit/>
+          </a:bodyPr>
+          <a:lstStyle/>
+          <a:p>
+            <a:r>
+              <a:rPr lang="en-US" sz="4800" dirty="0"/>
+              <a:t>Review</a:t>
+            </a:r>
+          </a:p>
+        </p:txBody>
+      </p:sp>
+      <p:sp>
+        <p:nvSpPr>
+          <p:cNvPr id="3" name="Subtitle 2"/>
+          <p:cNvSpPr>
+            <a:spLocks noGrp="1"/>
+          </p:cNvSpPr>
+          <p:nvPr>
+            <p:ph type="subTitle" idx="1"/>
+          </p:nvPr>
+        </p:nvSpPr>
+        <p:spPr/>
+        <p:txBody>
+          <a:bodyPr/>
+          <a:lstStyle/>
+          <a:p>
+            <a:r>
+              <a:rPr lang="en-US" dirty="0"/>
+              <a:t>[ 6.09 ] [ Today’s Date ] [ Instructor Name ]</a:t>
+            </a:r>
+          </a:p>
+        </p:txBody>
+      </p:sp>
+    </p:spTree>
+    <p:extLst>
+      <p:ext uri="{BB962C8B-B14F-4D97-AF65-F5344CB8AC3E}">
+        <p14:creationId xmlns:p14="http://schemas.microsoft.com/office/powerpoint/2010/main" val="4280762843"/>
+      </p:ext>
+    </p:extLst>
+  </p:cSld>
+  <p:clrMapOvr>
+    <a:masterClrMapping/>
+  </p:clrMapOvr>
+</p:sld>
+</file>
+
+<file path=ppt/slides/slide91.xml><?xml version="1.0" encoding="utf-8"?>
+<p:sld xmlns:a="http://schemas.openxmlformats.org/drawingml/2006/main" xmlns:r="http://schemas.openxmlformats.org/officeDocument/2006/relationships" xmlns:p="http://schemas.openxmlformats.org/presentationml/2006/main">
+  <p:cSld>
+    <p:spTree>
+      <p:nvGrpSpPr>
+        <p:cNvPr id="1" name=""/>
+        <p:cNvGrpSpPr/>
+        <p:nvPr/>
+      </p:nvGrpSpPr>
+      <p:grpSpPr>
+        <a:xfrm>
+          <a:off x="0" y="0"/>
+          <a:ext cx="0" cy="0"/>
+          <a:chOff x="0" y="0"/>
+          <a:chExt cx="0" cy="0"/>
+        </a:xfrm>
+      </p:grpSpPr>
+      <p:sp>
+        <p:nvSpPr>
           <p:cNvPr id="4" name="Title 3"/>
           <p:cNvSpPr>
             <a:spLocks noGrp="1"/>
@@ -32775,7 +32929,7 @@
 </p:sld>
 </file>
 
-<file path=ppt/slides/slide91.xml><?xml version="1.0" encoding="utf-8"?>
+<file path=ppt/slides/slide92.xml><?xml version="1.0" encoding="utf-8"?>
 <p:sld xmlns:a="http://schemas.openxmlformats.org/drawingml/2006/main" xmlns:r="http://schemas.openxmlformats.org/officeDocument/2006/relationships" xmlns:p="http://schemas.openxmlformats.org/presentationml/2006/main">
   <p:cSld>
     <p:spTree>
@@ -32834,7 +32988,7 @@
 </p:sld>
 </file>
 
-<file path=ppt/slides/slide92.xml><?xml version="1.0" encoding="utf-8"?>
+<file path=ppt/slides/slide93.xml><?xml version="1.0" encoding="utf-8"?>
 <p:sld xmlns:a="http://schemas.openxmlformats.org/drawingml/2006/main" xmlns:r="http://schemas.openxmlformats.org/officeDocument/2006/relationships" xmlns:p="http://schemas.openxmlformats.org/presentationml/2006/main">
   <p:cSld>
     <p:spTree>
@@ -32908,13 +33062,8 @@
             </a:pPr>
             <a:r>
               <a:rPr lang="en-US" dirty="0"/>
-              <a:t>For each topic, follow up by reviewing the textbook, and </a:t>
-            </a:r>
-            <a:r>
-              <a:rPr lang="en-US"/>
-              <a:t>self-check problems. </a:t>
-            </a:r>
-            <a:endParaRPr lang="en-US" dirty="0"/>
+              <a:t>For each topic, follow up by reviewing the textbook, self-check problems, and the appropriate Practice-It problems.</a:t>
+            </a:r>
           </a:p>
         </p:txBody>
       </p:sp>
@@ -32931,7 +33080,7 @@
 </p:sld>
 </file>
 
-<file path=ppt/slides/slide93.xml><?xml version="1.0" encoding="utf-8"?>
+<file path=ppt/slides/slide94.xml><?xml version="1.0" encoding="utf-8"?>
 <p:sld xmlns:a="http://schemas.openxmlformats.org/drawingml/2006/main" xmlns:r="http://schemas.openxmlformats.org/officeDocument/2006/relationships" xmlns:p="http://schemas.openxmlformats.org/presentationml/2006/main">
   <p:cSld>
     <p:spTree>
@@ -33587,18 +33736,28 @@
 </file>
 
 <file path=customXml/item2.xml><?xml version="1.0" encoding="utf-8"?>
-<ct:contentTypeSchema xmlns:ct="http://schemas.microsoft.com/office/2006/metadata/contentType" xmlns:ma="http://schemas.microsoft.com/office/2006/metadata/properties/metaAttributes" ct:_="" ma:_="" ma:contentTypeName="Document" ma:contentTypeID="0x010100BABADD3A0624AA4E97287821B8F4D7D6" ma:contentTypeVersion="3" ma:contentTypeDescription="Create a new document." ma:contentTypeScope="" ma:versionID="d1f55a70bd1930e0ae5c5588ea58d234">
-  <xsd:schema xmlns:xsd="http://www.w3.org/2001/XMLSchema" xmlns:xs="http://www.w3.org/2001/XMLSchema" xmlns:p="http://schemas.microsoft.com/office/2006/metadata/properties" xmlns:ns2="5edd459b-714d-42ed-b78f-512da7d1c14e" targetNamespace="http://schemas.microsoft.com/office/2006/metadata/properties" ma:root="true" ma:fieldsID="5a6a6e2895642296b7d1775ae73bc200" ns2:_="">
-    <xsd:import namespace="5edd459b-714d-42ed-b78f-512da7d1c14e"/>
+<ct:contentTypeSchema xmlns:ct="http://schemas.microsoft.com/office/2006/metadata/contentType" xmlns:ma="http://schemas.microsoft.com/office/2006/metadata/properties/metaAttributes" ct:_="" ma:_="" ma:contentTypeName="Document" ma:contentTypeID="0x01010011E83E049C87AC4AB56F27089B4ACA55" ma:contentTypeVersion="12" ma:contentTypeDescription="Create a new document." ma:contentTypeScope="" ma:versionID="1178fe99ddca204d3fc8224f4ed0acf8">
+  <xsd:schema xmlns:xsd="http://www.w3.org/2001/XMLSchema" xmlns:xs="http://www.w3.org/2001/XMLSchema" xmlns:p="http://schemas.microsoft.com/office/2006/metadata/properties" xmlns:ns2="be898649-fe57-4b08-9fd4-31fc752880e3" xmlns:ns3="6f430b7c-f2e9-4385-9cb2-4dd06cc2317e" targetNamespace="http://schemas.microsoft.com/office/2006/metadata/properties" ma:root="true" ma:fieldsID="05a700af6660b82c6e85ae510b7169e9" ns2:_="" ns3:_="">
+    <xsd:import namespace="be898649-fe57-4b08-9fd4-31fc752880e3"/>
+    <xsd:import namespace="6f430b7c-f2e9-4385-9cb2-4dd06cc2317e"/>
     <xsd:element name="properties">
       <xsd:complexType>
         <xsd:sequence>
           <xsd:element name="documentManagement">
             <xsd:complexType>
               <xsd:all>
-                <xsd:element ref="ns2:SharedWithUsers" minOccurs="0"/>
-                <xsd:element ref="ns2:SharedWithDetails" minOccurs="0"/>
-                <xsd:element ref="ns2:SharingHintHash" minOccurs="0"/>
+                <xsd:element ref="ns2:MediaServiceMetadata" minOccurs="0"/>
+                <xsd:element ref="ns2:MediaServiceFastMetadata" minOccurs="0"/>
+                <xsd:element ref="ns2:MediaServiceAutoTags" minOccurs="0"/>
+                <xsd:element ref="ns2:MediaServiceDateTaken" minOccurs="0"/>
+                <xsd:element ref="ns3:SharedWithUsers" minOccurs="0"/>
+                <xsd:element ref="ns3:SharedWithDetails" minOccurs="0"/>
+                <xsd:element ref="ns2:MediaServiceLocation" minOccurs="0"/>
+                <xsd:element ref="ns2:MediaServiceOCR" minOccurs="0"/>
+                <xsd:element ref="ns2:MediaServiceEventHashCode" minOccurs="0"/>
+                <xsd:element ref="ns2:MediaServiceGenerationTime" minOccurs="0"/>
+                <xsd:element ref="ns2:MediaServiceAutoKeyPoints" minOccurs="0"/>
+                <xsd:element ref="ns2:MediaServiceKeyPoints" minOccurs="0"/>
               </xsd:all>
             </xsd:complexType>
           </xsd:element>
@@ -33606,10 +33765,68 @@
       </xsd:complexType>
     </xsd:element>
   </xsd:schema>
-  <xsd:schema xmlns:xsd="http://www.w3.org/2001/XMLSchema" xmlns:xs="http://www.w3.org/2001/XMLSchema" xmlns:dms="http://schemas.microsoft.com/office/2006/documentManagement/types" xmlns:pc="http://schemas.microsoft.com/office/infopath/2007/PartnerControls" targetNamespace="5edd459b-714d-42ed-b78f-512da7d1c14e" elementFormDefault="qualified">
+  <xsd:schema xmlns:xsd="http://www.w3.org/2001/XMLSchema" xmlns:xs="http://www.w3.org/2001/XMLSchema" xmlns:dms="http://schemas.microsoft.com/office/2006/documentManagement/types" xmlns:pc="http://schemas.microsoft.com/office/infopath/2007/PartnerControls" targetNamespace="be898649-fe57-4b08-9fd4-31fc752880e3" elementFormDefault="qualified">
     <xsd:import namespace="http://schemas.microsoft.com/office/2006/documentManagement/types"/>
     <xsd:import namespace="http://schemas.microsoft.com/office/infopath/2007/PartnerControls"/>
-    <xsd:element name="SharedWithUsers" ma:index="8" nillable="true" ma:displayName="Shared With" ma:internalName="SharedWithUsers" ma:readOnly="true">
+    <xsd:element name="MediaServiceMetadata" ma:index="8" nillable="true" ma:displayName="MediaServiceMetadata" ma:description="" ma:hidden="true" ma:internalName="MediaServiceMetadata" ma:readOnly="true">
+      <xsd:simpleType>
+        <xsd:restriction base="dms:Note"/>
+      </xsd:simpleType>
+    </xsd:element>
+    <xsd:element name="MediaServiceFastMetadata" ma:index="9" nillable="true" ma:displayName="MediaServiceFastMetadata" ma:description="" ma:hidden="true" ma:internalName="MediaServiceFastMetadata" ma:readOnly="true">
+      <xsd:simpleType>
+        <xsd:restriction base="dms:Note"/>
+      </xsd:simpleType>
+    </xsd:element>
+    <xsd:element name="MediaServiceAutoTags" ma:index="10" nillable="true" ma:displayName="MediaServiceAutoTags" ma:description="" ma:internalName="MediaServiceAutoTags" ma:readOnly="true">
+      <xsd:simpleType>
+        <xsd:restriction base="dms:Text"/>
+      </xsd:simpleType>
+    </xsd:element>
+    <xsd:element name="MediaServiceDateTaken" ma:index="11" nillable="true" ma:displayName="MediaServiceDateTaken" ma:description="" ma:hidden="true" ma:internalName="MediaServiceDateTaken" ma:readOnly="true">
+      <xsd:simpleType>
+        <xsd:restriction base="dms:Text"/>
+      </xsd:simpleType>
+    </xsd:element>
+    <xsd:element name="MediaServiceLocation" ma:index="14" nillable="true" ma:displayName="MediaServiceLocation" ma:internalName="MediaServiceLocation" ma:readOnly="true">
+      <xsd:simpleType>
+        <xsd:restriction base="dms:Text"/>
+      </xsd:simpleType>
+    </xsd:element>
+    <xsd:element name="MediaServiceOCR" ma:index="15" nillable="true" ma:displayName="MediaServiceOCR" ma:internalName="MediaServiceOCR" ma:readOnly="true">
+      <xsd:simpleType>
+        <xsd:restriction base="dms:Note">
+          <xsd:maxLength value="255"/>
+        </xsd:restriction>
+      </xsd:simpleType>
+    </xsd:element>
+    <xsd:element name="MediaServiceEventHashCode" ma:index="16" nillable="true" ma:displayName="MediaServiceEventHashCode" ma:hidden="true" ma:internalName="MediaServiceEventHashCode" ma:readOnly="true">
+      <xsd:simpleType>
+        <xsd:restriction base="dms:Text"/>
+      </xsd:simpleType>
+    </xsd:element>
+    <xsd:element name="MediaServiceGenerationTime" ma:index="17" nillable="true" ma:displayName="MediaServiceGenerationTime" ma:hidden="true" ma:internalName="MediaServiceGenerationTime" ma:readOnly="true">
+      <xsd:simpleType>
+        <xsd:restriction base="dms:Text"/>
+      </xsd:simpleType>
+    </xsd:element>
+    <xsd:element name="MediaServiceAutoKeyPoints" ma:index="18" nillable="true" ma:displayName="MediaServiceAutoKeyPoints" ma:hidden="true" ma:internalName="MediaServiceAutoKeyPoints" ma:readOnly="true">
+      <xsd:simpleType>
+        <xsd:restriction base="dms:Note"/>
+      </xsd:simpleType>
+    </xsd:element>
+    <xsd:element name="MediaServiceKeyPoints" ma:index="19" nillable="true" ma:displayName="KeyPoints" ma:internalName="MediaServiceKeyPoints" ma:readOnly="true">
+      <xsd:simpleType>
+        <xsd:restriction base="dms:Note">
+          <xsd:maxLength value="255"/>
+        </xsd:restriction>
+      </xsd:simpleType>
+    </xsd:element>
+  </xsd:schema>
+  <xsd:schema xmlns:xsd="http://www.w3.org/2001/XMLSchema" xmlns:xs="http://www.w3.org/2001/XMLSchema" xmlns:dms="http://schemas.microsoft.com/office/2006/documentManagement/types" xmlns:pc="http://schemas.microsoft.com/office/infopath/2007/PartnerControls" targetNamespace="6f430b7c-f2e9-4385-9cb2-4dd06cc2317e" elementFormDefault="qualified">
+    <xsd:import namespace="http://schemas.microsoft.com/office/2006/documentManagement/types"/>
+    <xsd:import namespace="http://schemas.microsoft.com/office/infopath/2007/PartnerControls"/>
+    <xsd:element name="SharedWithUsers" ma:index="12" nillable="true" ma:displayName="Shared With" ma:internalName="SharedWithUsers" ma:readOnly="true">
       <xsd:complexType>
         <xsd:complexContent>
           <xsd:extension base="dms:UserMulti">
@@ -33628,16 +33845,11 @@
         </xsd:complexContent>
       </xsd:complexType>
     </xsd:element>
-    <xsd:element name="SharedWithDetails" ma:index="9" nillable="true" ma:displayName="Shared With Details" ma:internalName="SharedWithDetails" ma:readOnly="true">
+    <xsd:element name="SharedWithDetails" ma:index="13" nillable="true" ma:displayName="Shared With Details" ma:internalName="SharedWithDetails" ma:readOnly="true">
       <xsd:simpleType>
         <xsd:restriction base="dms:Note">
           <xsd:maxLength value="255"/>
         </xsd:restriction>
-      </xsd:simpleType>
-    </xsd:element>
-    <xsd:element name="SharingHintHash" ma:index="10" nillable="true" ma:displayName="Sharing Hint Hash" ma:internalName="SharingHintHash" ma:readOnly="true">
-      <xsd:simpleType>
-        <xsd:restriction base="dms:Text"/>
       </xsd:simpleType>
     </xsd:element>
   </xsd:schema>
@@ -33766,21 +33978,7 @@
 </file>
 
 <file path=customXml/itemProps2.xml><?xml version="1.0" encoding="utf-8"?>
-<ds:datastoreItem xmlns:ds="http://schemas.openxmlformats.org/officeDocument/2006/customXml" ds:itemID="{04C3973C-B822-4061-9FB6-3217DAD85EF2}">
-  <ds:schemaRefs>
-    <ds:schemaRef ds:uri="http://schemas.microsoft.com/office/2006/metadata/contentType"/>
-    <ds:schemaRef ds:uri="http://schemas.microsoft.com/office/2006/metadata/properties/metaAttributes"/>
-    <ds:schemaRef ds:uri="http://www.w3.org/2001/XMLSchema"/>
-    <ds:schemaRef ds:uri="http://schemas.microsoft.com/office/2006/metadata/properties"/>
-    <ds:schemaRef ds:uri="5edd459b-714d-42ed-b78f-512da7d1c14e"/>
-    <ds:schemaRef ds:uri="http://schemas.microsoft.com/office/2006/documentManagement/types"/>
-    <ds:schemaRef ds:uri="http://schemas.microsoft.com/office/infopath/2007/PartnerControls"/>
-    <ds:schemaRef ds:uri="http://schemas.openxmlformats.org/package/2006/metadata/core-properties"/>
-    <ds:schemaRef ds:uri="http://purl.org/dc/elements/1.1/"/>
-    <ds:schemaRef ds:uri="http://purl.org/dc/terms/"/>
-    <ds:schemaRef ds:uri="http://schemas.microsoft.com/internal/obd"/>
-  </ds:schemaRefs>
-</ds:datastoreItem>
+<ds:datastoreItem xmlns:ds="http://schemas.openxmlformats.org/officeDocument/2006/customXml" ds:itemID="{BE9DCC99-1031-47B3-9F9A-69D3D3702BF8}"/>
 </file>
 
 <file path=customXml/itemProps3.xml><?xml version="1.0" encoding="utf-8"?>

--- a/curriculum/Unit6/Unit6.pptx
+++ b/curriculum/Unit6/Unit6.pptx
@@ -15705,7 +15705,7 @@
           <a:p>
             <a:fld id="{208B30BF-BE3F-47C2-B7B3-E8CB680F2AA1}" type="datetimeFigureOut">
               <a:rPr lang="en-US" smtClean="0"/>
-              <a:t>1/17/2020</a:t>
+              <a:t>2/18/2020</a:t>
             </a:fld>
             <a:endParaRPr lang="en-US"/>
           </a:p>
@@ -16695,11 +16695,7 @@
             </a:r>
             <a:r>
               <a:rPr lang="en-US" baseline="0" dirty="0"/>
-              <a:t> unit is mostly done either on practice it or the board. Feel free to edit </a:t>
-            </a:r>
-            <a:r>
-              <a:rPr lang="en-US" baseline="0"/>
-              <a:t>this slide deck as you see fit!</a:t>
+              <a:t> unit is mostly done on the board. Feel free to edit this slide deck as you see fit!</a:t>
             </a:r>
             <a:endParaRPr lang="en-US" dirty="0"/>
           </a:p>
@@ -17667,7 +17663,7 @@
           <a:p>
             <a:fld id="{5D2A64DF-0753-4272-8809-7B17C6953B30}" type="datetimeFigureOut">
               <a:rPr lang="en-US" smtClean="0"/>
-              <a:t>1/17/2020</a:t>
+              <a:t>2/18/2020</a:t>
             </a:fld>
             <a:endParaRPr lang="en-US"/>
           </a:p>
@@ -17835,7 +17831,7 @@
           <a:p>
             <a:fld id="{5D2A64DF-0753-4272-8809-7B17C6953B30}" type="datetimeFigureOut">
               <a:rPr lang="en-US" smtClean="0"/>
-              <a:t>1/17/2020</a:t>
+              <a:t>2/18/2020</a:t>
             </a:fld>
             <a:endParaRPr lang="en-US"/>
           </a:p>
@@ -18013,7 +18009,7 @@
           <a:p>
             <a:fld id="{5D2A64DF-0753-4272-8809-7B17C6953B30}" type="datetimeFigureOut">
               <a:rPr lang="en-US" smtClean="0"/>
-              <a:t>1/17/2020</a:t>
+              <a:t>2/18/2020</a:t>
             </a:fld>
             <a:endParaRPr lang="en-US"/>
           </a:p>
@@ -18181,7 +18177,7 @@
           <a:p>
             <a:fld id="{5D2A64DF-0753-4272-8809-7B17C6953B30}" type="datetimeFigureOut">
               <a:rPr lang="en-US" smtClean="0"/>
-              <a:t>1/17/2020</a:t>
+              <a:t>2/18/2020</a:t>
             </a:fld>
             <a:endParaRPr lang="en-US"/>
           </a:p>
@@ -18426,7 +18422,7 @@
           <a:p>
             <a:fld id="{5D2A64DF-0753-4272-8809-7B17C6953B30}" type="datetimeFigureOut">
               <a:rPr lang="en-US" smtClean="0"/>
-              <a:t>1/17/2020</a:t>
+              <a:t>2/18/2020</a:t>
             </a:fld>
             <a:endParaRPr lang="en-US"/>
           </a:p>
@@ -18655,7 +18651,7 @@
           <a:p>
             <a:fld id="{5D2A64DF-0753-4272-8809-7B17C6953B30}" type="datetimeFigureOut">
               <a:rPr lang="en-US" smtClean="0"/>
-              <a:t>1/17/2020</a:t>
+              <a:t>2/18/2020</a:t>
             </a:fld>
             <a:endParaRPr lang="en-US"/>
           </a:p>
@@ -19019,7 +19015,7 @@
           <a:p>
             <a:fld id="{5D2A64DF-0753-4272-8809-7B17C6953B30}" type="datetimeFigureOut">
               <a:rPr lang="en-US" smtClean="0"/>
-              <a:t>1/17/2020</a:t>
+              <a:t>2/18/2020</a:t>
             </a:fld>
             <a:endParaRPr lang="en-US"/>
           </a:p>
@@ -19136,7 +19132,7 @@
           <a:p>
             <a:fld id="{5D2A64DF-0753-4272-8809-7B17C6953B30}" type="datetimeFigureOut">
               <a:rPr lang="en-US" smtClean="0"/>
-              <a:t>1/17/2020</a:t>
+              <a:t>2/18/2020</a:t>
             </a:fld>
             <a:endParaRPr lang="en-US"/>
           </a:p>
@@ -19231,7 +19227,7 @@
           <a:p>
             <a:fld id="{5D2A64DF-0753-4272-8809-7B17C6953B30}" type="datetimeFigureOut">
               <a:rPr lang="en-US" smtClean="0"/>
-              <a:t>1/17/2020</a:t>
+              <a:t>2/18/2020</a:t>
             </a:fld>
             <a:endParaRPr lang="en-US"/>
           </a:p>
@@ -19506,7 +19502,7 @@
           <a:p>
             <a:fld id="{5D2A64DF-0753-4272-8809-7B17C6953B30}" type="datetimeFigureOut">
               <a:rPr lang="en-US" smtClean="0"/>
-              <a:t>1/17/2020</a:t>
+              <a:t>2/18/2020</a:t>
             </a:fld>
             <a:endParaRPr lang="en-US"/>
           </a:p>
@@ -19758,7 +19754,7 @@
           <a:p>
             <a:fld id="{5D2A64DF-0753-4272-8809-7B17C6953B30}" type="datetimeFigureOut">
               <a:rPr lang="en-US" smtClean="0"/>
-              <a:t>1/17/2020</a:t>
+              <a:t>2/18/2020</a:t>
             </a:fld>
             <a:endParaRPr lang="en-US"/>
           </a:p>
@@ -19969,7 +19965,7 @@
           <a:p>
             <a:fld id="{5D2A64DF-0753-4272-8809-7B17C6953B30}" type="datetimeFigureOut">
               <a:rPr lang="en-US" smtClean="0"/>
-              <a:t>1/17/2020</a:t>
+              <a:t>2/18/2020</a:t>
             </a:fld>
             <a:endParaRPr lang="en-US"/>
           </a:p>
@@ -25401,7 +25397,7 @@
           <a:p>
             <a:r>
               <a:rPr lang="en-US" dirty="0"/>
-              <a:t>Practice-It</a:t>
+              <a:t>Practice Problems</a:t>
             </a:r>
           </a:p>
         </p:txBody>
@@ -25416,7 +25412,12 @@
             <p:ph idx="1"/>
           </p:nvPr>
         </p:nvSpPr>
-        <p:spPr/>
+        <p:spPr>
+          <a:xfrm>
+            <a:off x="626301" y="1825625"/>
+            <a:ext cx="10727499" cy="4351338"/>
+          </a:xfrm>
+        </p:spPr>
         <p:txBody>
           <a:bodyPr/>
           <a:lstStyle/>
@@ -25434,6 +25435,13 @@
               <a:buNone/>
             </a:pPr>
             <a:r>
+              <a:rPr lang="en-US" dirty="0">
+                <a:latin typeface="Courier New" panose="02070309020205020404" pitchFamily="49" charset="0"/>
+                <a:cs typeface="Courier New" panose="02070309020205020404" pitchFamily="49" charset="0"/>
+              </a:rPr>
+              <a:t>Self-Check 9.3: </a:t>
+            </a:r>
+            <a:r>
               <a:rPr lang="en-US" dirty="0" err="1">
                 <a:latin typeface="Courier New" panose="02070309020205020404" pitchFamily="49" charset="0"/>
                 <a:cs typeface="Courier New" panose="02070309020205020404" pitchFamily="49" charset="0"/>
@@ -25450,11 +25458,18 @@
               <a:buNone/>
             </a:pPr>
             <a:r>
+              <a:rPr lang="en-US" dirty="0">
+                <a:latin typeface="Courier New" panose="02070309020205020404" pitchFamily="49" charset="0"/>
+                <a:cs typeface="Courier New" panose="02070309020205020404" pitchFamily="49" charset="0"/>
+              </a:rPr>
+              <a:t>Self-Check 9.10: </a:t>
+            </a:r>
+            <a:r>
               <a:rPr lang="en-US" dirty="0" err="1">
                 <a:latin typeface="Courier New" panose="02070309020205020404" pitchFamily="49" charset="0"/>
                 <a:cs typeface="Courier New" panose="02070309020205020404" pitchFamily="49" charset="0"/>
               </a:rPr>
-              <a:t>inheritanceVariableSyntax</a:t>
+              <a:t>inheritanceVariableSyntaxCarTruck</a:t>
             </a:r>
             <a:endParaRPr lang="en-US" dirty="0">
               <a:latin typeface="Courier New" panose="02070309020205020404" pitchFamily="49" charset="0"/>
@@ -25466,16 +25481,12 @@
               <a:buNone/>
             </a:pPr>
             <a:r>
-              <a:rPr lang="en-US" dirty="0" err="1">
-                <a:latin typeface="Courier New" panose="02070309020205020404" pitchFamily="49" charset="0"/>
-                <a:cs typeface="Courier New" panose="02070309020205020404" pitchFamily="49" charset="0"/>
-              </a:rPr>
-              <a:t>CarTruck</a:t>
-            </a:r>
-            <a:endParaRPr lang="en-US" dirty="0">
-              <a:latin typeface="Courier New" panose="02070309020205020404" pitchFamily="49" charset="0"/>
-              <a:cs typeface="Courier New" panose="02070309020205020404" pitchFamily="49" charset="0"/>
-            </a:endParaRPr>
+              <a:rPr lang="en-US" dirty="0">
+                <a:latin typeface="Courier New" panose="02070309020205020404" pitchFamily="49" charset="0"/>
+                <a:cs typeface="Courier New" panose="02070309020205020404" pitchFamily="49" charset="0"/>
+              </a:rPr>
+              <a:t>Self-Check 9.9: CarTruck2</a:t>
+            </a:r>
           </a:p>
           <a:p>
             <a:pPr marL="0" indent="0">
@@ -25486,13 +25497,8 @@
                 <a:latin typeface="Courier New" panose="02070309020205020404" pitchFamily="49" charset="0"/>
                 <a:cs typeface="Courier New" panose="02070309020205020404" pitchFamily="49" charset="0"/>
               </a:rPr>
-              <a:t>CarTruck2</a:t>
-            </a:r>
-          </a:p>
-          <a:p>
-            <a:pPr marL="0" indent="0">
-              <a:buNone/>
-            </a:pPr>
+              <a:t>Exercise 9.4: </a:t>
+            </a:r>
             <a:r>
               <a:rPr lang="en-US" dirty="0" err="1">
                 <a:latin typeface="Courier New" panose="02070309020205020404" pitchFamily="49" charset="0"/>
@@ -30477,7 +30483,7 @@
             <a:effectLst/>
             <a:extLst>
               <a:ext uri="{C572A759-6A51-4108-AA02-DFA0A04FC94B}">
-                <ma14:wrappingTextBoxFlag xmlns="" xmlns:wpc="http://schemas.microsoft.com/office/word/2010/wordprocessingCanvas" xmlns:mo="http://schemas.microsoft.com/office/mac/office/2008/main" xmlns:mc="http://schemas.openxmlformats.org/markup-compatibility/2006" xmlns:mv="urn:schemas-microsoft-com:mac:vml" xmlns:o="urn:schemas-microsoft-com:office:office" xmlns:m="http://schemas.openxmlformats.org/officeDocument/2006/math" xmlns:v="urn:schemas-microsoft-com:vml" xmlns:wp14="http://schemas.microsoft.com/office/word/2010/wordprocessingDrawing" xmlns:wp="http://schemas.openxmlformats.org/drawingml/2006/wordprocessingDrawing" xmlns:w10="urn:schemas-microsoft-com:office:word" xmlns:w="http://schemas.openxmlformats.org/wordprocessingml/2006/main" xmlns:w14="http://schemas.microsoft.com/office/word/2010/wordml" xmlns:wpg="http://schemas.microsoft.com/office/word/2010/wordprocessingGroup" xmlns:wpi="http://schemas.microsoft.com/office/word/2010/wordprocessingInk" xmlns:wne="http://schemas.microsoft.com/office/word/2006/wordml" xmlns:wps="http://schemas.microsoft.com/office/word/2010/wordprocessingShape" xmlns:ma14="http://schemas.microsoft.com/office/mac/drawingml/2011/main" xmlns:lc="http://schemas.openxmlformats.org/drawingml/2006/lockedCanvas"/>
+                <ma14:wrappingTextBoxFlag xmlns:lc="http://schemas.openxmlformats.org/drawingml/2006/lockedCanvas" xmlns:ma14="http://schemas.microsoft.com/office/mac/drawingml/2011/main" xmlns:wps="http://schemas.microsoft.com/office/word/2010/wordprocessingShape" xmlns:wne="http://schemas.microsoft.com/office/word/2006/wordml" xmlns:wpi="http://schemas.microsoft.com/office/word/2010/wordprocessingInk" xmlns:wpg="http://schemas.microsoft.com/office/word/2010/wordprocessingGroup" xmlns:w14="http://schemas.microsoft.com/office/word/2010/wordml" xmlns:w="http://schemas.openxmlformats.org/wordprocessingml/2006/main" xmlns:w10="urn:schemas-microsoft-com:office:word" xmlns:wp="http://schemas.openxmlformats.org/drawingml/2006/wordprocessingDrawing" xmlns:wp14="http://schemas.microsoft.com/office/word/2010/wordprocessingDrawing" xmlns:v="urn:schemas-microsoft-com:vml" xmlns:m="http://schemas.openxmlformats.org/officeDocument/2006/math" xmlns:o="urn:schemas-microsoft-com:office:office" xmlns:mv="urn:schemas-microsoft-com:mac:vml" xmlns:mc="http://schemas.openxmlformats.org/markup-compatibility/2006" xmlns:mo="http://schemas.microsoft.com/office/mac/office/2008/main" xmlns:wpc="http://schemas.microsoft.com/office/word/2010/wordprocessingCanvas" xmlns=""/>
               </a:ext>
             </a:extLst>
           </p:spPr>
@@ -30558,7 +30564,7 @@
             <a:effectLst/>
             <a:extLst>
               <a:ext uri="{C572A759-6A51-4108-AA02-DFA0A04FC94B}">
-                <ma14:wrappingTextBoxFlag xmlns="" xmlns:wpc="http://schemas.microsoft.com/office/word/2010/wordprocessingCanvas" xmlns:mo="http://schemas.microsoft.com/office/mac/office/2008/main" xmlns:mc="http://schemas.openxmlformats.org/markup-compatibility/2006" xmlns:mv="urn:schemas-microsoft-com:mac:vml" xmlns:o="urn:schemas-microsoft-com:office:office" xmlns:m="http://schemas.openxmlformats.org/officeDocument/2006/math" xmlns:v="urn:schemas-microsoft-com:vml" xmlns:wp14="http://schemas.microsoft.com/office/word/2010/wordprocessingDrawing" xmlns:wp="http://schemas.openxmlformats.org/drawingml/2006/wordprocessingDrawing" xmlns:w10="urn:schemas-microsoft-com:office:word" xmlns:w="http://schemas.openxmlformats.org/wordprocessingml/2006/main" xmlns:w14="http://schemas.microsoft.com/office/word/2010/wordml" xmlns:wpg="http://schemas.microsoft.com/office/word/2010/wordprocessingGroup" xmlns:wpi="http://schemas.microsoft.com/office/word/2010/wordprocessingInk" xmlns:wne="http://schemas.microsoft.com/office/word/2006/wordml" xmlns:wps="http://schemas.microsoft.com/office/word/2010/wordprocessingShape" xmlns:ma14="http://schemas.microsoft.com/office/mac/drawingml/2011/main" xmlns:lc="http://schemas.openxmlformats.org/drawingml/2006/lockedCanvas"/>
+                <ma14:wrappingTextBoxFlag xmlns:lc="http://schemas.openxmlformats.org/drawingml/2006/lockedCanvas" xmlns:ma14="http://schemas.microsoft.com/office/mac/drawingml/2011/main" xmlns:wps="http://schemas.microsoft.com/office/word/2010/wordprocessingShape" xmlns:wne="http://schemas.microsoft.com/office/word/2006/wordml" xmlns:wpi="http://schemas.microsoft.com/office/word/2010/wordprocessingInk" xmlns:wpg="http://schemas.microsoft.com/office/word/2010/wordprocessingGroup" xmlns:w14="http://schemas.microsoft.com/office/word/2010/wordml" xmlns:w="http://schemas.openxmlformats.org/wordprocessingml/2006/main" xmlns:w10="urn:schemas-microsoft-com:office:word" xmlns:wp="http://schemas.openxmlformats.org/drawingml/2006/wordprocessingDrawing" xmlns:wp14="http://schemas.microsoft.com/office/word/2010/wordprocessingDrawing" xmlns:v="urn:schemas-microsoft-com:vml" xmlns:m="http://schemas.openxmlformats.org/officeDocument/2006/math" xmlns:o="urn:schemas-microsoft-com:office:office" xmlns:mv="urn:schemas-microsoft-com:mac:vml" xmlns:mc="http://schemas.openxmlformats.org/markup-compatibility/2006" xmlns:mo="http://schemas.microsoft.com/office/mac/office/2008/main" xmlns:wpc="http://schemas.microsoft.com/office/word/2010/wordprocessingCanvas" xmlns=""/>
               </a:ext>
             </a:extLst>
           </p:spPr>
@@ -30639,7 +30645,7 @@
             <a:effectLst/>
             <a:extLst>
               <a:ext uri="{C572A759-6A51-4108-AA02-DFA0A04FC94B}">
-                <ma14:wrappingTextBoxFlag xmlns="" xmlns:wpc="http://schemas.microsoft.com/office/word/2010/wordprocessingCanvas" xmlns:mo="http://schemas.microsoft.com/office/mac/office/2008/main" xmlns:mc="http://schemas.openxmlformats.org/markup-compatibility/2006" xmlns:mv="urn:schemas-microsoft-com:mac:vml" xmlns:o="urn:schemas-microsoft-com:office:office" xmlns:m="http://schemas.openxmlformats.org/officeDocument/2006/math" xmlns:v="urn:schemas-microsoft-com:vml" xmlns:wp14="http://schemas.microsoft.com/office/word/2010/wordprocessingDrawing" xmlns:wp="http://schemas.openxmlformats.org/drawingml/2006/wordprocessingDrawing" xmlns:w10="urn:schemas-microsoft-com:office:word" xmlns:w="http://schemas.openxmlformats.org/wordprocessingml/2006/main" xmlns:w14="http://schemas.microsoft.com/office/word/2010/wordml" xmlns:wpg="http://schemas.microsoft.com/office/word/2010/wordprocessingGroup" xmlns:wpi="http://schemas.microsoft.com/office/word/2010/wordprocessingInk" xmlns:wne="http://schemas.microsoft.com/office/word/2006/wordml" xmlns:wps="http://schemas.microsoft.com/office/word/2010/wordprocessingShape" xmlns:ma14="http://schemas.microsoft.com/office/mac/drawingml/2011/main" xmlns:lc="http://schemas.openxmlformats.org/drawingml/2006/lockedCanvas"/>
+                <ma14:wrappingTextBoxFlag xmlns:lc="http://schemas.openxmlformats.org/drawingml/2006/lockedCanvas" xmlns:ma14="http://schemas.microsoft.com/office/mac/drawingml/2011/main" xmlns:wps="http://schemas.microsoft.com/office/word/2010/wordprocessingShape" xmlns:wne="http://schemas.microsoft.com/office/word/2006/wordml" xmlns:wpi="http://schemas.microsoft.com/office/word/2010/wordprocessingInk" xmlns:wpg="http://schemas.microsoft.com/office/word/2010/wordprocessingGroup" xmlns:w14="http://schemas.microsoft.com/office/word/2010/wordml" xmlns:w="http://schemas.openxmlformats.org/wordprocessingml/2006/main" xmlns:w10="urn:schemas-microsoft-com:office:word" xmlns:wp="http://schemas.openxmlformats.org/drawingml/2006/wordprocessingDrawing" xmlns:wp14="http://schemas.microsoft.com/office/word/2010/wordprocessingDrawing" xmlns:v="urn:schemas-microsoft-com:vml" xmlns:m="http://schemas.openxmlformats.org/officeDocument/2006/math" xmlns:o="urn:schemas-microsoft-com:office:office" xmlns:mv="urn:schemas-microsoft-com:mac:vml" xmlns:mc="http://schemas.openxmlformats.org/markup-compatibility/2006" xmlns:mo="http://schemas.microsoft.com/office/mac/office/2008/main" xmlns:wpc="http://schemas.microsoft.com/office/word/2010/wordprocessingCanvas" xmlns=""/>
               </a:ext>
             </a:extLst>
           </p:spPr>
@@ -30720,7 +30726,7 @@
             <a:effectLst/>
             <a:extLst>
               <a:ext uri="{C572A759-6A51-4108-AA02-DFA0A04FC94B}">
-                <ma14:wrappingTextBoxFlag xmlns="" xmlns:wpc="http://schemas.microsoft.com/office/word/2010/wordprocessingCanvas" xmlns:mo="http://schemas.microsoft.com/office/mac/office/2008/main" xmlns:mc="http://schemas.openxmlformats.org/markup-compatibility/2006" xmlns:mv="urn:schemas-microsoft-com:mac:vml" xmlns:o="urn:schemas-microsoft-com:office:office" xmlns:m="http://schemas.openxmlformats.org/officeDocument/2006/math" xmlns:v="urn:schemas-microsoft-com:vml" xmlns:wp14="http://schemas.microsoft.com/office/word/2010/wordprocessingDrawing" xmlns:wp="http://schemas.openxmlformats.org/drawingml/2006/wordprocessingDrawing" xmlns:w10="urn:schemas-microsoft-com:office:word" xmlns:w="http://schemas.openxmlformats.org/wordprocessingml/2006/main" xmlns:w14="http://schemas.microsoft.com/office/word/2010/wordml" xmlns:wpg="http://schemas.microsoft.com/office/word/2010/wordprocessingGroup" xmlns:wpi="http://schemas.microsoft.com/office/word/2010/wordprocessingInk" xmlns:wne="http://schemas.microsoft.com/office/word/2006/wordml" xmlns:wps="http://schemas.microsoft.com/office/word/2010/wordprocessingShape" xmlns:ma14="http://schemas.microsoft.com/office/mac/drawingml/2011/main" xmlns:lc="http://schemas.openxmlformats.org/drawingml/2006/lockedCanvas"/>
+                <ma14:wrappingTextBoxFlag xmlns:lc="http://schemas.openxmlformats.org/drawingml/2006/lockedCanvas" xmlns:ma14="http://schemas.microsoft.com/office/mac/drawingml/2011/main" xmlns:wps="http://schemas.microsoft.com/office/word/2010/wordprocessingShape" xmlns:wne="http://schemas.microsoft.com/office/word/2006/wordml" xmlns:wpi="http://schemas.microsoft.com/office/word/2010/wordprocessingInk" xmlns:wpg="http://schemas.microsoft.com/office/word/2010/wordprocessingGroup" xmlns:w14="http://schemas.microsoft.com/office/word/2010/wordml" xmlns:w="http://schemas.openxmlformats.org/wordprocessingml/2006/main" xmlns:w10="urn:schemas-microsoft-com:office:word" xmlns:wp="http://schemas.openxmlformats.org/drawingml/2006/wordprocessingDrawing" xmlns:wp14="http://schemas.microsoft.com/office/word/2010/wordprocessingDrawing" xmlns:v="urn:schemas-microsoft-com:vml" xmlns:m="http://schemas.openxmlformats.org/officeDocument/2006/math" xmlns:o="urn:schemas-microsoft-com:office:office" xmlns:mv="urn:schemas-microsoft-com:mac:vml" xmlns:mc="http://schemas.openxmlformats.org/markup-compatibility/2006" xmlns:mo="http://schemas.microsoft.com/office/mac/office/2008/main" xmlns:wpc="http://schemas.microsoft.com/office/word/2010/wordprocessingCanvas" xmlns=""/>
               </a:ext>
             </a:extLst>
           </p:spPr>
@@ -30801,7 +30807,7 @@
             <a:effectLst/>
             <a:extLst>
               <a:ext uri="{C572A759-6A51-4108-AA02-DFA0A04FC94B}">
-                <ma14:wrappingTextBoxFlag xmlns="" xmlns:wpc="http://schemas.microsoft.com/office/word/2010/wordprocessingCanvas" xmlns:mo="http://schemas.microsoft.com/office/mac/office/2008/main" xmlns:mc="http://schemas.openxmlformats.org/markup-compatibility/2006" xmlns:mv="urn:schemas-microsoft-com:mac:vml" xmlns:o="urn:schemas-microsoft-com:office:office" xmlns:m="http://schemas.openxmlformats.org/officeDocument/2006/math" xmlns:v="urn:schemas-microsoft-com:vml" xmlns:wp14="http://schemas.microsoft.com/office/word/2010/wordprocessingDrawing" xmlns:wp="http://schemas.openxmlformats.org/drawingml/2006/wordprocessingDrawing" xmlns:w10="urn:schemas-microsoft-com:office:word" xmlns:w="http://schemas.openxmlformats.org/wordprocessingml/2006/main" xmlns:w14="http://schemas.microsoft.com/office/word/2010/wordml" xmlns:wpg="http://schemas.microsoft.com/office/word/2010/wordprocessingGroup" xmlns:wpi="http://schemas.microsoft.com/office/word/2010/wordprocessingInk" xmlns:wne="http://schemas.microsoft.com/office/word/2006/wordml" xmlns:wps="http://schemas.microsoft.com/office/word/2010/wordprocessingShape" xmlns:ma14="http://schemas.microsoft.com/office/mac/drawingml/2011/main" xmlns:lc="http://schemas.openxmlformats.org/drawingml/2006/lockedCanvas"/>
+                <ma14:wrappingTextBoxFlag xmlns:lc="http://schemas.openxmlformats.org/drawingml/2006/lockedCanvas" xmlns:ma14="http://schemas.microsoft.com/office/mac/drawingml/2011/main" xmlns:wps="http://schemas.microsoft.com/office/word/2010/wordprocessingShape" xmlns:wne="http://schemas.microsoft.com/office/word/2006/wordml" xmlns:wpi="http://schemas.microsoft.com/office/word/2010/wordprocessingInk" xmlns:wpg="http://schemas.microsoft.com/office/word/2010/wordprocessingGroup" xmlns:w14="http://schemas.microsoft.com/office/word/2010/wordml" xmlns:w="http://schemas.openxmlformats.org/wordprocessingml/2006/main" xmlns:w10="urn:schemas-microsoft-com:office:word" xmlns:wp="http://schemas.openxmlformats.org/drawingml/2006/wordprocessingDrawing" xmlns:wp14="http://schemas.microsoft.com/office/word/2010/wordprocessingDrawing" xmlns:v="urn:schemas-microsoft-com:vml" xmlns:m="http://schemas.openxmlformats.org/officeDocument/2006/math" xmlns:o="urn:schemas-microsoft-com:office:office" xmlns:mv="urn:schemas-microsoft-com:mac:vml" xmlns:mc="http://schemas.openxmlformats.org/markup-compatibility/2006" xmlns:mo="http://schemas.microsoft.com/office/mac/office/2008/main" xmlns:wpc="http://schemas.microsoft.com/office/word/2010/wordprocessingCanvas" xmlns=""/>
               </a:ext>
             </a:extLst>
           </p:spPr>
@@ -30917,7 +30923,7 @@
             <a:effectLst/>
             <a:extLst>
               <a:ext uri="{C572A759-6A51-4108-AA02-DFA0A04FC94B}">
-                <ma14:wrappingTextBoxFlag xmlns="" xmlns:wpc="http://schemas.microsoft.com/office/word/2010/wordprocessingCanvas" xmlns:mo="http://schemas.microsoft.com/office/mac/office/2008/main" xmlns:mc="http://schemas.openxmlformats.org/markup-compatibility/2006" xmlns:mv="urn:schemas-microsoft-com:mac:vml" xmlns:o="urn:schemas-microsoft-com:office:office" xmlns:m="http://schemas.openxmlformats.org/officeDocument/2006/math" xmlns:v="urn:schemas-microsoft-com:vml" xmlns:wp14="http://schemas.microsoft.com/office/word/2010/wordprocessingDrawing" xmlns:wp="http://schemas.openxmlformats.org/drawingml/2006/wordprocessingDrawing" xmlns:w10="urn:schemas-microsoft-com:office:word" xmlns:w="http://schemas.openxmlformats.org/wordprocessingml/2006/main" xmlns:w14="http://schemas.microsoft.com/office/word/2010/wordml" xmlns:wpg="http://schemas.microsoft.com/office/word/2010/wordprocessingGroup" xmlns:wpi="http://schemas.microsoft.com/office/word/2010/wordprocessingInk" xmlns:wne="http://schemas.microsoft.com/office/word/2006/wordml" xmlns:wps="http://schemas.microsoft.com/office/word/2010/wordprocessingShape" xmlns:ma14="http://schemas.microsoft.com/office/mac/drawingml/2011/main" xmlns:lc="http://schemas.openxmlformats.org/drawingml/2006/lockedCanvas"/>
+                <ma14:wrappingTextBoxFlag xmlns:lc="http://schemas.openxmlformats.org/drawingml/2006/lockedCanvas" xmlns:ma14="http://schemas.microsoft.com/office/mac/drawingml/2011/main" xmlns:wps="http://schemas.microsoft.com/office/word/2010/wordprocessingShape" xmlns:wne="http://schemas.microsoft.com/office/word/2006/wordml" xmlns:wpi="http://schemas.microsoft.com/office/word/2010/wordprocessingInk" xmlns:wpg="http://schemas.microsoft.com/office/word/2010/wordprocessingGroup" xmlns:w14="http://schemas.microsoft.com/office/word/2010/wordml" xmlns:w="http://schemas.openxmlformats.org/wordprocessingml/2006/main" xmlns:w10="urn:schemas-microsoft-com:office:word" xmlns:wp="http://schemas.openxmlformats.org/drawingml/2006/wordprocessingDrawing" xmlns:wp14="http://schemas.microsoft.com/office/word/2010/wordprocessingDrawing" xmlns:v="urn:schemas-microsoft-com:vml" xmlns:m="http://schemas.openxmlformats.org/officeDocument/2006/math" xmlns:o="urn:schemas-microsoft-com:office:office" xmlns:mv="urn:schemas-microsoft-com:mac:vml" xmlns:mc="http://schemas.openxmlformats.org/markup-compatibility/2006" xmlns:mo="http://schemas.microsoft.com/office/mac/office/2008/main" xmlns:wpc="http://schemas.microsoft.com/office/word/2010/wordprocessingCanvas" xmlns=""/>
               </a:ext>
             </a:extLst>
           </p:spPr>
@@ -31033,7 +31039,7 @@
             <a:effectLst/>
             <a:extLst>
               <a:ext uri="{C572A759-6A51-4108-AA02-DFA0A04FC94B}">
-                <ma14:wrappingTextBoxFlag xmlns="" xmlns:wpc="http://schemas.microsoft.com/office/word/2010/wordprocessingCanvas" xmlns:mo="http://schemas.microsoft.com/office/mac/office/2008/main" xmlns:mc="http://schemas.openxmlformats.org/markup-compatibility/2006" xmlns:mv="urn:schemas-microsoft-com:mac:vml" xmlns:o="urn:schemas-microsoft-com:office:office" xmlns:m="http://schemas.openxmlformats.org/officeDocument/2006/math" xmlns:v="urn:schemas-microsoft-com:vml" xmlns:wp14="http://schemas.microsoft.com/office/word/2010/wordprocessingDrawing" xmlns:wp="http://schemas.openxmlformats.org/drawingml/2006/wordprocessingDrawing" xmlns:w10="urn:schemas-microsoft-com:office:word" xmlns:w="http://schemas.openxmlformats.org/wordprocessingml/2006/main" xmlns:w14="http://schemas.microsoft.com/office/word/2010/wordml" xmlns:wpg="http://schemas.microsoft.com/office/word/2010/wordprocessingGroup" xmlns:wpi="http://schemas.microsoft.com/office/word/2010/wordprocessingInk" xmlns:wne="http://schemas.microsoft.com/office/word/2006/wordml" xmlns:wps="http://schemas.microsoft.com/office/word/2010/wordprocessingShape" xmlns:ma14="http://schemas.microsoft.com/office/mac/drawingml/2011/main" xmlns:lc="http://schemas.openxmlformats.org/drawingml/2006/lockedCanvas"/>
+                <ma14:wrappingTextBoxFlag xmlns:lc="http://schemas.openxmlformats.org/drawingml/2006/lockedCanvas" xmlns:ma14="http://schemas.microsoft.com/office/mac/drawingml/2011/main" xmlns:wps="http://schemas.microsoft.com/office/word/2010/wordprocessingShape" xmlns:wne="http://schemas.microsoft.com/office/word/2006/wordml" xmlns:wpi="http://schemas.microsoft.com/office/word/2010/wordprocessingInk" xmlns:wpg="http://schemas.microsoft.com/office/word/2010/wordprocessingGroup" xmlns:w14="http://schemas.microsoft.com/office/word/2010/wordml" xmlns:w="http://schemas.openxmlformats.org/wordprocessingml/2006/main" xmlns:w10="urn:schemas-microsoft-com:office:word" xmlns:wp="http://schemas.openxmlformats.org/drawingml/2006/wordprocessingDrawing" xmlns:wp14="http://schemas.microsoft.com/office/word/2010/wordprocessingDrawing" xmlns:v="urn:schemas-microsoft-com:vml" xmlns:m="http://schemas.openxmlformats.org/officeDocument/2006/math" xmlns:o="urn:schemas-microsoft-com:office:office" xmlns:mv="urn:schemas-microsoft-com:mac:vml" xmlns:mc="http://schemas.openxmlformats.org/markup-compatibility/2006" xmlns:mo="http://schemas.microsoft.com/office/mac/office/2008/main" xmlns:wpc="http://schemas.microsoft.com/office/word/2010/wordprocessingCanvas" xmlns=""/>
               </a:ext>
             </a:extLst>
           </p:spPr>
@@ -33062,7 +33068,7 @@
             </a:pPr>
             <a:r>
               <a:rPr lang="en-US" dirty="0"/>
-              <a:t>For each topic, follow up by reviewing the textbook, self-check problems, and the appropriate Practice-It problems.</a:t>
+              <a:t>For each topic, follow up by reviewing the textbook, self-check problems, and the appropriate Practice problems.</a:t>
             </a:r>
           </a:p>
         </p:txBody>
@@ -33978,7 +33984,22 @@
 </file>
 
 <file path=customXml/itemProps2.xml><?xml version="1.0" encoding="utf-8"?>
-<ds:datastoreItem xmlns:ds="http://schemas.openxmlformats.org/officeDocument/2006/customXml" ds:itemID="{BE9DCC99-1031-47B3-9F9A-69D3D3702BF8}"/>
+<ds:datastoreItem xmlns:ds="http://schemas.openxmlformats.org/officeDocument/2006/customXml" ds:itemID="{BE9DCC99-1031-47B3-9F9A-69D3D3702BF8}">
+  <ds:schemaRefs>
+    <ds:schemaRef ds:uri="http://schemas.microsoft.com/office/2006/metadata/contentType"/>
+    <ds:schemaRef ds:uri="http://schemas.microsoft.com/office/2006/metadata/properties/metaAttributes"/>
+    <ds:schemaRef ds:uri="http://www.w3.org/2001/XMLSchema"/>
+    <ds:schemaRef ds:uri="http://schemas.microsoft.com/office/2006/metadata/properties"/>
+    <ds:schemaRef ds:uri="be898649-fe57-4b08-9fd4-31fc752880e3"/>
+    <ds:schemaRef ds:uri="6f430b7c-f2e9-4385-9cb2-4dd06cc2317e"/>
+    <ds:schemaRef ds:uri="http://schemas.microsoft.com/office/2006/documentManagement/types"/>
+    <ds:schemaRef ds:uri="http://schemas.microsoft.com/office/infopath/2007/PartnerControls"/>
+    <ds:schemaRef ds:uri="http://schemas.openxmlformats.org/package/2006/metadata/core-properties"/>
+    <ds:schemaRef ds:uri="http://purl.org/dc/elements/1.1/"/>
+    <ds:schemaRef ds:uri="http://purl.org/dc/terms/"/>
+    <ds:schemaRef ds:uri="http://schemas.microsoft.com/internal/obd"/>
+  </ds:schemaRefs>
+</ds:datastoreItem>
 </file>
 
 <file path=customXml/itemProps3.xml><?xml version="1.0" encoding="utf-8"?>
